--- a/report/Report.pptx
+++ b/report/Report.pptx
@@ -260,7 +260,7 @@
           <a:p>
             <a:fld id="{843C4FC0-81D1-4453-9443-D3E156B7E80B}" type="datetimeFigureOut">
               <a:rPr lang="en-GB" smtClean="0"/>
-              <a:t>04/04/2015</a:t>
+              <a:t>05/04/2015</a:t>
             </a:fld>
             <a:endParaRPr lang="en-GB"/>
           </a:p>
@@ -430,7 +430,7 @@
           <a:p>
             <a:fld id="{843C4FC0-81D1-4453-9443-D3E156B7E80B}" type="datetimeFigureOut">
               <a:rPr lang="en-GB" smtClean="0"/>
-              <a:t>04/04/2015</a:t>
+              <a:t>05/04/2015</a:t>
             </a:fld>
             <a:endParaRPr lang="en-GB"/>
           </a:p>
@@ -610,7 +610,7 @@
           <a:p>
             <a:fld id="{843C4FC0-81D1-4453-9443-D3E156B7E80B}" type="datetimeFigureOut">
               <a:rPr lang="en-GB" smtClean="0"/>
-              <a:t>04/04/2015</a:t>
+              <a:t>05/04/2015</a:t>
             </a:fld>
             <a:endParaRPr lang="en-GB"/>
           </a:p>
@@ -1391,7 +1391,7 @@
           <a:p>
             <a:fld id="{843C4FC0-81D1-4453-9443-D3E156B7E80B}" type="datetimeFigureOut">
               <a:rPr lang="en-GB" smtClean="0"/>
-              <a:t>04/04/2015</a:t>
+              <a:t>05/04/2015</a:t>
             </a:fld>
             <a:endParaRPr lang="en-GB"/>
           </a:p>
@@ -1637,7 +1637,7 @@
           <a:p>
             <a:fld id="{843C4FC0-81D1-4453-9443-D3E156B7E80B}" type="datetimeFigureOut">
               <a:rPr lang="en-GB" smtClean="0"/>
-              <a:t>04/04/2015</a:t>
+              <a:t>05/04/2015</a:t>
             </a:fld>
             <a:endParaRPr lang="en-GB"/>
           </a:p>
@@ -1869,7 +1869,7 @@
           <a:p>
             <a:fld id="{843C4FC0-81D1-4453-9443-D3E156B7E80B}" type="datetimeFigureOut">
               <a:rPr lang="en-GB" smtClean="0"/>
-              <a:t>04/04/2015</a:t>
+              <a:t>05/04/2015</a:t>
             </a:fld>
             <a:endParaRPr lang="en-GB"/>
           </a:p>
@@ -2236,7 +2236,7 @@
           <a:p>
             <a:fld id="{843C4FC0-81D1-4453-9443-D3E156B7E80B}" type="datetimeFigureOut">
               <a:rPr lang="en-GB" smtClean="0"/>
-              <a:t>04/04/2015</a:t>
+              <a:t>05/04/2015</a:t>
             </a:fld>
             <a:endParaRPr lang="en-GB"/>
           </a:p>
@@ -2354,7 +2354,7 @@
           <a:p>
             <a:fld id="{843C4FC0-81D1-4453-9443-D3E156B7E80B}" type="datetimeFigureOut">
               <a:rPr lang="en-GB" smtClean="0"/>
-              <a:t>04/04/2015</a:t>
+              <a:t>05/04/2015</a:t>
             </a:fld>
             <a:endParaRPr lang="en-GB"/>
           </a:p>
@@ -2449,7 +2449,7 @@
           <a:p>
             <a:fld id="{843C4FC0-81D1-4453-9443-D3E156B7E80B}" type="datetimeFigureOut">
               <a:rPr lang="en-GB" smtClean="0"/>
-              <a:t>04/04/2015</a:t>
+              <a:t>05/04/2015</a:t>
             </a:fld>
             <a:endParaRPr lang="en-GB"/>
           </a:p>
@@ -2726,7 +2726,7 @@
           <a:p>
             <a:fld id="{843C4FC0-81D1-4453-9443-D3E156B7E80B}" type="datetimeFigureOut">
               <a:rPr lang="en-GB" smtClean="0"/>
-              <a:t>04/04/2015</a:t>
+              <a:t>05/04/2015</a:t>
             </a:fld>
             <a:endParaRPr lang="en-GB"/>
           </a:p>
@@ -2979,7 +2979,7 @@
           <a:p>
             <a:fld id="{843C4FC0-81D1-4453-9443-D3E156B7E80B}" type="datetimeFigureOut">
               <a:rPr lang="en-GB" smtClean="0"/>
-              <a:t>04/04/2015</a:t>
+              <a:t>05/04/2015</a:t>
             </a:fld>
             <a:endParaRPr lang="en-GB"/>
           </a:p>
@@ -3192,7 +3192,7 @@
           <a:p>
             <a:fld id="{843C4FC0-81D1-4453-9443-D3E156B7E80B}" type="datetimeFigureOut">
               <a:rPr lang="en-GB" smtClean="0"/>
-              <a:t>04/04/2015</a:t>
+              <a:t>05/04/2015</a:t>
             </a:fld>
             <a:endParaRPr lang="en-GB"/>
           </a:p>
@@ -4966,15 +4966,7 @@
                   <a:srgbClr val="004F84"/>
                 </a:solidFill>
               </a:rPr>
-              <a:t>Model Identification</a:t>
-            </a:r>
-            <a:r>
-              <a:rPr lang="en-GB" altLang="en-US" b="1" dirty="0" smtClean="0">
-                <a:solidFill>
-                  <a:srgbClr val="004F84"/>
-                </a:solidFill>
-              </a:rPr>
-              <a:t>: </a:t>
+              <a:t>Model Identification: </a:t>
             </a:r>
             <a:r>
               <a:rPr lang="en-GB" altLang="en-US" sz="2200" b="1" i="1" dirty="0" smtClean="0">
@@ -4982,15 +4974,7 @@
                   <a:srgbClr val="004F84"/>
                 </a:solidFill>
               </a:rPr>
-              <a:t>Comparison of Black-Box </a:t>
-            </a:r>
-            <a:r>
-              <a:rPr lang="en-GB" altLang="en-US" sz="2200" b="1" i="1" dirty="0" smtClean="0">
-                <a:solidFill>
-                  <a:srgbClr val="004F84"/>
-                </a:solidFill>
-              </a:rPr>
-              <a:t>methods to identify the attitude dynamics of a </a:t>
+              <a:t>Comparison of Black-Box methods to identify the attitude dynamics of a </a:t>
             </a:r>
             <a:r>
               <a:rPr lang="en-GB" altLang="en-US" sz="2200" b="1" i="1" dirty="0" err="1" smtClean="0">
@@ -5588,16 +5572,6 @@
               </a:rPr>
               <a:t>GOAL</a:t>
             </a:r>
-            <a:endParaRPr kumimoji="0" lang="en-GB" sz="2400" b="1" i="0" u="none" strike="noStrike" cap="none" normalizeH="0" baseline="0" dirty="0" smtClean="0">
-              <a:ln>
-                <a:noFill/>
-              </a:ln>
-              <a:solidFill>
-                <a:schemeClr val="tx1"/>
-              </a:solidFill>
-              <a:effectLst/>
-              <a:latin typeface="Arial" charset="0"/>
-            </a:endParaRPr>
           </a:p>
         </p:txBody>
       </p:sp>
@@ -5671,21 +5645,11 @@
               </a:rPr>
               <a:t>DATA</a:t>
             </a:r>
-            <a:endParaRPr kumimoji="0" lang="en-GB" sz="2400" b="1" i="0" u="none" strike="noStrike" cap="none" normalizeH="0" baseline="0" dirty="0" smtClean="0">
-              <a:ln>
-                <a:noFill/>
-              </a:ln>
-              <a:solidFill>
-                <a:schemeClr val="tx1"/>
-              </a:solidFill>
-              <a:effectLst/>
-              <a:latin typeface="Arial" charset="0"/>
-            </a:endParaRPr>
-          </a:p>
-        </p:txBody>
-      </p:sp>
-      <mc:AlternateContent xmlns:mc="http://schemas.openxmlformats.org/markup-compatibility/2006">
-        <mc:Choice xmlns:a14="http://schemas.microsoft.com/office/drawing/2010/main" Requires="a14">
+          </a:p>
+        </p:txBody>
+      </p:sp>
+      <mc:AlternateContent xmlns:mc="http://schemas.openxmlformats.org/markup-compatibility/2006" xmlns:a14="http://schemas.microsoft.com/office/drawing/2010/main">
+        <mc:Choice Requires="a14">
           <p:sp>
             <p:nvSpPr>
               <p:cNvPr id="9" name="TextBox 8"/>
@@ -5836,7 +5800,7 @@
             </p:txBody>
           </p:sp>
         </mc:Choice>
-        <mc:Fallback>
+        <mc:Fallback xmlns="">
           <p:sp>
             <p:nvSpPr>
               <p:cNvPr id="9" name="TextBox 8"/>
@@ -5945,16 +5909,6 @@
               </a:rPr>
               <a:t>TOOLS</a:t>
             </a:r>
-            <a:endParaRPr kumimoji="0" lang="en-GB" sz="2400" b="1" i="0" u="none" strike="noStrike" cap="none" normalizeH="0" baseline="0" dirty="0" smtClean="0">
-              <a:ln>
-                <a:noFill/>
-              </a:ln>
-              <a:solidFill>
-                <a:schemeClr val="tx1"/>
-              </a:solidFill>
-              <a:effectLst/>
-              <a:latin typeface="Arial" charset="0"/>
-            </a:endParaRPr>
           </a:p>
         </p:txBody>
       </p:sp>
@@ -6203,16 +6157,6 @@
               </a:rPr>
               <a:t>Experiment</a:t>
             </a:r>
-            <a:endParaRPr kumimoji="0" lang="en-GB" sz="2400" b="1" i="0" u="none" strike="noStrike" cap="none" normalizeH="0" baseline="0" dirty="0" smtClean="0">
-              <a:ln>
-                <a:noFill/>
-              </a:ln>
-              <a:solidFill>
-                <a:schemeClr val="tx1"/>
-              </a:solidFill>
-              <a:effectLst/>
-              <a:latin typeface="Arial" charset="0"/>
-            </a:endParaRPr>
           </a:p>
         </p:txBody>
       </p:sp>
@@ -6286,16 +6230,6 @@
               </a:rPr>
               <a:t>Data Processing</a:t>
             </a:r>
-            <a:endParaRPr kumimoji="0" lang="en-GB" sz="2400" b="1" i="0" u="none" strike="noStrike" cap="none" normalizeH="0" baseline="0" dirty="0" smtClean="0">
-              <a:ln>
-                <a:noFill/>
-              </a:ln>
-              <a:solidFill>
-                <a:schemeClr val="tx1"/>
-              </a:solidFill>
-              <a:effectLst/>
-              <a:latin typeface="Arial" charset="0"/>
-            </a:endParaRPr>
           </a:p>
         </p:txBody>
       </p:sp>
@@ -6369,16 +6303,6 @@
               </a:rPr>
               <a:t>Model Identification</a:t>
             </a:r>
-            <a:endParaRPr kumimoji="0" lang="en-GB" sz="2400" b="1" i="0" u="none" strike="noStrike" cap="none" normalizeH="0" baseline="0" dirty="0" smtClean="0">
-              <a:ln>
-                <a:noFill/>
-              </a:ln>
-              <a:solidFill>
-                <a:schemeClr val="tx1"/>
-              </a:solidFill>
-              <a:effectLst/>
-              <a:latin typeface="Arial" charset="0"/>
-            </a:endParaRPr>
           </a:p>
         </p:txBody>
       </p:sp>
@@ -6452,16 +6376,6 @@
               </a:rPr>
               <a:t>Validation</a:t>
             </a:r>
-            <a:endParaRPr kumimoji="0" lang="en-GB" sz="2400" b="1" i="0" u="none" strike="noStrike" cap="none" normalizeH="0" baseline="0" dirty="0" smtClean="0">
-              <a:ln>
-                <a:noFill/>
-              </a:ln>
-              <a:solidFill>
-                <a:schemeClr val="tx1"/>
-              </a:solidFill>
-              <a:effectLst/>
-              <a:latin typeface="Arial" charset="0"/>
-            </a:endParaRPr>
           </a:p>
         </p:txBody>
       </p:sp>
@@ -6835,6 +6749,1101 @@
           </a:p>
         </p:txBody>
       </p:sp>
+      <mc:AlternateContent xmlns:mc="http://schemas.openxmlformats.org/markup-compatibility/2006">
+        <mc:Choice xmlns:a14="http://schemas.microsoft.com/office/drawing/2010/main" Requires="a14">
+          <p:sp>
+            <p:nvSpPr>
+              <p:cNvPr id="4" name="TextBox 3"/>
+              <p:cNvSpPr txBox="1"/>
+              <p:nvPr/>
+            </p:nvSpPr>
+            <p:spPr>
+              <a:xfrm>
+                <a:off x="546100" y="2209800"/>
+                <a:ext cx="11375422" cy="3788088"/>
+              </a:xfrm>
+              <a:prstGeom prst="rect">
+                <a:avLst/>
+              </a:prstGeom>
+              <a:noFill/>
+            </p:spPr>
+            <p:txBody>
+              <a:bodyPr wrap="none" rtlCol="0">
+                <a:spAutoFit/>
+              </a:bodyPr>
+              <a:lstStyle/>
+              <a:p>
+                <a:pPr marL="285750" indent="-285750">
+                  <a:buFont typeface="Arial" panose="020B0604020202020204" pitchFamily="34" charset="0"/>
+                  <a:buChar char="•"/>
+                </a:pPr>
+                <a:r>
+                  <a:rPr lang="en-GB" dirty="0" smtClean="0"/>
+                  <a:t>Three experiments, done in the following manner for </a:t>
+                </a:r>
+                <a14:m>
+                  <m:oMath xmlns:m="http://schemas.openxmlformats.org/officeDocument/2006/math">
+                    <m:r>
+                      <a:rPr lang="en-GB" b="0" i="1" smtClean="0">
+                        <a:latin typeface="Cambria Math" panose="02040503050406030204" pitchFamily="18" charset="0"/>
+                      </a:rPr>
+                      <m:t>𝑡</m:t>
+                    </m:r>
+                    <m:r>
+                      <a:rPr lang="en-GB" b="0" i="1" smtClean="0">
+                        <a:latin typeface="Cambria Math" panose="02040503050406030204" pitchFamily="18" charset="0"/>
+                      </a:rPr>
+                      <m:t>∈</m:t>
+                    </m:r>
+                    <m:d>
+                      <m:dPr>
+                        <m:begChr m:val="["/>
+                        <m:endChr m:val="]"/>
+                        <m:ctrlPr>
+                          <a:rPr lang="en-GB" b="0" i="1" smtClean="0">
+                            <a:latin typeface="Cambria Math" panose="02040503050406030204" pitchFamily="18" charset="0"/>
+                          </a:rPr>
+                        </m:ctrlPr>
+                      </m:dPr>
+                      <m:e>
+                        <m:r>
+                          <a:rPr lang="en-GB" b="0" i="1" smtClean="0">
+                            <a:latin typeface="Cambria Math" panose="02040503050406030204" pitchFamily="18" charset="0"/>
+                          </a:rPr>
+                          <m:t>0, </m:t>
+                        </m:r>
+                        <m:r>
+                          <a:rPr lang="en-GB" b="0" i="1" smtClean="0">
+                            <a:latin typeface="Cambria Math" panose="02040503050406030204" pitchFamily="18" charset="0"/>
+                          </a:rPr>
+                          <m:t>𝑇</m:t>
+                        </m:r>
+                      </m:e>
+                    </m:d>
+                    <m:r>
+                      <a:rPr lang="en-GB" b="0" i="1" smtClean="0">
+                        <a:latin typeface="Cambria Math" panose="02040503050406030204" pitchFamily="18" charset="0"/>
+                      </a:rPr>
+                      <m:t>:</m:t>
+                    </m:r>
+                  </m:oMath>
+                </a14:m>
+                <a:endParaRPr lang="en-GB" dirty="0" smtClean="0"/>
+              </a:p>
+              <a:p>
+                <a:pPr marL="742950" lvl="1" indent="-285750">
+                  <a:buFont typeface="Arial" panose="020B0604020202020204" pitchFamily="34" charset="0"/>
+                  <a:buChar char="•"/>
+                </a:pPr>
+                <a:r>
+                  <a:rPr lang="en-GB" dirty="0" smtClean="0"/>
+                  <a:t>For </a:t>
+                </a:r>
+                <a14:m>
+                  <m:oMath xmlns:m="http://schemas.openxmlformats.org/officeDocument/2006/math">
+                    <m:r>
+                      <a:rPr lang="en-GB" b="0" i="1" smtClean="0">
+                        <a:latin typeface="Cambria Math" panose="02040503050406030204" pitchFamily="18" charset="0"/>
+                      </a:rPr>
+                      <m:t>𝑡</m:t>
+                    </m:r>
+                    <m:r>
+                      <a:rPr lang="en-GB" b="0" i="1" smtClean="0">
+                        <a:latin typeface="Cambria Math" panose="02040503050406030204" pitchFamily="18" charset="0"/>
+                      </a:rPr>
+                      <m:t>∈[0, </m:t>
+                    </m:r>
+                    <m:sSub>
+                      <m:sSubPr>
+                        <m:ctrlPr>
+                          <a:rPr lang="en-GB" b="0" i="1" smtClean="0">
+                            <a:latin typeface="Cambria Math" panose="02040503050406030204" pitchFamily="18" charset="0"/>
+                          </a:rPr>
+                        </m:ctrlPr>
+                      </m:sSubPr>
+                      <m:e>
+                        <m:r>
+                          <a:rPr lang="en-GB" b="0" i="1" smtClean="0">
+                            <a:latin typeface="Cambria Math" panose="02040503050406030204" pitchFamily="18" charset="0"/>
+                          </a:rPr>
+                          <m:t>𝑇</m:t>
+                        </m:r>
+                      </m:e>
+                      <m:sub>
+                        <m:r>
+                          <a:rPr lang="en-GB" b="0" i="1" smtClean="0">
+                            <a:latin typeface="Cambria Math" panose="02040503050406030204" pitchFamily="18" charset="0"/>
+                          </a:rPr>
+                          <m:t>1</m:t>
+                        </m:r>
+                      </m:sub>
+                    </m:sSub>
+                    <m:r>
+                      <a:rPr lang="en-GB" b="0" i="1" smtClean="0">
+                        <a:latin typeface="Cambria Math" panose="02040503050406030204" pitchFamily="18" charset="0"/>
+                      </a:rPr>
+                      <m:t>]</m:t>
+                    </m:r>
+                  </m:oMath>
+                </a14:m>
+                <a:r>
+                  <a:rPr lang="en-GB" dirty="0" smtClean="0"/>
+                  <a:t> the system is closed loop, with a PD regulator and a certain reference </a:t>
+                </a:r>
+                <a14:m>
+                  <m:oMath xmlns:m="http://schemas.openxmlformats.org/officeDocument/2006/math">
+                    <m:r>
+                      <a:rPr lang="en-GB" b="0" i="1" smtClean="0">
+                        <a:latin typeface="Cambria Math" panose="02040503050406030204" pitchFamily="18" charset="0"/>
+                      </a:rPr>
+                      <m:t>𝑟</m:t>
+                    </m:r>
+                    <m:d>
+                      <m:dPr>
+                        <m:ctrlPr>
+                          <a:rPr lang="en-GB" b="0" i="1" smtClean="0">
+                            <a:latin typeface="Cambria Math" panose="02040503050406030204" pitchFamily="18" charset="0"/>
+                          </a:rPr>
+                        </m:ctrlPr>
+                      </m:dPr>
+                      <m:e>
+                        <m:r>
+                          <a:rPr lang="en-GB" b="0" i="1" smtClean="0">
+                            <a:latin typeface="Cambria Math" panose="02040503050406030204" pitchFamily="18" charset="0"/>
+                          </a:rPr>
+                          <m:t>𝑡</m:t>
+                        </m:r>
+                      </m:e>
+                    </m:d>
+                    <m:r>
+                      <a:rPr lang="en-GB" b="0" i="0" smtClean="0">
+                        <a:latin typeface="Cambria Math" panose="02040503050406030204" pitchFamily="18" charset="0"/>
+                      </a:rPr>
+                      <m:t>.</m:t>
+                    </m:r>
+                  </m:oMath>
+                </a14:m>
+                <a:endParaRPr lang="en-GB" b="0" dirty="0" smtClean="0"/>
+              </a:p>
+              <a:p>
+                <a:pPr marL="742950" lvl="1" indent="-285750">
+                  <a:buFont typeface="Arial" panose="020B0604020202020204" pitchFamily="34" charset="0"/>
+                  <a:buChar char="•"/>
+                </a:pPr>
+                <a:r>
+                  <a:rPr lang="en-GB" dirty="0" smtClean="0"/>
+                  <a:t>For </a:t>
+                </a:r>
+                <a14:m>
+                  <m:oMath xmlns:m="http://schemas.openxmlformats.org/officeDocument/2006/math">
+                    <m:r>
+                      <a:rPr lang="en-GB" b="0" i="1" smtClean="0">
+                        <a:latin typeface="Cambria Math" panose="02040503050406030204" pitchFamily="18" charset="0"/>
+                      </a:rPr>
+                      <m:t>𝑡</m:t>
+                    </m:r>
+                    <m:r>
+                      <a:rPr lang="en-GB" b="0" i="1" smtClean="0">
+                        <a:latin typeface="Cambria Math" panose="02040503050406030204" pitchFamily="18" charset="0"/>
+                      </a:rPr>
+                      <m:t>∈</m:t>
+                    </m:r>
+                    <m:d>
+                      <m:dPr>
+                        <m:begChr m:val="["/>
+                        <m:endChr m:val="]"/>
+                        <m:ctrlPr>
+                          <a:rPr lang="en-GB" b="0" i="1" smtClean="0">
+                            <a:latin typeface="Cambria Math" panose="02040503050406030204" pitchFamily="18" charset="0"/>
+                          </a:rPr>
+                        </m:ctrlPr>
+                      </m:dPr>
+                      <m:e>
+                        <m:sSub>
+                          <m:sSubPr>
+                            <m:ctrlPr>
+                              <a:rPr lang="en-GB" b="0" i="1" smtClean="0">
+                                <a:latin typeface="Cambria Math" panose="02040503050406030204" pitchFamily="18" charset="0"/>
+                              </a:rPr>
+                            </m:ctrlPr>
+                          </m:sSubPr>
+                          <m:e>
+                            <m:r>
+                              <a:rPr lang="en-GB" b="0" i="1" smtClean="0">
+                                <a:latin typeface="Cambria Math" panose="02040503050406030204" pitchFamily="18" charset="0"/>
+                              </a:rPr>
+                              <m:t>𝑇</m:t>
+                            </m:r>
+                          </m:e>
+                          <m:sub>
+                            <m:r>
+                              <a:rPr lang="en-GB" b="0" i="1" smtClean="0">
+                                <a:latin typeface="Cambria Math" panose="02040503050406030204" pitchFamily="18" charset="0"/>
+                              </a:rPr>
+                              <m:t>1</m:t>
+                            </m:r>
+                          </m:sub>
+                        </m:sSub>
+                        <m:r>
+                          <a:rPr lang="en-GB" b="0" i="1" smtClean="0">
+                            <a:latin typeface="Cambria Math" panose="02040503050406030204" pitchFamily="18" charset="0"/>
+                          </a:rPr>
+                          <m:t>+0.2, </m:t>
+                        </m:r>
+                        <m:sSub>
+                          <m:sSubPr>
+                            <m:ctrlPr>
+                              <a:rPr lang="en-GB" b="0" i="1" smtClean="0">
+                                <a:latin typeface="Cambria Math" panose="02040503050406030204" pitchFamily="18" charset="0"/>
+                              </a:rPr>
+                            </m:ctrlPr>
+                          </m:sSubPr>
+                          <m:e>
+                            <m:r>
+                              <a:rPr lang="en-GB" b="0" i="1" smtClean="0">
+                                <a:latin typeface="Cambria Math" panose="02040503050406030204" pitchFamily="18" charset="0"/>
+                              </a:rPr>
+                              <m:t>𝑇</m:t>
+                            </m:r>
+                          </m:e>
+                          <m:sub>
+                            <m:r>
+                              <a:rPr lang="en-GB" b="0" i="1" smtClean="0">
+                                <a:latin typeface="Cambria Math" panose="02040503050406030204" pitchFamily="18" charset="0"/>
+                              </a:rPr>
+                              <m:t>2</m:t>
+                            </m:r>
+                          </m:sub>
+                        </m:sSub>
+                      </m:e>
+                    </m:d>
+                  </m:oMath>
+                </a14:m>
+                <a:r>
+                  <a:rPr lang="en-GB" dirty="0" smtClean="0"/>
+                  <a:t> the system is in open loop, where </a:t>
+                </a:r>
+                <a14:m>
+                  <m:oMath xmlns:m="http://schemas.openxmlformats.org/officeDocument/2006/math">
+                    <m:r>
+                      <a:rPr lang="en-GB" b="0" i="1" smtClean="0">
+                        <a:latin typeface="Cambria Math" panose="02040503050406030204" pitchFamily="18" charset="0"/>
+                      </a:rPr>
+                      <m:t>𝑢</m:t>
+                    </m:r>
+                    <m:r>
+                      <a:rPr lang="en-GB" b="0" i="1" smtClean="0">
+                        <a:latin typeface="Cambria Math" panose="02040503050406030204" pitchFamily="18" charset="0"/>
+                      </a:rPr>
+                      <m:t>(</m:t>
+                    </m:r>
+                    <m:r>
+                      <a:rPr lang="en-GB" b="0" i="1" smtClean="0">
+                        <a:latin typeface="Cambria Math" panose="02040503050406030204" pitchFamily="18" charset="0"/>
+                      </a:rPr>
+                      <m:t>𝑡</m:t>
+                    </m:r>
+                    <m:r>
+                      <a:rPr lang="en-GB" b="0" i="1" smtClean="0">
+                        <a:latin typeface="Cambria Math" panose="02040503050406030204" pitchFamily="18" charset="0"/>
+                      </a:rPr>
+                      <m:t>)</m:t>
+                    </m:r>
+                  </m:oMath>
+                </a14:m>
+                <a:r>
+                  <a:rPr lang="en-GB" dirty="0" smtClean="0"/>
+                  <a:t> is a PRBS </a:t>
+                </a:r>
+                <a:r>
+                  <a:rPr lang="en-GB" sz="1400" dirty="0" smtClean="0"/>
+                  <a:t>(Pseudo random binary source)</a:t>
+                </a:r>
+                <a:r>
+                  <a:rPr lang="en-GB" dirty="0" smtClean="0"/>
+                  <a:t> signal.</a:t>
+                </a:r>
+              </a:p>
+              <a:p>
+                <a:pPr marL="742950" lvl="1" indent="-285750">
+                  <a:buFont typeface="Arial" panose="020B0604020202020204" pitchFamily="34" charset="0"/>
+                  <a:buChar char="•"/>
+                </a:pPr>
+                <a:r>
+                  <a:rPr lang="en-GB" dirty="0" smtClean="0"/>
+                  <a:t>For </a:t>
+                </a:r>
+                <a14:m>
+                  <m:oMath xmlns:m="http://schemas.openxmlformats.org/officeDocument/2006/math">
+                    <m:r>
+                      <a:rPr lang="en-GB" i="1">
+                        <a:latin typeface="Cambria Math" panose="02040503050406030204" pitchFamily="18" charset="0"/>
+                      </a:rPr>
+                      <m:t>𝑡</m:t>
+                    </m:r>
+                    <m:r>
+                      <a:rPr lang="en-GB" i="1">
+                        <a:latin typeface="Cambria Math" panose="02040503050406030204" pitchFamily="18" charset="0"/>
+                      </a:rPr>
+                      <m:t>∈</m:t>
+                    </m:r>
+                    <m:d>
+                      <m:dPr>
+                        <m:begChr m:val="["/>
+                        <m:endChr m:val="]"/>
+                        <m:ctrlPr>
+                          <a:rPr lang="en-GB" i="1">
+                            <a:latin typeface="Cambria Math" panose="02040503050406030204" pitchFamily="18" charset="0"/>
+                          </a:rPr>
+                        </m:ctrlPr>
+                      </m:dPr>
+                      <m:e>
+                        <m:sSub>
+                          <m:sSubPr>
+                            <m:ctrlPr>
+                              <a:rPr lang="en-GB" b="0" i="1" smtClean="0">
+                                <a:latin typeface="Cambria Math" panose="02040503050406030204" pitchFamily="18" charset="0"/>
+                              </a:rPr>
+                            </m:ctrlPr>
+                          </m:sSubPr>
+                          <m:e>
+                            <m:r>
+                              <a:rPr lang="en-GB" b="0" i="1" smtClean="0">
+                                <a:latin typeface="Cambria Math" panose="02040503050406030204" pitchFamily="18" charset="0"/>
+                              </a:rPr>
+                              <m:t>𝑇</m:t>
+                            </m:r>
+                          </m:e>
+                          <m:sub>
+                            <m:r>
+                              <a:rPr lang="en-GB" b="0" i="1" smtClean="0">
+                                <a:latin typeface="Cambria Math" panose="02040503050406030204" pitchFamily="18" charset="0"/>
+                              </a:rPr>
+                              <m:t>2</m:t>
+                            </m:r>
+                          </m:sub>
+                        </m:sSub>
+                        <m:r>
+                          <a:rPr lang="en-GB" b="0" i="1" smtClean="0">
+                            <a:latin typeface="Cambria Math" panose="02040503050406030204" pitchFamily="18" charset="0"/>
+                          </a:rPr>
+                          <m:t>+0.2, </m:t>
+                        </m:r>
+                        <m:r>
+                          <a:rPr lang="en-GB" b="0" i="1" smtClean="0">
+                            <a:latin typeface="Cambria Math" panose="02040503050406030204" pitchFamily="18" charset="0"/>
+                          </a:rPr>
+                          <m:t>𝑇</m:t>
+                        </m:r>
+                      </m:e>
+                    </m:d>
+                  </m:oMath>
+                </a14:m>
+                <a:r>
+                  <a:rPr lang="en-GB" dirty="0" smtClean="0"/>
+                  <a:t> the system is again in closed loop.</a:t>
+                </a:r>
+              </a:p>
+              <a:p>
+                <a:endParaRPr lang="en-GB" dirty="0"/>
+              </a:p>
+              <a:p>
+                <a:pPr marL="285750" indent="-285750">
+                  <a:buFont typeface="Arial" panose="020B0604020202020204" pitchFamily="34" charset="0"/>
+                  <a:buChar char="•"/>
+                </a:pPr>
+                <a:r>
+                  <a:rPr lang="en-GB" dirty="0"/>
+                  <a:t>Experiment data is collected in a set </a:t>
+                </a:r>
+                <a14:m>
+                  <m:oMath xmlns:m="http://schemas.openxmlformats.org/officeDocument/2006/math">
+                    <m:sSubSup>
+                      <m:sSubSupPr>
+                        <m:ctrlPr>
+                          <a:rPr lang="en-GB" i="1">
+                            <a:latin typeface="Cambria Math" panose="02040503050406030204" pitchFamily="18" charset="0"/>
+                          </a:rPr>
+                        </m:ctrlPr>
+                      </m:sSubSupPr>
+                      <m:e>
+                        <m:d>
+                          <m:dPr>
+                            <m:begChr m:val="{"/>
+                            <m:endChr m:val="}"/>
+                            <m:ctrlPr>
+                              <a:rPr lang="en-GB" i="1">
+                                <a:latin typeface="Cambria Math" panose="02040503050406030204" pitchFamily="18" charset="0"/>
+                              </a:rPr>
+                            </m:ctrlPr>
+                          </m:dPr>
+                          <m:e>
+                            <m:sSub>
+                              <m:sSubPr>
+                                <m:ctrlPr>
+                                  <a:rPr lang="en-GB" i="1">
+                                    <a:latin typeface="Cambria Math" panose="02040503050406030204" pitchFamily="18" charset="0"/>
+                                  </a:rPr>
+                                </m:ctrlPr>
+                              </m:sSubPr>
+                              <m:e>
+                                <m:d>
+                                  <m:dPr>
+                                    <m:ctrlPr>
+                                      <a:rPr lang="en-GB" i="1">
+                                        <a:latin typeface="Cambria Math" panose="02040503050406030204" pitchFamily="18" charset="0"/>
+                                      </a:rPr>
+                                    </m:ctrlPr>
+                                  </m:dPr>
+                                  <m:e>
+                                    <m:r>
+                                      <a:rPr lang="en-GB" b="1" i="1">
+                                        <a:latin typeface="Cambria Math" panose="02040503050406030204" pitchFamily="18" charset="0"/>
+                                      </a:rPr>
+                                      <m:t>𝒙</m:t>
+                                    </m:r>
+                                    <m:r>
+                                      <a:rPr lang="en-GB" i="1">
+                                        <a:latin typeface="Cambria Math" panose="02040503050406030204" pitchFamily="18" charset="0"/>
+                                      </a:rPr>
+                                      <m:t>,</m:t>
+                                    </m:r>
+                                    <m:r>
+                                      <a:rPr lang="en-GB" b="1" i="1">
+                                        <a:latin typeface="Cambria Math" panose="02040503050406030204" pitchFamily="18" charset="0"/>
+                                      </a:rPr>
+                                      <m:t>𝒚</m:t>
+                                    </m:r>
+                                  </m:e>
+                                </m:d>
+                              </m:e>
+                              <m:sub>
+                                <m:r>
+                                  <a:rPr lang="en-GB" i="1">
+                                    <a:latin typeface="Cambria Math" panose="02040503050406030204" pitchFamily="18" charset="0"/>
+                                  </a:rPr>
+                                  <m:t>𝑖</m:t>
+                                </m:r>
+                                <m:r>
+                                  <a:rPr lang="en-GB" b="0" i="1" smtClean="0">
+                                    <a:latin typeface="Cambria Math" panose="02040503050406030204" pitchFamily="18" charset="0"/>
+                                  </a:rPr>
+                                  <m:t> </m:t>
+                                </m:r>
+                              </m:sub>
+                            </m:sSub>
+                            <m:r>
+                              <a:rPr lang="en-GB" b="0" i="1" smtClean="0">
+                                <a:latin typeface="Cambria Math" panose="02040503050406030204" pitchFamily="18" charset="0"/>
+                              </a:rPr>
+                              <m:t>, </m:t>
+                            </m:r>
+                            <m:r>
+                              <a:rPr lang="en-GB" b="0" i="1" smtClean="0">
+                                <a:latin typeface="Cambria Math" panose="02040503050406030204" pitchFamily="18" charset="0"/>
+                              </a:rPr>
+                              <m:t>𝑖</m:t>
+                            </m:r>
+                            <m:r>
+                              <a:rPr lang="en-GB" b="0" i="1" smtClean="0">
+                                <a:latin typeface="Cambria Math" panose="02040503050406030204" pitchFamily="18" charset="0"/>
+                              </a:rPr>
+                              <m:t>=1,2,3</m:t>
+                            </m:r>
+                          </m:e>
+                        </m:d>
+                      </m:e>
+                      <m:sub/>
+                      <m:sup/>
+                    </m:sSubSup>
+                  </m:oMath>
+                </a14:m>
+                <a:r>
+                  <a:rPr lang="en-GB" dirty="0"/>
+                  <a:t>, where </a:t>
+                </a:r>
+                <a14:m>
+                  <m:oMath xmlns:m="http://schemas.openxmlformats.org/officeDocument/2006/math">
+                    <m:r>
+                      <a:rPr lang="en-GB" i="1">
+                        <a:latin typeface="Cambria Math" panose="02040503050406030204" pitchFamily="18" charset="0"/>
+                      </a:rPr>
+                      <m:t>𝑖</m:t>
+                    </m:r>
+                  </m:oMath>
+                </a14:m>
+                <a:r>
+                  <a:rPr lang="en-GB" dirty="0"/>
+                  <a:t> is the </a:t>
+                </a:r>
+                <a:r>
+                  <a:rPr lang="en-GB" dirty="0" err="1"/>
+                  <a:t>i</a:t>
+                </a:r>
+                <a:r>
+                  <a:rPr lang="en-GB" dirty="0"/>
+                  <a:t>-eth </a:t>
+                </a:r>
+                <a:r>
+                  <a:rPr lang="en-GB" dirty="0" smtClean="0"/>
+                  <a:t>experiment.</a:t>
+                </a:r>
+              </a:p>
+              <a:p>
+                <a:pPr marL="285750" indent="-285750">
+                  <a:buFont typeface="Arial" panose="020B0604020202020204" pitchFamily="34" charset="0"/>
+                  <a:buChar char="•"/>
+                </a:pPr>
+                <a:endParaRPr lang="en-GB" dirty="0"/>
+              </a:p>
+              <a:p>
+                <a:pPr marL="285750" indent="-285750">
+                  <a:buFont typeface="Arial" panose="020B0604020202020204" pitchFamily="34" charset="0"/>
+                  <a:buChar char="•"/>
+                </a:pPr>
+                <a14:m>
+                  <m:oMath xmlns:m="http://schemas.openxmlformats.org/officeDocument/2006/math">
+                    <m:sSub>
+                      <m:sSubPr>
+                        <m:ctrlPr>
+                          <a:rPr lang="en-GB" i="1">
+                            <a:latin typeface="Cambria Math" panose="02040503050406030204" pitchFamily="18" charset="0"/>
+                          </a:rPr>
+                        </m:ctrlPr>
+                      </m:sSubPr>
+                      <m:e>
+                        <m:d>
+                          <m:dPr>
+                            <m:ctrlPr>
+                              <a:rPr lang="en-GB" i="1">
+                                <a:latin typeface="Cambria Math" panose="02040503050406030204" pitchFamily="18" charset="0"/>
+                              </a:rPr>
+                            </m:ctrlPr>
+                          </m:dPr>
+                          <m:e>
+                            <m:r>
+                              <a:rPr lang="en-GB" b="1" i="1">
+                                <a:latin typeface="Cambria Math" panose="02040503050406030204" pitchFamily="18" charset="0"/>
+                              </a:rPr>
+                              <m:t>𝒙</m:t>
+                            </m:r>
+                            <m:r>
+                              <a:rPr lang="en-GB" i="1">
+                                <a:latin typeface="Cambria Math" panose="02040503050406030204" pitchFamily="18" charset="0"/>
+                              </a:rPr>
+                              <m:t>,</m:t>
+                            </m:r>
+                            <m:r>
+                              <a:rPr lang="en-GB" b="1" i="1">
+                                <a:latin typeface="Cambria Math" panose="02040503050406030204" pitchFamily="18" charset="0"/>
+                              </a:rPr>
+                              <m:t>𝒚</m:t>
+                            </m:r>
+                          </m:e>
+                        </m:d>
+                      </m:e>
+                      <m:sub>
+                        <m:r>
+                          <a:rPr lang="en-GB" i="1">
+                            <a:latin typeface="Cambria Math" panose="02040503050406030204" pitchFamily="18" charset="0"/>
+                          </a:rPr>
+                          <m:t>𝑖</m:t>
+                        </m:r>
+                      </m:sub>
+                    </m:sSub>
+                    <m:r>
+                      <a:rPr lang="en-GB" b="0" i="1" smtClean="0">
+                        <a:latin typeface="Cambria Math" panose="02040503050406030204" pitchFamily="18" charset="0"/>
+                      </a:rPr>
+                      <m:t>={</m:t>
+                    </m:r>
+                    <m:d>
+                      <m:dPr>
+                        <m:ctrlPr>
+                          <a:rPr lang="en-GB" b="0" i="1" smtClean="0">
+                            <a:latin typeface="Cambria Math" panose="02040503050406030204" pitchFamily="18" charset="0"/>
+                          </a:rPr>
+                        </m:ctrlPr>
+                      </m:dPr>
+                      <m:e>
+                        <m:sSub>
+                          <m:sSubPr>
+                            <m:ctrlPr>
+                              <a:rPr lang="en-GB" b="0" i="1" smtClean="0">
+                                <a:latin typeface="Cambria Math" panose="02040503050406030204" pitchFamily="18" charset="0"/>
+                              </a:rPr>
+                            </m:ctrlPr>
+                          </m:sSubPr>
+                          <m:e>
+                            <m:r>
+                              <a:rPr lang="en-GB" b="1" i="1" smtClean="0">
+                                <a:latin typeface="Cambria Math" panose="02040503050406030204" pitchFamily="18" charset="0"/>
+                              </a:rPr>
+                              <m:t>𝒙</m:t>
+                            </m:r>
+                          </m:e>
+                          <m:sub>
+                            <m:r>
+                              <a:rPr lang="en-GB" b="0" i="1" smtClean="0">
+                                <a:latin typeface="Cambria Math" panose="02040503050406030204" pitchFamily="18" charset="0"/>
+                              </a:rPr>
+                              <m:t>𝑖𝑗</m:t>
+                            </m:r>
+                          </m:sub>
+                        </m:sSub>
+                        <m:r>
+                          <a:rPr lang="en-GB" b="0" i="1" smtClean="0">
+                            <a:latin typeface="Cambria Math" panose="02040503050406030204" pitchFamily="18" charset="0"/>
+                          </a:rPr>
+                          <m:t>,</m:t>
+                        </m:r>
+                        <m:sSub>
+                          <m:sSubPr>
+                            <m:ctrlPr>
+                              <a:rPr lang="en-GB" b="0" i="1" smtClean="0">
+                                <a:latin typeface="Cambria Math" panose="02040503050406030204" pitchFamily="18" charset="0"/>
+                              </a:rPr>
+                            </m:ctrlPr>
+                          </m:sSubPr>
+                          <m:e>
+                            <m:r>
+                              <a:rPr lang="en-GB" b="1" i="1" smtClean="0">
+                                <a:latin typeface="Cambria Math" panose="02040503050406030204" pitchFamily="18" charset="0"/>
+                              </a:rPr>
+                              <m:t>𝒚</m:t>
+                            </m:r>
+                          </m:e>
+                          <m:sub>
+                            <m:r>
+                              <a:rPr lang="en-GB" b="0" i="1" smtClean="0">
+                                <a:latin typeface="Cambria Math" panose="02040503050406030204" pitchFamily="18" charset="0"/>
+                              </a:rPr>
+                              <m:t>𝑖𝑗</m:t>
+                            </m:r>
+                          </m:sub>
+                        </m:sSub>
+                      </m:e>
+                    </m:d>
+                    <m:r>
+                      <a:rPr lang="en-GB" b="0" i="1" smtClean="0">
+                        <a:latin typeface="Cambria Math" panose="02040503050406030204" pitchFamily="18" charset="0"/>
+                      </a:rPr>
+                      <m:t>, </m:t>
+                    </m:r>
+                    <m:r>
+                      <a:rPr lang="en-GB" b="0" i="1" smtClean="0">
+                        <a:latin typeface="Cambria Math" panose="02040503050406030204" pitchFamily="18" charset="0"/>
+                      </a:rPr>
+                      <m:t>𝑗</m:t>
+                    </m:r>
+                    <m:r>
+                      <a:rPr lang="en-GB" b="0" i="1" smtClean="0">
+                        <a:latin typeface="Cambria Math" panose="02040503050406030204" pitchFamily="18" charset="0"/>
+                      </a:rPr>
+                      <m:t>=1,2,3}</m:t>
+                    </m:r>
+                  </m:oMath>
+                </a14:m>
+                <a:r>
+                  <a:rPr lang="en-GB" dirty="0" smtClean="0"/>
+                  <a:t>, where </a:t>
+                </a:r>
+                <a14:m>
+                  <m:oMath xmlns:m="http://schemas.openxmlformats.org/officeDocument/2006/math">
+                    <m:r>
+                      <a:rPr lang="en-GB" b="0" i="1" smtClean="0">
+                        <a:latin typeface="Cambria Math" panose="02040503050406030204" pitchFamily="18" charset="0"/>
+                      </a:rPr>
+                      <m:t>𝑗</m:t>
+                    </m:r>
+                    <m:r>
+                      <a:rPr lang="en-GB" b="0" i="1" smtClean="0">
+                        <a:latin typeface="Cambria Math" panose="02040503050406030204" pitchFamily="18" charset="0"/>
+                      </a:rPr>
+                      <m:t>=1</m:t>
+                    </m:r>
+                  </m:oMath>
+                </a14:m>
+                <a:r>
+                  <a:rPr lang="en-GB" dirty="0" smtClean="0"/>
+                  <a:t> represents data for </a:t>
+                </a:r>
+                <a14:m>
+                  <m:oMath xmlns:m="http://schemas.openxmlformats.org/officeDocument/2006/math">
+                    <m:r>
+                      <a:rPr lang="en-GB" i="1">
+                        <a:latin typeface="Cambria Math" panose="02040503050406030204" pitchFamily="18" charset="0"/>
+                      </a:rPr>
+                      <m:t>𝑡</m:t>
+                    </m:r>
+                    <m:r>
+                      <a:rPr lang="en-GB" i="1">
+                        <a:latin typeface="Cambria Math" panose="02040503050406030204" pitchFamily="18" charset="0"/>
+                      </a:rPr>
+                      <m:t>∈[0, </m:t>
+                    </m:r>
+                    <m:sSub>
+                      <m:sSubPr>
+                        <m:ctrlPr>
+                          <a:rPr lang="en-GB" i="1">
+                            <a:latin typeface="Cambria Math" panose="02040503050406030204" pitchFamily="18" charset="0"/>
+                          </a:rPr>
+                        </m:ctrlPr>
+                      </m:sSubPr>
+                      <m:e>
+                        <m:r>
+                          <a:rPr lang="en-GB" i="1">
+                            <a:latin typeface="Cambria Math" panose="02040503050406030204" pitchFamily="18" charset="0"/>
+                          </a:rPr>
+                          <m:t>𝑇</m:t>
+                        </m:r>
+                      </m:e>
+                      <m:sub>
+                        <m:r>
+                          <a:rPr lang="en-GB" i="1">
+                            <a:latin typeface="Cambria Math" panose="02040503050406030204" pitchFamily="18" charset="0"/>
+                          </a:rPr>
+                          <m:t>1</m:t>
+                        </m:r>
+                      </m:sub>
+                    </m:sSub>
+                    <m:r>
+                      <a:rPr lang="en-GB" i="1">
+                        <a:latin typeface="Cambria Math" panose="02040503050406030204" pitchFamily="18" charset="0"/>
+                      </a:rPr>
+                      <m:t>]</m:t>
+                    </m:r>
+                  </m:oMath>
+                </a14:m>
+                <a:r>
+                  <a:rPr lang="en-GB" dirty="0"/>
+                  <a:t> </a:t>
+                </a:r>
+                <a:r>
+                  <a:rPr lang="en-GB" dirty="0" smtClean="0"/>
+                  <a:t>, etc… .</a:t>
+                </a:r>
+              </a:p>
+              <a:p>
+                <a:pPr marL="285750" indent="-285750">
+                  <a:buFont typeface="Arial" panose="020B0604020202020204" pitchFamily="34" charset="0"/>
+                  <a:buChar char="•"/>
+                </a:pPr>
+                <a:endParaRPr lang="en-GB" dirty="0" smtClean="0"/>
+              </a:p>
+              <a:p>
+                <a:pPr marL="285750" indent="-285750">
+                  <a:buFont typeface="Arial" panose="020B0604020202020204" pitchFamily="34" charset="0"/>
+                  <a:buChar char="•"/>
+                </a:pPr>
+                <a:endParaRPr lang="en-GB" dirty="0" smtClean="0"/>
+              </a:p>
+              <a:p>
+                <a:pPr marL="285750" indent="-285750">
+                  <a:buFont typeface="Arial" panose="020B0604020202020204" pitchFamily="34" charset="0"/>
+                  <a:buChar char="•"/>
+                </a:pPr>
+                <a:endParaRPr lang="en-GB" dirty="0" smtClean="0"/>
+              </a:p>
+              <a:p>
+                <a:pPr marL="285750" indent="-285750">
+                  <a:buFont typeface="Arial" panose="020B0604020202020204" pitchFamily="34" charset="0"/>
+                  <a:buChar char="•"/>
+                </a:pPr>
+                <a:endParaRPr lang="en-GB" dirty="0" smtClean="0"/>
+              </a:p>
+              <a:p>
+                <a:pPr marL="285750" indent="-285750">
+                  <a:buFont typeface="Arial" panose="020B0604020202020204" pitchFamily="34" charset="0"/>
+                  <a:buChar char="•"/>
+                </a:pPr>
+                <a:endParaRPr lang="en-GB" dirty="0" smtClean="0"/>
+              </a:p>
+            </p:txBody>
+          </p:sp>
+        </mc:Choice>
+        <mc:Fallback>
+          <p:sp>
+            <p:nvSpPr>
+              <p:cNvPr id="4" name="TextBox 3"/>
+              <p:cNvSpPr txBox="1">
+                <a:spLocks noRot="1" noChangeAspect="1" noMove="1" noResize="1" noEditPoints="1" noAdjustHandles="1" noChangeArrowheads="1" noChangeShapeType="1" noTextEdit="1"/>
+              </p:cNvSpPr>
+              <p:nvPr/>
+            </p:nvSpPr>
+            <p:spPr>
+              <a:xfrm>
+                <a:off x="546100" y="2209800"/>
+                <a:ext cx="11375422" cy="3788088"/>
+              </a:xfrm>
+              <a:prstGeom prst="rect">
+                <a:avLst/>
+              </a:prstGeom>
+              <a:blipFill rotWithShape="0">
+                <a:blip r:embed="rId2"/>
+                <a:stretch>
+                  <a:fillRect l="-375" t="-966"/>
+                </a:stretch>
+              </a:blipFill>
+            </p:spPr>
+            <p:txBody>
+              <a:bodyPr/>
+              <a:lstStyle/>
+              <a:p>
+                <a:r>
+                  <a:rPr lang="en-GB">
+                    <a:noFill/>
+                  </a:rPr>
+                  <a:t> </a:t>
+                </a:r>
+              </a:p>
+            </p:txBody>
+          </p:sp>
+        </mc:Fallback>
+      </mc:AlternateContent>
+      <p:sp>
+        <p:nvSpPr>
+          <p:cNvPr id="6" name="Right Arrow 5"/>
+          <p:cNvSpPr/>
+          <p:nvPr/>
+        </p:nvSpPr>
+        <p:spPr bwMode="auto">
+          <a:xfrm>
+            <a:off x="762000" y="5080000"/>
+            <a:ext cx="1041400" cy="444500"/>
+          </a:xfrm>
+          <a:prstGeom prst="rightArrow">
+            <a:avLst/>
+          </a:prstGeom>
+          <a:ln>
+            <a:headEnd type="none" w="med" len="med"/>
+            <a:tailEnd type="none" w="med" len="med"/>
+          </a:ln>
+        </p:spPr>
+        <p:style>
+          <a:lnRef idx="2">
+            <a:schemeClr val="accent6"/>
+          </a:lnRef>
+          <a:fillRef idx="1">
+            <a:schemeClr val="lt1"/>
+          </a:fillRef>
+          <a:effectRef idx="0">
+            <a:schemeClr val="accent6"/>
+          </a:effectRef>
+          <a:fontRef idx="minor">
+            <a:schemeClr val="dk1"/>
+          </a:fontRef>
+        </p:style>
+        <p:txBody>
+          <a:bodyPr vert="horz" wrap="square" lIns="0" tIns="0" rIns="0" bIns="0" numCol="1" rtlCol="0" anchor="t" anchorCtr="0" compatLnSpc="1">
+            <a:prstTxWarp prst="textNoShape">
+              <a:avLst/>
+            </a:prstTxWarp>
+          </a:bodyPr>
+          <a:lstStyle/>
+          <a:p>
+            <a:pPr marL="0" marR="0" indent="0" algn="l" defTabSz="914400" rtl="0" eaLnBrk="0" fontAlgn="base" latinLnBrk="0" hangingPunct="0">
+              <a:lnSpc>
+                <a:spcPct val="100000"/>
+              </a:lnSpc>
+              <a:spcBef>
+                <a:spcPct val="20000"/>
+              </a:spcBef>
+              <a:spcAft>
+                <a:spcPct val="0"/>
+              </a:spcAft>
+              <a:buClrTx/>
+              <a:buSzTx/>
+              <a:buFontTx/>
+              <a:buNone/>
+              <a:tabLst/>
+            </a:pPr>
+            <a:endParaRPr kumimoji="0" lang="en-GB" sz="2400" b="0" i="0" u="none" strike="noStrike" cap="none" normalizeH="0" baseline="0" smtClean="0">
+              <a:ln>
+                <a:noFill/>
+              </a:ln>
+              <a:solidFill>
+                <a:schemeClr val="tx1"/>
+              </a:solidFill>
+              <a:effectLst/>
+              <a:latin typeface="Arial" charset="0"/>
+            </a:endParaRPr>
+          </a:p>
+        </p:txBody>
+      </p:sp>
+      <mc:AlternateContent xmlns:mc="http://schemas.openxmlformats.org/markup-compatibility/2006">
+        <mc:Choice xmlns:a14="http://schemas.microsoft.com/office/drawing/2010/main" Requires="a14">
+          <p:sp>
+            <p:nvSpPr>
+              <p:cNvPr id="7" name="TextBox 6"/>
+              <p:cNvSpPr txBox="1"/>
+              <p:nvPr/>
+            </p:nvSpPr>
+            <p:spPr>
+              <a:xfrm>
+                <a:off x="2019300" y="5080000"/>
+                <a:ext cx="5232400" cy="411395"/>
+              </a:xfrm>
+              <a:prstGeom prst="rect">
+                <a:avLst/>
+              </a:prstGeom>
+              <a:noFill/>
+            </p:spPr>
+            <p:txBody>
+              <a:bodyPr wrap="square" rtlCol="0">
+                <a:spAutoFit/>
+              </a:bodyPr>
+              <a:lstStyle/>
+              <a:p>
+                <a14:m>
+                  <m:oMath xmlns:m="http://schemas.openxmlformats.org/officeDocument/2006/math">
+                    <m:d>
+                      <m:dPr>
+                        <m:ctrlPr>
+                          <a:rPr lang="en-GB" b="0" i="1" smtClean="0">
+                            <a:latin typeface="Cambria Math" panose="02040503050406030204" pitchFamily="18" charset="0"/>
+                          </a:rPr>
+                        </m:ctrlPr>
+                      </m:dPr>
+                      <m:e>
+                        <m:sSub>
+                          <m:sSubPr>
+                            <m:ctrlPr>
+                              <a:rPr lang="en-GB" b="0" i="1" smtClean="0">
+                                <a:latin typeface="Cambria Math" panose="02040503050406030204" pitchFamily="18" charset="0"/>
+                              </a:rPr>
+                            </m:ctrlPr>
+                          </m:sSubPr>
+                          <m:e>
+                            <m:r>
+                              <a:rPr lang="en-GB" b="0" i="1" smtClean="0">
+                                <a:latin typeface="Cambria Math" panose="02040503050406030204" pitchFamily="18" charset="0"/>
+                              </a:rPr>
+                              <m:t>𝑥</m:t>
+                            </m:r>
+                          </m:e>
+                          <m:sub>
+                            <m:r>
+                              <a:rPr lang="en-GB" b="0" i="1" smtClean="0">
+                                <a:latin typeface="Cambria Math" panose="02040503050406030204" pitchFamily="18" charset="0"/>
+                              </a:rPr>
+                              <m:t>2</m:t>
+                            </m:r>
+                            <m:r>
+                              <a:rPr lang="en-GB" b="0" i="1" smtClean="0">
+                                <a:latin typeface="Cambria Math" panose="02040503050406030204" pitchFamily="18" charset="0"/>
+                              </a:rPr>
+                              <m:t>𝑗</m:t>
+                            </m:r>
+                          </m:sub>
+                        </m:sSub>
+                        <m:r>
+                          <a:rPr lang="en-GB" b="0" i="1" smtClean="0">
+                            <a:latin typeface="Cambria Math" panose="02040503050406030204" pitchFamily="18" charset="0"/>
+                          </a:rPr>
+                          <m:t>, </m:t>
+                        </m:r>
+                        <m:sSub>
+                          <m:sSubPr>
+                            <m:ctrlPr>
+                              <a:rPr lang="en-GB" b="0" i="1" smtClean="0">
+                                <a:latin typeface="Cambria Math" panose="02040503050406030204" pitchFamily="18" charset="0"/>
+                              </a:rPr>
+                            </m:ctrlPr>
+                          </m:sSubPr>
+                          <m:e>
+                            <m:r>
+                              <a:rPr lang="en-GB" b="0" i="1" smtClean="0">
+                                <a:latin typeface="Cambria Math" panose="02040503050406030204" pitchFamily="18" charset="0"/>
+                              </a:rPr>
+                              <m:t>𝑦</m:t>
+                            </m:r>
+                          </m:e>
+                          <m:sub>
+                            <m:r>
+                              <a:rPr lang="en-GB" b="0" i="1" smtClean="0">
+                                <a:latin typeface="Cambria Math" panose="02040503050406030204" pitchFamily="18" charset="0"/>
+                              </a:rPr>
+                              <m:t>2</m:t>
+                            </m:r>
+                            <m:r>
+                              <a:rPr lang="en-GB" b="0" i="1" smtClean="0">
+                                <a:latin typeface="Cambria Math" panose="02040503050406030204" pitchFamily="18" charset="0"/>
+                              </a:rPr>
+                              <m:t>𝑗</m:t>
+                            </m:r>
+                          </m:sub>
+                        </m:sSub>
+                      </m:e>
+                    </m:d>
+                    <m:r>
+                      <a:rPr lang="en-GB" b="0" i="1" smtClean="0">
+                        <a:latin typeface="Cambria Math" panose="02040503050406030204" pitchFamily="18" charset="0"/>
+                      </a:rPr>
+                      <m:t>, </m:t>
+                    </m:r>
+                    <m:r>
+                      <a:rPr lang="en-GB" b="0" i="1" smtClean="0">
+                        <a:latin typeface="Cambria Math" panose="02040503050406030204" pitchFamily="18" charset="0"/>
+                      </a:rPr>
+                      <m:t>𝑗</m:t>
+                    </m:r>
+                    <m:r>
+                      <a:rPr lang="en-GB" b="0" i="1" smtClean="0">
+                        <a:latin typeface="Cambria Math" panose="02040503050406030204" pitchFamily="18" charset="0"/>
+                      </a:rPr>
+                      <m:t>=1,2,3 </m:t>
+                    </m:r>
+                  </m:oMath>
+                </a14:m>
+                <a:r>
+                  <a:rPr lang="en-GB" dirty="0" smtClean="0"/>
+                  <a:t>is open loop data</a:t>
+                </a:r>
+                <a:endParaRPr lang="en-GB" dirty="0"/>
+              </a:p>
+            </p:txBody>
+          </p:sp>
+        </mc:Choice>
+        <mc:Fallback>
+          <p:sp>
+            <p:nvSpPr>
+              <p:cNvPr id="7" name="TextBox 6"/>
+              <p:cNvSpPr txBox="1">
+                <a:spLocks noRot="1" noChangeAspect="1" noMove="1" noResize="1" noEditPoints="1" noAdjustHandles="1" noChangeArrowheads="1" noChangeShapeType="1" noTextEdit="1"/>
+              </p:cNvSpPr>
+              <p:nvPr/>
+            </p:nvSpPr>
+            <p:spPr>
+              <a:xfrm>
+                <a:off x="2019300" y="5080000"/>
+                <a:ext cx="5232400" cy="411395"/>
+              </a:xfrm>
+              <a:prstGeom prst="rect">
+                <a:avLst/>
+              </a:prstGeom>
+              <a:blipFill rotWithShape="0">
+                <a:blip r:embed="rId3"/>
+                <a:stretch>
+                  <a:fillRect t="-2941" b="-16176"/>
+                </a:stretch>
+              </a:blipFill>
+            </p:spPr>
+            <p:txBody>
+              <a:bodyPr/>
+              <a:lstStyle/>
+              <a:p>
+                <a:r>
+                  <a:rPr lang="en-GB">
+                    <a:noFill/>
+                  </a:rPr>
+                  <a:t> </a:t>
+                </a:r>
+              </a:p>
+            </p:txBody>
+          </p:sp>
+        </mc:Fallback>
+      </mc:AlternateContent>
     </p:spTree>
     <p:extLst>
       <p:ext uri="{BB962C8B-B14F-4D97-AF65-F5344CB8AC3E}">

--- a/report/Report.pptx
+++ b/report/Report.pptx
@@ -12,6 +12,10 @@
     <p:sldId id="259" r:id="rId6"/>
     <p:sldId id="260" r:id="rId7"/>
     <p:sldId id="261" r:id="rId8"/>
+    <p:sldId id="262" r:id="rId9"/>
+    <p:sldId id="263" r:id="rId10"/>
+    <p:sldId id="264" r:id="rId11"/>
+    <p:sldId id="265" r:id="rId12"/>
   </p:sldIdLst>
   <p:sldSz cx="12192000" cy="6858000"/>
   <p:notesSz cx="6858000" cy="9144000"/>
@@ -260,7 +264,7 @@
           <a:p>
             <a:fld id="{843C4FC0-81D1-4453-9443-D3E156B7E80B}" type="datetimeFigureOut">
               <a:rPr lang="en-GB" smtClean="0"/>
-              <a:t>05/04/2015</a:t>
+              <a:t>06/04/2015</a:t>
             </a:fld>
             <a:endParaRPr lang="en-GB"/>
           </a:p>
@@ -430,7 +434,7 @@
           <a:p>
             <a:fld id="{843C4FC0-81D1-4453-9443-D3E156B7E80B}" type="datetimeFigureOut">
               <a:rPr lang="en-GB" smtClean="0"/>
-              <a:t>05/04/2015</a:t>
+              <a:t>06/04/2015</a:t>
             </a:fld>
             <a:endParaRPr lang="en-GB"/>
           </a:p>
@@ -610,7 +614,7 @@
           <a:p>
             <a:fld id="{843C4FC0-81D1-4453-9443-D3E156B7E80B}" type="datetimeFigureOut">
               <a:rPr lang="en-GB" smtClean="0"/>
-              <a:t>05/04/2015</a:t>
+              <a:t>06/04/2015</a:t>
             </a:fld>
             <a:endParaRPr lang="en-GB"/>
           </a:p>
@@ -1391,7 +1395,7 @@
           <a:p>
             <a:fld id="{843C4FC0-81D1-4453-9443-D3E156B7E80B}" type="datetimeFigureOut">
               <a:rPr lang="en-GB" smtClean="0"/>
-              <a:t>05/04/2015</a:t>
+              <a:t>06/04/2015</a:t>
             </a:fld>
             <a:endParaRPr lang="en-GB"/>
           </a:p>
@@ -1637,7 +1641,7 @@
           <a:p>
             <a:fld id="{843C4FC0-81D1-4453-9443-D3E156B7E80B}" type="datetimeFigureOut">
               <a:rPr lang="en-GB" smtClean="0"/>
-              <a:t>05/04/2015</a:t>
+              <a:t>06/04/2015</a:t>
             </a:fld>
             <a:endParaRPr lang="en-GB"/>
           </a:p>
@@ -1869,7 +1873,7 @@
           <a:p>
             <a:fld id="{843C4FC0-81D1-4453-9443-D3E156B7E80B}" type="datetimeFigureOut">
               <a:rPr lang="en-GB" smtClean="0"/>
-              <a:t>05/04/2015</a:t>
+              <a:t>06/04/2015</a:t>
             </a:fld>
             <a:endParaRPr lang="en-GB"/>
           </a:p>
@@ -2236,7 +2240,7 @@
           <a:p>
             <a:fld id="{843C4FC0-81D1-4453-9443-D3E156B7E80B}" type="datetimeFigureOut">
               <a:rPr lang="en-GB" smtClean="0"/>
-              <a:t>05/04/2015</a:t>
+              <a:t>06/04/2015</a:t>
             </a:fld>
             <a:endParaRPr lang="en-GB"/>
           </a:p>
@@ -2354,7 +2358,7 @@
           <a:p>
             <a:fld id="{843C4FC0-81D1-4453-9443-D3E156B7E80B}" type="datetimeFigureOut">
               <a:rPr lang="en-GB" smtClean="0"/>
-              <a:t>05/04/2015</a:t>
+              <a:t>06/04/2015</a:t>
             </a:fld>
             <a:endParaRPr lang="en-GB"/>
           </a:p>
@@ -2449,7 +2453,7 @@
           <a:p>
             <a:fld id="{843C4FC0-81D1-4453-9443-D3E156B7E80B}" type="datetimeFigureOut">
               <a:rPr lang="en-GB" smtClean="0"/>
-              <a:t>05/04/2015</a:t>
+              <a:t>06/04/2015</a:t>
             </a:fld>
             <a:endParaRPr lang="en-GB"/>
           </a:p>
@@ -2726,7 +2730,7 @@
           <a:p>
             <a:fld id="{843C4FC0-81D1-4453-9443-D3E156B7E80B}" type="datetimeFigureOut">
               <a:rPr lang="en-GB" smtClean="0"/>
-              <a:t>05/04/2015</a:t>
+              <a:t>06/04/2015</a:t>
             </a:fld>
             <a:endParaRPr lang="en-GB"/>
           </a:p>
@@ -2979,7 +2983,7 @@
           <a:p>
             <a:fld id="{843C4FC0-81D1-4453-9443-D3E156B7E80B}" type="datetimeFigureOut">
               <a:rPr lang="en-GB" smtClean="0"/>
-              <a:t>05/04/2015</a:t>
+              <a:t>06/04/2015</a:t>
             </a:fld>
             <a:endParaRPr lang="en-GB"/>
           </a:p>
@@ -3192,7 +3196,7 @@
           <a:p>
             <a:fld id="{843C4FC0-81D1-4453-9443-D3E156B7E80B}" type="datetimeFigureOut">
               <a:rPr lang="en-GB" smtClean="0"/>
-              <a:t>05/04/2015</a:t>
+              <a:t>06/04/2015</a:t>
             </a:fld>
             <a:endParaRPr lang="en-GB"/>
           </a:p>
@@ -4277,7 +4281,7 @@
         <p:spPr bwMode="auto">
           <a:xfrm>
             <a:off x="992718" y="109539"/>
-            <a:ext cx="9275233" cy="553998"/>
+            <a:ext cx="5765801" cy="430887"/>
           </a:xfrm>
           <a:prstGeom prst="rect">
             <a:avLst/>
@@ -4292,7 +4296,7 @@
           <a:effectLst/>
         </p:spPr>
         <p:txBody>
-          <a:bodyPr lIns="0" tIns="0" rIns="0" bIns="0">
+          <a:bodyPr wrap="square" lIns="0" tIns="0" rIns="0" bIns="0">
             <a:spAutoFit/>
           </a:bodyPr>
           <a:lstStyle/>
@@ -4304,7 +4308,7 @@
               <a:defRPr/>
             </a:pPr>
             <a:r>
-              <a:rPr lang="it-IT" sz="1800" b="1" dirty="0" smtClean="0">
+              <a:rPr lang="it-IT" sz="1400" b="1" dirty="0" smtClean="0">
                 <a:solidFill>
                   <a:srgbClr val="004F84"/>
                 </a:solidFill>
@@ -4313,7 +4317,7 @@
               <a:t>ICT</a:t>
             </a:r>
             <a:r>
-              <a:rPr lang="it-IT" sz="1800" b="1" baseline="0" dirty="0" smtClean="0">
+              <a:rPr lang="it-IT" sz="1400" b="1" baseline="0" dirty="0" smtClean="0">
                 <a:solidFill>
                   <a:srgbClr val="004F84"/>
                 </a:solidFill>
@@ -4321,7 +4325,7 @@
               </a:rPr>
               <a:t> FOR CONTROL SYSTEMS ENGINEERING: IDENTIFICATION OF THE ATTITUDE DYNAMICS FOR A QUADROTOR HELICOPTER</a:t>
             </a:r>
-            <a:endParaRPr lang="it-IT" sz="1800" b="1" dirty="0">
+            <a:endParaRPr lang="it-IT" sz="1400" b="1" dirty="0">
               <a:solidFill>
                 <a:srgbClr val="004F84"/>
               </a:solidFill>
@@ -5390,6 +5394,37 @@
           </a:p>
         </p:txBody>
       </p:sp>
+      <p:sp>
+        <p:nvSpPr>
+          <p:cNvPr id="6" name="Rectangle 5"/>
+          <p:cNvSpPr/>
+          <p:nvPr/>
+        </p:nvSpPr>
+        <p:spPr>
+          <a:xfrm>
+            <a:off x="2050142" y="6373606"/>
+            <a:ext cx="3928383" cy="369332"/>
+          </a:xfrm>
+          <a:prstGeom prst="rect">
+            <a:avLst/>
+          </a:prstGeom>
+        </p:spPr>
+        <p:txBody>
+          <a:bodyPr wrap="none">
+            <a:spAutoFit/>
+          </a:bodyPr>
+          <a:lstStyle/>
+          <a:p>
+            <a:r>
+              <a:rPr lang="en-GB" dirty="0">
+                <a:hlinkClick r:id="rId2"/>
+              </a:rPr>
+              <a:t>https://github.com/rssalessio/ictproject</a:t>
+            </a:r>
+            <a:endParaRPr lang="en-GB" dirty="0"/>
+          </a:p>
+        </p:txBody>
+      </p:sp>
     </p:spTree>
     <p:extLst>
       <p:ext uri="{BB962C8B-B14F-4D97-AF65-F5344CB8AC3E}">
@@ -5953,6 +5988,50 @@
           </a:p>
         </p:txBody>
       </p:sp>
+      <p:sp>
+        <p:nvSpPr>
+          <p:cNvPr id="3" name="TextBox 2"/>
+          <p:cNvSpPr txBox="1"/>
+          <p:nvPr/>
+        </p:nvSpPr>
+        <p:spPr>
+          <a:xfrm>
+            <a:off x="7556950" y="148382"/>
+            <a:ext cx="2082814" cy="369332"/>
+          </a:xfrm>
+          <a:prstGeom prst="rect">
+            <a:avLst/>
+          </a:prstGeom>
+          <a:noFill/>
+        </p:spPr>
+        <p:txBody>
+          <a:bodyPr wrap="none" rtlCol="0">
+            <a:spAutoFit/>
+          </a:bodyPr>
+          <a:lstStyle/>
+          <a:p>
+            <a:r>
+              <a:rPr lang="en-GB" b="1" dirty="0" smtClean="0">
+                <a:solidFill>
+                  <a:srgbClr val="FF0000"/>
+                </a:solidFill>
+                <a:latin typeface="DejaVu Sans" panose="020B0603030804020204" pitchFamily="34" charset="0"/>
+                <a:ea typeface="DejaVu Sans" panose="020B0603030804020204" pitchFamily="34" charset="0"/>
+                <a:cs typeface="DejaVu Sans" panose="020B0603030804020204" pitchFamily="34" charset="0"/>
+              </a:rPr>
+              <a:t>PROJECT GOAL</a:t>
+            </a:r>
+            <a:endParaRPr lang="en-GB" b="1" dirty="0">
+              <a:solidFill>
+                <a:srgbClr val="FF0000"/>
+              </a:solidFill>
+              <a:latin typeface="DejaVu Sans" panose="020B0603030804020204" pitchFamily="34" charset="0"/>
+              <a:ea typeface="DejaVu Sans" panose="020B0603030804020204" pitchFamily="34" charset="0"/>
+              <a:cs typeface="DejaVu Sans" panose="020B0603030804020204" pitchFamily="34" charset="0"/>
+            </a:endParaRPr>
+          </a:p>
+        </p:txBody>
+      </p:sp>
     </p:spTree>
     <p:extLst>
       <p:ext uri="{BB962C8B-B14F-4D97-AF65-F5344CB8AC3E}">
@@ -6654,6 +6733,50 @@
           </a:p>
         </p:txBody>
       </p:sp>
+      <p:sp>
+        <p:nvSpPr>
+          <p:cNvPr id="17" name="TextBox 16"/>
+          <p:cNvSpPr txBox="1"/>
+          <p:nvPr/>
+        </p:nvSpPr>
+        <p:spPr>
+          <a:xfrm>
+            <a:off x="7055828" y="165100"/>
+            <a:ext cx="3148170" cy="369332"/>
+          </a:xfrm>
+          <a:prstGeom prst="rect">
+            <a:avLst/>
+          </a:prstGeom>
+          <a:noFill/>
+        </p:spPr>
+        <p:txBody>
+          <a:bodyPr wrap="none" rtlCol="0">
+            <a:spAutoFit/>
+          </a:bodyPr>
+          <a:lstStyle/>
+          <a:p>
+            <a:r>
+              <a:rPr lang="en-GB" b="1" dirty="0" smtClean="0">
+                <a:solidFill>
+                  <a:srgbClr val="FF0000"/>
+                </a:solidFill>
+                <a:latin typeface="DejaVu Sans" panose="020B0603030804020204" pitchFamily="34" charset="0"/>
+                <a:ea typeface="DejaVu Sans" panose="020B0603030804020204" pitchFamily="34" charset="0"/>
+                <a:cs typeface="DejaVu Sans" panose="020B0603030804020204" pitchFamily="34" charset="0"/>
+              </a:rPr>
+              <a:t>IDENTIFICATION CYCLE</a:t>
+            </a:r>
+            <a:endParaRPr lang="en-GB" b="1" dirty="0">
+              <a:solidFill>
+                <a:srgbClr val="FF0000"/>
+              </a:solidFill>
+              <a:latin typeface="DejaVu Sans" panose="020B0603030804020204" pitchFamily="34" charset="0"/>
+              <a:ea typeface="DejaVu Sans" panose="020B0603030804020204" pitchFamily="34" charset="0"/>
+              <a:cs typeface="DejaVu Sans" panose="020B0603030804020204" pitchFamily="34" charset="0"/>
+            </a:endParaRPr>
+          </a:p>
+        </p:txBody>
+      </p:sp>
     </p:spTree>
     <p:extLst>
       <p:ext uri="{BB962C8B-B14F-4D97-AF65-F5344CB8AC3E}">
@@ -6760,7 +6883,7 @@
             <p:spPr>
               <a:xfrm>
                 <a:off x="546100" y="2209800"/>
-                <a:ext cx="11375422" cy="3788088"/>
+                <a:ext cx="11375422" cy="4464043"/>
               </a:xfrm>
               <a:prstGeom prst="rect">
                 <a:avLst/>
@@ -6779,7 +6902,11 @@
                 </a:pPr>
                 <a:r>
                   <a:rPr lang="en-GB" dirty="0" smtClean="0"/>
-                  <a:t>Three experiments, done in the following manner for </a:t>
+                  <a:t>Three </a:t>
+                </a:r>
+                <a:r>
+                  <a:rPr lang="en-GB" dirty="0" smtClean="0"/>
+                  <a:t>experiments, done in the following manner for </a:t>
                 </a:r>
                 <a14:m>
                   <m:oMath xmlns:m="http://schemas.openxmlformats.org/officeDocument/2006/math">
@@ -7141,8 +7268,220 @@
                 </a14:m>
                 <a:r>
                   <a:rPr lang="en-GB" dirty="0" smtClean="0"/>
-                  <a:t> the system is again in closed loop.</a:t>
+                  <a:t> the system is again in closed loop</a:t>
                 </a:r>
+                <a:r>
+                  <a:rPr lang="en-GB" dirty="0" smtClean="0"/>
+                  <a:t>.</a:t>
+                </a:r>
+              </a:p>
+              <a:p>
+                <a:pPr marL="285750" indent="-285750">
+                  <a:buFont typeface="Arial" panose="020B0604020202020204" pitchFamily="34" charset="0"/>
+                  <a:buChar char="•"/>
+                </a:pPr>
+                <a:endParaRPr lang="en-GB" dirty="0"/>
+              </a:p>
+              <a:p>
+                <a:pPr marL="285750" indent="-285750">
+                  <a:buFont typeface="Arial" panose="020B0604020202020204" pitchFamily="34" charset="0"/>
+                  <a:buChar char="•"/>
+                </a:pPr>
+                <a:r>
+                  <a:rPr lang="en-GB" dirty="0" smtClean="0"/>
+                  <a:t>Sampling time </a:t>
+                </a:r>
+                <a14:m>
+                  <m:oMath xmlns:m="http://schemas.openxmlformats.org/officeDocument/2006/math">
+                    <m:sSub>
+                      <m:sSubPr>
+                        <m:ctrlPr>
+                          <a:rPr lang="en-GB" b="0" i="1" smtClean="0">
+                            <a:latin typeface="Cambria Math" panose="02040503050406030204" pitchFamily="18" charset="0"/>
+                          </a:rPr>
+                        </m:ctrlPr>
+                      </m:sSubPr>
+                      <m:e>
+                        <m:r>
+                          <a:rPr lang="en-GB" b="0" i="1" smtClean="0">
+                            <a:latin typeface="Cambria Math" panose="02040503050406030204" pitchFamily="18" charset="0"/>
+                          </a:rPr>
+                          <m:t>𝑇</m:t>
+                        </m:r>
+                      </m:e>
+                      <m:sub>
+                        <m:r>
+                          <a:rPr lang="en-GB" b="0" i="1" smtClean="0">
+                            <a:latin typeface="Cambria Math" panose="02040503050406030204" pitchFamily="18" charset="0"/>
+                          </a:rPr>
+                          <m:t>𝑠</m:t>
+                        </m:r>
+                      </m:sub>
+                    </m:sSub>
+                    <m:r>
+                      <a:rPr lang="en-GB" b="0" i="1" smtClean="0">
+                        <a:latin typeface="Cambria Math" panose="02040503050406030204" pitchFamily="18" charset="0"/>
+                      </a:rPr>
+                      <m:t>=0.2 </m:t>
+                    </m:r>
+                    <m:d>
+                      <m:dPr>
+                        <m:begChr m:val="["/>
+                        <m:endChr m:val="]"/>
+                        <m:ctrlPr>
+                          <a:rPr lang="en-GB" b="0" i="1" smtClean="0">
+                            <a:latin typeface="Cambria Math" panose="02040503050406030204" pitchFamily="18" charset="0"/>
+                          </a:rPr>
+                        </m:ctrlPr>
+                      </m:dPr>
+                      <m:e>
+                        <m:r>
+                          <a:rPr lang="en-GB" b="0" i="1" smtClean="0">
+                            <a:latin typeface="Cambria Math" panose="02040503050406030204" pitchFamily="18" charset="0"/>
+                          </a:rPr>
+                          <m:t>𝑠</m:t>
+                        </m:r>
+                      </m:e>
+                    </m:d>
+                    <m:r>
+                      <a:rPr lang="en-GB" b="0" i="1" smtClean="0">
+                        <a:latin typeface="Cambria Math" panose="02040503050406030204" pitchFamily="18" charset="0"/>
+                      </a:rPr>
+                      <m:t>⇒</m:t>
+                    </m:r>
+                    <m:sSub>
+                      <m:sSubPr>
+                        <m:ctrlPr>
+                          <a:rPr lang="en-GB" b="0" i="1" smtClean="0">
+                            <a:latin typeface="Cambria Math" panose="02040503050406030204" pitchFamily="18" charset="0"/>
+                          </a:rPr>
+                        </m:ctrlPr>
+                      </m:sSubPr>
+                      <m:e>
+                        <m:r>
+                          <a:rPr lang="en-GB" b="0" i="1" smtClean="0">
+                            <a:latin typeface="Cambria Math" panose="02040503050406030204" pitchFamily="18" charset="0"/>
+                          </a:rPr>
+                          <m:t>𝑓</m:t>
+                        </m:r>
+                      </m:e>
+                      <m:sub>
+                        <m:r>
+                          <a:rPr lang="en-GB" b="0" i="1" smtClean="0">
+                            <a:latin typeface="Cambria Math" panose="02040503050406030204" pitchFamily="18" charset="0"/>
+                          </a:rPr>
+                          <m:t>𝑠</m:t>
+                        </m:r>
+                      </m:sub>
+                    </m:sSub>
+                    <m:r>
+                      <a:rPr lang="en-GB" b="0" i="1" smtClean="0">
+                        <a:latin typeface="Cambria Math" panose="02040503050406030204" pitchFamily="18" charset="0"/>
+                      </a:rPr>
+                      <m:t>=5 </m:t>
+                    </m:r>
+                    <m:d>
+                      <m:dPr>
+                        <m:begChr m:val="["/>
+                        <m:endChr m:val="]"/>
+                        <m:ctrlPr>
+                          <a:rPr lang="en-GB" b="0" i="1" smtClean="0">
+                            <a:latin typeface="Cambria Math" panose="02040503050406030204" pitchFamily="18" charset="0"/>
+                          </a:rPr>
+                        </m:ctrlPr>
+                      </m:dPr>
+                      <m:e>
+                        <m:r>
+                          <a:rPr lang="en-GB" b="0" i="1" smtClean="0">
+                            <a:latin typeface="Cambria Math" panose="02040503050406030204" pitchFamily="18" charset="0"/>
+                          </a:rPr>
+                          <m:t>𝐻𝑧</m:t>
+                        </m:r>
+                      </m:e>
+                    </m:d>
+                    <m:r>
+                      <a:rPr lang="en-GB" b="0" i="1" smtClean="0">
+                        <a:latin typeface="Cambria Math" panose="02040503050406030204" pitchFamily="18" charset="0"/>
+                      </a:rPr>
+                      <m:t>, </m:t>
+                    </m:r>
+                  </m:oMath>
+                </a14:m>
+                <a:r>
+                  <a:rPr lang="en-GB" dirty="0" smtClean="0"/>
+                  <a:t>can see dynamics up to </a:t>
+                </a:r>
+                <a14:m>
+                  <m:oMath xmlns:m="http://schemas.openxmlformats.org/officeDocument/2006/math">
+                    <m:r>
+                      <a:rPr lang="en-GB" b="0" i="1" smtClean="0">
+                        <a:latin typeface="Cambria Math" panose="02040503050406030204" pitchFamily="18" charset="0"/>
+                      </a:rPr>
+                      <m:t>2.5</m:t>
+                    </m:r>
+                    <m:d>
+                      <m:dPr>
+                        <m:begChr m:val="["/>
+                        <m:endChr m:val="]"/>
+                        <m:ctrlPr>
+                          <a:rPr lang="en-GB" b="0" i="1" smtClean="0">
+                            <a:latin typeface="Cambria Math" panose="02040503050406030204" pitchFamily="18" charset="0"/>
+                          </a:rPr>
+                        </m:ctrlPr>
+                      </m:dPr>
+                      <m:e>
+                        <m:r>
+                          <a:rPr lang="en-GB" b="0" i="1" smtClean="0">
+                            <a:latin typeface="Cambria Math" panose="02040503050406030204" pitchFamily="18" charset="0"/>
+                          </a:rPr>
+                          <m:t>𝐻𝑧</m:t>
+                        </m:r>
+                      </m:e>
+                    </m:d>
+                    <m:r>
+                      <a:rPr lang="en-GB" b="0" i="1" smtClean="0">
+                        <a:latin typeface="Cambria Math" panose="02040503050406030204" pitchFamily="18" charset="0"/>
+                      </a:rPr>
+                      <m:t> ≡15.7 [</m:t>
+                    </m:r>
+                    <m:f>
+                      <m:fPr>
+                        <m:ctrlPr>
+                          <a:rPr lang="en-GB" b="0" i="1" smtClean="0">
+                            <a:latin typeface="Cambria Math" panose="02040503050406030204" pitchFamily="18" charset="0"/>
+                          </a:rPr>
+                        </m:ctrlPr>
+                      </m:fPr>
+                      <m:num>
+                        <m:r>
+                          <a:rPr lang="en-GB" b="0" i="1" smtClean="0">
+                            <a:latin typeface="Cambria Math" panose="02040503050406030204" pitchFamily="18" charset="0"/>
+                          </a:rPr>
+                          <m:t>𝑟𝑎𝑑</m:t>
+                        </m:r>
+                      </m:num>
+                      <m:den>
+                        <m:r>
+                          <a:rPr lang="en-GB" b="0" i="1" smtClean="0">
+                            <a:latin typeface="Cambria Math" panose="02040503050406030204" pitchFamily="18" charset="0"/>
+                          </a:rPr>
+                          <m:t>𝑠𝑒𝑐</m:t>
+                        </m:r>
+                      </m:den>
+                    </m:f>
+                    <m:r>
+                      <a:rPr lang="en-GB" b="0" i="1" smtClean="0">
+                        <a:latin typeface="Cambria Math" panose="02040503050406030204" pitchFamily="18" charset="0"/>
+                      </a:rPr>
+                      <m:t>]</m:t>
+                    </m:r>
+                  </m:oMath>
+                </a14:m>
+                <a:r>
+                  <a:rPr lang="en-GB" dirty="0" smtClean="0"/>
+                  <a:t>.</a:t>
+                </a:r>
+                <a:endParaRPr lang="en-GB" dirty="0" smtClean="0"/>
               </a:p>
               <a:p>
                 <a:endParaRPr lang="en-GB" dirty="0"/>
@@ -7574,7 +7913,7 @@
             <p:spPr>
               <a:xfrm>
                 <a:off x="546100" y="2209800"/>
-                <a:ext cx="11375422" cy="3788088"/>
+                <a:ext cx="11375422" cy="4464043"/>
               </a:xfrm>
               <a:prstGeom prst="rect">
                 <a:avLst/>
@@ -7582,7 +7921,7 @@
               <a:blipFill rotWithShape="0">
                 <a:blip r:embed="rId2"/>
                 <a:stretch>
-                  <a:fillRect l="-375" t="-966"/>
+                  <a:fillRect l="-375" t="-820"/>
                 </a:stretch>
               </a:blipFill>
             </p:spPr>
@@ -7609,7 +7948,7 @@
         </p:nvSpPr>
         <p:spPr bwMode="auto">
           <a:xfrm>
-            <a:off x="762000" y="5080000"/>
+            <a:off x="762000" y="5285697"/>
             <a:ext cx="1041400" cy="444500"/>
           </a:xfrm>
           <a:prstGeom prst="rightArrow">
@@ -7681,7 +8020,7 @@
             </p:nvSpPr>
             <p:spPr>
               <a:xfrm>
-                <a:off x="2019300" y="5080000"/>
+                <a:off x="2019300" y="5302249"/>
                 <a:ext cx="5232400" cy="411395"/>
               </a:xfrm>
               <a:prstGeom prst="rect">
@@ -7816,7 +8155,7 @@
             </p:nvSpPr>
             <p:spPr>
               <a:xfrm>
-                <a:off x="2019300" y="5080000"/>
+                <a:off x="2019300" y="5302249"/>
                 <a:ext cx="5232400" cy="411395"/>
               </a:xfrm>
               <a:prstGeom prst="rect">
@@ -7825,7 +8164,7 @@
               <a:blipFill rotWithShape="0">
                 <a:blip r:embed="rId3"/>
                 <a:stretch>
-                  <a:fillRect t="-2941" b="-16176"/>
+                  <a:fillRect t="-4478" b="-17910"/>
                 </a:stretch>
               </a:blipFill>
             </p:spPr>
@@ -7844,6 +8183,50 @@
           </p:sp>
         </mc:Fallback>
       </mc:AlternateContent>
+      <p:sp>
+        <p:nvSpPr>
+          <p:cNvPr id="8" name="TextBox 7"/>
+          <p:cNvSpPr txBox="1"/>
+          <p:nvPr/>
+        </p:nvSpPr>
+        <p:spPr>
+          <a:xfrm>
+            <a:off x="7556950" y="148382"/>
+            <a:ext cx="1848583" cy="369332"/>
+          </a:xfrm>
+          <a:prstGeom prst="rect">
+            <a:avLst/>
+          </a:prstGeom>
+          <a:noFill/>
+        </p:spPr>
+        <p:txBody>
+          <a:bodyPr wrap="none" rtlCol="0">
+            <a:spAutoFit/>
+          </a:bodyPr>
+          <a:lstStyle/>
+          <a:p>
+            <a:r>
+              <a:rPr lang="en-GB" b="1" dirty="0" smtClean="0">
+                <a:solidFill>
+                  <a:srgbClr val="FF0000"/>
+                </a:solidFill>
+                <a:latin typeface="DejaVu Sans" panose="020B0603030804020204" pitchFamily="34" charset="0"/>
+                <a:ea typeface="DejaVu Sans" panose="020B0603030804020204" pitchFamily="34" charset="0"/>
+                <a:cs typeface="DejaVu Sans" panose="020B0603030804020204" pitchFamily="34" charset="0"/>
+              </a:rPr>
+              <a:t>EXPERIMENT</a:t>
+            </a:r>
+            <a:endParaRPr lang="en-GB" b="1" dirty="0">
+              <a:solidFill>
+                <a:srgbClr val="FF0000"/>
+              </a:solidFill>
+              <a:latin typeface="DejaVu Sans" panose="020B0603030804020204" pitchFamily="34" charset="0"/>
+              <a:ea typeface="DejaVu Sans" panose="020B0603030804020204" pitchFamily="34" charset="0"/>
+              <a:cs typeface="DejaVu Sans" panose="020B0603030804020204" pitchFamily="34" charset="0"/>
+            </a:endParaRPr>
+          </a:p>
+        </p:txBody>
+      </p:sp>
     </p:spTree>
     <p:extLst>
       <p:ext uri="{BB962C8B-B14F-4D97-AF65-F5344CB8AC3E}">
@@ -7854,6 +8237,13 @@
   <p:clrMapOvr>
     <a:masterClrMapping/>
   </p:clrMapOvr>
+  <p:timing>
+    <p:tnLst>
+      <p:par>
+        <p:cTn id="1" dur="indefinite" restart="never" nodeType="tmRoot"/>
+      </p:par>
+    </p:tnLst>
+  </p:timing>
 </p:sld>
 </file>
 
@@ -7907,7 +8297,7 @@
         <p:spPr>
           <a:xfrm>
             <a:off x="4292140" y="1046490"/>
-            <a:ext cx="3607719" cy="523220"/>
+            <a:ext cx="3561744" cy="523220"/>
           </a:xfrm>
           <a:prstGeom prst="rect">
             <a:avLst/>
@@ -7924,10 +8314,54 @@
               <a:rPr lang="en-GB" sz="2800" b="1" i="1" dirty="0" smtClean="0">
                 <a:latin typeface="+mj-lt"/>
               </a:rPr>
-              <a:t>DATA PROCESSING</a:t>
+              <a:t>EXPERIMENT DATA</a:t>
             </a:r>
             <a:endParaRPr lang="en-GB" sz="2800" b="1" i="1" dirty="0">
               <a:latin typeface="+mj-lt"/>
+            </a:endParaRPr>
+          </a:p>
+        </p:txBody>
+      </p:sp>
+      <p:sp>
+        <p:nvSpPr>
+          <p:cNvPr id="4" name="TextBox 3"/>
+          <p:cNvSpPr txBox="1"/>
+          <p:nvPr/>
+        </p:nvSpPr>
+        <p:spPr>
+          <a:xfrm>
+            <a:off x="7556950" y="148382"/>
+            <a:ext cx="1848583" cy="369332"/>
+          </a:xfrm>
+          <a:prstGeom prst="rect">
+            <a:avLst/>
+          </a:prstGeom>
+          <a:noFill/>
+        </p:spPr>
+        <p:txBody>
+          <a:bodyPr wrap="none" rtlCol="0">
+            <a:spAutoFit/>
+          </a:bodyPr>
+          <a:lstStyle/>
+          <a:p>
+            <a:r>
+              <a:rPr lang="en-GB" b="1" dirty="0" smtClean="0">
+                <a:solidFill>
+                  <a:srgbClr val="FF0000"/>
+                </a:solidFill>
+                <a:latin typeface="DejaVu Sans" panose="020B0603030804020204" pitchFamily="34" charset="0"/>
+                <a:ea typeface="DejaVu Sans" panose="020B0603030804020204" pitchFamily="34" charset="0"/>
+                <a:cs typeface="DejaVu Sans" panose="020B0603030804020204" pitchFamily="34" charset="0"/>
+              </a:rPr>
+              <a:t>EXPERIMENT</a:t>
+            </a:r>
+            <a:endParaRPr lang="en-GB" b="1" dirty="0">
+              <a:solidFill>
+                <a:srgbClr val="FF0000"/>
+              </a:solidFill>
+              <a:latin typeface="DejaVu Sans" panose="020B0603030804020204" pitchFamily="34" charset="0"/>
+              <a:ea typeface="DejaVu Sans" panose="020B0603030804020204" pitchFamily="34" charset="0"/>
+              <a:cs typeface="DejaVu Sans" panose="020B0603030804020204" pitchFamily="34" charset="0"/>
             </a:endParaRPr>
           </a:p>
         </p:txBody>
@@ -7942,6 +8376,557 @@
   <p:clrMapOvr>
     <a:masterClrMapping/>
   </p:clrMapOvr>
+  <p:timing>
+    <p:tnLst>
+      <p:par>
+        <p:cTn id="1" dur="indefinite" restart="never" nodeType="tmRoot"/>
+      </p:par>
+    </p:tnLst>
+  </p:timing>
+</p:sld>
+</file>
+
+<file path=ppt/slides/slide6.xml><?xml version="1.0" encoding="utf-8"?>
+<p:sld xmlns:a="http://schemas.openxmlformats.org/drawingml/2006/main" xmlns:r="http://schemas.openxmlformats.org/officeDocument/2006/relationships" xmlns:p="http://schemas.openxmlformats.org/presentationml/2006/main">
+  <p:cSld>
+    <p:spTree>
+      <p:nvGrpSpPr>
+        <p:cNvPr id="1" name=""/>
+        <p:cNvGrpSpPr/>
+        <p:nvPr/>
+      </p:nvGrpSpPr>
+      <p:grpSpPr>
+        <a:xfrm>
+          <a:off x="0" y="0"/>
+          <a:ext cx="0" cy="0"/>
+          <a:chOff x="0" y="0"/>
+          <a:chExt cx="0" cy="0"/>
+        </a:xfrm>
+      </p:grpSpPr>
+      <p:sp>
+        <p:nvSpPr>
+          <p:cNvPr id="2" name="Slide Number Placeholder 1"/>
+          <p:cNvSpPr>
+            <a:spLocks noGrp="1"/>
+          </p:cNvSpPr>
+          <p:nvPr>
+            <p:ph type="sldNum" sz="quarter" idx="10"/>
+          </p:nvPr>
+        </p:nvSpPr>
+        <p:spPr/>
+        <p:txBody>
+          <a:bodyPr/>
+          <a:lstStyle/>
+          <a:p>
+            <a:fld id="{61155BBA-336D-4AED-BB34-E42D9706BCE7}" type="slidenum">
+              <a:rPr lang="it-IT" altLang="en-US" smtClean="0"/>
+              <a:pPr/>
+              <a:t>6</a:t>
+            </a:fld>
+            <a:endParaRPr lang="it-IT" altLang="en-US"/>
+          </a:p>
+        </p:txBody>
+      </p:sp>
+      <p:sp>
+        <p:nvSpPr>
+          <p:cNvPr id="3" name="TextBox 2"/>
+          <p:cNvSpPr txBox="1"/>
+          <p:nvPr/>
+        </p:nvSpPr>
+        <p:spPr>
+          <a:xfrm>
+            <a:off x="4292140" y="1046490"/>
+            <a:ext cx="3607719" cy="523220"/>
+          </a:xfrm>
+          <a:prstGeom prst="rect">
+            <a:avLst/>
+          </a:prstGeom>
+          <a:noFill/>
+        </p:spPr>
+        <p:txBody>
+          <a:bodyPr wrap="none" rtlCol="0">
+            <a:spAutoFit/>
+          </a:bodyPr>
+          <a:lstStyle/>
+          <a:p>
+            <a:r>
+              <a:rPr lang="en-GB" sz="2800" b="1" i="1" dirty="0" smtClean="0">
+                <a:latin typeface="+mj-lt"/>
+              </a:rPr>
+              <a:t>DATA PROCESSING</a:t>
+            </a:r>
+          </a:p>
+        </p:txBody>
+      </p:sp>
+      <p:sp>
+        <p:nvSpPr>
+          <p:cNvPr id="4" name="TextBox 3"/>
+          <p:cNvSpPr txBox="1"/>
+          <p:nvPr/>
+        </p:nvSpPr>
+        <p:spPr>
+          <a:xfrm>
+            <a:off x="7556950" y="148382"/>
+            <a:ext cx="2597506" cy="369332"/>
+          </a:xfrm>
+          <a:prstGeom prst="rect">
+            <a:avLst/>
+          </a:prstGeom>
+          <a:noFill/>
+        </p:spPr>
+        <p:txBody>
+          <a:bodyPr wrap="none" rtlCol="0">
+            <a:spAutoFit/>
+          </a:bodyPr>
+          <a:lstStyle/>
+          <a:p>
+            <a:r>
+              <a:rPr lang="en-GB" b="1" dirty="0" smtClean="0">
+                <a:solidFill>
+                  <a:srgbClr val="FF0000"/>
+                </a:solidFill>
+                <a:latin typeface="DejaVu Sans" panose="020B0603030804020204" pitchFamily="34" charset="0"/>
+                <a:ea typeface="DejaVu Sans" panose="020B0603030804020204" pitchFamily="34" charset="0"/>
+                <a:cs typeface="DejaVu Sans" panose="020B0603030804020204" pitchFamily="34" charset="0"/>
+              </a:rPr>
+              <a:t>DATA PROCESSING</a:t>
+            </a:r>
+            <a:endParaRPr lang="en-GB" b="1" dirty="0">
+              <a:solidFill>
+                <a:srgbClr val="FF0000"/>
+              </a:solidFill>
+              <a:latin typeface="DejaVu Sans" panose="020B0603030804020204" pitchFamily="34" charset="0"/>
+              <a:ea typeface="DejaVu Sans" panose="020B0603030804020204" pitchFamily="34" charset="0"/>
+              <a:cs typeface="DejaVu Sans" panose="020B0603030804020204" pitchFamily="34" charset="0"/>
+            </a:endParaRPr>
+          </a:p>
+        </p:txBody>
+      </p:sp>
+    </p:spTree>
+    <p:extLst>
+      <p:ext uri="{BB962C8B-B14F-4D97-AF65-F5344CB8AC3E}">
+        <p14:creationId xmlns:p14="http://schemas.microsoft.com/office/powerpoint/2010/main" val="3878552150"/>
+      </p:ext>
+    </p:extLst>
+  </p:cSld>
+  <p:clrMapOvr>
+    <a:masterClrMapping/>
+  </p:clrMapOvr>
+  <p:timing>
+    <p:tnLst>
+      <p:par>
+        <p:cTn id="1" dur="indefinite" restart="never" nodeType="tmRoot"/>
+      </p:par>
+    </p:tnLst>
+  </p:timing>
+</p:sld>
+</file>
+
+<file path=ppt/slides/slide7.xml><?xml version="1.0" encoding="utf-8"?>
+<p:sld xmlns:a="http://schemas.openxmlformats.org/drawingml/2006/main" xmlns:r="http://schemas.openxmlformats.org/officeDocument/2006/relationships" xmlns:p="http://schemas.openxmlformats.org/presentationml/2006/main">
+  <p:cSld>
+    <p:spTree>
+      <p:nvGrpSpPr>
+        <p:cNvPr id="1" name=""/>
+        <p:cNvGrpSpPr/>
+        <p:nvPr/>
+      </p:nvGrpSpPr>
+      <p:grpSpPr>
+        <a:xfrm>
+          <a:off x="0" y="0"/>
+          <a:ext cx="0" cy="0"/>
+          <a:chOff x="0" y="0"/>
+          <a:chExt cx="0" cy="0"/>
+        </a:xfrm>
+      </p:grpSpPr>
+      <p:sp>
+        <p:nvSpPr>
+          <p:cNvPr id="2" name="Slide Number Placeholder 1"/>
+          <p:cNvSpPr>
+            <a:spLocks noGrp="1"/>
+          </p:cNvSpPr>
+          <p:nvPr>
+            <p:ph type="sldNum" sz="quarter" idx="10"/>
+          </p:nvPr>
+        </p:nvSpPr>
+        <p:spPr/>
+        <p:txBody>
+          <a:bodyPr/>
+          <a:lstStyle/>
+          <a:p>
+            <a:fld id="{61155BBA-336D-4AED-BB34-E42D9706BCE7}" type="slidenum">
+              <a:rPr lang="it-IT" altLang="en-US" smtClean="0"/>
+              <a:pPr/>
+              <a:t>7</a:t>
+            </a:fld>
+            <a:endParaRPr lang="it-IT" altLang="en-US"/>
+          </a:p>
+        </p:txBody>
+      </p:sp>
+      <p:sp>
+        <p:nvSpPr>
+          <p:cNvPr id="3" name="TextBox 2"/>
+          <p:cNvSpPr txBox="1"/>
+          <p:nvPr/>
+        </p:nvSpPr>
+        <p:spPr>
+          <a:xfrm>
+            <a:off x="4292140" y="1046490"/>
+            <a:ext cx="4420313" cy="523220"/>
+          </a:xfrm>
+          <a:prstGeom prst="rect">
+            <a:avLst/>
+          </a:prstGeom>
+          <a:noFill/>
+        </p:spPr>
+        <p:txBody>
+          <a:bodyPr wrap="none" rtlCol="0">
+            <a:spAutoFit/>
+          </a:bodyPr>
+          <a:lstStyle/>
+          <a:p>
+            <a:r>
+              <a:rPr lang="en-GB" sz="2800" b="1" i="1" dirty="0" smtClean="0">
+                <a:latin typeface="+mj-lt"/>
+              </a:rPr>
+              <a:t>MODEL IDENTIFICATION</a:t>
+            </a:r>
+          </a:p>
+        </p:txBody>
+      </p:sp>
+      <p:sp>
+        <p:nvSpPr>
+          <p:cNvPr id="4" name="TextBox 3"/>
+          <p:cNvSpPr txBox="1"/>
+          <p:nvPr/>
+        </p:nvSpPr>
+        <p:spPr>
+          <a:xfrm>
+            <a:off x="7078960" y="173782"/>
+            <a:ext cx="3266985" cy="369332"/>
+          </a:xfrm>
+          <a:prstGeom prst="rect">
+            <a:avLst/>
+          </a:prstGeom>
+          <a:noFill/>
+        </p:spPr>
+        <p:txBody>
+          <a:bodyPr wrap="none" rtlCol="0">
+            <a:spAutoFit/>
+          </a:bodyPr>
+          <a:lstStyle/>
+          <a:p>
+            <a:r>
+              <a:rPr lang="en-GB" b="1" dirty="0" smtClean="0">
+                <a:solidFill>
+                  <a:srgbClr val="FF0000"/>
+                </a:solidFill>
+                <a:latin typeface="DejaVu Sans" panose="020B0603030804020204" pitchFamily="34" charset="0"/>
+                <a:ea typeface="DejaVu Sans" panose="020B0603030804020204" pitchFamily="34" charset="0"/>
+                <a:cs typeface="DejaVu Sans" panose="020B0603030804020204" pitchFamily="34" charset="0"/>
+              </a:rPr>
+              <a:t>MODEL IDENTIFICATION</a:t>
+            </a:r>
+            <a:endParaRPr lang="en-GB" b="1" dirty="0">
+              <a:solidFill>
+                <a:srgbClr val="FF0000"/>
+              </a:solidFill>
+              <a:latin typeface="DejaVu Sans" panose="020B0603030804020204" pitchFamily="34" charset="0"/>
+              <a:ea typeface="DejaVu Sans" panose="020B0603030804020204" pitchFamily="34" charset="0"/>
+              <a:cs typeface="DejaVu Sans" panose="020B0603030804020204" pitchFamily="34" charset="0"/>
+            </a:endParaRPr>
+          </a:p>
+        </p:txBody>
+      </p:sp>
+    </p:spTree>
+    <p:extLst>
+      <p:ext uri="{BB962C8B-B14F-4D97-AF65-F5344CB8AC3E}">
+        <p14:creationId xmlns:p14="http://schemas.microsoft.com/office/powerpoint/2010/main" val="310502378"/>
+      </p:ext>
+    </p:extLst>
+  </p:cSld>
+  <p:clrMapOvr>
+    <a:masterClrMapping/>
+  </p:clrMapOvr>
+  <p:timing>
+    <p:tnLst>
+      <p:par>
+        <p:cTn id="1" dur="indefinite" restart="never" nodeType="tmRoot"/>
+      </p:par>
+    </p:tnLst>
+  </p:timing>
+</p:sld>
+</file>
+
+<file path=ppt/slides/slide8.xml><?xml version="1.0" encoding="utf-8"?>
+<p:sld xmlns:a="http://schemas.openxmlformats.org/drawingml/2006/main" xmlns:r="http://schemas.openxmlformats.org/officeDocument/2006/relationships" xmlns:p="http://schemas.openxmlformats.org/presentationml/2006/main">
+  <p:cSld>
+    <p:spTree>
+      <p:nvGrpSpPr>
+        <p:cNvPr id="1" name=""/>
+        <p:cNvGrpSpPr/>
+        <p:nvPr/>
+      </p:nvGrpSpPr>
+      <p:grpSpPr>
+        <a:xfrm>
+          <a:off x="0" y="0"/>
+          <a:ext cx="0" cy="0"/>
+          <a:chOff x="0" y="0"/>
+          <a:chExt cx="0" cy="0"/>
+        </a:xfrm>
+      </p:grpSpPr>
+      <p:sp>
+        <p:nvSpPr>
+          <p:cNvPr id="2" name="Slide Number Placeholder 1"/>
+          <p:cNvSpPr>
+            <a:spLocks noGrp="1"/>
+          </p:cNvSpPr>
+          <p:nvPr>
+            <p:ph type="sldNum" sz="quarter" idx="10"/>
+          </p:nvPr>
+        </p:nvSpPr>
+        <p:spPr/>
+        <p:txBody>
+          <a:bodyPr/>
+          <a:lstStyle/>
+          <a:p>
+            <a:fld id="{61155BBA-336D-4AED-BB34-E42D9706BCE7}" type="slidenum">
+              <a:rPr lang="it-IT" altLang="en-US" smtClean="0"/>
+              <a:pPr/>
+              <a:t>8</a:t>
+            </a:fld>
+            <a:endParaRPr lang="it-IT" altLang="en-US"/>
+          </a:p>
+        </p:txBody>
+      </p:sp>
+      <p:sp>
+        <p:nvSpPr>
+          <p:cNvPr id="3" name="TextBox 2"/>
+          <p:cNvSpPr txBox="1"/>
+          <p:nvPr/>
+        </p:nvSpPr>
+        <p:spPr>
+          <a:xfrm>
+            <a:off x="4292140" y="1046490"/>
+            <a:ext cx="3715569" cy="523220"/>
+          </a:xfrm>
+          <a:prstGeom prst="rect">
+            <a:avLst/>
+          </a:prstGeom>
+          <a:noFill/>
+        </p:spPr>
+        <p:txBody>
+          <a:bodyPr wrap="none" rtlCol="0">
+            <a:spAutoFit/>
+          </a:bodyPr>
+          <a:lstStyle/>
+          <a:p>
+            <a:r>
+              <a:rPr lang="en-GB" sz="2800" b="1" i="1" dirty="0" smtClean="0">
+                <a:latin typeface="+mj-lt"/>
+              </a:rPr>
+              <a:t>MODEL VALIDATION</a:t>
+            </a:r>
+          </a:p>
+        </p:txBody>
+      </p:sp>
+      <p:sp>
+        <p:nvSpPr>
+          <p:cNvPr id="4" name="TextBox 3"/>
+          <p:cNvSpPr txBox="1"/>
+          <p:nvPr/>
+        </p:nvSpPr>
+        <p:spPr>
+          <a:xfrm>
+            <a:off x="7078960" y="173782"/>
+            <a:ext cx="2746393" cy="369332"/>
+          </a:xfrm>
+          <a:prstGeom prst="rect">
+            <a:avLst/>
+          </a:prstGeom>
+          <a:noFill/>
+        </p:spPr>
+        <p:txBody>
+          <a:bodyPr wrap="none" rtlCol="0">
+            <a:spAutoFit/>
+          </a:bodyPr>
+          <a:lstStyle/>
+          <a:p>
+            <a:r>
+              <a:rPr lang="en-GB" b="1" dirty="0" smtClean="0">
+                <a:solidFill>
+                  <a:srgbClr val="FF0000"/>
+                </a:solidFill>
+                <a:latin typeface="DejaVu Sans" panose="020B0603030804020204" pitchFamily="34" charset="0"/>
+                <a:ea typeface="DejaVu Sans" panose="020B0603030804020204" pitchFamily="34" charset="0"/>
+                <a:cs typeface="DejaVu Sans" panose="020B0603030804020204" pitchFamily="34" charset="0"/>
+              </a:rPr>
+              <a:t>MODEL VALIDATION</a:t>
+            </a:r>
+            <a:endParaRPr lang="en-GB" b="1" dirty="0">
+              <a:solidFill>
+                <a:srgbClr val="FF0000"/>
+              </a:solidFill>
+              <a:latin typeface="DejaVu Sans" panose="020B0603030804020204" pitchFamily="34" charset="0"/>
+              <a:ea typeface="DejaVu Sans" panose="020B0603030804020204" pitchFamily="34" charset="0"/>
+              <a:cs typeface="DejaVu Sans" panose="020B0603030804020204" pitchFamily="34" charset="0"/>
+            </a:endParaRPr>
+          </a:p>
+        </p:txBody>
+      </p:sp>
+    </p:spTree>
+    <p:extLst>
+      <p:ext uri="{BB962C8B-B14F-4D97-AF65-F5344CB8AC3E}">
+        <p14:creationId xmlns:p14="http://schemas.microsoft.com/office/powerpoint/2010/main" val="55177232"/>
+      </p:ext>
+    </p:extLst>
+  </p:cSld>
+  <p:clrMapOvr>
+    <a:masterClrMapping/>
+  </p:clrMapOvr>
+  <p:timing>
+    <p:tnLst>
+      <p:par>
+        <p:cTn id="1" dur="indefinite" restart="never" nodeType="tmRoot"/>
+      </p:par>
+    </p:tnLst>
+  </p:timing>
+</p:sld>
+</file>
+
+<file path=ppt/slides/slide9.xml><?xml version="1.0" encoding="utf-8"?>
+<p:sld xmlns:a="http://schemas.openxmlformats.org/drawingml/2006/main" xmlns:r="http://schemas.openxmlformats.org/officeDocument/2006/relationships" xmlns:p="http://schemas.openxmlformats.org/presentationml/2006/main">
+  <p:cSld>
+    <p:spTree>
+      <p:nvGrpSpPr>
+        <p:cNvPr id="1" name=""/>
+        <p:cNvGrpSpPr/>
+        <p:nvPr/>
+      </p:nvGrpSpPr>
+      <p:grpSpPr>
+        <a:xfrm>
+          <a:off x="0" y="0"/>
+          <a:ext cx="0" cy="0"/>
+          <a:chOff x="0" y="0"/>
+          <a:chExt cx="0" cy="0"/>
+        </a:xfrm>
+      </p:grpSpPr>
+      <p:sp>
+        <p:nvSpPr>
+          <p:cNvPr id="2" name="Slide Number Placeholder 1"/>
+          <p:cNvSpPr>
+            <a:spLocks noGrp="1"/>
+          </p:cNvSpPr>
+          <p:nvPr>
+            <p:ph type="sldNum" sz="quarter" idx="10"/>
+          </p:nvPr>
+        </p:nvSpPr>
+        <p:spPr/>
+        <p:txBody>
+          <a:bodyPr/>
+          <a:lstStyle/>
+          <a:p>
+            <a:fld id="{61155BBA-336D-4AED-BB34-E42D9706BCE7}" type="slidenum">
+              <a:rPr lang="it-IT" altLang="en-US" smtClean="0"/>
+              <a:pPr/>
+              <a:t>9</a:t>
+            </a:fld>
+            <a:endParaRPr lang="it-IT" altLang="en-US"/>
+          </a:p>
+        </p:txBody>
+      </p:sp>
+      <p:sp>
+        <p:nvSpPr>
+          <p:cNvPr id="3" name="TextBox 2"/>
+          <p:cNvSpPr txBox="1"/>
+          <p:nvPr/>
+        </p:nvSpPr>
+        <p:spPr>
+          <a:xfrm>
+            <a:off x="4746912" y="1033790"/>
+            <a:ext cx="2698175" cy="523220"/>
+          </a:xfrm>
+          <a:prstGeom prst="rect">
+            <a:avLst/>
+          </a:prstGeom>
+          <a:noFill/>
+        </p:spPr>
+        <p:txBody>
+          <a:bodyPr wrap="none" rtlCol="0">
+            <a:spAutoFit/>
+          </a:bodyPr>
+          <a:lstStyle/>
+          <a:p>
+            <a:r>
+              <a:rPr lang="en-GB" sz="2800" b="1" i="1" dirty="0" smtClean="0">
+                <a:latin typeface="+mj-lt"/>
+              </a:rPr>
+              <a:t>CONCLUSION</a:t>
+            </a:r>
+          </a:p>
+        </p:txBody>
+      </p:sp>
+      <p:sp>
+        <p:nvSpPr>
+          <p:cNvPr id="4" name="TextBox 3"/>
+          <p:cNvSpPr txBox="1"/>
+          <p:nvPr/>
+        </p:nvSpPr>
+        <p:spPr>
+          <a:xfrm>
+            <a:off x="6956299" y="173782"/>
+            <a:ext cx="3512308" cy="369332"/>
+          </a:xfrm>
+          <a:prstGeom prst="rect">
+            <a:avLst/>
+          </a:prstGeom>
+          <a:noFill/>
+        </p:spPr>
+        <p:txBody>
+          <a:bodyPr wrap="none" rtlCol="0">
+            <a:spAutoFit/>
+          </a:bodyPr>
+          <a:lstStyle/>
+          <a:p>
+            <a:r>
+              <a:rPr lang="en-GB" b="1" dirty="0" smtClean="0">
+                <a:solidFill>
+                  <a:srgbClr val="FF0000"/>
+                </a:solidFill>
+                <a:latin typeface="DejaVu Sans" panose="020B0603030804020204" pitchFamily="34" charset="0"/>
+                <a:ea typeface="DejaVu Sans" panose="020B0603030804020204" pitchFamily="34" charset="0"/>
+                <a:cs typeface="DejaVu Sans" panose="020B0603030804020204" pitchFamily="34" charset="0"/>
+              </a:rPr>
+              <a:t>CONCLUSION &amp; REMARKS</a:t>
+            </a:r>
+            <a:endParaRPr lang="en-GB" b="1" dirty="0">
+              <a:solidFill>
+                <a:srgbClr val="FF0000"/>
+              </a:solidFill>
+              <a:latin typeface="DejaVu Sans" panose="020B0603030804020204" pitchFamily="34" charset="0"/>
+              <a:ea typeface="DejaVu Sans" panose="020B0603030804020204" pitchFamily="34" charset="0"/>
+              <a:cs typeface="DejaVu Sans" panose="020B0603030804020204" pitchFamily="34" charset="0"/>
+            </a:endParaRPr>
+          </a:p>
+        </p:txBody>
+      </p:sp>
+    </p:spTree>
+    <p:extLst>
+      <p:ext uri="{BB962C8B-B14F-4D97-AF65-F5344CB8AC3E}">
+        <p14:creationId xmlns:p14="http://schemas.microsoft.com/office/powerpoint/2010/main" val="2463455316"/>
+      </p:ext>
+    </p:extLst>
+  </p:cSld>
+  <p:clrMapOvr>
+    <a:masterClrMapping/>
+  </p:clrMapOvr>
+  <p:timing>
+    <p:tnLst>
+      <p:par>
+        <p:cTn id="1" dur="indefinite" restart="never" nodeType="tmRoot"/>
+      </p:par>
+    </p:tnLst>
+  </p:timing>
 </p:sld>
 </file>
 

--- a/report/Report.pptx
+++ b/report/Report.pptx
@@ -5683,8 +5683,8 @@
           </a:p>
         </p:txBody>
       </p:sp>
-      <mc:AlternateContent xmlns:mc="http://schemas.openxmlformats.org/markup-compatibility/2006" xmlns:a14="http://schemas.microsoft.com/office/drawing/2010/main">
-        <mc:Choice Requires="a14">
+      <mc:AlternateContent xmlns:mc="http://schemas.openxmlformats.org/markup-compatibility/2006">
+        <mc:Choice xmlns:a14="http://schemas.microsoft.com/office/drawing/2010/main" Requires="a14">
           <p:sp>
             <p:nvSpPr>
               <p:cNvPr id="9" name="TextBox 8"/>
@@ -5694,7 +5694,7 @@
             <p:spPr>
               <a:xfrm>
                 <a:off x="2968658" y="3083831"/>
-                <a:ext cx="11259401" cy="951030"/>
+                <a:ext cx="11259401" cy="976036"/>
               </a:xfrm>
               <a:prstGeom prst="rect">
                 <a:avLst/>
@@ -5795,31 +5795,29 @@
                                 </m:r>
                               </m:sub>
                             </m:sSub>
+                            <m:r>
+                              <a:rPr lang="en-GB" b="0" i="1" smtClean="0">
+                                <a:latin typeface="Cambria Math" panose="02040503050406030204" pitchFamily="18" charset="0"/>
+                              </a:rPr>
+                              <m:t>, </m:t>
+                            </m:r>
+                            <m:r>
+                              <a:rPr lang="en-GB" b="0" i="1" smtClean="0">
+                                <a:latin typeface="Cambria Math" panose="02040503050406030204" pitchFamily="18" charset="0"/>
+                              </a:rPr>
+                              <m:t>𝑖</m:t>
+                            </m:r>
+                            <m:r>
+                              <a:rPr lang="en-GB" b="0" i="1" smtClean="0">
+                                <a:latin typeface="Cambria Math" panose="02040503050406030204" pitchFamily="18" charset="0"/>
+                              </a:rPr>
+                              <m:t>=1,2,3</m:t>
+                            </m:r>
                           </m:e>
                         </m:d>
                       </m:e>
-                      <m:sub>
-                        <m:r>
-                          <a:rPr lang="en-GB" b="0" i="1" smtClean="0">
-                            <a:latin typeface="Cambria Math" panose="02040503050406030204" pitchFamily="18" charset="0"/>
-                          </a:rPr>
-                          <m:t>𝑖</m:t>
-                        </m:r>
-                        <m:r>
-                          <a:rPr lang="en-GB" b="0" i="1" smtClean="0">
-                            <a:latin typeface="Cambria Math" panose="02040503050406030204" pitchFamily="18" charset="0"/>
-                          </a:rPr>
-                          <m:t>=1</m:t>
-                        </m:r>
-                      </m:sub>
-                      <m:sup>
-                        <m:r>
-                          <a:rPr lang="en-GB" b="0" i="1" smtClean="0">
-                            <a:latin typeface="Cambria Math" panose="02040503050406030204" pitchFamily="18" charset="0"/>
-                          </a:rPr>
-                          <m:t>3</m:t>
-                        </m:r>
-                      </m:sup>
+                      <m:sub/>
+                      <m:sup/>
                     </m:sSubSup>
                   </m:oMath>
                 </a14:m>
@@ -5835,7 +5833,7 @@
             </p:txBody>
           </p:sp>
         </mc:Choice>
-        <mc:Fallback xmlns="">
+        <mc:Fallback>
           <p:sp>
             <p:nvSpPr>
               <p:cNvPr id="9" name="TextBox 8"/>
@@ -5847,7 +5845,7 @@
             <p:spPr>
               <a:xfrm>
                 <a:off x="2968658" y="3083831"/>
-                <a:ext cx="11259401" cy="951030"/>
+                <a:ext cx="11259401" cy="976036"/>
               </a:xfrm>
               <a:prstGeom prst="rect">
                 <a:avLst/>
@@ -5855,7 +5853,7 @@
               <a:blipFill rotWithShape="0">
                 <a:blip r:embed="rId2"/>
                 <a:stretch>
-                  <a:fillRect l="-379" t="-3846"/>
+                  <a:fillRect l="-379" t="-3750"/>
                 </a:stretch>
               </a:blipFill>
             </p:spPr>
@@ -6902,11 +6900,7 @@
                 </a:pPr>
                 <a:r>
                   <a:rPr lang="en-GB" dirty="0" smtClean="0"/>
-                  <a:t>Three </a:t>
-                </a:r>
-                <a:r>
-                  <a:rPr lang="en-GB" dirty="0" smtClean="0"/>
-                  <a:t>experiments, done in the following manner for </a:t>
+                  <a:t>Three experiments, done in the following manner for </a:t>
                 </a:r>
                 <a14:m>
                   <m:oMath xmlns:m="http://schemas.openxmlformats.org/officeDocument/2006/math">
@@ -7268,11 +7262,7 @@
                 </a14:m>
                 <a:r>
                   <a:rPr lang="en-GB" dirty="0" smtClean="0"/>
-                  <a:t> the system is again in closed loop</a:t>
-                </a:r>
-                <a:r>
-                  <a:rPr lang="en-GB" dirty="0" smtClean="0"/>
-                  <a:t>.</a:t>
+                  <a:t> the system is again in closed loop.</a:t>
                 </a:r>
               </a:p>
               <a:p>
@@ -7481,7 +7471,6 @@
                   <a:rPr lang="en-GB" dirty="0" smtClean="0"/>
                   <a:t>.</a:t>
                 </a:r>
-                <a:endParaRPr lang="en-GB" dirty="0" smtClean="0"/>
               </a:p>
               <a:p>
                 <a:endParaRPr lang="en-GB" dirty="0"/>
@@ -7696,23 +7685,23 @@
                       </a:rPr>
                       <m:t>={</m:t>
                     </m:r>
-                    <m:d>
-                      <m:dPr>
+                    <m:sSub>
+                      <m:sSubPr>
                         <m:ctrlPr>
                           <a:rPr lang="en-GB" b="0" i="1" smtClean="0">
                             <a:latin typeface="Cambria Math" panose="02040503050406030204" pitchFamily="18" charset="0"/>
                           </a:rPr>
                         </m:ctrlPr>
-                      </m:dPr>
+                      </m:sSubPr>
                       <m:e>
-                        <m:sSub>
-                          <m:sSubPr>
+                        <m:d>
+                          <m:dPr>
                             <m:ctrlPr>
                               <a:rPr lang="en-GB" b="0" i="1" smtClean="0">
                                 <a:latin typeface="Cambria Math" panose="02040503050406030204" pitchFamily="18" charset="0"/>
                               </a:rPr>
                             </m:ctrlPr>
-                          </m:sSubPr>
+                          </m:dPr>
                           <m:e>
                             <m:r>
                               <a:rPr lang="en-GB" b="1" i="1" smtClean="0">
@@ -7720,49 +7709,36 @@
                               </a:rPr>
                               <m:t>𝒙</m:t>
                             </m:r>
-                          </m:e>
-                          <m:sub>
                             <m:r>
                               <a:rPr lang="en-GB" b="0" i="1" smtClean="0">
                                 <a:latin typeface="Cambria Math" panose="02040503050406030204" pitchFamily="18" charset="0"/>
                               </a:rPr>
-                              <m:t>𝑖𝑗</m:t>
+                              <m:t>,</m:t>
                             </m:r>
-                          </m:sub>
-                        </m:sSub>
-                        <m:r>
-                          <a:rPr lang="en-GB" b="0" i="1" smtClean="0">
-                            <a:latin typeface="Cambria Math" panose="02040503050406030204" pitchFamily="18" charset="0"/>
-                          </a:rPr>
-                          <m:t>,</m:t>
-                        </m:r>
-                        <m:sSub>
-                          <m:sSubPr>
-                            <m:ctrlPr>
-                              <a:rPr lang="en-GB" b="0" i="1" smtClean="0">
-                                <a:latin typeface="Cambria Math" panose="02040503050406030204" pitchFamily="18" charset="0"/>
-                              </a:rPr>
-                            </m:ctrlPr>
-                          </m:sSubPr>
-                          <m:e>
                             <m:r>
                               <a:rPr lang="en-GB" b="1" i="1" smtClean="0">
                                 <a:latin typeface="Cambria Math" panose="02040503050406030204" pitchFamily="18" charset="0"/>
                               </a:rPr>
                               <m:t>𝒚</m:t>
                             </m:r>
-                          </m:e>
-                          <m:sub>
                             <m:r>
                               <a:rPr lang="en-GB" b="0" i="1" smtClean="0">
                                 <a:latin typeface="Cambria Math" panose="02040503050406030204" pitchFamily="18" charset="0"/>
                               </a:rPr>
-                              <m:t>𝑖𝑗</m:t>
+                              <m:t> </m:t>
                             </m:r>
-                          </m:sub>
-                        </m:sSub>
+                          </m:e>
+                        </m:d>
                       </m:e>
-                    </m:d>
+                      <m:sub>
+                        <m:r>
+                          <a:rPr lang="en-GB" b="0" i="1" smtClean="0">
+                            <a:latin typeface="Cambria Math" panose="02040503050406030204" pitchFamily="18" charset="0"/>
+                          </a:rPr>
+                          <m:t>𝑖𝑗</m:t>
+                        </m:r>
+                      </m:sub>
+                    </m:sSub>
                     <m:r>
                       <a:rPr lang="en-GB" b="0" i="1" smtClean="0">
                         <a:latin typeface="Cambria Math" panose="02040503050406030204" pitchFamily="18" charset="0"/>
@@ -7948,7 +7924,7 @@
         </p:nvSpPr>
         <p:spPr bwMode="auto">
           <a:xfrm>
-            <a:off x="762000" y="5285697"/>
+            <a:off x="762000" y="5377093"/>
             <a:ext cx="1041400" cy="444500"/>
           </a:xfrm>
           <a:prstGeom prst="rightArrow">
@@ -8020,8 +7996,8 @@
             </p:nvSpPr>
             <p:spPr>
               <a:xfrm>
-                <a:off x="2019300" y="5302249"/>
-                <a:ext cx="5232400" cy="411395"/>
+                <a:off x="2019300" y="5393645"/>
+                <a:ext cx="5232400" cy="369332"/>
               </a:xfrm>
               <a:prstGeom prst="rect">
                 <a:avLst/>
@@ -8036,108 +8012,79 @@
               <a:p>
                 <a14:m>
                   <m:oMath xmlns:m="http://schemas.openxmlformats.org/officeDocument/2006/math">
-                    <m:d>
-                      <m:dPr>
+                    <m:sSub>
+                      <m:sSubPr>
                         <m:ctrlPr>
                           <a:rPr lang="en-GB" b="0" i="1" smtClean="0">
                             <a:latin typeface="Cambria Math" panose="02040503050406030204" pitchFamily="18" charset="0"/>
                           </a:rPr>
                         </m:ctrlPr>
-                      </m:dPr>
+                      </m:sSubPr>
                       <m:e>
-                        <m:sSub>
-                          <m:sSubPr>
+                        <m:d>
+                          <m:dPr>
                             <m:ctrlPr>
                               <a:rPr lang="en-GB" b="0" i="1" smtClean="0">
                                 <a:latin typeface="Cambria Math" panose="02040503050406030204" pitchFamily="18" charset="0"/>
                               </a:rPr>
                             </m:ctrlPr>
-                          </m:sSubPr>
+                          </m:dPr>
                           <m:e>
                             <m:r>
-                              <a:rPr lang="en-GB" b="0" i="1" smtClean="0">
+                              <a:rPr lang="en-GB" b="1" i="1" smtClean="0">
                                 <a:latin typeface="Cambria Math" panose="02040503050406030204" pitchFamily="18" charset="0"/>
                               </a:rPr>
-                              <m:t>𝑥</m:t>
-                            </m:r>
-                          </m:e>
-                          <m:sub>
-                            <m:r>
-                              <a:rPr lang="en-GB" b="0" i="1" smtClean="0">
-                                <a:latin typeface="Cambria Math" panose="02040503050406030204" pitchFamily="18" charset="0"/>
-                              </a:rPr>
-                              <m:t>2</m:t>
+                              <m:t>𝒙</m:t>
                             </m:r>
                             <m:r>
                               <a:rPr lang="en-GB" b="0" i="1" smtClean="0">
                                 <a:latin typeface="Cambria Math" panose="02040503050406030204" pitchFamily="18" charset="0"/>
                               </a:rPr>
-                              <m:t>𝑗</m:t>
+                              <m:t>,</m:t>
                             </m:r>
-                          </m:sub>
-                        </m:sSub>
+                            <m:r>
+                              <a:rPr lang="en-GB" b="1" i="1" smtClean="0">
+                                <a:latin typeface="Cambria Math" panose="02040503050406030204" pitchFamily="18" charset="0"/>
+                              </a:rPr>
+                              <m:t>𝒚</m:t>
+                            </m:r>
+                          </m:e>
+                        </m:d>
+                      </m:e>
+                      <m:sub>
                         <m:r>
                           <a:rPr lang="en-GB" b="0" i="1" smtClean="0">
                             <a:latin typeface="Cambria Math" panose="02040503050406030204" pitchFamily="18" charset="0"/>
                           </a:rPr>
-                          <m:t>, </m:t>
+                          <m:t>𝑖</m:t>
                         </m:r>
-                        <m:sSub>
-                          <m:sSubPr>
-                            <m:ctrlPr>
-                              <a:rPr lang="en-GB" b="0" i="1" smtClean="0">
-                                <a:latin typeface="Cambria Math" panose="02040503050406030204" pitchFamily="18" charset="0"/>
-                              </a:rPr>
-                            </m:ctrlPr>
-                          </m:sSubPr>
-                          <m:e>
-                            <m:r>
-                              <a:rPr lang="en-GB" b="0" i="1" smtClean="0">
-                                <a:latin typeface="Cambria Math" panose="02040503050406030204" pitchFamily="18" charset="0"/>
-                              </a:rPr>
-                              <m:t>𝑦</m:t>
-                            </m:r>
-                          </m:e>
-                          <m:sub>
-                            <m:r>
-                              <a:rPr lang="en-GB" b="0" i="1" smtClean="0">
-                                <a:latin typeface="Cambria Math" panose="02040503050406030204" pitchFamily="18" charset="0"/>
-                              </a:rPr>
-                              <m:t>2</m:t>
-                            </m:r>
-                            <m:r>
-                              <a:rPr lang="en-GB" b="0" i="1" smtClean="0">
-                                <a:latin typeface="Cambria Math" panose="02040503050406030204" pitchFamily="18" charset="0"/>
-                              </a:rPr>
-                              <m:t>𝑗</m:t>
-                            </m:r>
-                          </m:sub>
-                        </m:sSub>
-                      </m:e>
-                    </m:d>
+                        <m:r>
+                          <a:rPr lang="en-GB" b="0" i="1" smtClean="0">
+                            <a:latin typeface="Cambria Math" panose="02040503050406030204" pitchFamily="18" charset="0"/>
+                          </a:rPr>
+                          <m:t>2</m:t>
+                        </m:r>
+                      </m:sub>
+                    </m:sSub>
                     <m:r>
                       <a:rPr lang="en-GB" b="0" i="1" smtClean="0">
                         <a:latin typeface="Cambria Math" panose="02040503050406030204" pitchFamily="18" charset="0"/>
                       </a:rPr>
-                      <m:t>, </m:t>
-                    </m:r>
-                    <m:r>
-                      <a:rPr lang="en-GB" b="0" i="1" smtClean="0">
-                        <a:latin typeface="Cambria Math" panose="02040503050406030204" pitchFamily="18" charset="0"/>
-                      </a:rPr>
-                      <m:t>𝑗</m:t>
-                    </m:r>
-                    <m:r>
-                      <a:rPr lang="en-GB" b="0" i="1" smtClean="0">
-                        <a:latin typeface="Cambria Math" panose="02040503050406030204" pitchFamily="18" charset="0"/>
-                      </a:rPr>
-                      <m:t>=1,2,3 </m:t>
+                      <m:t> </m:t>
                     </m:r>
                   </m:oMath>
                 </a14:m>
                 <a:r>
                   <a:rPr lang="en-GB" dirty="0" smtClean="0"/>
-                  <a:t>is open loop data</a:t>
+                  <a:t>is </a:t>
+                </a:r>
+                <a:r>
+                  <a:rPr lang="en-GB" dirty="0" smtClean="0"/>
+                  <a:t>the open </a:t>
+                </a:r>
+                <a:r>
+                  <a:rPr lang="en-GB" dirty="0" smtClean="0"/>
+                  <a:t>loop data</a:t>
                 </a:r>
                 <a:endParaRPr lang="en-GB" dirty="0"/>
               </a:p>
@@ -8155,8 +8102,8 @@
             </p:nvSpPr>
             <p:spPr>
               <a:xfrm>
-                <a:off x="2019300" y="5302249"/>
-                <a:ext cx="5232400" cy="411395"/>
+                <a:off x="2019300" y="5393645"/>
+                <a:ext cx="5232400" cy="369332"/>
               </a:xfrm>
               <a:prstGeom prst="rect">
                 <a:avLst/>
@@ -8164,7 +8111,7 @@
               <a:blipFill rotWithShape="0">
                 <a:blip r:embed="rId3"/>
                 <a:stretch>
-                  <a:fillRect t="-4478" b="-17910"/>
+                  <a:fillRect t="-10000" b="-26667"/>
                 </a:stretch>
               </a:blipFill>
             </p:spPr>
@@ -8366,6 +8313,96 @@
           </a:p>
         </p:txBody>
       </p:sp>
+      <p:pic>
+        <p:nvPicPr>
+          <p:cNvPr id="5" name="Picture 4"/>
+          <p:cNvPicPr>
+            <a:picLocks noChangeAspect="1"/>
+          </p:cNvPicPr>
+          <p:nvPr/>
+        </p:nvPicPr>
+        <p:blipFill>
+          <a:blip r:embed="rId2">
+            <a:extLst>
+              <a:ext uri="{28A0092B-C50C-407E-A947-70E740481C1C}">
+                <a14:useLocalDpi xmlns:a14="http://schemas.microsoft.com/office/drawing/2010/main" val="0"/>
+              </a:ext>
+            </a:extLst>
+          </a:blip>
+          <a:stretch>
+            <a:fillRect/>
+          </a:stretch>
+        </p:blipFill>
+        <p:spPr>
+          <a:xfrm>
+            <a:off x="314865" y="1569709"/>
+            <a:ext cx="3363984" cy="2522988"/>
+          </a:xfrm>
+          <a:prstGeom prst="rect">
+            <a:avLst/>
+          </a:prstGeom>
+        </p:spPr>
+      </p:pic>
+      <p:pic>
+        <p:nvPicPr>
+          <p:cNvPr id="6" name="Picture 5"/>
+          <p:cNvPicPr>
+            <a:picLocks noChangeAspect="1"/>
+          </p:cNvPicPr>
+          <p:nvPr/>
+        </p:nvPicPr>
+        <p:blipFill>
+          <a:blip r:embed="rId3">
+            <a:extLst>
+              <a:ext uri="{28A0092B-C50C-407E-A947-70E740481C1C}">
+                <a14:useLocalDpi xmlns:a14="http://schemas.microsoft.com/office/drawing/2010/main" val="0"/>
+              </a:ext>
+            </a:extLst>
+          </a:blip>
+          <a:stretch>
+            <a:fillRect/>
+          </a:stretch>
+        </p:blipFill>
+        <p:spPr>
+          <a:xfrm>
+            <a:off x="8071066" y="1569710"/>
+            <a:ext cx="3363985" cy="2522989"/>
+          </a:xfrm>
+          <a:prstGeom prst="rect">
+            <a:avLst/>
+          </a:prstGeom>
+        </p:spPr>
+      </p:pic>
+      <p:pic>
+        <p:nvPicPr>
+          <p:cNvPr id="7" name="Picture 6"/>
+          <p:cNvPicPr>
+            <a:picLocks noChangeAspect="1"/>
+          </p:cNvPicPr>
+          <p:nvPr/>
+        </p:nvPicPr>
+        <p:blipFill>
+          <a:blip r:embed="rId4">
+            <a:extLst>
+              <a:ext uri="{28A0092B-C50C-407E-A947-70E740481C1C}">
+                <a14:useLocalDpi xmlns:a14="http://schemas.microsoft.com/office/drawing/2010/main" val="0"/>
+              </a:ext>
+            </a:extLst>
+          </a:blip>
+          <a:stretch>
+            <a:fillRect/>
+          </a:stretch>
+        </p:blipFill>
+        <p:spPr>
+          <a:xfrm>
+            <a:off x="4192965" y="1569709"/>
+            <a:ext cx="3363985" cy="2522989"/>
+          </a:xfrm>
+          <a:prstGeom prst="rect">
+            <a:avLst/>
+          </a:prstGeom>
+        </p:spPr>
+      </p:pic>
     </p:spTree>
     <p:extLst>
       <p:ext uri="{BB962C8B-B14F-4D97-AF65-F5344CB8AC3E}">

--- a/report/Report.pptx
+++ b/report/Report.pptx
@@ -10,12 +10,23 @@
     <p:sldId id="257" r:id="rId4"/>
     <p:sldId id="258" r:id="rId5"/>
     <p:sldId id="259" r:id="rId6"/>
-    <p:sldId id="260" r:id="rId7"/>
-    <p:sldId id="261" r:id="rId8"/>
-    <p:sldId id="262" r:id="rId9"/>
-    <p:sldId id="263" r:id="rId10"/>
-    <p:sldId id="264" r:id="rId11"/>
-    <p:sldId id="265" r:id="rId12"/>
+    <p:sldId id="268" r:id="rId7"/>
+    <p:sldId id="260" r:id="rId8"/>
+    <p:sldId id="261" r:id="rId9"/>
+    <p:sldId id="269" r:id="rId10"/>
+    <p:sldId id="271" r:id="rId11"/>
+    <p:sldId id="272" r:id="rId12"/>
+    <p:sldId id="273" r:id="rId13"/>
+    <p:sldId id="275" r:id="rId14"/>
+    <p:sldId id="276" r:id="rId15"/>
+    <p:sldId id="274" r:id="rId16"/>
+    <p:sldId id="262" r:id="rId17"/>
+    <p:sldId id="266" r:id="rId18"/>
+    <p:sldId id="267" r:id="rId19"/>
+    <p:sldId id="270" r:id="rId20"/>
+    <p:sldId id="263" r:id="rId21"/>
+    <p:sldId id="264" r:id="rId22"/>
+    <p:sldId id="265" r:id="rId23"/>
   </p:sldIdLst>
   <p:sldSz cx="12192000" cy="6858000"/>
   <p:notesSz cx="6858000" cy="9144000"/>
@@ -264,7 +275,7 @@
           <a:p>
             <a:fld id="{843C4FC0-81D1-4453-9443-D3E156B7E80B}" type="datetimeFigureOut">
               <a:rPr lang="en-GB" smtClean="0"/>
-              <a:t>06/04/2015</a:t>
+              <a:t>09/04/2015</a:t>
             </a:fld>
             <a:endParaRPr lang="en-GB"/>
           </a:p>
@@ -434,7 +445,7 @@
           <a:p>
             <a:fld id="{843C4FC0-81D1-4453-9443-D3E156B7E80B}" type="datetimeFigureOut">
               <a:rPr lang="en-GB" smtClean="0"/>
-              <a:t>06/04/2015</a:t>
+              <a:t>09/04/2015</a:t>
             </a:fld>
             <a:endParaRPr lang="en-GB"/>
           </a:p>
@@ -614,7 +625,7 @@
           <a:p>
             <a:fld id="{843C4FC0-81D1-4453-9443-D3E156B7E80B}" type="datetimeFigureOut">
               <a:rPr lang="en-GB" smtClean="0"/>
-              <a:t>06/04/2015</a:t>
+              <a:t>09/04/2015</a:t>
             </a:fld>
             <a:endParaRPr lang="en-GB"/>
           </a:p>
@@ -1395,7 +1406,7 @@
           <a:p>
             <a:fld id="{843C4FC0-81D1-4453-9443-D3E156B7E80B}" type="datetimeFigureOut">
               <a:rPr lang="en-GB" smtClean="0"/>
-              <a:t>06/04/2015</a:t>
+              <a:t>09/04/2015</a:t>
             </a:fld>
             <a:endParaRPr lang="en-GB"/>
           </a:p>
@@ -1641,7 +1652,7 @@
           <a:p>
             <a:fld id="{843C4FC0-81D1-4453-9443-D3E156B7E80B}" type="datetimeFigureOut">
               <a:rPr lang="en-GB" smtClean="0"/>
-              <a:t>06/04/2015</a:t>
+              <a:t>09/04/2015</a:t>
             </a:fld>
             <a:endParaRPr lang="en-GB"/>
           </a:p>
@@ -1873,7 +1884,7 @@
           <a:p>
             <a:fld id="{843C4FC0-81D1-4453-9443-D3E156B7E80B}" type="datetimeFigureOut">
               <a:rPr lang="en-GB" smtClean="0"/>
-              <a:t>06/04/2015</a:t>
+              <a:t>09/04/2015</a:t>
             </a:fld>
             <a:endParaRPr lang="en-GB"/>
           </a:p>
@@ -2240,7 +2251,7 @@
           <a:p>
             <a:fld id="{843C4FC0-81D1-4453-9443-D3E156B7E80B}" type="datetimeFigureOut">
               <a:rPr lang="en-GB" smtClean="0"/>
-              <a:t>06/04/2015</a:t>
+              <a:t>09/04/2015</a:t>
             </a:fld>
             <a:endParaRPr lang="en-GB"/>
           </a:p>
@@ -2358,7 +2369,7 @@
           <a:p>
             <a:fld id="{843C4FC0-81D1-4453-9443-D3E156B7E80B}" type="datetimeFigureOut">
               <a:rPr lang="en-GB" smtClean="0"/>
-              <a:t>06/04/2015</a:t>
+              <a:t>09/04/2015</a:t>
             </a:fld>
             <a:endParaRPr lang="en-GB"/>
           </a:p>
@@ -2453,7 +2464,7 @@
           <a:p>
             <a:fld id="{843C4FC0-81D1-4453-9443-D3E156B7E80B}" type="datetimeFigureOut">
               <a:rPr lang="en-GB" smtClean="0"/>
-              <a:t>06/04/2015</a:t>
+              <a:t>09/04/2015</a:t>
             </a:fld>
             <a:endParaRPr lang="en-GB"/>
           </a:p>
@@ -2730,7 +2741,7 @@
           <a:p>
             <a:fld id="{843C4FC0-81D1-4453-9443-D3E156B7E80B}" type="datetimeFigureOut">
               <a:rPr lang="en-GB" smtClean="0"/>
-              <a:t>06/04/2015</a:t>
+              <a:t>09/04/2015</a:t>
             </a:fld>
             <a:endParaRPr lang="en-GB"/>
           </a:p>
@@ -2983,7 +2994,7 @@
           <a:p>
             <a:fld id="{843C4FC0-81D1-4453-9443-D3E156B7E80B}" type="datetimeFigureOut">
               <a:rPr lang="en-GB" smtClean="0"/>
-              <a:t>06/04/2015</a:t>
+              <a:t>09/04/2015</a:t>
             </a:fld>
             <a:endParaRPr lang="en-GB"/>
           </a:p>
@@ -3196,7 +3207,7 @@
           <a:p>
             <a:fld id="{843C4FC0-81D1-4453-9443-D3E156B7E80B}" type="datetimeFigureOut">
               <a:rPr lang="en-GB" smtClean="0"/>
-              <a:t>06/04/2015</a:t>
+              <a:t>09/04/2015</a:t>
             </a:fld>
             <a:endParaRPr lang="en-GB"/>
           </a:p>
@@ -5402,7 +5413,7 @@
         </p:nvSpPr>
         <p:spPr>
           <a:xfrm>
-            <a:off x="2050142" y="6373606"/>
+            <a:off x="2050142" y="6314883"/>
             <a:ext cx="3928383" cy="369332"/>
           </a:xfrm>
           <a:prstGeom prst="rect">
@@ -5429,6 +5440,3743 @@
     <p:extLst>
       <p:ext uri="{BB962C8B-B14F-4D97-AF65-F5344CB8AC3E}">
         <p14:creationId xmlns:p14="http://schemas.microsoft.com/office/powerpoint/2010/main" val="2428139655"/>
+      </p:ext>
+    </p:extLst>
+  </p:cSld>
+  <p:clrMapOvr>
+    <a:masterClrMapping/>
+  </p:clrMapOvr>
+  <p:timing>
+    <p:tnLst>
+      <p:par>
+        <p:cTn id="1" dur="indefinite" restart="never" nodeType="tmRoot"/>
+      </p:par>
+    </p:tnLst>
+  </p:timing>
+</p:sld>
+</file>
+
+<file path=ppt/slides/slide10.xml><?xml version="1.0" encoding="utf-8"?>
+<p:sld xmlns:a="http://schemas.openxmlformats.org/drawingml/2006/main" xmlns:r="http://schemas.openxmlformats.org/officeDocument/2006/relationships" xmlns:p="http://schemas.openxmlformats.org/presentationml/2006/main">
+  <p:cSld>
+    <p:spTree>
+      <p:nvGrpSpPr>
+        <p:cNvPr id="1" name=""/>
+        <p:cNvGrpSpPr/>
+        <p:nvPr/>
+      </p:nvGrpSpPr>
+      <p:grpSpPr>
+        <a:xfrm>
+          <a:off x="0" y="0"/>
+          <a:ext cx="0" cy="0"/>
+          <a:chOff x="0" y="0"/>
+          <a:chExt cx="0" cy="0"/>
+        </a:xfrm>
+      </p:grpSpPr>
+      <p:sp>
+        <p:nvSpPr>
+          <p:cNvPr id="2" name="Slide Number Placeholder 1"/>
+          <p:cNvSpPr>
+            <a:spLocks noGrp="1"/>
+          </p:cNvSpPr>
+          <p:nvPr>
+            <p:ph type="sldNum" sz="quarter" idx="10"/>
+          </p:nvPr>
+        </p:nvSpPr>
+        <p:spPr/>
+        <p:txBody>
+          <a:bodyPr/>
+          <a:lstStyle/>
+          <a:p>
+            <a:fld id="{61155BBA-336D-4AED-BB34-E42D9706BCE7}" type="slidenum">
+              <a:rPr lang="it-IT" altLang="en-US" smtClean="0"/>
+              <a:pPr/>
+              <a:t>10</a:t>
+            </a:fld>
+            <a:endParaRPr lang="it-IT" altLang="en-US"/>
+          </a:p>
+        </p:txBody>
+      </p:sp>
+      <p:sp>
+        <p:nvSpPr>
+          <p:cNvPr id="3" name="TextBox 2"/>
+          <p:cNvSpPr txBox="1"/>
+          <p:nvPr/>
+        </p:nvSpPr>
+        <p:spPr>
+          <a:xfrm>
+            <a:off x="2717019" y="1030484"/>
+            <a:ext cx="7323928" cy="954107"/>
+          </a:xfrm>
+          <a:prstGeom prst="rect">
+            <a:avLst/>
+          </a:prstGeom>
+          <a:noFill/>
+        </p:spPr>
+        <p:txBody>
+          <a:bodyPr wrap="none" rtlCol="0">
+            <a:spAutoFit/>
+          </a:bodyPr>
+          <a:lstStyle/>
+          <a:p>
+            <a:r>
+              <a:rPr lang="en-GB" sz="2800" b="1" i="1" dirty="0" smtClean="0">
+                <a:latin typeface="+mj-lt"/>
+              </a:rPr>
+              <a:t>Input Covariance – Spectrum Analysis 2/5</a:t>
+            </a:r>
+          </a:p>
+          <a:p>
+            <a:endParaRPr lang="en-GB" sz="2800" b="1" i="1" dirty="0" smtClean="0">
+              <a:latin typeface="+mj-lt"/>
+            </a:endParaRPr>
+          </a:p>
+        </p:txBody>
+      </p:sp>
+      <p:sp>
+        <p:nvSpPr>
+          <p:cNvPr id="4" name="TextBox 3"/>
+          <p:cNvSpPr txBox="1"/>
+          <p:nvPr/>
+        </p:nvSpPr>
+        <p:spPr>
+          <a:xfrm>
+            <a:off x="7556950" y="0"/>
+            <a:ext cx="2597506" cy="646331"/>
+          </a:xfrm>
+          <a:prstGeom prst="rect">
+            <a:avLst/>
+          </a:prstGeom>
+          <a:noFill/>
+        </p:spPr>
+        <p:txBody>
+          <a:bodyPr wrap="none" rtlCol="0">
+            <a:spAutoFit/>
+          </a:bodyPr>
+          <a:lstStyle/>
+          <a:p>
+            <a:r>
+              <a:rPr lang="en-GB" b="1" dirty="0" smtClean="0">
+                <a:solidFill>
+                  <a:srgbClr val="FF0000"/>
+                </a:solidFill>
+                <a:latin typeface="DejaVu Sans" panose="020B0603030804020204" pitchFamily="34" charset="0"/>
+                <a:ea typeface="DejaVu Sans" panose="020B0603030804020204" pitchFamily="34" charset="0"/>
+                <a:cs typeface="DejaVu Sans" panose="020B0603030804020204" pitchFamily="34" charset="0"/>
+              </a:rPr>
+              <a:t>DATA </a:t>
+            </a:r>
+            <a:r>
+              <a:rPr lang="en-GB" b="1" dirty="0" smtClean="0">
+                <a:solidFill>
+                  <a:srgbClr val="FF0000"/>
+                </a:solidFill>
+                <a:latin typeface="DejaVu Sans" panose="020B0603030804020204" pitchFamily="34" charset="0"/>
+                <a:ea typeface="DejaVu Sans" panose="020B0603030804020204" pitchFamily="34" charset="0"/>
+                <a:cs typeface="DejaVu Sans" panose="020B0603030804020204" pitchFamily="34" charset="0"/>
+              </a:rPr>
+              <a:t>PROCESSING</a:t>
+            </a:r>
+          </a:p>
+          <a:p>
+            <a:r>
+              <a:rPr lang="en-GB" b="1" dirty="0" smtClean="0">
+                <a:solidFill>
+                  <a:srgbClr val="FF0000"/>
+                </a:solidFill>
+                <a:latin typeface="DejaVu Sans" panose="020B0603030804020204" pitchFamily="34" charset="0"/>
+                <a:ea typeface="DejaVu Sans" panose="020B0603030804020204" pitchFamily="34" charset="0"/>
+                <a:cs typeface="DejaVu Sans" panose="020B0603030804020204" pitchFamily="34" charset="0"/>
+              </a:rPr>
+              <a:t>AND ANALYSIS</a:t>
+            </a:r>
+            <a:endParaRPr lang="en-GB" b="1" dirty="0">
+              <a:solidFill>
+                <a:srgbClr val="FF0000"/>
+              </a:solidFill>
+              <a:latin typeface="DejaVu Sans" panose="020B0603030804020204" pitchFamily="34" charset="0"/>
+              <a:ea typeface="DejaVu Sans" panose="020B0603030804020204" pitchFamily="34" charset="0"/>
+              <a:cs typeface="DejaVu Sans" panose="020B0603030804020204" pitchFamily="34" charset="0"/>
+            </a:endParaRPr>
+          </a:p>
+        </p:txBody>
+      </p:sp>
+      <p:sp>
+        <p:nvSpPr>
+          <p:cNvPr id="5" name="TextBox 4"/>
+          <p:cNvSpPr txBox="1"/>
+          <p:nvPr/>
+        </p:nvSpPr>
+        <p:spPr>
+          <a:xfrm>
+            <a:off x="645951" y="1937857"/>
+            <a:ext cx="10100345" cy="1200329"/>
+          </a:xfrm>
+          <a:prstGeom prst="rect">
+            <a:avLst/>
+          </a:prstGeom>
+          <a:noFill/>
+        </p:spPr>
+        <p:txBody>
+          <a:bodyPr wrap="square" rtlCol="0">
+            <a:spAutoFit/>
+          </a:bodyPr>
+          <a:lstStyle/>
+          <a:p>
+            <a:pPr marL="742950" lvl="1" indent="-285750">
+              <a:buFont typeface="Arial" panose="020B0604020202020204" pitchFamily="34" charset="0"/>
+              <a:buChar char="•"/>
+            </a:pPr>
+            <a:endParaRPr lang="en-GB" dirty="0"/>
+          </a:p>
+          <a:p>
+            <a:endParaRPr lang="en-GB" dirty="0" smtClean="0"/>
+          </a:p>
+          <a:p>
+            <a:pPr marL="742950" lvl="1" indent="-285750">
+              <a:buFont typeface="Arial" panose="020B0604020202020204" pitchFamily="34" charset="0"/>
+              <a:buChar char="•"/>
+            </a:pPr>
+            <a:endParaRPr lang="en-GB" dirty="0"/>
+          </a:p>
+          <a:p>
+            <a:pPr lvl="1"/>
+            <a:endParaRPr lang="en-GB" dirty="0"/>
+          </a:p>
+        </p:txBody>
+      </p:sp>
+      <p:graphicFrame>
+        <p:nvGraphicFramePr>
+          <p:cNvPr id="6" name="Table 5"/>
+          <p:cNvGraphicFramePr>
+            <a:graphicFrameLocks noGrp="1"/>
+          </p:cNvGraphicFramePr>
+          <p:nvPr>
+            <p:extLst>
+              <p:ext uri="{D42A27DB-BD31-4B8C-83A1-F6EECF244321}">
+                <p14:modId xmlns:p14="http://schemas.microsoft.com/office/powerpoint/2010/main" val="1832281426"/>
+              </p:ext>
+            </p:extLst>
+          </p:nvPr>
+        </p:nvGraphicFramePr>
+        <p:xfrm>
+          <a:off x="2717019" y="3205296"/>
+          <a:ext cx="6233020" cy="2406207"/>
+        </p:xfrm>
+        <a:graphic>
+          <a:graphicData uri="http://schemas.openxmlformats.org/drawingml/2006/table">
+            <a:tbl>
+              <a:tblPr firstRow="1" bandRow="1">
+                <a:tableStyleId>{5C22544A-7EE6-4342-B048-85BDC9FD1C3A}</a:tableStyleId>
+              </a:tblPr>
+              <a:tblGrid>
+                <a:gridCol w="1558255"/>
+                <a:gridCol w="1558255"/>
+                <a:gridCol w="1558255"/>
+                <a:gridCol w="1558255"/>
+              </a:tblGrid>
+              <a:tr h="578900">
+                <a:tc>
+                  <a:txBody>
+                    <a:bodyPr/>
+                    <a:lstStyle/>
+                    <a:p>
+                      <a:r>
+                        <a:rPr lang="en-GB" dirty="0" smtClean="0">
+                          <a:solidFill>
+                            <a:srgbClr val="FF0000"/>
+                          </a:solidFill>
+                        </a:rPr>
+                        <a:t>Ratio</a:t>
+                      </a:r>
+                      <a:r>
+                        <a:rPr lang="en-GB" baseline="0" dirty="0" smtClean="0">
+                          <a:solidFill>
+                            <a:srgbClr val="FF0000"/>
+                          </a:solidFill>
+                        </a:rPr>
+                        <a:t> of violation</a:t>
+                      </a:r>
+                      <a:endParaRPr lang="en-GB" dirty="0">
+                        <a:solidFill>
+                          <a:srgbClr val="FF0000"/>
+                        </a:solidFill>
+                      </a:endParaRPr>
+                    </a:p>
+                  </a:txBody>
+                  <a:tcPr>
+                    <a:solidFill>
+                      <a:schemeClr val="bg1"/>
+                    </a:solidFill>
+                  </a:tcPr>
+                </a:tc>
+                <a:tc>
+                  <a:txBody>
+                    <a:bodyPr/>
+                    <a:lstStyle/>
+                    <a:p>
+                      <a:r>
+                        <a:rPr lang="en-GB" dirty="0" smtClean="0"/>
+                        <a:t>1</a:t>
+                      </a:r>
+                      <a:r>
+                        <a:rPr lang="en-GB" baseline="30000" dirty="0" smtClean="0"/>
+                        <a:t>st</a:t>
+                      </a:r>
+                      <a:r>
+                        <a:rPr lang="en-GB" dirty="0" smtClean="0"/>
+                        <a:t> </a:t>
+                      </a:r>
+                      <a:r>
+                        <a:rPr lang="en-GB" dirty="0" err="1" smtClean="0"/>
+                        <a:t>Exp</a:t>
+                      </a:r>
+                      <a:endParaRPr lang="en-GB" dirty="0"/>
+                    </a:p>
+                  </a:txBody>
+                  <a:tcPr/>
+                </a:tc>
+                <a:tc>
+                  <a:txBody>
+                    <a:bodyPr/>
+                    <a:lstStyle/>
+                    <a:p>
+                      <a:r>
+                        <a:rPr lang="en-GB" baseline="0" dirty="0" smtClean="0"/>
+                        <a:t>2</a:t>
+                      </a:r>
+                      <a:r>
+                        <a:rPr lang="en-GB" baseline="30000" dirty="0" smtClean="0"/>
+                        <a:t>nd</a:t>
+                      </a:r>
+                      <a:r>
+                        <a:rPr lang="en-GB" baseline="0" dirty="0" smtClean="0"/>
+                        <a:t>  </a:t>
+                      </a:r>
+                      <a:r>
+                        <a:rPr lang="en-GB" baseline="0" dirty="0" err="1" smtClean="0"/>
+                        <a:t>Exp</a:t>
+                      </a:r>
+                      <a:r>
+                        <a:rPr lang="en-GB" baseline="0" dirty="0" smtClean="0"/>
+                        <a:t> </a:t>
+                      </a:r>
+                      <a:endParaRPr lang="en-GB" dirty="0"/>
+                    </a:p>
+                  </a:txBody>
+                  <a:tcPr/>
+                </a:tc>
+                <a:tc>
+                  <a:txBody>
+                    <a:bodyPr/>
+                    <a:lstStyle/>
+                    <a:p>
+                      <a:r>
+                        <a:rPr lang="en-GB" baseline="0" dirty="0" smtClean="0"/>
+                        <a:t> 3</a:t>
+                      </a:r>
+                      <a:r>
+                        <a:rPr lang="en-GB" baseline="30000" dirty="0" smtClean="0"/>
+                        <a:t>rd</a:t>
+                      </a:r>
+                      <a:r>
+                        <a:rPr lang="en-GB" baseline="0" dirty="0" smtClean="0"/>
+                        <a:t> </a:t>
+                      </a:r>
+                      <a:r>
+                        <a:rPr lang="en-GB" baseline="0" dirty="0" err="1" smtClean="0"/>
+                        <a:t>Exp</a:t>
+                      </a:r>
+                      <a:endParaRPr lang="en-GB" dirty="0"/>
+                    </a:p>
+                  </a:txBody>
+                  <a:tcPr/>
+                </a:tc>
+              </a:tr>
+              <a:tr h="335394">
+                <a:tc>
+                  <a:txBody>
+                    <a:bodyPr/>
+                    <a:lstStyle/>
+                    <a:p>
+                      <a:r>
+                        <a:rPr lang="en-GB" dirty="0" smtClean="0"/>
+                        <a:t>Full data</a:t>
+                      </a:r>
+                      <a:endParaRPr lang="en-GB" dirty="0"/>
+                    </a:p>
+                  </a:txBody>
+                  <a:tcPr>
+                    <a:solidFill>
+                      <a:schemeClr val="accent1">
+                        <a:lumMod val="60000"/>
+                        <a:lumOff val="40000"/>
+                      </a:schemeClr>
+                    </a:solidFill>
+                  </a:tcPr>
+                </a:tc>
+                <a:tc>
+                  <a:txBody>
+                    <a:bodyPr/>
+                    <a:lstStyle/>
+                    <a:p>
+                      <a:r>
+                        <a:rPr lang="en-GB" dirty="0" smtClean="0"/>
+                        <a:t>0.2245</a:t>
+                      </a:r>
+                      <a:endParaRPr lang="en-GB" dirty="0"/>
+                    </a:p>
+                  </a:txBody>
+                  <a:tcPr/>
+                </a:tc>
+                <a:tc>
+                  <a:txBody>
+                    <a:bodyPr/>
+                    <a:lstStyle/>
+                    <a:p>
+                      <a:r>
+                        <a:rPr lang="en-GB" dirty="0" smtClean="0"/>
+                        <a:t>0.2343</a:t>
+                      </a:r>
+                      <a:endParaRPr lang="en-GB" dirty="0"/>
+                    </a:p>
+                  </a:txBody>
+                  <a:tcPr/>
+                </a:tc>
+                <a:tc>
+                  <a:txBody>
+                    <a:bodyPr/>
+                    <a:lstStyle/>
+                    <a:p>
+                      <a:r>
+                        <a:rPr lang="en-GB" sz="1800" b="1" i="0" kern="1200" dirty="0" smtClean="0">
+                          <a:solidFill>
+                            <a:schemeClr val="dk1"/>
+                          </a:solidFill>
+                          <a:latin typeface="+mn-lt"/>
+                          <a:ea typeface="+mn-ea"/>
+                          <a:cs typeface="+mn-cs"/>
+                        </a:rPr>
+                        <a:t>0.2231</a:t>
+                      </a:r>
+                      <a:endParaRPr lang="en-GB" sz="1800" b="1" i="0" kern="1200" dirty="0">
+                        <a:solidFill>
+                          <a:schemeClr val="dk1"/>
+                        </a:solidFill>
+                        <a:latin typeface="+mn-lt"/>
+                        <a:ea typeface="+mn-ea"/>
+                        <a:cs typeface="+mn-cs"/>
+                      </a:endParaRPr>
+                    </a:p>
+                  </a:txBody>
+                  <a:tcPr/>
+                </a:tc>
+              </a:tr>
+              <a:tr h="466789">
+                <a:tc>
+                  <a:txBody>
+                    <a:bodyPr/>
+                    <a:lstStyle/>
+                    <a:p>
+                      <a:r>
+                        <a:rPr lang="en-GB" dirty="0" smtClean="0"/>
+                        <a:t>1</a:t>
+                      </a:r>
+                      <a:r>
+                        <a:rPr lang="en-GB" baseline="30000" dirty="0" smtClean="0"/>
+                        <a:t>st</a:t>
+                      </a:r>
+                      <a:r>
+                        <a:rPr lang="en-GB" dirty="0" smtClean="0"/>
+                        <a:t> portion</a:t>
+                      </a:r>
+                      <a:endParaRPr lang="en-GB" dirty="0"/>
+                    </a:p>
+                  </a:txBody>
+                  <a:tcPr>
+                    <a:solidFill>
+                      <a:schemeClr val="accent1">
+                        <a:lumMod val="60000"/>
+                        <a:lumOff val="40000"/>
+                      </a:schemeClr>
+                    </a:solidFill>
+                  </a:tcPr>
+                </a:tc>
+                <a:tc>
+                  <a:txBody>
+                    <a:bodyPr/>
+                    <a:lstStyle/>
+                    <a:p>
+                      <a:r>
+                        <a:rPr lang="en-GB" dirty="0" smtClean="0"/>
+                        <a:t>0.3154</a:t>
+                      </a:r>
+                      <a:endParaRPr lang="en-GB" dirty="0"/>
+                    </a:p>
+                  </a:txBody>
+                  <a:tcPr/>
+                </a:tc>
+                <a:tc>
+                  <a:txBody>
+                    <a:bodyPr/>
+                    <a:lstStyle/>
+                    <a:p>
+                      <a:r>
+                        <a:rPr lang="en-GB" dirty="0" smtClean="0"/>
+                        <a:t>0.4293</a:t>
+                      </a:r>
+                      <a:endParaRPr lang="en-GB" dirty="0"/>
+                    </a:p>
+                  </a:txBody>
+                  <a:tcPr/>
+                </a:tc>
+                <a:tc>
+                  <a:txBody>
+                    <a:bodyPr/>
+                    <a:lstStyle/>
+                    <a:p>
+                      <a:r>
+                        <a:rPr lang="en-GB" dirty="0" smtClean="0"/>
+                        <a:t>0.4110</a:t>
+                      </a:r>
+                      <a:endParaRPr lang="en-GB" dirty="0"/>
+                    </a:p>
+                  </a:txBody>
+                  <a:tcPr/>
+                </a:tc>
+              </a:tr>
+              <a:tr h="466789">
+                <a:tc>
+                  <a:txBody>
+                    <a:bodyPr/>
+                    <a:lstStyle/>
+                    <a:p>
+                      <a:r>
+                        <a:rPr lang="en-GB" dirty="0" smtClean="0"/>
+                        <a:t>2</a:t>
+                      </a:r>
+                      <a:r>
+                        <a:rPr lang="en-GB" baseline="30000" dirty="0" smtClean="0"/>
+                        <a:t>nd</a:t>
+                      </a:r>
+                      <a:r>
+                        <a:rPr lang="en-GB" baseline="0" dirty="0" smtClean="0"/>
+                        <a:t> portion</a:t>
+                      </a:r>
+                      <a:endParaRPr lang="en-GB" dirty="0"/>
+                    </a:p>
+                  </a:txBody>
+                  <a:tcPr>
+                    <a:solidFill>
+                      <a:schemeClr val="accent1">
+                        <a:lumMod val="60000"/>
+                        <a:lumOff val="40000"/>
+                      </a:schemeClr>
+                    </a:solidFill>
+                  </a:tcPr>
+                </a:tc>
+                <a:tc>
+                  <a:txBody>
+                    <a:bodyPr/>
+                    <a:lstStyle/>
+                    <a:p>
+                      <a:r>
+                        <a:rPr lang="en-GB" b="1" dirty="0" smtClean="0"/>
+                        <a:t>0.1785</a:t>
+                      </a:r>
+                      <a:endParaRPr lang="en-GB" b="1" dirty="0"/>
+                    </a:p>
+                  </a:txBody>
+                  <a:tcPr/>
+                </a:tc>
+                <a:tc>
+                  <a:txBody>
+                    <a:bodyPr/>
+                    <a:lstStyle/>
+                    <a:p>
+                      <a:r>
+                        <a:rPr lang="en-GB" dirty="0" smtClean="0"/>
+                        <a:t>0.3049</a:t>
+                      </a:r>
+                      <a:endParaRPr lang="en-GB" dirty="0"/>
+                    </a:p>
+                  </a:txBody>
+                  <a:tcPr/>
+                </a:tc>
+                <a:tc>
+                  <a:txBody>
+                    <a:bodyPr/>
+                    <a:lstStyle/>
+                    <a:p>
+                      <a:r>
+                        <a:rPr lang="en-GB" dirty="0" smtClean="0"/>
+                        <a:t>0.2995</a:t>
+                      </a:r>
+                      <a:endParaRPr lang="en-GB" dirty="0"/>
+                    </a:p>
+                  </a:txBody>
+                  <a:tcPr/>
+                </a:tc>
+              </a:tr>
+              <a:tr h="466789">
+                <a:tc>
+                  <a:txBody>
+                    <a:bodyPr/>
+                    <a:lstStyle/>
+                    <a:p>
+                      <a:r>
+                        <a:rPr lang="en-GB" dirty="0" smtClean="0"/>
+                        <a:t>3</a:t>
+                      </a:r>
+                      <a:r>
+                        <a:rPr lang="en-GB" baseline="30000" dirty="0" smtClean="0"/>
+                        <a:t>rd</a:t>
+                      </a:r>
+                      <a:r>
+                        <a:rPr lang="en-GB" dirty="0" smtClean="0"/>
+                        <a:t> portion</a:t>
+                      </a:r>
+                      <a:endParaRPr lang="en-GB" dirty="0"/>
+                    </a:p>
+                  </a:txBody>
+                  <a:tcPr>
+                    <a:solidFill>
+                      <a:schemeClr val="accent1">
+                        <a:lumMod val="60000"/>
+                        <a:lumOff val="40000"/>
+                      </a:schemeClr>
+                    </a:solidFill>
+                  </a:tcPr>
+                </a:tc>
+                <a:tc>
+                  <a:txBody>
+                    <a:bodyPr/>
+                    <a:lstStyle/>
+                    <a:p>
+                      <a:r>
+                        <a:rPr lang="en-GB" dirty="0" smtClean="0"/>
+                        <a:t>0.4483</a:t>
+                      </a:r>
+                      <a:endParaRPr lang="en-GB" dirty="0"/>
+                    </a:p>
+                  </a:txBody>
+                  <a:tcPr/>
+                </a:tc>
+                <a:tc>
+                  <a:txBody>
+                    <a:bodyPr/>
+                    <a:lstStyle/>
+                    <a:p>
+                      <a:r>
+                        <a:rPr lang="en-GB" dirty="0" smtClean="0"/>
+                        <a:t>0.7414</a:t>
+                      </a:r>
+                      <a:endParaRPr lang="en-GB" dirty="0"/>
+                    </a:p>
+                  </a:txBody>
+                  <a:tcPr/>
+                </a:tc>
+                <a:tc>
+                  <a:txBody>
+                    <a:bodyPr/>
+                    <a:lstStyle/>
+                    <a:p>
+                      <a:r>
+                        <a:rPr lang="en-GB" dirty="0" smtClean="0"/>
+                        <a:t>0.9138</a:t>
+                      </a:r>
+                      <a:endParaRPr lang="en-GB" dirty="0"/>
+                    </a:p>
+                  </a:txBody>
+                  <a:tcPr/>
+                </a:tc>
+              </a:tr>
+            </a:tbl>
+          </a:graphicData>
+        </a:graphic>
+      </p:graphicFrame>
+      <p:sp>
+        <p:nvSpPr>
+          <p:cNvPr id="7" name="TextBox 6"/>
+          <p:cNvSpPr txBox="1"/>
+          <p:nvPr/>
+        </p:nvSpPr>
+        <p:spPr>
+          <a:xfrm>
+            <a:off x="830510" y="2139193"/>
+            <a:ext cx="11427295" cy="646331"/>
+          </a:xfrm>
+          <a:prstGeom prst="rect">
+            <a:avLst/>
+          </a:prstGeom>
+          <a:noFill/>
+        </p:spPr>
+        <p:txBody>
+          <a:bodyPr wrap="none" rtlCol="0">
+            <a:spAutoFit/>
+          </a:bodyPr>
+          <a:lstStyle/>
+          <a:p>
+            <a:r>
+              <a:rPr lang="en-GB" dirty="0" smtClean="0"/>
+              <a:t>The following table summarise the results of the Anderson Test, with confidence 90%, considering all samples </a:t>
+            </a:r>
+            <a:br>
+              <a:rPr lang="en-GB" dirty="0" smtClean="0"/>
+            </a:br>
+            <a:r>
+              <a:rPr lang="en-GB" dirty="0" smtClean="0"/>
+              <a:t>of each set. </a:t>
+            </a:r>
+            <a:endParaRPr lang="en-GB" dirty="0"/>
+          </a:p>
+        </p:txBody>
+      </p:sp>
+      <p:sp>
+        <p:nvSpPr>
+          <p:cNvPr id="8" name="TextBox 7"/>
+          <p:cNvSpPr txBox="1"/>
+          <p:nvPr/>
+        </p:nvSpPr>
+        <p:spPr>
+          <a:xfrm>
+            <a:off x="7441035" y="3465513"/>
+            <a:ext cx="184731" cy="369332"/>
+          </a:xfrm>
+          <a:prstGeom prst="rect">
+            <a:avLst/>
+          </a:prstGeom>
+          <a:noFill/>
+        </p:spPr>
+        <p:txBody>
+          <a:bodyPr wrap="none" rtlCol="0">
+            <a:spAutoFit/>
+          </a:bodyPr>
+          <a:lstStyle/>
+          <a:p>
+            <a:endParaRPr lang="en-GB" dirty="0"/>
+          </a:p>
+        </p:txBody>
+      </p:sp>
+    </p:spTree>
+    <p:extLst>
+      <p:ext uri="{BB962C8B-B14F-4D97-AF65-F5344CB8AC3E}">
+        <p14:creationId xmlns:p14="http://schemas.microsoft.com/office/powerpoint/2010/main" val="3114098260"/>
+      </p:ext>
+    </p:extLst>
+  </p:cSld>
+  <p:clrMapOvr>
+    <a:masterClrMapping/>
+  </p:clrMapOvr>
+  <p:timing>
+    <p:tnLst>
+      <p:par>
+        <p:cTn id="1" dur="indefinite" restart="never" nodeType="tmRoot"/>
+      </p:par>
+    </p:tnLst>
+  </p:timing>
+</p:sld>
+</file>
+
+<file path=ppt/slides/slide11.xml><?xml version="1.0" encoding="utf-8"?>
+<p:sld xmlns:a="http://schemas.openxmlformats.org/drawingml/2006/main" xmlns:r="http://schemas.openxmlformats.org/officeDocument/2006/relationships" xmlns:p="http://schemas.openxmlformats.org/presentationml/2006/main">
+  <p:cSld>
+    <p:spTree>
+      <p:nvGrpSpPr>
+        <p:cNvPr id="1" name=""/>
+        <p:cNvGrpSpPr/>
+        <p:nvPr/>
+      </p:nvGrpSpPr>
+      <p:grpSpPr>
+        <a:xfrm>
+          <a:off x="0" y="0"/>
+          <a:ext cx="0" cy="0"/>
+          <a:chOff x="0" y="0"/>
+          <a:chExt cx="0" cy="0"/>
+        </a:xfrm>
+      </p:grpSpPr>
+      <p:pic>
+        <p:nvPicPr>
+          <p:cNvPr id="5" name="Picture 4"/>
+          <p:cNvPicPr>
+            <a:picLocks noChangeAspect="1"/>
+          </p:cNvPicPr>
+          <p:nvPr/>
+        </p:nvPicPr>
+        <p:blipFill>
+          <a:blip r:embed="rId2">
+            <a:extLst>
+              <a:ext uri="{28A0092B-C50C-407E-A947-70E740481C1C}">
+                <a14:useLocalDpi xmlns:a14="http://schemas.microsoft.com/office/drawing/2010/main" val="0"/>
+              </a:ext>
+            </a:extLst>
+          </a:blip>
+          <a:stretch>
+            <a:fillRect/>
+          </a:stretch>
+        </p:blipFill>
+        <p:spPr>
+          <a:xfrm>
+            <a:off x="0" y="1442702"/>
+            <a:ext cx="9325714" cy="4784286"/>
+          </a:xfrm>
+          <a:prstGeom prst="rect">
+            <a:avLst/>
+          </a:prstGeom>
+        </p:spPr>
+      </p:pic>
+      <p:sp>
+        <p:nvSpPr>
+          <p:cNvPr id="2" name="Slide Number Placeholder 1"/>
+          <p:cNvSpPr>
+            <a:spLocks noGrp="1"/>
+          </p:cNvSpPr>
+          <p:nvPr>
+            <p:ph type="sldNum" sz="quarter" idx="10"/>
+          </p:nvPr>
+        </p:nvSpPr>
+        <p:spPr/>
+        <p:txBody>
+          <a:bodyPr/>
+          <a:lstStyle/>
+          <a:p>
+            <a:fld id="{61155BBA-336D-4AED-BB34-E42D9706BCE7}" type="slidenum">
+              <a:rPr lang="it-IT" altLang="en-US" smtClean="0"/>
+              <a:pPr/>
+              <a:t>11</a:t>
+            </a:fld>
+            <a:endParaRPr lang="it-IT" altLang="en-US"/>
+          </a:p>
+        </p:txBody>
+      </p:sp>
+      <p:sp>
+        <p:nvSpPr>
+          <p:cNvPr id="3" name="TextBox 2"/>
+          <p:cNvSpPr txBox="1"/>
+          <p:nvPr/>
+        </p:nvSpPr>
+        <p:spPr>
+          <a:xfrm>
+            <a:off x="2717019" y="1030484"/>
+            <a:ext cx="7323928" cy="954107"/>
+          </a:xfrm>
+          <a:prstGeom prst="rect">
+            <a:avLst/>
+          </a:prstGeom>
+          <a:noFill/>
+        </p:spPr>
+        <p:txBody>
+          <a:bodyPr wrap="none" rtlCol="0">
+            <a:spAutoFit/>
+          </a:bodyPr>
+          <a:lstStyle/>
+          <a:p>
+            <a:r>
+              <a:rPr lang="en-GB" sz="2800" b="1" i="1" dirty="0" smtClean="0">
+                <a:latin typeface="+mj-lt"/>
+              </a:rPr>
+              <a:t>Input Covariance – Spectrum Analysis 3/5</a:t>
+            </a:r>
+          </a:p>
+          <a:p>
+            <a:endParaRPr lang="en-GB" sz="2800" b="1" i="1" dirty="0" smtClean="0">
+              <a:latin typeface="+mj-lt"/>
+            </a:endParaRPr>
+          </a:p>
+        </p:txBody>
+      </p:sp>
+      <p:sp>
+        <p:nvSpPr>
+          <p:cNvPr id="4" name="TextBox 3"/>
+          <p:cNvSpPr txBox="1"/>
+          <p:nvPr/>
+        </p:nvSpPr>
+        <p:spPr>
+          <a:xfrm>
+            <a:off x="7556950" y="0"/>
+            <a:ext cx="2597506" cy="646331"/>
+          </a:xfrm>
+          <a:prstGeom prst="rect">
+            <a:avLst/>
+          </a:prstGeom>
+          <a:noFill/>
+        </p:spPr>
+        <p:txBody>
+          <a:bodyPr wrap="none" rtlCol="0">
+            <a:spAutoFit/>
+          </a:bodyPr>
+          <a:lstStyle/>
+          <a:p>
+            <a:r>
+              <a:rPr lang="en-GB" b="1" dirty="0" smtClean="0">
+                <a:solidFill>
+                  <a:srgbClr val="FF0000"/>
+                </a:solidFill>
+                <a:latin typeface="DejaVu Sans" panose="020B0603030804020204" pitchFamily="34" charset="0"/>
+                <a:ea typeface="DejaVu Sans" panose="020B0603030804020204" pitchFamily="34" charset="0"/>
+                <a:cs typeface="DejaVu Sans" panose="020B0603030804020204" pitchFamily="34" charset="0"/>
+              </a:rPr>
+              <a:t>DATA </a:t>
+            </a:r>
+            <a:r>
+              <a:rPr lang="en-GB" b="1" dirty="0" smtClean="0">
+                <a:solidFill>
+                  <a:srgbClr val="FF0000"/>
+                </a:solidFill>
+                <a:latin typeface="DejaVu Sans" panose="020B0603030804020204" pitchFamily="34" charset="0"/>
+                <a:ea typeface="DejaVu Sans" panose="020B0603030804020204" pitchFamily="34" charset="0"/>
+                <a:cs typeface="DejaVu Sans" panose="020B0603030804020204" pitchFamily="34" charset="0"/>
+              </a:rPr>
+              <a:t>PROCESSING</a:t>
+            </a:r>
+          </a:p>
+          <a:p>
+            <a:r>
+              <a:rPr lang="en-GB" b="1" dirty="0" smtClean="0">
+                <a:solidFill>
+                  <a:srgbClr val="FF0000"/>
+                </a:solidFill>
+                <a:latin typeface="DejaVu Sans" panose="020B0603030804020204" pitchFamily="34" charset="0"/>
+                <a:ea typeface="DejaVu Sans" panose="020B0603030804020204" pitchFamily="34" charset="0"/>
+                <a:cs typeface="DejaVu Sans" panose="020B0603030804020204" pitchFamily="34" charset="0"/>
+              </a:rPr>
+              <a:t>AND ANALYSIS</a:t>
+            </a:r>
+            <a:endParaRPr lang="en-GB" b="1" dirty="0">
+              <a:solidFill>
+                <a:srgbClr val="FF0000"/>
+              </a:solidFill>
+              <a:latin typeface="DejaVu Sans" panose="020B0603030804020204" pitchFamily="34" charset="0"/>
+              <a:ea typeface="DejaVu Sans" panose="020B0603030804020204" pitchFamily="34" charset="0"/>
+              <a:cs typeface="DejaVu Sans" panose="020B0603030804020204" pitchFamily="34" charset="0"/>
+            </a:endParaRPr>
+          </a:p>
+        </p:txBody>
+      </p:sp>
+      <p:sp>
+        <p:nvSpPr>
+          <p:cNvPr id="10" name="TextBox 9"/>
+          <p:cNvSpPr txBox="1"/>
+          <p:nvPr/>
+        </p:nvSpPr>
+        <p:spPr>
+          <a:xfrm>
+            <a:off x="8855703" y="3465513"/>
+            <a:ext cx="3143809" cy="369332"/>
+          </a:xfrm>
+          <a:prstGeom prst="rect">
+            <a:avLst/>
+          </a:prstGeom>
+          <a:noFill/>
+        </p:spPr>
+        <p:txBody>
+          <a:bodyPr wrap="none" rtlCol="0">
+            <a:spAutoFit/>
+          </a:bodyPr>
+          <a:lstStyle/>
+          <a:p>
+            <a:r>
+              <a:rPr lang="en-GB" b="1" dirty="0">
+                <a:solidFill>
+                  <a:srgbClr val="FF0000"/>
+                </a:solidFill>
+              </a:rPr>
+              <a:t>1</a:t>
+            </a:r>
+            <a:r>
+              <a:rPr lang="en-GB" b="1" baseline="30000" dirty="0" smtClean="0">
+                <a:solidFill>
+                  <a:srgbClr val="FF0000"/>
+                </a:solidFill>
+              </a:rPr>
+              <a:t>rd</a:t>
+            </a:r>
+            <a:r>
+              <a:rPr lang="en-GB" b="1" dirty="0" smtClean="0">
+                <a:solidFill>
+                  <a:srgbClr val="FF0000"/>
+                </a:solidFill>
+              </a:rPr>
+              <a:t> experiment, 2</a:t>
+            </a:r>
+            <a:r>
+              <a:rPr lang="en-GB" b="1" baseline="30000" dirty="0" smtClean="0">
+                <a:solidFill>
+                  <a:srgbClr val="FF0000"/>
+                </a:solidFill>
+              </a:rPr>
+              <a:t>nd</a:t>
+            </a:r>
+            <a:r>
+              <a:rPr lang="en-GB" b="1" dirty="0" smtClean="0">
+                <a:solidFill>
+                  <a:srgbClr val="FF0000"/>
+                </a:solidFill>
+              </a:rPr>
+              <a:t> data set</a:t>
+            </a:r>
+            <a:endParaRPr lang="en-GB" b="1" dirty="0">
+              <a:solidFill>
+                <a:srgbClr val="FF0000"/>
+              </a:solidFill>
+            </a:endParaRPr>
+          </a:p>
+        </p:txBody>
+      </p:sp>
+    </p:spTree>
+    <p:extLst>
+      <p:ext uri="{BB962C8B-B14F-4D97-AF65-F5344CB8AC3E}">
+        <p14:creationId xmlns:p14="http://schemas.microsoft.com/office/powerpoint/2010/main" val="2555667076"/>
+      </p:ext>
+    </p:extLst>
+  </p:cSld>
+  <p:clrMapOvr>
+    <a:masterClrMapping/>
+  </p:clrMapOvr>
+  <p:timing>
+    <p:tnLst>
+      <p:par>
+        <p:cTn id="1" dur="indefinite" restart="never" nodeType="tmRoot"/>
+      </p:par>
+    </p:tnLst>
+  </p:timing>
+</p:sld>
+</file>
+
+<file path=ppt/slides/slide12.xml><?xml version="1.0" encoding="utf-8"?>
+<p:sld xmlns:a="http://schemas.openxmlformats.org/drawingml/2006/main" xmlns:r="http://schemas.openxmlformats.org/officeDocument/2006/relationships" xmlns:p="http://schemas.openxmlformats.org/presentationml/2006/main">
+  <p:cSld>
+    <p:spTree>
+      <p:nvGrpSpPr>
+        <p:cNvPr id="1" name=""/>
+        <p:cNvGrpSpPr/>
+        <p:nvPr/>
+      </p:nvGrpSpPr>
+      <p:grpSpPr>
+        <a:xfrm>
+          <a:off x="0" y="0"/>
+          <a:ext cx="0" cy="0"/>
+          <a:chOff x="0" y="0"/>
+          <a:chExt cx="0" cy="0"/>
+        </a:xfrm>
+      </p:grpSpPr>
+      <p:pic>
+        <p:nvPicPr>
+          <p:cNvPr id="5" name="Picture 4"/>
+          <p:cNvPicPr>
+            <a:picLocks noChangeAspect="1"/>
+          </p:cNvPicPr>
+          <p:nvPr/>
+        </p:nvPicPr>
+        <p:blipFill>
+          <a:blip r:embed="rId2">
+            <a:extLst>
+              <a:ext uri="{28A0092B-C50C-407E-A947-70E740481C1C}">
+                <a14:useLocalDpi xmlns:a14="http://schemas.microsoft.com/office/drawing/2010/main" val="0"/>
+              </a:ext>
+            </a:extLst>
+          </a:blip>
+          <a:stretch>
+            <a:fillRect/>
+          </a:stretch>
+        </p:blipFill>
+        <p:spPr>
+          <a:xfrm>
+            <a:off x="0" y="1533174"/>
+            <a:ext cx="9238299" cy="4739439"/>
+          </a:xfrm>
+          <a:prstGeom prst="rect">
+            <a:avLst/>
+          </a:prstGeom>
+        </p:spPr>
+      </p:pic>
+      <p:sp>
+        <p:nvSpPr>
+          <p:cNvPr id="2" name="Slide Number Placeholder 1"/>
+          <p:cNvSpPr>
+            <a:spLocks noGrp="1"/>
+          </p:cNvSpPr>
+          <p:nvPr>
+            <p:ph type="sldNum" sz="quarter" idx="10"/>
+          </p:nvPr>
+        </p:nvSpPr>
+        <p:spPr/>
+        <p:txBody>
+          <a:bodyPr/>
+          <a:lstStyle/>
+          <a:p>
+            <a:fld id="{61155BBA-336D-4AED-BB34-E42D9706BCE7}" type="slidenum">
+              <a:rPr lang="it-IT" altLang="en-US" smtClean="0"/>
+              <a:pPr/>
+              <a:t>12</a:t>
+            </a:fld>
+            <a:endParaRPr lang="it-IT" altLang="en-US"/>
+          </a:p>
+        </p:txBody>
+      </p:sp>
+      <p:sp>
+        <p:nvSpPr>
+          <p:cNvPr id="3" name="TextBox 2"/>
+          <p:cNvSpPr txBox="1"/>
+          <p:nvPr/>
+        </p:nvSpPr>
+        <p:spPr>
+          <a:xfrm>
+            <a:off x="2717019" y="1030484"/>
+            <a:ext cx="7323928" cy="954107"/>
+          </a:xfrm>
+          <a:prstGeom prst="rect">
+            <a:avLst/>
+          </a:prstGeom>
+          <a:noFill/>
+        </p:spPr>
+        <p:txBody>
+          <a:bodyPr wrap="none" rtlCol="0">
+            <a:spAutoFit/>
+          </a:bodyPr>
+          <a:lstStyle/>
+          <a:p>
+            <a:r>
+              <a:rPr lang="en-GB" sz="2800" b="1" i="1" dirty="0" smtClean="0">
+                <a:latin typeface="+mj-lt"/>
+              </a:rPr>
+              <a:t>Input Covariance – Spectrum Analysis 4/5</a:t>
+            </a:r>
+          </a:p>
+          <a:p>
+            <a:endParaRPr lang="en-GB" sz="2800" b="1" i="1" dirty="0" smtClean="0">
+              <a:latin typeface="+mj-lt"/>
+            </a:endParaRPr>
+          </a:p>
+        </p:txBody>
+      </p:sp>
+      <p:sp>
+        <p:nvSpPr>
+          <p:cNvPr id="4" name="TextBox 3"/>
+          <p:cNvSpPr txBox="1"/>
+          <p:nvPr/>
+        </p:nvSpPr>
+        <p:spPr>
+          <a:xfrm>
+            <a:off x="7556950" y="0"/>
+            <a:ext cx="2597506" cy="646331"/>
+          </a:xfrm>
+          <a:prstGeom prst="rect">
+            <a:avLst/>
+          </a:prstGeom>
+          <a:noFill/>
+        </p:spPr>
+        <p:txBody>
+          <a:bodyPr wrap="none" rtlCol="0">
+            <a:spAutoFit/>
+          </a:bodyPr>
+          <a:lstStyle/>
+          <a:p>
+            <a:r>
+              <a:rPr lang="en-GB" b="1" dirty="0" smtClean="0">
+                <a:solidFill>
+                  <a:srgbClr val="FF0000"/>
+                </a:solidFill>
+                <a:latin typeface="DejaVu Sans" panose="020B0603030804020204" pitchFamily="34" charset="0"/>
+                <a:ea typeface="DejaVu Sans" panose="020B0603030804020204" pitchFamily="34" charset="0"/>
+                <a:cs typeface="DejaVu Sans" panose="020B0603030804020204" pitchFamily="34" charset="0"/>
+              </a:rPr>
+              <a:t>DATA </a:t>
+            </a:r>
+            <a:r>
+              <a:rPr lang="en-GB" b="1" dirty="0" smtClean="0">
+                <a:solidFill>
+                  <a:srgbClr val="FF0000"/>
+                </a:solidFill>
+                <a:latin typeface="DejaVu Sans" panose="020B0603030804020204" pitchFamily="34" charset="0"/>
+                <a:ea typeface="DejaVu Sans" panose="020B0603030804020204" pitchFamily="34" charset="0"/>
+                <a:cs typeface="DejaVu Sans" panose="020B0603030804020204" pitchFamily="34" charset="0"/>
+              </a:rPr>
+              <a:t>PROCESSING</a:t>
+            </a:r>
+          </a:p>
+          <a:p>
+            <a:r>
+              <a:rPr lang="en-GB" b="1" dirty="0" smtClean="0">
+                <a:solidFill>
+                  <a:srgbClr val="FF0000"/>
+                </a:solidFill>
+                <a:latin typeface="DejaVu Sans" panose="020B0603030804020204" pitchFamily="34" charset="0"/>
+                <a:ea typeface="DejaVu Sans" panose="020B0603030804020204" pitchFamily="34" charset="0"/>
+                <a:cs typeface="DejaVu Sans" panose="020B0603030804020204" pitchFamily="34" charset="0"/>
+              </a:rPr>
+              <a:t>AND ANALYSIS</a:t>
+            </a:r>
+            <a:endParaRPr lang="en-GB" b="1" dirty="0">
+              <a:solidFill>
+                <a:srgbClr val="FF0000"/>
+              </a:solidFill>
+              <a:latin typeface="DejaVu Sans" panose="020B0603030804020204" pitchFamily="34" charset="0"/>
+              <a:ea typeface="DejaVu Sans" panose="020B0603030804020204" pitchFamily="34" charset="0"/>
+              <a:cs typeface="DejaVu Sans" panose="020B0603030804020204" pitchFamily="34" charset="0"/>
+            </a:endParaRPr>
+          </a:p>
+        </p:txBody>
+      </p:sp>
+      <p:sp>
+        <p:nvSpPr>
+          <p:cNvPr id="10" name="TextBox 9"/>
+          <p:cNvSpPr txBox="1"/>
+          <p:nvPr/>
+        </p:nvSpPr>
+        <p:spPr>
+          <a:xfrm>
+            <a:off x="8855703" y="3465513"/>
+            <a:ext cx="3172663" cy="369332"/>
+          </a:xfrm>
+          <a:prstGeom prst="rect">
+            <a:avLst/>
+          </a:prstGeom>
+          <a:noFill/>
+        </p:spPr>
+        <p:txBody>
+          <a:bodyPr wrap="none" rtlCol="0">
+            <a:spAutoFit/>
+          </a:bodyPr>
+          <a:lstStyle/>
+          <a:p>
+            <a:r>
+              <a:rPr lang="en-GB" b="1" dirty="0">
+                <a:solidFill>
+                  <a:srgbClr val="FF0000"/>
+                </a:solidFill>
+              </a:rPr>
+              <a:t>1</a:t>
+            </a:r>
+            <a:r>
+              <a:rPr lang="en-GB" b="1" baseline="30000" dirty="0" smtClean="0">
+                <a:solidFill>
+                  <a:srgbClr val="FF0000"/>
+                </a:solidFill>
+              </a:rPr>
+              <a:t>rd</a:t>
+            </a:r>
+            <a:r>
+              <a:rPr lang="en-GB" b="1" dirty="0" smtClean="0">
+                <a:solidFill>
+                  <a:srgbClr val="FF0000"/>
+                </a:solidFill>
+              </a:rPr>
+              <a:t> experiment, full data set</a:t>
+            </a:r>
+            <a:endParaRPr lang="en-GB" b="1" dirty="0">
+              <a:solidFill>
+                <a:srgbClr val="FF0000"/>
+              </a:solidFill>
+            </a:endParaRPr>
+          </a:p>
+        </p:txBody>
+      </p:sp>
+    </p:spTree>
+    <p:extLst>
+      <p:ext uri="{BB962C8B-B14F-4D97-AF65-F5344CB8AC3E}">
+        <p14:creationId xmlns:p14="http://schemas.microsoft.com/office/powerpoint/2010/main" val="2017596492"/>
+      </p:ext>
+    </p:extLst>
+  </p:cSld>
+  <p:clrMapOvr>
+    <a:masterClrMapping/>
+  </p:clrMapOvr>
+  <p:timing>
+    <p:tnLst>
+      <p:par>
+        <p:cTn id="1" dur="indefinite" restart="never" nodeType="tmRoot"/>
+      </p:par>
+    </p:tnLst>
+  </p:timing>
+</p:sld>
+</file>
+
+<file path=ppt/slides/slide13.xml><?xml version="1.0" encoding="utf-8"?>
+<p:sld xmlns:a="http://schemas.openxmlformats.org/drawingml/2006/main" xmlns:r="http://schemas.openxmlformats.org/officeDocument/2006/relationships" xmlns:p="http://schemas.openxmlformats.org/presentationml/2006/main">
+  <p:cSld>
+    <p:spTree>
+      <p:nvGrpSpPr>
+        <p:cNvPr id="1" name=""/>
+        <p:cNvGrpSpPr/>
+        <p:nvPr/>
+      </p:nvGrpSpPr>
+      <p:grpSpPr>
+        <a:xfrm>
+          <a:off x="0" y="0"/>
+          <a:ext cx="0" cy="0"/>
+          <a:chOff x="0" y="0"/>
+          <a:chExt cx="0" cy="0"/>
+        </a:xfrm>
+      </p:grpSpPr>
+      <p:pic>
+        <p:nvPicPr>
+          <p:cNvPr id="12" name="Picture 11"/>
+          <p:cNvPicPr>
+            <a:picLocks noChangeAspect="1"/>
+          </p:cNvPicPr>
+          <p:nvPr/>
+        </p:nvPicPr>
+        <p:blipFill>
+          <a:blip r:embed="rId2">
+            <a:extLst>
+              <a:ext uri="{28A0092B-C50C-407E-A947-70E740481C1C}">
+                <a14:useLocalDpi xmlns:a14="http://schemas.microsoft.com/office/drawing/2010/main" val="0"/>
+              </a:ext>
+            </a:extLst>
+          </a:blip>
+          <a:stretch>
+            <a:fillRect/>
+          </a:stretch>
+        </p:blipFill>
+        <p:spPr>
+          <a:xfrm>
+            <a:off x="0" y="1507537"/>
+            <a:ext cx="9325714" cy="4784286"/>
+          </a:xfrm>
+          <a:prstGeom prst="rect">
+            <a:avLst/>
+          </a:prstGeom>
+        </p:spPr>
+      </p:pic>
+      <p:sp>
+        <p:nvSpPr>
+          <p:cNvPr id="2" name="Slide Number Placeholder 1"/>
+          <p:cNvSpPr>
+            <a:spLocks noGrp="1"/>
+          </p:cNvSpPr>
+          <p:nvPr>
+            <p:ph type="sldNum" sz="quarter" idx="10"/>
+          </p:nvPr>
+        </p:nvSpPr>
+        <p:spPr/>
+        <p:txBody>
+          <a:bodyPr/>
+          <a:lstStyle/>
+          <a:p>
+            <a:fld id="{61155BBA-336D-4AED-BB34-E42D9706BCE7}" type="slidenum">
+              <a:rPr lang="it-IT" altLang="en-US" smtClean="0"/>
+              <a:pPr/>
+              <a:t>13</a:t>
+            </a:fld>
+            <a:endParaRPr lang="it-IT" altLang="en-US"/>
+          </a:p>
+        </p:txBody>
+      </p:sp>
+      <p:sp>
+        <p:nvSpPr>
+          <p:cNvPr id="3" name="TextBox 2"/>
+          <p:cNvSpPr txBox="1"/>
+          <p:nvPr/>
+        </p:nvSpPr>
+        <p:spPr>
+          <a:xfrm>
+            <a:off x="2717019" y="1030484"/>
+            <a:ext cx="7323928" cy="954107"/>
+          </a:xfrm>
+          <a:prstGeom prst="rect">
+            <a:avLst/>
+          </a:prstGeom>
+          <a:noFill/>
+        </p:spPr>
+        <p:txBody>
+          <a:bodyPr wrap="none" rtlCol="0">
+            <a:spAutoFit/>
+          </a:bodyPr>
+          <a:lstStyle/>
+          <a:p>
+            <a:r>
+              <a:rPr lang="en-GB" sz="2800" b="1" i="1" dirty="0" smtClean="0">
+                <a:latin typeface="+mj-lt"/>
+              </a:rPr>
+              <a:t>Input Covariance – Spectrum Analysis 5/5</a:t>
+            </a:r>
+          </a:p>
+          <a:p>
+            <a:endParaRPr lang="en-GB" sz="2800" b="1" i="1" dirty="0" smtClean="0">
+              <a:latin typeface="+mj-lt"/>
+            </a:endParaRPr>
+          </a:p>
+        </p:txBody>
+      </p:sp>
+      <p:sp>
+        <p:nvSpPr>
+          <p:cNvPr id="4" name="TextBox 3"/>
+          <p:cNvSpPr txBox="1"/>
+          <p:nvPr/>
+        </p:nvSpPr>
+        <p:spPr>
+          <a:xfrm>
+            <a:off x="7556950" y="0"/>
+            <a:ext cx="2597506" cy="646331"/>
+          </a:xfrm>
+          <a:prstGeom prst="rect">
+            <a:avLst/>
+          </a:prstGeom>
+          <a:noFill/>
+        </p:spPr>
+        <p:txBody>
+          <a:bodyPr wrap="none" rtlCol="0">
+            <a:spAutoFit/>
+          </a:bodyPr>
+          <a:lstStyle/>
+          <a:p>
+            <a:r>
+              <a:rPr lang="en-GB" b="1" dirty="0" smtClean="0">
+                <a:solidFill>
+                  <a:srgbClr val="FF0000"/>
+                </a:solidFill>
+                <a:latin typeface="DejaVu Sans" panose="020B0603030804020204" pitchFamily="34" charset="0"/>
+                <a:ea typeface="DejaVu Sans" panose="020B0603030804020204" pitchFamily="34" charset="0"/>
+                <a:cs typeface="DejaVu Sans" panose="020B0603030804020204" pitchFamily="34" charset="0"/>
+              </a:rPr>
+              <a:t>DATA </a:t>
+            </a:r>
+            <a:r>
+              <a:rPr lang="en-GB" b="1" dirty="0" smtClean="0">
+                <a:solidFill>
+                  <a:srgbClr val="FF0000"/>
+                </a:solidFill>
+                <a:latin typeface="DejaVu Sans" panose="020B0603030804020204" pitchFamily="34" charset="0"/>
+                <a:ea typeface="DejaVu Sans" panose="020B0603030804020204" pitchFamily="34" charset="0"/>
+                <a:cs typeface="DejaVu Sans" panose="020B0603030804020204" pitchFamily="34" charset="0"/>
+              </a:rPr>
+              <a:t>PROCESSING</a:t>
+            </a:r>
+          </a:p>
+          <a:p>
+            <a:r>
+              <a:rPr lang="en-GB" b="1" dirty="0" smtClean="0">
+                <a:solidFill>
+                  <a:srgbClr val="FF0000"/>
+                </a:solidFill>
+                <a:latin typeface="DejaVu Sans" panose="020B0603030804020204" pitchFamily="34" charset="0"/>
+                <a:ea typeface="DejaVu Sans" panose="020B0603030804020204" pitchFamily="34" charset="0"/>
+                <a:cs typeface="DejaVu Sans" panose="020B0603030804020204" pitchFamily="34" charset="0"/>
+              </a:rPr>
+              <a:t>AND ANALYSIS</a:t>
+            </a:r>
+            <a:endParaRPr lang="en-GB" b="1" dirty="0">
+              <a:solidFill>
+                <a:srgbClr val="FF0000"/>
+              </a:solidFill>
+              <a:latin typeface="DejaVu Sans" panose="020B0603030804020204" pitchFamily="34" charset="0"/>
+              <a:ea typeface="DejaVu Sans" panose="020B0603030804020204" pitchFamily="34" charset="0"/>
+              <a:cs typeface="DejaVu Sans" panose="020B0603030804020204" pitchFamily="34" charset="0"/>
+            </a:endParaRPr>
+          </a:p>
+        </p:txBody>
+      </p:sp>
+      <p:sp>
+        <p:nvSpPr>
+          <p:cNvPr id="10" name="TextBox 9"/>
+          <p:cNvSpPr txBox="1"/>
+          <p:nvPr/>
+        </p:nvSpPr>
+        <p:spPr>
+          <a:xfrm>
+            <a:off x="9019337" y="3530348"/>
+            <a:ext cx="3172663" cy="369332"/>
+          </a:xfrm>
+          <a:prstGeom prst="rect">
+            <a:avLst/>
+          </a:prstGeom>
+          <a:noFill/>
+        </p:spPr>
+        <p:txBody>
+          <a:bodyPr wrap="none" rtlCol="0">
+            <a:spAutoFit/>
+          </a:bodyPr>
+          <a:lstStyle/>
+          <a:p>
+            <a:r>
+              <a:rPr lang="en-GB" b="1" dirty="0" smtClean="0">
+                <a:solidFill>
+                  <a:srgbClr val="FF0000"/>
+                </a:solidFill>
+              </a:rPr>
+              <a:t>3</a:t>
+            </a:r>
+            <a:r>
+              <a:rPr lang="en-GB" b="1" baseline="30000" dirty="0" smtClean="0">
+                <a:solidFill>
+                  <a:srgbClr val="FF0000"/>
+                </a:solidFill>
+              </a:rPr>
+              <a:t>rd</a:t>
+            </a:r>
+            <a:r>
+              <a:rPr lang="en-GB" b="1" dirty="0" smtClean="0">
+                <a:solidFill>
+                  <a:srgbClr val="FF0000"/>
+                </a:solidFill>
+              </a:rPr>
+              <a:t> experiment, full data set</a:t>
+            </a:r>
+            <a:endParaRPr lang="en-GB" b="1" dirty="0">
+              <a:solidFill>
+                <a:srgbClr val="FF0000"/>
+              </a:solidFill>
+            </a:endParaRPr>
+          </a:p>
+        </p:txBody>
+      </p:sp>
+      <mc:AlternateContent xmlns:mc="http://schemas.openxmlformats.org/markup-compatibility/2006">
+        <mc:Choice xmlns:a14="http://schemas.microsoft.com/office/drawing/2010/main" Requires="a14">
+          <p:sp>
+            <p:nvSpPr>
+              <p:cNvPr id="13" name="TextBox 12"/>
+              <p:cNvSpPr txBox="1"/>
+              <p:nvPr/>
+            </p:nvSpPr>
+            <p:spPr>
+              <a:xfrm>
+                <a:off x="9019337" y="4406943"/>
+                <a:ext cx="3102131" cy="923330"/>
+              </a:xfrm>
+              <a:prstGeom prst="rect">
+                <a:avLst/>
+              </a:prstGeom>
+              <a:noFill/>
+            </p:spPr>
+            <p:txBody>
+              <a:bodyPr wrap="none" rtlCol="0">
+                <a:spAutoFit/>
+              </a:bodyPr>
+              <a:lstStyle/>
+              <a:p>
+                <a:r>
+                  <a:rPr lang="en-GB" dirty="0" smtClean="0"/>
+                  <a:t>Many terms for big</a:t>
+                </a:r>
+                <a14:m>
+                  <m:oMath xmlns:m="http://schemas.openxmlformats.org/officeDocument/2006/math">
+                    <m:r>
+                      <a:rPr lang="en-GB" b="0" i="0" smtClean="0">
+                        <a:latin typeface="Cambria Math" panose="02040503050406030204" pitchFamily="18" charset="0"/>
+                      </a:rPr>
+                      <m:t> </m:t>
+                    </m:r>
+                    <m:r>
+                      <a:rPr lang="en-GB" b="0" i="1" smtClean="0">
+                        <a:latin typeface="Cambria Math" panose="02040503050406030204" pitchFamily="18" charset="0"/>
+                      </a:rPr>
+                      <m:t>𝜏</m:t>
+                    </m:r>
+                  </m:oMath>
+                </a14:m>
+                <a:endParaRPr lang="en-GB" dirty="0" smtClean="0"/>
+              </a:p>
+              <a:p>
+                <a:r>
+                  <a:rPr lang="en-GB" dirty="0" smtClean="0"/>
+                  <a:t>Helped in passing the test</a:t>
+                </a:r>
+              </a:p>
+              <a:p>
+                <a:r>
+                  <a:rPr lang="en-GB" dirty="0" smtClean="0"/>
+                  <a:t>-&gt; Better to use 1 set of data</a:t>
+                </a:r>
+                <a:endParaRPr lang="en-GB" dirty="0"/>
+              </a:p>
+            </p:txBody>
+          </p:sp>
+        </mc:Choice>
+        <mc:Fallback>
+          <p:sp>
+            <p:nvSpPr>
+              <p:cNvPr id="13" name="TextBox 12"/>
+              <p:cNvSpPr txBox="1">
+                <a:spLocks noRot="1" noChangeAspect="1" noMove="1" noResize="1" noEditPoints="1" noAdjustHandles="1" noChangeArrowheads="1" noChangeShapeType="1" noTextEdit="1"/>
+              </p:cNvSpPr>
+              <p:nvPr/>
+            </p:nvSpPr>
+            <p:spPr>
+              <a:xfrm>
+                <a:off x="9019337" y="4406943"/>
+                <a:ext cx="3102131" cy="923330"/>
+              </a:xfrm>
+              <a:prstGeom prst="rect">
+                <a:avLst/>
+              </a:prstGeom>
+              <a:blipFill rotWithShape="0">
+                <a:blip r:embed="rId3"/>
+                <a:stretch>
+                  <a:fillRect l="-1772" t="-3974" r="-984" b="-9934"/>
+                </a:stretch>
+              </a:blipFill>
+            </p:spPr>
+            <p:txBody>
+              <a:bodyPr/>
+              <a:lstStyle/>
+              <a:p>
+                <a:r>
+                  <a:rPr lang="en-GB">
+                    <a:noFill/>
+                  </a:rPr>
+                  <a:t> </a:t>
+                </a:r>
+              </a:p>
+            </p:txBody>
+          </p:sp>
+        </mc:Fallback>
+      </mc:AlternateContent>
+    </p:spTree>
+    <p:extLst>
+      <p:ext uri="{BB962C8B-B14F-4D97-AF65-F5344CB8AC3E}">
+        <p14:creationId xmlns:p14="http://schemas.microsoft.com/office/powerpoint/2010/main" val="1696869441"/>
+      </p:ext>
+    </p:extLst>
+  </p:cSld>
+  <p:clrMapOvr>
+    <a:masterClrMapping/>
+  </p:clrMapOvr>
+  <p:timing>
+    <p:tnLst>
+      <p:par>
+        <p:cTn id="1" dur="indefinite" restart="never" nodeType="tmRoot"/>
+      </p:par>
+    </p:tnLst>
+  </p:timing>
+</p:sld>
+</file>
+
+<file path=ppt/slides/slide14.xml><?xml version="1.0" encoding="utf-8"?>
+<p:sld xmlns:a="http://schemas.openxmlformats.org/drawingml/2006/main" xmlns:r="http://schemas.openxmlformats.org/officeDocument/2006/relationships" xmlns:p="http://schemas.openxmlformats.org/presentationml/2006/main">
+  <p:cSld>
+    <p:spTree>
+      <p:nvGrpSpPr>
+        <p:cNvPr id="1" name=""/>
+        <p:cNvGrpSpPr/>
+        <p:nvPr/>
+      </p:nvGrpSpPr>
+      <p:grpSpPr>
+        <a:xfrm>
+          <a:off x="0" y="0"/>
+          <a:ext cx="0" cy="0"/>
+          <a:chOff x="0" y="0"/>
+          <a:chExt cx="0" cy="0"/>
+        </a:xfrm>
+      </p:grpSpPr>
+      <p:sp>
+        <p:nvSpPr>
+          <p:cNvPr id="2" name="Slide Number Placeholder 1"/>
+          <p:cNvSpPr>
+            <a:spLocks noGrp="1"/>
+          </p:cNvSpPr>
+          <p:nvPr>
+            <p:ph type="sldNum" sz="quarter" idx="10"/>
+          </p:nvPr>
+        </p:nvSpPr>
+        <p:spPr/>
+        <p:txBody>
+          <a:bodyPr/>
+          <a:lstStyle/>
+          <a:p>
+            <a:fld id="{61155BBA-336D-4AED-BB34-E42D9706BCE7}" type="slidenum">
+              <a:rPr lang="it-IT" altLang="en-US" smtClean="0"/>
+              <a:pPr/>
+              <a:t>14</a:t>
+            </a:fld>
+            <a:endParaRPr lang="it-IT" altLang="en-US"/>
+          </a:p>
+        </p:txBody>
+      </p:sp>
+      <p:sp>
+        <p:nvSpPr>
+          <p:cNvPr id="3" name="TextBox 2"/>
+          <p:cNvSpPr txBox="1"/>
+          <p:nvPr/>
+        </p:nvSpPr>
+        <p:spPr>
+          <a:xfrm>
+            <a:off x="2219233" y="975657"/>
+            <a:ext cx="8353056" cy="523220"/>
+          </a:xfrm>
+          <a:prstGeom prst="rect">
+            <a:avLst/>
+          </a:prstGeom>
+          <a:noFill/>
+        </p:spPr>
+        <p:txBody>
+          <a:bodyPr wrap="none" rtlCol="0">
+            <a:spAutoFit/>
+          </a:bodyPr>
+          <a:lstStyle/>
+          <a:p>
+            <a:r>
+              <a:rPr lang="en-GB" sz="2800" b="1" i="1" dirty="0" smtClean="0">
+                <a:latin typeface="+mj-lt"/>
+              </a:rPr>
+              <a:t>IMPULSE RESPONSE 1/3 – Correlation Analysis</a:t>
+            </a:r>
+            <a:endParaRPr lang="en-GB" sz="2800" b="1" i="1" dirty="0" smtClean="0">
+              <a:latin typeface="+mj-lt"/>
+            </a:endParaRPr>
+          </a:p>
+        </p:txBody>
+      </p:sp>
+      <p:sp>
+        <p:nvSpPr>
+          <p:cNvPr id="4" name="TextBox 3"/>
+          <p:cNvSpPr txBox="1"/>
+          <p:nvPr/>
+        </p:nvSpPr>
+        <p:spPr>
+          <a:xfrm>
+            <a:off x="7556950" y="0"/>
+            <a:ext cx="2597506" cy="646331"/>
+          </a:xfrm>
+          <a:prstGeom prst="rect">
+            <a:avLst/>
+          </a:prstGeom>
+          <a:noFill/>
+        </p:spPr>
+        <p:txBody>
+          <a:bodyPr wrap="none" rtlCol="0">
+            <a:spAutoFit/>
+          </a:bodyPr>
+          <a:lstStyle/>
+          <a:p>
+            <a:r>
+              <a:rPr lang="en-GB" b="1" dirty="0" smtClean="0">
+                <a:solidFill>
+                  <a:srgbClr val="FF0000"/>
+                </a:solidFill>
+                <a:latin typeface="DejaVu Sans" panose="020B0603030804020204" pitchFamily="34" charset="0"/>
+                <a:ea typeface="DejaVu Sans" panose="020B0603030804020204" pitchFamily="34" charset="0"/>
+                <a:cs typeface="DejaVu Sans" panose="020B0603030804020204" pitchFamily="34" charset="0"/>
+              </a:rPr>
+              <a:t>DATA </a:t>
+            </a:r>
+            <a:r>
+              <a:rPr lang="en-GB" b="1" dirty="0" smtClean="0">
+                <a:solidFill>
+                  <a:srgbClr val="FF0000"/>
+                </a:solidFill>
+                <a:latin typeface="DejaVu Sans" panose="020B0603030804020204" pitchFamily="34" charset="0"/>
+                <a:ea typeface="DejaVu Sans" panose="020B0603030804020204" pitchFamily="34" charset="0"/>
+                <a:cs typeface="DejaVu Sans" panose="020B0603030804020204" pitchFamily="34" charset="0"/>
+              </a:rPr>
+              <a:t>PROCESSING</a:t>
+            </a:r>
+          </a:p>
+          <a:p>
+            <a:r>
+              <a:rPr lang="en-GB" b="1" dirty="0" smtClean="0">
+                <a:solidFill>
+                  <a:srgbClr val="FF0000"/>
+                </a:solidFill>
+                <a:latin typeface="DejaVu Sans" panose="020B0603030804020204" pitchFamily="34" charset="0"/>
+                <a:ea typeface="DejaVu Sans" panose="020B0603030804020204" pitchFamily="34" charset="0"/>
+                <a:cs typeface="DejaVu Sans" panose="020B0603030804020204" pitchFamily="34" charset="0"/>
+              </a:rPr>
+              <a:t>AND ANALYSIS</a:t>
+            </a:r>
+            <a:endParaRPr lang="en-GB" b="1" dirty="0">
+              <a:solidFill>
+                <a:srgbClr val="FF0000"/>
+              </a:solidFill>
+              <a:latin typeface="DejaVu Sans" panose="020B0603030804020204" pitchFamily="34" charset="0"/>
+              <a:ea typeface="DejaVu Sans" panose="020B0603030804020204" pitchFamily="34" charset="0"/>
+              <a:cs typeface="DejaVu Sans" panose="020B0603030804020204" pitchFamily="34" charset="0"/>
+            </a:endParaRPr>
+          </a:p>
+        </p:txBody>
+      </p:sp>
+      <p:sp>
+        <p:nvSpPr>
+          <p:cNvPr id="5" name="TextBox 4"/>
+          <p:cNvSpPr txBox="1"/>
+          <p:nvPr/>
+        </p:nvSpPr>
+        <p:spPr>
+          <a:xfrm>
+            <a:off x="645951" y="1937857"/>
+            <a:ext cx="10100345" cy="646331"/>
+          </a:xfrm>
+          <a:prstGeom prst="rect">
+            <a:avLst/>
+          </a:prstGeom>
+          <a:noFill/>
+        </p:spPr>
+        <p:txBody>
+          <a:bodyPr wrap="square" rtlCol="0">
+            <a:spAutoFit/>
+          </a:bodyPr>
+          <a:lstStyle/>
+          <a:p>
+            <a:r>
+              <a:rPr lang="en-GB" dirty="0" smtClean="0"/>
+              <a:t>We can make use of the Correlation analysis in order to make a rough estimation of the impulse response, and together with the measured data, try to estimate the input delay (dead time).</a:t>
+            </a:r>
+            <a:endParaRPr lang="en-GB" dirty="0"/>
+          </a:p>
+        </p:txBody>
+      </p:sp>
+      <mc:AlternateContent xmlns:mc="http://schemas.openxmlformats.org/markup-compatibility/2006">
+        <mc:Choice xmlns:a14="http://schemas.microsoft.com/office/drawing/2010/main" Requires="a14">
+          <p:sp>
+            <p:nvSpPr>
+              <p:cNvPr id="8" name="TextBox 7"/>
+              <p:cNvSpPr txBox="1"/>
+              <p:nvPr/>
+            </p:nvSpPr>
+            <p:spPr>
+              <a:xfrm>
+                <a:off x="637561" y="2938929"/>
+                <a:ext cx="10620465" cy="2371098"/>
+              </a:xfrm>
+              <a:prstGeom prst="rect">
+                <a:avLst/>
+              </a:prstGeom>
+              <a:noFill/>
+            </p:spPr>
+            <p:txBody>
+              <a:bodyPr wrap="square" lIns="0" tIns="0" rIns="0" bIns="0" rtlCol="0">
+                <a:spAutoFit/>
+              </a:bodyPr>
+              <a:lstStyle/>
+              <a:p>
+                <a14:m>
+                  <m:oMath xmlns:m="http://schemas.openxmlformats.org/officeDocument/2006/math">
+                    <m:r>
+                      <a:rPr lang="en-GB" b="0" i="1" smtClean="0">
+                        <a:latin typeface="Cambria Math" panose="02040503050406030204" pitchFamily="18" charset="0"/>
+                      </a:rPr>
+                      <m:t>𝑦</m:t>
+                    </m:r>
+                    <m:d>
+                      <m:dPr>
+                        <m:ctrlPr>
+                          <a:rPr lang="en-GB" b="0" i="1" smtClean="0">
+                            <a:latin typeface="Cambria Math" panose="02040503050406030204" pitchFamily="18" charset="0"/>
+                          </a:rPr>
+                        </m:ctrlPr>
+                      </m:dPr>
+                      <m:e>
+                        <m:r>
+                          <a:rPr lang="en-GB" b="0" i="1" smtClean="0">
+                            <a:latin typeface="Cambria Math" panose="02040503050406030204" pitchFamily="18" charset="0"/>
+                          </a:rPr>
+                          <m:t>𝑛</m:t>
+                        </m:r>
+                      </m:e>
+                    </m:d>
+                    <m:r>
+                      <a:rPr lang="en-GB" b="0" i="1" smtClean="0">
+                        <a:latin typeface="Cambria Math" panose="02040503050406030204" pitchFamily="18" charset="0"/>
+                      </a:rPr>
+                      <m:t>=</m:t>
+                    </m:r>
+                    <m:nary>
+                      <m:naryPr>
+                        <m:chr m:val="∑"/>
+                        <m:ctrlPr>
+                          <a:rPr lang="en-GB" b="0" i="1" smtClean="0">
+                            <a:latin typeface="Cambria Math" panose="02040503050406030204" pitchFamily="18" charset="0"/>
+                          </a:rPr>
+                        </m:ctrlPr>
+                      </m:naryPr>
+                      <m:sub>
+                        <m:r>
+                          <m:rPr>
+                            <m:brk m:alnAt="23"/>
+                          </m:rPr>
+                          <a:rPr lang="en-GB" b="0" i="1" smtClean="0">
+                            <a:latin typeface="Cambria Math" panose="02040503050406030204" pitchFamily="18" charset="0"/>
+                          </a:rPr>
+                          <m:t>𝑘</m:t>
+                        </m:r>
+                        <m:r>
+                          <a:rPr lang="en-GB" b="0" i="1" smtClean="0">
+                            <a:latin typeface="Cambria Math" panose="02040503050406030204" pitchFamily="18" charset="0"/>
+                          </a:rPr>
+                          <m:t>=1</m:t>
+                        </m:r>
+                      </m:sub>
+                      <m:sup>
+                        <m:r>
+                          <a:rPr lang="en-GB" b="0" i="1" smtClean="0">
+                            <a:latin typeface="Cambria Math" panose="02040503050406030204" pitchFamily="18" charset="0"/>
+                          </a:rPr>
+                          <m:t>∞</m:t>
+                        </m:r>
+                      </m:sup>
+                      <m:e>
+                        <m:r>
+                          <a:rPr lang="en-GB" b="0" i="1" smtClean="0">
+                            <a:latin typeface="Cambria Math" panose="02040503050406030204" pitchFamily="18" charset="0"/>
+                          </a:rPr>
+                          <m:t>h</m:t>
+                        </m:r>
+                        <m:d>
+                          <m:dPr>
+                            <m:ctrlPr>
+                              <a:rPr lang="en-GB" b="0" i="1" smtClean="0">
+                                <a:latin typeface="Cambria Math" panose="02040503050406030204" pitchFamily="18" charset="0"/>
+                              </a:rPr>
+                            </m:ctrlPr>
+                          </m:dPr>
+                          <m:e>
+                            <m:r>
+                              <a:rPr lang="en-GB" b="0" i="1" smtClean="0">
+                                <a:latin typeface="Cambria Math" panose="02040503050406030204" pitchFamily="18" charset="0"/>
+                              </a:rPr>
+                              <m:t>𝑛</m:t>
+                            </m:r>
+                            <m:r>
+                              <a:rPr lang="en-GB" b="0" i="1" smtClean="0">
+                                <a:latin typeface="Cambria Math" panose="02040503050406030204" pitchFamily="18" charset="0"/>
+                              </a:rPr>
+                              <m:t>−</m:t>
+                            </m:r>
+                            <m:r>
+                              <a:rPr lang="en-GB" b="0" i="1" smtClean="0">
+                                <a:latin typeface="Cambria Math" panose="02040503050406030204" pitchFamily="18" charset="0"/>
+                              </a:rPr>
+                              <m:t>𝑘</m:t>
+                            </m:r>
+                          </m:e>
+                        </m:d>
+                        <m:r>
+                          <a:rPr lang="en-GB" b="0" i="1" smtClean="0">
+                            <a:latin typeface="Cambria Math" panose="02040503050406030204" pitchFamily="18" charset="0"/>
+                          </a:rPr>
+                          <m:t>𝑢</m:t>
+                        </m:r>
+                        <m:r>
+                          <a:rPr lang="en-GB" b="0" i="1" smtClean="0">
+                            <a:latin typeface="Cambria Math" panose="02040503050406030204" pitchFamily="18" charset="0"/>
+                          </a:rPr>
+                          <m:t>(</m:t>
+                        </m:r>
+                        <m:r>
+                          <a:rPr lang="en-GB" b="0" i="1" smtClean="0">
+                            <a:latin typeface="Cambria Math" panose="02040503050406030204" pitchFamily="18" charset="0"/>
+                          </a:rPr>
+                          <m:t>𝑘</m:t>
+                        </m:r>
+                        <m:r>
+                          <a:rPr lang="en-GB" b="0" i="1" smtClean="0">
+                            <a:latin typeface="Cambria Math" panose="02040503050406030204" pitchFamily="18" charset="0"/>
+                          </a:rPr>
+                          <m:t>)</m:t>
+                        </m:r>
+                      </m:e>
+                    </m:nary>
+                  </m:oMath>
+                </a14:m>
+                <a:r>
+                  <a:rPr lang="en-GB" dirty="0" smtClean="0"/>
+                  <a:t> , suppose </a:t>
+                </a:r>
+                <a14:m>
+                  <m:oMath xmlns:m="http://schemas.openxmlformats.org/officeDocument/2006/math">
+                    <m:r>
+                      <a:rPr lang="en-GB" b="0" i="1" smtClean="0">
+                        <a:latin typeface="Cambria Math" panose="02040503050406030204" pitchFamily="18" charset="0"/>
+                      </a:rPr>
+                      <m:t>𝑢</m:t>
+                    </m:r>
+                    <m:d>
+                      <m:dPr>
+                        <m:ctrlPr>
+                          <a:rPr lang="en-GB" b="0" i="1" smtClean="0">
+                            <a:latin typeface="Cambria Math" panose="02040503050406030204" pitchFamily="18" charset="0"/>
+                          </a:rPr>
+                        </m:ctrlPr>
+                      </m:dPr>
+                      <m:e>
+                        <m:r>
+                          <a:rPr lang="en-GB" b="0" i="1" smtClean="0">
+                            <a:latin typeface="Cambria Math" panose="02040503050406030204" pitchFamily="18" charset="0"/>
+                          </a:rPr>
+                          <m:t>𝑛</m:t>
+                        </m:r>
+                      </m:e>
+                    </m:d>
+                    <m:r>
+                      <a:rPr lang="en-GB" b="0" i="1" smtClean="0">
+                        <a:latin typeface="Cambria Math" panose="02040503050406030204" pitchFamily="18" charset="0"/>
+                      </a:rPr>
+                      <m:t>=</m:t>
+                    </m:r>
+                    <m:r>
+                      <a:rPr lang="en-GB" b="0" i="1" smtClean="0">
+                        <a:latin typeface="Cambria Math" panose="02040503050406030204" pitchFamily="18" charset="0"/>
+                      </a:rPr>
+                      <m:t>𝐴</m:t>
+                    </m:r>
+                    <m:d>
+                      <m:dPr>
+                        <m:ctrlPr>
+                          <a:rPr lang="en-GB" b="0" i="1" smtClean="0">
+                            <a:latin typeface="Cambria Math" panose="02040503050406030204" pitchFamily="18" charset="0"/>
+                          </a:rPr>
+                        </m:ctrlPr>
+                      </m:dPr>
+                      <m:e>
+                        <m:r>
+                          <a:rPr lang="en-GB" b="0" i="1" smtClean="0">
+                            <a:latin typeface="Cambria Math" panose="02040503050406030204" pitchFamily="18" charset="0"/>
+                          </a:rPr>
+                          <m:t>𝑧</m:t>
+                        </m:r>
+                      </m:e>
+                    </m:d>
+                    <m:r>
+                      <a:rPr lang="en-GB" b="0" i="1" smtClean="0">
+                        <a:latin typeface="Cambria Math" panose="02040503050406030204" pitchFamily="18" charset="0"/>
+                      </a:rPr>
+                      <m:t>𝑒</m:t>
+                    </m:r>
+                    <m:d>
+                      <m:dPr>
+                        <m:ctrlPr>
+                          <a:rPr lang="en-GB" b="0" i="1" smtClean="0">
+                            <a:latin typeface="Cambria Math" panose="02040503050406030204" pitchFamily="18" charset="0"/>
+                          </a:rPr>
+                        </m:ctrlPr>
+                      </m:dPr>
+                      <m:e>
+                        <m:r>
+                          <a:rPr lang="en-GB" b="0" i="1" smtClean="0">
+                            <a:latin typeface="Cambria Math" panose="02040503050406030204" pitchFamily="18" charset="0"/>
+                          </a:rPr>
+                          <m:t>𝑛</m:t>
+                        </m:r>
+                      </m:e>
+                    </m:d>
+                    <m:r>
+                      <a:rPr lang="en-GB" b="0" i="1" smtClean="0">
+                        <a:latin typeface="Cambria Math" panose="02040503050406030204" pitchFamily="18" charset="0"/>
+                      </a:rPr>
+                      <m:t>, </m:t>
+                    </m:r>
+                    <m:r>
+                      <a:rPr lang="en-GB" b="0" i="1" smtClean="0">
+                        <a:latin typeface="Cambria Math" panose="02040503050406030204" pitchFamily="18" charset="0"/>
+                      </a:rPr>
+                      <m:t>𝑒</m:t>
+                    </m:r>
+                    <m:r>
+                      <a:rPr lang="en-GB" b="0" i="1" smtClean="0">
+                        <a:latin typeface="Cambria Math" panose="02040503050406030204" pitchFamily="18" charset="0"/>
+                      </a:rPr>
+                      <m:t>∼</m:t>
+                    </m:r>
+                    <m:r>
+                      <a:rPr lang="en-GB" b="0" i="1" smtClean="0">
+                        <a:latin typeface="Cambria Math" panose="02040503050406030204" pitchFamily="18" charset="0"/>
+                      </a:rPr>
+                      <m:t>𝑤𝑛</m:t>
+                    </m:r>
+                    <m:r>
+                      <a:rPr lang="en-GB" b="0" i="1" smtClean="0">
+                        <a:latin typeface="Cambria Math" panose="02040503050406030204" pitchFamily="18" charset="0"/>
+                      </a:rPr>
+                      <m:t>(0,</m:t>
+                    </m:r>
+                    <m:sSup>
+                      <m:sSupPr>
+                        <m:ctrlPr>
+                          <a:rPr lang="en-GB" b="0" i="1" smtClean="0">
+                            <a:latin typeface="Cambria Math" panose="02040503050406030204" pitchFamily="18" charset="0"/>
+                          </a:rPr>
+                        </m:ctrlPr>
+                      </m:sSupPr>
+                      <m:e>
+                        <m:r>
+                          <a:rPr lang="en-GB" b="0" i="1" smtClean="0">
+                            <a:latin typeface="Cambria Math" panose="02040503050406030204" pitchFamily="18" charset="0"/>
+                          </a:rPr>
+                          <m:t>𝜆</m:t>
+                        </m:r>
+                      </m:e>
+                      <m:sup>
+                        <m:r>
+                          <a:rPr lang="en-GB" b="0" i="1" smtClean="0">
+                            <a:latin typeface="Cambria Math" panose="02040503050406030204" pitchFamily="18" charset="0"/>
+                          </a:rPr>
+                          <m:t>2</m:t>
+                        </m:r>
+                      </m:sup>
+                    </m:sSup>
+                    <m:r>
+                      <a:rPr lang="en-GB" b="0" i="1" smtClean="0">
+                        <a:latin typeface="Cambria Math" panose="02040503050406030204" pitchFamily="18" charset="0"/>
+                      </a:rPr>
+                      <m:t>)</m:t>
+                    </m:r>
+                  </m:oMath>
+                </a14:m>
+                <a:r>
+                  <a:rPr lang="en-GB" dirty="0" smtClean="0"/>
+                  <a:t> and </a:t>
+                </a:r>
+                <a14:m>
+                  <m:oMath xmlns:m="http://schemas.openxmlformats.org/officeDocument/2006/math">
+                    <m:r>
+                      <a:rPr lang="en-GB" b="0" i="1" smtClean="0">
+                        <a:latin typeface="Cambria Math" panose="02040503050406030204" pitchFamily="18" charset="0"/>
+                      </a:rPr>
+                      <m:t>∃</m:t>
+                    </m:r>
+                    <m:sSup>
+                      <m:sSupPr>
+                        <m:ctrlPr>
+                          <a:rPr lang="en-GB" b="0" i="1" smtClean="0">
+                            <a:latin typeface="Cambria Math" panose="02040503050406030204" pitchFamily="18" charset="0"/>
+                          </a:rPr>
+                        </m:ctrlPr>
+                      </m:sSupPr>
+                      <m:e>
+                        <m:r>
+                          <a:rPr lang="en-GB" b="0" i="1" smtClean="0">
+                            <a:latin typeface="Cambria Math" panose="02040503050406030204" pitchFamily="18" charset="0"/>
+                          </a:rPr>
+                          <m:t>𝐴</m:t>
+                        </m:r>
+                      </m:e>
+                      <m:sup>
+                        <m:r>
+                          <a:rPr lang="en-GB" b="0" i="1" smtClean="0">
+                            <a:latin typeface="Cambria Math" panose="02040503050406030204" pitchFamily="18" charset="0"/>
+                          </a:rPr>
+                          <m:t>−1</m:t>
+                        </m:r>
+                      </m:sup>
+                    </m:sSup>
+                    <m:r>
+                      <a:rPr lang="en-GB" b="0" i="1" smtClean="0">
+                        <a:latin typeface="Cambria Math" panose="02040503050406030204" pitchFamily="18" charset="0"/>
+                      </a:rPr>
+                      <m:t>(</m:t>
+                    </m:r>
+                    <m:r>
+                      <a:rPr lang="en-GB" b="0" i="1" smtClean="0">
+                        <a:latin typeface="Cambria Math" panose="02040503050406030204" pitchFamily="18" charset="0"/>
+                      </a:rPr>
+                      <m:t>𝑧</m:t>
+                    </m:r>
+                    <m:r>
+                      <a:rPr lang="en-GB" b="0" i="1" smtClean="0">
+                        <a:latin typeface="Cambria Math" panose="02040503050406030204" pitchFamily="18" charset="0"/>
+                      </a:rPr>
+                      <m:t>)</m:t>
+                    </m:r>
+                  </m:oMath>
+                </a14:m>
+                <a:r>
+                  <a:rPr lang="en-GB" dirty="0" smtClean="0"/>
+                  <a:t> causal filter, then consider </a:t>
+                </a:r>
+                <a14:m>
+                  <m:oMath xmlns:m="http://schemas.openxmlformats.org/officeDocument/2006/math">
+                    <m:acc>
+                      <m:accPr>
+                        <m:chr m:val="̂"/>
+                        <m:ctrlPr>
+                          <a:rPr lang="en-GB" b="0" i="1" smtClean="0">
+                            <a:latin typeface="Cambria Math" panose="02040503050406030204" pitchFamily="18" charset="0"/>
+                          </a:rPr>
+                        </m:ctrlPr>
+                      </m:accPr>
+                      <m:e>
+                        <m:r>
+                          <a:rPr lang="en-GB" b="0" i="1" smtClean="0">
+                            <a:latin typeface="Cambria Math" panose="02040503050406030204" pitchFamily="18" charset="0"/>
+                          </a:rPr>
+                          <m:t>𝑦</m:t>
+                        </m:r>
+                      </m:e>
+                    </m:acc>
+                    <m:r>
+                      <a:rPr lang="en-GB" b="0" i="1" smtClean="0">
+                        <a:latin typeface="Cambria Math" panose="02040503050406030204" pitchFamily="18" charset="0"/>
+                      </a:rPr>
+                      <m:t>=</m:t>
+                    </m:r>
+                    <m:sSup>
+                      <m:sSupPr>
+                        <m:ctrlPr>
+                          <a:rPr lang="en-GB" b="0" i="1" smtClean="0">
+                            <a:latin typeface="Cambria Math" panose="02040503050406030204" pitchFamily="18" charset="0"/>
+                          </a:rPr>
+                        </m:ctrlPr>
+                      </m:sSupPr>
+                      <m:e>
+                        <m:r>
+                          <a:rPr lang="en-GB" b="0" i="1" smtClean="0">
+                            <a:latin typeface="Cambria Math" panose="02040503050406030204" pitchFamily="18" charset="0"/>
+                          </a:rPr>
+                          <m:t>𝐴</m:t>
+                        </m:r>
+                      </m:e>
+                      <m:sup>
+                        <m:r>
+                          <a:rPr lang="en-GB" b="0" i="1" smtClean="0">
+                            <a:latin typeface="Cambria Math" panose="02040503050406030204" pitchFamily="18" charset="0"/>
+                          </a:rPr>
+                          <m:t>−1</m:t>
+                        </m:r>
+                      </m:sup>
+                    </m:sSup>
+                    <m:d>
+                      <m:dPr>
+                        <m:ctrlPr>
+                          <a:rPr lang="en-GB" b="0" i="1" smtClean="0">
+                            <a:latin typeface="Cambria Math" panose="02040503050406030204" pitchFamily="18" charset="0"/>
+                          </a:rPr>
+                        </m:ctrlPr>
+                      </m:dPr>
+                      <m:e>
+                        <m:r>
+                          <a:rPr lang="en-GB" b="0" i="1" smtClean="0">
+                            <a:latin typeface="Cambria Math" panose="02040503050406030204" pitchFamily="18" charset="0"/>
+                          </a:rPr>
+                          <m:t>𝑧</m:t>
+                        </m:r>
+                      </m:e>
+                    </m:d>
+                    <m:r>
+                      <a:rPr lang="en-GB" b="0" i="1" smtClean="0">
+                        <a:latin typeface="Cambria Math" panose="02040503050406030204" pitchFamily="18" charset="0"/>
+                      </a:rPr>
+                      <m:t>𝑦</m:t>
+                    </m:r>
+                    <m:r>
+                      <a:rPr lang="en-GB" b="0" i="1" smtClean="0">
+                        <a:latin typeface="Cambria Math" panose="02040503050406030204" pitchFamily="18" charset="0"/>
+                      </a:rPr>
+                      <m:t>, </m:t>
+                    </m:r>
+                    <m:acc>
+                      <m:accPr>
+                        <m:chr m:val="̂"/>
+                        <m:ctrlPr>
+                          <a:rPr lang="en-GB" b="0" i="1" smtClean="0">
+                            <a:latin typeface="Cambria Math" panose="02040503050406030204" pitchFamily="18" charset="0"/>
+                          </a:rPr>
+                        </m:ctrlPr>
+                      </m:accPr>
+                      <m:e>
+                        <m:r>
+                          <a:rPr lang="en-GB" b="0" i="1" smtClean="0">
+                            <a:latin typeface="Cambria Math" panose="02040503050406030204" pitchFamily="18" charset="0"/>
+                          </a:rPr>
+                          <m:t>𝑢</m:t>
+                        </m:r>
+                      </m:e>
+                    </m:acc>
+                    <m:r>
+                      <a:rPr lang="en-GB" b="0" i="1" smtClean="0">
+                        <a:latin typeface="Cambria Math" panose="02040503050406030204" pitchFamily="18" charset="0"/>
+                      </a:rPr>
+                      <m:t>=</m:t>
+                    </m:r>
+                    <m:sSup>
+                      <m:sSupPr>
+                        <m:ctrlPr>
+                          <a:rPr lang="en-GB" b="0" i="1" smtClean="0">
+                            <a:latin typeface="Cambria Math" panose="02040503050406030204" pitchFamily="18" charset="0"/>
+                          </a:rPr>
+                        </m:ctrlPr>
+                      </m:sSupPr>
+                      <m:e>
+                        <m:r>
+                          <a:rPr lang="en-GB" b="0" i="1" smtClean="0">
+                            <a:latin typeface="Cambria Math" panose="02040503050406030204" pitchFamily="18" charset="0"/>
+                          </a:rPr>
+                          <m:t>𝐴</m:t>
+                        </m:r>
+                      </m:e>
+                      <m:sup>
+                        <m:r>
+                          <a:rPr lang="en-GB" b="0" i="1" smtClean="0">
+                            <a:latin typeface="Cambria Math" panose="02040503050406030204" pitchFamily="18" charset="0"/>
+                          </a:rPr>
+                          <m:t>−1</m:t>
+                        </m:r>
+                      </m:sup>
+                    </m:sSup>
+                    <m:d>
+                      <m:dPr>
+                        <m:ctrlPr>
+                          <a:rPr lang="en-GB" b="0" i="1" smtClean="0">
+                            <a:latin typeface="Cambria Math" panose="02040503050406030204" pitchFamily="18" charset="0"/>
+                          </a:rPr>
+                        </m:ctrlPr>
+                      </m:dPr>
+                      <m:e>
+                        <m:r>
+                          <a:rPr lang="en-GB" b="0" i="1" smtClean="0">
+                            <a:latin typeface="Cambria Math" panose="02040503050406030204" pitchFamily="18" charset="0"/>
+                          </a:rPr>
+                          <m:t>𝑧</m:t>
+                        </m:r>
+                      </m:e>
+                    </m:d>
+                    <m:r>
+                      <a:rPr lang="en-GB" b="0" i="1" smtClean="0">
+                        <a:latin typeface="Cambria Math" panose="02040503050406030204" pitchFamily="18" charset="0"/>
+                      </a:rPr>
+                      <m:t>𝑢</m:t>
+                    </m:r>
+                  </m:oMath>
+                </a14:m>
+                <a:r>
+                  <a:rPr lang="en-GB" dirty="0" smtClean="0"/>
+                  <a:t> (we still have the same impulse response if we apply the filter to both the signals):</a:t>
+                </a:r>
+              </a:p>
+              <a:p>
+                <a14:m>
+                  <m:oMathPara xmlns:m="http://schemas.openxmlformats.org/officeDocument/2006/math">
+                    <m:oMathParaPr>
+                      <m:jc m:val="centerGroup"/>
+                    </m:oMathParaPr>
+                    <m:oMath xmlns:m="http://schemas.openxmlformats.org/officeDocument/2006/math">
+                      <m:sSub>
+                        <m:sSubPr>
+                          <m:ctrlPr>
+                            <a:rPr lang="en-GB" b="0" i="1" smtClean="0">
+                              <a:latin typeface="Cambria Math" panose="02040503050406030204" pitchFamily="18" charset="0"/>
+                            </a:rPr>
+                          </m:ctrlPr>
+                        </m:sSubPr>
+                        <m:e>
+                          <m:r>
+                            <a:rPr lang="en-GB" b="0" i="1" smtClean="0">
+                              <a:latin typeface="Cambria Math" panose="02040503050406030204" pitchFamily="18" charset="0"/>
+                            </a:rPr>
+                            <m:t>𝑅</m:t>
+                          </m:r>
+                        </m:e>
+                        <m:sub>
+                          <m:r>
+                            <a:rPr lang="en-GB" b="0" i="1" smtClean="0">
+                              <a:latin typeface="Cambria Math" panose="02040503050406030204" pitchFamily="18" charset="0"/>
+                            </a:rPr>
+                            <m:t>𝑦𝑢</m:t>
+                          </m:r>
+                        </m:sub>
+                      </m:sSub>
+                      <m:d>
+                        <m:dPr>
+                          <m:ctrlPr>
+                            <a:rPr lang="en-GB" b="0" i="1" smtClean="0">
+                              <a:latin typeface="Cambria Math" panose="02040503050406030204" pitchFamily="18" charset="0"/>
+                            </a:rPr>
+                          </m:ctrlPr>
+                        </m:dPr>
+                        <m:e>
+                          <m:r>
+                            <a:rPr lang="en-GB" b="0" i="1" smtClean="0">
+                              <a:latin typeface="Cambria Math" panose="02040503050406030204" pitchFamily="18" charset="0"/>
+                            </a:rPr>
+                            <m:t>𝜏</m:t>
+                          </m:r>
+                        </m:e>
+                      </m:d>
+                      <m:r>
+                        <a:rPr lang="en-GB" b="0" i="1" smtClean="0">
+                          <a:latin typeface="Cambria Math" panose="02040503050406030204" pitchFamily="18" charset="0"/>
+                        </a:rPr>
+                        <m:t>=</m:t>
+                      </m:r>
+                      <m:r>
+                        <a:rPr lang="en-GB" b="0" i="1" smtClean="0">
+                          <a:latin typeface="Cambria Math" panose="02040503050406030204" pitchFamily="18" charset="0"/>
+                        </a:rPr>
+                        <m:t>𝐸</m:t>
+                      </m:r>
+                      <m:d>
+                        <m:dPr>
+                          <m:begChr m:val="["/>
+                          <m:endChr m:val="]"/>
+                          <m:ctrlPr>
+                            <a:rPr lang="en-GB" b="0" i="1" smtClean="0">
+                              <a:latin typeface="Cambria Math" panose="02040503050406030204" pitchFamily="18" charset="0"/>
+                            </a:rPr>
+                          </m:ctrlPr>
+                        </m:dPr>
+                        <m:e>
+                          <m:r>
+                            <a:rPr lang="en-GB" b="0" i="1" smtClean="0">
+                              <a:latin typeface="Cambria Math" panose="02040503050406030204" pitchFamily="18" charset="0"/>
+                            </a:rPr>
+                            <m:t>𝑦</m:t>
+                          </m:r>
+                          <m:d>
+                            <m:dPr>
+                              <m:ctrlPr>
+                                <a:rPr lang="en-GB" b="0" i="1" smtClean="0">
+                                  <a:latin typeface="Cambria Math" panose="02040503050406030204" pitchFamily="18" charset="0"/>
+                                </a:rPr>
+                              </m:ctrlPr>
+                            </m:dPr>
+                            <m:e>
+                              <m:r>
+                                <a:rPr lang="en-GB" b="0" i="1" smtClean="0">
+                                  <a:latin typeface="Cambria Math" panose="02040503050406030204" pitchFamily="18" charset="0"/>
+                                </a:rPr>
+                                <m:t>𝑛</m:t>
+                              </m:r>
+                            </m:e>
+                          </m:d>
+                          <m:r>
+                            <a:rPr lang="en-GB" b="0" i="1" smtClean="0">
+                              <a:latin typeface="Cambria Math" panose="02040503050406030204" pitchFamily="18" charset="0"/>
+                            </a:rPr>
+                            <m:t>𝑢</m:t>
+                          </m:r>
+                          <m:d>
+                            <m:dPr>
+                              <m:ctrlPr>
+                                <a:rPr lang="en-GB" b="0" i="1" smtClean="0">
+                                  <a:latin typeface="Cambria Math" panose="02040503050406030204" pitchFamily="18" charset="0"/>
+                                </a:rPr>
+                              </m:ctrlPr>
+                            </m:dPr>
+                            <m:e>
+                              <m:r>
+                                <a:rPr lang="en-GB" b="0" i="1" smtClean="0">
+                                  <a:latin typeface="Cambria Math" panose="02040503050406030204" pitchFamily="18" charset="0"/>
+                                </a:rPr>
+                                <m:t>𝑛</m:t>
+                              </m:r>
+                              <m:r>
+                                <a:rPr lang="en-GB" b="0" i="1" smtClean="0">
+                                  <a:latin typeface="Cambria Math" panose="02040503050406030204" pitchFamily="18" charset="0"/>
+                                </a:rPr>
+                                <m:t>−</m:t>
+                              </m:r>
+                              <m:r>
+                                <a:rPr lang="en-GB" b="0" i="1" smtClean="0">
+                                  <a:latin typeface="Cambria Math" panose="02040503050406030204" pitchFamily="18" charset="0"/>
+                                </a:rPr>
+                                <m:t>𝜏</m:t>
+                              </m:r>
+                            </m:e>
+                          </m:d>
+                        </m:e>
+                      </m:d>
+                      <m:r>
+                        <a:rPr lang="en-GB" b="0" i="1" smtClean="0">
+                          <a:latin typeface="Cambria Math" panose="02040503050406030204" pitchFamily="18" charset="0"/>
+                        </a:rPr>
+                        <m:t>=</m:t>
+                      </m:r>
+                      <m:nary>
+                        <m:naryPr>
+                          <m:chr m:val="∑"/>
+                          <m:supHide m:val="on"/>
+                          <m:ctrlPr>
+                            <a:rPr lang="en-GB" b="0" i="1" smtClean="0">
+                              <a:latin typeface="Cambria Math" panose="02040503050406030204" pitchFamily="18" charset="0"/>
+                            </a:rPr>
+                          </m:ctrlPr>
+                        </m:naryPr>
+                        <m:sub>
+                          <m:r>
+                            <a:rPr lang="en-GB" b="0" i="1" smtClean="0">
+                              <a:latin typeface="Cambria Math" panose="02040503050406030204" pitchFamily="18" charset="0"/>
+                            </a:rPr>
+                            <m:t>𝑘</m:t>
+                          </m:r>
+                        </m:sub>
+                        <m:sup/>
+                        <m:e>
+                          <m:r>
+                            <a:rPr lang="en-GB" b="0" i="1" smtClean="0">
+                              <a:latin typeface="Cambria Math" panose="02040503050406030204" pitchFamily="18" charset="0"/>
+                            </a:rPr>
+                            <m:t>h</m:t>
+                          </m:r>
+                          <m:d>
+                            <m:dPr>
+                              <m:ctrlPr>
+                                <a:rPr lang="en-GB" b="0" i="1" smtClean="0">
+                                  <a:latin typeface="Cambria Math" panose="02040503050406030204" pitchFamily="18" charset="0"/>
+                                </a:rPr>
+                              </m:ctrlPr>
+                            </m:dPr>
+                            <m:e>
+                              <m:r>
+                                <a:rPr lang="en-GB" b="0" i="1" smtClean="0">
+                                  <a:latin typeface="Cambria Math" panose="02040503050406030204" pitchFamily="18" charset="0"/>
+                                </a:rPr>
+                                <m:t>𝑘</m:t>
+                              </m:r>
+                            </m:e>
+                          </m:d>
+                          <m:r>
+                            <a:rPr lang="en-GB" b="0" i="1" smtClean="0">
+                              <a:latin typeface="Cambria Math" panose="02040503050406030204" pitchFamily="18" charset="0"/>
+                            </a:rPr>
+                            <m:t>𝐸</m:t>
+                          </m:r>
+                          <m:d>
+                            <m:dPr>
+                              <m:begChr m:val="["/>
+                              <m:endChr m:val="]"/>
+                              <m:ctrlPr>
+                                <a:rPr lang="en-GB" b="0" i="1" smtClean="0">
+                                  <a:latin typeface="Cambria Math" panose="02040503050406030204" pitchFamily="18" charset="0"/>
+                                </a:rPr>
+                              </m:ctrlPr>
+                            </m:dPr>
+                            <m:e>
+                              <m:r>
+                                <a:rPr lang="en-GB" b="0" i="1" smtClean="0">
+                                  <a:latin typeface="Cambria Math" panose="02040503050406030204" pitchFamily="18" charset="0"/>
+                                </a:rPr>
+                                <m:t>𝑢</m:t>
+                              </m:r>
+                              <m:d>
+                                <m:dPr>
+                                  <m:ctrlPr>
+                                    <a:rPr lang="en-GB" b="0" i="1" smtClean="0">
+                                      <a:latin typeface="Cambria Math" panose="02040503050406030204" pitchFamily="18" charset="0"/>
+                                    </a:rPr>
+                                  </m:ctrlPr>
+                                </m:dPr>
+                                <m:e>
+                                  <m:r>
+                                    <a:rPr lang="en-GB" b="0" i="1" smtClean="0">
+                                      <a:latin typeface="Cambria Math" panose="02040503050406030204" pitchFamily="18" charset="0"/>
+                                    </a:rPr>
+                                    <m:t>𝑛</m:t>
+                                  </m:r>
+                                  <m:r>
+                                    <a:rPr lang="en-GB" b="0" i="1" smtClean="0">
+                                      <a:latin typeface="Cambria Math" panose="02040503050406030204" pitchFamily="18" charset="0"/>
+                                    </a:rPr>
+                                    <m:t>−</m:t>
+                                  </m:r>
+                                  <m:r>
+                                    <a:rPr lang="en-GB" b="0" i="1" smtClean="0">
+                                      <a:latin typeface="Cambria Math" panose="02040503050406030204" pitchFamily="18" charset="0"/>
+                                    </a:rPr>
+                                    <m:t>𝑘</m:t>
+                                  </m:r>
+                                </m:e>
+                              </m:d>
+                              <m:r>
+                                <a:rPr lang="en-GB" b="0" i="1" smtClean="0">
+                                  <a:latin typeface="Cambria Math" panose="02040503050406030204" pitchFamily="18" charset="0"/>
+                                </a:rPr>
+                                <m:t>𝑢</m:t>
+                              </m:r>
+                              <m:d>
+                                <m:dPr>
+                                  <m:ctrlPr>
+                                    <a:rPr lang="en-GB" b="0" i="1" smtClean="0">
+                                      <a:latin typeface="Cambria Math" panose="02040503050406030204" pitchFamily="18" charset="0"/>
+                                    </a:rPr>
+                                  </m:ctrlPr>
+                                </m:dPr>
+                                <m:e>
+                                  <m:r>
+                                    <a:rPr lang="en-GB" b="0" i="1" smtClean="0">
+                                      <a:latin typeface="Cambria Math" panose="02040503050406030204" pitchFamily="18" charset="0"/>
+                                    </a:rPr>
+                                    <m:t>𝑛</m:t>
+                                  </m:r>
+                                  <m:r>
+                                    <a:rPr lang="en-GB" b="0" i="1" smtClean="0">
+                                      <a:latin typeface="Cambria Math" panose="02040503050406030204" pitchFamily="18" charset="0"/>
+                                    </a:rPr>
+                                    <m:t>−</m:t>
+                                  </m:r>
+                                  <m:r>
+                                    <a:rPr lang="en-GB" b="0" i="1" smtClean="0">
+                                      <a:latin typeface="Cambria Math" panose="02040503050406030204" pitchFamily="18" charset="0"/>
+                                    </a:rPr>
+                                    <m:t>𝜏</m:t>
+                                  </m:r>
+                                </m:e>
+                              </m:d>
+                            </m:e>
+                          </m:d>
+                          <m:r>
+                            <a:rPr lang="en-GB" b="0" i="1" smtClean="0">
+                              <a:latin typeface="Cambria Math" panose="02040503050406030204" pitchFamily="18" charset="0"/>
+                            </a:rPr>
+                            <m:t>=</m:t>
+                          </m:r>
+                          <m:nary>
+                            <m:naryPr>
+                              <m:chr m:val="∑"/>
+                              <m:supHide m:val="on"/>
+                              <m:ctrlPr>
+                                <a:rPr lang="en-GB" b="0" i="1" smtClean="0">
+                                  <a:latin typeface="Cambria Math" panose="02040503050406030204" pitchFamily="18" charset="0"/>
+                                </a:rPr>
+                              </m:ctrlPr>
+                            </m:naryPr>
+                            <m:sub>
+                              <m:r>
+                                <a:rPr lang="en-GB" b="0" i="1" smtClean="0">
+                                  <a:latin typeface="Cambria Math" panose="02040503050406030204" pitchFamily="18" charset="0"/>
+                                </a:rPr>
+                                <m:t>𝑘</m:t>
+                              </m:r>
+                            </m:sub>
+                            <m:sup/>
+                            <m:e>
+                              <m:r>
+                                <a:rPr lang="en-GB" b="0" i="1" smtClean="0">
+                                  <a:latin typeface="Cambria Math" panose="02040503050406030204" pitchFamily="18" charset="0"/>
+                                </a:rPr>
+                                <m:t>h</m:t>
+                              </m:r>
+                              <m:d>
+                                <m:dPr>
+                                  <m:ctrlPr>
+                                    <a:rPr lang="en-GB" b="0" i="1" smtClean="0">
+                                      <a:latin typeface="Cambria Math" panose="02040503050406030204" pitchFamily="18" charset="0"/>
+                                    </a:rPr>
+                                  </m:ctrlPr>
+                                </m:dPr>
+                                <m:e>
+                                  <m:r>
+                                    <a:rPr lang="en-GB" b="0" i="1" smtClean="0">
+                                      <a:latin typeface="Cambria Math" panose="02040503050406030204" pitchFamily="18" charset="0"/>
+                                    </a:rPr>
+                                    <m:t>𝑘</m:t>
+                                  </m:r>
+                                </m:e>
+                              </m:d>
+                              <m:sSub>
+                                <m:sSubPr>
+                                  <m:ctrlPr>
+                                    <a:rPr lang="en-GB" b="0" i="1" smtClean="0">
+                                      <a:latin typeface="Cambria Math" panose="02040503050406030204" pitchFamily="18" charset="0"/>
+                                    </a:rPr>
+                                  </m:ctrlPr>
+                                </m:sSubPr>
+                                <m:e>
+                                  <m:r>
+                                    <a:rPr lang="en-GB" b="0" i="1" smtClean="0">
+                                      <a:latin typeface="Cambria Math" panose="02040503050406030204" pitchFamily="18" charset="0"/>
+                                    </a:rPr>
+                                    <m:t>𝑅</m:t>
+                                  </m:r>
+                                </m:e>
+                                <m:sub>
+                                  <m:r>
+                                    <a:rPr lang="en-GB" b="0" i="1" smtClean="0">
+                                      <a:latin typeface="Cambria Math" panose="02040503050406030204" pitchFamily="18" charset="0"/>
+                                    </a:rPr>
+                                    <m:t>𝑢</m:t>
+                                  </m:r>
+                                </m:sub>
+                              </m:sSub>
+                              <m:r>
+                                <a:rPr lang="en-GB" b="0" i="1" smtClean="0">
+                                  <a:latin typeface="Cambria Math" panose="02040503050406030204" pitchFamily="18" charset="0"/>
+                                </a:rPr>
+                                <m:t>(</m:t>
+                              </m:r>
+                              <m:r>
+                                <a:rPr lang="en-GB" b="0" i="1" smtClean="0">
+                                  <a:latin typeface="Cambria Math" panose="02040503050406030204" pitchFamily="18" charset="0"/>
+                                </a:rPr>
+                                <m:t>𝜏</m:t>
+                              </m:r>
+                              <m:r>
+                                <a:rPr lang="en-GB" b="0" i="1" smtClean="0">
+                                  <a:latin typeface="Cambria Math" panose="02040503050406030204" pitchFamily="18" charset="0"/>
+                                </a:rPr>
+                                <m:t>)</m:t>
+                              </m:r>
+                            </m:e>
+                          </m:nary>
+                          <m:r>
+                            <a:rPr lang="en-GB" b="0" i="1" smtClean="0">
+                              <a:latin typeface="Cambria Math" panose="02040503050406030204" pitchFamily="18" charset="0"/>
+                            </a:rPr>
+                            <m:t>=</m:t>
+                          </m:r>
+                          <m:r>
+                            <a:rPr lang="en-GB" b="0" i="1" smtClean="0">
+                              <a:latin typeface="Cambria Math" panose="02040503050406030204" pitchFamily="18" charset="0"/>
+                            </a:rPr>
+                            <m:t>𝜆</m:t>
+                          </m:r>
+                          <m:r>
+                            <a:rPr lang="en-GB" b="0" i="1" smtClean="0">
+                              <a:latin typeface="Cambria Math" panose="02040503050406030204" pitchFamily="18" charset="0"/>
+                            </a:rPr>
+                            <m:t>h</m:t>
+                          </m:r>
+                          <m:r>
+                            <a:rPr lang="en-GB" b="0" i="1" smtClean="0">
+                              <a:latin typeface="Cambria Math" panose="02040503050406030204" pitchFamily="18" charset="0"/>
+                            </a:rPr>
+                            <m:t>(</m:t>
+                          </m:r>
+                          <m:r>
+                            <a:rPr lang="en-GB" b="0" i="1" smtClean="0">
+                              <a:latin typeface="Cambria Math" panose="02040503050406030204" pitchFamily="18" charset="0"/>
+                            </a:rPr>
+                            <m:t>𝑘</m:t>
+                          </m:r>
+                          <m:r>
+                            <a:rPr lang="en-GB" b="0" i="1" smtClean="0">
+                              <a:latin typeface="Cambria Math" panose="02040503050406030204" pitchFamily="18" charset="0"/>
+                            </a:rPr>
+                            <m:t>)</m:t>
+                          </m:r>
+                        </m:e>
+                      </m:nary>
+                    </m:oMath>
+                  </m:oMathPara>
+                </a14:m>
+                <a:endParaRPr lang="en-GB" dirty="0" smtClean="0"/>
+              </a:p>
+              <a:p>
+                <a:endParaRPr lang="en-GB" dirty="0"/>
+              </a:p>
+              <a:p>
+                <a14:m>
+                  <m:oMathPara xmlns:m="http://schemas.openxmlformats.org/officeDocument/2006/math">
+                    <m:oMathParaPr>
+                      <m:jc m:val="centerGroup"/>
+                    </m:oMathParaPr>
+                    <m:oMath xmlns:m="http://schemas.openxmlformats.org/officeDocument/2006/math">
+                      <m:r>
+                        <a:rPr lang="en-GB" b="0" i="1" smtClean="0">
+                          <a:latin typeface="Cambria Math" panose="02040503050406030204" pitchFamily="18" charset="0"/>
+                        </a:rPr>
+                        <m:t>⇒</m:t>
+                      </m:r>
+                      <m:r>
+                        <a:rPr lang="en-GB" b="0" i="1" smtClean="0">
+                          <a:latin typeface="Cambria Math" panose="02040503050406030204" pitchFamily="18" charset="0"/>
+                        </a:rPr>
+                        <m:t>h</m:t>
+                      </m:r>
+                      <m:d>
+                        <m:dPr>
+                          <m:ctrlPr>
+                            <a:rPr lang="en-GB" b="0" i="1" smtClean="0">
+                              <a:latin typeface="Cambria Math" panose="02040503050406030204" pitchFamily="18" charset="0"/>
+                            </a:rPr>
+                          </m:ctrlPr>
+                        </m:dPr>
+                        <m:e>
+                          <m:r>
+                            <a:rPr lang="en-GB" b="0" i="1" smtClean="0">
+                              <a:latin typeface="Cambria Math" panose="02040503050406030204" pitchFamily="18" charset="0"/>
+                            </a:rPr>
+                            <m:t>𝜏</m:t>
+                          </m:r>
+                        </m:e>
+                      </m:d>
+                      <m:r>
+                        <a:rPr lang="en-GB" b="0" i="1" smtClean="0">
+                          <a:latin typeface="Cambria Math" panose="02040503050406030204" pitchFamily="18" charset="0"/>
+                        </a:rPr>
+                        <m:t>=</m:t>
+                      </m:r>
+                      <m:f>
+                        <m:fPr>
+                          <m:ctrlPr>
+                            <a:rPr lang="en-GB" b="0" i="1" smtClean="0">
+                              <a:latin typeface="Cambria Math" panose="02040503050406030204" pitchFamily="18" charset="0"/>
+                            </a:rPr>
+                          </m:ctrlPr>
+                        </m:fPr>
+                        <m:num>
+                          <m:sSub>
+                            <m:sSubPr>
+                              <m:ctrlPr>
+                                <a:rPr lang="en-GB" b="0" i="1" smtClean="0">
+                                  <a:latin typeface="Cambria Math" panose="02040503050406030204" pitchFamily="18" charset="0"/>
+                                </a:rPr>
+                              </m:ctrlPr>
+                            </m:sSubPr>
+                            <m:e>
+                              <m:r>
+                                <a:rPr lang="en-GB" b="0" i="1" smtClean="0">
+                                  <a:latin typeface="Cambria Math" panose="02040503050406030204" pitchFamily="18" charset="0"/>
+                                </a:rPr>
+                                <m:t>𝑅</m:t>
+                              </m:r>
+                            </m:e>
+                            <m:sub>
+                              <m:r>
+                                <a:rPr lang="en-GB" b="0" i="1" smtClean="0">
+                                  <a:latin typeface="Cambria Math" panose="02040503050406030204" pitchFamily="18" charset="0"/>
+                                </a:rPr>
+                                <m:t>𝑦𝑢</m:t>
+                              </m:r>
+                            </m:sub>
+                          </m:sSub>
+                          <m:d>
+                            <m:dPr>
+                              <m:ctrlPr>
+                                <a:rPr lang="en-GB" b="0" i="1" smtClean="0">
+                                  <a:latin typeface="Cambria Math" panose="02040503050406030204" pitchFamily="18" charset="0"/>
+                                </a:rPr>
+                              </m:ctrlPr>
+                            </m:dPr>
+                            <m:e>
+                              <m:r>
+                                <a:rPr lang="en-GB" b="0" i="1" smtClean="0">
+                                  <a:latin typeface="Cambria Math" panose="02040503050406030204" pitchFamily="18" charset="0"/>
+                                </a:rPr>
+                                <m:t>𝜏</m:t>
+                              </m:r>
+                            </m:e>
+                          </m:d>
+                        </m:num>
+                        <m:den>
+                          <m:r>
+                            <a:rPr lang="en-GB" b="0" i="1" smtClean="0">
+                              <a:latin typeface="Cambria Math" panose="02040503050406030204" pitchFamily="18" charset="0"/>
+                            </a:rPr>
+                            <m:t>𝜆</m:t>
+                          </m:r>
+                        </m:den>
+                      </m:f>
+                    </m:oMath>
+                  </m:oMathPara>
+                </a14:m>
+                <a:endParaRPr lang="en-GB" dirty="0"/>
+              </a:p>
+            </p:txBody>
+          </p:sp>
+        </mc:Choice>
+        <mc:Fallback>
+          <p:sp>
+            <p:nvSpPr>
+              <p:cNvPr id="8" name="TextBox 7"/>
+              <p:cNvSpPr txBox="1">
+                <a:spLocks noRot="1" noChangeAspect="1" noMove="1" noResize="1" noEditPoints="1" noAdjustHandles="1" noChangeArrowheads="1" noChangeShapeType="1" noTextEdit="1"/>
+              </p:cNvSpPr>
+              <p:nvPr/>
+            </p:nvSpPr>
+            <p:spPr>
+              <a:xfrm>
+                <a:off x="637561" y="2938929"/>
+                <a:ext cx="10620465" cy="2371098"/>
+              </a:xfrm>
+              <a:prstGeom prst="rect">
+                <a:avLst/>
+              </a:prstGeom>
+              <a:blipFill rotWithShape="0">
+                <a:blip r:embed="rId2"/>
+                <a:stretch>
+                  <a:fillRect l="-1378" t="-20308" r="-1033"/>
+                </a:stretch>
+              </a:blipFill>
+            </p:spPr>
+            <p:txBody>
+              <a:bodyPr/>
+              <a:lstStyle/>
+              <a:p>
+                <a:r>
+                  <a:rPr lang="en-GB">
+                    <a:noFill/>
+                  </a:rPr>
+                  <a:t> </a:t>
+                </a:r>
+              </a:p>
+            </p:txBody>
+          </p:sp>
+        </mc:Fallback>
+      </mc:AlternateContent>
+    </p:spTree>
+    <p:extLst>
+      <p:ext uri="{BB962C8B-B14F-4D97-AF65-F5344CB8AC3E}">
+        <p14:creationId xmlns:p14="http://schemas.microsoft.com/office/powerpoint/2010/main" val="3878552150"/>
+      </p:ext>
+    </p:extLst>
+  </p:cSld>
+  <p:clrMapOvr>
+    <a:masterClrMapping/>
+  </p:clrMapOvr>
+  <p:timing>
+    <p:tnLst>
+      <p:par>
+        <p:cTn id="1" dur="indefinite" restart="never" nodeType="tmRoot"/>
+      </p:par>
+    </p:tnLst>
+  </p:timing>
+</p:sld>
+</file>
+
+<file path=ppt/slides/slide15.xml><?xml version="1.0" encoding="utf-8"?>
+<p:sld xmlns:a="http://schemas.openxmlformats.org/drawingml/2006/main" xmlns:r="http://schemas.openxmlformats.org/officeDocument/2006/relationships" xmlns:p="http://schemas.openxmlformats.org/presentationml/2006/main">
+  <p:cSld>
+    <p:spTree>
+      <p:nvGrpSpPr>
+        <p:cNvPr id="1" name=""/>
+        <p:cNvGrpSpPr/>
+        <p:nvPr/>
+      </p:nvGrpSpPr>
+      <p:grpSpPr>
+        <a:xfrm>
+          <a:off x="0" y="0"/>
+          <a:ext cx="0" cy="0"/>
+          <a:chOff x="0" y="0"/>
+          <a:chExt cx="0" cy="0"/>
+        </a:xfrm>
+      </p:grpSpPr>
+      <p:sp>
+        <p:nvSpPr>
+          <p:cNvPr id="2" name="Slide Number Placeholder 1"/>
+          <p:cNvSpPr>
+            <a:spLocks noGrp="1"/>
+          </p:cNvSpPr>
+          <p:nvPr>
+            <p:ph type="sldNum" sz="quarter" idx="10"/>
+          </p:nvPr>
+        </p:nvSpPr>
+        <p:spPr/>
+        <p:txBody>
+          <a:bodyPr/>
+          <a:lstStyle/>
+          <a:p>
+            <a:fld id="{61155BBA-336D-4AED-BB34-E42D9706BCE7}" type="slidenum">
+              <a:rPr lang="it-IT" altLang="en-US" smtClean="0"/>
+              <a:pPr/>
+              <a:t>15</a:t>
+            </a:fld>
+            <a:endParaRPr lang="it-IT" altLang="en-US"/>
+          </a:p>
+        </p:txBody>
+      </p:sp>
+      <p:sp>
+        <p:nvSpPr>
+          <p:cNvPr id="3" name="TextBox 2"/>
+          <p:cNvSpPr txBox="1"/>
+          <p:nvPr/>
+        </p:nvSpPr>
+        <p:spPr>
+          <a:xfrm>
+            <a:off x="2219233" y="975657"/>
+            <a:ext cx="6707285" cy="523220"/>
+          </a:xfrm>
+          <a:prstGeom prst="rect">
+            <a:avLst/>
+          </a:prstGeom>
+          <a:noFill/>
+        </p:spPr>
+        <p:txBody>
+          <a:bodyPr wrap="none" rtlCol="0">
+            <a:spAutoFit/>
+          </a:bodyPr>
+          <a:lstStyle/>
+          <a:p>
+            <a:r>
+              <a:rPr lang="en-GB" sz="2800" b="1" i="1" dirty="0" smtClean="0">
+                <a:latin typeface="+mj-lt"/>
+              </a:rPr>
+              <a:t>IMPULSE RESPONSE 2/3 – Estimation</a:t>
+            </a:r>
+            <a:endParaRPr lang="en-GB" sz="2800" b="1" i="1" dirty="0" smtClean="0">
+              <a:latin typeface="+mj-lt"/>
+            </a:endParaRPr>
+          </a:p>
+        </p:txBody>
+      </p:sp>
+      <p:pic>
+        <p:nvPicPr>
+          <p:cNvPr id="6" name="Picture 5"/>
+          <p:cNvPicPr>
+            <a:picLocks noChangeAspect="1"/>
+          </p:cNvPicPr>
+          <p:nvPr/>
+        </p:nvPicPr>
+        <p:blipFill>
+          <a:blip r:embed="rId2">
+            <a:extLst>
+              <a:ext uri="{28A0092B-C50C-407E-A947-70E740481C1C}">
+                <a14:useLocalDpi xmlns:a14="http://schemas.microsoft.com/office/drawing/2010/main" val="0"/>
+              </a:ext>
+            </a:extLst>
+          </a:blip>
+          <a:stretch>
+            <a:fillRect/>
+          </a:stretch>
+        </p:blipFill>
+        <p:spPr>
+          <a:xfrm>
+            <a:off x="973123" y="1410881"/>
+            <a:ext cx="9924176" cy="5091308"/>
+          </a:xfrm>
+          <a:prstGeom prst="rect">
+            <a:avLst/>
+          </a:prstGeom>
+        </p:spPr>
+      </p:pic>
+      <p:sp>
+        <p:nvSpPr>
+          <p:cNvPr id="10" name="TextBox 9"/>
+          <p:cNvSpPr txBox="1"/>
+          <p:nvPr/>
+        </p:nvSpPr>
+        <p:spPr>
+          <a:xfrm>
+            <a:off x="7556950" y="0"/>
+            <a:ext cx="2597506" cy="646331"/>
+          </a:xfrm>
+          <a:prstGeom prst="rect">
+            <a:avLst/>
+          </a:prstGeom>
+          <a:noFill/>
+        </p:spPr>
+        <p:txBody>
+          <a:bodyPr wrap="none" rtlCol="0">
+            <a:spAutoFit/>
+          </a:bodyPr>
+          <a:lstStyle/>
+          <a:p>
+            <a:r>
+              <a:rPr lang="en-GB" b="1" dirty="0" smtClean="0">
+                <a:solidFill>
+                  <a:srgbClr val="FF0000"/>
+                </a:solidFill>
+                <a:latin typeface="DejaVu Sans" panose="020B0603030804020204" pitchFamily="34" charset="0"/>
+                <a:ea typeface="DejaVu Sans" panose="020B0603030804020204" pitchFamily="34" charset="0"/>
+                <a:cs typeface="DejaVu Sans" panose="020B0603030804020204" pitchFamily="34" charset="0"/>
+              </a:rPr>
+              <a:t>DATA </a:t>
+            </a:r>
+            <a:r>
+              <a:rPr lang="en-GB" b="1" dirty="0" smtClean="0">
+                <a:solidFill>
+                  <a:srgbClr val="FF0000"/>
+                </a:solidFill>
+                <a:latin typeface="DejaVu Sans" panose="020B0603030804020204" pitchFamily="34" charset="0"/>
+                <a:ea typeface="DejaVu Sans" panose="020B0603030804020204" pitchFamily="34" charset="0"/>
+                <a:cs typeface="DejaVu Sans" panose="020B0603030804020204" pitchFamily="34" charset="0"/>
+              </a:rPr>
+              <a:t>PROCESSING</a:t>
+            </a:r>
+          </a:p>
+          <a:p>
+            <a:r>
+              <a:rPr lang="en-GB" b="1" dirty="0" smtClean="0">
+                <a:solidFill>
+                  <a:srgbClr val="FF0000"/>
+                </a:solidFill>
+                <a:latin typeface="DejaVu Sans" panose="020B0603030804020204" pitchFamily="34" charset="0"/>
+                <a:ea typeface="DejaVu Sans" panose="020B0603030804020204" pitchFamily="34" charset="0"/>
+                <a:cs typeface="DejaVu Sans" panose="020B0603030804020204" pitchFamily="34" charset="0"/>
+              </a:rPr>
+              <a:t>AND ANALYSIS</a:t>
+            </a:r>
+            <a:endParaRPr lang="en-GB" b="1" dirty="0">
+              <a:solidFill>
+                <a:srgbClr val="FF0000"/>
+              </a:solidFill>
+              <a:latin typeface="DejaVu Sans" panose="020B0603030804020204" pitchFamily="34" charset="0"/>
+              <a:ea typeface="DejaVu Sans" panose="020B0603030804020204" pitchFamily="34" charset="0"/>
+              <a:cs typeface="DejaVu Sans" panose="020B0603030804020204" pitchFamily="34" charset="0"/>
+            </a:endParaRPr>
+          </a:p>
+        </p:txBody>
+      </p:sp>
+      <p:sp>
+        <p:nvSpPr>
+          <p:cNvPr id="7" name="TextBox 6"/>
+          <p:cNvSpPr txBox="1"/>
+          <p:nvPr/>
+        </p:nvSpPr>
+        <p:spPr>
+          <a:xfrm>
+            <a:off x="10154456" y="2924632"/>
+            <a:ext cx="1845866" cy="2031325"/>
+          </a:xfrm>
+          <a:prstGeom prst="rect">
+            <a:avLst/>
+          </a:prstGeom>
+          <a:noFill/>
+        </p:spPr>
+        <p:txBody>
+          <a:bodyPr wrap="square" rtlCol="0">
+            <a:spAutoFit/>
+          </a:bodyPr>
+          <a:lstStyle/>
+          <a:p>
+            <a:r>
+              <a:rPr lang="en-GB" dirty="0" smtClean="0"/>
+              <a:t>Seems like that</a:t>
+            </a:r>
+          </a:p>
+          <a:p>
+            <a:r>
+              <a:rPr lang="en-GB" dirty="0" smtClean="0"/>
+              <a:t>A positive input</a:t>
+            </a:r>
+          </a:p>
+          <a:p>
+            <a:r>
+              <a:rPr lang="en-GB" dirty="0" smtClean="0"/>
+              <a:t>Is delayed of 2-3 lags(</a:t>
+            </a:r>
+            <a:r>
+              <a:rPr lang="en-GB" dirty="0" err="1" smtClean="0"/>
+              <a:t>Ts</a:t>
+            </a:r>
+            <a:r>
+              <a:rPr lang="en-GB" dirty="0" smtClean="0"/>
+              <a:t>), most likely 3 (See confidence region)</a:t>
+            </a:r>
+            <a:endParaRPr lang="en-GB" dirty="0"/>
+          </a:p>
+        </p:txBody>
+      </p:sp>
+    </p:spTree>
+    <p:extLst>
+      <p:ext uri="{BB962C8B-B14F-4D97-AF65-F5344CB8AC3E}">
+        <p14:creationId xmlns:p14="http://schemas.microsoft.com/office/powerpoint/2010/main" val="223905463"/>
+      </p:ext>
+    </p:extLst>
+  </p:cSld>
+  <p:clrMapOvr>
+    <a:masterClrMapping/>
+  </p:clrMapOvr>
+  <p:timing>
+    <p:tnLst>
+      <p:par>
+        <p:cTn id="1" dur="indefinite" restart="never" nodeType="tmRoot"/>
+      </p:par>
+    </p:tnLst>
+  </p:timing>
+</p:sld>
+</file>
+
+<file path=ppt/slides/slide16.xml><?xml version="1.0" encoding="utf-8"?>
+<p:sld xmlns:a="http://schemas.openxmlformats.org/drawingml/2006/main" xmlns:r="http://schemas.openxmlformats.org/officeDocument/2006/relationships" xmlns:p="http://schemas.openxmlformats.org/presentationml/2006/main">
+  <p:cSld>
+    <p:spTree>
+      <p:nvGrpSpPr>
+        <p:cNvPr id="1" name=""/>
+        <p:cNvGrpSpPr/>
+        <p:nvPr/>
+      </p:nvGrpSpPr>
+      <p:grpSpPr>
+        <a:xfrm>
+          <a:off x="0" y="0"/>
+          <a:ext cx="0" cy="0"/>
+          <a:chOff x="0" y="0"/>
+          <a:chExt cx="0" cy="0"/>
+        </a:xfrm>
+      </p:grpSpPr>
+      <p:sp>
+        <p:nvSpPr>
+          <p:cNvPr id="2" name="Slide Number Placeholder 1"/>
+          <p:cNvSpPr>
+            <a:spLocks noGrp="1"/>
+          </p:cNvSpPr>
+          <p:nvPr>
+            <p:ph type="sldNum" sz="quarter" idx="10"/>
+          </p:nvPr>
+        </p:nvSpPr>
+        <p:spPr/>
+        <p:txBody>
+          <a:bodyPr/>
+          <a:lstStyle/>
+          <a:p>
+            <a:fld id="{61155BBA-336D-4AED-BB34-E42D9706BCE7}" type="slidenum">
+              <a:rPr lang="it-IT" altLang="en-US" smtClean="0"/>
+              <a:pPr/>
+              <a:t>16</a:t>
+            </a:fld>
+            <a:endParaRPr lang="it-IT" altLang="en-US"/>
+          </a:p>
+        </p:txBody>
+      </p:sp>
+      <p:sp>
+        <p:nvSpPr>
+          <p:cNvPr id="3" name="TextBox 2"/>
+          <p:cNvSpPr txBox="1"/>
+          <p:nvPr/>
+        </p:nvSpPr>
+        <p:spPr>
+          <a:xfrm>
+            <a:off x="2219233" y="975657"/>
+            <a:ext cx="7216527" cy="523220"/>
+          </a:xfrm>
+          <a:prstGeom prst="rect">
+            <a:avLst/>
+          </a:prstGeom>
+          <a:noFill/>
+        </p:spPr>
+        <p:txBody>
+          <a:bodyPr wrap="none" rtlCol="0">
+            <a:spAutoFit/>
+          </a:bodyPr>
+          <a:lstStyle/>
+          <a:p>
+            <a:r>
+              <a:rPr lang="en-GB" sz="2800" b="1" i="1" dirty="0" smtClean="0">
+                <a:latin typeface="+mj-lt"/>
+              </a:rPr>
+              <a:t>IMPULSE RESPONSE 3/3 – Data Analysis</a:t>
+            </a:r>
+            <a:endParaRPr lang="en-GB" sz="2800" b="1" i="1" dirty="0" smtClean="0">
+              <a:latin typeface="+mj-lt"/>
+            </a:endParaRPr>
+          </a:p>
+        </p:txBody>
+      </p:sp>
+      <p:pic>
+        <p:nvPicPr>
+          <p:cNvPr id="5" name="Picture 4"/>
+          <p:cNvPicPr>
+            <a:picLocks noChangeAspect="1"/>
+          </p:cNvPicPr>
+          <p:nvPr/>
+        </p:nvPicPr>
+        <p:blipFill>
+          <a:blip r:embed="rId2">
+            <a:extLst>
+              <a:ext uri="{28A0092B-C50C-407E-A947-70E740481C1C}">
+                <a14:useLocalDpi xmlns:a14="http://schemas.microsoft.com/office/drawing/2010/main" val="0"/>
+              </a:ext>
+            </a:extLst>
+          </a:blip>
+          <a:stretch>
+            <a:fillRect/>
+          </a:stretch>
+        </p:blipFill>
+        <p:spPr>
+          <a:xfrm>
+            <a:off x="1132514" y="1498877"/>
+            <a:ext cx="9605395" cy="4948386"/>
+          </a:xfrm>
+          <a:prstGeom prst="rect">
+            <a:avLst/>
+          </a:prstGeom>
+        </p:spPr>
+      </p:pic>
+      <p:sp>
+        <p:nvSpPr>
+          <p:cNvPr id="7" name="TextBox 6"/>
+          <p:cNvSpPr txBox="1"/>
+          <p:nvPr/>
+        </p:nvSpPr>
+        <p:spPr>
+          <a:xfrm>
+            <a:off x="7556950" y="0"/>
+            <a:ext cx="2597506" cy="646331"/>
+          </a:xfrm>
+          <a:prstGeom prst="rect">
+            <a:avLst/>
+          </a:prstGeom>
+          <a:noFill/>
+        </p:spPr>
+        <p:txBody>
+          <a:bodyPr wrap="none" rtlCol="0">
+            <a:spAutoFit/>
+          </a:bodyPr>
+          <a:lstStyle/>
+          <a:p>
+            <a:r>
+              <a:rPr lang="en-GB" b="1" dirty="0" smtClean="0">
+                <a:solidFill>
+                  <a:srgbClr val="FF0000"/>
+                </a:solidFill>
+                <a:latin typeface="DejaVu Sans" panose="020B0603030804020204" pitchFamily="34" charset="0"/>
+                <a:ea typeface="DejaVu Sans" panose="020B0603030804020204" pitchFamily="34" charset="0"/>
+                <a:cs typeface="DejaVu Sans" panose="020B0603030804020204" pitchFamily="34" charset="0"/>
+              </a:rPr>
+              <a:t>DATA </a:t>
+            </a:r>
+            <a:r>
+              <a:rPr lang="en-GB" b="1" dirty="0" smtClean="0">
+                <a:solidFill>
+                  <a:srgbClr val="FF0000"/>
+                </a:solidFill>
+                <a:latin typeface="DejaVu Sans" panose="020B0603030804020204" pitchFamily="34" charset="0"/>
+                <a:ea typeface="DejaVu Sans" panose="020B0603030804020204" pitchFamily="34" charset="0"/>
+                <a:cs typeface="DejaVu Sans" panose="020B0603030804020204" pitchFamily="34" charset="0"/>
+              </a:rPr>
+              <a:t>PROCESSING</a:t>
+            </a:r>
+          </a:p>
+          <a:p>
+            <a:r>
+              <a:rPr lang="en-GB" b="1" dirty="0" smtClean="0">
+                <a:solidFill>
+                  <a:srgbClr val="FF0000"/>
+                </a:solidFill>
+                <a:latin typeface="DejaVu Sans" panose="020B0603030804020204" pitchFamily="34" charset="0"/>
+                <a:ea typeface="DejaVu Sans" panose="020B0603030804020204" pitchFamily="34" charset="0"/>
+                <a:cs typeface="DejaVu Sans" panose="020B0603030804020204" pitchFamily="34" charset="0"/>
+              </a:rPr>
+              <a:t>AND ANALYSIS</a:t>
+            </a:r>
+            <a:endParaRPr lang="en-GB" b="1" dirty="0">
+              <a:solidFill>
+                <a:srgbClr val="FF0000"/>
+              </a:solidFill>
+              <a:latin typeface="DejaVu Sans" panose="020B0603030804020204" pitchFamily="34" charset="0"/>
+              <a:ea typeface="DejaVu Sans" panose="020B0603030804020204" pitchFamily="34" charset="0"/>
+              <a:cs typeface="DejaVu Sans" panose="020B0603030804020204" pitchFamily="34" charset="0"/>
+            </a:endParaRPr>
+          </a:p>
+        </p:txBody>
+      </p:sp>
+      <p:sp>
+        <p:nvSpPr>
+          <p:cNvPr id="8" name="TextBox 7"/>
+          <p:cNvSpPr txBox="1"/>
+          <p:nvPr/>
+        </p:nvSpPr>
+        <p:spPr>
+          <a:xfrm>
+            <a:off x="9978830" y="3465513"/>
+            <a:ext cx="2213170" cy="646331"/>
+          </a:xfrm>
+          <a:prstGeom prst="rect">
+            <a:avLst/>
+          </a:prstGeom>
+          <a:noFill/>
+        </p:spPr>
+        <p:txBody>
+          <a:bodyPr wrap="none" rtlCol="0">
+            <a:spAutoFit/>
+          </a:bodyPr>
+          <a:lstStyle/>
+          <a:p>
+            <a:r>
+              <a:rPr lang="en-GB" dirty="0" smtClean="0"/>
+              <a:t>Effect of u &gt;0 after</a:t>
+            </a:r>
+          </a:p>
+          <a:p>
+            <a:r>
+              <a:rPr lang="en-GB" dirty="0" smtClean="0"/>
+              <a:t>2-3 </a:t>
+            </a:r>
+            <a:r>
+              <a:rPr lang="en-GB" dirty="0" err="1" smtClean="0"/>
+              <a:t>Ts</a:t>
+            </a:r>
+            <a:r>
+              <a:rPr lang="en-GB" dirty="0" smtClean="0"/>
+              <a:t> = 0.4-0.6 sec</a:t>
+            </a:r>
+            <a:endParaRPr lang="en-GB" dirty="0"/>
+          </a:p>
+        </p:txBody>
+      </p:sp>
+    </p:spTree>
+    <p:extLst>
+      <p:ext uri="{BB962C8B-B14F-4D97-AF65-F5344CB8AC3E}">
+        <p14:creationId xmlns:p14="http://schemas.microsoft.com/office/powerpoint/2010/main" val="4241499202"/>
+      </p:ext>
+    </p:extLst>
+  </p:cSld>
+  <p:clrMapOvr>
+    <a:masterClrMapping/>
+  </p:clrMapOvr>
+  <p:timing>
+    <p:tnLst>
+      <p:par>
+        <p:cTn id="1" dur="indefinite" restart="never" nodeType="tmRoot"/>
+      </p:par>
+    </p:tnLst>
+  </p:timing>
+</p:sld>
+</file>
+
+<file path=ppt/slides/slide17.xml><?xml version="1.0" encoding="utf-8"?>
+<p:sld xmlns:a="http://schemas.openxmlformats.org/drawingml/2006/main" xmlns:r="http://schemas.openxmlformats.org/officeDocument/2006/relationships" xmlns:p="http://schemas.openxmlformats.org/presentationml/2006/main">
+  <p:cSld>
+    <p:spTree>
+      <p:nvGrpSpPr>
+        <p:cNvPr id="1" name=""/>
+        <p:cNvGrpSpPr/>
+        <p:nvPr/>
+      </p:nvGrpSpPr>
+      <p:grpSpPr>
+        <a:xfrm>
+          <a:off x="0" y="0"/>
+          <a:ext cx="0" cy="0"/>
+          <a:chOff x="0" y="0"/>
+          <a:chExt cx="0" cy="0"/>
+        </a:xfrm>
+      </p:grpSpPr>
+      <p:sp>
+        <p:nvSpPr>
+          <p:cNvPr id="2" name="Slide Number Placeholder 1"/>
+          <p:cNvSpPr>
+            <a:spLocks noGrp="1"/>
+          </p:cNvSpPr>
+          <p:nvPr>
+            <p:ph type="sldNum" sz="quarter" idx="10"/>
+          </p:nvPr>
+        </p:nvSpPr>
+        <p:spPr/>
+        <p:txBody>
+          <a:bodyPr/>
+          <a:lstStyle/>
+          <a:p>
+            <a:fld id="{61155BBA-336D-4AED-BB34-E42D9706BCE7}" type="slidenum">
+              <a:rPr lang="it-IT" altLang="en-US" smtClean="0"/>
+              <a:pPr/>
+              <a:t>17</a:t>
+            </a:fld>
+            <a:endParaRPr lang="it-IT" altLang="en-US"/>
+          </a:p>
+        </p:txBody>
+      </p:sp>
+      <p:sp>
+        <p:nvSpPr>
+          <p:cNvPr id="4" name="Rectangle 3"/>
+          <p:cNvSpPr/>
+          <p:nvPr/>
+        </p:nvSpPr>
+        <p:spPr>
+          <a:xfrm>
+            <a:off x="3041324" y="2588350"/>
+            <a:ext cx="6109366" cy="923330"/>
+          </a:xfrm>
+          <a:prstGeom prst="rect">
+            <a:avLst/>
+          </a:prstGeom>
+        </p:spPr>
+        <p:style>
+          <a:lnRef idx="3">
+            <a:schemeClr val="lt1"/>
+          </a:lnRef>
+          <a:fillRef idx="1">
+            <a:schemeClr val="accent5"/>
+          </a:fillRef>
+          <a:effectRef idx="1">
+            <a:schemeClr val="accent5"/>
+          </a:effectRef>
+          <a:fontRef idx="minor">
+            <a:schemeClr val="lt1"/>
+          </a:fontRef>
+        </p:style>
+        <p:txBody>
+          <a:bodyPr wrap="none" lIns="91440" tIns="45720" rIns="91440" bIns="45720">
+            <a:spAutoFit/>
+          </a:bodyPr>
+          <a:lstStyle/>
+          <a:p>
+            <a:pPr algn="ctr"/>
+            <a:r>
+              <a:rPr lang="en-US" sz="5400" smtClean="0">
+                <a:ln w="0"/>
+                <a:solidFill>
+                  <a:schemeClr val="tx1"/>
+                </a:solidFill>
+                <a:effectLst>
+                  <a:outerShdw blurRad="38100" dist="19050" dir="2700000" algn="tl" rotWithShape="0">
+                    <a:schemeClr val="dk1">
+                      <a:alpha val="40000"/>
+                    </a:schemeClr>
+                  </a:outerShdw>
+                </a:effectLst>
+              </a:rPr>
+              <a:t>Model identification</a:t>
+            </a:r>
+            <a:endParaRPr lang="en-US" sz="5400" b="0" cap="none" spc="0" dirty="0">
+              <a:ln w="0"/>
+              <a:solidFill>
+                <a:schemeClr val="tx1"/>
+              </a:solidFill>
+              <a:effectLst>
+                <a:outerShdw blurRad="38100" dist="19050" dir="2700000" algn="tl" rotWithShape="0">
+                  <a:schemeClr val="dk1">
+                    <a:alpha val="40000"/>
+                  </a:schemeClr>
+                </a:outerShdw>
+              </a:effectLst>
+            </a:endParaRPr>
+          </a:p>
+        </p:txBody>
+      </p:sp>
+    </p:spTree>
+    <p:extLst>
+      <p:ext uri="{BB962C8B-B14F-4D97-AF65-F5344CB8AC3E}">
+        <p14:creationId xmlns:p14="http://schemas.microsoft.com/office/powerpoint/2010/main" val="2125418413"/>
+      </p:ext>
+    </p:extLst>
+  </p:cSld>
+  <p:clrMapOvr>
+    <a:masterClrMapping/>
+  </p:clrMapOvr>
+  <p:timing>
+    <p:tnLst>
+      <p:par>
+        <p:cTn id="1" dur="indefinite" restart="never" nodeType="tmRoot"/>
+      </p:par>
+    </p:tnLst>
+  </p:timing>
+</p:sld>
+</file>
+
+<file path=ppt/slides/slide18.xml><?xml version="1.0" encoding="utf-8"?>
+<p:sld xmlns:a="http://schemas.openxmlformats.org/drawingml/2006/main" xmlns:r="http://schemas.openxmlformats.org/officeDocument/2006/relationships" xmlns:p="http://schemas.openxmlformats.org/presentationml/2006/main">
+  <p:cSld>
+    <p:spTree>
+      <p:nvGrpSpPr>
+        <p:cNvPr id="1" name=""/>
+        <p:cNvGrpSpPr/>
+        <p:nvPr/>
+      </p:nvGrpSpPr>
+      <p:grpSpPr>
+        <a:xfrm>
+          <a:off x="0" y="0"/>
+          <a:ext cx="0" cy="0"/>
+          <a:chOff x="0" y="0"/>
+          <a:chExt cx="0" cy="0"/>
+        </a:xfrm>
+      </p:grpSpPr>
+      <p:sp>
+        <p:nvSpPr>
+          <p:cNvPr id="2" name="Slide Number Placeholder 1"/>
+          <p:cNvSpPr>
+            <a:spLocks noGrp="1"/>
+          </p:cNvSpPr>
+          <p:nvPr>
+            <p:ph type="sldNum" sz="quarter" idx="10"/>
+          </p:nvPr>
+        </p:nvSpPr>
+        <p:spPr/>
+        <p:txBody>
+          <a:bodyPr/>
+          <a:lstStyle/>
+          <a:p>
+            <a:fld id="{61155BBA-336D-4AED-BB34-E42D9706BCE7}" type="slidenum">
+              <a:rPr lang="it-IT" altLang="en-US" smtClean="0"/>
+              <a:pPr/>
+              <a:t>18</a:t>
+            </a:fld>
+            <a:endParaRPr lang="it-IT" altLang="en-US"/>
+          </a:p>
+        </p:txBody>
+      </p:sp>
+      <p:sp>
+        <p:nvSpPr>
+          <p:cNvPr id="3" name="TextBox 2"/>
+          <p:cNvSpPr txBox="1"/>
+          <p:nvPr/>
+        </p:nvSpPr>
+        <p:spPr>
+          <a:xfrm>
+            <a:off x="4292140" y="1046490"/>
+            <a:ext cx="4420313" cy="523220"/>
+          </a:xfrm>
+          <a:prstGeom prst="rect">
+            <a:avLst/>
+          </a:prstGeom>
+          <a:noFill/>
+        </p:spPr>
+        <p:txBody>
+          <a:bodyPr wrap="none" rtlCol="0">
+            <a:spAutoFit/>
+          </a:bodyPr>
+          <a:lstStyle/>
+          <a:p>
+            <a:r>
+              <a:rPr lang="en-GB" sz="2800" b="1" i="1" dirty="0" smtClean="0">
+                <a:latin typeface="+mj-lt"/>
+              </a:rPr>
+              <a:t>MODEL IDENTIFICATION</a:t>
+            </a:r>
+          </a:p>
+        </p:txBody>
+      </p:sp>
+      <p:sp>
+        <p:nvSpPr>
+          <p:cNvPr id="4" name="TextBox 3"/>
+          <p:cNvSpPr txBox="1"/>
+          <p:nvPr/>
+        </p:nvSpPr>
+        <p:spPr>
+          <a:xfrm>
+            <a:off x="7078960" y="173782"/>
+            <a:ext cx="3266985" cy="369332"/>
+          </a:xfrm>
+          <a:prstGeom prst="rect">
+            <a:avLst/>
+          </a:prstGeom>
+          <a:noFill/>
+        </p:spPr>
+        <p:txBody>
+          <a:bodyPr wrap="none" rtlCol="0">
+            <a:spAutoFit/>
+          </a:bodyPr>
+          <a:lstStyle/>
+          <a:p>
+            <a:r>
+              <a:rPr lang="en-GB" b="1" dirty="0" smtClean="0">
+                <a:solidFill>
+                  <a:srgbClr val="FF0000"/>
+                </a:solidFill>
+                <a:latin typeface="DejaVu Sans" panose="020B0603030804020204" pitchFamily="34" charset="0"/>
+                <a:ea typeface="DejaVu Sans" panose="020B0603030804020204" pitchFamily="34" charset="0"/>
+                <a:cs typeface="DejaVu Sans" panose="020B0603030804020204" pitchFamily="34" charset="0"/>
+              </a:rPr>
+              <a:t>MODEL IDENTIFICATION</a:t>
+            </a:r>
+            <a:endParaRPr lang="en-GB" b="1" dirty="0">
+              <a:solidFill>
+                <a:srgbClr val="FF0000"/>
+              </a:solidFill>
+              <a:latin typeface="DejaVu Sans" panose="020B0603030804020204" pitchFamily="34" charset="0"/>
+              <a:ea typeface="DejaVu Sans" panose="020B0603030804020204" pitchFamily="34" charset="0"/>
+              <a:cs typeface="DejaVu Sans" panose="020B0603030804020204" pitchFamily="34" charset="0"/>
+            </a:endParaRPr>
+          </a:p>
+        </p:txBody>
+      </p:sp>
+    </p:spTree>
+    <p:extLst>
+      <p:ext uri="{BB962C8B-B14F-4D97-AF65-F5344CB8AC3E}">
+        <p14:creationId xmlns:p14="http://schemas.microsoft.com/office/powerpoint/2010/main" val="310502378"/>
+      </p:ext>
+    </p:extLst>
+  </p:cSld>
+  <p:clrMapOvr>
+    <a:masterClrMapping/>
+  </p:clrMapOvr>
+  <p:timing>
+    <p:tnLst>
+      <p:par>
+        <p:cTn id="1" dur="indefinite" restart="never" nodeType="tmRoot"/>
+      </p:par>
+    </p:tnLst>
+  </p:timing>
+</p:sld>
+</file>
+
+<file path=ppt/slides/slide19.xml><?xml version="1.0" encoding="utf-8"?>
+<p:sld xmlns:a="http://schemas.openxmlformats.org/drawingml/2006/main" xmlns:r="http://schemas.openxmlformats.org/officeDocument/2006/relationships" xmlns:p="http://schemas.openxmlformats.org/presentationml/2006/main">
+  <p:cSld>
+    <p:spTree>
+      <p:nvGrpSpPr>
+        <p:cNvPr id="1" name=""/>
+        <p:cNvGrpSpPr/>
+        <p:nvPr/>
+      </p:nvGrpSpPr>
+      <p:grpSpPr>
+        <a:xfrm>
+          <a:off x="0" y="0"/>
+          <a:ext cx="0" cy="0"/>
+          <a:chOff x="0" y="0"/>
+          <a:chExt cx="0" cy="0"/>
+        </a:xfrm>
+      </p:grpSpPr>
+      <p:sp>
+        <p:nvSpPr>
+          <p:cNvPr id="2" name="Slide Number Placeholder 1"/>
+          <p:cNvSpPr>
+            <a:spLocks noGrp="1"/>
+          </p:cNvSpPr>
+          <p:nvPr>
+            <p:ph type="sldNum" sz="quarter" idx="10"/>
+          </p:nvPr>
+        </p:nvSpPr>
+        <p:spPr/>
+        <p:txBody>
+          <a:bodyPr/>
+          <a:lstStyle/>
+          <a:p>
+            <a:fld id="{61155BBA-336D-4AED-BB34-E42D9706BCE7}" type="slidenum">
+              <a:rPr lang="it-IT" altLang="en-US" smtClean="0"/>
+              <a:pPr/>
+              <a:t>19</a:t>
+            </a:fld>
+            <a:endParaRPr lang="it-IT" altLang="en-US"/>
+          </a:p>
+        </p:txBody>
+      </p:sp>
+      <p:sp>
+        <p:nvSpPr>
+          <p:cNvPr id="3" name="TextBox 2"/>
+          <p:cNvSpPr txBox="1"/>
+          <p:nvPr/>
+        </p:nvSpPr>
+        <p:spPr>
+          <a:xfrm>
+            <a:off x="4292140" y="1046490"/>
+            <a:ext cx="3715569" cy="523220"/>
+          </a:xfrm>
+          <a:prstGeom prst="rect">
+            <a:avLst/>
+          </a:prstGeom>
+          <a:noFill/>
+        </p:spPr>
+        <p:txBody>
+          <a:bodyPr wrap="none" rtlCol="0">
+            <a:spAutoFit/>
+          </a:bodyPr>
+          <a:lstStyle/>
+          <a:p>
+            <a:r>
+              <a:rPr lang="en-GB" sz="2800" b="1" i="1" dirty="0" smtClean="0">
+                <a:latin typeface="+mj-lt"/>
+              </a:rPr>
+              <a:t>MODEL VALIDATION</a:t>
+            </a:r>
+          </a:p>
+        </p:txBody>
+      </p:sp>
+      <p:sp>
+        <p:nvSpPr>
+          <p:cNvPr id="4" name="TextBox 3"/>
+          <p:cNvSpPr txBox="1"/>
+          <p:nvPr/>
+        </p:nvSpPr>
+        <p:spPr>
+          <a:xfrm>
+            <a:off x="7078960" y="173782"/>
+            <a:ext cx="2746393" cy="369332"/>
+          </a:xfrm>
+          <a:prstGeom prst="rect">
+            <a:avLst/>
+          </a:prstGeom>
+          <a:noFill/>
+        </p:spPr>
+        <p:txBody>
+          <a:bodyPr wrap="none" rtlCol="0">
+            <a:spAutoFit/>
+          </a:bodyPr>
+          <a:lstStyle/>
+          <a:p>
+            <a:r>
+              <a:rPr lang="en-GB" b="1" dirty="0" smtClean="0">
+                <a:solidFill>
+                  <a:srgbClr val="FF0000"/>
+                </a:solidFill>
+                <a:latin typeface="DejaVu Sans" panose="020B0603030804020204" pitchFamily="34" charset="0"/>
+                <a:ea typeface="DejaVu Sans" panose="020B0603030804020204" pitchFamily="34" charset="0"/>
+                <a:cs typeface="DejaVu Sans" panose="020B0603030804020204" pitchFamily="34" charset="0"/>
+              </a:rPr>
+              <a:t>MODEL VALIDATION</a:t>
+            </a:r>
+            <a:endParaRPr lang="en-GB" b="1" dirty="0">
+              <a:solidFill>
+                <a:srgbClr val="FF0000"/>
+              </a:solidFill>
+              <a:latin typeface="DejaVu Sans" panose="020B0603030804020204" pitchFamily="34" charset="0"/>
+              <a:ea typeface="DejaVu Sans" panose="020B0603030804020204" pitchFamily="34" charset="0"/>
+              <a:cs typeface="DejaVu Sans" panose="020B0603030804020204" pitchFamily="34" charset="0"/>
+            </a:endParaRPr>
+          </a:p>
+        </p:txBody>
+      </p:sp>
+    </p:spTree>
+    <p:extLst>
+      <p:ext uri="{BB962C8B-B14F-4D97-AF65-F5344CB8AC3E}">
+        <p14:creationId xmlns:p14="http://schemas.microsoft.com/office/powerpoint/2010/main" val="55177232"/>
       </p:ext>
     </p:extLst>
   </p:cSld>
@@ -5683,8 +9431,8 @@
           </a:p>
         </p:txBody>
       </p:sp>
-      <mc:AlternateContent xmlns:mc="http://schemas.openxmlformats.org/markup-compatibility/2006">
-        <mc:Choice xmlns:a14="http://schemas.microsoft.com/office/drawing/2010/main" Requires="a14">
+      <mc:AlternateContent xmlns:mc="http://schemas.openxmlformats.org/markup-compatibility/2006" xmlns:a14="http://schemas.microsoft.com/office/drawing/2010/main">
+        <mc:Choice Requires="a14">
           <p:sp>
             <p:nvSpPr>
               <p:cNvPr id="9" name="TextBox 8"/>
@@ -5833,7 +9581,7 @@
             </p:txBody>
           </p:sp>
         </mc:Choice>
-        <mc:Fallback>
+        <mc:Fallback xmlns="">
           <p:sp>
             <p:nvSpPr>
               <p:cNvPr id="9" name="TextBox 8"/>
@@ -5953,7 +9701,7 @@
         </p:nvSpPr>
         <p:spPr>
           <a:xfrm>
-            <a:off x="2968657" y="4358625"/>
+            <a:off x="2977204" y="4269572"/>
             <a:ext cx="11259401" cy="646331"/>
           </a:xfrm>
           <a:prstGeom prst="rect">
@@ -5982,7 +9730,31 @@
               <a:buFont typeface="Arial" panose="020B0604020202020204" pitchFamily="34" charset="0"/>
               <a:buChar char="•"/>
             </a:pPr>
-            <a:endParaRPr lang="en-GB" dirty="0" smtClean="0"/>
+            <a:r>
+              <a:rPr lang="en-GB" dirty="0" err="1" smtClean="0"/>
+              <a:t>Github</a:t>
+            </a:r>
+            <a:r>
+              <a:rPr lang="en-GB" dirty="0" smtClean="0"/>
+              <a:t>: </a:t>
+            </a:r>
+            <a:r>
+              <a:rPr lang="en-GB" b="1" dirty="0">
+                <a:hlinkClick r:id="rId3"/>
+              </a:rPr>
+              <a:t>https://</a:t>
+            </a:r>
+            <a:r>
+              <a:rPr lang="en-GB" b="1" dirty="0" smtClean="0">
+                <a:hlinkClick r:id="rId3"/>
+              </a:rPr>
+              <a:t>github.com/rssalessio/ictproject</a:t>
+            </a:r>
+            <a:r>
+              <a:rPr lang="en-GB" b="1" dirty="0" smtClean="0"/>
+              <a:t> (code available)</a:t>
+            </a:r>
+            <a:endParaRPr lang="en-GB" b="1" dirty="0" smtClean="0"/>
           </a:p>
         </p:txBody>
       </p:sp>
@@ -6034,6 +9806,142 @@
     <p:extLst>
       <p:ext uri="{BB962C8B-B14F-4D97-AF65-F5344CB8AC3E}">
         <p14:creationId xmlns:p14="http://schemas.microsoft.com/office/powerpoint/2010/main" val="3090969623"/>
+      </p:ext>
+    </p:extLst>
+  </p:cSld>
+  <p:clrMapOvr>
+    <a:masterClrMapping/>
+  </p:clrMapOvr>
+  <p:timing>
+    <p:tnLst>
+      <p:par>
+        <p:cTn id="1" dur="indefinite" restart="never" nodeType="tmRoot"/>
+      </p:par>
+    </p:tnLst>
+  </p:timing>
+</p:sld>
+</file>
+
+<file path=ppt/slides/slide20.xml><?xml version="1.0" encoding="utf-8"?>
+<p:sld xmlns:a="http://schemas.openxmlformats.org/drawingml/2006/main" xmlns:r="http://schemas.openxmlformats.org/officeDocument/2006/relationships" xmlns:p="http://schemas.openxmlformats.org/presentationml/2006/main">
+  <p:cSld>
+    <p:spTree>
+      <p:nvGrpSpPr>
+        <p:cNvPr id="1" name=""/>
+        <p:cNvGrpSpPr/>
+        <p:nvPr/>
+      </p:nvGrpSpPr>
+      <p:grpSpPr>
+        <a:xfrm>
+          <a:off x="0" y="0"/>
+          <a:ext cx="0" cy="0"/>
+          <a:chOff x="0" y="0"/>
+          <a:chExt cx="0" cy="0"/>
+        </a:xfrm>
+      </p:grpSpPr>
+      <p:sp>
+        <p:nvSpPr>
+          <p:cNvPr id="2" name="Slide Number Placeholder 1"/>
+          <p:cNvSpPr>
+            <a:spLocks noGrp="1"/>
+          </p:cNvSpPr>
+          <p:nvPr>
+            <p:ph type="sldNum" sz="quarter" idx="10"/>
+          </p:nvPr>
+        </p:nvSpPr>
+        <p:spPr/>
+        <p:txBody>
+          <a:bodyPr/>
+          <a:lstStyle/>
+          <a:p>
+            <a:fld id="{61155BBA-336D-4AED-BB34-E42D9706BCE7}" type="slidenum">
+              <a:rPr lang="it-IT" altLang="en-US" smtClean="0"/>
+              <a:pPr/>
+              <a:t>20</a:t>
+            </a:fld>
+            <a:endParaRPr lang="it-IT" altLang="en-US"/>
+          </a:p>
+        </p:txBody>
+      </p:sp>
+      <p:sp>
+        <p:nvSpPr>
+          <p:cNvPr id="3" name="TextBox 2"/>
+          <p:cNvSpPr txBox="1"/>
+          <p:nvPr/>
+        </p:nvSpPr>
+        <p:spPr>
+          <a:xfrm>
+            <a:off x="4746912" y="1033790"/>
+            <a:ext cx="2698175" cy="523220"/>
+          </a:xfrm>
+          <a:prstGeom prst="rect">
+            <a:avLst/>
+          </a:prstGeom>
+          <a:noFill/>
+        </p:spPr>
+        <p:txBody>
+          <a:bodyPr wrap="none" rtlCol="0">
+            <a:spAutoFit/>
+          </a:bodyPr>
+          <a:lstStyle/>
+          <a:p>
+            <a:r>
+              <a:rPr lang="en-GB" sz="2800" b="1" i="1" dirty="0" smtClean="0">
+                <a:latin typeface="+mj-lt"/>
+              </a:rPr>
+              <a:t>CONCLUSION</a:t>
+            </a:r>
+          </a:p>
+        </p:txBody>
+      </p:sp>
+      <p:sp>
+        <p:nvSpPr>
+          <p:cNvPr id="4" name="TextBox 3"/>
+          <p:cNvSpPr txBox="1"/>
+          <p:nvPr/>
+        </p:nvSpPr>
+        <p:spPr>
+          <a:xfrm>
+            <a:off x="6956299" y="173782"/>
+            <a:ext cx="3512308" cy="369332"/>
+          </a:xfrm>
+          <a:prstGeom prst="rect">
+            <a:avLst/>
+          </a:prstGeom>
+          <a:noFill/>
+        </p:spPr>
+        <p:txBody>
+          <a:bodyPr wrap="none" rtlCol="0">
+            <a:spAutoFit/>
+          </a:bodyPr>
+          <a:lstStyle/>
+          <a:p>
+            <a:r>
+              <a:rPr lang="en-GB" b="1" dirty="0" smtClean="0">
+                <a:solidFill>
+                  <a:srgbClr val="FF0000"/>
+                </a:solidFill>
+                <a:latin typeface="DejaVu Sans" panose="020B0603030804020204" pitchFamily="34" charset="0"/>
+                <a:ea typeface="DejaVu Sans" panose="020B0603030804020204" pitchFamily="34" charset="0"/>
+                <a:cs typeface="DejaVu Sans" panose="020B0603030804020204" pitchFamily="34" charset="0"/>
+              </a:rPr>
+              <a:t>CONCLUSION &amp; REMARKS</a:t>
+            </a:r>
+            <a:endParaRPr lang="en-GB" b="1" dirty="0">
+              <a:solidFill>
+                <a:srgbClr val="FF0000"/>
+              </a:solidFill>
+              <a:latin typeface="DejaVu Sans" panose="020B0603030804020204" pitchFamily="34" charset="0"/>
+              <a:ea typeface="DejaVu Sans" panose="020B0603030804020204" pitchFamily="34" charset="0"/>
+              <a:cs typeface="DejaVu Sans" panose="020B0603030804020204" pitchFamily="34" charset="0"/>
+            </a:endParaRPr>
+          </a:p>
+        </p:txBody>
+      </p:sp>
+    </p:spTree>
+    <p:extLst>
+      <p:ext uri="{BB962C8B-B14F-4D97-AF65-F5344CB8AC3E}">
+        <p14:creationId xmlns:p14="http://schemas.microsoft.com/office/powerpoint/2010/main" val="2463455316"/>
       </p:ext>
     </p:extLst>
   </p:cSld>
@@ -6305,8 +10213,44 @@
                 <a:effectLst/>
                 <a:latin typeface="Arial" charset="0"/>
               </a:rPr>
-              <a:t>Data Processing</a:t>
-            </a:r>
+              <a:t>Data </a:t>
+            </a:r>
+            <a:r>
+              <a:rPr kumimoji="0" lang="en-GB" sz="2400" b="1" i="0" u="none" strike="noStrike" cap="none" normalizeH="0" baseline="0" dirty="0" smtClean="0">
+                <a:ln>
+                  <a:noFill/>
+                </a:ln>
+                <a:solidFill>
+                  <a:schemeClr val="tx1"/>
+                </a:solidFill>
+                <a:effectLst/>
+                <a:latin typeface="Arial" charset="0"/>
+              </a:rPr>
+              <a:t>Proc.</a:t>
+            </a:r>
+            <a:r>
+              <a:rPr kumimoji="0" lang="en-GB" sz="2400" b="1" i="0" u="none" strike="noStrike" cap="none" normalizeH="0" dirty="0" smtClean="0">
+                <a:ln>
+                  <a:noFill/>
+                </a:ln>
+                <a:solidFill>
+                  <a:schemeClr val="tx1"/>
+                </a:solidFill>
+                <a:effectLst/>
+                <a:latin typeface="Arial" charset="0"/>
+              </a:rPr>
+              <a:t> &amp; Analysis</a:t>
+            </a:r>
+            <a:endParaRPr kumimoji="0" lang="en-GB" sz="2400" b="1" i="0" u="none" strike="noStrike" cap="none" normalizeH="0" baseline="0" dirty="0" smtClean="0">
+              <a:ln>
+                <a:noFill/>
+              </a:ln>
+              <a:solidFill>
+                <a:schemeClr val="tx1"/>
+              </a:solidFill>
+              <a:effectLst/>
+              <a:latin typeface="Arial" charset="0"/>
+            </a:endParaRPr>
           </a:p>
         </p:txBody>
       </p:sp>
@@ -6838,6 +10782,135 @@
       </p:sp>
       <p:sp>
         <p:nvSpPr>
+          <p:cNvPr id="4" name="Rectangle 3"/>
+          <p:cNvSpPr/>
+          <p:nvPr/>
+        </p:nvSpPr>
+        <p:spPr>
+          <a:xfrm>
+            <a:off x="3753053" y="2967335"/>
+            <a:ext cx="4685899" cy="923330"/>
+          </a:xfrm>
+          <a:prstGeom prst="rect">
+            <a:avLst/>
+          </a:prstGeom>
+        </p:spPr>
+        <p:style>
+          <a:lnRef idx="3">
+            <a:schemeClr val="lt1"/>
+          </a:lnRef>
+          <a:fillRef idx="1">
+            <a:schemeClr val="accent5"/>
+          </a:fillRef>
+          <a:effectRef idx="1">
+            <a:schemeClr val="accent5"/>
+          </a:effectRef>
+          <a:fontRef idx="minor">
+            <a:schemeClr val="lt1"/>
+          </a:fontRef>
+        </p:style>
+        <p:txBody>
+          <a:bodyPr wrap="none" lIns="91440" tIns="45720" rIns="91440" bIns="45720">
+            <a:spAutoFit/>
+          </a:bodyPr>
+          <a:lstStyle/>
+          <a:p>
+            <a:pPr algn="ctr"/>
+            <a:r>
+              <a:rPr lang="en-US" sz="5400" b="0" cap="none" spc="0" dirty="0" smtClean="0">
+                <a:ln w="0"/>
+                <a:solidFill>
+                  <a:schemeClr val="tx1"/>
+                </a:solidFill>
+                <a:effectLst>
+                  <a:outerShdw blurRad="38100" dist="19050" dir="2700000" algn="tl" rotWithShape="0">
+                    <a:schemeClr val="dk1">
+                      <a:alpha val="40000"/>
+                    </a:schemeClr>
+                  </a:outerShdw>
+                </a:effectLst>
+              </a:rPr>
+              <a:t>EXPERIMENT</a:t>
+            </a:r>
+            <a:endParaRPr lang="en-US" sz="5400" b="0" cap="none" spc="0" dirty="0">
+              <a:ln w="0"/>
+              <a:solidFill>
+                <a:schemeClr val="tx1"/>
+              </a:solidFill>
+              <a:effectLst>
+                <a:outerShdw blurRad="38100" dist="19050" dir="2700000" algn="tl" rotWithShape="0">
+                  <a:schemeClr val="dk1">
+                    <a:alpha val="40000"/>
+                  </a:schemeClr>
+                </a:outerShdw>
+              </a:effectLst>
+            </a:endParaRPr>
+          </a:p>
+        </p:txBody>
+      </p:sp>
+    </p:spTree>
+    <p:extLst>
+      <p:ext uri="{BB962C8B-B14F-4D97-AF65-F5344CB8AC3E}">
+        <p14:creationId xmlns:p14="http://schemas.microsoft.com/office/powerpoint/2010/main" val="596633103"/>
+      </p:ext>
+    </p:extLst>
+  </p:cSld>
+  <p:clrMapOvr>
+    <a:masterClrMapping/>
+  </p:clrMapOvr>
+  <p:timing>
+    <p:tnLst>
+      <p:par>
+        <p:cTn id="1" dur="indefinite" restart="never" nodeType="tmRoot"/>
+      </p:par>
+    </p:tnLst>
+  </p:timing>
+</p:sld>
+</file>
+
+<file path=ppt/slides/slide5.xml><?xml version="1.0" encoding="utf-8"?>
+<p:sld xmlns:a="http://schemas.openxmlformats.org/drawingml/2006/main" xmlns:r="http://schemas.openxmlformats.org/officeDocument/2006/relationships" xmlns:p="http://schemas.openxmlformats.org/presentationml/2006/main">
+  <p:cSld>
+    <p:spTree>
+      <p:nvGrpSpPr>
+        <p:cNvPr id="1" name=""/>
+        <p:cNvGrpSpPr/>
+        <p:nvPr/>
+      </p:nvGrpSpPr>
+      <p:grpSpPr>
+        <a:xfrm>
+          <a:off x="0" y="0"/>
+          <a:ext cx="0" cy="0"/>
+          <a:chOff x="0" y="0"/>
+          <a:chExt cx="0" cy="0"/>
+        </a:xfrm>
+      </p:grpSpPr>
+      <p:sp>
+        <p:nvSpPr>
+          <p:cNvPr id="2" name="Slide Number Placeholder 1"/>
+          <p:cNvSpPr>
+            <a:spLocks noGrp="1"/>
+          </p:cNvSpPr>
+          <p:nvPr>
+            <p:ph type="sldNum" sz="quarter" idx="10"/>
+          </p:nvPr>
+        </p:nvSpPr>
+        <p:spPr/>
+        <p:txBody>
+          <a:bodyPr/>
+          <a:lstStyle/>
+          <a:p>
+            <a:fld id="{61155BBA-336D-4AED-BB34-E42D9706BCE7}" type="slidenum">
+              <a:rPr lang="it-IT" altLang="en-US" smtClean="0"/>
+              <a:pPr/>
+              <a:t>5</a:t>
+            </a:fld>
+            <a:endParaRPr lang="it-IT" altLang="en-US"/>
+          </a:p>
+        </p:txBody>
+      </p:sp>
+      <p:sp>
+        <p:nvSpPr>
           <p:cNvPr id="3" name="TextBox 2"/>
           <p:cNvSpPr txBox="1"/>
           <p:nvPr/>
@@ -6870,8 +10943,8 @@
           </a:p>
         </p:txBody>
       </p:sp>
-      <mc:AlternateContent xmlns:mc="http://schemas.openxmlformats.org/markup-compatibility/2006">
-        <mc:Choice xmlns:a14="http://schemas.microsoft.com/office/drawing/2010/main" Requires="a14">
+      <mc:AlternateContent xmlns:mc="http://schemas.openxmlformats.org/markup-compatibility/2006" xmlns:a14="http://schemas.microsoft.com/office/drawing/2010/main">
+        <mc:Choice Requires="a14">
           <p:sp>
             <p:nvSpPr>
               <p:cNvPr id="4" name="TextBox 3"/>
@@ -7877,7 +11950,7 @@
             </p:txBody>
           </p:sp>
         </mc:Choice>
-        <mc:Fallback>
+        <mc:Fallback xmlns="">
           <p:sp>
             <p:nvSpPr>
               <p:cNvPr id="4" name="TextBox 3"/>
@@ -7986,8 +12059,8 @@
           </a:p>
         </p:txBody>
       </p:sp>
-      <mc:AlternateContent xmlns:mc="http://schemas.openxmlformats.org/markup-compatibility/2006">
-        <mc:Choice xmlns:a14="http://schemas.microsoft.com/office/drawing/2010/main" Requires="a14">
+      <mc:AlternateContent xmlns:mc="http://schemas.openxmlformats.org/markup-compatibility/2006" xmlns:a14="http://schemas.microsoft.com/office/drawing/2010/main">
+        <mc:Choice Requires="a14">
           <p:sp>
             <p:nvSpPr>
               <p:cNvPr id="7" name="TextBox 6"/>
@@ -8076,22 +12149,14 @@
                 </a14:m>
                 <a:r>
                   <a:rPr lang="en-GB" dirty="0" smtClean="0"/>
-                  <a:t>is </a:t>
-                </a:r>
-                <a:r>
-                  <a:rPr lang="en-GB" dirty="0" smtClean="0"/>
-                  <a:t>the open </a:t>
-                </a:r>
-                <a:r>
-                  <a:rPr lang="en-GB" dirty="0" smtClean="0"/>
-                  <a:t>loop data</a:t>
+                  <a:t>is the open loop data</a:t>
                 </a:r>
                 <a:endParaRPr lang="en-GB" dirty="0"/>
               </a:p>
             </p:txBody>
           </p:sp>
         </mc:Choice>
-        <mc:Fallback>
+        <mc:Fallback xmlns="">
           <p:sp>
             <p:nvSpPr>
               <p:cNvPr id="7" name="TextBox 6"/>
@@ -8194,7 +12259,7 @@
 </p:sld>
 </file>
 
-<file path=ppt/slides/slide5.xml><?xml version="1.0" encoding="utf-8"?>
+<file path=ppt/slides/slide6.xml><?xml version="1.0" encoding="utf-8"?>
 <p:sld xmlns:a="http://schemas.openxmlformats.org/drawingml/2006/main" xmlns:r="http://schemas.openxmlformats.org/officeDocument/2006/relationships" xmlns:p="http://schemas.openxmlformats.org/presentationml/2006/main">
   <p:cSld>
     <p:spTree>
@@ -8229,7 +12294,7 @@
             <a:fld id="{61155BBA-336D-4AED-BB34-E42D9706BCE7}" type="slidenum">
               <a:rPr lang="it-IT" altLang="en-US" smtClean="0"/>
               <a:pPr/>
-              <a:t>5</a:t>
+              <a:t>6</a:t>
             </a:fld>
             <a:endParaRPr lang="it-IT" altLang="en-US"/>
           </a:p>
@@ -8423,142 +12488,6 @@
 </p:sld>
 </file>
 
-<file path=ppt/slides/slide6.xml><?xml version="1.0" encoding="utf-8"?>
-<p:sld xmlns:a="http://schemas.openxmlformats.org/drawingml/2006/main" xmlns:r="http://schemas.openxmlformats.org/officeDocument/2006/relationships" xmlns:p="http://schemas.openxmlformats.org/presentationml/2006/main">
-  <p:cSld>
-    <p:spTree>
-      <p:nvGrpSpPr>
-        <p:cNvPr id="1" name=""/>
-        <p:cNvGrpSpPr/>
-        <p:nvPr/>
-      </p:nvGrpSpPr>
-      <p:grpSpPr>
-        <a:xfrm>
-          <a:off x="0" y="0"/>
-          <a:ext cx="0" cy="0"/>
-          <a:chOff x="0" y="0"/>
-          <a:chExt cx="0" cy="0"/>
-        </a:xfrm>
-      </p:grpSpPr>
-      <p:sp>
-        <p:nvSpPr>
-          <p:cNvPr id="2" name="Slide Number Placeholder 1"/>
-          <p:cNvSpPr>
-            <a:spLocks noGrp="1"/>
-          </p:cNvSpPr>
-          <p:nvPr>
-            <p:ph type="sldNum" sz="quarter" idx="10"/>
-          </p:nvPr>
-        </p:nvSpPr>
-        <p:spPr/>
-        <p:txBody>
-          <a:bodyPr/>
-          <a:lstStyle/>
-          <a:p>
-            <a:fld id="{61155BBA-336D-4AED-BB34-E42D9706BCE7}" type="slidenum">
-              <a:rPr lang="it-IT" altLang="en-US" smtClean="0"/>
-              <a:pPr/>
-              <a:t>6</a:t>
-            </a:fld>
-            <a:endParaRPr lang="it-IT" altLang="en-US"/>
-          </a:p>
-        </p:txBody>
-      </p:sp>
-      <p:sp>
-        <p:nvSpPr>
-          <p:cNvPr id="3" name="TextBox 2"/>
-          <p:cNvSpPr txBox="1"/>
-          <p:nvPr/>
-        </p:nvSpPr>
-        <p:spPr>
-          <a:xfrm>
-            <a:off x="4292140" y="1046490"/>
-            <a:ext cx="3607719" cy="523220"/>
-          </a:xfrm>
-          <a:prstGeom prst="rect">
-            <a:avLst/>
-          </a:prstGeom>
-          <a:noFill/>
-        </p:spPr>
-        <p:txBody>
-          <a:bodyPr wrap="none" rtlCol="0">
-            <a:spAutoFit/>
-          </a:bodyPr>
-          <a:lstStyle/>
-          <a:p>
-            <a:r>
-              <a:rPr lang="en-GB" sz="2800" b="1" i="1" dirty="0" smtClean="0">
-                <a:latin typeface="+mj-lt"/>
-              </a:rPr>
-              <a:t>DATA PROCESSING</a:t>
-            </a:r>
-          </a:p>
-        </p:txBody>
-      </p:sp>
-      <p:sp>
-        <p:nvSpPr>
-          <p:cNvPr id="4" name="TextBox 3"/>
-          <p:cNvSpPr txBox="1"/>
-          <p:nvPr/>
-        </p:nvSpPr>
-        <p:spPr>
-          <a:xfrm>
-            <a:off x="7556950" y="148382"/>
-            <a:ext cx="2597506" cy="369332"/>
-          </a:xfrm>
-          <a:prstGeom prst="rect">
-            <a:avLst/>
-          </a:prstGeom>
-          <a:noFill/>
-        </p:spPr>
-        <p:txBody>
-          <a:bodyPr wrap="none" rtlCol="0">
-            <a:spAutoFit/>
-          </a:bodyPr>
-          <a:lstStyle/>
-          <a:p>
-            <a:r>
-              <a:rPr lang="en-GB" b="1" dirty="0" smtClean="0">
-                <a:solidFill>
-                  <a:srgbClr val="FF0000"/>
-                </a:solidFill>
-                <a:latin typeface="DejaVu Sans" panose="020B0603030804020204" pitchFamily="34" charset="0"/>
-                <a:ea typeface="DejaVu Sans" panose="020B0603030804020204" pitchFamily="34" charset="0"/>
-                <a:cs typeface="DejaVu Sans" panose="020B0603030804020204" pitchFamily="34" charset="0"/>
-              </a:rPr>
-              <a:t>DATA PROCESSING</a:t>
-            </a:r>
-            <a:endParaRPr lang="en-GB" b="1" dirty="0">
-              <a:solidFill>
-                <a:srgbClr val="FF0000"/>
-              </a:solidFill>
-              <a:latin typeface="DejaVu Sans" panose="020B0603030804020204" pitchFamily="34" charset="0"/>
-              <a:ea typeface="DejaVu Sans" panose="020B0603030804020204" pitchFamily="34" charset="0"/>
-              <a:cs typeface="DejaVu Sans" panose="020B0603030804020204" pitchFamily="34" charset="0"/>
-            </a:endParaRPr>
-          </a:p>
-        </p:txBody>
-      </p:sp>
-    </p:spTree>
-    <p:extLst>
-      <p:ext uri="{BB962C8B-B14F-4D97-AF65-F5344CB8AC3E}">
-        <p14:creationId xmlns:p14="http://schemas.microsoft.com/office/powerpoint/2010/main" val="3878552150"/>
-      </p:ext>
-    </p:extLst>
-  </p:cSld>
-  <p:clrMapOvr>
-    <a:masterClrMapping/>
-  </p:clrMapOvr>
-  <p:timing>
-    <p:tnLst>
-      <p:par>
-        <p:cTn id="1" dur="indefinite" restart="never" nodeType="tmRoot"/>
-      </p:par>
-    </p:tnLst>
-  </p:timing>
-</p:sld>
-</file>
-
 <file path=ppt/slides/slide7.xml><?xml version="1.0" encoding="utf-8"?>
 <p:sld xmlns:a="http://schemas.openxmlformats.org/drawingml/2006/main" xmlns:r="http://schemas.openxmlformats.org/officeDocument/2006/relationships" xmlns:p="http://schemas.openxmlformats.org/presentationml/2006/main">
   <p:cSld>
@@ -8602,75 +12531,99 @@
       </p:sp>
       <p:sp>
         <p:nvSpPr>
-          <p:cNvPr id="3" name="TextBox 2"/>
-          <p:cNvSpPr txBox="1"/>
+          <p:cNvPr id="4" name="Rectangle 3"/>
+          <p:cNvSpPr/>
           <p:nvPr/>
         </p:nvSpPr>
         <p:spPr>
           <a:xfrm>
-            <a:off x="4292140" y="1046490"/>
-            <a:ext cx="4420313" cy="523220"/>
+            <a:off x="1938323" y="2588350"/>
+            <a:ext cx="8315353" cy="1754326"/>
           </a:xfrm>
           <a:prstGeom prst="rect">
             <a:avLst/>
           </a:prstGeom>
-          <a:noFill/>
         </p:spPr>
-        <p:txBody>
-          <a:bodyPr wrap="none" rtlCol="0">
+        <p:style>
+          <a:lnRef idx="3">
+            <a:schemeClr val="lt1"/>
+          </a:lnRef>
+          <a:fillRef idx="1">
+            <a:schemeClr val="accent5"/>
+          </a:fillRef>
+          <a:effectRef idx="1">
+            <a:schemeClr val="accent5"/>
+          </a:effectRef>
+          <a:fontRef idx="minor">
+            <a:schemeClr val="lt1"/>
+          </a:fontRef>
+        </p:style>
+        <p:txBody>
+          <a:bodyPr wrap="none" lIns="91440" tIns="45720" rIns="91440" bIns="45720">
             <a:spAutoFit/>
           </a:bodyPr>
           <a:lstStyle/>
           <a:p>
-            <a:r>
-              <a:rPr lang="en-GB" sz="2800" b="1" i="1" dirty="0" smtClean="0">
-                <a:latin typeface="+mj-lt"/>
+            <a:pPr algn="ctr"/>
+            <a:r>
+              <a:rPr lang="en-US" sz="5400" dirty="0" smtClean="0">
+                <a:ln w="0"/>
+                <a:solidFill>
+                  <a:schemeClr val="tx1"/>
+                </a:solidFill>
+                <a:effectLst>
+                  <a:outerShdw blurRad="38100" dist="19050" dir="2700000" algn="tl" rotWithShape="0">
+                    <a:schemeClr val="dk1">
+                      <a:alpha val="40000"/>
+                    </a:schemeClr>
+                  </a:outerShdw>
+                </a:effectLst>
               </a:rPr>
-              <a:t>MODEL IDENTIFICATION</a:t>
-            </a:r>
-          </a:p>
-        </p:txBody>
-      </p:sp>
-      <p:sp>
-        <p:nvSpPr>
-          <p:cNvPr id="4" name="TextBox 3"/>
-          <p:cNvSpPr txBox="1"/>
-          <p:nvPr/>
-        </p:nvSpPr>
-        <p:spPr>
-          <a:xfrm>
-            <a:off x="7078960" y="173782"/>
-            <a:ext cx="3266985" cy="369332"/>
-          </a:xfrm>
-          <a:prstGeom prst="rect">
-            <a:avLst/>
-          </a:prstGeom>
-          <a:noFill/>
-        </p:spPr>
-        <p:txBody>
-          <a:bodyPr wrap="none" rtlCol="0">
-            <a:spAutoFit/>
-          </a:bodyPr>
-          <a:lstStyle/>
-          <a:p>
-            <a:r>
-              <a:rPr lang="en-GB" b="1" dirty="0" smtClean="0">
+              <a:t>DATA PROCESSING AND</a:t>
+            </a:r>
+            <a:br>
+              <a:rPr lang="en-US" sz="5400" dirty="0" smtClean="0">
+                <a:ln w="0"/>
                 <a:solidFill>
-                  <a:srgbClr val="FF0000"/>
+                  <a:schemeClr val="tx1"/>
                 </a:solidFill>
-                <a:latin typeface="DejaVu Sans" panose="020B0603030804020204" pitchFamily="34" charset="0"/>
-                <a:ea typeface="DejaVu Sans" panose="020B0603030804020204" pitchFamily="34" charset="0"/>
-                <a:cs typeface="DejaVu Sans" panose="020B0603030804020204" pitchFamily="34" charset="0"/>
+                <a:effectLst>
+                  <a:outerShdw blurRad="38100" dist="19050" dir="2700000" algn="tl" rotWithShape="0">
+                    <a:schemeClr val="dk1">
+                      <a:alpha val="40000"/>
+                    </a:schemeClr>
+                  </a:outerShdw>
+                </a:effectLst>
               </a:rPr>
-              <a:t>MODEL IDENTIFICATION</a:t>
-            </a:r>
-            <a:endParaRPr lang="en-GB" b="1" dirty="0">
+            </a:br>
+            <a:r>
+              <a:rPr lang="en-US" sz="5400" dirty="0" smtClean="0">
+                <a:ln w="0"/>
+                <a:solidFill>
+                  <a:schemeClr val="tx1"/>
+                </a:solidFill>
+                <a:effectLst>
+                  <a:outerShdw blurRad="38100" dist="19050" dir="2700000" algn="tl" rotWithShape="0">
+                    <a:schemeClr val="dk1">
+                      <a:alpha val="40000"/>
+                    </a:schemeClr>
+                  </a:outerShdw>
+                </a:effectLst>
+              </a:rPr>
+              <a:t>ANALYSIS</a:t>
+            </a:r>
+            <a:endParaRPr lang="en-US" sz="5400" b="0" cap="none" spc="0" dirty="0">
+              <a:ln w="0"/>
               <a:solidFill>
-                <a:srgbClr val="FF0000"/>
+                <a:schemeClr val="tx1"/>
               </a:solidFill>
-              <a:latin typeface="DejaVu Sans" panose="020B0603030804020204" pitchFamily="34" charset="0"/>
-              <a:ea typeface="DejaVu Sans" panose="020B0603030804020204" pitchFamily="34" charset="0"/>
-              <a:cs typeface="DejaVu Sans" panose="020B0603030804020204" pitchFamily="34" charset="0"/>
+              <a:effectLst>
+                <a:outerShdw blurRad="38100" dist="19050" dir="2700000" algn="tl" rotWithShape="0">
+                  <a:schemeClr val="dk1">
+                    <a:alpha val="40000"/>
+                  </a:schemeClr>
+                </a:outerShdw>
+              </a:effectLst>
             </a:endParaRPr>
           </a:p>
         </p:txBody>
@@ -8678,7 +12631,7 @@
     </p:spTree>
     <p:extLst>
       <p:ext uri="{BB962C8B-B14F-4D97-AF65-F5344CB8AC3E}">
-        <p14:creationId xmlns:p14="http://schemas.microsoft.com/office/powerpoint/2010/main" val="310502378"/>
+        <p14:creationId xmlns:p14="http://schemas.microsoft.com/office/powerpoint/2010/main" val="742962778"/>
       </p:ext>
     </p:extLst>
   </p:cSld>
@@ -8712,9 +12665,182 @@
           <a:chExt cx="0" cy="0"/>
         </a:xfrm>
       </p:grpSpPr>
-      <p:sp>
-        <p:nvSpPr>
-          <p:cNvPr id="2" name="Slide Number Placeholder 1"/>
+      <mc:AlternateContent xmlns:mc="http://schemas.openxmlformats.org/markup-compatibility/2006">
+        <mc:Choice xmlns:a14="http://schemas.microsoft.com/office/drawing/2010/main" Requires="a14">
+          <p:sp>
+            <p:nvSpPr>
+              <p:cNvPr id="2" name="Content Placeholder 1"/>
+              <p:cNvSpPr>
+                <a:spLocks noGrp="1"/>
+              </p:cNvSpPr>
+              <p:nvPr>
+                <p:ph idx="1"/>
+              </p:nvPr>
+            </p:nvSpPr>
+            <p:spPr/>
+            <p:txBody>
+              <a:bodyPr/>
+              <a:lstStyle/>
+              <a:p>
+                <a:pPr marL="0" indent="0">
+                  <a:buNone/>
+                </a:pPr>
+                <a:r>
+                  <a:rPr lang="en-GB" dirty="0" smtClean="0"/>
+                  <a:t>When analysing data for black box modelling there are several steps to consider:</a:t>
+                </a:r>
+              </a:p>
+              <a:p>
+                <a:pPr marL="0" indent="0">
+                  <a:buNone/>
+                </a:pPr>
+                <a:endParaRPr lang="en-GB" dirty="0"/>
+              </a:p>
+              <a:p>
+                <a:pPr marL="457200" indent="-457200">
+                  <a:buFont typeface="+mj-lt"/>
+                  <a:buAutoNum type="arabicPeriod"/>
+                </a:pPr>
+                <a:r>
+                  <a:rPr lang="en-GB" dirty="0" smtClean="0"/>
+                  <a:t>Is there any trend on the data (constant or linear) ? </a:t>
+                </a:r>
+                <a14:m>
+                  <m:oMath xmlns:m="http://schemas.openxmlformats.org/officeDocument/2006/math">
+                    <m:r>
+                      <a:rPr lang="en-GB" b="0" i="1" smtClean="0">
+                        <a:latin typeface="Cambria Math" panose="02040503050406030204" pitchFamily="18" charset="0"/>
+                      </a:rPr>
+                      <m:t>⇒</m:t>
+                    </m:r>
+                  </m:oMath>
+                </a14:m>
+                <a:r>
+                  <a:rPr lang="en-GB" dirty="0" smtClean="0"/>
+                  <a:t> </a:t>
+                </a:r>
+                <a:r>
+                  <a:rPr lang="en-GB" dirty="0" err="1" smtClean="0"/>
+                  <a:t>Detrend</a:t>
+                </a:r>
+                <a:r>
+                  <a:rPr lang="en-GB" dirty="0" smtClean="0"/>
+                  <a:t> (not advisable if the system contains an integrator -&gt; we lose dynamics</a:t>
+                </a:r>
+              </a:p>
+              <a:p>
+                <a:pPr marL="457200" indent="-457200">
+                  <a:buFont typeface="+mj-lt"/>
+                  <a:buAutoNum type="arabicPeriod"/>
+                </a:pPr>
+                <a:endParaRPr lang="en-GB" dirty="0" smtClean="0"/>
+              </a:p>
+              <a:p>
+                <a:pPr marL="457200" indent="-457200">
+                  <a:buFont typeface="+mj-lt"/>
+                  <a:buAutoNum type="arabicPeriod"/>
+                </a:pPr>
+                <a:r>
+                  <a:rPr lang="en-GB" dirty="0" smtClean="0"/>
+                  <a:t>Analyse the covariance and spectrum of the input signal to understand the level of excitation</a:t>
+                </a:r>
+              </a:p>
+              <a:p>
+                <a:pPr marL="857250" lvl="1" indent="-457200">
+                  <a:buFont typeface="+mj-lt"/>
+                  <a:buAutoNum type="arabicPeriod"/>
+                </a:pPr>
+                <a:r>
+                  <a:rPr lang="en-GB" dirty="0" smtClean="0"/>
+                  <a:t>We prefer signal that behave like WN to improve (</a:t>
+                </a:r>
+                <a:r>
+                  <a:rPr lang="en-GB" dirty="0" err="1" smtClean="0"/>
+                  <a:t>identifiability</a:t>
+                </a:r>
+                <a:r>
+                  <a:rPr lang="en-GB" dirty="0" smtClean="0"/>
+                  <a:t> ) the estimate of a parametric model</a:t>
+                </a:r>
+              </a:p>
+              <a:p>
+                <a:pPr marL="457200" indent="-457200">
+                  <a:buFont typeface="+mj-lt"/>
+                  <a:buAutoNum type="arabicPeriod"/>
+                </a:pPr>
+                <a:endParaRPr lang="en-GB" dirty="0" smtClean="0"/>
+              </a:p>
+              <a:p>
+                <a:pPr marL="457200" indent="-457200">
+                  <a:buFont typeface="+mj-lt"/>
+                  <a:buAutoNum type="arabicPeriod"/>
+                </a:pPr>
+                <a:r>
+                  <a:rPr lang="en-GB" dirty="0" smtClean="0"/>
+                  <a:t>Estimate the impulse response and frequency response to gain:</a:t>
+                </a:r>
+              </a:p>
+              <a:p>
+                <a:pPr marL="857250" lvl="1" indent="-457200">
+                  <a:buFont typeface="+mj-lt"/>
+                  <a:buAutoNum type="arabicPeriod"/>
+                </a:pPr>
+                <a:r>
+                  <a:rPr lang="en-GB" dirty="0" smtClean="0"/>
+                  <a:t>Insight into the system dynamics</a:t>
+                </a:r>
+              </a:p>
+              <a:p>
+                <a:pPr marL="857250" lvl="1" indent="-457200">
+                  <a:buFont typeface="+mj-lt"/>
+                  <a:buAutoNum type="arabicPeriod"/>
+                </a:pPr>
+                <a:r>
+                  <a:rPr lang="en-GB" dirty="0" smtClean="0"/>
+                  <a:t>Estimation of the input dead time (time delay of the input)</a:t>
+                </a:r>
+                <a:endParaRPr lang="en-GB" dirty="0"/>
+              </a:p>
+            </p:txBody>
+          </p:sp>
+        </mc:Choice>
+        <mc:Fallback>
+          <p:sp>
+            <p:nvSpPr>
+              <p:cNvPr id="2" name="Content Placeholder 1"/>
+              <p:cNvSpPr>
+                <a:spLocks noGrp="1" noRot="1" noChangeAspect="1" noMove="1" noResize="1" noEditPoints="1" noAdjustHandles="1" noChangeArrowheads="1" noChangeShapeType="1" noTextEdit="1"/>
+              </p:cNvSpPr>
+              <p:nvPr>
+                <p:ph idx="1"/>
+              </p:nvPr>
+            </p:nvSpPr>
+            <p:spPr>
+              <a:blipFill rotWithShape="0">
+                <a:blip r:embed="rId2"/>
+                <a:stretch>
+                  <a:fillRect l="-1389" t="-1476" r="-111"/>
+                </a:stretch>
+              </a:blipFill>
+            </p:spPr>
+            <p:txBody>
+              <a:bodyPr/>
+              <a:lstStyle/>
+              <a:p>
+                <a:r>
+                  <a:rPr lang="en-GB">
+                    <a:noFill/>
+                  </a:rPr>
+                  <a:t> </a:t>
+                </a:r>
+              </a:p>
+            </p:txBody>
+          </p:sp>
+        </mc:Fallback>
+      </mc:AlternateContent>
+      <p:sp>
+        <p:nvSpPr>
+          <p:cNvPr id="3" name="Slide Number Placeholder 2"/>
           <p:cNvSpPr>
             <a:spLocks noGrp="1"/>
           </p:cNvSpPr>
@@ -8727,7 +12853,7 @@
           <a:bodyPr/>
           <a:lstStyle/>
           <a:p>
-            <a:fld id="{61155BBA-336D-4AED-BB34-E42D9706BCE7}" type="slidenum">
+            <a:fld id="{DD46C739-BB1C-478F-BB04-ED63286E8AF6}" type="slidenum">
               <a:rPr lang="it-IT" altLang="en-US" smtClean="0"/>
               <a:pPr/>
               <a:t>8</a:t>
@@ -8738,45 +12864,14 @@
       </p:sp>
       <p:sp>
         <p:nvSpPr>
-          <p:cNvPr id="3" name="TextBox 2"/>
-          <p:cNvSpPr txBox="1"/>
-          <p:nvPr/>
-        </p:nvSpPr>
-        <p:spPr>
-          <a:xfrm>
-            <a:off x="4292140" y="1046490"/>
-            <a:ext cx="3715569" cy="523220"/>
-          </a:xfrm>
-          <a:prstGeom prst="rect">
-            <a:avLst/>
-          </a:prstGeom>
-          <a:noFill/>
-        </p:spPr>
-        <p:txBody>
-          <a:bodyPr wrap="none" rtlCol="0">
-            <a:spAutoFit/>
-          </a:bodyPr>
-          <a:lstStyle/>
-          <a:p>
-            <a:r>
-              <a:rPr lang="en-GB" sz="2800" b="1" i="1" dirty="0" smtClean="0">
-                <a:latin typeface="+mj-lt"/>
-              </a:rPr>
-              <a:t>MODEL VALIDATION</a:t>
-            </a:r>
-          </a:p>
-        </p:txBody>
-      </p:sp>
-      <p:sp>
-        <p:nvSpPr>
           <p:cNvPr id="4" name="TextBox 3"/>
           <p:cNvSpPr txBox="1"/>
           <p:nvPr/>
         </p:nvSpPr>
         <p:spPr>
           <a:xfrm>
-            <a:off x="7078960" y="173782"/>
-            <a:ext cx="2746393" cy="369332"/>
+            <a:off x="7556950" y="0"/>
+            <a:ext cx="2597506" cy="646331"/>
           </a:xfrm>
           <a:prstGeom prst="rect">
             <a:avLst/>
@@ -8798,7 +12893,31 @@
                 <a:ea typeface="DejaVu Sans" panose="020B0603030804020204" pitchFamily="34" charset="0"/>
                 <a:cs typeface="DejaVu Sans" panose="020B0603030804020204" pitchFamily="34" charset="0"/>
               </a:rPr>
-              <a:t>MODEL VALIDATION</a:t>
+              <a:t>DATA </a:t>
+            </a:r>
+            <a:r>
+              <a:rPr lang="en-GB" b="1" dirty="0" smtClean="0">
+                <a:solidFill>
+                  <a:srgbClr val="FF0000"/>
+                </a:solidFill>
+                <a:latin typeface="DejaVu Sans" panose="020B0603030804020204" pitchFamily="34" charset="0"/>
+                <a:ea typeface="DejaVu Sans" panose="020B0603030804020204" pitchFamily="34" charset="0"/>
+                <a:cs typeface="DejaVu Sans" panose="020B0603030804020204" pitchFamily="34" charset="0"/>
+              </a:rPr>
+              <a:t>PROCESSING</a:t>
+            </a:r>
+          </a:p>
+          <a:p>
+            <a:r>
+              <a:rPr lang="en-GB" b="1" dirty="0" smtClean="0">
+                <a:solidFill>
+                  <a:srgbClr val="FF0000"/>
+                </a:solidFill>
+                <a:latin typeface="DejaVu Sans" panose="020B0603030804020204" pitchFamily="34" charset="0"/>
+                <a:ea typeface="DejaVu Sans" panose="020B0603030804020204" pitchFamily="34" charset="0"/>
+                <a:cs typeface="DejaVu Sans" panose="020B0603030804020204" pitchFamily="34" charset="0"/>
+              </a:rPr>
+              <a:t>AND ANALYSIS</a:t>
             </a:r>
             <a:endParaRPr lang="en-GB" b="1" dirty="0">
               <a:solidFill>
@@ -8814,7 +12933,7 @@
     </p:spTree>
     <p:extLst>
       <p:ext uri="{BB962C8B-B14F-4D97-AF65-F5344CB8AC3E}">
-        <p14:creationId xmlns:p14="http://schemas.microsoft.com/office/powerpoint/2010/main" val="55177232"/>
+        <p14:creationId xmlns:p14="http://schemas.microsoft.com/office/powerpoint/2010/main" val="2476158610"/>
       </p:ext>
     </p:extLst>
   </p:cSld>
@@ -8880,8 +12999,8 @@
         </p:nvSpPr>
         <p:spPr>
           <a:xfrm>
-            <a:off x="4746912" y="1033790"/>
-            <a:ext cx="2698175" cy="523220"/>
+            <a:off x="2717019" y="1030484"/>
+            <a:ext cx="7323928" cy="954107"/>
           </a:xfrm>
           <a:prstGeom prst="rect">
             <a:avLst/>
@@ -8898,8 +13017,13 @@
               <a:rPr lang="en-GB" sz="2800" b="1" i="1" dirty="0" smtClean="0">
                 <a:latin typeface="+mj-lt"/>
               </a:rPr>
-              <a:t>CONCLUSION</a:t>
-            </a:r>
+              <a:t>Input Covariance – Spectrum Analysis 1/5</a:t>
+            </a:r>
+          </a:p>
+          <a:p>
+            <a:endParaRPr lang="en-GB" sz="2800" b="1" i="1" dirty="0" smtClean="0">
+              <a:latin typeface="+mj-lt"/>
+            </a:endParaRPr>
           </a:p>
         </p:txBody>
       </p:sp>
@@ -8911,8 +13035,8 @@
         </p:nvSpPr>
         <p:spPr>
           <a:xfrm>
-            <a:off x="6956299" y="173782"/>
-            <a:ext cx="3512308" cy="369332"/>
+            <a:off x="7556950" y="0"/>
+            <a:ext cx="2597506" cy="646331"/>
           </a:xfrm>
           <a:prstGeom prst="rect">
             <a:avLst/>
@@ -8934,7 +13058,31 @@
                 <a:ea typeface="DejaVu Sans" panose="020B0603030804020204" pitchFamily="34" charset="0"/>
                 <a:cs typeface="DejaVu Sans" panose="020B0603030804020204" pitchFamily="34" charset="0"/>
               </a:rPr>
-              <a:t>CONCLUSION &amp; REMARKS</a:t>
+              <a:t>DATA </a:t>
+            </a:r>
+            <a:r>
+              <a:rPr lang="en-GB" b="1" dirty="0" smtClean="0">
+                <a:solidFill>
+                  <a:srgbClr val="FF0000"/>
+                </a:solidFill>
+                <a:latin typeface="DejaVu Sans" panose="020B0603030804020204" pitchFamily="34" charset="0"/>
+                <a:ea typeface="DejaVu Sans" panose="020B0603030804020204" pitchFamily="34" charset="0"/>
+                <a:cs typeface="DejaVu Sans" panose="020B0603030804020204" pitchFamily="34" charset="0"/>
+              </a:rPr>
+              <a:t>PROCESSING</a:t>
+            </a:r>
+          </a:p>
+          <a:p>
+            <a:r>
+              <a:rPr lang="en-GB" b="1" dirty="0" smtClean="0">
+                <a:solidFill>
+                  <a:srgbClr val="FF0000"/>
+                </a:solidFill>
+                <a:latin typeface="DejaVu Sans" panose="020B0603030804020204" pitchFamily="34" charset="0"/>
+                <a:ea typeface="DejaVu Sans" panose="020B0603030804020204" pitchFamily="34" charset="0"/>
+                <a:cs typeface="DejaVu Sans" panose="020B0603030804020204" pitchFamily="34" charset="0"/>
+              </a:rPr>
+              <a:t>AND ANALYSIS</a:t>
             </a:r>
             <a:endParaRPr lang="en-GB" b="1" dirty="0">
               <a:solidFill>
@@ -8947,10 +13095,100 @@
           </a:p>
         </p:txBody>
       </p:sp>
+      <p:sp>
+        <p:nvSpPr>
+          <p:cNvPr id="5" name="TextBox 4"/>
+          <p:cNvSpPr txBox="1"/>
+          <p:nvPr/>
+        </p:nvSpPr>
+        <p:spPr>
+          <a:xfrm>
+            <a:off x="645951" y="1937857"/>
+            <a:ext cx="10100345" cy="4247317"/>
+          </a:xfrm>
+          <a:prstGeom prst="rect">
+            <a:avLst/>
+          </a:prstGeom>
+          <a:noFill/>
+        </p:spPr>
+        <p:txBody>
+          <a:bodyPr wrap="square" rtlCol="0">
+            <a:spAutoFit/>
+          </a:bodyPr>
+          <a:lstStyle/>
+          <a:p>
+            <a:endParaRPr lang="en-GB" dirty="0" smtClean="0"/>
+          </a:p>
+          <a:p>
+            <a:r>
+              <a:rPr lang="en-GB" dirty="0" smtClean="0"/>
+              <a:t>Analysis of the covariance gives insight on the level of excitation of the input signal: for example we can run the Anderson Whiteness Test to understand if the input signal behaves like a random white noise.</a:t>
+            </a:r>
+          </a:p>
+          <a:p>
+            <a:endParaRPr lang="en-GB" dirty="0" smtClean="0"/>
+          </a:p>
+          <a:p>
+            <a:endParaRPr lang="en-GB" dirty="0"/>
+          </a:p>
+          <a:p>
+            <a:endParaRPr lang="en-GB" dirty="0"/>
+          </a:p>
+          <a:p>
+            <a:r>
+              <a:rPr lang="en-GB" dirty="0" smtClean="0"/>
+              <a:t>Also the rank of the correlation matrix can give some info, but most of the time has a persistence of excitation very high:</a:t>
+            </a:r>
+          </a:p>
+          <a:p>
+            <a:pPr marL="742950" lvl="1" indent="-285750">
+              <a:buFont typeface="Arial" panose="020B0604020202020204" pitchFamily="34" charset="0"/>
+              <a:buChar char="•"/>
+            </a:pPr>
+            <a:r>
+              <a:rPr lang="en-GB" dirty="0" err="1" smtClean="0"/>
+              <a:t>Matlab</a:t>
+            </a:r>
+            <a:r>
+              <a:rPr lang="en-GB" dirty="0" smtClean="0"/>
+              <a:t> command </a:t>
+            </a:r>
+            <a:r>
+              <a:rPr lang="en-GB" dirty="0" err="1" smtClean="0"/>
+              <a:t>pexcit</a:t>
+            </a:r>
+            <a:r>
+              <a:rPr lang="en-GB" dirty="0" smtClean="0"/>
+              <a:t> always returned 50 (degree of persistence of excitation, its calculated based on min(n/3, 50) where n=rank(Ru) )</a:t>
+            </a:r>
+          </a:p>
+          <a:p>
+            <a:pPr marL="742950" lvl="1" indent="-285750">
+              <a:buFont typeface="Arial" panose="020B0604020202020204" pitchFamily="34" charset="0"/>
+              <a:buChar char="•"/>
+            </a:pPr>
+            <a:endParaRPr lang="en-GB" dirty="0"/>
+          </a:p>
+          <a:p>
+            <a:endParaRPr lang="en-GB" dirty="0" smtClean="0"/>
+          </a:p>
+          <a:p>
+            <a:pPr marL="742950" lvl="1" indent="-285750">
+              <a:buFont typeface="Arial" panose="020B0604020202020204" pitchFamily="34" charset="0"/>
+              <a:buChar char="•"/>
+            </a:pPr>
+            <a:endParaRPr lang="en-GB" dirty="0"/>
+          </a:p>
+          <a:p>
+            <a:pPr lvl="1"/>
+            <a:endParaRPr lang="en-GB" dirty="0"/>
+          </a:p>
+        </p:txBody>
+      </p:sp>
     </p:spTree>
     <p:extLst>
       <p:ext uri="{BB962C8B-B14F-4D97-AF65-F5344CB8AC3E}">
-        <p14:creationId xmlns:p14="http://schemas.microsoft.com/office/powerpoint/2010/main" val="2463455316"/>
+        <p14:creationId xmlns:p14="http://schemas.microsoft.com/office/powerpoint/2010/main" val="2408693421"/>
       </p:ext>
     </p:extLst>
   </p:cSld>

--- a/report/Report.pptx
+++ b/report/Report.pptx
@@ -27,6 +27,8 @@
     <p:sldId id="263" r:id="rId21"/>
     <p:sldId id="264" r:id="rId22"/>
     <p:sldId id="265" r:id="rId23"/>
+    <p:sldId id="277" r:id="rId24"/>
+    <p:sldId id="278" r:id="rId25"/>
   </p:sldIdLst>
   <p:sldSz cx="12192000" cy="6858000"/>
   <p:notesSz cx="6858000" cy="9144000"/>
@@ -275,7 +277,7 @@
           <a:p>
             <a:fld id="{843C4FC0-81D1-4453-9443-D3E156B7E80B}" type="datetimeFigureOut">
               <a:rPr lang="en-GB" smtClean="0"/>
-              <a:t>09/04/2015</a:t>
+              <a:t>11/04/2015</a:t>
             </a:fld>
             <a:endParaRPr lang="en-GB"/>
           </a:p>
@@ -445,7 +447,7 @@
           <a:p>
             <a:fld id="{843C4FC0-81D1-4453-9443-D3E156B7E80B}" type="datetimeFigureOut">
               <a:rPr lang="en-GB" smtClean="0"/>
-              <a:t>09/04/2015</a:t>
+              <a:t>11/04/2015</a:t>
             </a:fld>
             <a:endParaRPr lang="en-GB"/>
           </a:p>
@@ -625,7 +627,7 @@
           <a:p>
             <a:fld id="{843C4FC0-81D1-4453-9443-D3E156B7E80B}" type="datetimeFigureOut">
               <a:rPr lang="en-GB" smtClean="0"/>
-              <a:t>09/04/2015</a:t>
+              <a:t>11/04/2015</a:t>
             </a:fld>
             <a:endParaRPr lang="en-GB"/>
           </a:p>
@@ -1406,7 +1408,7 @@
           <a:p>
             <a:fld id="{843C4FC0-81D1-4453-9443-D3E156B7E80B}" type="datetimeFigureOut">
               <a:rPr lang="en-GB" smtClean="0"/>
-              <a:t>09/04/2015</a:t>
+              <a:t>11/04/2015</a:t>
             </a:fld>
             <a:endParaRPr lang="en-GB"/>
           </a:p>
@@ -1652,7 +1654,7 @@
           <a:p>
             <a:fld id="{843C4FC0-81D1-4453-9443-D3E156B7E80B}" type="datetimeFigureOut">
               <a:rPr lang="en-GB" smtClean="0"/>
-              <a:t>09/04/2015</a:t>
+              <a:t>11/04/2015</a:t>
             </a:fld>
             <a:endParaRPr lang="en-GB"/>
           </a:p>
@@ -1884,7 +1886,7 @@
           <a:p>
             <a:fld id="{843C4FC0-81D1-4453-9443-D3E156B7E80B}" type="datetimeFigureOut">
               <a:rPr lang="en-GB" smtClean="0"/>
-              <a:t>09/04/2015</a:t>
+              <a:t>11/04/2015</a:t>
             </a:fld>
             <a:endParaRPr lang="en-GB"/>
           </a:p>
@@ -2251,7 +2253,7 @@
           <a:p>
             <a:fld id="{843C4FC0-81D1-4453-9443-D3E156B7E80B}" type="datetimeFigureOut">
               <a:rPr lang="en-GB" smtClean="0"/>
-              <a:t>09/04/2015</a:t>
+              <a:t>11/04/2015</a:t>
             </a:fld>
             <a:endParaRPr lang="en-GB"/>
           </a:p>
@@ -2369,7 +2371,7 @@
           <a:p>
             <a:fld id="{843C4FC0-81D1-4453-9443-D3E156B7E80B}" type="datetimeFigureOut">
               <a:rPr lang="en-GB" smtClean="0"/>
-              <a:t>09/04/2015</a:t>
+              <a:t>11/04/2015</a:t>
             </a:fld>
             <a:endParaRPr lang="en-GB"/>
           </a:p>
@@ -2464,7 +2466,7 @@
           <a:p>
             <a:fld id="{843C4FC0-81D1-4453-9443-D3E156B7E80B}" type="datetimeFigureOut">
               <a:rPr lang="en-GB" smtClean="0"/>
-              <a:t>09/04/2015</a:t>
+              <a:t>11/04/2015</a:t>
             </a:fld>
             <a:endParaRPr lang="en-GB"/>
           </a:p>
@@ -2741,7 +2743,7 @@
           <a:p>
             <a:fld id="{843C4FC0-81D1-4453-9443-D3E156B7E80B}" type="datetimeFigureOut">
               <a:rPr lang="en-GB" smtClean="0"/>
-              <a:t>09/04/2015</a:t>
+              <a:t>11/04/2015</a:t>
             </a:fld>
             <a:endParaRPr lang="en-GB"/>
           </a:p>
@@ -2994,7 +2996,7 @@
           <a:p>
             <a:fld id="{843C4FC0-81D1-4453-9443-D3E156B7E80B}" type="datetimeFigureOut">
               <a:rPr lang="en-GB" smtClean="0"/>
-              <a:t>09/04/2015</a:t>
+              <a:t>11/04/2015</a:t>
             </a:fld>
             <a:endParaRPr lang="en-GB"/>
           </a:p>
@@ -3207,7 +3209,7 @@
           <a:p>
             <a:fld id="{843C4FC0-81D1-4453-9443-D3E156B7E80B}" type="datetimeFigureOut">
               <a:rPr lang="en-GB" smtClean="0"/>
-              <a:t>09/04/2015</a:t>
+              <a:t>11/04/2015</a:t>
             </a:fld>
             <a:endParaRPr lang="en-GB"/>
           </a:p>
@@ -5564,18 +5566,7 @@
                 <a:ea typeface="DejaVu Sans" panose="020B0603030804020204" pitchFamily="34" charset="0"/>
                 <a:cs typeface="DejaVu Sans" panose="020B0603030804020204" pitchFamily="34" charset="0"/>
               </a:rPr>
-              <a:t>DATA </a:t>
-            </a:r>
-            <a:r>
-              <a:rPr lang="en-GB" b="1" dirty="0" smtClean="0">
-                <a:solidFill>
-                  <a:srgbClr val="FF0000"/>
-                </a:solidFill>
-                <a:latin typeface="DejaVu Sans" panose="020B0603030804020204" pitchFamily="34" charset="0"/>
-                <a:ea typeface="DejaVu Sans" panose="020B0603030804020204" pitchFamily="34" charset="0"/>
-                <a:cs typeface="DejaVu Sans" panose="020B0603030804020204" pitchFamily="34" charset="0"/>
-              </a:rPr>
-              <a:t>PROCESSING</a:t>
+              <a:t>DATA PROCESSING</a:t>
             </a:r>
           </a:p>
           <a:p>
@@ -6316,18 +6307,7 @@
                 <a:ea typeface="DejaVu Sans" panose="020B0603030804020204" pitchFamily="34" charset="0"/>
                 <a:cs typeface="DejaVu Sans" panose="020B0603030804020204" pitchFamily="34" charset="0"/>
               </a:rPr>
-              <a:t>DATA </a:t>
-            </a:r>
-            <a:r>
-              <a:rPr lang="en-GB" b="1" dirty="0" smtClean="0">
-                <a:solidFill>
-                  <a:srgbClr val="FF0000"/>
-                </a:solidFill>
-                <a:latin typeface="DejaVu Sans" panose="020B0603030804020204" pitchFamily="34" charset="0"/>
-                <a:ea typeface="DejaVu Sans" panose="020B0603030804020204" pitchFamily="34" charset="0"/>
-                <a:cs typeface="DejaVu Sans" panose="020B0603030804020204" pitchFamily="34" charset="0"/>
-              </a:rPr>
-              <a:t>PROCESSING</a:t>
+              <a:t>DATA PROCESSING</a:t>
             </a:r>
           </a:p>
           <a:p>
@@ -6581,18 +6561,7 @@
                 <a:ea typeface="DejaVu Sans" panose="020B0603030804020204" pitchFamily="34" charset="0"/>
                 <a:cs typeface="DejaVu Sans" panose="020B0603030804020204" pitchFamily="34" charset="0"/>
               </a:rPr>
-              <a:t>DATA </a:t>
-            </a:r>
-            <a:r>
-              <a:rPr lang="en-GB" b="1" dirty="0" smtClean="0">
-                <a:solidFill>
-                  <a:srgbClr val="FF0000"/>
-                </a:solidFill>
-                <a:latin typeface="DejaVu Sans" panose="020B0603030804020204" pitchFamily="34" charset="0"/>
-                <a:ea typeface="DejaVu Sans" panose="020B0603030804020204" pitchFamily="34" charset="0"/>
-                <a:cs typeface="DejaVu Sans" panose="020B0603030804020204" pitchFamily="34" charset="0"/>
-              </a:rPr>
-              <a:t>PROCESSING</a:t>
+              <a:t>DATA PROCESSING</a:t>
             </a:r>
           </a:p>
           <a:p>
@@ -6830,18 +6799,7 @@
                 <a:ea typeface="DejaVu Sans" panose="020B0603030804020204" pitchFamily="34" charset="0"/>
                 <a:cs typeface="DejaVu Sans" panose="020B0603030804020204" pitchFamily="34" charset="0"/>
               </a:rPr>
-              <a:t>DATA </a:t>
-            </a:r>
-            <a:r>
-              <a:rPr lang="en-GB" b="1" dirty="0" smtClean="0">
-                <a:solidFill>
-                  <a:srgbClr val="FF0000"/>
-                </a:solidFill>
-                <a:latin typeface="DejaVu Sans" panose="020B0603030804020204" pitchFamily="34" charset="0"/>
-                <a:ea typeface="DejaVu Sans" panose="020B0603030804020204" pitchFamily="34" charset="0"/>
-                <a:cs typeface="DejaVu Sans" panose="020B0603030804020204" pitchFamily="34" charset="0"/>
-              </a:rPr>
-              <a:t>PROCESSING</a:t>
+              <a:t>DATA PROCESSING</a:t>
             </a:r>
           </a:p>
           <a:p>
@@ -6875,7 +6833,7 @@
         </p:nvSpPr>
         <p:spPr>
           <a:xfrm>
-            <a:off x="9019337" y="3530348"/>
+            <a:off x="8855703" y="3480874"/>
             <a:ext cx="3172663" cy="369332"/>
           </a:xfrm>
           <a:prstGeom prst="rect">
@@ -6921,8 +6879,8 @@
           </a:p>
         </p:txBody>
       </p:sp>
-      <mc:AlternateContent xmlns:mc="http://schemas.openxmlformats.org/markup-compatibility/2006">
-        <mc:Choice xmlns:a14="http://schemas.microsoft.com/office/drawing/2010/main" Requires="a14">
+      <mc:AlternateContent xmlns:mc="http://schemas.openxmlformats.org/markup-compatibility/2006" xmlns:a14="http://schemas.microsoft.com/office/drawing/2010/main">
+        <mc:Choice Requires="a14">
           <p:sp>
             <p:nvSpPr>
               <p:cNvPr id="13" name="TextBox 12"/>
@@ -6983,7 +6941,7 @@
             </p:txBody>
           </p:sp>
         </mc:Choice>
-        <mc:Fallback>
+        <mc:Fallback xmlns="">
           <p:sp>
             <p:nvSpPr>
               <p:cNvPr id="13" name="TextBox 12"/>
@@ -7111,9 +7069,6 @@
               </a:rPr>
               <a:t>IMPULSE RESPONSE 1/3 – Correlation Analysis</a:t>
             </a:r>
-            <a:endParaRPr lang="en-GB" sz="2800" b="1" i="1" dirty="0" smtClean="0">
-              <a:latin typeface="+mj-lt"/>
-            </a:endParaRPr>
           </a:p>
         </p:txBody>
       </p:sp>
@@ -7148,18 +7103,7 @@
                 <a:ea typeface="DejaVu Sans" panose="020B0603030804020204" pitchFamily="34" charset="0"/>
                 <a:cs typeface="DejaVu Sans" panose="020B0603030804020204" pitchFamily="34" charset="0"/>
               </a:rPr>
-              <a:t>DATA </a:t>
-            </a:r>
-            <a:r>
-              <a:rPr lang="en-GB" b="1" dirty="0" smtClean="0">
-                <a:solidFill>
-                  <a:srgbClr val="FF0000"/>
-                </a:solidFill>
-                <a:latin typeface="DejaVu Sans" panose="020B0603030804020204" pitchFamily="34" charset="0"/>
-                <a:ea typeface="DejaVu Sans" panose="020B0603030804020204" pitchFamily="34" charset="0"/>
-                <a:cs typeface="DejaVu Sans" panose="020B0603030804020204" pitchFamily="34" charset="0"/>
-              </a:rPr>
-              <a:t>PROCESSING</a:t>
+              <a:t>DATA PROCESSING</a:t>
             </a:r>
           </a:p>
           <a:p>
@@ -7215,8 +7159,8 @@
           </a:p>
         </p:txBody>
       </p:sp>
-      <mc:AlternateContent xmlns:mc="http://schemas.openxmlformats.org/markup-compatibility/2006">
-        <mc:Choice xmlns:a14="http://schemas.microsoft.com/office/drawing/2010/main" Requires="a14">
+      <mc:AlternateContent xmlns:mc="http://schemas.openxmlformats.org/markup-compatibility/2006" xmlns:a14="http://schemas.microsoft.com/office/drawing/2010/main">
+        <mc:Choice Requires="a14">
           <p:sp>
             <p:nvSpPr>
               <p:cNvPr id="8" name="TextBox 7"/>
@@ -7733,6 +7677,7 @@
                 </a:r>
               </a:p>
               <a:p>
+                <a:pPr/>
                 <a14:m>
                   <m:oMathPara xmlns:m="http://schemas.openxmlformats.org/officeDocument/2006/math">
                     <m:oMathParaPr>
@@ -8143,6 +8088,7 @@
                 <a:endParaRPr lang="en-GB" dirty="0"/>
               </a:p>
               <a:p>
+                <a:pPr/>
                 <a14:m>
                   <m:oMathPara xmlns:m="http://schemas.openxmlformats.org/officeDocument/2006/math">
                     <m:oMathParaPr>
@@ -8253,7 +8199,7 @@
             </p:txBody>
           </p:sp>
         </mc:Choice>
-        <mc:Fallback>
+        <mc:Fallback xmlns="">
           <p:sp>
             <p:nvSpPr>
               <p:cNvPr id="8" name="TextBox 7"/>
@@ -8381,9 +8327,6 @@
               </a:rPr>
               <a:t>IMPULSE RESPONSE 2/3 – Estimation</a:t>
             </a:r>
-            <a:endParaRPr lang="en-GB" sz="2800" b="1" i="1" dirty="0" smtClean="0">
-              <a:latin typeface="+mj-lt"/>
-            </a:endParaRPr>
           </a:p>
         </p:txBody>
       </p:sp>
@@ -8448,18 +8391,7 @@
                 <a:ea typeface="DejaVu Sans" panose="020B0603030804020204" pitchFamily="34" charset="0"/>
                 <a:cs typeface="DejaVu Sans" panose="020B0603030804020204" pitchFamily="34" charset="0"/>
               </a:rPr>
-              <a:t>DATA </a:t>
-            </a:r>
-            <a:r>
-              <a:rPr lang="en-GB" b="1" dirty="0" smtClean="0">
-                <a:solidFill>
-                  <a:srgbClr val="FF0000"/>
-                </a:solidFill>
-                <a:latin typeface="DejaVu Sans" panose="020B0603030804020204" pitchFamily="34" charset="0"/>
-                <a:ea typeface="DejaVu Sans" panose="020B0603030804020204" pitchFamily="34" charset="0"/>
-                <a:cs typeface="DejaVu Sans" panose="020B0603030804020204" pitchFamily="34" charset="0"/>
-              </a:rPr>
-              <a:t>PROCESSING</a:t>
+              <a:t>DATA PROCESSING</a:t>
             </a:r>
           </a:p>
           <a:p>
@@ -8624,9 +8556,6 @@
               </a:rPr>
               <a:t>IMPULSE RESPONSE 3/3 – Data Analysis</a:t>
             </a:r>
-            <a:endParaRPr lang="en-GB" sz="2800" b="1" i="1" dirty="0" smtClean="0">
-              <a:latin typeface="+mj-lt"/>
-            </a:endParaRPr>
           </a:p>
         </p:txBody>
       </p:sp>
@@ -8691,18 +8620,7 @@
                 <a:ea typeface="DejaVu Sans" panose="020B0603030804020204" pitchFamily="34" charset="0"/>
                 <a:cs typeface="DejaVu Sans" panose="020B0603030804020204" pitchFamily="34" charset="0"/>
               </a:rPr>
-              <a:t>DATA </a:t>
-            </a:r>
-            <a:r>
-              <a:rPr lang="en-GB" b="1" dirty="0" smtClean="0">
-                <a:solidFill>
-                  <a:srgbClr val="FF0000"/>
-                </a:solidFill>
-                <a:latin typeface="DejaVu Sans" panose="020B0603030804020204" pitchFamily="34" charset="0"/>
-                <a:ea typeface="DejaVu Sans" panose="020B0603030804020204" pitchFamily="34" charset="0"/>
-                <a:cs typeface="DejaVu Sans" panose="020B0603030804020204" pitchFamily="34" charset="0"/>
-              </a:rPr>
-              <a:t>PROCESSING</a:t>
+              <a:t>DATA PROCESSING</a:t>
             </a:r>
           </a:p>
           <a:p>
@@ -9034,6 +8952,32 @@
               <a:ea typeface="DejaVu Sans" panose="020B0603030804020204" pitchFamily="34" charset="0"/>
               <a:cs typeface="DejaVu Sans" panose="020B0603030804020204" pitchFamily="34" charset="0"/>
             </a:endParaRPr>
+          </a:p>
+        </p:txBody>
+      </p:sp>
+      <p:sp>
+        <p:nvSpPr>
+          <p:cNvPr id="5" name="TextBox 4"/>
+          <p:cNvSpPr txBox="1"/>
+          <p:nvPr/>
+        </p:nvSpPr>
+        <p:spPr>
+          <a:xfrm>
+            <a:off x="377505" y="2063692"/>
+            <a:ext cx="3120704" cy="906012"/>
+          </a:xfrm>
+          <a:prstGeom prst="rect">
+            <a:avLst/>
+          </a:prstGeom>
+          <a:noFill/>
+        </p:spPr>
+        <p:txBody>
+          <a:bodyPr wrap="square" rtlCol="0">
+            <a:spAutoFit/>
+          </a:bodyPr>
+          <a:lstStyle/>
+          <a:p>
+            <a:endParaRPr lang="en-GB" dirty="0"/>
           </a:p>
         </p:txBody>
       </p:sp>
@@ -9754,7 +9698,6 @@
               <a:rPr lang="en-GB" b="1" dirty="0" smtClean="0"/>
               <a:t> (code available)</a:t>
             </a:r>
-            <a:endParaRPr lang="en-GB" b="1" dirty="0" smtClean="0"/>
           </a:p>
         </p:txBody>
       </p:sp>
@@ -9958,6 +9901,384 @@
 </p:sld>
 </file>
 
+<file path=ppt/slides/slide21.xml><?xml version="1.0" encoding="utf-8"?>
+<p:sld xmlns:a="http://schemas.openxmlformats.org/drawingml/2006/main" xmlns:r="http://schemas.openxmlformats.org/officeDocument/2006/relationships" xmlns:p="http://schemas.openxmlformats.org/presentationml/2006/main">
+  <p:cSld>
+    <p:spTree>
+      <p:nvGrpSpPr>
+        <p:cNvPr id="1" name=""/>
+        <p:cNvGrpSpPr/>
+        <p:nvPr/>
+      </p:nvGrpSpPr>
+      <p:grpSpPr>
+        <a:xfrm>
+          <a:off x="0" y="0"/>
+          <a:ext cx="0" cy="0"/>
+          <a:chOff x="0" y="0"/>
+          <a:chExt cx="0" cy="0"/>
+        </a:xfrm>
+      </p:grpSpPr>
+      <p:sp>
+        <p:nvSpPr>
+          <p:cNvPr id="2" name="Slide Number Placeholder 1"/>
+          <p:cNvSpPr>
+            <a:spLocks noGrp="1"/>
+          </p:cNvSpPr>
+          <p:nvPr>
+            <p:ph type="sldNum" sz="quarter" idx="10"/>
+          </p:nvPr>
+        </p:nvSpPr>
+        <p:spPr/>
+        <p:txBody>
+          <a:bodyPr/>
+          <a:lstStyle/>
+          <a:p>
+            <a:fld id="{61155BBA-336D-4AED-BB34-E42D9706BCE7}" type="slidenum">
+              <a:rPr lang="it-IT" altLang="en-US" smtClean="0"/>
+              <a:pPr/>
+              <a:t>21</a:t>
+            </a:fld>
+            <a:endParaRPr lang="it-IT" altLang="en-US"/>
+          </a:p>
+        </p:txBody>
+      </p:sp>
+      <p:sp>
+        <p:nvSpPr>
+          <p:cNvPr id="4" name="Rectangle 3"/>
+          <p:cNvSpPr/>
+          <p:nvPr/>
+        </p:nvSpPr>
+        <p:spPr>
+          <a:xfrm>
+            <a:off x="2444744" y="2588350"/>
+            <a:ext cx="7302512" cy="1754326"/>
+          </a:xfrm>
+          <a:prstGeom prst="rect">
+            <a:avLst/>
+          </a:prstGeom>
+        </p:spPr>
+        <p:style>
+          <a:lnRef idx="3">
+            <a:schemeClr val="lt1"/>
+          </a:lnRef>
+          <a:fillRef idx="1">
+            <a:schemeClr val="accent5"/>
+          </a:fillRef>
+          <a:effectRef idx="1">
+            <a:schemeClr val="accent5"/>
+          </a:effectRef>
+          <a:fontRef idx="minor">
+            <a:schemeClr val="lt1"/>
+          </a:fontRef>
+        </p:style>
+        <p:txBody>
+          <a:bodyPr wrap="none" lIns="91440" tIns="45720" rIns="91440" bIns="45720">
+            <a:spAutoFit/>
+          </a:bodyPr>
+          <a:lstStyle/>
+          <a:p>
+            <a:pPr algn="ctr"/>
+            <a:r>
+              <a:rPr lang="en-US" sz="5400" b="0" cap="none" spc="0" dirty="0" smtClean="0">
+                <a:ln w="0"/>
+                <a:solidFill>
+                  <a:schemeClr val="tx1"/>
+                </a:solidFill>
+                <a:effectLst>
+                  <a:outerShdw blurRad="38100" dist="19050" dir="2700000" algn="tl" rotWithShape="0">
+                    <a:schemeClr val="dk1">
+                      <a:alpha val="40000"/>
+                    </a:schemeClr>
+                  </a:outerShdw>
+                </a:effectLst>
+              </a:rPr>
+              <a:t>WHAT WENT WRONG</a:t>
+            </a:r>
+          </a:p>
+          <a:p>
+            <a:pPr algn="ctr"/>
+            <a:r>
+              <a:rPr lang="en-US" sz="5400" dirty="0" smtClean="0">
+                <a:ln w="0"/>
+                <a:solidFill>
+                  <a:schemeClr val="tx1"/>
+                </a:solidFill>
+                <a:effectLst>
+                  <a:outerShdw blurRad="38100" dist="19050" dir="2700000" algn="tl" rotWithShape="0">
+                    <a:schemeClr val="dk1">
+                      <a:alpha val="40000"/>
+                    </a:schemeClr>
+                  </a:outerShdw>
+                </a:effectLst>
+              </a:rPr>
+              <a:t>AND WHY</a:t>
+            </a:r>
+            <a:endParaRPr lang="en-US" sz="5400" b="0" cap="none" spc="0" dirty="0">
+              <a:ln w="0"/>
+              <a:solidFill>
+                <a:schemeClr val="tx1"/>
+              </a:solidFill>
+              <a:effectLst>
+                <a:outerShdw blurRad="38100" dist="19050" dir="2700000" algn="tl" rotWithShape="0">
+                  <a:schemeClr val="dk1">
+                    <a:alpha val="40000"/>
+                  </a:schemeClr>
+                </a:outerShdw>
+              </a:effectLst>
+            </a:endParaRPr>
+          </a:p>
+        </p:txBody>
+      </p:sp>
+    </p:spTree>
+    <p:extLst>
+      <p:ext uri="{BB962C8B-B14F-4D97-AF65-F5344CB8AC3E}">
+        <p14:creationId xmlns:p14="http://schemas.microsoft.com/office/powerpoint/2010/main" val="548125632"/>
+      </p:ext>
+    </p:extLst>
+  </p:cSld>
+  <p:clrMapOvr>
+    <a:masterClrMapping/>
+  </p:clrMapOvr>
+  <p:timing>
+    <p:tnLst>
+      <p:par>
+        <p:cTn id="1" dur="indefinite" restart="never" nodeType="tmRoot"/>
+      </p:par>
+    </p:tnLst>
+  </p:timing>
+</p:sld>
+</file>
+
+<file path=ppt/slides/slide22.xml><?xml version="1.0" encoding="utf-8"?>
+<p:sld xmlns:a="http://schemas.openxmlformats.org/drawingml/2006/main" xmlns:r="http://schemas.openxmlformats.org/officeDocument/2006/relationships" xmlns:p="http://schemas.openxmlformats.org/presentationml/2006/main">
+  <p:cSld>
+    <p:spTree>
+      <p:nvGrpSpPr>
+        <p:cNvPr id="1" name=""/>
+        <p:cNvGrpSpPr/>
+        <p:nvPr/>
+      </p:nvGrpSpPr>
+      <p:grpSpPr>
+        <a:xfrm>
+          <a:off x="0" y="0"/>
+          <a:ext cx="0" cy="0"/>
+          <a:chOff x="0" y="0"/>
+          <a:chExt cx="0" cy="0"/>
+        </a:xfrm>
+      </p:grpSpPr>
+      <p:sp>
+        <p:nvSpPr>
+          <p:cNvPr id="2" name="Slide Number Placeholder 1"/>
+          <p:cNvSpPr>
+            <a:spLocks noGrp="1"/>
+          </p:cNvSpPr>
+          <p:nvPr>
+            <p:ph type="sldNum" sz="quarter" idx="10"/>
+          </p:nvPr>
+        </p:nvSpPr>
+        <p:spPr/>
+        <p:txBody>
+          <a:bodyPr/>
+          <a:lstStyle/>
+          <a:p>
+            <a:fld id="{61155BBA-336D-4AED-BB34-E42D9706BCE7}" type="slidenum">
+              <a:rPr lang="it-IT" altLang="en-US" smtClean="0"/>
+              <a:pPr/>
+              <a:t>22</a:t>
+            </a:fld>
+            <a:endParaRPr lang="it-IT" altLang="en-US"/>
+          </a:p>
+        </p:txBody>
+      </p:sp>
+      <p:sp>
+        <p:nvSpPr>
+          <p:cNvPr id="4" name="TextBox 3"/>
+          <p:cNvSpPr txBox="1"/>
+          <p:nvPr/>
+        </p:nvSpPr>
+        <p:spPr>
+          <a:xfrm>
+            <a:off x="6956299" y="173782"/>
+            <a:ext cx="3973973" cy="369332"/>
+          </a:xfrm>
+          <a:prstGeom prst="rect">
+            <a:avLst/>
+          </a:prstGeom>
+          <a:noFill/>
+        </p:spPr>
+        <p:txBody>
+          <a:bodyPr wrap="none" rtlCol="0">
+            <a:spAutoFit/>
+          </a:bodyPr>
+          <a:lstStyle/>
+          <a:p>
+            <a:pPr lvl="1"/>
+            <a:r>
+              <a:rPr lang="en-GB" b="1" dirty="0" smtClean="0">
+                <a:solidFill>
+                  <a:srgbClr val="FF0000"/>
+                </a:solidFill>
+                <a:latin typeface="DejaVu Sans" panose="020B0603030804020204" pitchFamily="34" charset="0"/>
+                <a:ea typeface="DejaVu Sans" panose="020B0603030804020204" pitchFamily="34" charset="0"/>
+                <a:cs typeface="DejaVu Sans" panose="020B0603030804020204" pitchFamily="34" charset="0"/>
+              </a:rPr>
+              <a:t>CONCLUSION &amp; REMARKS</a:t>
+            </a:r>
+            <a:endParaRPr lang="en-GB" b="1" dirty="0">
+              <a:solidFill>
+                <a:srgbClr val="FF0000"/>
+              </a:solidFill>
+              <a:latin typeface="DejaVu Sans" panose="020B0603030804020204" pitchFamily="34" charset="0"/>
+              <a:ea typeface="DejaVu Sans" panose="020B0603030804020204" pitchFamily="34" charset="0"/>
+              <a:cs typeface="DejaVu Sans" panose="020B0603030804020204" pitchFamily="34" charset="0"/>
+            </a:endParaRPr>
+          </a:p>
+        </p:txBody>
+      </p:sp>
+      <p:sp>
+        <p:nvSpPr>
+          <p:cNvPr id="5" name="TextBox 4"/>
+          <p:cNvSpPr txBox="1"/>
+          <p:nvPr/>
+        </p:nvSpPr>
+        <p:spPr>
+          <a:xfrm>
+            <a:off x="1375794" y="2181138"/>
+            <a:ext cx="7949612" cy="923330"/>
+          </a:xfrm>
+          <a:prstGeom prst="rect">
+            <a:avLst/>
+          </a:prstGeom>
+          <a:noFill/>
+        </p:spPr>
+        <p:txBody>
+          <a:bodyPr wrap="none" rtlCol="0">
+            <a:spAutoFit/>
+          </a:bodyPr>
+          <a:lstStyle/>
+          <a:p>
+            <a:r>
+              <a:rPr lang="en-GB" dirty="0" smtClean="0"/>
+              <a:t>Qui </a:t>
+            </a:r>
+            <a:r>
+              <a:rPr lang="en-GB" dirty="0" err="1" smtClean="0"/>
+              <a:t>possiamo</a:t>
+            </a:r>
+            <a:r>
+              <a:rPr lang="en-GB" dirty="0" smtClean="0"/>
+              <a:t> </a:t>
+            </a:r>
+            <a:r>
+              <a:rPr lang="en-GB" dirty="0" err="1" smtClean="0"/>
+              <a:t>mettere</a:t>
+            </a:r>
+            <a:r>
+              <a:rPr lang="en-GB" dirty="0" smtClean="0"/>
+              <a:t> </a:t>
+            </a:r>
+            <a:r>
+              <a:rPr lang="en-GB" dirty="0" err="1" smtClean="0"/>
+              <a:t>tipo</a:t>
+            </a:r>
+            <a:r>
+              <a:rPr lang="en-GB" dirty="0" smtClean="0"/>
+              <a:t> le </a:t>
+            </a:r>
+            <a:r>
+              <a:rPr lang="en-GB" dirty="0" err="1" smtClean="0"/>
+              <a:t>ideee</a:t>
+            </a:r>
+            <a:r>
+              <a:rPr lang="en-GB" dirty="0" smtClean="0"/>
+              <a:t> </a:t>
+            </a:r>
+            <a:r>
+              <a:rPr lang="en-GB" dirty="0" err="1" smtClean="0"/>
+              <a:t>andate</a:t>
+            </a:r>
+            <a:r>
+              <a:rPr lang="en-GB" dirty="0" smtClean="0"/>
+              <a:t> male o da </a:t>
+            </a:r>
+            <a:r>
+              <a:rPr lang="en-GB" dirty="0" err="1" smtClean="0"/>
+              <a:t>provare</a:t>
+            </a:r>
+            <a:endParaRPr lang="en-GB" dirty="0" smtClean="0"/>
+          </a:p>
+          <a:p>
+            <a:r>
+              <a:rPr lang="en-GB" dirty="0" smtClean="0"/>
+              <a:t>-</a:t>
+            </a:r>
+            <a:r>
+              <a:rPr lang="en-GB" dirty="0" err="1" smtClean="0"/>
+              <a:t>interpolazione</a:t>
+            </a:r>
+            <a:r>
+              <a:rPr lang="en-GB" dirty="0" smtClean="0"/>
+              <a:t> </a:t>
+            </a:r>
+            <a:r>
+              <a:rPr lang="en-GB" dirty="0" err="1" smtClean="0"/>
+              <a:t>dati</a:t>
+            </a:r>
+            <a:r>
+              <a:rPr lang="en-GB" dirty="0" smtClean="0"/>
+              <a:t> + training </a:t>
+            </a:r>
+            <a:r>
+              <a:rPr lang="en-GB" dirty="0" err="1" smtClean="0"/>
+              <a:t>su</a:t>
+            </a:r>
+            <a:r>
+              <a:rPr lang="en-GB" dirty="0" smtClean="0"/>
+              <a:t> </a:t>
+            </a:r>
+            <a:r>
+              <a:rPr lang="en-GB" dirty="0" err="1" smtClean="0"/>
+              <a:t>essi</a:t>
+            </a:r>
+            <a:endParaRPr lang="en-GB" dirty="0" smtClean="0"/>
+          </a:p>
+          <a:p>
+            <a:r>
+              <a:rPr lang="en-GB" dirty="0" smtClean="0"/>
+              <a:t>-experiment have the same kind of shape-&gt; do an </a:t>
+            </a:r>
+            <a:r>
+              <a:rPr lang="en-GB" dirty="0" err="1" smtClean="0"/>
+              <a:t>avg</a:t>
+            </a:r>
+            <a:r>
+              <a:rPr lang="en-GB" dirty="0" smtClean="0"/>
+              <a:t> of the data and train</a:t>
+            </a:r>
+            <a:endParaRPr lang="en-GB" dirty="0"/>
+          </a:p>
+        </p:txBody>
+      </p:sp>
+    </p:spTree>
+    <p:extLst>
+      <p:ext uri="{BB962C8B-B14F-4D97-AF65-F5344CB8AC3E}">
+        <p14:creationId xmlns:p14="http://schemas.microsoft.com/office/powerpoint/2010/main" val="3455597643"/>
+      </p:ext>
+    </p:extLst>
+  </p:cSld>
+  <p:clrMapOvr>
+    <a:masterClrMapping/>
+  </p:clrMapOvr>
+  <p:timing>
+    <p:tnLst>
+      <p:par>
+        <p:cTn id="1" dur="indefinite" restart="never" nodeType="tmRoot"/>
+      </p:par>
+    </p:tnLst>
+  </p:timing>
+</p:sld>
+</file>
+
 <file path=ppt/slides/slide3.xml><?xml version="1.0" encoding="utf-8"?>
 <p:sld xmlns:a="http://schemas.openxmlformats.org/drawingml/2006/main" xmlns:r="http://schemas.openxmlformats.org/officeDocument/2006/relationships" xmlns:p="http://schemas.openxmlformats.org/presentationml/2006/main">
   <p:cSld>
@@ -10213,20 +10534,7 @@
                 <a:effectLst/>
                 <a:latin typeface="Arial" charset="0"/>
               </a:rPr>
-              <a:t>Data </a:t>
-            </a:r>
-            <a:r>
-              <a:rPr kumimoji="0" lang="en-GB" sz="2400" b="1" i="0" u="none" strike="noStrike" cap="none" normalizeH="0" baseline="0" dirty="0" smtClean="0">
-                <a:ln>
-                  <a:noFill/>
-                </a:ln>
-                <a:solidFill>
-                  <a:schemeClr val="tx1"/>
-                </a:solidFill>
-                <a:effectLst/>
-                <a:latin typeface="Arial" charset="0"/>
-              </a:rPr>
-              <a:t>Proc.</a:t>
+              <a:t>Data Proc.</a:t>
             </a:r>
             <a:r>
               <a:rPr kumimoji="0" lang="en-GB" sz="2400" b="1" i="0" u="none" strike="noStrike" cap="none" normalizeH="0" dirty="0" smtClean="0">
@@ -10943,8 +11251,8 @@
           </a:p>
         </p:txBody>
       </p:sp>
-      <mc:AlternateContent xmlns:mc="http://schemas.openxmlformats.org/markup-compatibility/2006" xmlns:a14="http://schemas.microsoft.com/office/drawing/2010/main">
-        <mc:Choice Requires="a14">
+      <mc:AlternateContent xmlns:mc="http://schemas.openxmlformats.org/markup-compatibility/2006">
+        <mc:Choice xmlns:a14="http://schemas.microsoft.com/office/drawing/2010/main" Requires="a14">
           <p:sp>
             <p:nvSpPr>
               <p:cNvPr id="4" name="TextBox 3"/>
@@ -10953,8 +11261,8 @@
             </p:nvSpPr>
             <p:spPr>
               <a:xfrm>
-                <a:off x="546100" y="2209800"/>
-                <a:ext cx="11375422" cy="4464043"/>
+                <a:off x="478988" y="2177089"/>
+                <a:ext cx="11955902" cy="4444294"/>
               </a:xfrm>
               <a:prstGeom prst="rect">
                 <a:avLst/>
@@ -11352,7 +11660,75 @@
                 </a:pPr>
                 <a:r>
                   <a:rPr lang="en-GB" dirty="0" smtClean="0"/>
-                  <a:t>Sampling time </a:t>
+                  <a:t>Sampling </a:t>
+                </a:r>
+                <a:r>
+                  <a:rPr lang="en-GB" dirty="0" smtClean="0"/>
+                  <a:t>time of input(</a:t>
+                </a:r>
+                <a14:m>
+                  <m:oMath xmlns:m="http://schemas.openxmlformats.org/officeDocument/2006/math">
+                    <m:r>
+                      <a:rPr lang="en-GB" i="1" dirty="0" smtClean="0">
+                        <a:latin typeface="Cambria Math" panose="02040503050406030204" pitchFamily="18" charset="0"/>
+                      </a:rPr>
+                      <m:t>𝑢</m:t>
+                    </m:r>
+                    <m:r>
+                      <a:rPr lang="en-GB" i="1" dirty="0" smtClean="0">
+                        <a:latin typeface="Cambria Math" panose="02040503050406030204" pitchFamily="18" charset="0"/>
+                      </a:rPr>
+                      <m:t>(</m:t>
+                    </m:r>
+                    <m:r>
+                      <a:rPr lang="en-GB" i="1" dirty="0" smtClean="0">
+                        <a:latin typeface="Cambria Math" panose="02040503050406030204" pitchFamily="18" charset="0"/>
+                      </a:rPr>
+                      <m:t>𝑡</m:t>
+                    </m:r>
+                    <m:r>
+                      <a:rPr lang="en-GB" i="1" dirty="0" smtClean="0">
+                        <a:latin typeface="Cambria Math" panose="02040503050406030204" pitchFamily="18" charset="0"/>
+                      </a:rPr>
+                      <m:t>)</m:t>
+                    </m:r>
+                  </m:oMath>
+                </a14:m>
+                <a:r>
+                  <a:rPr lang="en-GB" dirty="0" smtClean="0"/>
+                  <a:t>)/output(</a:t>
+                </a:r>
+                <a14:m>
+                  <m:oMath xmlns:m="http://schemas.openxmlformats.org/officeDocument/2006/math">
+                    <m:r>
+                      <a:rPr lang="en-GB" i="1" dirty="0" smtClean="0">
+                        <a:latin typeface="Cambria Math" panose="02040503050406030204" pitchFamily="18" charset="0"/>
+                      </a:rPr>
+                      <m:t>𝑦</m:t>
+                    </m:r>
+                    <m:r>
+                      <a:rPr lang="en-GB" i="1" dirty="0" smtClean="0">
+                        <a:latin typeface="Cambria Math" panose="02040503050406030204" pitchFamily="18" charset="0"/>
+                      </a:rPr>
+                      <m:t>(</m:t>
+                    </m:r>
+                    <m:r>
+                      <a:rPr lang="en-GB" i="1" dirty="0" smtClean="0">
+                        <a:latin typeface="Cambria Math" panose="02040503050406030204" pitchFamily="18" charset="0"/>
+                      </a:rPr>
+                      <m:t>𝑡</m:t>
+                    </m:r>
+                    <m:r>
+                      <a:rPr lang="en-GB" i="1" dirty="0" smtClean="0">
+                        <a:latin typeface="Cambria Math" panose="02040503050406030204" pitchFamily="18" charset="0"/>
+                      </a:rPr>
+                      <m:t>)</m:t>
+                    </m:r>
+                  </m:oMath>
+                </a14:m>
+                <a:r>
+                  <a:rPr lang="en-GB" dirty="0" smtClean="0"/>
+                  <a:t>) </a:t>
                 </a:r>
                 <a14:m>
                   <m:oMath xmlns:m="http://schemas.openxmlformats.org/officeDocument/2006/math">
@@ -11950,7 +12326,7 @@
             </p:txBody>
           </p:sp>
         </mc:Choice>
-        <mc:Fallback xmlns="">
+        <mc:Fallback>
           <p:sp>
             <p:nvSpPr>
               <p:cNvPr id="4" name="TextBox 3"/>
@@ -11961,8 +12337,8 @@
             </p:nvSpPr>
             <p:spPr>
               <a:xfrm>
-                <a:off x="546100" y="2209800"/>
-                <a:ext cx="11375422" cy="4464043"/>
+                <a:off x="478988" y="2177089"/>
+                <a:ext cx="11955902" cy="4444294"/>
               </a:xfrm>
               <a:prstGeom prst="rect">
                 <a:avLst/>
@@ -11970,7 +12346,7 @@
               <a:blipFill rotWithShape="0">
                 <a:blip r:embed="rId2"/>
                 <a:stretch>
-                  <a:fillRect l="-375" t="-820"/>
+                  <a:fillRect l="-357" t="-686"/>
                 </a:stretch>
               </a:blipFill>
             </p:spPr>
@@ -12665,8 +13041,8 @@
           <a:chExt cx="0" cy="0"/>
         </a:xfrm>
       </p:grpSpPr>
-      <mc:AlternateContent xmlns:mc="http://schemas.openxmlformats.org/markup-compatibility/2006">
-        <mc:Choice xmlns:a14="http://schemas.microsoft.com/office/drawing/2010/main" Requires="a14">
+      <mc:AlternateContent xmlns:mc="http://schemas.openxmlformats.org/markup-compatibility/2006" xmlns:a14="http://schemas.microsoft.com/office/drawing/2010/main">
+        <mc:Choice Requires="a14">
           <p:sp>
             <p:nvSpPr>
               <p:cNvPr id="2" name="Content Placeholder 1"/>
@@ -12804,7 +13180,7 @@
             </p:txBody>
           </p:sp>
         </mc:Choice>
-        <mc:Fallback>
+        <mc:Fallback xmlns="">
           <p:sp>
             <p:nvSpPr>
               <p:cNvPr id="2" name="Content Placeholder 1"/>
@@ -12893,18 +13269,7 @@
                 <a:ea typeface="DejaVu Sans" panose="020B0603030804020204" pitchFamily="34" charset="0"/>
                 <a:cs typeface="DejaVu Sans" panose="020B0603030804020204" pitchFamily="34" charset="0"/>
               </a:rPr>
-              <a:t>DATA </a:t>
-            </a:r>
-            <a:r>
-              <a:rPr lang="en-GB" b="1" dirty="0" smtClean="0">
-                <a:solidFill>
-                  <a:srgbClr val="FF0000"/>
-                </a:solidFill>
-                <a:latin typeface="DejaVu Sans" panose="020B0603030804020204" pitchFamily="34" charset="0"/>
-                <a:ea typeface="DejaVu Sans" panose="020B0603030804020204" pitchFamily="34" charset="0"/>
-                <a:cs typeface="DejaVu Sans" panose="020B0603030804020204" pitchFamily="34" charset="0"/>
-              </a:rPr>
-              <a:t>PROCESSING</a:t>
+              <a:t>DATA PROCESSING</a:t>
             </a:r>
           </a:p>
           <a:p>
@@ -13058,18 +13423,7 @@
                 <a:ea typeface="DejaVu Sans" panose="020B0603030804020204" pitchFamily="34" charset="0"/>
                 <a:cs typeface="DejaVu Sans" panose="020B0603030804020204" pitchFamily="34" charset="0"/>
               </a:rPr>
-              <a:t>DATA </a:t>
-            </a:r>
-            <a:r>
-              <a:rPr lang="en-GB" b="1" dirty="0" smtClean="0">
-                <a:solidFill>
-                  <a:srgbClr val="FF0000"/>
-                </a:solidFill>
-                <a:latin typeface="DejaVu Sans" panose="020B0603030804020204" pitchFamily="34" charset="0"/>
-                <a:ea typeface="DejaVu Sans" panose="020B0603030804020204" pitchFamily="34" charset="0"/>
-                <a:cs typeface="DejaVu Sans" panose="020B0603030804020204" pitchFamily="34" charset="0"/>
-              </a:rPr>
-              <a:t>PROCESSING</a:t>
+              <a:t>DATA PROCESSING</a:t>
             </a:r>
           </a:p>
           <a:p>

--- a/report/Report.pptx
+++ b/report/Report.pptx
@@ -25,10 +25,12 @@
     <p:sldId id="267" r:id="rId19"/>
     <p:sldId id="270" r:id="rId20"/>
     <p:sldId id="263" r:id="rId21"/>
-    <p:sldId id="264" r:id="rId22"/>
-    <p:sldId id="265" r:id="rId23"/>
-    <p:sldId id="277" r:id="rId24"/>
-    <p:sldId id="278" r:id="rId25"/>
+    <p:sldId id="279" r:id="rId22"/>
+    <p:sldId id="280" r:id="rId23"/>
+    <p:sldId id="264" r:id="rId24"/>
+    <p:sldId id="265" r:id="rId25"/>
+    <p:sldId id="277" r:id="rId26"/>
+    <p:sldId id="278" r:id="rId27"/>
   </p:sldIdLst>
   <p:sldSz cx="12192000" cy="6858000"/>
   <p:notesSz cx="6858000" cy="9144000"/>
@@ -277,7 +279,7 @@
           <a:p>
             <a:fld id="{843C4FC0-81D1-4453-9443-D3E156B7E80B}" type="datetimeFigureOut">
               <a:rPr lang="en-GB" smtClean="0"/>
-              <a:t>11/04/2015</a:t>
+              <a:t>12/04/2015</a:t>
             </a:fld>
             <a:endParaRPr lang="en-GB"/>
           </a:p>
@@ -447,7 +449,7 @@
           <a:p>
             <a:fld id="{843C4FC0-81D1-4453-9443-D3E156B7E80B}" type="datetimeFigureOut">
               <a:rPr lang="en-GB" smtClean="0"/>
-              <a:t>11/04/2015</a:t>
+              <a:t>12/04/2015</a:t>
             </a:fld>
             <a:endParaRPr lang="en-GB"/>
           </a:p>
@@ -627,7 +629,7 @@
           <a:p>
             <a:fld id="{843C4FC0-81D1-4453-9443-D3E156B7E80B}" type="datetimeFigureOut">
               <a:rPr lang="en-GB" smtClean="0"/>
-              <a:t>11/04/2015</a:t>
+              <a:t>12/04/2015</a:t>
             </a:fld>
             <a:endParaRPr lang="en-GB"/>
           </a:p>
@@ -1408,7 +1410,7 @@
           <a:p>
             <a:fld id="{843C4FC0-81D1-4453-9443-D3E156B7E80B}" type="datetimeFigureOut">
               <a:rPr lang="en-GB" smtClean="0"/>
-              <a:t>11/04/2015</a:t>
+              <a:t>12/04/2015</a:t>
             </a:fld>
             <a:endParaRPr lang="en-GB"/>
           </a:p>
@@ -1654,7 +1656,7 @@
           <a:p>
             <a:fld id="{843C4FC0-81D1-4453-9443-D3E156B7E80B}" type="datetimeFigureOut">
               <a:rPr lang="en-GB" smtClean="0"/>
-              <a:t>11/04/2015</a:t>
+              <a:t>12/04/2015</a:t>
             </a:fld>
             <a:endParaRPr lang="en-GB"/>
           </a:p>
@@ -1886,7 +1888,7 @@
           <a:p>
             <a:fld id="{843C4FC0-81D1-4453-9443-D3E156B7E80B}" type="datetimeFigureOut">
               <a:rPr lang="en-GB" smtClean="0"/>
-              <a:t>11/04/2015</a:t>
+              <a:t>12/04/2015</a:t>
             </a:fld>
             <a:endParaRPr lang="en-GB"/>
           </a:p>
@@ -2253,7 +2255,7 @@
           <a:p>
             <a:fld id="{843C4FC0-81D1-4453-9443-D3E156B7E80B}" type="datetimeFigureOut">
               <a:rPr lang="en-GB" smtClean="0"/>
-              <a:t>11/04/2015</a:t>
+              <a:t>12/04/2015</a:t>
             </a:fld>
             <a:endParaRPr lang="en-GB"/>
           </a:p>
@@ -2371,7 +2373,7 @@
           <a:p>
             <a:fld id="{843C4FC0-81D1-4453-9443-D3E156B7E80B}" type="datetimeFigureOut">
               <a:rPr lang="en-GB" smtClean="0"/>
-              <a:t>11/04/2015</a:t>
+              <a:t>12/04/2015</a:t>
             </a:fld>
             <a:endParaRPr lang="en-GB"/>
           </a:p>
@@ -2466,7 +2468,7 @@
           <a:p>
             <a:fld id="{843C4FC0-81D1-4453-9443-D3E156B7E80B}" type="datetimeFigureOut">
               <a:rPr lang="en-GB" smtClean="0"/>
-              <a:t>11/04/2015</a:t>
+              <a:t>12/04/2015</a:t>
             </a:fld>
             <a:endParaRPr lang="en-GB"/>
           </a:p>
@@ -2743,7 +2745,7 @@
           <a:p>
             <a:fld id="{843C4FC0-81D1-4453-9443-D3E156B7E80B}" type="datetimeFigureOut">
               <a:rPr lang="en-GB" smtClean="0"/>
-              <a:t>11/04/2015</a:t>
+              <a:t>12/04/2015</a:t>
             </a:fld>
             <a:endParaRPr lang="en-GB"/>
           </a:p>
@@ -2996,7 +2998,7 @@
           <a:p>
             <a:fld id="{843C4FC0-81D1-4453-9443-D3E156B7E80B}" type="datetimeFigureOut">
               <a:rPr lang="en-GB" smtClean="0"/>
-              <a:t>11/04/2015</a:t>
+              <a:t>12/04/2015</a:t>
             </a:fld>
             <a:endParaRPr lang="en-GB"/>
           </a:p>
@@ -3209,7 +3211,7 @@
           <a:p>
             <a:fld id="{843C4FC0-81D1-4453-9443-D3E156B7E80B}" type="datetimeFigureOut">
               <a:rPr lang="en-GB" smtClean="0"/>
-              <a:t>11/04/2015</a:t>
+              <a:t>12/04/2015</a:t>
             </a:fld>
             <a:endParaRPr lang="en-GB"/>
           </a:p>
@@ -6879,107 +6881,6 @@
           </a:p>
         </p:txBody>
       </p:sp>
-      <mc:AlternateContent xmlns:mc="http://schemas.openxmlformats.org/markup-compatibility/2006" xmlns:a14="http://schemas.microsoft.com/office/drawing/2010/main">
-        <mc:Choice Requires="a14">
-          <p:sp>
-            <p:nvSpPr>
-              <p:cNvPr id="13" name="TextBox 12"/>
-              <p:cNvSpPr txBox="1"/>
-              <p:nvPr/>
-            </p:nvSpPr>
-            <p:spPr>
-              <a:xfrm>
-                <a:off x="9019337" y="4406943"/>
-                <a:ext cx="3102131" cy="923330"/>
-              </a:xfrm>
-              <a:prstGeom prst="rect">
-                <a:avLst/>
-              </a:prstGeom>
-              <a:noFill/>
-            </p:spPr>
-            <p:txBody>
-              <a:bodyPr wrap="none" rtlCol="0">
-                <a:spAutoFit/>
-              </a:bodyPr>
-              <a:lstStyle/>
-              <a:p>
-                <a:r>
-                  <a:rPr lang="en-GB" dirty="0" smtClean="0"/>
-                  <a:t>Many terms for big</a:t>
-                </a:r>
-                <a14:m>
-                  <m:oMath xmlns:m="http://schemas.openxmlformats.org/officeDocument/2006/math">
-                    <m:r>
-                      <a:rPr lang="en-GB" b="0" i="0" smtClean="0">
-                        <a:latin typeface="Cambria Math" panose="02040503050406030204" pitchFamily="18" charset="0"/>
-                      </a:rPr>
-                      <m:t> </m:t>
-                    </m:r>
-                    <m:r>
-                      <a:rPr lang="en-GB" b="0" i="1" smtClean="0">
-                        <a:latin typeface="Cambria Math" panose="02040503050406030204" pitchFamily="18" charset="0"/>
-                      </a:rPr>
-                      <m:t>𝜏</m:t>
-                    </m:r>
-                  </m:oMath>
-                </a14:m>
-                <a:endParaRPr lang="en-GB" dirty="0" smtClean="0"/>
-              </a:p>
-              <a:p>
-                <a:r>
-                  <a:rPr lang="en-GB" dirty="0" smtClean="0"/>
-                  <a:t>Helped in passing the test</a:t>
-                </a:r>
-              </a:p>
-              <a:p>
-                <a:r>
-                  <a:rPr lang="en-GB" dirty="0" smtClean="0"/>
-                  <a:t>-&gt; Better to use 1 set of data</a:t>
-                </a:r>
-                <a:endParaRPr lang="en-GB" dirty="0"/>
-              </a:p>
-            </p:txBody>
-          </p:sp>
-        </mc:Choice>
-        <mc:Fallback xmlns="">
-          <p:sp>
-            <p:nvSpPr>
-              <p:cNvPr id="13" name="TextBox 12"/>
-              <p:cNvSpPr txBox="1">
-                <a:spLocks noRot="1" noChangeAspect="1" noMove="1" noResize="1" noEditPoints="1" noAdjustHandles="1" noChangeArrowheads="1" noChangeShapeType="1" noTextEdit="1"/>
-              </p:cNvSpPr>
-              <p:nvPr/>
-            </p:nvSpPr>
-            <p:spPr>
-              <a:xfrm>
-                <a:off x="9019337" y="4406943"/>
-                <a:ext cx="3102131" cy="923330"/>
-              </a:xfrm>
-              <a:prstGeom prst="rect">
-                <a:avLst/>
-              </a:prstGeom>
-              <a:blipFill rotWithShape="0">
-                <a:blip r:embed="rId3"/>
-                <a:stretch>
-                  <a:fillRect l="-1772" t="-3974" r="-984" b="-9934"/>
-                </a:stretch>
-              </a:blipFill>
-            </p:spPr>
-            <p:txBody>
-              <a:bodyPr/>
-              <a:lstStyle/>
-              <a:p>
-                <a:r>
-                  <a:rPr lang="en-GB">
-                    <a:noFill/>
-                  </a:rPr>
-                  <a:t> </a:t>
-                </a:r>
-              </a:p>
-            </p:txBody>
-          </p:sp>
-        </mc:Fallback>
-      </mc:AlternateContent>
     </p:spTree>
     <p:extLst>
       <p:ext uri="{BB962C8B-B14F-4D97-AF65-F5344CB8AC3E}">
@@ -8888,8 +8789,8 @@
         </p:nvSpPr>
         <p:spPr>
           <a:xfrm>
-            <a:off x="4292140" y="1046490"/>
-            <a:ext cx="4420313" cy="523220"/>
+            <a:off x="3337615" y="1046490"/>
+            <a:ext cx="5516767" cy="523220"/>
           </a:xfrm>
           <a:prstGeom prst="rect">
             <a:avLst/>
@@ -8906,8 +8807,17 @@
               <a:rPr lang="en-GB" sz="2800" b="1" i="1" dirty="0" smtClean="0">
                 <a:latin typeface="+mj-lt"/>
               </a:rPr>
-              <a:t>MODEL IDENTIFICATION</a:t>
-            </a:r>
+              <a:t>MODEL </a:t>
+            </a:r>
+            <a:r>
+              <a:rPr lang="en-GB" sz="2800" b="1" i="1" dirty="0" smtClean="0">
+                <a:latin typeface="+mj-lt"/>
+              </a:rPr>
+              <a:t>IDENTIFICATION - PEM</a:t>
+            </a:r>
+            <a:endParaRPr lang="en-GB" sz="2800" b="1" i="1" dirty="0" smtClean="0">
+              <a:latin typeface="+mj-lt"/>
+            </a:endParaRPr>
           </a:p>
         </p:txBody>
       </p:sp>
@@ -8955,32 +8865,2507 @@
           </a:p>
         </p:txBody>
       </p:sp>
-      <p:sp>
-        <p:nvSpPr>
-          <p:cNvPr id="5" name="TextBox 4"/>
-          <p:cNvSpPr txBox="1"/>
-          <p:nvPr/>
-        </p:nvSpPr>
-        <p:spPr>
-          <a:xfrm>
-            <a:off x="377505" y="2063692"/>
-            <a:ext cx="3120704" cy="906012"/>
-          </a:xfrm>
-          <a:prstGeom prst="rect">
-            <a:avLst/>
-          </a:prstGeom>
-          <a:noFill/>
-        </p:spPr>
-        <p:txBody>
-          <a:bodyPr wrap="square" rtlCol="0">
-            <a:spAutoFit/>
-          </a:bodyPr>
-          <a:lstStyle/>
-          <a:p>
-            <a:endParaRPr lang="en-GB" dirty="0"/>
-          </a:p>
-        </p:txBody>
-      </p:sp>
+      <mc:AlternateContent xmlns:mc="http://schemas.openxmlformats.org/markup-compatibility/2006">
+        <mc:Choice xmlns:a14="http://schemas.microsoft.com/office/drawing/2010/main" Requires="a14">
+          <p:sp>
+            <p:nvSpPr>
+              <p:cNvPr id="5" name="TextBox 4"/>
+              <p:cNvSpPr txBox="1"/>
+              <p:nvPr/>
+            </p:nvSpPr>
+            <p:spPr>
+              <a:xfrm>
+                <a:off x="383097" y="1569710"/>
+                <a:ext cx="11425805" cy="5326971"/>
+              </a:xfrm>
+              <a:prstGeom prst="rect">
+                <a:avLst/>
+              </a:prstGeom>
+              <a:noFill/>
+            </p:spPr>
+            <p:txBody>
+              <a:bodyPr wrap="square" rtlCol="0">
+                <a:spAutoFit/>
+              </a:bodyPr>
+              <a:lstStyle/>
+              <a:p>
+                <a:r>
+                  <a:rPr lang="en-GB" dirty="0" smtClean="0"/>
+                  <a:t>Based on PEM approach </a:t>
+                </a:r>
+                <a14:m>
+                  <m:oMath xmlns:m="http://schemas.openxmlformats.org/officeDocument/2006/math">
+                    <m:r>
+                      <a:rPr lang="en-GB" b="0" i="1" smtClean="0">
+                        <a:latin typeface="Cambria Math" panose="02040503050406030204" pitchFamily="18" charset="0"/>
+                      </a:rPr>
+                      <m:t>⇒</m:t>
+                    </m:r>
+                  </m:oMath>
+                </a14:m>
+                <a:r>
+                  <a:rPr lang="en-GB" dirty="0" smtClean="0"/>
+                  <a:t> minimize a loss function</a:t>
+                </a:r>
+                <a:r>
+                  <a:rPr lang="en-GB" dirty="0"/>
+                  <a:t> </a:t>
+                </a:r>
+                <a14:m>
+                  <m:oMath xmlns:m="http://schemas.openxmlformats.org/officeDocument/2006/math">
+                    <m:r>
+                      <a:rPr lang="en-GB" b="0" i="1" smtClean="0">
+                        <a:latin typeface="Cambria Math" panose="02040503050406030204" pitchFamily="18" charset="0"/>
+                      </a:rPr>
+                      <m:t>𝑙</m:t>
+                    </m:r>
+                    <m:d>
+                      <m:dPr>
+                        <m:ctrlPr>
+                          <a:rPr lang="en-GB" b="0" i="1" smtClean="0">
+                            <a:latin typeface="Cambria Math" panose="02040503050406030204" pitchFamily="18" charset="0"/>
+                          </a:rPr>
+                        </m:ctrlPr>
+                      </m:dPr>
+                      <m:e>
+                        <m:r>
+                          <a:rPr lang="en-GB" b="0" i="1" smtClean="0">
+                            <a:latin typeface="Cambria Math" panose="02040503050406030204" pitchFamily="18" charset="0"/>
+                          </a:rPr>
+                          <m:t>⦁</m:t>
+                        </m:r>
+                      </m:e>
+                    </m:d>
+                  </m:oMath>
+                </a14:m>
+                <a:r>
+                  <a:rPr lang="en-GB" dirty="0" smtClean="0"/>
+                  <a:t> (or a distance) of</a:t>
+                </a:r>
+                <a14:m>
+                  <m:oMath xmlns:m="http://schemas.openxmlformats.org/officeDocument/2006/math">
+                    <m:r>
+                      <a:rPr lang="en-GB" b="0" i="0" smtClean="0">
+                        <a:latin typeface="Cambria Math" panose="02040503050406030204" pitchFamily="18" charset="0"/>
+                      </a:rPr>
+                      <m:t>  </m:t>
+                    </m:r>
+                    <m:r>
+                      <a:rPr lang="en-GB" b="0" i="1" smtClean="0">
+                        <a:latin typeface="Cambria Math" panose="02040503050406030204" pitchFamily="18" charset="0"/>
+                      </a:rPr>
+                      <m:t>𝜖</m:t>
+                    </m:r>
+                    <m:d>
+                      <m:dPr>
+                        <m:ctrlPr>
+                          <a:rPr lang="en-GB" b="0" i="1" smtClean="0">
+                            <a:latin typeface="Cambria Math" panose="02040503050406030204" pitchFamily="18" charset="0"/>
+                          </a:rPr>
+                        </m:ctrlPr>
+                      </m:dPr>
+                      <m:e>
+                        <m:r>
+                          <a:rPr lang="en-GB" b="0" i="1" smtClean="0">
+                            <a:latin typeface="Cambria Math" panose="02040503050406030204" pitchFamily="18" charset="0"/>
+                          </a:rPr>
+                          <m:t>𝑡</m:t>
+                        </m:r>
+                      </m:e>
+                    </m:d>
+                    <m:r>
+                      <a:rPr lang="en-GB" b="0" i="1" smtClean="0">
+                        <a:latin typeface="Cambria Math" panose="02040503050406030204" pitchFamily="18" charset="0"/>
+                      </a:rPr>
+                      <m:t>=</m:t>
+                    </m:r>
+                    <m:r>
+                      <a:rPr lang="en-GB" b="0" i="1" smtClean="0">
+                        <a:latin typeface="Cambria Math" panose="02040503050406030204" pitchFamily="18" charset="0"/>
+                      </a:rPr>
+                      <m:t>𝑦</m:t>
+                    </m:r>
+                    <m:d>
+                      <m:dPr>
+                        <m:ctrlPr>
+                          <a:rPr lang="en-GB" b="0" i="1" smtClean="0">
+                            <a:latin typeface="Cambria Math" panose="02040503050406030204" pitchFamily="18" charset="0"/>
+                          </a:rPr>
+                        </m:ctrlPr>
+                      </m:dPr>
+                      <m:e>
+                        <m:r>
+                          <a:rPr lang="en-GB" b="0" i="1" smtClean="0">
+                            <a:latin typeface="Cambria Math" panose="02040503050406030204" pitchFamily="18" charset="0"/>
+                          </a:rPr>
+                          <m:t>𝑡</m:t>
+                        </m:r>
+                      </m:e>
+                    </m:d>
+                    <m:r>
+                      <a:rPr lang="en-GB" b="0" i="1" smtClean="0">
+                        <a:latin typeface="Cambria Math" panose="02040503050406030204" pitchFamily="18" charset="0"/>
+                      </a:rPr>
+                      <m:t>−</m:t>
+                    </m:r>
+                    <m:acc>
+                      <m:accPr>
+                        <m:chr m:val="̂"/>
+                        <m:ctrlPr>
+                          <a:rPr lang="en-GB" b="0" i="1" smtClean="0">
+                            <a:latin typeface="Cambria Math" panose="02040503050406030204" pitchFamily="18" charset="0"/>
+                          </a:rPr>
+                        </m:ctrlPr>
+                      </m:accPr>
+                      <m:e>
+                        <m:r>
+                          <a:rPr lang="en-GB" b="0" i="1" smtClean="0">
+                            <a:latin typeface="Cambria Math" panose="02040503050406030204" pitchFamily="18" charset="0"/>
+                          </a:rPr>
+                          <m:t>𝑦</m:t>
+                        </m:r>
+                      </m:e>
+                    </m:acc>
+                    <m:r>
+                      <a:rPr lang="en-GB" b="0" i="1" smtClean="0">
+                        <a:latin typeface="Cambria Math" panose="02040503050406030204" pitchFamily="18" charset="0"/>
+                      </a:rPr>
+                      <m:t>(</m:t>
+                    </m:r>
+                    <m:r>
+                      <a:rPr lang="en-GB" b="0" i="1" smtClean="0">
+                        <a:latin typeface="Cambria Math" panose="02040503050406030204" pitchFamily="18" charset="0"/>
+                      </a:rPr>
+                      <m:t>𝑡</m:t>
+                    </m:r>
+                    <m:r>
+                      <a:rPr lang="en-GB" b="0" i="1" smtClean="0">
+                        <a:latin typeface="Cambria Math" panose="02040503050406030204" pitchFamily="18" charset="0"/>
+                      </a:rPr>
+                      <m:t>)</m:t>
+                    </m:r>
+                  </m:oMath>
+                </a14:m>
+                <a:r>
+                  <a:rPr lang="en-GB" dirty="0" smtClean="0"/>
+                  <a:t>,where </a:t>
+                </a:r>
+                <a14:m>
+                  <m:oMath xmlns:m="http://schemas.openxmlformats.org/officeDocument/2006/math">
+                    <m:acc>
+                      <m:accPr>
+                        <m:chr m:val="̂"/>
+                        <m:ctrlPr>
+                          <a:rPr lang="en-GB" b="0" i="1" smtClean="0">
+                            <a:latin typeface="Cambria Math" panose="02040503050406030204" pitchFamily="18" charset="0"/>
+                          </a:rPr>
+                        </m:ctrlPr>
+                      </m:accPr>
+                      <m:e>
+                        <m:r>
+                          <a:rPr lang="en-GB" b="0" i="1" smtClean="0">
+                            <a:latin typeface="Cambria Math" panose="02040503050406030204" pitchFamily="18" charset="0"/>
+                          </a:rPr>
+                          <m:t>𝑦</m:t>
+                        </m:r>
+                      </m:e>
+                    </m:acc>
+                  </m:oMath>
+                </a14:m>
+                <a:r>
+                  <a:rPr lang="en-GB" dirty="0" smtClean="0"/>
+                  <a:t> is a function that predicts the value of </a:t>
+                </a:r>
+                <a14:m>
+                  <m:oMath xmlns:m="http://schemas.openxmlformats.org/officeDocument/2006/math">
+                    <m:r>
+                      <a:rPr lang="en-GB" b="0" i="1" smtClean="0">
+                        <a:latin typeface="Cambria Math" panose="02040503050406030204" pitchFamily="18" charset="0"/>
+                      </a:rPr>
+                      <m:t>𝑦</m:t>
+                    </m:r>
+                    <m:r>
+                      <a:rPr lang="en-GB" b="0" i="1" smtClean="0">
+                        <a:latin typeface="Cambria Math" panose="02040503050406030204" pitchFamily="18" charset="0"/>
+                      </a:rPr>
+                      <m:t>(</m:t>
+                    </m:r>
+                    <m:r>
+                      <a:rPr lang="en-GB" b="0" i="1" smtClean="0">
+                        <a:latin typeface="Cambria Math" panose="02040503050406030204" pitchFamily="18" charset="0"/>
+                      </a:rPr>
+                      <m:t>𝑡</m:t>
+                    </m:r>
+                    <m:r>
+                      <a:rPr lang="en-GB" b="0" i="1" smtClean="0">
+                        <a:latin typeface="Cambria Math" panose="02040503050406030204" pitchFamily="18" charset="0"/>
+                      </a:rPr>
+                      <m:t>)</m:t>
+                    </m:r>
+                  </m:oMath>
+                </a14:m>
+                <a:r>
+                  <a:rPr lang="en-GB" dirty="0" smtClean="0"/>
+                  <a:t> based on past values of </a:t>
+                </a:r>
+                <a14:m>
+                  <m:oMath xmlns:m="http://schemas.openxmlformats.org/officeDocument/2006/math">
+                    <m:r>
+                      <a:rPr lang="en-GB" b="0" i="1" smtClean="0">
+                        <a:latin typeface="Cambria Math" panose="02040503050406030204" pitchFamily="18" charset="0"/>
+                      </a:rPr>
+                      <m:t>𝑦</m:t>
+                    </m:r>
+                    <m:r>
+                      <a:rPr lang="en-GB" b="0" i="1" smtClean="0">
+                        <a:latin typeface="Cambria Math" panose="02040503050406030204" pitchFamily="18" charset="0"/>
+                      </a:rPr>
+                      <m:t>,</m:t>
+                    </m:r>
+                    <m:r>
+                      <a:rPr lang="en-GB" b="0" i="1" smtClean="0">
+                        <a:latin typeface="Cambria Math" panose="02040503050406030204" pitchFamily="18" charset="0"/>
+                      </a:rPr>
+                      <m:t>𝑢</m:t>
+                    </m:r>
+                  </m:oMath>
+                </a14:m>
+                <a:r>
+                  <a:rPr lang="en-GB" dirty="0" smtClean="0"/>
+                  <a:t>.</a:t>
+                </a:r>
+              </a:p>
+              <a:p>
+                <a:endParaRPr lang="en-GB" dirty="0"/>
+              </a:p>
+              <a:p>
+                <a:r>
+                  <a:rPr lang="en-GB" dirty="0" smtClean="0"/>
+                  <a:t>If </a:t>
+                </a:r>
+                <a14:m>
+                  <m:oMath xmlns:m="http://schemas.openxmlformats.org/officeDocument/2006/math">
+                    <m:acc>
+                      <m:accPr>
+                        <m:chr m:val="̂"/>
+                        <m:ctrlPr>
+                          <a:rPr lang="en-GB" b="0" i="1" smtClean="0">
+                            <a:latin typeface="Cambria Math" panose="02040503050406030204" pitchFamily="18" charset="0"/>
+                          </a:rPr>
+                        </m:ctrlPr>
+                      </m:accPr>
+                      <m:e>
+                        <m:r>
+                          <a:rPr lang="en-GB" b="0" i="1" smtClean="0">
+                            <a:latin typeface="Cambria Math" panose="02040503050406030204" pitchFamily="18" charset="0"/>
+                          </a:rPr>
+                          <m:t>𝑦</m:t>
+                        </m:r>
+                      </m:e>
+                    </m:acc>
+                  </m:oMath>
+                </a14:m>
+                <a:r>
+                  <a:rPr lang="en-GB" dirty="0" smtClean="0"/>
+                  <a:t> fully describes the output </a:t>
+                </a:r>
+                <a14:m>
+                  <m:oMath xmlns:m="http://schemas.openxmlformats.org/officeDocument/2006/math">
+                    <m:r>
+                      <a:rPr lang="en-GB" b="0" i="1" smtClean="0">
+                        <a:latin typeface="Cambria Math" panose="02040503050406030204" pitchFamily="18" charset="0"/>
+                      </a:rPr>
+                      <m:t>⇒</m:t>
+                    </m:r>
+                    <m:r>
+                      <a:rPr lang="en-GB" b="0" i="1" smtClean="0">
+                        <a:latin typeface="Cambria Math" panose="02040503050406030204" pitchFamily="18" charset="0"/>
+                      </a:rPr>
+                      <m:t>𝑦</m:t>
+                    </m:r>
+                    <m:d>
+                      <m:dPr>
+                        <m:ctrlPr>
+                          <a:rPr lang="en-GB" b="0" i="1" smtClean="0">
+                            <a:latin typeface="Cambria Math" panose="02040503050406030204" pitchFamily="18" charset="0"/>
+                          </a:rPr>
+                        </m:ctrlPr>
+                      </m:dPr>
+                      <m:e>
+                        <m:r>
+                          <a:rPr lang="en-GB" b="0" i="1" smtClean="0">
+                            <a:latin typeface="Cambria Math" panose="02040503050406030204" pitchFamily="18" charset="0"/>
+                          </a:rPr>
+                          <m:t>𝑡</m:t>
+                        </m:r>
+                      </m:e>
+                    </m:d>
+                    <m:r>
+                      <a:rPr lang="en-GB" b="0" i="1" smtClean="0">
+                        <a:latin typeface="Cambria Math" panose="02040503050406030204" pitchFamily="18" charset="0"/>
+                      </a:rPr>
+                      <m:t>=</m:t>
+                    </m:r>
+                    <m:acc>
+                      <m:accPr>
+                        <m:chr m:val="̂"/>
+                        <m:ctrlPr>
+                          <a:rPr lang="en-GB" b="0" i="1" smtClean="0">
+                            <a:latin typeface="Cambria Math" panose="02040503050406030204" pitchFamily="18" charset="0"/>
+                          </a:rPr>
+                        </m:ctrlPr>
+                      </m:accPr>
+                      <m:e>
+                        <m:r>
+                          <a:rPr lang="en-GB" b="0" i="1" smtClean="0">
+                            <a:latin typeface="Cambria Math" panose="02040503050406030204" pitchFamily="18" charset="0"/>
+                          </a:rPr>
+                          <m:t>𝑦</m:t>
+                        </m:r>
+                      </m:e>
+                    </m:acc>
+                    <m:d>
+                      <m:dPr>
+                        <m:ctrlPr>
+                          <a:rPr lang="en-GB" b="0" i="1" smtClean="0">
+                            <a:latin typeface="Cambria Math" panose="02040503050406030204" pitchFamily="18" charset="0"/>
+                          </a:rPr>
+                        </m:ctrlPr>
+                      </m:dPr>
+                      <m:e>
+                        <m:r>
+                          <a:rPr lang="en-GB" b="0" i="1" smtClean="0">
+                            <a:latin typeface="Cambria Math" panose="02040503050406030204" pitchFamily="18" charset="0"/>
+                          </a:rPr>
+                          <m:t>𝑡</m:t>
+                        </m:r>
+                      </m:e>
+                    </m:d>
+                    <m:r>
+                      <a:rPr lang="en-GB" b="0" i="1" smtClean="0">
+                        <a:latin typeface="Cambria Math" panose="02040503050406030204" pitchFamily="18" charset="0"/>
+                      </a:rPr>
+                      <m:t>+</m:t>
+                    </m:r>
+                    <m:r>
+                      <a:rPr lang="en-GB" b="0" i="1" smtClean="0">
+                        <a:latin typeface="Cambria Math" panose="02040503050406030204" pitchFamily="18" charset="0"/>
+                      </a:rPr>
+                      <m:t>𝑒</m:t>
+                    </m:r>
+                    <m:d>
+                      <m:dPr>
+                        <m:ctrlPr>
+                          <a:rPr lang="en-GB" b="0" i="1" smtClean="0">
+                            <a:latin typeface="Cambria Math" panose="02040503050406030204" pitchFamily="18" charset="0"/>
+                          </a:rPr>
+                        </m:ctrlPr>
+                      </m:dPr>
+                      <m:e>
+                        <m:r>
+                          <a:rPr lang="en-GB" b="0" i="1" smtClean="0">
+                            <a:latin typeface="Cambria Math" panose="02040503050406030204" pitchFamily="18" charset="0"/>
+                          </a:rPr>
+                          <m:t>𝑡</m:t>
+                        </m:r>
+                      </m:e>
+                    </m:d>
+                    <m:r>
+                      <a:rPr lang="en-GB" b="0" i="1" smtClean="0">
+                        <a:latin typeface="Cambria Math" panose="02040503050406030204" pitchFamily="18" charset="0"/>
+                      </a:rPr>
+                      <m:t>,  </m:t>
+                    </m:r>
+                    <m:r>
+                      <a:rPr lang="en-GB" b="0" i="1" smtClean="0">
+                        <a:latin typeface="Cambria Math" panose="02040503050406030204" pitchFamily="18" charset="0"/>
+                      </a:rPr>
+                      <m:t>𝑒</m:t>
+                    </m:r>
+                    <m:r>
+                      <a:rPr lang="en-GB" b="0" i="1" smtClean="0">
+                        <a:latin typeface="Cambria Math" panose="02040503050406030204" pitchFamily="18" charset="0"/>
+                      </a:rPr>
+                      <m:t>∼</m:t>
+                    </m:r>
+                    <m:r>
+                      <a:rPr lang="en-GB" b="0" i="1" smtClean="0">
+                        <a:latin typeface="Cambria Math" panose="02040503050406030204" pitchFamily="18" charset="0"/>
+                      </a:rPr>
+                      <m:t>𝑤𝑛</m:t>
+                    </m:r>
+                    <m:d>
+                      <m:dPr>
+                        <m:ctrlPr>
+                          <a:rPr lang="en-GB" b="0" i="1" smtClean="0">
+                            <a:latin typeface="Cambria Math" panose="02040503050406030204" pitchFamily="18" charset="0"/>
+                          </a:rPr>
+                        </m:ctrlPr>
+                      </m:dPr>
+                      <m:e>
+                        <m:r>
+                          <a:rPr lang="en-GB" b="0" i="1" smtClean="0">
+                            <a:latin typeface="Cambria Math" panose="02040503050406030204" pitchFamily="18" charset="0"/>
+                          </a:rPr>
+                          <m:t>0,</m:t>
+                        </m:r>
+                        <m:sSup>
+                          <m:sSupPr>
+                            <m:ctrlPr>
+                              <a:rPr lang="en-GB" b="0" i="1" smtClean="0">
+                                <a:latin typeface="Cambria Math" panose="02040503050406030204" pitchFamily="18" charset="0"/>
+                              </a:rPr>
+                            </m:ctrlPr>
+                          </m:sSupPr>
+                          <m:e>
+                            <m:r>
+                              <a:rPr lang="en-GB" b="0" i="1" smtClean="0">
+                                <a:latin typeface="Cambria Math" panose="02040503050406030204" pitchFamily="18" charset="0"/>
+                              </a:rPr>
+                              <m:t>𝜆</m:t>
+                            </m:r>
+                          </m:e>
+                          <m:sup>
+                            <m:r>
+                              <a:rPr lang="en-GB" b="0" i="1" smtClean="0">
+                                <a:latin typeface="Cambria Math" panose="02040503050406030204" pitchFamily="18" charset="0"/>
+                              </a:rPr>
+                              <m:t>2</m:t>
+                            </m:r>
+                          </m:sup>
+                        </m:sSup>
+                      </m:e>
+                    </m:d>
+                    <m:r>
+                      <a:rPr lang="en-GB" b="0" i="1" smtClean="0">
+                        <a:latin typeface="Cambria Math" panose="02040503050406030204" pitchFamily="18" charset="0"/>
+                      </a:rPr>
+                      <m:t>⇒</m:t>
+                    </m:r>
+                    <m:r>
+                      <a:rPr lang="en-GB" b="0" i="1" smtClean="0">
+                        <a:latin typeface="Cambria Math" panose="02040503050406030204" pitchFamily="18" charset="0"/>
+                      </a:rPr>
+                      <m:t>𝜖</m:t>
+                    </m:r>
+                    <m:r>
+                      <a:rPr lang="en-GB" b="0" i="1" smtClean="0">
+                        <a:latin typeface="Cambria Math" panose="02040503050406030204" pitchFamily="18" charset="0"/>
+                      </a:rPr>
+                      <m:t>∼</m:t>
+                    </m:r>
+                    <m:r>
+                      <a:rPr lang="en-GB" b="0" i="1" smtClean="0">
+                        <a:latin typeface="Cambria Math" panose="02040503050406030204" pitchFamily="18" charset="0"/>
+                      </a:rPr>
+                      <m:t>𝑤𝑛</m:t>
+                    </m:r>
+                    <m:d>
+                      <m:dPr>
+                        <m:ctrlPr>
+                          <a:rPr lang="en-GB" b="0" i="1" smtClean="0">
+                            <a:latin typeface="Cambria Math" panose="02040503050406030204" pitchFamily="18" charset="0"/>
+                          </a:rPr>
+                        </m:ctrlPr>
+                      </m:dPr>
+                      <m:e>
+                        <m:r>
+                          <a:rPr lang="en-GB" b="0" i="1" smtClean="0">
+                            <a:latin typeface="Cambria Math" panose="02040503050406030204" pitchFamily="18" charset="0"/>
+                          </a:rPr>
+                          <m:t>0,</m:t>
+                        </m:r>
+                        <m:sSup>
+                          <m:sSupPr>
+                            <m:ctrlPr>
+                              <a:rPr lang="en-GB" b="0" i="1" smtClean="0">
+                                <a:latin typeface="Cambria Math" panose="02040503050406030204" pitchFamily="18" charset="0"/>
+                              </a:rPr>
+                            </m:ctrlPr>
+                          </m:sSupPr>
+                          <m:e>
+                            <m:r>
+                              <a:rPr lang="en-GB" b="0" i="1" smtClean="0">
+                                <a:latin typeface="Cambria Math" panose="02040503050406030204" pitchFamily="18" charset="0"/>
+                              </a:rPr>
+                              <m:t>𝜆</m:t>
+                            </m:r>
+                          </m:e>
+                          <m:sup>
+                            <m:r>
+                              <a:rPr lang="en-GB" b="0" i="1" smtClean="0">
+                                <a:latin typeface="Cambria Math" panose="02040503050406030204" pitchFamily="18" charset="0"/>
+                              </a:rPr>
+                              <m:t>2</m:t>
+                            </m:r>
+                          </m:sup>
+                        </m:sSup>
+                      </m:e>
+                    </m:d>
+                    <m:r>
+                      <a:rPr lang="en-GB" b="0" i="0" smtClean="0">
+                        <a:latin typeface="Cambria Math" panose="02040503050406030204" pitchFamily="18" charset="0"/>
+                      </a:rPr>
+                      <m:t>.</m:t>
+                    </m:r>
+                  </m:oMath>
+                </a14:m>
+                <a:endParaRPr lang="en-GB" dirty="0" smtClean="0"/>
+              </a:p>
+              <a:p>
+                <a:endParaRPr lang="en-GB" dirty="0" smtClean="0"/>
+              </a:p>
+              <a:p>
+                <a:r>
+                  <a:rPr lang="en-GB" dirty="0" smtClean="0"/>
+                  <a:t>How to obtain </a:t>
+                </a:r>
+                <a14:m>
+                  <m:oMath xmlns:m="http://schemas.openxmlformats.org/officeDocument/2006/math">
+                    <m:acc>
+                      <m:accPr>
+                        <m:chr m:val="̂"/>
+                        <m:ctrlPr>
+                          <a:rPr lang="en-GB" b="0" i="1" smtClean="0">
+                            <a:latin typeface="Cambria Math" panose="02040503050406030204" pitchFamily="18" charset="0"/>
+                          </a:rPr>
+                        </m:ctrlPr>
+                      </m:accPr>
+                      <m:e>
+                        <m:r>
+                          <a:rPr lang="en-GB" b="0" i="1" smtClean="0">
+                            <a:latin typeface="Cambria Math" panose="02040503050406030204" pitchFamily="18" charset="0"/>
+                          </a:rPr>
+                          <m:t>𝑦</m:t>
+                        </m:r>
+                      </m:e>
+                    </m:acc>
+                    <m:r>
+                      <a:rPr lang="en-GB" b="0" i="1" dirty="0" smtClean="0">
+                        <a:latin typeface="Cambria Math" panose="02040503050406030204" pitchFamily="18" charset="0"/>
+                      </a:rPr>
+                      <m:t>?</m:t>
+                    </m:r>
+                  </m:oMath>
+                </a14:m>
+                <a:r>
+                  <a:rPr lang="en-GB" dirty="0" smtClean="0"/>
+                  <a:t> In general we can describe a linear system in the following way:</a:t>
+                </a:r>
+              </a:p>
+              <a:p>
+                <a:endParaRPr lang="en-GB" dirty="0"/>
+              </a:p>
+              <a:p>
+                <a:pPr algn="ctr"/>
+                <a14:m>
+                  <m:oMath xmlns:m="http://schemas.openxmlformats.org/officeDocument/2006/math">
+                    <m:r>
+                      <a:rPr lang="en-GB" b="0" i="1" smtClean="0">
+                        <a:latin typeface="Cambria Math" panose="02040503050406030204" pitchFamily="18" charset="0"/>
+                      </a:rPr>
+                      <m:t>𝑦</m:t>
+                    </m:r>
+                    <m:d>
+                      <m:dPr>
+                        <m:ctrlPr>
+                          <a:rPr lang="en-GB" b="0" i="1" smtClean="0">
+                            <a:latin typeface="Cambria Math" panose="02040503050406030204" pitchFamily="18" charset="0"/>
+                          </a:rPr>
+                        </m:ctrlPr>
+                      </m:dPr>
+                      <m:e>
+                        <m:r>
+                          <a:rPr lang="en-GB" b="0" i="1" smtClean="0">
+                            <a:latin typeface="Cambria Math" panose="02040503050406030204" pitchFamily="18" charset="0"/>
+                          </a:rPr>
+                          <m:t>𝑡</m:t>
+                        </m:r>
+                      </m:e>
+                    </m:d>
+                    <m:r>
+                      <a:rPr lang="en-GB" b="0" i="1" smtClean="0">
+                        <a:latin typeface="Cambria Math" panose="02040503050406030204" pitchFamily="18" charset="0"/>
+                      </a:rPr>
+                      <m:t>=</m:t>
+                    </m:r>
+                    <m:r>
+                      <a:rPr lang="en-GB" b="0" i="1" smtClean="0">
+                        <a:latin typeface="Cambria Math" panose="02040503050406030204" pitchFamily="18" charset="0"/>
+                      </a:rPr>
+                      <m:t>𝐺</m:t>
+                    </m:r>
+                    <m:d>
+                      <m:dPr>
+                        <m:ctrlPr>
+                          <a:rPr lang="en-GB" b="0" i="1" smtClean="0">
+                            <a:latin typeface="Cambria Math" panose="02040503050406030204" pitchFamily="18" charset="0"/>
+                          </a:rPr>
+                        </m:ctrlPr>
+                      </m:dPr>
+                      <m:e>
+                        <m:sSup>
+                          <m:sSupPr>
+                            <m:ctrlPr>
+                              <a:rPr lang="en-GB" b="0" i="1" smtClean="0">
+                                <a:latin typeface="Cambria Math" panose="02040503050406030204" pitchFamily="18" charset="0"/>
+                              </a:rPr>
+                            </m:ctrlPr>
+                          </m:sSupPr>
+                          <m:e>
+                            <m:r>
+                              <a:rPr lang="en-GB" b="0" i="1" smtClean="0">
+                                <a:latin typeface="Cambria Math" panose="02040503050406030204" pitchFamily="18" charset="0"/>
+                              </a:rPr>
+                              <m:t>𝑧</m:t>
+                            </m:r>
+                          </m:e>
+                          <m:sup>
+                            <m:r>
+                              <a:rPr lang="en-GB" b="0" i="1" smtClean="0">
+                                <a:latin typeface="Cambria Math" panose="02040503050406030204" pitchFamily="18" charset="0"/>
+                              </a:rPr>
+                              <m:t>−1</m:t>
+                            </m:r>
+                          </m:sup>
+                        </m:sSup>
+                        <m:r>
+                          <a:rPr lang="en-GB" b="0" i="1" smtClean="0">
+                            <a:latin typeface="Cambria Math" panose="02040503050406030204" pitchFamily="18" charset="0"/>
+                          </a:rPr>
+                          <m:t>,</m:t>
+                        </m:r>
+                        <m:sSup>
+                          <m:sSupPr>
+                            <m:ctrlPr>
+                              <a:rPr lang="en-GB" b="0" i="1" smtClean="0">
+                                <a:latin typeface="Cambria Math" panose="02040503050406030204" pitchFamily="18" charset="0"/>
+                              </a:rPr>
+                            </m:ctrlPr>
+                          </m:sSupPr>
+                          <m:e>
+                            <m:r>
+                              <a:rPr lang="en-GB" b="0" i="1" smtClean="0">
+                                <a:latin typeface="Cambria Math" panose="02040503050406030204" pitchFamily="18" charset="0"/>
+                              </a:rPr>
+                              <m:t>𝜃</m:t>
+                            </m:r>
+                          </m:e>
+                          <m:sup>
+                            <m:r>
+                              <a:rPr lang="en-GB" b="0" i="1" smtClean="0">
+                                <a:latin typeface="Cambria Math" panose="02040503050406030204" pitchFamily="18" charset="0"/>
+                              </a:rPr>
+                              <m:t>0</m:t>
+                            </m:r>
+                          </m:sup>
+                        </m:sSup>
+                      </m:e>
+                    </m:d>
+                    <m:r>
+                      <a:rPr lang="en-GB" b="0" i="1" smtClean="0">
+                        <a:latin typeface="Cambria Math" panose="02040503050406030204" pitchFamily="18" charset="0"/>
+                      </a:rPr>
+                      <m:t>𝑢</m:t>
+                    </m:r>
+                    <m:d>
+                      <m:dPr>
+                        <m:ctrlPr>
+                          <a:rPr lang="en-GB" b="0" i="1" smtClean="0">
+                            <a:latin typeface="Cambria Math" panose="02040503050406030204" pitchFamily="18" charset="0"/>
+                          </a:rPr>
+                        </m:ctrlPr>
+                      </m:dPr>
+                      <m:e>
+                        <m:r>
+                          <a:rPr lang="en-GB" b="0" i="1" smtClean="0">
+                            <a:latin typeface="Cambria Math" panose="02040503050406030204" pitchFamily="18" charset="0"/>
+                          </a:rPr>
+                          <m:t>𝑡</m:t>
+                        </m:r>
+                        <m:r>
+                          <a:rPr lang="en-GB" b="0" i="1" smtClean="0">
+                            <a:latin typeface="Cambria Math" panose="02040503050406030204" pitchFamily="18" charset="0"/>
+                          </a:rPr>
+                          <m:t>−</m:t>
+                        </m:r>
+                        <m:r>
+                          <a:rPr lang="en-GB" b="0" i="1" smtClean="0">
+                            <a:latin typeface="Cambria Math" panose="02040503050406030204" pitchFamily="18" charset="0"/>
+                          </a:rPr>
+                          <m:t>𝑘</m:t>
+                        </m:r>
+                      </m:e>
+                    </m:d>
+                    <m:r>
+                      <a:rPr lang="en-GB" b="0" i="1" smtClean="0">
+                        <a:latin typeface="Cambria Math" panose="02040503050406030204" pitchFamily="18" charset="0"/>
+                      </a:rPr>
+                      <m:t>+</m:t>
+                    </m:r>
+                    <m:r>
+                      <a:rPr lang="en-GB" b="0" i="1" smtClean="0">
+                        <a:latin typeface="Cambria Math" panose="02040503050406030204" pitchFamily="18" charset="0"/>
+                      </a:rPr>
+                      <m:t>𝐻</m:t>
+                    </m:r>
+                    <m:d>
+                      <m:dPr>
+                        <m:ctrlPr>
+                          <a:rPr lang="en-GB" b="0" i="1" smtClean="0">
+                            <a:latin typeface="Cambria Math" panose="02040503050406030204" pitchFamily="18" charset="0"/>
+                          </a:rPr>
+                        </m:ctrlPr>
+                      </m:dPr>
+                      <m:e>
+                        <m:sSup>
+                          <m:sSupPr>
+                            <m:ctrlPr>
+                              <a:rPr lang="en-GB" b="0" i="1" smtClean="0">
+                                <a:latin typeface="Cambria Math" panose="02040503050406030204" pitchFamily="18" charset="0"/>
+                              </a:rPr>
+                            </m:ctrlPr>
+                          </m:sSupPr>
+                          <m:e>
+                            <m:r>
+                              <a:rPr lang="en-GB" b="0" i="1" smtClean="0">
+                                <a:latin typeface="Cambria Math" panose="02040503050406030204" pitchFamily="18" charset="0"/>
+                              </a:rPr>
+                              <m:t>𝑧</m:t>
+                            </m:r>
+                          </m:e>
+                          <m:sup>
+                            <m:r>
+                              <a:rPr lang="en-GB" b="0" i="1" smtClean="0">
+                                <a:latin typeface="Cambria Math" panose="02040503050406030204" pitchFamily="18" charset="0"/>
+                              </a:rPr>
+                              <m:t>−1</m:t>
+                            </m:r>
+                          </m:sup>
+                        </m:sSup>
+                        <m:r>
+                          <a:rPr lang="en-GB" b="0" i="1" smtClean="0">
+                            <a:latin typeface="Cambria Math" panose="02040503050406030204" pitchFamily="18" charset="0"/>
+                          </a:rPr>
+                          <m:t>,</m:t>
+                        </m:r>
+                        <m:sSup>
+                          <m:sSupPr>
+                            <m:ctrlPr>
+                              <a:rPr lang="en-GB" b="0" i="1" smtClean="0">
+                                <a:latin typeface="Cambria Math" panose="02040503050406030204" pitchFamily="18" charset="0"/>
+                              </a:rPr>
+                            </m:ctrlPr>
+                          </m:sSupPr>
+                          <m:e>
+                            <m:r>
+                              <a:rPr lang="en-GB" b="0" i="1" smtClean="0">
+                                <a:latin typeface="Cambria Math" panose="02040503050406030204" pitchFamily="18" charset="0"/>
+                              </a:rPr>
+                              <m:t>𝜃</m:t>
+                            </m:r>
+                          </m:e>
+                          <m:sup>
+                            <m:r>
+                              <a:rPr lang="en-GB" b="0" i="1" smtClean="0">
+                                <a:latin typeface="Cambria Math" panose="02040503050406030204" pitchFamily="18" charset="0"/>
+                              </a:rPr>
+                              <m:t>0</m:t>
+                            </m:r>
+                          </m:sup>
+                        </m:sSup>
+                      </m:e>
+                    </m:d>
+                    <m:r>
+                      <a:rPr lang="en-GB" b="0" i="1" smtClean="0">
+                        <a:latin typeface="Cambria Math" panose="02040503050406030204" pitchFamily="18" charset="0"/>
+                      </a:rPr>
+                      <m:t>𝑒</m:t>
+                    </m:r>
+                    <m:d>
+                      <m:dPr>
+                        <m:ctrlPr>
+                          <a:rPr lang="en-GB" b="0" i="1" smtClean="0">
+                            <a:latin typeface="Cambria Math" panose="02040503050406030204" pitchFamily="18" charset="0"/>
+                          </a:rPr>
+                        </m:ctrlPr>
+                      </m:dPr>
+                      <m:e>
+                        <m:r>
+                          <a:rPr lang="en-GB" b="0" i="1" smtClean="0">
+                            <a:latin typeface="Cambria Math" panose="02040503050406030204" pitchFamily="18" charset="0"/>
+                          </a:rPr>
+                          <m:t>𝑡</m:t>
+                        </m:r>
+                      </m:e>
+                    </m:d>
+                    <m:r>
+                      <a:rPr lang="en-GB" b="0" i="1" smtClean="0">
+                        <a:latin typeface="Cambria Math" panose="02040503050406030204" pitchFamily="18" charset="0"/>
+                      </a:rPr>
+                      <m:t>     </m:t>
+                    </m:r>
+                    <m:r>
+                      <a:rPr lang="en-GB" b="0" i="1" smtClean="0">
+                        <a:latin typeface="Cambria Math" panose="02040503050406030204" pitchFamily="18" charset="0"/>
+                      </a:rPr>
+                      <m:t>𝑒</m:t>
+                    </m:r>
+                    <m:r>
+                      <a:rPr lang="en-GB" b="0" i="1" smtClean="0">
+                        <a:latin typeface="Cambria Math" panose="02040503050406030204" pitchFamily="18" charset="0"/>
+                      </a:rPr>
+                      <m:t>∼</m:t>
+                    </m:r>
+                    <m:r>
+                      <a:rPr lang="en-GB" b="0" i="1" smtClean="0">
+                        <a:latin typeface="Cambria Math" panose="02040503050406030204" pitchFamily="18" charset="0"/>
+                      </a:rPr>
+                      <m:t>𝑤𝑛</m:t>
+                    </m:r>
+                    <m:d>
+                      <m:dPr>
+                        <m:ctrlPr>
+                          <a:rPr lang="en-GB" b="0" i="1" smtClean="0">
+                            <a:latin typeface="Cambria Math" panose="02040503050406030204" pitchFamily="18" charset="0"/>
+                          </a:rPr>
+                        </m:ctrlPr>
+                      </m:dPr>
+                      <m:e>
+                        <m:r>
+                          <a:rPr lang="en-GB" b="0" i="1" smtClean="0">
+                            <a:latin typeface="Cambria Math" panose="02040503050406030204" pitchFamily="18" charset="0"/>
+                          </a:rPr>
+                          <m:t>0,</m:t>
+                        </m:r>
+                        <m:sSup>
+                          <m:sSupPr>
+                            <m:ctrlPr>
+                              <a:rPr lang="en-GB" b="0" i="1" smtClean="0">
+                                <a:latin typeface="Cambria Math" panose="02040503050406030204" pitchFamily="18" charset="0"/>
+                              </a:rPr>
+                            </m:ctrlPr>
+                          </m:sSupPr>
+                          <m:e>
+                            <m:r>
+                              <a:rPr lang="en-GB" b="0" i="1" smtClean="0">
+                                <a:latin typeface="Cambria Math" panose="02040503050406030204" pitchFamily="18" charset="0"/>
+                              </a:rPr>
+                              <m:t>𝜆</m:t>
+                            </m:r>
+                          </m:e>
+                          <m:sup>
+                            <m:r>
+                              <a:rPr lang="en-GB" b="0" i="1" smtClean="0">
+                                <a:latin typeface="Cambria Math" panose="02040503050406030204" pitchFamily="18" charset="0"/>
+                              </a:rPr>
+                              <m:t>2</m:t>
+                            </m:r>
+                          </m:sup>
+                        </m:sSup>
+                      </m:e>
+                    </m:d>
+                    <m:r>
+                      <a:rPr lang="en-GB" b="0" i="1" smtClean="0">
+                        <a:latin typeface="Cambria Math" panose="02040503050406030204" pitchFamily="18" charset="0"/>
+                      </a:rPr>
+                      <m:t>, </m:t>
+                    </m:r>
+                    <m:r>
+                      <a:rPr lang="en-GB" b="0" i="1" smtClean="0">
+                        <a:latin typeface="Cambria Math" panose="02040503050406030204" pitchFamily="18" charset="0"/>
+                      </a:rPr>
+                      <m:t>𝜃</m:t>
+                    </m:r>
+                    <m:r>
+                      <a:rPr lang="en-GB" b="0" i="1" smtClean="0">
+                        <a:latin typeface="Cambria Math" panose="02040503050406030204" pitchFamily="18" charset="0"/>
+                      </a:rPr>
+                      <m:t>∈</m:t>
+                    </m:r>
+                    <m:sSup>
+                      <m:sSupPr>
+                        <m:ctrlPr>
+                          <a:rPr lang="en-GB" b="0" i="1" smtClean="0">
+                            <a:latin typeface="Cambria Math" panose="02040503050406030204" pitchFamily="18" charset="0"/>
+                          </a:rPr>
+                        </m:ctrlPr>
+                      </m:sSupPr>
+                      <m:e>
+                        <m:r>
+                          <a:rPr lang="en-GB" b="0" i="1" smtClean="0">
+                            <a:latin typeface="Cambria Math" panose="02040503050406030204" pitchFamily="18" charset="0"/>
+                          </a:rPr>
+                          <m:t>𝕽</m:t>
+                        </m:r>
+                      </m:e>
+                      <m:sup>
+                        <m:r>
+                          <a:rPr lang="en-GB" b="0" i="1" smtClean="0">
+                            <a:latin typeface="Cambria Math" panose="02040503050406030204" pitchFamily="18" charset="0"/>
+                          </a:rPr>
+                          <m:t>𝑛</m:t>
+                        </m:r>
+                      </m:sup>
+                    </m:sSup>
+                  </m:oMath>
+                </a14:m>
+                <a:r>
+                  <a:rPr lang="en-GB" dirty="0" smtClean="0"/>
+                  <a:t> </a:t>
+                </a:r>
+              </a:p>
+              <a:p>
+                <a:endParaRPr lang="en-GB" dirty="0" smtClean="0"/>
+              </a:p>
+              <a:p>
+                <a:r>
+                  <a:rPr lang="en-GB" dirty="0" smtClean="0"/>
+                  <a:t>Where</a:t>
+                </a:r>
+                <a14:m>
+                  <m:oMath xmlns:m="http://schemas.openxmlformats.org/officeDocument/2006/math">
+                    <m:r>
+                      <a:rPr lang="en-GB" b="0" i="0" smtClean="0">
+                        <a:latin typeface="Cambria Math" panose="02040503050406030204" pitchFamily="18" charset="0"/>
+                      </a:rPr>
+                      <m:t> </m:t>
+                    </m:r>
+                    <m:r>
+                      <a:rPr lang="en-GB" b="0" i="1" smtClean="0">
+                        <a:latin typeface="Cambria Math" panose="02040503050406030204" pitchFamily="18" charset="0"/>
+                      </a:rPr>
+                      <m:t>𝐺</m:t>
+                    </m:r>
+                    <m:r>
+                      <a:rPr lang="en-GB" b="0" i="1" smtClean="0">
+                        <a:latin typeface="Cambria Math" panose="02040503050406030204" pitchFamily="18" charset="0"/>
+                      </a:rPr>
+                      <m:t>,</m:t>
+                    </m:r>
+                    <m:r>
+                      <a:rPr lang="en-GB" b="0" i="1" smtClean="0">
+                        <a:latin typeface="Cambria Math" panose="02040503050406030204" pitchFamily="18" charset="0"/>
+                      </a:rPr>
+                      <m:t>𝐻</m:t>
+                    </m:r>
+                  </m:oMath>
+                </a14:m>
+                <a:r>
+                  <a:rPr lang="en-GB" dirty="0" smtClean="0"/>
+                  <a:t>  are rational functions of </a:t>
+                </a:r>
+                <a14:m>
+                  <m:oMath xmlns:m="http://schemas.openxmlformats.org/officeDocument/2006/math">
+                    <m:sSup>
+                      <m:sSupPr>
+                        <m:ctrlPr>
+                          <a:rPr lang="en-GB" b="0" i="1" smtClean="0">
+                            <a:latin typeface="Cambria Math" panose="02040503050406030204" pitchFamily="18" charset="0"/>
+                          </a:rPr>
+                        </m:ctrlPr>
+                      </m:sSupPr>
+                      <m:e>
+                        <m:r>
+                          <a:rPr lang="en-GB" b="0" i="1" smtClean="0">
+                            <a:latin typeface="Cambria Math" panose="02040503050406030204" pitchFamily="18" charset="0"/>
+                          </a:rPr>
+                          <m:t>𝑧</m:t>
+                        </m:r>
+                      </m:e>
+                      <m:sup>
+                        <m:r>
+                          <a:rPr lang="en-GB" b="0" i="1" smtClean="0">
+                            <a:latin typeface="Cambria Math" panose="02040503050406030204" pitchFamily="18" charset="0"/>
+                          </a:rPr>
+                          <m:t>−1</m:t>
+                        </m:r>
+                      </m:sup>
+                    </m:sSup>
+                    <m:r>
+                      <a:rPr lang="en-GB" b="0" i="1" smtClean="0">
+                        <a:latin typeface="Cambria Math" panose="02040503050406030204" pitchFamily="18" charset="0"/>
+                      </a:rPr>
+                      <m:t>=</m:t>
+                    </m:r>
+                    <m:sSup>
+                      <m:sSupPr>
+                        <m:ctrlPr>
+                          <a:rPr lang="en-GB" b="0" i="1" smtClean="0">
+                            <a:latin typeface="Cambria Math" panose="02040503050406030204" pitchFamily="18" charset="0"/>
+                          </a:rPr>
+                        </m:ctrlPr>
+                      </m:sSupPr>
+                      <m:e>
+                        <m:r>
+                          <a:rPr lang="en-GB" b="0" i="1" smtClean="0">
+                            <a:latin typeface="Cambria Math" panose="02040503050406030204" pitchFamily="18" charset="0"/>
+                          </a:rPr>
+                          <m:t>𝑒</m:t>
+                        </m:r>
+                      </m:e>
+                      <m:sup>
+                        <m:r>
+                          <a:rPr lang="en-GB" b="0" i="1" smtClean="0">
+                            <a:latin typeface="Cambria Math" panose="02040503050406030204" pitchFamily="18" charset="0"/>
+                          </a:rPr>
+                          <m:t>−</m:t>
+                        </m:r>
+                        <m:f>
+                          <m:fPr>
+                            <m:ctrlPr>
+                              <a:rPr lang="en-GB" b="0" i="1" smtClean="0">
+                                <a:latin typeface="Cambria Math" panose="02040503050406030204" pitchFamily="18" charset="0"/>
+                              </a:rPr>
+                            </m:ctrlPr>
+                          </m:fPr>
+                          <m:num>
+                            <m:r>
+                              <a:rPr lang="en-GB" b="0" i="1" smtClean="0">
+                                <a:latin typeface="Cambria Math" panose="02040503050406030204" pitchFamily="18" charset="0"/>
+                              </a:rPr>
+                              <m:t>𝑑</m:t>
+                            </m:r>
+                          </m:num>
+                          <m:den>
+                            <m:r>
+                              <a:rPr lang="en-GB" b="0" i="1" smtClean="0">
+                                <a:latin typeface="Cambria Math" panose="02040503050406030204" pitchFamily="18" charset="0"/>
+                              </a:rPr>
+                              <m:t>𝑑𝑡</m:t>
+                            </m:r>
+                          </m:den>
+                        </m:f>
+                      </m:sup>
+                    </m:sSup>
+                  </m:oMath>
+                </a14:m>
+                <a:r>
+                  <a:rPr lang="en-GB" dirty="0" smtClean="0"/>
+                  <a:t>, effectively defining then a lag operator, </a:t>
+                </a:r>
+                <a:r>
+                  <a:rPr lang="en-GB" dirty="0" err="1" smtClean="0"/>
+                  <a:t>i.e</a:t>
+                </a:r>
+                <a:r>
+                  <a:rPr lang="en-GB" dirty="0" smtClean="0"/>
+                  <a:t>:  </a:t>
+                </a:r>
+              </a:p>
+              <a:p>
+                <a14:m>
+                  <m:oMathPara xmlns:m="http://schemas.openxmlformats.org/officeDocument/2006/math">
+                    <m:oMathParaPr>
+                      <m:jc m:val="centerGroup"/>
+                    </m:oMathParaPr>
+                    <m:oMath xmlns:m="http://schemas.openxmlformats.org/officeDocument/2006/math">
+                      <m:sSup>
+                        <m:sSupPr>
+                          <m:ctrlPr>
+                            <a:rPr lang="en-GB" b="0" i="1" smtClean="0">
+                              <a:latin typeface="Cambria Math" panose="02040503050406030204" pitchFamily="18" charset="0"/>
+                            </a:rPr>
+                          </m:ctrlPr>
+                        </m:sSupPr>
+                        <m:e>
+                          <m:r>
+                            <a:rPr lang="en-GB" b="0" i="1" smtClean="0">
+                              <a:latin typeface="Cambria Math" panose="02040503050406030204" pitchFamily="18" charset="0"/>
+                            </a:rPr>
+                            <m:t>𝑧</m:t>
+                          </m:r>
+                        </m:e>
+                        <m:sup>
+                          <m:r>
+                            <a:rPr lang="en-GB" b="0" i="1" smtClean="0">
+                              <a:latin typeface="Cambria Math" panose="02040503050406030204" pitchFamily="18" charset="0"/>
+                            </a:rPr>
+                            <m:t>−1</m:t>
+                          </m:r>
+                        </m:sup>
+                      </m:sSup>
+                      <m:r>
+                        <a:rPr lang="en-GB" b="0" i="1" smtClean="0">
+                          <a:latin typeface="Cambria Math" panose="02040503050406030204" pitchFamily="18" charset="0"/>
+                        </a:rPr>
+                        <m:t>𝑓</m:t>
+                      </m:r>
+                      <m:d>
+                        <m:dPr>
+                          <m:ctrlPr>
+                            <a:rPr lang="en-GB" b="0" i="1" smtClean="0">
+                              <a:latin typeface="Cambria Math" panose="02040503050406030204" pitchFamily="18" charset="0"/>
+                            </a:rPr>
+                          </m:ctrlPr>
+                        </m:dPr>
+                        <m:e>
+                          <m:r>
+                            <a:rPr lang="en-GB" b="0" i="1" smtClean="0">
+                              <a:latin typeface="Cambria Math" panose="02040503050406030204" pitchFamily="18" charset="0"/>
+                            </a:rPr>
+                            <m:t>𝑡</m:t>
+                          </m:r>
+                        </m:e>
+                      </m:d>
+                      <m:r>
+                        <a:rPr lang="en-GB" b="0" i="1" smtClean="0">
+                          <a:latin typeface="Cambria Math" panose="02040503050406030204" pitchFamily="18" charset="0"/>
+                        </a:rPr>
+                        <m:t>=</m:t>
+                      </m:r>
+                      <m:sSup>
+                        <m:sSupPr>
+                          <m:ctrlPr>
+                            <a:rPr lang="en-GB" b="0" i="1" smtClean="0">
+                              <a:latin typeface="Cambria Math" panose="02040503050406030204" pitchFamily="18" charset="0"/>
+                            </a:rPr>
+                          </m:ctrlPr>
+                        </m:sSupPr>
+                        <m:e>
+                          <m:r>
+                            <a:rPr lang="en-GB" b="0" i="1" smtClean="0">
+                              <a:latin typeface="Cambria Math" panose="02040503050406030204" pitchFamily="18" charset="0"/>
+                            </a:rPr>
+                            <m:t>𝑒</m:t>
+                          </m:r>
+                        </m:e>
+                        <m:sup>
+                          <m:r>
+                            <a:rPr lang="en-GB" b="0" i="1" smtClean="0">
+                              <a:latin typeface="Cambria Math" panose="02040503050406030204" pitchFamily="18" charset="0"/>
+                            </a:rPr>
+                            <m:t>−</m:t>
+                          </m:r>
+                          <m:f>
+                            <m:fPr>
+                              <m:ctrlPr>
+                                <a:rPr lang="en-GB" b="0" i="1" smtClean="0">
+                                  <a:latin typeface="Cambria Math" panose="02040503050406030204" pitchFamily="18" charset="0"/>
+                                </a:rPr>
+                              </m:ctrlPr>
+                            </m:fPr>
+                            <m:num>
+                              <m:r>
+                                <a:rPr lang="en-GB" b="0" i="1" smtClean="0">
+                                  <a:latin typeface="Cambria Math" panose="02040503050406030204" pitchFamily="18" charset="0"/>
+                                </a:rPr>
+                                <m:t>𝑑</m:t>
+                              </m:r>
+                            </m:num>
+                            <m:den>
+                              <m:r>
+                                <a:rPr lang="en-GB" b="0" i="1" smtClean="0">
+                                  <a:latin typeface="Cambria Math" panose="02040503050406030204" pitchFamily="18" charset="0"/>
+                                </a:rPr>
+                                <m:t>𝑑𝑡</m:t>
+                              </m:r>
+                            </m:den>
+                          </m:f>
+                        </m:sup>
+                      </m:sSup>
+                      <m:r>
+                        <a:rPr lang="en-GB" b="0" i="1" smtClean="0">
+                          <a:latin typeface="Cambria Math" panose="02040503050406030204" pitchFamily="18" charset="0"/>
+                        </a:rPr>
+                        <m:t>𝑓</m:t>
+                      </m:r>
+                      <m:d>
+                        <m:dPr>
+                          <m:ctrlPr>
+                            <a:rPr lang="en-GB" b="0" i="1" smtClean="0">
+                              <a:latin typeface="Cambria Math" panose="02040503050406030204" pitchFamily="18" charset="0"/>
+                            </a:rPr>
+                          </m:ctrlPr>
+                        </m:dPr>
+                        <m:e>
+                          <m:r>
+                            <a:rPr lang="en-GB" b="0" i="1" smtClean="0">
+                              <a:latin typeface="Cambria Math" panose="02040503050406030204" pitchFamily="18" charset="0"/>
+                            </a:rPr>
+                            <m:t>𝑡</m:t>
+                          </m:r>
+                        </m:e>
+                      </m:d>
+                      <m:r>
+                        <a:rPr lang="en-GB" b="0" i="1" smtClean="0">
+                          <a:latin typeface="Cambria Math" panose="02040503050406030204" pitchFamily="18" charset="0"/>
+                        </a:rPr>
+                        <m:t>=</m:t>
+                      </m:r>
+                      <m:r>
+                        <a:rPr lang="en-GB" b="0" i="1" smtClean="0">
+                          <a:latin typeface="Cambria Math" panose="02040503050406030204" pitchFamily="18" charset="0"/>
+                        </a:rPr>
+                        <m:t>𝑓</m:t>
+                      </m:r>
+                      <m:r>
+                        <a:rPr lang="en-GB" b="0" i="1" smtClean="0">
+                          <a:latin typeface="Cambria Math" panose="02040503050406030204" pitchFamily="18" charset="0"/>
+                        </a:rPr>
+                        <m:t>(</m:t>
+                      </m:r>
+                      <m:r>
+                        <a:rPr lang="en-GB" b="0" i="1" smtClean="0">
+                          <a:latin typeface="Cambria Math" panose="02040503050406030204" pitchFamily="18" charset="0"/>
+                        </a:rPr>
+                        <m:t>𝑡</m:t>
+                      </m:r>
+                      <m:r>
+                        <a:rPr lang="en-GB" b="0" i="1" smtClean="0">
+                          <a:latin typeface="Cambria Math" panose="02040503050406030204" pitchFamily="18" charset="0"/>
+                        </a:rPr>
+                        <m:t>−1)</m:t>
+                      </m:r>
+                    </m:oMath>
+                  </m:oMathPara>
+                </a14:m>
+                <a:endParaRPr lang="en-GB" dirty="0" smtClean="0"/>
+              </a:p>
+              <a:p>
+                <a:r>
+                  <a:rPr lang="en-GB" dirty="0" smtClean="0"/>
+                  <a:t>Parametrised in </a:t>
+                </a:r>
+                <a14:m>
+                  <m:oMath xmlns:m="http://schemas.openxmlformats.org/officeDocument/2006/math">
+                    <m:r>
+                      <a:rPr lang="en-GB" b="0" i="1" smtClean="0">
+                        <a:latin typeface="Cambria Math" panose="02040503050406030204" pitchFamily="18" charset="0"/>
+                      </a:rPr>
+                      <m:t>𝜃</m:t>
+                    </m:r>
+                    <m:r>
+                      <a:rPr lang="en-GB" b="0" i="1" smtClean="0">
+                        <a:latin typeface="Cambria Math" panose="02040503050406030204" pitchFamily="18" charset="0"/>
+                      </a:rPr>
+                      <m:t>.</m:t>
+                    </m:r>
+                  </m:oMath>
+                </a14:m>
+                <a:endParaRPr lang="en-GB" dirty="0" smtClean="0"/>
+              </a:p>
+              <a:p>
+                <a:r>
+                  <a:rPr lang="en-GB" dirty="0" smtClean="0"/>
+                  <a:t>Then:</a:t>
+                </a:r>
+              </a:p>
+              <a:p>
+                <a14:m>
+                  <m:oMathPara xmlns:m="http://schemas.openxmlformats.org/officeDocument/2006/math">
+                    <m:oMathParaPr>
+                      <m:jc m:val="centerGroup"/>
+                    </m:oMathParaPr>
+                    <m:oMath xmlns:m="http://schemas.openxmlformats.org/officeDocument/2006/math">
+                      <m:r>
+                        <a:rPr lang="en-GB" i="1">
+                          <a:latin typeface="Cambria Math" panose="02040503050406030204" pitchFamily="18" charset="0"/>
+                        </a:rPr>
+                        <m:t>𝐻</m:t>
+                      </m:r>
+                      <m:sSup>
+                        <m:sSupPr>
+                          <m:ctrlPr>
+                            <a:rPr lang="en-GB" b="0" i="1" smtClean="0">
+                              <a:latin typeface="Cambria Math" panose="02040503050406030204" pitchFamily="18" charset="0"/>
+                            </a:rPr>
+                          </m:ctrlPr>
+                        </m:sSupPr>
+                        <m:e>
+                          <m:d>
+                            <m:dPr>
+                              <m:ctrlPr>
+                                <a:rPr lang="en-GB" i="1">
+                                  <a:latin typeface="Cambria Math" panose="02040503050406030204" pitchFamily="18" charset="0"/>
+                                </a:rPr>
+                              </m:ctrlPr>
+                            </m:dPr>
+                            <m:e>
+                              <m:sSup>
+                                <m:sSupPr>
+                                  <m:ctrlPr>
+                                    <a:rPr lang="en-GB" i="1">
+                                      <a:latin typeface="Cambria Math" panose="02040503050406030204" pitchFamily="18" charset="0"/>
+                                    </a:rPr>
+                                  </m:ctrlPr>
+                                </m:sSupPr>
+                                <m:e>
+                                  <m:r>
+                                    <a:rPr lang="en-GB" i="1">
+                                      <a:latin typeface="Cambria Math" panose="02040503050406030204" pitchFamily="18" charset="0"/>
+                                    </a:rPr>
+                                    <m:t>𝑧</m:t>
+                                  </m:r>
+                                </m:e>
+                                <m:sup>
+                                  <m:r>
+                                    <a:rPr lang="en-GB" i="1">
+                                      <a:latin typeface="Cambria Math" panose="02040503050406030204" pitchFamily="18" charset="0"/>
+                                    </a:rPr>
+                                    <m:t>−1</m:t>
+                                  </m:r>
+                                </m:sup>
+                              </m:sSup>
+                              <m:r>
+                                <a:rPr lang="en-GB" i="1">
+                                  <a:latin typeface="Cambria Math" panose="02040503050406030204" pitchFamily="18" charset="0"/>
+                                </a:rPr>
+                                <m:t>,</m:t>
+                              </m:r>
+                              <m:sSup>
+                                <m:sSupPr>
+                                  <m:ctrlPr>
+                                    <a:rPr lang="en-GB" i="1">
+                                      <a:latin typeface="Cambria Math" panose="02040503050406030204" pitchFamily="18" charset="0"/>
+                                    </a:rPr>
+                                  </m:ctrlPr>
+                                </m:sSupPr>
+                                <m:e>
+                                  <m:r>
+                                    <a:rPr lang="en-GB" i="1">
+                                      <a:latin typeface="Cambria Math" panose="02040503050406030204" pitchFamily="18" charset="0"/>
+                                    </a:rPr>
+                                    <m:t>𝜃</m:t>
+                                  </m:r>
+                                </m:e>
+                                <m:sup>
+                                  <m:r>
+                                    <a:rPr lang="en-GB" i="1">
+                                      <a:latin typeface="Cambria Math" panose="02040503050406030204" pitchFamily="18" charset="0"/>
+                                    </a:rPr>
+                                    <m:t>0</m:t>
+                                  </m:r>
+                                </m:sup>
+                              </m:sSup>
+                            </m:e>
+                          </m:d>
+                        </m:e>
+                        <m:sup>
+                          <m:r>
+                            <a:rPr lang="en-GB" b="0" i="1" smtClean="0">
+                              <a:latin typeface="Cambria Math" panose="02040503050406030204" pitchFamily="18" charset="0"/>
+                            </a:rPr>
+                            <m:t>−1</m:t>
+                          </m:r>
+                        </m:sup>
+                      </m:sSup>
+                      <m:r>
+                        <a:rPr lang="en-GB" i="1">
+                          <a:latin typeface="Cambria Math" panose="02040503050406030204" pitchFamily="18" charset="0"/>
+                        </a:rPr>
+                        <m:t>𝑦</m:t>
+                      </m:r>
+                      <m:d>
+                        <m:dPr>
+                          <m:ctrlPr>
+                            <a:rPr lang="en-GB" i="1">
+                              <a:latin typeface="Cambria Math" panose="02040503050406030204" pitchFamily="18" charset="0"/>
+                            </a:rPr>
+                          </m:ctrlPr>
+                        </m:dPr>
+                        <m:e>
+                          <m:r>
+                            <a:rPr lang="en-GB" i="1">
+                              <a:latin typeface="Cambria Math" panose="02040503050406030204" pitchFamily="18" charset="0"/>
+                            </a:rPr>
+                            <m:t>𝑡</m:t>
+                          </m:r>
+                        </m:e>
+                      </m:d>
+                      <m:r>
+                        <a:rPr lang="en-GB" i="1">
+                          <a:latin typeface="Cambria Math" panose="02040503050406030204" pitchFamily="18" charset="0"/>
+                        </a:rPr>
+                        <m:t>=</m:t>
+                      </m:r>
+                      <m:r>
+                        <a:rPr lang="en-GB" i="1">
+                          <a:latin typeface="Cambria Math" panose="02040503050406030204" pitchFamily="18" charset="0"/>
+                        </a:rPr>
+                        <m:t>𝐻</m:t>
+                      </m:r>
+                      <m:sSup>
+                        <m:sSupPr>
+                          <m:ctrlPr>
+                            <a:rPr lang="en-GB" i="1">
+                              <a:latin typeface="Cambria Math" panose="02040503050406030204" pitchFamily="18" charset="0"/>
+                            </a:rPr>
+                          </m:ctrlPr>
+                        </m:sSupPr>
+                        <m:e>
+                          <m:d>
+                            <m:dPr>
+                              <m:ctrlPr>
+                                <a:rPr lang="en-GB" i="1">
+                                  <a:latin typeface="Cambria Math" panose="02040503050406030204" pitchFamily="18" charset="0"/>
+                                </a:rPr>
+                              </m:ctrlPr>
+                            </m:dPr>
+                            <m:e>
+                              <m:sSup>
+                                <m:sSupPr>
+                                  <m:ctrlPr>
+                                    <a:rPr lang="en-GB" i="1">
+                                      <a:latin typeface="Cambria Math" panose="02040503050406030204" pitchFamily="18" charset="0"/>
+                                    </a:rPr>
+                                  </m:ctrlPr>
+                                </m:sSupPr>
+                                <m:e>
+                                  <m:r>
+                                    <a:rPr lang="en-GB" i="1">
+                                      <a:latin typeface="Cambria Math" panose="02040503050406030204" pitchFamily="18" charset="0"/>
+                                    </a:rPr>
+                                    <m:t>𝑧</m:t>
+                                  </m:r>
+                                </m:e>
+                                <m:sup>
+                                  <m:r>
+                                    <a:rPr lang="en-GB" i="1">
+                                      <a:latin typeface="Cambria Math" panose="02040503050406030204" pitchFamily="18" charset="0"/>
+                                    </a:rPr>
+                                    <m:t>−1</m:t>
+                                  </m:r>
+                                </m:sup>
+                              </m:sSup>
+                              <m:r>
+                                <a:rPr lang="en-GB" i="1">
+                                  <a:latin typeface="Cambria Math" panose="02040503050406030204" pitchFamily="18" charset="0"/>
+                                </a:rPr>
+                                <m:t>,</m:t>
+                              </m:r>
+                              <m:sSup>
+                                <m:sSupPr>
+                                  <m:ctrlPr>
+                                    <a:rPr lang="en-GB" i="1">
+                                      <a:latin typeface="Cambria Math" panose="02040503050406030204" pitchFamily="18" charset="0"/>
+                                    </a:rPr>
+                                  </m:ctrlPr>
+                                </m:sSupPr>
+                                <m:e>
+                                  <m:r>
+                                    <a:rPr lang="en-GB" i="1">
+                                      <a:latin typeface="Cambria Math" panose="02040503050406030204" pitchFamily="18" charset="0"/>
+                                    </a:rPr>
+                                    <m:t>𝜃</m:t>
+                                  </m:r>
+                                </m:e>
+                                <m:sup>
+                                  <m:r>
+                                    <a:rPr lang="en-GB" i="1">
+                                      <a:latin typeface="Cambria Math" panose="02040503050406030204" pitchFamily="18" charset="0"/>
+                                    </a:rPr>
+                                    <m:t>0</m:t>
+                                  </m:r>
+                                </m:sup>
+                              </m:sSup>
+                            </m:e>
+                          </m:d>
+                        </m:e>
+                        <m:sup>
+                          <m:r>
+                            <a:rPr lang="en-GB" i="1">
+                              <a:latin typeface="Cambria Math" panose="02040503050406030204" pitchFamily="18" charset="0"/>
+                            </a:rPr>
+                            <m:t>−1</m:t>
+                          </m:r>
+                        </m:sup>
+                      </m:sSup>
+                      <m:r>
+                        <a:rPr lang="en-GB" i="1">
+                          <a:latin typeface="Cambria Math" panose="02040503050406030204" pitchFamily="18" charset="0"/>
+                        </a:rPr>
+                        <m:t>𝐺</m:t>
+                      </m:r>
+                      <m:d>
+                        <m:dPr>
+                          <m:ctrlPr>
+                            <a:rPr lang="en-GB" i="1">
+                              <a:latin typeface="Cambria Math" panose="02040503050406030204" pitchFamily="18" charset="0"/>
+                            </a:rPr>
+                          </m:ctrlPr>
+                        </m:dPr>
+                        <m:e>
+                          <m:sSup>
+                            <m:sSupPr>
+                              <m:ctrlPr>
+                                <a:rPr lang="en-GB" i="1">
+                                  <a:latin typeface="Cambria Math" panose="02040503050406030204" pitchFamily="18" charset="0"/>
+                                </a:rPr>
+                              </m:ctrlPr>
+                            </m:sSupPr>
+                            <m:e>
+                              <m:r>
+                                <a:rPr lang="en-GB" i="1">
+                                  <a:latin typeface="Cambria Math" panose="02040503050406030204" pitchFamily="18" charset="0"/>
+                                </a:rPr>
+                                <m:t>𝑧</m:t>
+                              </m:r>
+                            </m:e>
+                            <m:sup>
+                              <m:r>
+                                <a:rPr lang="en-GB" i="1">
+                                  <a:latin typeface="Cambria Math" panose="02040503050406030204" pitchFamily="18" charset="0"/>
+                                </a:rPr>
+                                <m:t>−1</m:t>
+                              </m:r>
+                            </m:sup>
+                          </m:sSup>
+                          <m:r>
+                            <a:rPr lang="en-GB" i="1">
+                              <a:latin typeface="Cambria Math" panose="02040503050406030204" pitchFamily="18" charset="0"/>
+                            </a:rPr>
+                            <m:t>,</m:t>
+                          </m:r>
+                          <m:sSup>
+                            <m:sSupPr>
+                              <m:ctrlPr>
+                                <a:rPr lang="en-GB" i="1">
+                                  <a:latin typeface="Cambria Math" panose="02040503050406030204" pitchFamily="18" charset="0"/>
+                                </a:rPr>
+                              </m:ctrlPr>
+                            </m:sSupPr>
+                            <m:e>
+                              <m:r>
+                                <a:rPr lang="en-GB" i="1">
+                                  <a:latin typeface="Cambria Math" panose="02040503050406030204" pitchFamily="18" charset="0"/>
+                                </a:rPr>
+                                <m:t>𝜃</m:t>
+                              </m:r>
+                            </m:e>
+                            <m:sup>
+                              <m:r>
+                                <a:rPr lang="en-GB" i="1">
+                                  <a:latin typeface="Cambria Math" panose="02040503050406030204" pitchFamily="18" charset="0"/>
+                                </a:rPr>
+                                <m:t>0</m:t>
+                              </m:r>
+                            </m:sup>
+                          </m:sSup>
+                        </m:e>
+                      </m:d>
+                      <m:r>
+                        <a:rPr lang="en-GB" i="1">
+                          <a:latin typeface="Cambria Math" panose="02040503050406030204" pitchFamily="18" charset="0"/>
+                        </a:rPr>
+                        <m:t>𝑢</m:t>
+                      </m:r>
+                      <m:d>
+                        <m:dPr>
+                          <m:ctrlPr>
+                            <a:rPr lang="en-GB" i="1">
+                              <a:latin typeface="Cambria Math" panose="02040503050406030204" pitchFamily="18" charset="0"/>
+                            </a:rPr>
+                          </m:ctrlPr>
+                        </m:dPr>
+                        <m:e>
+                          <m:r>
+                            <a:rPr lang="en-GB" i="1">
+                              <a:latin typeface="Cambria Math" panose="02040503050406030204" pitchFamily="18" charset="0"/>
+                            </a:rPr>
+                            <m:t>𝑡</m:t>
+                          </m:r>
+                          <m:r>
+                            <a:rPr lang="en-GB" i="1">
+                              <a:latin typeface="Cambria Math" panose="02040503050406030204" pitchFamily="18" charset="0"/>
+                            </a:rPr>
+                            <m:t>−</m:t>
+                          </m:r>
+                          <m:r>
+                            <a:rPr lang="en-GB" i="1">
+                              <a:latin typeface="Cambria Math" panose="02040503050406030204" pitchFamily="18" charset="0"/>
+                            </a:rPr>
+                            <m:t>𝑘</m:t>
+                          </m:r>
+                        </m:e>
+                      </m:d>
+                      <m:r>
+                        <a:rPr lang="en-GB" b="0" i="1" smtClean="0">
+                          <a:latin typeface="Cambria Math" panose="02040503050406030204" pitchFamily="18" charset="0"/>
+                        </a:rPr>
+                        <m:t>+</m:t>
+                      </m:r>
+                      <m:r>
+                        <a:rPr lang="en-GB" i="1">
+                          <a:latin typeface="Cambria Math" panose="02040503050406030204" pitchFamily="18" charset="0"/>
+                        </a:rPr>
+                        <m:t>𝑒</m:t>
+                      </m:r>
+                      <m:d>
+                        <m:dPr>
+                          <m:ctrlPr>
+                            <a:rPr lang="en-GB" i="1">
+                              <a:latin typeface="Cambria Math" panose="02040503050406030204" pitchFamily="18" charset="0"/>
+                            </a:rPr>
+                          </m:ctrlPr>
+                        </m:dPr>
+                        <m:e>
+                          <m:r>
+                            <a:rPr lang="en-GB" i="1">
+                              <a:latin typeface="Cambria Math" panose="02040503050406030204" pitchFamily="18" charset="0"/>
+                            </a:rPr>
+                            <m:t>𝑡</m:t>
+                          </m:r>
+                        </m:e>
+                      </m:d>
+                    </m:oMath>
+                  </m:oMathPara>
+                </a14:m>
+                <a:endParaRPr lang="en-GB" dirty="0" smtClean="0"/>
+              </a:p>
+              <a:p>
+                <a14:m>
+                  <m:oMathPara xmlns:m="http://schemas.openxmlformats.org/officeDocument/2006/math">
+                    <m:oMathParaPr>
+                      <m:jc m:val="centerGroup"/>
+                    </m:oMathParaPr>
+                    <m:oMath xmlns:m="http://schemas.openxmlformats.org/officeDocument/2006/math">
+                      <m:r>
+                        <a:rPr lang="en-GB" i="1">
+                          <a:latin typeface="Cambria Math" panose="02040503050406030204" pitchFamily="18" charset="0"/>
+                        </a:rPr>
+                        <m:t>𝑦</m:t>
+                      </m:r>
+                      <m:d>
+                        <m:dPr>
+                          <m:ctrlPr>
+                            <a:rPr lang="en-GB" i="1">
+                              <a:latin typeface="Cambria Math" panose="02040503050406030204" pitchFamily="18" charset="0"/>
+                            </a:rPr>
+                          </m:ctrlPr>
+                        </m:dPr>
+                        <m:e>
+                          <m:r>
+                            <a:rPr lang="en-GB" i="1">
+                              <a:latin typeface="Cambria Math" panose="02040503050406030204" pitchFamily="18" charset="0"/>
+                            </a:rPr>
+                            <m:t>𝑡</m:t>
+                          </m:r>
+                        </m:e>
+                      </m:d>
+                      <m:r>
+                        <a:rPr lang="en-GB" i="1">
+                          <a:latin typeface="Cambria Math" panose="02040503050406030204" pitchFamily="18" charset="0"/>
+                        </a:rPr>
+                        <m:t>=</m:t>
+                      </m:r>
+                      <m:d>
+                        <m:dPr>
+                          <m:ctrlPr>
+                            <a:rPr lang="en-GB" b="0" i="1" smtClean="0">
+                              <a:latin typeface="Cambria Math" panose="02040503050406030204" pitchFamily="18" charset="0"/>
+                            </a:rPr>
+                          </m:ctrlPr>
+                        </m:dPr>
+                        <m:e>
+                          <m:r>
+                            <a:rPr lang="en-GB" b="0" i="1" smtClean="0">
+                              <a:latin typeface="Cambria Math" panose="02040503050406030204" pitchFamily="18" charset="0"/>
+                            </a:rPr>
+                            <m:t>1−</m:t>
+                          </m:r>
+                          <m:r>
+                            <a:rPr lang="en-GB" i="1">
+                              <a:latin typeface="Cambria Math" panose="02040503050406030204" pitchFamily="18" charset="0"/>
+                            </a:rPr>
+                            <m:t>𝐻</m:t>
+                          </m:r>
+                          <m:sSup>
+                            <m:sSupPr>
+                              <m:ctrlPr>
+                                <a:rPr lang="en-GB" i="1">
+                                  <a:latin typeface="Cambria Math" panose="02040503050406030204" pitchFamily="18" charset="0"/>
+                                </a:rPr>
+                              </m:ctrlPr>
+                            </m:sSupPr>
+                            <m:e>
+                              <m:d>
+                                <m:dPr>
+                                  <m:ctrlPr>
+                                    <a:rPr lang="en-GB" i="1">
+                                      <a:latin typeface="Cambria Math" panose="02040503050406030204" pitchFamily="18" charset="0"/>
+                                    </a:rPr>
+                                  </m:ctrlPr>
+                                </m:dPr>
+                                <m:e>
+                                  <m:sSup>
+                                    <m:sSupPr>
+                                      <m:ctrlPr>
+                                        <a:rPr lang="en-GB" i="1">
+                                          <a:latin typeface="Cambria Math" panose="02040503050406030204" pitchFamily="18" charset="0"/>
+                                        </a:rPr>
+                                      </m:ctrlPr>
+                                    </m:sSupPr>
+                                    <m:e>
+                                      <m:r>
+                                        <a:rPr lang="en-GB" i="1">
+                                          <a:latin typeface="Cambria Math" panose="02040503050406030204" pitchFamily="18" charset="0"/>
+                                        </a:rPr>
+                                        <m:t>𝑧</m:t>
+                                      </m:r>
+                                    </m:e>
+                                    <m:sup>
+                                      <m:r>
+                                        <a:rPr lang="en-GB" i="1">
+                                          <a:latin typeface="Cambria Math" panose="02040503050406030204" pitchFamily="18" charset="0"/>
+                                        </a:rPr>
+                                        <m:t>−1</m:t>
+                                      </m:r>
+                                    </m:sup>
+                                  </m:sSup>
+                                  <m:r>
+                                    <a:rPr lang="en-GB" i="1">
+                                      <a:latin typeface="Cambria Math" panose="02040503050406030204" pitchFamily="18" charset="0"/>
+                                    </a:rPr>
+                                    <m:t>,</m:t>
+                                  </m:r>
+                                  <m:sSup>
+                                    <m:sSupPr>
+                                      <m:ctrlPr>
+                                        <a:rPr lang="en-GB" i="1">
+                                          <a:latin typeface="Cambria Math" panose="02040503050406030204" pitchFamily="18" charset="0"/>
+                                        </a:rPr>
+                                      </m:ctrlPr>
+                                    </m:sSupPr>
+                                    <m:e>
+                                      <m:r>
+                                        <a:rPr lang="en-GB" i="1">
+                                          <a:latin typeface="Cambria Math" panose="02040503050406030204" pitchFamily="18" charset="0"/>
+                                        </a:rPr>
+                                        <m:t>𝜃</m:t>
+                                      </m:r>
+                                    </m:e>
+                                    <m:sup>
+                                      <m:r>
+                                        <a:rPr lang="en-GB" i="1">
+                                          <a:latin typeface="Cambria Math" panose="02040503050406030204" pitchFamily="18" charset="0"/>
+                                        </a:rPr>
+                                        <m:t>0</m:t>
+                                      </m:r>
+                                    </m:sup>
+                                  </m:sSup>
+                                </m:e>
+                              </m:d>
+                            </m:e>
+                            <m:sup>
+                              <m:r>
+                                <a:rPr lang="en-GB" i="1">
+                                  <a:latin typeface="Cambria Math" panose="02040503050406030204" pitchFamily="18" charset="0"/>
+                                </a:rPr>
+                                <m:t>−1</m:t>
+                              </m:r>
+                            </m:sup>
+                          </m:sSup>
+                        </m:e>
+                      </m:d>
+                      <m:r>
+                        <a:rPr lang="en-GB" b="0" i="1" smtClean="0">
+                          <a:latin typeface="Cambria Math" panose="02040503050406030204" pitchFamily="18" charset="0"/>
+                        </a:rPr>
+                        <m:t>𝑦</m:t>
+                      </m:r>
+                      <m:d>
+                        <m:dPr>
+                          <m:ctrlPr>
+                            <a:rPr lang="en-GB" b="0" i="1" smtClean="0">
+                              <a:latin typeface="Cambria Math" panose="02040503050406030204" pitchFamily="18" charset="0"/>
+                            </a:rPr>
+                          </m:ctrlPr>
+                        </m:dPr>
+                        <m:e>
+                          <m:r>
+                            <a:rPr lang="en-GB" b="0" i="1" smtClean="0">
+                              <a:latin typeface="Cambria Math" panose="02040503050406030204" pitchFamily="18" charset="0"/>
+                            </a:rPr>
+                            <m:t>𝑡</m:t>
+                          </m:r>
+                        </m:e>
+                      </m:d>
+                      <m:r>
+                        <a:rPr lang="en-GB" b="0" i="1" smtClean="0">
+                          <a:latin typeface="Cambria Math" panose="02040503050406030204" pitchFamily="18" charset="0"/>
+                        </a:rPr>
+                        <m:t>+</m:t>
+                      </m:r>
+                      <m:r>
+                        <a:rPr lang="en-GB" i="1">
+                          <a:latin typeface="Cambria Math" panose="02040503050406030204" pitchFamily="18" charset="0"/>
+                        </a:rPr>
+                        <m:t>𝐻</m:t>
+                      </m:r>
+                      <m:sSup>
+                        <m:sSupPr>
+                          <m:ctrlPr>
+                            <a:rPr lang="en-GB" i="1">
+                              <a:latin typeface="Cambria Math" panose="02040503050406030204" pitchFamily="18" charset="0"/>
+                            </a:rPr>
+                          </m:ctrlPr>
+                        </m:sSupPr>
+                        <m:e>
+                          <m:d>
+                            <m:dPr>
+                              <m:ctrlPr>
+                                <a:rPr lang="en-GB" i="1">
+                                  <a:latin typeface="Cambria Math" panose="02040503050406030204" pitchFamily="18" charset="0"/>
+                                </a:rPr>
+                              </m:ctrlPr>
+                            </m:dPr>
+                            <m:e>
+                              <m:sSup>
+                                <m:sSupPr>
+                                  <m:ctrlPr>
+                                    <a:rPr lang="en-GB" i="1">
+                                      <a:latin typeface="Cambria Math" panose="02040503050406030204" pitchFamily="18" charset="0"/>
+                                    </a:rPr>
+                                  </m:ctrlPr>
+                                </m:sSupPr>
+                                <m:e>
+                                  <m:r>
+                                    <a:rPr lang="en-GB" i="1">
+                                      <a:latin typeface="Cambria Math" panose="02040503050406030204" pitchFamily="18" charset="0"/>
+                                    </a:rPr>
+                                    <m:t>𝑧</m:t>
+                                  </m:r>
+                                </m:e>
+                                <m:sup>
+                                  <m:r>
+                                    <a:rPr lang="en-GB" i="1">
+                                      <a:latin typeface="Cambria Math" panose="02040503050406030204" pitchFamily="18" charset="0"/>
+                                    </a:rPr>
+                                    <m:t>−1</m:t>
+                                  </m:r>
+                                </m:sup>
+                              </m:sSup>
+                              <m:r>
+                                <a:rPr lang="en-GB" i="1">
+                                  <a:latin typeface="Cambria Math" panose="02040503050406030204" pitchFamily="18" charset="0"/>
+                                </a:rPr>
+                                <m:t>,</m:t>
+                              </m:r>
+                              <m:sSup>
+                                <m:sSupPr>
+                                  <m:ctrlPr>
+                                    <a:rPr lang="en-GB" i="1">
+                                      <a:latin typeface="Cambria Math" panose="02040503050406030204" pitchFamily="18" charset="0"/>
+                                    </a:rPr>
+                                  </m:ctrlPr>
+                                </m:sSupPr>
+                                <m:e>
+                                  <m:r>
+                                    <a:rPr lang="en-GB" i="1">
+                                      <a:latin typeface="Cambria Math" panose="02040503050406030204" pitchFamily="18" charset="0"/>
+                                    </a:rPr>
+                                    <m:t>𝜃</m:t>
+                                  </m:r>
+                                </m:e>
+                                <m:sup>
+                                  <m:r>
+                                    <a:rPr lang="en-GB" i="1">
+                                      <a:latin typeface="Cambria Math" panose="02040503050406030204" pitchFamily="18" charset="0"/>
+                                    </a:rPr>
+                                    <m:t>0</m:t>
+                                  </m:r>
+                                </m:sup>
+                              </m:sSup>
+                            </m:e>
+                          </m:d>
+                        </m:e>
+                        <m:sup>
+                          <m:r>
+                            <a:rPr lang="en-GB" i="1">
+                              <a:latin typeface="Cambria Math" panose="02040503050406030204" pitchFamily="18" charset="0"/>
+                            </a:rPr>
+                            <m:t>−1</m:t>
+                          </m:r>
+                        </m:sup>
+                      </m:sSup>
+                      <m:r>
+                        <a:rPr lang="en-GB" i="1">
+                          <a:latin typeface="Cambria Math" panose="02040503050406030204" pitchFamily="18" charset="0"/>
+                        </a:rPr>
+                        <m:t>𝐺</m:t>
+                      </m:r>
+                      <m:d>
+                        <m:dPr>
+                          <m:ctrlPr>
+                            <a:rPr lang="en-GB" i="1">
+                              <a:latin typeface="Cambria Math" panose="02040503050406030204" pitchFamily="18" charset="0"/>
+                            </a:rPr>
+                          </m:ctrlPr>
+                        </m:dPr>
+                        <m:e>
+                          <m:sSup>
+                            <m:sSupPr>
+                              <m:ctrlPr>
+                                <a:rPr lang="en-GB" i="1">
+                                  <a:latin typeface="Cambria Math" panose="02040503050406030204" pitchFamily="18" charset="0"/>
+                                </a:rPr>
+                              </m:ctrlPr>
+                            </m:sSupPr>
+                            <m:e>
+                              <m:r>
+                                <a:rPr lang="en-GB" i="1">
+                                  <a:latin typeface="Cambria Math" panose="02040503050406030204" pitchFamily="18" charset="0"/>
+                                </a:rPr>
+                                <m:t>𝑧</m:t>
+                              </m:r>
+                            </m:e>
+                            <m:sup>
+                              <m:r>
+                                <a:rPr lang="en-GB" i="1">
+                                  <a:latin typeface="Cambria Math" panose="02040503050406030204" pitchFamily="18" charset="0"/>
+                                </a:rPr>
+                                <m:t>−1</m:t>
+                              </m:r>
+                            </m:sup>
+                          </m:sSup>
+                          <m:r>
+                            <a:rPr lang="en-GB" i="1">
+                              <a:latin typeface="Cambria Math" panose="02040503050406030204" pitchFamily="18" charset="0"/>
+                            </a:rPr>
+                            <m:t>,</m:t>
+                          </m:r>
+                          <m:sSup>
+                            <m:sSupPr>
+                              <m:ctrlPr>
+                                <a:rPr lang="en-GB" i="1">
+                                  <a:latin typeface="Cambria Math" panose="02040503050406030204" pitchFamily="18" charset="0"/>
+                                </a:rPr>
+                              </m:ctrlPr>
+                            </m:sSupPr>
+                            <m:e>
+                              <m:r>
+                                <a:rPr lang="en-GB" i="1">
+                                  <a:latin typeface="Cambria Math" panose="02040503050406030204" pitchFamily="18" charset="0"/>
+                                </a:rPr>
+                                <m:t>𝜃</m:t>
+                              </m:r>
+                            </m:e>
+                            <m:sup>
+                              <m:r>
+                                <a:rPr lang="en-GB" i="1">
+                                  <a:latin typeface="Cambria Math" panose="02040503050406030204" pitchFamily="18" charset="0"/>
+                                </a:rPr>
+                                <m:t>0</m:t>
+                              </m:r>
+                            </m:sup>
+                          </m:sSup>
+                        </m:e>
+                      </m:d>
+                      <m:r>
+                        <a:rPr lang="en-GB" i="1">
+                          <a:latin typeface="Cambria Math" panose="02040503050406030204" pitchFamily="18" charset="0"/>
+                        </a:rPr>
+                        <m:t>𝑢</m:t>
+                      </m:r>
+                      <m:d>
+                        <m:dPr>
+                          <m:ctrlPr>
+                            <a:rPr lang="en-GB" i="1">
+                              <a:latin typeface="Cambria Math" panose="02040503050406030204" pitchFamily="18" charset="0"/>
+                            </a:rPr>
+                          </m:ctrlPr>
+                        </m:dPr>
+                        <m:e>
+                          <m:r>
+                            <a:rPr lang="en-GB" i="1">
+                              <a:latin typeface="Cambria Math" panose="02040503050406030204" pitchFamily="18" charset="0"/>
+                            </a:rPr>
+                            <m:t>𝑡</m:t>
+                          </m:r>
+                          <m:r>
+                            <a:rPr lang="en-GB" i="1">
+                              <a:latin typeface="Cambria Math" panose="02040503050406030204" pitchFamily="18" charset="0"/>
+                            </a:rPr>
+                            <m:t>−</m:t>
+                          </m:r>
+                          <m:r>
+                            <a:rPr lang="en-GB" i="1">
+                              <a:latin typeface="Cambria Math" panose="02040503050406030204" pitchFamily="18" charset="0"/>
+                            </a:rPr>
+                            <m:t>𝑘</m:t>
+                          </m:r>
+                        </m:e>
+                      </m:d>
+                      <m:r>
+                        <a:rPr lang="en-GB" i="1">
+                          <a:latin typeface="Cambria Math" panose="02040503050406030204" pitchFamily="18" charset="0"/>
+                        </a:rPr>
+                        <m:t>+</m:t>
+                      </m:r>
+                      <m:r>
+                        <a:rPr lang="en-GB" i="1">
+                          <a:latin typeface="Cambria Math" panose="02040503050406030204" pitchFamily="18" charset="0"/>
+                        </a:rPr>
+                        <m:t>𝑒</m:t>
+                      </m:r>
+                      <m:d>
+                        <m:dPr>
+                          <m:ctrlPr>
+                            <a:rPr lang="en-GB" i="1">
+                              <a:latin typeface="Cambria Math" panose="02040503050406030204" pitchFamily="18" charset="0"/>
+                            </a:rPr>
+                          </m:ctrlPr>
+                        </m:dPr>
+                        <m:e>
+                          <m:r>
+                            <a:rPr lang="en-GB" i="1">
+                              <a:latin typeface="Cambria Math" panose="02040503050406030204" pitchFamily="18" charset="0"/>
+                            </a:rPr>
+                            <m:t>𝑡</m:t>
+                          </m:r>
+                        </m:e>
+                      </m:d>
+                    </m:oMath>
+                  </m:oMathPara>
+                </a14:m>
+                <a:endParaRPr lang="en-GB" dirty="0" smtClean="0"/>
+              </a:p>
+              <a:p>
+                <a14:m>
+                  <m:oMathPara xmlns:m="http://schemas.openxmlformats.org/officeDocument/2006/math">
+                    <m:oMathParaPr>
+                      <m:jc m:val="centerGroup"/>
+                    </m:oMathParaPr>
+                    <m:oMath xmlns:m="http://schemas.openxmlformats.org/officeDocument/2006/math">
+                      <m:r>
+                        <a:rPr lang="en-GB" b="0" i="1" smtClean="0">
+                          <a:latin typeface="Cambria Math" panose="02040503050406030204" pitchFamily="18" charset="0"/>
+                        </a:rPr>
+                        <m:t>⇒</m:t>
+                      </m:r>
+                      <m:acc>
+                        <m:accPr>
+                          <m:chr m:val="̂"/>
+                          <m:ctrlPr>
+                            <a:rPr lang="en-GB" b="0" i="1" smtClean="0">
+                              <a:latin typeface="Cambria Math" panose="02040503050406030204" pitchFamily="18" charset="0"/>
+                            </a:rPr>
+                          </m:ctrlPr>
+                        </m:accPr>
+                        <m:e>
+                          <m:r>
+                            <a:rPr lang="en-GB" b="0" i="1" smtClean="0">
+                              <a:latin typeface="Cambria Math" panose="02040503050406030204" pitchFamily="18" charset="0"/>
+                            </a:rPr>
+                            <m:t>𝑦</m:t>
+                          </m:r>
+                        </m:e>
+                      </m:acc>
+                      <m:d>
+                        <m:dPr>
+                          <m:ctrlPr>
+                            <a:rPr lang="en-GB" b="0" i="1" smtClean="0">
+                              <a:latin typeface="Cambria Math" panose="02040503050406030204" pitchFamily="18" charset="0"/>
+                            </a:rPr>
+                          </m:ctrlPr>
+                        </m:dPr>
+                        <m:e>
+                          <m:r>
+                            <a:rPr lang="en-GB" b="0" i="1" smtClean="0">
+                              <a:latin typeface="Cambria Math" panose="02040503050406030204" pitchFamily="18" charset="0"/>
+                            </a:rPr>
+                            <m:t>𝑡</m:t>
+                          </m:r>
+                        </m:e>
+                      </m:d>
+                      <m:r>
+                        <a:rPr lang="en-GB" b="0" i="1" smtClean="0">
+                          <a:latin typeface="Cambria Math" panose="02040503050406030204" pitchFamily="18" charset="0"/>
+                        </a:rPr>
+                        <m:t>=</m:t>
+                      </m:r>
+                      <m:d>
+                        <m:dPr>
+                          <m:ctrlPr>
+                            <a:rPr lang="en-GB" i="1">
+                              <a:latin typeface="Cambria Math" panose="02040503050406030204" pitchFamily="18" charset="0"/>
+                            </a:rPr>
+                          </m:ctrlPr>
+                        </m:dPr>
+                        <m:e>
+                          <m:r>
+                            <a:rPr lang="en-GB" i="1">
+                              <a:latin typeface="Cambria Math" panose="02040503050406030204" pitchFamily="18" charset="0"/>
+                            </a:rPr>
+                            <m:t>1−</m:t>
+                          </m:r>
+                          <m:r>
+                            <a:rPr lang="en-GB" i="1">
+                              <a:latin typeface="Cambria Math" panose="02040503050406030204" pitchFamily="18" charset="0"/>
+                            </a:rPr>
+                            <m:t>𝐻</m:t>
+                          </m:r>
+                          <m:sSup>
+                            <m:sSupPr>
+                              <m:ctrlPr>
+                                <a:rPr lang="en-GB" i="1">
+                                  <a:latin typeface="Cambria Math" panose="02040503050406030204" pitchFamily="18" charset="0"/>
+                                </a:rPr>
+                              </m:ctrlPr>
+                            </m:sSupPr>
+                            <m:e>
+                              <m:d>
+                                <m:dPr>
+                                  <m:ctrlPr>
+                                    <a:rPr lang="en-GB" i="1">
+                                      <a:latin typeface="Cambria Math" panose="02040503050406030204" pitchFamily="18" charset="0"/>
+                                    </a:rPr>
+                                  </m:ctrlPr>
+                                </m:dPr>
+                                <m:e>
+                                  <m:sSup>
+                                    <m:sSupPr>
+                                      <m:ctrlPr>
+                                        <a:rPr lang="en-GB" i="1">
+                                          <a:latin typeface="Cambria Math" panose="02040503050406030204" pitchFamily="18" charset="0"/>
+                                        </a:rPr>
+                                      </m:ctrlPr>
+                                    </m:sSupPr>
+                                    <m:e>
+                                      <m:r>
+                                        <a:rPr lang="en-GB" i="1">
+                                          <a:latin typeface="Cambria Math" panose="02040503050406030204" pitchFamily="18" charset="0"/>
+                                        </a:rPr>
+                                        <m:t>𝑧</m:t>
+                                      </m:r>
+                                    </m:e>
+                                    <m:sup>
+                                      <m:r>
+                                        <a:rPr lang="en-GB" i="1">
+                                          <a:latin typeface="Cambria Math" panose="02040503050406030204" pitchFamily="18" charset="0"/>
+                                        </a:rPr>
+                                        <m:t>−1</m:t>
+                                      </m:r>
+                                    </m:sup>
+                                  </m:sSup>
+                                  <m:r>
+                                    <a:rPr lang="en-GB" i="1">
+                                      <a:latin typeface="Cambria Math" panose="02040503050406030204" pitchFamily="18" charset="0"/>
+                                    </a:rPr>
+                                    <m:t>,</m:t>
+                                  </m:r>
+                                  <m:sSup>
+                                    <m:sSupPr>
+                                      <m:ctrlPr>
+                                        <a:rPr lang="en-GB" i="1">
+                                          <a:latin typeface="Cambria Math" panose="02040503050406030204" pitchFamily="18" charset="0"/>
+                                        </a:rPr>
+                                      </m:ctrlPr>
+                                    </m:sSupPr>
+                                    <m:e>
+                                      <m:r>
+                                        <a:rPr lang="en-GB" i="1">
+                                          <a:latin typeface="Cambria Math" panose="02040503050406030204" pitchFamily="18" charset="0"/>
+                                        </a:rPr>
+                                        <m:t>𝜃</m:t>
+                                      </m:r>
+                                    </m:e>
+                                    <m:sup>
+                                      <m:r>
+                                        <a:rPr lang="en-GB" i="1">
+                                          <a:latin typeface="Cambria Math" panose="02040503050406030204" pitchFamily="18" charset="0"/>
+                                        </a:rPr>
+                                        <m:t>0</m:t>
+                                      </m:r>
+                                    </m:sup>
+                                  </m:sSup>
+                                </m:e>
+                              </m:d>
+                            </m:e>
+                            <m:sup>
+                              <m:r>
+                                <a:rPr lang="en-GB" i="1">
+                                  <a:latin typeface="Cambria Math" panose="02040503050406030204" pitchFamily="18" charset="0"/>
+                                </a:rPr>
+                                <m:t>−1</m:t>
+                              </m:r>
+                            </m:sup>
+                          </m:sSup>
+                        </m:e>
+                      </m:d>
+                      <m:r>
+                        <a:rPr lang="en-GB" i="1">
+                          <a:latin typeface="Cambria Math" panose="02040503050406030204" pitchFamily="18" charset="0"/>
+                        </a:rPr>
+                        <m:t>𝑦</m:t>
+                      </m:r>
+                      <m:d>
+                        <m:dPr>
+                          <m:ctrlPr>
+                            <a:rPr lang="en-GB" i="1">
+                              <a:latin typeface="Cambria Math" panose="02040503050406030204" pitchFamily="18" charset="0"/>
+                            </a:rPr>
+                          </m:ctrlPr>
+                        </m:dPr>
+                        <m:e>
+                          <m:r>
+                            <a:rPr lang="en-GB" i="1">
+                              <a:latin typeface="Cambria Math" panose="02040503050406030204" pitchFamily="18" charset="0"/>
+                            </a:rPr>
+                            <m:t>𝑡</m:t>
+                          </m:r>
+                        </m:e>
+                      </m:d>
+                      <m:r>
+                        <a:rPr lang="en-GB" i="1">
+                          <a:latin typeface="Cambria Math" panose="02040503050406030204" pitchFamily="18" charset="0"/>
+                        </a:rPr>
+                        <m:t>+</m:t>
+                      </m:r>
+                      <m:r>
+                        <a:rPr lang="en-GB" i="1">
+                          <a:latin typeface="Cambria Math" panose="02040503050406030204" pitchFamily="18" charset="0"/>
+                        </a:rPr>
+                        <m:t>𝐻</m:t>
+                      </m:r>
+                      <m:sSup>
+                        <m:sSupPr>
+                          <m:ctrlPr>
+                            <a:rPr lang="en-GB" i="1">
+                              <a:latin typeface="Cambria Math" panose="02040503050406030204" pitchFamily="18" charset="0"/>
+                            </a:rPr>
+                          </m:ctrlPr>
+                        </m:sSupPr>
+                        <m:e>
+                          <m:d>
+                            <m:dPr>
+                              <m:ctrlPr>
+                                <a:rPr lang="en-GB" i="1">
+                                  <a:latin typeface="Cambria Math" panose="02040503050406030204" pitchFamily="18" charset="0"/>
+                                </a:rPr>
+                              </m:ctrlPr>
+                            </m:dPr>
+                            <m:e>
+                              <m:sSup>
+                                <m:sSupPr>
+                                  <m:ctrlPr>
+                                    <a:rPr lang="en-GB" i="1">
+                                      <a:latin typeface="Cambria Math" panose="02040503050406030204" pitchFamily="18" charset="0"/>
+                                    </a:rPr>
+                                  </m:ctrlPr>
+                                </m:sSupPr>
+                                <m:e>
+                                  <m:r>
+                                    <a:rPr lang="en-GB" i="1">
+                                      <a:latin typeface="Cambria Math" panose="02040503050406030204" pitchFamily="18" charset="0"/>
+                                    </a:rPr>
+                                    <m:t>𝑧</m:t>
+                                  </m:r>
+                                </m:e>
+                                <m:sup>
+                                  <m:r>
+                                    <a:rPr lang="en-GB" i="1">
+                                      <a:latin typeface="Cambria Math" panose="02040503050406030204" pitchFamily="18" charset="0"/>
+                                    </a:rPr>
+                                    <m:t>−1</m:t>
+                                  </m:r>
+                                </m:sup>
+                              </m:sSup>
+                              <m:r>
+                                <a:rPr lang="en-GB" i="1">
+                                  <a:latin typeface="Cambria Math" panose="02040503050406030204" pitchFamily="18" charset="0"/>
+                                </a:rPr>
+                                <m:t>,</m:t>
+                              </m:r>
+                              <m:sSup>
+                                <m:sSupPr>
+                                  <m:ctrlPr>
+                                    <a:rPr lang="en-GB" i="1">
+                                      <a:latin typeface="Cambria Math" panose="02040503050406030204" pitchFamily="18" charset="0"/>
+                                    </a:rPr>
+                                  </m:ctrlPr>
+                                </m:sSupPr>
+                                <m:e>
+                                  <m:r>
+                                    <a:rPr lang="en-GB" i="1">
+                                      <a:latin typeface="Cambria Math" panose="02040503050406030204" pitchFamily="18" charset="0"/>
+                                    </a:rPr>
+                                    <m:t>𝜃</m:t>
+                                  </m:r>
+                                </m:e>
+                                <m:sup>
+                                  <m:r>
+                                    <a:rPr lang="en-GB" i="1">
+                                      <a:latin typeface="Cambria Math" panose="02040503050406030204" pitchFamily="18" charset="0"/>
+                                    </a:rPr>
+                                    <m:t>0</m:t>
+                                  </m:r>
+                                </m:sup>
+                              </m:sSup>
+                            </m:e>
+                          </m:d>
+                        </m:e>
+                        <m:sup>
+                          <m:r>
+                            <a:rPr lang="en-GB" i="1">
+                              <a:latin typeface="Cambria Math" panose="02040503050406030204" pitchFamily="18" charset="0"/>
+                            </a:rPr>
+                            <m:t>−1</m:t>
+                          </m:r>
+                        </m:sup>
+                      </m:sSup>
+                      <m:r>
+                        <a:rPr lang="en-GB" i="1">
+                          <a:latin typeface="Cambria Math" panose="02040503050406030204" pitchFamily="18" charset="0"/>
+                        </a:rPr>
+                        <m:t>𝐺</m:t>
+                      </m:r>
+                      <m:d>
+                        <m:dPr>
+                          <m:ctrlPr>
+                            <a:rPr lang="en-GB" i="1">
+                              <a:latin typeface="Cambria Math" panose="02040503050406030204" pitchFamily="18" charset="0"/>
+                            </a:rPr>
+                          </m:ctrlPr>
+                        </m:dPr>
+                        <m:e>
+                          <m:sSup>
+                            <m:sSupPr>
+                              <m:ctrlPr>
+                                <a:rPr lang="en-GB" i="1">
+                                  <a:latin typeface="Cambria Math" panose="02040503050406030204" pitchFamily="18" charset="0"/>
+                                </a:rPr>
+                              </m:ctrlPr>
+                            </m:sSupPr>
+                            <m:e>
+                              <m:r>
+                                <a:rPr lang="en-GB" i="1">
+                                  <a:latin typeface="Cambria Math" panose="02040503050406030204" pitchFamily="18" charset="0"/>
+                                </a:rPr>
+                                <m:t>𝑧</m:t>
+                              </m:r>
+                            </m:e>
+                            <m:sup>
+                              <m:r>
+                                <a:rPr lang="en-GB" i="1">
+                                  <a:latin typeface="Cambria Math" panose="02040503050406030204" pitchFamily="18" charset="0"/>
+                                </a:rPr>
+                                <m:t>−1</m:t>
+                              </m:r>
+                            </m:sup>
+                          </m:sSup>
+                          <m:r>
+                            <a:rPr lang="en-GB" i="1">
+                              <a:latin typeface="Cambria Math" panose="02040503050406030204" pitchFamily="18" charset="0"/>
+                            </a:rPr>
+                            <m:t>,</m:t>
+                          </m:r>
+                          <m:sSup>
+                            <m:sSupPr>
+                              <m:ctrlPr>
+                                <a:rPr lang="en-GB" i="1">
+                                  <a:latin typeface="Cambria Math" panose="02040503050406030204" pitchFamily="18" charset="0"/>
+                                </a:rPr>
+                              </m:ctrlPr>
+                            </m:sSupPr>
+                            <m:e>
+                              <m:r>
+                                <a:rPr lang="en-GB" i="1">
+                                  <a:latin typeface="Cambria Math" panose="02040503050406030204" pitchFamily="18" charset="0"/>
+                                </a:rPr>
+                                <m:t>𝜃</m:t>
+                              </m:r>
+                            </m:e>
+                            <m:sup>
+                              <m:r>
+                                <a:rPr lang="en-GB" i="1">
+                                  <a:latin typeface="Cambria Math" panose="02040503050406030204" pitchFamily="18" charset="0"/>
+                                </a:rPr>
+                                <m:t>0</m:t>
+                              </m:r>
+                            </m:sup>
+                          </m:sSup>
+                        </m:e>
+                      </m:d>
+                      <m:r>
+                        <a:rPr lang="en-GB" i="1">
+                          <a:latin typeface="Cambria Math" panose="02040503050406030204" pitchFamily="18" charset="0"/>
+                        </a:rPr>
+                        <m:t>𝑢</m:t>
+                      </m:r>
+                      <m:d>
+                        <m:dPr>
+                          <m:ctrlPr>
+                            <a:rPr lang="en-GB" i="1">
+                              <a:latin typeface="Cambria Math" panose="02040503050406030204" pitchFamily="18" charset="0"/>
+                            </a:rPr>
+                          </m:ctrlPr>
+                        </m:dPr>
+                        <m:e>
+                          <m:r>
+                            <a:rPr lang="en-GB" i="1">
+                              <a:latin typeface="Cambria Math" panose="02040503050406030204" pitchFamily="18" charset="0"/>
+                            </a:rPr>
+                            <m:t>𝑡</m:t>
+                          </m:r>
+                          <m:r>
+                            <a:rPr lang="en-GB" i="1">
+                              <a:latin typeface="Cambria Math" panose="02040503050406030204" pitchFamily="18" charset="0"/>
+                            </a:rPr>
+                            <m:t>−</m:t>
+                          </m:r>
+                          <m:r>
+                            <a:rPr lang="en-GB" i="1">
+                              <a:latin typeface="Cambria Math" panose="02040503050406030204" pitchFamily="18" charset="0"/>
+                            </a:rPr>
+                            <m:t>𝑘</m:t>
+                          </m:r>
+                        </m:e>
+                      </m:d>
+                    </m:oMath>
+                  </m:oMathPara>
+                </a14:m>
+                <a:endParaRPr lang="en-GB" dirty="0" smtClean="0"/>
+              </a:p>
+              <a:p>
+                <a:endParaRPr lang="en-GB" dirty="0"/>
+              </a:p>
+              <a:p>
+                <a:endParaRPr lang="en-GB" dirty="0"/>
+              </a:p>
+            </p:txBody>
+          </p:sp>
+        </mc:Choice>
+        <mc:Fallback>
+          <p:sp>
+            <p:nvSpPr>
+              <p:cNvPr id="5" name="TextBox 4"/>
+              <p:cNvSpPr txBox="1">
+                <a:spLocks noRot="1" noChangeAspect="1" noMove="1" noResize="1" noEditPoints="1" noAdjustHandles="1" noChangeArrowheads="1" noChangeShapeType="1" noTextEdit="1"/>
+              </p:cNvSpPr>
+              <p:nvPr/>
+            </p:nvSpPr>
+            <p:spPr>
+              <a:xfrm>
+                <a:off x="383097" y="1569710"/>
+                <a:ext cx="11425805" cy="5326971"/>
+              </a:xfrm>
+              <a:prstGeom prst="rect">
+                <a:avLst/>
+              </a:prstGeom>
+              <a:blipFill rotWithShape="0">
+                <a:blip r:embed="rId2"/>
+                <a:stretch>
+                  <a:fillRect l="-480" t="-572"/>
+                </a:stretch>
+              </a:blipFill>
+            </p:spPr>
+            <p:txBody>
+              <a:bodyPr/>
+              <a:lstStyle/>
+              <a:p>
+                <a:r>
+                  <a:rPr lang="en-GB">
+                    <a:noFill/>
+                  </a:rPr>
+                  <a:t> </a:t>
+                </a:r>
+              </a:p>
+            </p:txBody>
+          </p:sp>
+        </mc:Fallback>
+      </mc:AlternateContent>
     </p:spTree>
     <p:extLst>
       <p:ext uri="{BB962C8B-B14F-4D97-AF65-F5344CB8AC3E}">
@@ -9050,8 +11435,8 @@
         </p:nvSpPr>
         <p:spPr>
           <a:xfrm>
-            <a:off x="4292140" y="1046490"/>
-            <a:ext cx="3715569" cy="523220"/>
+            <a:off x="2379822" y="1046490"/>
+            <a:ext cx="7432356" cy="523220"/>
           </a:xfrm>
           <a:prstGeom prst="rect">
             <a:avLst/>
@@ -9068,8 +11453,17 @@
               <a:rPr lang="en-GB" sz="2800" b="1" i="1" dirty="0" smtClean="0">
                 <a:latin typeface="+mj-lt"/>
               </a:rPr>
-              <a:t>MODEL VALIDATION</a:t>
-            </a:r>
+              <a:t>MODEL </a:t>
+            </a:r>
+            <a:r>
+              <a:rPr lang="en-GB" sz="2800" b="1" i="1" dirty="0" smtClean="0">
+                <a:latin typeface="+mj-lt"/>
+              </a:rPr>
+              <a:t>IDENTIFICATION – WHICH MODEL</a:t>
+            </a:r>
+            <a:endParaRPr lang="en-GB" sz="2800" b="1" i="1" dirty="0" smtClean="0">
+              <a:latin typeface="+mj-lt"/>
+            </a:endParaRPr>
           </a:p>
         </p:txBody>
       </p:sp>
@@ -9082,7 +11476,7 @@
         <p:spPr>
           <a:xfrm>
             <a:off x="7078960" y="173782"/>
-            <a:ext cx="2746393" cy="369332"/>
+            <a:ext cx="3266985" cy="369332"/>
           </a:xfrm>
           <a:prstGeom prst="rect">
             <a:avLst/>
@@ -9104,7 +11498,7 @@
                 <a:ea typeface="DejaVu Sans" panose="020B0603030804020204" pitchFamily="34" charset="0"/>
                 <a:cs typeface="DejaVu Sans" panose="020B0603030804020204" pitchFamily="34" charset="0"/>
               </a:rPr>
-              <a:t>MODEL VALIDATION</a:t>
+              <a:t>MODEL IDENTIFICATION</a:t>
             </a:r>
             <a:endParaRPr lang="en-GB" b="1" dirty="0">
               <a:solidFill>
@@ -9117,10 +11511,336 @@
           </a:p>
         </p:txBody>
       </p:sp>
+      <mc:AlternateContent xmlns:mc="http://schemas.openxmlformats.org/markup-compatibility/2006">
+        <mc:Choice xmlns:a14="http://schemas.microsoft.com/office/drawing/2010/main" Requires="a14">
+          <p:sp>
+            <p:nvSpPr>
+              <p:cNvPr id="5" name="TextBox 4"/>
+              <p:cNvSpPr txBox="1"/>
+              <p:nvPr/>
+            </p:nvSpPr>
+            <p:spPr>
+              <a:xfrm>
+                <a:off x="542488" y="1787824"/>
+                <a:ext cx="11425805" cy="4005968"/>
+              </a:xfrm>
+              <a:prstGeom prst="rect">
+                <a:avLst/>
+              </a:prstGeom>
+              <a:noFill/>
+            </p:spPr>
+            <p:txBody>
+              <a:bodyPr wrap="square" rtlCol="0">
+                <a:spAutoFit/>
+              </a:bodyPr>
+              <a:lstStyle/>
+              <a:p>
+                <a:r>
+                  <a:rPr lang="en-GB" dirty="0" smtClean="0"/>
+                  <a:t>How is </a:t>
+                </a:r>
+                <a14:m>
+                  <m:oMath xmlns:m="http://schemas.openxmlformats.org/officeDocument/2006/math">
+                    <m:acc>
+                      <m:accPr>
+                        <m:chr m:val="̂"/>
+                        <m:ctrlPr>
+                          <a:rPr lang="en-GB" i="1">
+                            <a:latin typeface="Cambria Math" panose="02040503050406030204" pitchFamily="18" charset="0"/>
+                          </a:rPr>
+                        </m:ctrlPr>
+                      </m:accPr>
+                      <m:e>
+                        <m:r>
+                          <a:rPr lang="en-GB" i="1">
+                            <a:latin typeface="Cambria Math" panose="02040503050406030204" pitchFamily="18" charset="0"/>
+                          </a:rPr>
+                          <m:t>𝑦</m:t>
+                        </m:r>
+                      </m:e>
+                    </m:acc>
+                  </m:oMath>
+                </a14:m>
+                <a:r>
+                  <a:rPr lang="en-GB" dirty="0" smtClean="0"/>
+                  <a:t> built up?</a:t>
+                </a:r>
+              </a:p>
+              <a:p>
+                <a:pPr marL="742950" lvl="1" indent="-285750">
+                  <a:buFont typeface="Arial" panose="020B0604020202020204" pitchFamily="34" charset="0"/>
+                  <a:buChar char="•"/>
+                </a:pPr>
+                <a:r>
+                  <a:rPr lang="en-GB" dirty="0" smtClean="0"/>
+                  <a:t>Define the numerator and denominator degrees of </a:t>
+                </a:r>
+                <a14:m>
+                  <m:oMath xmlns:m="http://schemas.openxmlformats.org/officeDocument/2006/math">
+                    <m:r>
+                      <a:rPr lang="en-GB" b="0" i="1" smtClean="0">
+                        <a:latin typeface="Cambria Math" panose="02040503050406030204" pitchFamily="18" charset="0"/>
+                      </a:rPr>
+                      <m:t>𝐺</m:t>
+                    </m:r>
+                    <m:r>
+                      <a:rPr lang="en-GB" b="0" i="1" smtClean="0">
+                        <a:latin typeface="Cambria Math" panose="02040503050406030204" pitchFamily="18" charset="0"/>
+                      </a:rPr>
+                      <m:t>,</m:t>
+                    </m:r>
+                    <m:r>
+                      <a:rPr lang="en-GB" b="0" i="1" smtClean="0">
+                        <a:latin typeface="Cambria Math" panose="02040503050406030204" pitchFamily="18" charset="0"/>
+                      </a:rPr>
+                      <m:t>𝐻</m:t>
+                    </m:r>
+                  </m:oMath>
+                </a14:m>
+                <a:endParaRPr lang="en-GB" dirty="0" smtClean="0"/>
+              </a:p>
+              <a:p>
+                <a:pPr marL="742950" lvl="1" indent="-285750">
+                  <a:buFont typeface="Arial" panose="020B0604020202020204" pitchFamily="34" charset="0"/>
+                  <a:buChar char="•"/>
+                </a:pPr>
+                <a:r>
+                  <a:rPr lang="en-GB" dirty="0" smtClean="0"/>
+                  <a:t>Define the parametrization of these rational functions</a:t>
+                </a:r>
+              </a:p>
+              <a:p>
+                <a:pPr lvl="1"/>
+                <a:endParaRPr lang="en-GB" dirty="0"/>
+              </a:p>
+              <a:p>
+                <a:r>
+                  <a:rPr lang="en-GB" dirty="0" smtClean="0"/>
+                  <a:t>Based on this we get various models: ARX, ARMAX, OE, BJ, where the first one has the simplest dynamics, whilst the BJ model has the most complex dynamics.</a:t>
+                </a:r>
+              </a:p>
+              <a:p>
+                <a:pPr marL="342900" indent="-342900">
+                  <a:buFont typeface="+mj-lt"/>
+                  <a:buAutoNum type="arabicPeriod"/>
+                </a:pPr>
+                <a:endParaRPr lang="en-GB" dirty="0"/>
+              </a:p>
+              <a:p>
+                <a:r>
+                  <a:rPr lang="en-GB" dirty="0" smtClean="0"/>
+                  <a:t>We choose the best </a:t>
+                </a:r>
+                <a14:m>
+                  <m:oMath xmlns:m="http://schemas.openxmlformats.org/officeDocument/2006/math">
+                    <m:acc>
+                      <m:accPr>
+                        <m:chr m:val="̂"/>
+                        <m:ctrlPr>
+                          <a:rPr lang="en-GB" b="0" i="1" dirty="0" smtClean="0">
+                            <a:latin typeface="Cambria Math" panose="02040503050406030204" pitchFamily="18" charset="0"/>
+                          </a:rPr>
+                        </m:ctrlPr>
+                      </m:accPr>
+                      <m:e>
+                        <m:r>
+                          <a:rPr lang="en-GB" b="0" i="1" dirty="0" smtClean="0">
+                            <a:latin typeface="Cambria Math" panose="02040503050406030204" pitchFamily="18" charset="0"/>
+                          </a:rPr>
+                          <m:t>𝑦</m:t>
+                        </m:r>
+                      </m:e>
+                    </m:acc>
+                    <m:r>
+                      <a:rPr lang="en-GB" i="1">
+                        <a:latin typeface="Cambria Math" panose="02040503050406030204" pitchFamily="18" charset="0"/>
+                      </a:rPr>
+                      <m:t> </m:t>
+                    </m:r>
+                  </m:oMath>
+                </a14:m>
+                <a:r>
+                  <a:rPr lang="en-GB" dirty="0" smtClean="0"/>
+                  <a:t> that gives the lowest values of</a:t>
+                </a:r>
+                <a14:m>
+                  <m:oMath xmlns:m="http://schemas.openxmlformats.org/officeDocument/2006/math">
+                    <m:r>
+                      <a:rPr lang="en-GB" b="0" i="0" smtClean="0">
+                        <a:latin typeface="Cambria Math" panose="02040503050406030204" pitchFamily="18" charset="0"/>
+                      </a:rPr>
+                      <m:t> </m:t>
+                    </m:r>
+                    <m:r>
+                      <a:rPr lang="en-GB" b="0" i="1" smtClean="0">
+                        <a:latin typeface="Cambria Math" panose="02040503050406030204" pitchFamily="18" charset="0"/>
+                      </a:rPr>
+                      <m:t>𝑙</m:t>
+                    </m:r>
+                    <m:d>
+                      <m:dPr>
+                        <m:ctrlPr>
+                          <a:rPr lang="en-GB" b="0" i="1" smtClean="0">
+                            <a:latin typeface="Cambria Math" panose="02040503050406030204" pitchFamily="18" charset="0"/>
+                          </a:rPr>
+                        </m:ctrlPr>
+                      </m:dPr>
+                      <m:e>
+                        <m:r>
+                          <a:rPr lang="en-GB" b="0" i="1" smtClean="0">
+                            <a:latin typeface="Cambria Math" panose="02040503050406030204" pitchFamily="18" charset="0"/>
+                          </a:rPr>
+                          <m:t>𝜖</m:t>
+                        </m:r>
+                        <m:d>
+                          <m:dPr>
+                            <m:ctrlPr>
+                              <a:rPr lang="en-GB" b="0" i="1" smtClean="0">
+                                <a:latin typeface="Cambria Math" panose="02040503050406030204" pitchFamily="18" charset="0"/>
+                              </a:rPr>
+                            </m:ctrlPr>
+                          </m:dPr>
+                          <m:e>
+                            <m:r>
+                              <a:rPr lang="en-GB" b="0" i="1" smtClean="0">
+                                <a:latin typeface="Cambria Math" panose="02040503050406030204" pitchFamily="18" charset="0"/>
+                              </a:rPr>
+                              <m:t>𝑡</m:t>
+                            </m:r>
+                          </m:e>
+                        </m:d>
+                      </m:e>
+                    </m:d>
+                    <m:r>
+                      <a:rPr lang="en-GB" b="0" i="1" smtClean="0">
+                        <a:latin typeface="Cambria Math" panose="02040503050406030204" pitchFamily="18" charset="0"/>
+                      </a:rPr>
+                      <m:t>…</m:t>
+                    </m:r>
+                  </m:oMath>
+                </a14:m>
+                <a:r>
+                  <a:rPr lang="en-GB" dirty="0" smtClean="0"/>
+                  <a:t> but we are training a model based on </a:t>
+                </a:r>
+                <a14:m>
+                  <m:oMath xmlns:m="http://schemas.openxmlformats.org/officeDocument/2006/math">
+                    <m:r>
+                      <a:rPr lang="en-GB" b="0" i="1" smtClean="0">
+                        <a:latin typeface="Cambria Math" panose="02040503050406030204" pitchFamily="18" charset="0"/>
+                      </a:rPr>
+                      <m:t>(</m:t>
+                    </m:r>
+                    <m:r>
+                      <a:rPr lang="en-GB" b="0" i="1" smtClean="0">
+                        <a:latin typeface="Cambria Math" panose="02040503050406030204" pitchFamily="18" charset="0"/>
+                      </a:rPr>
+                      <m:t>𝑦</m:t>
+                    </m:r>
+                    <m:r>
+                      <a:rPr lang="en-GB" b="0" i="1" smtClean="0">
+                        <a:latin typeface="Cambria Math" panose="02040503050406030204" pitchFamily="18" charset="0"/>
+                      </a:rPr>
+                      <m:t>,</m:t>
+                    </m:r>
+                    <m:r>
+                      <a:rPr lang="en-GB" b="0" i="1" smtClean="0">
+                        <a:latin typeface="Cambria Math" panose="02040503050406030204" pitchFamily="18" charset="0"/>
+                      </a:rPr>
+                      <m:t>𝑢</m:t>
+                    </m:r>
+                    <m:r>
+                      <a:rPr lang="en-GB" b="0" i="1" smtClean="0">
+                        <a:latin typeface="Cambria Math" panose="02040503050406030204" pitchFamily="18" charset="0"/>
+                      </a:rPr>
+                      <m:t>)</m:t>
+                    </m:r>
+                  </m:oMath>
+                </a14:m>
+                <a:r>
+                  <a:rPr lang="en-GB" dirty="0" smtClean="0"/>
+                  <a:t> data and then check the cost function on the same data -&gt; we get a biased result.</a:t>
+                </a:r>
+              </a:p>
+              <a:p>
+                <a:r>
+                  <a:rPr lang="en-GB" dirty="0" smtClean="0"/>
+                  <a:t>To get unbiased results we need to test the cost function on a different data set.</a:t>
+                </a:r>
+              </a:p>
+              <a:p>
+                <a:endParaRPr lang="en-GB" dirty="0"/>
+              </a:p>
+              <a:p>
+                <a:r>
+                  <a:rPr lang="en-GB" dirty="0" smtClean="0"/>
+                  <a:t>Unfortunately in this project the data is quite similar, though the second data set covariance function is a little different </a:t>
+                </a:r>
+                <a14:m>
+                  <m:oMath xmlns:m="http://schemas.openxmlformats.org/officeDocument/2006/math">
+                    <m:r>
+                      <a:rPr lang="en-GB" b="0" i="1" smtClean="0">
+                        <a:latin typeface="Cambria Math" panose="02040503050406030204" pitchFamily="18" charset="0"/>
+                      </a:rPr>
+                      <m:t>⇒</m:t>
+                    </m:r>
+                  </m:oMath>
+                </a14:m>
+                <a:r>
+                  <a:rPr lang="en-GB" dirty="0" smtClean="0"/>
+                  <a:t> We may test the cost function on a subset of this experiment. 	</a:t>
+                </a:r>
+                <a:endParaRPr lang="en-GB" dirty="0"/>
+              </a:p>
+              <a:p>
+                <a:endParaRPr lang="en-GB" dirty="0"/>
+              </a:p>
+            </p:txBody>
+          </p:sp>
+        </mc:Choice>
+        <mc:Fallback>
+          <p:sp>
+            <p:nvSpPr>
+              <p:cNvPr id="5" name="TextBox 4"/>
+              <p:cNvSpPr txBox="1">
+                <a:spLocks noRot="1" noChangeAspect="1" noMove="1" noResize="1" noEditPoints="1" noAdjustHandles="1" noChangeArrowheads="1" noChangeShapeType="1" noTextEdit="1"/>
+              </p:cNvSpPr>
+              <p:nvPr/>
+            </p:nvSpPr>
+            <p:spPr>
+              <a:xfrm>
+                <a:off x="542488" y="1787824"/>
+                <a:ext cx="11425805" cy="4005968"/>
+              </a:xfrm>
+              <a:prstGeom prst="rect">
+                <a:avLst/>
+              </a:prstGeom>
+              <a:blipFill rotWithShape="0">
+                <a:blip r:embed="rId2"/>
+                <a:stretch>
+                  <a:fillRect l="-480" t="-761"/>
+                </a:stretch>
+              </a:blipFill>
+            </p:spPr>
+            <p:txBody>
+              <a:bodyPr/>
+              <a:lstStyle/>
+              <a:p>
+                <a:r>
+                  <a:rPr lang="en-GB">
+                    <a:noFill/>
+                  </a:rPr>
+                  <a:t> </a:t>
+                </a:r>
+              </a:p>
+            </p:txBody>
+          </p:sp>
+        </mc:Fallback>
+      </mc:AlternateContent>
     </p:spTree>
     <p:extLst>
       <p:ext uri="{BB962C8B-B14F-4D97-AF65-F5344CB8AC3E}">
-        <p14:creationId xmlns:p14="http://schemas.microsoft.com/office/powerpoint/2010/main" val="55177232"/>
+        <p14:creationId xmlns:p14="http://schemas.microsoft.com/office/powerpoint/2010/main" val="3082778093"/>
       </p:ext>
     </p:extLst>
   </p:cSld>
@@ -9814,8 +12534,8 @@
         </p:nvSpPr>
         <p:spPr>
           <a:xfrm>
-            <a:off x="4746912" y="1033790"/>
-            <a:ext cx="2698175" cy="523220"/>
+            <a:off x="2102986" y="1054879"/>
+            <a:ext cx="7751353" cy="523220"/>
           </a:xfrm>
           <a:prstGeom prst="rect">
             <a:avLst/>
@@ -9832,8 +12552,17 @@
               <a:rPr lang="en-GB" sz="2800" b="1" i="1" dirty="0" smtClean="0">
                 <a:latin typeface="+mj-lt"/>
               </a:rPr>
-              <a:t>CONCLUSION</a:t>
-            </a:r>
+              <a:t>MODEL </a:t>
+            </a:r>
+            <a:r>
+              <a:rPr lang="en-GB" sz="2800" b="1" i="1" dirty="0" smtClean="0">
+                <a:latin typeface="+mj-lt"/>
+              </a:rPr>
+              <a:t>IDENTIFICATION – LOSS FUNCTION</a:t>
+            </a:r>
+            <a:endParaRPr lang="en-GB" sz="2800" b="1" i="1" dirty="0" smtClean="0">
+              <a:latin typeface="+mj-lt"/>
+            </a:endParaRPr>
           </a:p>
         </p:txBody>
       </p:sp>
@@ -9845,8 +12574,8 @@
         </p:nvSpPr>
         <p:spPr>
           <a:xfrm>
-            <a:off x="6956299" y="173782"/>
-            <a:ext cx="3512308" cy="369332"/>
+            <a:off x="7078960" y="173782"/>
+            <a:ext cx="3266985" cy="369332"/>
           </a:xfrm>
           <a:prstGeom prst="rect">
             <a:avLst/>
@@ -9868,7 +12597,7 @@
                 <a:ea typeface="DejaVu Sans" panose="020B0603030804020204" pitchFamily="34" charset="0"/>
                 <a:cs typeface="DejaVu Sans" panose="020B0603030804020204" pitchFamily="34" charset="0"/>
               </a:rPr>
-              <a:t>CONCLUSION &amp; REMARKS</a:t>
+              <a:t>MODEL IDENTIFICATION</a:t>
             </a:r>
             <a:endParaRPr lang="en-GB" b="1" dirty="0">
               <a:solidFill>
@@ -9881,10 +12610,1295 @@
           </a:p>
         </p:txBody>
       </p:sp>
+      <mc:AlternateContent xmlns:mc="http://schemas.openxmlformats.org/markup-compatibility/2006">
+        <mc:Choice xmlns:a14="http://schemas.microsoft.com/office/drawing/2010/main" Requires="a14">
+          <p:sp>
+            <p:nvSpPr>
+              <p:cNvPr id="6" name="TextBox 5"/>
+              <p:cNvSpPr txBox="1"/>
+              <p:nvPr/>
+            </p:nvSpPr>
+            <p:spPr>
+              <a:xfrm>
+                <a:off x="494950" y="1988191"/>
+                <a:ext cx="10863744" cy="2519344"/>
+              </a:xfrm>
+              <a:prstGeom prst="rect">
+                <a:avLst/>
+              </a:prstGeom>
+              <a:noFill/>
+            </p:spPr>
+            <p:txBody>
+              <a:bodyPr wrap="square" rtlCol="0">
+                <a:spAutoFit/>
+              </a:bodyPr>
+              <a:lstStyle/>
+              <a:p>
+                <a:pPr marL="342900" indent="-342900">
+                  <a:buFont typeface="+mj-lt"/>
+                  <a:buAutoNum type="arabicPeriod"/>
+                </a:pPr>
+                <a14:m>
+                  <m:oMath xmlns:m="http://schemas.openxmlformats.org/officeDocument/2006/math">
+                    <m:r>
+                      <a:rPr lang="en-GB" b="0" i="1" smtClean="0">
+                        <a:latin typeface="Cambria Math" panose="02040503050406030204" pitchFamily="18" charset="0"/>
+                      </a:rPr>
+                      <m:t>𝑙</m:t>
+                    </m:r>
+                    <m:d>
+                      <m:dPr>
+                        <m:ctrlPr>
+                          <a:rPr lang="en-GB" b="0" i="1" smtClean="0">
+                            <a:latin typeface="Cambria Math" panose="02040503050406030204" pitchFamily="18" charset="0"/>
+                          </a:rPr>
+                        </m:ctrlPr>
+                      </m:dPr>
+                      <m:e>
+                        <m:r>
+                          <a:rPr lang="en-GB" b="0" i="1" smtClean="0">
+                            <a:latin typeface="Cambria Math" panose="02040503050406030204" pitchFamily="18" charset="0"/>
+                          </a:rPr>
+                          <m:t>𝜖</m:t>
+                        </m:r>
+                      </m:e>
+                    </m:d>
+                    <m:r>
+                      <a:rPr lang="en-GB" b="0" i="1" smtClean="0">
+                        <a:latin typeface="Cambria Math" panose="02040503050406030204" pitchFamily="18" charset="0"/>
+                      </a:rPr>
+                      <m:t>=</m:t>
+                    </m:r>
+                    <m:r>
+                      <a:rPr lang="en-GB" b="0" i="1" smtClean="0">
+                        <a:latin typeface="Cambria Math" panose="02040503050406030204" pitchFamily="18" charset="0"/>
+                      </a:rPr>
+                      <m:t>𝐸</m:t>
+                    </m:r>
+                    <m:d>
+                      <m:dPr>
+                        <m:begChr m:val="["/>
+                        <m:endChr m:val="]"/>
+                        <m:ctrlPr>
+                          <a:rPr lang="en-GB" b="0" i="1" smtClean="0">
+                            <a:latin typeface="Cambria Math" panose="02040503050406030204" pitchFamily="18" charset="0"/>
+                          </a:rPr>
+                        </m:ctrlPr>
+                      </m:dPr>
+                      <m:e>
+                        <m:r>
+                          <a:rPr lang="en-GB" b="0" i="1" smtClean="0">
+                            <a:latin typeface="Cambria Math" panose="02040503050406030204" pitchFamily="18" charset="0"/>
+                          </a:rPr>
+                          <m:t>𝜖</m:t>
+                        </m:r>
+                        <m:sSup>
+                          <m:sSupPr>
+                            <m:ctrlPr>
+                              <a:rPr lang="en-GB" b="0" i="1" smtClean="0">
+                                <a:latin typeface="Cambria Math" panose="02040503050406030204" pitchFamily="18" charset="0"/>
+                              </a:rPr>
+                            </m:ctrlPr>
+                          </m:sSupPr>
+                          <m:e>
+                            <m:d>
+                              <m:dPr>
+                                <m:ctrlPr>
+                                  <a:rPr lang="en-GB" b="0" i="1" smtClean="0">
+                                    <a:latin typeface="Cambria Math" panose="02040503050406030204" pitchFamily="18" charset="0"/>
+                                  </a:rPr>
+                                </m:ctrlPr>
+                              </m:dPr>
+                              <m:e>
+                                <m:r>
+                                  <a:rPr lang="en-GB" b="0" i="1" smtClean="0">
+                                    <a:latin typeface="Cambria Math" panose="02040503050406030204" pitchFamily="18" charset="0"/>
+                                  </a:rPr>
+                                  <m:t>𝑡</m:t>
+                                </m:r>
+                              </m:e>
+                            </m:d>
+                          </m:e>
+                          <m:sup>
+                            <m:r>
+                              <a:rPr lang="en-GB" b="0" i="1" smtClean="0">
+                                <a:latin typeface="Cambria Math" panose="02040503050406030204" pitchFamily="18" charset="0"/>
+                              </a:rPr>
+                              <m:t>2</m:t>
+                            </m:r>
+                          </m:sup>
+                        </m:sSup>
+                      </m:e>
+                    </m:d>
+                    <m:r>
+                      <a:rPr lang="en-GB" b="0" i="1" smtClean="0">
+                        <a:latin typeface="Cambria Math" panose="02040503050406030204" pitchFamily="18" charset="0"/>
+                      </a:rPr>
+                      <m:t>=</m:t>
+                    </m:r>
+                    <m:r>
+                      <a:rPr lang="en-GB" i="1">
+                        <a:latin typeface="Cambria Math" panose="02040503050406030204" pitchFamily="18" charset="0"/>
+                      </a:rPr>
+                      <m:t>𝐸</m:t>
+                    </m:r>
+                    <m:r>
+                      <a:rPr lang="en-GB" i="1">
+                        <a:latin typeface="Cambria Math" panose="02040503050406030204" pitchFamily="18" charset="0"/>
+                      </a:rPr>
+                      <m:t>[</m:t>
+                    </m:r>
+                    <m:sSup>
+                      <m:sSupPr>
+                        <m:ctrlPr>
+                          <a:rPr lang="en-GB" b="0" i="1" smtClean="0">
+                            <a:latin typeface="Cambria Math" panose="02040503050406030204" pitchFamily="18" charset="0"/>
+                          </a:rPr>
+                        </m:ctrlPr>
+                      </m:sSupPr>
+                      <m:e>
+                        <m:d>
+                          <m:dPr>
+                            <m:ctrlPr>
+                              <a:rPr lang="en-GB" b="0" i="1" smtClean="0">
+                                <a:latin typeface="Cambria Math" panose="02040503050406030204" pitchFamily="18" charset="0"/>
+                              </a:rPr>
+                            </m:ctrlPr>
+                          </m:dPr>
+                          <m:e>
+                            <m:r>
+                              <a:rPr lang="en-GB" b="0" i="1" smtClean="0">
+                                <a:latin typeface="Cambria Math" panose="02040503050406030204" pitchFamily="18" charset="0"/>
+                              </a:rPr>
+                              <m:t>𝑦</m:t>
+                            </m:r>
+                            <m:d>
+                              <m:dPr>
+                                <m:ctrlPr>
+                                  <a:rPr lang="en-GB" b="0" i="1" smtClean="0">
+                                    <a:latin typeface="Cambria Math" panose="02040503050406030204" pitchFamily="18" charset="0"/>
+                                  </a:rPr>
+                                </m:ctrlPr>
+                              </m:dPr>
+                              <m:e>
+                                <m:r>
+                                  <a:rPr lang="en-GB" b="0" i="1" smtClean="0">
+                                    <a:latin typeface="Cambria Math" panose="02040503050406030204" pitchFamily="18" charset="0"/>
+                                  </a:rPr>
+                                  <m:t>𝑡</m:t>
+                                </m:r>
+                              </m:e>
+                            </m:d>
+                            <m:r>
+                              <a:rPr lang="en-GB" b="0" i="1" smtClean="0">
+                                <a:latin typeface="Cambria Math" panose="02040503050406030204" pitchFamily="18" charset="0"/>
+                              </a:rPr>
+                              <m:t>−</m:t>
+                            </m:r>
+                            <m:acc>
+                              <m:accPr>
+                                <m:chr m:val="̂"/>
+                                <m:ctrlPr>
+                                  <a:rPr lang="en-GB" b="0" i="1" smtClean="0">
+                                    <a:latin typeface="Cambria Math" panose="02040503050406030204" pitchFamily="18" charset="0"/>
+                                  </a:rPr>
+                                </m:ctrlPr>
+                              </m:accPr>
+                              <m:e>
+                                <m:r>
+                                  <a:rPr lang="en-GB" b="0" i="1" smtClean="0">
+                                    <a:latin typeface="Cambria Math" panose="02040503050406030204" pitchFamily="18" charset="0"/>
+                                  </a:rPr>
+                                  <m:t>𝑦</m:t>
+                                </m:r>
+                              </m:e>
+                            </m:acc>
+                            <m:d>
+                              <m:dPr>
+                                <m:ctrlPr>
+                                  <a:rPr lang="en-GB" b="0" i="1" smtClean="0">
+                                    <a:latin typeface="Cambria Math" panose="02040503050406030204" pitchFamily="18" charset="0"/>
+                                  </a:rPr>
+                                </m:ctrlPr>
+                              </m:dPr>
+                              <m:e>
+                                <m:r>
+                                  <a:rPr lang="en-GB" b="0" i="1" smtClean="0">
+                                    <a:latin typeface="Cambria Math" panose="02040503050406030204" pitchFamily="18" charset="0"/>
+                                  </a:rPr>
+                                  <m:t>𝑡</m:t>
+                                </m:r>
+                              </m:e>
+                            </m:d>
+                          </m:e>
+                        </m:d>
+                      </m:e>
+                      <m:sup>
+                        <m:r>
+                          <a:rPr lang="en-GB" b="0" i="1" smtClean="0">
+                            <a:latin typeface="Cambria Math" panose="02040503050406030204" pitchFamily="18" charset="0"/>
+                          </a:rPr>
+                          <m:t>2</m:t>
+                        </m:r>
+                      </m:sup>
+                    </m:sSup>
+                    <m:r>
+                      <a:rPr lang="en-GB" i="1">
+                        <a:latin typeface="Cambria Math" panose="02040503050406030204" pitchFamily="18" charset="0"/>
+                      </a:rPr>
+                      <m:t>]</m:t>
+                    </m:r>
+                  </m:oMath>
+                </a14:m>
+                <a:r>
+                  <a:rPr lang="en-GB" dirty="0" smtClean="0"/>
+                  <a:t> mean square error</a:t>
+                </a:r>
+              </a:p>
+              <a:p>
+                <a:pPr marL="342900" indent="-342900">
+                  <a:buFont typeface="+mj-lt"/>
+                  <a:buAutoNum type="arabicPeriod"/>
+                </a:pPr>
+                <a:endParaRPr lang="en-GB" dirty="0" smtClean="0"/>
+              </a:p>
+              <a:p>
+                <a:pPr marL="342900" indent="-342900">
+                  <a:buFont typeface="+mj-lt"/>
+                  <a:buAutoNum type="arabicPeriod"/>
+                </a:pPr>
+                <a14:m>
+                  <m:oMath xmlns:m="http://schemas.openxmlformats.org/officeDocument/2006/math">
+                    <m:r>
+                      <a:rPr lang="en-GB" i="1">
+                        <a:latin typeface="Cambria Math" panose="02040503050406030204" pitchFamily="18" charset="0"/>
+                      </a:rPr>
+                      <m:t>𝑙</m:t>
+                    </m:r>
+                    <m:d>
+                      <m:dPr>
+                        <m:ctrlPr>
+                          <a:rPr lang="en-GB" i="1">
+                            <a:latin typeface="Cambria Math" panose="02040503050406030204" pitchFamily="18" charset="0"/>
+                          </a:rPr>
+                        </m:ctrlPr>
+                      </m:dPr>
+                      <m:e>
+                        <m:r>
+                          <a:rPr lang="en-GB" i="1">
+                            <a:latin typeface="Cambria Math" panose="02040503050406030204" pitchFamily="18" charset="0"/>
+                          </a:rPr>
+                          <m:t>𝜖</m:t>
+                        </m:r>
+                      </m:e>
+                    </m:d>
+                    <m:r>
+                      <a:rPr lang="en-GB" i="1">
+                        <a:latin typeface="Cambria Math" panose="02040503050406030204" pitchFamily="18" charset="0"/>
+                      </a:rPr>
+                      <m:t>=</m:t>
+                    </m:r>
+                    <m:sSubSup>
+                      <m:sSubSupPr>
+                        <m:ctrlPr>
+                          <a:rPr lang="en-GB" b="0" i="1" smtClean="0">
+                            <a:latin typeface="Cambria Math" panose="02040503050406030204" pitchFamily="18" charset="0"/>
+                          </a:rPr>
+                        </m:ctrlPr>
+                      </m:sSubSupPr>
+                      <m:e>
+                        <m:d>
+                          <m:dPr>
+                            <m:begChr m:val="|"/>
+                            <m:endChr m:val="|"/>
+                            <m:ctrlPr>
+                              <a:rPr lang="en-GB" b="0" i="1" smtClean="0">
+                                <a:latin typeface="Cambria Math" panose="02040503050406030204" pitchFamily="18" charset="0"/>
+                              </a:rPr>
+                            </m:ctrlPr>
+                          </m:dPr>
+                          <m:e>
+                            <m:d>
+                              <m:dPr>
+                                <m:begChr m:val="|"/>
+                                <m:endChr m:val="|"/>
+                                <m:ctrlPr>
+                                  <a:rPr lang="en-GB" b="0" i="1" smtClean="0">
+                                    <a:latin typeface="Cambria Math" panose="02040503050406030204" pitchFamily="18" charset="0"/>
+                                  </a:rPr>
+                                </m:ctrlPr>
+                              </m:dPr>
+                              <m:e>
+                                <m:r>
+                                  <a:rPr lang="en-GB" b="0" i="1" smtClean="0">
+                                    <a:latin typeface="Cambria Math" panose="02040503050406030204" pitchFamily="18" charset="0"/>
+                                  </a:rPr>
+                                  <m:t>𝜖</m:t>
+                                </m:r>
+                                <m:d>
+                                  <m:dPr>
+                                    <m:ctrlPr>
+                                      <a:rPr lang="en-GB" b="0" i="1" smtClean="0">
+                                        <a:latin typeface="Cambria Math" panose="02040503050406030204" pitchFamily="18" charset="0"/>
+                                      </a:rPr>
+                                    </m:ctrlPr>
+                                  </m:dPr>
+                                  <m:e>
+                                    <m:r>
+                                      <a:rPr lang="en-GB" b="0" i="1" smtClean="0">
+                                        <a:latin typeface="Cambria Math" panose="02040503050406030204" pitchFamily="18" charset="0"/>
+                                      </a:rPr>
+                                      <m:t>𝑡</m:t>
+                                    </m:r>
+                                  </m:e>
+                                </m:d>
+                              </m:e>
+                            </m:d>
+                          </m:e>
+                        </m:d>
+                      </m:e>
+                      <m:sub>
+                        <m:r>
+                          <a:rPr lang="en-GB" b="0" i="1" smtClean="0">
+                            <a:latin typeface="Cambria Math" panose="02040503050406030204" pitchFamily="18" charset="0"/>
+                          </a:rPr>
+                          <m:t>2</m:t>
+                        </m:r>
+                      </m:sub>
+                      <m:sup>
+                        <m:r>
+                          <a:rPr lang="en-GB" b="0" i="1" smtClean="0">
+                            <a:latin typeface="Cambria Math" panose="02040503050406030204" pitchFamily="18" charset="0"/>
+                          </a:rPr>
+                          <m:t>2</m:t>
+                        </m:r>
+                      </m:sup>
+                    </m:sSubSup>
+                    <m:r>
+                      <a:rPr lang="en-GB" b="0" i="1" smtClean="0">
+                        <a:latin typeface="Cambria Math" panose="02040503050406030204" pitchFamily="18" charset="0"/>
+                      </a:rPr>
+                      <m:t>=</m:t>
+                    </m:r>
+                    <m:sSubSup>
+                      <m:sSubSupPr>
+                        <m:ctrlPr>
+                          <a:rPr lang="en-GB" i="1">
+                            <a:latin typeface="Cambria Math" panose="02040503050406030204" pitchFamily="18" charset="0"/>
+                          </a:rPr>
+                        </m:ctrlPr>
+                      </m:sSubSupPr>
+                      <m:e>
+                        <m:d>
+                          <m:dPr>
+                            <m:begChr m:val="|"/>
+                            <m:endChr m:val="|"/>
+                            <m:ctrlPr>
+                              <a:rPr lang="en-GB" i="1">
+                                <a:latin typeface="Cambria Math" panose="02040503050406030204" pitchFamily="18" charset="0"/>
+                              </a:rPr>
+                            </m:ctrlPr>
+                          </m:dPr>
+                          <m:e>
+                            <m:d>
+                              <m:dPr>
+                                <m:begChr m:val="|"/>
+                                <m:endChr m:val="|"/>
+                                <m:ctrlPr>
+                                  <a:rPr lang="en-GB" i="1">
+                                    <a:latin typeface="Cambria Math" panose="02040503050406030204" pitchFamily="18" charset="0"/>
+                                  </a:rPr>
+                                </m:ctrlPr>
+                              </m:dPr>
+                              <m:e>
+                                <m:r>
+                                  <a:rPr lang="en-GB" i="1">
+                                    <a:latin typeface="Cambria Math" panose="02040503050406030204" pitchFamily="18" charset="0"/>
+                                  </a:rPr>
+                                  <m:t>𝑦</m:t>
+                                </m:r>
+                                <m:d>
+                                  <m:dPr>
+                                    <m:ctrlPr>
+                                      <a:rPr lang="en-GB" i="1">
+                                        <a:latin typeface="Cambria Math" panose="02040503050406030204" pitchFamily="18" charset="0"/>
+                                      </a:rPr>
+                                    </m:ctrlPr>
+                                  </m:dPr>
+                                  <m:e>
+                                    <m:r>
+                                      <a:rPr lang="en-GB" i="1">
+                                        <a:latin typeface="Cambria Math" panose="02040503050406030204" pitchFamily="18" charset="0"/>
+                                      </a:rPr>
+                                      <m:t>𝑡</m:t>
+                                    </m:r>
+                                  </m:e>
+                                </m:d>
+                                <m:r>
+                                  <a:rPr lang="en-GB" i="1">
+                                    <a:latin typeface="Cambria Math" panose="02040503050406030204" pitchFamily="18" charset="0"/>
+                                  </a:rPr>
+                                  <m:t>−</m:t>
+                                </m:r>
+                                <m:acc>
+                                  <m:accPr>
+                                    <m:chr m:val="̂"/>
+                                    <m:ctrlPr>
+                                      <a:rPr lang="en-GB" i="1">
+                                        <a:latin typeface="Cambria Math" panose="02040503050406030204" pitchFamily="18" charset="0"/>
+                                      </a:rPr>
+                                    </m:ctrlPr>
+                                  </m:accPr>
+                                  <m:e>
+                                    <m:r>
+                                      <a:rPr lang="en-GB" i="1">
+                                        <a:latin typeface="Cambria Math" panose="02040503050406030204" pitchFamily="18" charset="0"/>
+                                      </a:rPr>
+                                      <m:t>𝑦</m:t>
+                                    </m:r>
+                                  </m:e>
+                                </m:acc>
+                                <m:d>
+                                  <m:dPr>
+                                    <m:ctrlPr>
+                                      <a:rPr lang="en-GB" i="1">
+                                        <a:latin typeface="Cambria Math" panose="02040503050406030204" pitchFamily="18" charset="0"/>
+                                      </a:rPr>
+                                    </m:ctrlPr>
+                                  </m:dPr>
+                                  <m:e>
+                                    <m:r>
+                                      <a:rPr lang="en-GB" i="1">
+                                        <a:latin typeface="Cambria Math" panose="02040503050406030204" pitchFamily="18" charset="0"/>
+                                      </a:rPr>
+                                      <m:t>𝑡</m:t>
+                                    </m:r>
+                                  </m:e>
+                                </m:d>
+                              </m:e>
+                            </m:d>
+                          </m:e>
+                        </m:d>
+                      </m:e>
+                      <m:sub>
+                        <m:r>
+                          <a:rPr lang="en-GB" i="1">
+                            <a:latin typeface="Cambria Math" panose="02040503050406030204" pitchFamily="18" charset="0"/>
+                          </a:rPr>
+                          <m:t>2</m:t>
+                        </m:r>
+                      </m:sub>
+                      <m:sup>
+                        <m:r>
+                          <a:rPr lang="en-GB" i="1">
+                            <a:latin typeface="Cambria Math" panose="02040503050406030204" pitchFamily="18" charset="0"/>
+                          </a:rPr>
+                          <m:t>2</m:t>
+                        </m:r>
+                      </m:sup>
+                    </m:sSubSup>
+                  </m:oMath>
+                </a14:m>
+                <a:r>
+                  <a:rPr lang="en-GB" dirty="0" smtClean="0"/>
+                  <a:t>=</a:t>
+                </a:r>
+                <a14:m>
+                  <m:oMath xmlns:m="http://schemas.openxmlformats.org/officeDocument/2006/math">
+                    <m:nary>
+                      <m:naryPr>
+                        <m:ctrlPr>
+                          <a:rPr lang="en-GB" i="1" dirty="0" smtClean="0">
+                            <a:latin typeface="Cambria Math" panose="02040503050406030204" pitchFamily="18" charset="0"/>
+                          </a:rPr>
+                        </m:ctrlPr>
+                      </m:naryPr>
+                      <m:sub>
+                        <m:r>
+                          <m:rPr>
+                            <m:brk m:alnAt="23"/>
+                          </m:rPr>
+                          <a:rPr lang="en-GB" b="0" i="1" dirty="0" smtClean="0">
+                            <a:latin typeface="Cambria Math" panose="02040503050406030204" pitchFamily="18" charset="0"/>
+                          </a:rPr>
+                          <m:t>0</m:t>
+                        </m:r>
+                      </m:sub>
+                      <m:sup>
+                        <m:r>
+                          <a:rPr lang="en-GB" b="0" i="1" dirty="0" smtClean="0">
+                            <a:latin typeface="Cambria Math" panose="02040503050406030204" pitchFamily="18" charset="0"/>
+                          </a:rPr>
+                          <m:t>𝑇</m:t>
+                        </m:r>
+                      </m:sup>
+                      <m:e>
+                        <m:sSup>
+                          <m:sSupPr>
+                            <m:ctrlPr>
+                              <a:rPr lang="en-GB" b="0" i="1" dirty="0" smtClean="0">
+                                <a:latin typeface="Cambria Math" panose="02040503050406030204" pitchFamily="18" charset="0"/>
+                              </a:rPr>
+                            </m:ctrlPr>
+                          </m:sSupPr>
+                          <m:e>
+                            <m:d>
+                              <m:dPr>
+                                <m:ctrlPr>
+                                  <a:rPr lang="en-GB" b="0" i="1" dirty="0" smtClean="0">
+                                    <a:latin typeface="Cambria Math" panose="02040503050406030204" pitchFamily="18" charset="0"/>
+                                  </a:rPr>
+                                </m:ctrlPr>
+                              </m:dPr>
+                              <m:e>
+                                <m:r>
+                                  <a:rPr lang="en-GB" i="1">
+                                    <a:latin typeface="Cambria Math" panose="02040503050406030204" pitchFamily="18" charset="0"/>
+                                  </a:rPr>
+                                  <m:t>𝑦</m:t>
+                                </m:r>
+                                <m:d>
+                                  <m:dPr>
+                                    <m:ctrlPr>
+                                      <a:rPr lang="en-GB" i="1">
+                                        <a:latin typeface="Cambria Math" panose="02040503050406030204" pitchFamily="18" charset="0"/>
+                                      </a:rPr>
+                                    </m:ctrlPr>
+                                  </m:dPr>
+                                  <m:e>
+                                    <m:r>
+                                      <a:rPr lang="en-GB" i="1">
+                                        <a:latin typeface="Cambria Math" panose="02040503050406030204" pitchFamily="18" charset="0"/>
+                                      </a:rPr>
+                                      <m:t>𝑡</m:t>
+                                    </m:r>
+                                  </m:e>
+                                </m:d>
+                                <m:r>
+                                  <a:rPr lang="en-GB" i="1">
+                                    <a:latin typeface="Cambria Math" panose="02040503050406030204" pitchFamily="18" charset="0"/>
+                                  </a:rPr>
+                                  <m:t>−</m:t>
+                                </m:r>
+                                <m:acc>
+                                  <m:accPr>
+                                    <m:chr m:val="̂"/>
+                                    <m:ctrlPr>
+                                      <a:rPr lang="en-GB" i="1">
+                                        <a:latin typeface="Cambria Math" panose="02040503050406030204" pitchFamily="18" charset="0"/>
+                                      </a:rPr>
+                                    </m:ctrlPr>
+                                  </m:accPr>
+                                  <m:e>
+                                    <m:r>
+                                      <a:rPr lang="en-GB" i="1">
+                                        <a:latin typeface="Cambria Math" panose="02040503050406030204" pitchFamily="18" charset="0"/>
+                                      </a:rPr>
+                                      <m:t>𝑦</m:t>
+                                    </m:r>
+                                  </m:e>
+                                </m:acc>
+                                <m:d>
+                                  <m:dPr>
+                                    <m:ctrlPr>
+                                      <a:rPr lang="en-GB" i="1">
+                                        <a:latin typeface="Cambria Math" panose="02040503050406030204" pitchFamily="18" charset="0"/>
+                                      </a:rPr>
+                                    </m:ctrlPr>
+                                  </m:dPr>
+                                  <m:e>
+                                    <m:r>
+                                      <a:rPr lang="en-GB" i="1">
+                                        <a:latin typeface="Cambria Math" panose="02040503050406030204" pitchFamily="18" charset="0"/>
+                                      </a:rPr>
+                                      <m:t>𝑡</m:t>
+                                    </m:r>
+                                  </m:e>
+                                </m:d>
+                              </m:e>
+                            </m:d>
+                          </m:e>
+                          <m:sup>
+                            <m:r>
+                              <a:rPr lang="en-GB" b="0" i="1" smtClean="0">
+                                <a:latin typeface="Cambria Math" panose="02040503050406030204" pitchFamily="18" charset="0"/>
+                              </a:rPr>
+                              <m:t>2</m:t>
+                            </m:r>
+                          </m:sup>
+                        </m:sSup>
+                        <m:r>
+                          <a:rPr lang="en-GB" b="0" i="1" smtClean="0">
+                            <a:latin typeface="Cambria Math" panose="02040503050406030204" pitchFamily="18" charset="0"/>
+                          </a:rPr>
+                          <m:t>𝑑𝑡</m:t>
+                        </m:r>
+                      </m:e>
+                    </m:nary>
+                  </m:oMath>
+                </a14:m>
+                <a:r>
+                  <a:rPr lang="en-GB" dirty="0" smtClean="0"/>
+                  <a:t> </a:t>
+                </a:r>
+                <a14:m>
+                  <m:oMath xmlns:m="http://schemas.openxmlformats.org/officeDocument/2006/math">
+                    <m:sSup>
+                      <m:sSupPr>
+                        <m:ctrlPr>
+                          <a:rPr lang="en-GB" b="0" i="1" dirty="0" smtClean="0">
+                            <a:latin typeface="Cambria Math" panose="02040503050406030204" pitchFamily="18" charset="0"/>
+                          </a:rPr>
+                        </m:ctrlPr>
+                      </m:sSupPr>
+                      <m:e>
+                        <m:r>
+                          <a:rPr lang="en-GB" b="0" i="1" dirty="0" smtClean="0">
+                            <a:latin typeface="Cambria Math" panose="02040503050406030204" pitchFamily="18" charset="0"/>
+                          </a:rPr>
+                          <m:t>𝐿</m:t>
+                        </m:r>
+                      </m:e>
+                      <m:sup>
+                        <m:r>
+                          <a:rPr lang="en-GB" b="0" i="1" dirty="0" smtClean="0">
+                            <a:latin typeface="Cambria Math" panose="02040503050406030204" pitchFamily="18" charset="0"/>
+                          </a:rPr>
+                          <m:t>2</m:t>
+                        </m:r>
+                      </m:sup>
+                    </m:sSup>
+                  </m:oMath>
+                </a14:m>
+                <a:r>
+                  <a:rPr lang="en-GB" dirty="0" smtClean="0"/>
+                  <a:t>norm</a:t>
+                </a:r>
+              </a:p>
+              <a:p>
+                <a:pPr marL="342900" indent="-342900">
+                  <a:buFont typeface="+mj-lt"/>
+                  <a:buAutoNum type="arabicPeriod"/>
+                </a:pPr>
+                <a:endParaRPr lang="en-GB" dirty="0" smtClean="0"/>
+              </a:p>
+              <a:p>
+                <a:pPr marL="342900" indent="-342900">
+                  <a:buFont typeface="+mj-lt"/>
+                  <a:buAutoNum type="arabicPeriod"/>
+                </a:pPr>
+                <a14:m>
+                  <m:oMath xmlns:m="http://schemas.openxmlformats.org/officeDocument/2006/math">
+                    <m:r>
+                      <a:rPr lang="en-GB" i="1">
+                        <a:latin typeface="Cambria Math" panose="02040503050406030204" pitchFamily="18" charset="0"/>
+                      </a:rPr>
+                      <m:t>𝑙</m:t>
+                    </m:r>
+                    <m:d>
+                      <m:dPr>
+                        <m:ctrlPr>
+                          <a:rPr lang="en-GB" i="1">
+                            <a:latin typeface="Cambria Math" panose="02040503050406030204" pitchFamily="18" charset="0"/>
+                          </a:rPr>
+                        </m:ctrlPr>
+                      </m:dPr>
+                      <m:e>
+                        <m:r>
+                          <a:rPr lang="en-GB" i="1">
+                            <a:latin typeface="Cambria Math" panose="02040503050406030204" pitchFamily="18" charset="0"/>
+                          </a:rPr>
+                          <m:t>𝜖</m:t>
+                        </m:r>
+                      </m:e>
+                    </m:d>
+                    <m:r>
+                      <a:rPr lang="en-GB" i="1">
+                        <a:latin typeface="Cambria Math" panose="02040503050406030204" pitchFamily="18" charset="0"/>
+                      </a:rPr>
+                      <m:t>=</m:t>
+                    </m:r>
+                    <m:func>
+                      <m:funcPr>
+                        <m:ctrlPr>
+                          <a:rPr lang="en-GB" b="0" i="1" smtClean="0">
+                            <a:latin typeface="Cambria Math" panose="02040503050406030204" pitchFamily="18" charset="0"/>
+                          </a:rPr>
+                        </m:ctrlPr>
+                      </m:funcPr>
+                      <m:fName>
+                        <m:r>
+                          <a:rPr lang="en-GB" b="0" i="1" smtClean="0">
+                            <a:latin typeface="Cambria Math" panose="02040503050406030204" pitchFamily="18" charset="0"/>
+                          </a:rPr>
+                          <m:t>𝑠𝑢</m:t>
+                        </m:r>
+                        <m:sSub>
+                          <m:sSubPr>
+                            <m:ctrlPr>
+                              <a:rPr lang="en-GB" b="0" i="1" smtClean="0">
+                                <a:latin typeface="Cambria Math" panose="02040503050406030204" pitchFamily="18" charset="0"/>
+                              </a:rPr>
+                            </m:ctrlPr>
+                          </m:sSubPr>
+                          <m:e>
+                            <m:r>
+                              <a:rPr lang="en-GB" b="0" i="1" smtClean="0">
+                                <a:latin typeface="Cambria Math" panose="02040503050406030204" pitchFamily="18" charset="0"/>
+                              </a:rPr>
+                              <m:t>𝑝</m:t>
+                            </m:r>
+                          </m:e>
+                          <m:sub>
+                            <m:r>
+                              <a:rPr lang="en-GB" b="0" i="1" smtClean="0">
+                                <a:latin typeface="Cambria Math" panose="02040503050406030204" pitchFamily="18" charset="0"/>
+                              </a:rPr>
+                              <m:t>𝑡</m:t>
+                            </m:r>
+                          </m:sub>
+                        </m:sSub>
+                      </m:fName>
+                      <m:e>
+                        <m:r>
+                          <a:rPr lang="en-GB" b="0" i="1" smtClean="0">
+                            <a:latin typeface="Cambria Math" panose="02040503050406030204" pitchFamily="18" charset="0"/>
+                          </a:rPr>
+                          <m:t>|</m:t>
+                        </m:r>
+                        <m:r>
+                          <a:rPr lang="en-GB" b="0" i="1" smtClean="0">
+                            <a:latin typeface="Cambria Math" panose="02040503050406030204" pitchFamily="18" charset="0"/>
+                          </a:rPr>
+                          <m:t>𝜖</m:t>
+                        </m:r>
+                        <m:d>
+                          <m:dPr>
+                            <m:ctrlPr>
+                              <a:rPr lang="en-GB" b="0" i="1" smtClean="0">
+                                <a:latin typeface="Cambria Math" panose="02040503050406030204" pitchFamily="18" charset="0"/>
+                              </a:rPr>
+                            </m:ctrlPr>
+                          </m:dPr>
+                          <m:e>
+                            <m:r>
+                              <a:rPr lang="en-GB" b="0" i="1" smtClean="0">
+                                <a:latin typeface="Cambria Math" panose="02040503050406030204" pitchFamily="18" charset="0"/>
+                              </a:rPr>
+                              <m:t>𝑡</m:t>
+                            </m:r>
+                          </m:e>
+                        </m:d>
+                        <m:r>
+                          <a:rPr lang="en-GB" b="0" i="1" smtClean="0">
+                            <a:latin typeface="Cambria Math" panose="02040503050406030204" pitchFamily="18" charset="0"/>
+                          </a:rPr>
+                          <m:t>|</m:t>
+                        </m:r>
+                      </m:e>
+                    </m:func>
+                    <m:r>
+                      <a:rPr lang="en-GB" i="1">
+                        <a:latin typeface="Cambria Math" panose="02040503050406030204" pitchFamily="18" charset="0"/>
+                      </a:rPr>
+                      <m:t>=</m:t>
+                    </m:r>
+                    <m:func>
+                      <m:funcPr>
+                        <m:ctrlPr>
+                          <a:rPr lang="en-GB" i="1">
+                            <a:latin typeface="Cambria Math" panose="02040503050406030204" pitchFamily="18" charset="0"/>
+                          </a:rPr>
+                        </m:ctrlPr>
+                      </m:funcPr>
+                      <m:fName>
+                        <m:r>
+                          <a:rPr lang="en-GB" b="0" i="1" smtClean="0">
+                            <a:latin typeface="Cambria Math" panose="02040503050406030204" pitchFamily="18" charset="0"/>
+                          </a:rPr>
+                          <m:t>𝑠𝑢</m:t>
+                        </m:r>
+                        <m:sSub>
+                          <m:sSubPr>
+                            <m:ctrlPr>
+                              <a:rPr lang="en-GB" b="0" i="1" smtClean="0">
+                                <a:latin typeface="Cambria Math" panose="02040503050406030204" pitchFamily="18" charset="0"/>
+                              </a:rPr>
+                            </m:ctrlPr>
+                          </m:sSubPr>
+                          <m:e>
+                            <m:r>
+                              <a:rPr lang="en-GB" b="0" i="1" smtClean="0">
+                                <a:latin typeface="Cambria Math" panose="02040503050406030204" pitchFamily="18" charset="0"/>
+                              </a:rPr>
+                              <m:t>𝑝</m:t>
+                            </m:r>
+                          </m:e>
+                          <m:sub>
+                            <m:r>
+                              <a:rPr lang="en-GB" b="0" i="1" smtClean="0">
+                                <a:latin typeface="Cambria Math" panose="02040503050406030204" pitchFamily="18" charset="0"/>
+                              </a:rPr>
+                              <m:t>𝑡</m:t>
+                            </m:r>
+                          </m:sub>
+                        </m:sSub>
+                      </m:fName>
+                      <m:e>
+                        <m:d>
+                          <m:dPr>
+                            <m:begChr m:val="|"/>
+                            <m:endChr m:val="|"/>
+                            <m:ctrlPr>
+                              <a:rPr lang="en-GB" b="0" i="1" smtClean="0">
+                                <a:latin typeface="Cambria Math" panose="02040503050406030204" pitchFamily="18" charset="0"/>
+                              </a:rPr>
+                            </m:ctrlPr>
+                          </m:dPr>
+                          <m:e>
+                            <m:r>
+                              <a:rPr lang="en-GB" b="0" i="1" smtClean="0">
+                                <a:latin typeface="Cambria Math" panose="02040503050406030204" pitchFamily="18" charset="0"/>
+                              </a:rPr>
+                              <m:t>𝑦</m:t>
+                            </m:r>
+                            <m:d>
+                              <m:dPr>
+                                <m:ctrlPr>
+                                  <a:rPr lang="en-GB" b="0" i="1" smtClean="0">
+                                    <a:latin typeface="Cambria Math" panose="02040503050406030204" pitchFamily="18" charset="0"/>
+                                  </a:rPr>
+                                </m:ctrlPr>
+                              </m:dPr>
+                              <m:e>
+                                <m:r>
+                                  <a:rPr lang="en-GB" b="0" i="1" smtClean="0">
+                                    <a:latin typeface="Cambria Math" panose="02040503050406030204" pitchFamily="18" charset="0"/>
+                                  </a:rPr>
+                                  <m:t>𝑡</m:t>
+                                </m:r>
+                              </m:e>
+                            </m:d>
+                            <m:r>
+                              <a:rPr lang="en-GB" b="0" i="1" smtClean="0">
+                                <a:latin typeface="Cambria Math" panose="02040503050406030204" pitchFamily="18" charset="0"/>
+                              </a:rPr>
+                              <m:t>−</m:t>
+                            </m:r>
+                            <m:acc>
+                              <m:accPr>
+                                <m:chr m:val="̂"/>
+                                <m:ctrlPr>
+                                  <a:rPr lang="en-GB" b="0" i="1" smtClean="0">
+                                    <a:latin typeface="Cambria Math" panose="02040503050406030204" pitchFamily="18" charset="0"/>
+                                  </a:rPr>
+                                </m:ctrlPr>
+                              </m:accPr>
+                              <m:e>
+                                <m:r>
+                                  <a:rPr lang="en-GB" b="0" i="1" smtClean="0">
+                                    <a:latin typeface="Cambria Math" panose="02040503050406030204" pitchFamily="18" charset="0"/>
+                                  </a:rPr>
+                                  <m:t>𝑦</m:t>
+                                </m:r>
+                              </m:e>
+                            </m:acc>
+                            <m:d>
+                              <m:dPr>
+                                <m:ctrlPr>
+                                  <a:rPr lang="en-GB" b="0" i="1" smtClean="0">
+                                    <a:latin typeface="Cambria Math" panose="02040503050406030204" pitchFamily="18" charset="0"/>
+                                  </a:rPr>
+                                </m:ctrlPr>
+                              </m:dPr>
+                              <m:e>
+                                <m:r>
+                                  <a:rPr lang="en-GB" b="0" i="1" smtClean="0">
+                                    <a:latin typeface="Cambria Math" panose="02040503050406030204" pitchFamily="18" charset="0"/>
+                                  </a:rPr>
+                                  <m:t>𝑡</m:t>
+                                </m:r>
+                              </m:e>
+                            </m:d>
+                          </m:e>
+                        </m:d>
+                      </m:e>
+                    </m:func>
+                    <m:r>
+                      <a:rPr lang="en-GB" b="0" i="1" smtClean="0">
+                        <a:latin typeface="Cambria Math" panose="02040503050406030204" pitchFamily="18" charset="0"/>
+                      </a:rPr>
+                      <m:t> </m:t>
+                    </m:r>
+                  </m:oMath>
+                </a14:m>
+                <a:r>
+                  <a:rPr lang="en-GB" dirty="0" smtClean="0"/>
+                  <a:t>norm of the uniform convergence</a:t>
+                </a:r>
+              </a:p>
+              <a:p>
+                <a:pPr marL="342900" indent="-342900">
+                  <a:buFont typeface="+mj-lt"/>
+                  <a:buAutoNum type="arabicPeriod"/>
+                </a:pPr>
+                <a:endParaRPr lang="en-GB" dirty="0" smtClean="0"/>
+              </a:p>
+              <a:p>
+                <a:pPr marL="342900" indent="-342900">
+                  <a:buFont typeface="+mj-lt"/>
+                  <a:buAutoNum type="arabicPeriod"/>
+                </a:pPr>
+                <a14:m>
+                  <m:oMath xmlns:m="http://schemas.openxmlformats.org/officeDocument/2006/math">
+                    <m:r>
+                      <a:rPr lang="en-GB" i="1">
+                        <a:latin typeface="Cambria Math" panose="02040503050406030204" pitchFamily="18" charset="0"/>
+                      </a:rPr>
+                      <m:t>𝑙</m:t>
+                    </m:r>
+                    <m:d>
+                      <m:dPr>
+                        <m:ctrlPr>
+                          <a:rPr lang="en-GB" i="1">
+                            <a:latin typeface="Cambria Math" panose="02040503050406030204" pitchFamily="18" charset="0"/>
+                          </a:rPr>
+                        </m:ctrlPr>
+                      </m:dPr>
+                      <m:e>
+                        <m:r>
+                          <a:rPr lang="en-GB" i="1">
+                            <a:latin typeface="Cambria Math" panose="02040503050406030204" pitchFamily="18" charset="0"/>
+                          </a:rPr>
+                          <m:t>𝜖</m:t>
+                        </m:r>
+                      </m:e>
+                    </m:d>
+                    <m:r>
+                      <a:rPr lang="en-GB" i="1">
+                        <a:latin typeface="Cambria Math" panose="02040503050406030204" pitchFamily="18" charset="0"/>
+                      </a:rPr>
+                      <m:t>=</m:t>
+                    </m:r>
+                    <m:r>
+                      <a:rPr lang="en-GB" b="0" i="1" smtClean="0">
+                        <a:latin typeface="Cambria Math" panose="02040503050406030204" pitchFamily="18" charset="0"/>
+                      </a:rPr>
+                      <m:t>𝑓𝑖𝑡</m:t>
+                    </m:r>
+                    <m:d>
+                      <m:dPr>
+                        <m:ctrlPr>
+                          <a:rPr lang="en-GB" b="0" i="1" smtClean="0">
+                            <a:latin typeface="Cambria Math" panose="02040503050406030204" pitchFamily="18" charset="0"/>
+                          </a:rPr>
+                        </m:ctrlPr>
+                      </m:dPr>
+                      <m:e>
+                        <m:r>
+                          <a:rPr lang="en-GB" b="0" i="1" smtClean="0">
+                            <a:latin typeface="Cambria Math" panose="02040503050406030204" pitchFamily="18" charset="0"/>
+                          </a:rPr>
+                          <m:t>𝜖</m:t>
+                        </m:r>
+                        <m:d>
+                          <m:dPr>
+                            <m:ctrlPr>
+                              <a:rPr lang="en-GB" b="0" i="1" smtClean="0">
+                                <a:latin typeface="Cambria Math" panose="02040503050406030204" pitchFamily="18" charset="0"/>
+                              </a:rPr>
+                            </m:ctrlPr>
+                          </m:dPr>
+                          <m:e>
+                            <m:r>
+                              <a:rPr lang="en-GB" b="0" i="1" smtClean="0">
+                                <a:latin typeface="Cambria Math" panose="02040503050406030204" pitchFamily="18" charset="0"/>
+                              </a:rPr>
+                              <m:t>𝑡</m:t>
+                            </m:r>
+                          </m:e>
+                        </m:d>
+                      </m:e>
+                    </m:d>
+                    <m:r>
+                      <a:rPr lang="en-GB" b="0" i="1" smtClean="0">
+                        <a:latin typeface="Cambria Math" panose="02040503050406030204" pitchFamily="18" charset="0"/>
+                      </a:rPr>
+                      <m:t>= </m:t>
+                    </m:r>
+                    <m:f>
+                      <m:fPr>
+                        <m:ctrlPr>
+                          <a:rPr lang="en-GB" b="0" i="1" smtClean="0">
+                            <a:latin typeface="Cambria Math" panose="02040503050406030204" pitchFamily="18" charset="0"/>
+                          </a:rPr>
+                        </m:ctrlPr>
+                      </m:fPr>
+                      <m:num>
+                        <m:sSub>
+                          <m:sSubPr>
+                            <m:ctrlPr>
+                              <a:rPr lang="en-GB" b="0" i="1" smtClean="0">
+                                <a:latin typeface="Cambria Math" panose="02040503050406030204" pitchFamily="18" charset="0"/>
+                              </a:rPr>
+                            </m:ctrlPr>
+                          </m:sSubPr>
+                          <m:e>
+                            <m:d>
+                              <m:dPr>
+                                <m:begChr m:val="|"/>
+                                <m:endChr m:val="|"/>
+                                <m:ctrlPr>
+                                  <a:rPr lang="en-GB" b="0" i="1" smtClean="0">
+                                    <a:latin typeface="Cambria Math" panose="02040503050406030204" pitchFamily="18" charset="0"/>
+                                  </a:rPr>
+                                </m:ctrlPr>
+                              </m:dPr>
+                              <m:e>
+                                <m:d>
+                                  <m:dPr>
+                                    <m:begChr m:val="|"/>
+                                    <m:endChr m:val="|"/>
+                                    <m:ctrlPr>
+                                      <a:rPr lang="en-GB" b="0" i="1" smtClean="0">
+                                        <a:latin typeface="Cambria Math" panose="02040503050406030204" pitchFamily="18" charset="0"/>
+                                      </a:rPr>
+                                    </m:ctrlPr>
+                                  </m:dPr>
+                                  <m:e>
+                                    <m:r>
+                                      <a:rPr lang="en-GB" b="0" i="1" smtClean="0">
+                                        <a:latin typeface="Cambria Math" panose="02040503050406030204" pitchFamily="18" charset="0"/>
+                                      </a:rPr>
+                                      <m:t>𝑦</m:t>
+                                    </m:r>
+                                    <m:d>
+                                      <m:dPr>
+                                        <m:ctrlPr>
+                                          <a:rPr lang="en-GB" b="0" i="1" smtClean="0">
+                                            <a:latin typeface="Cambria Math" panose="02040503050406030204" pitchFamily="18" charset="0"/>
+                                          </a:rPr>
+                                        </m:ctrlPr>
+                                      </m:dPr>
+                                      <m:e>
+                                        <m:r>
+                                          <a:rPr lang="en-GB" b="0" i="1" smtClean="0">
+                                            <a:latin typeface="Cambria Math" panose="02040503050406030204" pitchFamily="18" charset="0"/>
+                                          </a:rPr>
+                                          <m:t>𝑡</m:t>
+                                        </m:r>
+                                      </m:e>
+                                    </m:d>
+                                    <m:r>
+                                      <a:rPr lang="en-GB" b="0" i="1" smtClean="0">
+                                        <a:latin typeface="Cambria Math" panose="02040503050406030204" pitchFamily="18" charset="0"/>
+                                      </a:rPr>
+                                      <m:t>−</m:t>
+                                    </m:r>
+                                    <m:acc>
+                                      <m:accPr>
+                                        <m:chr m:val="̂"/>
+                                        <m:ctrlPr>
+                                          <a:rPr lang="en-GB" b="0" i="1" smtClean="0">
+                                            <a:latin typeface="Cambria Math" panose="02040503050406030204" pitchFamily="18" charset="0"/>
+                                          </a:rPr>
+                                        </m:ctrlPr>
+                                      </m:accPr>
+                                      <m:e>
+                                        <m:r>
+                                          <a:rPr lang="en-GB" b="0" i="1" smtClean="0">
+                                            <a:latin typeface="Cambria Math" panose="02040503050406030204" pitchFamily="18" charset="0"/>
+                                          </a:rPr>
+                                          <m:t>𝑦</m:t>
+                                        </m:r>
+                                      </m:e>
+                                    </m:acc>
+                                    <m:d>
+                                      <m:dPr>
+                                        <m:ctrlPr>
+                                          <a:rPr lang="en-GB" b="0" i="1" smtClean="0">
+                                            <a:latin typeface="Cambria Math" panose="02040503050406030204" pitchFamily="18" charset="0"/>
+                                          </a:rPr>
+                                        </m:ctrlPr>
+                                      </m:dPr>
+                                      <m:e>
+                                        <m:r>
+                                          <a:rPr lang="en-GB" b="0" i="1" smtClean="0">
+                                            <a:latin typeface="Cambria Math" panose="02040503050406030204" pitchFamily="18" charset="0"/>
+                                          </a:rPr>
+                                          <m:t>𝑡</m:t>
+                                        </m:r>
+                                      </m:e>
+                                    </m:d>
+                                  </m:e>
+                                </m:d>
+                              </m:e>
+                            </m:d>
+                          </m:e>
+                          <m:sub>
+                            <m:r>
+                              <a:rPr lang="en-GB" b="0" i="1" smtClean="0">
+                                <a:latin typeface="Cambria Math" panose="02040503050406030204" pitchFamily="18" charset="0"/>
+                              </a:rPr>
+                              <m:t>2</m:t>
+                            </m:r>
+                          </m:sub>
+                        </m:sSub>
+                      </m:num>
+                      <m:den>
+                        <m:sSub>
+                          <m:sSubPr>
+                            <m:ctrlPr>
+                              <a:rPr lang="en-GB" b="0" i="1" smtClean="0">
+                                <a:latin typeface="Cambria Math" panose="02040503050406030204" pitchFamily="18" charset="0"/>
+                              </a:rPr>
+                            </m:ctrlPr>
+                          </m:sSubPr>
+                          <m:e>
+                            <m:d>
+                              <m:dPr>
+                                <m:begChr m:val="|"/>
+                                <m:endChr m:val="|"/>
+                                <m:ctrlPr>
+                                  <a:rPr lang="en-GB" b="0" i="1" smtClean="0">
+                                    <a:latin typeface="Cambria Math" panose="02040503050406030204" pitchFamily="18" charset="0"/>
+                                  </a:rPr>
+                                </m:ctrlPr>
+                              </m:dPr>
+                              <m:e>
+                                <m:d>
+                                  <m:dPr>
+                                    <m:begChr m:val="|"/>
+                                    <m:endChr m:val="|"/>
+                                    <m:ctrlPr>
+                                      <a:rPr lang="en-GB" b="0" i="1" smtClean="0">
+                                        <a:latin typeface="Cambria Math" panose="02040503050406030204" pitchFamily="18" charset="0"/>
+                                      </a:rPr>
+                                    </m:ctrlPr>
+                                  </m:dPr>
+                                  <m:e>
+                                    <m:r>
+                                      <a:rPr lang="en-GB" b="0" i="1" smtClean="0">
+                                        <a:latin typeface="Cambria Math" panose="02040503050406030204" pitchFamily="18" charset="0"/>
+                                      </a:rPr>
+                                      <m:t>𝑦</m:t>
+                                    </m:r>
+                                    <m:d>
+                                      <m:dPr>
+                                        <m:ctrlPr>
+                                          <a:rPr lang="en-GB" b="0" i="1" smtClean="0">
+                                            <a:latin typeface="Cambria Math" panose="02040503050406030204" pitchFamily="18" charset="0"/>
+                                          </a:rPr>
+                                        </m:ctrlPr>
+                                      </m:dPr>
+                                      <m:e>
+                                        <m:r>
+                                          <a:rPr lang="en-GB" b="0" i="1" smtClean="0">
+                                            <a:latin typeface="Cambria Math" panose="02040503050406030204" pitchFamily="18" charset="0"/>
+                                          </a:rPr>
+                                          <m:t>𝑡</m:t>
+                                        </m:r>
+                                      </m:e>
+                                    </m:d>
+                                    <m:r>
+                                      <a:rPr lang="en-GB" b="0" i="1" smtClean="0">
+                                        <a:latin typeface="Cambria Math" panose="02040503050406030204" pitchFamily="18" charset="0"/>
+                                      </a:rPr>
+                                      <m:t>−</m:t>
+                                    </m:r>
+                                    <m:r>
+                                      <a:rPr lang="en-GB" b="0" i="1" smtClean="0">
+                                        <a:latin typeface="Cambria Math" panose="02040503050406030204" pitchFamily="18" charset="0"/>
+                                      </a:rPr>
+                                      <m:t>𝐸𝑦</m:t>
+                                    </m:r>
+                                    <m:d>
+                                      <m:dPr>
+                                        <m:ctrlPr>
+                                          <a:rPr lang="en-GB" b="0" i="1" smtClean="0">
+                                            <a:latin typeface="Cambria Math" panose="02040503050406030204" pitchFamily="18" charset="0"/>
+                                          </a:rPr>
+                                        </m:ctrlPr>
+                                      </m:dPr>
+                                      <m:e>
+                                        <m:r>
+                                          <a:rPr lang="en-GB" b="0" i="1" smtClean="0">
+                                            <a:latin typeface="Cambria Math" panose="02040503050406030204" pitchFamily="18" charset="0"/>
+                                          </a:rPr>
+                                          <m:t>𝑡</m:t>
+                                        </m:r>
+                                      </m:e>
+                                    </m:d>
+                                  </m:e>
+                                </m:d>
+                              </m:e>
+                            </m:d>
+                          </m:e>
+                          <m:sub>
+                            <m:r>
+                              <a:rPr lang="en-GB" b="0" i="1" smtClean="0">
+                                <a:latin typeface="Cambria Math" panose="02040503050406030204" pitchFamily="18" charset="0"/>
+                              </a:rPr>
+                              <m:t>2</m:t>
+                            </m:r>
+                          </m:sub>
+                        </m:sSub>
+                      </m:den>
+                    </m:f>
+                  </m:oMath>
+                </a14:m>
+                <a:r>
+                  <a:rPr lang="en-GB" dirty="0" smtClean="0"/>
+                  <a:t> fit function</a:t>
+                </a:r>
+                <a:endParaRPr lang="en-GB" dirty="0"/>
+              </a:p>
+            </p:txBody>
+          </p:sp>
+        </mc:Choice>
+        <mc:Fallback>
+          <p:sp>
+            <p:nvSpPr>
+              <p:cNvPr id="6" name="TextBox 5"/>
+              <p:cNvSpPr txBox="1">
+                <a:spLocks noRot="1" noChangeAspect="1" noMove="1" noResize="1" noEditPoints="1" noAdjustHandles="1" noChangeArrowheads="1" noChangeShapeType="1" noTextEdit="1"/>
+              </p:cNvSpPr>
+              <p:nvPr/>
+            </p:nvSpPr>
+            <p:spPr>
+              <a:xfrm>
+                <a:off x="494950" y="1988191"/>
+                <a:ext cx="10863744" cy="2519344"/>
+              </a:xfrm>
+              <a:prstGeom prst="rect">
+                <a:avLst/>
+              </a:prstGeom>
+              <a:blipFill rotWithShape="0">
+                <a:blip r:embed="rId2"/>
+                <a:stretch>
+                  <a:fillRect l="-393"/>
+                </a:stretch>
+              </a:blipFill>
+            </p:spPr>
+            <p:txBody>
+              <a:bodyPr/>
+              <a:lstStyle/>
+              <a:p>
+                <a:r>
+                  <a:rPr lang="en-GB">
+                    <a:noFill/>
+                  </a:rPr>
+                  <a:t> </a:t>
+                </a:r>
+              </a:p>
+            </p:txBody>
+          </p:sp>
+        </mc:Fallback>
+      </mc:AlternateContent>
     </p:spTree>
     <p:extLst>
       <p:ext uri="{BB962C8B-B14F-4D97-AF65-F5344CB8AC3E}">
-        <p14:creationId xmlns:p14="http://schemas.microsoft.com/office/powerpoint/2010/main" val="2463455316"/>
+        <p14:creationId xmlns:p14="http://schemas.microsoft.com/office/powerpoint/2010/main" val="1253429144"/>
       </p:ext>
     </p:extLst>
   </p:cSld>
@@ -9944,87 +13958,75 @@
       </p:sp>
       <p:sp>
         <p:nvSpPr>
-          <p:cNvPr id="4" name="Rectangle 3"/>
-          <p:cNvSpPr/>
+          <p:cNvPr id="3" name="TextBox 2"/>
+          <p:cNvSpPr txBox="1"/>
           <p:nvPr/>
         </p:nvSpPr>
         <p:spPr>
           <a:xfrm>
-            <a:off x="2444744" y="2588350"/>
-            <a:ext cx="7302512" cy="1754326"/>
+            <a:off x="4292140" y="1046490"/>
+            <a:ext cx="3715569" cy="523220"/>
           </a:xfrm>
           <a:prstGeom prst="rect">
             <a:avLst/>
           </a:prstGeom>
+          <a:noFill/>
         </p:spPr>
-        <p:style>
-          <a:lnRef idx="3">
-            <a:schemeClr val="lt1"/>
-          </a:lnRef>
-          <a:fillRef idx="1">
-            <a:schemeClr val="accent5"/>
-          </a:fillRef>
-          <a:effectRef idx="1">
-            <a:schemeClr val="accent5"/>
-          </a:effectRef>
-          <a:fontRef idx="minor">
-            <a:schemeClr val="lt1"/>
-          </a:fontRef>
-        </p:style>
         <p:txBody>
-          <a:bodyPr wrap="none" lIns="91440" tIns="45720" rIns="91440" bIns="45720">
+          <a:bodyPr wrap="none" rtlCol="0">
             <a:spAutoFit/>
           </a:bodyPr>
           <a:lstStyle/>
           <a:p>
-            <a:pPr algn="ctr"/>
-            <a:r>
-              <a:rPr lang="en-US" sz="5400" b="0" cap="none" spc="0" dirty="0" smtClean="0">
-                <a:ln w="0"/>
+            <a:r>
+              <a:rPr lang="en-GB" sz="2800" b="1" i="1" dirty="0" smtClean="0">
+                <a:latin typeface="+mj-lt"/>
+              </a:rPr>
+              <a:t>MODEL VALIDATION</a:t>
+            </a:r>
+          </a:p>
+        </p:txBody>
+      </p:sp>
+      <p:sp>
+        <p:nvSpPr>
+          <p:cNvPr id="4" name="TextBox 3"/>
+          <p:cNvSpPr txBox="1"/>
+          <p:nvPr/>
+        </p:nvSpPr>
+        <p:spPr>
+          <a:xfrm>
+            <a:off x="7078960" y="173782"/>
+            <a:ext cx="2746393" cy="369332"/>
+          </a:xfrm>
+          <a:prstGeom prst="rect">
+            <a:avLst/>
+          </a:prstGeom>
+          <a:noFill/>
+        </p:spPr>
+        <p:txBody>
+          <a:bodyPr wrap="none" rtlCol="0">
+            <a:spAutoFit/>
+          </a:bodyPr>
+          <a:lstStyle/>
+          <a:p>
+            <a:r>
+              <a:rPr lang="en-GB" b="1" dirty="0" smtClean="0">
                 <a:solidFill>
-                  <a:schemeClr val="tx1"/>
+                  <a:srgbClr val="FF0000"/>
                 </a:solidFill>
-                <a:effectLst>
-                  <a:outerShdw blurRad="38100" dist="19050" dir="2700000" algn="tl" rotWithShape="0">
-                    <a:schemeClr val="dk1">
-                      <a:alpha val="40000"/>
-                    </a:schemeClr>
-                  </a:outerShdw>
-                </a:effectLst>
+                <a:latin typeface="DejaVu Sans" panose="020B0603030804020204" pitchFamily="34" charset="0"/>
+                <a:ea typeface="DejaVu Sans" panose="020B0603030804020204" pitchFamily="34" charset="0"/>
+                <a:cs typeface="DejaVu Sans" panose="020B0603030804020204" pitchFamily="34" charset="0"/>
               </a:rPr>
-              <a:t>WHAT WENT WRONG</a:t>
-            </a:r>
-          </a:p>
-          <a:p>
-            <a:pPr algn="ctr"/>
-            <a:r>
-              <a:rPr lang="en-US" sz="5400" dirty="0" smtClean="0">
-                <a:ln w="0"/>
-                <a:solidFill>
-                  <a:schemeClr val="tx1"/>
-                </a:solidFill>
-                <a:effectLst>
-                  <a:outerShdw blurRad="38100" dist="19050" dir="2700000" algn="tl" rotWithShape="0">
-                    <a:schemeClr val="dk1">
-                      <a:alpha val="40000"/>
-                    </a:schemeClr>
-                  </a:outerShdw>
-                </a:effectLst>
-              </a:rPr>
-              <a:t>AND WHY</a:t>
-            </a:r>
-            <a:endParaRPr lang="en-US" sz="5400" b="0" cap="none" spc="0" dirty="0">
-              <a:ln w="0"/>
+              <a:t>MODEL VALIDATION</a:t>
+            </a:r>
+            <a:endParaRPr lang="en-GB" b="1" dirty="0">
               <a:solidFill>
-                <a:schemeClr val="tx1"/>
+                <a:srgbClr val="FF0000"/>
               </a:solidFill>
-              <a:effectLst>
-                <a:outerShdw blurRad="38100" dist="19050" dir="2700000" algn="tl" rotWithShape="0">
-                  <a:schemeClr val="dk1">
-                    <a:alpha val="40000"/>
-                  </a:schemeClr>
-                </a:outerShdw>
-              </a:effectLst>
+              <a:latin typeface="DejaVu Sans" panose="020B0603030804020204" pitchFamily="34" charset="0"/>
+              <a:ea typeface="DejaVu Sans" panose="020B0603030804020204" pitchFamily="34" charset="0"/>
+              <a:cs typeface="DejaVu Sans" panose="020B0603030804020204" pitchFamily="34" charset="0"/>
             </a:endParaRPr>
           </a:p>
         </p:txBody>
@@ -10032,7 +14034,7 @@
     </p:spTree>
     <p:extLst>
       <p:ext uri="{BB962C8B-B14F-4D97-AF65-F5344CB8AC3E}">
-        <p14:creationId xmlns:p14="http://schemas.microsoft.com/office/powerpoint/2010/main" val="548125632"/>
+        <p14:creationId xmlns:p14="http://schemas.microsoft.com/office/powerpoint/2010/main" val="55177232"/>
       </p:ext>
     </p:extLst>
   </p:cSld>
@@ -10092,6 +14094,290 @@
       </p:sp>
       <p:sp>
         <p:nvSpPr>
+          <p:cNvPr id="3" name="TextBox 2"/>
+          <p:cNvSpPr txBox="1"/>
+          <p:nvPr/>
+        </p:nvSpPr>
+        <p:spPr>
+          <a:xfrm>
+            <a:off x="4746912" y="1033790"/>
+            <a:ext cx="2698175" cy="523220"/>
+          </a:xfrm>
+          <a:prstGeom prst="rect">
+            <a:avLst/>
+          </a:prstGeom>
+          <a:noFill/>
+        </p:spPr>
+        <p:txBody>
+          <a:bodyPr wrap="none" rtlCol="0">
+            <a:spAutoFit/>
+          </a:bodyPr>
+          <a:lstStyle/>
+          <a:p>
+            <a:r>
+              <a:rPr lang="en-GB" sz="2800" b="1" i="1" dirty="0" smtClean="0">
+                <a:latin typeface="+mj-lt"/>
+              </a:rPr>
+              <a:t>CONCLUSION</a:t>
+            </a:r>
+          </a:p>
+        </p:txBody>
+      </p:sp>
+      <p:sp>
+        <p:nvSpPr>
+          <p:cNvPr id="4" name="TextBox 3"/>
+          <p:cNvSpPr txBox="1"/>
+          <p:nvPr/>
+        </p:nvSpPr>
+        <p:spPr>
+          <a:xfrm>
+            <a:off x="6956299" y="173782"/>
+            <a:ext cx="3512308" cy="369332"/>
+          </a:xfrm>
+          <a:prstGeom prst="rect">
+            <a:avLst/>
+          </a:prstGeom>
+          <a:noFill/>
+        </p:spPr>
+        <p:txBody>
+          <a:bodyPr wrap="none" rtlCol="0">
+            <a:spAutoFit/>
+          </a:bodyPr>
+          <a:lstStyle/>
+          <a:p>
+            <a:r>
+              <a:rPr lang="en-GB" b="1" dirty="0" smtClean="0">
+                <a:solidFill>
+                  <a:srgbClr val="FF0000"/>
+                </a:solidFill>
+                <a:latin typeface="DejaVu Sans" panose="020B0603030804020204" pitchFamily="34" charset="0"/>
+                <a:ea typeface="DejaVu Sans" panose="020B0603030804020204" pitchFamily="34" charset="0"/>
+                <a:cs typeface="DejaVu Sans" panose="020B0603030804020204" pitchFamily="34" charset="0"/>
+              </a:rPr>
+              <a:t>CONCLUSION &amp; REMARKS</a:t>
+            </a:r>
+            <a:endParaRPr lang="en-GB" b="1" dirty="0">
+              <a:solidFill>
+                <a:srgbClr val="FF0000"/>
+              </a:solidFill>
+              <a:latin typeface="DejaVu Sans" panose="020B0603030804020204" pitchFamily="34" charset="0"/>
+              <a:ea typeface="DejaVu Sans" panose="020B0603030804020204" pitchFamily="34" charset="0"/>
+              <a:cs typeface="DejaVu Sans" panose="020B0603030804020204" pitchFamily="34" charset="0"/>
+            </a:endParaRPr>
+          </a:p>
+        </p:txBody>
+      </p:sp>
+    </p:spTree>
+    <p:extLst>
+      <p:ext uri="{BB962C8B-B14F-4D97-AF65-F5344CB8AC3E}">
+        <p14:creationId xmlns:p14="http://schemas.microsoft.com/office/powerpoint/2010/main" val="2463455316"/>
+      </p:ext>
+    </p:extLst>
+  </p:cSld>
+  <p:clrMapOvr>
+    <a:masterClrMapping/>
+  </p:clrMapOvr>
+  <p:timing>
+    <p:tnLst>
+      <p:par>
+        <p:cTn id="1" dur="indefinite" restart="never" nodeType="tmRoot"/>
+      </p:par>
+    </p:tnLst>
+  </p:timing>
+</p:sld>
+</file>
+
+<file path=ppt/slides/slide23.xml><?xml version="1.0" encoding="utf-8"?>
+<p:sld xmlns:a="http://schemas.openxmlformats.org/drawingml/2006/main" xmlns:r="http://schemas.openxmlformats.org/officeDocument/2006/relationships" xmlns:p="http://schemas.openxmlformats.org/presentationml/2006/main">
+  <p:cSld>
+    <p:spTree>
+      <p:nvGrpSpPr>
+        <p:cNvPr id="1" name=""/>
+        <p:cNvGrpSpPr/>
+        <p:nvPr/>
+      </p:nvGrpSpPr>
+      <p:grpSpPr>
+        <a:xfrm>
+          <a:off x="0" y="0"/>
+          <a:ext cx="0" cy="0"/>
+          <a:chOff x="0" y="0"/>
+          <a:chExt cx="0" cy="0"/>
+        </a:xfrm>
+      </p:grpSpPr>
+      <p:sp>
+        <p:nvSpPr>
+          <p:cNvPr id="2" name="Slide Number Placeholder 1"/>
+          <p:cNvSpPr>
+            <a:spLocks noGrp="1"/>
+          </p:cNvSpPr>
+          <p:nvPr>
+            <p:ph type="sldNum" sz="quarter" idx="10"/>
+          </p:nvPr>
+        </p:nvSpPr>
+        <p:spPr/>
+        <p:txBody>
+          <a:bodyPr/>
+          <a:lstStyle/>
+          <a:p>
+            <a:fld id="{61155BBA-336D-4AED-BB34-E42D9706BCE7}" type="slidenum">
+              <a:rPr lang="it-IT" altLang="en-US" smtClean="0"/>
+              <a:pPr/>
+              <a:t>23</a:t>
+            </a:fld>
+            <a:endParaRPr lang="it-IT" altLang="en-US"/>
+          </a:p>
+        </p:txBody>
+      </p:sp>
+      <p:sp>
+        <p:nvSpPr>
+          <p:cNvPr id="4" name="Rectangle 3"/>
+          <p:cNvSpPr/>
+          <p:nvPr/>
+        </p:nvSpPr>
+        <p:spPr>
+          <a:xfrm>
+            <a:off x="2444744" y="2588350"/>
+            <a:ext cx="7302512" cy="1754326"/>
+          </a:xfrm>
+          <a:prstGeom prst="rect">
+            <a:avLst/>
+          </a:prstGeom>
+        </p:spPr>
+        <p:style>
+          <a:lnRef idx="3">
+            <a:schemeClr val="lt1"/>
+          </a:lnRef>
+          <a:fillRef idx="1">
+            <a:schemeClr val="accent5"/>
+          </a:fillRef>
+          <a:effectRef idx="1">
+            <a:schemeClr val="accent5"/>
+          </a:effectRef>
+          <a:fontRef idx="minor">
+            <a:schemeClr val="lt1"/>
+          </a:fontRef>
+        </p:style>
+        <p:txBody>
+          <a:bodyPr wrap="none" lIns="91440" tIns="45720" rIns="91440" bIns="45720">
+            <a:spAutoFit/>
+          </a:bodyPr>
+          <a:lstStyle/>
+          <a:p>
+            <a:pPr algn="ctr"/>
+            <a:r>
+              <a:rPr lang="en-US" sz="5400" b="0" cap="none" spc="0" dirty="0" smtClean="0">
+                <a:ln w="0"/>
+                <a:solidFill>
+                  <a:schemeClr val="tx1"/>
+                </a:solidFill>
+                <a:effectLst>
+                  <a:outerShdw blurRad="38100" dist="19050" dir="2700000" algn="tl" rotWithShape="0">
+                    <a:schemeClr val="dk1">
+                      <a:alpha val="40000"/>
+                    </a:schemeClr>
+                  </a:outerShdw>
+                </a:effectLst>
+              </a:rPr>
+              <a:t>WHAT WENT WRONG</a:t>
+            </a:r>
+          </a:p>
+          <a:p>
+            <a:pPr algn="ctr"/>
+            <a:r>
+              <a:rPr lang="en-US" sz="5400" dirty="0" smtClean="0">
+                <a:ln w="0"/>
+                <a:solidFill>
+                  <a:schemeClr val="tx1"/>
+                </a:solidFill>
+                <a:effectLst>
+                  <a:outerShdw blurRad="38100" dist="19050" dir="2700000" algn="tl" rotWithShape="0">
+                    <a:schemeClr val="dk1">
+                      <a:alpha val="40000"/>
+                    </a:schemeClr>
+                  </a:outerShdw>
+                </a:effectLst>
+              </a:rPr>
+              <a:t>AND WHY</a:t>
+            </a:r>
+            <a:endParaRPr lang="en-US" sz="5400" b="0" cap="none" spc="0" dirty="0">
+              <a:ln w="0"/>
+              <a:solidFill>
+                <a:schemeClr val="tx1"/>
+              </a:solidFill>
+              <a:effectLst>
+                <a:outerShdw blurRad="38100" dist="19050" dir="2700000" algn="tl" rotWithShape="0">
+                  <a:schemeClr val="dk1">
+                    <a:alpha val="40000"/>
+                  </a:schemeClr>
+                </a:outerShdw>
+              </a:effectLst>
+            </a:endParaRPr>
+          </a:p>
+        </p:txBody>
+      </p:sp>
+    </p:spTree>
+    <p:extLst>
+      <p:ext uri="{BB962C8B-B14F-4D97-AF65-F5344CB8AC3E}">
+        <p14:creationId xmlns:p14="http://schemas.microsoft.com/office/powerpoint/2010/main" val="548125632"/>
+      </p:ext>
+    </p:extLst>
+  </p:cSld>
+  <p:clrMapOvr>
+    <a:masterClrMapping/>
+  </p:clrMapOvr>
+  <p:timing>
+    <p:tnLst>
+      <p:par>
+        <p:cTn id="1" dur="indefinite" restart="never" nodeType="tmRoot"/>
+      </p:par>
+    </p:tnLst>
+  </p:timing>
+</p:sld>
+</file>
+
+<file path=ppt/slides/slide24.xml><?xml version="1.0" encoding="utf-8"?>
+<p:sld xmlns:a="http://schemas.openxmlformats.org/drawingml/2006/main" xmlns:r="http://schemas.openxmlformats.org/officeDocument/2006/relationships" xmlns:p="http://schemas.openxmlformats.org/presentationml/2006/main">
+  <p:cSld>
+    <p:spTree>
+      <p:nvGrpSpPr>
+        <p:cNvPr id="1" name=""/>
+        <p:cNvGrpSpPr/>
+        <p:nvPr/>
+      </p:nvGrpSpPr>
+      <p:grpSpPr>
+        <a:xfrm>
+          <a:off x="0" y="0"/>
+          <a:ext cx="0" cy="0"/>
+          <a:chOff x="0" y="0"/>
+          <a:chExt cx="0" cy="0"/>
+        </a:xfrm>
+      </p:grpSpPr>
+      <p:sp>
+        <p:nvSpPr>
+          <p:cNvPr id="2" name="Slide Number Placeholder 1"/>
+          <p:cNvSpPr>
+            <a:spLocks noGrp="1"/>
+          </p:cNvSpPr>
+          <p:nvPr>
+            <p:ph type="sldNum" sz="quarter" idx="10"/>
+          </p:nvPr>
+        </p:nvSpPr>
+        <p:spPr/>
+        <p:txBody>
+          <a:bodyPr/>
+          <a:lstStyle/>
+          <a:p>
+            <a:fld id="{61155BBA-336D-4AED-BB34-E42D9706BCE7}" type="slidenum">
+              <a:rPr lang="it-IT" altLang="en-US" smtClean="0"/>
+              <a:pPr/>
+              <a:t>24</a:t>
+            </a:fld>
+            <a:endParaRPr lang="it-IT" altLang="en-US"/>
+          </a:p>
+        </p:txBody>
+      </p:sp>
+      <p:sp>
+        <p:nvSpPr>
           <p:cNvPr id="4" name="TextBox 3"/>
           <p:cNvSpPr txBox="1"/>
           <p:nvPr/>
@@ -10144,7 +14430,7 @@
         <p:spPr>
           <a:xfrm>
             <a:off x="1375794" y="2181138"/>
-            <a:ext cx="7949612" cy="923330"/>
+            <a:ext cx="7904728" cy="1200329"/>
           </a:xfrm>
           <a:prstGeom prst="rect">
             <a:avLst/>
@@ -10253,7 +14539,17 @@
             </a:r>
             <a:r>
               <a:rPr lang="en-GB" dirty="0" smtClean="0"/>
-              <a:t> of the data and train</a:t>
+              <a:t> of the data and </a:t>
+            </a:r>
+            <a:r>
+              <a:rPr lang="en-GB" dirty="0" smtClean="0"/>
+              <a:t>train</a:t>
+            </a:r>
+          </a:p>
+          <a:p>
+            <a:r>
+              <a:rPr lang="en-GB" dirty="0" smtClean="0"/>
+              <a:t>-use 2 experiments at time to do training and then validation on the other set</a:t>
             </a:r>
             <a:endParaRPr lang="en-GB" dirty="0"/>
           </a:p>
@@ -11251,8 +15547,8 @@
           </a:p>
         </p:txBody>
       </p:sp>
-      <mc:AlternateContent xmlns:mc="http://schemas.openxmlformats.org/markup-compatibility/2006">
-        <mc:Choice xmlns:a14="http://schemas.microsoft.com/office/drawing/2010/main" Requires="a14">
+      <mc:AlternateContent xmlns:mc="http://schemas.openxmlformats.org/markup-compatibility/2006" xmlns:a14="http://schemas.microsoft.com/office/drawing/2010/main">
+        <mc:Choice Requires="a14">
           <p:sp>
             <p:nvSpPr>
               <p:cNvPr id="4" name="TextBox 3"/>
@@ -11660,11 +15956,7 @@
                 </a:pPr>
                 <a:r>
                   <a:rPr lang="en-GB" dirty="0" smtClean="0"/>
-                  <a:t>Sampling </a:t>
-                </a:r>
-                <a:r>
-                  <a:rPr lang="en-GB" dirty="0" smtClean="0"/>
-                  <a:t>time of input(</a:t>
+                  <a:t>Sampling time of input(</a:t>
                 </a:r>
                 <a14:m>
                   <m:oMath xmlns:m="http://schemas.openxmlformats.org/officeDocument/2006/math">
@@ -12326,7 +16618,7 @@
             </p:txBody>
           </p:sp>
         </mc:Choice>
-        <mc:Fallback>
+        <mc:Fallback xmlns="">
           <p:sp>
             <p:nvSpPr>
               <p:cNvPr id="4" name="TextBox 3"/>

--- a/report/Report.pptx
+++ b/report/Report.pptx
@@ -8940,7 +8940,7 @@
                 </a14:m>
                 <a:r>
                   <a:rPr lang="en-GB" dirty="0" smtClean="0"/>
-                  <a:t> (or a distance) of</a:t>
+                  <a:t> (or a distance) function of</a:t>
                 </a:r>
                 <a14:m>
                   <m:oMath xmlns:m="http://schemas.openxmlformats.org/officeDocument/2006/math">
@@ -11347,7 +11347,7 @@
               <a:blipFill rotWithShape="0">
                 <a:blip r:embed="rId2"/>
                 <a:stretch>
-                  <a:fillRect l="-480" t="-572"/>
+                  <a:fillRect l="-480" t="-572" r="-1761"/>
                 </a:stretch>
               </a:blipFill>
             </p:spPr>

--- a/report/Report.pptx
+++ b/report/Report.pptx
@@ -26,11 +26,12 @@
     <p:sldId id="270" r:id="rId20"/>
     <p:sldId id="263" r:id="rId21"/>
     <p:sldId id="279" r:id="rId22"/>
-    <p:sldId id="280" r:id="rId23"/>
-    <p:sldId id="264" r:id="rId24"/>
-    <p:sldId id="265" r:id="rId25"/>
-    <p:sldId id="277" r:id="rId26"/>
-    <p:sldId id="278" r:id="rId27"/>
+    <p:sldId id="281" r:id="rId23"/>
+    <p:sldId id="280" r:id="rId24"/>
+    <p:sldId id="264" r:id="rId25"/>
+    <p:sldId id="265" r:id="rId26"/>
+    <p:sldId id="277" r:id="rId27"/>
+    <p:sldId id="278" r:id="rId28"/>
   </p:sldIdLst>
   <p:sldSz cx="12192000" cy="6858000"/>
   <p:notesSz cx="6858000" cy="9144000"/>
@@ -6950,8 +6951,8 @@
         </p:nvSpPr>
         <p:spPr>
           <a:xfrm>
-            <a:off x="2219233" y="975657"/>
-            <a:ext cx="8353056" cy="523220"/>
+            <a:off x="3810759" y="1030484"/>
+            <a:ext cx="4570482" cy="523220"/>
           </a:xfrm>
           <a:prstGeom prst="rect">
             <a:avLst/>
@@ -6968,7 +6969,7 @@
               <a:rPr lang="en-GB" sz="2800" b="1" i="1" dirty="0" smtClean="0">
                 <a:latin typeface="+mj-lt"/>
               </a:rPr>
-              <a:t>IMPULSE RESPONSE 1/3 – Correlation Analysis</a:t>
+              <a:t>IMPULSE RESPONSE 1/3 </a:t>
             </a:r>
           </a:p>
         </p:txBody>
@@ -7038,8 +7039,8 @@
         </p:nvSpPr>
         <p:spPr>
           <a:xfrm>
-            <a:off x="645951" y="1937857"/>
-            <a:ext cx="10100345" cy="646331"/>
+            <a:off x="679506" y="1798769"/>
+            <a:ext cx="10100345" cy="2031325"/>
           </a:xfrm>
           <a:prstGeom prst="rect">
             <a:avLst/>
@@ -7054,14 +7055,51 @@
           <a:p>
             <a:r>
               <a:rPr lang="en-GB" dirty="0" smtClean="0"/>
-              <a:t>We can make use of the Correlation analysis in order to make a rough estimation of the impulse response, and together with the measured data, try to estimate the input delay (dead time).</a:t>
+              <a:t>Main two approaches to estimate the impulse response are:</a:t>
+            </a:r>
+          </a:p>
+          <a:p>
+            <a:endParaRPr lang="en-GB" dirty="0"/>
+          </a:p>
+          <a:p>
+            <a:pPr marL="342900" indent="-342900">
+              <a:buFont typeface="+mj-lt"/>
+              <a:buAutoNum type="arabicPeriod"/>
+            </a:pPr>
+            <a:r>
+              <a:rPr lang="en-GB" dirty="0" smtClean="0"/>
+              <a:t>Identify a FIR model </a:t>
+            </a:r>
+          </a:p>
+          <a:p>
+            <a:pPr marL="342900" indent="-342900">
+              <a:buFont typeface="+mj-lt"/>
+              <a:buAutoNum type="arabicPeriod"/>
+            </a:pPr>
+            <a:r>
+              <a:rPr lang="en-GB" dirty="0" smtClean="0"/>
+              <a:t>Make use of correlation analysis</a:t>
+            </a:r>
+            <a:endParaRPr lang="en-GB" dirty="0"/>
+          </a:p>
+          <a:p>
+            <a:endParaRPr lang="en-GB" dirty="0"/>
+          </a:p>
+          <a:p>
+            <a:r>
+              <a:rPr lang="en-GB" dirty="0" smtClean="0"/>
+              <a:t>From this we can make </a:t>
+            </a:r>
+            <a:r>
+              <a:rPr lang="en-GB" dirty="0" smtClean="0"/>
+              <a:t>a rough estimation of the impulse response, and together with the measured data, try to estimate the input delay (dead time).</a:t>
             </a:r>
             <a:endParaRPr lang="en-GB" dirty="0"/>
           </a:p>
         </p:txBody>
       </p:sp>
-      <mc:AlternateContent xmlns:mc="http://schemas.openxmlformats.org/markup-compatibility/2006" xmlns:a14="http://schemas.microsoft.com/office/drawing/2010/main">
-        <mc:Choice Requires="a14">
+      <mc:AlternateContent xmlns:mc="http://schemas.openxmlformats.org/markup-compatibility/2006">
+        <mc:Choice xmlns:a14="http://schemas.microsoft.com/office/drawing/2010/main" Requires="a14">
           <p:sp>
             <p:nvSpPr>
               <p:cNvPr id="8" name="TextBox 7"/>
@@ -7070,8 +7108,8 @@
             </p:nvSpPr>
             <p:spPr>
               <a:xfrm>
-                <a:off x="637561" y="2938929"/>
-                <a:ext cx="10620465" cy="2371098"/>
+                <a:off x="679506" y="3915768"/>
+                <a:ext cx="10620465" cy="2602315"/>
               </a:xfrm>
               <a:prstGeom prst="rect">
                 <a:avLst/>
@@ -7083,6 +7121,15 @@
                 <a:spAutoFit/>
               </a:bodyPr>
               <a:lstStyle/>
+              <a:p>
+                <a:r>
+                  <a:rPr lang="en-GB" dirty="0" smtClean="0"/>
+                  <a:t>The correlation analysis works in the following way:</a:t>
+                </a:r>
+                <a:endParaRPr lang="en-GB" b="0" i="1" dirty="0" smtClean="0">
+                  <a:latin typeface="Cambria Math" panose="02040503050406030204" pitchFamily="18" charset="0"/>
+                </a:endParaRPr>
+              </a:p>
               <a:p>
                 <a14:m>
                   <m:oMath xmlns:m="http://schemas.openxmlformats.org/officeDocument/2006/math">
@@ -8100,7 +8147,7 @@
             </p:txBody>
           </p:sp>
         </mc:Choice>
-        <mc:Fallback xmlns="">
+        <mc:Fallback>
           <p:sp>
             <p:nvSpPr>
               <p:cNvPr id="8" name="TextBox 7"/>
@@ -8111,8 +8158,8 @@
             </p:nvSpPr>
             <p:spPr>
               <a:xfrm>
-                <a:off x="637561" y="2938929"/>
-                <a:ext cx="10620465" cy="2371098"/>
+                <a:off x="679506" y="3915768"/>
+                <a:ext cx="10620465" cy="2602315"/>
               </a:xfrm>
               <a:prstGeom prst="rect">
                 <a:avLst/>
@@ -8120,7 +8167,7 @@
               <a:blipFill rotWithShape="0">
                 <a:blip r:embed="rId2"/>
                 <a:stretch>
-                  <a:fillRect l="-1378" t="-20308" r="-1033"/>
+                  <a:fillRect l="-1320" t="-7963" r="-1033"/>
                 </a:stretch>
               </a:blipFill>
             </p:spPr>
@@ -8176,6 +8223,36 @@
           <a:chExt cx="0" cy="0"/>
         </a:xfrm>
       </p:grpSpPr>
+      <p:pic>
+        <p:nvPicPr>
+          <p:cNvPr id="4" name="Picture 3"/>
+          <p:cNvPicPr>
+            <a:picLocks noChangeAspect="1"/>
+          </p:cNvPicPr>
+          <p:nvPr/>
+        </p:nvPicPr>
+        <p:blipFill>
+          <a:blip r:embed="rId2">
+            <a:extLst>
+              <a:ext uri="{28A0092B-C50C-407E-A947-70E740481C1C}">
+                <a14:useLocalDpi xmlns:a14="http://schemas.microsoft.com/office/drawing/2010/main" val="0"/>
+              </a:ext>
+            </a:extLst>
+          </a:blip>
+          <a:stretch>
+            <a:fillRect/>
+          </a:stretch>
+        </p:blipFill>
+        <p:spPr>
+          <a:xfrm>
+            <a:off x="-820581" y="1498877"/>
+            <a:ext cx="9676284" cy="4964135"/>
+          </a:xfrm>
+          <a:prstGeom prst="rect">
+            <a:avLst/>
+          </a:prstGeom>
+        </p:spPr>
+      </p:pic>
       <p:sp>
         <p:nvSpPr>
           <p:cNvPr id="2" name="Slide Number Placeholder 1"/>
@@ -8231,36 +8308,6 @@
           </a:p>
         </p:txBody>
       </p:sp>
-      <p:pic>
-        <p:nvPicPr>
-          <p:cNvPr id="6" name="Picture 5"/>
-          <p:cNvPicPr>
-            <a:picLocks noChangeAspect="1"/>
-          </p:cNvPicPr>
-          <p:nvPr/>
-        </p:nvPicPr>
-        <p:blipFill>
-          <a:blip r:embed="rId2">
-            <a:extLst>
-              <a:ext uri="{28A0092B-C50C-407E-A947-70E740481C1C}">
-                <a14:useLocalDpi xmlns:a14="http://schemas.microsoft.com/office/drawing/2010/main" val="0"/>
-              </a:ext>
-            </a:extLst>
-          </a:blip>
-          <a:stretch>
-            <a:fillRect/>
-          </a:stretch>
-        </p:blipFill>
-        <p:spPr>
-          <a:xfrm>
-            <a:off x="973123" y="1410881"/>
-            <a:ext cx="9924176" cy="5091308"/>
-          </a:xfrm>
-          <a:prstGeom prst="rect">
-            <a:avLst/>
-          </a:prstGeom>
-        </p:spPr>
-      </p:pic>
       <p:sp>
         <p:nvSpPr>
           <p:cNvPr id="10" name="TextBox 9"/>
@@ -8326,8 +8373,8 @@
         </p:nvSpPr>
         <p:spPr>
           <a:xfrm>
-            <a:off x="10154456" y="2924632"/>
-            <a:ext cx="1845866" cy="2031325"/>
+            <a:off x="8308589" y="1828203"/>
+            <a:ext cx="3552973" cy="4247317"/>
           </a:xfrm>
           <a:prstGeom prst="rect">
             <a:avLst/>
@@ -8342,7 +8389,32 @@
           <a:p>
             <a:r>
               <a:rPr lang="en-GB" dirty="0" smtClean="0"/>
-              <a:t>Seems like that</a:t>
+              <a:t>First image is based on correlation analysis.</a:t>
+            </a:r>
+          </a:p>
+          <a:p>
+            <a:endParaRPr lang="en-GB" dirty="0"/>
+          </a:p>
+          <a:p>
+            <a:r>
+              <a:rPr lang="en-GB" dirty="0" smtClean="0"/>
+              <a:t>Second one is based on the identification of a fir model up to n=20.</a:t>
+            </a:r>
+          </a:p>
+          <a:p>
+            <a:endParaRPr lang="en-GB" dirty="0"/>
+          </a:p>
+          <a:p>
+            <a:endParaRPr lang="en-GB" dirty="0"/>
+          </a:p>
+          <a:p>
+            <a:r>
+              <a:rPr lang="en-GB" dirty="0" smtClean="0"/>
+              <a:t>Seems </a:t>
+            </a:r>
+            <a:r>
+              <a:rPr lang="en-GB" dirty="0" smtClean="0"/>
+              <a:t>like that</a:t>
             </a:r>
           </a:p>
           <a:p>
@@ -8354,15 +8426,16 @@
           <a:p>
             <a:r>
               <a:rPr lang="en-GB" dirty="0" smtClean="0"/>
-              <a:t>Is delayed of 2-3 lags(</a:t>
-            </a:r>
-            <a:r>
-              <a:rPr lang="en-GB" dirty="0" err="1" smtClean="0"/>
-              <a:t>Ts</a:t>
-            </a:r>
+              <a:t>Is delayed of 2-3 lags (See confidence region)</a:t>
+            </a:r>
+          </a:p>
+          <a:p>
+            <a:endParaRPr lang="en-GB" dirty="0"/>
+          </a:p>
+          <a:p>
             <a:r>
               <a:rPr lang="en-GB" dirty="0" smtClean="0"/>
-              <a:t>), most likely 3 (See confidence region)</a:t>
+              <a:t>Tested on all the datasets, quite similar behaviour.</a:t>
             </a:r>
             <a:endParaRPr lang="en-GB" dirty="0"/>
           </a:p>
@@ -11521,8 +11594,8 @@
             </p:nvSpPr>
             <p:spPr>
               <a:xfrm>
-                <a:off x="542488" y="1787824"/>
-                <a:ext cx="11425805" cy="4005968"/>
+                <a:off x="534099" y="1703934"/>
+                <a:ext cx="11425805" cy="4836965"/>
               </a:xfrm>
               <a:prstGeom prst="rect">
                 <a:avLst/>
@@ -11537,7 +11610,7 @@
               <a:p>
                 <a:r>
                   <a:rPr lang="en-GB" dirty="0" smtClean="0"/>
-                  <a:t>How is </a:t>
+                  <a:t>We don’t know G,H of the true system, neither its parametrisation, then how is </a:t>
                 </a:r>
                 <a14:m>
                   <m:oMath xmlns:m="http://schemas.openxmlformats.org/officeDocument/2006/math">
@@ -11562,9 +11635,84 @@
                   </m:oMath>
                 </a14:m>
                 <a:r>
+                  <a:rPr lang="en-GB" dirty="0"/>
+                  <a:t> built </a:t>
+                </a:r>
+                <a:r>
                   <a:rPr lang="en-GB" dirty="0" smtClean="0"/>
-                  <a:t> built up?</a:t>
+                  <a:t>up in reality? </a:t>
                 </a:r>
+                <a:r>
+                  <a:rPr lang="en-GB" dirty="0"/>
+                  <a:t>(denote with </a:t>
+                </a:r>
+                <a14:m>
+                  <m:oMath xmlns:m="http://schemas.openxmlformats.org/officeDocument/2006/math">
+                    <m:sSup>
+                      <m:sSupPr>
+                        <m:ctrlPr>
+                          <a:rPr lang="en-GB" i="1">
+                            <a:latin typeface="Cambria Math" panose="02040503050406030204" pitchFamily="18" charset="0"/>
+                          </a:rPr>
+                        </m:ctrlPr>
+                      </m:sSupPr>
+                      <m:e>
+                        <m:r>
+                          <a:rPr lang="en-GB" i="1">
+                            <a:latin typeface="Cambria Math" panose="02040503050406030204" pitchFamily="18" charset="0"/>
+                          </a:rPr>
+                          <m:t>𝐺</m:t>
+                        </m:r>
+                      </m:e>
+                      <m:sup>
+                        <m:r>
+                          <a:rPr lang="en-GB" i="1">
+                            <a:latin typeface="Cambria Math" panose="02040503050406030204" pitchFamily="18" charset="0"/>
+                          </a:rPr>
+                          <m:t>0</m:t>
+                        </m:r>
+                      </m:sup>
+                    </m:sSup>
+                    <m:r>
+                      <a:rPr lang="en-GB" i="1">
+                        <a:latin typeface="Cambria Math" panose="02040503050406030204" pitchFamily="18" charset="0"/>
+                      </a:rPr>
+                      <m:t>,</m:t>
+                    </m:r>
+                    <m:sSup>
+                      <m:sSupPr>
+                        <m:ctrlPr>
+                          <a:rPr lang="en-GB" i="1">
+                            <a:latin typeface="Cambria Math" panose="02040503050406030204" pitchFamily="18" charset="0"/>
+                          </a:rPr>
+                        </m:ctrlPr>
+                      </m:sSupPr>
+                      <m:e>
+                        <m:r>
+                          <a:rPr lang="en-GB" i="1">
+                            <a:latin typeface="Cambria Math" panose="02040503050406030204" pitchFamily="18" charset="0"/>
+                          </a:rPr>
+                          <m:t>𝐻</m:t>
+                        </m:r>
+                      </m:e>
+                      <m:sup>
+                        <m:r>
+                          <a:rPr lang="en-GB" i="1">
+                            <a:latin typeface="Cambria Math" panose="02040503050406030204" pitchFamily="18" charset="0"/>
+                          </a:rPr>
+                          <m:t>0</m:t>
+                        </m:r>
+                      </m:sup>
+                    </m:sSup>
+                  </m:oMath>
+                </a14:m>
+                <a:r>
+                  <a:rPr lang="en-GB" dirty="0" smtClean="0"/>
+                  <a:t> the transfer functions of the true system, then:</a:t>
+                </a:r>
+              </a:p>
+              <a:p>
+                <a:endParaRPr lang="en-GB" dirty="0" smtClean="0"/>
               </a:p>
               <a:p>
                 <a:pPr marL="742950" lvl="1" indent="-285750">
@@ -11629,33 +11777,23 @@
               <a:p>
                 <a:r>
                   <a:rPr lang="en-GB" dirty="0" smtClean="0"/>
-                  <a:t>We choose the best </a:t>
+                  <a:t>Then </a:t>
+                </a:r>
+                <a:r>
+                  <a:rPr lang="en-GB" dirty="0"/>
+                  <a:t>w</a:t>
+                </a:r>
+                <a:r>
+                  <a:rPr lang="en-GB" dirty="0" smtClean="0"/>
+                  <a:t>e choose </a:t>
                 </a:r>
                 <a14:m>
                   <m:oMath xmlns:m="http://schemas.openxmlformats.org/officeDocument/2006/math">
-                    <m:acc>
-                      <m:accPr>
-                        <m:chr m:val="̂"/>
-                        <m:ctrlPr>
-                          <a:rPr lang="en-GB" b="0" i="1" dirty="0" smtClean="0">
-                            <a:latin typeface="Cambria Math" panose="02040503050406030204" pitchFamily="18" charset="0"/>
-                          </a:rPr>
-                        </m:ctrlPr>
-                      </m:accPr>
-                      <m:e>
-                        <m:r>
-                          <a:rPr lang="en-GB" b="0" i="1" dirty="0" smtClean="0">
-                            <a:latin typeface="Cambria Math" panose="02040503050406030204" pitchFamily="18" charset="0"/>
-                          </a:rPr>
-                          <m:t>𝑦</m:t>
-                        </m:r>
-                      </m:e>
-                    </m:acc>
                     <m:r>
-                      <a:rPr lang="en-GB" i="1">
+                      <a:rPr lang="en-GB" b="0" i="1" smtClean="0">
                         <a:latin typeface="Cambria Math" panose="02040503050406030204" pitchFamily="18" charset="0"/>
                       </a:rPr>
-                      <m:t> </m:t>
+                      <m:t>𝜃</m:t>
                     </m:r>
                   </m:oMath>
                 </a14:m>
@@ -11715,16 +11853,39 @@
                       <a:rPr lang="en-GB" b="0" i="1" smtClean="0">
                         <a:latin typeface="Cambria Math" panose="02040503050406030204" pitchFamily="18" charset="0"/>
                       </a:rPr>
-                      <m:t>…</m:t>
+                      <m:t>⇒</m:t>
                     </m:r>
-                  </m:oMath>
-                </a14:m>
-                <a:r>
-                  <a:rPr lang="en-GB" dirty="0" smtClean="0"/>
-                  <a:t> but we are training a model based on </a:t>
-                </a:r>
-                <a14:m>
-                  <m:oMath xmlns:m="http://schemas.openxmlformats.org/officeDocument/2006/math">
+                    <m:sSub>
+                      <m:sSubPr>
+                        <m:ctrlPr>
+                          <a:rPr lang="en-GB" b="0" i="1" smtClean="0">
+                            <a:latin typeface="Cambria Math" panose="02040503050406030204" pitchFamily="18" charset="0"/>
+                          </a:rPr>
+                        </m:ctrlPr>
+                      </m:sSubPr>
+                      <m:e>
+                        <m:r>
+                          <a:rPr lang="en-GB" b="0" i="1" smtClean="0">
+                            <a:latin typeface="Cambria Math" panose="02040503050406030204" pitchFamily="18" charset="0"/>
+                          </a:rPr>
+                          <m:t>𝑚𝑖𝑛</m:t>
+                        </m:r>
+                      </m:e>
+                      <m:sub>
+                        <m:r>
+                          <a:rPr lang="en-GB" b="0" i="1" smtClean="0">
+                            <a:latin typeface="Cambria Math" panose="02040503050406030204" pitchFamily="18" charset="0"/>
+                          </a:rPr>
+                          <m:t>𝜃</m:t>
+                        </m:r>
+                      </m:sub>
+                    </m:sSub>
+                    <m:r>
+                      <a:rPr lang="en-GB" b="0" i="1" smtClean="0">
+                        <a:latin typeface="Cambria Math" panose="02040503050406030204" pitchFamily="18" charset="0"/>
+                      </a:rPr>
+                      <m:t>𝑙</m:t>
+                    </m:r>
                     <m:r>
                       <a:rPr lang="en-GB" b="0" i="1" smtClean="0">
                         <a:latin typeface="Cambria Math" panose="02040503050406030204" pitchFamily="18" charset="0"/>
@@ -11737,17 +11898,171 @@
                       </a:rPr>
                       <m:t>𝑦</m:t>
                     </m:r>
+                    <m:d>
+                      <m:dPr>
+                        <m:ctrlPr>
+                          <a:rPr lang="en-GB" b="0" i="1" smtClean="0">
+                            <a:latin typeface="Cambria Math" panose="02040503050406030204" pitchFamily="18" charset="0"/>
+                          </a:rPr>
+                        </m:ctrlPr>
+                      </m:dPr>
+                      <m:e>
+                        <m:r>
+                          <a:rPr lang="en-GB" b="0" i="1" smtClean="0">
+                            <a:latin typeface="Cambria Math" panose="02040503050406030204" pitchFamily="18" charset="0"/>
+                          </a:rPr>
+                          <m:t>𝑡</m:t>
+                        </m:r>
+                      </m:e>
+                    </m:d>
                     <m:r>
                       <a:rPr lang="en-GB" b="0" i="1" smtClean="0">
                         <a:latin typeface="Cambria Math" panose="02040503050406030204" pitchFamily="18" charset="0"/>
                       </a:rPr>
-                      <m:t>,</m:t>
+                      <m:t>−</m:t>
+                    </m:r>
+                    <m:acc>
+                      <m:accPr>
+                        <m:chr m:val="̂"/>
+                        <m:ctrlPr>
+                          <a:rPr lang="en-GB" b="0" i="1" smtClean="0">
+                            <a:latin typeface="Cambria Math" panose="02040503050406030204" pitchFamily="18" charset="0"/>
+                          </a:rPr>
+                        </m:ctrlPr>
+                      </m:accPr>
+                      <m:e>
+                        <m:r>
+                          <a:rPr lang="en-GB" b="0" i="1" smtClean="0">
+                            <a:latin typeface="Cambria Math" panose="02040503050406030204" pitchFamily="18" charset="0"/>
+                          </a:rPr>
+                          <m:t>𝑦</m:t>
+                        </m:r>
+                      </m:e>
+                    </m:acc>
+                    <m:d>
+                      <m:dPr>
+                        <m:ctrlPr>
+                          <a:rPr lang="en-GB" b="0" i="1" smtClean="0">
+                            <a:latin typeface="Cambria Math" panose="02040503050406030204" pitchFamily="18" charset="0"/>
+                          </a:rPr>
+                        </m:ctrlPr>
+                      </m:dPr>
+                      <m:e>
+                        <m:r>
+                          <a:rPr lang="en-GB" b="0" i="1" smtClean="0">
+                            <a:latin typeface="Cambria Math" panose="02040503050406030204" pitchFamily="18" charset="0"/>
+                          </a:rPr>
+                          <m:t>𝑡</m:t>
+                        </m:r>
+                        <m:r>
+                          <a:rPr lang="en-GB" b="0" i="1" smtClean="0">
+                            <a:latin typeface="Cambria Math" panose="02040503050406030204" pitchFamily="18" charset="0"/>
+                          </a:rPr>
+                          <m:t>,</m:t>
+                        </m:r>
+                        <m:r>
+                          <a:rPr lang="en-GB" b="0" i="1" smtClean="0">
+                            <a:latin typeface="Cambria Math" panose="02040503050406030204" pitchFamily="18" charset="0"/>
+                          </a:rPr>
+                          <m:t>𝜃</m:t>
+                        </m:r>
+                      </m:e>
+                    </m:d>
+                    <m:r>
+                      <a:rPr lang="en-GB" b="0" i="1" smtClean="0">
+                        <a:latin typeface="Cambria Math" panose="02040503050406030204" pitchFamily="18" charset="0"/>
+                      </a:rPr>
+                      <m:t>)</m:t>
+                    </m:r>
+                    <m:r>
+                      <a:rPr lang="en-GB" b="0" i="0" smtClean="0">
+                        <a:latin typeface="Cambria Math" panose="02040503050406030204" pitchFamily="18" charset="0"/>
+                      </a:rPr>
+                      <m:t> </m:t>
+                    </m:r>
+                  </m:oMath>
+                </a14:m>
+                <a:r>
+                  <a:rPr lang="en-GB" dirty="0" smtClean="0"/>
+                  <a:t>is the problem to solve.</a:t>
+                </a:r>
+              </a:p>
+              <a:p>
+                <a:endParaRPr lang="en-GB" dirty="0"/>
+              </a:p>
+              <a:p>
+                <a:r>
+                  <a:rPr lang="en-GB" dirty="0" smtClean="0"/>
+                  <a:t>In this project we are interested in simulation. In fact we want to find G </a:t>
+                </a:r>
+                <a:r>
+                  <a:rPr lang="en-GB" dirty="0" err="1" smtClean="0"/>
+                  <a:t>s.t.</a:t>
+                </a:r>
+                <a:r>
+                  <a:rPr lang="en-GB" dirty="0" smtClean="0"/>
+                  <a:t> </a:t>
+                </a:r>
+                <a14:m>
+                  <m:oMath xmlns:m="http://schemas.openxmlformats.org/officeDocument/2006/math">
+                    <m:r>
+                      <a:rPr lang="en-GB" b="0" i="1" smtClean="0">
+                        <a:latin typeface="Cambria Math" panose="02040503050406030204" pitchFamily="18" charset="0"/>
+                      </a:rPr>
+                      <m:t>𝐺𝑢</m:t>
+                    </m:r>
+                    <m:d>
+                      <m:dPr>
+                        <m:ctrlPr>
+                          <a:rPr lang="en-GB" b="0" i="1" smtClean="0">
+                            <a:latin typeface="Cambria Math" panose="02040503050406030204" pitchFamily="18" charset="0"/>
+                          </a:rPr>
+                        </m:ctrlPr>
+                      </m:dPr>
+                      <m:e>
+                        <m:r>
+                          <a:rPr lang="en-GB" b="0" i="1" smtClean="0">
+                            <a:latin typeface="Cambria Math" panose="02040503050406030204" pitchFamily="18" charset="0"/>
+                          </a:rPr>
+                          <m:t>𝑡</m:t>
+                        </m:r>
+                        <m:r>
+                          <a:rPr lang="en-GB" b="0" i="1" smtClean="0">
+                            <a:latin typeface="Cambria Math" panose="02040503050406030204" pitchFamily="18" charset="0"/>
+                          </a:rPr>
+                          <m:t>−</m:t>
+                        </m:r>
+                        <m:r>
+                          <a:rPr lang="en-GB" b="0" i="1" smtClean="0">
+                            <a:latin typeface="Cambria Math" panose="02040503050406030204" pitchFamily="18" charset="0"/>
+                          </a:rPr>
+                          <m:t>𝑘</m:t>
+                        </m:r>
+                      </m:e>
+                    </m:d>
+                    <m:r>
+                      <a:rPr lang="en-GB" b="0" i="1" smtClean="0">
+                        <a:latin typeface="Cambria Math" panose="02040503050406030204" pitchFamily="18" charset="0"/>
+                      </a:rPr>
+                      <m:t>∼</m:t>
                     </m:r>
                     <m:r>
                       <a:rPr lang="en-GB" b="0" i="1" smtClean="0">
                         <a:latin typeface="Cambria Math" panose="02040503050406030204" pitchFamily="18" charset="0"/>
                       </a:rPr>
-                      <m:t>𝑢</m:t>
+                      <m:t>𝑦</m:t>
+                    </m:r>
+                    <m:r>
+                      <a:rPr lang="en-GB" b="0" i="1" smtClean="0">
+                        <a:latin typeface="Cambria Math" panose="02040503050406030204" pitchFamily="18" charset="0"/>
+                      </a:rPr>
+                      <m:t>(</m:t>
+                    </m:r>
+                    <m:r>
+                      <a:rPr lang="en-GB" b="0" i="1" smtClean="0">
+                        <a:latin typeface="Cambria Math" panose="02040503050406030204" pitchFamily="18" charset="0"/>
+                      </a:rPr>
+                      <m:t>𝑡</m:t>
                     </m:r>
                     <m:r>
                       <a:rPr lang="en-GB" b="0" i="1" smtClean="0">
@@ -11759,37 +12074,17 @@
                 </a14:m>
                 <a:r>
                   <a:rPr lang="en-GB" dirty="0" smtClean="0"/>
-                  <a:t> data and then check the cost function on the same data -&gt; we get a biased result.</a:t>
+                  <a:t>How to address this problem with the minimization problem? </a:t>
                 </a:r>
-              </a:p>
-              <a:p>
-                <a:r>
-                  <a:rPr lang="en-GB" dirty="0" smtClean="0"/>
-                  <a:t>To get unbiased results we need to test the cost function on a different data set.</a:t>
-                </a:r>
+                <a:endParaRPr lang="en-GB" dirty="0" smtClean="0"/>
               </a:p>
               <a:p>
                 <a:endParaRPr lang="en-GB" dirty="0"/>
               </a:p>
               <a:p>
-                <a:r>
-                  <a:rPr lang="en-GB" dirty="0" smtClean="0"/>
-                  <a:t>Unfortunately in this project the data is quite similar, though the second data set covariance function is a little different </a:t>
-                </a:r>
-                <a14:m>
-                  <m:oMath xmlns:m="http://schemas.openxmlformats.org/officeDocument/2006/math">
-                    <m:r>
-                      <a:rPr lang="en-GB" b="0" i="1" smtClean="0">
-                        <a:latin typeface="Cambria Math" panose="02040503050406030204" pitchFamily="18" charset="0"/>
-                      </a:rPr>
-                      <m:t>⇒</m:t>
-                    </m:r>
-                  </m:oMath>
-                </a14:m>
-                <a:r>
-                  <a:rPr lang="en-GB" dirty="0" smtClean="0"/>
-                  <a:t> We may test the cost function on a subset of this experiment. 	</a:t>
-                </a:r>
+                <a:endParaRPr lang="en-GB" dirty="0" smtClean="0"/>
+              </a:p>
+              <a:p>
                 <a:endParaRPr lang="en-GB" dirty="0"/>
               </a:p>
               <a:p>
@@ -11809,8 +12104,8 @@
             </p:nvSpPr>
             <p:spPr>
               <a:xfrm>
-                <a:off x="542488" y="1787824"/>
-                <a:ext cx="11425805" cy="4005968"/>
+                <a:off x="534099" y="1703934"/>
+                <a:ext cx="11425805" cy="4836965"/>
               </a:xfrm>
               <a:prstGeom prst="rect">
                 <a:avLst/>
@@ -11818,7 +12113,7 @@
               <a:blipFill rotWithShape="0">
                 <a:blip r:embed="rId2"/>
                 <a:stretch>
-                  <a:fillRect l="-480" t="-761"/>
+                  <a:fillRect l="-480" t="-757" r="-907"/>
                 </a:stretch>
               </a:blipFill>
             </p:spPr>
@@ -12521,6 +12816,845 @@
               <a:rPr lang="it-IT" altLang="en-US" smtClean="0"/>
               <a:pPr/>
               <a:t>20</a:t>
+            </a:fld>
+            <a:endParaRPr lang="it-IT" altLang="en-US"/>
+          </a:p>
+        </p:txBody>
+      </p:sp>
+      <p:sp>
+        <p:nvSpPr>
+          <p:cNvPr id="3" name="TextBox 2"/>
+          <p:cNvSpPr txBox="1"/>
+          <p:nvPr/>
+        </p:nvSpPr>
+        <p:spPr>
+          <a:xfrm>
+            <a:off x="2379822" y="1046490"/>
+            <a:ext cx="7432356" cy="523220"/>
+          </a:xfrm>
+          <a:prstGeom prst="rect">
+            <a:avLst/>
+          </a:prstGeom>
+          <a:noFill/>
+        </p:spPr>
+        <p:txBody>
+          <a:bodyPr wrap="none" rtlCol="0">
+            <a:spAutoFit/>
+          </a:bodyPr>
+          <a:lstStyle/>
+          <a:p>
+            <a:r>
+              <a:rPr lang="en-GB" sz="2800" b="1" i="1" dirty="0" smtClean="0">
+                <a:latin typeface="+mj-lt"/>
+              </a:rPr>
+              <a:t>MODEL </a:t>
+            </a:r>
+            <a:r>
+              <a:rPr lang="en-GB" sz="2800" b="1" i="1" dirty="0" smtClean="0">
+                <a:latin typeface="+mj-lt"/>
+              </a:rPr>
+              <a:t>IDENTIFICATION – WHICH MODEL</a:t>
+            </a:r>
+            <a:endParaRPr lang="en-GB" sz="2800" b="1" i="1" dirty="0" smtClean="0">
+              <a:latin typeface="+mj-lt"/>
+            </a:endParaRPr>
+          </a:p>
+        </p:txBody>
+      </p:sp>
+      <p:sp>
+        <p:nvSpPr>
+          <p:cNvPr id="4" name="TextBox 3"/>
+          <p:cNvSpPr txBox="1"/>
+          <p:nvPr/>
+        </p:nvSpPr>
+        <p:spPr>
+          <a:xfrm>
+            <a:off x="7078960" y="173782"/>
+            <a:ext cx="3266985" cy="369332"/>
+          </a:xfrm>
+          <a:prstGeom prst="rect">
+            <a:avLst/>
+          </a:prstGeom>
+          <a:noFill/>
+        </p:spPr>
+        <p:txBody>
+          <a:bodyPr wrap="none" rtlCol="0">
+            <a:spAutoFit/>
+          </a:bodyPr>
+          <a:lstStyle/>
+          <a:p>
+            <a:r>
+              <a:rPr lang="en-GB" b="1" dirty="0" smtClean="0">
+                <a:solidFill>
+                  <a:srgbClr val="FF0000"/>
+                </a:solidFill>
+                <a:latin typeface="DejaVu Sans" panose="020B0603030804020204" pitchFamily="34" charset="0"/>
+                <a:ea typeface="DejaVu Sans" panose="020B0603030804020204" pitchFamily="34" charset="0"/>
+                <a:cs typeface="DejaVu Sans" panose="020B0603030804020204" pitchFamily="34" charset="0"/>
+              </a:rPr>
+              <a:t>MODEL IDENTIFICATION</a:t>
+            </a:r>
+            <a:endParaRPr lang="en-GB" b="1" dirty="0">
+              <a:solidFill>
+                <a:srgbClr val="FF0000"/>
+              </a:solidFill>
+              <a:latin typeface="DejaVu Sans" panose="020B0603030804020204" pitchFamily="34" charset="0"/>
+              <a:ea typeface="DejaVu Sans" panose="020B0603030804020204" pitchFamily="34" charset="0"/>
+              <a:cs typeface="DejaVu Sans" panose="020B0603030804020204" pitchFamily="34" charset="0"/>
+            </a:endParaRPr>
+          </a:p>
+        </p:txBody>
+      </p:sp>
+      <mc:AlternateContent xmlns:mc="http://schemas.openxmlformats.org/markup-compatibility/2006">
+        <mc:Choice xmlns:a14="http://schemas.microsoft.com/office/drawing/2010/main" Requires="a14">
+          <p:sp>
+            <p:nvSpPr>
+              <p:cNvPr id="5" name="TextBox 4"/>
+              <p:cNvSpPr txBox="1"/>
+              <p:nvPr/>
+            </p:nvSpPr>
+            <p:spPr>
+              <a:xfrm>
+                <a:off x="534099" y="1703934"/>
+                <a:ext cx="11425805" cy="4005968"/>
+              </a:xfrm>
+              <a:prstGeom prst="rect">
+                <a:avLst/>
+              </a:prstGeom>
+              <a:noFill/>
+            </p:spPr>
+            <p:txBody>
+              <a:bodyPr wrap="square" rtlCol="0">
+                <a:spAutoFit/>
+              </a:bodyPr>
+              <a:lstStyle/>
+              <a:p>
+                <a14:m>
+                  <m:oMath xmlns:m="http://schemas.openxmlformats.org/officeDocument/2006/math">
+                    <m:sSub>
+                      <m:sSubPr>
+                        <m:ctrlPr>
+                          <a:rPr lang="en-GB" i="1" smtClean="0">
+                            <a:latin typeface="Cambria Math" panose="02040503050406030204" pitchFamily="18" charset="0"/>
+                          </a:rPr>
+                        </m:ctrlPr>
+                      </m:sSubPr>
+                      <m:e>
+                        <m:r>
+                          <a:rPr lang="en-GB" i="1">
+                            <a:latin typeface="Cambria Math" panose="02040503050406030204" pitchFamily="18" charset="0"/>
+                          </a:rPr>
+                          <m:t>𝑚𝑖𝑛</m:t>
+                        </m:r>
+                      </m:e>
+                      <m:sub>
+                        <m:r>
+                          <a:rPr lang="en-GB" i="1">
+                            <a:latin typeface="Cambria Math" panose="02040503050406030204" pitchFamily="18" charset="0"/>
+                          </a:rPr>
+                          <m:t>𝜃</m:t>
+                        </m:r>
+                      </m:sub>
+                    </m:sSub>
+                    <m:r>
+                      <a:rPr lang="en-GB" i="1">
+                        <a:latin typeface="Cambria Math" panose="02040503050406030204" pitchFamily="18" charset="0"/>
+                      </a:rPr>
+                      <m:t>𝑙</m:t>
+                    </m:r>
+                    <m:r>
+                      <a:rPr lang="en-GB" i="1">
+                        <a:latin typeface="Cambria Math" panose="02040503050406030204" pitchFamily="18" charset="0"/>
+                      </a:rPr>
+                      <m:t>(</m:t>
+                    </m:r>
+                    <m:r>
+                      <a:rPr lang="en-GB" i="1">
+                        <a:latin typeface="Cambria Math" panose="02040503050406030204" pitchFamily="18" charset="0"/>
+                      </a:rPr>
+                      <m:t>𝑦</m:t>
+                    </m:r>
+                    <m:d>
+                      <m:dPr>
+                        <m:ctrlPr>
+                          <a:rPr lang="en-GB" i="1">
+                            <a:latin typeface="Cambria Math" panose="02040503050406030204" pitchFamily="18" charset="0"/>
+                          </a:rPr>
+                        </m:ctrlPr>
+                      </m:dPr>
+                      <m:e>
+                        <m:r>
+                          <a:rPr lang="en-GB" i="1">
+                            <a:latin typeface="Cambria Math" panose="02040503050406030204" pitchFamily="18" charset="0"/>
+                          </a:rPr>
+                          <m:t>𝑡</m:t>
+                        </m:r>
+                      </m:e>
+                    </m:d>
+                    <m:r>
+                      <a:rPr lang="en-GB" i="1">
+                        <a:latin typeface="Cambria Math" panose="02040503050406030204" pitchFamily="18" charset="0"/>
+                      </a:rPr>
+                      <m:t>−</m:t>
+                    </m:r>
+                    <m:acc>
+                      <m:accPr>
+                        <m:chr m:val="̂"/>
+                        <m:ctrlPr>
+                          <a:rPr lang="en-GB" i="1">
+                            <a:latin typeface="Cambria Math" panose="02040503050406030204" pitchFamily="18" charset="0"/>
+                          </a:rPr>
+                        </m:ctrlPr>
+                      </m:accPr>
+                      <m:e>
+                        <m:r>
+                          <a:rPr lang="en-GB" i="1">
+                            <a:latin typeface="Cambria Math" panose="02040503050406030204" pitchFamily="18" charset="0"/>
+                          </a:rPr>
+                          <m:t>𝑦</m:t>
+                        </m:r>
+                      </m:e>
+                    </m:acc>
+                    <m:d>
+                      <m:dPr>
+                        <m:ctrlPr>
+                          <a:rPr lang="en-GB" i="1">
+                            <a:latin typeface="Cambria Math" panose="02040503050406030204" pitchFamily="18" charset="0"/>
+                          </a:rPr>
+                        </m:ctrlPr>
+                      </m:dPr>
+                      <m:e>
+                        <m:r>
+                          <a:rPr lang="en-GB" i="1">
+                            <a:latin typeface="Cambria Math" panose="02040503050406030204" pitchFamily="18" charset="0"/>
+                          </a:rPr>
+                          <m:t>𝑡</m:t>
+                        </m:r>
+                        <m:r>
+                          <a:rPr lang="en-GB" i="1">
+                            <a:latin typeface="Cambria Math" panose="02040503050406030204" pitchFamily="18" charset="0"/>
+                          </a:rPr>
+                          <m:t>,</m:t>
+                        </m:r>
+                        <m:r>
+                          <a:rPr lang="en-GB" i="1">
+                            <a:latin typeface="Cambria Math" panose="02040503050406030204" pitchFamily="18" charset="0"/>
+                          </a:rPr>
+                          <m:t>𝜃</m:t>
+                        </m:r>
+                      </m:e>
+                    </m:d>
+                    <m:r>
+                      <a:rPr lang="en-GB" i="1">
+                        <a:latin typeface="Cambria Math" panose="02040503050406030204" pitchFamily="18" charset="0"/>
+                      </a:rPr>
+                      <m:t>)</m:t>
+                    </m:r>
+                    <m:r>
+                      <a:rPr lang="en-GB">
+                        <a:latin typeface="Cambria Math" panose="02040503050406030204" pitchFamily="18" charset="0"/>
+                      </a:rPr>
+                      <m:t> </m:t>
+                    </m:r>
+                  </m:oMath>
+                </a14:m>
+                <a:r>
+                  <a:rPr lang="en-GB" dirty="0" smtClean="0"/>
+                  <a:t>= </a:t>
+                </a:r>
+                <a14:m>
+                  <m:oMath xmlns:m="http://schemas.openxmlformats.org/officeDocument/2006/math">
+                    <m:sSub>
+                      <m:sSubPr>
+                        <m:ctrlPr>
+                          <a:rPr lang="en-GB" i="1">
+                            <a:latin typeface="Cambria Math" panose="02040503050406030204" pitchFamily="18" charset="0"/>
+                          </a:rPr>
+                        </m:ctrlPr>
+                      </m:sSubPr>
+                      <m:e>
+                        <m:r>
+                          <a:rPr lang="en-GB" i="1">
+                            <a:latin typeface="Cambria Math" panose="02040503050406030204" pitchFamily="18" charset="0"/>
+                          </a:rPr>
+                          <m:t>𝑚𝑖𝑛</m:t>
+                        </m:r>
+                      </m:e>
+                      <m:sub>
+                        <m:r>
+                          <a:rPr lang="en-GB" i="1">
+                            <a:latin typeface="Cambria Math" panose="02040503050406030204" pitchFamily="18" charset="0"/>
+                          </a:rPr>
+                          <m:t>𝜃</m:t>
+                        </m:r>
+                      </m:sub>
+                    </m:sSub>
+                    <m:r>
+                      <a:rPr lang="en-GB" i="1">
+                        <a:latin typeface="Cambria Math" panose="02040503050406030204" pitchFamily="18" charset="0"/>
+                      </a:rPr>
+                      <m:t>𝑙</m:t>
+                    </m:r>
+                    <m:d>
+                      <m:dPr>
+                        <m:ctrlPr>
+                          <a:rPr lang="en-GB" i="1">
+                            <a:latin typeface="Cambria Math" panose="02040503050406030204" pitchFamily="18" charset="0"/>
+                          </a:rPr>
+                        </m:ctrlPr>
+                      </m:dPr>
+                      <m:e>
+                        <m:sSup>
+                          <m:sSupPr>
+                            <m:ctrlPr>
+                              <a:rPr lang="en-GB" b="0" i="1" smtClean="0">
+                                <a:latin typeface="Cambria Math" panose="02040503050406030204" pitchFamily="18" charset="0"/>
+                              </a:rPr>
+                            </m:ctrlPr>
+                          </m:sSupPr>
+                          <m:e>
+                            <m:r>
+                              <a:rPr lang="en-GB" b="0" i="1" smtClean="0">
+                                <a:latin typeface="Cambria Math" panose="02040503050406030204" pitchFamily="18" charset="0"/>
+                              </a:rPr>
+                              <m:t>𝐻</m:t>
+                            </m:r>
+                          </m:e>
+                          <m:sup>
+                            <m:r>
+                              <a:rPr lang="en-GB" b="0" i="1" smtClean="0">
+                                <a:latin typeface="Cambria Math" panose="02040503050406030204" pitchFamily="18" charset="0"/>
+                              </a:rPr>
+                              <m:t>−1</m:t>
+                            </m:r>
+                          </m:sup>
+                        </m:sSup>
+                        <m:r>
+                          <a:rPr lang="en-GB" i="1">
+                            <a:latin typeface="Cambria Math" panose="02040503050406030204" pitchFamily="18" charset="0"/>
+                          </a:rPr>
+                          <m:t>𝑦</m:t>
+                        </m:r>
+                        <m:d>
+                          <m:dPr>
+                            <m:ctrlPr>
+                              <a:rPr lang="en-GB" i="1">
+                                <a:latin typeface="Cambria Math" panose="02040503050406030204" pitchFamily="18" charset="0"/>
+                              </a:rPr>
+                            </m:ctrlPr>
+                          </m:dPr>
+                          <m:e>
+                            <m:r>
+                              <a:rPr lang="en-GB" i="1">
+                                <a:latin typeface="Cambria Math" panose="02040503050406030204" pitchFamily="18" charset="0"/>
+                              </a:rPr>
+                              <m:t>𝑡</m:t>
+                            </m:r>
+                          </m:e>
+                        </m:d>
+                        <m:r>
+                          <a:rPr lang="en-GB" b="0" i="1" smtClean="0">
+                            <a:latin typeface="Cambria Math" panose="02040503050406030204" pitchFamily="18" charset="0"/>
+                          </a:rPr>
+                          <m:t>−</m:t>
+                        </m:r>
+                        <m:sSup>
+                          <m:sSupPr>
+                            <m:ctrlPr>
+                              <a:rPr lang="en-GB" b="0" i="1" smtClean="0">
+                                <a:latin typeface="Cambria Math" panose="02040503050406030204" pitchFamily="18" charset="0"/>
+                              </a:rPr>
+                            </m:ctrlPr>
+                          </m:sSupPr>
+                          <m:e>
+                            <m:r>
+                              <a:rPr lang="en-GB" b="0" i="1" smtClean="0">
+                                <a:latin typeface="Cambria Math" panose="02040503050406030204" pitchFamily="18" charset="0"/>
+                              </a:rPr>
+                              <m:t>𝐻</m:t>
+                            </m:r>
+                          </m:e>
+                          <m:sup>
+                            <m:r>
+                              <a:rPr lang="en-GB" b="0" i="1" smtClean="0">
+                                <a:latin typeface="Cambria Math" panose="02040503050406030204" pitchFamily="18" charset="0"/>
+                              </a:rPr>
+                              <m:t>−1</m:t>
+                            </m:r>
+                          </m:sup>
+                        </m:sSup>
+                        <m:r>
+                          <a:rPr lang="en-GB" b="0" i="1" smtClean="0">
+                            <a:latin typeface="Cambria Math" panose="02040503050406030204" pitchFamily="18" charset="0"/>
+                          </a:rPr>
+                          <m:t>𝐺</m:t>
+                        </m:r>
+                        <m:r>
+                          <a:rPr lang="en-GB" i="1">
+                            <a:latin typeface="Cambria Math" panose="02040503050406030204" pitchFamily="18" charset="0"/>
+                          </a:rPr>
+                          <m:t>𝑢</m:t>
+                        </m:r>
+                        <m:d>
+                          <m:dPr>
+                            <m:ctrlPr>
+                              <a:rPr lang="en-GB" i="1">
+                                <a:latin typeface="Cambria Math" panose="02040503050406030204" pitchFamily="18" charset="0"/>
+                              </a:rPr>
+                            </m:ctrlPr>
+                          </m:dPr>
+                          <m:e>
+                            <m:r>
+                              <a:rPr lang="en-GB" i="1">
+                                <a:latin typeface="Cambria Math" panose="02040503050406030204" pitchFamily="18" charset="0"/>
+                              </a:rPr>
+                              <m:t>𝑡</m:t>
+                            </m:r>
+                            <m:r>
+                              <a:rPr lang="en-GB" i="1">
+                                <a:latin typeface="Cambria Math" panose="02040503050406030204" pitchFamily="18" charset="0"/>
+                              </a:rPr>
+                              <m:t>−</m:t>
+                            </m:r>
+                            <m:r>
+                              <a:rPr lang="en-GB" i="1">
+                                <a:latin typeface="Cambria Math" panose="02040503050406030204" pitchFamily="18" charset="0"/>
+                              </a:rPr>
+                              <m:t>𝑘</m:t>
+                            </m:r>
+                          </m:e>
+                        </m:d>
+                      </m:e>
+                    </m:d>
+                    <m:r>
+                      <a:rPr lang="en-GB" b="0" i="1" smtClean="0">
+                        <a:latin typeface="Cambria Math" panose="02040503050406030204" pitchFamily="18" charset="0"/>
+                      </a:rPr>
+                      <m:t>=</m:t>
+                    </m:r>
+                    <m:sSub>
+                      <m:sSubPr>
+                        <m:ctrlPr>
+                          <a:rPr lang="en-GB" i="1">
+                            <a:latin typeface="Cambria Math" panose="02040503050406030204" pitchFamily="18" charset="0"/>
+                          </a:rPr>
+                        </m:ctrlPr>
+                      </m:sSubPr>
+                      <m:e>
+                        <m:r>
+                          <a:rPr lang="en-GB" i="1">
+                            <a:latin typeface="Cambria Math" panose="02040503050406030204" pitchFamily="18" charset="0"/>
+                          </a:rPr>
+                          <m:t>𝑚𝑖𝑛</m:t>
+                        </m:r>
+                      </m:e>
+                      <m:sub>
+                        <m:r>
+                          <a:rPr lang="en-GB" i="1">
+                            <a:latin typeface="Cambria Math" panose="02040503050406030204" pitchFamily="18" charset="0"/>
+                          </a:rPr>
+                          <m:t>𝜃</m:t>
+                        </m:r>
+                      </m:sub>
+                    </m:sSub>
+                    <m:r>
+                      <a:rPr lang="en-GB" i="1">
+                        <a:latin typeface="Cambria Math" panose="02040503050406030204" pitchFamily="18" charset="0"/>
+                      </a:rPr>
+                      <m:t>𝑙</m:t>
+                    </m:r>
+                    <m:d>
+                      <m:dPr>
+                        <m:ctrlPr>
+                          <a:rPr lang="en-GB" i="1">
+                            <a:latin typeface="Cambria Math" panose="02040503050406030204" pitchFamily="18" charset="0"/>
+                          </a:rPr>
+                        </m:ctrlPr>
+                      </m:dPr>
+                      <m:e>
+                        <m:sSup>
+                          <m:sSupPr>
+                            <m:ctrlPr>
+                              <a:rPr lang="en-GB" i="1">
+                                <a:latin typeface="Cambria Math" panose="02040503050406030204" pitchFamily="18" charset="0"/>
+                              </a:rPr>
+                            </m:ctrlPr>
+                          </m:sSupPr>
+                          <m:e>
+                            <m:r>
+                              <a:rPr lang="en-GB" i="1">
+                                <a:latin typeface="Cambria Math" panose="02040503050406030204" pitchFamily="18" charset="0"/>
+                              </a:rPr>
+                              <m:t>𝐻</m:t>
+                            </m:r>
+                          </m:e>
+                          <m:sup>
+                            <m:r>
+                              <a:rPr lang="en-GB" i="1">
+                                <a:latin typeface="Cambria Math" panose="02040503050406030204" pitchFamily="18" charset="0"/>
+                              </a:rPr>
+                              <m:t>−1</m:t>
+                            </m:r>
+                          </m:sup>
+                        </m:sSup>
+                        <m:r>
+                          <a:rPr lang="en-GB" b="0" i="1" smtClean="0">
+                            <a:latin typeface="Cambria Math" panose="02040503050406030204" pitchFamily="18" charset="0"/>
+                          </a:rPr>
+                          <m:t>(</m:t>
+                        </m:r>
+                        <m:r>
+                          <a:rPr lang="en-GB" b="0" i="1" smtClean="0">
+                            <a:latin typeface="Cambria Math" panose="02040503050406030204" pitchFamily="18" charset="0"/>
+                          </a:rPr>
+                          <m:t>𝑦</m:t>
+                        </m:r>
+                        <m:d>
+                          <m:dPr>
+                            <m:ctrlPr>
+                              <a:rPr lang="en-GB" b="0" i="1" smtClean="0">
+                                <a:latin typeface="Cambria Math" panose="02040503050406030204" pitchFamily="18" charset="0"/>
+                              </a:rPr>
+                            </m:ctrlPr>
+                          </m:dPr>
+                          <m:e>
+                            <m:r>
+                              <a:rPr lang="en-GB" b="0" i="1" smtClean="0">
+                                <a:latin typeface="Cambria Math" panose="02040503050406030204" pitchFamily="18" charset="0"/>
+                              </a:rPr>
+                              <m:t>𝑡</m:t>
+                            </m:r>
+                          </m:e>
+                        </m:d>
+                        <m:r>
+                          <a:rPr lang="en-GB" b="0" i="1" smtClean="0">
+                            <a:latin typeface="Cambria Math" panose="02040503050406030204" pitchFamily="18" charset="0"/>
+                          </a:rPr>
+                          <m:t>−</m:t>
+                        </m:r>
+                        <m:r>
+                          <a:rPr lang="en-GB" i="1">
+                            <a:latin typeface="Cambria Math" panose="02040503050406030204" pitchFamily="18" charset="0"/>
+                          </a:rPr>
+                          <m:t>𝐺</m:t>
+                        </m:r>
+                        <m:r>
+                          <a:rPr lang="en-GB" i="1">
+                            <a:latin typeface="Cambria Math" panose="02040503050406030204" pitchFamily="18" charset="0"/>
+                          </a:rPr>
+                          <m:t>𝑢</m:t>
+                        </m:r>
+                        <m:d>
+                          <m:dPr>
+                            <m:ctrlPr>
+                              <a:rPr lang="en-GB" i="1">
+                                <a:latin typeface="Cambria Math" panose="02040503050406030204" pitchFamily="18" charset="0"/>
+                              </a:rPr>
+                            </m:ctrlPr>
+                          </m:dPr>
+                          <m:e>
+                            <m:r>
+                              <a:rPr lang="en-GB" i="1">
+                                <a:latin typeface="Cambria Math" panose="02040503050406030204" pitchFamily="18" charset="0"/>
+                              </a:rPr>
+                              <m:t>𝑡</m:t>
+                            </m:r>
+                            <m:r>
+                              <a:rPr lang="en-GB" i="1">
+                                <a:latin typeface="Cambria Math" panose="02040503050406030204" pitchFamily="18" charset="0"/>
+                              </a:rPr>
+                              <m:t>−</m:t>
+                            </m:r>
+                            <m:r>
+                              <a:rPr lang="en-GB" i="1">
+                                <a:latin typeface="Cambria Math" panose="02040503050406030204" pitchFamily="18" charset="0"/>
+                              </a:rPr>
+                              <m:t>𝑘</m:t>
+                            </m:r>
+                          </m:e>
+                        </m:d>
+                        <m:r>
+                          <a:rPr lang="en-GB" b="0" i="1" smtClean="0">
+                            <a:latin typeface="Cambria Math" panose="02040503050406030204" pitchFamily="18" charset="0"/>
+                          </a:rPr>
+                          <m:t>)</m:t>
+                        </m:r>
+                      </m:e>
+                    </m:d>
+                  </m:oMath>
+                </a14:m>
+                <a:endParaRPr lang="en-GB" dirty="0" smtClean="0"/>
+              </a:p>
+              <a:p>
+                <a:endParaRPr lang="en-GB" dirty="0"/>
+              </a:p>
+              <a:p>
+                <a:r>
+                  <a:rPr lang="en-GB" dirty="0" smtClean="0"/>
+                  <a:t>If we pose H=1 then we obtain a problem that address our project’s request (an OE model)</a:t>
+                </a:r>
+              </a:p>
+              <a:p>
+                <a:endParaRPr lang="en-GB" dirty="0"/>
+              </a:p>
+              <a:p>
+                <a:r>
+                  <a:rPr lang="en-GB" dirty="0" smtClean="0"/>
+                  <a:t>How good may be the </a:t>
+                </a:r>
+                <a:r>
+                  <a:rPr lang="en-GB" dirty="0" err="1" smtClean="0"/>
+                  <a:t>the</a:t>
+                </a:r>
+                <a:r>
+                  <a:rPr lang="en-GB" dirty="0" smtClean="0"/>
+                  <a:t> estimated G? </a:t>
+                </a:r>
+              </a:p>
+              <a:p>
+                <a:pPr marL="800100" lvl="1" indent="-342900">
+                  <a:buFont typeface="+mj-lt"/>
+                  <a:buAutoNum type="arabicPeriod"/>
+                </a:pPr>
+                <a:r>
+                  <a:rPr lang="en-GB" dirty="0" smtClean="0"/>
+                  <a:t>Consider that </a:t>
+                </a:r>
+                <a:r>
+                  <a:rPr lang="en-GB" dirty="0" err="1" smtClean="0"/>
+                  <a:t>y,u</a:t>
+                </a:r>
+                <a:r>
+                  <a:rPr lang="en-GB" dirty="0" smtClean="0"/>
+                  <a:t> are correlated, there is a feedback</a:t>
+                </a:r>
+              </a:p>
+              <a:p>
+                <a:pPr marL="800100" lvl="1" indent="-342900">
+                  <a:buFont typeface="+mj-lt"/>
+                  <a:buAutoNum type="arabicPeriod"/>
+                </a:pPr>
+                <a:r>
+                  <a:rPr lang="en-GB" dirty="0" smtClean="0"/>
+                  <a:t>We are also trying to estimate a noise (measurement noise, etc…) with the input u</a:t>
+                </a:r>
+              </a:p>
+              <a:p>
+                <a:endParaRPr lang="en-GB" dirty="0" smtClean="0"/>
+              </a:p>
+              <a:p>
+                <a:r>
+                  <a:rPr lang="en-GB" dirty="0" smtClean="0"/>
+                  <a:t>Though we obtain the best G </a:t>
+                </a:r>
+                <a:r>
+                  <a:rPr lang="en-GB" dirty="0" err="1"/>
+                  <a:t>s.t.</a:t>
+                </a:r>
+                <a:r>
+                  <a:rPr lang="en-GB" dirty="0"/>
+                  <a:t> </a:t>
+                </a:r>
+                <a14:m>
+                  <m:oMath xmlns:m="http://schemas.openxmlformats.org/officeDocument/2006/math">
+                    <m:r>
+                      <a:rPr lang="en-GB" i="1">
+                        <a:latin typeface="Cambria Math" panose="02040503050406030204" pitchFamily="18" charset="0"/>
+                      </a:rPr>
+                      <m:t>𝐺𝑢</m:t>
+                    </m:r>
+                    <m:d>
+                      <m:dPr>
+                        <m:ctrlPr>
+                          <a:rPr lang="en-GB" i="1">
+                            <a:latin typeface="Cambria Math" panose="02040503050406030204" pitchFamily="18" charset="0"/>
+                          </a:rPr>
+                        </m:ctrlPr>
+                      </m:dPr>
+                      <m:e>
+                        <m:r>
+                          <a:rPr lang="en-GB" i="1">
+                            <a:latin typeface="Cambria Math" panose="02040503050406030204" pitchFamily="18" charset="0"/>
+                          </a:rPr>
+                          <m:t>𝑡</m:t>
+                        </m:r>
+                        <m:r>
+                          <a:rPr lang="en-GB" i="1">
+                            <a:latin typeface="Cambria Math" panose="02040503050406030204" pitchFamily="18" charset="0"/>
+                          </a:rPr>
+                          <m:t>−</m:t>
+                        </m:r>
+                        <m:r>
+                          <a:rPr lang="en-GB" i="1">
+                            <a:latin typeface="Cambria Math" panose="02040503050406030204" pitchFamily="18" charset="0"/>
+                          </a:rPr>
+                          <m:t>𝑘</m:t>
+                        </m:r>
+                      </m:e>
+                    </m:d>
+                    <m:r>
+                      <a:rPr lang="en-GB" i="1">
+                        <a:latin typeface="Cambria Math" panose="02040503050406030204" pitchFamily="18" charset="0"/>
+                      </a:rPr>
+                      <m:t>∼</m:t>
+                    </m:r>
+                    <m:r>
+                      <a:rPr lang="en-GB" i="1">
+                        <a:latin typeface="Cambria Math" panose="02040503050406030204" pitchFamily="18" charset="0"/>
+                      </a:rPr>
+                      <m:t>𝑦</m:t>
+                    </m:r>
+                    <m:r>
+                      <a:rPr lang="en-GB" i="1">
+                        <a:latin typeface="Cambria Math" panose="02040503050406030204" pitchFamily="18" charset="0"/>
+                      </a:rPr>
+                      <m:t>(</m:t>
+                    </m:r>
+                    <m:r>
+                      <a:rPr lang="en-GB" i="1">
+                        <a:latin typeface="Cambria Math" panose="02040503050406030204" pitchFamily="18" charset="0"/>
+                      </a:rPr>
+                      <m:t>𝑡</m:t>
+                    </m:r>
+                    <m:r>
+                      <a:rPr lang="en-GB" i="1">
+                        <a:latin typeface="Cambria Math" panose="02040503050406030204" pitchFamily="18" charset="0"/>
+                      </a:rPr>
+                      <m:t>).</m:t>
+                    </m:r>
+                  </m:oMath>
+                </a14:m>
+                <a:endParaRPr lang="en-GB" dirty="0" smtClean="0"/>
+              </a:p>
+              <a:p>
+                <a:endParaRPr lang="en-GB" dirty="0"/>
+              </a:p>
+              <a:p>
+                <a:r>
+                  <a:rPr lang="en-GB" dirty="0" smtClean="0"/>
+                  <a:t>Now, how to choose the cost function?</a:t>
+                </a:r>
+                <a:endParaRPr lang="en-GB" dirty="0"/>
+              </a:p>
+              <a:p>
+                <a:pPr marL="800100" lvl="1" indent="-342900">
+                  <a:buFont typeface="+mj-lt"/>
+                  <a:buAutoNum type="arabicPeriod"/>
+                </a:pPr>
+                <a:endParaRPr lang="en-GB" dirty="0" smtClean="0"/>
+              </a:p>
+              <a:p>
+                <a:pPr marL="800100" lvl="1" indent="-342900">
+                  <a:buFont typeface="+mj-lt"/>
+                  <a:buAutoNum type="arabicPeriod"/>
+                </a:pPr>
+                <a:endParaRPr lang="en-GB" dirty="0" smtClean="0"/>
+              </a:p>
+              <a:p>
+                <a:pPr marL="342900" indent="-342900">
+                  <a:buFont typeface="+mj-lt"/>
+                  <a:buAutoNum type="arabicPeriod"/>
+                </a:pPr>
+                <a:endParaRPr lang="en-GB" dirty="0" smtClean="0"/>
+              </a:p>
+            </p:txBody>
+          </p:sp>
+        </mc:Choice>
+        <mc:Fallback>
+          <p:sp>
+            <p:nvSpPr>
+              <p:cNvPr id="5" name="TextBox 4"/>
+              <p:cNvSpPr txBox="1">
+                <a:spLocks noRot="1" noChangeAspect="1" noMove="1" noResize="1" noEditPoints="1" noAdjustHandles="1" noChangeArrowheads="1" noChangeShapeType="1" noTextEdit="1"/>
+              </p:cNvSpPr>
+              <p:nvPr/>
+            </p:nvSpPr>
+            <p:spPr>
+              <a:xfrm>
+                <a:off x="534099" y="1703934"/>
+                <a:ext cx="11425805" cy="4005968"/>
+              </a:xfrm>
+              <a:prstGeom prst="rect">
+                <a:avLst/>
+              </a:prstGeom>
+              <a:blipFill rotWithShape="0">
+                <a:blip r:embed="rId2"/>
+                <a:stretch>
+                  <a:fillRect l="-480" t="-457"/>
+                </a:stretch>
+              </a:blipFill>
+            </p:spPr>
+            <p:txBody>
+              <a:bodyPr/>
+              <a:lstStyle/>
+              <a:p>
+                <a:r>
+                  <a:rPr lang="en-GB">
+                    <a:noFill/>
+                  </a:rPr>
+                  <a:t> </a:t>
+                </a:r>
+              </a:p>
+            </p:txBody>
+          </p:sp>
+        </mc:Fallback>
+      </mc:AlternateContent>
+    </p:spTree>
+    <p:extLst>
+      <p:ext uri="{BB962C8B-B14F-4D97-AF65-F5344CB8AC3E}">
+        <p14:creationId xmlns:p14="http://schemas.microsoft.com/office/powerpoint/2010/main" val="4142777788"/>
+      </p:ext>
+    </p:extLst>
+  </p:cSld>
+  <p:clrMapOvr>
+    <a:masterClrMapping/>
+  </p:clrMapOvr>
+  <p:timing>
+    <p:tnLst>
+      <p:par>
+        <p:cTn id="1" dur="indefinite" restart="never" nodeType="tmRoot"/>
+      </p:par>
+    </p:tnLst>
+  </p:timing>
+</p:sld>
+</file>
+
+<file path=ppt/slides/slide21.xml><?xml version="1.0" encoding="utf-8"?>
+<p:sld xmlns:a="http://schemas.openxmlformats.org/drawingml/2006/main" xmlns:r="http://schemas.openxmlformats.org/officeDocument/2006/relationships" xmlns:p="http://schemas.openxmlformats.org/presentationml/2006/main">
+  <p:cSld>
+    <p:spTree>
+      <p:nvGrpSpPr>
+        <p:cNvPr id="1" name=""/>
+        <p:cNvGrpSpPr/>
+        <p:nvPr/>
+      </p:nvGrpSpPr>
+      <p:grpSpPr>
+        <a:xfrm>
+          <a:off x="0" y="0"/>
+          <a:ext cx="0" cy="0"/>
+          <a:chOff x="0" y="0"/>
+          <a:chExt cx="0" cy="0"/>
+        </a:xfrm>
+      </p:grpSpPr>
+      <p:sp>
+        <p:nvSpPr>
+          <p:cNvPr id="2" name="Slide Number Placeholder 1"/>
+          <p:cNvSpPr>
+            <a:spLocks noGrp="1"/>
+          </p:cNvSpPr>
+          <p:nvPr>
+            <p:ph type="sldNum" sz="quarter" idx="10"/>
+          </p:nvPr>
+        </p:nvSpPr>
+        <p:spPr/>
+        <p:txBody>
+          <a:bodyPr/>
+          <a:lstStyle/>
+          <a:p>
+            <a:fld id="{61155BBA-336D-4AED-BB34-E42D9706BCE7}" type="slidenum">
+              <a:rPr lang="it-IT" altLang="en-US" smtClean="0"/>
+              <a:pPr/>
+              <a:t>21</a:t>
             </a:fld>
             <a:endParaRPr lang="it-IT" altLang="en-US"/>
           </a:p>
@@ -13915,142 +15049,6 @@
 </p:sld>
 </file>
 
-<file path=ppt/slides/slide21.xml><?xml version="1.0" encoding="utf-8"?>
-<p:sld xmlns:a="http://schemas.openxmlformats.org/drawingml/2006/main" xmlns:r="http://schemas.openxmlformats.org/officeDocument/2006/relationships" xmlns:p="http://schemas.openxmlformats.org/presentationml/2006/main">
-  <p:cSld>
-    <p:spTree>
-      <p:nvGrpSpPr>
-        <p:cNvPr id="1" name=""/>
-        <p:cNvGrpSpPr/>
-        <p:nvPr/>
-      </p:nvGrpSpPr>
-      <p:grpSpPr>
-        <a:xfrm>
-          <a:off x="0" y="0"/>
-          <a:ext cx="0" cy="0"/>
-          <a:chOff x="0" y="0"/>
-          <a:chExt cx="0" cy="0"/>
-        </a:xfrm>
-      </p:grpSpPr>
-      <p:sp>
-        <p:nvSpPr>
-          <p:cNvPr id="2" name="Slide Number Placeholder 1"/>
-          <p:cNvSpPr>
-            <a:spLocks noGrp="1"/>
-          </p:cNvSpPr>
-          <p:nvPr>
-            <p:ph type="sldNum" sz="quarter" idx="10"/>
-          </p:nvPr>
-        </p:nvSpPr>
-        <p:spPr/>
-        <p:txBody>
-          <a:bodyPr/>
-          <a:lstStyle/>
-          <a:p>
-            <a:fld id="{61155BBA-336D-4AED-BB34-E42D9706BCE7}" type="slidenum">
-              <a:rPr lang="it-IT" altLang="en-US" smtClean="0"/>
-              <a:pPr/>
-              <a:t>21</a:t>
-            </a:fld>
-            <a:endParaRPr lang="it-IT" altLang="en-US"/>
-          </a:p>
-        </p:txBody>
-      </p:sp>
-      <p:sp>
-        <p:nvSpPr>
-          <p:cNvPr id="3" name="TextBox 2"/>
-          <p:cNvSpPr txBox="1"/>
-          <p:nvPr/>
-        </p:nvSpPr>
-        <p:spPr>
-          <a:xfrm>
-            <a:off x="4292140" y="1046490"/>
-            <a:ext cx="3715569" cy="523220"/>
-          </a:xfrm>
-          <a:prstGeom prst="rect">
-            <a:avLst/>
-          </a:prstGeom>
-          <a:noFill/>
-        </p:spPr>
-        <p:txBody>
-          <a:bodyPr wrap="none" rtlCol="0">
-            <a:spAutoFit/>
-          </a:bodyPr>
-          <a:lstStyle/>
-          <a:p>
-            <a:r>
-              <a:rPr lang="en-GB" sz="2800" b="1" i="1" dirty="0" smtClean="0">
-                <a:latin typeface="+mj-lt"/>
-              </a:rPr>
-              <a:t>MODEL VALIDATION</a:t>
-            </a:r>
-          </a:p>
-        </p:txBody>
-      </p:sp>
-      <p:sp>
-        <p:nvSpPr>
-          <p:cNvPr id="4" name="TextBox 3"/>
-          <p:cNvSpPr txBox="1"/>
-          <p:nvPr/>
-        </p:nvSpPr>
-        <p:spPr>
-          <a:xfrm>
-            <a:off x="7078960" y="173782"/>
-            <a:ext cx="2746393" cy="369332"/>
-          </a:xfrm>
-          <a:prstGeom prst="rect">
-            <a:avLst/>
-          </a:prstGeom>
-          <a:noFill/>
-        </p:spPr>
-        <p:txBody>
-          <a:bodyPr wrap="none" rtlCol="0">
-            <a:spAutoFit/>
-          </a:bodyPr>
-          <a:lstStyle/>
-          <a:p>
-            <a:r>
-              <a:rPr lang="en-GB" b="1" dirty="0" smtClean="0">
-                <a:solidFill>
-                  <a:srgbClr val="FF0000"/>
-                </a:solidFill>
-                <a:latin typeface="DejaVu Sans" panose="020B0603030804020204" pitchFamily="34" charset="0"/>
-                <a:ea typeface="DejaVu Sans" panose="020B0603030804020204" pitchFamily="34" charset="0"/>
-                <a:cs typeface="DejaVu Sans" panose="020B0603030804020204" pitchFamily="34" charset="0"/>
-              </a:rPr>
-              <a:t>MODEL VALIDATION</a:t>
-            </a:r>
-            <a:endParaRPr lang="en-GB" b="1" dirty="0">
-              <a:solidFill>
-                <a:srgbClr val="FF0000"/>
-              </a:solidFill>
-              <a:latin typeface="DejaVu Sans" panose="020B0603030804020204" pitchFamily="34" charset="0"/>
-              <a:ea typeface="DejaVu Sans" panose="020B0603030804020204" pitchFamily="34" charset="0"/>
-              <a:cs typeface="DejaVu Sans" panose="020B0603030804020204" pitchFamily="34" charset="0"/>
-            </a:endParaRPr>
-          </a:p>
-        </p:txBody>
-      </p:sp>
-    </p:spTree>
-    <p:extLst>
-      <p:ext uri="{BB962C8B-B14F-4D97-AF65-F5344CB8AC3E}">
-        <p14:creationId xmlns:p14="http://schemas.microsoft.com/office/powerpoint/2010/main" val="55177232"/>
-      </p:ext>
-    </p:extLst>
-  </p:cSld>
-  <p:clrMapOvr>
-    <a:masterClrMapping/>
-  </p:clrMapOvr>
-  <p:timing>
-    <p:tnLst>
-      <p:par>
-        <p:cTn id="1" dur="indefinite" restart="never" nodeType="tmRoot"/>
-      </p:par>
-    </p:tnLst>
-  </p:timing>
-</p:sld>
-</file>
-
 <file path=ppt/slides/slide22.xml><?xml version="1.0" encoding="utf-8"?>
 <p:sld xmlns:a="http://schemas.openxmlformats.org/drawingml/2006/main" xmlns:r="http://schemas.openxmlformats.org/officeDocument/2006/relationships" xmlns:p="http://schemas.openxmlformats.org/presentationml/2006/main">
   <p:cSld>
@@ -14100,8 +15098,8 @@
         </p:nvSpPr>
         <p:spPr>
           <a:xfrm>
-            <a:off x="4746912" y="1033790"/>
-            <a:ext cx="2698175" cy="523220"/>
+            <a:off x="4292140" y="1046490"/>
+            <a:ext cx="3715569" cy="523220"/>
           </a:xfrm>
           <a:prstGeom prst="rect">
             <a:avLst/>
@@ -14118,7 +15116,7 @@
               <a:rPr lang="en-GB" sz="2800" b="1" i="1" dirty="0" smtClean="0">
                 <a:latin typeface="+mj-lt"/>
               </a:rPr>
-              <a:t>CONCLUSION</a:t>
+              <a:t>MODEL VALIDATION</a:t>
             </a:r>
           </a:p>
         </p:txBody>
@@ -14131,8 +15129,8 @@
         </p:nvSpPr>
         <p:spPr>
           <a:xfrm>
-            <a:off x="6956299" y="173782"/>
-            <a:ext cx="3512308" cy="369332"/>
+            <a:off x="7078960" y="173782"/>
+            <a:ext cx="2746393" cy="369332"/>
           </a:xfrm>
           <a:prstGeom prst="rect">
             <a:avLst/>
@@ -14154,7 +15152,7 @@
                 <a:ea typeface="DejaVu Sans" panose="020B0603030804020204" pitchFamily="34" charset="0"/>
                 <a:cs typeface="DejaVu Sans" panose="020B0603030804020204" pitchFamily="34" charset="0"/>
               </a:rPr>
-              <a:t>CONCLUSION &amp; REMARKS</a:t>
+              <a:t>MODEL VALIDATION</a:t>
             </a:r>
             <a:endParaRPr lang="en-GB" b="1" dirty="0">
               <a:solidFill>
@@ -14167,10 +15165,155 @@
           </a:p>
         </p:txBody>
       </p:sp>
+      <mc:AlternateContent xmlns:mc="http://schemas.openxmlformats.org/markup-compatibility/2006">
+        <mc:Choice xmlns:a14="http://schemas.microsoft.com/office/drawing/2010/main" Requires="a14">
+          <p:sp>
+            <p:nvSpPr>
+              <p:cNvPr id="5" name="TextBox 4"/>
+              <p:cNvSpPr txBox="1"/>
+              <p:nvPr/>
+            </p:nvSpPr>
+            <p:spPr>
+              <a:xfrm>
+                <a:off x="0" y="4664985"/>
+                <a:ext cx="19574589" cy="1754326"/>
+              </a:xfrm>
+              <a:prstGeom prst="rect">
+                <a:avLst/>
+              </a:prstGeom>
+              <a:noFill/>
+            </p:spPr>
+            <p:txBody>
+              <a:bodyPr wrap="none" rtlCol="0">
+                <a:spAutoFit/>
+              </a:bodyPr>
+              <a:lstStyle/>
+              <a:p>
+                <a:r>
+                  <a:rPr lang="en-GB" dirty="0"/>
+                  <a:t>but we are training a model based on </a:t>
+                </a:r>
+                <a14:m>
+                  <m:oMath xmlns:m="http://schemas.openxmlformats.org/officeDocument/2006/math">
+                    <m:r>
+                      <a:rPr lang="en-GB" i="1">
+                        <a:latin typeface="Cambria Math" panose="02040503050406030204" pitchFamily="18" charset="0"/>
+                      </a:rPr>
+                      <m:t>(</m:t>
+                    </m:r>
+                    <m:r>
+                      <a:rPr lang="en-GB" i="1">
+                        <a:latin typeface="Cambria Math" panose="02040503050406030204" pitchFamily="18" charset="0"/>
+                      </a:rPr>
+                      <m:t>𝑦</m:t>
+                    </m:r>
+                    <m:r>
+                      <a:rPr lang="en-GB" i="1">
+                        <a:latin typeface="Cambria Math" panose="02040503050406030204" pitchFamily="18" charset="0"/>
+                      </a:rPr>
+                      <m:t>,</m:t>
+                    </m:r>
+                    <m:r>
+                      <a:rPr lang="en-GB" i="1">
+                        <a:latin typeface="Cambria Math" panose="02040503050406030204" pitchFamily="18" charset="0"/>
+                      </a:rPr>
+                      <m:t>𝑢</m:t>
+                    </m:r>
+                    <m:r>
+                      <a:rPr lang="en-GB" i="1">
+                        <a:latin typeface="Cambria Math" panose="02040503050406030204" pitchFamily="18" charset="0"/>
+                      </a:rPr>
+                      <m:t>)</m:t>
+                    </m:r>
+                  </m:oMath>
+                </a14:m>
+                <a:r>
+                  <a:rPr lang="en-GB" dirty="0"/>
+                  <a:t> data and then check the cost function on the same data -&gt; we get a biased result.</a:t>
+                </a:r>
+              </a:p>
+              <a:p>
+                <a:r>
+                  <a:rPr lang="en-GB" dirty="0"/>
+                  <a:t>To get unbiased results we need to test the cost function on a different data set.</a:t>
+                </a:r>
+              </a:p>
+              <a:p>
+                <a:endParaRPr lang="en-GB" dirty="0"/>
+              </a:p>
+              <a:p>
+                <a:r>
+                  <a:rPr lang="en-GB" dirty="0"/>
+                  <a:t>Unfortunately in this project the data is quite similar, though the second data set covariance function is a little different </a:t>
+                </a:r>
+                <a14:m>
+                  <m:oMath xmlns:m="http://schemas.openxmlformats.org/officeDocument/2006/math">
+                    <m:r>
+                      <a:rPr lang="en-GB" i="1">
+                        <a:latin typeface="Cambria Math" panose="02040503050406030204" pitchFamily="18" charset="0"/>
+                      </a:rPr>
+                      <m:t>⇒</m:t>
+                    </m:r>
+                  </m:oMath>
+                </a14:m>
+                <a:r>
+                  <a:rPr lang="en-GB" dirty="0"/>
+                  <a:t> We may test the cost function on a subset of this experiment. 	</a:t>
+                </a:r>
+                <a:endParaRPr lang="en-GB" dirty="0"/>
+              </a:p>
+              <a:p>
+                <a:endParaRPr lang="en-GB" dirty="0"/>
+              </a:p>
+              <a:p>
+                <a:endParaRPr lang="en-GB" dirty="0"/>
+              </a:p>
+            </p:txBody>
+          </p:sp>
+        </mc:Choice>
+        <mc:Fallback>
+          <p:sp>
+            <p:nvSpPr>
+              <p:cNvPr id="5" name="TextBox 4"/>
+              <p:cNvSpPr txBox="1">
+                <a:spLocks noRot="1" noChangeAspect="1" noMove="1" noResize="1" noEditPoints="1" noAdjustHandles="1" noChangeArrowheads="1" noChangeShapeType="1" noTextEdit="1"/>
+              </p:cNvSpPr>
+              <p:nvPr/>
+            </p:nvSpPr>
+            <p:spPr>
+              <a:xfrm>
+                <a:off x="0" y="4664985"/>
+                <a:ext cx="19574589" cy="1754326"/>
+              </a:xfrm>
+              <a:prstGeom prst="rect">
+                <a:avLst/>
+              </a:prstGeom>
+              <a:blipFill rotWithShape="0">
+                <a:blip r:embed="rId2"/>
+                <a:stretch>
+                  <a:fillRect l="-249" t="-1736"/>
+                </a:stretch>
+              </a:blipFill>
+            </p:spPr>
+            <p:txBody>
+              <a:bodyPr/>
+              <a:lstStyle/>
+              <a:p>
+                <a:r>
+                  <a:rPr lang="en-GB">
+                    <a:noFill/>
+                  </a:rPr>
+                  <a:t> </a:t>
+                </a:r>
+              </a:p>
+            </p:txBody>
+          </p:sp>
+        </mc:Fallback>
+      </mc:AlternateContent>
     </p:spTree>
     <p:extLst>
       <p:ext uri="{BB962C8B-B14F-4D97-AF65-F5344CB8AC3E}">
-        <p14:creationId xmlns:p14="http://schemas.microsoft.com/office/powerpoint/2010/main" val="2463455316"/>
+        <p14:creationId xmlns:p14="http://schemas.microsoft.com/office/powerpoint/2010/main" val="55177232"/>
       </p:ext>
     </p:extLst>
   </p:cSld>
@@ -14230,87 +15373,75 @@
       </p:sp>
       <p:sp>
         <p:nvSpPr>
-          <p:cNvPr id="4" name="Rectangle 3"/>
-          <p:cNvSpPr/>
+          <p:cNvPr id="3" name="TextBox 2"/>
+          <p:cNvSpPr txBox="1"/>
           <p:nvPr/>
         </p:nvSpPr>
         <p:spPr>
           <a:xfrm>
-            <a:off x="2444744" y="2588350"/>
-            <a:ext cx="7302512" cy="1754326"/>
+            <a:off x="4746912" y="1033790"/>
+            <a:ext cx="2698175" cy="523220"/>
           </a:xfrm>
           <a:prstGeom prst="rect">
             <a:avLst/>
           </a:prstGeom>
+          <a:noFill/>
         </p:spPr>
-        <p:style>
-          <a:lnRef idx="3">
-            <a:schemeClr val="lt1"/>
-          </a:lnRef>
-          <a:fillRef idx="1">
-            <a:schemeClr val="accent5"/>
-          </a:fillRef>
-          <a:effectRef idx="1">
-            <a:schemeClr val="accent5"/>
-          </a:effectRef>
-          <a:fontRef idx="minor">
-            <a:schemeClr val="lt1"/>
-          </a:fontRef>
-        </p:style>
         <p:txBody>
-          <a:bodyPr wrap="none" lIns="91440" tIns="45720" rIns="91440" bIns="45720">
+          <a:bodyPr wrap="none" rtlCol="0">
             <a:spAutoFit/>
           </a:bodyPr>
           <a:lstStyle/>
           <a:p>
-            <a:pPr algn="ctr"/>
-            <a:r>
-              <a:rPr lang="en-US" sz="5400" b="0" cap="none" spc="0" dirty="0" smtClean="0">
-                <a:ln w="0"/>
+            <a:r>
+              <a:rPr lang="en-GB" sz="2800" b="1" i="1" dirty="0" smtClean="0">
+                <a:latin typeface="+mj-lt"/>
+              </a:rPr>
+              <a:t>CONCLUSION</a:t>
+            </a:r>
+          </a:p>
+        </p:txBody>
+      </p:sp>
+      <p:sp>
+        <p:nvSpPr>
+          <p:cNvPr id="4" name="TextBox 3"/>
+          <p:cNvSpPr txBox="1"/>
+          <p:nvPr/>
+        </p:nvSpPr>
+        <p:spPr>
+          <a:xfrm>
+            <a:off x="6956299" y="173782"/>
+            <a:ext cx="3512308" cy="369332"/>
+          </a:xfrm>
+          <a:prstGeom prst="rect">
+            <a:avLst/>
+          </a:prstGeom>
+          <a:noFill/>
+        </p:spPr>
+        <p:txBody>
+          <a:bodyPr wrap="none" rtlCol="0">
+            <a:spAutoFit/>
+          </a:bodyPr>
+          <a:lstStyle/>
+          <a:p>
+            <a:r>
+              <a:rPr lang="en-GB" b="1" dirty="0" smtClean="0">
                 <a:solidFill>
-                  <a:schemeClr val="tx1"/>
+                  <a:srgbClr val="FF0000"/>
                 </a:solidFill>
-                <a:effectLst>
-                  <a:outerShdw blurRad="38100" dist="19050" dir="2700000" algn="tl" rotWithShape="0">
-                    <a:schemeClr val="dk1">
-                      <a:alpha val="40000"/>
-                    </a:schemeClr>
-                  </a:outerShdw>
-                </a:effectLst>
+                <a:latin typeface="DejaVu Sans" panose="020B0603030804020204" pitchFamily="34" charset="0"/>
+                <a:ea typeface="DejaVu Sans" panose="020B0603030804020204" pitchFamily="34" charset="0"/>
+                <a:cs typeface="DejaVu Sans" panose="020B0603030804020204" pitchFamily="34" charset="0"/>
               </a:rPr>
-              <a:t>WHAT WENT WRONG</a:t>
-            </a:r>
-          </a:p>
-          <a:p>
-            <a:pPr algn="ctr"/>
-            <a:r>
-              <a:rPr lang="en-US" sz="5400" dirty="0" smtClean="0">
-                <a:ln w="0"/>
-                <a:solidFill>
-                  <a:schemeClr val="tx1"/>
-                </a:solidFill>
-                <a:effectLst>
-                  <a:outerShdw blurRad="38100" dist="19050" dir="2700000" algn="tl" rotWithShape="0">
-                    <a:schemeClr val="dk1">
-                      <a:alpha val="40000"/>
-                    </a:schemeClr>
-                  </a:outerShdw>
-                </a:effectLst>
-              </a:rPr>
-              <a:t>AND WHY</a:t>
-            </a:r>
-            <a:endParaRPr lang="en-US" sz="5400" b="0" cap="none" spc="0" dirty="0">
-              <a:ln w="0"/>
+              <a:t>CONCLUSION &amp; REMARKS</a:t>
+            </a:r>
+            <a:endParaRPr lang="en-GB" b="1" dirty="0">
               <a:solidFill>
-                <a:schemeClr val="tx1"/>
+                <a:srgbClr val="FF0000"/>
               </a:solidFill>
-              <a:effectLst>
-                <a:outerShdw blurRad="38100" dist="19050" dir="2700000" algn="tl" rotWithShape="0">
-                  <a:schemeClr val="dk1">
-                    <a:alpha val="40000"/>
-                  </a:schemeClr>
-                </a:outerShdw>
-              </a:effectLst>
+              <a:latin typeface="DejaVu Sans" panose="020B0603030804020204" pitchFamily="34" charset="0"/>
+              <a:ea typeface="DejaVu Sans" panose="020B0603030804020204" pitchFamily="34" charset="0"/>
+              <a:cs typeface="DejaVu Sans" panose="020B0603030804020204" pitchFamily="34" charset="0"/>
             </a:endParaRPr>
           </a:p>
         </p:txBody>
@@ -14318,7 +15449,7 @@
     </p:spTree>
     <p:extLst>
       <p:ext uri="{BB962C8B-B14F-4D97-AF65-F5344CB8AC3E}">
-        <p14:creationId xmlns:p14="http://schemas.microsoft.com/office/powerpoint/2010/main" val="548125632"/>
+        <p14:creationId xmlns:p14="http://schemas.microsoft.com/office/powerpoint/2010/main" val="2463455316"/>
       </p:ext>
     </p:extLst>
   </p:cSld>
@@ -14371,6 +15502,154 @@
               <a:rPr lang="it-IT" altLang="en-US" smtClean="0"/>
               <a:pPr/>
               <a:t>24</a:t>
+            </a:fld>
+            <a:endParaRPr lang="it-IT" altLang="en-US"/>
+          </a:p>
+        </p:txBody>
+      </p:sp>
+      <p:sp>
+        <p:nvSpPr>
+          <p:cNvPr id="4" name="Rectangle 3"/>
+          <p:cNvSpPr/>
+          <p:nvPr/>
+        </p:nvSpPr>
+        <p:spPr>
+          <a:xfrm>
+            <a:off x="2444744" y="2588350"/>
+            <a:ext cx="7302512" cy="1754326"/>
+          </a:xfrm>
+          <a:prstGeom prst="rect">
+            <a:avLst/>
+          </a:prstGeom>
+        </p:spPr>
+        <p:style>
+          <a:lnRef idx="3">
+            <a:schemeClr val="lt1"/>
+          </a:lnRef>
+          <a:fillRef idx="1">
+            <a:schemeClr val="accent5"/>
+          </a:fillRef>
+          <a:effectRef idx="1">
+            <a:schemeClr val="accent5"/>
+          </a:effectRef>
+          <a:fontRef idx="minor">
+            <a:schemeClr val="lt1"/>
+          </a:fontRef>
+        </p:style>
+        <p:txBody>
+          <a:bodyPr wrap="none" lIns="91440" tIns="45720" rIns="91440" bIns="45720">
+            <a:spAutoFit/>
+          </a:bodyPr>
+          <a:lstStyle/>
+          <a:p>
+            <a:pPr algn="ctr"/>
+            <a:r>
+              <a:rPr lang="en-US" sz="5400" b="0" cap="none" spc="0" dirty="0" smtClean="0">
+                <a:ln w="0"/>
+                <a:solidFill>
+                  <a:schemeClr val="tx1"/>
+                </a:solidFill>
+                <a:effectLst>
+                  <a:outerShdw blurRad="38100" dist="19050" dir="2700000" algn="tl" rotWithShape="0">
+                    <a:schemeClr val="dk1">
+                      <a:alpha val="40000"/>
+                    </a:schemeClr>
+                  </a:outerShdw>
+                </a:effectLst>
+              </a:rPr>
+              <a:t>WHAT WENT WRONG</a:t>
+            </a:r>
+          </a:p>
+          <a:p>
+            <a:pPr algn="ctr"/>
+            <a:r>
+              <a:rPr lang="en-US" sz="5400" dirty="0" smtClean="0">
+                <a:ln w="0"/>
+                <a:solidFill>
+                  <a:schemeClr val="tx1"/>
+                </a:solidFill>
+                <a:effectLst>
+                  <a:outerShdw blurRad="38100" dist="19050" dir="2700000" algn="tl" rotWithShape="0">
+                    <a:schemeClr val="dk1">
+                      <a:alpha val="40000"/>
+                    </a:schemeClr>
+                  </a:outerShdw>
+                </a:effectLst>
+              </a:rPr>
+              <a:t>AND WHY</a:t>
+            </a:r>
+            <a:endParaRPr lang="en-US" sz="5400" b="0" cap="none" spc="0" dirty="0">
+              <a:ln w="0"/>
+              <a:solidFill>
+                <a:schemeClr val="tx1"/>
+              </a:solidFill>
+              <a:effectLst>
+                <a:outerShdw blurRad="38100" dist="19050" dir="2700000" algn="tl" rotWithShape="0">
+                  <a:schemeClr val="dk1">
+                    <a:alpha val="40000"/>
+                  </a:schemeClr>
+                </a:outerShdw>
+              </a:effectLst>
+            </a:endParaRPr>
+          </a:p>
+        </p:txBody>
+      </p:sp>
+    </p:spTree>
+    <p:extLst>
+      <p:ext uri="{BB962C8B-B14F-4D97-AF65-F5344CB8AC3E}">
+        <p14:creationId xmlns:p14="http://schemas.microsoft.com/office/powerpoint/2010/main" val="548125632"/>
+      </p:ext>
+    </p:extLst>
+  </p:cSld>
+  <p:clrMapOvr>
+    <a:masterClrMapping/>
+  </p:clrMapOvr>
+  <p:timing>
+    <p:tnLst>
+      <p:par>
+        <p:cTn id="1" dur="indefinite" restart="never" nodeType="tmRoot"/>
+      </p:par>
+    </p:tnLst>
+  </p:timing>
+</p:sld>
+</file>
+
+<file path=ppt/slides/slide25.xml><?xml version="1.0" encoding="utf-8"?>
+<p:sld xmlns:a="http://schemas.openxmlformats.org/drawingml/2006/main" xmlns:r="http://schemas.openxmlformats.org/officeDocument/2006/relationships" xmlns:p="http://schemas.openxmlformats.org/presentationml/2006/main">
+  <p:cSld>
+    <p:spTree>
+      <p:nvGrpSpPr>
+        <p:cNvPr id="1" name=""/>
+        <p:cNvGrpSpPr/>
+        <p:nvPr/>
+      </p:nvGrpSpPr>
+      <p:grpSpPr>
+        <a:xfrm>
+          <a:off x="0" y="0"/>
+          <a:ext cx="0" cy="0"/>
+          <a:chOff x="0" y="0"/>
+          <a:chExt cx="0" cy="0"/>
+        </a:xfrm>
+      </p:grpSpPr>
+      <p:sp>
+        <p:nvSpPr>
+          <p:cNvPr id="2" name="Slide Number Placeholder 1"/>
+          <p:cNvSpPr>
+            <a:spLocks noGrp="1"/>
+          </p:cNvSpPr>
+          <p:nvPr>
+            <p:ph type="sldNum" sz="quarter" idx="10"/>
+          </p:nvPr>
+        </p:nvSpPr>
+        <p:spPr/>
+        <p:txBody>
+          <a:bodyPr/>
+          <a:lstStyle/>
+          <a:p>
+            <a:fld id="{61155BBA-336D-4AED-BB34-E42D9706BCE7}" type="slidenum">
+              <a:rPr lang="it-IT" altLang="en-US" smtClean="0"/>
+              <a:pPr/>
+              <a:t>25</a:t>
             </a:fld>
             <a:endParaRPr lang="it-IT" altLang="en-US"/>
           </a:p>

--- a/report/Report.pptx
+++ b/report/Report.pptx
@@ -13754,8 +13754,8 @@
             </p:nvSpPr>
             <p:spPr>
               <a:xfrm>
-                <a:off x="494950" y="1988191"/>
-                <a:ext cx="10863744" cy="2519344"/>
+                <a:off x="546790" y="1677798"/>
+                <a:ext cx="10863744" cy="4759829"/>
               </a:xfrm>
               <a:prstGeom prst="rect">
                 <a:avLst/>
@@ -14092,21 +14092,33 @@
                         </m:d>
                       </m:e>
                       <m:sub>
-                        <m:r>
-                          <a:rPr lang="en-GB" b="0" i="1" smtClean="0">
-                            <a:latin typeface="Cambria Math" panose="02040503050406030204" pitchFamily="18" charset="0"/>
-                          </a:rPr>
-                          <m:t>2</m:t>
-                        </m:r>
+                        <m:sSup>
+                          <m:sSupPr>
+                            <m:ctrlPr>
+                              <a:rPr lang="en-GB" b="0" i="1" smtClean="0">
+                                <a:latin typeface="Cambria Math" panose="02040503050406030204" pitchFamily="18" charset="0"/>
+                              </a:rPr>
+                            </m:ctrlPr>
+                          </m:sSupPr>
+                          <m:e>
+                            <m:r>
+                              <a:rPr lang="en-GB" b="0" i="1" smtClean="0">
+                                <a:latin typeface="Cambria Math" panose="02040503050406030204" pitchFamily="18" charset="0"/>
+                              </a:rPr>
+                              <m:t>𝐿</m:t>
+                            </m:r>
+                          </m:e>
+                          <m:sup>
+                            <m:r>
+                              <a:rPr lang="en-GB" b="0" i="1" smtClean="0">
+                                <a:latin typeface="Cambria Math" panose="02040503050406030204" pitchFamily="18" charset="0"/>
+                              </a:rPr>
+                              <m:t>2</m:t>
+                            </m:r>
+                          </m:sup>
+                        </m:sSup>
                       </m:sub>
-                      <m:sup>
-                        <m:r>
-                          <a:rPr lang="en-GB" b="0" i="1" smtClean="0">
-                            <a:latin typeface="Cambria Math" panose="02040503050406030204" pitchFamily="18" charset="0"/>
-                          </a:rPr>
-                          <m:t>2</m:t>
-                        </m:r>
-                      </m:sup>
+                      <m:sup/>
                     </m:sSubSup>
                     <m:r>
                       <a:rPr lang="en-GB" b="0" i="1" smtClean="0">
@@ -14215,21 +14227,33 @@
                         </m:d>
                       </m:e>
                       <m:sub>
-                        <m:r>
-                          <a:rPr lang="en-GB" i="1">
-                            <a:latin typeface="Cambria Math" panose="02040503050406030204" pitchFamily="18" charset="0"/>
-                          </a:rPr>
-                          <m:t>2</m:t>
-                        </m:r>
+                        <m:sSup>
+                          <m:sSupPr>
+                            <m:ctrlPr>
+                              <a:rPr lang="en-GB" b="0" i="1" smtClean="0">
+                                <a:latin typeface="Cambria Math" panose="02040503050406030204" pitchFamily="18" charset="0"/>
+                              </a:rPr>
+                            </m:ctrlPr>
+                          </m:sSupPr>
+                          <m:e>
+                            <m:r>
+                              <a:rPr lang="en-GB" b="0" i="1" smtClean="0">
+                                <a:latin typeface="Cambria Math" panose="02040503050406030204" pitchFamily="18" charset="0"/>
+                              </a:rPr>
+                              <m:t>𝐿</m:t>
+                            </m:r>
+                          </m:e>
+                          <m:sup>
+                            <m:r>
+                              <a:rPr lang="en-GB" b="0" i="1" smtClean="0">
+                                <a:latin typeface="Cambria Math" panose="02040503050406030204" pitchFamily="18" charset="0"/>
+                              </a:rPr>
+                              <m:t>2</m:t>
+                            </m:r>
+                          </m:sup>
+                        </m:sSup>
                       </m:sub>
-                      <m:sup>
-                        <m:r>
-                          <a:rPr lang="en-GB" i="1">
-                            <a:latin typeface="Cambria Math" panose="02040503050406030204" pitchFamily="18" charset="0"/>
-                          </a:rPr>
-                          <m:t>2</m:t>
-                        </m:r>
-                      </m:sup>
+                      <m:sup/>
                     </m:sSubSup>
                   </m:oMath>
                 </a14:m>
@@ -14373,7 +14397,7 @@
                 </a14:m>
                 <a:r>
                   <a:rPr lang="en-GB" dirty="0" smtClean="0"/>
-                  <a:t> </a:t>
+                  <a:t>  </a:t>
                 </a:r>
                 <a14:m>
                   <m:oMath xmlns:m="http://schemas.openxmlformats.org/officeDocument/2006/math">
@@ -14718,7 +14742,7 @@
                       <a:rPr lang="en-GB" b="0" i="1" smtClean="0">
                         <a:latin typeface="Cambria Math" panose="02040503050406030204" pitchFamily="18" charset="0"/>
                       </a:rPr>
-                      <m:t>𝑓𝑖𝑡</m:t>
+                      <m:t>𝑚𝑓𝑖𝑡</m:t>
                     </m:r>
                     <m:d>
                       <m:dPr>
@@ -14983,9 +15007,65 @@
                 </a14:m>
                 <a:r>
                   <a:rPr lang="en-GB" dirty="0" smtClean="0"/>
-                  <a:t> fit function</a:t>
+                  <a:t> matlab fit function</a:t>
                 </a:r>
+              </a:p>
+              <a:p>
+                <a:pPr marL="342900" indent="-342900">
+                  <a:buFont typeface="+mj-lt"/>
+                  <a:buAutoNum type="arabicPeriod"/>
+                </a:pPr>
                 <a:endParaRPr lang="en-GB" dirty="0"/>
+              </a:p>
+              <a:p>
+                <a:r>
+                  <a:rPr lang="en-GB" dirty="0" smtClean="0"/>
+                  <a:t>For sure the  3</a:t>
+                </a:r>
+                <a:r>
+                  <a:rPr lang="en-GB" baseline="30000" dirty="0" smtClean="0"/>
+                  <a:t>rd</a:t>
+                </a:r>
+                <a:r>
+                  <a:rPr lang="en-GB" dirty="0" smtClean="0"/>
+                  <a:t>  cost function is the most </a:t>
+                </a:r>
+                <a:r>
+                  <a:rPr lang="en-GB" dirty="0" err="1" smtClean="0"/>
+                  <a:t>unappropriate</a:t>
+                </a:r>
+                <a:r>
+                  <a:rPr lang="en-GB" dirty="0" smtClean="0"/>
+                  <a:t>, since it tries to minimise the maximum error, which may be given by a noise peak.</a:t>
+                </a:r>
+              </a:p>
+              <a:p>
+                <a:r>
+                  <a:rPr lang="en-GB" dirty="0" smtClean="0"/>
+                  <a:t>Minimising the 4</a:t>
+                </a:r>
+                <a:r>
+                  <a:rPr lang="en-GB" baseline="30000" dirty="0" smtClean="0"/>
+                  <a:t>th</a:t>
+                </a:r>
+                <a:r>
+                  <a:rPr lang="en-GB" dirty="0" smtClean="0"/>
+                  <a:t> or the 1</a:t>
+                </a:r>
+                <a:r>
+                  <a:rPr lang="en-GB" baseline="30000" dirty="0" smtClean="0"/>
+                  <a:t>st</a:t>
+                </a:r>
+                <a:r>
+                  <a:rPr lang="en-GB" dirty="0" smtClean="0"/>
+                  <a:t> is the same since we are using the Euclidean norm, which minimise the variance of the error. Again, we may have peaks given by the noise, though if we have enough points may have no influence.</a:t>
+                </a:r>
+              </a:p>
+              <a:p>
+                <a:r>
+                  <a:rPr lang="en-GB" dirty="0" smtClean="0"/>
+                  <a:t>Minimising the L^2 norm is equal to have a global convergence, peaks are not overrated since we are integrating.</a:t>
+                </a:r>
               </a:p>
             </p:txBody>
           </p:sp>
@@ -15001,8 +15081,8 @@
             </p:nvSpPr>
             <p:spPr>
               <a:xfrm>
-                <a:off x="494950" y="1988191"/>
-                <a:ext cx="10863744" cy="2519344"/>
+                <a:off x="546790" y="1677798"/>
+                <a:ext cx="10863744" cy="4759829"/>
               </a:xfrm>
               <a:prstGeom prst="rect">
                 <a:avLst/>
@@ -15010,7 +15090,7 @@
               <a:blipFill rotWithShape="0">
                 <a:blip r:embed="rId2"/>
                 <a:stretch>
-                  <a:fillRect l="-393"/>
+                  <a:fillRect l="-505" b="-1152"/>
                 </a:stretch>
               </a:blipFill>
             </p:spPr>

--- a/report/Report.pptx
+++ b/report/Report.pptx
@@ -28,10 +28,12 @@
     <p:sldId id="279" r:id="rId22"/>
     <p:sldId id="281" r:id="rId23"/>
     <p:sldId id="280" r:id="rId24"/>
-    <p:sldId id="264" r:id="rId25"/>
-    <p:sldId id="265" r:id="rId26"/>
-    <p:sldId id="277" r:id="rId27"/>
-    <p:sldId id="278" r:id="rId28"/>
+    <p:sldId id="283" r:id="rId25"/>
+    <p:sldId id="282" r:id="rId26"/>
+    <p:sldId id="264" r:id="rId27"/>
+    <p:sldId id="265" r:id="rId28"/>
+    <p:sldId id="277" r:id="rId29"/>
+    <p:sldId id="278" r:id="rId30"/>
   </p:sldIdLst>
   <p:sldSz cx="12192000" cy="6858000"/>
   <p:notesSz cx="6858000" cy="9144000"/>
@@ -13755,7 +13757,7 @@
             <p:spPr>
               <a:xfrm>
                 <a:off x="546790" y="1677798"/>
-                <a:ext cx="10863744" cy="4759829"/>
+                <a:ext cx="10863744" cy="4482830"/>
               </a:xfrm>
               <a:prstGeom prst="rect">
                 <a:avLst/>
@@ -15058,13 +15060,13 @@
                 </a:r>
                 <a:r>
                   <a:rPr lang="en-GB" dirty="0" smtClean="0"/>
-                  <a:t> is the same since we are using the Euclidean norm, which minimise the variance of the error. Again, we may have peaks given by the noise, though if we have enough points may have no influence.</a:t>
+                  <a:t> is the same since we are using the Euclidean norm, which minimise the variance of the error. Again, we may have peaks given by the noise, though if we have enough points may have no influence =&gt; global convergence.</a:t>
                 </a:r>
               </a:p>
               <a:p>
                 <a:r>
                   <a:rPr lang="en-GB" dirty="0" smtClean="0"/>
-                  <a:t>Minimising the L^2 norm is equal to have a global convergence, peaks are not overrated since we are integrating.</a:t>
+                  <a:t>The L^2 norm is simply the first cost function.</a:t>
                 </a:r>
               </a:p>
             </p:txBody>
@@ -15082,7 +15084,7 @@
             <p:spPr>
               <a:xfrm>
                 <a:off x="546790" y="1677798"/>
-                <a:ext cx="10863744" cy="4759829"/>
+                <a:ext cx="10863744" cy="4482830"/>
               </a:xfrm>
               <a:prstGeom prst="rect">
                 <a:avLst/>
@@ -15090,7 +15092,7 @@
               <a:blipFill rotWithShape="0">
                 <a:blip r:embed="rId2"/>
                 <a:stretch>
-                  <a:fillRect l="-505" b="-1152"/>
+                  <a:fillRect l="-505" b="-1223"/>
                 </a:stretch>
               </a:blipFill>
             </p:spPr>
@@ -15165,6 +15167,1546 @@
               <a:rPr lang="it-IT" altLang="en-US" smtClean="0"/>
               <a:pPr/>
               <a:t>22</a:t>
+            </a:fld>
+            <a:endParaRPr lang="it-IT" altLang="en-US"/>
+          </a:p>
+        </p:txBody>
+      </p:sp>
+      <p:sp>
+        <p:nvSpPr>
+          <p:cNvPr id="3" name="TextBox 2"/>
+          <p:cNvSpPr txBox="1"/>
+          <p:nvPr/>
+        </p:nvSpPr>
+        <p:spPr>
+          <a:xfrm>
+            <a:off x="2102986" y="1054879"/>
+            <a:ext cx="7751353" cy="523220"/>
+          </a:xfrm>
+          <a:prstGeom prst="rect">
+            <a:avLst/>
+          </a:prstGeom>
+          <a:noFill/>
+        </p:spPr>
+        <p:txBody>
+          <a:bodyPr wrap="none" rtlCol="0">
+            <a:spAutoFit/>
+          </a:bodyPr>
+          <a:lstStyle/>
+          <a:p>
+            <a:r>
+              <a:rPr lang="en-GB" sz="2800" b="1" i="1" dirty="0" smtClean="0">
+                <a:latin typeface="+mj-lt"/>
+              </a:rPr>
+              <a:t>MODEL </a:t>
+            </a:r>
+            <a:r>
+              <a:rPr lang="en-GB" sz="2800" b="1" i="1" dirty="0" smtClean="0">
+                <a:latin typeface="+mj-lt"/>
+              </a:rPr>
+              <a:t>IDENTIFICATION – LOSS FUNCTION</a:t>
+            </a:r>
+            <a:endParaRPr lang="en-GB" sz="2800" b="1" i="1" dirty="0" smtClean="0">
+              <a:latin typeface="+mj-lt"/>
+            </a:endParaRPr>
+          </a:p>
+        </p:txBody>
+      </p:sp>
+      <p:sp>
+        <p:nvSpPr>
+          <p:cNvPr id="4" name="TextBox 3"/>
+          <p:cNvSpPr txBox="1"/>
+          <p:nvPr/>
+        </p:nvSpPr>
+        <p:spPr>
+          <a:xfrm>
+            <a:off x="7078960" y="173782"/>
+            <a:ext cx="3266985" cy="369332"/>
+          </a:xfrm>
+          <a:prstGeom prst="rect">
+            <a:avLst/>
+          </a:prstGeom>
+          <a:noFill/>
+        </p:spPr>
+        <p:txBody>
+          <a:bodyPr wrap="none" rtlCol="0">
+            <a:spAutoFit/>
+          </a:bodyPr>
+          <a:lstStyle/>
+          <a:p>
+            <a:r>
+              <a:rPr lang="en-GB" b="1" dirty="0" smtClean="0">
+                <a:solidFill>
+                  <a:srgbClr val="FF0000"/>
+                </a:solidFill>
+                <a:latin typeface="DejaVu Sans" panose="020B0603030804020204" pitchFamily="34" charset="0"/>
+                <a:ea typeface="DejaVu Sans" panose="020B0603030804020204" pitchFamily="34" charset="0"/>
+                <a:cs typeface="DejaVu Sans" panose="020B0603030804020204" pitchFamily="34" charset="0"/>
+              </a:rPr>
+              <a:t>MODEL IDENTIFICATION</a:t>
+            </a:r>
+            <a:endParaRPr lang="en-GB" b="1" dirty="0">
+              <a:solidFill>
+                <a:srgbClr val="FF0000"/>
+              </a:solidFill>
+              <a:latin typeface="DejaVu Sans" panose="020B0603030804020204" pitchFamily="34" charset="0"/>
+              <a:ea typeface="DejaVu Sans" panose="020B0603030804020204" pitchFamily="34" charset="0"/>
+              <a:cs typeface="DejaVu Sans" panose="020B0603030804020204" pitchFamily="34" charset="0"/>
+            </a:endParaRPr>
+          </a:p>
+        </p:txBody>
+      </p:sp>
+      <mc:AlternateContent xmlns:mc="http://schemas.openxmlformats.org/markup-compatibility/2006">
+        <mc:Choice xmlns:a14="http://schemas.microsoft.com/office/drawing/2010/main" Requires="a14">
+          <p:sp>
+            <p:nvSpPr>
+              <p:cNvPr id="6" name="TextBox 5"/>
+              <p:cNvSpPr txBox="1"/>
+              <p:nvPr/>
+            </p:nvSpPr>
+            <p:spPr>
+              <a:xfrm>
+                <a:off x="546790" y="1677798"/>
+                <a:ext cx="10863744" cy="1831592"/>
+              </a:xfrm>
+              <a:prstGeom prst="rect">
+                <a:avLst/>
+              </a:prstGeom>
+              <a:noFill/>
+            </p:spPr>
+            <p:txBody>
+              <a:bodyPr wrap="square" rtlCol="0">
+                <a:spAutoFit/>
+              </a:bodyPr>
+              <a:lstStyle/>
+              <a:p>
+                <a14:m>
+                  <m:oMath xmlns:m="http://schemas.openxmlformats.org/officeDocument/2006/math">
+                    <m:sSub>
+                      <m:sSubPr>
+                        <m:ctrlPr>
+                          <a:rPr lang="en-GB" i="1" smtClean="0">
+                            <a:latin typeface="Cambria Math" panose="02040503050406030204" pitchFamily="18" charset="0"/>
+                          </a:rPr>
+                        </m:ctrlPr>
+                      </m:sSubPr>
+                      <m:e>
+                        <m:acc>
+                          <m:accPr>
+                            <m:chr m:val="̅"/>
+                            <m:ctrlPr>
+                              <a:rPr lang="en-GB" i="1" smtClean="0">
+                                <a:latin typeface="Cambria Math" panose="02040503050406030204" pitchFamily="18" charset="0"/>
+                              </a:rPr>
+                            </m:ctrlPr>
+                          </m:accPr>
+                          <m:e>
+                            <m:r>
+                              <a:rPr lang="en-GB" b="0" i="1" smtClean="0">
+                                <a:latin typeface="Cambria Math" panose="02040503050406030204" pitchFamily="18" charset="0"/>
+                              </a:rPr>
+                              <m:t>𝐽</m:t>
+                            </m:r>
+                          </m:e>
+                        </m:acc>
+                        <m:d>
+                          <m:dPr>
+                            <m:ctrlPr>
+                              <a:rPr lang="en-GB" b="0" i="1" smtClean="0">
+                                <a:latin typeface="Cambria Math" panose="02040503050406030204" pitchFamily="18" charset="0"/>
+                              </a:rPr>
+                            </m:ctrlPr>
+                          </m:dPr>
+                          <m:e>
+                            <m:r>
+                              <a:rPr lang="en-GB" b="0" i="1" smtClean="0">
+                                <a:latin typeface="Cambria Math" panose="02040503050406030204" pitchFamily="18" charset="0"/>
+                              </a:rPr>
+                              <m:t>𝜃</m:t>
+                            </m:r>
+                          </m:e>
+                        </m:d>
+                        <m:r>
+                          <a:rPr lang="en-GB" b="0" i="1" smtClean="0">
+                            <a:latin typeface="Cambria Math" panose="02040503050406030204" pitchFamily="18" charset="0"/>
+                          </a:rPr>
+                          <m:t>=</m:t>
+                        </m:r>
+                        <m:r>
+                          <a:rPr lang="en-GB" i="1">
+                            <a:latin typeface="Cambria Math" panose="02040503050406030204" pitchFamily="18" charset="0"/>
+                          </a:rPr>
+                          <m:t>𝑚𝑖𝑛</m:t>
+                        </m:r>
+                      </m:e>
+                      <m:sub>
+                        <m:r>
+                          <a:rPr lang="en-GB" i="1">
+                            <a:latin typeface="Cambria Math" panose="02040503050406030204" pitchFamily="18" charset="0"/>
+                          </a:rPr>
+                          <m:t>𝜃</m:t>
+                        </m:r>
+                      </m:sub>
+                    </m:sSub>
+                    <m:r>
+                      <a:rPr lang="en-GB" i="1">
+                        <a:latin typeface="Cambria Math" panose="02040503050406030204" pitchFamily="18" charset="0"/>
+                      </a:rPr>
+                      <m:t>𝑙</m:t>
+                    </m:r>
+                    <m:d>
+                      <m:dPr>
+                        <m:ctrlPr>
+                          <a:rPr lang="en-GB" i="1">
+                            <a:latin typeface="Cambria Math" panose="02040503050406030204" pitchFamily="18" charset="0"/>
+                          </a:rPr>
+                        </m:ctrlPr>
+                      </m:dPr>
+                      <m:e>
+                        <m:r>
+                          <a:rPr lang="en-GB" i="1">
+                            <a:latin typeface="Cambria Math" panose="02040503050406030204" pitchFamily="18" charset="0"/>
+                          </a:rPr>
+                          <m:t>𝑦</m:t>
+                        </m:r>
+                        <m:d>
+                          <m:dPr>
+                            <m:ctrlPr>
+                              <a:rPr lang="en-GB" i="1">
+                                <a:latin typeface="Cambria Math" panose="02040503050406030204" pitchFamily="18" charset="0"/>
+                              </a:rPr>
+                            </m:ctrlPr>
+                          </m:dPr>
+                          <m:e>
+                            <m:r>
+                              <a:rPr lang="en-GB" i="1">
+                                <a:latin typeface="Cambria Math" panose="02040503050406030204" pitchFamily="18" charset="0"/>
+                              </a:rPr>
+                              <m:t>𝑡</m:t>
+                            </m:r>
+                          </m:e>
+                        </m:d>
+                        <m:r>
+                          <a:rPr lang="en-GB" i="1">
+                            <a:latin typeface="Cambria Math" panose="02040503050406030204" pitchFamily="18" charset="0"/>
+                          </a:rPr>
+                          <m:t>−</m:t>
+                        </m:r>
+                        <m:r>
+                          <a:rPr lang="en-GB" i="1">
+                            <a:latin typeface="Cambria Math" panose="02040503050406030204" pitchFamily="18" charset="0"/>
+                          </a:rPr>
+                          <m:t>𝐺𝑢</m:t>
+                        </m:r>
+                        <m:d>
+                          <m:dPr>
+                            <m:ctrlPr>
+                              <a:rPr lang="en-GB" i="1">
+                                <a:latin typeface="Cambria Math" panose="02040503050406030204" pitchFamily="18" charset="0"/>
+                              </a:rPr>
+                            </m:ctrlPr>
+                          </m:dPr>
+                          <m:e>
+                            <m:r>
+                              <a:rPr lang="en-GB" i="1">
+                                <a:latin typeface="Cambria Math" panose="02040503050406030204" pitchFamily="18" charset="0"/>
+                              </a:rPr>
+                              <m:t>𝑡</m:t>
+                            </m:r>
+                            <m:r>
+                              <a:rPr lang="en-GB" i="1">
+                                <a:latin typeface="Cambria Math" panose="02040503050406030204" pitchFamily="18" charset="0"/>
+                              </a:rPr>
+                              <m:t>−</m:t>
+                            </m:r>
+                            <m:r>
+                              <a:rPr lang="en-GB" i="1">
+                                <a:latin typeface="Cambria Math" panose="02040503050406030204" pitchFamily="18" charset="0"/>
+                              </a:rPr>
+                              <m:t>𝑘</m:t>
+                            </m:r>
+                          </m:e>
+                        </m:d>
+                      </m:e>
+                    </m:d>
+                  </m:oMath>
+                </a14:m>
+                <a:r>
+                  <a:rPr lang="en-GB" dirty="0" smtClean="0"/>
+                  <a:t> =</a:t>
+                </a:r>
+                <a:r>
+                  <a:rPr lang="en-GB" dirty="0"/>
+                  <a:t> </a:t>
+                </a:r>
+                <a14:m>
+                  <m:oMath xmlns:m="http://schemas.openxmlformats.org/officeDocument/2006/math">
+                    <m:r>
+                      <a:rPr lang="en-GB" i="1">
+                        <a:latin typeface="Cambria Math" panose="02040503050406030204" pitchFamily="18" charset="0"/>
+                      </a:rPr>
+                      <m:t>𝐸</m:t>
+                    </m:r>
+                    <m:d>
+                      <m:dPr>
+                        <m:begChr m:val="["/>
+                        <m:endChr m:val="]"/>
+                        <m:ctrlPr>
+                          <a:rPr lang="en-GB" i="1">
+                            <a:latin typeface="Cambria Math" panose="02040503050406030204" pitchFamily="18" charset="0"/>
+                          </a:rPr>
+                        </m:ctrlPr>
+                      </m:dPr>
+                      <m:e>
+                        <m:sSup>
+                          <m:sSupPr>
+                            <m:ctrlPr>
+                              <a:rPr lang="en-GB" i="1">
+                                <a:latin typeface="Cambria Math" panose="02040503050406030204" pitchFamily="18" charset="0"/>
+                              </a:rPr>
+                            </m:ctrlPr>
+                          </m:sSupPr>
+                          <m:e>
+                            <m:d>
+                              <m:dPr>
+                                <m:ctrlPr>
+                                  <a:rPr lang="en-GB" i="1">
+                                    <a:latin typeface="Cambria Math" panose="02040503050406030204" pitchFamily="18" charset="0"/>
+                                  </a:rPr>
+                                </m:ctrlPr>
+                              </m:dPr>
+                              <m:e>
+                                <m:r>
+                                  <a:rPr lang="en-GB" i="1">
+                                    <a:latin typeface="Cambria Math" panose="02040503050406030204" pitchFamily="18" charset="0"/>
+                                  </a:rPr>
+                                  <m:t>𝑦</m:t>
+                                </m:r>
+                                <m:d>
+                                  <m:dPr>
+                                    <m:ctrlPr>
+                                      <a:rPr lang="en-GB" i="1">
+                                        <a:latin typeface="Cambria Math" panose="02040503050406030204" pitchFamily="18" charset="0"/>
+                                      </a:rPr>
+                                    </m:ctrlPr>
+                                  </m:dPr>
+                                  <m:e>
+                                    <m:r>
+                                      <a:rPr lang="en-GB" i="1">
+                                        <a:latin typeface="Cambria Math" panose="02040503050406030204" pitchFamily="18" charset="0"/>
+                                      </a:rPr>
+                                      <m:t>𝑡</m:t>
+                                    </m:r>
+                                  </m:e>
+                                </m:d>
+                                <m:r>
+                                  <a:rPr lang="en-GB" i="1">
+                                    <a:latin typeface="Cambria Math" panose="02040503050406030204" pitchFamily="18" charset="0"/>
+                                  </a:rPr>
+                                  <m:t>−</m:t>
+                                </m:r>
+                                <m:r>
+                                  <a:rPr lang="en-GB" b="0" i="1" smtClean="0">
+                                    <a:latin typeface="Cambria Math" panose="02040503050406030204" pitchFamily="18" charset="0"/>
+                                  </a:rPr>
+                                  <m:t>𝐺𝑢</m:t>
+                                </m:r>
+                                <m:d>
+                                  <m:dPr>
+                                    <m:ctrlPr>
+                                      <a:rPr lang="en-GB" b="0" i="1" smtClean="0">
+                                        <a:latin typeface="Cambria Math" panose="02040503050406030204" pitchFamily="18" charset="0"/>
+                                      </a:rPr>
+                                    </m:ctrlPr>
+                                  </m:dPr>
+                                  <m:e>
+                                    <m:r>
+                                      <a:rPr lang="en-GB" b="0" i="1" smtClean="0">
+                                        <a:latin typeface="Cambria Math" panose="02040503050406030204" pitchFamily="18" charset="0"/>
+                                      </a:rPr>
+                                      <m:t>𝑡</m:t>
+                                    </m:r>
+                                    <m:r>
+                                      <a:rPr lang="en-GB" b="0" i="1" smtClean="0">
+                                        <a:latin typeface="Cambria Math" panose="02040503050406030204" pitchFamily="18" charset="0"/>
+                                      </a:rPr>
+                                      <m:t>−</m:t>
+                                    </m:r>
+                                    <m:r>
+                                      <a:rPr lang="en-GB" b="0" i="1" smtClean="0">
+                                        <a:latin typeface="Cambria Math" panose="02040503050406030204" pitchFamily="18" charset="0"/>
+                                      </a:rPr>
+                                      <m:t>𝑘</m:t>
+                                    </m:r>
+                                  </m:e>
+                                </m:d>
+                              </m:e>
+                            </m:d>
+                          </m:e>
+                          <m:sup>
+                            <m:r>
+                              <a:rPr lang="en-GB" i="1">
+                                <a:latin typeface="Cambria Math" panose="02040503050406030204" pitchFamily="18" charset="0"/>
+                              </a:rPr>
+                              <m:t>2</m:t>
+                            </m:r>
+                          </m:sup>
+                        </m:sSup>
+                      </m:e>
+                    </m:d>
+                    <m:r>
+                      <a:rPr lang="en-GB" b="0" i="1" smtClean="0">
+                        <a:latin typeface="Cambria Math" panose="02040503050406030204" pitchFamily="18" charset="0"/>
+                      </a:rPr>
+                      <m:t>≈</m:t>
+                    </m:r>
+                    <m:f>
+                      <m:fPr>
+                        <m:ctrlPr>
+                          <a:rPr lang="en-GB" b="0" i="1" smtClean="0">
+                            <a:latin typeface="Cambria Math" panose="02040503050406030204" pitchFamily="18" charset="0"/>
+                          </a:rPr>
+                        </m:ctrlPr>
+                      </m:fPr>
+                      <m:num>
+                        <m:r>
+                          <a:rPr lang="en-GB" b="0" i="1" smtClean="0">
+                            <a:latin typeface="Cambria Math" panose="02040503050406030204" pitchFamily="18" charset="0"/>
+                          </a:rPr>
+                          <m:t>1</m:t>
+                        </m:r>
+                      </m:num>
+                      <m:den>
+                        <m:r>
+                          <a:rPr lang="en-GB" b="0" i="1" smtClean="0">
+                            <a:latin typeface="Cambria Math" panose="02040503050406030204" pitchFamily="18" charset="0"/>
+                          </a:rPr>
+                          <m:t>𝑁</m:t>
+                        </m:r>
+                      </m:den>
+                    </m:f>
+                    <m:nary>
+                      <m:naryPr>
+                        <m:chr m:val="∑"/>
+                        <m:ctrlPr>
+                          <a:rPr lang="en-GB" b="0" i="1" smtClean="0">
+                            <a:latin typeface="Cambria Math" panose="02040503050406030204" pitchFamily="18" charset="0"/>
+                          </a:rPr>
+                        </m:ctrlPr>
+                      </m:naryPr>
+                      <m:sub>
+                        <m:r>
+                          <m:rPr>
+                            <m:brk m:alnAt="23"/>
+                          </m:rPr>
+                          <a:rPr lang="en-GB" b="0" i="1" smtClean="0">
+                            <a:latin typeface="Cambria Math" panose="02040503050406030204" pitchFamily="18" charset="0"/>
+                          </a:rPr>
+                          <m:t>𝑛</m:t>
+                        </m:r>
+                        <m:r>
+                          <a:rPr lang="en-GB" b="0" i="1" smtClean="0">
+                            <a:latin typeface="Cambria Math" panose="02040503050406030204" pitchFamily="18" charset="0"/>
+                          </a:rPr>
+                          <m:t>=1</m:t>
+                        </m:r>
+                      </m:sub>
+                      <m:sup>
+                        <m:r>
+                          <a:rPr lang="en-GB" b="0" i="1" smtClean="0">
+                            <a:latin typeface="Cambria Math" panose="02040503050406030204" pitchFamily="18" charset="0"/>
+                          </a:rPr>
+                          <m:t>𝑁</m:t>
+                        </m:r>
+                      </m:sup>
+                      <m:e>
+                        <m:sSup>
+                          <m:sSupPr>
+                            <m:ctrlPr>
+                              <a:rPr lang="en-GB" b="0" i="1" smtClean="0">
+                                <a:latin typeface="Cambria Math" panose="02040503050406030204" pitchFamily="18" charset="0"/>
+                              </a:rPr>
+                            </m:ctrlPr>
+                          </m:sSupPr>
+                          <m:e>
+                            <m:d>
+                              <m:dPr>
+                                <m:ctrlPr>
+                                  <a:rPr lang="en-GB" b="0" i="1" smtClean="0">
+                                    <a:latin typeface="Cambria Math" panose="02040503050406030204" pitchFamily="18" charset="0"/>
+                                  </a:rPr>
+                                </m:ctrlPr>
+                              </m:dPr>
+                              <m:e>
+                                <m:r>
+                                  <a:rPr lang="en-GB" b="0" i="1" smtClean="0">
+                                    <a:latin typeface="Cambria Math" panose="02040503050406030204" pitchFamily="18" charset="0"/>
+                                  </a:rPr>
+                                  <m:t>𝑦</m:t>
+                                </m:r>
+                                <m:d>
+                                  <m:dPr>
+                                    <m:ctrlPr>
+                                      <a:rPr lang="en-GB" b="0" i="1" smtClean="0">
+                                        <a:latin typeface="Cambria Math" panose="02040503050406030204" pitchFamily="18" charset="0"/>
+                                      </a:rPr>
+                                    </m:ctrlPr>
+                                  </m:dPr>
+                                  <m:e>
+                                    <m:r>
+                                      <a:rPr lang="en-GB" b="0" i="1" smtClean="0">
+                                        <a:latin typeface="Cambria Math" panose="02040503050406030204" pitchFamily="18" charset="0"/>
+                                      </a:rPr>
+                                      <m:t>𝑡</m:t>
+                                    </m:r>
+                                  </m:e>
+                                </m:d>
+                                <m:r>
+                                  <a:rPr lang="en-GB" b="0" i="1" smtClean="0">
+                                    <a:latin typeface="Cambria Math" panose="02040503050406030204" pitchFamily="18" charset="0"/>
+                                  </a:rPr>
+                                  <m:t>−</m:t>
+                                </m:r>
+                                <m:r>
+                                  <a:rPr lang="en-GB" b="0" i="1" smtClean="0">
+                                    <a:latin typeface="Cambria Math" panose="02040503050406030204" pitchFamily="18" charset="0"/>
+                                  </a:rPr>
+                                  <m:t>𝐺</m:t>
+                                </m:r>
+                                <m:d>
+                                  <m:dPr>
+                                    <m:ctrlPr>
+                                      <a:rPr lang="en-GB" b="0" i="1" smtClean="0">
+                                        <a:latin typeface="Cambria Math" panose="02040503050406030204" pitchFamily="18" charset="0"/>
+                                      </a:rPr>
+                                    </m:ctrlPr>
+                                  </m:dPr>
+                                  <m:e>
+                                    <m:sSup>
+                                      <m:sSupPr>
+                                        <m:ctrlPr>
+                                          <a:rPr lang="en-GB" b="0" i="1" smtClean="0">
+                                            <a:latin typeface="Cambria Math" panose="02040503050406030204" pitchFamily="18" charset="0"/>
+                                          </a:rPr>
+                                        </m:ctrlPr>
+                                      </m:sSupPr>
+                                      <m:e>
+                                        <m:r>
+                                          <a:rPr lang="en-GB" b="0" i="1" smtClean="0">
+                                            <a:latin typeface="Cambria Math" panose="02040503050406030204" pitchFamily="18" charset="0"/>
+                                          </a:rPr>
+                                          <m:t>𝑧</m:t>
+                                        </m:r>
+                                      </m:e>
+                                      <m:sup>
+                                        <m:r>
+                                          <a:rPr lang="en-GB" b="0" i="1" smtClean="0">
+                                            <a:latin typeface="Cambria Math" panose="02040503050406030204" pitchFamily="18" charset="0"/>
+                                          </a:rPr>
+                                          <m:t>−1</m:t>
+                                        </m:r>
+                                      </m:sup>
+                                    </m:sSup>
+                                    <m:r>
+                                      <a:rPr lang="en-GB" b="0" i="1" smtClean="0">
+                                        <a:latin typeface="Cambria Math" panose="02040503050406030204" pitchFamily="18" charset="0"/>
+                                      </a:rPr>
+                                      <m:t>,</m:t>
+                                    </m:r>
+                                    <m:r>
+                                      <a:rPr lang="en-GB" b="0" i="1" smtClean="0">
+                                        <a:latin typeface="Cambria Math" panose="02040503050406030204" pitchFamily="18" charset="0"/>
+                                      </a:rPr>
+                                      <m:t>𝜃</m:t>
+                                    </m:r>
+                                  </m:e>
+                                </m:d>
+                                <m:r>
+                                  <a:rPr lang="en-GB" b="0" i="1" smtClean="0">
+                                    <a:latin typeface="Cambria Math" panose="02040503050406030204" pitchFamily="18" charset="0"/>
+                                  </a:rPr>
+                                  <m:t>𝑢</m:t>
+                                </m:r>
+                                <m:d>
+                                  <m:dPr>
+                                    <m:ctrlPr>
+                                      <a:rPr lang="en-GB" b="0" i="1" smtClean="0">
+                                        <a:latin typeface="Cambria Math" panose="02040503050406030204" pitchFamily="18" charset="0"/>
+                                      </a:rPr>
+                                    </m:ctrlPr>
+                                  </m:dPr>
+                                  <m:e>
+                                    <m:r>
+                                      <a:rPr lang="en-GB" b="0" i="1" smtClean="0">
+                                        <a:latin typeface="Cambria Math" panose="02040503050406030204" pitchFamily="18" charset="0"/>
+                                      </a:rPr>
+                                      <m:t>𝑡</m:t>
+                                    </m:r>
+                                    <m:r>
+                                      <a:rPr lang="en-GB" b="0" i="1" smtClean="0">
+                                        <a:latin typeface="Cambria Math" panose="02040503050406030204" pitchFamily="18" charset="0"/>
+                                      </a:rPr>
+                                      <m:t>−</m:t>
+                                    </m:r>
+                                    <m:r>
+                                      <a:rPr lang="en-GB" b="0" i="1" smtClean="0">
+                                        <a:latin typeface="Cambria Math" panose="02040503050406030204" pitchFamily="18" charset="0"/>
+                                      </a:rPr>
+                                      <m:t>𝑘</m:t>
+                                    </m:r>
+                                  </m:e>
+                                </m:d>
+                              </m:e>
+                            </m:d>
+                          </m:e>
+                          <m:sup>
+                            <m:r>
+                              <a:rPr lang="en-GB" b="0" i="1" smtClean="0">
+                                <a:latin typeface="Cambria Math" panose="02040503050406030204" pitchFamily="18" charset="0"/>
+                              </a:rPr>
+                              <m:t>2</m:t>
+                            </m:r>
+                          </m:sup>
+                        </m:sSup>
+                      </m:e>
+                    </m:nary>
+                    <m:r>
+                      <a:rPr lang="en-GB" b="0" i="1" smtClean="0">
+                        <a:latin typeface="Cambria Math" panose="02040503050406030204" pitchFamily="18" charset="0"/>
+                      </a:rPr>
+                      <m:t>=</m:t>
+                    </m:r>
+                    <m:r>
+                      <a:rPr lang="en-GB" b="0" i="1" smtClean="0">
+                        <a:latin typeface="Cambria Math" panose="02040503050406030204" pitchFamily="18" charset="0"/>
+                      </a:rPr>
+                      <m:t>𝐽</m:t>
+                    </m:r>
+                    <m:d>
+                      <m:dPr>
+                        <m:ctrlPr>
+                          <a:rPr lang="en-GB" b="0" i="1" smtClean="0">
+                            <a:latin typeface="Cambria Math" panose="02040503050406030204" pitchFamily="18" charset="0"/>
+                          </a:rPr>
+                        </m:ctrlPr>
+                      </m:dPr>
+                      <m:e>
+                        <m:r>
+                          <a:rPr lang="en-GB" b="0" i="1" smtClean="0">
+                            <a:latin typeface="Cambria Math" panose="02040503050406030204" pitchFamily="18" charset="0"/>
+                          </a:rPr>
+                          <m:t>𝜃</m:t>
+                        </m:r>
+                      </m:e>
+                    </m:d>
+                  </m:oMath>
+                </a14:m>
+                <a:endParaRPr lang="en-GB" dirty="0" smtClean="0"/>
+              </a:p>
+              <a:p>
+                <a:r>
+                  <a:rPr lang="en-GB" dirty="0"/>
+                  <a:t>(</a:t>
+                </a:r>
+                <a:r>
+                  <a:rPr lang="en-GB" dirty="0" smtClean="0"/>
+                  <a:t> and  for the asymptotic </a:t>
+                </a:r>
+                <a:r>
+                  <a:rPr lang="en-GB" dirty="0" err="1" smtClean="0"/>
+                  <a:t>pem</a:t>
+                </a:r>
+                <a:r>
+                  <a:rPr lang="en-GB" dirty="0" smtClean="0"/>
+                  <a:t> theory we have uniform convergence for </a:t>
+                </a:r>
+                <a14:m>
+                  <m:oMath xmlns:m="http://schemas.openxmlformats.org/officeDocument/2006/math">
+                    <m:r>
+                      <a:rPr lang="en-GB" b="0" i="1" smtClean="0">
+                        <a:latin typeface="Cambria Math" panose="02040503050406030204" pitchFamily="18" charset="0"/>
+                      </a:rPr>
+                      <m:t>𝑁</m:t>
+                    </m:r>
+                    <m:r>
+                      <a:rPr lang="en-GB" b="0" i="1" smtClean="0">
+                        <a:latin typeface="Cambria Math" panose="02040503050406030204" pitchFamily="18" charset="0"/>
+                      </a:rPr>
+                      <m:t>→∞</m:t>
+                    </m:r>
+                  </m:oMath>
+                </a14:m>
+                <a:r>
+                  <a:rPr lang="en-GB" dirty="0" smtClean="0"/>
+                  <a:t>) .</a:t>
+                </a:r>
+              </a:p>
+              <a:p>
+                <a:endParaRPr lang="en-GB" dirty="0"/>
+              </a:p>
+              <a:p>
+                <a:r>
+                  <a:rPr lang="en-GB" dirty="0" smtClean="0"/>
+                  <a:t>Call </a:t>
+                </a:r>
+                <a14:m>
+                  <m:oMath xmlns:m="http://schemas.openxmlformats.org/officeDocument/2006/math">
+                    <m:r>
+                      <a:rPr lang="en-GB" b="0" i="1" smtClean="0">
+                        <a:latin typeface="Cambria Math" panose="02040503050406030204" pitchFamily="18" charset="0"/>
+                      </a:rPr>
+                      <m:t>𝐺</m:t>
+                    </m:r>
+                    <m:d>
+                      <m:dPr>
+                        <m:ctrlPr>
+                          <a:rPr lang="en-GB" b="0" i="1" smtClean="0">
+                            <a:latin typeface="Cambria Math" panose="02040503050406030204" pitchFamily="18" charset="0"/>
+                          </a:rPr>
+                        </m:ctrlPr>
+                      </m:dPr>
+                      <m:e>
+                        <m:sSup>
+                          <m:sSupPr>
+                            <m:ctrlPr>
+                              <a:rPr lang="en-GB" b="0" i="1" smtClean="0">
+                                <a:latin typeface="Cambria Math" panose="02040503050406030204" pitchFamily="18" charset="0"/>
+                              </a:rPr>
+                            </m:ctrlPr>
+                          </m:sSupPr>
+                          <m:e>
+                            <m:r>
+                              <a:rPr lang="en-GB" b="0" i="1" smtClean="0">
+                                <a:latin typeface="Cambria Math" panose="02040503050406030204" pitchFamily="18" charset="0"/>
+                              </a:rPr>
+                              <m:t>𝑧</m:t>
+                            </m:r>
+                          </m:e>
+                          <m:sup>
+                            <m:r>
+                              <a:rPr lang="en-GB" b="0" i="1" smtClean="0">
+                                <a:latin typeface="Cambria Math" panose="02040503050406030204" pitchFamily="18" charset="0"/>
+                              </a:rPr>
+                              <m:t>−1</m:t>
+                            </m:r>
+                          </m:sup>
+                        </m:sSup>
+                        <m:r>
+                          <a:rPr lang="en-GB" b="0" i="1" smtClean="0">
+                            <a:latin typeface="Cambria Math" panose="02040503050406030204" pitchFamily="18" charset="0"/>
+                          </a:rPr>
+                          <m:t>,</m:t>
+                        </m:r>
+                        <m:r>
+                          <a:rPr lang="en-GB" b="0" i="1" smtClean="0">
+                            <a:latin typeface="Cambria Math" panose="02040503050406030204" pitchFamily="18" charset="0"/>
+                          </a:rPr>
+                          <m:t>𝜃</m:t>
+                        </m:r>
+                      </m:e>
+                    </m:d>
+                    <m:r>
+                      <a:rPr lang="en-GB" b="0" i="1" smtClean="0">
+                        <a:latin typeface="Cambria Math" panose="02040503050406030204" pitchFamily="18" charset="0"/>
+                      </a:rPr>
+                      <m:t>=</m:t>
+                    </m:r>
+                    <m:f>
+                      <m:fPr>
+                        <m:ctrlPr>
+                          <a:rPr lang="en-GB" b="0" i="1" smtClean="0">
+                            <a:latin typeface="Cambria Math" panose="02040503050406030204" pitchFamily="18" charset="0"/>
+                          </a:rPr>
+                        </m:ctrlPr>
+                      </m:fPr>
+                      <m:num>
+                        <m:sSubSup>
+                          <m:sSubSupPr>
+                            <m:ctrlPr>
+                              <a:rPr lang="en-GB" b="0" i="1" smtClean="0">
+                                <a:latin typeface="Cambria Math" panose="02040503050406030204" pitchFamily="18" charset="0"/>
+                              </a:rPr>
+                            </m:ctrlPr>
+                          </m:sSubSupPr>
+                          <m:e>
+                            <m:r>
+                              <a:rPr lang="en-GB" b="0" i="1" smtClean="0">
+                                <a:latin typeface="Cambria Math" panose="02040503050406030204" pitchFamily="18" charset="0"/>
+                              </a:rPr>
+                              <m:t>𝜃</m:t>
+                            </m:r>
+                          </m:e>
+                          <m:sub>
+                            <m:r>
+                              <a:rPr lang="en-GB" b="0" i="1" smtClean="0">
+                                <a:latin typeface="Cambria Math" panose="02040503050406030204" pitchFamily="18" charset="0"/>
+                              </a:rPr>
+                              <m:t>1</m:t>
+                            </m:r>
+                          </m:sub>
+                          <m:sup>
+                            <m:r>
+                              <a:rPr lang="en-GB" b="0" i="1" smtClean="0">
+                                <a:latin typeface="Cambria Math" panose="02040503050406030204" pitchFamily="18" charset="0"/>
+                              </a:rPr>
+                              <m:t>𝑇</m:t>
+                            </m:r>
+                          </m:sup>
+                        </m:sSubSup>
+                        <m:sSub>
+                          <m:sSubPr>
+                            <m:ctrlPr>
+                              <a:rPr lang="en-GB" b="0" i="1" smtClean="0">
+                                <a:latin typeface="Cambria Math" panose="02040503050406030204" pitchFamily="18" charset="0"/>
+                              </a:rPr>
+                            </m:ctrlPr>
+                          </m:sSubPr>
+                          <m:e>
+                            <m:r>
+                              <a:rPr lang="en-GB" b="0" i="1" smtClean="0">
+                                <a:latin typeface="Cambria Math" panose="02040503050406030204" pitchFamily="18" charset="0"/>
+                              </a:rPr>
+                              <m:t>𝑧</m:t>
+                            </m:r>
+                          </m:e>
+                          <m:sub>
+                            <m:r>
+                              <a:rPr lang="en-GB" b="0" i="1" smtClean="0">
+                                <a:latin typeface="Cambria Math" panose="02040503050406030204" pitchFamily="18" charset="0"/>
+                              </a:rPr>
+                              <m:t>1</m:t>
+                            </m:r>
+                          </m:sub>
+                        </m:sSub>
+                      </m:num>
+                      <m:den>
+                        <m:sSubSup>
+                          <m:sSubSupPr>
+                            <m:ctrlPr>
+                              <a:rPr lang="en-GB" b="0" i="1" smtClean="0">
+                                <a:latin typeface="Cambria Math" panose="02040503050406030204" pitchFamily="18" charset="0"/>
+                              </a:rPr>
+                            </m:ctrlPr>
+                          </m:sSubSupPr>
+                          <m:e>
+                            <m:r>
+                              <a:rPr lang="en-GB" b="0" i="1" smtClean="0">
+                                <a:latin typeface="Cambria Math" panose="02040503050406030204" pitchFamily="18" charset="0"/>
+                              </a:rPr>
+                              <m:t>𝜃</m:t>
+                            </m:r>
+                          </m:e>
+                          <m:sub>
+                            <m:r>
+                              <a:rPr lang="en-GB" b="0" i="1" smtClean="0">
+                                <a:latin typeface="Cambria Math" panose="02040503050406030204" pitchFamily="18" charset="0"/>
+                              </a:rPr>
+                              <m:t>2</m:t>
+                            </m:r>
+                          </m:sub>
+                          <m:sup>
+                            <m:r>
+                              <a:rPr lang="en-GB" b="0" i="1" smtClean="0">
+                                <a:latin typeface="Cambria Math" panose="02040503050406030204" pitchFamily="18" charset="0"/>
+                              </a:rPr>
+                              <m:t>𝑇</m:t>
+                            </m:r>
+                          </m:sup>
+                        </m:sSubSup>
+                        <m:sSub>
+                          <m:sSubPr>
+                            <m:ctrlPr>
+                              <a:rPr lang="en-GB" b="0" i="1" smtClean="0">
+                                <a:latin typeface="Cambria Math" panose="02040503050406030204" pitchFamily="18" charset="0"/>
+                              </a:rPr>
+                            </m:ctrlPr>
+                          </m:sSubPr>
+                          <m:e>
+                            <m:r>
+                              <a:rPr lang="en-GB" b="0" i="1" smtClean="0">
+                                <a:latin typeface="Cambria Math" panose="02040503050406030204" pitchFamily="18" charset="0"/>
+                              </a:rPr>
+                              <m:t>𝑧</m:t>
+                            </m:r>
+                          </m:e>
+                          <m:sub>
+                            <m:r>
+                              <a:rPr lang="en-GB" b="0" i="1" smtClean="0">
+                                <a:latin typeface="Cambria Math" panose="02040503050406030204" pitchFamily="18" charset="0"/>
+                              </a:rPr>
+                              <m:t>2</m:t>
+                            </m:r>
+                          </m:sub>
+                        </m:sSub>
+                      </m:den>
+                    </m:f>
+                    <m:r>
+                      <a:rPr lang="en-GB" b="0" i="1" smtClean="0">
+                        <a:latin typeface="Cambria Math" panose="02040503050406030204" pitchFamily="18" charset="0"/>
+                      </a:rPr>
+                      <m:t> , </m:t>
+                    </m:r>
+                    <m:r>
+                      <a:rPr lang="en-GB" b="0" i="1" smtClean="0">
+                        <a:latin typeface="Cambria Math" panose="02040503050406030204" pitchFamily="18" charset="0"/>
+                      </a:rPr>
+                      <m:t>𝜖</m:t>
+                    </m:r>
+                    <m:d>
+                      <m:dPr>
+                        <m:ctrlPr>
+                          <a:rPr lang="en-GB" b="0" i="1" smtClean="0">
+                            <a:latin typeface="Cambria Math" panose="02040503050406030204" pitchFamily="18" charset="0"/>
+                          </a:rPr>
+                        </m:ctrlPr>
+                      </m:dPr>
+                      <m:e>
+                        <m:r>
+                          <a:rPr lang="en-GB" b="0" i="1" smtClean="0">
+                            <a:latin typeface="Cambria Math" panose="02040503050406030204" pitchFamily="18" charset="0"/>
+                          </a:rPr>
+                          <m:t>𝑡</m:t>
+                        </m:r>
+                      </m:e>
+                    </m:d>
+                    <m:r>
+                      <a:rPr lang="en-GB" b="0" i="1" smtClean="0">
+                        <a:latin typeface="Cambria Math" panose="02040503050406030204" pitchFamily="18" charset="0"/>
+                      </a:rPr>
+                      <m:t>=</m:t>
+                    </m:r>
+                    <m:r>
+                      <a:rPr lang="en-GB" b="0" i="1" smtClean="0">
+                        <a:latin typeface="Cambria Math" panose="02040503050406030204" pitchFamily="18" charset="0"/>
+                      </a:rPr>
+                      <m:t>𝑦</m:t>
+                    </m:r>
+                    <m:d>
+                      <m:dPr>
+                        <m:ctrlPr>
+                          <a:rPr lang="en-GB" b="0" i="1" smtClean="0">
+                            <a:latin typeface="Cambria Math" panose="02040503050406030204" pitchFamily="18" charset="0"/>
+                          </a:rPr>
+                        </m:ctrlPr>
+                      </m:dPr>
+                      <m:e>
+                        <m:r>
+                          <a:rPr lang="en-GB" b="0" i="1" smtClean="0">
+                            <a:latin typeface="Cambria Math" panose="02040503050406030204" pitchFamily="18" charset="0"/>
+                          </a:rPr>
+                          <m:t>𝑡</m:t>
+                        </m:r>
+                      </m:e>
+                    </m:d>
+                    <m:r>
+                      <a:rPr lang="en-GB" b="0" i="1" smtClean="0">
+                        <a:latin typeface="Cambria Math" panose="02040503050406030204" pitchFamily="18" charset="0"/>
+                      </a:rPr>
+                      <m:t>−</m:t>
+                    </m:r>
+                    <m:f>
+                      <m:fPr>
+                        <m:ctrlPr>
+                          <a:rPr lang="en-GB" i="1">
+                            <a:latin typeface="Cambria Math" panose="02040503050406030204" pitchFamily="18" charset="0"/>
+                          </a:rPr>
+                        </m:ctrlPr>
+                      </m:fPr>
+                      <m:num>
+                        <m:sSubSup>
+                          <m:sSubSupPr>
+                            <m:ctrlPr>
+                              <a:rPr lang="en-GB" i="1">
+                                <a:latin typeface="Cambria Math" panose="02040503050406030204" pitchFamily="18" charset="0"/>
+                              </a:rPr>
+                            </m:ctrlPr>
+                          </m:sSubSupPr>
+                          <m:e>
+                            <m:r>
+                              <a:rPr lang="en-GB" i="1">
+                                <a:latin typeface="Cambria Math" panose="02040503050406030204" pitchFamily="18" charset="0"/>
+                              </a:rPr>
+                              <m:t>𝜃</m:t>
+                            </m:r>
+                          </m:e>
+                          <m:sub>
+                            <m:r>
+                              <a:rPr lang="en-GB" i="1">
+                                <a:latin typeface="Cambria Math" panose="02040503050406030204" pitchFamily="18" charset="0"/>
+                              </a:rPr>
+                              <m:t>1</m:t>
+                            </m:r>
+                          </m:sub>
+                          <m:sup>
+                            <m:r>
+                              <a:rPr lang="en-GB" i="1">
+                                <a:latin typeface="Cambria Math" panose="02040503050406030204" pitchFamily="18" charset="0"/>
+                              </a:rPr>
+                              <m:t>𝑇</m:t>
+                            </m:r>
+                          </m:sup>
+                        </m:sSubSup>
+                        <m:sSub>
+                          <m:sSubPr>
+                            <m:ctrlPr>
+                              <a:rPr lang="en-GB" i="1">
+                                <a:latin typeface="Cambria Math" panose="02040503050406030204" pitchFamily="18" charset="0"/>
+                              </a:rPr>
+                            </m:ctrlPr>
+                          </m:sSubPr>
+                          <m:e>
+                            <m:r>
+                              <a:rPr lang="en-GB" i="1">
+                                <a:latin typeface="Cambria Math" panose="02040503050406030204" pitchFamily="18" charset="0"/>
+                              </a:rPr>
+                              <m:t>𝑧</m:t>
+                            </m:r>
+                          </m:e>
+                          <m:sub>
+                            <m:r>
+                              <a:rPr lang="en-GB" i="1">
+                                <a:latin typeface="Cambria Math" panose="02040503050406030204" pitchFamily="18" charset="0"/>
+                              </a:rPr>
+                              <m:t>1</m:t>
+                            </m:r>
+                          </m:sub>
+                        </m:sSub>
+                      </m:num>
+                      <m:den>
+                        <m:sSubSup>
+                          <m:sSubSupPr>
+                            <m:ctrlPr>
+                              <a:rPr lang="en-GB" i="1">
+                                <a:latin typeface="Cambria Math" panose="02040503050406030204" pitchFamily="18" charset="0"/>
+                              </a:rPr>
+                            </m:ctrlPr>
+                          </m:sSubSupPr>
+                          <m:e>
+                            <m:r>
+                              <a:rPr lang="en-GB" i="1">
+                                <a:latin typeface="Cambria Math" panose="02040503050406030204" pitchFamily="18" charset="0"/>
+                              </a:rPr>
+                              <m:t>𝜃</m:t>
+                            </m:r>
+                          </m:e>
+                          <m:sub>
+                            <m:r>
+                              <a:rPr lang="en-GB" i="1">
+                                <a:latin typeface="Cambria Math" panose="02040503050406030204" pitchFamily="18" charset="0"/>
+                              </a:rPr>
+                              <m:t>2</m:t>
+                            </m:r>
+                          </m:sub>
+                          <m:sup>
+                            <m:r>
+                              <a:rPr lang="en-GB" i="1">
+                                <a:latin typeface="Cambria Math" panose="02040503050406030204" pitchFamily="18" charset="0"/>
+                              </a:rPr>
+                              <m:t>𝑇</m:t>
+                            </m:r>
+                          </m:sup>
+                        </m:sSubSup>
+                        <m:sSub>
+                          <m:sSubPr>
+                            <m:ctrlPr>
+                              <a:rPr lang="en-GB" i="1">
+                                <a:latin typeface="Cambria Math" panose="02040503050406030204" pitchFamily="18" charset="0"/>
+                              </a:rPr>
+                            </m:ctrlPr>
+                          </m:sSubPr>
+                          <m:e>
+                            <m:r>
+                              <a:rPr lang="en-GB" i="1">
+                                <a:latin typeface="Cambria Math" panose="02040503050406030204" pitchFamily="18" charset="0"/>
+                              </a:rPr>
+                              <m:t>𝑧</m:t>
+                            </m:r>
+                          </m:e>
+                          <m:sub>
+                            <m:r>
+                              <a:rPr lang="en-GB" i="1">
+                                <a:latin typeface="Cambria Math" panose="02040503050406030204" pitchFamily="18" charset="0"/>
+                              </a:rPr>
+                              <m:t>2</m:t>
+                            </m:r>
+                          </m:sub>
+                        </m:sSub>
+                      </m:den>
+                    </m:f>
+                    <m:r>
+                      <a:rPr lang="en-GB" b="0" i="1" smtClean="0">
+                        <a:latin typeface="Cambria Math" panose="02040503050406030204" pitchFamily="18" charset="0"/>
+                      </a:rPr>
+                      <m:t>𝑢</m:t>
+                    </m:r>
+                    <m:d>
+                      <m:dPr>
+                        <m:ctrlPr>
+                          <a:rPr lang="en-GB" b="0" i="1" smtClean="0">
+                            <a:latin typeface="Cambria Math" panose="02040503050406030204" pitchFamily="18" charset="0"/>
+                          </a:rPr>
+                        </m:ctrlPr>
+                      </m:dPr>
+                      <m:e>
+                        <m:r>
+                          <a:rPr lang="en-GB" b="0" i="1" smtClean="0">
+                            <a:latin typeface="Cambria Math" panose="02040503050406030204" pitchFamily="18" charset="0"/>
+                          </a:rPr>
+                          <m:t>𝑡</m:t>
+                        </m:r>
+                        <m:r>
+                          <a:rPr lang="en-GB" b="0" i="1" smtClean="0">
+                            <a:latin typeface="Cambria Math" panose="02040503050406030204" pitchFamily="18" charset="0"/>
+                          </a:rPr>
+                          <m:t>−</m:t>
+                        </m:r>
+                        <m:r>
+                          <a:rPr lang="en-GB" b="0" i="1" smtClean="0">
+                            <a:latin typeface="Cambria Math" panose="02040503050406030204" pitchFamily="18" charset="0"/>
+                          </a:rPr>
+                          <m:t>𝑘</m:t>
+                        </m:r>
+                      </m:e>
+                    </m:d>
+                    <m:r>
+                      <a:rPr lang="en-GB" b="0" i="1" smtClean="0">
+                        <a:latin typeface="Cambria Math" panose="02040503050406030204" pitchFamily="18" charset="0"/>
+                      </a:rPr>
+                      <m:t>⇒</m:t>
+                    </m:r>
+                    <m:sSubSup>
+                      <m:sSubSupPr>
+                        <m:ctrlPr>
+                          <a:rPr lang="en-GB" b="0" i="1" smtClean="0">
+                            <a:latin typeface="Cambria Math" panose="02040503050406030204" pitchFamily="18" charset="0"/>
+                          </a:rPr>
+                        </m:ctrlPr>
+                      </m:sSubSupPr>
+                      <m:e>
+                        <m:r>
+                          <a:rPr lang="en-GB" b="0" i="1" smtClean="0">
+                            <a:latin typeface="Cambria Math" panose="02040503050406030204" pitchFamily="18" charset="0"/>
+                          </a:rPr>
+                          <m:t>𝜃</m:t>
+                        </m:r>
+                      </m:e>
+                      <m:sub>
+                        <m:r>
+                          <a:rPr lang="en-GB" b="0" i="1" smtClean="0">
+                            <a:latin typeface="Cambria Math" panose="02040503050406030204" pitchFamily="18" charset="0"/>
+                          </a:rPr>
+                          <m:t>2</m:t>
+                        </m:r>
+                      </m:sub>
+                      <m:sup>
+                        <m:r>
+                          <a:rPr lang="en-GB" b="0" i="1" smtClean="0">
+                            <a:latin typeface="Cambria Math" panose="02040503050406030204" pitchFamily="18" charset="0"/>
+                          </a:rPr>
+                          <m:t>𝑇</m:t>
+                        </m:r>
+                      </m:sup>
+                    </m:sSubSup>
+                    <m:sSub>
+                      <m:sSubPr>
+                        <m:ctrlPr>
+                          <a:rPr lang="en-GB" b="0" i="1" smtClean="0">
+                            <a:latin typeface="Cambria Math" panose="02040503050406030204" pitchFamily="18" charset="0"/>
+                          </a:rPr>
+                        </m:ctrlPr>
+                      </m:sSubPr>
+                      <m:e>
+                        <m:r>
+                          <a:rPr lang="en-GB" b="0" i="1" smtClean="0">
+                            <a:latin typeface="Cambria Math" panose="02040503050406030204" pitchFamily="18" charset="0"/>
+                          </a:rPr>
+                          <m:t>𝑧</m:t>
+                        </m:r>
+                      </m:e>
+                      <m:sub>
+                        <m:r>
+                          <a:rPr lang="en-GB" b="0" i="1" smtClean="0">
+                            <a:latin typeface="Cambria Math" panose="02040503050406030204" pitchFamily="18" charset="0"/>
+                          </a:rPr>
+                          <m:t>2</m:t>
+                        </m:r>
+                      </m:sub>
+                    </m:sSub>
+                    <m:r>
+                      <a:rPr lang="en-GB" b="0" i="1" smtClean="0">
+                        <a:latin typeface="Cambria Math" panose="02040503050406030204" pitchFamily="18" charset="0"/>
+                      </a:rPr>
+                      <m:t>𝜖</m:t>
+                    </m:r>
+                    <m:d>
+                      <m:dPr>
+                        <m:ctrlPr>
+                          <a:rPr lang="en-GB" b="0" i="1" smtClean="0">
+                            <a:latin typeface="Cambria Math" panose="02040503050406030204" pitchFamily="18" charset="0"/>
+                          </a:rPr>
+                        </m:ctrlPr>
+                      </m:dPr>
+                      <m:e>
+                        <m:r>
+                          <a:rPr lang="en-GB" b="0" i="1" smtClean="0">
+                            <a:latin typeface="Cambria Math" panose="02040503050406030204" pitchFamily="18" charset="0"/>
+                          </a:rPr>
+                          <m:t>𝑡</m:t>
+                        </m:r>
+                      </m:e>
+                    </m:d>
+                    <m:r>
+                      <a:rPr lang="en-GB" b="0" i="1" smtClean="0">
+                        <a:latin typeface="Cambria Math" panose="02040503050406030204" pitchFamily="18" charset="0"/>
+                      </a:rPr>
+                      <m:t>=</m:t>
+                    </m:r>
+                    <m:sSubSup>
+                      <m:sSubSupPr>
+                        <m:ctrlPr>
+                          <a:rPr lang="en-GB" i="1">
+                            <a:latin typeface="Cambria Math" panose="02040503050406030204" pitchFamily="18" charset="0"/>
+                          </a:rPr>
+                        </m:ctrlPr>
+                      </m:sSubSupPr>
+                      <m:e>
+                        <m:r>
+                          <a:rPr lang="en-GB" i="1">
+                            <a:latin typeface="Cambria Math" panose="02040503050406030204" pitchFamily="18" charset="0"/>
+                          </a:rPr>
+                          <m:t>𝜃</m:t>
+                        </m:r>
+                      </m:e>
+                      <m:sub>
+                        <m:r>
+                          <a:rPr lang="en-GB" i="1">
+                            <a:latin typeface="Cambria Math" panose="02040503050406030204" pitchFamily="18" charset="0"/>
+                          </a:rPr>
+                          <m:t>2</m:t>
+                        </m:r>
+                      </m:sub>
+                      <m:sup>
+                        <m:r>
+                          <a:rPr lang="en-GB" i="1">
+                            <a:latin typeface="Cambria Math" panose="02040503050406030204" pitchFamily="18" charset="0"/>
+                          </a:rPr>
+                          <m:t>𝑇</m:t>
+                        </m:r>
+                      </m:sup>
+                    </m:sSubSup>
+                    <m:sSub>
+                      <m:sSubPr>
+                        <m:ctrlPr>
+                          <a:rPr lang="en-GB" i="1">
+                            <a:latin typeface="Cambria Math" panose="02040503050406030204" pitchFamily="18" charset="0"/>
+                          </a:rPr>
+                        </m:ctrlPr>
+                      </m:sSubPr>
+                      <m:e>
+                        <m:r>
+                          <a:rPr lang="en-GB" i="1">
+                            <a:latin typeface="Cambria Math" panose="02040503050406030204" pitchFamily="18" charset="0"/>
+                          </a:rPr>
+                          <m:t>𝑧</m:t>
+                        </m:r>
+                      </m:e>
+                      <m:sub>
+                        <m:r>
+                          <a:rPr lang="en-GB" i="1">
+                            <a:latin typeface="Cambria Math" panose="02040503050406030204" pitchFamily="18" charset="0"/>
+                          </a:rPr>
+                          <m:t>2</m:t>
+                        </m:r>
+                      </m:sub>
+                    </m:sSub>
+                    <m:r>
+                      <a:rPr lang="en-GB" i="1">
+                        <a:latin typeface="Cambria Math" panose="02040503050406030204" pitchFamily="18" charset="0"/>
+                      </a:rPr>
+                      <m:t>𝑦</m:t>
+                    </m:r>
+                    <m:d>
+                      <m:dPr>
+                        <m:ctrlPr>
+                          <a:rPr lang="en-GB" i="1">
+                            <a:latin typeface="Cambria Math" panose="02040503050406030204" pitchFamily="18" charset="0"/>
+                          </a:rPr>
+                        </m:ctrlPr>
+                      </m:dPr>
+                      <m:e>
+                        <m:r>
+                          <a:rPr lang="en-GB" i="1">
+                            <a:latin typeface="Cambria Math" panose="02040503050406030204" pitchFamily="18" charset="0"/>
+                          </a:rPr>
+                          <m:t>𝑡</m:t>
+                        </m:r>
+                      </m:e>
+                    </m:d>
+                    <m:r>
+                      <a:rPr lang="en-GB" i="1">
+                        <a:latin typeface="Cambria Math" panose="02040503050406030204" pitchFamily="18" charset="0"/>
+                      </a:rPr>
+                      <m:t>−</m:t>
+                    </m:r>
+                    <m:sSubSup>
+                      <m:sSubSupPr>
+                        <m:ctrlPr>
+                          <a:rPr lang="en-GB" i="1">
+                            <a:latin typeface="Cambria Math" panose="02040503050406030204" pitchFamily="18" charset="0"/>
+                          </a:rPr>
+                        </m:ctrlPr>
+                      </m:sSubSupPr>
+                      <m:e>
+                        <m:r>
+                          <a:rPr lang="en-GB" i="1">
+                            <a:latin typeface="Cambria Math" panose="02040503050406030204" pitchFamily="18" charset="0"/>
+                          </a:rPr>
+                          <m:t>𝜃</m:t>
+                        </m:r>
+                      </m:e>
+                      <m:sub>
+                        <m:r>
+                          <a:rPr lang="en-GB" i="1">
+                            <a:latin typeface="Cambria Math" panose="02040503050406030204" pitchFamily="18" charset="0"/>
+                          </a:rPr>
+                          <m:t>1</m:t>
+                        </m:r>
+                      </m:sub>
+                      <m:sup>
+                        <m:r>
+                          <a:rPr lang="en-GB" i="1">
+                            <a:latin typeface="Cambria Math" panose="02040503050406030204" pitchFamily="18" charset="0"/>
+                          </a:rPr>
+                          <m:t>𝑇</m:t>
+                        </m:r>
+                      </m:sup>
+                    </m:sSubSup>
+                    <m:sSub>
+                      <m:sSubPr>
+                        <m:ctrlPr>
+                          <a:rPr lang="en-GB" i="1">
+                            <a:latin typeface="Cambria Math" panose="02040503050406030204" pitchFamily="18" charset="0"/>
+                          </a:rPr>
+                        </m:ctrlPr>
+                      </m:sSubPr>
+                      <m:e>
+                        <m:r>
+                          <a:rPr lang="en-GB" i="1">
+                            <a:latin typeface="Cambria Math" panose="02040503050406030204" pitchFamily="18" charset="0"/>
+                          </a:rPr>
+                          <m:t>𝑧</m:t>
+                        </m:r>
+                      </m:e>
+                      <m:sub>
+                        <m:r>
+                          <a:rPr lang="en-GB" i="1">
+                            <a:latin typeface="Cambria Math" panose="02040503050406030204" pitchFamily="18" charset="0"/>
+                          </a:rPr>
+                          <m:t>1</m:t>
+                        </m:r>
+                      </m:sub>
+                    </m:sSub>
+                    <m:r>
+                      <a:rPr lang="en-GB" i="1">
+                        <a:latin typeface="Cambria Math" panose="02040503050406030204" pitchFamily="18" charset="0"/>
+                      </a:rPr>
+                      <m:t>𝑢</m:t>
+                    </m:r>
+                    <m:r>
+                      <a:rPr lang="en-GB" i="1">
+                        <a:latin typeface="Cambria Math" panose="02040503050406030204" pitchFamily="18" charset="0"/>
+                      </a:rPr>
+                      <m:t>(</m:t>
+                    </m:r>
+                    <m:r>
+                      <a:rPr lang="en-GB" i="1">
+                        <a:latin typeface="Cambria Math" panose="02040503050406030204" pitchFamily="18" charset="0"/>
+                      </a:rPr>
+                      <m:t>𝑡</m:t>
+                    </m:r>
+                    <m:r>
+                      <a:rPr lang="en-GB" i="1">
+                        <a:latin typeface="Cambria Math" panose="02040503050406030204" pitchFamily="18" charset="0"/>
+                      </a:rPr>
+                      <m:t>−</m:t>
+                    </m:r>
+                    <m:r>
+                      <a:rPr lang="en-GB" i="1">
+                        <a:latin typeface="Cambria Math" panose="02040503050406030204" pitchFamily="18" charset="0"/>
+                      </a:rPr>
+                      <m:t>𝑘</m:t>
+                    </m:r>
+                    <m:r>
+                      <a:rPr lang="en-GB" i="1">
+                        <a:latin typeface="Cambria Math" panose="02040503050406030204" pitchFamily="18" charset="0"/>
+                      </a:rPr>
+                      <m:t>)</m:t>
+                    </m:r>
+                  </m:oMath>
+                </a14:m>
+                <a:r>
+                  <a:rPr lang="en-GB" dirty="0" smtClean="0"/>
+                  <a:t>,</a:t>
+                </a:r>
+              </a:p>
+              <a:p>
+                <a:r>
+                  <a:rPr lang="en-GB" dirty="0" smtClean="0"/>
+                  <a:t> </a:t>
+                </a:r>
+              </a:p>
+            </p:txBody>
+          </p:sp>
+        </mc:Choice>
+        <mc:Fallback>
+          <p:sp>
+            <p:nvSpPr>
+              <p:cNvPr id="6" name="TextBox 5"/>
+              <p:cNvSpPr txBox="1">
+                <a:spLocks noRot="1" noChangeAspect="1" noMove="1" noResize="1" noEditPoints="1" noAdjustHandles="1" noChangeArrowheads="1" noChangeShapeType="1" noTextEdit="1"/>
+              </p:cNvSpPr>
+              <p:nvPr/>
+            </p:nvSpPr>
+            <p:spPr>
+              <a:xfrm>
+                <a:off x="546790" y="1677798"/>
+                <a:ext cx="10863744" cy="1831592"/>
+              </a:xfrm>
+              <a:prstGeom prst="rect">
+                <a:avLst/>
+              </a:prstGeom>
+              <a:blipFill rotWithShape="0">
+                <a:blip r:embed="rId2"/>
+                <a:stretch>
+                  <a:fillRect l="-505" t="-19934"/>
+                </a:stretch>
+              </a:blipFill>
+            </p:spPr>
+            <p:txBody>
+              <a:bodyPr/>
+              <a:lstStyle/>
+              <a:p>
+                <a:r>
+                  <a:rPr lang="en-GB">
+                    <a:noFill/>
+                  </a:rPr>
+                  <a:t> </a:t>
+                </a:r>
+              </a:p>
+            </p:txBody>
+          </p:sp>
+        </mc:Fallback>
+      </mc:AlternateContent>
+    </p:spTree>
+    <p:extLst>
+      <p:ext uri="{BB962C8B-B14F-4D97-AF65-F5344CB8AC3E}">
+        <p14:creationId xmlns:p14="http://schemas.microsoft.com/office/powerpoint/2010/main" val="3873851003"/>
+      </p:ext>
+    </p:extLst>
+  </p:cSld>
+  <p:clrMapOvr>
+    <a:masterClrMapping/>
+  </p:clrMapOvr>
+  <p:timing>
+    <p:tnLst>
+      <p:par>
+        <p:cTn id="1" dur="indefinite" restart="never" nodeType="tmRoot"/>
+      </p:par>
+    </p:tnLst>
+  </p:timing>
+</p:sld>
+</file>
+
+<file path=ppt/slides/slide23.xml><?xml version="1.0" encoding="utf-8"?>
+<p:sld xmlns:a="http://schemas.openxmlformats.org/drawingml/2006/main" xmlns:r="http://schemas.openxmlformats.org/officeDocument/2006/relationships" xmlns:p="http://schemas.openxmlformats.org/presentationml/2006/main">
+  <p:cSld>
+    <p:spTree>
+      <p:nvGrpSpPr>
+        <p:cNvPr id="1" name=""/>
+        <p:cNvGrpSpPr/>
+        <p:nvPr/>
+      </p:nvGrpSpPr>
+      <p:grpSpPr>
+        <a:xfrm>
+          <a:off x="0" y="0"/>
+          <a:ext cx="0" cy="0"/>
+          <a:chOff x="0" y="0"/>
+          <a:chExt cx="0" cy="0"/>
+        </a:xfrm>
+      </p:grpSpPr>
+      <p:sp>
+        <p:nvSpPr>
+          <p:cNvPr id="2" name="Slide Number Placeholder 1"/>
+          <p:cNvSpPr>
+            <a:spLocks noGrp="1"/>
+          </p:cNvSpPr>
+          <p:nvPr>
+            <p:ph type="sldNum" sz="quarter" idx="10"/>
+          </p:nvPr>
+        </p:nvSpPr>
+        <p:spPr/>
+        <p:txBody>
+          <a:bodyPr/>
+          <a:lstStyle/>
+          <a:p>
+            <a:fld id="{61155BBA-336D-4AED-BB34-E42D9706BCE7}" type="slidenum">
+              <a:rPr lang="it-IT" altLang="en-US" smtClean="0"/>
+              <a:pPr/>
+              <a:t>23</a:t>
+            </a:fld>
+            <a:endParaRPr lang="it-IT" altLang="en-US"/>
+          </a:p>
+        </p:txBody>
+      </p:sp>
+    </p:spTree>
+    <p:extLst>
+      <p:ext uri="{BB962C8B-B14F-4D97-AF65-F5344CB8AC3E}">
+        <p14:creationId xmlns:p14="http://schemas.microsoft.com/office/powerpoint/2010/main" val="850820712"/>
+      </p:ext>
+    </p:extLst>
+  </p:cSld>
+  <p:clrMapOvr>
+    <a:masterClrMapping/>
+  </p:clrMapOvr>
+</p:sld>
+</file>
+
+<file path=ppt/slides/slide24.xml><?xml version="1.0" encoding="utf-8"?>
+<p:sld xmlns:a="http://schemas.openxmlformats.org/drawingml/2006/main" xmlns:r="http://schemas.openxmlformats.org/officeDocument/2006/relationships" xmlns:p="http://schemas.openxmlformats.org/presentationml/2006/main">
+  <p:cSld>
+    <p:spTree>
+      <p:nvGrpSpPr>
+        <p:cNvPr id="1" name=""/>
+        <p:cNvGrpSpPr/>
+        <p:nvPr/>
+      </p:nvGrpSpPr>
+      <p:grpSpPr>
+        <a:xfrm>
+          <a:off x="0" y="0"/>
+          <a:ext cx="0" cy="0"/>
+          <a:chOff x="0" y="0"/>
+          <a:chExt cx="0" cy="0"/>
+        </a:xfrm>
+      </p:grpSpPr>
+      <p:sp>
+        <p:nvSpPr>
+          <p:cNvPr id="2" name="Slide Number Placeholder 1"/>
+          <p:cNvSpPr>
+            <a:spLocks noGrp="1"/>
+          </p:cNvSpPr>
+          <p:nvPr>
+            <p:ph type="sldNum" sz="quarter" idx="10"/>
+          </p:nvPr>
+        </p:nvSpPr>
+        <p:spPr/>
+        <p:txBody>
+          <a:bodyPr/>
+          <a:lstStyle/>
+          <a:p>
+            <a:fld id="{61155BBA-336D-4AED-BB34-E42D9706BCE7}" type="slidenum">
+              <a:rPr lang="it-IT" altLang="en-US" smtClean="0"/>
+              <a:pPr/>
+              <a:t>24</a:t>
             </a:fld>
             <a:endParaRPr lang="it-IT" altLang="en-US"/>
           </a:p>
@@ -15410,7 +16952,7 @@
 </p:sld>
 </file>
 
-<file path=ppt/slides/slide23.xml><?xml version="1.0" encoding="utf-8"?>
+<file path=ppt/slides/slide25.xml><?xml version="1.0" encoding="utf-8"?>
 <p:sld xmlns:a="http://schemas.openxmlformats.org/drawingml/2006/main" xmlns:r="http://schemas.openxmlformats.org/officeDocument/2006/relationships" xmlns:p="http://schemas.openxmlformats.org/presentationml/2006/main">
   <p:cSld>
     <p:spTree>
@@ -15445,7 +16987,7 @@
             <a:fld id="{61155BBA-336D-4AED-BB34-E42D9706BCE7}" type="slidenum">
               <a:rPr lang="it-IT" altLang="en-US" smtClean="0"/>
               <a:pPr/>
-              <a:t>23</a:t>
+              <a:t>25</a:t>
             </a:fld>
             <a:endParaRPr lang="it-IT" altLang="en-US"/>
           </a:p>
@@ -15546,7 +17088,7 @@
 </p:sld>
 </file>
 
-<file path=ppt/slides/slide24.xml><?xml version="1.0" encoding="utf-8"?>
+<file path=ppt/slides/slide26.xml><?xml version="1.0" encoding="utf-8"?>
 <p:sld xmlns:a="http://schemas.openxmlformats.org/drawingml/2006/main" xmlns:r="http://schemas.openxmlformats.org/officeDocument/2006/relationships" xmlns:p="http://schemas.openxmlformats.org/presentationml/2006/main">
   <p:cSld>
     <p:spTree>
@@ -15581,7 +17123,7 @@
             <a:fld id="{61155BBA-336D-4AED-BB34-E42D9706BCE7}" type="slidenum">
               <a:rPr lang="it-IT" altLang="en-US" smtClean="0"/>
               <a:pPr/>
-              <a:t>24</a:t>
+              <a:t>26</a:t>
             </a:fld>
             <a:endParaRPr lang="it-IT" altLang="en-US"/>
           </a:p>
@@ -15694,7 +17236,7 @@
 </p:sld>
 </file>
 
-<file path=ppt/slides/slide25.xml><?xml version="1.0" encoding="utf-8"?>
+<file path=ppt/slides/slide27.xml><?xml version="1.0" encoding="utf-8"?>
 <p:sld xmlns:a="http://schemas.openxmlformats.org/drawingml/2006/main" xmlns:r="http://schemas.openxmlformats.org/officeDocument/2006/relationships" xmlns:p="http://schemas.openxmlformats.org/presentationml/2006/main">
   <p:cSld>
     <p:spTree>
@@ -15729,7 +17271,7 @@
             <a:fld id="{61155BBA-336D-4AED-BB34-E42D9706BCE7}" type="slidenum">
               <a:rPr lang="it-IT" altLang="en-US" smtClean="0"/>
               <a:pPr/>
-              <a:t>25</a:t>
+              <a:t>27</a:t>
             </a:fld>
             <a:endParaRPr lang="it-IT" altLang="en-US"/>
           </a:p>

--- a/report/Report.pptx
+++ b/report/Report.pptx
@@ -30,10 +30,11 @@
     <p:sldId id="280" r:id="rId24"/>
     <p:sldId id="283" r:id="rId25"/>
     <p:sldId id="282" r:id="rId26"/>
-    <p:sldId id="264" r:id="rId27"/>
-    <p:sldId id="265" r:id="rId28"/>
-    <p:sldId id="277" r:id="rId29"/>
-    <p:sldId id="278" r:id="rId30"/>
+    <p:sldId id="284" r:id="rId27"/>
+    <p:sldId id="264" r:id="rId28"/>
+    <p:sldId id="265" r:id="rId29"/>
+    <p:sldId id="277" r:id="rId30"/>
+    <p:sldId id="278" r:id="rId31"/>
   </p:sldIdLst>
   <p:sldSz cx="12192000" cy="6858000"/>
   <p:notesSz cx="6858000" cy="9144000"/>
@@ -282,7 +283,7 @@
           <a:p>
             <a:fld id="{843C4FC0-81D1-4453-9443-D3E156B7E80B}" type="datetimeFigureOut">
               <a:rPr lang="en-GB" smtClean="0"/>
-              <a:t>12/04/2015</a:t>
+              <a:t>13/04/2015</a:t>
             </a:fld>
             <a:endParaRPr lang="en-GB"/>
           </a:p>
@@ -452,7 +453,7 @@
           <a:p>
             <a:fld id="{843C4FC0-81D1-4453-9443-D3E156B7E80B}" type="datetimeFigureOut">
               <a:rPr lang="en-GB" smtClean="0"/>
-              <a:t>12/04/2015</a:t>
+              <a:t>13/04/2015</a:t>
             </a:fld>
             <a:endParaRPr lang="en-GB"/>
           </a:p>
@@ -632,7 +633,7 @@
           <a:p>
             <a:fld id="{843C4FC0-81D1-4453-9443-D3E156B7E80B}" type="datetimeFigureOut">
               <a:rPr lang="en-GB" smtClean="0"/>
-              <a:t>12/04/2015</a:t>
+              <a:t>13/04/2015</a:t>
             </a:fld>
             <a:endParaRPr lang="en-GB"/>
           </a:p>
@@ -1413,7 +1414,7 @@
           <a:p>
             <a:fld id="{843C4FC0-81D1-4453-9443-D3E156B7E80B}" type="datetimeFigureOut">
               <a:rPr lang="en-GB" smtClean="0"/>
-              <a:t>12/04/2015</a:t>
+              <a:t>13/04/2015</a:t>
             </a:fld>
             <a:endParaRPr lang="en-GB"/>
           </a:p>
@@ -1659,7 +1660,7 @@
           <a:p>
             <a:fld id="{843C4FC0-81D1-4453-9443-D3E156B7E80B}" type="datetimeFigureOut">
               <a:rPr lang="en-GB" smtClean="0"/>
-              <a:t>12/04/2015</a:t>
+              <a:t>13/04/2015</a:t>
             </a:fld>
             <a:endParaRPr lang="en-GB"/>
           </a:p>
@@ -1891,7 +1892,7 @@
           <a:p>
             <a:fld id="{843C4FC0-81D1-4453-9443-D3E156B7E80B}" type="datetimeFigureOut">
               <a:rPr lang="en-GB" smtClean="0"/>
-              <a:t>12/04/2015</a:t>
+              <a:t>13/04/2015</a:t>
             </a:fld>
             <a:endParaRPr lang="en-GB"/>
           </a:p>
@@ -2258,7 +2259,7 @@
           <a:p>
             <a:fld id="{843C4FC0-81D1-4453-9443-D3E156B7E80B}" type="datetimeFigureOut">
               <a:rPr lang="en-GB" smtClean="0"/>
-              <a:t>12/04/2015</a:t>
+              <a:t>13/04/2015</a:t>
             </a:fld>
             <a:endParaRPr lang="en-GB"/>
           </a:p>
@@ -2376,7 +2377,7 @@
           <a:p>
             <a:fld id="{843C4FC0-81D1-4453-9443-D3E156B7E80B}" type="datetimeFigureOut">
               <a:rPr lang="en-GB" smtClean="0"/>
-              <a:t>12/04/2015</a:t>
+              <a:t>13/04/2015</a:t>
             </a:fld>
             <a:endParaRPr lang="en-GB"/>
           </a:p>
@@ -2471,7 +2472,7 @@
           <a:p>
             <a:fld id="{843C4FC0-81D1-4453-9443-D3E156B7E80B}" type="datetimeFigureOut">
               <a:rPr lang="en-GB" smtClean="0"/>
-              <a:t>12/04/2015</a:t>
+              <a:t>13/04/2015</a:t>
             </a:fld>
             <a:endParaRPr lang="en-GB"/>
           </a:p>
@@ -2748,7 +2749,7 @@
           <a:p>
             <a:fld id="{843C4FC0-81D1-4453-9443-D3E156B7E80B}" type="datetimeFigureOut">
               <a:rPr lang="en-GB" smtClean="0"/>
-              <a:t>12/04/2015</a:t>
+              <a:t>13/04/2015</a:t>
             </a:fld>
             <a:endParaRPr lang="en-GB"/>
           </a:p>
@@ -3001,7 +3002,7 @@
           <a:p>
             <a:fld id="{843C4FC0-81D1-4453-9443-D3E156B7E80B}" type="datetimeFigureOut">
               <a:rPr lang="en-GB" smtClean="0"/>
-              <a:t>12/04/2015</a:t>
+              <a:t>13/04/2015</a:t>
             </a:fld>
             <a:endParaRPr lang="en-GB"/>
           </a:p>
@@ -3214,7 +3215,7 @@
           <a:p>
             <a:fld id="{843C4FC0-81D1-4453-9443-D3E156B7E80B}" type="datetimeFigureOut">
               <a:rPr lang="en-GB" smtClean="0"/>
-              <a:t>12/04/2015</a:t>
+              <a:t>13/04/2015</a:t>
             </a:fld>
             <a:endParaRPr lang="en-GB"/>
           </a:p>
@@ -7090,18 +7091,14 @@
           <a:p>
             <a:r>
               <a:rPr lang="en-GB" dirty="0" smtClean="0"/>
-              <a:t>From this we can make </a:t>
-            </a:r>
-            <a:r>
-              <a:rPr lang="en-GB" dirty="0" smtClean="0"/>
-              <a:t>a rough estimation of the impulse response, and together with the measured data, try to estimate the input delay (dead time).</a:t>
+              <a:t>From this we can make a rough estimation of the impulse response, and together with the measured data, try to estimate the input delay (dead time).</a:t>
             </a:r>
             <a:endParaRPr lang="en-GB" dirty="0"/>
           </a:p>
         </p:txBody>
       </p:sp>
-      <mc:AlternateContent xmlns:mc="http://schemas.openxmlformats.org/markup-compatibility/2006">
-        <mc:Choice xmlns:a14="http://schemas.microsoft.com/office/drawing/2010/main" Requires="a14">
+      <mc:AlternateContent xmlns:mc="http://schemas.openxmlformats.org/markup-compatibility/2006" xmlns:a14="http://schemas.microsoft.com/office/drawing/2010/main">
+        <mc:Choice Requires="a14">
           <p:sp>
             <p:nvSpPr>
               <p:cNvPr id="8" name="TextBox 7"/>
@@ -8149,7 +8146,7 @@
             </p:txBody>
           </p:sp>
         </mc:Choice>
-        <mc:Fallback>
+        <mc:Fallback xmlns="">
           <p:sp>
             <p:nvSpPr>
               <p:cNvPr id="8" name="TextBox 7"/>
@@ -8412,11 +8409,7 @@
           <a:p>
             <a:r>
               <a:rPr lang="en-GB" dirty="0" smtClean="0"/>
-              <a:t>Seems </a:t>
-            </a:r>
-            <a:r>
-              <a:rPr lang="en-GB" dirty="0" smtClean="0"/>
-              <a:t>like that</a:t>
+              <a:t>Seems like that</a:t>
             </a:r>
           </a:p>
           <a:p>
@@ -8882,17 +8875,8 @@
               <a:rPr lang="en-GB" sz="2800" b="1" i="1" dirty="0" smtClean="0">
                 <a:latin typeface="+mj-lt"/>
               </a:rPr>
-              <a:t>MODEL </a:t>
+              <a:t>MODEL IDENTIFICATION - PEM</a:t>
             </a:r>
-            <a:r>
-              <a:rPr lang="en-GB" sz="2800" b="1" i="1" dirty="0" smtClean="0">
-                <a:latin typeface="+mj-lt"/>
-              </a:rPr>
-              <a:t>IDENTIFICATION - PEM</a:t>
-            </a:r>
-            <a:endParaRPr lang="en-GB" sz="2800" b="1" i="1" dirty="0" smtClean="0">
-              <a:latin typeface="+mj-lt"/>
-            </a:endParaRPr>
           </a:p>
         </p:txBody>
       </p:sp>
@@ -8940,8 +8924,8 @@
           </a:p>
         </p:txBody>
       </p:sp>
-      <mc:AlternateContent xmlns:mc="http://schemas.openxmlformats.org/markup-compatibility/2006">
-        <mc:Choice xmlns:a14="http://schemas.microsoft.com/office/drawing/2010/main" Requires="a14">
+      <mc:AlternateContent xmlns:mc="http://schemas.openxmlformats.org/markup-compatibility/2006" xmlns:a14="http://schemas.microsoft.com/office/drawing/2010/main">
+        <mc:Choice Requires="a14">
           <p:sp>
             <p:nvSpPr>
               <p:cNvPr id="5" name="TextBox 4"/>
@@ -10029,6 +10013,7 @@
                 </a:r>
               </a:p>
               <a:p>
+                <a:pPr/>
                 <a14:m>
                   <m:oMathPara xmlns:m="http://schemas.openxmlformats.org/officeDocument/2006/math">
                     <m:oMathParaPr>
@@ -10227,6 +10212,7 @@
                 </a:r>
               </a:p>
               <a:p>
+                <a:pPr/>
                 <a14:m>
                   <m:oMathPara xmlns:m="http://schemas.openxmlformats.org/officeDocument/2006/math">
                     <m:oMathParaPr>
@@ -10589,6 +10575,7 @@
                 <a:endParaRPr lang="en-GB" dirty="0" smtClean="0"/>
               </a:p>
               <a:p>
+                <a:pPr/>
                 <a14:m>
                   <m:oMathPara xmlns:m="http://schemas.openxmlformats.org/officeDocument/2006/math">
                     <m:oMathParaPr>
@@ -10997,6 +10984,7 @@
                 <a:endParaRPr lang="en-GB" dirty="0" smtClean="0"/>
               </a:p>
               <a:p>
+                <a:pPr/>
                 <a14:m>
                   <m:oMathPara xmlns:m="http://schemas.openxmlformats.org/officeDocument/2006/math">
                     <m:oMathParaPr>
@@ -11402,7 +11390,7 @@
             </p:txBody>
           </p:sp>
         </mc:Choice>
-        <mc:Fallback>
+        <mc:Fallback xmlns="">
           <p:sp>
             <p:nvSpPr>
               <p:cNvPr id="5" name="TextBox 4"/>
@@ -11528,17 +11516,8 @@
               <a:rPr lang="en-GB" sz="2800" b="1" i="1" dirty="0" smtClean="0">
                 <a:latin typeface="+mj-lt"/>
               </a:rPr>
-              <a:t>MODEL </a:t>
+              <a:t>MODEL IDENTIFICATION – WHICH MODEL</a:t>
             </a:r>
-            <a:r>
-              <a:rPr lang="en-GB" sz="2800" b="1" i="1" dirty="0" smtClean="0">
-                <a:latin typeface="+mj-lt"/>
-              </a:rPr>
-              <a:t>IDENTIFICATION – WHICH MODEL</a:t>
-            </a:r>
-            <a:endParaRPr lang="en-GB" sz="2800" b="1" i="1" dirty="0" smtClean="0">
-              <a:latin typeface="+mj-lt"/>
-            </a:endParaRPr>
           </a:p>
         </p:txBody>
       </p:sp>
@@ -11586,8 +11565,8 @@
           </a:p>
         </p:txBody>
       </p:sp>
-      <mc:AlternateContent xmlns:mc="http://schemas.openxmlformats.org/markup-compatibility/2006">
-        <mc:Choice xmlns:a14="http://schemas.microsoft.com/office/drawing/2010/main" Requires="a14">
+      <mc:AlternateContent xmlns:mc="http://schemas.openxmlformats.org/markup-compatibility/2006" xmlns:a14="http://schemas.microsoft.com/office/drawing/2010/main">
+        <mc:Choice Requires="a14">
           <p:sp>
             <p:nvSpPr>
               <p:cNvPr id="5" name="TextBox 4"/>
@@ -12078,7 +12057,6 @@
                   <a:rPr lang="en-GB" dirty="0" smtClean="0"/>
                   <a:t>How to address this problem with the minimization problem? </a:t>
                 </a:r>
-                <a:endParaRPr lang="en-GB" dirty="0" smtClean="0"/>
               </a:p>
               <a:p>
                 <a:endParaRPr lang="en-GB" dirty="0"/>
@@ -12095,7 +12073,7 @@
             </p:txBody>
           </p:sp>
         </mc:Choice>
-        <mc:Fallback>
+        <mc:Fallback xmlns="">
           <p:sp>
             <p:nvSpPr>
               <p:cNvPr id="5" name="TextBox 4"/>
@@ -12849,17 +12827,8 @@
               <a:rPr lang="en-GB" sz="2800" b="1" i="1" dirty="0" smtClean="0">
                 <a:latin typeface="+mj-lt"/>
               </a:rPr>
-              <a:t>MODEL </a:t>
+              <a:t>MODEL IDENTIFICATION – WHICH MODEL</a:t>
             </a:r>
-            <a:r>
-              <a:rPr lang="en-GB" sz="2800" b="1" i="1" dirty="0" smtClean="0">
-                <a:latin typeface="+mj-lt"/>
-              </a:rPr>
-              <a:t>IDENTIFICATION – WHICH MODEL</a:t>
-            </a:r>
-            <a:endParaRPr lang="en-GB" sz="2800" b="1" i="1" dirty="0" smtClean="0">
-              <a:latin typeface="+mj-lt"/>
-            </a:endParaRPr>
           </a:p>
         </p:txBody>
       </p:sp>
@@ -12907,8 +12876,8 @@
           </a:p>
         </p:txBody>
       </p:sp>
-      <mc:AlternateContent xmlns:mc="http://schemas.openxmlformats.org/markup-compatibility/2006">
-        <mc:Choice xmlns:a14="http://schemas.microsoft.com/office/drawing/2010/main" Requires="a14">
+      <mc:AlternateContent xmlns:mc="http://schemas.openxmlformats.org/markup-compatibility/2006" xmlns:a14="http://schemas.microsoft.com/office/drawing/2010/main">
+        <mc:Choice Requires="a14">
           <p:sp>
             <p:nvSpPr>
               <p:cNvPr id="5" name="TextBox 4"/>
@@ -13338,13 +13307,7 @@
                           <a:rPr lang="en-GB" i="1">
                             <a:latin typeface="Cambria Math" panose="02040503050406030204" pitchFamily="18" charset="0"/>
                           </a:rPr>
-                          <m:t>𝐺</m:t>
-                        </m:r>
-                        <m:r>
-                          <a:rPr lang="en-GB" i="1">
-                            <a:latin typeface="Cambria Math" panose="02040503050406030204" pitchFamily="18" charset="0"/>
-                          </a:rPr>
-                          <m:t>𝑢</m:t>
+                          <m:t>𝐺𝑢</m:t>
                         </m:r>
                         <m:d>
                           <m:dPr>
@@ -13562,7 +13525,7 @@
             </p:txBody>
           </p:sp>
         </mc:Choice>
-        <mc:Fallback>
+        <mc:Fallback xmlns="">
           <p:sp>
             <p:nvSpPr>
               <p:cNvPr id="5" name="TextBox 4"/>
@@ -13688,17 +13651,8 @@
               <a:rPr lang="en-GB" sz="2800" b="1" i="1" dirty="0" smtClean="0">
                 <a:latin typeface="+mj-lt"/>
               </a:rPr>
-              <a:t>MODEL </a:t>
+              <a:t>MODEL IDENTIFICATION – LOSS FUNCTION</a:t>
             </a:r>
-            <a:r>
-              <a:rPr lang="en-GB" sz="2800" b="1" i="1" dirty="0" smtClean="0">
-                <a:latin typeface="+mj-lt"/>
-              </a:rPr>
-              <a:t>IDENTIFICATION – LOSS FUNCTION</a:t>
-            </a:r>
-            <a:endParaRPr lang="en-GB" sz="2800" b="1" i="1" dirty="0" smtClean="0">
-              <a:latin typeface="+mj-lt"/>
-            </a:endParaRPr>
           </a:p>
         </p:txBody>
       </p:sp>
@@ -13746,8 +13700,8 @@
           </a:p>
         </p:txBody>
       </p:sp>
-      <mc:AlternateContent xmlns:mc="http://schemas.openxmlformats.org/markup-compatibility/2006">
-        <mc:Choice xmlns:a14="http://schemas.microsoft.com/office/drawing/2010/main" Requires="a14">
+      <mc:AlternateContent xmlns:mc="http://schemas.openxmlformats.org/markup-compatibility/2006" xmlns:a14="http://schemas.microsoft.com/office/drawing/2010/main">
+        <mc:Choice Requires="a14">
           <p:sp>
             <p:nvSpPr>
               <p:cNvPr id="6" name="TextBox 5"/>
@@ -15072,7 +15026,7 @@
             </p:txBody>
           </p:sp>
         </mc:Choice>
-        <mc:Fallback>
+        <mc:Fallback xmlns="">
           <p:sp>
             <p:nvSpPr>
               <p:cNvPr id="6" name="TextBox 5"/>
@@ -15198,17 +15152,8 @@
               <a:rPr lang="en-GB" sz="2800" b="1" i="1" dirty="0" smtClean="0">
                 <a:latin typeface="+mj-lt"/>
               </a:rPr>
-              <a:t>MODEL </a:t>
+              <a:t>MODEL IDENTIFICATION – LOSS FUNCTION</a:t>
             </a:r>
-            <a:r>
-              <a:rPr lang="en-GB" sz="2800" b="1" i="1" dirty="0" smtClean="0">
-                <a:latin typeface="+mj-lt"/>
-              </a:rPr>
-              <a:t>IDENTIFICATION – LOSS FUNCTION</a:t>
-            </a:r>
-            <a:endParaRPr lang="en-GB" sz="2800" b="1" i="1" dirty="0" smtClean="0">
-              <a:latin typeface="+mj-lt"/>
-            </a:endParaRPr>
           </a:p>
         </p:txBody>
       </p:sp>
@@ -15267,7 +15212,7 @@
             <p:spPr>
               <a:xfrm>
                 <a:off x="546790" y="1677798"/>
-                <a:ext cx="10863744" cy="1831592"/>
+                <a:ext cx="10863744" cy="1617559"/>
               </a:xfrm>
               <a:prstGeom prst="rect">
                 <a:avLst/>
@@ -15581,13 +15526,14 @@
                           <a:rPr lang="en-GB" b="0" i="1" smtClean="0">
                             <a:latin typeface="Cambria Math" panose="02040503050406030204" pitchFamily="18" charset="0"/>
                           </a:rPr>
-                          <m:t>𝑁</m:t>
+                          <m:t>𝑇</m:t>
                         </m:r>
                       </m:den>
                     </m:f>
                     <m:nary>
                       <m:naryPr>
                         <m:chr m:val="∑"/>
+                        <m:supHide m:val="on"/>
                         <m:ctrlPr>
                           <a:rPr lang="en-GB" b="0" i="1" smtClean="0">
                             <a:latin typeface="Cambria Math" panose="02040503050406030204" pitchFamily="18" charset="0"/>
@@ -15596,29 +15542,25 @@
                       </m:naryPr>
                       <m:sub>
                         <m:r>
-                          <m:rPr>
-                            <m:brk m:alnAt="23"/>
-                          </m:rPr>
                           <a:rPr lang="en-GB" b="0" i="1" smtClean="0">
                             <a:latin typeface="Cambria Math" panose="02040503050406030204" pitchFamily="18" charset="0"/>
                           </a:rPr>
-                          <m:t>𝑛</m:t>
+                          <m:t>𝑡</m:t>
                         </m:r>
                         <m:r>
                           <a:rPr lang="en-GB" b="0" i="1" smtClean="0">
                             <a:latin typeface="Cambria Math" panose="02040503050406030204" pitchFamily="18" charset="0"/>
                           </a:rPr>
-                          <m:t>=1</m:t>
+                          <m:t>=</m:t>
                         </m:r>
-                      </m:sub>
-                      <m:sup>
                         <m:r>
                           <a:rPr lang="en-GB" b="0" i="1" smtClean="0">
                             <a:latin typeface="Cambria Math" panose="02040503050406030204" pitchFamily="18" charset="0"/>
                           </a:rPr>
-                          <m:t>𝑁</m:t>
+                          <m:t>1</m:t>
                         </m:r>
-                      </m:sup>
+                      </m:sub>
+                      <m:sup/>
                       <m:e>
                         <m:sSup>
                           <m:sSupPr>
@@ -15842,718 +15784,14 @@
                 </a:r>
               </a:p>
               <a:p>
-                <a:endParaRPr lang="en-GB" dirty="0"/>
+                <a:endParaRPr lang="en-GB" dirty="0" smtClean="0"/>
               </a:p>
               <a:p>
                 <a:r>
                   <a:rPr lang="en-GB" dirty="0" smtClean="0"/>
-                  <a:t>Call </a:t>
+                  <a:t>Unfortunately it’s a non linear problem, so we need iterative methods to solve the minimisation problem which is a derivation problem. We’ll come back on this later.</a:t>
                 </a:r>
-                <a14:m>
-                  <m:oMath xmlns:m="http://schemas.openxmlformats.org/officeDocument/2006/math">
-                    <m:r>
-                      <a:rPr lang="en-GB" b="0" i="1" smtClean="0">
-                        <a:latin typeface="Cambria Math" panose="02040503050406030204" pitchFamily="18" charset="0"/>
-                      </a:rPr>
-                      <m:t>𝐺</m:t>
-                    </m:r>
-                    <m:d>
-                      <m:dPr>
-                        <m:ctrlPr>
-                          <a:rPr lang="en-GB" b="0" i="1" smtClean="0">
-                            <a:latin typeface="Cambria Math" panose="02040503050406030204" pitchFamily="18" charset="0"/>
-                          </a:rPr>
-                        </m:ctrlPr>
-                      </m:dPr>
-                      <m:e>
-                        <m:sSup>
-                          <m:sSupPr>
-                            <m:ctrlPr>
-                              <a:rPr lang="en-GB" b="0" i="1" smtClean="0">
-                                <a:latin typeface="Cambria Math" panose="02040503050406030204" pitchFamily="18" charset="0"/>
-                              </a:rPr>
-                            </m:ctrlPr>
-                          </m:sSupPr>
-                          <m:e>
-                            <m:r>
-                              <a:rPr lang="en-GB" b="0" i="1" smtClean="0">
-                                <a:latin typeface="Cambria Math" panose="02040503050406030204" pitchFamily="18" charset="0"/>
-                              </a:rPr>
-                              <m:t>𝑧</m:t>
-                            </m:r>
-                          </m:e>
-                          <m:sup>
-                            <m:r>
-                              <a:rPr lang="en-GB" b="0" i="1" smtClean="0">
-                                <a:latin typeface="Cambria Math" panose="02040503050406030204" pitchFamily="18" charset="0"/>
-                              </a:rPr>
-                              <m:t>−1</m:t>
-                            </m:r>
-                          </m:sup>
-                        </m:sSup>
-                        <m:r>
-                          <a:rPr lang="en-GB" b="0" i="1" smtClean="0">
-                            <a:latin typeface="Cambria Math" panose="02040503050406030204" pitchFamily="18" charset="0"/>
-                          </a:rPr>
-                          <m:t>,</m:t>
-                        </m:r>
-                        <m:r>
-                          <a:rPr lang="en-GB" b="0" i="1" smtClean="0">
-                            <a:latin typeface="Cambria Math" panose="02040503050406030204" pitchFamily="18" charset="0"/>
-                          </a:rPr>
-                          <m:t>𝜃</m:t>
-                        </m:r>
-                      </m:e>
-                    </m:d>
-                    <m:r>
-                      <a:rPr lang="en-GB" b="0" i="1" smtClean="0">
-                        <a:latin typeface="Cambria Math" panose="02040503050406030204" pitchFamily="18" charset="0"/>
-                      </a:rPr>
-                      <m:t>=</m:t>
-                    </m:r>
-                    <m:f>
-                      <m:fPr>
-                        <m:ctrlPr>
-                          <a:rPr lang="en-GB" b="0" i="1" smtClean="0">
-                            <a:latin typeface="Cambria Math" panose="02040503050406030204" pitchFamily="18" charset="0"/>
-                          </a:rPr>
-                        </m:ctrlPr>
-                      </m:fPr>
-                      <m:num>
-                        <m:sSubSup>
-                          <m:sSubSupPr>
-                            <m:ctrlPr>
-                              <a:rPr lang="en-GB" b="0" i="1" smtClean="0">
-                                <a:latin typeface="Cambria Math" panose="02040503050406030204" pitchFamily="18" charset="0"/>
-                              </a:rPr>
-                            </m:ctrlPr>
-                          </m:sSubSupPr>
-                          <m:e>
-                            <m:r>
-                              <a:rPr lang="en-GB" b="0" i="1" smtClean="0">
-                                <a:latin typeface="Cambria Math" panose="02040503050406030204" pitchFamily="18" charset="0"/>
-                              </a:rPr>
-                              <m:t>𝜃</m:t>
-                            </m:r>
-                          </m:e>
-                          <m:sub>
-                            <m:r>
-                              <a:rPr lang="en-GB" b="0" i="1" smtClean="0">
-                                <a:latin typeface="Cambria Math" panose="02040503050406030204" pitchFamily="18" charset="0"/>
-                              </a:rPr>
-                              <m:t>1</m:t>
-                            </m:r>
-                          </m:sub>
-                          <m:sup>
-                            <m:r>
-                              <a:rPr lang="en-GB" b="0" i="1" smtClean="0">
-                                <a:latin typeface="Cambria Math" panose="02040503050406030204" pitchFamily="18" charset="0"/>
-                              </a:rPr>
-                              <m:t>𝑇</m:t>
-                            </m:r>
-                          </m:sup>
-                        </m:sSubSup>
-                        <m:sSub>
-                          <m:sSubPr>
-                            <m:ctrlPr>
-                              <a:rPr lang="en-GB" b="0" i="1" smtClean="0">
-                                <a:latin typeface="Cambria Math" panose="02040503050406030204" pitchFamily="18" charset="0"/>
-                              </a:rPr>
-                            </m:ctrlPr>
-                          </m:sSubPr>
-                          <m:e>
-                            <m:r>
-                              <a:rPr lang="en-GB" b="0" i="1" smtClean="0">
-                                <a:latin typeface="Cambria Math" panose="02040503050406030204" pitchFamily="18" charset="0"/>
-                              </a:rPr>
-                              <m:t>𝑧</m:t>
-                            </m:r>
-                          </m:e>
-                          <m:sub>
-                            <m:r>
-                              <a:rPr lang="en-GB" b="0" i="1" smtClean="0">
-                                <a:latin typeface="Cambria Math" panose="02040503050406030204" pitchFamily="18" charset="0"/>
-                              </a:rPr>
-                              <m:t>1</m:t>
-                            </m:r>
-                          </m:sub>
-                        </m:sSub>
-                      </m:num>
-                      <m:den>
-                        <m:sSubSup>
-                          <m:sSubSupPr>
-                            <m:ctrlPr>
-                              <a:rPr lang="en-GB" b="0" i="1" smtClean="0">
-                                <a:latin typeface="Cambria Math" panose="02040503050406030204" pitchFamily="18" charset="0"/>
-                              </a:rPr>
-                            </m:ctrlPr>
-                          </m:sSubSupPr>
-                          <m:e>
-                            <m:r>
-                              <a:rPr lang="en-GB" b="0" i="1" smtClean="0">
-                                <a:latin typeface="Cambria Math" panose="02040503050406030204" pitchFamily="18" charset="0"/>
-                              </a:rPr>
-                              <m:t>𝜃</m:t>
-                            </m:r>
-                          </m:e>
-                          <m:sub>
-                            <m:r>
-                              <a:rPr lang="en-GB" b="0" i="1" smtClean="0">
-                                <a:latin typeface="Cambria Math" panose="02040503050406030204" pitchFamily="18" charset="0"/>
-                              </a:rPr>
-                              <m:t>2</m:t>
-                            </m:r>
-                          </m:sub>
-                          <m:sup>
-                            <m:r>
-                              <a:rPr lang="en-GB" b="0" i="1" smtClean="0">
-                                <a:latin typeface="Cambria Math" panose="02040503050406030204" pitchFamily="18" charset="0"/>
-                              </a:rPr>
-                              <m:t>𝑇</m:t>
-                            </m:r>
-                          </m:sup>
-                        </m:sSubSup>
-                        <m:sSub>
-                          <m:sSubPr>
-                            <m:ctrlPr>
-                              <a:rPr lang="en-GB" b="0" i="1" smtClean="0">
-                                <a:latin typeface="Cambria Math" panose="02040503050406030204" pitchFamily="18" charset="0"/>
-                              </a:rPr>
-                            </m:ctrlPr>
-                          </m:sSubPr>
-                          <m:e>
-                            <m:r>
-                              <a:rPr lang="en-GB" b="0" i="1" smtClean="0">
-                                <a:latin typeface="Cambria Math" panose="02040503050406030204" pitchFamily="18" charset="0"/>
-                              </a:rPr>
-                              <m:t>𝑧</m:t>
-                            </m:r>
-                          </m:e>
-                          <m:sub>
-                            <m:r>
-                              <a:rPr lang="en-GB" b="0" i="1" smtClean="0">
-                                <a:latin typeface="Cambria Math" panose="02040503050406030204" pitchFamily="18" charset="0"/>
-                              </a:rPr>
-                              <m:t>2</m:t>
-                            </m:r>
-                          </m:sub>
-                        </m:sSub>
-                      </m:den>
-                    </m:f>
-                    <m:r>
-                      <a:rPr lang="en-GB" b="0" i="1" smtClean="0">
-                        <a:latin typeface="Cambria Math" panose="02040503050406030204" pitchFamily="18" charset="0"/>
-                      </a:rPr>
-                      <m:t> , </m:t>
-                    </m:r>
-                    <m:r>
-                      <a:rPr lang="en-GB" b="0" i="1" smtClean="0">
-                        <a:latin typeface="Cambria Math" panose="02040503050406030204" pitchFamily="18" charset="0"/>
-                      </a:rPr>
-                      <m:t>𝜖</m:t>
-                    </m:r>
-                    <m:d>
-                      <m:dPr>
-                        <m:ctrlPr>
-                          <a:rPr lang="en-GB" b="0" i="1" smtClean="0">
-                            <a:latin typeface="Cambria Math" panose="02040503050406030204" pitchFamily="18" charset="0"/>
-                          </a:rPr>
-                        </m:ctrlPr>
-                      </m:dPr>
-                      <m:e>
-                        <m:r>
-                          <a:rPr lang="en-GB" b="0" i="1" smtClean="0">
-                            <a:latin typeface="Cambria Math" panose="02040503050406030204" pitchFamily="18" charset="0"/>
-                          </a:rPr>
-                          <m:t>𝑡</m:t>
-                        </m:r>
-                      </m:e>
-                    </m:d>
-                    <m:r>
-                      <a:rPr lang="en-GB" b="0" i="1" smtClean="0">
-                        <a:latin typeface="Cambria Math" panose="02040503050406030204" pitchFamily="18" charset="0"/>
-                      </a:rPr>
-                      <m:t>=</m:t>
-                    </m:r>
-                    <m:r>
-                      <a:rPr lang="en-GB" b="0" i="1" smtClean="0">
-                        <a:latin typeface="Cambria Math" panose="02040503050406030204" pitchFamily="18" charset="0"/>
-                      </a:rPr>
-                      <m:t>𝑦</m:t>
-                    </m:r>
-                    <m:d>
-                      <m:dPr>
-                        <m:ctrlPr>
-                          <a:rPr lang="en-GB" b="0" i="1" smtClean="0">
-                            <a:latin typeface="Cambria Math" panose="02040503050406030204" pitchFamily="18" charset="0"/>
-                          </a:rPr>
-                        </m:ctrlPr>
-                      </m:dPr>
-                      <m:e>
-                        <m:r>
-                          <a:rPr lang="en-GB" b="0" i="1" smtClean="0">
-                            <a:latin typeface="Cambria Math" panose="02040503050406030204" pitchFamily="18" charset="0"/>
-                          </a:rPr>
-                          <m:t>𝑡</m:t>
-                        </m:r>
-                      </m:e>
-                    </m:d>
-                    <m:r>
-                      <a:rPr lang="en-GB" b="0" i="1" smtClean="0">
-                        <a:latin typeface="Cambria Math" panose="02040503050406030204" pitchFamily="18" charset="0"/>
-                      </a:rPr>
-                      <m:t>−</m:t>
-                    </m:r>
-                    <m:f>
-                      <m:fPr>
-                        <m:ctrlPr>
-                          <a:rPr lang="en-GB" i="1">
-                            <a:latin typeface="Cambria Math" panose="02040503050406030204" pitchFamily="18" charset="0"/>
-                          </a:rPr>
-                        </m:ctrlPr>
-                      </m:fPr>
-                      <m:num>
-                        <m:sSubSup>
-                          <m:sSubSupPr>
-                            <m:ctrlPr>
-                              <a:rPr lang="en-GB" i="1">
-                                <a:latin typeface="Cambria Math" panose="02040503050406030204" pitchFamily="18" charset="0"/>
-                              </a:rPr>
-                            </m:ctrlPr>
-                          </m:sSubSupPr>
-                          <m:e>
-                            <m:r>
-                              <a:rPr lang="en-GB" i="1">
-                                <a:latin typeface="Cambria Math" panose="02040503050406030204" pitchFamily="18" charset="0"/>
-                              </a:rPr>
-                              <m:t>𝜃</m:t>
-                            </m:r>
-                          </m:e>
-                          <m:sub>
-                            <m:r>
-                              <a:rPr lang="en-GB" i="1">
-                                <a:latin typeface="Cambria Math" panose="02040503050406030204" pitchFamily="18" charset="0"/>
-                              </a:rPr>
-                              <m:t>1</m:t>
-                            </m:r>
-                          </m:sub>
-                          <m:sup>
-                            <m:r>
-                              <a:rPr lang="en-GB" i="1">
-                                <a:latin typeface="Cambria Math" panose="02040503050406030204" pitchFamily="18" charset="0"/>
-                              </a:rPr>
-                              <m:t>𝑇</m:t>
-                            </m:r>
-                          </m:sup>
-                        </m:sSubSup>
-                        <m:sSub>
-                          <m:sSubPr>
-                            <m:ctrlPr>
-                              <a:rPr lang="en-GB" i="1">
-                                <a:latin typeface="Cambria Math" panose="02040503050406030204" pitchFamily="18" charset="0"/>
-                              </a:rPr>
-                            </m:ctrlPr>
-                          </m:sSubPr>
-                          <m:e>
-                            <m:r>
-                              <a:rPr lang="en-GB" i="1">
-                                <a:latin typeface="Cambria Math" panose="02040503050406030204" pitchFamily="18" charset="0"/>
-                              </a:rPr>
-                              <m:t>𝑧</m:t>
-                            </m:r>
-                          </m:e>
-                          <m:sub>
-                            <m:r>
-                              <a:rPr lang="en-GB" i="1">
-                                <a:latin typeface="Cambria Math" panose="02040503050406030204" pitchFamily="18" charset="0"/>
-                              </a:rPr>
-                              <m:t>1</m:t>
-                            </m:r>
-                          </m:sub>
-                        </m:sSub>
-                      </m:num>
-                      <m:den>
-                        <m:sSubSup>
-                          <m:sSubSupPr>
-                            <m:ctrlPr>
-                              <a:rPr lang="en-GB" i="1">
-                                <a:latin typeface="Cambria Math" panose="02040503050406030204" pitchFamily="18" charset="0"/>
-                              </a:rPr>
-                            </m:ctrlPr>
-                          </m:sSubSupPr>
-                          <m:e>
-                            <m:r>
-                              <a:rPr lang="en-GB" i="1">
-                                <a:latin typeface="Cambria Math" panose="02040503050406030204" pitchFamily="18" charset="0"/>
-                              </a:rPr>
-                              <m:t>𝜃</m:t>
-                            </m:r>
-                          </m:e>
-                          <m:sub>
-                            <m:r>
-                              <a:rPr lang="en-GB" i="1">
-                                <a:latin typeface="Cambria Math" panose="02040503050406030204" pitchFamily="18" charset="0"/>
-                              </a:rPr>
-                              <m:t>2</m:t>
-                            </m:r>
-                          </m:sub>
-                          <m:sup>
-                            <m:r>
-                              <a:rPr lang="en-GB" i="1">
-                                <a:latin typeface="Cambria Math" panose="02040503050406030204" pitchFamily="18" charset="0"/>
-                              </a:rPr>
-                              <m:t>𝑇</m:t>
-                            </m:r>
-                          </m:sup>
-                        </m:sSubSup>
-                        <m:sSub>
-                          <m:sSubPr>
-                            <m:ctrlPr>
-                              <a:rPr lang="en-GB" i="1">
-                                <a:latin typeface="Cambria Math" panose="02040503050406030204" pitchFamily="18" charset="0"/>
-                              </a:rPr>
-                            </m:ctrlPr>
-                          </m:sSubPr>
-                          <m:e>
-                            <m:r>
-                              <a:rPr lang="en-GB" i="1">
-                                <a:latin typeface="Cambria Math" panose="02040503050406030204" pitchFamily="18" charset="0"/>
-                              </a:rPr>
-                              <m:t>𝑧</m:t>
-                            </m:r>
-                          </m:e>
-                          <m:sub>
-                            <m:r>
-                              <a:rPr lang="en-GB" i="1">
-                                <a:latin typeface="Cambria Math" panose="02040503050406030204" pitchFamily="18" charset="0"/>
-                              </a:rPr>
-                              <m:t>2</m:t>
-                            </m:r>
-                          </m:sub>
-                        </m:sSub>
-                      </m:den>
-                    </m:f>
-                    <m:r>
-                      <a:rPr lang="en-GB" b="0" i="1" smtClean="0">
-                        <a:latin typeface="Cambria Math" panose="02040503050406030204" pitchFamily="18" charset="0"/>
-                      </a:rPr>
-                      <m:t>𝑢</m:t>
-                    </m:r>
-                    <m:d>
-                      <m:dPr>
-                        <m:ctrlPr>
-                          <a:rPr lang="en-GB" b="0" i="1" smtClean="0">
-                            <a:latin typeface="Cambria Math" panose="02040503050406030204" pitchFamily="18" charset="0"/>
-                          </a:rPr>
-                        </m:ctrlPr>
-                      </m:dPr>
-                      <m:e>
-                        <m:r>
-                          <a:rPr lang="en-GB" b="0" i="1" smtClean="0">
-                            <a:latin typeface="Cambria Math" panose="02040503050406030204" pitchFamily="18" charset="0"/>
-                          </a:rPr>
-                          <m:t>𝑡</m:t>
-                        </m:r>
-                        <m:r>
-                          <a:rPr lang="en-GB" b="0" i="1" smtClean="0">
-                            <a:latin typeface="Cambria Math" panose="02040503050406030204" pitchFamily="18" charset="0"/>
-                          </a:rPr>
-                          <m:t>−</m:t>
-                        </m:r>
-                        <m:r>
-                          <a:rPr lang="en-GB" b="0" i="1" smtClean="0">
-                            <a:latin typeface="Cambria Math" panose="02040503050406030204" pitchFamily="18" charset="0"/>
-                          </a:rPr>
-                          <m:t>𝑘</m:t>
-                        </m:r>
-                      </m:e>
-                    </m:d>
-                    <m:r>
-                      <a:rPr lang="en-GB" b="0" i="1" smtClean="0">
-                        <a:latin typeface="Cambria Math" panose="02040503050406030204" pitchFamily="18" charset="0"/>
-                      </a:rPr>
-                      <m:t>⇒</m:t>
-                    </m:r>
-                    <m:sSubSup>
-                      <m:sSubSupPr>
-                        <m:ctrlPr>
-                          <a:rPr lang="en-GB" b="0" i="1" smtClean="0">
-                            <a:latin typeface="Cambria Math" panose="02040503050406030204" pitchFamily="18" charset="0"/>
-                          </a:rPr>
-                        </m:ctrlPr>
-                      </m:sSubSupPr>
-                      <m:e>
-                        <m:r>
-                          <a:rPr lang="en-GB" b="0" i="1" smtClean="0">
-                            <a:latin typeface="Cambria Math" panose="02040503050406030204" pitchFamily="18" charset="0"/>
-                          </a:rPr>
-                          <m:t>𝜃</m:t>
-                        </m:r>
-                      </m:e>
-                      <m:sub>
-                        <m:r>
-                          <a:rPr lang="en-GB" b="0" i="1" smtClean="0">
-                            <a:latin typeface="Cambria Math" panose="02040503050406030204" pitchFamily="18" charset="0"/>
-                          </a:rPr>
-                          <m:t>2</m:t>
-                        </m:r>
-                      </m:sub>
-                      <m:sup>
-                        <m:r>
-                          <a:rPr lang="en-GB" b="0" i="1" smtClean="0">
-                            <a:latin typeface="Cambria Math" panose="02040503050406030204" pitchFamily="18" charset="0"/>
-                          </a:rPr>
-                          <m:t>𝑇</m:t>
-                        </m:r>
-                      </m:sup>
-                    </m:sSubSup>
-                    <m:sSub>
-                      <m:sSubPr>
-                        <m:ctrlPr>
-                          <a:rPr lang="en-GB" b="0" i="1" smtClean="0">
-                            <a:latin typeface="Cambria Math" panose="02040503050406030204" pitchFamily="18" charset="0"/>
-                          </a:rPr>
-                        </m:ctrlPr>
-                      </m:sSubPr>
-                      <m:e>
-                        <m:r>
-                          <a:rPr lang="en-GB" b="0" i="1" smtClean="0">
-                            <a:latin typeface="Cambria Math" panose="02040503050406030204" pitchFamily="18" charset="0"/>
-                          </a:rPr>
-                          <m:t>𝑧</m:t>
-                        </m:r>
-                      </m:e>
-                      <m:sub>
-                        <m:r>
-                          <a:rPr lang="en-GB" b="0" i="1" smtClean="0">
-                            <a:latin typeface="Cambria Math" panose="02040503050406030204" pitchFamily="18" charset="0"/>
-                          </a:rPr>
-                          <m:t>2</m:t>
-                        </m:r>
-                      </m:sub>
-                    </m:sSub>
-                    <m:r>
-                      <a:rPr lang="en-GB" b="0" i="1" smtClean="0">
-                        <a:latin typeface="Cambria Math" panose="02040503050406030204" pitchFamily="18" charset="0"/>
-                      </a:rPr>
-                      <m:t>𝜖</m:t>
-                    </m:r>
-                    <m:d>
-                      <m:dPr>
-                        <m:ctrlPr>
-                          <a:rPr lang="en-GB" b="0" i="1" smtClean="0">
-                            <a:latin typeface="Cambria Math" panose="02040503050406030204" pitchFamily="18" charset="0"/>
-                          </a:rPr>
-                        </m:ctrlPr>
-                      </m:dPr>
-                      <m:e>
-                        <m:r>
-                          <a:rPr lang="en-GB" b="0" i="1" smtClean="0">
-                            <a:latin typeface="Cambria Math" panose="02040503050406030204" pitchFamily="18" charset="0"/>
-                          </a:rPr>
-                          <m:t>𝑡</m:t>
-                        </m:r>
-                      </m:e>
-                    </m:d>
-                    <m:r>
-                      <a:rPr lang="en-GB" b="0" i="1" smtClean="0">
-                        <a:latin typeface="Cambria Math" panose="02040503050406030204" pitchFamily="18" charset="0"/>
-                      </a:rPr>
-                      <m:t>=</m:t>
-                    </m:r>
-                    <m:sSubSup>
-                      <m:sSubSupPr>
-                        <m:ctrlPr>
-                          <a:rPr lang="en-GB" i="1">
-                            <a:latin typeface="Cambria Math" panose="02040503050406030204" pitchFamily="18" charset="0"/>
-                          </a:rPr>
-                        </m:ctrlPr>
-                      </m:sSubSupPr>
-                      <m:e>
-                        <m:r>
-                          <a:rPr lang="en-GB" i="1">
-                            <a:latin typeface="Cambria Math" panose="02040503050406030204" pitchFamily="18" charset="0"/>
-                          </a:rPr>
-                          <m:t>𝜃</m:t>
-                        </m:r>
-                      </m:e>
-                      <m:sub>
-                        <m:r>
-                          <a:rPr lang="en-GB" i="1">
-                            <a:latin typeface="Cambria Math" panose="02040503050406030204" pitchFamily="18" charset="0"/>
-                          </a:rPr>
-                          <m:t>2</m:t>
-                        </m:r>
-                      </m:sub>
-                      <m:sup>
-                        <m:r>
-                          <a:rPr lang="en-GB" i="1">
-                            <a:latin typeface="Cambria Math" panose="02040503050406030204" pitchFamily="18" charset="0"/>
-                          </a:rPr>
-                          <m:t>𝑇</m:t>
-                        </m:r>
-                      </m:sup>
-                    </m:sSubSup>
-                    <m:sSub>
-                      <m:sSubPr>
-                        <m:ctrlPr>
-                          <a:rPr lang="en-GB" i="1">
-                            <a:latin typeface="Cambria Math" panose="02040503050406030204" pitchFamily="18" charset="0"/>
-                          </a:rPr>
-                        </m:ctrlPr>
-                      </m:sSubPr>
-                      <m:e>
-                        <m:r>
-                          <a:rPr lang="en-GB" i="1">
-                            <a:latin typeface="Cambria Math" panose="02040503050406030204" pitchFamily="18" charset="0"/>
-                          </a:rPr>
-                          <m:t>𝑧</m:t>
-                        </m:r>
-                      </m:e>
-                      <m:sub>
-                        <m:r>
-                          <a:rPr lang="en-GB" i="1">
-                            <a:latin typeface="Cambria Math" panose="02040503050406030204" pitchFamily="18" charset="0"/>
-                          </a:rPr>
-                          <m:t>2</m:t>
-                        </m:r>
-                      </m:sub>
-                    </m:sSub>
-                    <m:r>
-                      <a:rPr lang="en-GB" i="1">
-                        <a:latin typeface="Cambria Math" panose="02040503050406030204" pitchFamily="18" charset="0"/>
-                      </a:rPr>
-                      <m:t>𝑦</m:t>
-                    </m:r>
-                    <m:d>
-                      <m:dPr>
-                        <m:ctrlPr>
-                          <a:rPr lang="en-GB" i="1">
-                            <a:latin typeface="Cambria Math" panose="02040503050406030204" pitchFamily="18" charset="0"/>
-                          </a:rPr>
-                        </m:ctrlPr>
-                      </m:dPr>
-                      <m:e>
-                        <m:r>
-                          <a:rPr lang="en-GB" i="1">
-                            <a:latin typeface="Cambria Math" panose="02040503050406030204" pitchFamily="18" charset="0"/>
-                          </a:rPr>
-                          <m:t>𝑡</m:t>
-                        </m:r>
-                      </m:e>
-                    </m:d>
-                    <m:r>
-                      <a:rPr lang="en-GB" i="1">
-                        <a:latin typeface="Cambria Math" panose="02040503050406030204" pitchFamily="18" charset="0"/>
-                      </a:rPr>
-                      <m:t>−</m:t>
-                    </m:r>
-                    <m:sSubSup>
-                      <m:sSubSupPr>
-                        <m:ctrlPr>
-                          <a:rPr lang="en-GB" i="1">
-                            <a:latin typeface="Cambria Math" panose="02040503050406030204" pitchFamily="18" charset="0"/>
-                          </a:rPr>
-                        </m:ctrlPr>
-                      </m:sSubSupPr>
-                      <m:e>
-                        <m:r>
-                          <a:rPr lang="en-GB" i="1">
-                            <a:latin typeface="Cambria Math" panose="02040503050406030204" pitchFamily="18" charset="0"/>
-                          </a:rPr>
-                          <m:t>𝜃</m:t>
-                        </m:r>
-                      </m:e>
-                      <m:sub>
-                        <m:r>
-                          <a:rPr lang="en-GB" i="1">
-                            <a:latin typeface="Cambria Math" panose="02040503050406030204" pitchFamily="18" charset="0"/>
-                          </a:rPr>
-                          <m:t>1</m:t>
-                        </m:r>
-                      </m:sub>
-                      <m:sup>
-                        <m:r>
-                          <a:rPr lang="en-GB" i="1">
-                            <a:latin typeface="Cambria Math" panose="02040503050406030204" pitchFamily="18" charset="0"/>
-                          </a:rPr>
-                          <m:t>𝑇</m:t>
-                        </m:r>
-                      </m:sup>
-                    </m:sSubSup>
-                    <m:sSub>
-                      <m:sSubPr>
-                        <m:ctrlPr>
-                          <a:rPr lang="en-GB" i="1">
-                            <a:latin typeface="Cambria Math" panose="02040503050406030204" pitchFamily="18" charset="0"/>
-                          </a:rPr>
-                        </m:ctrlPr>
-                      </m:sSubPr>
-                      <m:e>
-                        <m:r>
-                          <a:rPr lang="en-GB" i="1">
-                            <a:latin typeface="Cambria Math" panose="02040503050406030204" pitchFamily="18" charset="0"/>
-                          </a:rPr>
-                          <m:t>𝑧</m:t>
-                        </m:r>
-                      </m:e>
-                      <m:sub>
-                        <m:r>
-                          <a:rPr lang="en-GB" i="1">
-                            <a:latin typeface="Cambria Math" panose="02040503050406030204" pitchFamily="18" charset="0"/>
-                          </a:rPr>
-                          <m:t>1</m:t>
-                        </m:r>
-                      </m:sub>
-                    </m:sSub>
-                    <m:r>
-                      <a:rPr lang="en-GB" i="1">
-                        <a:latin typeface="Cambria Math" panose="02040503050406030204" pitchFamily="18" charset="0"/>
-                      </a:rPr>
-                      <m:t>𝑢</m:t>
-                    </m:r>
-                    <m:r>
-                      <a:rPr lang="en-GB" i="1">
-                        <a:latin typeface="Cambria Math" panose="02040503050406030204" pitchFamily="18" charset="0"/>
-                      </a:rPr>
-                      <m:t>(</m:t>
-                    </m:r>
-                    <m:r>
-                      <a:rPr lang="en-GB" i="1">
-                        <a:latin typeface="Cambria Math" panose="02040503050406030204" pitchFamily="18" charset="0"/>
-                      </a:rPr>
-                      <m:t>𝑡</m:t>
-                    </m:r>
-                    <m:r>
-                      <a:rPr lang="en-GB" i="1">
-                        <a:latin typeface="Cambria Math" panose="02040503050406030204" pitchFamily="18" charset="0"/>
-                      </a:rPr>
-                      <m:t>−</m:t>
-                    </m:r>
-                    <m:r>
-                      <a:rPr lang="en-GB" i="1">
-                        <a:latin typeface="Cambria Math" panose="02040503050406030204" pitchFamily="18" charset="0"/>
-                      </a:rPr>
-                      <m:t>𝑘</m:t>
-                    </m:r>
-                    <m:r>
-                      <a:rPr lang="en-GB" i="1">
-                        <a:latin typeface="Cambria Math" panose="02040503050406030204" pitchFamily="18" charset="0"/>
-                      </a:rPr>
-                      <m:t>)</m:t>
-                    </m:r>
-                  </m:oMath>
-                </a14:m>
-                <a:r>
-                  <a:rPr lang="en-GB" dirty="0" smtClean="0"/>
-                  <a:t>,</a:t>
-                </a:r>
-              </a:p>
-              <a:p>
-                <a:r>
-                  <a:rPr lang="en-GB" dirty="0" smtClean="0"/>
-                  <a:t> </a:t>
-                </a:r>
+                <a:endParaRPr lang="en-GB" dirty="0"/>
               </a:p>
             </p:txBody>
           </p:sp>
@@ -16570,7 +15808,7 @@
             <p:spPr>
               <a:xfrm>
                 <a:off x="546790" y="1677798"/>
-                <a:ext cx="10863744" cy="1831592"/>
+                <a:ext cx="10863744" cy="1617559"/>
               </a:xfrm>
               <a:prstGeom prst="rect">
                 <a:avLst/>
@@ -16578,7 +15816,7 @@
               <a:blipFill rotWithShape="0">
                 <a:blip r:embed="rId2"/>
                 <a:stretch>
-                  <a:fillRect l="-505" t="-19934"/>
+                  <a:fillRect l="-505" t="-22556" b="-4887"/>
                 </a:stretch>
               </a:blipFill>
             </p:spPr>
@@ -16658,6 +15896,2688 @@
           </a:p>
         </p:txBody>
       </p:sp>
+      <mc:AlternateContent xmlns:mc="http://schemas.openxmlformats.org/markup-compatibility/2006">
+        <mc:Choice xmlns:a14="http://schemas.microsoft.com/office/drawing/2010/main" Requires="a14">
+          <p:sp>
+            <p:nvSpPr>
+              <p:cNvPr id="3" name="TextBox 2"/>
+              <p:cNvSpPr txBox="1"/>
+              <p:nvPr/>
+            </p:nvSpPr>
+            <p:spPr>
+              <a:xfrm>
+                <a:off x="153197" y="1325461"/>
+                <a:ext cx="12115433" cy="4554965"/>
+              </a:xfrm>
+              <a:prstGeom prst="rect">
+                <a:avLst/>
+              </a:prstGeom>
+              <a:noFill/>
+            </p:spPr>
+            <p:txBody>
+              <a:bodyPr wrap="none" rtlCol="0">
+                <a:spAutoFit/>
+              </a:bodyPr>
+              <a:lstStyle/>
+              <a:p>
+                <a:r>
+                  <a:rPr lang="en-GB" dirty="0" smtClean="0"/>
+                  <a:t>How do we analyse the fact that we are using data measured in a closed loop system? Consider again </a:t>
+                </a:r>
+              </a:p>
+              <a:p>
+                <a:r>
+                  <a:rPr lang="en-GB" dirty="0" smtClean="0"/>
+                  <a:t>the original system without any assumption, with  </a:t>
+                </a:r>
+                <a14:m>
+                  <m:oMath xmlns:m="http://schemas.openxmlformats.org/officeDocument/2006/math">
+                    <m:r>
+                      <a:rPr lang="en-GB" i="1">
+                        <a:latin typeface="Cambria Math" panose="02040503050406030204" pitchFamily="18" charset="0"/>
+                      </a:rPr>
+                      <m:t>𝑢</m:t>
+                    </m:r>
+                    <m:d>
+                      <m:dPr>
+                        <m:ctrlPr>
+                          <a:rPr lang="en-GB" i="1">
+                            <a:latin typeface="Cambria Math" panose="02040503050406030204" pitchFamily="18" charset="0"/>
+                          </a:rPr>
+                        </m:ctrlPr>
+                      </m:dPr>
+                      <m:e>
+                        <m:r>
+                          <a:rPr lang="en-GB" i="1">
+                            <a:latin typeface="Cambria Math" panose="02040503050406030204" pitchFamily="18" charset="0"/>
+                          </a:rPr>
+                          <m:t>𝑡</m:t>
+                        </m:r>
+                        <m:r>
+                          <a:rPr lang="en-GB" b="0" i="1" smtClean="0">
+                            <a:latin typeface="Cambria Math" panose="02040503050406030204" pitchFamily="18" charset="0"/>
+                          </a:rPr>
+                          <m:t>−</m:t>
+                        </m:r>
+                        <m:r>
+                          <a:rPr lang="en-GB" b="0" i="1" smtClean="0">
+                            <a:latin typeface="Cambria Math" panose="02040503050406030204" pitchFamily="18" charset="0"/>
+                          </a:rPr>
+                          <m:t>𝑘</m:t>
+                        </m:r>
+                      </m:e>
+                    </m:d>
+                    <m:r>
+                      <a:rPr lang="en-GB" i="1">
+                        <a:latin typeface="Cambria Math" panose="02040503050406030204" pitchFamily="18" charset="0"/>
+                      </a:rPr>
+                      <m:t>=</m:t>
+                    </m:r>
+                    <m:f>
+                      <m:fPr>
+                        <m:ctrlPr>
+                          <a:rPr lang="en-GB" i="1" smtClean="0">
+                            <a:latin typeface="Cambria Math" panose="02040503050406030204" pitchFamily="18" charset="0"/>
+                          </a:rPr>
+                        </m:ctrlPr>
+                      </m:fPr>
+                      <m:num>
+                        <m:r>
+                          <a:rPr lang="en-GB" b="0" i="1" smtClean="0">
+                            <a:latin typeface="Cambria Math" panose="02040503050406030204" pitchFamily="18" charset="0"/>
+                          </a:rPr>
+                          <m:t>𝐶</m:t>
+                        </m:r>
+                      </m:num>
+                      <m:den>
+                        <m:r>
+                          <a:rPr lang="en-GB" b="0" i="1" smtClean="0">
+                            <a:latin typeface="Cambria Math" panose="02040503050406030204" pitchFamily="18" charset="0"/>
+                          </a:rPr>
+                          <m:t>1+</m:t>
+                        </m:r>
+                        <m:r>
+                          <a:rPr lang="en-GB" b="0" i="1" smtClean="0">
+                            <a:latin typeface="Cambria Math" panose="02040503050406030204" pitchFamily="18" charset="0"/>
+                          </a:rPr>
+                          <m:t>𝐶</m:t>
+                        </m:r>
+                        <m:sSup>
+                          <m:sSupPr>
+                            <m:ctrlPr>
+                              <a:rPr lang="en-GB" b="0" i="1" smtClean="0">
+                                <a:latin typeface="Cambria Math" panose="02040503050406030204" pitchFamily="18" charset="0"/>
+                              </a:rPr>
+                            </m:ctrlPr>
+                          </m:sSupPr>
+                          <m:e>
+                            <m:r>
+                              <a:rPr lang="en-GB" b="0" i="1" smtClean="0">
+                                <a:latin typeface="Cambria Math" panose="02040503050406030204" pitchFamily="18" charset="0"/>
+                              </a:rPr>
+                              <m:t>𝐺</m:t>
+                            </m:r>
+                          </m:e>
+                          <m:sup>
+                            <m:r>
+                              <a:rPr lang="en-GB" b="0" i="1" smtClean="0">
+                                <a:latin typeface="Cambria Math" panose="02040503050406030204" pitchFamily="18" charset="0"/>
+                              </a:rPr>
+                              <m:t>0</m:t>
+                            </m:r>
+                          </m:sup>
+                        </m:sSup>
+                      </m:den>
+                    </m:f>
+                    <m:r>
+                      <a:rPr lang="en-GB" b="0" i="1" smtClean="0">
+                        <a:latin typeface="Cambria Math" panose="02040503050406030204" pitchFamily="18" charset="0"/>
+                      </a:rPr>
+                      <m:t>𝑟</m:t>
+                    </m:r>
+                    <m:d>
+                      <m:dPr>
+                        <m:ctrlPr>
+                          <a:rPr lang="en-GB" b="0" i="1" smtClean="0">
+                            <a:latin typeface="Cambria Math" panose="02040503050406030204" pitchFamily="18" charset="0"/>
+                          </a:rPr>
+                        </m:ctrlPr>
+                      </m:dPr>
+                      <m:e>
+                        <m:r>
+                          <a:rPr lang="en-GB" b="0" i="1" smtClean="0">
+                            <a:latin typeface="Cambria Math" panose="02040503050406030204" pitchFamily="18" charset="0"/>
+                          </a:rPr>
+                          <m:t>𝑡</m:t>
+                        </m:r>
+                      </m:e>
+                    </m:d>
+                    <m:r>
+                      <a:rPr lang="en-GB" b="0" i="1" smtClean="0">
+                        <a:latin typeface="Cambria Math" panose="02040503050406030204" pitchFamily="18" charset="0"/>
+                      </a:rPr>
+                      <m:t>−</m:t>
+                    </m:r>
+                    <m:f>
+                      <m:fPr>
+                        <m:ctrlPr>
+                          <a:rPr lang="en-GB" b="0" i="1" smtClean="0">
+                            <a:latin typeface="Cambria Math" panose="02040503050406030204" pitchFamily="18" charset="0"/>
+                          </a:rPr>
+                        </m:ctrlPr>
+                      </m:fPr>
+                      <m:num>
+                        <m:sSup>
+                          <m:sSupPr>
+                            <m:ctrlPr>
+                              <a:rPr lang="en-GB" b="0" i="1" smtClean="0">
+                                <a:latin typeface="Cambria Math" panose="02040503050406030204" pitchFamily="18" charset="0"/>
+                              </a:rPr>
+                            </m:ctrlPr>
+                          </m:sSupPr>
+                          <m:e>
+                            <m:r>
+                              <a:rPr lang="en-GB" b="0" i="1" smtClean="0">
+                                <a:latin typeface="Cambria Math" panose="02040503050406030204" pitchFamily="18" charset="0"/>
+                              </a:rPr>
+                              <m:t>𝐻</m:t>
+                            </m:r>
+                          </m:e>
+                          <m:sup>
+                            <m:r>
+                              <a:rPr lang="en-GB" b="0" i="1" smtClean="0">
+                                <a:latin typeface="Cambria Math" panose="02040503050406030204" pitchFamily="18" charset="0"/>
+                              </a:rPr>
+                              <m:t>0</m:t>
+                            </m:r>
+                          </m:sup>
+                        </m:sSup>
+                        <m:r>
+                          <a:rPr lang="en-GB" b="0" i="1" smtClean="0">
+                            <a:latin typeface="Cambria Math" panose="02040503050406030204" pitchFamily="18" charset="0"/>
+                          </a:rPr>
+                          <m:t>𝐶</m:t>
+                        </m:r>
+                      </m:num>
+                      <m:den>
+                        <m:r>
+                          <a:rPr lang="en-GB" b="0" i="1" smtClean="0">
+                            <a:latin typeface="Cambria Math" panose="02040503050406030204" pitchFamily="18" charset="0"/>
+                          </a:rPr>
+                          <m:t>1+</m:t>
+                        </m:r>
+                        <m:r>
+                          <a:rPr lang="en-GB" b="0" i="1" smtClean="0">
+                            <a:latin typeface="Cambria Math" panose="02040503050406030204" pitchFamily="18" charset="0"/>
+                          </a:rPr>
+                          <m:t>𝐶</m:t>
+                        </m:r>
+                        <m:sSup>
+                          <m:sSupPr>
+                            <m:ctrlPr>
+                              <a:rPr lang="en-GB" b="0" i="1" smtClean="0">
+                                <a:latin typeface="Cambria Math" panose="02040503050406030204" pitchFamily="18" charset="0"/>
+                              </a:rPr>
+                            </m:ctrlPr>
+                          </m:sSupPr>
+                          <m:e>
+                            <m:r>
+                              <a:rPr lang="en-GB" b="0" i="1" smtClean="0">
+                                <a:latin typeface="Cambria Math" panose="02040503050406030204" pitchFamily="18" charset="0"/>
+                              </a:rPr>
+                              <m:t>𝐺</m:t>
+                            </m:r>
+                          </m:e>
+                          <m:sup>
+                            <m:r>
+                              <a:rPr lang="en-GB" b="0" i="1" smtClean="0">
+                                <a:latin typeface="Cambria Math" panose="02040503050406030204" pitchFamily="18" charset="0"/>
+                              </a:rPr>
+                              <m:t>0</m:t>
+                            </m:r>
+                          </m:sup>
+                        </m:sSup>
+                      </m:den>
+                    </m:f>
+                    <m:r>
+                      <a:rPr lang="en-GB" b="0" i="1" smtClean="0">
+                        <a:latin typeface="Cambria Math" panose="02040503050406030204" pitchFamily="18" charset="0"/>
+                      </a:rPr>
+                      <m:t>𝑒</m:t>
+                    </m:r>
+                    <m:r>
+                      <a:rPr lang="en-GB" b="0" i="1" smtClean="0">
+                        <a:latin typeface="Cambria Math" panose="02040503050406030204" pitchFamily="18" charset="0"/>
+                      </a:rPr>
+                      <m:t>(</m:t>
+                    </m:r>
+                    <m:r>
+                      <a:rPr lang="en-GB" b="0" i="1" smtClean="0">
+                        <a:latin typeface="Cambria Math" panose="02040503050406030204" pitchFamily="18" charset="0"/>
+                      </a:rPr>
+                      <m:t>𝑡</m:t>
+                    </m:r>
+                    <m:r>
+                      <a:rPr lang="en-GB" b="0" i="1" smtClean="0">
+                        <a:latin typeface="Cambria Math" panose="02040503050406030204" pitchFamily="18" charset="0"/>
+                      </a:rPr>
+                      <m:t>)</m:t>
+                    </m:r>
+                  </m:oMath>
+                </a14:m>
+                <a:r>
+                  <a:rPr lang="en-GB" dirty="0" smtClean="0"/>
+                  <a:t>, where C is the controller, then:</a:t>
+                </a:r>
+              </a:p>
+              <a:p>
+                <a:endParaRPr lang="en-GB" dirty="0" smtClean="0"/>
+              </a:p>
+              <a:p>
+                <a:pPr/>
+                <a14:m>
+                  <m:oMathPara xmlns:m="http://schemas.openxmlformats.org/officeDocument/2006/math">
+                    <m:oMathParaPr>
+                      <m:jc m:val="left"/>
+                    </m:oMathParaPr>
+                    <m:oMath xmlns:m="http://schemas.openxmlformats.org/officeDocument/2006/math">
+                      <m:r>
+                        <a:rPr lang="en-GB" i="1" smtClean="0">
+                          <a:latin typeface="Cambria Math" panose="02040503050406030204" pitchFamily="18" charset="0"/>
+                        </a:rPr>
+                        <m:t>𝑦</m:t>
+                      </m:r>
+                      <m:d>
+                        <m:dPr>
+                          <m:ctrlPr>
+                            <a:rPr lang="en-GB" b="0" i="1" smtClean="0">
+                              <a:latin typeface="Cambria Math" panose="02040503050406030204" pitchFamily="18" charset="0"/>
+                            </a:rPr>
+                          </m:ctrlPr>
+                        </m:dPr>
+                        <m:e>
+                          <m:r>
+                            <a:rPr lang="en-GB" b="0" i="1" smtClean="0">
+                              <a:latin typeface="Cambria Math" panose="02040503050406030204" pitchFamily="18" charset="0"/>
+                            </a:rPr>
+                            <m:t>𝑡</m:t>
+                          </m:r>
+                        </m:e>
+                      </m:d>
+                      <m:r>
+                        <a:rPr lang="en-GB" b="0" i="1" smtClean="0">
+                          <a:latin typeface="Cambria Math" panose="02040503050406030204" pitchFamily="18" charset="0"/>
+                        </a:rPr>
+                        <m:t>−</m:t>
+                      </m:r>
+                      <m:acc>
+                        <m:accPr>
+                          <m:chr m:val="̂"/>
+                          <m:ctrlPr>
+                            <a:rPr lang="en-GB" b="0" i="1" smtClean="0">
+                              <a:latin typeface="Cambria Math" panose="02040503050406030204" pitchFamily="18" charset="0"/>
+                            </a:rPr>
+                          </m:ctrlPr>
+                        </m:accPr>
+                        <m:e>
+                          <m:r>
+                            <a:rPr lang="en-GB" b="0" i="1" smtClean="0">
+                              <a:latin typeface="Cambria Math" panose="02040503050406030204" pitchFamily="18" charset="0"/>
+                            </a:rPr>
+                            <m:t>𝑦</m:t>
+                          </m:r>
+                        </m:e>
+                      </m:acc>
+                      <m:d>
+                        <m:dPr>
+                          <m:ctrlPr>
+                            <a:rPr lang="en-GB" b="0" i="1" smtClean="0">
+                              <a:latin typeface="Cambria Math" panose="02040503050406030204" pitchFamily="18" charset="0"/>
+                            </a:rPr>
+                          </m:ctrlPr>
+                        </m:dPr>
+                        <m:e>
+                          <m:r>
+                            <a:rPr lang="en-GB" b="0" i="1" smtClean="0">
+                              <a:latin typeface="Cambria Math" panose="02040503050406030204" pitchFamily="18" charset="0"/>
+                            </a:rPr>
+                            <m:t>𝑡</m:t>
+                          </m:r>
+                        </m:e>
+                      </m:d>
+                      <m:r>
+                        <a:rPr lang="en-GB" b="0" i="1" smtClean="0">
+                          <a:latin typeface="Cambria Math" panose="02040503050406030204" pitchFamily="18" charset="0"/>
+                        </a:rPr>
+                        <m:t>=</m:t>
+                      </m:r>
+                      <m:sSup>
+                        <m:sSupPr>
+                          <m:ctrlPr>
+                            <a:rPr lang="en-GB" b="0" i="1" smtClean="0">
+                              <a:latin typeface="Cambria Math" panose="02040503050406030204" pitchFamily="18" charset="0"/>
+                            </a:rPr>
+                          </m:ctrlPr>
+                        </m:sSupPr>
+                        <m:e>
+                          <m:r>
+                            <a:rPr lang="en-GB" i="1" smtClean="0">
+                              <a:latin typeface="Cambria Math" panose="02040503050406030204" pitchFamily="18" charset="0"/>
+                            </a:rPr>
+                            <m:t>𝐻</m:t>
+                          </m:r>
+                        </m:e>
+                        <m:sup>
+                          <m:r>
+                            <a:rPr lang="en-GB" b="0" i="1" smtClean="0">
+                              <a:latin typeface="Cambria Math" panose="02040503050406030204" pitchFamily="18" charset="0"/>
+                            </a:rPr>
+                            <m:t>−1</m:t>
+                          </m:r>
+                        </m:sup>
+                      </m:sSup>
+                      <m:r>
+                        <a:rPr lang="en-GB" i="1">
+                          <a:latin typeface="Cambria Math" panose="02040503050406030204" pitchFamily="18" charset="0"/>
+                        </a:rPr>
+                        <m:t>𝑦</m:t>
+                      </m:r>
+                      <m:d>
+                        <m:dPr>
+                          <m:ctrlPr>
+                            <a:rPr lang="en-GB" i="1">
+                              <a:latin typeface="Cambria Math" panose="02040503050406030204" pitchFamily="18" charset="0"/>
+                            </a:rPr>
+                          </m:ctrlPr>
+                        </m:dPr>
+                        <m:e>
+                          <m:r>
+                            <a:rPr lang="en-GB" i="1">
+                              <a:latin typeface="Cambria Math" panose="02040503050406030204" pitchFamily="18" charset="0"/>
+                            </a:rPr>
+                            <m:t>𝑡</m:t>
+                          </m:r>
+                        </m:e>
+                      </m:d>
+                      <m:r>
+                        <a:rPr lang="en-GB" b="0" i="1" smtClean="0">
+                          <a:latin typeface="Cambria Math" panose="02040503050406030204" pitchFamily="18" charset="0"/>
+                        </a:rPr>
+                        <m:t>−</m:t>
+                      </m:r>
+                      <m:sSup>
+                        <m:sSupPr>
+                          <m:ctrlPr>
+                            <a:rPr lang="en-GB" b="0" i="1" smtClean="0">
+                              <a:latin typeface="Cambria Math" panose="02040503050406030204" pitchFamily="18" charset="0"/>
+                            </a:rPr>
+                          </m:ctrlPr>
+                        </m:sSupPr>
+                        <m:e>
+                          <m:r>
+                            <a:rPr lang="en-GB" b="0" i="1" smtClean="0">
+                              <a:latin typeface="Cambria Math" panose="02040503050406030204" pitchFamily="18" charset="0"/>
+                            </a:rPr>
+                            <m:t>𝐻</m:t>
+                          </m:r>
+                        </m:e>
+                        <m:sup>
+                          <m:r>
+                            <a:rPr lang="en-GB" b="0" i="1" smtClean="0">
+                              <a:latin typeface="Cambria Math" panose="02040503050406030204" pitchFamily="18" charset="0"/>
+                            </a:rPr>
+                            <m:t>−1</m:t>
+                          </m:r>
+                        </m:sup>
+                      </m:sSup>
+                      <m:r>
+                        <a:rPr lang="en-GB" b="0" i="1" smtClean="0">
+                          <a:latin typeface="Cambria Math" panose="02040503050406030204" pitchFamily="18" charset="0"/>
+                        </a:rPr>
+                        <m:t>𝐺</m:t>
+                      </m:r>
+                      <m:r>
+                        <a:rPr lang="en-GB" i="1">
+                          <a:latin typeface="Cambria Math" panose="02040503050406030204" pitchFamily="18" charset="0"/>
+                        </a:rPr>
+                        <m:t>𝑢</m:t>
+                      </m:r>
+                      <m:d>
+                        <m:dPr>
+                          <m:ctrlPr>
+                            <a:rPr lang="en-GB" i="1">
+                              <a:latin typeface="Cambria Math" panose="02040503050406030204" pitchFamily="18" charset="0"/>
+                            </a:rPr>
+                          </m:ctrlPr>
+                        </m:dPr>
+                        <m:e>
+                          <m:r>
+                            <a:rPr lang="en-GB" i="1">
+                              <a:latin typeface="Cambria Math" panose="02040503050406030204" pitchFamily="18" charset="0"/>
+                            </a:rPr>
+                            <m:t>𝑡</m:t>
+                          </m:r>
+                          <m:r>
+                            <a:rPr lang="en-GB" i="1">
+                              <a:latin typeface="Cambria Math" panose="02040503050406030204" pitchFamily="18" charset="0"/>
+                            </a:rPr>
+                            <m:t>−</m:t>
+                          </m:r>
+                          <m:r>
+                            <a:rPr lang="en-GB" i="1">
+                              <a:latin typeface="Cambria Math" panose="02040503050406030204" pitchFamily="18" charset="0"/>
+                            </a:rPr>
+                            <m:t>𝑘</m:t>
+                          </m:r>
+                        </m:e>
+                      </m:d>
+                      <m:r>
+                        <a:rPr lang="en-GB" b="0" i="1" smtClean="0">
+                          <a:latin typeface="Cambria Math" panose="02040503050406030204" pitchFamily="18" charset="0"/>
+                        </a:rPr>
+                        <m:t>=</m:t>
+                      </m:r>
+                      <m:f>
+                        <m:fPr>
+                          <m:ctrlPr>
+                            <a:rPr lang="en-GB" b="0" i="1" smtClean="0">
+                              <a:latin typeface="Cambria Math" panose="02040503050406030204" pitchFamily="18" charset="0"/>
+                            </a:rPr>
+                          </m:ctrlPr>
+                        </m:fPr>
+                        <m:num>
+                          <m:r>
+                            <a:rPr lang="en-GB" b="0" i="1" smtClean="0">
+                              <a:latin typeface="Cambria Math" panose="02040503050406030204" pitchFamily="18" charset="0"/>
+                            </a:rPr>
+                            <m:t>1</m:t>
+                          </m:r>
+                        </m:num>
+                        <m:den>
+                          <m:r>
+                            <a:rPr lang="en-GB" b="0" i="1" smtClean="0">
+                              <a:latin typeface="Cambria Math" panose="02040503050406030204" pitchFamily="18" charset="0"/>
+                            </a:rPr>
+                            <m:t>𝐻</m:t>
+                          </m:r>
+                        </m:den>
+                      </m:f>
+                      <m:d>
+                        <m:dPr>
+                          <m:ctrlPr>
+                            <a:rPr lang="en-GB" b="0" i="1" smtClean="0">
+                              <a:latin typeface="Cambria Math" panose="02040503050406030204" pitchFamily="18" charset="0"/>
+                            </a:rPr>
+                          </m:ctrlPr>
+                        </m:dPr>
+                        <m:e>
+                          <m:d>
+                            <m:dPr>
+                              <m:ctrlPr>
+                                <a:rPr lang="en-GB" b="0" i="1" smtClean="0">
+                                  <a:latin typeface="Cambria Math" panose="02040503050406030204" pitchFamily="18" charset="0"/>
+                                </a:rPr>
+                              </m:ctrlPr>
+                            </m:dPr>
+                            <m:e>
+                              <m:sSup>
+                                <m:sSupPr>
+                                  <m:ctrlPr>
+                                    <a:rPr lang="en-GB" b="0" i="1" smtClean="0">
+                                      <a:latin typeface="Cambria Math" panose="02040503050406030204" pitchFamily="18" charset="0"/>
+                                    </a:rPr>
+                                  </m:ctrlPr>
+                                </m:sSupPr>
+                                <m:e>
+                                  <m:r>
+                                    <a:rPr lang="en-GB" b="0" i="1" smtClean="0">
+                                      <a:latin typeface="Cambria Math" panose="02040503050406030204" pitchFamily="18" charset="0"/>
+                                    </a:rPr>
+                                    <m:t>𝐺</m:t>
+                                  </m:r>
+                                </m:e>
+                                <m:sup>
+                                  <m:r>
+                                    <a:rPr lang="en-GB" b="0" i="1" smtClean="0">
+                                      <a:latin typeface="Cambria Math" panose="02040503050406030204" pitchFamily="18" charset="0"/>
+                                    </a:rPr>
+                                    <m:t>0</m:t>
+                                  </m:r>
+                                </m:sup>
+                              </m:sSup>
+                              <m:r>
+                                <a:rPr lang="en-GB" b="0" i="1" smtClean="0">
+                                  <a:latin typeface="Cambria Math" panose="02040503050406030204" pitchFamily="18" charset="0"/>
+                                </a:rPr>
+                                <m:t>−</m:t>
+                              </m:r>
+                              <m:r>
+                                <a:rPr lang="en-GB" b="0" i="1" smtClean="0">
+                                  <a:latin typeface="Cambria Math" panose="02040503050406030204" pitchFamily="18" charset="0"/>
+                                </a:rPr>
+                                <m:t>𝐺</m:t>
+                              </m:r>
+                            </m:e>
+                          </m:d>
+                          <m:r>
+                            <a:rPr lang="en-GB" b="0" i="1" smtClean="0">
+                              <a:latin typeface="Cambria Math" panose="02040503050406030204" pitchFamily="18" charset="0"/>
+                            </a:rPr>
+                            <m:t>𝑢</m:t>
+                          </m:r>
+                          <m:d>
+                            <m:dPr>
+                              <m:ctrlPr>
+                                <a:rPr lang="en-GB" b="0" i="1" smtClean="0">
+                                  <a:latin typeface="Cambria Math" panose="02040503050406030204" pitchFamily="18" charset="0"/>
+                                </a:rPr>
+                              </m:ctrlPr>
+                            </m:dPr>
+                            <m:e>
+                              <m:r>
+                                <a:rPr lang="en-GB" b="0" i="1" smtClean="0">
+                                  <a:latin typeface="Cambria Math" panose="02040503050406030204" pitchFamily="18" charset="0"/>
+                                </a:rPr>
+                                <m:t>𝑡</m:t>
+                              </m:r>
+                              <m:r>
+                                <a:rPr lang="en-GB" b="0" i="1" smtClean="0">
+                                  <a:latin typeface="Cambria Math" panose="02040503050406030204" pitchFamily="18" charset="0"/>
+                                </a:rPr>
+                                <m:t>−</m:t>
+                              </m:r>
+                              <m:r>
+                                <a:rPr lang="en-GB" b="0" i="1" smtClean="0">
+                                  <a:latin typeface="Cambria Math" panose="02040503050406030204" pitchFamily="18" charset="0"/>
+                                </a:rPr>
+                                <m:t>𝑘</m:t>
+                              </m:r>
+                            </m:e>
+                          </m:d>
+                          <m:r>
+                            <a:rPr lang="en-GB" b="0" i="1" smtClean="0">
+                              <a:latin typeface="Cambria Math" panose="02040503050406030204" pitchFamily="18" charset="0"/>
+                            </a:rPr>
+                            <m:t>+</m:t>
+                          </m:r>
+                          <m:sSup>
+                            <m:sSupPr>
+                              <m:ctrlPr>
+                                <a:rPr lang="en-GB" b="0" i="1" smtClean="0">
+                                  <a:latin typeface="Cambria Math" panose="02040503050406030204" pitchFamily="18" charset="0"/>
+                                </a:rPr>
+                              </m:ctrlPr>
+                            </m:sSupPr>
+                            <m:e>
+                              <m:r>
+                                <a:rPr lang="en-GB" b="0" i="1" smtClean="0">
+                                  <a:latin typeface="Cambria Math" panose="02040503050406030204" pitchFamily="18" charset="0"/>
+                                </a:rPr>
+                                <m:t>𝐻</m:t>
+                              </m:r>
+                            </m:e>
+                            <m:sup>
+                              <m:r>
+                                <a:rPr lang="en-GB" b="0" i="1" smtClean="0">
+                                  <a:latin typeface="Cambria Math" panose="02040503050406030204" pitchFamily="18" charset="0"/>
+                                </a:rPr>
+                                <m:t>0</m:t>
+                              </m:r>
+                            </m:sup>
+                          </m:sSup>
+                          <m:r>
+                            <a:rPr lang="en-GB" b="0" i="1" smtClean="0">
+                              <a:latin typeface="Cambria Math" panose="02040503050406030204" pitchFamily="18" charset="0"/>
+                            </a:rPr>
+                            <m:t>𝑒</m:t>
+                          </m:r>
+                          <m:d>
+                            <m:dPr>
+                              <m:ctrlPr>
+                                <a:rPr lang="en-GB" b="0" i="1" smtClean="0">
+                                  <a:latin typeface="Cambria Math" panose="02040503050406030204" pitchFamily="18" charset="0"/>
+                                </a:rPr>
+                              </m:ctrlPr>
+                            </m:dPr>
+                            <m:e>
+                              <m:r>
+                                <a:rPr lang="en-GB" b="0" i="1" smtClean="0">
+                                  <a:latin typeface="Cambria Math" panose="02040503050406030204" pitchFamily="18" charset="0"/>
+                                </a:rPr>
+                                <m:t>𝑡</m:t>
+                              </m:r>
+                            </m:e>
+                          </m:d>
+                        </m:e>
+                      </m:d>
+                      <m:r>
+                        <a:rPr lang="en-GB" b="0" i="1" smtClean="0">
+                          <a:latin typeface="Cambria Math" panose="02040503050406030204" pitchFamily="18" charset="0"/>
+                        </a:rPr>
+                        <m:t>=</m:t>
+                      </m:r>
+                      <m:f>
+                        <m:fPr>
+                          <m:ctrlPr>
+                            <a:rPr lang="en-GB" i="1">
+                              <a:latin typeface="Cambria Math" panose="02040503050406030204" pitchFamily="18" charset="0"/>
+                            </a:rPr>
+                          </m:ctrlPr>
+                        </m:fPr>
+                        <m:num>
+                          <m:r>
+                            <a:rPr lang="en-GB" i="1">
+                              <a:latin typeface="Cambria Math" panose="02040503050406030204" pitchFamily="18" charset="0"/>
+                            </a:rPr>
+                            <m:t>𝐶</m:t>
+                          </m:r>
+                          <m:d>
+                            <m:dPr>
+                              <m:ctrlPr>
+                                <a:rPr lang="en-GB" i="1">
+                                  <a:latin typeface="Cambria Math" panose="02040503050406030204" pitchFamily="18" charset="0"/>
+                                </a:rPr>
+                              </m:ctrlPr>
+                            </m:dPr>
+                            <m:e>
+                              <m:sSup>
+                                <m:sSupPr>
+                                  <m:ctrlPr>
+                                    <a:rPr lang="en-GB" i="1">
+                                      <a:latin typeface="Cambria Math" panose="02040503050406030204" pitchFamily="18" charset="0"/>
+                                    </a:rPr>
+                                  </m:ctrlPr>
+                                </m:sSupPr>
+                                <m:e>
+                                  <m:r>
+                                    <a:rPr lang="en-GB" i="1">
+                                      <a:latin typeface="Cambria Math" panose="02040503050406030204" pitchFamily="18" charset="0"/>
+                                    </a:rPr>
+                                    <m:t>𝐺</m:t>
+                                  </m:r>
+                                </m:e>
+                                <m:sup>
+                                  <m:r>
+                                    <a:rPr lang="en-GB" i="1">
+                                      <a:latin typeface="Cambria Math" panose="02040503050406030204" pitchFamily="18" charset="0"/>
+                                    </a:rPr>
+                                    <m:t>0</m:t>
+                                  </m:r>
+                                </m:sup>
+                              </m:sSup>
+                              <m:r>
+                                <a:rPr lang="en-GB" i="1">
+                                  <a:latin typeface="Cambria Math" panose="02040503050406030204" pitchFamily="18" charset="0"/>
+                                </a:rPr>
+                                <m:t>−</m:t>
+                              </m:r>
+                              <m:r>
+                                <a:rPr lang="en-GB" i="1">
+                                  <a:latin typeface="Cambria Math" panose="02040503050406030204" pitchFamily="18" charset="0"/>
+                                </a:rPr>
+                                <m:t>𝐺</m:t>
+                              </m:r>
+                            </m:e>
+                          </m:d>
+                        </m:num>
+                        <m:den>
+                          <m:d>
+                            <m:dPr>
+                              <m:ctrlPr>
+                                <a:rPr lang="en-GB" i="1">
+                                  <a:latin typeface="Cambria Math" panose="02040503050406030204" pitchFamily="18" charset="0"/>
+                                </a:rPr>
+                              </m:ctrlPr>
+                            </m:dPr>
+                            <m:e>
+                              <m:r>
+                                <a:rPr lang="en-GB" i="1">
+                                  <a:latin typeface="Cambria Math" panose="02040503050406030204" pitchFamily="18" charset="0"/>
+                                </a:rPr>
+                                <m:t>1+</m:t>
+                              </m:r>
+                              <m:r>
+                                <a:rPr lang="en-GB" i="1">
+                                  <a:latin typeface="Cambria Math" panose="02040503050406030204" pitchFamily="18" charset="0"/>
+                                </a:rPr>
+                                <m:t>𝐶</m:t>
+                              </m:r>
+                              <m:sSup>
+                                <m:sSupPr>
+                                  <m:ctrlPr>
+                                    <a:rPr lang="en-GB" i="1">
+                                      <a:latin typeface="Cambria Math" panose="02040503050406030204" pitchFamily="18" charset="0"/>
+                                    </a:rPr>
+                                  </m:ctrlPr>
+                                </m:sSupPr>
+                                <m:e>
+                                  <m:r>
+                                    <a:rPr lang="en-GB" i="1">
+                                      <a:latin typeface="Cambria Math" panose="02040503050406030204" pitchFamily="18" charset="0"/>
+                                    </a:rPr>
+                                    <m:t>𝐺</m:t>
+                                  </m:r>
+                                </m:e>
+                                <m:sup>
+                                  <m:r>
+                                    <a:rPr lang="en-GB" i="1">
+                                      <a:latin typeface="Cambria Math" panose="02040503050406030204" pitchFamily="18" charset="0"/>
+                                    </a:rPr>
+                                    <m:t>0</m:t>
+                                  </m:r>
+                                </m:sup>
+                              </m:sSup>
+                            </m:e>
+                          </m:d>
+                          <m:r>
+                            <a:rPr lang="en-GB" i="1">
+                              <a:latin typeface="Cambria Math" panose="02040503050406030204" pitchFamily="18" charset="0"/>
+                            </a:rPr>
+                            <m:t>𝐻</m:t>
+                          </m:r>
+                        </m:den>
+                      </m:f>
+                      <m:r>
+                        <a:rPr lang="en-GB" i="1">
+                          <a:latin typeface="Cambria Math" panose="02040503050406030204" pitchFamily="18" charset="0"/>
+                        </a:rPr>
+                        <m:t>𝑟</m:t>
+                      </m:r>
+                      <m:d>
+                        <m:dPr>
+                          <m:ctrlPr>
+                            <a:rPr lang="en-GB" i="1">
+                              <a:latin typeface="Cambria Math" panose="02040503050406030204" pitchFamily="18" charset="0"/>
+                            </a:rPr>
+                          </m:ctrlPr>
+                        </m:dPr>
+                        <m:e>
+                          <m:r>
+                            <a:rPr lang="en-GB" i="1">
+                              <a:latin typeface="Cambria Math" panose="02040503050406030204" pitchFamily="18" charset="0"/>
+                            </a:rPr>
+                            <m:t>𝑡</m:t>
+                          </m:r>
+                        </m:e>
+                      </m:d>
+                      <m:r>
+                        <a:rPr lang="en-GB" i="1">
+                          <a:latin typeface="Cambria Math" panose="02040503050406030204" pitchFamily="18" charset="0"/>
+                        </a:rPr>
+                        <m:t>+</m:t>
+                      </m:r>
+                      <m:f>
+                        <m:fPr>
+                          <m:ctrlPr>
+                            <a:rPr lang="en-GB" i="1">
+                              <a:latin typeface="Cambria Math" panose="02040503050406030204" pitchFamily="18" charset="0"/>
+                            </a:rPr>
+                          </m:ctrlPr>
+                        </m:fPr>
+                        <m:num>
+                          <m:sSup>
+                            <m:sSupPr>
+                              <m:ctrlPr>
+                                <a:rPr lang="en-GB" i="1">
+                                  <a:latin typeface="Cambria Math" panose="02040503050406030204" pitchFamily="18" charset="0"/>
+                                </a:rPr>
+                              </m:ctrlPr>
+                            </m:sSupPr>
+                            <m:e>
+                              <m:r>
+                                <a:rPr lang="en-GB" i="1">
+                                  <a:latin typeface="Cambria Math" panose="02040503050406030204" pitchFamily="18" charset="0"/>
+                                </a:rPr>
+                                <m:t>𝐻</m:t>
+                              </m:r>
+                            </m:e>
+                            <m:sup>
+                              <m:r>
+                                <a:rPr lang="en-GB" i="1">
+                                  <a:latin typeface="Cambria Math" panose="02040503050406030204" pitchFamily="18" charset="0"/>
+                                </a:rPr>
+                                <m:t>0</m:t>
+                              </m:r>
+                            </m:sup>
+                          </m:sSup>
+                          <m:d>
+                            <m:dPr>
+                              <m:ctrlPr>
+                                <a:rPr lang="en-GB" i="1">
+                                  <a:latin typeface="Cambria Math" panose="02040503050406030204" pitchFamily="18" charset="0"/>
+                                </a:rPr>
+                              </m:ctrlPr>
+                            </m:dPr>
+                            <m:e>
+                              <m:r>
+                                <a:rPr lang="en-GB" i="1">
+                                  <a:latin typeface="Cambria Math" panose="02040503050406030204" pitchFamily="18" charset="0"/>
+                                </a:rPr>
+                                <m:t>1+</m:t>
+                              </m:r>
+                              <m:r>
+                                <a:rPr lang="en-GB" i="1">
+                                  <a:latin typeface="Cambria Math" panose="02040503050406030204" pitchFamily="18" charset="0"/>
+                                </a:rPr>
+                                <m:t>𝐶𝐺</m:t>
+                              </m:r>
+                            </m:e>
+                          </m:d>
+                        </m:num>
+                        <m:den>
+                          <m:r>
+                            <a:rPr lang="en-GB" i="1">
+                              <a:latin typeface="Cambria Math" panose="02040503050406030204" pitchFamily="18" charset="0"/>
+                            </a:rPr>
+                            <m:t>𝐻</m:t>
+                          </m:r>
+                          <m:d>
+                            <m:dPr>
+                              <m:ctrlPr>
+                                <a:rPr lang="en-GB" i="1">
+                                  <a:latin typeface="Cambria Math" panose="02040503050406030204" pitchFamily="18" charset="0"/>
+                                </a:rPr>
+                              </m:ctrlPr>
+                            </m:dPr>
+                            <m:e>
+                              <m:r>
+                                <a:rPr lang="en-GB" i="1">
+                                  <a:latin typeface="Cambria Math" panose="02040503050406030204" pitchFamily="18" charset="0"/>
+                                </a:rPr>
+                                <m:t>1+</m:t>
+                              </m:r>
+                              <m:r>
+                                <a:rPr lang="en-GB" i="1">
+                                  <a:latin typeface="Cambria Math" panose="02040503050406030204" pitchFamily="18" charset="0"/>
+                                </a:rPr>
+                                <m:t>𝐶</m:t>
+                              </m:r>
+                              <m:sSup>
+                                <m:sSupPr>
+                                  <m:ctrlPr>
+                                    <a:rPr lang="en-GB" i="1">
+                                      <a:latin typeface="Cambria Math" panose="02040503050406030204" pitchFamily="18" charset="0"/>
+                                    </a:rPr>
+                                  </m:ctrlPr>
+                                </m:sSupPr>
+                                <m:e>
+                                  <m:r>
+                                    <a:rPr lang="en-GB" i="1">
+                                      <a:latin typeface="Cambria Math" panose="02040503050406030204" pitchFamily="18" charset="0"/>
+                                    </a:rPr>
+                                    <m:t>𝐺</m:t>
+                                  </m:r>
+                                </m:e>
+                                <m:sup>
+                                  <m:r>
+                                    <a:rPr lang="en-GB" i="1">
+                                      <a:latin typeface="Cambria Math" panose="02040503050406030204" pitchFamily="18" charset="0"/>
+                                    </a:rPr>
+                                    <m:t>0</m:t>
+                                  </m:r>
+                                </m:sup>
+                              </m:sSup>
+                            </m:e>
+                          </m:d>
+                        </m:den>
+                      </m:f>
+                      <m:r>
+                        <a:rPr lang="en-GB" i="1">
+                          <a:latin typeface="Cambria Math" panose="02040503050406030204" pitchFamily="18" charset="0"/>
+                        </a:rPr>
+                        <m:t>𝑒</m:t>
+                      </m:r>
+                      <m:d>
+                        <m:dPr>
+                          <m:ctrlPr>
+                            <a:rPr lang="en-GB" i="1">
+                              <a:latin typeface="Cambria Math" panose="02040503050406030204" pitchFamily="18" charset="0"/>
+                            </a:rPr>
+                          </m:ctrlPr>
+                        </m:dPr>
+                        <m:e>
+                          <m:r>
+                            <a:rPr lang="en-GB" i="1">
+                              <a:latin typeface="Cambria Math" panose="02040503050406030204" pitchFamily="18" charset="0"/>
+                            </a:rPr>
+                            <m:t>𝑡</m:t>
+                          </m:r>
+                        </m:e>
+                      </m:d>
+                      <m:r>
+                        <a:rPr lang="en-GB" i="1">
+                          <a:latin typeface="Cambria Math" panose="02040503050406030204" pitchFamily="18" charset="0"/>
+                        </a:rPr>
+                        <m:t>=</m:t>
+                      </m:r>
+                      <m:r>
+                        <a:rPr lang="en-GB" i="1">
+                          <a:latin typeface="Cambria Math" panose="02040503050406030204" pitchFamily="18" charset="0"/>
+                        </a:rPr>
+                        <m:t>𝜖</m:t>
+                      </m:r>
+                      <m:d>
+                        <m:dPr>
+                          <m:ctrlPr>
+                            <a:rPr lang="en-GB" i="1">
+                              <a:latin typeface="Cambria Math" panose="02040503050406030204" pitchFamily="18" charset="0"/>
+                            </a:rPr>
+                          </m:ctrlPr>
+                        </m:dPr>
+                        <m:e>
+                          <m:r>
+                            <a:rPr lang="en-GB" i="1">
+                              <a:latin typeface="Cambria Math" panose="02040503050406030204" pitchFamily="18" charset="0"/>
+                            </a:rPr>
+                            <m:t>𝑡</m:t>
+                          </m:r>
+                        </m:e>
+                      </m:d>
+                    </m:oMath>
+                  </m:oMathPara>
+                </a14:m>
+                <a:endParaRPr lang="en-GB" dirty="0"/>
+              </a:p>
+              <a:p>
+                <a:pPr/>
+                <a:endParaRPr lang="en-GB" dirty="0" smtClean="0"/>
+              </a:p>
+              <a:p>
+                <a:pPr/>
+                <a:r>
+                  <a:rPr lang="en-GB" dirty="0" smtClean="0"/>
+                  <a:t>Notice that 1+GC = S^-1, inverse of the sensitivity T.F.</a:t>
+                </a:r>
+              </a:p>
+              <a:p>
+                <a:pPr/>
+                <a:endParaRPr lang="en-GB" dirty="0"/>
+              </a:p>
+              <a:p>
+                <a:pPr/>
+                <a14:m>
+                  <m:oMathPara xmlns:m="http://schemas.openxmlformats.org/officeDocument/2006/math">
+                    <m:oMathParaPr>
+                      <m:jc m:val="left"/>
+                    </m:oMathParaPr>
+                    <m:oMath xmlns:m="http://schemas.openxmlformats.org/officeDocument/2006/math">
+                      <m:r>
+                        <a:rPr lang="en-GB" b="0" i="1" smtClean="0">
+                          <a:latin typeface="Cambria Math" panose="02040503050406030204" pitchFamily="18" charset="0"/>
+                        </a:rPr>
+                        <m:t>𝜖</m:t>
+                      </m:r>
+                      <m:r>
+                        <a:rPr lang="en-GB" b="0" i="1" smtClean="0">
+                          <a:latin typeface="Cambria Math" panose="02040503050406030204" pitchFamily="18" charset="0"/>
+                        </a:rPr>
+                        <m:t>(</m:t>
+                      </m:r>
+                      <m:r>
+                        <a:rPr lang="en-GB" b="0" i="1" smtClean="0">
+                          <a:latin typeface="Cambria Math" panose="02040503050406030204" pitchFamily="18" charset="0"/>
+                        </a:rPr>
+                        <m:t>𝑡</m:t>
+                      </m:r>
+                      <m:r>
+                        <a:rPr lang="en-GB" b="0" i="1" smtClean="0">
+                          <a:latin typeface="Cambria Math" panose="02040503050406030204" pitchFamily="18" charset="0"/>
+                        </a:rPr>
+                        <m:t>)=</m:t>
+                      </m:r>
+                      <m:f>
+                        <m:fPr>
+                          <m:ctrlPr>
+                            <a:rPr lang="en-GB" i="1">
+                              <a:latin typeface="Cambria Math" panose="02040503050406030204" pitchFamily="18" charset="0"/>
+                            </a:rPr>
+                          </m:ctrlPr>
+                        </m:fPr>
+                        <m:num>
+                          <m:sSup>
+                            <m:sSupPr>
+                              <m:ctrlPr>
+                                <a:rPr lang="en-GB" b="0" i="1" smtClean="0">
+                                  <a:latin typeface="Cambria Math" panose="02040503050406030204" pitchFamily="18" charset="0"/>
+                                </a:rPr>
+                              </m:ctrlPr>
+                            </m:sSupPr>
+                            <m:e>
+                              <m:r>
+                                <a:rPr lang="en-GB" b="0" i="1" smtClean="0">
+                                  <a:latin typeface="Cambria Math" panose="02040503050406030204" pitchFamily="18" charset="0"/>
+                                </a:rPr>
+                                <m:t>𝐶</m:t>
+                              </m:r>
+                              <m:r>
+                                <a:rPr lang="en-GB" b="0" i="1" smtClean="0">
+                                  <a:latin typeface="Cambria Math" panose="02040503050406030204" pitchFamily="18" charset="0"/>
+                                </a:rPr>
+                                <m:t>𝑆</m:t>
+                              </m:r>
+                            </m:e>
+                            <m:sup>
+                              <m:r>
+                                <a:rPr lang="en-GB" b="0" i="1" smtClean="0">
+                                  <a:latin typeface="Cambria Math" panose="02040503050406030204" pitchFamily="18" charset="0"/>
+                                </a:rPr>
+                                <m:t>0</m:t>
+                              </m:r>
+                            </m:sup>
+                          </m:sSup>
+                          <m:d>
+                            <m:dPr>
+                              <m:ctrlPr>
+                                <a:rPr lang="en-GB" i="1">
+                                  <a:latin typeface="Cambria Math" panose="02040503050406030204" pitchFamily="18" charset="0"/>
+                                </a:rPr>
+                              </m:ctrlPr>
+                            </m:dPr>
+                            <m:e>
+                              <m:sSup>
+                                <m:sSupPr>
+                                  <m:ctrlPr>
+                                    <a:rPr lang="en-GB" i="1">
+                                      <a:latin typeface="Cambria Math" panose="02040503050406030204" pitchFamily="18" charset="0"/>
+                                    </a:rPr>
+                                  </m:ctrlPr>
+                                </m:sSupPr>
+                                <m:e>
+                                  <m:r>
+                                    <a:rPr lang="en-GB" i="1">
+                                      <a:latin typeface="Cambria Math" panose="02040503050406030204" pitchFamily="18" charset="0"/>
+                                    </a:rPr>
+                                    <m:t>𝐺</m:t>
+                                  </m:r>
+                                </m:e>
+                                <m:sup>
+                                  <m:r>
+                                    <a:rPr lang="en-GB" i="1">
+                                      <a:latin typeface="Cambria Math" panose="02040503050406030204" pitchFamily="18" charset="0"/>
+                                    </a:rPr>
+                                    <m:t>0</m:t>
+                                  </m:r>
+                                </m:sup>
+                              </m:sSup>
+                              <m:r>
+                                <a:rPr lang="en-GB" i="1">
+                                  <a:latin typeface="Cambria Math" panose="02040503050406030204" pitchFamily="18" charset="0"/>
+                                </a:rPr>
+                                <m:t>−</m:t>
+                              </m:r>
+                              <m:r>
+                                <a:rPr lang="en-GB" i="1">
+                                  <a:latin typeface="Cambria Math" panose="02040503050406030204" pitchFamily="18" charset="0"/>
+                                </a:rPr>
+                                <m:t>𝐺</m:t>
+                              </m:r>
+                            </m:e>
+                          </m:d>
+                        </m:num>
+                        <m:den>
+                          <m:r>
+                            <a:rPr lang="en-GB" i="1">
+                              <a:latin typeface="Cambria Math" panose="02040503050406030204" pitchFamily="18" charset="0"/>
+                            </a:rPr>
+                            <m:t>𝐻</m:t>
+                          </m:r>
+                        </m:den>
+                      </m:f>
+                      <m:r>
+                        <a:rPr lang="en-GB" i="1">
+                          <a:latin typeface="Cambria Math" panose="02040503050406030204" pitchFamily="18" charset="0"/>
+                        </a:rPr>
+                        <m:t>𝑟</m:t>
+                      </m:r>
+                      <m:d>
+                        <m:dPr>
+                          <m:ctrlPr>
+                            <a:rPr lang="en-GB" i="1">
+                              <a:latin typeface="Cambria Math" panose="02040503050406030204" pitchFamily="18" charset="0"/>
+                            </a:rPr>
+                          </m:ctrlPr>
+                        </m:dPr>
+                        <m:e>
+                          <m:r>
+                            <a:rPr lang="en-GB" i="1">
+                              <a:latin typeface="Cambria Math" panose="02040503050406030204" pitchFamily="18" charset="0"/>
+                            </a:rPr>
+                            <m:t>𝑡</m:t>
+                          </m:r>
+                        </m:e>
+                      </m:d>
+                      <m:r>
+                        <a:rPr lang="en-GB" i="1">
+                          <a:latin typeface="Cambria Math" panose="02040503050406030204" pitchFamily="18" charset="0"/>
+                        </a:rPr>
+                        <m:t>+</m:t>
+                      </m:r>
+                      <m:f>
+                        <m:fPr>
+                          <m:ctrlPr>
+                            <a:rPr lang="en-GB" i="1">
+                              <a:latin typeface="Cambria Math" panose="02040503050406030204" pitchFamily="18" charset="0"/>
+                            </a:rPr>
+                          </m:ctrlPr>
+                        </m:fPr>
+                        <m:num>
+                          <m:sSup>
+                            <m:sSupPr>
+                              <m:ctrlPr>
+                                <a:rPr lang="en-GB" i="1">
+                                  <a:latin typeface="Cambria Math" panose="02040503050406030204" pitchFamily="18" charset="0"/>
+                                </a:rPr>
+                              </m:ctrlPr>
+                            </m:sSupPr>
+                            <m:e>
+                              <m:r>
+                                <a:rPr lang="en-GB" i="1">
+                                  <a:latin typeface="Cambria Math" panose="02040503050406030204" pitchFamily="18" charset="0"/>
+                                </a:rPr>
+                                <m:t>𝐻</m:t>
+                              </m:r>
+                            </m:e>
+                            <m:sup>
+                              <m:r>
+                                <a:rPr lang="en-GB" i="1">
+                                  <a:latin typeface="Cambria Math" panose="02040503050406030204" pitchFamily="18" charset="0"/>
+                                </a:rPr>
+                                <m:t>0</m:t>
+                              </m:r>
+                            </m:sup>
+                          </m:sSup>
+                          <m:sSup>
+                            <m:sSupPr>
+                              <m:ctrlPr>
+                                <a:rPr lang="en-GB" b="0" i="1" smtClean="0">
+                                  <a:latin typeface="Cambria Math" panose="02040503050406030204" pitchFamily="18" charset="0"/>
+                                </a:rPr>
+                              </m:ctrlPr>
+                            </m:sSupPr>
+                            <m:e>
+                              <m:r>
+                                <a:rPr lang="en-GB" b="0" i="1" smtClean="0">
+                                  <a:latin typeface="Cambria Math" panose="02040503050406030204" pitchFamily="18" charset="0"/>
+                                </a:rPr>
+                                <m:t>𝑆</m:t>
+                              </m:r>
+                            </m:e>
+                            <m:sup>
+                              <m:r>
+                                <a:rPr lang="en-GB" b="0" i="1" smtClean="0">
+                                  <a:latin typeface="Cambria Math" panose="02040503050406030204" pitchFamily="18" charset="0"/>
+                                </a:rPr>
+                                <m:t>0</m:t>
+                              </m:r>
+                            </m:sup>
+                          </m:sSup>
+                        </m:num>
+                        <m:den>
+                          <m:r>
+                            <a:rPr lang="en-GB" i="1">
+                              <a:latin typeface="Cambria Math" panose="02040503050406030204" pitchFamily="18" charset="0"/>
+                            </a:rPr>
+                            <m:t>𝐻</m:t>
+                          </m:r>
+                          <m:r>
+                            <a:rPr lang="en-GB" b="0" i="1" smtClean="0">
+                              <a:latin typeface="Cambria Math" panose="02040503050406030204" pitchFamily="18" charset="0"/>
+                            </a:rPr>
+                            <m:t>𝑆</m:t>
+                          </m:r>
+                        </m:den>
+                      </m:f>
+                      <m:r>
+                        <a:rPr lang="en-GB" b="0" i="1" smtClean="0">
+                          <a:latin typeface="Cambria Math" panose="02040503050406030204" pitchFamily="18" charset="0"/>
+                        </a:rPr>
+                        <m:t>𝑒</m:t>
+                      </m:r>
+                      <m:r>
+                        <a:rPr lang="en-GB" b="0" i="1" smtClean="0">
+                          <a:latin typeface="Cambria Math" panose="02040503050406030204" pitchFamily="18" charset="0"/>
+                        </a:rPr>
+                        <m:t>(</m:t>
+                      </m:r>
+                      <m:r>
+                        <a:rPr lang="en-GB" b="0" i="1" smtClean="0">
+                          <a:latin typeface="Cambria Math" panose="02040503050406030204" pitchFamily="18" charset="0"/>
+                        </a:rPr>
+                        <m:t>𝑡</m:t>
+                      </m:r>
+                      <m:r>
+                        <a:rPr lang="en-GB" b="0" i="1" smtClean="0">
+                          <a:latin typeface="Cambria Math" panose="02040503050406030204" pitchFamily="18" charset="0"/>
+                        </a:rPr>
+                        <m:t>)</m:t>
+                      </m:r>
+                    </m:oMath>
+                  </m:oMathPara>
+                </a14:m>
+                <a:endParaRPr lang="en-GB" dirty="0" smtClean="0"/>
+              </a:p>
+              <a:p>
+                <a:pPr/>
+                <a:endParaRPr lang="en-GB" dirty="0"/>
+              </a:p>
+              <a:p>
+                <a:pPr/>
+                <a14:m>
+                  <m:oMathPara xmlns:m="http://schemas.openxmlformats.org/officeDocument/2006/math">
+                    <m:oMathParaPr>
+                      <m:jc m:val="left"/>
+                    </m:oMathParaPr>
+                    <m:oMath xmlns:m="http://schemas.openxmlformats.org/officeDocument/2006/math">
+                      <m:acc>
+                        <m:accPr>
+                          <m:chr m:val="̅"/>
+                          <m:ctrlPr>
+                            <a:rPr lang="en-GB" sz="1600" i="1" smtClean="0">
+                              <a:latin typeface="Cambria Math" panose="02040503050406030204" pitchFamily="18" charset="0"/>
+                            </a:rPr>
+                          </m:ctrlPr>
+                        </m:accPr>
+                        <m:e>
+                          <m:r>
+                            <a:rPr lang="en-GB" sz="1600" b="0" i="1" smtClean="0">
+                              <a:latin typeface="Cambria Math" panose="02040503050406030204" pitchFamily="18" charset="0"/>
+                            </a:rPr>
+                            <m:t>𝐽</m:t>
+                          </m:r>
+                        </m:e>
+                      </m:acc>
+                      <m:d>
+                        <m:dPr>
+                          <m:ctrlPr>
+                            <a:rPr lang="en-GB" sz="1600" b="0" i="1" smtClean="0">
+                              <a:latin typeface="Cambria Math" panose="02040503050406030204" pitchFamily="18" charset="0"/>
+                            </a:rPr>
+                          </m:ctrlPr>
+                        </m:dPr>
+                        <m:e>
+                          <m:r>
+                            <a:rPr lang="en-GB" sz="1600" b="0" i="1" smtClean="0">
+                              <a:latin typeface="Cambria Math" panose="02040503050406030204" pitchFamily="18" charset="0"/>
+                            </a:rPr>
+                            <m:t>𝜃</m:t>
+                          </m:r>
+                        </m:e>
+                      </m:d>
+                      <m:r>
+                        <a:rPr lang="en-GB" sz="1600" b="0" i="1" smtClean="0">
+                          <a:latin typeface="Cambria Math" panose="02040503050406030204" pitchFamily="18" charset="0"/>
+                        </a:rPr>
+                        <m:t>=</m:t>
+                      </m:r>
+                      <m:r>
+                        <a:rPr lang="en-GB" sz="1600" b="0" i="1" smtClean="0">
+                          <a:latin typeface="Cambria Math" panose="02040503050406030204" pitchFamily="18" charset="0"/>
+                        </a:rPr>
+                        <m:t>𝐸</m:t>
+                      </m:r>
+                      <m:d>
+                        <m:dPr>
+                          <m:begChr m:val="["/>
+                          <m:endChr m:val="]"/>
+                          <m:ctrlPr>
+                            <a:rPr lang="en-GB" sz="1600" b="0" i="1" smtClean="0">
+                              <a:latin typeface="Cambria Math" panose="02040503050406030204" pitchFamily="18" charset="0"/>
+                            </a:rPr>
+                          </m:ctrlPr>
+                        </m:dPr>
+                        <m:e>
+                          <m:r>
+                            <a:rPr lang="en-GB" sz="1600" b="0" i="1" smtClean="0">
+                              <a:latin typeface="Cambria Math" panose="02040503050406030204" pitchFamily="18" charset="0"/>
+                            </a:rPr>
+                            <m:t>𝜖</m:t>
+                          </m:r>
+                          <m:sSup>
+                            <m:sSupPr>
+                              <m:ctrlPr>
+                                <a:rPr lang="en-GB" sz="1600" b="0" i="1" smtClean="0">
+                                  <a:latin typeface="Cambria Math" panose="02040503050406030204" pitchFamily="18" charset="0"/>
+                                </a:rPr>
+                              </m:ctrlPr>
+                            </m:sSupPr>
+                            <m:e>
+                              <m:d>
+                                <m:dPr>
+                                  <m:ctrlPr>
+                                    <a:rPr lang="en-GB" sz="1600" b="0" i="1" smtClean="0">
+                                      <a:latin typeface="Cambria Math" panose="02040503050406030204" pitchFamily="18" charset="0"/>
+                                    </a:rPr>
+                                  </m:ctrlPr>
+                                </m:dPr>
+                                <m:e>
+                                  <m:r>
+                                    <a:rPr lang="en-GB" sz="1600" b="0" i="1" smtClean="0">
+                                      <a:latin typeface="Cambria Math" panose="02040503050406030204" pitchFamily="18" charset="0"/>
+                                    </a:rPr>
+                                    <m:t>𝑡</m:t>
+                                  </m:r>
+                                </m:e>
+                              </m:d>
+                            </m:e>
+                            <m:sup>
+                              <m:r>
+                                <a:rPr lang="en-GB" sz="1600" b="0" i="1" smtClean="0">
+                                  <a:latin typeface="Cambria Math" panose="02040503050406030204" pitchFamily="18" charset="0"/>
+                                </a:rPr>
+                                <m:t>2</m:t>
+                              </m:r>
+                            </m:sup>
+                          </m:sSup>
+                        </m:e>
+                      </m:d>
+                      <m:r>
+                        <a:rPr lang="en-GB" sz="1600" b="0" i="1" smtClean="0">
+                          <a:latin typeface="Cambria Math" panose="02040503050406030204" pitchFamily="18" charset="0"/>
+                        </a:rPr>
+                        <m:t>=</m:t>
+                      </m:r>
+                      <m:f>
+                        <m:fPr>
+                          <m:ctrlPr>
+                            <a:rPr lang="en-GB" sz="1600" b="0" i="1" smtClean="0">
+                              <a:latin typeface="Cambria Math" panose="02040503050406030204" pitchFamily="18" charset="0"/>
+                            </a:rPr>
+                          </m:ctrlPr>
+                        </m:fPr>
+                        <m:num>
+                          <m:r>
+                            <a:rPr lang="en-GB" sz="1600" b="0" i="1" smtClean="0">
+                              <a:latin typeface="Cambria Math" panose="02040503050406030204" pitchFamily="18" charset="0"/>
+                            </a:rPr>
+                            <m:t>1</m:t>
+                          </m:r>
+                        </m:num>
+                        <m:den>
+                          <m:r>
+                            <a:rPr lang="en-GB" sz="1600" b="0" i="1" smtClean="0">
+                              <a:latin typeface="Cambria Math" panose="02040503050406030204" pitchFamily="18" charset="0"/>
+                            </a:rPr>
+                            <m:t>2</m:t>
+                          </m:r>
+                          <m:r>
+                            <a:rPr lang="en-GB" sz="1600" b="0" i="1" smtClean="0">
+                              <a:latin typeface="Cambria Math" panose="02040503050406030204" pitchFamily="18" charset="0"/>
+                            </a:rPr>
+                            <m:t>𝜋</m:t>
+                          </m:r>
+                        </m:den>
+                      </m:f>
+                      <m:d>
+                        <m:dPr>
+                          <m:begChr m:val="["/>
+                          <m:endChr m:val="]"/>
+                          <m:ctrlPr>
+                            <a:rPr lang="en-GB" sz="1600" b="0" i="1" smtClean="0">
+                              <a:latin typeface="Cambria Math" panose="02040503050406030204" pitchFamily="18" charset="0"/>
+                            </a:rPr>
+                          </m:ctrlPr>
+                        </m:dPr>
+                        <m:e>
+                          <m:nary>
+                            <m:naryPr>
+                              <m:ctrlPr>
+                                <a:rPr lang="en-GB" sz="1600" b="0" i="1" smtClean="0">
+                                  <a:latin typeface="Cambria Math" panose="02040503050406030204" pitchFamily="18" charset="0"/>
+                                </a:rPr>
+                              </m:ctrlPr>
+                            </m:naryPr>
+                            <m:sub>
+                              <m:r>
+                                <m:rPr>
+                                  <m:brk m:alnAt="23"/>
+                                </m:rPr>
+                                <a:rPr lang="en-GB" sz="1600" b="0" i="1" smtClean="0">
+                                  <a:latin typeface="Cambria Math" panose="02040503050406030204" pitchFamily="18" charset="0"/>
+                                </a:rPr>
+                                <m:t>−</m:t>
+                              </m:r>
+                              <m:r>
+                                <a:rPr lang="en-GB" sz="1600" b="0" i="1" smtClean="0">
+                                  <a:latin typeface="Cambria Math" panose="02040503050406030204" pitchFamily="18" charset="0"/>
+                                </a:rPr>
+                                <m:t>𝜋</m:t>
+                              </m:r>
+                            </m:sub>
+                            <m:sup>
+                              <m:r>
+                                <a:rPr lang="en-GB" sz="1600" b="0" i="1" smtClean="0">
+                                  <a:latin typeface="Cambria Math" panose="02040503050406030204" pitchFamily="18" charset="0"/>
+                                </a:rPr>
+                                <m:t>𝜋</m:t>
+                              </m:r>
+                            </m:sup>
+                            <m:e>
+                              <m:f>
+                                <m:fPr>
+                                  <m:ctrlPr>
+                                    <a:rPr lang="en-GB" sz="1600" b="0" i="1" smtClean="0">
+                                      <a:latin typeface="Cambria Math" panose="02040503050406030204" pitchFamily="18" charset="0"/>
+                                    </a:rPr>
+                                  </m:ctrlPr>
+                                </m:fPr>
+                                <m:num>
+                                  <m:sSup>
+                                    <m:sSupPr>
+                                      <m:ctrlPr>
+                                        <a:rPr lang="en-GB" sz="1600" b="0" i="1" smtClean="0">
+                                          <a:latin typeface="Cambria Math" panose="02040503050406030204" pitchFamily="18" charset="0"/>
+                                        </a:rPr>
+                                      </m:ctrlPr>
+                                    </m:sSupPr>
+                                    <m:e>
+                                      <m:d>
+                                        <m:dPr>
+                                          <m:begChr m:val="|"/>
+                                          <m:endChr m:val="|"/>
+                                          <m:ctrlPr>
+                                            <a:rPr lang="en-GB" sz="1600" b="0" i="1" smtClean="0">
+                                              <a:latin typeface="Cambria Math" panose="02040503050406030204" pitchFamily="18" charset="0"/>
+                                            </a:rPr>
+                                          </m:ctrlPr>
+                                        </m:dPr>
+                                        <m:e>
+                                          <m:r>
+                                            <a:rPr lang="en-GB" sz="1600" b="0" i="1" smtClean="0">
+                                              <a:latin typeface="Cambria Math" panose="02040503050406030204" pitchFamily="18" charset="0"/>
+                                            </a:rPr>
+                                            <m:t>𝐶</m:t>
+                                          </m:r>
+                                          <m:d>
+                                            <m:dPr>
+                                              <m:ctrlPr>
+                                                <a:rPr lang="en-GB" sz="1600" b="0" i="1" smtClean="0">
+                                                  <a:latin typeface="Cambria Math" panose="02040503050406030204" pitchFamily="18" charset="0"/>
+                                                </a:rPr>
+                                              </m:ctrlPr>
+                                            </m:dPr>
+                                            <m:e>
+                                              <m:sSup>
+                                                <m:sSupPr>
+                                                  <m:ctrlPr>
+                                                    <a:rPr lang="en-GB" sz="1600" b="0" i="1" smtClean="0">
+                                                      <a:latin typeface="Cambria Math" panose="02040503050406030204" pitchFamily="18" charset="0"/>
+                                                    </a:rPr>
+                                                  </m:ctrlPr>
+                                                </m:sSupPr>
+                                                <m:e>
+                                                  <m:r>
+                                                    <a:rPr lang="en-GB" sz="1600" b="0" i="1" smtClean="0">
+                                                      <a:latin typeface="Cambria Math" panose="02040503050406030204" pitchFamily="18" charset="0"/>
+                                                    </a:rPr>
+                                                    <m:t>𝑒</m:t>
+                                                  </m:r>
+                                                </m:e>
+                                                <m:sup>
+                                                  <m:r>
+                                                    <a:rPr lang="en-GB" sz="1600" b="0" i="1" smtClean="0">
+                                                      <a:latin typeface="Cambria Math" panose="02040503050406030204" pitchFamily="18" charset="0"/>
+                                                    </a:rPr>
+                                                    <m:t>𝑗</m:t>
+                                                  </m:r>
+                                                  <m:r>
+                                                    <a:rPr lang="en-GB" sz="1600" b="0" i="1" smtClean="0">
+                                                      <a:latin typeface="Cambria Math" panose="02040503050406030204" pitchFamily="18" charset="0"/>
+                                                    </a:rPr>
+                                                    <m:t>𝜔</m:t>
+                                                  </m:r>
+                                                </m:sup>
+                                              </m:sSup>
+                                            </m:e>
+                                          </m:d>
+                                        </m:e>
+                                      </m:d>
+                                    </m:e>
+                                    <m:sup>
+                                      <m:r>
+                                        <a:rPr lang="en-GB" sz="1600" b="0" i="1" smtClean="0">
+                                          <a:latin typeface="Cambria Math" panose="02040503050406030204" pitchFamily="18" charset="0"/>
+                                        </a:rPr>
+                                        <m:t>2</m:t>
+                                      </m:r>
+                                    </m:sup>
+                                  </m:sSup>
+                                  <m:sSup>
+                                    <m:sSupPr>
+                                      <m:ctrlPr>
+                                        <a:rPr lang="en-GB" sz="1600" b="0" i="1" smtClean="0">
+                                          <a:latin typeface="Cambria Math" panose="02040503050406030204" pitchFamily="18" charset="0"/>
+                                        </a:rPr>
+                                      </m:ctrlPr>
+                                    </m:sSupPr>
+                                    <m:e>
+                                      <m:d>
+                                        <m:dPr>
+                                          <m:begChr m:val="|"/>
+                                          <m:endChr m:val="|"/>
+                                          <m:ctrlPr>
+                                            <a:rPr lang="en-GB" sz="1600" b="0" i="1" smtClean="0">
+                                              <a:latin typeface="Cambria Math" panose="02040503050406030204" pitchFamily="18" charset="0"/>
+                                            </a:rPr>
+                                          </m:ctrlPr>
+                                        </m:dPr>
+                                        <m:e>
+                                          <m:sSup>
+                                            <m:sSupPr>
+                                              <m:ctrlPr>
+                                                <a:rPr lang="en-GB" sz="1600" b="0" i="1" smtClean="0">
+                                                  <a:latin typeface="Cambria Math" panose="02040503050406030204" pitchFamily="18" charset="0"/>
+                                                </a:rPr>
+                                              </m:ctrlPr>
+                                            </m:sSupPr>
+                                            <m:e>
+                                              <m:r>
+                                                <a:rPr lang="en-GB" sz="1600" b="0" i="1" smtClean="0">
+                                                  <a:latin typeface="Cambria Math" panose="02040503050406030204" pitchFamily="18" charset="0"/>
+                                                </a:rPr>
+                                                <m:t>𝑆</m:t>
+                                              </m:r>
+                                            </m:e>
+                                            <m:sup>
+                                              <m:r>
+                                                <a:rPr lang="en-GB" sz="1600" b="0" i="1" smtClean="0">
+                                                  <a:latin typeface="Cambria Math" panose="02040503050406030204" pitchFamily="18" charset="0"/>
+                                                </a:rPr>
+                                                <m:t>0</m:t>
+                                              </m:r>
+                                            </m:sup>
+                                          </m:sSup>
+                                          <m:d>
+                                            <m:dPr>
+                                              <m:ctrlPr>
+                                                <a:rPr lang="en-GB" sz="1600" b="0" i="1" smtClean="0">
+                                                  <a:latin typeface="Cambria Math" panose="02040503050406030204" pitchFamily="18" charset="0"/>
+                                                </a:rPr>
+                                              </m:ctrlPr>
+                                            </m:dPr>
+                                            <m:e>
+                                              <m:sSup>
+                                                <m:sSupPr>
+                                                  <m:ctrlPr>
+                                                    <a:rPr lang="en-GB" sz="1600" i="1">
+                                                      <a:latin typeface="Cambria Math" panose="02040503050406030204" pitchFamily="18" charset="0"/>
+                                                    </a:rPr>
+                                                  </m:ctrlPr>
+                                                </m:sSupPr>
+                                                <m:e>
+                                                  <m:r>
+                                                    <a:rPr lang="en-GB" sz="1600" i="1">
+                                                      <a:latin typeface="Cambria Math" panose="02040503050406030204" pitchFamily="18" charset="0"/>
+                                                    </a:rPr>
+                                                    <m:t>𝑒</m:t>
+                                                  </m:r>
+                                                </m:e>
+                                                <m:sup>
+                                                  <m:r>
+                                                    <a:rPr lang="en-GB" sz="1600" i="1">
+                                                      <a:latin typeface="Cambria Math" panose="02040503050406030204" pitchFamily="18" charset="0"/>
+                                                    </a:rPr>
+                                                    <m:t>𝑗</m:t>
+                                                  </m:r>
+                                                  <m:r>
+                                                    <a:rPr lang="en-GB" sz="1600" i="1">
+                                                      <a:latin typeface="Cambria Math" panose="02040503050406030204" pitchFamily="18" charset="0"/>
+                                                    </a:rPr>
+                                                    <m:t>𝜔</m:t>
+                                                  </m:r>
+                                                </m:sup>
+                                              </m:sSup>
+                                              <m:r>
+                                                <a:rPr lang="en-GB" sz="1600" b="0" i="1" smtClean="0">
+                                                  <a:latin typeface="Cambria Math" panose="02040503050406030204" pitchFamily="18" charset="0"/>
+                                                </a:rPr>
+                                                <m:t>,</m:t>
+                                              </m:r>
+                                              <m:sSup>
+                                                <m:sSupPr>
+                                                  <m:ctrlPr>
+                                                    <a:rPr lang="en-GB" sz="1600" b="0" i="1" smtClean="0">
+                                                      <a:latin typeface="Cambria Math" panose="02040503050406030204" pitchFamily="18" charset="0"/>
+                                                    </a:rPr>
+                                                  </m:ctrlPr>
+                                                </m:sSupPr>
+                                                <m:e>
+                                                  <m:r>
+                                                    <a:rPr lang="en-GB" sz="1600" b="0" i="1" smtClean="0">
+                                                      <a:latin typeface="Cambria Math" panose="02040503050406030204" pitchFamily="18" charset="0"/>
+                                                    </a:rPr>
+                                                    <m:t>𝜃</m:t>
+                                                  </m:r>
+                                                </m:e>
+                                                <m:sup>
+                                                  <m:r>
+                                                    <a:rPr lang="en-GB" sz="1600" b="0" i="1" smtClean="0">
+                                                      <a:latin typeface="Cambria Math" panose="02040503050406030204" pitchFamily="18" charset="0"/>
+                                                    </a:rPr>
+                                                    <m:t>0</m:t>
+                                                  </m:r>
+                                                </m:sup>
+                                              </m:sSup>
+                                            </m:e>
+                                          </m:d>
+                                        </m:e>
+                                      </m:d>
+                                    </m:e>
+                                    <m:sup>
+                                      <m:r>
+                                        <a:rPr lang="en-GB" sz="1600" b="0" i="1" smtClean="0">
+                                          <a:latin typeface="Cambria Math" panose="02040503050406030204" pitchFamily="18" charset="0"/>
+                                        </a:rPr>
+                                        <m:t>2</m:t>
+                                      </m:r>
+                                    </m:sup>
+                                  </m:sSup>
+                                  <m:sSup>
+                                    <m:sSupPr>
+                                      <m:ctrlPr>
+                                        <a:rPr lang="en-GB" sz="1600" b="0" i="1" smtClean="0">
+                                          <a:latin typeface="Cambria Math" panose="02040503050406030204" pitchFamily="18" charset="0"/>
+                                        </a:rPr>
+                                      </m:ctrlPr>
+                                    </m:sSupPr>
+                                    <m:e>
+                                      <m:d>
+                                        <m:dPr>
+                                          <m:begChr m:val="|"/>
+                                          <m:endChr m:val="|"/>
+                                          <m:ctrlPr>
+                                            <a:rPr lang="en-GB" sz="1600" b="0" i="1" smtClean="0">
+                                              <a:latin typeface="Cambria Math" panose="02040503050406030204" pitchFamily="18" charset="0"/>
+                                            </a:rPr>
+                                          </m:ctrlPr>
+                                        </m:dPr>
+                                        <m:e>
+                                          <m:sSup>
+                                            <m:sSupPr>
+                                              <m:ctrlPr>
+                                                <a:rPr lang="en-GB" sz="1600" b="0" i="1" smtClean="0">
+                                                  <a:latin typeface="Cambria Math" panose="02040503050406030204" pitchFamily="18" charset="0"/>
+                                                </a:rPr>
+                                              </m:ctrlPr>
+                                            </m:sSupPr>
+                                            <m:e>
+                                              <m:r>
+                                                <a:rPr lang="en-GB" sz="1600" b="0" i="1" smtClean="0">
+                                                  <a:latin typeface="Cambria Math" panose="02040503050406030204" pitchFamily="18" charset="0"/>
+                                                </a:rPr>
+                                                <m:t>𝐺</m:t>
+                                              </m:r>
+                                            </m:e>
+                                            <m:sup>
+                                              <m:r>
+                                                <a:rPr lang="en-GB" sz="1600" b="0" i="1" smtClean="0">
+                                                  <a:latin typeface="Cambria Math" panose="02040503050406030204" pitchFamily="18" charset="0"/>
+                                                </a:rPr>
+                                                <m:t>0</m:t>
+                                              </m:r>
+                                            </m:sup>
+                                          </m:sSup>
+                                          <m:d>
+                                            <m:dPr>
+                                              <m:ctrlPr>
+                                                <a:rPr lang="en-GB" sz="1600" b="0" i="1" smtClean="0">
+                                                  <a:latin typeface="Cambria Math" panose="02040503050406030204" pitchFamily="18" charset="0"/>
+                                                </a:rPr>
+                                              </m:ctrlPr>
+                                            </m:dPr>
+                                            <m:e>
+                                              <m:sSup>
+                                                <m:sSupPr>
+                                                  <m:ctrlPr>
+                                                    <a:rPr lang="en-GB" sz="1600" i="1">
+                                                      <a:latin typeface="Cambria Math" panose="02040503050406030204" pitchFamily="18" charset="0"/>
+                                                    </a:rPr>
+                                                  </m:ctrlPr>
+                                                </m:sSupPr>
+                                                <m:e>
+                                                  <m:r>
+                                                    <a:rPr lang="en-GB" sz="1600" i="1">
+                                                      <a:latin typeface="Cambria Math" panose="02040503050406030204" pitchFamily="18" charset="0"/>
+                                                    </a:rPr>
+                                                    <m:t>𝑒</m:t>
+                                                  </m:r>
+                                                </m:e>
+                                                <m:sup>
+                                                  <m:r>
+                                                    <a:rPr lang="en-GB" sz="1600" i="1">
+                                                      <a:latin typeface="Cambria Math" panose="02040503050406030204" pitchFamily="18" charset="0"/>
+                                                    </a:rPr>
+                                                    <m:t>𝑗</m:t>
+                                                  </m:r>
+                                                  <m:r>
+                                                    <a:rPr lang="en-GB" sz="1600" i="1">
+                                                      <a:latin typeface="Cambria Math" panose="02040503050406030204" pitchFamily="18" charset="0"/>
+                                                    </a:rPr>
+                                                    <m:t>𝜔</m:t>
+                                                  </m:r>
+                                                </m:sup>
+                                              </m:sSup>
+                                              <m:r>
+                                                <a:rPr lang="en-GB" sz="1600" b="0" i="1" smtClean="0">
+                                                  <a:latin typeface="Cambria Math" panose="02040503050406030204" pitchFamily="18" charset="0"/>
+                                                </a:rPr>
+                                                <m:t>,</m:t>
+                                              </m:r>
+                                              <m:sSup>
+                                                <m:sSupPr>
+                                                  <m:ctrlPr>
+                                                    <a:rPr lang="en-GB" sz="1600" i="1">
+                                                      <a:latin typeface="Cambria Math" panose="02040503050406030204" pitchFamily="18" charset="0"/>
+                                                    </a:rPr>
+                                                  </m:ctrlPr>
+                                                </m:sSupPr>
+                                                <m:e>
+                                                  <m:r>
+                                                    <a:rPr lang="en-GB" sz="1600" i="1">
+                                                      <a:latin typeface="Cambria Math" panose="02040503050406030204" pitchFamily="18" charset="0"/>
+                                                    </a:rPr>
+                                                    <m:t>𝜃</m:t>
+                                                  </m:r>
+                                                </m:e>
+                                                <m:sup>
+                                                  <m:r>
+                                                    <a:rPr lang="en-GB" sz="1600" i="1">
+                                                      <a:latin typeface="Cambria Math" panose="02040503050406030204" pitchFamily="18" charset="0"/>
+                                                    </a:rPr>
+                                                    <m:t>0</m:t>
+                                                  </m:r>
+                                                </m:sup>
+                                              </m:sSup>
+                                            </m:e>
+                                          </m:d>
+                                          <m:r>
+                                            <a:rPr lang="en-GB" sz="1600" b="0" i="1" smtClean="0">
+                                              <a:latin typeface="Cambria Math" panose="02040503050406030204" pitchFamily="18" charset="0"/>
+                                            </a:rPr>
+                                            <m:t>−</m:t>
+                                          </m:r>
+                                          <m:r>
+                                            <a:rPr lang="en-GB" sz="1600" b="0" i="1" smtClean="0">
+                                              <a:latin typeface="Cambria Math" panose="02040503050406030204" pitchFamily="18" charset="0"/>
+                                            </a:rPr>
+                                            <m:t>𝐺</m:t>
+                                          </m:r>
+                                          <m:d>
+                                            <m:dPr>
+                                              <m:ctrlPr>
+                                                <a:rPr lang="en-GB" sz="1600" b="0" i="1" smtClean="0">
+                                                  <a:latin typeface="Cambria Math" panose="02040503050406030204" pitchFamily="18" charset="0"/>
+                                                </a:rPr>
+                                              </m:ctrlPr>
+                                            </m:dPr>
+                                            <m:e>
+                                              <m:sSup>
+                                                <m:sSupPr>
+                                                  <m:ctrlPr>
+                                                    <a:rPr lang="en-GB" sz="1600" i="1">
+                                                      <a:latin typeface="Cambria Math" panose="02040503050406030204" pitchFamily="18" charset="0"/>
+                                                    </a:rPr>
+                                                  </m:ctrlPr>
+                                                </m:sSupPr>
+                                                <m:e>
+                                                  <m:r>
+                                                    <a:rPr lang="en-GB" sz="1600" i="1">
+                                                      <a:latin typeface="Cambria Math" panose="02040503050406030204" pitchFamily="18" charset="0"/>
+                                                    </a:rPr>
+                                                    <m:t>𝑒</m:t>
+                                                  </m:r>
+                                                </m:e>
+                                                <m:sup>
+                                                  <m:r>
+                                                    <a:rPr lang="en-GB" sz="1600" i="1">
+                                                      <a:latin typeface="Cambria Math" panose="02040503050406030204" pitchFamily="18" charset="0"/>
+                                                    </a:rPr>
+                                                    <m:t>𝑗</m:t>
+                                                  </m:r>
+                                                  <m:r>
+                                                    <a:rPr lang="en-GB" sz="1600" i="1">
+                                                      <a:latin typeface="Cambria Math" panose="02040503050406030204" pitchFamily="18" charset="0"/>
+                                                    </a:rPr>
+                                                    <m:t>𝜔</m:t>
+                                                  </m:r>
+                                                </m:sup>
+                                              </m:sSup>
+                                              <m:r>
+                                                <a:rPr lang="en-GB" sz="1600" b="0" i="1" smtClean="0">
+                                                  <a:latin typeface="Cambria Math" panose="02040503050406030204" pitchFamily="18" charset="0"/>
+                                                </a:rPr>
+                                                <m:t>,</m:t>
+                                              </m:r>
+                                              <m:r>
+                                                <a:rPr lang="en-GB" sz="1600" b="0" i="1" smtClean="0">
+                                                  <a:latin typeface="Cambria Math" panose="02040503050406030204" pitchFamily="18" charset="0"/>
+                                                </a:rPr>
+                                                <m:t>𝜃</m:t>
+                                              </m:r>
+                                              <m:r>
+                                                <a:rPr lang="en-GB" sz="1600" i="1" smtClean="0">
+                                                  <a:latin typeface="Cambria Math" panose="02040503050406030204" pitchFamily="18" charset="0"/>
+                                                </a:rPr>
+                                                <m:t> </m:t>
+                                              </m:r>
+                                            </m:e>
+                                          </m:d>
+                                        </m:e>
+                                      </m:d>
+                                    </m:e>
+                                    <m:sup>
+                                      <m:r>
+                                        <a:rPr lang="en-GB" sz="1600" b="0" i="1" smtClean="0">
+                                          <a:latin typeface="Cambria Math" panose="02040503050406030204" pitchFamily="18" charset="0"/>
+                                        </a:rPr>
+                                        <m:t>2</m:t>
+                                      </m:r>
+                                    </m:sup>
+                                  </m:sSup>
+                                </m:num>
+                                <m:den>
+                                  <m:sSup>
+                                    <m:sSupPr>
+                                      <m:ctrlPr>
+                                        <a:rPr lang="en-GB" sz="1600" b="0" i="1" smtClean="0">
+                                          <a:latin typeface="Cambria Math" panose="02040503050406030204" pitchFamily="18" charset="0"/>
+                                        </a:rPr>
+                                      </m:ctrlPr>
+                                    </m:sSupPr>
+                                    <m:e>
+                                      <m:d>
+                                        <m:dPr>
+                                          <m:begChr m:val="|"/>
+                                          <m:endChr m:val="|"/>
+                                          <m:ctrlPr>
+                                            <a:rPr lang="en-GB" sz="1600" b="0" i="1" smtClean="0">
+                                              <a:latin typeface="Cambria Math" panose="02040503050406030204" pitchFamily="18" charset="0"/>
+                                            </a:rPr>
+                                          </m:ctrlPr>
+                                        </m:dPr>
+                                        <m:e>
+                                          <m:r>
+                                            <a:rPr lang="en-GB" sz="1600" b="0" i="1" smtClean="0">
+                                              <a:latin typeface="Cambria Math" panose="02040503050406030204" pitchFamily="18" charset="0"/>
+                                            </a:rPr>
+                                            <m:t>𝐻</m:t>
+                                          </m:r>
+                                          <m:d>
+                                            <m:dPr>
+                                              <m:ctrlPr>
+                                                <a:rPr lang="en-GB" sz="1600" b="0" i="1" smtClean="0">
+                                                  <a:latin typeface="Cambria Math" panose="02040503050406030204" pitchFamily="18" charset="0"/>
+                                                </a:rPr>
+                                              </m:ctrlPr>
+                                            </m:dPr>
+                                            <m:e>
+                                              <m:sSup>
+                                                <m:sSupPr>
+                                                  <m:ctrlPr>
+                                                    <a:rPr lang="en-GB" sz="1600" i="1">
+                                                      <a:latin typeface="Cambria Math" panose="02040503050406030204" pitchFamily="18" charset="0"/>
+                                                    </a:rPr>
+                                                  </m:ctrlPr>
+                                                </m:sSupPr>
+                                                <m:e>
+                                                  <m:r>
+                                                    <a:rPr lang="en-GB" sz="1600" i="1">
+                                                      <a:latin typeface="Cambria Math" panose="02040503050406030204" pitchFamily="18" charset="0"/>
+                                                    </a:rPr>
+                                                    <m:t>𝑒</m:t>
+                                                  </m:r>
+                                                </m:e>
+                                                <m:sup>
+                                                  <m:r>
+                                                    <a:rPr lang="en-GB" sz="1600" i="1">
+                                                      <a:latin typeface="Cambria Math" panose="02040503050406030204" pitchFamily="18" charset="0"/>
+                                                    </a:rPr>
+                                                    <m:t>𝑗</m:t>
+                                                  </m:r>
+                                                  <m:r>
+                                                    <a:rPr lang="en-GB" sz="1600" i="1">
+                                                      <a:latin typeface="Cambria Math" panose="02040503050406030204" pitchFamily="18" charset="0"/>
+                                                    </a:rPr>
+                                                    <m:t>𝜔</m:t>
+                                                  </m:r>
+                                                </m:sup>
+                                              </m:sSup>
+                                              <m:r>
+                                                <a:rPr lang="en-GB" sz="1600" b="0" i="1" smtClean="0">
+                                                  <a:latin typeface="Cambria Math" panose="02040503050406030204" pitchFamily="18" charset="0"/>
+                                                </a:rPr>
+                                                <m:t>,</m:t>
+                                              </m:r>
+                                              <m:r>
+                                                <a:rPr lang="en-GB" sz="1600" b="0" i="1" smtClean="0">
+                                                  <a:latin typeface="Cambria Math" panose="02040503050406030204" pitchFamily="18" charset="0"/>
+                                                </a:rPr>
+                                                <m:t>𝜃</m:t>
+                                              </m:r>
+                                            </m:e>
+                                          </m:d>
+                                        </m:e>
+                                      </m:d>
+                                    </m:e>
+                                    <m:sup>
+                                      <m:r>
+                                        <a:rPr lang="en-GB" sz="1600" b="0" i="1" smtClean="0">
+                                          <a:latin typeface="Cambria Math" panose="02040503050406030204" pitchFamily="18" charset="0"/>
+                                        </a:rPr>
+                                        <m:t>2</m:t>
+                                      </m:r>
+                                    </m:sup>
+                                  </m:sSup>
+                                </m:den>
+                              </m:f>
+                              <m:sSub>
+                                <m:sSubPr>
+                                  <m:ctrlPr>
+                                    <a:rPr lang="en-GB" sz="1600" b="0" i="1" smtClean="0">
+                                      <a:latin typeface="Cambria Math" panose="02040503050406030204" pitchFamily="18" charset="0"/>
+                                    </a:rPr>
+                                  </m:ctrlPr>
+                                </m:sSubPr>
+                                <m:e>
+                                  <m:r>
+                                    <a:rPr lang="en-GB" sz="1600" b="0" i="1" smtClean="0">
+                                      <a:latin typeface="Cambria Math" panose="02040503050406030204" pitchFamily="18" charset="0"/>
+                                    </a:rPr>
+                                    <m:t>𝜙</m:t>
+                                  </m:r>
+                                </m:e>
+                                <m:sub>
+                                  <m:r>
+                                    <a:rPr lang="en-GB" sz="1600" b="0" i="1" smtClean="0">
+                                      <a:latin typeface="Cambria Math" panose="02040503050406030204" pitchFamily="18" charset="0"/>
+                                    </a:rPr>
+                                    <m:t>𝑟</m:t>
+                                  </m:r>
+                                </m:sub>
+                              </m:sSub>
+                              <m:r>
+                                <a:rPr lang="en-GB" sz="1600" b="0" i="1" smtClean="0">
+                                  <a:latin typeface="Cambria Math" panose="02040503050406030204" pitchFamily="18" charset="0"/>
+                                </a:rPr>
+                                <m:t>𝑑</m:t>
+                              </m:r>
+                              <m:r>
+                                <a:rPr lang="en-GB" sz="1600" b="0" i="1" smtClean="0">
+                                  <a:latin typeface="Cambria Math" panose="02040503050406030204" pitchFamily="18" charset="0"/>
+                                </a:rPr>
+                                <m:t>𝜔</m:t>
+                              </m:r>
+                              <m:r>
+                                <a:rPr lang="en-GB" sz="1600" b="0" i="1" smtClean="0">
+                                  <a:latin typeface="Cambria Math" panose="02040503050406030204" pitchFamily="18" charset="0"/>
+                                </a:rPr>
+                                <m:t>+</m:t>
+                              </m:r>
+                              <m:nary>
+                                <m:naryPr>
+                                  <m:ctrlPr>
+                                    <a:rPr lang="en-GB" sz="1600" i="1" smtClean="0">
+                                      <a:latin typeface="Cambria Math" panose="02040503050406030204" pitchFamily="18" charset="0"/>
+                                    </a:rPr>
+                                  </m:ctrlPr>
+                                </m:naryPr>
+                                <m:sub>
+                                  <m:r>
+                                    <m:rPr>
+                                      <m:brk m:alnAt="23"/>
+                                    </m:rPr>
+                                    <a:rPr lang="en-GB" sz="1600" i="1">
+                                      <a:latin typeface="Cambria Math" panose="02040503050406030204" pitchFamily="18" charset="0"/>
+                                    </a:rPr>
+                                    <m:t>−</m:t>
+                                  </m:r>
+                                  <m:r>
+                                    <a:rPr lang="en-GB" sz="1600" i="1">
+                                      <a:latin typeface="Cambria Math" panose="02040503050406030204" pitchFamily="18" charset="0"/>
+                                    </a:rPr>
+                                    <m:t>𝜋</m:t>
+                                  </m:r>
+                                </m:sub>
+                                <m:sup>
+                                  <m:r>
+                                    <a:rPr lang="en-GB" sz="1600" i="1">
+                                      <a:latin typeface="Cambria Math" panose="02040503050406030204" pitchFamily="18" charset="0"/>
+                                    </a:rPr>
+                                    <m:t>𝜋</m:t>
+                                  </m:r>
+                                </m:sup>
+                                <m:e>
+                                  <m:f>
+                                    <m:fPr>
+                                      <m:ctrlPr>
+                                        <a:rPr lang="en-GB" sz="1600" i="1">
+                                          <a:latin typeface="Cambria Math" panose="02040503050406030204" pitchFamily="18" charset="0"/>
+                                        </a:rPr>
+                                      </m:ctrlPr>
+                                    </m:fPr>
+                                    <m:num>
+                                      <m:sSup>
+                                        <m:sSupPr>
+                                          <m:ctrlPr>
+                                            <a:rPr lang="en-GB" sz="1600" i="1">
+                                              <a:latin typeface="Cambria Math" panose="02040503050406030204" pitchFamily="18" charset="0"/>
+                                            </a:rPr>
+                                          </m:ctrlPr>
+                                        </m:sSupPr>
+                                        <m:e>
+                                          <m:d>
+                                            <m:dPr>
+                                              <m:begChr m:val="|"/>
+                                              <m:endChr m:val="|"/>
+                                              <m:ctrlPr>
+                                                <a:rPr lang="en-GB" sz="1600" i="1">
+                                                  <a:latin typeface="Cambria Math" panose="02040503050406030204" pitchFamily="18" charset="0"/>
+                                                </a:rPr>
+                                              </m:ctrlPr>
+                                            </m:dPr>
+                                            <m:e>
+                                              <m:sSup>
+                                                <m:sSupPr>
+                                                  <m:ctrlPr>
+                                                    <a:rPr lang="en-GB" sz="1600" b="0" i="1" smtClean="0">
+                                                      <a:latin typeface="Cambria Math" panose="02040503050406030204" pitchFamily="18" charset="0"/>
+                                                    </a:rPr>
+                                                  </m:ctrlPr>
+                                                </m:sSupPr>
+                                                <m:e>
+                                                  <m:r>
+                                                    <a:rPr lang="en-GB" sz="1600" b="0" i="1" smtClean="0">
+                                                      <a:latin typeface="Cambria Math" panose="02040503050406030204" pitchFamily="18" charset="0"/>
+                                                    </a:rPr>
+                                                    <m:t>𝐻</m:t>
+                                                  </m:r>
+                                                </m:e>
+                                                <m:sup>
+                                                  <m:r>
+                                                    <a:rPr lang="en-GB" sz="1600" b="0" i="1" smtClean="0">
+                                                      <a:latin typeface="Cambria Math" panose="02040503050406030204" pitchFamily="18" charset="0"/>
+                                                    </a:rPr>
+                                                    <m:t>0</m:t>
+                                                  </m:r>
+                                                </m:sup>
+                                              </m:sSup>
+                                              <m:d>
+                                                <m:dPr>
+                                                  <m:ctrlPr>
+                                                    <a:rPr lang="en-GB" sz="1600" b="0" i="1" smtClean="0">
+                                                      <a:latin typeface="Cambria Math" panose="02040503050406030204" pitchFamily="18" charset="0"/>
+                                                    </a:rPr>
+                                                  </m:ctrlPr>
+                                                </m:dPr>
+                                                <m:e>
+                                                  <m:sSup>
+                                                    <m:sSupPr>
+                                                      <m:ctrlPr>
+                                                        <a:rPr lang="en-GB" sz="1600" i="1">
+                                                          <a:latin typeface="Cambria Math" panose="02040503050406030204" pitchFamily="18" charset="0"/>
+                                                        </a:rPr>
+                                                      </m:ctrlPr>
+                                                    </m:sSupPr>
+                                                    <m:e>
+                                                      <m:r>
+                                                        <a:rPr lang="en-GB" sz="1600" i="1">
+                                                          <a:latin typeface="Cambria Math" panose="02040503050406030204" pitchFamily="18" charset="0"/>
+                                                        </a:rPr>
+                                                        <m:t>𝑒</m:t>
+                                                      </m:r>
+                                                    </m:e>
+                                                    <m:sup>
+                                                      <m:r>
+                                                        <a:rPr lang="en-GB" sz="1600" i="1">
+                                                          <a:latin typeface="Cambria Math" panose="02040503050406030204" pitchFamily="18" charset="0"/>
+                                                        </a:rPr>
+                                                        <m:t>𝑗</m:t>
+                                                      </m:r>
+                                                      <m:r>
+                                                        <a:rPr lang="en-GB" sz="1600" i="1">
+                                                          <a:latin typeface="Cambria Math" panose="02040503050406030204" pitchFamily="18" charset="0"/>
+                                                        </a:rPr>
+                                                        <m:t>𝜔</m:t>
+                                                      </m:r>
+                                                    </m:sup>
+                                                  </m:sSup>
+                                                  <m:r>
+                                                    <a:rPr lang="en-GB" sz="1600" b="0" i="1" smtClean="0">
+                                                      <a:latin typeface="Cambria Math" panose="02040503050406030204" pitchFamily="18" charset="0"/>
+                                                    </a:rPr>
+                                                    <m:t>,</m:t>
+                                                  </m:r>
+                                                  <m:sSup>
+                                                    <m:sSupPr>
+                                                      <m:ctrlPr>
+                                                        <a:rPr lang="en-GB" sz="1600" b="0" i="1" smtClean="0">
+                                                          <a:latin typeface="Cambria Math" panose="02040503050406030204" pitchFamily="18" charset="0"/>
+                                                        </a:rPr>
+                                                      </m:ctrlPr>
+                                                    </m:sSupPr>
+                                                    <m:e>
+                                                      <m:r>
+                                                        <a:rPr lang="en-GB" sz="1600" b="0" i="1" smtClean="0">
+                                                          <a:latin typeface="Cambria Math" panose="02040503050406030204" pitchFamily="18" charset="0"/>
+                                                        </a:rPr>
+                                                        <m:t>𝜃</m:t>
+                                                      </m:r>
+                                                    </m:e>
+                                                    <m:sup>
+                                                      <m:r>
+                                                        <a:rPr lang="en-GB" sz="1600" b="0" i="1" smtClean="0">
+                                                          <a:latin typeface="Cambria Math" panose="02040503050406030204" pitchFamily="18" charset="0"/>
+                                                        </a:rPr>
+                                                        <m:t>0</m:t>
+                                                      </m:r>
+                                                    </m:sup>
+                                                  </m:sSup>
+                                                </m:e>
+                                              </m:d>
+                                            </m:e>
+                                          </m:d>
+                                        </m:e>
+                                        <m:sup>
+                                          <m:r>
+                                            <a:rPr lang="en-GB" sz="1600" i="1">
+                                              <a:latin typeface="Cambria Math" panose="02040503050406030204" pitchFamily="18" charset="0"/>
+                                            </a:rPr>
+                                            <m:t>2</m:t>
+                                          </m:r>
+                                        </m:sup>
+                                      </m:sSup>
+                                      <m:sSup>
+                                        <m:sSupPr>
+                                          <m:ctrlPr>
+                                            <a:rPr lang="en-GB" sz="1600" i="1">
+                                              <a:latin typeface="Cambria Math" panose="02040503050406030204" pitchFamily="18" charset="0"/>
+                                            </a:rPr>
+                                          </m:ctrlPr>
+                                        </m:sSupPr>
+                                        <m:e>
+                                          <m:d>
+                                            <m:dPr>
+                                              <m:begChr m:val="|"/>
+                                              <m:endChr m:val="|"/>
+                                              <m:ctrlPr>
+                                                <a:rPr lang="en-GB" sz="1600" i="1">
+                                                  <a:latin typeface="Cambria Math" panose="02040503050406030204" pitchFamily="18" charset="0"/>
+                                                </a:rPr>
+                                              </m:ctrlPr>
+                                            </m:dPr>
+                                            <m:e>
+                                              <m:sSup>
+                                                <m:sSupPr>
+                                                  <m:ctrlPr>
+                                                    <a:rPr lang="en-GB" sz="1600" i="1">
+                                                      <a:latin typeface="Cambria Math" panose="02040503050406030204" pitchFamily="18" charset="0"/>
+                                                    </a:rPr>
+                                                  </m:ctrlPr>
+                                                </m:sSupPr>
+                                                <m:e>
+                                                  <m:r>
+                                                    <a:rPr lang="en-GB" sz="1600" i="1">
+                                                      <a:latin typeface="Cambria Math" panose="02040503050406030204" pitchFamily="18" charset="0"/>
+                                                    </a:rPr>
+                                                    <m:t>𝑆</m:t>
+                                                  </m:r>
+                                                </m:e>
+                                                <m:sup>
+                                                  <m:r>
+                                                    <a:rPr lang="en-GB" sz="1600" i="1">
+                                                      <a:latin typeface="Cambria Math" panose="02040503050406030204" pitchFamily="18" charset="0"/>
+                                                    </a:rPr>
+                                                    <m:t>0</m:t>
+                                                  </m:r>
+                                                </m:sup>
+                                              </m:sSup>
+                                              <m:d>
+                                                <m:dPr>
+                                                  <m:ctrlPr>
+                                                    <a:rPr lang="en-GB" sz="1600" i="1">
+                                                      <a:latin typeface="Cambria Math" panose="02040503050406030204" pitchFamily="18" charset="0"/>
+                                                    </a:rPr>
+                                                  </m:ctrlPr>
+                                                </m:dPr>
+                                                <m:e>
+                                                  <m:sSup>
+                                                    <m:sSupPr>
+                                                      <m:ctrlPr>
+                                                        <a:rPr lang="en-GB" sz="1600" i="1">
+                                                          <a:latin typeface="Cambria Math" panose="02040503050406030204" pitchFamily="18" charset="0"/>
+                                                        </a:rPr>
+                                                      </m:ctrlPr>
+                                                    </m:sSupPr>
+                                                    <m:e>
+                                                      <m:r>
+                                                        <a:rPr lang="en-GB" sz="1600" i="1">
+                                                          <a:latin typeface="Cambria Math" panose="02040503050406030204" pitchFamily="18" charset="0"/>
+                                                        </a:rPr>
+                                                        <m:t>𝑒</m:t>
+                                                      </m:r>
+                                                    </m:e>
+                                                    <m:sup>
+                                                      <m:r>
+                                                        <a:rPr lang="en-GB" sz="1600" i="1">
+                                                          <a:latin typeface="Cambria Math" panose="02040503050406030204" pitchFamily="18" charset="0"/>
+                                                        </a:rPr>
+                                                        <m:t>𝑗</m:t>
+                                                      </m:r>
+                                                      <m:r>
+                                                        <a:rPr lang="en-GB" sz="1600" i="1">
+                                                          <a:latin typeface="Cambria Math" panose="02040503050406030204" pitchFamily="18" charset="0"/>
+                                                        </a:rPr>
+                                                        <m:t>𝜔</m:t>
+                                                      </m:r>
+                                                    </m:sup>
+                                                  </m:sSup>
+                                                  <m:r>
+                                                    <a:rPr lang="en-GB" sz="1600" i="1">
+                                                      <a:latin typeface="Cambria Math" panose="02040503050406030204" pitchFamily="18" charset="0"/>
+                                                    </a:rPr>
+                                                    <m:t>,</m:t>
+                                                  </m:r>
+                                                  <m:sSup>
+                                                    <m:sSupPr>
+                                                      <m:ctrlPr>
+                                                        <a:rPr lang="en-GB" sz="1600" i="1">
+                                                          <a:latin typeface="Cambria Math" panose="02040503050406030204" pitchFamily="18" charset="0"/>
+                                                        </a:rPr>
+                                                      </m:ctrlPr>
+                                                    </m:sSupPr>
+                                                    <m:e>
+                                                      <m:r>
+                                                        <a:rPr lang="en-GB" sz="1600" i="1">
+                                                          <a:latin typeface="Cambria Math" panose="02040503050406030204" pitchFamily="18" charset="0"/>
+                                                        </a:rPr>
+                                                        <m:t>𝜃</m:t>
+                                                      </m:r>
+                                                    </m:e>
+                                                    <m:sup>
+                                                      <m:r>
+                                                        <a:rPr lang="en-GB" sz="1600" i="1">
+                                                          <a:latin typeface="Cambria Math" panose="02040503050406030204" pitchFamily="18" charset="0"/>
+                                                        </a:rPr>
+                                                        <m:t>0</m:t>
+                                                      </m:r>
+                                                    </m:sup>
+                                                  </m:sSup>
+                                                </m:e>
+                                              </m:d>
+                                            </m:e>
+                                          </m:d>
+                                        </m:e>
+                                        <m:sup>
+                                          <m:r>
+                                            <a:rPr lang="en-GB" sz="1600" i="1">
+                                              <a:latin typeface="Cambria Math" panose="02040503050406030204" pitchFamily="18" charset="0"/>
+                                            </a:rPr>
+                                            <m:t>2</m:t>
+                                          </m:r>
+                                        </m:sup>
+                                      </m:sSup>
+                                    </m:num>
+                                    <m:den>
+                                      <m:sSup>
+                                        <m:sSupPr>
+                                          <m:ctrlPr>
+                                            <a:rPr lang="en-GB" sz="1600" i="1">
+                                              <a:latin typeface="Cambria Math" panose="02040503050406030204" pitchFamily="18" charset="0"/>
+                                            </a:rPr>
+                                          </m:ctrlPr>
+                                        </m:sSupPr>
+                                        <m:e>
+                                          <m:d>
+                                            <m:dPr>
+                                              <m:begChr m:val="|"/>
+                                              <m:endChr m:val="|"/>
+                                              <m:ctrlPr>
+                                                <a:rPr lang="en-GB" sz="1600" i="1">
+                                                  <a:latin typeface="Cambria Math" panose="02040503050406030204" pitchFamily="18" charset="0"/>
+                                                </a:rPr>
+                                              </m:ctrlPr>
+                                            </m:dPr>
+                                            <m:e>
+                                              <m:r>
+                                                <a:rPr lang="en-GB" sz="1600" i="1">
+                                                  <a:latin typeface="Cambria Math" panose="02040503050406030204" pitchFamily="18" charset="0"/>
+                                                </a:rPr>
+                                                <m:t>𝐻</m:t>
+                                              </m:r>
+                                              <m:d>
+                                                <m:dPr>
+                                                  <m:ctrlPr>
+                                                    <a:rPr lang="en-GB" sz="1600" i="1">
+                                                      <a:latin typeface="Cambria Math" panose="02040503050406030204" pitchFamily="18" charset="0"/>
+                                                    </a:rPr>
+                                                  </m:ctrlPr>
+                                                </m:dPr>
+                                                <m:e>
+                                                  <m:sSup>
+                                                    <m:sSupPr>
+                                                      <m:ctrlPr>
+                                                        <a:rPr lang="en-GB" sz="1600" i="1">
+                                                          <a:latin typeface="Cambria Math" panose="02040503050406030204" pitchFamily="18" charset="0"/>
+                                                        </a:rPr>
+                                                      </m:ctrlPr>
+                                                    </m:sSupPr>
+                                                    <m:e>
+                                                      <m:r>
+                                                        <a:rPr lang="en-GB" sz="1600" i="1">
+                                                          <a:latin typeface="Cambria Math" panose="02040503050406030204" pitchFamily="18" charset="0"/>
+                                                        </a:rPr>
+                                                        <m:t>𝑒</m:t>
+                                                      </m:r>
+                                                    </m:e>
+                                                    <m:sup>
+                                                      <m:r>
+                                                        <a:rPr lang="en-GB" sz="1600" i="1">
+                                                          <a:latin typeface="Cambria Math" panose="02040503050406030204" pitchFamily="18" charset="0"/>
+                                                        </a:rPr>
+                                                        <m:t>𝑗</m:t>
+                                                      </m:r>
+                                                      <m:r>
+                                                        <a:rPr lang="en-GB" sz="1600" i="1">
+                                                          <a:latin typeface="Cambria Math" panose="02040503050406030204" pitchFamily="18" charset="0"/>
+                                                        </a:rPr>
+                                                        <m:t>𝜔</m:t>
+                                                      </m:r>
+                                                    </m:sup>
+                                                  </m:sSup>
+                                                  <m:r>
+                                                    <a:rPr lang="en-GB" sz="1600" i="1">
+                                                      <a:latin typeface="Cambria Math" panose="02040503050406030204" pitchFamily="18" charset="0"/>
+                                                    </a:rPr>
+                                                    <m:t>,</m:t>
+                                                  </m:r>
+                                                  <m:r>
+                                                    <a:rPr lang="en-GB" sz="1600" i="1">
+                                                      <a:latin typeface="Cambria Math" panose="02040503050406030204" pitchFamily="18" charset="0"/>
+                                                    </a:rPr>
+                                                    <m:t>𝜃</m:t>
+                                                  </m:r>
+                                                </m:e>
+                                              </m:d>
+                                            </m:e>
+                                          </m:d>
+                                        </m:e>
+                                        <m:sup>
+                                          <m:r>
+                                            <a:rPr lang="en-GB" sz="1600" i="1">
+                                              <a:latin typeface="Cambria Math" panose="02040503050406030204" pitchFamily="18" charset="0"/>
+                                            </a:rPr>
+                                            <m:t>2</m:t>
+                                          </m:r>
+                                        </m:sup>
+                                      </m:sSup>
+                                      <m:sSup>
+                                        <m:sSupPr>
+                                          <m:ctrlPr>
+                                            <a:rPr lang="en-GB" sz="1600" b="0" i="1" smtClean="0">
+                                              <a:latin typeface="Cambria Math" panose="02040503050406030204" pitchFamily="18" charset="0"/>
+                                            </a:rPr>
+                                          </m:ctrlPr>
+                                        </m:sSupPr>
+                                        <m:e>
+                                          <m:d>
+                                            <m:dPr>
+                                              <m:begChr m:val="|"/>
+                                              <m:endChr m:val="|"/>
+                                              <m:ctrlPr>
+                                                <a:rPr lang="en-GB" sz="1600" b="0" i="1" smtClean="0">
+                                                  <a:latin typeface="Cambria Math" panose="02040503050406030204" pitchFamily="18" charset="0"/>
+                                                </a:rPr>
+                                              </m:ctrlPr>
+                                            </m:dPr>
+                                            <m:e>
+                                              <m:r>
+                                                <a:rPr lang="en-GB" sz="1600" b="0" i="1" smtClean="0">
+                                                  <a:latin typeface="Cambria Math" panose="02040503050406030204" pitchFamily="18" charset="0"/>
+                                                </a:rPr>
+                                                <m:t>𝑆</m:t>
+                                              </m:r>
+                                              <m:d>
+                                                <m:dPr>
+                                                  <m:ctrlPr>
+                                                    <a:rPr lang="en-GB" sz="1600" b="0" i="1" smtClean="0">
+                                                      <a:latin typeface="Cambria Math" panose="02040503050406030204" pitchFamily="18" charset="0"/>
+                                                    </a:rPr>
+                                                  </m:ctrlPr>
+                                                </m:dPr>
+                                                <m:e>
+                                                  <m:sSup>
+                                                    <m:sSupPr>
+                                                      <m:ctrlPr>
+                                                        <a:rPr lang="en-GB" sz="1600" b="0" i="1" smtClean="0">
+                                                          <a:latin typeface="Cambria Math" panose="02040503050406030204" pitchFamily="18" charset="0"/>
+                                                        </a:rPr>
+                                                      </m:ctrlPr>
+                                                    </m:sSupPr>
+                                                    <m:e>
+                                                      <m:r>
+                                                        <a:rPr lang="en-GB" sz="1600" b="0" i="1" smtClean="0">
+                                                          <a:latin typeface="Cambria Math" panose="02040503050406030204" pitchFamily="18" charset="0"/>
+                                                        </a:rPr>
+                                                        <m:t>𝑒</m:t>
+                                                      </m:r>
+                                                    </m:e>
+                                                    <m:sup>
+                                                      <m:r>
+                                                        <a:rPr lang="en-GB" sz="1600" b="0" i="1" smtClean="0">
+                                                          <a:latin typeface="Cambria Math" panose="02040503050406030204" pitchFamily="18" charset="0"/>
+                                                        </a:rPr>
+                                                        <m:t>𝑗</m:t>
+                                                      </m:r>
+                                                      <m:r>
+                                                        <a:rPr lang="en-GB" sz="1600" b="0" i="1" smtClean="0">
+                                                          <a:latin typeface="Cambria Math" panose="02040503050406030204" pitchFamily="18" charset="0"/>
+                                                        </a:rPr>
+                                                        <m:t>𝜔</m:t>
+                                                      </m:r>
+                                                    </m:sup>
+                                                  </m:sSup>
+                                                  <m:r>
+                                                    <a:rPr lang="en-GB" sz="1600" b="0" i="1" smtClean="0">
+                                                      <a:latin typeface="Cambria Math" panose="02040503050406030204" pitchFamily="18" charset="0"/>
+                                                    </a:rPr>
+                                                    <m:t>,</m:t>
+                                                  </m:r>
+                                                  <m:r>
+                                                    <a:rPr lang="en-GB" sz="1600" b="0" i="1" smtClean="0">
+                                                      <a:latin typeface="Cambria Math" panose="02040503050406030204" pitchFamily="18" charset="0"/>
+                                                    </a:rPr>
+                                                    <m:t>𝜃</m:t>
+                                                  </m:r>
+                                                </m:e>
+                                              </m:d>
+                                            </m:e>
+                                          </m:d>
+                                        </m:e>
+                                        <m:sup>
+                                          <m:r>
+                                            <a:rPr lang="en-GB" sz="1600" b="0" i="1" smtClean="0">
+                                              <a:latin typeface="Cambria Math" panose="02040503050406030204" pitchFamily="18" charset="0"/>
+                                            </a:rPr>
+                                            <m:t>2</m:t>
+                                          </m:r>
+                                        </m:sup>
+                                      </m:sSup>
+                                    </m:den>
+                                  </m:f>
+                                  <m:sSub>
+                                    <m:sSubPr>
+                                      <m:ctrlPr>
+                                        <a:rPr lang="en-GB" sz="1600" i="1">
+                                          <a:latin typeface="Cambria Math" panose="02040503050406030204" pitchFamily="18" charset="0"/>
+                                        </a:rPr>
+                                      </m:ctrlPr>
+                                    </m:sSubPr>
+                                    <m:e>
+                                      <m:r>
+                                        <a:rPr lang="en-GB" sz="1600" i="1">
+                                          <a:latin typeface="Cambria Math" panose="02040503050406030204" pitchFamily="18" charset="0"/>
+                                        </a:rPr>
+                                        <m:t>𝜙</m:t>
+                                      </m:r>
+                                    </m:e>
+                                    <m:sub>
+                                      <m:r>
+                                        <a:rPr lang="en-GB" sz="1600" b="0" i="1" smtClean="0">
+                                          <a:latin typeface="Cambria Math" panose="02040503050406030204" pitchFamily="18" charset="0"/>
+                                        </a:rPr>
+                                        <m:t>𝑒</m:t>
+                                      </m:r>
+                                    </m:sub>
+                                  </m:sSub>
+                                  <m:r>
+                                    <a:rPr lang="en-GB" sz="1600" i="1">
+                                      <a:latin typeface="Cambria Math" panose="02040503050406030204" pitchFamily="18" charset="0"/>
+                                    </a:rPr>
+                                    <m:t>𝑑</m:t>
+                                  </m:r>
+                                  <m:r>
+                                    <a:rPr lang="en-GB" sz="1600" i="1">
+                                      <a:latin typeface="Cambria Math" panose="02040503050406030204" pitchFamily="18" charset="0"/>
+                                    </a:rPr>
+                                    <m:t>𝜔</m:t>
+                                  </m:r>
+                                  <m:r>
+                                    <a:rPr lang="en-GB" sz="1600" b="0" i="1" smtClean="0">
+                                      <a:latin typeface="Cambria Math" panose="02040503050406030204" pitchFamily="18" charset="0"/>
+                                    </a:rPr>
+                                    <m:t>  </m:t>
+                                  </m:r>
+                                </m:e>
+                              </m:nary>
+                              <m:r>
+                                <a:rPr lang="en-GB" sz="1600" b="0" i="1" smtClean="0">
+                                  <a:latin typeface="Cambria Math" panose="02040503050406030204" pitchFamily="18" charset="0"/>
+                                </a:rPr>
+                                <m:t> </m:t>
+                              </m:r>
+                            </m:e>
+                          </m:nary>
+                        </m:e>
+                      </m:d>
+                    </m:oMath>
+                  </m:oMathPara>
+                </a14:m>
+                <a:endParaRPr lang="en-GB" dirty="0" smtClean="0"/>
+              </a:p>
+              <a:p>
+                <a:pPr/>
+                <a:endParaRPr lang="en-GB" dirty="0"/>
+              </a:p>
+              <a:p>
+                <a:pPr/>
+                <a14:m>
+                  <m:oMathPara xmlns:m="http://schemas.openxmlformats.org/officeDocument/2006/math">
+                    <m:oMathParaPr>
+                      <m:jc m:val="left"/>
+                    </m:oMathParaPr>
+                    <m:oMath xmlns:m="http://schemas.openxmlformats.org/officeDocument/2006/math">
+                      <m:sSub>
+                        <m:sSubPr>
+                          <m:ctrlPr>
+                            <a:rPr lang="en-GB" b="0" i="1" smtClean="0">
+                              <a:latin typeface="Cambria Math" panose="02040503050406030204" pitchFamily="18" charset="0"/>
+                            </a:rPr>
+                          </m:ctrlPr>
+                        </m:sSubPr>
+                        <m:e>
+                          <m:r>
+                            <a:rPr lang="en-GB" b="0" i="1" smtClean="0">
+                              <a:latin typeface="Cambria Math" panose="02040503050406030204" pitchFamily="18" charset="0"/>
+                            </a:rPr>
+                            <m:t>𝜙</m:t>
+                          </m:r>
+                        </m:e>
+                        <m:sub>
+                          <m:r>
+                            <a:rPr lang="en-GB" b="0" i="1" smtClean="0">
+                              <a:latin typeface="Cambria Math" panose="02040503050406030204" pitchFamily="18" charset="0"/>
+                            </a:rPr>
+                            <m:t>𝑒</m:t>
+                          </m:r>
+                        </m:sub>
+                      </m:sSub>
+                      <m:r>
+                        <a:rPr lang="en-GB" b="0" i="1" smtClean="0">
+                          <a:latin typeface="Cambria Math" panose="02040503050406030204" pitchFamily="18" charset="0"/>
+                        </a:rPr>
+                        <m:t>=</m:t>
+                      </m:r>
+                      <m:sSup>
+                        <m:sSupPr>
+                          <m:ctrlPr>
+                            <a:rPr lang="en-GB" b="0" i="1" smtClean="0">
+                              <a:latin typeface="Cambria Math" panose="02040503050406030204" pitchFamily="18" charset="0"/>
+                            </a:rPr>
+                          </m:ctrlPr>
+                        </m:sSupPr>
+                        <m:e>
+                          <m:r>
+                            <a:rPr lang="en-GB" b="0" i="1" smtClean="0">
+                              <a:latin typeface="Cambria Math" panose="02040503050406030204" pitchFamily="18" charset="0"/>
+                            </a:rPr>
+                            <m:t>𝜆</m:t>
+                          </m:r>
+                        </m:e>
+                        <m:sup>
+                          <m:r>
+                            <a:rPr lang="en-GB" b="0" i="1" smtClean="0">
+                              <a:latin typeface="Cambria Math" panose="02040503050406030204" pitchFamily="18" charset="0"/>
+                            </a:rPr>
+                            <m:t>2</m:t>
+                          </m:r>
+                        </m:sup>
+                      </m:sSup>
+                    </m:oMath>
+                  </m:oMathPara>
+                </a14:m>
+                <a:endParaRPr lang="en-GB" dirty="0"/>
+              </a:p>
+            </p:txBody>
+          </p:sp>
+        </mc:Choice>
+        <mc:Fallback>
+          <p:sp>
+            <p:nvSpPr>
+              <p:cNvPr id="3" name="TextBox 2"/>
+              <p:cNvSpPr txBox="1">
+                <a:spLocks noRot="1" noChangeAspect="1" noMove="1" noResize="1" noEditPoints="1" noAdjustHandles="1" noChangeArrowheads="1" noChangeShapeType="1" noTextEdit="1"/>
+              </p:cNvSpPr>
+              <p:nvPr/>
+            </p:nvSpPr>
+            <p:spPr>
+              <a:xfrm>
+                <a:off x="153197" y="1325461"/>
+                <a:ext cx="12115433" cy="4554965"/>
+              </a:xfrm>
+              <a:prstGeom prst="rect">
+                <a:avLst/>
+              </a:prstGeom>
+              <a:blipFill rotWithShape="0">
+                <a:blip r:embed="rId2"/>
+                <a:stretch>
+                  <a:fillRect l="-402" t="-668" b="-134"/>
+                </a:stretch>
+              </a:blipFill>
+            </p:spPr>
+            <p:txBody>
+              <a:bodyPr/>
+              <a:lstStyle/>
+              <a:p>
+                <a:r>
+                  <a:rPr lang="en-GB">
+                    <a:noFill/>
+                  </a:rPr>
+                  <a:t> </a:t>
+                </a:r>
+              </a:p>
+            </p:txBody>
+          </p:sp>
+        </mc:Fallback>
+      </mc:AlternateContent>
     </p:spTree>
     <p:extLst>
       <p:ext uri="{BB962C8B-B14F-4D97-AF65-F5344CB8AC3E}">
@@ -16668,6 +18588,13 @@
   <p:clrMapOvr>
     <a:masterClrMapping/>
   </p:clrMapOvr>
+  <p:timing>
+    <p:tnLst>
+      <p:par>
+        <p:cTn id="1" dur="indefinite" restart="never" nodeType="tmRoot"/>
+      </p:par>
+    </p:tnLst>
+  </p:timing>
 </p:sld>
 </file>
 
@@ -16707,6 +18634,2761 @@
               <a:rPr lang="it-IT" altLang="en-US" smtClean="0"/>
               <a:pPr/>
               <a:t>24</a:t>
+            </a:fld>
+            <a:endParaRPr lang="it-IT" altLang="en-US"/>
+          </a:p>
+        </p:txBody>
+      </p:sp>
+      <mc:AlternateContent xmlns:mc="http://schemas.openxmlformats.org/markup-compatibility/2006">
+        <mc:Choice xmlns:a14="http://schemas.microsoft.com/office/drawing/2010/main" Requires="a14">
+          <p:sp>
+            <p:nvSpPr>
+              <p:cNvPr id="3" name="Rectangle 2"/>
+              <p:cNvSpPr/>
+              <p:nvPr/>
+            </p:nvSpPr>
+            <p:spPr>
+              <a:xfrm>
+                <a:off x="125337" y="1067419"/>
+                <a:ext cx="11384357" cy="4522648"/>
+              </a:xfrm>
+              <a:prstGeom prst="rect">
+                <a:avLst/>
+              </a:prstGeom>
+            </p:spPr>
+            <p:txBody>
+              <a:bodyPr wrap="square">
+                <a:spAutoFit/>
+              </a:bodyPr>
+              <a:lstStyle/>
+              <a:p>
+                <a:pPr/>
+                <a14:m>
+                  <m:oMathPara xmlns:m="http://schemas.openxmlformats.org/officeDocument/2006/math">
+                    <m:oMathParaPr>
+                      <m:jc m:val="left"/>
+                    </m:oMathParaPr>
+                    <m:oMath xmlns:m="http://schemas.openxmlformats.org/officeDocument/2006/math">
+                      <m:acc>
+                        <m:accPr>
+                          <m:chr m:val="̅"/>
+                          <m:ctrlPr>
+                            <a:rPr lang="en-GB" i="1" smtClean="0">
+                              <a:latin typeface="Cambria Math" panose="02040503050406030204" pitchFamily="18" charset="0"/>
+                            </a:rPr>
+                          </m:ctrlPr>
+                        </m:accPr>
+                        <m:e>
+                          <m:r>
+                            <a:rPr lang="en-GB" i="1">
+                              <a:latin typeface="Cambria Math" panose="02040503050406030204" pitchFamily="18" charset="0"/>
+                            </a:rPr>
+                            <m:t>𝐽</m:t>
+                          </m:r>
+                        </m:e>
+                      </m:acc>
+                      <m:d>
+                        <m:dPr>
+                          <m:ctrlPr>
+                            <a:rPr lang="en-GB" i="1">
+                              <a:latin typeface="Cambria Math" panose="02040503050406030204" pitchFamily="18" charset="0"/>
+                            </a:rPr>
+                          </m:ctrlPr>
+                        </m:dPr>
+                        <m:e>
+                          <m:r>
+                            <a:rPr lang="en-GB" i="1">
+                              <a:latin typeface="Cambria Math" panose="02040503050406030204" pitchFamily="18" charset="0"/>
+                            </a:rPr>
+                            <m:t>𝜃</m:t>
+                          </m:r>
+                        </m:e>
+                      </m:d>
+                      <m:r>
+                        <a:rPr lang="en-GB" i="1">
+                          <a:latin typeface="Cambria Math" panose="02040503050406030204" pitchFamily="18" charset="0"/>
+                        </a:rPr>
+                        <m:t>=</m:t>
+                      </m:r>
+                      <m:r>
+                        <a:rPr lang="en-GB" i="1">
+                          <a:latin typeface="Cambria Math" panose="02040503050406030204" pitchFamily="18" charset="0"/>
+                        </a:rPr>
+                        <m:t>𝐸</m:t>
+                      </m:r>
+                      <m:d>
+                        <m:dPr>
+                          <m:begChr m:val="["/>
+                          <m:endChr m:val="]"/>
+                          <m:ctrlPr>
+                            <a:rPr lang="en-GB" i="1">
+                              <a:latin typeface="Cambria Math" panose="02040503050406030204" pitchFamily="18" charset="0"/>
+                            </a:rPr>
+                          </m:ctrlPr>
+                        </m:dPr>
+                        <m:e>
+                          <m:r>
+                            <a:rPr lang="en-GB" i="1">
+                              <a:latin typeface="Cambria Math" panose="02040503050406030204" pitchFamily="18" charset="0"/>
+                            </a:rPr>
+                            <m:t>𝜖</m:t>
+                          </m:r>
+                          <m:sSup>
+                            <m:sSupPr>
+                              <m:ctrlPr>
+                                <a:rPr lang="en-GB" i="1">
+                                  <a:latin typeface="Cambria Math" panose="02040503050406030204" pitchFamily="18" charset="0"/>
+                                </a:rPr>
+                              </m:ctrlPr>
+                            </m:sSupPr>
+                            <m:e>
+                              <m:d>
+                                <m:dPr>
+                                  <m:ctrlPr>
+                                    <a:rPr lang="en-GB" i="1">
+                                      <a:latin typeface="Cambria Math" panose="02040503050406030204" pitchFamily="18" charset="0"/>
+                                    </a:rPr>
+                                  </m:ctrlPr>
+                                </m:dPr>
+                                <m:e>
+                                  <m:r>
+                                    <a:rPr lang="en-GB" i="1">
+                                      <a:latin typeface="Cambria Math" panose="02040503050406030204" pitchFamily="18" charset="0"/>
+                                    </a:rPr>
+                                    <m:t>𝑡</m:t>
+                                  </m:r>
+                                </m:e>
+                              </m:d>
+                            </m:e>
+                            <m:sup>
+                              <m:r>
+                                <a:rPr lang="en-GB" i="1">
+                                  <a:latin typeface="Cambria Math" panose="02040503050406030204" pitchFamily="18" charset="0"/>
+                                </a:rPr>
+                                <m:t>2</m:t>
+                              </m:r>
+                            </m:sup>
+                          </m:sSup>
+                        </m:e>
+                      </m:d>
+                      <m:r>
+                        <a:rPr lang="en-GB" i="1">
+                          <a:latin typeface="Cambria Math" panose="02040503050406030204" pitchFamily="18" charset="0"/>
+                        </a:rPr>
+                        <m:t>=</m:t>
+                      </m:r>
+                      <m:f>
+                        <m:fPr>
+                          <m:ctrlPr>
+                            <a:rPr lang="en-GB" i="1">
+                              <a:latin typeface="Cambria Math" panose="02040503050406030204" pitchFamily="18" charset="0"/>
+                            </a:rPr>
+                          </m:ctrlPr>
+                        </m:fPr>
+                        <m:num>
+                          <m:r>
+                            <a:rPr lang="en-GB" i="1">
+                              <a:latin typeface="Cambria Math" panose="02040503050406030204" pitchFamily="18" charset="0"/>
+                            </a:rPr>
+                            <m:t>1</m:t>
+                          </m:r>
+                        </m:num>
+                        <m:den>
+                          <m:r>
+                            <a:rPr lang="en-GB" i="1">
+                              <a:latin typeface="Cambria Math" panose="02040503050406030204" pitchFamily="18" charset="0"/>
+                            </a:rPr>
+                            <m:t>2</m:t>
+                          </m:r>
+                          <m:r>
+                            <a:rPr lang="en-GB" i="1">
+                              <a:latin typeface="Cambria Math" panose="02040503050406030204" pitchFamily="18" charset="0"/>
+                            </a:rPr>
+                            <m:t>𝜋</m:t>
+                          </m:r>
+                        </m:den>
+                      </m:f>
+                      <m:d>
+                        <m:dPr>
+                          <m:begChr m:val="["/>
+                          <m:endChr m:val="]"/>
+                          <m:ctrlPr>
+                            <a:rPr lang="en-GB" i="1">
+                              <a:latin typeface="Cambria Math" panose="02040503050406030204" pitchFamily="18" charset="0"/>
+                            </a:rPr>
+                          </m:ctrlPr>
+                        </m:dPr>
+                        <m:e>
+                          <m:nary>
+                            <m:naryPr>
+                              <m:ctrlPr>
+                                <a:rPr lang="en-GB" i="1">
+                                  <a:latin typeface="Cambria Math" panose="02040503050406030204" pitchFamily="18" charset="0"/>
+                                </a:rPr>
+                              </m:ctrlPr>
+                            </m:naryPr>
+                            <m:sub>
+                              <m:r>
+                                <m:rPr>
+                                  <m:brk m:alnAt="23"/>
+                                </m:rPr>
+                                <a:rPr lang="en-GB" i="1">
+                                  <a:latin typeface="Cambria Math" panose="02040503050406030204" pitchFamily="18" charset="0"/>
+                                </a:rPr>
+                                <m:t>−</m:t>
+                              </m:r>
+                              <m:r>
+                                <a:rPr lang="en-GB" i="1">
+                                  <a:latin typeface="Cambria Math" panose="02040503050406030204" pitchFamily="18" charset="0"/>
+                                </a:rPr>
+                                <m:t>𝜋</m:t>
+                              </m:r>
+                            </m:sub>
+                            <m:sup>
+                              <m:r>
+                                <a:rPr lang="en-GB" i="1">
+                                  <a:latin typeface="Cambria Math" panose="02040503050406030204" pitchFamily="18" charset="0"/>
+                                </a:rPr>
+                                <m:t>𝜋</m:t>
+                              </m:r>
+                            </m:sup>
+                            <m:e>
+                              <m:f>
+                                <m:fPr>
+                                  <m:ctrlPr>
+                                    <a:rPr lang="en-GB" i="1">
+                                      <a:latin typeface="Cambria Math" panose="02040503050406030204" pitchFamily="18" charset="0"/>
+                                    </a:rPr>
+                                  </m:ctrlPr>
+                                </m:fPr>
+                                <m:num>
+                                  <m:sSup>
+                                    <m:sSupPr>
+                                      <m:ctrlPr>
+                                        <a:rPr lang="en-GB" i="1" smtClean="0">
+                                          <a:latin typeface="Cambria Math" panose="02040503050406030204" pitchFamily="18" charset="0"/>
+                                        </a:rPr>
+                                      </m:ctrlPr>
+                                    </m:sSupPr>
+                                    <m:e>
+                                      <m:d>
+                                        <m:dPr>
+                                          <m:begChr m:val="|"/>
+                                          <m:endChr m:val="|"/>
+                                          <m:ctrlPr>
+                                            <a:rPr lang="en-GB" i="1" smtClean="0">
+                                              <a:latin typeface="Cambria Math" panose="02040503050406030204" pitchFamily="18" charset="0"/>
+                                            </a:rPr>
+                                          </m:ctrlPr>
+                                        </m:dPr>
+                                        <m:e>
+                                          <m:r>
+                                            <a:rPr lang="en-GB" i="1">
+                                              <a:latin typeface="Cambria Math" panose="02040503050406030204" pitchFamily="18" charset="0"/>
+                                            </a:rPr>
+                                            <m:t>𝐶</m:t>
+                                          </m:r>
+                                        </m:e>
+                                      </m:d>
+                                    </m:e>
+                                    <m:sup>
+                                      <m:r>
+                                        <a:rPr lang="en-GB" i="1">
+                                          <a:latin typeface="Cambria Math" panose="02040503050406030204" pitchFamily="18" charset="0"/>
+                                        </a:rPr>
+                                        <m:t>2</m:t>
+                                      </m:r>
+                                    </m:sup>
+                                  </m:sSup>
+                                  <m:sSup>
+                                    <m:sSupPr>
+                                      <m:ctrlPr>
+                                        <a:rPr lang="en-GB" i="1">
+                                          <a:latin typeface="Cambria Math" panose="02040503050406030204" pitchFamily="18" charset="0"/>
+                                        </a:rPr>
+                                      </m:ctrlPr>
+                                    </m:sSupPr>
+                                    <m:e>
+                                      <m:d>
+                                        <m:dPr>
+                                          <m:begChr m:val="|"/>
+                                          <m:endChr m:val="|"/>
+                                          <m:ctrlPr>
+                                            <a:rPr lang="en-GB" i="1">
+                                              <a:latin typeface="Cambria Math" panose="02040503050406030204" pitchFamily="18" charset="0"/>
+                                            </a:rPr>
+                                          </m:ctrlPr>
+                                        </m:dPr>
+                                        <m:e>
+                                          <m:sSup>
+                                            <m:sSupPr>
+                                              <m:ctrlPr>
+                                                <a:rPr lang="en-GB" i="1">
+                                                  <a:latin typeface="Cambria Math" panose="02040503050406030204" pitchFamily="18" charset="0"/>
+                                                </a:rPr>
+                                              </m:ctrlPr>
+                                            </m:sSupPr>
+                                            <m:e>
+                                              <m:r>
+                                                <a:rPr lang="en-GB" i="1">
+                                                  <a:latin typeface="Cambria Math" panose="02040503050406030204" pitchFamily="18" charset="0"/>
+                                                </a:rPr>
+                                                <m:t>𝑆</m:t>
+                                              </m:r>
+                                            </m:e>
+                                            <m:sup>
+                                              <m:r>
+                                                <a:rPr lang="en-GB" i="1">
+                                                  <a:latin typeface="Cambria Math" panose="02040503050406030204" pitchFamily="18" charset="0"/>
+                                                </a:rPr>
+                                                <m:t>0</m:t>
+                                              </m:r>
+                                            </m:sup>
+                                          </m:sSup>
+                                        </m:e>
+                                      </m:d>
+                                    </m:e>
+                                    <m:sup>
+                                      <m:r>
+                                        <a:rPr lang="en-GB" i="1">
+                                          <a:latin typeface="Cambria Math" panose="02040503050406030204" pitchFamily="18" charset="0"/>
+                                        </a:rPr>
+                                        <m:t>2</m:t>
+                                      </m:r>
+                                    </m:sup>
+                                  </m:sSup>
+                                  <m:sSup>
+                                    <m:sSupPr>
+                                      <m:ctrlPr>
+                                        <a:rPr lang="en-GB" i="1">
+                                          <a:latin typeface="Cambria Math" panose="02040503050406030204" pitchFamily="18" charset="0"/>
+                                        </a:rPr>
+                                      </m:ctrlPr>
+                                    </m:sSupPr>
+                                    <m:e>
+                                      <m:d>
+                                        <m:dPr>
+                                          <m:begChr m:val="|"/>
+                                          <m:endChr m:val="|"/>
+                                          <m:ctrlPr>
+                                            <a:rPr lang="en-GB" i="1">
+                                              <a:latin typeface="Cambria Math" panose="02040503050406030204" pitchFamily="18" charset="0"/>
+                                            </a:rPr>
+                                          </m:ctrlPr>
+                                        </m:dPr>
+                                        <m:e>
+                                          <m:sSup>
+                                            <m:sSupPr>
+                                              <m:ctrlPr>
+                                                <a:rPr lang="en-GB" i="1">
+                                                  <a:latin typeface="Cambria Math" panose="02040503050406030204" pitchFamily="18" charset="0"/>
+                                                </a:rPr>
+                                              </m:ctrlPr>
+                                            </m:sSupPr>
+                                            <m:e>
+                                              <m:r>
+                                                <a:rPr lang="en-GB" i="1">
+                                                  <a:latin typeface="Cambria Math" panose="02040503050406030204" pitchFamily="18" charset="0"/>
+                                                </a:rPr>
+                                                <m:t>𝐺</m:t>
+                                              </m:r>
+                                            </m:e>
+                                            <m:sup>
+                                              <m:r>
+                                                <a:rPr lang="en-GB" i="1">
+                                                  <a:latin typeface="Cambria Math" panose="02040503050406030204" pitchFamily="18" charset="0"/>
+                                                </a:rPr>
+                                                <m:t>0</m:t>
+                                              </m:r>
+                                            </m:sup>
+                                          </m:sSup>
+                                          <m:r>
+                                            <a:rPr lang="en-GB" i="1">
+                                              <a:latin typeface="Cambria Math" panose="02040503050406030204" pitchFamily="18" charset="0"/>
+                                            </a:rPr>
+                                            <m:t>−</m:t>
+                                          </m:r>
+                                          <m:r>
+                                            <a:rPr lang="en-GB" i="1">
+                                              <a:latin typeface="Cambria Math" panose="02040503050406030204" pitchFamily="18" charset="0"/>
+                                            </a:rPr>
+                                            <m:t>𝐺</m:t>
+                                          </m:r>
+                                        </m:e>
+                                      </m:d>
+                                    </m:e>
+                                    <m:sup>
+                                      <m:r>
+                                        <a:rPr lang="en-GB" i="1">
+                                          <a:latin typeface="Cambria Math" panose="02040503050406030204" pitchFamily="18" charset="0"/>
+                                        </a:rPr>
+                                        <m:t>2</m:t>
+                                      </m:r>
+                                    </m:sup>
+                                  </m:sSup>
+                                </m:num>
+                                <m:den>
+                                  <m:sSup>
+                                    <m:sSupPr>
+                                      <m:ctrlPr>
+                                        <a:rPr lang="en-GB" i="1">
+                                          <a:latin typeface="Cambria Math" panose="02040503050406030204" pitchFamily="18" charset="0"/>
+                                        </a:rPr>
+                                      </m:ctrlPr>
+                                    </m:sSupPr>
+                                    <m:e>
+                                      <m:d>
+                                        <m:dPr>
+                                          <m:begChr m:val="|"/>
+                                          <m:endChr m:val="|"/>
+                                          <m:ctrlPr>
+                                            <a:rPr lang="en-GB" i="1">
+                                              <a:latin typeface="Cambria Math" panose="02040503050406030204" pitchFamily="18" charset="0"/>
+                                            </a:rPr>
+                                          </m:ctrlPr>
+                                        </m:dPr>
+                                        <m:e>
+                                          <m:r>
+                                            <a:rPr lang="en-GB" i="1">
+                                              <a:latin typeface="Cambria Math" panose="02040503050406030204" pitchFamily="18" charset="0"/>
+                                            </a:rPr>
+                                            <m:t>𝐻</m:t>
+                                          </m:r>
+                                        </m:e>
+                                      </m:d>
+                                    </m:e>
+                                    <m:sup>
+                                      <m:r>
+                                        <a:rPr lang="en-GB" i="1">
+                                          <a:latin typeface="Cambria Math" panose="02040503050406030204" pitchFamily="18" charset="0"/>
+                                        </a:rPr>
+                                        <m:t>2</m:t>
+                                      </m:r>
+                                    </m:sup>
+                                  </m:sSup>
+                                </m:den>
+                              </m:f>
+                              <m:sSub>
+                                <m:sSubPr>
+                                  <m:ctrlPr>
+                                    <a:rPr lang="en-GB" i="1">
+                                      <a:latin typeface="Cambria Math" panose="02040503050406030204" pitchFamily="18" charset="0"/>
+                                    </a:rPr>
+                                  </m:ctrlPr>
+                                </m:sSubPr>
+                                <m:e>
+                                  <m:r>
+                                    <a:rPr lang="en-GB" i="1">
+                                      <a:latin typeface="Cambria Math" panose="02040503050406030204" pitchFamily="18" charset="0"/>
+                                    </a:rPr>
+                                    <m:t>𝜙</m:t>
+                                  </m:r>
+                                </m:e>
+                                <m:sub>
+                                  <m:r>
+                                    <a:rPr lang="en-GB" b="0" i="1" smtClean="0">
+                                      <a:latin typeface="Cambria Math" panose="02040503050406030204" pitchFamily="18" charset="0"/>
+                                    </a:rPr>
+                                    <m:t>𝑟</m:t>
+                                  </m:r>
+                                </m:sub>
+                              </m:sSub>
+                              <m:r>
+                                <a:rPr lang="en-GB" i="1">
+                                  <a:latin typeface="Cambria Math" panose="02040503050406030204" pitchFamily="18" charset="0"/>
+                                </a:rPr>
+                                <m:t>𝑑</m:t>
+                              </m:r>
+                              <m:r>
+                                <a:rPr lang="en-GB" i="1">
+                                  <a:latin typeface="Cambria Math" panose="02040503050406030204" pitchFamily="18" charset="0"/>
+                                </a:rPr>
+                                <m:t>𝜔</m:t>
+                              </m:r>
+                              <m:r>
+                                <a:rPr lang="en-GB" i="1">
+                                  <a:latin typeface="Cambria Math" panose="02040503050406030204" pitchFamily="18" charset="0"/>
+                                </a:rPr>
+                                <m:t>+</m:t>
+                              </m:r>
+                              <m:nary>
+                                <m:naryPr>
+                                  <m:ctrlPr>
+                                    <a:rPr lang="en-GB" i="1">
+                                      <a:latin typeface="Cambria Math" panose="02040503050406030204" pitchFamily="18" charset="0"/>
+                                    </a:rPr>
+                                  </m:ctrlPr>
+                                </m:naryPr>
+                                <m:sub>
+                                  <m:r>
+                                    <m:rPr>
+                                      <m:brk m:alnAt="23"/>
+                                    </m:rPr>
+                                    <a:rPr lang="en-GB" i="1">
+                                      <a:latin typeface="Cambria Math" panose="02040503050406030204" pitchFamily="18" charset="0"/>
+                                    </a:rPr>
+                                    <m:t>−</m:t>
+                                  </m:r>
+                                  <m:r>
+                                    <a:rPr lang="en-GB" i="1">
+                                      <a:latin typeface="Cambria Math" panose="02040503050406030204" pitchFamily="18" charset="0"/>
+                                    </a:rPr>
+                                    <m:t>𝜋</m:t>
+                                  </m:r>
+                                </m:sub>
+                                <m:sup>
+                                  <m:r>
+                                    <a:rPr lang="en-GB" i="1">
+                                      <a:latin typeface="Cambria Math" panose="02040503050406030204" pitchFamily="18" charset="0"/>
+                                    </a:rPr>
+                                    <m:t>𝜋</m:t>
+                                  </m:r>
+                                </m:sup>
+                                <m:e>
+                                  <m:f>
+                                    <m:fPr>
+                                      <m:ctrlPr>
+                                        <a:rPr lang="en-GB" i="1">
+                                          <a:latin typeface="Cambria Math" panose="02040503050406030204" pitchFamily="18" charset="0"/>
+                                        </a:rPr>
+                                      </m:ctrlPr>
+                                    </m:fPr>
+                                    <m:num>
+                                      <m:sSup>
+                                        <m:sSupPr>
+                                          <m:ctrlPr>
+                                            <a:rPr lang="en-GB" i="1">
+                                              <a:latin typeface="Cambria Math" panose="02040503050406030204" pitchFamily="18" charset="0"/>
+                                            </a:rPr>
+                                          </m:ctrlPr>
+                                        </m:sSupPr>
+                                        <m:e>
+                                          <m:d>
+                                            <m:dPr>
+                                              <m:begChr m:val="|"/>
+                                              <m:endChr m:val="|"/>
+                                              <m:ctrlPr>
+                                                <a:rPr lang="en-GB" i="1">
+                                                  <a:latin typeface="Cambria Math" panose="02040503050406030204" pitchFamily="18" charset="0"/>
+                                                </a:rPr>
+                                              </m:ctrlPr>
+                                            </m:dPr>
+                                            <m:e>
+                                              <m:sSup>
+                                                <m:sSupPr>
+                                                  <m:ctrlPr>
+                                                    <a:rPr lang="en-GB" i="1">
+                                                      <a:latin typeface="Cambria Math" panose="02040503050406030204" pitchFamily="18" charset="0"/>
+                                                    </a:rPr>
+                                                  </m:ctrlPr>
+                                                </m:sSupPr>
+                                                <m:e>
+                                                  <m:r>
+                                                    <a:rPr lang="en-GB" i="1">
+                                                      <a:latin typeface="Cambria Math" panose="02040503050406030204" pitchFamily="18" charset="0"/>
+                                                    </a:rPr>
+                                                    <m:t>𝐻</m:t>
+                                                  </m:r>
+                                                </m:e>
+                                                <m:sup>
+                                                  <m:r>
+                                                    <a:rPr lang="en-GB" i="1">
+                                                      <a:latin typeface="Cambria Math" panose="02040503050406030204" pitchFamily="18" charset="0"/>
+                                                    </a:rPr>
+                                                    <m:t>0</m:t>
+                                                  </m:r>
+                                                </m:sup>
+                                              </m:sSup>
+                                            </m:e>
+                                          </m:d>
+                                        </m:e>
+                                        <m:sup>
+                                          <m:r>
+                                            <a:rPr lang="en-GB" i="1">
+                                              <a:latin typeface="Cambria Math" panose="02040503050406030204" pitchFamily="18" charset="0"/>
+                                            </a:rPr>
+                                            <m:t>2</m:t>
+                                          </m:r>
+                                        </m:sup>
+                                      </m:sSup>
+                                      <m:sSup>
+                                        <m:sSupPr>
+                                          <m:ctrlPr>
+                                            <a:rPr lang="en-GB" i="1">
+                                              <a:latin typeface="Cambria Math" panose="02040503050406030204" pitchFamily="18" charset="0"/>
+                                            </a:rPr>
+                                          </m:ctrlPr>
+                                        </m:sSupPr>
+                                        <m:e>
+                                          <m:d>
+                                            <m:dPr>
+                                              <m:begChr m:val="|"/>
+                                              <m:endChr m:val="|"/>
+                                              <m:ctrlPr>
+                                                <a:rPr lang="en-GB" i="1">
+                                                  <a:latin typeface="Cambria Math" panose="02040503050406030204" pitchFamily="18" charset="0"/>
+                                                </a:rPr>
+                                              </m:ctrlPr>
+                                            </m:dPr>
+                                            <m:e>
+                                              <m:sSup>
+                                                <m:sSupPr>
+                                                  <m:ctrlPr>
+                                                    <a:rPr lang="en-GB" i="1">
+                                                      <a:latin typeface="Cambria Math" panose="02040503050406030204" pitchFamily="18" charset="0"/>
+                                                    </a:rPr>
+                                                  </m:ctrlPr>
+                                                </m:sSupPr>
+                                                <m:e>
+                                                  <m:r>
+                                                    <a:rPr lang="en-GB" i="1">
+                                                      <a:latin typeface="Cambria Math" panose="02040503050406030204" pitchFamily="18" charset="0"/>
+                                                    </a:rPr>
+                                                    <m:t>𝑆</m:t>
+                                                  </m:r>
+                                                </m:e>
+                                                <m:sup>
+                                                  <m:r>
+                                                    <a:rPr lang="en-GB" i="1">
+                                                      <a:latin typeface="Cambria Math" panose="02040503050406030204" pitchFamily="18" charset="0"/>
+                                                    </a:rPr>
+                                                    <m:t>0</m:t>
+                                                  </m:r>
+                                                </m:sup>
+                                              </m:sSup>
+                                            </m:e>
+                                          </m:d>
+                                        </m:e>
+                                        <m:sup>
+                                          <m:r>
+                                            <a:rPr lang="en-GB" i="1">
+                                              <a:latin typeface="Cambria Math" panose="02040503050406030204" pitchFamily="18" charset="0"/>
+                                            </a:rPr>
+                                            <m:t>2</m:t>
+                                          </m:r>
+                                        </m:sup>
+                                      </m:sSup>
+                                    </m:num>
+                                    <m:den>
+                                      <m:sSup>
+                                        <m:sSupPr>
+                                          <m:ctrlPr>
+                                            <a:rPr lang="en-GB" i="1">
+                                              <a:latin typeface="Cambria Math" panose="02040503050406030204" pitchFamily="18" charset="0"/>
+                                            </a:rPr>
+                                          </m:ctrlPr>
+                                        </m:sSupPr>
+                                        <m:e>
+                                          <m:d>
+                                            <m:dPr>
+                                              <m:begChr m:val="|"/>
+                                              <m:endChr m:val="|"/>
+                                              <m:ctrlPr>
+                                                <a:rPr lang="en-GB" i="1">
+                                                  <a:latin typeface="Cambria Math" panose="02040503050406030204" pitchFamily="18" charset="0"/>
+                                                </a:rPr>
+                                              </m:ctrlPr>
+                                            </m:dPr>
+                                            <m:e>
+                                              <m:r>
+                                                <a:rPr lang="en-GB" i="1">
+                                                  <a:latin typeface="Cambria Math" panose="02040503050406030204" pitchFamily="18" charset="0"/>
+                                                </a:rPr>
+                                                <m:t>𝐻</m:t>
+                                              </m:r>
+                                            </m:e>
+                                          </m:d>
+                                        </m:e>
+                                        <m:sup>
+                                          <m:r>
+                                            <a:rPr lang="en-GB" i="1">
+                                              <a:latin typeface="Cambria Math" panose="02040503050406030204" pitchFamily="18" charset="0"/>
+                                            </a:rPr>
+                                            <m:t>2</m:t>
+                                          </m:r>
+                                        </m:sup>
+                                      </m:sSup>
+                                      <m:sSup>
+                                        <m:sSupPr>
+                                          <m:ctrlPr>
+                                            <a:rPr lang="en-GB" i="1">
+                                              <a:latin typeface="Cambria Math" panose="02040503050406030204" pitchFamily="18" charset="0"/>
+                                            </a:rPr>
+                                          </m:ctrlPr>
+                                        </m:sSupPr>
+                                        <m:e>
+                                          <m:d>
+                                            <m:dPr>
+                                              <m:begChr m:val="|"/>
+                                              <m:endChr m:val="|"/>
+                                              <m:ctrlPr>
+                                                <a:rPr lang="en-GB" i="1">
+                                                  <a:latin typeface="Cambria Math" panose="02040503050406030204" pitchFamily="18" charset="0"/>
+                                                </a:rPr>
+                                              </m:ctrlPr>
+                                            </m:dPr>
+                                            <m:e>
+                                              <m:r>
+                                                <a:rPr lang="en-GB" i="1">
+                                                  <a:latin typeface="Cambria Math" panose="02040503050406030204" pitchFamily="18" charset="0"/>
+                                                </a:rPr>
+                                                <m:t>𝑆</m:t>
+                                              </m:r>
+                                            </m:e>
+                                          </m:d>
+                                        </m:e>
+                                        <m:sup>
+                                          <m:r>
+                                            <a:rPr lang="en-GB" i="1">
+                                              <a:latin typeface="Cambria Math" panose="02040503050406030204" pitchFamily="18" charset="0"/>
+                                            </a:rPr>
+                                            <m:t>2</m:t>
+                                          </m:r>
+                                        </m:sup>
+                                      </m:sSup>
+                                    </m:den>
+                                  </m:f>
+                                  <m:sSup>
+                                    <m:sSupPr>
+                                      <m:ctrlPr>
+                                        <a:rPr lang="en-GB" b="0" i="1" smtClean="0">
+                                          <a:latin typeface="Cambria Math" panose="02040503050406030204" pitchFamily="18" charset="0"/>
+                                        </a:rPr>
+                                      </m:ctrlPr>
+                                    </m:sSupPr>
+                                    <m:e>
+                                      <m:r>
+                                        <a:rPr lang="en-GB" b="0" i="1" smtClean="0">
+                                          <a:latin typeface="Cambria Math" panose="02040503050406030204" pitchFamily="18" charset="0"/>
+                                        </a:rPr>
+                                        <m:t>𝜆</m:t>
+                                      </m:r>
+                                    </m:e>
+                                    <m:sup>
+                                      <m:r>
+                                        <a:rPr lang="en-GB" b="0" i="1" smtClean="0">
+                                          <a:latin typeface="Cambria Math" panose="02040503050406030204" pitchFamily="18" charset="0"/>
+                                        </a:rPr>
+                                        <m:t>2</m:t>
+                                      </m:r>
+                                    </m:sup>
+                                  </m:sSup>
+                                  <m:r>
+                                    <a:rPr lang="en-GB" b="0" i="1" smtClean="0">
+                                      <a:latin typeface="Cambria Math" panose="02040503050406030204" pitchFamily="18" charset="0"/>
+                                    </a:rPr>
+                                    <m:t>𝑑</m:t>
+                                  </m:r>
+                                  <m:r>
+                                    <a:rPr lang="en-GB" b="0" i="1" smtClean="0">
+                                      <a:latin typeface="Cambria Math" panose="02040503050406030204" pitchFamily="18" charset="0"/>
+                                    </a:rPr>
+                                    <m:t>𝜔</m:t>
+                                  </m:r>
+                                  <m:r>
+                                    <a:rPr lang="en-GB" i="1">
+                                      <a:latin typeface="Cambria Math" panose="02040503050406030204" pitchFamily="18" charset="0"/>
+                                    </a:rPr>
+                                    <m:t>  </m:t>
+                                  </m:r>
+                                </m:e>
+                              </m:nary>
+                              <m:r>
+                                <a:rPr lang="en-GB" i="1">
+                                  <a:latin typeface="Cambria Math" panose="02040503050406030204" pitchFamily="18" charset="0"/>
+                                </a:rPr>
+                                <m:t> </m:t>
+                              </m:r>
+                            </m:e>
+                          </m:nary>
+                        </m:e>
+                      </m:d>
+                    </m:oMath>
+                  </m:oMathPara>
+                </a14:m>
+                <a:endParaRPr lang="en-GB" dirty="0" smtClean="0"/>
+              </a:p>
+              <a:p>
+                <a:pPr/>
+                <a:endParaRPr lang="en-GB" dirty="0"/>
+              </a:p>
+              <a:p>
+                <a:pPr/>
+                <a:r>
+                  <a:rPr lang="en-GB" dirty="0" smtClean="0"/>
+                  <a:t>With our objective to obtain a simulated output very similar to the measurement (H=1) we obtain:</a:t>
+                </a:r>
+              </a:p>
+              <a:p>
+                <a:pPr/>
+                <a:endParaRPr lang="en-GB" dirty="0"/>
+              </a:p>
+              <a:p>
+                <a:pPr/>
+                <a14:m>
+                  <m:oMathPara xmlns:m="http://schemas.openxmlformats.org/officeDocument/2006/math">
+                    <m:oMathParaPr>
+                      <m:jc m:val="left"/>
+                    </m:oMathParaPr>
+                    <m:oMath xmlns:m="http://schemas.openxmlformats.org/officeDocument/2006/math">
+                      <m:r>
+                        <a:rPr lang="en-GB" i="1">
+                          <a:latin typeface="Cambria Math" panose="02040503050406030204" pitchFamily="18" charset="0"/>
+                        </a:rPr>
+                        <m:t>𝐸</m:t>
+                      </m:r>
+                      <m:d>
+                        <m:dPr>
+                          <m:begChr m:val="["/>
+                          <m:endChr m:val="]"/>
+                          <m:ctrlPr>
+                            <a:rPr lang="en-GB" i="1">
+                              <a:latin typeface="Cambria Math" panose="02040503050406030204" pitchFamily="18" charset="0"/>
+                            </a:rPr>
+                          </m:ctrlPr>
+                        </m:dPr>
+                        <m:e>
+                          <m:r>
+                            <a:rPr lang="en-GB" i="1">
+                              <a:latin typeface="Cambria Math" panose="02040503050406030204" pitchFamily="18" charset="0"/>
+                            </a:rPr>
+                            <m:t>𝜖</m:t>
+                          </m:r>
+                          <m:sSup>
+                            <m:sSupPr>
+                              <m:ctrlPr>
+                                <a:rPr lang="en-GB" i="1">
+                                  <a:latin typeface="Cambria Math" panose="02040503050406030204" pitchFamily="18" charset="0"/>
+                                </a:rPr>
+                              </m:ctrlPr>
+                            </m:sSupPr>
+                            <m:e>
+                              <m:d>
+                                <m:dPr>
+                                  <m:ctrlPr>
+                                    <a:rPr lang="en-GB" i="1">
+                                      <a:latin typeface="Cambria Math" panose="02040503050406030204" pitchFamily="18" charset="0"/>
+                                    </a:rPr>
+                                  </m:ctrlPr>
+                                </m:dPr>
+                                <m:e>
+                                  <m:r>
+                                    <a:rPr lang="en-GB" i="1">
+                                      <a:latin typeface="Cambria Math" panose="02040503050406030204" pitchFamily="18" charset="0"/>
+                                    </a:rPr>
+                                    <m:t>𝑡</m:t>
+                                  </m:r>
+                                </m:e>
+                              </m:d>
+                            </m:e>
+                            <m:sup>
+                              <m:r>
+                                <a:rPr lang="en-GB" i="1">
+                                  <a:latin typeface="Cambria Math" panose="02040503050406030204" pitchFamily="18" charset="0"/>
+                                </a:rPr>
+                                <m:t>2</m:t>
+                              </m:r>
+                            </m:sup>
+                          </m:sSup>
+                        </m:e>
+                      </m:d>
+                      <m:r>
+                        <a:rPr lang="en-GB" i="1">
+                          <a:latin typeface="Cambria Math" panose="02040503050406030204" pitchFamily="18" charset="0"/>
+                        </a:rPr>
+                        <m:t>=</m:t>
+                      </m:r>
+                      <m:f>
+                        <m:fPr>
+                          <m:ctrlPr>
+                            <a:rPr lang="en-GB" i="1">
+                              <a:latin typeface="Cambria Math" panose="02040503050406030204" pitchFamily="18" charset="0"/>
+                            </a:rPr>
+                          </m:ctrlPr>
+                        </m:fPr>
+                        <m:num>
+                          <m:r>
+                            <a:rPr lang="en-GB" i="1">
+                              <a:latin typeface="Cambria Math" panose="02040503050406030204" pitchFamily="18" charset="0"/>
+                            </a:rPr>
+                            <m:t>1</m:t>
+                          </m:r>
+                        </m:num>
+                        <m:den>
+                          <m:r>
+                            <a:rPr lang="en-GB" i="1">
+                              <a:latin typeface="Cambria Math" panose="02040503050406030204" pitchFamily="18" charset="0"/>
+                            </a:rPr>
+                            <m:t>2</m:t>
+                          </m:r>
+                          <m:r>
+                            <a:rPr lang="en-GB" i="1">
+                              <a:latin typeface="Cambria Math" panose="02040503050406030204" pitchFamily="18" charset="0"/>
+                            </a:rPr>
+                            <m:t>𝜋</m:t>
+                          </m:r>
+                        </m:den>
+                      </m:f>
+                      <m:d>
+                        <m:dPr>
+                          <m:begChr m:val="["/>
+                          <m:endChr m:val="]"/>
+                          <m:ctrlPr>
+                            <a:rPr lang="en-GB" i="1">
+                              <a:latin typeface="Cambria Math" panose="02040503050406030204" pitchFamily="18" charset="0"/>
+                            </a:rPr>
+                          </m:ctrlPr>
+                        </m:dPr>
+                        <m:e>
+                          <m:nary>
+                            <m:naryPr>
+                              <m:ctrlPr>
+                                <a:rPr lang="en-GB" i="1">
+                                  <a:latin typeface="Cambria Math" panose="02040503050406030204" pitchFamily="18" charset="0"/>
+                                </a:rPr>
+                              </m:ctrlPr>
+                            </m:naryPr>
+                            <m:sub>
+                              <m:r>
+                                <m:rPr>
+                                  <m:brk m:alnAt="23"/>
+                                </m:rPr>
+                                <a:rPr lang="en-GB" i="1">
+                                  <a:latin typeface="Cambria Math" panose="02040503050406030204" pitchFamily="18" charset="0"/>
+                                </a:rPr>
+                                <m:t>−</m:t>
+                              </m:r>
+                              <m:r>
+                                <a:rPr lang="en-GB" i="1">
+                                  <a:latin typeface="Cambria Math" panose="02040503050406030204" pitchFamily="18" charset="0"/>
+                                </a:rPr>
+                                <m:t>𝜋</m:t>
+                              </m:r>
+                            </m:sub>
+                            <m:sup>
+                              <m:r>
+                                <a:rPr lang="en-GB" i="1">
+                                  <a:latin typeface="Cambria Math" panose="02040503050406030204" pitchFamily="18" charset="0"/>
+                                </a:rPr>
+                                <m:t>𝜋</m:t>
+                              </m:r>
+                            </m:sup>
+                            <m:e>
+                              <m:sSup>
+                                <m:sSupPr>
+                                  <m:ctrlPr>
+                                    <a:rPr lang="en-GB" i="1">
+                                      <a:latin typeface="Cambria Math" panose="02040503050406030204" pitchFamily="18" charset="0"/>
+                                    </a:rPr>
+                                  </m:ctrlPr>
+                                </m:sSupPr>
+                                <m:e>
+                                  <m:d>
+                                    <m:dPr>
+                                      <m:begChr m:val="|"/>
+                                      <m:endChr m:val="|"/>
+                                      <m:ctrlPr>
+                                        <a:rPr lang="en-GB" i="1">
+                                          <a:latin typeface="Cambria Math" panose="02040503050406030204" pitchFamily="18" charset="0"/>
+                                        </a:rPr>
+                                      </m:ctrlPr>
+                                    </m:dPr>
+                                    <m:e>
+                                      <m:r>
+                                        <a:rPr lang="en-GB" i="1">
+                                          <a:latin typeface="Cambria Math" panose="02040503050406030204" pitchFamily="18" charset="0"/>
+                                        </a:rPr>
+                                        <m:t>𝐶</m:t>
+                                      </m:r>
+                                    </m:e>
+                                  </m:d>
+                                </m:e>
+                                <m:sup>
+                                  <m:r>
+                                    <a:rPr lang="en-GB" i="1">
+                                      <a:latin typeface="Cambria Math" panose="02040503050406030204" pitchFamily="18" charset="0"/>
+                                    </a:rPr>
+                                    <m:t>2</m:t>
+                                  </m:r>
+                                </m:sup>
+                              </m:sSup>
+                              <m:sSup>
+                                <m:sSupPr>
+                                  <m:ctrlPr>
+                                    <a:rPr lang="en-GB" i="1">
+                                      <a:latin typeface="Cambria Math" panose="02040503050406030204" pitchFamily="18" charset="0"/>
+                                    </a:rPr>
+                                  </m:ctrlPr>
+                                </m:sSupPr>
+                                <m:e>
+                                  <m:d>
+                                    <m:dPr>
+                                      <m:begChr m:val="|"/>
+                                      <m:endChr m:val="|"/>
+                                      <m:ctrlPr>
+                                        <a:rPr lang="en-GB" i="1">
+                                          <a:latin typeface="Cambria Math" panose="02040503050406030204" pitchFamily="18" charset="0"/>
+                                        </a:rPr>
+                                      </m:ctrlPr>
+                                    </m:dPr>
+                                    <m:e>
+                                      <m:sSup>
+                                        <m:sSupPr>
+                                          <m:ctrlPr>
+                                            <a:rPr lang="en-GB" i="1">
+                                              <a:latin typeface="Cambria Math" panose="02040503050406030204" pitchFamily="18" charset="0"/>
+                                            </a:rPr>
+                                          </m:ctrlPr>
+                                        </m:sSupPr>
+                                        <m:e>
+                                          <m:r>
+                                            <a:rPr lang="en-GB" i="1">
+                                              <a:latin typeface="Cambria Math" panose="02040503050406030204" pitchFamily="18" charset="0"/>
+                                            </a:rPr>
+                                            <m:t>𝑆</m:t>
+                                          </m:r>
+                                        </m:e>
+                                        <m:sup>
+                                          <m:r>
+                                            <a:rPr lang="en-GB" i="1">
+                                              <a:latin typeface="Cambria Math" panose="02040503050406030204" pitchFamily="18" charset="0"/>
+                                            </a:rPr>
+                                            <m:t>0</m:t>
+                                          </m:r>
+                                        </m:sup>
+                                      </m:sSup>
+                                    </m:e>
+                                  </m:d>
+                                </m:e>
+                                <m:sup>
+                                  <m:r>
+                                    <a:rPr lang="en-GB" i="1">
+                                      <a:latin typeface="Cambria Math" panose="02040503050406030204" pitchFamily="18" charset="0"/>
+                                    </a:rPr>
+                                    <m:t>2</m:t>
+                                  </m:r>
+                                </m:sup>
+                              </m:sSup>
+                              <m:sSup>
+                                <m:sSupPr>
+                                  <m:ctrlPr>
+                                    <a:rPr lang="en-GB" i="1">
+                                      <a:latin typeface="Cambria Math" panose="02040503050406030204" pitchFamily="18" charset="0"/>
+                                    </a:rPr>
+                                  </m:ctrlPr>
+                                </m:sSupPr>
+                                <m:e>
+                                  <m:d>
+                                    <m:dPr>
+                                      <m:begChr m:val="|"/>
+                                      <m:endChr m:val="|"/>
+                                      <m:ctrlPr>
+                                        <a:rPr lang="en-GB" i="1">
+                                          <a:latin typeface="Cambria Math" panose="02040503050406030204" pitchFamily="18" charset="0"/>
+                                        </a:rPr>
+                                      </m:ctrlPr>
+                                    </m:dPr>
+                                    <m:e>
+                                      <m:sSup>
+                                        <m:sSupPr>
+                                          <m:ctrlPr>
+                                            <a:rPr lang="en-GB" i="1">
+                                              <a:latin typeface="Cambria Math" panose="02040503050406030204" pitchFamily="18" charset="0"/>
+                                            </a:rPr>
+                                          </m:ctrlPr>
+                                        </m:sSupPr>
+                                        <m:e>
+                                          <m:r>
+                                            <a:rPr lang="en-GB" i="1">
+                                              <a:latin typeface="Cambria Math" panose="02040503050406030204" pitchFamily="18" charset="0"/>
+                                            </a:rPr>
+                                            <m:t>𝐺</m:t>
+                                          </m:r>
+                                        </m:e>
+                                        <m:sup>
+                                          <m:r>
+                                            <a:rPr lang="en-GB" i="1">
+                                              <a:latin typeface="Cambria Math" panose="02040503050406030204" pitchFamily="18" charset="0"/>
+                                            </a:rPr>
+                                            <m:t>0</m:t>
+                                          </m:r>
+                                        </m:sup>
+                                      </m:sSup>
+                                      <m:r>
+                                        <a:rPr lang="en-GB" i="1">
+                                          <a:latin typeface="Cambria Math" panose="02040503050406030204" pitchFamily="18" charset="0"/>
+                                        </a:rPr>
+                                        <m:t>−</m:t>
+                                      </m:r>
+                                      <m:r>
+                                        <a:rPr lang="en-GB" i="1">
+                                          <a:latin typeface="Cambria Math" panose="02040503050406030204" pitchFamily="18" charset="0"/>
+                                        </a:rPr>
+                                        <m:t>𝐺</m:t>
+                                      </m:r>
+                                    </m:e>
+                                  </m:d>
+                                </m:e>
+                                <m:sup>
+                                  <m:r>
+                                    <a:rPr lang="en-GB" i="1">
+                                      <a:latin typeface="Cambria Math" panose="02040503050406030204" pitchFamily="18" charset="0"/>
+                                    </a:rPr>
+                                    <m:t>2</m:t>
+                                  </m:r>
+                                </m:sup>
+                              </m:sSup>
+                              <m:sSub>
+                                <m:sSubPr>
+                                  <m:ctrlPr>
+                                    <a:rPr lang="en-GB" i="1">
+                                      <a:latin typeface="Cambria Math" panose="02040503050406030204" pitchFamily="18" charset="0"/>
+                                    </a:rPr>
+                                  </m:ctrlPr>
+                                </m:sSubPr>
+                                <m:e>
+                                  <m:r>
+                                    <a:rPr lang="en-GB" i="1">
+                                      <a:latin typeface="Cambria Math" panose="02040503050406030204" pitchFamily="18" charset="0"/>
+                                    </a:rPr>
+                                    <m:t>𝜙</m:t>
+                                  </m:r>
+                                </m:e>
+                                <m:sub>
+                                  <m:r>
+                                    <a:rPr lang="en-GB" i="1">
+                                      <a:latin typeface="Cambria Math" panose="02040503050406030204" pitchFamily="18" charset="0"/>
+                                    </a:rPr>
+                                    <m:t>𝑟</m:t>
+                                  </m:r>
+                                </m:sub>
+                              </m:sSub>
+                              <m:r>
+                                <a:rPr lang="en-GB" i="1">
+                                  <a:latin typeface="Cambria Math" panose="02040503050406030204" pitchFamily="18" charset="0"/>
+                                </a:rPr>
+                                <m:t>𝑑</m:t>
+                              </m:r>
+                              <m:r>
+                                <a:rPr lang="en-GB" i="1">
+                                  <a:latin typeface="Cambria Math" panose="02040503050406030204" pitchFamily="18" charset="0"/>
+                                </a:rPr>
+                                <m:t>𝜔</m:t>
+                              </m:r>
+                              <m:r>
+                                <a:rPr lang="en-GB" i="1">
+                                  <a:latin typeface="Cambria Math" panose="02040503050406030204" pitchFamily="18" charset="0"/>
+                                </a:rPr>
+                                <m:t>+</m:t>
+                              </m:r>
+                              <m:nary>
+                                <m:naryPr>
+                                  <m:ctrlPr>
+                                    <a:rPr lang="en-GB" i="1">
+                                      <a:latin typeface="Cambria Math" panose="02040503050406030204" pitchFamily="18" charset="0"/>
+                                    </a:rPr>
+                                  </m:ctrlPr>
+                                </m:naryPr>
+                                <m:sub>
+                                  <m:r>
+                                    <m:rPr>
+                                      <m:brk m:alnAt="23"/>
+                                    </m:rPr>
+                                    <a:rPr lang="en-GB" i="1">
+                                      <a:latin typeface="Cambria Math" panose="02040503050406030204" pitchFamily="18" charset="0"/>
+                                    </a:rPr>
+                                    <m:t>−</m:t>
+                                  </m:r>
+                                  <m:r>
+                                    <a:rPr lang="en-GB" i="1">
+                                      <a:latin typeface="Cambria Math" panose="02040503050406030204" pitchFamily="18" charset="0"/>
+                                    </a:rPr>
+                                    <m:t>𝜋</m:t>
+                                  </m:r>
+                                </m:sub>
+                                <m:sup>
+                                  <m:r>
+                                    <a:rPr lang="en-GB" i="1">
+                                      <a:latin typeface="Cambria Math" panose="02040503050406030204" pitchFamily="18" charset="0"/>
+                                    </a:rPr>
+                                    <m:t>𝜋</m:t>
+                                  </m:r>
+                                </m:sup>
+                                <m:e>
+                                  <m:f>
+                                    <m:fPr>
+                                      <m:ctrlPr>
+                                        <a:rPr lang="en-GB" i="1">
+                                          <a:latin typeface="Cambria Math" panose="02040503050406030204" pitchFamily="18" charset="0"/>
+                                        </a:rPr>
+                                      </m:ctrlPr>
+                                    </m:fPr>
+                                    <m:num>
+                                      <m:sSup>
+                                        <m:sSupPr>
+                                          <m:ctrlPr>
+                                            <a:rPr lang="en-GB" i="1">
+                                              <a:latin typeface="Cambria Math" panose="02040503050406030204" pitchFamily="18" charset="0"/>
+                                            </a:rPr>
+                                          </m:ctrlPr>
+                                        </m:sSupPr>
+                                        <m:e>
+                                          <m:d>
+                                            <m:dPr>
+                                              <m:begChr m:val="|"/>
+                                              <m:endChr m:val="|"/>
+                                              <m:ctrlPr>
+                                                <a:rPr lang="en-GB" i="1">
+                                                  <a:latin typeface="Cambria Math" panose="02040503050406030204" pitchFamily="18" charset="0"/>
+                                                </a:rPr>
+                                              </m:ctrlPr>
+                                            </m:dPr>
+                                            <m:e>
+                                              <m:sSup>
+                                                <m:sSupPr>
+                                                  <m:ctrlPr>
+                                                    <a:rPr lang="en-GB" i="1">
+                                                      <a:latin typeface="Cambria Math" panose="02040503050406030204" pitchFamily="18" charset="0"/>
+                                                    </a:rPr>
+                                                  </m:ctrlPr>
+                                                </m:sSupPr>
+                                                <m:e>
+                                                  <m:r>
+                                                    <a:rPr lang="en-GB" i="1">
+                                                      <a:latin typeface="Cambria Math" panose="02040503050406030204" pitchFamily="18" charset="0"/>
+                                                    </a:rPr>
+                                                    <m:t>𝐻</m:t>
+                                                  </m:r>
+                                                </m:e>
+                                                <m:sup>
+                                                  <m:r>
+                                                    <a:rPr lang="en-GB" i="1">
+                                                      <a:latin typeface="Cambria Math" panose="02040503050406030204" pitchFamily="18" charset="0"/>
+                                                    </a:rPr>
+                                                    <m:t>0</m:t>
+                                                  </m:r>
+                                                </m:sup>
+                                              </m:sSup>
+                                            </m:e>
+                                          </m:d>
+                                        </m:e>
+                                        <m:sup>
+                                          <m:r>
+                                            <a:rPr lang="en-GB" i="1">
+                                              <a:latin typeface="Cambria Math" panose="02040503050406030204" pitchFamily="18" charset="0"/>
+                                            </a:rPr>
+                                            <m:t>2</m:t>
+                                          </m:r>
+                                        </m:sup>
+                                      </m:sSup>
+                                      <m:sSup>
+                                        <m:sSupPr>
+                                          <m:ctrlPr>
+                                            <a:rPr lang="en-GB" i="1">
+                                              <a:latin typeface="Cambria Math" panose="02040503050406030204" pitchFamily="18" charset="0"/>
+                                            </a:rPr>
+                                          </m:ctrlPr>
+                                        </m:sSupPr>
+                                        <m:e>
+                                          <m:d>
+                                            <m:dPr>
+                                              <m:begChr m:val="|"/>
+                                              <m:endChr m:val="|"/>
+                                              <m:ctrlPr>
+                                                <a:rPr lang="en-GB" i="1">
+                                                  <a:latin typeface="Cambria Math" panose="02040503050406030204" pitchFamily="18" charset="0"/>
+                                                </a:rPr>
+                                              </m:ctrlPr>
+                                            </m:dPr>
+                                            <m:e>
+                                              <m:sSup>
+                                                <m:sSupPr>
+                                                  <m:ctrlPr>
+                                                    <a:rPr lang="en-GB" i="1">
+                                                      <a:latin typeface="Cambria Math" panose="02040503050406030204" pitchFamily="18" charset="0"/>
+                                                    </a:rPr>
+                                                  </m:ctrlPr>
+                                                </m:sSupPr>
+                                                <m:e>
+                                                  <m:r>
+                                                    <a:rPr lang="en-GB" i="1">
+                                                      <a:latin typeface="Cambria Math" panose="02040503050406030204" pitchFamily="18" charset="0"/>
+                                                    </a:rPr>
+                                                    <m:t>𝑆</m:t>
+                                                  </m:r>
+                                                </m:e>
+                                                <m:sup>
+                                                  <m:r>
+                                                    <a:rPr lang="en-GB" i="1">
+                                                      <a:latin typeface="Cambria Math" panose="02040503050406030204" pitchFamily="18" charset="0"/>
+                                                    </a:rPr>
+                                                    <m:t>0</m:t>
+                                                  </m:r>
+                                                </m:sup>
+                                              </m:sSup>
+                                            </m:e>
+                                          </m:d>
+                                        </m:e>
+                                        <m:sup>
+                                          <m:r>
+                                            <a:rPr lang="en-GB" i="1">
+                                              <a:latin typeface="Cambria Math" panose="02040503050406030204" pitchFamily="18" charset="0"/>
+                                            </a:rPr>
+                                            <m:t>2</m:t>
+                                          </m:r>
+                                        </m:sup>
+                                      </m:sSup>
+                                    </m:num>
+                                    <m:den>
+                                      <m:sSup>
+                                        <m:sSupPr>
+                                          <m:ctrlPr>
+                                            <a:rPr lang="en-GB" i="1">
+                                              <a:latin typeface="Cambria Math" panose="02040503050406030204" pitchFamily="18" charset="0"/>
+                                            </a:rPr>
+                                          </m:ctrlPr>
+                                        </m:sSupPr>
+                                        <m:e>
+                                          <m:d>
+                                            <m:dPr>
+                                              <m:begChr m:val="|"/>
+                                              <m:endChr m:val="|"/>
+                                              <m:ctrlPr>
+                                                <a:rPr lang="en-GB" i="1">
+                                                  <a:latin typeface="Cambria Math" panose="02040503050406030204" pitchFamily="18" charset="0"/>
+                                                </a:rPr>
+                                              </m:ctrlPr>
+                                            </m:dPr>
+                                            <m:e>
+                                              <m:r>
+                                                <a:rPr lang="en-GB" i="1">
+                                                  <a:latin typeface="Cambria Math" panose="02040503050406030204" pitchFamily="18" charset="0"/>
+                                                </a:rPr>
+                                                <m:t>𝑆</m:t>
+                                              </m:r>
+                                            </m:e>
+                                          </m:d>
+                                        </m:e>
+                                        <m:sup>
+                                          <m:r>
+                                            <a:rPr lang="en-GB" i="1">
+                                              <a:latin typeface="Cambria Math" panose="02040503050406030204" pitchFamily="18" charset="0"/>
+                                            </a:rPr>
+                                            <m:t>2</m:t>
+                                          </m:r>
+                                        </m:sup>
+                                      </m:sSup>
+                                    </m:den>
+                                  </m:f>
+                                  <m:sSup>
+                                    <m:sSupPr>
+                                      <m:ctrlPr>
+                                        <a:rPr lang="en-GB" i="1">
+                                          <a:latin typeface="Cambria Math" panose="02040503050406030204" pitchFamily="18" charset="0"/>
+                                        </a:rPr>
+                                      </m:ctrlPr>
+                                    </m:sSupPr>
+                                    <m:e>
+                                      <m:r>
+                                        <a:rPr lang="en-GB" i="1">
+                                          <a:latin typeface="Cambria Math" panose="02040503050406030204" pitchFamily="18" charset="0"/>
+                                        </a:rPr>
+                                        <m:t>𝜆</m:t>
+                                      </m:r>
+                                    </m:e>
+                                    <m:sup>
+                                      <m:r>
+                                        <a:rPr lang="en-GB" i="1">
+                                          <a:latin typeface="Cambria Math" panose="02040503050406030204" pitchFamily="18" charset="0"/>
+                                        </a:rPr>
+                                        <m:t>2</m:t>
+                                      </m:r>
+                                    </m:sup>
+                                  </m:sSup>
+                                  <m:r>
+                                    <a:rPr lang="en-GB" i="1">
+                                      <a:latin typeface="Cambria Math" panose="02040503050406030204" pitchFamily="18" charset="0"/>
+                                    </a:rPr>
+                                    <m:t>𝑑</m:t>
+                                  </m:r>
+                                  <m:r>
+                                    <a:rPr lang="en-GB" i="1">
+                                      <a:latin typeface="Cambria Math" panose="02040503050406030204" pitchFamily="18" charset="0"/>
+                                    </a:rPr>
+                                    <m:t>𝜔</m:t>
+                                  </m:r>
+                                  <m:r>
+                                    <a:rPr lang="en-GB" i="1">
+                                      <a:latin typeface="Cambria Math" panose="02040503050406030204" pitchFamily="18" charset="0"/>
+                                    </a:rPr>
+                                    <m:t>  </m:t>
+                                  </m:r>
+                                </m:e>
+                              </m:nary>
+                              <m:r>
+                                <a:rPr lang="en-GB" i="1">
+                                  <a:latin typeface="Cambria Math" panose="02040503050406030204" pitchFamily="18" charset="0"/>
+                                </a:rPr>
+                                <m:t> </m:t>
+                              </m:r>
+                            </m:e>
+                          </m:nary>
+                        </m:e>
+                      </m:d>
+                    </m:oMath>
+                  </m:oMathPara>
+                </a14:m>
+                <a:endParaRPr lang="en-GB" dirty="0" smtClean="0"/>
+              </a:p>
+              <a:p>
+                <a:pPr/>
+                <a:endParaRPr lang="en-GB" dirty="0"/>
+              </a:p>
+              <a:p>
+                <a:pPr/>
+                <a:r>
+                  <a:rPr lang="en-GB" dirty="0" smtClean="0"/>
+                  <a:t>In order to understand the effect of the minimisation problem we can write in the following manner:</a:t>
+                </a:r>
+              </a:p>
+              <a:p>
+                <a:pPr/>
+                <a:endParaRPr lang="en-GB" dirty="0"/>
+              </a:p>
+              <a:p>
+                <a14:m>
+                  <m:oMathPara xmlns:m="http://schemas.openxmlformats.org/officeDocument/2006/math">
+                    <m:oMathParaPr>
+                      <m:jc m:val="centerGroup"/>
+                    </m:oMathParaPr>
+                    <m:oMath xmlns:m="http://schemas.openxmlformats.org/officeDocument/2006/math">
+                      <m:f>
+                        <m:fPr>
+                          <m:ctrlPr>
+                            <a:rPr lang="en-GB" i="1">
+                              <a:latin typeface="Cambria Math" panose="02040503050406030204" pitchFamily="18" charset="0"/>
+                            </a:rPr>
+                          </m:ctrlPr>
+                        </m:fPr>
+                        <m:num>
+                          <m:r>
+                            <a:rPr lang="en-GB" i="1">
+                              <a:latin typeface="Cambria Math" panose="02040503050406030204" pitchFamily="18" charset="0"/>
+                            </a:rPr>
+                            <m:t>1</m:t>
+                          </m:r>
+                        </m:num>
+                        <m:den>
+                          <m:r>
+                            <a:rPr lang="en-GB" i="1">
+                              <a:latin typeface="Cambria Math" panose="02040503050406030204" pitchFamily="18" charset="0"/>
+                            </a:rPr>
+                            <m:t>2</m:t>
+                          </m:r>
+                          <m:r>
+                            <a:rPr lang="en-GB" i="1">
+                              <a:latin typeface="Cambria Math" panose="02040503050406030204" pitchFamily="18" charset="0"/>
+                            </a:rPr>
+                            <m:t>𝜋</m:t>
+                          </m:r>
+                        </m:den>
+                      </m:f>
+                      <m:d>
+                        <m:dPr>
+                          <m:begChr m:val="["/>
+                          <m:endChr m:val="]"/>
+                          <m:ctrlPr>
+                            <a:rPr lang="en-GB" i="1">
+                              <a:latin typeface="Cambria Math" panose="02040503050406030204" pitchFamily="18" charset="0"/>
+                            </a:rPr>
+                          </m:ctrlPr>
+                        </m:dPr>
+                        <m:e>
+                          <m:nary>
+                            <m:naryPr>
+                              <m:ctrlPr>
+                                <a:rPr lang="en-GB" i="1">
+                                  <a:latin typeface="Cambria Math" panose="02040503050406030204" pitchFamily="18" charset="0"/>
+                                </a:rPr>
+                              </m:ctrlPr>
+                            </m:naryPr>
+                            <m:sub>
+                              <m:r>
+                                <m:rPr>
+                                  <m:brk m:alnAt="23"/>
+                                </m:rPr>
+                                <a:rPr lang="en-GB" i="1">
+                                  <a:latin typeface="Cambria Math" panose="02040503050406030204" pitchFamily="18" charset="0"/>
+                                </a:rPr>
+                                <m:t>−</m:t>
+                              </m:r>
+                              <m:r>
+                                <a:rPr lang="en-GB" i="1">
+                                  <a:latin typeface="Cambria Math" panose="02040503050406030204" pitchFamily="18" charset="0"/>
+                                </a:rPr>
+                                <m:t>𝜋</m:t>
+                              </m:r>
+                            </m:sub>
+                            <m:sup>
+                              <m:r>
+                                <a:rPr lang="en-GB" i="1">
+                                  <a:latin typeface="Cambria Math" panose="02040503050406030204" pitchFamily="18" charset="0"/>
+                                </a:rPr>
+                                <m:t>𝜋</m:t>
+                              </m:r>
+                            </m:sup>
+                            <m:e>
+                              <m:sSup>
+                                <m:sSupPr>
+                                  <m:ctrlPr>
+                                    <a:rPr lang="en-GB" i="1">
+                                      <a:latin typeface="Cambria Math" panose="02040503050406030204" pitchFamily="18" charset="0"/>
+                                    </a:rPr>
+                                  </m:ctrlPr>
+                                </m:sSupPr>
+                                <m:e>
+                                  <m:d>
+                                    <m:dPr>
+                                      <m:begChr m:val="|"/>
+                                      <m:endChr m:val="|"/>
+                                      <m:ctrlPr>
+                                        <a:rPr lang="en-GB" i="1">
+                                          <a:latin typeface="Cambria Math" panose="02040503050406030204" pitchFamily="18" charset="0"/>
+                                        </a:rPr>
+                                      </m:ctrlPr>
+                                    </m:dPr>
+                                    <m:e>
+                                      <m:r>
+                                        <a:rPr lang="en-GB" i="1">
+                                          <a:latin typeface="Cambria Math" panose="02040503050406030204" pitchFamily="18" charset="0"/>
+                                        </a:rPr>
+                                        <m:t>𝐶</m:t>
+                                      </m:r>
+                                    </m:e>
+                                  </m:d>
+                                </m:e>
+                                <m:sup>
+                                  <m:r>
+                                    <a:rPr lang="en-GB" i="1">
+                                      <a:latin typeface="Cambria Math" panose="02040503050406030204" pitchFamily="18" charset="0"/>
+                                    </a:rPr>
+                                    <m:t>2</m:t>
+                                  </m:r>
+                                </m:sup>
+                              </m:sSup>
+                              <m:sSup>
+                                <m:sSupPr>
+                                  <m:ctrlPr>
+                                    <a:rPr lang="en-GB" i="1">
+                                      <a:latin typeface="Cambria Math" panose="02040503050406030204" pitchFamily="18" charset="0"/>
+                                    </a:rPr>
+                                  </m:ctrlPr>
+                                </m:sSupPr>
+                                <m:e>
+                                  <m:d>
+                                    <m:dPr>
+                                      <m:begChr m:val="|"/>
+                                      <m:endChr m:val="|"/>
+                                      <m:ctrlPr>
+                                        <a:rPr lang="en-GB" i="1">
+                                          <a:latin typeface="Cambria Math" panose="02040503050406030204" pitchFamily="18" charset="0"/>
+                                        </a:rPr>
+                                      </m:ctrlPr>
+                                    </m:dPr>
+                                    <m:e>
+                                      <m:sSup>
+                                        <m:sSupPr>
+                                          <m:ctrlPr>
+                                            <a:rPr lang="en-GB" i="1">
+                                              <a:latin typeface="Cambria Math" panose="02040503050406030204" pitchFamily="18" charset="0"/>
+                                            </a:rPr>
+                                          </m:ctrlPr>
+                                        </m:sSupPr>
+                                        <m:e>
+                                          <m:r>
+                                            <a:rPr lang="en-GB" i="1">
+                                              <a:latin typeface="Cambria Math" panose="02040503050406030204" pitchFamily="18" charset="0"/>
+                                            </a:rPr>
+                                            <m:t>𝑆</m:t>
+                                          </m:r>
+                                        </m:e>
+                                        <m:sup>
+                                          <m:r>
+                                            <a:rPr lang="en-GB" i="1">
+                                              <a:latin typeface="Cambria Math" panose="02040503050406030204" pitchFamily="18" charset="0"/>
+                                            </a:rPr>
+                                            <m:t>0</m:t>
+                                          </m:r>
+                                        </m:sup>
+                                      </m:sSup>
+                                    </m:e>
+                                  </m:d>
+                                </m:e>
+                                <m:sup>
+                                  <m:r>
+                                    <a:rPr lang="en-GB" i="1">
+                                      <a:latin typeface="Cambria Math" panose="02040503050406030204" pitchFamily="18" charset="0"/>
+                                    </a:rPr>
+                                    <m:t>2</m:t>
+                                  </m:r>
+                                </m:sup>
+                              </m:sSup>
+                              <m:sSup>
+                                <m:sSupPr>
+                                  <m:ctrlPr>
+                                    <a:rPr lang="en-GB" i="1">
+                                      <a:latin typeface="Cambria Math" panose="02040503050406030204" pitchFamily="18" charset="0"/>
+                                    </a:rPr>
+                                  </m:ctrlPr>
+                                </m:sSupPr>
+                                <m:e>
+                                  <m:d>
+                                    <m:dPr>
+                                      <m:begChr m:val="|"/>
+                                      <m:endChr m:val="|"/>
+                                      <m:ctrlPr>
+                                        <a:rPr lang="en-GB" i="1">
+                                          <a:latin typeface="Cambria Math" panose="02040503050406030204" pitchFamily="18" charset="0"/>
+                                        </a:rPr>
+                                      </m:ctrlPr>
+                                    </m:dPr>
+                                    <m:e>
+                                      <m:sSup>
+                                        <m:sSupPr>
+                                          <m:ctrlPr>
+                                            <a:rPr lang="en-GB" i="1">
+                                              <a:latin typeface="Cambria Math" panose="02040503050406030204" pitchFamily="18" charset="0"/>
+                                            </a:rPr>
+                                          </m:ctrlPr>
+                                        </m:sSupPr>
+                                        <m:e>
+                                          <m:r>
+                                            <a:rPr lang="en-GB" i="1">
+                                              <a:latin typeface="Cambria Math" panose="02040503050406030204" pitchFamily="18" charset="0"/>
+                                            </a:rPr>
+                                            <m:t>𝐺</m:t>
+                                          </m:r>
+                                        </m:e>
+                                        <m:sup>
+                                          <m:r>
+                                            <a:rPr lang="en-GB" i="1">
+                                              <a:latin typeface="Cambria Math" panose="02040503050406030204" pitchFamily="18" charset="0"/>
+                                            </a:rPr>
+                                            <m:t>0</m:t>
+                                          </m:r>
+                                        </m:sup>
+                                      </m:sSup>
+                                      <m:r>
+                                        <a:rPr lang="en-GB" i="1">
+                                          <a:latin typeface="Cambria Math" panose="02040503050406030204" pitchFamily="18" charset="0"/>
+                                        </a:rPr>
+                                        <m:t>−</m:t>
+                                      </m:r>
+                                      <m:r>
+                                        <a:rPr lang="en-GB" i="1">
+                                          <a:latin typeface="Cambria Math" panose="02040503050406030204" pitchFamily="18" charset="0"/>
+                                        </a:rPr>
+                                        <m:t>𝐺</m:t>
+                                      </m:r>
+                                    </m:e>
+                                  </m:d>
+                                </m:e>
+                                <m:sup>
+                                  <m:r>
+                                    <a:rPr lang="en-GB" i="1">
+                                      <a:latin typeface="Cambria Math" panose="02040503050406030204" pitchFamily="18" charset="0"/>
+                                    </a:rPr>
+                                    <m:t>2</m:t>
+                                  </m:r>
+                                </m:sup>
+                              </m:sSup>
+                              <m:sSub>
+                                <m:sSubPr>
+                                  <m:ctrlPr>
+                                    <a:rPr lang="en-GB" i="1">
+                                      <a:latin typeface="Cambria Math" panose="02040503050406030204" pitchFamily="18" charset="0"/>
+                                    </a:rPr>
+                                  </m:ctrlPr>
+                                </m:sSubPr>
+                                <m:e>
+                                  <m:r>
+                                    <a:rPr lang="en-GB" i="1">
+                                      <a:latin typeface="Cambria Math" panose="02040503050406030204" pitchFamily="18" charset="0"/>
+                                    </a:rPr>
+                                    <m:t>𝜙</m:t>
+                                  </m:r>
+                                </m:e>
+                                <m:sub>
+                                  <m:r>
+                                    <a:rPr lang="en-GB" i="1">
+                                      <a:latin typeface="Cambria Math" panose="02040503050406030204" pitchFamily="18" charset="0"/>
+                                    </a:rPr>
+                                    <m:t>𝑟</m:t>
+                                  </m:r>
+                                </m:sub>
+                              </m:sSub>
+                              <m:r>
+                                <a:rPr lang="en-GB" i="1">
+                                  <a:latin typeface="Cambria Math" panose="02040503050406030204" pitchFamily="18" charset="0"/>
+                                </a:rPr>
+                                <m:t>𝑑</m:t>
+                              </m:r>
+                              <m:r>
+                                <a:rPr lang="en-GB" i="1">
+                                  <a:latin typeface="Cambria Math" panose="02040503050406030204" pitchFamily="18" charset="0"/>
+                                </a:rPr>
+                                <m:t>𝜔</m:t>
+                              </m:r>
+                              <m:r>
+                                <a:rPr lang="en-GB" i="1">
+                                  <a:latin typeface="Cambria Math" panose="02040503050406030204" pitchFamily="18" charset="0"/>
+                                </a:rPr>
+                                <m:t>+</m:t>
+                              </m:r>
+                              <m:nary>
+                                <m:naryPr>
+                                  <m:ctrlPr>
+                                    <a:rPr lang="en-GB" i="1">
+                                      <a:latin typeface="Cambria Math" panose="02040503050406030204" pitchFamily="18" charset="0"/>
+                                    </a:rPr>
+                                  </m:ctrlPr>
+                                </m:naryPr>
+                                <m:sub>
+                                  <m:r>
+                                    <m:rPr>
+                                      <m:brk m:alnAt="23"/>
+                                    </m:rPr>
+                                    <a:rPr lang="en-GB" i="1">
+                                      <a:latin typeface="Cambria Math" panose="02040503050406030204" pitchFamily="18" charset="0"/>
+                                    </a:rPr>
+                                    <m:t>−</m:t>
+                                  </m:r>
+                                  <m:r>
+                                    <a:rPr lang="en-GB" i="1">
+                                      <a:latin typeface="Cambria Math" panose="02040503050406030204" pitchFamily="18" charset="0"/>
+                                    </a:rPr>
+                                    <m:t>𝜋</m:t>
+                                  </m:r>
+                                </m:sub>
+                                <m:sup>
+                                  <m:r>
+                                    <a:rPr lang="en-GB" i="1">
+                                      <a:latin typeface="Cambria Math" panose="02040503050406030204" pitchFamily="18" charset="0"/>
+                                    </a:rPr>
+                                    <m:t>𝜋</m:t>
+                                  </m:r>
+                                </m:sup>
+                                <m:e>
+                                  <m:f>
+                                    <m:fPr>
+                                      <m:ctrlPr>
+                                        <a:rPr lang="en-GB" i="1">
+                                          <a:latin typeface="Cambria Math" panose="02040503050406030204" pitchFamily="18" charset="0"/>
+                                        </a:rPr>
+                                      </m:ctrlPr>
+                                    </m:fPr>
+                                    <m:num>
+                                      <m:sSup>
+                                        <m:sSupPr>
+                                          <m:ctrlPr>
+                                            <a:rPr lang="en-GB" i="1">
+                                              <a:latin typeface="Cambria Math" panose="02040503050406030204" pitchFamily="18" charset="0"/>
+                                            </a:rPr>
+                                          </m:ctrlPr>
+                                        </m:sSupPr>
+                                        <m:e>
+                                          <m:d>
+                                            <m:dPr>
+                                              <m:begChr m:val="|"/>
+                                              <m:endChr m:val="|"/>
+                                              <m:ctrlPr>
+                                                <a:rPr lang="en-GB" i="1">
+                                                  <a:latin typeface="Cambria Math" panose="02040503050406030204" pitchFamily="18" charset="0"/>
+                                                </a:rPr>
+                                              </m:ctrlPr>
+                                            </m:dPr>
+                                            <m:e>
+                                              <m:sSup>
+                                                <m:sSupPr>
+                                                  <m:ctrlPr>
+                                                    <a:rPr lang="en-GB" i="1">
+                                                      <a:latin typeface="Cambria Math" panose="02040503050406030204" pitchFamily="18" charset="0"/>
+                                                    </a:rPr>
+                                                  </m:ctrlPr>
+                                                </m:sSupPr>
+                                                <m:e>
+                                                  <m:r>
+                                                    <a:rPr lang="en-GB" i="1">
+                                                      <a:latin typeface="Cambria Math" panose="02040503050406030204" pitchFamily="18" charset="0"/>
+                                                    </a:rPr>
+                                                    <m:t>𝐻</m:t>
+                                                  </m:r>
+                                                </m:e>
+                                                <m:sup>
+                                                  <m:r>
+                                                    <a:rPr lang="en-GB" i="1">
+                                                      <a:latin typeface="Cambria Math" panose="02040503050406030204" pitchFamily="18" charset="0"/>
+                                                    </a:rPr>
+                                                    <m:t>0</m:t>
+                                                  </m:r>
+                                                </m:sup>
+                                              </m:sSup>
+                                            </m:e>
+                                          </m:d>
+                                        </m:e>
+                                        <m:sup>
+                                          <m:r>
+                                            <a:rPr lang="en-GB" i="1">
+                                              <a:latin typeface="Cambria Math" panose="02040503050406030204" pitchFamily="18" charset="0"/>
+                                            </a:rPr>
+                                            <m:t>2</m:t>
+                                          </m:r>
+                                        </m:sup>
+                                      </m:sSup>
+                                      <m:sSup>
+                                        <m:sSupPr>
+                                          <m:ctrlPr>
+                                            <a:rPr lang="en-GB" i="1">
+                                              <a:latin typeface="Cambria Math" panose="02040503050406030204" pitchFamily="18" charset="0"/>
+                                            </a:rPr>
+                                          </m:ctrlPr>
+                                        </m:sSupPr>
+                                        <m:e>
+                                          <m:d>
+                                            <m:dPr>
+                                              <m:begChr m:val="|"/>
+                                              <m:endChr m:val="|"/>
+                                              <m:ctrlPr>
+                                                <a:rPr lang="en-GB" i="1">
+                                                  <a:latin typeface="Cambria Math" panose="02040503050406030204" pitchFamily="18" charset="0"/>
+                                                </a:rPr>
+                                              </m:ctrlPr>
+                                            </m:dPr>
+                                            <m:e>
+                                              <m:sSup>
+                                                <m:sSupPr>
+                                                  <m:ctrlPr>
+                                                    <a:rPr lang="en-GB" i="1">
+                                                      <a:latin typeface="Cambria Math" panose="02040503050406030204" pitchFamily="18" charset="0"/>
+                                                    </a:rPr>
+                                                  </m:ctrlPr>
+                                                </m:sSupPr>
+                                                <m:e>
+                                                  <m:r>
+                                                    <a:rPr lang="en-GB" i="1">
+                                                      <a:latin typeface="Cambria Math" panose="02040503050406030204" pitchFamily="18" charset="0"/>
+                                                    </a:rPr>
+                                                    <m:t>𝑆</m:t>
+                                                  </m:r>
+                                                </m:e>
+                                                <m:sup>
+                                                  <m:r>
+                                                    <a:rPr lang="en-GB" i="1">
+                                                      <a:latin typeface="Cambria Math" panose="02040503050406030204" pitchFamily="18" charset="0"/>
+                                                    </a:rPr>
+                                                    <m:t>0</m:t>
+                                                  </m:r>
+                                                </m:sup>
+                                              </m:sSup>
+                                            </m:e>
+                                          </m:d>
+                                        </m:e>
+                                        <m:sup>
+                                          <m:r>
+                                            <a:rPr lang="en-GB" i="1">
+                                              <a:latin typeface="Cambria Math" panose="02040503050406030204" pitchFamily="18" charset="0"/>
+                                            </a:rPr>
+                                            <m:t>2</m:t>
+                                          </m:r>
+                                        </m:sup>
+                                      </m:sSup>
+                                    </m:num>
+                                    <m:den>
+                                      <m:sSup>
+                                        <m:sSupPr>
+                                          <m:ctrlPr>
+                                            <a:rPr lang="en-GB" i="1">
+                                              <a:latin typeface="Cambria Math" panose="02040503050406030204" pitchFamily="18" charset="0"/>
+                                            </a:rPr>
+                                          </m:ctrlPr>
+                                        </m:sSupPr>
+                                        <m:e>
+                                          <m:d>
+                                            <m:dPr>
+                                              <m:begChr m:val="|"/>
+                                              <m:endChr m:val="|"/>
+                                              <m:ctrlPr>
+                                                <a:rPr lang="en-GB" i="1">
+                                                  <a:latin typeface="Cambria Math" panose="02040503050406030204" pitchFamily="18" charset="0"/>
+                                                </a:rPr>
+                                              </m:ctrlPr>
+                                            </m:dPr>
+                                            <m:e>
+                                              <m:r>
+                                                <a:rPr lang="en-GB" i="1">
+                                                  <a:latin typeface="Cambria Math" panose="02040503050406030204" pitchFamily="18" charset="0"/>
+                                                </a:rPr>
+                                                <m:t>𝑆</m:t>
+                                              </m:r>
+                                            </m:e>
+                                          </m:d>
+                                        </m:e>
+                                        <m:sup>
+                                          <m:r>
+                                            <a:rPr lang="en-GB" i="1">
+                                              <a:latin typeface="Cambria Math" panose="02040503050406030204" pitchFamily="18" charset="0"/>
+                                            </a:rPr>
+                                            <m:t>2</m:t>
+                                          </m:r>
+                                        </m:sup>
+                                      </m:sSup>
+                                    </m:den>
+                                  </m:f>
+                                  <m:sSup>
+                                    <m:sSupPr>
+                                      <m:ctrlPr>
+                                        <a:rPr lang="en-GB" i="1">
+                                          <a:latin typeface="Cambria Math" panose="02040503050406030204" pitchFamily="18" charset="0"/>
+                                        </a:rPr>
+                                      </m:ctrlPr>
+                                    </m:sSupPr>
+                                    <m:e>
+                                      <m:r>
+                                        <a:rPr lang="en-GB" i="1">
+                                          <a:latin typeface="Cambria Math" panose="02040503050406030204" pitchFamily="18" charset="0"/>
+                                        </a:rPr>
+                                        <m:t>𝜆</m:t>
+                                      </m:r>
+                                    </m:e>
+                                    <m:sup>
+                                      <m:r>
+                                        <a:rPr lang="en-GB" i="1">
+                                          <a:latin typeface="Cambria Math" panose="02040503050406030204" pitchFamily="18" charset="0"/>
+                                        </a:rPr>
+                                        <m:t>2</m:t>
+                                      </m:r>
+                                    </m:sup>
+                                  </m:sSup>
+                                  <m:r>
+                                    <a:rPr lang="en-GB" i="1">
+                                      <a:latin typeface="Cambria Math" panose="02040503050406030204" pitchFamily="18" charset="0"/>
+                                    </a:rPr>
+                                    <m:t>𝑑</m:t>
+                                  </m:r>
+                                  <m:r>
+                                    <a:rPr lang="en-GB" i="1">
+                                      <a:latin typeface="Cambria Math" panose="02040503050406030204" pitchFamily="18" charset="0"/>
+                                    </a:rPr>
+                                    <m:t>𝜔</m:t>
+                                  </m:r>
+                                  <m:r>
+                                    <a:rPr lang="en-GB" i="1">
+                                      <a:latin typeface="Cambria Math" panose="02040503050406030204" pitchFamily="18" charset="0"/>
+                                    </a:rPr>
+                                    <m:t>  </m:t>
+                                  </m:r>
+                                </m:e>
+                              </m:nary>
+                              <m:r>
+                                <a:rPr lang="en-GB" i="1">
+                                  <a:latin typeface="Cambria Math" panose="02040503050406030204" pitchFamily="18" charset="0"/>
+                                </a:rPr>
+                                <m:t> </m:t>
+                              </m:r>
+                            </m:e>
+                          </m:nary>
+                        </m:e>
+                      </m:d>
+                      <m:r>
+                        <a:rPr lang="en-GB" b="0" i="1" smtClean="0">
+                          <a:latin typeface="Cambria Math" panose="02040503050406030204" pitchFamily="18" charset="0"/>
+                        </a:rPr>
+                        <m:t>≤</m:t>
+                      </m:r>
+                      <m:f>
+                        <m:fPr>
+                          <m:ctrlPr>
+                            <a:rPr lang="en-GB" i="1">
+                              <a:latin typeface="Cambria Math" panose="02040503050406030204" pitchFamily="18" charset="0"/>
+                            </a:rPr>
+                          </m:ctrlPr>
+                        </m:fPr>
+                        <m:num>
+                          <m:r>
+                            <a:rPr lang="en-GB" i="1">
+                              <a:latin typeface="Cambria Math" panose="02040503050406030204" pitchFamily="18" charset="0"/>
+                            </a:rPr>
+                            <m:t>1</m:t>
+                          </m:r>
+                        </m:num>
+                        <m:den>
+                          <m:r>
+                            <a:rPr lang="en-GB" i="1">
+                              <a:latin typeface="Cambria Math" panose="02040503050406030204" pitchFamily="18" charset="0"/>
+                            </a:rPr>
+                            <m:t>2</m:t>
+                          </m:r>
+                          <m:r>
+                            <a:rPr lang="en-GB" i="1">
+                              <a:latin typeface="Cambria Math" panose="02040503050406030204" pitchFamily="18" charset="0"/>
+                            </a:rPr>
+                            <m:t>𝜋</m:t>
+                          </m:r>
+                        </m:den>
+                      </m:f>
+                      <m:d>
+                        <m:dPr>
+                          <m:begChr m:val="["/>
+                          <m:endChr m:val="]"/>
+                          <m:ctrlPr>
+                            <a:rPr lang="en-GB" i="1">
+                              <a:latin typeface="Cambria Math" panose="02040503050406030204" pitchFamily="18" charset="0"/>
+                            </a:rPr>
+                          </m:ctrlPr>
+                        </m:dPr>
+                        <m:e>
+                          <m:sSub>
+                            <m:sSubPr>
+                              <m:ctrlPr>
+                                <a:rPr lang="en-GB" b="0" i="1" smtClean="0">
+                                  <a:latin typeface="Cambria Math" panose="02040503050406030204" pitchFamily="18" charset="0"/>
+                                </a:rPr>
+                              </m:ctrlPr>
+                            </m:sSubPr>
+                            <m:e>
+                              <m:r>
+                                <a:rPr lang="en-GB" b="0" i="1" smtClean="0">
+                                  <a:latin typeface="Cambria Math" panose="02040503050406030204" pitchFamily="18" charset="0"/>
+                                </a:rPr>
+                                <m:t>𝐾</m:t>
+                              </m:r>
+                            </m:e>
+                            <m:sub>
+                              <m:r>
+                                <a:rPr lang="en-GB" b="0" i="1" smtClean="0">
+                                  <a:latin typeface="Cambria Math" panose="02040503050406030204" pitchFamily="18" charset="0"/>
+                                </a:rPr>
+                                <m:t>1</m:t>
+                              </m:r>
+                            </m:sub>
+                          </m:sSub>
+                          <m:nary>
+                            <m:naryPr>
+                              <m:ctrlPr>
+                                <a:rPr lang="en-GB" i="1">
+                                  <a:latin typeface="Cambria Math" panose="02040503050406030204" pitchFamily="18" charset="0"/>
+                                </a:rPr>
+                              </m:ctrlPr>
+                            </m:naryPr>
+                            <m:sub>
+                              <m:r>
+                                <m:rPr>
+                                  <m:brk m:alnAt="23"/>
+                                </m:rPr>
+                                <a:rPr lang="en-GB" i="1">
+                                  <a:latin typeface="Cambria Math" panose="02040503050406030204" pitchFamily="18" charset="0"/>
+                                </a:rPr>
+                                <m:t>−</m:t>
+                              </m:r>
+                              <m:r>
+                                <a:rPr lang="en-GB" i="1">
+                                  <a:latin typeface="Cambria Math" panose="02040503050406030204" pitchFamily="18" charset="0"/>
+                                </a:rPr>
+                                <m:t>𝜋</m:t>
+                              </m:r>
+                            </m:sub>
+                            <m:sup>
+                              <m:r>
+                                <a:rPr lang="en-GB" i="1">
+                                  <a:latin typeface="Cambria Math" panose="02040503050406030204" pitchFamily="18" charset="0"/>
+                                </a:rPr>
+                                <m:t>𝜋</m:t>
+                              </m:r>
+                            </m:sup>
+                            <m:e>
+                              <m:sSup>
+                                <m:sSupPr>
+                                  <m:ctrlPr>
+                                    <a:rPr lang="en-GB" i="1">
+                                      <a:latin typeface="Cambria Math" panose="02040503050406030204" pitchFamily="18" charset="0"/>
+                                    </a:rPr>
+                                  </m:ctrlPr>
+                                </m:sSupPr>
+                                <m:e>
+                                  <m:d>
+                                    <m:dPr>
+                                      <m:begChr m:val="|"/>
+                                      <m:endChr m:val="|"/>
+                                      <m:ctrlPr>
+                                        <a:rPr lang="en-GB" i="1">
+                                          <a:latin typeface="Cambria Math" panose="02040503050406030204" pitchFamily="18" charset="0"/>
+                                        </a:rPr>
+                                      </m:ctrlPr>
+                                    </m:dPr>
+                                    <m:e>
+                                      <m:sSup>
+                                        <m:sSupPr>
+                                          <m:ctrlPr>
+                                            <a:rPr lang="en-GB" i="1">
+                                              <a:latin typeface="Cambria Math" panose="02040503050406030204" pitchFamily="18" charset="0"/>
+                                            </a:rPr>
+                                          </m:ctrlPr>
+                                        </m:sSupPr>
+                                        <m:e>
+                                          <m:r>
+                                            <a:rPr lang="en-GB" i="1">
+                                              <a:latin typeface="Cambria Math" panose="02040503050406030204" pitchFamily="18" charset="0"/>
+                                            </a:rPr>
+                                            <m:t>𝐺</m:t>
+                                          </m:r>
+                                        </m:e>
+                                        <m:sup>
+                                          <m:r>
+                                            <a:rPr lang="en-GB" i="1">
+                                              <a:latin typeface="Cambria Math" panose="02040503050406030204" pitchFamily="18" charset="0"/>
+                                            </a:rPr>
+                                            <m:t>0</m:t>
+                                          </m:r>
+                                        </m:sup>
+                                      </m:sSup>
+                                      <m:r>
+                                        <a:rPr lang="en-GB" i="1">
+                                          <a:latin typeface="Cambria Math" panose="02040503050406030204" pitchFamily="18" charset="0"/>
+                                        </a:rPr>
+                                        <m:t>−</m:t>
+                                      </m:r>
+                                      <m:r>
+                                        <a:rPr lang="en-GB" i="1">
+                                          <a:latin typeface="Cambria Math" panose="02040503050406030204" pitchFamily="18" charset="0"/>
+                                        </a:rPr>
+                                        <m:t>𝐺</m:t>
+                                      </m:r>
+                                    </m:e>
+                                  </m:d>
+                                </m:e>
+                                <m:sup>
+                                  <m:r>
+                                    <a:rPr lang="en-GB" i="1">
+                                      <a:latin typeface="Cambria Math" panose="02040503050406030204" pitchFamily="18" charset="0"/>
+                                    </a:rPr>
+                                    <m:t>2</m:t>
+                                  </m:r>
+                                </m:sup>
+                              </m:sSup>
+                              <m:r>
+                                <a:rPr lang="en-GB" i="1">
+                                  <a:latin typeface="Cambria Math" panose="02040503050406030204" pitchFamily="18" charset="0"/>
+                                </a:rPr>
+                                <m:t>𝑑</m:t>
+                              </m:r>
+                              <m:r>
+                                <a:rPr lang="en-GB" i="1">
+                                  <a:latin typeface="Cambria Math" panose="02040503050406030204" pitchFamily="18" charset="0"/>
+                                </a:rPr>
+                                <m:t>𝜔</m:t>
+                              </m:r>
+                              <m:r>
+                                <a:rPr lang="en-GB" i="1">
+                                  <a:latin typeface="Cambria Math" panose="02040503050406030204" pitchFamily="18" charset="0"/>
+                                </a:rPr>
+                                <m:t>+</m:t>
+                              </m:r>
+                              <m:sSub>
+                                <m:sSubPr>
+                                  <m:ctrlPr>
+                                    <a:rPr lang="en-GB" b="0" i="1" smtClean="0">
+                                      <a:latin typeface="Cambria Math" panose="02040503050406030204" pitchFamily="18" charset="0"/>
+                                    </a:rPr>
+                                  </m:ctrlPr>
+                                </m:sSubPr>
+                                <m:e>
+                                  <m:r>
+                                    <a:rPr lang="en-GB" b="0" i="1" smtClean="0">
+                                      <a:latin typeface="Cambria Math" panose="02040503050406030204" pitchFamily="18" charset="0"/>
+                                    </a:rPr>
+                                    <m:t>𝐾</m:t>
+                                  </m:r>
+                                </m:e>
+                                <m:sub>
+                                  <m:r>
+                                    <a:rPr lang="en-GB" b="0" i="1" smtClean="0">
+                                      <a:latin typeface="Cambria Math" panose="02040503050406030204" pitchFamily="18" charset="0"/>
+                                    </a:rPr>
+                                    <m:t>2</m:t>
+                                  </m:r>
+                                </m:sub>
+                              </m:sSub>
+                              <m:nary>
+                                <m:naryPr>
+                                  <m:ctrlPr>
+                                    <a:rPr lang="en-GB" i="1">
+                                      <a:latin typeface="Cambria Math" panose="02040503050406030204" pitchFamily="18" charset="0"/>
+                                    </a:rPr>
+                                  </m:ctrlPr>
+                                </m:naryPr>
+                                <m:sub>
+                                  <m:r>
+                                    <m:rPr>
+                                      <m:brk m:alnAt="23"/>
+                                    </m:rPr>
+                                    <a:rPr lang="en-GB" i="1">
+                                      <a:latin typeface="Cambria Math" panose="02040503050406030204" pitchFamily="18" charset="0"/>
+                                    </a:rPr>
+                                    <m:t>−</m:t>
+                                  </m:r>
+                                  <m:r>
+                                    <a:rPr lang="en-GB" i="1">
+                                      <a:latin typeface="Cambria Math" panose="02040503050406030204" pitchFamily="18" charset="0"/>
+                                    </a:rPr>
+                                    <m:t>𝜋</m:t>
+                                  </m:r>
+                                </m:sub>
+                                <m:sup>
+                                  <m:r>
+                                    <a:rPr lang="en-GB" i="1">
+                                      <a:latin typeface="Cambria Math" panose="02040503050406030204" pitchFamily="18" charset="0"/>
+                                    </a:rPr>
+                                    <m:t>𝜋</m:t>
+                                  </m:r>
+                                </m:sup>
+                                <m:e>
+                                  <m:f>
+                                    <m:fPr>
+                                      <m:ctrlPr>
+                                        <a:rPr lang="en-GB" i="1">
+                                          <a:latin typeface="Cambria Math" panose="02040503050406030204" pitchFamily="18" charset="0"/>
+                                        </a:rPr>
+                                      </m:ctrlPr>
+                                    </m:fPr>
+                                    <m:num>
+                                      <m:r>
+                                        <a:rPr lang="en-GB" b="0" i="1" smtClean="0">
+                                          <a:latin typeface="Cambria Math" panose="02040503050406030204" pitchFamily="18" charset="0"/>
+                                        </a:rPr>
+                                        <m:t>1</m:t>
+                                      </m:r>
+                                    </m:num>
+                                    <m:den>
+                                      <m:sSup>
+                                        <m:sSupPr>
+                                          <m:ctrlPr>
+                                            <a:rPr lang="en-GB" i="1">
+                                              <a:latin typeface="Cambria Math" panose="02040503050406030204" pitchFamily="18" charset="0"/>
+                                            </a:rPr>
+                                          </m:ctrlPr>
+                                        </m:sSupPr>
+                                        <m:e>
+                                          <m:d>
+                                            <m:dPr>
+                                              <m:begChr m:val="|"/>
+                                              <m:endChr m:val="|"/>
+                                              <m:ctrlPr>
+                                                <a:rPr lang="en-GB" i="1">
+                                                  <a:latin typeface="Cambria Math" panose="02040503050406030204" pitchFamily="18" charset="0"/>
+                                                </a:rPr>
+                                              </m:ctrlPr>
+                                            </m:dPr>
+                                            <m:e>
+                                              <m:r>
+                                                <a:rPr lang="en-GB" i="1">
+                                                  <a:latin typeface="Cambria Math" panose="02040503050406030204" pitchFamily="18" charset="0"/>
+                                                </a:rPr>
+                                                <m:t>𝑆</m:t>
+                                              </m:r>
+                                            </m:e>
+                                          </m:d>
+                                        </m:e>
+                                        <m:sup>
+                                          <m:r>
+                                            <a:rPr lang="en-GB" i="1">
+                                              <a:latin typeface="Cambria Math" panose="02040503050406030204" pitchFamily="18" charset="0"/>
+                                            </a:rPr>
+                                            <m:t>2</m:t>
+                                          </m:r>
+                                        </m:sup>
+                                      </m:sSup>
+                                    </m:den>
+                                  </m:f>
+                                  <m:r>
+                                    <a:rPr lang="en-GB" i="1">
+                                      <a:latin typeface="Cambria Math" panose="02040503050406030204" pitchFamily="18" charset="0"/>
+                                    </a:rPr>
+                                    <m:t>𝑑</m:t>
+                                  </m:r>
+                                  <m:r>
+                                    <a:rPr lang="en-GB" i="1">
+                                      <a:latin typeface="Cambria Math" panose="02040503050406030204" pitchFamily="18" charset="0"/>
+                                    </a:rPr>
+                                    <m:t>𝜔</m:t>
+                                  </m:r>
+                                  <m:r>
+                                    <a:rPr lang="en-GB" i="1">
+                                      <a:latin typeface="Cambria Math" panose="02040503050406030204" pitchFamily="18" charset="0"/>
+                                    </a:rPr>
+                                    <m:t>  </m:t>
+                                  </m:r>
+                                </m:e>
+                              </m:nary>
+                              <m:r>
+                                <a:rPr lang="en-GB" i="1">
+                                  <a:latin typeface="Cambria Math" panose="02040503050406030204" pitchFamily="18" charset="0"/>
+                                </a:rPr>
+                                <m:t> </m:t>
+                              </m:r>
+                            </m:e>
+                          </m:nary>
+                        </m:e>
+                      </m:d>
+                    </m:oMath>
+                  </m:oMathPara>
+                </a14:m>
+                <a:endParaRPr lang="en-GB" dirty="0" smtClean="0"/>
+              </a:p>
+              <a:p>
+                <a14:m>
+                  <m:oMathPara xmlns:m="http://schemas.openxmlformats.org/officeDocument/2006/math">
+                    <m:oMathParaPr>
+                      <m:jc m:val="centerGroup"/>
+                    </m:oMathParaPr>
+                    <m:oMath xmlns:m="http://schemas.openxmlformats.org/officeDocument/2006/math">
+                      <m:r>
+                        <a:rPr lang="en-GB" b="0" i="1" smtClean="0">
+                          <a:latin typeface="Cambria Math" panose="02040503050406030204" pitchFamily="18" charset="0"/>
+                        </a:rPr>
+                        <m:t>≤</m:t>
+                      </m:r>
+                      <m:f>
+                        <m:fPr>
+                          <m:ctrlPr>
+                            <a:rPr lang="en-GB" i="1">
+                              <a:latin typeface="Cambria Math" panose="02040503050406030204" pitchFamily="18" charset="0"/>
+                            </a:rPr>
+                          </m:ctrlPr>
+                        </m:fPr>
+                        <m:num>
+                          <m:r>
+                            <a:rPr lang="en-GB" b="0" i="1" smtClean="0">
+                              <a:latin typeface="Cambria Math" panose="02040503050406030204" pitchFamily="18" charset="0"/>
+                            </a:rPr>
+                            <m:t>𝐾</m:t>
+                          </m:r>
+                        </m:num>
+                        <m:den>
+                          <m:r>
+                            <a:rPr lang="en-GB" i="1">
+                              <a:latin typeface="Cambria Math" panose="02040503050406030204" pitchFamily="18" charset="0"/>
+                            </a:rPr>
+                            <m:t>2</m:t>
+                          </m:r>
+                          <m:r>
+                            <a:rPr lang="en-GB" i="1">
+                              <a:latin typeface="Cambria Math" panose="02040503050406030204" pitchFamily="18" charset="0"/>
+                            </a:rPr>
+                            <m:t>𝜋</m:t>
+                          </m:r>
+                        </m:den>
+                      </m:f>
+                      <m:d>
+                        <m:dPr>
+                          <m:begChr m:val="["/>
+                          <m:endChr m:val="]"/>
+                          <m:ctrlPr>
+                            <a:rPr lang="en-GB" i="1">
+                              <a:latin typeface="Cambria Math" panose="02040503050406030204" pitchFamily="18" charset="0"/>
+                            </a:rPr>
+                          </m:ctrlPr>
+                        </m:dPr>
+                        <m:e>
+                          <m:nary>
+                            <m:naryPr>
+                              <m:ctrlPr>
+                                <a:rPr lang="en-GB" i="1">
+                                  <a:latin typeface="Cambria Math" panose="02040503050406030204" pitchFamily="18" charset="0"/>
+                                </a:rPr>
+                              </m:ctrlPr>
+                            </m:naryPr>
+                            <m:sub>
+                              <m:r>
+                                <m:rPr>
+                                  <m:brk m:alnAt="23"/>
+                                </m:rPr>
+                                <a:rPr lang="en-GB" i="1">
+                                  <a:latin typeface="Cambria Math" panose="02040503050406030204" pitchFamily="18" charset="0"/>
+                                </a:rPr>
+                                <m:t>−</m:t>
+                              </m:r>
+                              <m:r>
+                                <a:rPr lang="en-GB" i="1">
+                                  <a:latin typeface="Cambria Math" panose="02040503050406030204" pitchFamily="18" charset="0"/>
+                                </a:rPr>
+                                <m:t>𝜋</m:t>
+                              </m:r>
+                            </m:sub>
+                            <m:sup>
+                              <m:r>
+                                <a:rPr lang="en-GB" i="1">
+                                  <a:latin typeface="Cambria Math" panose="02040503050406030204" pitchFamily="18" charset="0"/>
+                                </a:rPr>
+                                <m:t>𝜋</m:t>
+                              </m:r>
+                            </m:sup>
+                            <m:e>
+                              <m:sSup>
+                                <m:sSupPr>
+                                  <m:ctrlPr>
+                                    <a:rPr lang="en-GB" i="1">
+                                      <a:latin typeface="Cambria Math" panose="02040503050406030204" pitchFamily="18" charset="0"/>
+                                    </a:rPr>
+                                  </m:ctrlPr>
+                                </m:sSupPr>
+                                <m:e>
+                                  <m:d>
+                                    <m:dPr>
+                                      <m:begChr m:val="|"/>
+                                      <m:endChr m:val="|"/>
+                                      <m:ctrlPr>
+                                        <a:rPr lang="en-GB" i="1">
+                                          <a:latin typeface="Cambria Math" panose="02040503050406030204" pitchFamily="18" charset="0"/>
+                                        </a:rPr>
+                                      </m:ctrlPr>
+                                    </m:dPr>
+                                    <m:e>
+                                      <m:sSup>
+                                        <m:sSupPr>
+                                          <m:ctrlPr>
+                                            <a:rPr lang="en-GB" i="1">
+                                              <a:latin typeface="Cambria Math" panose="02040503050406030204" pitchFamily="18" charset="0"/>
+                                            </a:rPr>
+                                          </m:ctrlPr>
+                                        </m:sSupPr>
+                                        <m:e>
+                                          <m:r>
+                                            <a:rPr lang="en-GB" i="1">
+                                              <a:latin typeface="Cambria Math" panose="02040503050406030204" pitchFamily="18" charset="0"/>
+                                            </a:rPr>
+                                            <m:t>𝐺</m:t>
+                                          </m:r>
+                                        </m:e>
+                                        <m:sup>
+                                          <m:r>
+                                            <a:rPr lang="en-GB" i="1">
+                                              <a:latin typeface="Cambria Math" panose="02040503050406030204" pitchFamily="18" charset="0"/>
+                                            </a:rPr>
+                                            <m:t>0</m:t>
+                                          </m:r>
+                                        </m:sup>
+                                      </m:sSup>
+                                      <m:r>
+                                        <a:rPr lang="en-GB" i="1">
+                                          <a:latin typeface="Cambria Math" panose="02040503050406030204" pitchFamily="18" charset="0"/>
+                                        </a:rPr>
+                                        <m:t>−</m:t>
+                                      </m:r>
+                                      <m:r>
+                                        <a:rPr lang="en-GB" i="1">
+                                          <a:latin typeface="Cambria Math" panose="02040503050406030204" pitchFamily="18" charset="0"/>
+                                        </a:rPr>
+                                        <m:t>𝐺</m:t>
+                                      </m:r>
+                                    </m:e>
+                                  </m:d>
+                                </m:e>
+                                <m:sup>
+                                  <m:r>
+                                    <a:rPr lang="en-GB" i="1">
+                                      <a:latin typeface="Cambria Math" panose="02040503050406030204" pitchFamily="18" charset="0"/>
+                                    </a:rPr>
+                                    <m:t>2</m:t>
+                                  </m:r>
+                                </m:sup>
+                              </m:sSup>
+                              <m:r>
+                                <a:rPr lang="en-GB" i="1">
+                                  <a:latin typeface="Cambria Math" panose="02040503050406030204" pitchFamily="18" charset="0"/>
+                                </a:rPr>
+                                <m:t>𝑑</m:t>
+                              </m:r>
+                              <m:r>
+                                <a:rPr lang="en-GB" i="1">
+                                  <a:latin typeface="Cambria Math" panose="02040503050406030204" pitchFamily="18" charset="0"/>
+                                </a:rPr>
+                                <m:t>𝜔</m:t>
+                              </m:r>
+                              <m:r>
+                                <a:rPr lang="en-GB" i="1">
+                                  <a:latin typeface="Cambria Math" panose="02040503050406030204" pitchFamily="18" charset="0"/>
+                                </a:rPr>
+                                <m:t>+</m:t>
+                              </m:r>
+                              <m:nary>
+                                <m:naryPr>
+                                  <m:ctrlPr>
+                                    <a:rPr lang="en-GB" i="1">
+                                      <a:latin typeface="Cambria Math" panose="02040503050406030204" pitchFamily="18" charset="0"/>
+                                    </a:rPr>
+                                  </m:ctrlPr>
+                                </m:naryPr>
+                                <m:sub>
+                                  <m:r>
+                                    <m:rPr>
+                                      <m:brk m:alnAt="23"/>
+                                    </m:rPr>
+                                    <a:rPr lang="en-GB" i="1">
+                                      <a:latin typeface="Cambria Math" panose="02040503050406030204" pitchFamily="18" charset="0"/>
+                                    </a:rPr>
+                                    <m:t>−</m:t>
+                                  </m:r>
+                                  <m:r>
+                                    <a:rPr lang="en-GB" i="1">
+                                      <a:latin typeface="Cambria Math" panose="02040503050406030204" pitchFamily="18" charset="0"/>
+                                    </a:rPr>
+                                    <m:t>𝜋</m:t>
+                                  </m:r>
+                                </m:sub>
+                                <m:sup>
+                                  <m:r>
+                                    <a:rPr lang="en-GB" i="1">
+                                      <a:latin typeface="Cambria Math" panose="02040503050406030204" pitchFamily="18" charset="0"/>
+                                    </a:rPr>
+                                    <m:t>𝜋</m:t>
+                                  </m:r>
+                                </m:sup>
+                                <m:e>
+                                  <m:sSup>
+                                    <m:sSupPr>
+                                      <m:ctrlPr>
+                                        <a:rPr lang="en-GB" i="1">
+                                          <a:latin typeface="Cambria Math" panose="02040503050406030204" pitchFamily="18" charset="0"/>
+                                        </a:rPr>
+                                      </m:ctrlPr>
+                                    </m:sSupPr>
+                                    <m:e>
+                                      <m:d>
+                                        <m:dPr>
+                                          <m:begChr m:val="|"/>
+                                          <m:endChr m:val="|"/>
+                                          <m:ctrlPr>
+                                            <a:rPr lang="en-GB" i="1">
+                                              <a:latin typeface="Cambria Math" panose="02040503050406030204" pitchFamily="18" charset="0"/>
+                                            </a:rPr>
+                                          </m:ctrlPr>
+                                        </m:dPr>
+                                        <m:e>
+                                          <m:r>
+                                            <a:rPr lang="en-GB" i="1">
+                                              <a:latin typeface="Cambria Math" panose="02040503050406030204" pitchFamily="18" charset="0"/>
+                                            </a:rPr>
+                                            <m:t>1+</m:t>
+                                          </m:r>
+                                          <m:r>
+                                            <a:rPr lang="en-GB" i="1">
+                                              <a:latin typeface="Cambria Math" panose="02040503050406030204" pitchFamily="18" charset="0"/>
+                                            </a:rPr>
+                                            <m:t>𝐶𝐺</m:t>
+                                          </m:r>
+                                        </m:e>
+                                      </m:d>
+                                    </m:e>
+                                    <m:sup>
+                                      <m:r>
+                                        <a:rPr lang="en-GB" i="1">
+                                          <a:latin typeface="Cambria Math" panose="02040503050406030204" pitchFamily="18" charset="0"/>
+                                        </a:rPr>
+                                        <m:t>2</m:t>
+                                      </m:r>
+                                    </m:sup>
+                                  </m:sSup>
+                                  <m:r>
+                                    <a:rPr lang="en-GB" i="1">
+                                      <a:latin typeface="Cambria Math" panose="02040503050406030204" pitchFamily="18" charset="0"/>
+                                    </a:rPr>
+                                    <m:t>𝑑</m:t>
+                                  </m:r>
+                                  <m:r>
+                                    <a:rPr lang="en-GB" i="1">
+                                      <a:latin typeface="Cambria Math" panose="02040503050406030204" pitchFamily="18" charset="0"/>
+                                    </a:rPr>
+                                    <m:t>𝜔</m:t>
+                                  </m:r>
+                                  <m:r>
+                                    <a:rPr lang="en-GB" i="1">
+                                      <a:latin typeface="Cambria Math" panose="02040503050406030204" pitchFamily="18" charset="0"/>
+                                    </a:rPr>
+                                    <m:t>  </m:t>
+                                  </m:r>
+                                </m:e>
+                              </m:nary>
+                              <m:r>
+                                <a:rPr lang="en-GB" i="1">
+                                  <a:latin typeface="Cambria Math" panose="02040503050406030204" pitchFamily="18" charset="0"/>
+                                </a:rPr>
+                                <m:t> </m:t>
+                              </m:r>
+                            </m:e>
+                          </m:nary>
+                        </m:e>
+                      </m:d>
+                      <m:r>
+                        <a:rPr lang="en-GB" b="0" i="1" smtClean="0">
+                          <a:latin typeface="Cambria Math" panose="02040503050406030204" pitchFamily="18" charset="0"/>
+                        </a:rPr>
+                        <m:t>=</m:t>
+                      </m:r>
+                      <m:acc>
+                        <m:accPr>
+                          <m:chr m:val="̂"/>
+                          <m:ctrlPr>
+                            <a:rPr lang="en-GB" b="0" i="1" smtClean="0">
+                              <a:latin typeface="Cambria Math" panose="02040503050406030204" pitchFamily="18" charset="0"/>
+                            </a:rPr>
+                          </m:ctrlPr>
+                        </m:accPr>
+                        <m:e>
+                          <m:r>
+                            <a:rPr lang="en-GB" b="0" i="1" smtClean="0">
+                              <a:latin typeface="Cambria Math" panose="02040503050406030204" pitchFamily="18" charset="0"/>
+                            </a:rPr>
+                            <m:t>𝐾</m:t>
+                          </m:r>
+                        </m:e>
+                      </m:acc>
+                      <m:r>
+                        <a:rPr lang="en-GB" b="0" i="1" smtClean="0">
+                          <a:latin typeface="Cambria Math" panose="02040503050406030204" pitchFamily="18" charset="0"/>
+                        </a:rPr>
+                        <m:t>[</m:t>
+                      </m:r>
+                      <m:r>
+                        <a:rPr lang="en-GB" b="0" i="1" smtClean="0">
+                          <a:latin typeface="Cambria Math" panose="02040503050406030204" pitchFamily="18" charset="0"/>
+                        </a:rPr>
+                        <m:t>𝐴</m:t>
+                      </m:r>
+                      <m:r>
+                        <a:rPr lang="en-GB" b="0" i="1" smtClean="0">
+                          <a:latin typeface="Cambria Math" panose="02040503050406030204" pitchFamily="18" charset="0"/>
+                        </a:rPr>
+                        <m:t>+</m:t>
+                      </m:r>
+                      <m:r>
+                        <a:rPr lang="en-GB" b="0" i="1" smtClean="0">
+                          <a:latin typeface="Cambria Math" panose="02040503050406030204" pitchFamily="18" charset="0"/>
+                        </a:rPr>
+                        <m:t>𝐵</m:t>
+                      </m:r>
+                      <m:r>
+                        <a:rPr lang="en-GB" b="0" i="1" smtClean="0">
+                          <a:latin typeface="Cambria Math" panose="02040503050406030204" pitchFamily="18" charset="0"/>
+                        </a:rPr>
+                        <m:t>]</m:t>
+                      </m:r>
+                    </m:oMath>
+                  </m:oMathPara>
+                </a14:m>
+                <a:endParaRPr lang="en-GB" dirty="0"/>
+              </a:p>
+              <a:p>
+                <a:pPr/>
+                <a:endParaRPr lang="en-GB" dirty="0"/>
+              </a:p>
+            </p:txBody>
+          </p:sp>
+        </mc:Choice>
+        <mc:Fallback>
+          <p:sp>
+            <p:nvSpPr>
+              <p:cNvPr id="3" name="Rectangle 2"/>
+              <p:cNvSpPr>
+                <a:spLocks noRot="1" noChangeAspect="1" noMove="1" noResize="1" noEditPoints="1" noAdjustHandles="1" noChangeArrowheads="1" noChangeShapeType="1" noTextEdit="1"/>
+              </p:cNvSpPr>
+              <p:nvPr/>
+            </p:nvSpPr>
+            <p:spPr>
+              <a:xfrm>
+                <a:off x="125337" y="1067419"/>
+                <a:ext cx="11384357" cy="4522648"/>
+              </a:xfrm>
+              <a:prstGeom prst="rect">
+                <a:avLst/>
+              </a:prstGeom>
+              <a:blipFill rotWithShape="0">
+                <a:blip r:embed="rId2"/>
+                <a:stretch>
+                  <a:fillRect l="-482"/>
+                </a:stretch>
+              </a:blipFill>
+            </p:spPr>
+            <p:txBody>
+              <a:bodyPr/>
+              <a:lstStyle/>
+              <a:p>
+                <a:r>
+                  <a:rPr lang="en-GB">
+                    <a:noFill/>
+                  </a:rPr>
+                  <a:t> </a:t>
+                </a:r>
+              </a:p>
+            </p:txBody>
+          </p:sp>
+        </mc:Fallback>
+      </mc:AlternateContent>
+    </p:spTree>
+    <p:extLst>
+      <p:ext uri="{BB962C8B-B14F-4D97-AF65-F5344CB8AC3E}">
+        <p14:creationId xmlns:p14="http://schemas.microsoft.com/office/powerpoint/2010/main" val="3981564223"/>
+      </p:ext>
+    </p:extLst>
+  </p:cSld>
+  <p:clrMapOvr>
+    <a:masterClrMapping/>
+  </p:clrMapOvr>
+  <p:timing>
+    <p:tnLst>
+      <p:par>
+        <p:cTn id="1" dur="indefinite" restart="never" nodeType="tmRoot"/>
+      </p:par>
+    </p:tnLst>
+  </p:timing>
+</p:sld>
+</file>
+
+<file path=ppt/slides/slide25.xml><?xml version="1.0" encoding="utf-8"?>
+<p:sld xmlns:a="http://schemas.openxmlformats.org/drawingml/2006/main" xmlns:r="http://schemas.openxmlformats.org/officeDocument/2006/relationships" xmlns:p="http://schemas.openxmlformats.org/presentationml/2006/main">
+  <p:cSld>
+    <p:spTree>
+      <p:nvGrpSpPr>
+        <p:cNvPr id="1" name=""/>
+        <p:cNvGrpSpPr/>
+        <p:nvPr/>
+      </p:nvGrpSpPr>
+      <p:grpSpPr>
+        <a:xfrm>
+          <a:off x="0" y="0"/>
+          <a:ext cx="0" cy="0"/>
+          <a:chOff x="0" y="0"/>
+          <a:chExt cx="0" cy="0"/>
+        </a:xfrm>
+      </p:grpSpPr>
+      <p:sp>
+        <p:nvSpPr>
+          <p:cNvPr id="2" name="Slide Number Placeholder 1"/>
+          <p:cNvSpPr>
+            <a:spLocks noGrp="1"/>
+          </p:cNvSpPr>
+          <p:nvPr>
+            <p:ph type="sldNum" sz="quarter" idx="10"/>
+          </p:nvPr>
+        </p:nvSpPr>
+        <p:spPr/>
+        <p:txBody>
+          <a:bodyPr/>
+          <a:lstStyle/>
+          <a:p>
+            <a:fld id="{61155BBA-336D-4AED-BB34-E42D9706BCE7}" type="slidenum">
+              <a:rPr lang="it-IT" altLang="en-US" smtClean="0"/>
+              <a:pPr/>
+              <a:t>25</a:t>
             </a:fld>
             <a:endParaRPr lang="it-IT" altLang="en-US"/>
           </a:p>
@@ -16787,8 +21469,8 @@
           </a:p>
         </p:txBody>
       </p:sp>
-      <mc:AlternateContent xmlns:mc="http://schemas.openxmlformats.org/markup-compatibility/2006">
-        <mc:Choice xmlns:a14="http://schemas.microsoft.com/office/drawing/2010/main" Requires="a14">
+      <mc:AlternateContent xmlns:mc="http://schemas.openxmlformats.org/markup-compatibility/2006" xmlns:a14="http://schemas.microsoft.com/office/drawing/2010/main">
+        <mc:Choice Requires="a14">
           <p:sp>
             <p:nvSpPr>
               <p:cNvPr id="5" name="TextBox 4"/>
@@ -16882,7 +21564,6 @@
                   <a:rPr lang="en-GB" dirty="0"/>
                   <a:t> We may test the cost function on a subset of this experiment. 	</a:t>
                 </a:r>
-                <a:endParaRPr lang="en-GB" dirty="0"/>
               </a:p>
               <a:p>
                 <a:endParaRPr lang="en-GB" dirty="0"/>
@@ -16893,7 +21574,7 @@
             </p:txBody>
           </p:sp>
         </mc:Choice>
-        <mc:Fallback>
+        <mc:Fallback xmlns="">
           <p:sp>
             <p:nvSpPr>
               <p:cNvPr id="5" name="TextBox 4"/>
@@ -16952,7 +21633,7 @@
 </p:sld>
 </file>
 
-<file path=ppt/slides/slide25.xml><?xml version="1.0" encoding="utf-8"?>
+<file path=ppt/slides/slide26.xml><?xml version="1.0" encoding="utf-8"?>
 <p:sld xmlns:a="http://schemas.openxmlformats.org/drawingml/2006/main" xmlns:r="http://schemas.openxmlformats.org/officeDocument/2006/relationships" xmlns:p="http://schemas.openxmlformats.org/presentationml/2006/main">
   <p:cSld>
     <p:spTree>
@@ -16987,7 +21668,7 @@
             <a:fld id="{61155BBA-336D-4AED-BB34-E42D9706BCE7}" type="slidenum">
               <a:rPr lang="it-IT" altLang="en-US" smtClean="0"/>
               <a:pPr/>
-              <a:t>25</a:t>
+              <a:t>26</a:t>
             </a:fld>
             <a:endParaRPr lang="it-IT" altLang="en-US"/>
           </a:p>
@@ -17088,7 +21769,7 @@
 </p:sld>
 </file>
 
-<file path=ppt/slides/slide26.xml><?xml version="1.0" encoding="utf-8"?>
+<file path=ppt/slides/slide27.xml><?xml version="1.0" encoding="utf-8"?>
 <p:sld xmlns:a="http://schemas.openxmlformats.org/drawingml/2006/main" xmlns:r="http://schemas.openxmlformats.org/officeDocument/2006/relationships" xmlns:p="http://schemas.openxmlformats.org/presentationml/2006/main">
   <p:cSld>
     <p:spTree>
@@ -17123,7 +21804,7 @@
             <a:fld id="{61155BBA-336D-4AED-BB34-E42D9706BCE7}" type="slidenum">
               <a:rPr lang="it-IT" altLang="en-US" smtClean="0"/>
               <a:pPr/>
-              <a:t>26</a:t>
+              <a:t>27</a:t>
             </a:fld>
             <a:endParaRPr lang="it-IT" altLang="en-US"/>
           </a:p>
@@ -17236,7 +21917,7 @@
 </p:sld>
 </file>
 
-<file path=ppt/slides/slide27.xml><?xml version="1.0" encoding="utf-8"?>
+<file path=ppt/slides/slide28.xml><?xml version="1.0" encoding="utf-8"?>
 <p:sld xmlns:a="http://schemas.openxmlformats.org/drawingml/2006/main" xmlns:r="http://schemas.openxmlformats.org/officeDocument/2006/relationships" xmlns:p="http://schemas.openxmlformats.org/presentationml/2006/main">
   <p:cSld>
     <p:spTree>
@@ -17271,7 +21952,7 @@
             <a:fld id="{61155BBA-336D-4AED-BB34-E42D9706BCE7}" type="slidenum">
               <a:rPr lang="it-IT" altLang="en-US" smtClean="0"/>
               <a:pPr/>
-              <a:t>27</a:t>
+              <a:t>28</a:t>
             </a:fld>
             <a:endParaRPr lang="it-IT" altLang="en-US"/>
           </a:p>
@@ -17440,11 +22121,7 @@
             </a:r>
             <a:r>
               <a:rPr lang="en-GB" dirty="0" smtClean="0"/>
-              <a:t> of the data and </a:t>
-            </a:r>
-            <a:r>
-              <a:rPr lang="en-GB" dirty="0" smtClean="0"/>
-              <a:t>train</a:t>
+              <a:t> of the data and train</a:t>
             </a:r>
           </a:p>
           <a:p>

--- a/report/Report.pptx
+++ b/report/Report.pptx
@@ -283,7 +283,7 @@
           <a:p>
             <a:fld id="{843C4FC0-81D1-4453-9443-D3E156B7E80B}" type="datetimeFigureOut">
               <a:rPr lang="en-GB" smtClean="0"/>
-              <a:t>13/04/2015</a:t>
+              <a:t>14/04/2015</a:t>
             </a:fld>
             <a:endParaRPr lang="en-GB"/>
           </a:p>
@@ -453,7 +453,7 @@
           <a:p>
             <a:fld id="{843C4FC0-81D1-4453-9443-D3E156B7E80B}" type="datetimeFigureOut">
               <a:rPr lang="en-GB" smtClean="0"/>
-              <a:t>13/04/2015</a:t>
+              <a:t>14/04/2015</a:t>
             </a:fld>
             <a:endParaRPr lang="en-GB"/>
           </a:p>
@@ -633,7 +633,7 @@
           <a:p>
             <a:fld id="{843C4FC0-81D1-4453-9443-D3E156B7E80B}" type="datetimeFigureOut">
               <a:rPr lang="en-GB" smtClean="0"/>
-              <a:t>13/04/2015</a:t>
+              <a:t>14/04/2015</a:t>
             </a:fld>
             <a:endParaRPr lang="en-GB"/>
           </a:p>
@@ -1414,7 +1414,7 @@
           <a:p>
             <a:fld id="{843C4FC0-81D1-4453-9443-D3E156B7E80B}" type="datetimeFigureOut">
               <a:rPr lang="en-GB" smtClean="0"/>
-              <a:t>13/04/2015</a:t>
+              <a:t>14/04/2015</a:t>
             </a:fld>
             <a:endParaRPr lang="en-GB"/>
           </a:p>
@@ -1660,7 +1660,7 @@
           <a:p>
             <a:fld id="{843C4FC0-81D1-4453-9443-D3E156B7E80B}" type="datetimeFigureOut">
               <a:rPr lang="en-GB" smtClean="0"/>
-              <a:t>13/04/2015</a:t>
+              <a:t>14/04/2015</a:t>
             </a:fld>
             <a:endParaRPr lang="en-GB"/>
           </a:p>
@@ -1892,7 +1892,7 @@
           <a:p>
             <a:fld id="{843C4FC0-81D1-4453-9443-D3E156B7E80B}" type="datetimeFigureOut">
               <a:rPr lang="en-GB" smtClean="0"/>
-              <a:t>13/04/2015</a:t>
+              <a:t>14/04/2015</a:t>
             </a:fld>
             <a:endParaRPr lang="en-GB"/>
           </a:p>
@@ -2259,7 +2259,7 @@
           <a:p>
             <a:fld id="{843C4FC0-81D1-4453-9443-D3E156B7E80B}" type="datetimeFigureOut">
               <a:rPr lang="en-GB" smtClean="0"/>
-              <a:t>13/04/2015</a:t>
+              <a:t>14/04/2015</a:t>
             </a:fld>
             <a:endParaRPr lang="en-GB"/>
           </a:p>
@@ -2377,7 +2377,7 @@
           <a:p>
             <a:fld id="{843C4FC0-81D1-4453-9443-D3E156B7E80B}" type="datetimeFigureOut">
               <a:rPr lang="en-GB" smtClean="0"/>
-              <a:t>13/04/2015</a:t>
+              <a:t>14/04/2015</a:t>
             </a:fld>
             <a:endParaRPr lang="en-GB"/>
           </a:p>
@@ -2472,7 +2472,7 @@
           <a:p>
             <a:fld id="{843C4FC0-81D1-4453-9443-D3E156B7E80B}" type="datetimeFigureOut">
               <a:rPr lang="en-GB" smtClean="0"/>
-              <a:t>13/04/2015</a:t>
+              <a:t>14/04/2015</a:t>
             </a:fld>
             <a:endParaRPr lang="en-GB"/>
           </a:p>
@@ -2749,7 +2749,7 @@
           <a:p>
             <a:fld id="{843C4FC0-81D1-4453-9443-D3E156B7E80B}" type="datetimeFigureOut">
               <a:rPr lang="en-GB" smtClean="0"/>
-              <a:t>13/04/2015</a:t>
+              <a:t>14/04/2015</a:t>
             </a:fld>
             <a:endParaRPr lang="en-GB"/>
           </a:p>
@@ -3002,7 +3002,7 @@
           <a:p>
             <a:fld id="{843C4FC0-81D1-4453-9443-D3E156B7E80B}" type="datetimeFigureOut">
               <a:rPr lang="en-GB" smtClean="0"/>
-              <a:t>13/04/2015</a:t>
+              <a:t>14/04/2015</a:t>
             </a:fld>
             <a:endParaRPr lang="en-GB"/>
           </a:p>
@@ -3215,7 +3215,7 @@
           <a:p>
             <a:fld id="{843C4FC0-81D1-4453-9443-D3E156B7E80B}" type="datetimeFigureOut">
               <a:rPr lang="en-GB" smtClean="0"/>
-              <a:t>13/04/2015</a:t>
+              <a:t>14/04/2015</a:t>
             </a:fld>
             <a:endParaRPr lang="en-GB"/>
           </a:p>
@@ -5033,8 +5033,8 @@
         </p:nvSpPr>
         <p:spPr bwMode="auto">
           <a:xfrm>
-            <a:off x="7196836" y="5524143"/>
-            <a:ext cx="4752975" cy="1218795"/>
+            <a:off x="6618914" y="5524143"/>
+            <a:ext cx="5330897" cy="941796"/>
           </a:xfrm>
           <a:prstGeom prst="rect">
             <a:avLst/>
@@ -5064,7 +5064,7 @@
           </a:extLst>
         </p:spPr>
         <p:txBody>
-          <a:bodyPr lIns="0" tIns="0" rIns="0" bIns="0">
+          <a:bodyPr wrap="square" lIns="0" tIns="0" rIns="0" bIns="0">
             <a:spAutoFit/>
           </a:bodyPr>
           <a:lstStyle>
@@ -5197,9 +5197,8 @@
             </a:pPr>
             <a:r>
               <a:rPr lang="it-IT" altLang="en-US" sz="1800" b="1" dirty="0" smtClean="0"/>
-              <a:t>Polytechnic of Milan</a:t>
+              <a:t>Politecnico di milano</a:t>
             </a:r>
-            <a:endParaRPr lang="it-IT" altLang="en-US" sz="1800" b="1" dirty="0"/>
           </a:p>
         </p:txBody>
       </p:sp>
@@ -5421,7 +5420,7 @@
         </p:nvSpPr>
         <p:spPr>
           <a:xfrm>
-            <a:off x="2050142" y="6314883"/>
+            <a:off x="2050142" y="6096607"/>
             <a:ext cx="3928383" cy="369332"/>
           </a:xfrm>
           <a:prstGeom prst="rect">
@@ -7097,8 +7096,8 @@
           </a:p>
         </p:txBody>
       </p:sp>
-      <mc:AlternateContent xmlns:mc="http://schemas.openxmlformats.org/markup-compatibility/2006" xmlns:a14="http://schemas.microsoft.com/office/drawing/2010/main">
-        <mc:Choice Requires="a14">
+      <mc:AlternateContent xmlns:mc="http://schemas.openxmlformats.org/markup-compatibility/2006">
+        <mc:Choice xmlns:a14="http://schemas.microsoft.com/office/drawing/2010/main" Requires="a14">
           <p:sp>
             <p:nvSpPr>
               <p:cNvPr id="8" name="TextBox 7"/>
@@ -7108,7 +7107,7 @@
             <p:spPr>
               <a:xfrm>
                 <a:off x="679506" y="3915768"/>
-                <a:ext cx="10620465" cy="2602315"/>
+                <a:ext cx="10620465" cy="2325317"/>
               </a:xfrm>
               <a:prstGeom prst="rect">
                 <a:avLst/>
@@ -8029,9 +8028,6 @@
                     </m:oMath>
                   </m:oMathPara>
                 </a14:m>
-                <a:endParaRPr lang="en-GB" dirty="0" smtClean="0"/>
-              </a:p>
-              <a:p>
                 <a:endParaRPr lang="en-GB" dirty="0"/>
               </a:p>
               <a:p>
@@ -8146,7 +8142,7 @@
             </p:txBody>
           </p:sp>
         </mc:Choice>
-        <mc:Fallback xmlns="">
+        <mc:Fallback>
           <p:sp>
             <p:nvSpPr>
               <p:cNvPr id="8" name="TextBox 7"/>
@@ -8158,7 +8154,7 @@
             <p:spPr>
               <a:xfrm>
                 <a:off x="679506" y="3915768"/>
-                <a:ext cx="10620465" cy="2602315"/>
+                <a:ext cx="10620465" cy="2325317"/>
               </a:xfrm>
               <a:prstGeom prst="rect">
                 <a:avLst/>
@@ -8166,7 +8162,7 @@
               <a:blipFill rotWithShape="0">
                 <a:blip r:embed="rId2"/>
                 <a:stretch>
-                  <a:fillRect l="-1320" t="-7963" r="-1033"/>
+                  <a:fillRect l="-1320" t="-8901" r="-1033"/>
                 </a:stretch>
               </a:blipFill>
             </p:spPr>
@@ -15201,8 +15197,8 @@
           </a:p>
         </p:txBody>
       </p:sp>
-      <mc:AlternateContent xmlns:mc="http://schemas.openxmlformats.org/markup-compatibility/2006">
-        <mc:Choice xmlns:a14="http://schemas.microsoft.com/office/drawing/2010/main" Requires="a14">
+      <mc:AlternateContent xmlns:mc="http://schemas.openxmlformats.org/markup-compatibility/2006" xmlns:a14="http://schemas.microsoft.com/office/drawing/2010/main">
+        <mc:Choice Requires="a14">
           <p:sp>
             <p:nvSpPr>
               <p:cNvPr id="6" name="TextBox 5"/>
@@ -15551,13 +15547,7 @@
                           <a:rPr lang="en-GB" b="0" i="1" smtClean="0">
                             <a:latin typeface="Cambria Math" panose="02040503050406030204" pitchFamily="18" charset="0"/>
                           </a:rPr>
-                          <m:t>=</m:t>
-                        </m:r>
-                        <m:r>
-                          <a:rPr lang="en-GB" b="0" i="1" smtClean="0">
-                            <a:latin typeface="Cambria Math" panose="02040503050406030204" pitchFamily="18" charset="0"/>
-                          </a:rPr>
-                          <m:t>1</m:t>
+                          <m:t>=1</m:t>
                         </m:r>
                       </m:sub>
                       <m:sup/>
@@ -15796,7 +15786,7 @@
             </p:txBody>
           </p:sp>
         </mc:Choice>
-        <mc:Fallback>
+        <mc:Fallback xmlns="">
           <p:sp>
             <p:nvSpPr>
               <p:cNvPr id="6" name="TextBox 5"/>
@@ -15896,8 +15886,8 @@
           </a:p>
         </p:txBody>
       </p:sp>
-      <mc:AlternateContent xmlns:mc="http://schemas.openxmlformats.org/markup-compatibility/2006">
-        <mc:Choice xmlns:a14="http://schemas.microsoft.com/office/drawing/2010/main" Requires="a14">
+      <mc:AlternateContent xmlns:mc="http://schemas.openxmlformats.org/markup-compatibility/2006" xmlns:a14="http://schemas.microsoft.com/office/drawing/2010/main">
+        <mc:Choice Requires="a14">
           <p:sp>
             <p:nvSpPr>
               <p:cNvPr id="3" name="TextBox 2"/>
@@ -16879,18 +16869,15 @@
                 <a:endParaRPr lang="en-GB" dirty="0"/>
               </a:p>
               <a:p>
-                <a:pPr/>
                 <a:endParaRPr lang="en-GB" dirty="0" smtClean="0"/>
               </a:p>
               <a:p>
-                <a:pPr/>
                 <a:r>
                   <a:rPr lang="en-GB" dirty="0" smtClean="0"/>
                   <a:t>Notice that 1+GC = S^-1, inverse of the sensitivity T.F.</a:t>
                 </a:r>
               </a:p>
               <a:p>
-                <a:pPr/>
                 <a:endParaRPr lang="en-GB" dirty="0"/>
               </a:p>
               <a:p>
@@ -16947,13 +16934,7 @@
                                 <a:rPr lang="en-GB" b="0" i="1" smtClean="0">
                                   <a:latin typeface="Cambria Math" panose="02040503050406030204" pitchFamily="18" charset="0"/>
                                 </a:rPr>
-                                <m:t>𝐶</m:t>
-                              </m:r>
-                              <m:r>
-                                <a:rPr lang="en-GB" b="0" i="1" smtClean="0">
-                                  <a:latin typeface="Cambria Math" panose="02040503050406030204" pitchFamily="18" charset="0"/>
-                                </a:rPr>
-                                <m:t>𝑆</m:t>
+                                <m:t>𝐶𝑆</m:t>
                               </m:r>
                             </m:e>
                             <m:sup>
@@ -17157,7 +17138,6 @@
                 <a:endParaRPr lang="en-GB" dirty="0" smtClean="0"/>
               </a:p>
               <a:p>
-                <a:pPr/>
                 <a:endParaRPr lang="en-GB" dirty="0"/>
               </a:p>
               <a:p>
@@ -18464,7 +18444,6 @@
                 <a:endParaRPr lang="en-GB" dirty="0" smtClean="0"/>
               </a:p>
               <a:p>
-                <a:pPr/>
                 <a:endParaRPr lang="en-GB" dirty="0"/>
               </a:p>
               <a:p>
@@ -18539,7 +18518,7 @@
             </p:txBody>
           </p:sp>
         </mc:Choice>
-        <mc:Fallback>
+        <mc:Fallback xmlns="">
           <p:sp>
             <p:nvSpPr>
               <p:cNvPr id="3" name="TextBox 2"/>
@@ -18639,8 +18618,8 @@
           </a:p>
         </p:txBody>
       </p:sp>
-      <mc:AlternateContent xmlns:mc="http://schemas.openxmlformats.org/markup-compatibility/2006">
-        <mc:Choice xmlns:a14="http://schemas.microsoft.com/office/drawing/2010/main" Requires="a14">
+      <mc:AlternateContent xmlns:mc="http://schemas.openxmlformats.org/markup-compatibility/2006" xmlns:a14="http://schemas.microsoft.com/office/drawing/2010/main">
+        <mc:Choice Requires="a14">
           <p:sp>
             <p:nvSpPr>
               <p:cNvPr id="3" name="Rectangle 2"/>
@@ -19409,18 +19388,15 @@
                 <a:endParaRPr lang="en-GB" dirty="0" smtClean="0"/>
               </a:p>
               <a:p>
-                <a:pPr/>
                 <a:endParaRPr lang="en-GB" dirty="0"/>
               </a:p>
               <a:p>
-                <a:pPr/>
                 <a:r>
                   <a:rPr lang="en-GB" dirty="0" smtClean="0"/>
                   <a:t>With our objective to obtain a simulated output very similar to the measurement (H=1) we obtain:</a:t>
                 </a:r>
               </a:p>
               <a:p>
-                <a:pPr/>
                 <a:endParaRPr lang="en-GB" dirty="0"/>
               </a:p>
               <a:p>
@@ -20041,21 +20017,19 @@
                 <a:endParaRPr lang="en-GB" dirty="0" smtClean="0"/>
               </a:p>
               <a:p>
-                <a:pPr/>
                 <a:endParaRPr lang="en-GB" dirty="0"/>
               </a:p>
               <a:p>
-                <a:pPr/>
                 <a:r>
                   <a:rPr lang="en-GB" dirty="0" smtClean="0"/>
                   <a:t>In order to understand the effect of the minimisation problem we can write in the following manner:</a:t>
                 </a:r>
               </a:p>
               <a:p>
-                <a:pPr/>
                 <a:endParaRPr lang="en-GB" dirty="0"/>
               </a:p>
               <a:p>
+                <a:pPr/>
                 <a14:m>
                   <m:oMathPara xmlns:m="http://schemas.openxmlformats.org/officeDocument/2006/math">
                     <m:oMathParaPr>
@@ -20945,6 +20919,7 @@
                 <a:endParaRPr lang="en-GB" dirty="0" smtClean="0"/>
               </a:p>
               <a:p>
+                <a:pPr/>
                 <a14:m>
                   <m:oMathPara xmlns:m="http://schemas.openxmlformats.org/officeDocument/2006/math">
                     <m:oMathParaPr>
@@ -21288,13 +21263,12 @@
                 <a:endParaRPr lang="en-GB" dirty="0"/>
               </a:p>
               <a:p>
-                <a:pPr/>
                 <a:endParaRPr lang="en-GB" dirty="0"/>
               </a:p>
             </p:txBody>
           </p:sp>
         </mc:Choice>
-        <mc:Fallback>
+        <mc:Fallback xmlns="">
           <p:sp>
             <p:nvSpPr>
               <p:cNvPr id="3" name="Rectangle 2"/>

--- a/report/Report.pptx
+++ b/report/Report.pptx
@@ -31,10 +31,18 @@
     <p:sldId id="283" r:id="rId25"/>
     <p:sldId id="282" r:id="rId26"/>
     <p:sldId id="284" r:id="rId27"/>
-    <p:sldId id="264" r:id="rId28"/>
-    <p:sldId id="265" r:id="rId29"/>
-    <p:sldId id="277" r:id="rId30"/>
-    <p:sldId id="278" r:id="rId31"/>
+    <p:sldId id="287" r:id="rId28"/>
+    <p:sldId id="264" r:id="rId29"/>
+    <p:sldId id="289" r:id="rId30"/>
+    <p:sldId id="290" r:id="rId31"/>
+    <p:sldId id="291" r:id="rId32"/>
+    <p:sldId id="285" r:id="rId33"/>
+    <p:sldId id="286" r:id="rId34"/>
+    <p:sldId id="292" r:id="rId35"/>
+    <p:sldId id="288" r:id="rId36"/>
+    <p:sldId id="265" r:id="rId37"/>
+    <p:sldId id="277" r:id="rId38"/>
+    <p:sldId id="278" r:id="rId39"/>
   </p:sldIdLst>
   <p:sldSz cx="12192000" cy="6858000"/>
   <p:notesSz cx="6858000" cy="9144000"/>
@@ -7096,8 +7104,8 @@
           </a:p>
         </p:txBody>
       </p:sp>
-      <mc:AlternateContent xmlns:mc="http://schemas.openxmlformats.org/markup-compatibility/2006">
-        <mc:Choice xmlns:a14="http://schemas.microsoft.com/office/drawing/2010/main" Requires="a14">
+      <mc:AlternateContent xmlns:mc="http://schemas.openxmlformats.org/markup-compatibility/2006" xmlns:a14="http://schemas.microsoft.com/office/drawing/2010/main">
+        <mc:Choice Requires="a14">
           <p:sp>
             <p:nvSpPr>
               <p:cNvPr id="8" name="TextBox 7"/>
@@ -8142,7 +8150,7 @@
             </p:txBody>
           </p:sp>
         </mc:Choice>
-        <mc:Fallback>
+        <mc:Fallback xmlns="">
           <p:sp>
             <p:nvSpPr>
               <p:cNvPr id="8" name="TextBox 7"/>
@@ -13696,8 +13704,8 @@
           </a:p>
         </p:txBody>
       </p:sp>
-      <mc:AlternateContent xmlns:mc="http://schemas.openxmlformats.org/markup-compatibility/2006" xmlns:a14="http://schemas.microsoft.com/office/drawing/2010/main">
-        <mc:Choice Requires="a14">
+      <mc:AlternateContent xmlns:mc="http://schemas.openxmlformats.org/markup-compatibility/2006">
+        <mc:Choice xmlns:a14="http://schemas.microsoft.com/office/drawing/2010/main" Requires="a14">
           <p:sp>
             <p:nvSpPr>
               <p:cNvPr id="6" name="TextBox 5"/>
@@ -14983,8 +14991,12 @@
                   <a:t>  cost function is the most </a:t>
                 </a:r>
                 <a:r>
-                  <a:rPr lang="en-GB" dirty="0" err="1" smtClean="0"/>
-                  <a:t>unappropriate</a:t>
+                  <a:rPr lang="en-GB" dirty="0"/>
+                  <a:t>i</a:t>
+                </a:r>
+                <a:r>
+                  <a:rPr lang="en-GB" dirty="0" smtClean="0"/>
+                  <a:t>nappropriate</a:t>
                 </a:r>
                 <a:r>
                   <a:rPr lang="en-GB" dirty="0" smtClean="0"/>
@@ -15022,7 +15034,7 @@
             </p:txBody>
           </p:sp>
         </mc:Choice>
-        <mc:Fallback xmlns="">
+        <mc:Fallback>
           <p:sp>
             <p:nvSpPr>
               <p:cNvPr id="6" name="TextBox 5"/>
@@ -15051,7 +15063,7 @@
               <a:lstStyle/>
               <a:p>
                 <a:r>
-                  <a:rPr lang="en-GB">
+                  <a:rPr lang="it-IT">
                     <a:noFill/>
                   </a:rPr>
                   <a:t> </a:t>
@@ -21370,14 +21382,136 @@
       </p:sp>
       <p:sp>
         <p:nvSpPr>
+          <p:cNvPr id="3" name="Rectangle 2"/>
+          <p:cNvSpPr/>
+          <p:nvPr/>
+        </p:nvSpPr>
+        <p:spPr>
+          <a:xfrm>
+            <a:off x="2682409" y="2588350"/>
+            <a:ext cx="6827190" cy="923330"/>
+          </a:xfrm>
+          <a:prstGeom prst="rect">
+            <a:avLst/>
+          </a:prstGeom>
+        </p:spPr>
+        <p:style>
+          <a:lnRef idx="3">
+            <a:schemeClr val="lt1"/>
+          </a:lnRef>
+          <a:fillRef idx="1">
+            <a:schemeClr val="accent5"/>
+          </a:fillRef>
+          <a:effectRef idx="1">
+            <a:schemeClr val="accent5"/>
+          </a:effectRef>
+          <a:fontRef idx="minor">
+            <a:schemeClr val="lt1"/>
+          </a:fontRef>
+        </p:style>
+        <p:txBody>
+          <a:bodyPr wrap="none" lIns="91440" tIns="45720" rIns="91440" bIns="45720">
+            <a:spAutoFit/>
+          </a:bodyPr>
+          <a:lstStyle/>
+          <a:p>
+            <a:pPr algn="ctr"/>
+            <a:r>
+              <a:rPr lang="en-US" sz="5400" b="0" cap="none" spc="0" dirty="0" smtClean="0">
+                <a:ln w="0"/>
+                <a:solidFill>
+                  <a:schemeClr val="tx1"/>
+                </a:solidFill>
+                <a:effectLst>
+                  <a:outerShdw blurRad="38100" dist="19050" dir="2700000" algn="tl" rotWithShape="0">
+                    <a:schemeClr val="dk1">
+                      <a:alpha val="40000"/>
+                    </a:schemeClr>
+                  </a:outerShdw>
+                </a:effectLst>
+              </a:rPr>
+              <a:t>MODEL VALIDATION</a:t>
+            </a:r>
+            <a:endParaRPr lang="en-US" sz="5400" b="0" cap="none" spc="0" dirty="0">
+              <a:ln w="0"/>
+              <a:solidFill>
+                <a:schemeClr val="tx1"/>
+              </a:solidFill>
+              <a:effectLst>
+                <a:outerShdw blurRad="38100" dist="19050" dir="2700000" algn="tl" rotWithShape="0">
+                  <a:schemeClr val="dk1">
+                    <a:alpha val="40000"/>
+                  </a:schemeClr>
+                </a:outerShdw>
+              </a:effectLst>
+            </a:endParaRPr>
+          </a:p>
+        </p:txBody>
+      </p:sp>
+    </p:spTree>
+    <p:extLst>
+      <p:ext uri="{BB962C8B-B14F-4D97-AF65-F5344CB8AC3E}">
+        <p14:creationId xmlns:p14="http://schemas.microsoft.com/office/powerpoint/2010/main" val="315044901"/>
+      </p:ext>
+    </p:extLst>
+  </p:cSld>
+  <p:clrMapOvr>
+    <a:masterClrMapping/>
+  </p:clrMapOvr>
+</p:sld>
+</file>
+
+<file path=ppt/slides/slide26.xml><?xml version="1.0" encoding="utf-8"?>
+<p:sld xmlns:a="http://schemas.openxmlformats.org/drawingml/2006/main" xmlns:r="http://schemas.openxmlformats.org/officeDocument/2006/relationships" xmlns:p="http://schemas.openxmlformats.org/presentationml/2006/main">
+  <p:cSld>
+    <p:spTree>
+      <p:nvGrpSpPr>
+        <p:cNvPr id="1" name=""/>
+        <p:cNvGrpSpPr/>
+        <p:nvPr/>
+      </p:nvGrpSpPr>
+      <p:grpSpPr>
+        <a:xfrm>
+          <a:off x="0" y="0"/>
+          <a:ext cx="0" cy="0"/>
+          <a:chOff x="0" y="0"/>
+          <a:chExt cx="0" cy="0"/>
+        </a:xfrm>
+      </p:grpSpPr>
+      <p:sp>
+        <p:nvSpPr>
+          <p:cNvPr id="2" name="Slide Number Placeholder 1"/>
+          <p:cNvSpPr>
+            <a:spLocks noGrp="1"/>
+          </p:cNvSpPr>
+          <p:nvPr>
+            <p:ph type="sldNum" sz="quarter" idx="10"/>
+          </p:nvPr>
+        </p:nvSpPr>
+        <p:spPr/>
+        <p:txBody>
+          <a:bodyPr/>
+          <a:lstStyle/>
+          <a:p>
+            <a:fld id="{61155BBA-336D-4AED-BB34-E42D9706BCE7}" type="slidenum">
+              <a:rPr lang="it-IT" altLang="en-US" smtClean="0"/>
+              <a:pPr/>
+              <a:t>26</a:t>
+            </a:fld>
+            <a:endParaRPr lang="it-IT" altLang="en-US"/>
+          </a:p>
+        </p:txBody>
+      </p:sp>
+      <p:sp>
+        <p:nvSpPr>
           <p:cNvPr id="3" name="TextBox 2"/>
           <p:cNvSpPr txBox="1"/>
           <p:nvPr/>
         </p:nvSpPr>
         <p:spPr>
           <a:xfrm>
-            <a:off x="4292140" y="1046490"/>
-            <a:ext cx="3715569" cy="523220"/>
+            <a:off x="231820" y="1046490"/>
+            <a:ext cx="11797048" cy="523220"/>
           </a:xfrm>
           <a:prstGeom prst="rect">
             <a:avLst/>
@@ -21385,11 +21519,12 @@
           <a:noFill/>
         </p:spPr>
         <p:txBody>
-          <a:bodyPr wrap="none" rtlCol="0">
+          <a:bodyPr wrap="square" rtlCol="0">
             <a:spAutoFit/>
           </a:bodyPr>
           <a:lstStyle/>
           <a:p>
+            <a:pPr algn="ctr"/>
             <a:r>
               <a:rPr lang="en-GB" sz="2800" b="1" i="1" dirty="0" smtClean="0">
                 <a:latin typeface="+mj-lt"/>
@@ -21443,8 +21578,8 @@
           </a:p>
         </p:txBody>
       </p:sp>
-      <mc:AlternateContent xmlns:mc="http://schemas.openxmlformats.org/markup-compatibility/2006" xmlns:a14="http://schemas.microsoft.com/office/drawing/2010/main">
-        <mc:Choice Requires="a14">
+      <mc:AlternateContent xmlns:mc="http://schemas.openxmlformats.org/markup-compatibility/2006">
+        <mc:Choice xmlns:a14="http://schemas.microsoft.com/office/drawing/2010/main" Requires="a14">
           <p:sp>
             <p:nvSpPr>
               <p:cNvPr id="5" name="TextBox 4"/>
@@ -21453,8 +21588,8 @@
             </p:nvSpPr>
             <p:spPr>
               <a:xfrm>
-                <a:off x="0" y="4664985"/>
-                <a:ext cx="19574589" cy="1754326"/>
+                <a:off x="231820" y="1569710"/>
+                <a:ext cx="11719775" cy="4387548"/>
               </a:xfrm>
               <a:prstGeom prst="rect">
                 <a:avLst/>
@@ -21462,14 +21597,14 @@
               <a:noFill/>
             </p:spPr>
             <p:txBody>
-              <a:bodyPr wrap="none" rtlCol="0">
+              <a:bodyPr wrap="square" rtlCol="0">
                 <a:spAutoFit/>
               </a:bodyPr>
               <a:lstStyle/>
               <a:p>
                 <a:r>
-                  <a:rPr lang="en-GB" dirty="0"/>
-                  <a:t>but we are training a model based on </a:t>
+                  <a:rPr lang="en-GB" dirty="0" smtClean="0"/>
+                  <a:t>In order to validate a model, it is necessary to compare it with another set of data </a:t>
                 </a:r>
                 <a14:m>
                   <m:oMath xmlns:m="http://schemas.openxmlformats.org/officeDocument/2006/math">
@@ -21506,14 +21641,33 @@
                   </m:oMath>
                 </a14:m>
                 <a:r>
+                  <a:rPr lang="en-GB" dirty="0" smtClean="0"/>
+                  <a:t>,</a:t>
+                </a:r>
+                <a:r>
                   <a:rPr lang="en-GB" dirty="0"/>
-                  <a:t> data and then check the cost function on the same data -&gt; we get a biased result.</a:t>
+                  <a:t> </a:t>
                 </a:r>
+                <a:r>
+                  <a:rPr lang="en-GB" dirty="0" smtClean="0"/>
+                  <a:t>since using again </a:t>
+                </a:r>
+                <a:br>
+                  <a:rPr lang="en-GB" dirty="0" smtClean="0"/>
+                </a:br>
+                <a:r>
+                  <a:rPr lang="en-GB" dirty="0" smtClean="0"/>
+                  <a:t>the training set would lead to non affordable (biased) results.</a:t>
+                </a:r>
+                <a:endParaRPr lang="en-GB" dirty="0" smtClean="0"/>
+              </a:p>
+              <a:p>
+                <a:endParaRPr lang="en-GB" dirty="0"/>
               </a:p>
               <a:p>
                 <a:r>
-                  <a:rPr lang="en-GB" dirty="0"/>
-                  <a:t>To get unbiased results we need to test the cost function on a different data set.</a:t>
+                  <a:rPr lang="en-GB" dirty="0" smtClean="0"/>
+                  <a:t>Unfortunately, as it is easy to see, all three sets are quite similar; because of this we cannot rely validation process only and further analysis are needed, even though it is a first step which allows us to have a impression.</a:t>
                 </a:r>
               </a:p>
               <a:p>
@@ -21521,8 +21675,8 @@
               </a:p>
               <a:p>
                 <a:r>
-                  <a:rPr lang="en-GB" dirty="0"/>
-                  <a:t>Unfortunately in this project the data is quite similar, though the second data set covariance function is a little different </a:t>
+                  <a:rPr lang="en-GB" dirty="0" smtClean="0"/>
+                  <a:t>As discussed in previous slides, there are many cost function we can make use of but in this project we have chosen the minimization of the simulation error </a:t>
                 </a:r>
                 <a14:m>
                   <m:oMath xmlns:m="http://schemas.openxmlformats.org/officeDocument/2006/math">
@@ -21530,25 +21684,192 @@
                       <a:rPr lang="en-GB" i="1">
                         <a:latin typeface="Cambria Math" panose="02040503050406030204" pitchFamily="18" charset="0"/>
                       </a:rPr>
-                      <m:t>⇒</m:t>
+                      <m:t>𝐸</m:t>
+                    </m:r>
+                    <m:d>
+                      <m:dPr>
+                        <m:begChr m:val="["/>
+                        <m:endChr m:val="]"/>
+                        <m:ctrlPr>
+                          <a:rPr lang="en-GB" i="1">
+                            <a:latin typeface="Cambria Math" panose="02040503050406030204" pitchFamily="18" charset="0"/>
+                          </a:rPr>
+                        </m:ctrlPr>
+                      </m:dPr>
+                      <m:e>
+                        <m:sSup>
+                          <m:sSupPr>
+                            <m:ctrlPr>
+                              <a:rPr lang="en-GB" i="1">
+                                <a:latin typeface="Cambria Math" panose="02040503050406030204" pitchFamily="18" charset="0"/>
+                              </a:rPr>
+                            </m:ctrlPr>
+                          </m:sSupPr>
+                          <m:e>
+                            <m:d>
+                              <m:dPr>
+                                <m:ctrlPr>
+                                  <a:rPr lang="en-GB" i="1">
+                                    <a:latin typeface="Cambria Math" panose="02040503050406030204" pitchFamily="18" charset="0"/>
+                                  </a:rPr>
+                                </m:ctrlPr>
+                              </m:dPr>
+                              <m:e>
+                                <m:r>
+                                  <a:rPr lang="en-GB" i="1">
+                                    <a:latin typeface="Cambria Math" panose="02040503050406030204" pitchFamily="18" charset="0"/>
+                                  </a:rPr>
+                                  <m:t>𝑦</m:t>
+                                </m:r>
+                                <m:d>
+                                  <m:dPr>
+                                    <m:ctrlPr>
+                                      <a:rPr lang="en-GB" i="1">
+                                        <a:latin typeface="Cambria Math" panose="02040503050406030204" pitchFamily="18" charset="0"/>
+                                      </a:rPr>
+                                    </m:ctrlPr>
+                                  </m:dPr>
+                                  <m:e>
+                                    <m:r>
+                                      <a:rPr lang="en-GB" i="1">
+                                        <a:latin typeface="Cambria Math" panose="02040503050406030204" pitchFamily="18" charset="0"/>
+                                      </a:rPr>
+                                      <m:t>𝑡</m:t>
+                                    </m:r>
+                                  </m:e>
+                                </m:d>
+                                <m:r>
+                                  <a:rPr lang="en-GB" i="1">
+                                    <a:latin typeface="Cambria Math" panose="02040503050406030204" pitchFamily="18" charset="0"/>
+                                  </a:rPr>
+                                  <m:t>−</m:t>
+                                </m:r>
+                                <m:acc>
+                                  <m:accPr>
+                                    <m:chr m:val="̂"/>
+                                    <m:ctrlPr>
+                                      <a:rPr lang="en-GB" i="1">
+                                        <a:latin typeface="Cambria Math" panose="02040503050406030204" pitchFamily="18" charset="0"/>
+                                      </a:rPr>
+                                    </m:ctrlPr>
+                                  </m:accPr>
+                                  <m:e>
+                                    <m:r>
+                                      <a:rPr lang="en-GB" i="1">
+                                        <a:latin typeface="Cambria Math" panose="02040503050406030204" pitchFamily="18" charset="0"/>
+                                      </a:rPr>
+                                      <m:t>𝑦</m:t>
+                                    </m:r>
+                                  </m:e>
+                                </m:acc>
+                                <m:d>
+                                  <m:dPr>
+                                    <m:ctrlPr>
+                                      <a:rPr lang="en-GB" i="1">
+                                        <a:latin typeface="Cambria Math" panose="02040503050406030204" pitchFamily="18" charset="0"/>
+                                      </a:rPr>
+                                    </m:ctrlPr>
+                                  </m:dPr>
+                                  <m:e>
+                                    <m:r>
+                                      <a:rPr lang="en-GB" i="1">
+                                        <a:latin typeface="Cambria Math" panose="02040503050406030204" pitchFamily="18" charset="0"/>
+                                      </a:rPr>
+                                      <m:t>𝑡</m:t>
+                                    </m:r>
+                                  </m:e>
+                                </m:d>
+                              </m:e>
+                            </m:d>
+                          </m:e>
+                          <m:sup>
+                            <m:r>
+                              <a:rPr lang="en-GB" i="1">
+                                <a:latin typeface="Cambria Math" panose="02040503050406030204" pitchFamily="18" charset="0"/>
+                              </a:rPr>
+                              <m:t>2</m:t>
+                            </m:r>
+                          </m:sup>
+                        </m:sSup>
+                      </m:e>
+                    </m:d>
+                    <m:r>
+                      <a:rPr lang="it-IT" b="0" i="0" smtClean="0">
+                        <a:latin typeface="Cambria Math" panose="02040503050406030204" pitchFamily="18" charset="0"/>
+                      </a:rPr>
+                      <m:t>.</m:t>
                     </m:r>
                   </m:oMath>
                 </a14:m>
+                <a:endParaRPr lang="en-GB" dirty="0" smtClean="0"/>
+              </a:p>
+              <a:p>
                 <a:r>
                   <a:rPr lang="en-GB" dirty="0"/>
-                  <a:t> We may test the cost function on a subset of this experiment. 	</a:t>
+                  <a:t>	</a:t>
                 </a:r>
               </a:p>
               <a:p>
-                <a:endParaRPr lang="en-GB" dirty="0"/>
+                <a:r>
+                  <a:rPr lang="en-GB" dirty="0" smtClean="0"/>
+                  <a:t>The validation will be performed in this way:</a:t>
+                </a:r>
               </a:p>
               <a:p>
+                <a:pPr marL="800100" lvl="1" indent="-342900">
+                  <a:buFont typeface="+mj-lt"/>
+                  <a:buAutoNum type="arabicPeriod"/>
+                </a:pPr>
+                <a:r>
+                  <a:rPr lang="en-GB" i="1" dirty="0" smtClean="0"/>
+                  <a:t>Choose a model class</a:t>
+                </a:r>
+              </a:p>
+              <a:p>
+                <a:pPr marL="800100" lvl="1" indent="-342900">
+                  <a:buFont typeface="+mj-lt"/>
+                  <a:buAutoNum type="arabicPeriod"/>
+                </a:pPr>
+                <a:r>
+                  <a:rPr lang="en-GB" i="1" dirty="0" smtClean="0"/>
+                  <a:t>Identify a model from one dataset using different order of complexity and keeping best fit</a:t>
+                </a:r>
+              </a:p>
+              <a:p>
+                <a:pPr marL="800100" lvl="1" indent="-342900">
+                  <a:buFont typeface="+mj-lt"/>
+                  <a:buAutoNum type="arabicPeriod"/>
+                </a:pPr>
+                <a:r>
+                  <a:rPr lang="en-GB" i="1" dirty="0" smtClean="0"/>
+                  <a:t>Validate data on the other two dataset and write down results</a:t>
+                </a:r>
+              </a:p>
+              <a:p>
+                <a:pPr marL="800100" lvl="1" indent="-342900">
+                  <a:buFont typeface="+mj-lt"/>
+                  <a:buAutoNum type="arabicPeriod"/>
+                </a:pPr>
+                <a:r>
+                  <a:rPr lang="en-GB" i="1" dirty="0" smtClean="0"/>
+                  <a:t>Repeat point 2. and 3. picking another dataset for training and the others for validation</a:t>
+                </a:r>
+              </a:p>
+              <a:p>
+                <a:pPr marL="800100" lvl="1" indent="-342900">
+                  <a:buFont typeface="+mj-lt"/>
+                  <a:buAutoNum type="arabicPeriod"/>
+                </a:pPr>
+                <a:r>
+                  <a:rPr lang="en-GB" i="1" dirty="0" smtClean="0"/>
+                  <a:t>Repeat from point 1. with another model class</a:t>
+                </a:r>
                 <a:endParaRPr lang="en-GB" dirty="0"/>
               </a:p>
             </p:txBody>
           </p:sp>
         </mc:Choice>
-        <mc:Fallback xmlns="">
+        <mc:Fallback>
           <p:sp>
             <p:nvSpPr>
               <p:cNvPr id="5" name="TextBox 4"/>
@@ -21559,8 +21880,8 @@
             </p:nvSpPr>
             <p:spPr>
               <a:xfrm>
-                <a:off x="0" y="4664985"/>
-                <a:ext cx="19574589" cy="1754326"/>
+                <a:off x="231820" y="1569710"/>
+                <a:ext cx="11719775" cy="4387548"/>
               </a:xfrm>
               <a:prstGeom prst="rect">
                 <a:avLst/>
@@ -21568,7 +21889,7 @@
               <a:blipFill rotWithShape="0">
                 <a:blip r:embed="rId2"/>
                 <a:stretch>
-                  <a:fillRect l="-249" t="-1736"/>
+                  <a:fillRect l="-416" t="-694" b="-1250"/>
                 </a:stretch>
               </a:blipFill>
             </p:spPr>
@@ -21577,7 +21898,7 @@
               <a:lstStyle/>
               <a:p>
                 <a:r>
-                  <a:rPr lang="en-GB">
+                  <a:rPr lang="it-IT">
                     <a:noFill/>
                   </a:rPr>
                   <a:t> </a:t>
@@ -21591,142 +21912,6 @@
     <p:extLst>
       <p:ext uri="{BB962C8B-B14F-4D97-AF65-F5344CB8AC3E}">
         <p14:creationId xmlns:p14="http://schemas.microsoft.com/office/powerpoint/2010/main" val="55177232"/>
-      </p:ext>
-    </p:extLst>
-  </p:cSld>
-  <p:clrMapOvr>
-    <a:masterClrMapping/>
-  </p:clrMapOvr>
-  <p:timing>
-    <p:tnLst>
-      <p:par>
-        <p:cTn id="1" dur="indefinite" restart="never" nodeType="tmRoot"/>
-      </p:par>
-    </p:tnLst>
-  </p:timing>
-</p:sld>
-</file>
-
-<file path=ppt/slides/slide26.xml><?xml version="1.0" encoding="utf-8"?>
-<p:sld xmlns:a="http://schemas.openxmlformats.org/drawingml/2006/main" xmlns:r="http://schemas.openxmlformats.org/officeDocument/2006/relationships" xmlns:p="http://schemas.openxmlformats.org/presentationml/2006/main">
-  <p:cSld>
-    <p:spTree>
-      <p:nvGrpSpPr>
-        <p:cNvPr id="1" name=""/>
-        <p:cNvGrpSpPr/>
-        <p:nvPr/>
-      </p:nvGrpSpPr>
-      <p:grpSpPr>
-        <a:xfrm>
-          <a:off x="0" y="0"/>
-          <a:ext cx="0" cy="0"/>
-          <a:chOff x="0" y="0"/>
-          <a:chExt cx="0" cy="0"/>
-        </a:xfrm>
-      </p:grpSpPr>
-      <p:sp>
-        <p:nvSpPr>
-          <p:cNvPr id="2" name="Slide Number Placeholder 1"/>
-          <p:cNvSpPr>
-            <a:spLocks noGrp="1"/>
-          </p:cNvSpPr>
-          <p:nvPr>
-            <p:ph type="sldNum" sz="quarter" idx="10"/>
-          </p:nvPr>
-        </p:nvSpPr>
-        <p:spPr/>
-        <p:txBody>
-          <a:bodyPr/>
-          <a:lstStyle/>
-          <a:p>
-            <a:fld id="{61155BBA-336D-4AED-BB34-E42D9706BCE7}" type="slidenum">
-              <a:rPr lang="it-IT" altLang="en-US" smtClean="0"/>
-              <a:pPr/>
-              <a:t>26</a:t>
-            </a:fld>
-            <a:endParaRPr lang="it-IT" altLang="en-US"/>
-          </a:p>
-        </p:txBody>
-      </p:sp>
-      <p:sp>
-        <p:nvSpPr>
-          <p:cNvPr id="3" name="TextBox 2"/>
-          <p:cNvSpPr txBox="1"/>
-          <p:nvPr/>
-        </p:nvSpPr>
-        <p:spPr>
-          <a:xfrm>
-            <a:off x="4746912" y="1033790"/>
-            <a:ext cx="2698175" cy="523220"/>
-          </a:xfrm>
-          <a:prstGeom prst="rect">
-            <a:avLst/>
-          </a:prstGeom>
-          <a:noFill/>
-        </p:spPr>
-        <p:txBody>
-          <a:bodyPr wrap="none" rtlCol="0">
-            <a:spAutoFit/>
-          </a:bodyPr>
-          <a:lstStyle/>
-          <a:p>
-            <a:r>
-              <a:rPr lang="en-GB" sz="2800" b="1" i="1" dirty="0" smtClean="0">
-                <a:latin typeface="+mj-lt"/>
-              </a:rPr>
-              <a:t>CONCLUSION</a:t>
-            </a:r>
-          </a:p>
-        </p:txBody>
-      </p:sp>
-      <p:sp>
-        <p:nvSpPr>
-          <p:cNvPr id="4" name="TextBox 3"/>
-          <p:cNvSpPr txBox="1"/>
-          <p:nvPr/>
-        </p:nvSpPr>
-        <p:spPr>
-          <a:xfrm>
-            <a:off x="6956299" y="173782"/>
-            <a:ext cx="3512308" cy="369332"/>
-          </a:xfrm>
-          <a:prstGeom prst="rect">
-            <a:avLst/>
-          </a:prstGeom>
-          <a:noFill/>
-        </p:spPr>
-        <p:txBody>
-          <a:bodyPr wrap="none" rtlCol="0">
-            <a:spAutoFit/>
-          </a:bodyPr>
-          <a:lstStyle/>
-          <a:p>
-            <a:r>
-              <a:rPr lang="en-GB" b="1" dirty="0" smtClean="0">
-                <a:solidFill>
-                  <a:srgbClr val="FF0000"/>
-                </a:solidFill>
-                <a:latin typeface="DejaVu Sans" panose="020B0603030804020204" pitchFamily="34" charset="0"/>
-                <a:ea typeface="DejaVu Sans" panose="020B0603030804020204" pitchFamily="34" charset="0"/>
-                <a:cs typeface="DejaVu Sans" panose="020B0603030804020204" pitchFamily="34" charset="0"/>
-              </a:rPr>
-              <a:t>CONCLUSION &amp; REMARKS</a:t>
-            </a:r>
-            <a:endParaRPr lang="en-GB" b="1" dirty="0">
-              <a:solidFill>
-                <a:srgbClr val="FF0000"/>
-              </a:solidFill>
-              <a:latin typeface="DejaVu Sans" panose="020B0603030804020204" pitchFamily="34" charset="0"/>
-              <a:ea typeface="DejaVu Sans" panose="020B0603030804020204" pitchFamily="34" charset="0"/>
-              <a:cs typeface="DejaVu Sans" panose="020B0603030804020204" pitchFamily="34" charset="0"/>
-            </a:endParaRPr>
-          </a:p>
-        </p:txBody>
-      </p:sp>
-    </p:spTree>
-    <p:extLst>
-      <p:ext uri="{BB962C8B-B14F-4D97-AF65-F5344CB8AC3E}">
-        <p14:creationId xmlns:p14="http://schemas.microsoft.com/office/powerpoint/2010/main" val="2463455316"/>
       </p:ext>
     </p:extLst>
   </p:cSld>
@@ -21786,95 +21971,271 @@
       </p:sp>
       <p:sp>
         <p:nvSpPr>
-          <p:cNvPr id="4" name="Rectangle 3"/>
-          <p:cNvSpPr/>
+          <p:cNvPr id="3" name="TextBox 2"/>
+          <p:cNvSpPr txBox="1"/>
           <p:nvPr/>
         </p:nvSpPr>
         <p:spPr>
           <a:xfrm>
-            <a:off x="2444744" y="2588350"/>
-            <a:ext cx="7302512" cy="1754326"/>
+            <a:off x="231820" y="1046490"/>
+            <a:ext cx="11797048" cy="523220"/>
           </a:xfrm>
           <a:prstGeom prst="rect">
             <a:avLst/>
           </a:prstGeom>
+          <a:noFill/>
         </p:spPr>
-        <p:style>
-          <a:lnRef idx="3">
-            <a:schemeClr val="lt1"/>
-          </a:lnRef>
-          <a:fillRef idx="1">
-            <a:schemeClr val="accent5"/>
-          </a:fillRef>
-          <a:effectRef idx="1">
-            <a:schemeClr val="accent5"/>
-          </a:effectRef>
-          <a:fontRef idx="minor">
-            <a:schemeClr val="lt1"/>
-          </a:fontRef>
-        </p:style>
         <p:txBody>
-          <a:bodyPr wrap="none" lIns="91440" tIns="45720" rIns="91440" bIns="45720">
+          <a:bodyPr wrap="square" rtlCol="0">
             <a:spAutoFit/>
           </a:bodyPr>
           <a:lstStyle/>
           <a:p>
             <a:pPr algn="ctr"/>
             <a:r>
-              <a:rPr lang="en-US" sz="5400" b="0" cap="none" spc="0" dirty="0" smtClean="0">
-                <a:ln w="0"/>
+              <a:rPr lang="en-GB" sz="2800" b="1" i="1" dirty="0" smtClean="0">
+                <a:latin typeface="+mj-lt"/>
+              </a:rPr>
+              <a:t>MODEL </a:t>
+            </a:r>
+            <a:r>
+              <a:rPr lang="en-GB" sz="2800" b="1" i="1" dirty="0" smtClean="0">
+                <a:latin typeface="+mj-lt"/>
+              </a:rPr>
+              <a:t>VALIDATION - ARX</a:t>
+            </a:r>
+            <a:endParaRPr lang="en-GB" sz="2800" b="1" i="1" dirty="0" smtClean="0">
+              <a:latin typeface="+mj-lt"/>
+            </a:endParaRPr>
+          </a:p>
+        </p:txBody>
+      </p:sp>
+      <p:sp>
+        <p:nvSpPr>
+          <p:cNvPr id="4" name="TextBox 3"/>
+          <p:cNvSpPr txBox="1"/>
+          <p:nvPr/>
+        </p:nvSpPr>
+        <p:spPr>
+          <a:xfrm>
+            <a:off x="7078960" y="173782"/>
+            <a:ext cx="2746393" cy="369332"/>
+          </a:xfrm>
+          <a:prstGeom prst="rect">
+            <a:avLst/>
+          </a:prstGeom>
+          <a:noFill/>
+        </p:spPr>
+        <p:txBody>
+          <a:bodyPr wrap="none" rtlCol="0">
+            <a:spAutoFit/>
+          </a:bodyPr>
+          <a:lstStyle/>
+          <a:p>
+            <a:r>
+              <a:rPr lang="en-GB" b="1" dirty="0" smtClean="0">
                 <a:solidFill>
-                  <a:schemeClr val="tx1"/>
+                  <a:srgbClr val="FF0000"/>
                 </a:solidFill>
-                <a:effectLst>
-                  <a:outerShdw blurRad="38100" dist="19050" dir="2700000" algn="tl" rotWithShape="0">
-                    <a:schemeClr val="dk1">
-                      <a:alpha val="40000"/>
-                    </a:schemeClr>
-                  </a:outerShdw>
-                </a:effectLst>
+                <a:latin typeface="DejaVu Sans" panose="020B0603030804020204" pitchFamily="34" charset="0"/>
+                <a:ea typeface="DejaVu Sans" panose="020B0603030804020204" pitchFamily="34" charset="0"/>
+                <a:cs typeface="DejaVu Sans" panose="020B0603030804020204" pitchFamily="34" charset="0"/>
               </a:rPr>
-              <a:t>WHAT WENT WRONG</a:t>
-            </a:r>
-          </a:p>
-          <a:p>
-            <a:pPr algn="ctr"/>
-            <a:r>
-              <a:rPr lang="en-US" sz="5400" dirty="0" smtClean="0">
-                <a:ln w="0"/>
-                <a:solidFill>
-                  <a:schemeClr val="tx1"/>
-                </a:solidFill>
-                <a:effectLst>
-                  <a:outerShdw blurRad="38100" dist="19050" dir="2700000" algn="tl" rotWithShape="0">
-                    <a:schemeClr val="dk1">
-                      <a:alpha val="40000"/>
-                    </a:schemeClr>
-                  </a:outerShdw>
-                </a:effectLst>
-              </a:rPr>
-              <a:t>AND WHY</a:t>
-            </a:r>
-            <a:endParaRPr lang="en-US" sz="5400" b="0" cap="none" spc="0" dirty="0">
-              <a:ln w="0"/>
+              <a:t>MODEL VALIDATION</a:t>
+            </a:r>
+            <a:endParaRPr lang="en-GB" b="1" dirty="0">
               <a:solidFill>
-                <a:schemeClr val="tx1"/>
+                <a:srgbClr val="FF0000"/>
               </a:solidFill>
-              <a:effectLst>
-                <a:outerShdw blurRad="38100" dist="19050" dir="2700000" algn="tl" rotWithShape="0">
-                  <a:schemeClr val="dk1">
-                    <a:alpha val="40000"/>
-                  </a:schemeClr>
-                </a:outerShdw>
-              </a:effectLst>
+              <a:latin typeface="DejaVu Sans" panose="020B0603030804020204" pitchFamily="34" charset="0"/>
+              <a:ea typeface="DejaVu Sans" panose="020B0603030804020204" pitchFamily="34" charset="0"/>
+              <a:cs typeface="DejaVu Sans" panose="020B0603030804020204" pitchFamily="34" charset="0"/>
             </a:endParaRPr>
+          </a:p>
+        </p:txBody>
+      </p:sp>
+      <p:sp>
+        <p:nvSpPr>
+          <p:cNvPr id="5" name="TextBox 4"/>
+          <p:cNvSpPr txBox="1"/>
+          <p:nvPr/>
+        </p:nvSpPr>
+        <p:spPr>
+          <a:xfrm>
+            <a:off x="231820" y="1569710"/>
+            <a:ext cx="11719775" cy="4524315"/>
+          </a:xfrm>
+          <a:prstGeom prst="rect">
+            <a:avLst/>
+          </a:prstGeom>
+          <a:noFill/>
+        </p:spPr>
+        <p:txBody>
+          <a:bodyPr wrap="square" rtlCol="0">
+            <a:spAutoFit/>
+          </a:bodyPr>
+          <a:lstStyle/>
+          <a:p>
+            <a:endParaRPr lang="en-GB" dirty="0" smtClean="0"/>
+          </a:p>
+          <a:p>
+            <a:r>
+              <a:rPr lang="it-IT" dirty="0"/>
+              <a:t>*Training on 1 exp</a:t>
+            </a:r>
+          </a:p>
+          <a:p>
+            <a:r>
+              <a:rPr lang="pl-PL" dirty="0"/>
+              <a:t>A(z): 1     -1.9551     0.64593     0.70572    -0.41605    0.025549</a:t>
+            </a:r>
+          </a:p>
+          <a:p>
+            <a:r>
+              <a:rPr lang="pl-PL" dirty="0"/>
+              <a:t>B(z): 0           0     0.27464    -</a:t>
+            </a:r>
+            <a:r>
+              <a:rPr lang="pl-PL" dirty="0" smtClean="0"/>
+              <a:t>0.26442</a:t>
+            </a:r>
+            <a:endParaRPr lang="it-IT" dirty="0" smtClean="0"/>
+          </a:p>
+          <a:p>
+            <a:r>
+              <a:rPr lang="it-IT" dirty="0" smtClean="0"/>
+              <a:t>Validation </a:t>
+            </a:r>
+            <a:r>
+              <a:rPr lang="it-IT" dirty="0"/>
+              <a:t>on 1 exp: </a:t>
+            </a:r>
+            <a:r>
+              <a:rPr lang="it-IT" dirty="0" smtClean="0"/>
+              <a:t>68.191	Validation </a:t>
+            </a:r>
+            <a:r>
+              <a:rPr lang="it-IT" dirty="0"/>
+              <a:t>on 2 exp: </a:t>
+            </a:r>
+            <a:r>
+              <a:rPr lang="it-IT" dirty="0" smtClean="0"/>
+              <a:t>63.8589 	Validation </a:t>
+            </a:r>
+            <a:r>
+              <a:rPr lang="it-IT" dirty="0"/>
+              <a:t>on 3 exp: 86.9643</a:t>
+            </a:r>
+          </a:p>
+          <a:p>
+            <a:r>
+              <a:rPr lang="it" dirty="0"/>
+              <a:t> </a:t>
+            </a:r>
+          </a:p>
+          <a:p>
+            <a:r>
+              <a:rPr lang="it-IT" dirty="0"/>
+              <a:t>*Training on 2 exp</a:t>
+            </a:r>
+          </a:p>
+          <a:p>
+            <a:r>
+              <a:rPr lang="pl-PL" dirty="0"/>
+              <a:t>A(z): 1     -1.8858     0.50166     0.76105    -0.37101</a:t>
+            </a:r>
+          </a:p>
+          <a:p>
+            <a:r>
+              <a:rPr lang="pl-PL" dirty="0"/>
+              <a:t>B(z): 0           0     0.28013    -0.26904</a:t>
+            </a:r>
+          </a:p>
+          <a:p>
+            <a:r>
+              <a:rPr lang="it-IT" dirty="0" smtClean="0"/>
+              <a:t>Validation </a:t>
+            </a:r>
+            <a:r>
+              <a:rPr lang="it-IT" dirty="0"/>
+              <a:t>on 1 exp: </a:t>
+            </a:r>
+            <a:r>
+              <a:rPr lang="it-IT" dirty="0" smtClean="0"/>
+              <a:t>68.4208 	Validation </a:t>
+            </a:r>
+            <a:r>
+              <a:rPr lang="it-IT" dirty="0"/>
+              <a:t>on 2 exp: </a:t>
+            </a:r>
+            <a:r>
+              <a:rPr lang="it-IT" dirty="0" smtClean="0"/>
+              <a:t>63.2204 	Validation </a:t>
+            </a:r>
+            <a:r>
+              <a:rPr lang="it-IT" dirty="0"/>
+              <a:t>on 3 exp: 88.7234</a:t>
+            </a:r>
+          </a:p>
+          <a:p>
+            <a:r>
+              <a:rPr lang="it" dirty="0"/>
+              <a:t> </a:t>
+            </a:r>
+          </a:p>
+          <a:p>
+            <a:r>
+              <a:rPr lang="it-IT" dirty="0"/>
+              <a:t>*Training on 3 exp</a:t>
+            </a:r>
+          </a:p>
+          <a:p>
+            <a:r>
+              <a:rPr lang="pl-PL" dirty="0"/>
+              <a:t>A(z): 1     -1.8037      0.2948     0.93228    -0.41768</a:t>
+            </a:r>
+          </a:p>
+          <a:p>
+            <a:r>
+              <a:rPr lang="pl-PL" dirty="0"/>
+              <a:t>B(z): 0           0     0.17739   -0.033072     -0.1383</a:t>
+            </a:r>
+          </a:p>
+          <a:p>
+            <a:r>
+              <a:rPr lang="it-IT" dirty="0" smtClean="0"/>
+              <a:t>Validation </a:t>
+            </a:r>
+            <a:r>
+              <a:rPr lang="it-IT" dirty="0"/>
+              <a:t>on 1 exp: </a:t>
+            </a:r>
+            <a:r>
+              <a:rPr lang="it-IT" dirty="0" smtClean="0"/>
+              <a:t>67.6965 	Validation </a:t>
+            </a:r>
+            <a:r>
+              <a:rPr lang="it-IT" dirty="0"/>
+              <a:t>on 2 exp: </a:t>
+            </a:r>
+            <a:r>
+              <a:rPr lang="it-IT" dirty="0" smtClean="0"/>
+              <a:t>62.7143 	Validation </a:t>
+            </a:r>
+            <a:r>
+              <a:rPr lang="it-IT" dirty="0"/>
+              <a:t>on 3 exp: 85.5182</a:t>
+            </a:r>
+          </a:p>
+          <a:p>
+            <a:endParaRPr lang="en-GB" dirty="0"/>
           </a:p>
         </p:txBody>
       </p:sp>
     </p:spTree>
     <p:extLst>
       <p:ext uri="{BB962C8B-B14F-4D97-AF65-F5344CB8AC3E}">
-        <p14:creationId xmlns:p14="http://schemas.microsoft.com/office/powerpoint/2010/main" val="548125632"/>
+        <p14:creationId xmlns:p14="http://schemas.microsoft.com/office/powerpoint/2010/main" val="4065924737"/>
       </p:ext>
     </p:extLst>
   </p:cSld>
@@ -21934,14 +22295,55 @@
       </p:sp>
       <p:sp>
         <p:nvSpPr>
+          <p:cNvPr id="3" name="TextBox 2"/>
+          <p:cNvSpPr txBox="1"/>
+          <p:nvPr/>
+        </p:nvSpPr>
+        <p:spPr>
+          <a:xfrm>
+            <a:off x="231820" y="1046490"/>
+            <a:ext cx="11797048" cy="523220"/>
+          </a:xfrm>
+          <a:prstGeom prst="rect">
+            <a:avLst/>
+          </a:prstGeom>
+          <a:noFill/>
+        </p:spPr>
+        <p:txBody>
+          <a:bodyPr wrap="square" rtlCol="0">
+            <a:spAutoFit/>
+          </a:bodyPr>
+          <a:lstStyle/>
+          <a:p>
+            <a:pPr algn="ctr"/>
+            <a:r>
+              <a:rPr lang="en-GB" sz="2800" b="1" i="1" dirty="0" smtClean="0">
+                <a:latin typeface="+mj-lt"/>
+              </a:rPr>
+              <a:t>MODEL </a:t>
+            </a:r>
+            <a:r>
+              <a:rPr lang="en-GB" sz="2800" b="1" i="1" dirty="0" smtClean="0">
+                <a:latin typeface="+mj-lt"/>
+              </a:rPr>
+              <a:t>VALIDATION - OE</a:t>
+            </a:r>
+            <a:endParaRPr lang="en-GB" sz="2800" b="1" i="1" dirty="0" smtClean="0">
+              <a:latin typeface="+mj-lt"/>
+            </a:endParaRPr>
+          </a:p>
+        </p:txBody>
+      </p:sp>
+      <p:sp>
+        <p:nvSpPr>
           <p:cNvPr id="4" name="TextBox 3"/>
           <p:cNvSpPr txBox="1"/>
           <p:nvPr/>
         </p:nvSpPr>
         <p:spPr>
           <a:xfrm>
-            <a:off x="6956299" y="173782"/>
-            <a:ext cx="3973973" cy="369332"/>
+            <a:off x="7078960" y="173782"/>
+            <a:ext cx="2746393" cy="369332"/>
           </a:xfrm>
           <a:prstGeom prst="rect">
             <a:avLst/>
@@ -21954,7 +22356,6 @@
           </a:bodyPr>
           <a:lstStyle/>
           <a:p>
-            <a:pPr lvl="1"/>
             <a:r>
               <a:rPr lang="en-GB" b="1" dirty="0" smtClean="0">
                 <a:solidFill>
@@ -21964,7 +22365,7 @@
                 <a:ea typeface="DejaVu Sans" panose="020B0603030804020204" pitchFamily="34" charset="0"/>
                 <a:cs typeface="DejaVu Sans" panose="020B0603030804020204" pitchFamily="34" charset="0"/>
               </a:rPr>
-              <a:t>CONCLUSION &amp; REMARKS</a:t>
+              <a:t>MODEL VALIDATION</a:t>
             </a:r>
             <a:endParaRPr lang="en-GB" b="1" dirty="0">
               <a:solidFill>
@@ -21985,8 +22386,297 @@
         </p:nvSpPr>
         <p:spPr>
           <a:xfrm>
-            <a:off x="1375794" y="2181138"/>
-            <a:ext cx="7904728" cy="1200329"/>
+            <a:off x="231820" y="1569710"/>
+            <a:ext cx="11719775" cy="4247317"/>
+          </a:xfrm>
+          <a:prstGeom prst="rect">
+            <a:avLst/>
+          </a:prstGeom>
+          <a:noFill/>
+        </p:spPr>
+        <p:txBody>
+          <a:bodyPr wrap="square" rtlCol="0">
+            <a:spAutoFit/>
+          </a:bodyPr>
+          <a:lstStyle/>
+          <a:p>
+            <a:endParaRPr lang="en-GB" dirty="0" smtClean="0"/>
+          </a:p>
+          <a:p>
+            <a:r>
+              <a:rPr lang="it-IT" dirty="0"/>
+              <a:t>*Training on 1 </a:t>
+            </a:r>
+            <a:r>
+              <a:rPr lang="it-IT" dirty="0" smtClean="0"/>
+              <a:t>exp</a:t>
+            </a:r>
+            <a:endParaRPr lang="it" dirty="0"/>
+          </a:p>
+          <a:p>
+            <a:r>
+              <a:rPr lang="pl-PL" dirty="0"/>
+              <a:t>A(z): 1     -2.0798      1.5923     -1.0809     0.85391     -0.2781</a:t>
+            </a:r>
+          </a:p>
+          <a:p>
+            <a:r>
+              <a:rPr lang="pl-PL" dirty="0"/>
+              <a:t>B(z): 0           0    -0.17999     0.65694    -0.47025</a:t>
+            </a:r>
+          </a:p>
+          <a:p>
+            <a:r>
+              <a:rPr lang="it-IT" dirty="0" smtClean="0"/>
+              <a:t>Validation </a:t>
+            </a:r>
+            <a:r>
+              <a:rPr lang="it-IT" dirty="0"/>
+              <a:t>on 1 exp: </a:t>
+            </a:r>
+            <a:r>
+              <a:rPr lang="it-IT" dirty="0" smtClean="0"/>
+              <a:t>54.6866	Validation </a:t>
+            </a:r>
+            <a:r>
+              <a:rPr lang="it-IT" dirty="0"/>
+              <a:t>on 2 exp: </a:t>
+            </a:r>
+            <a:r>
+              <a:rPr lang="it-IT" dirty="0" smtClean="0"/>
+              <a:t>49.5952	Validation </a:t>
+            </a:r>
+            <a:r>
+              <a:rPr lang="it-IT" dirty="0"/>
+              <a:t>on 3 exp: 74.6829</a:t>
+            </a:r>
+          </a:p>
+          <a:p>
+            <a:r>
+              <a:rPr lang="it" dirty="0"/>
+              <a:t> </a:t>
+            </a:r>
+          </a:p>
+          <a:p>
+            <a:r>
+              <a:rPr lang="it-IT" dirty="0"/>
+              <a:t>*Training on 2 </a:t>
+            </a:r>
+            <a:r>
+              <a:rPr lang="it-IT" dirty="0" smtClean="0"/>
+              <a:t>exp</a:t>
+            </a:r>
+            <a:endParaRPr lang="it" dirty="0"/>
+          </a:p>
+          <a:p>
+            <a:r>
+              <a:rPr lang="pl-PL" dirty="0"/>
+              <a:t>A(z): 1      -2.046      1.4758    -0.99924     0.89773    -0.32148</a:t>
+            </a:r>
+          </a:p>
+          <a:p>
+            <a:r>
+              <a:rPr lang="pl-PL" dirty="0"/>
+              <a:t>B(z): 0           0    -0.19542     0.68029    -</a:t>
+            </a:r>
+            <a:r>
+              <a:rPr lang="pl-PL" dirty="0" smtClean="0"/>
+              <a:t>0.47878</a:t>
+            </a:r>
+            <a:endParaRPr lang="it-IT" dirty="0"/>
+          </a:p>
+          <a:p>
+            <a:r>
+              <a:rPr lang="it-IT" dirty="0"/>
+              <a:t>Validation on 1 exp: </a:t>
+            </a:r>
+            <a:r>
+              <a:rPr lang="it-IT" dirty="0" smtClean="0"/>
+              <a:t>54.9233	Validation </a:t>
+            </a:r>
+            <a:r>
+              <a:rPr lang="it-IT" dirty="0"/>
+              <a:t>on 2 exp: </a:t>
+            </a:r>
+            <a:r>
+              <a:rPr lang="it-IT" dirty="0" smtClean="0"/>
+              <a:t>49.3283	Validation </a:t>
+            </a:r>
+            <a:r>
+              <a:rPr lang="it-IT" dirty="0"/>
+              <a:t>on 3 exp: 75.5403</a:t>
+            </a:r>
+          </a:p>
+          <a:p>
+            <a:r>
+              <a:rPr lang="it" dirty="0"/>
+              <a:t> </a:t>
+            </a:r>
+          </a:p>
+          <a:p>
+            <a:r>
+              <a:rPr lang="it-IT" dirty="0"/>
+              <a:t>*Training on 3 </a:t>
+            </a:r>
+            <a:r>
+              <a:rPr lang="it-IT" dirty="0" smtClean="0"/>
+              <a:t>exp</a:t>
+            </a:r>
+            <a:endParaRPr lang="it" dirty="0"/>
+          </a:p>
+          <a:p>
+            <a:r>
+              <a:rPr lang="pl-PL" dirty="0"/>
+              <a:t>A(z): 1     -3.7358      5.1579     -3.0089     0.49021    0.096966</a:t>
+            </a:r>
+          </a:p>
+          <a:p>
+            <a:r>
+              <a:rPr lang="pl-PL" dirty="0"/>
+              <a:t>B(z): 0           0   -0.077889     0.61883     -1.3542      1.1687    -0.35517</a:t>
+            </a:r>
+          </a:p>
+          <a:p>
+            <a:r>
+              <a:rPr lang="it-IT" dirty="0" smtClean="0"/>
+              <a:t>Validation </a:t>
+            </a:r>
+            <a:r>
+              <a:rPr lang="it-IT" dirty="0"/>
+              <a:t>on 1 exp: </a:t>
+            </a:r>
+            <a:r>
+              <a:rPr lang="it-IT" dirty="0" smtClean="0"/>
+              <a:t>58.1653	Validation </a:t>
+            </a:r>
+            <a:r>
+              <a:rPr lang="it-IT" dirty="0"/>
+              <a:t>on 2 exp: </a:t>
+            </a:r>
+            <a:r>
+              <a:rPr lang="it-IT" dirty="0" smtClean="0"/>
+              <a:t>49.5579	Validation </a:t>
+            </a:r>
+            <a:r>
+              <a:rPr lang="it-IT" dirty="0"/>
+              <a:t>on 3 exp: 62.7157</a:t>
+            </a:r>
+            <a:endParaRPr lang="en-GB" dirty="0"/>
+          </a:p>
+        </p:txBody>
+      </p:sp>
+    </p:spTree>
+    <p:extLst>
+      <p:ext uri="{BB962C8B-B14F-4D97-AF65-F5344CB8AC3E}">
+        <p14:creationId xmlns:p14="http://schemas.microsoft.com/office/powerpoint/2010/main" val="1262541392"/>
+      </p:ext>
+    </p:extLst>
+  </p:cSld>
+  <p:clrMapOvr>
+    <a:masterClrMapping/>
+  </p:clrMapOvr>
+  <p:timing>
+    <p:tnLst>
+      <p:par>
+        <p:cTn id="1" dur="indefinite" restart="never" nodeType="tmRoot"/>
+      </p:par>
+    </p:tnLst>
+  </p:timing>
+</p:sld>
+</file>
+
+<file path=ppt/slides/slide29.xml><?xml version="1.0" encoding="utf-8"?>
+<p:sld xmlns:a="http://schemas.openxmlformats.org/drawingml/2006/main" xmlns:r="http://schemas.openxmlformats.org/officeDocument/2006/relationships" xmlns:p="http://schemas.openxmlformats.org/presentationml/2006/main">
+  <p:cSld>
+    <p:spTree>
+      <p:nvGrpSpPr>
+        <p:cNvPr id="1" name=""/>
+        <p:cNvGrpSpPr/>
+        <p:nvPr/>
+      </p:nvGrpSpPr>
+      <p:grpSpPr>
+        <a:xfrm>
+          <a:off x="0" y="0"/>
+          <a:ext cx="0" cy="0"/>
+          <a:chOff x="0" y="0"/>
+          <a:chExt cx="0" cy="0"/>
+        </a:xfrm>
+      </p:grpSpPr>
+      <p:sp>
+        <p:nvSpPr>
+          <p:cNvPr id="2" name="Slide Number Placeholder 1"/>
+          <p:cNvSpPr>
+            <a:spLocks noGrp="1"/>
+          </p:cNvSpPr>
+          <p:nvPr>
+            <p:ph type="sldNum" sz="quarter" idx="10"/>
+          </p:nvPr>
+        </p:nvSpPr>
+        <p:spPr/>
+        <p:txBody>
+          <a:bodyPr/>
+          <a:lstStyle/>
+          <a:p>
+            <a:fld id="{61155BBA-336D-4AED-BB34-E42D9706BCE7}" type="slidenum">
+              <a:rPr lang="it-IT" altLang="en-US" smtClean="0"/>
+              <a:pPr/>
+              <a:t>29</a:t>
+            </a:fld>
+            <a:endParaRPr lang="it-IT" altLang="en-US"/>
+          </a:p>
+        </p:txBody>
+      </p:sp>
+      <p:sp>
+        <p:nvSpPr>
+          <p:cNvPr id="3" name="TextBox 2"/>
+          <p:cNvSpPr txBox="1"/>
+          <p:nvPr/>
+        </p:nvSpPr>
+        <p:spPr>
+          <a:xfrm>
+            <a:off x="231820" y="1046490"/>
+            <a:ext cx="11797048" cy="523220"/>
+          </a:xfrm>
+          <a:prstGeom prst="rect">
+            <a:avLst/>
+          </a:prstGeom>
+          <a:noFill/>
+        </p:spPr>
+        <p:txBody>
+          <a:bodyPr wrap="square" rtlCol="0">
+            <a:spAutoFit/>
+          </a:bodyPr>
+          <a:lstStyle/>
+          <a:p>
+            <a:pPr algn="ctr"/>
+            <a:r>
+              <a:rPr lang="en-GB" sz="2800" b="1" i="1" dirty="0" smtClean="0">
+                <a:latin typeface="+mj-lt"/>
+              </a:rPr>
+              <a:t>MODEL </a:t>
+            </a:r>
+            <a:r>
+              <a:rPr lang="en-GB" sz="2800" b="1" i="1" dirty="0" smtClean="0">
+                <a:latin typeface="+mj-lt"/>
+              </a:rPr>
+              <a:t>VALIDATION</a:t>
+            </a:r>
+            <a:endParaRPr lang="en-GB" sz="2800" b="1" i="1" dirty="0" smtClean="0">
+              <a:latin typeface="+mj-lt"/>
+            </a:endParaRPr>
+          </a:p>
+        </p:txBody>
+      </p:sp>
+      <p:sp>
+        <p:nvSpPr>
+          <p:cNvPr id="4" name="TextBox 3"/>
+          <p:cNvSpPr txBox="1"/>
+          <p:nvPr/>
+        </p:nvSpPr>
+        <p:spPr>
+          <a:xfrm>
+            <a:off x="7078960" y="173782"/>
+            <a:ext cx="2746393" cy="369332"/>
           </a:xfrm>
           <a:prstGeom prst="rect">
             <a:avLst/>
@@ -22000,117 +22690,134 @@
           <a:lstStyle/>
           <a:p>
             <a:r>
+              <a:rPr lang="en-GB" b="1" dirty="0" smtClean="0">
+                <a:solidFill>
+                  <a:srgbClr val="FF0000"/>
+                </a:solidFill>
+                <a:latin typeface="DejaVu Sans" panose="020B0603030804020204" pitchFamily="34" charset="0"/>
+                <a:ea typeface="DejaVu Sans" panose="020B0603030804020204" pitchFamily="34" charset="0"/>
+                <a:cs typeface="DejaVu Sans" panose="020B0603030804020204" pitchFamily="34" charset="0"/>
+              </a:rPr>
+              <a:t>MODEL VALIDATION</a:t>
+            </a:r>
+            <a:endParaRPr lang="en-GB" b="1" dirty="0">
+              <a:solidFill>
+                <a:srgbClr val="FF0000"/>
+              </a:solidFill>
+              <a:latin typeface="DejaVu Sans" panose="020B0603030804020204" pitchFamily="34" charset="0"/>
+              <a:ea typeface="DejaVu Sans" panose="020B0603030804020204" pitchFamily="34" charset="0"/>
+              <a:cs typeface="DejaVu Sans" panose="020B0603030804020204" pitchFamily="34" charset="0"/>
+            </a:endParaRPr>
+          </a:p>
+        </p:txBody>
+      </p:sp>
+      <p:sp>
+        <p:nvSpPr>
+          <p:cNvPr id="5" name="TextBox 4"/>
+          <p:cNvSpPr txBox="1"/>
+          <p:nvPr/>
+        </p:nvSpPr>
+        <p:spPr>
+          <a:xfrm>
+            <a:off x="231820" y="1569710"/>
+            <a:ext cx="11719775" cy="1754326"/>
+          </a:xfrm>
+          <a:prstGeom prst="rect">
+            <a:avLst/>
+          </a:prstGeom>
+          <a:noFill/>
+        </p:spPr>
+        <p:txBody>
+          <a:bodyPr wrap="square" rtlCol="0">
+            <a:spAutoFit/>
+          </a:bodyPr>
+          <a:lstStyle/>
+          <a:p>
+            <a:r>
+              <a:rPr lang="en-GB" b="1" dirty="0" smtClean="0"/>
+              <a:t>OE</a:t>
+            </a:r>
+            <a:r>
               <a:rPr lang="en-GB" dirty="0" smtClean="0"/>
-              <a:t>Qui </a:t>
+              <a:t> performs better than </a:t>
+            </a:r>
+            <a:r>
+              <a:rPr lang="en-GB" b="1" dirty="0" smtClean="0"/>
+              <a:t>ARX</a:t>
+            </a:r>
+            <a:r>
+              <a:rPr lang="en-GB" dirty="0" smtClean="0"/>
+              <a:t> models as expected from the previous theoretical discussion.</a:t>
+            </a:r>
+          </a:p>
+          <a:p>
+            <a:endParaRPr lang="en-GB" b="1" dirty="0"/>
+          </a:p>
+          <a:p>
+            <a:r>
+              <a:rPr lang="en-GB" b="1" dirty="0" smtClean="0"/>
+              <a:t>ARMAX </a:t>
+            </a:r>
+            <a:r>
+              <a:rPr lang="en-GB" dirty="0" smtClean="0"/>
+              <a:t>and </a:t>
+            </a:r>
+            <a:r>
+              <a:rPr lang="en-GB" b="1" dirty="0" smtClean="0"/>
+              <a:t>BJ</a:t>
+            </a:r>
+            <a:r>
+              <a:rPr lang="en-GB" dirty="0" smtClean="0"/>
+              <a:t> give exactly the same results as </a:t>
+            </a:r>
+            <a:r>
+              <a:rPr lang="en-GB" b="1" dirty="0" smtClean="0"/>
+              <a:t>OE</a:t>
+            </a:r>
+            <a:r>
+              <a:rPr lang="en-GB" dirty="0" smtClean="0"/>
+              <a:t> models (explain </a:t>
             </a:r>
             <a:r>
               <a:rPr lang="en-GB" dirty="0" err="1" smtClean="0"/>
-              <a:t>possiamo</a:t>
+              <a:t>wtf</a:t>
             </a:r>
             <a:r>
               <a:rPr lang="en-GB" dirty="0" smtClean="0"/>
-              <a:t> </a:t>
+              <a:t> happens)</a:t>
+            </a:r>
+          </a:p>
+          <a:p>
+            <a:endParaRPr lang="en-GB" b="1" dirty="0"/>
+          </a:p>
+          <a:p>
+            <a:r>
+              <a:rPr lang="en-GB" dirty="0" smtClean="0"/>
+              <a:t>A deeper analysis can be done with a </a:t>
             </a:r>
             <a:r>
               <a:rPr lang="en-GB" dirty="0" err="1" smtClean="0"/>
-              <a:t>mettere</a:t>
+              <a:t>Matlab</a:t>
             </a:r>
             <a:r>
               <a:rPr lang="en-GB" dirty="0" smtClean="0"/>
-              <a:t> </a:t>
+              <a:t> script we wrote “</a:t>
             </a:r>
             <a:r>
               <a:rPr lang="en-GB" dirty="0" err="1" smtClean="0"/>
-              <a:t>tipo</a:t>
+              <a:t>compareModels</a:t>
             </a:r>
             <a:r>
               <a:rPr lang="en-GB" dirty="0" smtClean="0"/>
-              <a:t> le </a:t>
-            </a:r>
-            <a:r>
-              <a:rPr lang="en-GB" dirty="0" err="1" smtClean="0"/>
-              <a:t>ideee</a:t>
-            </a:r>
-            <a:r>
-              <a:rPr lang="en-GB" dirty="0" smtClean="0"/>
-              <a:t> </a:t>
-            </a:r>
-            <a:r>
-              <a:rPr lang="en-GB" dirty="0" err="1" smtClean="0"/>
-              <a:t>andate</a:t>
-            </a:r>
-            <a:r>
-              <a:rPr lang="en-GB" dirty="0" smtClean="0"/>
-              <a:t> male o da </a:t>
-            </a:r>
-            <a:r>
-              <a:rPr lang="en-GB" dirty="0" err="1" smtClean="0"/>
-              <a:t>provare</a:t>
-            </a:r>
-            <a:endParaRPr lang="en-GB" dirty="0" smtClean="0"/>
-          </a:p>
-          <a:p>
-            <a:r>
-              <a:rPr lang="en-GB" dirty="0" smtClean="0"/>
-              <a:t>-</a:t>
-            </a:r>
-            <a:r>
-              <a:rPr lang="en-GB" dirty="0" err="1" smtClean="0"/>
-              <a:t>interpolazione</a:t>
-            </a:r>
-            <a:r>
-              <a:rPr lang="en-GB" dirty="0" smtClean="0"/>
-              <a:t> </a:t>
-            </a:r>
-            <a:r>
-              <a:rPr lang="en-GB" dirty="0" err="1" smtClean="0"/>
-              <a:t>dati</a:t>
-            </a:r>
-            <a:r>
-              <a:rPr lang="en-GB" dirty="0" smtClean="0"/>
-              <a:t> + training </a:t>
-            </a:r>
-            <a:r>
-              <a:rPr lang="en-GB" dirty="0" err="1" smtClean="0"/>
-              <a:t>su</a:t>
-            </a:r>
-            <a:r>
-              <a:rPr lang="en-GB" dirty="0" smtClean="0"/>
-              <a:t> </a:t>
-            </a:r>
-            <a:r>
-              <a:rPr lang="en-GB" dirty="0" err="1" smtClean="0"/>
-              <a:t>essi</a:t>
-            </a:r>
-            <a:endParaRPr lang="en-GB" dirty="0" smtClean="0"/>
-          </a:p>
-          <a:p>
-            <a:r>
-              <a:rPr lang="en-GB" dirty="0" smtClean="0"/>
-              <a:t>-experiment have the same kind of shape-&gt; do an </a:t>
-            </a:r>
-            <a:r>
-              <a:rPr lang="en-GB" dirty="0" err="1" smtClean="0"/>
-              <a:t>avg</a:t>
-            </a:r>
-            <a:r>
-              <a:rPr lang="en-GB" dirty="0" smtClean="0"/>
-              <a:t> of the data and train</a:t>
-            </a:r>
-          </a:p>
-          <a:p>
-            <a:r>
-              <a:rPr lang="en-GB" dirty="0" smtClean="0"/>
-              <a:t>-use 2 experiments at time to do training and then validation on the other set</a:t>
-            </a:r>
-            <a:endParaRPr lang="en-GB" dirty="0"/>
+              <a:t>” which shows graphically this and that.</a:t>
+            </a:r>
           </a:p>
         </p:txBody>
       </p:sp>
     </p:spTree>
     <p:extLst>
       <p:ext uri="{BB962C8B-B14F-4D97-AF65-F5344CB8AC3E}">
-        <p14:creationId xmlns:p14="http://schemas.microsoft.com/office/powerpoint/2010/main" val="3455597643"/>
+        <p14:creationId xmlns:p14="http://schemas.microsoft.com/office/powerpoint/2010/main" val="1775920175"/>
       </p:ext>
     </p:extLst>
   </p:cSld>
@@ -22895,6 +23602,1236 @@
 </p:sld>
 </file>
 
+<file path=ppt/slides/slide30.xml><?xml version="1.0" encoding="utf-8"?>
+<p:sld xmlns:a="http://schemas.openxmlformats.org/drawingml/2006/main" xmlns:r="http://schemas.openxmlformats.org/officeDocument/2006/relationships" xmlns:p="http://schemas.openxmlformats.org/presentationml/2006/main">
+  <p:cSld>
+    <p:spTree>
+      <p:nvGrpSpPr>
+        <p:cNvPr id="1" name=""/>
+        <p:cNvGrpSpPr/>
+        <p:nvPr/>
+      </p:nvGrpSpPr>
+      <p:grpSpPr>
+        <a:xfrm>
+          <a:off x="0" y="0"/>
+          <a:ext cx="0" cy="0"/>
+          <a:chOff x="0" y="0"/>
+          <a:chExt cx="0" cy="0"/>
+        </a:xfrm>
+      </p:grpSpPr>
+      <p:sp>
+        <p:nvSpPr>
+          <p:cNvPr id="2" name="Slide Number Placeholder 1"/>
+          <p:cNvSpPr>
+            <a:spLocks noGrp="1"/>
+          </p:cNvSpPr>
+          <p:nvPr>
+            <p:ph type="sldNum" sz="quarter" idx="10"/>
+          </p:nvPr>
+        </p:nvSpPr>
+        <p:spPr/>
+        <p:txBody>
+          <a:bodyPr/>
+          <a:lstStyle/>
+          <a:p>
+            <a:fld id="{61155BBA-336D-4AED-BB34-E42D9706BCE7}" type="slidenum">
+              <a:rPr lang="it-IT" altLang="en-US" smtClean="0"/>
+              <a:pPr/>
+              <a:t>30</a:t>
+            </a:fld>
+            <a:endParaRPr lang="it-IT" altLang="en-US"/>
+          </a:p>
+        </p:txBody>
+      </p:sp>
+      <p:sp>
+        <p:nvSpPr>
+          <p:cNvPr id="4" name="TextBox 3"/>
+          <p:cNvSpPr txBox="1"/>
+          <p:nvPr/>
+        </p:nvSpPr>
+        <p:spPr>
+          <a:xfrm>
+            <a:off x="55812" y="1133341"/>
+            <a:ext cx="11642501" cy="5093702"/>
+          </a:xfrm>
+          <a:prstGeom prst="rect">
+            <a:avLst/>
+          </a:prstGeom>
+          <a:noFill/>
+        </p:spPr>
+        <p:txBody>
+          <a:bodyPr wrap="square" rtlCol="0">
+            <a:spAutoFit/>
+          </a:bodyPr>
+          <a:lstStyle/>
+          <a:p>
+            <a:pPr algn="ctr"/>
+            <a:r>
+              <a:rPr lang="it-IT" sz="2800" b="1" i="1" dirty="0">
+                <a:latin typeface="+mj-lt"/>
+              </a:rPr>
+              <a:t>MODEL VALIDATION </a:t>
+            </a:r>
+            <a:r>
+              <a:rPr lang="it-IT" sz="2800" b="1" i="1" dirty="0" smtClean="0">
+                <a:latin typeface="+mj-lt"/>
+              </a:rPr>
+              <a:t>– DYNAMICS</a:t>
+            </a:r>
+            <a:endParaRPr lang="it-IT" sz="2800" b="1" i="1" dirty="0">
+              <a:latin typeface="+mj-lt"/>
+            </a:endParaRPr>
+          </a:p>
+          <a:p>
+            <a:endParaRPr lang="it-IT" b="1" i="1" dirty="0" smtClean="0"/>
+          </a:p>
+          <a:p>
+            <a:r>
+              <a:rPr lang="it-IT" dirty="0" smtClean="0"/>
+              <a:t>Another way to discriminate among different models is to look at their dynamic behaviour.</a:t>
+            </a:r>
+          </a:p>
+          <a:p>
+            <a:endParaRPr lang="it-IT" dirty="0"/>
+          </a:p>
+          <a:p>
+            <a:pPr>
+              <a:lnSpc>
+                <a:spcPct val="150000"/>
+              </a:lnSpc>
+            </a:pPr>
+            <a:r>
+              <a:rPr lang="it-IT" dirty="0" smtClean="0"/>
+              <a:t>Here we will analyze:</a:t>
+            </a:r>
+          </a:p>
+          <a:p>
+            <a:pPr marL="742950" lvl="1" indent="-285750">
+              <a:lnSpc>
+                <a:spcPct val="150000"/>
+              </a:lnSpc>
+              <a:buFont typeface="Arial" panose="020B0604020202020204" pitchFamily="34" charset="0"/>
+              <a:buChar char="•"/>
+            </a:pPr>
+            <a:r>
+              <a:rPr lang="it-IT" dirty="0" smtClean="0"/>
+              <a:t>Poles and Zero</a:t>
+            </a:r>
+          </a:p>
+          <a:p>
+            <a:pPr marL="742950" lvl="1" indent="-285750">
+              <a:lnSpc>
+                <a:spcPct val="150000"/>
+              </a:lnSpc>
+              <a:buFont typeface="Arial" panose="020B0604020202020204" pitchFamily="34" charset="0"/>
+              <a:buChar char="•"/>
+            </a:pPr>
+            <a:r>
+              <a:rPr lang="it-IT" dirty="0" smtClean="0"/>
+              <a:t>Step response</a:t>
+            </a:r>
+          </a:p>
+          <a:p>
+            <a:pPr>
+              <a:lnSpc>
+                <a:spcPct val="150000"/>
+              </a:lnSpc>
+            </a:pPr>
+            <a:r>
+              <a:rPr lang="it-IT" dirty="0"/>
+              <a:t>t</a:t>
+            </a:r>
+            <a:r>
+              <a:rPr lang="it-IT" dirty="0" smtClean="0"/>
+              <a:t>rying to understand which dynamic best suit the actual system. </a:t>
+            </a:r>
+          </a:p>
+          <a:p>
+            <a:pPr>
+              <a:lnSpc>
+                <a:spcPct val="150000"/>
+              </a:lnSpc>
+            </a:pPr>
+            <a:endParaRPr lang="it-IT" dirty="0" smtClean="0"/>
+          </a:p>
+          <a:p>
+            <a:pPr>
+              <a:lnSpc>
+                <a:spcPct val="150000"/>
+              </a:lnSpc>
+            </a:pPr>
+            <a:r>
+              <a:rPr lang="it-IT" dirty="0" smtClean="0"/>
+              <a:t>We will also attempt to synthesize new models by shaping the pole-zero plot.</a:t>
+            </a:r>
+          </a:p>
+          <a:p>
+            <a:pPr>
+              <a:lnSpc>
+                <a:spcPct val="150000"/>
+              </a:lnSpc>
+            </a:pPr>
+            <a:endParaRPr lang="it-IT" b="1" i="1" dirty="0" smtClean="0"/>
+          </a:p>
+          <a:p>
+            <a:pPr>
+              <a:lnSpc>
+                <a:spcPct val="150000"/>
+              </a:lnSpc>
+            </a:pPr>
+            <a:r>
+              <a:rPr lang="it-IT" dirty="0" smtClean="0"/>
+              <a:t>Each model class is trained using the three dataset, leading to three different models for model class.</a:t>
+            </a:r>
+            <a:endParaRPr lang="it-IT" dirty="0"/>
+          </a:p>
+          <a:p>
+            <a:pPr>
+              <a:lnSpc>
+                <a:spcPct val="150000"/>
+              </a:lnSpc>
+            </a:pPr>
+            <a:r>
+              <a:rPr lang="it-IT" dirty="0" smtClean="0"/>
+              <a:t>Model classes tested: ARX, OE.</a:t>
+            </a:r>
+            <a:endParaRPr lang="it-IT" dirty="0"/>
+          </a:p>
+        </p:txBody>
+      </p:sp>
+    </p:spTree>
+    <p:extLst>
+      <p:ext uri="{BB962C8B-B14F-4D97-AF65-F5344CB8AC3E}">
+        <p14:creationId xmlns:p14="http://schemas.microsoft.com/office/powerpoint/2010/main" val="2084359161"/>
+      </p:ext>
+    </p:extLst>
+  </p:cSld>
+  <p:clrMapOvr>
+    <a:masterClrMapping/>
+  </p:clrMapOvr>
+</p:sld>
+</file>
+
+<file path=ppt/slides/slide31.xml><?xml version="1.0" encoding="utf-8"?>
+<p:sld xmlns:a="http://schemas.openxmlformats.org/drawingml/2006/main" xmlns:r="http://schemas.openxmlformats.org/officeDocument/2006/relationships" xmlns:p="http://schemas.openxmlformats.org/presentationml/2006/main">
+  <p:cSld>
+    <p:spTree>
+      <p:nvGrpSpPr>
+        <p:cNvPr id="1" name=""/>
+        <p:cNvGrpSpPr/>
+        <p:nvPr/>
+      </p:nvGrpSpPr>
+      <p:grpSpPr>
+        <a:xfrm>
+          <a:off x="0" y="0"/>
+          <a:ext cx="0" cy="0"/>
+          <a:chOff x="0" y="0"/>
+          <a:chExt cx="0" cy="0"/>
+        </a:xfrm>
+      </p:grpSpPr>
+      <p:sp>
+        <p:nvSpPr>
+          <p:cNvPr id="2" name="Slide Number Placeholder 1"/>
+          <p:cNvSpPr>
+            <a:spLocks noGrp="1"/>
+          </p:cNvSpPr>
+          <p:nvPr>
+            <p:ph type="sldNum" sz="quarter" idx="10"/>
+          </p:nvPr>
+        </p:nvSpPr>
+        <p:spPr/>
+        <p:txBody>
+          <a:bodyPr/>
+          <a:lstStyle/>
+          <a:p>
+            <a:fld id="{61155BBA-336D-4AED-BB34-E42D9706BCE7}" type="slidenum">
+              <a:rPr lang="it-IT" altLang="en-US" smtClean="0"/>
+              <a:pPr/>
+              <a:t>31</a:t>
+            </a:fld>
+            <a:endParaRPr lang="it-IT" altLang="en-US"/>
+          </a:p>
+        </p:txBody>
+      </p:sp>
+      <p:sp>
+        <p:nvSpPr>
+          <p:cNvPr id="4" name="TextBox 3"/>
+          <p:cNvSpPr txBox="1"/>
+          <p:nvPr/>
+        </p:nvSpPr>
+        <p:spPr>
+          <a:xfrm>
+            <a:off x="55812" y="1133341"/>
+            <a:ext cx="11642501" cy="923330"/>
+          </a:xfrm>
+          <a:prstGeom prst="rect">
+            <a:avLst/>
+          </a:prstGeom>
+          <a:noFill/>
+        </p:spPr>
+        <p:txBody>
+          <a:bodyPr wrap="square" rtlCol="0">
+            <a:spAutoFit/>
+          </a:bodyPr>
+          <a:lstStyle/>
+          <a:p>
+            <a:pPr algn="ctr"/>
+            <a:r>
+              <a:rPr lang="it-IT" sz="2800" b="1" i="1" dirty="0">
+                <a:latin typeface="+mj-lt"/>
+              </a:rPr>
+              <a:t>MODEL VALIDATION </a:t>
+            </a:r>
+            <a:r>
+              <a:rPr lang="it-IT" sz="2800" b="1" i="1" dirty="0" smtClean="0">
+                <a:latin typeface="+mj-lt"/>
+              </a:rPr>
+              <a:t>– DYNAMICS</a:t>
+            </a:r>
+          </a:p>
+          <a:p>
+            <a:pPr algn="ctr"/>
+            <a:endParaRPr lang="it-IT" sz="800" b="1" i="1" dirty="0">
+              <a:latin typeface="+mj-lt"/>
+            </a:endParaRPr>
+          </a:p>
+          <a:p>
+            <a:r>
+              <a:rPr lang="it-IT" b="1" i="1" dirty="0" smtClean="0"/>
+              <a:t>ARX MODELS</a:t>
+            </a:r>
+          </a:p>
+        </p:txBody>
+      </p:sp>
+      <p:pic>
+        <p:nvPicPr>
+          <p:cNvPr id="10" name="Picture 9"/>
+          <p:cNvPicPr>
+            <a:picLocks noChangeAspect="1"/>
+          </p:cNvPicPr>
+          <p:nvPr/>
+        </p:nvPicPr>
+        <p:blipFill>
+          <a:blip r:embed="rId2">
+            <a:extLst>
+              <a:ext uri="{28A0092B-C50C-407E-A947-70E740481C1C}">
+                <a14:useLocalDpi xmlns:a14="http://schemas.microsoft.com/office/drawing/2010/main" val="0"/>
+              </a:ext>
+            </a:extLst>
+          </a:blip>
+          <a:stretch>
+            <a:fillRect/>
+          </a:stretch>
+        </p:blipFill>
+        <p:spPr>
+          <a:xfrm>
+            <a:off x="47229" y="2204017"/>
+            <a:ext cx="4091184" cy="4000000"/>
+          </a:xfrm>
+          <a:prstGeom prst="rect">
+            <a:avLst/>
+          </a:prstGeom>
+        </p:spPr>
+      </p:pic>
+      <p:pic>
+        <p:nvPicPr>
+          <p:cNvPr id="11" name="Picture 10"/>
+          <p:cNvPicPr>
+            <a:picLocks noChangeAspect="1"/>
+          </p:cNvPicPr>
+          <p:nvPr/>
+        </p:nvPicPr>
+        <p:blipFill>
+          <a:blip r:embed="rId3">
+            <a:extLst>
+              <a:ext uri="{28A0092B-C50C-407E-A947-70E740481C1C}">
+                <a14:useLocalDpi xmlns:a14="http://schemas.microsoft.com/office/drawing/2010/main" val="0"/>
+              </a:ext>
+            </a:extLst>
+          </a:blip>
+          <a:stretch>
+            <a:fillRect/>
+          </a:stretch>
+        </p:blipFill>
+        <p:spPr>
+          <a:xfrm>
+            <a:off x="3770999" y="2204017"/>
+            <a:ext cx="4194959" cy="4000000"/>
+          </a:xfrm>
+          <a:prstGeom prst="rect">
+            <a:avLst/>
+          </a:prstGeom>
+        </p:spPr>
+      </p:pic>
+      <p:pic>
+        <p:nvPicPr>
+          <p:cNvPr id="12" name="Picture 11"/>
+          <p:cNvPicPr>
+            <a:picLocks noChangeAspect="1"/>
+          </p:cNvPicPr>
+          <p:nvPr/>
+        </p:nvPicPr>
+        <p:blipFill>
+          <a:blip r:embed="rId4">
+            <a:extLst>
+              <a:ext uri="{28A0092B-C50C-407E-A947-70E740481C1C}">
+                <a14:useLocalDpi xmlns:a14="http://schemas.microsoft.com/office/drawing/2010/main" val="0"/>
+              </a:ext>
+            </a:extLst>
+          </a:blip>
+          <a:stretch>
+            <a:fillRect/>
+          </a:stretch>
+        </p:blipFill>
+        <p:spPr>
+          <a:xfrm>
+            <a:off x="7739471" y="2204017"/>
+            <a:ext cx="4452529" cy="4000000"/>
+          </a:xfrm>
+          <a:prstGeom prst="rect">
+            <a:avLst/>
+          </a:prstGeom>
+        </p:spPr>
+      </p:pic>
+    </p:spTree>
+    <p:extLst>
+      <p:ext uri="{BB962C8B-B14F-4D97-AF65-F5344CB8AC3E}">
+        <p14:creationId xmlns:p14="http://schemas.microsoft.com/office/powerpoint/2010/main" val="2030788860"/>
+      </p:ext>
+    </p:extLst>
+  </p:cSld>
+  <p:clrMapOvr>
+    <a:masterClrMapping/>
+  </p:clrMapOvr>
+</p:sld>
+</file>
+
+<file path=ppt/slides/slide32.xml><?xml version="1.0" encoding="utf-8"?>
+<p:sld xmlns:a="http://schemas.openxmlformats.org/drawingml/2006/main" xmlns:r="http://schemas.openxmlformats.org/officeDocument/2006/relationships" xmlns:p="http://schemas.openxmlformats.org/presentationml/2006/main">
+  <p:cSld>
+    <p:spTree>
+      <p:nvGrpSpPr>
+        <p:cNvPr id="1" name=""/>
+        <p:cNvGrpSpPr/>
+        <p:nvPr/>
+      </p:nvGrpSpPr>
+      <p:grpSpPr>
+        <a:xfrm>
+          <a:off x="0" y="0"/>
+          <a:ext cx="0" cy="0"/>
+          <a:chOff x="0" y="0"/>
+          <a:chExt cx="0" cy="0"/>
+        </a:xfrm>
+      </p:grpSpPr>
+      <p:sp>
+        <p:nvSpPr>
+          <p:cNvPr id="2" name="Slide Number Placeholder 1"/>
+          <p:cNvSpPr>
+            <a:spLocks noGrp="1"/>
+          </p:cNvSpPr>
+          <p:nvPr>
+            <p:ph type="sldNum" sz="quarter" idx="10"/>
+          </p:nvPr>
+        </p:nvSpPr>
+        <p:spPr/>
+        <p:txBody>
+          <a:bodyPr/>
+          <a:lstStyle/>
+          <a:p>
+            <a:fld id="{61155BBA-336D-4AED-BB34-E42D9706BCE7}" type="slidenum">
+              <a:rPr lang="it-IT" altLang="en-US" smtClean="0"/>
+              <a:pPr/>
+              <a:t>32</a:t>
+            </a:fld>
+            <a:endParaRPr lang="it-IT" altLang="en-US"/>
+          </a:p>
+        </p:txBody>
+      </p:sp>
+      <p:sp>
+        <p:nvSpPr>
+          <p:cNvPr id="4" name="TextBox 3"/>
+          <p:cNvSpPr txBox="1"/>
+          <p:nvPr/>
+        </p:nvSpPr>
+        <p:spPr>
+          <a:xfrm>
+            <a:off x="55812" y="1133341"/>
+            <a:ext cx="11642501" cy="1200329"/>
+          </a:xfrm>
+          <a:prstGeom prst="rect">
+            <a:avLst/>
+          </a:prstGeom>
+          <a:noFill/>
+        </p:spPr>
+        <p:txBody>
+          <a:bodyPr wrap="square" rtlCol="0">
+            <a:spAutoFit/>
+          </a:bodyPr>
+          <a:lstStyle/>
+          <a:p>
+            <a:pPr algn="ctr"/>
+            <a:r>
+              <a:rPr lang="it-IT" sz="2800" b="1" i="1" dirty="0">
+                <a:latin typeface="+mj-lt"/>
+              </a:rPr>
+              <a:t>MODEL VALIDATION </a:t>
+            </a:r>
+            <a:r>
+              <a:rPr lang="it-IT" sz="2800" b="1" i="1" dirty="0" smtClean="0">
+                <a:latin typeface="+mj-lt"/>
+              </a:rPr>
+              <a:t>– DYNAMICS</a:t>
+            </a:r>
+          </a:p>
+          <a:p>
+            <a:pPr algn="ctr"/>
+            <a:endParaRPr lang="it-IT" sz="800" b="1" i="1" dirty="0">
+              <a:latin typeface="+mj-lt"/>
+            </a:endParaRPr>
+          </a:p>
+          <a:p>
+            <a:r>
+              <a:rPr lang="it-IT" b="1" i="1" dirty="0" smtClean="0"/>
+              <a:t>ARX</a:t>
+            </a:r>
+            <a:r>
+              <a:rPr lang="it-IT" i="1" dirty="0" smtClean="0"/>
+              <a:t> models looks very similar in all three identifications</a:t>
+            </a:r>
+            <a:endParaRPr lang="it-IT" b="1" i="1" dirty="0"/>
+          </a:p>
+          <a:p>
+            <a:endParaRPr lang="it-IT" b="1" i="1" dirty="0" smtClean="0"/>
+          </a:p>
+        </p:txBody>
+      </p:sp>
+    </p:spTree>
+    <p:extLst>
+      <p:ext uri="{BB962C8B-B14F-4D97-AF65-F5344CB8AC3E}">
+        <p14:creationId xmlns:p14="http://schemas.microsoft.com/office/powerpoint/2010/main" val="2868980295"/>
+      </p:ext>
+    </p:extLst>
+  </p:cSld>
+  <p:clrMapOvr>
+    <a:masterClrMapping/>
+  </p:clrMapOvr>
+</p:sld>
+</file>
+
+<file path=ppt/slides/slide33.xml><?xml version="1.0" encoding="utf-8"?>
+<p:sld xmlns:a="http://schemas.openxmlformats.org/drawingml/2006/main" xmlns:r="http://schemas.openxmlformats.org/officeDocument/2006/relationships" xmlns:p="http://schemas.openxmlformats.org/presentationml/2006/main">
+  <p:cSld>
+    <p:spTree>
+      <p:nvGrpSpPr>
+        <p:cNvPr id="1" name=""/>
+        <p:cNvGrpSpPr/>
+        <p:nvPr/>
+      </p:nvGrpSpPr>
+      <p:grpSpPr>
+        <a:xfrm>
+          <a:off x="0" y="0"/>
+          <a:ext cx="0" cy="0"/>
+          <a:chOff x="0" y="0"/>
+          <a:chExt cx="0" cy="0"/>
+        </a:xfrm>
+      </p:grpSpPr>
+      <p:sp>
+        <p:nvSpPr>
+          <p:cNvPr id="2" name="Slide Number Placeholder 1"/>
+          <p:cNvSpPr>
+            <a:spLocks noGrp="1"/>
+          </p:cNvSpPr>
+          <p:nvPr>
+            <p:ph type="sldNum" sz="quarter" idx="10"/>
+          </p:nvPr>
+        </p:nvSpPr>
+        <p:spPr/>
+        <p:txBody>
+          <a:bodyPr/>
+          <a:lstStyle/>
+          <a:p>
+            <a:fld id="{61155BBA-336D-4AED-BB34-E42D9706BCE7}" type="slidenum">
+              <a:rPr lang="it-IT" altLang="en-US" smtClean="0"/>
+              <a:pPr/>
+              <a:t>33</a:t>
+            </a:fld>
+            <a:endParaRPr lang="it-IT" altLang="en-US"/>
+          </a:p>
+        </p:txBody>
+      </p:sp>
+      <p:sp>
+        <p:nvSpPr>
+          <p:cNvPr id="4" name="TextBox 3"/>
+          <p:cNvSpPr txBox="1"/>
+          <p:nvPr/>
+        </p:nvSpPr>
+        <p:spPr>
+          <a:xfrm>
+            <a:off x="55812" y="1133341"/>
+            <a:ext cx="11642501" cy="923330"/>
+          </a:xfrm>
+          <a:prstGeom prst="rect">
+            <a:avLst/>
+          </a:prstGeom>
+          <a:noFill/>
+        </p:spPr>
+        <p:txBody>
+          <a:bodyPr wrap="square" rtlCol="0">
+            <a:spAutoFit/>
+          </a:bodyPr>
+          <a:lstStyle/>
+          <a:p>
+            <a:pPr algn="ctr"/>
+            <a:r>
+              <a:rPr lang="it-IT" sz="2800" b="1" i="1" dirty="0">
+                <a:latin typeface="+mj-lt"/>
+              </a:rPr>
+              <a:t>MODEL VALIDATION </a:t>
+            </a:r>
+            <a:r>
+              <a:rPr lang="it-IT" sz="2800" b="1" i="1" dirty="0" smtClean="0">
+                <a:latin typeface="+mj-lt"/>
+              </a:rPr>
+              <a:t>– DYNAMICS</a:t>
+            </a:r>
+          </a:p>
+          <a:p>
+            <a:pPr algn="ctr"/>
+            <a:endParaRPr lang="it-IT" sz="800" b="1" i="1" dirty="0">
+              <a:latin typeface="+mj-lt"/>
+            </a:endParaRPr>
+          </a:p>
+          <a:p>
+            <a:r>
+              <a:rPr lang="it-IT" b="1" i="1" dirty="0" smtClean="0"/>
+              <a:t>OE MODELS</a:t>
+            </a:r>
+          </a:p>
+        </p:txBody>
+      </p:sp>
+      <p:pic>
+        <p:nvPicPr>
+          <p:cNvPr id="10" name="Picture 9"/>
+          <p:cNvPicPr>
+            <a:picLocks noChangeAspect="1"/>
+          </p:cNvPicPr>
+          <p:nvPr/>
+        </p:nvPicPr>
+        <p:blipFill>
+          <a:blip r:embed="rId2">
+            <a:extLst>
+              <a:ext uri="{28A0092B-C50C-407E-A947-70E740481C1C}">
+                <a14:useLocalDpi xmlns:a14="http://schemas.microsoft.com/office/drawing/2010/main" val="0"/>
+              </a:ext>
+            </a:extLst>
+          </a:blip>
+          <a:stretch>
+            <a:fillRect/>
+          </a:stretch>
+        </p:blipFill>
+        <p:spPr>
+          <a:xfrm>
+            <a:off x="55813" y="2669823"/>
+            <a:ext cx="4091184" cy="3068388"/>
+          </a:xfrm>
+          <a:prstGeom prst="rect">
+            <a:avLst/>
+          </a:prstGeom>
+        </p:spPr>
+      </p:pic>
+      <p:pic>
+        <p:nvPicPr>
+          <p:cNvPr id="11" name="Picture 10"/>
+          <p:cNvPicPr>
+            <a:picLocks noChangeAspect="1"/>
+          </p:cNvPicPr>
+          <p:nvPr/>
+        </p:nvPicPr>
+        <p:blipFill>
+          <a:blip r:embed="rId3">
+            <a:extLst>
+              <a:ext uri="{28A0092B-C50C-407E-A947-70E740481C1C}">
+                <a14:useLocalDpi xmlns:a14="http://schemas.microsoft.com/office/drawing/2010/main" val="0"/>
+              </a:ext>
+            </a:extLst>
+          </a:blip>
+          <a:stretch>
+            <a:fillRect/>
+          </a:stretch>
+        </p:blipFill>
+        <p:spPr>
+          <a:xfrm>
+            <a:off x="3845755" y="2630907"/>
+            <a:ext cx="4194959" cy="3146219"/>
+          </a:xfrm>
+          <a:prstGeom prst="rect">
+            <a:avLst/>
+          </a:prstGeom>
+        </p:spPr>
+      </p:pic>
+      <p:pic>
+        <p:nvPicPr>
+          <p:cNvPr id="12" name="Picture 11"/>
+          <p:cNvPicPr>
+            <a:picLocks noChangeAspect="1"/>
+          </p:cNvPicPr>
+          <p:nvPr/>
+        </p:nvPicPr>
+        <p:blipFill>
+          <a:blip r:embed="rId4">
+            <a:extLst>
+              <a:ext uri="{28A0092B-C50C-407E-A947-70E740481C1C}">
+                <a14:useLocalDpi xmlns:a14="http://schemas.microsoft.com/office/drawing/2010/main" val="0"/>
+              </a:ext>
+            </a:extLst>
+          </a:blip>
+          <a:stretch>
+            <a:fillRect/>
+          </a:stretch>
+        </p:blipFill>
+        <p:spPr>
+          <a:xfrm>
+            <a:off x="7739471" y="2534319"/>
+            <a:ext cx="4452529" cy="3339396"/>
+          </a:xfrm>
+          <a:prstGeom prst="rect">
+            <a:avLst/>
+          </a:prstGeom>
+        </p:spPr>
+      </p:pic>
+    </p:spTree>
+    <p:extLst>
+      <p:ext uri="{BB962C8B-B14F-4D97-AF65-F5344CB8AC3E}">
+        <p14:creationId xmlns:p14="http://schemas.microsoft.com/office/powerpoint/2010/main" val="2986631930"/>
+      </p:ext>
+    </p:extLst>
+  </p:cSld>
+  <p:clrMapOvr>
+    <a:masterClrMapping/>
+  </p:clrMapOvr>
+</p:sld>
+</file>
+
+<file path=ppt/slides/slide34.xml><?xml version="1.0" encoding="utf-8"?>
+<p:sld xmlns:a="http://schemas.openxmlformats.org/drawingml/2006/main" xmlns:r="http://schemas.openxmlformats.org/officeDocument/2006/relationships" xmlns:p="http://schemas.openxmlformats.org/presentationml/2006/main">
+  <p:cSld>
+    <p:spTree>
+      <p:nvGrpSpPr>
+        <p:cNvPr id="1" name=""/>
+        <p:cNvGrpSpPr/>
+        <p:nvPr/>
+      </p:nvGrpSpPr>
+      <p:grpSpPr>
+        <a:xfrm>
+          <a:off x="0" y="0"/>
+          <a:ext cx="0" cy="0"/>
+          <a:chOff x="0" y="0"/>
+          <a:chExt cx="0" cy="0"/>
+        </a:xfrm>
+      </p:grpSpPr>
+      <p:sp>
+        <p:nvSpPr>
+          <p:cNvPr id="2" name="Slide Number Placeholder 1"/>
+          <p:cNvSpPr>
+            <a:spLocks noGrp="1"/>
+          </p:cNvSpPr>
+          <p:nvPr>
+            <p:ph type="sldNum" sz="quarter" idx="10"/>
+          </p:nvPr>
+        </p:nvSpPr>
+        <p:spPr/>
+        <p:txBody>
+          <a:bodyPr/>
+          <a:lstStyle/>
+          <a:p>
+            <a:fld id="{61155BBA-336D-4AED-BB34-E42D9706BCE7}" type="slidenum">
+              <a:rPr lang="it-IT" altLang="en-US" smtClean="0"/>
+              <a:pPr/>
+              <a:t>34</a:t>
+            </a:fld>
+            <a:endParaRPr lang="it-IT" altLang="en-US"/>
+          </a:p>
+        </p:txBody>
+      </p:sp>
+      <p:sp>
+        <p:nvSpPr>
+          <p:cNvPr id="3" name="TextBox 2"/>
+          <p:cNvSpPr txBox="1"/>
+          <p:nvPr/>
+        </p:nvSpPr>
+        <p:spPr>
+          <a:xfrm>
+            <a:off x="4746912" y="1033790"/>
+            <a:ext cx="2698175" cy="523220"/>
+          </a:xfrm>
+          <a:prstGeom prst="rect">
+            <a:avLst/>
+          </a:prstGeom>
+          <a:noFill/>
+        </p:spPr>
+        <p:txBody>
+          <a:bodyPr wrap="none" rtlCol="0">
+            <a:spAutoFit/>
+          </a:bodyPr>
+          <a:lstStyle/>
+          <a:p>
+            <a:r>
+              <a:rPr lang="en-GB" sz="2800" b="1" i="1" dirty="0" smtClean="0">
+                <a:latin typeface="+mj-lt"/>
+              </a:rPr>
+              <a:t>CONCLUSION</a:t>
+            </a:r>
+          </a:p>
+        </p:txBody>
+      </p:sp>
+      <p:sp>
+        <p:nvSpPr>
+          <p:cNvPr id="4" name="TextBox 3"/>
+          <p:cNvSpPr txBox="1"/>
+          <p:nvPr/>
+        </p:nvSpPr>
+        <p:spPr>
+          <a:xfrm>
+            <a:off x="6956299" y="173782"/>
+            <a:ext cx="3512308" cy="369332"/>
+          </a:xfrm>
+          <a:prstGeom prst="rect">
+            <a:avLst/>
+          </a:prstGeom>
+          <a:noFill/>
+        </p:spPr>
+        <p:txBody>
+          <a:bodyPr wrap="none" rtlCol="0">
+            <a:spAutoFit/>
+          </a:bodyPr>
+          <a:lstStyle/>
+          <a:p>
+            <a:r>
+              <a:rPr lang="en-GB" b="1" dirty="0" smtClean="0">
+                <a:solidFill>
+                  <a:srgbClr val="FF0000"/>
+                </a:solidFill>
+                <a:latin typeface="DejaVu Sans" panose="020B0603030804020204" pitchFamily="34" charset="0"/>
+                <a:ea typeface="DejaVu Sans" panose="020B0603030804020204" pitchFamily="34" charset="0"/>
+                <a:cs typeface="DejaVu Sans" panose="020B0603030804020204" pitchFamily="34" charset="0"/>
+              </a:rPr>
+              <a:t>CONCLUSION &amp; REMARKS</a:t>
+            </a:r>
+            <a:endParaRPr lang="en-GB" b="1" dirty="0">
+              <a:solidFill>
+                <a:srgbClr val="FF0000"/>
+              </a:solidFill>
+              <a:latin typeface="DejaVu Sans" panose="020B0603030804020204" pitchFamily="34" charset="0"/>
+              <a:ea typeface="DejaVu Sans" panose="020B0603030804020204" pitchFamily="34" charset="0"/>
+              <a:cs typeface="DejaVu Sans" panose="020B0603030804020204" pitchFamily="34" charset="0"/>
+            </a:endParaRPr>
+          </a:p>
+        </p:txBody>
+      </p:sp>
+    </p:spTree>
+    <p:extLst>
+      <p:ext uri="{BB962C8B-B14F-4D97-AF65-F5344CB8AC3E}">
+        <p14:creationId xmlns:p14="http://schemas.microsoft.com/office/powerpoint/2010/main" val="2463455316"/>
+      </p:ext>
+    </p:extLst>
+  </p:cSld>
+  <p:clrMapOvr>
+    <a:masterClrMapping/>
+  </p:clrMapOvr>
+  <p:timing>
+    <p:tnLst>
+      <p:par>
+        <p:cTn id="1" dur="indefinite" restart="never" nodeType="tmRoot"/>
+      </p:par>
+    </p:tnLst>
+  </p:timing>
+</p:sld>
+</file>
+
+<file path=ppt/slides/slide35.xml><?xml version="1.0" encoding="utf-8"?>
+<p:sld xmlns:a="http://schemas.openxmlformats.org/drawingml/2006/main" xmlns:r="http://schemas.openxmlformats.org/officeDocument/2006/relationships" xmlns:p="http://schemas.openxmlformats.org/presentationml/2006/main">
+  <p:cSld>
+    <p:spTree>
+      <p:nvGrpSpPr>
+        <p:cNvPr id="1" name=""/>
+        <p:cNvGrpSpPr/>
+        <p:nvPr/>
+      </p:nvGrpSpPr>
+      <p:grpSpPr>
+        <a:xfrm>
+          <a:off x="0" y="0"/>
+          <a:ext cx="0" cy="0"/>
+          <a:chOff x="0" y="0"/>
+          <a:chExt cx="0" cy="0"/>
+        </a:xfrm>
+      </p:grpSpPr>
+      <p:sp>
+        <p:nvSpPr>
+          <p:cNvPr id="2" name="Slide Number Placeholder 1"/>
+          <p:cNvSpPr>
+            <a:spLocks noGrp="1"/>
+          </p:cNvSpPr>
+          <p:nvPr>
+            <p:ph type="sldNum" sz="quarter" idx="10"/>
+          </p:nvPr>
+        </p:nvSpPr>
+        <p:spPr/>
+        <p:txBody>
+          <a:bodyPr/>
+          <a:lstStyle/>
+          <a:p>
+            <a:fld id="{61155BBA-336D-4AED-BB34-E42D9706BCE7}" type="slidenum">
+              <a:rPr lang="it-IT" altLang="en-US" smtClean="0"/>
+              <a:pPr/>
+              <a:t>35</a:t>
+            </a:fld>
+            <a:endParaRPr lang="it-IT" altLang="en-US"/>
+          </a:p>
+        </p:txBody>
+      </p:sp>
+      <p:sp>
+        <p:nvSpPr>
+          <p:cNvPr id="4" name="Rectangle 3"/>
+          <p:cNvSpPr/>
+          <p:nvPr/>
+        </p:nvSpPr>
+        <p:spPr>
+          <a:xfrm>
+            <a:off x="2444744" y="2588350"/>
+            <a:ext cx="7302512" cy="1754326"/>
+          </a:xfrm>
+          <a:prstGeom prst="rect">
+            <a:avLst/>
+          </a:prstGeom>
+        </p:spPr>
+        <p:style>
+          <a:lnRef idx="3">
+            <a:schemeClr val="lt1"/>
+          </a:lnRef>
+          <a:fillRef idx="1">
+            <a:schemeClr val="accent5"/>
+          </a:fillRef>
+          <a:effectRef idx="1">
+            <a:schemeClr val="accent5"/>
+          </a:effectRef>
+          <a:fontRef idx="minor">
+            <a:schemeClr val="lt1"/>
+          </a:fontRef>
+        </p:style>
+        <p:txBody>
+          <a:bodyPr wrap="none" lIns="91440" tIns="45720" rIns="91440" bIns="45720">
+            <a:spAutoFit/>
+          </a:bodyPr>
+          <a:lstStyle/>
+          <a:p>
+            <a:pPr algn="ctr"/>
+            <a:r>
+              <a:rPr lang="en-US" sz="5400" b="0" cap="none" spc="0" dirty="0" smtClean="0">
+                <a:ln w="0"/>
+                <a:solidFill>
+                  <a:schemeClr val="tx1"/>
+                </a:solidFill>
+                <a:effectLst>
+                  <a:outerShdw blurRad="38100" dist="19050" dir="2700000" algn="tl" rotWithShape="0">
+                    <a:schemeClr val="dk1">
+                      <a:alpha val="40000"/>
+                    </a:schemeClr>
+                  </a:outerShdw>
+                </a:effectLst>
+              </a:rPr>
+              <a:t>WHAT WENT WRONG</a:t>
+            </a:r>
+          </a:p>
+          <a:p>
+            <a:pPr algn="ctr"/>
+            <a:r>
+              <a:rPr lang="en-US" sz="5400" dirty="0" smtClean="0">
+                <a:ln w="0"/>
+                <a:solidFill>
+                  <a:schemeClr val="tx1"/>
+                </a:solidFill>
+                <a:effectLst>
+                  <a:outerShdw blurRad="38100" dist="19050" dir="2700000" algn="tl" rotWithShape="0">
+                    <a:schemeClr val="dk1">
+                      <a:alpha val="40000"/>
+                    </a:schemeClr>
+                  </a:outerShdw>
+                </a:effectLst>
+              </a:rPr>
+              <a:t>AND WHY</a:t>
+            </a:r>
+            <a:endParaRPr lang="en-US" sz="5400" b="0" cap="none" spc="0" dirty="0">
+              <a:ln w="0"/>
+              <a:solidFill>
+                <a:schemeClr val="tx1"/>
+              </a:solidFill>
+              <a:effectLst>
+                <a:outerShdw blurRad="38100" dist="19050" dir="2700000" algn="tl" rotWithShape="0">
+                  <a:schemeClr val="dk1">
+                    <a:alpha val="40000"/>
+                  </a:schemeClr>
+                </a:outerShdw>
+              </a:effectLst>
+            </a:endParaRPr>
+          </a:p>
+        </p:txBody>
+      </p:sp>
+    </p:spTree>
+    <p:extLst>
+      <p:ext uri="{BB962C8B-B14F-4D97-AF65-F5344CB8AC3E}">
+        <p14:creationId xmlns:p14="http://schemas.microsoft.com/office/powerpoint/2010/main" val="548125632"/>
+      </p:ext>
+    </p:extLst>
+  </p:cSld>
+  <p:clrMapOvr>
+    <a:masterClrMapping/>
+  </p:clrMapOvr>
+  <p:timing>
+    <p:tnLst>
+      <p:par>
+        <p:cTn id="1" dur="indefinite" restart="never" nodeType="tmRoot"/>
+      </p:par>
+    </p:tnLst>
+  </p:timing>
+</p:sld>
+</file>
+
+<file path=ppt/slides/slide36.xml><?xml version="1.0" encoding="utf-8"?>
+<p:sld xmlns:a="http://schemas.openxmlformats.org/drawingml/2006/main" xmlns:r="http://schemas.openxmlformats.org/officeDocument/2006/relationships" xmlns:p="http://schemas.openxmlformats.org/presentationml/2006/main">
+  <p:cSld>
+    <p:spTree>
+      <p:nvGrpSpPr>
+        <p:cNvPr id="1" name=""/>
+        <p:cNvGrpSpPr/>
+        <p:nvPr/>
+      </p:nvGrpSpPr>
+      <p:grpSpPr>
+        <a:xfrm>
+          <a:off x="0" y="0"/>
+          <a:ext cx="0" cy="0"/>
+          <a:chOff x="0" y="0"/>
+          <a:chExt cx="0" cy="0"/>
+        </a:xfrm>
+      </p:grpSpPr>
+      <p:sp>
+        <p:nvSpPr>
+          <p:cNvPr id="2" name="Slide Number Placeholder 1"/>
+          <p:cNvSpPr>
+            <a:spLocks noGrp="1"/>
+          </p:cNvSpPr>
+          <p:nvPr>
+            <p:ph type="sldNum" sz="quarter" idx="10"/>
+          </p:nvPr>
+        </p:nvSpPr>
+        <p:spPr/>
+        <p:txBody>
+          <a:bodyPr/>
+          <a:lstStyle/>
+          <a:p>
+            <a:fld id="{61155BBA-336D-4AED-BB34-E42D9706BCE7}" type="slidenum">
+              <a:rPr lang="it-IT" altLang="en-US" smtClean="0"/>
+              <a:pPr/>
+              <a:t>36</a:t>
+            </a:fld>
+            <a:endParaRPr lang="it-IT" altLang="en-US"/>
+          </a:p>
+        </p:txBody>
+      </p:sp>
+      <p:sp>
+        <p:nvSpPr>
+          <p:cNvPr id="4" name="TextBox 3"/>
+          <p:cNvSpPr txBox="1"/>
+          <p:nvPr/>
+        </p:nvSpPr>
+        <p:spPr>
+          <a:xfrm>
+            <a:off x="6956299" y="173782"/>
+            <a:ext cx="3973973" cy="369332"/>
+          </a:xfrm>
+          <a:prstGeom prst="rect">
+            <a:avLst/>
+          </a:prstGeom>
+          <a:noFill/>
+        </p:spPr>
+        <p:txBody>
+          <a:bodyPr wrap="none" rtlCol="0">
+            <a:spAutoFit/>
+          </a:bodyPr>
+          <a:lstStyle/>
+          <a:p>
+            <a:pPr lvl="1"/>
+            <a:r>
+              <a:rPr lang="en-GB" b="1" dirty="0" smtClean="0">
+                <a:solidFill>
+                  <a:srgbClr val="FF0000"/>
+                </a:solidFill>
+                <a:latin typeface="DejaVu Sans" panose="020B0603030804020204" pitchFamily="34" charset="0"/>
+                <a:ea typeface="DejaVu Sans" panose="020B0603030804020204" pitchFamily="34" charset="0"/>
+                <a:cs typeface="DejaVu Sans" panose="020B0603030804020204" pitchFamily="34" charset="0"/>
+              </a:rPr>
+              <a:t>CONCLUSION &amp; REMARKS</a:t>
+            </a:r>
+            <a:endParaRPr lang="en-GB" b="1" dirty="0">
+              <a:solidFill>
+                <a:srgbClr val="FF0000"/>
+              </a:solidFill>
+              <a:latin typeface="DejaVu Sans" panose="020B0603030804020204" pitchFamily="34" charset="0"/>
+              <a:ea typeface="DejaVu Sans" panose="020B0603030804020204" pitchFamily="34" charset="0"/>
+              <a:cs typeface="DejaVu Sans" panose="020B0603030804020204" pitchFamily="34" charset="0"/>
+            </a:endParaRPr>
+          </a:p>
+        </p:txBody>
+      </p:sp>
+      <p:sp>
+        <p:nvSpPr>
+          <p:cNvPr id="5" name="TextBox 4"/>
+          <p:cNvSpPr txBox="1"/>
+          <p:nvPr/>
+        </p:nvSpPr>
+        <p:spPr>
+          <a:xfrm>
+            <a:off x="1375794" y="2181138"/>
+            <a:ext cx="7904728" cy="1200329"/>
+          </a:xfrm>
+          <a:prstGeom prst="rect">
+            <a:avLst/>
+          </a:prstGeom>
+          <a:noFill/>
+        </p:spPr>
+        <p:txBody>
+          <a:bodyPr wrap="none" rtlCol="0">
+            <a:spAutoFit/>
+          </a:bodyPr>
+          <a:lstStyle/>
+          <a:p>
+            <a:r>
+              <a:rPr lang="en-GB" dirty="0" smtClean="0"/>
+              <a:t>Qui </a:t>
+            </a:r>
+            <a:r>
+              <a:rPr lang="en-GB" dirty="0" err="1" smtClean="0"/>
+              <a:t>possiamo</a:t>
+            </a:r>
+            <a:r>
+              <a:rPr lang="en-GB" dirty="0" smtClean="0"/>
+              <a:t> </a:t>
+            </a:r>
+            <a:r>
+              <a:rPr lang="en-GB" dirty="0" err="1" smtClean="0"/>
+              <a:t>mettere</a:t>
+            </a:r>
+            <a:r>
+              <a:rPr lang="en-GB" dirty="0" smtClean="0"/>
+              <a:t> </a:t>
+            </a:r>
+            <a:r>
+              <a:rPr lang="en-GB" dirty="0" err="1" smtClean="0"/>
+              <a:t>tipo</a:t>
+            </a:r>
+            <a:r>
+              <a:rPr lang="en-GB" dirty="0" smtClean="0"/>
+              <a:t> le </a:t>
+            </a:r>
+            <a:r>
+              <a:rPr lang="en-GB" dirty="0" err="1" smtClean="0"/>
+              <a:t>ideee</a:t>
+            </a:r>
+            <a:r>
+              <a:rPr lang="en-GB" dirty="0" smtClean="0"/>
+              <a:t> </a:t>
+            </a:r>
+            <a:r>
+              <a:rPr lang="en-GB" dirty="0" err="1" smtClean="0"/>
+              <a:t>andate</a:t>
+            </a:r>
+            <a:r>
+              <a:rPr lang="en-GB" dirty="0" smtClean="0"/>
+              <a:t> male o da </a:t>
+            </a:r>
+            <a:r>
+              <a:rPr lang="en-GB" dirty="0" err="1" smtClean="0"/>
+              <a:t>provare</a:t>
+            </a:r>
+            <a:endParaRPr lang="en-GB" dirty="0" smtClean="0"/>
+          </a:p>
+          <a:p>
+            <a:r>
+              <a:rPr lang="en-GB" dirty="0" smtClean="0"/>
+              <a:t>-</a:t>
+            </a:r>
+            <a:r>
+              <a:rPr lang="en-GB" dirty="0" err="1" smtClean="0"/>
+              <a:t>interpolazione</a:t>
+            </a:r>
+            <a:r>
+              <a:rPr lang="en-GB" dirty="0" smtClean="0"/>
+              <a:t> </a:t>
+            </a:r>
+            <a:r>
+              <a:rPr lang="en-GB" dirty="0" err="1" smtClean="0"/>
+              <a:t>dati</a:t>
+            </a:r>
+            <a:r>
+              <a:rPr lang="en-GB" dirty="0" smtClean="0"/>
+              <a:t> + training </a:t>
+            </a:r>
+            <a:r>
+              <a:rPr lang="en-GB" dirty="0" err="1" smtClean="0"/>
+              <a:t>su</a:t>
+            </a:r>
+            <a:r>
+              <a:rPr lang="en-GB" dirty="0" smtClean="0"/>
+              <a:t> </a:t>
+            </a:r>
+            <a:r>
+              <a:rPr lang="en-GB" dirty="0" err="1" smtClean="0"/>
+              <a:t>essi</a:t>
+            </a:r>
+            <a:endParaRPr lang="en-GB" dirty="0" smtClean="0"/>
+          </a:p>
+          <a:p>
+            <a:r>
+              <a:rPr lang="en-GB" dirty="0" smtClean="0"/>
+              <a:t>-experiment have the same kind of shape-&gt; do an </a:t>
+            </a:r>
+            <a:r>
+              <a:rPr lang="en-GB" dirty="0" err="1" smtClean="0"/>
+              <a:t>avg</a:t>
+            </a:r>
+            <a:r>
+              <a:rPr lang="en-GB" dirty="0" smtClean="0"/>
+              <a:t> of the data and train</a:t>
+            </a:r>
+          </a:p>
+          <a:p>
+            <a:r>
+              <a:rPr lang="en-GB" dirty="0" smtClean="0"/>
+              <a:t>-use 2 experiments at time to do training and then validation on the other set</a:t>
+            </a:r>
+            <a:endParaRPr lang="en-GB" dirty="0"/>
+          </a:p>
+        </p:txBody>
+      </p:sp>
+    </p:spTree>
+    <p:extLst>
+      <p:ext uri="{BB962C8B-B14F-4D97-AF65-F5344CB8AC3E}">
+        <p14:creationId xmlns:p14="http://schemas.microsoft.com/office/powerpoint/2010/main" val="3455597643"/>
+      </p:ext>
+    </p:extLst>
+  </p:cSld>
+  <p:clrMapOvr>
+    <a:masterClrMapping/>
+  </p:clrMapOvr>
+  <p:timing>
+    <p:tnLst>
+      <p:par>
+        <p:cTn id="1" dur="indefinite" restart="never" nodeType="tmRoot"/>
+      </p:par>
+    </p:tnLst>
+  </p:timing>
+</p:sld>
+</file>
+
 <file path=ppt/slides/slide4.xml><?xml version="1.0" encoding="utf-8"?>
 <p:sld xmlns:a="http://schemas.openxmlformats.org/drawingml/2006/main" xmlns:r="http://schemas.openxmlformats.org/officeDocument/2006/relationships" xmlns:p="http://schemas.openxmlformats.org/presentationml/2006/main">
   <p:cSld>
@@ -23099,8 +25036,8 @@
           </a:p>
         </p:txBody>
       </p:sp>
-      <mc:AlternateContent xmlns:mc="http://schemas.openxmlformats.org/markup-compatibility/2006" xmlns:a14="http://schemas.microsoft.com/office/drawing/2010/main">
-        <mc:Choice Requires="a14">
+      <mc:AlternateContent xmlns:mc="http://schemas.openxmlformats.org/markup-compatibility/2006">
+        <mc:Choice xmlns:a14="http://schemas.microsoft.com/office/drawing/2010/main" Requires="a14">
           <p:sp>
             <p:nvSpPr>
               <p:cNvPr id="4" name="TextBox 3"/>
@@ -23898,12 +25835,12 @@
                   <a:t> is the </a:t>
                 </a:r>
                 <a:r>
-                  <a:rPr lang="en-GB" dirty="0" err="1"/>
-                  <a:t>i</a:t>
+                  <a:rPr lang="en-GB" dirty="0" err="1" smtClean="0"/>
+                  <a:t>i-th</a:t>
                 </a:r>
                 <a:r>
-                  <a:rPr lang="en-GB" dirty="0"/>
-                  <a:t>-eth </a:t>
+                  <a:rPr lang="en-GB" dirty="0" smtClean="0"/>
+                  <a:t> </a:t>
                 </a:r>
                 <a:r>
                   <a:rPr lang="en-GB" dirty="0" smtClean="0"/>
@@ -24170,7 +26107,7 @@
             </p:txBody>
           </p:sp>
         </mc:Choice>
-        <mc:Fallback xmlns="">
+        <mc:Fallback>
           <p:sp>
             <p:nvSpPr>
               <p:cNvPr id="4" name="TextBox 3"/>
@@ -24199,7 +26136,7 @@
               <a:lstStyle/>
               <a:p>
                 <a:r>
-                  <a:rPr lang="en-GB">
+                  <a:rPr lang="it-IT">
                     <a:noFill/>
                   </a:rPr>
                   <a:t> </a:t>

--- a/report/Report.pptx
+++ b/report/Report.pptx
@@ -291,7 +291,7 @@
           <a:p>
             <a:fld id="{843C4FC0-81D1-4453-9443-D3E156B7E80B}" type="datetimeFigureOut">
               <a:rPr lang="en-GB" smtClean="0"/>
-              <a:t>14/04/2015</a:t>
+              <a:t>15/04/2015</a:t>
             </a:fld>
             <a:endParaRPr lang="en-GB"/>
           </a:p>
@@ -461,7 +461,7 @@
           <a:p>
             <a:fld id="{843C4FC0-81D1-4453-9443-D3E156B7E80B}" type="datetimeFigureOut">
               <a:rPr lang="en-GB" smtClean="0"/>
-              <a:t>14/04/2015</a:t>
+              <a:t>15/04/2015</a:t>
             </a:fld>
             <a:endParaRPr lang="en-GB"/>
           </a:p>
@@ -641,7 +641,7 @@
           <a:p>
             <a:fld id="{843C4FC0-81D1-4453-9443-D3E156B7E80B}" type="datetimeFigureOut">
               <a:rPr lang="en-GB" smtClean="0"/>
-              <a:t>14/04/2015</a:t>
+              <a:t>15/04/2015</a:t>
             </a:fld>
             <a:endParaRPr lang="en-GB"/>
           </a:p>
@@ -1422,7 +1422,7 @@
           <a:p>
             <a:fld id="{843C4FC0-81D1-4453-9443-D3E156B7E80B}" type="datetimeFigureOut">
               <a:rPr lang="en-GB" smtClean="0"/>
-              <a:t>14/04/2015</a:t>
+              <a:t>15/04/2015</a:t>
             </a:fld>
             <a:endParaRPr lang="en-GB"/>
           </a:p>
@@ -1668,7 +1668,7 @@
           <a:p>
             <a:fld id="{843C4FC0-81D1-4453-9443-D3E156B7E80B}" type="datetimeFigureOut">
               <a:rPr lang="en-GB" smtClean="0"/>
-              <a:t>14/04/2015</a:t>
+              <a:t>15/04/2015</a:t>
             </a:fld>
             <a:endParaRPr lang="en-GB"/>
           </a:p>
@@ -1900,7 +1900,7 @@
           <a:p>
             <a:fld id="{843C4FC0-81D1-4453-9443-D3E156B7E80B}" type="datetimeFigureOut">
               <a:rPr lang="en-GB" smtClean="0"/>
-              <a:t>14/04/2015</a:t>
+              <a:t>15/04/2015</a:t>
             </a:fld>
             <a:endParaRPr lang="en-GB"/>
           </a:p>
@@ -2267,7 +2267,7 @@
           <a:p>
             <a:fld id="{843C4FC0-81D1-4453-9443-D3E156B7E80B}" type="datetimeFigureOut">
               <a:rPr lang="en-GB" smtClean="0"/>
-              <a:t>14/04/2015</a:t>
+              <a:t>15/04/2015</a:t>
             </a:fld>
             <a:endParaRPr lang="en-GB"/>
           </a:p>
@@ -2385,7 +2385,7 @@
           <a:p>
             <a:fld id="{843C4FC0-81D1-4453-9443-D3E156B7E80B}" type="datetimeFigureOut">
               <a:rPr lang="en-GB" smtClean="0"/>
-              <a:t>14/04/2015</a:t>
+              <a:t>15/04/2015</a:t>
             </a:fld>
             <a:endParaRPr lang="en-GB"/>
           </a:p>
@@ -2480,7 +2480,7 @@
           <a:p>
             <a:fld id="{843C4FC0-81D1-4453-9443-D3E156B7E80B}" type="datetimeFigureOut">
               <a:rPr lang="en-GB" smtClean="0"/>
-              <a:t>14/04/2015</a:t>
+              <a:t>15/04/2015</a:t>
             </a:fld>
             <a:endParaRPr lang="en-GB"/>
           </a:p>
@@ -2757,7 +2757,7 @@
           <a:p>
             <a:fld id="{843C4FC0-81D1-4453-9443-D3E156B7E80B}" type="datetimeFigureOut">
               <a:rPr lang="en-GB" smtClean="0"/>
-              <a:t>14/04/2015</a:t>
+              <a:t>15/04/2015</a:t>
             </a:fld>
             <a:endParaRPr lang="en-GB"/>
           </a:p>
@@ -3010,7 +3010,7 @@
           <a:p>
             <a:fld id="{843C4FC0-81D1-4453-9443-D3E156B7E80B}" type="datetimeFigureOut">
               <a:rPr lang="en-GB" smtClean="0"/>
-              <a:t>14/04/2015</a:t>
+              <a:t>15/04/2015</a:t>
             </a:fld>
             <a:endParaRPr lang="en-GB"/>
           </a:p>
@@ -3223,7 +3223,7 @@
           <a:p>
             <a:fld id="{843C4FC0-81D1-4453-9443-D3E156B7E80B}" type="datetimeFigureOut">
               <a:rPr lang="en-GB" smtClean="0"/>
-              <a:t>14/04/2015</a:t>
+              <a:t>15/04/2015</a:t>
             </a:fld>
             <a:endParaRPr lang="en-GB"/>
           </a:p>
@@ -13704,8 +13704,8 @@
           </a:p>
         </p:txBody>
       </p:sp>
-      <mc:AlternateContent xmlns:mc="http://schemas.openxmlformats.org/markup-compatibility/2006">
-        <mc:Choice xmlns:a14="http://schemas.microsoft.com/office/drawing/2010/main" Requires="a14">
+      <mc:AlternateContent xmlns:mc="http://schemas.openxmlformats.org/markup-compatibility/2006" xmlns:a14="http://schemas.microsoft.com/office/drawing/2010/main">
+        <mc:Choice Requires="a14">
           <p:sp>
             <p:nvSpPr>
               <p:cNvPr id="6" name="TextBox 5"/>
@@ -14996,11 +14996,7 @@
                 </a:r>
                 <a:r>
                   <a:rPr lang="en-GB" dirty="0" smtClean="0"/>
-                  <a:t>nappropriate</a:t>
-                </a:r>
-                <a:r>
-                  <a:rPr lang="en-GB" dirty="0" smtClean="0"/>
-                  <a:t>, since it tries to minimise the maximum error, which may be given by a noise peak.</a:t>
+                  <a:t>nappropriate, since it tries to minimise the maximum error, which may be given by a noise peak.</a:t>
                 </a:r>
               </a:p>
               <a:p>
@@ -15034,7 +15030,7 @@
             </p:txBody>
           </p:sp>
         </mc:Choice>
-        <mc:Fallback>
+        <mc:Fallback xmlns="">
           <p:sp>
             <p:nvSpPr>
               <p:cNvPr id="6" name="TextBox 5"/>
@@ -21578,8 +21574,8 @@
           </a:p>
         </p:txBody>
       </p:sp>
-      <mc:AlternateContent xmlns:mc="http://schemas.openxmlformats.org/markup-compatibility/2006">
-        <mc:Choice xmlns:a14="http://schemas.microsoft.com/office/drawing/2010/main" Requires="a14">
+      <mc:AlternateContent xmlns:mc="http://schemas.openxmlformats.org/markup-compatibility/2006" xmlns:a14="http://schemas.microsoft.com/office/drawing/2010/main">
+        <mc:Choice Requires="a14">
           <p:sp>
             <p:nvSpPr>
               <p:cNvPr id="5" name="TextBox 4"/>
@@ -21659,7 +21655,6 @@
                   <a:rPr lang="en-GB" dirty="0" smtClean="0"/>
                   <a:t>the training set would lead to non affordable (biased) results.</a:t>
                 </a:r>
-                <a:endParaRPr lang="en-GB" dirty="0" smtClean="0"/>
               </a:p>
               <a:p>
                 <a:endParaRPr lang="en-GB" dirty="0"/>
@@ -21869,7 +21864,7 @@
             </p:txBody>
           </p:sp>
         </mc:Choice>
-        <mc:Fallback>
+        <mc:Fallback xmlns="">
           <p:sp>
             <p:nvSpPr>
               <p:cNvPr id="5" name="TextBox 4"/>
@@ -21996,17 +21991,8 @@
               <a:rPr lang="en-GB" sz="2800" b="1" i="1" dirty="0" smtClean="0">
                 <a:latin typeface="+mj-lt"/>
               </a:rPr>
-              <a:t>MODEL </a:t>
-            </a:r>
-            <a:r>
-              <a:rPr lang="en-GB" sz="2800" b="1" i="1" dirty="0" smtClean="0">
-                <a:latin typeface="+mj-lt"/>
-              </a:rPr>
-              <a:t>VALIDATION - ARX</a:t>
-            </a:r>
-            <a:endParaRPr lang="en-GB" sz="2800" b="1" i="1" dirty="0" smtClean="0">
-              <a:latin typeface="+mj-lt"/>
-            </a:endParaRPr>
+              <a:t>MODEL VALIDATION - ARX</a:t>
+            </a:r>
           </a:p>
         </p:txBody>
       </p:sp>
@@ -22320,17 +22306,8 @@
               <a:rPr lang="en-GB" sz="2800" b="1" i="1" dirty="0" smtClean="0">
                 <a:latin typeface="+mj-lt"/>
               </a:rPr>
-              <a:t>MODEL </a:t>
-            </a:r>
-            <a:r>
-              <a:rPr lang="en-GB" sz="2800" b="1" i="1" dirty="0" smtClean="0">
-                <a:latin typeface="+mj-lt"/>
-              </a:rPr>
-              <a:t>VALIDATION - OE</a:t>
-            </a:r>
-            <a:endParaRPr lang="en-GB" sz="2800" b="1" i="1" dirty="0" smtClean="0">
-              <a:latin typeface="+mj-lt"/>
-            </a:endParaRPr>
+              <a:t>MODEL VALIDATION - OE</a:t>
+            </a:r>
           </a:p>
         </p:txBody>
       </p:sp>
@@ -22653,17 +22630,8 @@
               <a:rPr lang="en-GB" sz="2800" b="1" i="1" dirty="0" smtClean="0">
                 <a:latin typeface="+mj-lt"/>
               </a:rPr>
-              <a:t>MODEL </a:t>
-            </a:r>
-            <a:r>
-              <a:rPr lang="en-GB" sz="2800" b="1" i="1" dirty="0" smtClean="0">
-                <a:latin typeface="+mj-lt"/>
-              </a:rPr>
-              <a:t>VALIDATION</a:t>
-            </a:r>
-            <a:endParaRPr lang="en-GB" sz="2800" b="1" i="1" dirty="0" smtClean="0">
-              <a:latin typeface="+mj-lt"/>
-            </a:endParaRPr>
+              <a:t>MODEL VALIDATION</a:t>
+            </a:r>
           </a:p>
         </p:txBody>
       </p:sp>
@@ -23781,19 +23749,46 @@
             </a:pPr>
             <a:r>
               <a:rPr lang="it-IT" dirty="0" smtClean="0"/>
-              <a:t>Each model class is trained using the three dataset, leading to three different models for model class.</a:t>
-            </a:r>
-            <a:endParaRPr lang="it-IT" dirty="0"/>
-          </a:p>
-          <a:p>
-            <a:pPr>
-              <a:lnSpc>
-                <a:spcPct val="150000"/>
-              </a:lnSpc>
-            </a:pPr>
+              <a:t>Each model class is trained using the three </a:t>
+            </a:r>
             <a:r>
               <a:rPr lang="it-IT" dirty="0" smtClean="0"/>
-              <a:t>Model classes tested: ARX, OE.</a:t>
+              <a:t>datasets with simulation focus, leading </a:t>
+            </a:r>
+            <a:r>
+              <a:rPr lang="it-IT" dirty="0" smtClean="0"/>
+              <a:t>to three different </a:t>
+            </a:r>
+            <a:r>
+              <a:rPr lang="it-IT" dirty="0" smtClean="0"/>
+              <a:t/>
+            </a:r>
+            <a:br>
+              <a:rPr lang="it-IT" dirty="0" smtClean="0"/>
+            </a:br>
+            <a:r>
+              <a:rPr lang="it-IT" dirty="0" smtClean="0"/>
+              <a:t>models </a:t>
+            </a:r>
+            <a:r>
+              <a:rPr lang="it-IT" dirty="0" smtClean="0"/>
+              <a:t>for </a:t>
+            </a:r>
+            <a:r>
+              <a:rPr lang="it-IT" dirty="0" smtClean="0"/>
+              <a:t>each class.</a:t>
+            </a:r>
+            <a:r>
+              <a:rPr lang="it-IT" dirty="0"/>
+              <a:t> </a:t>
+            </a:r>
+            <a:r>
+              <a:rPr lang="it-IT" dirty="0" smtClean="0"/>
+              <a:t>Model </a:t>
+            </a:r>
+            <a:r>
+              <a:rPr lang="it-IT" dirty="0" smtClean="0"/>
+              <a:t>classes tested: ARX, OE.</a:t>
             </a:r>
             <a:endParaRPr lang="it-IT" dirty="0"/>
           </a:p>
@@ -24096,9 +24091,13 @@
             </a:r>
             <a:r>
               <a:rPr lang="it-IT" i="1" dirty="0" smtClean="0"/>
-              <a:t> models looks very similar in all three identifications</a:t>
-            </a:r>
-            <a:endParaRPr lang="it-IT" b="1" i="1" dirty="0"/>
+              <a:t> </a:t>
+            </a:r>
+            <a:r>
+              <a:rPr lang="it-IT" dirty="0" smtClean="0"/>
+              <a:t>models looks very similar in all three identifications</a:t>
+            </a:r>
+            <a:endParaRPr lang="it-IT" b="1" dirty="0"/>
           </a:p>
           <a:p>
             <a:endParaRPr lang="it-IT" b="1" i="1" dirty="0" smtClean="0"/>
@@ -25036,8 +25035,8 @@
           </a:p>
         </p:txBody>
       </p:sp>
-      <mc:AlternateContent xmlns:mc="http://schemas.openxmlformats.org/markup-compatibility/2006">
-        <mc:Choice xmlns:a14="http://schemas.microsoft.com/office/drawing/2010/main" Requires="a14">
+      <mc:AlternateContent xmlns:mc="http://schemas.openxmlformats.org/markup-compatibility/2006" xmlns:a14="http://schemas.microsoft.com/office/drawing/2010/main">
+        <mc:Choice Requires="a14">
           <p:sp>
             <p:nvSpPr>
               <p:cNvPr id="4" name="TextBox 3"/>
@@ -25840,11 +25839,7 @@
                 </a:r>
                 <a:r>
                   <a:rPr lang="en-GB" dirty="0" smtClean="0"/>
-                  <a:t> </a:t>
-                </a:r>
-                <a:r>
-                  <a:rPr lang="en-GB" dirty="0" smtClean="0"/>
-                  <a:t>experiment.</a:t>
+                  <a:t> experiment.</a:t>
                 </a:r>
               </a:p>
               <a:p>
@@ -26107,7 +26102,7 @@
             </p:txBody>
           </p:sp>
         </mc:Choice>
-        <mc:Fallback>
+        <mc:Fallback xmlns="">
           <p:sp>
             <p:nvSpPr>
               <p:cNvPr id="4" name="TextBox 3"/>

--- a/report/Report.pptx
+++ b/report/Report.pptx
@@ -38,8 +38,8 @@
     <p:sldId id="291" r:id="rId32"/>
     <p:sldId id="285" r:id="rId33"/>
     <p:sldId id="286" r:id="rId34"/>
-    <p:sldId id="292" r:id="rId35"/>
-    <p:sldId id="288" r:id="rId36"/>
+    <p:sldId id="288" r:id="rId35"/>
+    <p:sldId id="292" r:id="rId36"/>
     <p:sldId id="265" r:id="rId37"/>
     <p:sldId id="277" r:id="rId38"/>
     <p:sldId id="278" r:id="rId39"/>
@@ -22688,7 +22688,7 @@
         <p:spPr>
           <a:xfrm>
             <a:off x="231820" y="1569710"/>
-            <a:ext cx="11719775" cy="1754326"/>
+            <a:ext cx="11719775" cy="4247317"/>
           </a:xfrm>
           <a:prstGeom prst="rect">
             <a:avLst/>
@@ -22744,16 +22744,13 @@
             </a:r>
             <a:r>
               <a:rPr lang="en-GB" dirty="0" smtClean="0"/>
-              <a:t> models (explain </a:t>
-            </a:r>
-            <a:r>
-              <a:rPr lang="en-GB" dirty="0" err="1" smtClean="0"/>
-              <a:t>wtf</a:t>
+              <a:t> models </a:t>
             </a:r>
             <a:r>
               <a:rPr lang="en-GB" dirty="0" smtClean="0"/>
-              <a:t> happens)</a:t>
-            </a:r>
+              <a:t>using simulation focus.</a:t>
+            </a:r>
+            <a:endParaRPr lang="en-GB" dirty="0" smtClean="0"/>
           </a:p>
           <a:p>
             <a:endParaRPr lang="en-GB" b="1" dirty="0"/>
@@ -22769,7 +22766,11 @@
             </a:r>
             <a:r>
               <a:rPr lang="en-GB" dirty="0" smtClean="0"/>
-              <a:t> script we wrote “</a:t>
+              <a:t> script we wrote </a:t>
+            </a:r>
+            <a:r>
+              <a:rPr lang="en-GB" dirty="0" smtClean="0"/>
+              <a:t>(</a:t>
             </a:r>
             <a:r>
               <a:rPr lang="en-GB" dirty="0" err="1" smtClean="0"/>
@@ -22777,8 +22778,109 @@
             </a:r>
             <a:r>
               <a:rPr lang="en-GB" dirty="0" smtClean="0"/>
-              <a:t>” which shows graphically this and that.</a:t>
-            </a:r>
+              <a:t>) </a:t>
+            </a:r>
+            <a:r>
+              <a:rPr lang="en-GB" dirty="0" smtClean="0"/>
+              <a:t>which shows graphically </a:t>
+            </a:r>
+            <a:r>
+              <a:rPr lang="en-GB" dirty="0" smtClean="0"/>
+              <a:t>the properties of the two models, as:</a:t>
+            </a:r>
+          </a:p>
+          <a:p>
+            <a:pPr marL="285750" indent="-285750">
+              <a:buFont typeface="Arial" panose="020B0604020202020204" pitchFamily="34" charset="0"/>
+              <a:buChar char="•"/>
+            </a:pPr>
+            <a:r>
+              <a:rPr lang="en-GB" dirty="0" smtClean="0"/>
+              <a:t>Simulated o</a:t>
+            </a:r>
+            <a:r>
+              <a:rPr lang="en-GB" dirty="0" smtClean="0"/>
+              <a:t>utput compared to actual data</a:t>
+            </a:r>
+          </a:p>
+          <a:p>
+            <a:pPr marL="285750" indent="-285750">
+              <a:buFont typeface="Arial" panose="020B0604020202020204" pitchFamily="34" charset="0"/>
+              <a:buChar char="•"/>
+            </a:pPr>
+            <a:r>
+              <a:rPr lang="en-GB" dirty="0" smtClean="0"/>
+              <a:t>Spectra analysis</a:t>
+            </a:r>
+          </a:p>
+          <a:p>
+            <a:pPr marL="285750" indent="-285750">
+              <a:buFont typeface="Arial" panose="020B0604020202020204" pitchFamily="34" charset="0"/>
+              <a:buChar char="•"/>
+            </a:pPr>
+            <a:r>
+              <a:rPr lang="en-GB" dirty="0" smtClean="0"/>
+              <a:t>Absolute error: mean, variance and max</a:t>
+            </a:r>
+          </a:p>
+          <a:p>
+            <a:pPr marL="285750" indent="-285750">
+              <a:buFont typeface="Arial" panose="020B0604020202020204" pitchFamily="34" charset="0"/>
+              <a:buChar char="•"/>
+            </a:pPr>
+            <a:r>
+              <a:rPr lang="en-GB" dirty="0" smtClean="0"/>
+              <a:t>Covariance of simulation error</a:t>
+            </a:r>
+          </a:p>
+          <a:p>
+            <a:pPr marL="285750" indent="-285750">
+              <a:buFont typeface="Arial" panose="020B0604020202020204" pitchFamily="34" charset="0"/>
+              <a:buChar char="•"/>
+            </a:pPr>
+            <a:r>
+              <a:rPr lang="en-GB" dirty="0" smtClean="0"/>
+              <a:t>Anderson Test</a:t>
+            </a:r>
+          </a:p>
+          <a:p>
+            <a:pPr marL="285750" indent="-285750">
+              <a:buFont typeface="Arial" panose="020B0604020202020204" pitchFamily="34" charset="0"/>
+              <a:buChar char="•"/>
+            </a:pPr>
+            <a:endParaRPr lang="en-GB" dirty="0"/>
+          </a:p>
+          <a:p>
+            <a:r>
+              <a:rPr lang="en-GB" dirty="0" smtClean="0"/>
+              <a:t>Both models pass Anderson Whiteness Test but </a:t>
+            </a:r>
+            <a:r>
+              <a:rPr lang="en-GB" b="1" dirty="0" smtClean="0"/>
+              <a:t>OE</a:t>
+            </a:r>
+            <a:r>
+              <a:rPr lang="en-GB" dirty="0" smtClean="0"/>
+              <a:t> has a better fitting and less error variance.</a:t>
+            </a:r>
+          </a:p>
+          <a:p>
+            <a:endParaRPr lang="en-GB" dirty="0"/>
+          </a:p>
+          <a:p>
+            <a:r>
+              <a:rPr lang="en-GB" dirty="0" smtClean="0"/>
+              <a:t>See attached </a:t>
+            </a:r>
+            <a:r>
+              <a:rPr lang="en-GB" dirty="0" err="1" smtClean="0"/>
+              <a:t>Matlab</a:t>
+            </a:r>
+            <a:r>
+              <a:rPr lang="en-GB" dirty="0" smtClean="0"/>
+              <a:t> scripts for more detailed info.</a:t>
+            </a:r>
+            <a:endParaRPr lang="en-GB" dirty="0"/>
           </a:p>
         </p:txBody>
       </p:sp>
@@ -23749,34 +23851,14 @@
             </a:pPr>
             <a:r>
               <a:rPr lang="it-IT" dirty="0" smtClean="0"/>
-              <a:t>Each model class is trained using the three </a:t>
-            </a:r>
-            <a:r>
-              <a:rPr lang="it-IT" dirty="0" smtClean="0"/>
-              <a:t>datasets with simulation focus, leading </a:t>
-            </a:r>
-            <a:r>
-              <a:rPr lang="it-IT" dirty="0" smtClean="0"/>
-              <a:t>to three different </a:t>
-            </a:r>
-            <a:r>
-              <a:rPr lang="it-IT" dirty="0" smtClean="0"/>
-              <a:t/>
+              <a:t>Each model class is trained using the three datasets with simulation focus, leading to three different </a:t>
             </a:r>
             <a:br>
               <a:rPr lang="it-IT" dirty="0" smtClean="0"/>
             </a:br>
             <a:r>
               <a:rPr lang="it-IT" dirty="0" smtClean="0"/>
-              <a:t>models </a:t>
-            </a:r>
-            <a:r>
-              <a:rPr lang="it-IT" dirty="0" smtClean="0"/>
-              <a:t>for </a:t>
-            </a:r>
-            <a:r>
-              <a:rPr lang="it-IT" dirty="0" smtClean="0"/>
-              <a:t>each class.</a:t>
+              <a:t>models for each class.</a:t>
             </a:r>
             <a:r>
               <a:rPr lang="it-IT" dirty="0"/>
@@ -23784,11 +23866,7 @@
             </a:r>
             <a:r>
               <a:rPr lang="it-IT" dirty="0" smtClean="0"/>
-              <a:t>Model </a:t>
-            </a:r>
-            <a:r>
-              <a:rPr lang="it-IT" dirty="0" smtClean="0"/>
-              <a:t>classes tested: ARX, OE.</a:t>
+              <a:t>Model classes tested: ARX, OE.</a:t>
             </a:r>
             <a:endParaRPr lang="it-IT" dirty="0"/>
           </a:p>
@@ -24051,122 +24129,6 @@
         <p:spPr>
           <a:xfrm>
             <a:off x="55812" y="1133341"/>
-            <a:ext cx="11642501" cy="1200329"/>
-          </a:xfrm>
-          <a:prstGeom prst="rect">
-            <a:avLst/>
-          </a:prstGeom>
-          <a:noFill/>
-        </p:spPr>
-        <p:txBody>
-          <a:bodyPr wrap="square" rtlCol="0">
-            <a:spAutoFit/>
-          </a:bodyPr>
-          <a:lstStyle/>
-          <a:p>
-            <a:pPr algn="ctr"/>
-            <a:r>
-              <a:rPr lang="it-IT" sz="2800" b="1" i="1" dirty="0">
-                <a:latin typeface="+mj-lt"/>
-              </a:rPr>
-              <a:t>MODEL VALIDATION </a:t>
-            </a:r>
-            <a:r>
-              <a:rPr lang="it-IT" sz="2800" b="1" i="1" dirty="0" smtClean="0">
-                <a:latin typeface="+mj-lt"/>
-              </a:rPr>
-              <a:t>– DYNAMICS</a:t>
-            </a:r>
-          </a:p>
-          <a:p>
-            <a:pPr algn="ctr"/>
-            <a:endParaRPr lang="it-IT" sz="800" b="1" i="1" dirty="0">
-              <a:latin typeface="+mj-lt"/>
-            </a:endParaRPr>
-          </a:p>
-          <a:p>
-            <a:r>
-              <a:rPr lang="it-IT" b="1" i="1" dirty="0" smtClean="0"/>
-              <a:t>ARX</a:t>
-            </a:r>
-            <a:r>
-              <a:rPr lang="it-IT" i="1" dirty="0" smtClean="0"/>
-              <a:t> </a:t>
-            </a:r>
-            <a:r>
-              <a:rPr lang="it-IT" dirty="0" smtClean="0"/>
-              <a:t>models looks very similar in all three identifications</a:t>
-            </a:r>
-            <a:endParaRPr lang="it-IT" b="1" dirty="0"/>
-          </a:p>
-          <a:p>
-            <a:endParaRPr lang="it-IT" b="1" i="1" dirty="0" smtClean="0"/>
-          </a:p>
-        </p:txBody>
-      </p:sp>
-    </p:spTree>
-    <p:extLst>
-      <p:ext uri="{BB962C8B-B14F-4D97-AF65-F5344CB8AC3E}">
-        <p14:creationId xmlns:p14="http://schemas.microsoft.com/office/powerpoint/2010/main" val="2868980295"/>
-      </p:ext>
-    </p:extLst>
-  </p:cSld>
-  <p:clrMapOvr>
-    <a:masterClrMapping/>
-  </p:clrMapOvr>
-</p:sld>
-</file>
-
-<file path=ppt/slides/slide33.xml><?xml version="1.0" encoding="utf-8"?>
-<p:sld xmlns:a="http://schemas.openxmlformats.org/drawingml/2006/main" xmlns:r="http://schemas.openxmlformats.org/officeDocument/2006/relationships" xmlns:p="http://schemas.openxmlformats.org/presentationml/2006/main">
-  <p:cSld>
-    <p:spTree>
-      <p:nvGrpSpPr>
-        <p:cNvPr id="1" name=""/>
-        <p:cNvGrpSpPr/>
-        <p:nvPr/>
-      </p:nvGrpSpPr>
-      <p:grpSpPr>
-        <a:xfrm>
-          <a:off x="0" y="0"/>
-          <a:ext cx="0" cy="0"/>
-          <a:chOff x="0" y="0"/>
-          <a:chExt cx="0" cy="0"/>
-        </a:xfrm>
-      </p:grpSpPr>
-      <p:sp>
-        <p:nvSpPr>
-          <p:cNvPr id="2" name="Slide Number Placeholder 1"/>
-          <p:cNvSpPr>
-            <a:spLocks noGrp="1"/>
-          </p:cNvSpPr>
-          <p:nvPr>
-            <p:ph type="sldNum" sz="quarter" idx="10"/>
-          </p:nvPr>
-        </p:nvSpPr>
-        <p:spPr/>
-        <p:txBody>
-          <a:bodyPr/>
-          <a:lstStyle/>
-          <a:p>
-            <a:fld id="{61155BBA-336D-4AED-BB34-E42D9706BCE7}" type="slidenum">
-              <a:rPr lang="it-IT" altLang="en-US" smtClean="0"/>
-              <a:pPr/>
-              <a:t>33</a:t>
-            </a:fld>
-            <a:endParaRPr lang="it-IT" altLang="en-US"/>
-          </a:p>
-        </p:txBody>
-      </p:sp>
-      <p:sp>
-        <p:nvSpPr>
-          <p:cNvPr id="4" name="TextBox 3"/>
-          <p:cNvSpPr txBox="1"/>
-          <p:nvPr/>
-        </p:nvSpPr>
-        <p:spPr>
-          <a:xfrm>
-            <a:off x="55812" y="1133341"/>
             <a:ext cx="11642501" cy="923330"/>
           </a:xfrm>
           <a:prstGeom prst="rect">
@@ -24302,6 +24264,137 @@
     <p:extLst>
       <p:ext uri="{BB962C8B-B14F-4D97-AF65-F5344CB8AC3E}">
         <p14:creationId xmlns:p14="http://schemas.microsoft.com/office/powerpoint/2010/main" val="2986631930"/>
+      </p:ext>
+    </p:extLst>
+  </p:cSld>
+  <p:clrMapOvr>
+    <a:masterClrMapping/>
+  </p:clrMapOvr>
+</p:sld>
+</file>
+
+<file path=ppt/slides/slide33.xml><?xml version="1.0" encoding="utf-8"?>
+<p:sld xmlns:a="http://schemas.openxmlformats.org/drawingml/2006/main" xmlns:r="http://schemas.openxmlformats.org/officeDocument/2006/relationships" xmlns:p="http://schemas.openxmlformats.org/presentationml/2006/main">
+  <p:cSld>
+    <p:spTree>
+      <p:nvGrpSpPr>
+        <p:cNvPr id="1" name=""/>
+        <p:cNvGrpSpPr/>
+        <p:nvPr/>
+      </p:nvGrpSpPr>
+      <p:grpSpPr>
+        <a:xfrm>
+          <a:off x="0" y="0"/>
+          <a:ext cx="0" cy="0"/>
+          <a:chOff x="0" y="0"/>
+          <a:chExt cx="0" cy="0"/>
+        </a:xfrm>
+      </p:grpSpPr>
+      <p:sp>
+        <p:nvSpPr>
+          <p:cNvPr id="2" name="Slide Number Placeholder 1"/>
+          <p:cNvSpPr>
+            <a:spLocks noGrp="1"/>
+          </p:cNvSpPr>
+          <p:nvPr>
+            <p:ph type="sldNum" sz="quarter" idx="10"/>
+          </p:nvPr>
+        </p:nvSpPr>
+        <p:spPr/>
+        <p:txBody>
+          <a:bodyPr/>
+          <a:lstStyle/>
+          <a:p>
+            <a:fld id="{61155BBA-336D-4AED-BB34-E42D9706BCE7}" type="slidenum">
+              <a:rPr lang="it-IT" altLang="en-US" smtClean="0"/>
+              <a:pPr/>
+              <a:t>33</a:t>
+            </a:fld>
+            <a:endParaRPr lang="it-IT" altLang="en-US"/>
+          </a:p>
+        </p:txBody>
+      </p:sp>
+      <p:sp>
+        <p:nvSpPr>
+          <p:cNvPr id="4" name="TextBox 3"/>
+          <p:cNvSpPr txBox="1"/>
+          <p:nvPr/>
+        </p:nvSpPr>
+        <p:spPr>
+          <a:xfrm>
+            <a:off x="55812" y="1133341"/>
+            <a:ext cx="11642501" cy="523220"/>
+          </a:xfrm>
+          <a:prstGeom prst="rect">
+            <a:avLst/>
+          </a:prstGeom>
+          <a:noFill/>
+        </p:spPr>
+        <p:txBody>
+          <a:bodyPr wrap="square" rtlCol="0">
+            <a:spAutoFit/>
+          </a:bodyPr>
+          <a:lstStyle/>
+          <a:p>
+            <a:pPr algn="ctr"/>
+            <a:r>
+              <a:rPr lang="it-IT" sz="2800" b="1" i="1" dirty="0">
+                <a:latin typeface="+mj-lt"/>
+              </a:rPr>
+              <a:t>MODEL VALIDATION </a:t>
+            </a:r>
+            <a:r>
+              <a:rPr lang="it-IT" sz="2800" b="1" i="1" dirty="0" smtClean="0">
+                <a:latin typeface="+mj-lt"/>
+              </a:rPr>
+              <a:t>– </a:t>
+            </a:r>
+            <a:r>
+              <a:rPr lang="it-IT" sz="2800" b="1" i="1" dirty="0" smtClean="0">
+                <a:latin typeface="+mj-lt"/>
+              </a:rPr>
+              <a:t>DYNAMICS</a:t>
+            </a:r>
+            <a:endParaRPr lang="it-IT" sz="2800" b="1" i="1" dirty="0" smtClean="0">
+              <a:latin typeface="+mj-lt"/>
+            </a:endParaRPr>
+          </a:p>
+        </p:txBody>
+      </p:sp>
+      <p:pic>
+        <p:nvPicPr>
+          <p:cNvPr id="3" name="Picture 2"/>
+          <p:cNvPicPr>
+            <a:picLocks noChangeAspect="1"/>
+          </p:cNvPicPr>
+          <p:nvPr/>
+        </p:nvPicPr>
+        <p:blipFill>
+          <a:blip r:embed="rId2">
+            <a:extLst>
+              <a:ext uri="{28A0092B-C50C-407E-A947-70E740481C1C}">
+                <a14:useLocalDpi xmlns:a14="http://schemas.microsoft.com/office/drawing/2010/main" val="0"/>
+              </a:ext>
+            </a:extLst>
+          </a:blip>
+          <a:stretch>
+            <a:fillRect/>
+          </a:stretch>
+        </p:blipFill>
+        <p:spPr>
+          <a:xfrm>
+            <a:off x="847862" y="1656561"/>
+            <a:ext cx="10058400" cy="4800934"/>
+          </a:xfrm>
+          <a:prstGeom prst="rect">
+            <a:avLst/>
+          </a:prstGeom>
+        </p:spPr>
+      </p:pic>
+    </p:spTree>
+    <p:extLst>
+      <p:ext uri="{BB962C8B-B14F-4D97-AF65-F5344CB8AC3E}">
+        <p14:creationId xmlns:p14="http://schemas.microsoft.com/office/powerpoint/2010/main" val="2868980295"/>
       </p:ext>
     </p:extLst>
   </p:cSld>

--- a/report/Report.pptx
+++ b/report/Report.pptx
@@ -40,9 +40,10 @@
     <p:sldId id="286" r:id="rId34"/>
     <p:sldId id="288" r:id="rId35"/>
     <p:sldId id="292" r:id="rId36"/>
-    <p:sldId id="265" r:id="rId37"/>
-    <p:sldId id="277" r:id="rId38"/>
-    <p:sldId id="278" r:id="rId39"/>
+    <p:sldId id="293" r:id="rId37"/>
+    <p:sldId id="265" r:id="rId38"/>
+    <p:sldId id="277" r:id="rId39"/>
+    <p:sldId id="278" r:id="rId40"/>
   </p:sldIdLst>
   <p:sldSz cx="12192000" cy="6858000"/>
   <p:notesSz cx="6858000" cy="9144000"/>
@@ -291,7 +292,7 @@
           <a:p>
             <a:fld id="{843C4FC0-81D1-4453-9443-D3E156B7E80B}" type="datetimeFigureOut">
               <a:rPr lang="en-GB" smtClean="0"/>
-              <a:t>15/04/2015</a:t>
+              <a:t>16/04/2015</a:t>
             </a:fld>
             <a:endParaRPr lang="en-GB"/>
           </a:p>
@@ -461,7 +462,7 @@
           <a:p>
             <a:fld id="{843C4FC0-81D1-4453-9443-D3E156B7E80B}" type="datetimeFigureOut">
               <a:rPr lang="en-GB" smtClean="0"/>
-              <a:t>15/04/2015</a:t>
+              <a:t>16/04/2015</a:t>
             </a:fld>
             <a:endParaRPr lang="en-GB"/>
           </a:p>
@@ -641,7 +642,7 @@
           <a:p>
             <a:fld id="{843C4FC0-81D1-4453-9443-D3E156B7E80B}" type="datetimeFigureOut">
               <a:rPr lang="en-GB" smtClean="0"/>
-              <a:t>15/04/2015</a:t>
+              <a:t>16/04/2015</a:t>
             </a:fld>
             <a:endParaRPr lang="en-GB"/>
           </a:p>
@@ -1422,7 +1423,7 @@
           <a:p>
             <a:fld id="{843C4FC0-81D1-4453-9443-D3E156B7E80B}" type="datetimeFigureOut">
               <a:rPr lang="en-GB" smtClean="0"/>
-              <a:t>15/04/2015</a:t>
+              <a:t>16/04/2015</a:t>
             </a:fld>
             <a:endParaRPr lang="en-GB"/>
           </a:p>
@@ -1668,7 +1669,7 @@
           <a:p>
             <a:fld id="{843C4FC0-81D1-4453-9443-D3E156B7E80B}" type="datetimeFigureOut">
               <a:rPr lang="en-GB" smtClean="0"/>
-              <a:t>15/04/2015</a:t>
+              <a:t>16/04/2015</a:t>
             </a:fld>
             <a:endParaRPr lang="en-GB"/>
           </a:p>
@@ -1900,7 +1901,7 @@
           <a:p>
             <a:fld id="{843C4FC0-81D1-4453-9443-D3E156B7E80B}" type="datetimeFigureOut">
               <a:rPr lang="en-GB" smtClean="0"/>
-              <a:t>15/04/2015</a:t>
+              <a:t>16/04/2015</a:t>
             </a:fld>
             <a:endParaRPr lang="en-GB"/>
           </a:p>
@@ -2267,7 +2268,7 @@
           <a:p>
             <a:fld id="{843C4FC0-81D1-4453-9443-D3E156B7E80B}" type="datetimeFigureOut">
               <a:rPr lang="en-GB" smtClean="0"/>
-              <a:t>15/04/2015</a:t>
+              <a:t>16/04/2015</a:t>
             </a:fld>
             <a:endParaRPr lang="en-GB"/>
           </a:p>
@@ -2385,7 +2386,7 @@
           <a:p>
             <a:fld id="{843C4FC0-81D1-4453-9443-D3E156B7E80B}" type="datetimeFigureOut">
               <a:rPr lang="en-GB" smtClean="0"/>
-              <a:t>15/04/2015</a:t>
+              <a:t>16/04/2015</a:t>
             </a:fld>
             <a:endParaRPr lang="en-GB"/>
           </a:p>
@@ -2480,7 +2481,7 @@
           <a:p>
             <a:fld id="{843C4FC0-81D1-4453-9443-D3E156B7E80B}" type="datetimeFigureOut">
               <a:rPr lang="en-GB" smtClean="0"/>
-              <a:t>15/04/2015</a:t>
+              <a:t>16/04/2015</a:t>
             </a:fld>
             <a:endParaRPr lang="en-GB"/>
           </a:p>
@@ -2757,7 +2758,7 @@
           <a:p>
             <a:fld id="{843C4FC0-81D1-4453-9443-D3E156B7E80B}" type="datetimeFigureOut">
               <a:rPr lang="en-GB" smtClean="0"/>
-              <a:t>15/04/2015</a:t>
+              <a:t>16/04/2015</a:t>
             </a:fld>
             <a:endParaRPr lang="en-GB"/>
           </a:p>
@@ -3010,7 +3011,7 @@
           <a:p>
             <a:fld id="{843C4FC0-81D1-4453-9443-D3E156B7E80B}" type="datetimeFigureOut">
               <a:rPr lang="en-GB" smtClean="0"/>
-              <a:t>15/04/2015</a:t>
+              <a:t>16/04/2015</a:t>
             </a:fld>
             <a:endParaRPr lang="en-GB"/>
           </a:p>
@@ -3223,7 +3224,7 @@
           <a:p>
             <a:fld id="{843C4FC0-81D1-4453-9443-D3E156B7E80B}" type="datetimeFigureOut">
               <a:rPr lang="en-GB" smtClean="0"/>
-              <a:t>15/04/2015</a:t>
+              <a:t>16/04/2015</a:t>
             </a:fld>
             <a:endParaRPr lang="en-GB"/>
           </a:p>
@@ -22744,13 +22745,8 @@
             </a:r>
             <a:r>
               <a:rPr lang="en-GB" dirty="0" smtClean="0"/>
-              <a:t> models </a:t>
-            </a:r>
-            <a:r>
-              <a:rPr lang="en-GB" dirty="0" smtClean="0"/>
-              <a:t>using simulation focus.</a:t>
-            </a:r>
-            <a:endParaRPr lang="en-GB" dirty="0" smtClean="0"/>
+              <a:t> models using simulation focus.</a:t>
+            </a:r>
           </a:p>
           <a:p>
             <a:endParaRPr lang="en-GB" b="1" dirty="0"/>
@@ -22766,11 +22762,7 @@
             </a:r>
             <a:r>
               <a:rPr lang="en-GB" dirty="0" smtClean="0"/>
-              <a:t> script we wrote </a:t>
-            </a:r>
-            <a:r>
-              <a:rPr lang="en-GB" dirty="0" smtClean="0"/>
-              <a:t>(</a:t>
+              <a:t> script we wrote (</a:t>
             </a:r>
             <a:r>
               <a:rPr lang="en-GB" dirty="0" err="1" smtClean="0"/>
@@ -22778,15 +22770,7 @@
             </a:r>
             <a:r>
               <a:rPr lang="en-GB" dirty="0" smtClean="0"/>
-              <a:t>) </a:t>
-            </a:r>
-            <a:r>
-              <a:rPr lang="en-GB" dirty="0" smtClean="0"/>
-              <a:t>which shows graphically </a:t>
-            </a:r>
-            <a:r>
-              <a:rPr lang="en-GB" dirty="0" smtClean="0"/>
-              <a:t>the properties of the two models, as:</a:t>
+              <a:t>) which shows graphically the properties of the two models, as:</a:t>
             </a:r>
           </a:p>
           <a:p>
@@ -22796,11 +22780,7 @@
             </a:pPr>
             <a:r>
               <a:rPr lang="en-GB" dirty="0" smtClean="0"/>
-              <a:t>Simulated o</a:t>
-            </a:r>
-            <a:r>
-              <a:rPr lang="en-GB" dirty="0" smtClean="0"/>
-              <a:t>utput compared to actual data</a:t>
+              <a:t>Simulated output compared to actual data</a:t>
             </a:r>
           </a:p>
           <a:p>
@@ -24347,17 +24327,8 @@
               <a:rPr lang="it-IT" sz="2800" b="1" i="1" dirty="0" smtClean="0">
                 <a:latin typeface="+mj-lt"/>
               </a:rPr>
-              <a:t>– </a:t>
-            </a:r>
-            <a:r>
-              <a:rPr lang="it-IT" sz="2800" b="1" i="1" dirty="0" smtClean="0">
-                <a:latin typeface="+mj-lt"/>
-              </a:rPr>
-              <a:t>DYNAMICS</a:t>
-            </a:r>
-            <a:endParaRPr lang="it-IT" sz="2800" b="1" i="1" dirty="0" smtClean="0">
-              <a:latin typeface="+mj-lt"/>
-            </a:endParaRPr>
+              <a:t>– DYNAMICS</a:t>
+            </a:r>
           </a:p>
         </p:txBody>
       </p:sp>
@@ -24445,98 +24416,216 @@
           </a:p>
         </p:txBody>
       </p:sp>
-      <p:sp>
-        <p:nvSpPr>
-          <p:cNvPr id="3" name="TextBox 2"/>
-          <p:cNvSpPr txBox="1"/>
-          <p:nvPr/>
-        </p:nvSpPr>
-        <p:spPr>
-          <a:xfrm>
-            <a:off x="4746912" y="1033790"/>
-            <a:ext cx="2698175" cy="523220"/>
-          </a:xfrm>
-          <a:prstGeom prst="rect">
-            <a:avLst/>
-          </a:prstGeom>
-          <a:noFill/>
-        </p:spPr>
-        <p:txBody>
-          <a:bodyPr wrap="none" rtlCol="0">
-            <a:spAutoFit/>
-          </a:bodyPr>
-          <a:lstStyle/>
-          <a:p>
-            <a:r>
-              <a:rPr lang="en-GB" sz="2800" b="1" i="1" dirty="0" smtClean="0">
-                <a:latin typeface="+mj-lt"/>
-              </a:rPr>
-              <a:t>CONCLUSION</a:t>
-            </a:r>
-          </a:p>
-        </p:txBody>
-      </p:sp>
-      <p:sp>
-        <p:nvSpPr>
-          <p:cNvPr id="4" name="TextBox 3"/>
-          <p:cNvSpPr txBox="1"/>
-          <p:nvPr/>
-        </p:nvSpPr>
-        <p:spPr>
-          <a:xfrm>
-            <a:off x="6956299" y="173782"/>
-            <a:ext cx="3512308" cy="369332"/>
-          </a:xfrm>
-          <a:prstGeom prst="rect">
-            <a:avLst/>
-          </a:prstGeom>
-          <a:noFill/>
-        </p:spPr>
-        <p:txBody>
-          <a:bodyPr wrap="none" rtlCol="0">
-            <a:spAutoFit/>
-          </a:bodyPr>
-          <a:lstStyle/>
-          <a:p>
-            <a:r>
-              <a:rPr lang="en-GB" b="1" dirty="0" smtClean="0">
-                <a:solidFill>
-                  <a:srgbClr val="FF0000"/>
-                </a:solidFill>
-                <a:latin typeface="DejaVu Sans" panose="020B0603030804020204" pitchFamily="34" charset="0"/>
-                <a:ea typeface="DejaVu Sans" panose="020B0603030804020204" pitchFamily="34" charset="0"/>
-                <a:cs typeface="DejaVu Sans" panose="020B0603030804020204" pitchFamily="34" charset="0"/>
-              </a:rPr>
-              <a:t>CONCLUSION &amp; REMARKS</a:t>
-            </a:r>
-            <a:endParaRPr lang="en-GB" b="1" dirty="0">
-              <a:solidFill>
-                <a:srgbClr val="FF0000"/>
-              </a:solidFill>
-              <a:latin typeface="DejaVu Sans" panose="020B0603030804020204" pitchFamily="34" charset="0"/>
-              <a:ea typeface="DejaVu Sans" panose="020B0603030804020204" pitchFamily="34" charset="0"/>
-              <a:cs typeface="DejaVu Sans" panose="020B0603030804020204" pitchFamily="34" charset="0"/>
-            </a:endParaRPr>
-          </a:p>
-        </p:txBody>
-      </p:sp>
+      <mc:AlternateContent xmlns:mc="http://schemas.openxmlformats.org/markup-compatibility/2006">
+        <mc:Choice xmlns:a14="http://schemas.microsoft.com/office/drawing/2010/main" Requires="a14">
+          <p:sp>
+            <p:nvSpPr>
+              <p:cNvPr id="4" name="TextBox 3"/>
+              <p:cNvSpPr txBox="1"/>
+              <p:nvPr/>
+            </p:nvSpPr>
+            <p:spPr>
+              <a:xfrm>
+                <a:off x="55812" y="1133341"/>
+                <a:ext cx="11642501" cy="4124206"/>
+              </a:xfrm>
+              <a:prstGeom prst="rect">
+                <a:avLst/>
+              </a:prstGeom>
+              <a:noFill/>
+            </p:spPr>
+            <p:txBody>
+              <a:bodyPr wrap="square" rtlCol="0">
+                <a:spAutoFit/>
+              </a:bodyPr>
+              <a:lstStyle/>
+              <a:p>
+                <a:pPr algn="ctr"/>
+                <a:r>
+                  <a:rPr lang="it-IT" sz="2800" b="1" i="1" dirty="0" smtClean="0">
+                    <a:latin typeface="+mj-lt"/>
+                  </a:rPr>
+                  <a:t>MODEL VALIDATION </a:t>
+                </a:r>
+                <a:r>
+                  <a:rPr lang="it-IT" sz="2800" b="1" i="1" dirty="0" smtClean="0">
+                    <a:latin typeface="+mj-lt"/>
+                  </a:rPr>
+                  <a:t>– </a:t>
+                </a:r>
+                <a:r>
+                  <a:rPr lang="it-IT" sz="2800" b="1" i="1" dirty="0" smtClean="0">
+                    <a:latin typeface="+mj-lt"/>
+                  </a:rPr>
+                  <a:t>DYNAMICS</a:t>
+                </a:r>
+              </a:p>
+              <a:p>
+                <a:endParaRPr lang="it-IT" b="1" i="1" dirty="0"/>
+              </a:p>
+              <a:p>
+                <a:r>
+                  <a:rPr lang="it-IT" dirty="0" smtClean="0"/>
+                  <a:t>Looking at the step responses we can evaluate (roughly) the gain of the plant and use this piece of information to discriminate some models. </a:t>
+                </a:r>
+              </a:p>
+              <a:p>
+                <a:endParaRPr lang="it-IT" dirty="0"/>
+              </a:p>
+              <a:p>
+                <a:r>
+                  <a:rPr lang="it-IT" dirty="0" smtClean="0"/>
+                  <a:t>The third </a:t>
+                </a:r>
+                <a:r>
+                  <a:rPr lang="it-IT" b="1" dirty="0" smtClean="0"/>
+                  <a:t>OE</a:t>
+                </a:r>
+                <a:r>
+                  <a:rPr lang="it-IT" dirty="0" smtClean="0"/>
+                  <a:t> model has a quite long settling time which make us think that this model is not very reliable (indeed the third dataset gives very different result in every identification).</a:t>
+                </a:r>
+              </a:p>
+              <a:p>
+                <a:endParaRPr lang="it-IT" dirty="0"/>
+              </a:p>
+              <a:p>
+                <a:r>
+                  <a:rPr lang="it-IT" dirty="0" smtClean="0"/>
+                  <a:t>Overshoot is more significant (in percentage) in </a:t>
+                </a:r>
+                <a:r>
+                  <a:rPr lang="it-IT" b="1" dirty="0" smtClean="0"/>
+                  <a:t>OE</a:t>
+                </a:r>
+                <a:r>
+                  <a:rPr lang="it-IT" dirty="0" smtClean="0"/>
+                  <a:t> models rather than </a:t>
+                </a:r>
+                <a:r>
+                  <a:rPr lang="it-IT" b="1" dirty="0" smtClean="0"/>
+                  <a:t>ARX</a:t>
+                </a:r>
+                <a:r>
+                  <a:rPr lang="it-IT" dirty="0" smtClean="0"/>
+                  <a:t> ones.</a:t>
+                </a:r>
+              </a:p>
+              <a:p>
+                <a:endParaRPr lang="it-IT" dirty="0"/>
+              </a:p>
+              <a:p>
+                <a:r>
+                  <a:rPr lang="it-IT" dirty="0" smtClean="0"/>
+                  <a:t>Looking at zero-poles plot we can see that they are not very different, indeed in both </a:t>
+                </a:r>
+                <a:r>
+                  <a:rPr lang="it-IT" b="1" dirty="0" smtClean="0"/>
+                  <a:t>ARX</a:t>
+                </a:r>
+                <a:r>
+                  <a:rPr lang="it-IT" dirty="0" smtClean="0"/>
+                  <a:t> and </a:t>
+                </a:r>
+                <a:r>
+                  <a:rPr lang="it-IT" b="1" dirty="0" smtClean="0"/>
+                  <a:t>OE</a:t>
+                </a:r>
+                <a:r>
+                  <a:rPr lang="it-IT" dirty="0" smtClean="0"/>
+                  <a:t> we have the same set of zero and poles around </a:t>
+                </a:r>
+                <a14:m>
+                  <m:oMath xmlns:m="http://schemas.openxmlformats.org/officeDocument/2006/math">
+                    <m:r>
+                      <a:rPr lang="it-IT" b="0" i="1" smtClean="0">
+                        <a:latin typeface="Cambria Math" panose="02040503050406030204" pitchFamily="18" charset="0"/>
+                      </a:rPr>
+                      <m:t>𝑧</m:t>
+                    </m:r>
+                    <m:r>
+                      <a:rPr lang="it-IT" b="0" i="1" smtClean="0">
+                        <a:latin typeface="Cambria Math" panose="02040503050406030204" pitchFamily="18" charset="0"/>
+                      </a:rPr>
+                      <m:t>=1</m:t>
+                    </m:r>
+                  </m:oMath>
+                </a14:m>
+                <a:r>
+                  <a:rPr lang="it-IT" b="0" dirty="0" smtClean="0"/>
+                  <a:t>. </a:t>
+                </a:r>
+              </a:p>
+              <a:p>
+                <a:endParaRPr lang="it-IT" dirty="0" smtClean="0"/>
+              </a:p>
+              <a:p>
+                <a:r>
+                  <a:rPr lang="it-IT" dirty="0" smtClean="0"/>
+                  <a:t>The first and second </a:t>
+                </a:r>
+                <a:r>
+                  <a:rPr lang="it-IT" b="1" dirty="0" smtClean="0"/>
+                  <a:t>ARX</a:t>
+                </a:r>
+                <a:r>
+                  <a:rPr lang="it-IT" dirty="0" smtClean="0"/>
+                  <a:t> models are equal since we can cancel a zero in the origin and the pole close to it.</a:t>
+                </a:r>
+                <a:endParaRPr lang="it-IT" dirty="0" smtClean="0"/>
+              </a:p>
+            </p:txBody>
+          </p:sp>
+        </mc:Choice>
+        <mc:Fallback>
+          <p:sp>
+            <p:nvSpPr>
+              <p:cNvPr id="4" name="TextBox 3"/>
+              <p:cNvSpPr txBox="1">
+                <a:spLocks noRot="1" noChangeAspect="1" noMove="1" noResize="1" noEditPoints="1" noAdjustHandles="1" noChangeArrowheads="1" noChangeShapeType="1" noTextEdit="1"/>
+              </p:cNvSpPr>
+              <p:nvPr/>
+            </p:nvSpPr>
+            <p:spPr>
+              <a:xfrm>
+                <a:off x="55812" y="1133341"/>
+                <a:ext cx="11642501" cy="4124206"/>
+              </a:xfrm>
+              <a:prstGeom prst="rect">
+                <a:avLst/>
+              </a:prstGeom>
+              <a:blipFill rotWithShape="0">
+                <a:blip r:embed="rId2"/>
+                <a:stretch>
+                  <a:fillRect l="-419" t="-1627" r="-524" b="-1479"/>
+                </a:stretch>
+              </a:blipFill>
+            </p:spPr>
+            <p:txBody>
+              <a:bodyPr/>
+              <a:lstStyle/>
+              <a:p>
+                <a:r>
+                  <a:rPr lang="it-IT">
+                    <a:noFill/>
+                  </a:rPr>
+                  <a:t> </a:t>
+                </a:r>
+              </a:p>
+            </p:txBody>
+          </p:sp>
+        </mc:Fallback>
+      </mc:AlternateContent>
     </p:spTree>
     <p:extLst>
       <p:ext uri="{BB962C8B-B14F-4D97-AF65-F5344CB8AC3E}">
-        <p14:creationId xmlns:p14="http://schemas.microsoft.com/office/powerpoint/2010/main" val="2463455316"/>
+        <p14:creationId xmlns:p14="http://schemas.microsoft.com/office/powerpoint/2010/main" val="3248341887"/>
       </p:ext>
     </p:extLst>
   </p:cSld>
   <p:clrMapOvr>
     <a:masterClrMapping/>
   </p:clrMapOvr>
-  <p:timing>
-    <p:tnLst>
-      <p:par>
-        <p:cTn id="1" dur="indefinite" restart="never" nodeType="tmRoot"/>
-      </p:par>
-    </p:tnLst>
-  </p:timing>
 </p:sld>
 </file>
 
@@ -24583,87 +24672,75 @@
       </p:sp>
       <p:sp>
         <p:nvSpPr>
-          <p:cNvPr id="4" name="Rectangle 3"/>
-          <p:cNvSpPr/>
+          <p:cNvPr id="3" name="TextBox 2"/>
+          <p:cNvSpPr txBox="1"/>
           <p:nvPr/>
         </p:nvSpPr>
         <p:spPr>
           <a:xfrm>
-            <a:off x="2444744" y="2588350"/>
-            <a:ext cx="7302512" cy="1754326"/>
+            <a:off x="4746912" y="1033790"/>
+            <a:ext cx="2698175" cy="523220"/>
           </a:xfrm>
           <a:prstGeom prst="rect">
             <a:avLst/>
           </a:prstGeom>
+          <a:noFill/>
         </p:spPr>
-        <p:style>
-          <a:lnRef idx="3">
-            <a:schemeClr val="lt1"/>
-          </a:lnRef>
-          <a:fillRef idx="1">
-            <a:schemeClr val="accent5"/>
-          </a:fillRef>
-          <a:effectRef idx="1">
-            <a:schemeClr val="accent5"/>
-          </a:effectRef>
-          <a:fontRef idx="minor">
-            <a:schemeClr val="lt1"/>
-          </a:fontRef>
-        </p:style>
         <p:txBody>
-          <a:bodyPr wrap="none" lIns="91440" tIns="45720" rIns="91440" bIns="45720">
+          <a:bodyPr wrap="none" rtlCol="0">
             <a:spAutoFit/>
           </a:bodyPr>
           <a:lstStyle/>
           <a:p>
-            <a:pPr algn="ctr"/>
-            <a:r>
-              <a:rPr lang="en-US" sz="5400" b="0" cap="none" spc="0" dirty="0" smtClean="0">
-                <a:ln w="0"/>
+            <a:r>
+              <a:rPr lang="en-GB" sz="2800" b="1" i="1" dirty="0" smtClean="0">
+                <a:latin typeface="+mj-lt"/>
+              </a:rPr>
+              <a:t>CONCLUSION</a:t>
+            </a:r>
+          </a:p>
+        </p:txBody>
+      </p:sp>
+      <p:sp>
+        <p:nvSpPr>
+          <p:cNvPr id="4" name="TextBox 3"/>
+          <p:cNvSpPr txBox="1"/>
+          <p:nvPr/>
+        </p:nvSpPr>
+        <p:spPr>
+          <a:xfrm>
+            <a:off x="6956299" y="173782"/>
+            <a:ext cx="3512308" cy="369332"/>
+          </a:xfrm>
+          <a:prstGeom prst="rect">
+            <a:avLst/>
+          </a:prstGeom>
+          <a:noFill/>
+        </p:spPr>
+        <p:txBody>
+          <a:bodyPr wrap="none" rtlCol="0">
+            <a:spAutoFit/>
+          </a:bodyPr>
+          <a:lstStyle/>
+          <a:p>
+            <a:r>
+              <a:rPr lang="en-GB" b="1" dirty="0" smtClean="0">
                 <a:solidFill>
-                  <a:schemeClr val="tx1"/>
+                  <a:srgbClr val="FF0000"/>
                 </a:solidFill>
-                <a:effectLst>
-                  <a:outerShdw blurRad="38100" dist="19050" dir="2700000" algn="tl" rotWithShape="0">
-                    <a:schemeClr val="dk1">
-                      <a:alpha val="40000"/>
-                    </a:schemeClr>
-                  </a:outerShdw>
-                </a:effectLst>
+                <a:latin typeface="DejaVu Sans" panose="020B0603030804020204" pitchFamily="34" charset="0"/>
+                <a:ea typeface="DejaVu Sans" panose="020B0603030804020204" pitchFamily="34" charset="0"/>
+                <a:cs typeface="DejaVu Sans" panose="020B0603030804020204" pitchFamily="34" charset="0"/>
               </a:rPr>
-              <a:t>WHAT WENT WRONG</a:t>
-            </a:r>
-          </a:p>
-          <a:p>
-            <a:pPr algn="ctr"/>
-            <a:r>
-              <a:rPr lang="en-US" sz="5400" dirty="0" smtClean="0">
-                <a:ln w="0"/>
-                <a:solidFill>
-                  <a:schemeClr val="tx1"/>
-                </a:solidFill>
-                <a:effectLst>
-                  <a:outerShdw blurRad="38100" dist="19050" dir="2700000" algn="tl" rotWithShape="0">
-                    <a:schemeClr val="dk1">
-                      <a:alpha val="40000"/>
-                    </a:schemeClr>
-                  </a:outerShdw>
-                </a:effectLst>
-              </a:rPr>
-              <a:t>AND WHY</a:t>
-            </a:r>
-            <a:endParaRPr lang="en-US" sz="5400" b="0" cap="none" spc="0" dirty="0">
-              <a:ln w="0"/>
+              <a:t>CONCLUSION &amp; REMARKS</a:t>
+            </a:r>
+            <a:endParaRPr lang="en-GB" b="1" dirty="0">
               <a:solidFill>
-                <a:schemeClr val="tx1"/>
+                <a:srgbClr val="FF0000"/>
               </a:solidFill>
-              <a:effectLst>
-                <a:outerShdw blurRad="38100" dist="19050" dir="2700000" algn="tl" rotWithShape="0">
-                  <a:schemeClr val="dk1">
-                    <a:alpha val="40000"/>
-                  </a:schemeClr>
-                </a:outerShdw>
-              </a:effectLst>
+              <a:latin typeface="DejaVu Sans" panose="020B0603030804020204" pitchFamily="34" charset="0"/>
+              <a:ea typeface="DejaVu Sans" panose="020B0603030804020204" pitchFamily="34" charset="0"/>
+              <a:cs typeface="DejaVu Sans" panose="020B0603030804020204" pitchFamily="34" charset="0"/>
             </a:endParaRPr>
           </a:p>
         </p:txBody>
@@ -24671,7 +24748,7 @@
     </p:spTree>
     <p:extLst>
       <p:ext uri="{BB962C8B-B14F-4D97-AF65-F5344CB8AC3E}">
-        <p14:creationId xmlns:p14="http://schemas.microsoft.com/office/powerpoint/2010/main" val="548125632"/>
+        <p14:creationId xmlns:p14="http://schemas.microsoft.com/office/powerpoint/2010/main" val="2463455316"/>
       </p:ext>
     </p:extLst>
   </p:cSld>
@@ -24724,6 +24801,154 @@
               <a:rPr lang="it-IT" altLang="en-US" smtClean="0"/>
               <a:pPr/>
               <a:t>36</a:t>
+            </a:fld>
+            <a:endParaRPr lang="it-IT" altLang="en-US"/>
+          </a:p>
+        </p:txBody>
+      </p:sp>
+      <p:sp>
+        <p:nvSpPr>
+          <p:cNvPr id="4" name="Rectangle 3"/>
+          <p:cNvSpPr/>
+          <p:nvPr/>
+        </p:nvSpPr>
+        <p:spPr>
+          <a:xfrm>
+            <a:off x="2444744" y="2588350"/>
+            <a:ext cx="7302512" cy="1754326"/>
+          </a:xfrm>
+          <a:prstGeom prst="rect">
+            <a:avLst/>
+          </a:prstGeom>
+        </p:spPr>
+        <p:style>
+          <a:lnRef idx="3">
+            <a:schemeClr val="lt1"/>
+          </a:lnRef>
+          <a:fillRef idx="1">
+            <a:schemeClr val="accent5"/>
+          </a:fillRef>
+          <a:effectRef idx="1">
+            <a:schemeClr val="accent5"/>
+          </a:effectRef>
+          <a:fontRef idx="minor">
+            <a:schemeClr val="lt1"/>
+          </a:fontRef>
+        </p:style>
+        <p:txBody>
+          <a:bodyPr wrap="none" lIns="91440" tIns="45720" rIns="91440" bIns="45720">
+            <a:spAutoFit/>
+          </a:bodyPr>
+          <a:lstStyle/>
+          <a:p>
+            <a:pPr algn="ctr"/>
+            <a:r>
+              <a:rPr lang="en-US" sz="5400" b="0" cap="none" spc="0" dirty="0" smtClean="0">
+                <a:ln w="0"/>
+                <a:solidFill>
+                  <a:schemeClr val="tx1"/>
+                </a:solidFill>
+                <a:effectLst>
+                  <a:outerShdw blurRad="38100" dist="19050" dir="2700000" algn="tl" rotWithShape="0">
+                    <a:schemeClr val="dk1">
+                      <a:alpha val="40000"/>
+                    </a:schemeClr>
+                  </a:outerShdw>
+                </a:effectLst>
+              </a:rPr>
+              <a:t>WHAT WENT WRONG</a:t>
+            </a:r>
+          </a:p>
+          <a:p>
+            <a:pPr algn="ctr"/>
+            <a:r>
+              <a:rPr lang="en-US" sz="5400" dirty="0" smtClean="0">
+                <a:ln w="0"/>
+                <a:solidFill>
+                  <a:schemeClr val="tx1"/>
+                </a:solidFill>
+                <a:effectLst>
+                  <a:outerShdw blurRad="38100" dist="19050" dir="2700000" algn="tl" rotWithShape="0">
+                    <a:schemeClr val="dk1">
+                      <a:alpha val="40000"/>
+                    </a:schemeClr>
+                  </a:outerShdw>
+                </a:effectLst>
+              </a:rPr>
+              <a:t>AND WHY</a:t>
+            </a:r>
+            <a:endParaRPr lang="en-US" sz="5400" b="0" cap="none" spc="0" dirty="0">
+              <a:ln w="0"/>
+              <a:solidFill>
+                <a:schemeClr val="tx1"/>
+              </a:solidFill>
+              <a:effectLst>
+                <a:outerShdw blurRad="38100" dist="19050" dir="2700000" algn="tl" rotWithShape="0">
+                  <a:schemeClr val="dk1">
+                    <a:alpha val="40000"/>
+                  </a:schemeClr>
+                </a:outerShdw>
+              </a:effectLst>
+            </a:endParaRPr>
+          </a:p>
+        </p:txBody>
+      </p:sp>
+    </p:spTree>
+    <p:extLst>
+      <p:ext uri="{BB962C8B-B14F-4D97-AF65-F5344CB8AC3E}">
+        <p14:creationId xmlns:p14="http://schemas.microsoft.com/office/powerpoint/2010/main" val="548125632"/>
+      </p:ext>
+    </p:extLst>
+  </p:cSld>
+  <p:clrMapOvr>
+    <a:masterClrMapping/>
+  </p:clrMapOvr>
+  <p:timing>
+    <p:tnLst>
+      <p:par>
+        <p:cTn id="1" dur="indefinite" restart="never" nodeType="tmRoot"/>
+      </p:par>
+    </p:tnLst>
+  </p:timing>
+</p:sld>
+</file>
+
+<file path=ppt/slides/slide37.xml><?xml version="1.0" encoding="utf-8"?>
+<p:sld xmlns:a="http://schemas.openxmlformats.org/drawingml/2006/main" xmlns:r="http://schemas.openxmlformats.org/officeDocument/2006/relationships" xmlns:p="http://schemas.openxmlformats.org/presentationml/2006/main">
+  <p:cSld>
+    <p:spTree>
+      <p:nvGrpSpPr>
+        <p:cNvPr id="1" name=""/>
+        <p:cNvGrpSpPr/>
+        <p:nvPr/>
+      </p:nvGrpSpPr>
+      <p:grpSpPr>
+        <a:xfrm>
+          <a:off x="0" y="0"/>
+          <a:ext cx="0" cy="0"/>
+          <a:chOff x="0" y="0"/>
+          <a:chExt cx="0" cy="0"/>
+        </a:xfrm>
+      </p:grpSpPr>
+      <p:sp>
+        <p:nvSpPr>
+          <p:cNvPr id="2" name="Slide Number Placeholder 1"/>
+          <p:cNvSpPr>
+            <a:spLocks noGrp="1"/>
+          </p:cNvSpPr>
+          <p:nvPr>
+            <p:ph type="sldNum" sz="quarter" idx="10"/>
+          </p:nvPr>
+        </p:nvSpPr>
+        <p:spPr/>
+        <p:txBody>
+          <a:bodyPr/>
+          <a:lstStyle/>
+          <a:p>
+            <a:fld id="{61155BBA-336D-4AED-BB34-E42D9706BCE7}" type="slidenum">
+              <a:rPr lang="it-IT" altLang="en-US" smtClean="0"/>
+              <a:pPr/>
+              <a:t>37</a:t>
             </a:fld>
             <a:endParaRPr lang="it-IT" altLang="en-US"/>
           </a:p>

--- a/report/Report.pptx
+++ b/report/Report.pptx
@@ -29,21 +29,22 @@
     <p:sldId id="281" r:id="rId23"/>
     <p:sldId id="280" r:id="rId24"/>
     <p:sldId id="283" r:id="rId25"/>
-    <p:sldId id="282" r:id="rId26"/>
-    <p:sldId id="284" r:id="rId27"/>
-    <p:sldId id="287" r:id="rId28"/>
-    <p:sldId id="264" r:id="rId29"/>
-    <p:sldId id="289" r:id="rId30"/>
-    <p:sldId id="290" r:id="rId31"/>
-    <p:sldId id="291" r:id="rId32"/>
-    <p:sldId id="285" r:id="rId33"/>
-    <p:sldId id="286" r:id="rId34"/>
-    <p:sldId id="288" r:id="rId35"/>
-    <p:sldId id="292" r:id="rId36"/>
-    <p:sldId id="293" r:id="rId37"/>
-    <p:sldId id="265" r:id="rId38"/>
-    <p:sldId id="277" r:id="rId39"/>
-    <p:sldId id="278" r:id="rId40"/>
+    <p:sldId id="294" r:id="rId26"/>
+    <p:sldId id="295" r:id="rId27"/>
+    <p:sldId id="296" r:id="rId28"/>
+    <p:sldId id="287" r:id="rId29"/>
+    <p:sldId id="264" r:id="rId30"/>
+    <p:sldId id="289" r:id="rId31"/>
+    <p:sldId id="290" r:id="rId32"/>
+    <p:sldId id="291" r:id="rId33"/>
+    <p:sldId id="285" r:id="rId34"/>
+    <p:sldId id="286" r:id="rId35"/>
+    <p:sldId id="288" r:id="rId36"/>
+    <p:sldId id="292" r:id="rId37"/>
+    <p:sldId id="293" r:id="rId38"/>
+    <p:sldId id="265" r:id="rId39"/>
+    <p:sldId id="277" r:id="rId40"/>
+    <p:sldId id="278" r:id="rId41"/>
   </p:sldIdLst>
   <p:sldSz cx="12192000" cy="6858000"/>
   <p:notesSz cx="6858000" cy="9144000"/>
@@ -15206,8 +15207,8 @@
           </a:p>
         </p:txBody>
       </p:sp>
-      <mc:AlternateContent xmlns:mc="http://schemas.openxmlformats.org/markup-compatibility/2006" xmlns:a14="http://schemas.microsoft.com/office/drawing/2010/main">
-        <mc:Choice Requires="a14">
+      <mc:AlternateContent xmlns:mc="http://schemas.openxmlformats.org/markup-compatibility/2006">
+        <mc:Choice xmlns:a14="http://schemas.microsoft.com/office/drawing/2010/main" Requires="a14">
           <p:sp>
             <p:nvSpPr>
               <p:cNvPr id="6" name="TextBox 5"/>
@@ -15216,7 +15217,7 @@
             </p:nvSpPr>
             <p:spPr>
               <a:xfrm>
-                <a:off x="546790" y="1677798"/>
+                <a:off x="664128" y="2558642"/>
                 <a:ext cx="10863744" cy="1617559"/>
               </a:xfrm>
               <a:prstGeom prst="rect">
@@ -15788,14 +15789,14 @@
               <a:p>
                 <a:r>
                   <a:rPr lang="en-GB" dirty="0" smtClean="0"/>
-                  <a:t>Unfortunately it’s a non linear problem, so we need iterative methods to solve the minimisation problem which is a derivation problem. We’ll come back on this later.</a:t>
+                  <a:t>Unfortunately it’s a non linear problem, so we need iterative methods to solve the minimisation problem which is a derivation problem. </a:t>
                 </a:r>
                 <a:endParaRPr lang="en-GB" dirty="0"/>
               </a:p>
             </p:txBody>
           </p:sp>
         </mc:Choice>
-        <mc:Fallback xmlns="">
+        <mc:Fallback>
           <p:sp>
             <p:nvSpPr>
               <p:cNvPr id="6" name="TextBox 5"/>
@@ -15806,7 +15807,7 @@
             </p:nvSpPr>
             <p:spPr>
               <a:xfrm>
-                <a:off x="546790" y="1677798"/>
+                <a:off x="664128" y="2558642"/>
                 <a:ext cx="10863744" cy="1617559"/>
               </a:xfrm>
               <a:prstGeom prst="rect">
@@ -15815,7 +15816,7 @@
               <a:blipFill rotWithShape="0">
                 <a:blip r:embed="rId2"/>
                 <a:stretch>
-                  <a:fillRect l="-505" t="-22556" b="-4887"/>
+                  <a:fillRect l="-505" t="-22642" b="-5283"/>
                 </a:stretch>
               </a:blipFill>
             </p:spPr>
@@ -15895,8 +15896,8 @@
           </a:p>
         </p:txBody>
       </p:sp>
-      <mc:AlternateContent xmlns:mc="http://schemas.openxmlformats.org/markup-compatibility/2006" xmlns:a14="http://schemas.microsoft.com/office/drawing/2010/main">
-        <mc:Choice Requires="a14">
+      <mc:AlternateContent xmlns:mc="http://schemas.openxmlformats.org/markup-compatibility/2006">
+        <mc:Choice xmlns:a14="http://schemas.microsoft.com/office/drawing/2010/main" Requires="a14">
           <p:sp>
             <p:nvSpPr>
               <p:cNvPr id="3" name="TextBox 2"/>
@@ -15906,7 +15907,7 @@
             <p:spPr>
               <a:xfrm>
                 <a:off x="153197" y="1325461"/>
-                <a:ext cx="12115433" cy="4554965"/>
+                <a:ext cx="12085360" cy="4524315"/>
               </a:xfrm>
               <a:prstGeom prst="rect">
                 <a:avLst/>
@@ -15921,13 +15922,56 @@
               <a:p>
                 <a:r>
                   <a:rPr lang="en-GB" dirty="0" smtClean="0"/>
-                  <a:t>How do we analyse the fact that we are using data measured in a closed loop system? Consider again </a:t>
+                  <a:t>How do we analyse the fact that we are using data measured in a closed loop system? Is there a way to consider </a:t>
                 </a:r>
               </a:p>
               <a:p>
                 <a:r>
                   <a:rPr lang="en-GB" dirty="0" smtClean="0"/>
-                  <a:t>the original system without any assumption, with  </a:t>
+                  <a:t>The experiment an open loop experiment?  We don’t know either the reference signal or the controller.</a:t>
+                </a:r>
+              </a:p>
+              <a:p>
+                <a:endParaRPr lang="en-GB" dirty="0" smtClean="0"/>
+              </a:p>
+              <a:p>
+                <a:r>
+                  <a:rPr lang="en-GB" dirty="0" smtClean="0"/>
+                  <a:t>It is known, from the frequency analysis of PEM, that a fully </a:t>
+                </a:r>
+                <a:r>
+                  <a:rPr lang="en-GB" dirty="0" err="1" smtClean="0"/>
+                  <a:t>modeled</a:t>
+                </a:r>
+                <a:r>
+                  <a:rPr lang="en-GB" dirty="0" smtClean="0"/>
+                  <a:t> noise transfer function will </a:t>
+                </a:r>
+                <a:r>
+                  <a:rPr lang="en-GB" dirty="0" smtClean="0"/>
+                  <a:t>give </a:t>
+                </a:r>
+                <a:r>
+                  <a:rPr lang="en-GB" dirty="0" smtClean="0"/>
+                  <a:t>better </a:t>
+                </a:r>
+                <a:r>
+                  <a:rPr lang="en-GB" dirty="0" smtClean="0"/>
+                  <a:t>results in </a:t>
+                </a:r>
+              </a:p>
+              <a:p>
+                <a:r>
+                  <a:rPr lang="en-GB" dirty="0" smtClean="0"/>
+                  <a:t>closed loop experiments when compared to OE models (where </a:t>
+                </a:r>
+                <a:r>
+                  <a:rPr lang="en-GB" dirty="0" smtClean="0"/>
+                  <a:t>best </a:t>
+                </a:r>
+                <a:r>
+                  <a:rPr lang="en-GB" dirty="0" smtClean="0"/>
+                  <a:t>means </a:t>
                 </a:r>
                 <a14:m>
                   <m:oMath xmlns:m="http://schemas.openxmlformats.org/officeDocument/2006/math">
@@ -15935,2599 +15979,133 @@
                       <a:rPr lang="en-GB" i="1">
                         <a:latin typeface="Cambria Math" panose="02040503050406030204" pitchFamily="18" charset="0"/>
                       </a:rPr>
-                      <m:t>𝑢</m:t>
+                      <m:t>𝐺</m:t>
                     </m:r>
-                    <m:d>
-                      <m:dPr>
-                        <m:ctrlPr>
-                          <a:rPr lang="en-GB" i="1">
-                            <a:latin typeface="Cambria Math" panose="02040503050406030204" pitchFamily="18" charset="0"/>
-                          </a:rPr>
-                        </m:ctrlPr>
-                      </m:dPr>
-                      <m:e>
-                        <m:r>
-                          <a:rPr lang="en-GB" i="1">
-                            <a:latin typeface="Cambria Math" panose="02040503050406030204" pitchFamily="18" charset="0"/>
-                          </a:rPr>
-                          <m:t>𝑡</m:t>
-                        </m:r>
-                        <m:r>
-                          <a:rPr lang="en-GB" b="0" i="1" smtClean="0">
-                            <a:latin typeface="Cambria Math" panose="02040503050406030204" pitchFamily="18" charset="0"/>
-                          </a:rPr>
-                          <m:t>−</m:t>
-                        </m:r>
-                        <m:r>
-                          <a:rPr lang="en-GB" b="0" i="1" smtClean="0">
-                            <a:latin typeface="Cambria Math" panose="02040503050406030204" pitchFamily="18" charset="0"/>
-                          </a:rPr>
-                          <m:t>𝑘</m:t>
-                        </m:r>
-                      </m:e>
-                    </m:d>
                     <m:r>
                       <a:rPr lang="en-GB" i="1">
                         <a:latin typeface="Cambria Math" panose="02040503050406030204" pitchFamily="18" charset="0"/>
                       </a:rPr>
-                      <m:t>=</m:t>
+                      <m:t> ∼</m:t>
                     </m:r>
-                    <m:f>
-                      <m:fPr>
-                        <m:ctrlPr>
-                          <a:rPr lang="en-GB" i="1" smtClean="0">
-                            <a:latin typeface="Cambria Math" panose="02040503050406030204" pitchFamily="18" charset="0"/>
-                          </a:rPr>
-                        </m:ctrlPr>
-                      </m:fPr>
-                      <m:num>
-                        <m:r>
-                          <a:rPr lang="en-GB" b="0" i="1" smtClean="0">
-                            <a:latin typeface="Cambria Math" panose="02040503050406030204" pitchFamily="18" charset="0"/>
-                          </a:rPr>
-                          <m:t>𝐶</m:t>
-                        </m:r>
-                      </m:num>
-                      <m:den>
-                        <m:r>
-                          <a:rPr lang="en-GB" b="0" i="1" smtClean="0">
-                            <a:latin typeface="Cambria Math" panose="02040503050406030204" pitchFamily="18" charset="0"/>
-                          </a:rPr>
-                          <m:t>1+</m:t>
-                        </m:r>
-                        <m:r>
-                          <a:rPr lang="en-GB" b="0" i="1" smtClean="0">
-                            <a:latin typeface="Cambria Math" panose="02040503050406030204" pitchFamily="18" charset="0"/>
-                          </a:rPr>
-                          <m:t>𝐶</m:t>
-                        </m:r>
-                        <m:sSup>
-                          <m:sSupPr>
-                            <m:ctrlPr>
-                              <a:rPr lang="en-GB" b="0" i="1" smtClean="0">
-                                <a:latin typeface="Cambria Math" panose="02040503050406030204" pitchFamily="18" charset="0"/>
-                              </a:rPr>
-                            </m:ctrlPr>
-                          </m:sSupPr>
-                          <m:e>
-                            <m:r>
-                              <a:rPr lang="en-GB" b="0" i="1" smtClean="0">
-                                <a:latin typeface="Cambria Math" panose="02040503050406030204" pitchFamily="18" charset="0"/>
-                              </a:rPr>
-                              <m:t>𝐺</m:t>
-                            </m:r>
-                          </m:e>
-                          <m:sup>
-                            <m:r>
-                              <a:rPr lang="en-GB" b="0" i="1" smtClean="0">
-                                <a:latin typeface="Cambria Math" panose="02040503050406030204" pitchFamily="18" charset="0"/>
-                              </a:rPr>
-                              <m:t>0</m:t>
-                            </m:r>
-                          </m:sup>
-                        </m:sSup>
-                      </m:den>
-                    </m:f>
-                    <m:r>
-                      <a:rPr lang="en-GB" b="0" i="1" smtClean="0">
-                        <a:latin typeface="Cambria Math" panose="02040503050406030204" pitchFamily="18" charset="0"/>
-                      </a:rPr>
-                      <m:t>𝑟</m:t>
-                    </m:r>
-                    <m:d>
-                      <m:dPr>
+                    <m:sSup>
+                      <m:sSupPr>
                         <m:ctrlPr>
                           <a:rPr lang="en-GB" b="0" i="1" smtClean="0">
                             <a:latin typeface="Cambria Math" panose="02040503050406030204" pitchFamily="18" charset="0"/>
                           </a:rPr>
                         </m:ctrlPr>
-                      </m:dPr>
+                      </m:sSupPr>
                       <m:e>
                         <m:r>
                           <a:rPr lang="en-GB" b="0" i="1" smtClean="0">
                             <a:latin typeface="Cambria Math" panose="02040503050406030204" pitchFamily="18" charset="0"/>
                           </a:rPr>
-                          <m:t>𝑡</m:t>
+                          <m:t>𝐺</m:t>
                         </m:r>
                       </m:e>
-                    </m:d>
-                    <m:r>
-                      <a:rPr lang="en-GB" b="0" i="1" smtClean="0">
-                        <a:latin typeface="Cambria Math" panose="02040503050406030204" pitchFamily="18" charset="0"/>
-                      </a:rPr>
-                      <m:t>−</m:t>
-                    </m:r>
-                    <m:f>
-                      <m:fPr>
-                        <m:ctrlPr>
-                          <a:rPr lang="en-GB" b="0" i="1" smtClean="0">
-                            <a:latin typeface="Cambria Math" panose="02040503050406030204" pitchFamily="18" charset="0"/>
-                          </a:rPr>
-                        </m:ctrlPr>
-                      </m:fPr>
-                      <m:num>
-                        <m:sSup>
-                          <m:sSupPr>
-                            <m:ctrlPr>
-                              <a:rPr lang="en-GB" b="0" i="1" smtClean="0">
-                                <a:latin typeface="Cambria Math" panose="02040503050406030204" pitchFamily="18" charset="0"/>
-                              </a:rPr>
-                            </m:ctrlPr>
-                          </m:sSupPr>
-                          <m:e>
-                            <m:r>
-                              <a:rPr lang="en-GB" b="0" i="1" smtClean="0">
-                                <a:latin typeface="Cambria Math" panose="02040503050406030204" pitchFamily="18" charset="0"/>
-                              </a:rPr>
-                              <m:t>𝐻</m:t>
-                            </m:r>
-                          </m:e>
-                          <m:sup>
-                            <m:r>
-                              <a:rPr lang="en-GB" b="0" i="1" smtClean="0">
-                                <a:latin typeface="Cambria Math" panose="02040503050406030204" pitchFamily="18" charset="0"/>
-                              </a:rPr>
-                              <m:t>0</m:t>
-                            </m:r>
-                          </m:sup>
-                        </m:sSup>
+                      <m:sup>
                         <m:r>
                           <a:rPr lang="en-GB" b="0" i="1" smtClean="0">
                             <a:latin typeface="Cambria Math" panose="02040503050406030204" pitchFamily="18" charset="0"/>
                           </a:rPr>
-                          <m:t>𝐶</m:t>
+                          <m:t>0</m:t>
                         </m:r>
-                      </m:num>
-                      <m:den>
-                        <m:r>
-                          <a:rPr lang="en-GB" b="0" i="1" smtClean="0">
-                            <a:latin typeface="Cambria Math" panose="02040503050406030204" pitchFamily="18" charset="0"/>
-                          </a:rPr>
-                          <m:t>1+</m:t>
-                        </m:r>
-                        <m:r>
-                          <a:rPr lang="en-GB" b="0" i="1" smtClean="0">
-                            <a:latin typeface="Cambria Math" panose="02040503050406030204" pitchFamily="18" charset="0"/>
-                          </a:rPr>
-                          <m:t>𝐶</m:t>
-                        </m:r>
-                        <m:sSup>
-                          <m:sSupPr>
-                            <m:ctrlPr>
-                              <a:rPr lang="en-GB" b="0" i="1" smtClean="0">
-                                <a:latin typeface="Cambria Math" panose="02040503050406030204" pitchFamily="18" charset="0"/>
-                              </a:rPr>
-                            </m:ctrlPr>
-                          </m:sSupPr>
-                          <m:e>
-                            <m:r>
-                              <a:rPr lang="en-GB" b="0" i="1" smtClean="0">
-                                <a:latin typeface="Cambria Math" panose="02040503050406030204" pitchFamily="18" charset="0"/>
-                              </a:rPr>
-                              <m:t>𝐺</m:t>
-                            </m:r>
-                          </m:e>
-                          <m:sup>
-                            <m:r>
-                              <a:rPr lang="en-GB" b="0" i="1" smtClean="0">
-                                <a:latin typeface="Cambria Math" panose="02040503050406030204" pitchFamily="18" charset="0"/>
-                              </a:rPr>
-                              <m:t>0</m:t>
-                            </m:r>
-                          </m:sup>
-                        </m:sSup>
-                      </m:den>
-                    </m:f>
-                    <m:r>
-                      <a:rPr lang="en-GB" b="0" i="1" smtClean="0">
-                        <a:latin typeface="Cambria Math" panose="02040503050406030204" pitchFamily="18" charset="0"/>
-                      </a:rPr>
-                      <m:t>𝑒</m:t>
-                    </m:r>
-                    <m:r>
-                      <a:rPr lang="en-GB" b="0" i="1" smtClean="0">
-                        <a:latin typeface="Cambria Math" panose="02040503050406030204" pitchFamily="18" charset="0"/>
-                      </a:rPr>
-                      <m:t>(</m:t>
-                    </m:r>
-                    <m:r>
-                      <a:rPr lang="en-GB" b="0" i="1" smtClean="0">
-                        <a:latin typeface="Cambria Math" panose="02040503050406030204" pitchFamily="18" charset="0"/>
-                      </a:rPr>
-                      <m:t>𝑡</m:t>
-                    </m:r>
-                    <m:r>
-                      <a:rPr lang="en-GB" b="0" i="1" smtClean="0">
-                        <a:latin typeface="Cambria Math" panose="02040503050406030204" pitchFamily="18" charset="0"/>
-                      </a:rPr>
-                      <m:t>)</m:t>
-                    </m:r>
+                      </m:sup>
+                    </m:sSup>
                   </m:oMath>
                 </a14:m>
                 <a:r>
                   <a:rPr lang="en-GB" dirty="0" smtClean="0"/>
-                  <a:t>, where C is the controller, then:</a:t>
+                  <a:t>), whilst </a:t>
+                </a:r>
+                <a:r>
+                  <a:rPr lang="en-GB" dirty="0" smtClean="0"/>
+                  <a:t>OE </a:t>
+                </a:r>
+                <a:r>
+                  <a:rPr lang="en-GB" dirty="0" smtClean="0"/>
+                  <a:t>models </a:t>
+                </a:r>
+                <a:r>
+                  <a:rPr lang="en-GB" dirty="0" smtClean="0"/>
+                  <a:t>are the </a:t>
+                </a:r>
+                <a:endParaRPr lang="en-GB" dirty="0" smtClean="0"/>
+              </a:p>
+              <a:p>
+                <a:r>
+                  <a:rPr lang="en-GB" dirty="0" smtClean="0"/>
+                  <a:t>best </a:t>
+                </a:r>
+                <a:r>
+                  <a:rPr lang="en-GB" dirty="0" smtClean="0"/>
+                  <a:t>ones </a:t>
+                </a:r>
+                <a:r>
+                  <a:rPr lang="en-GB" dirty="0" smtClean="0"/>
+                  <a:t>in OL experiments. </a:t>
+                </a:r>
+                <a:r>
+                  <a:rPr lang="en-GB" dirty="0"/>
+                  <a:t> </a:t>
+                </a:r>
+                <a:r>
+                  <a:rPr lang="en-GB" dirty="0" smtClean="0"/>
+                  <a:t>In fact, from the identification experiments, BJ models had worse results compared </a:t>
                 </a:r>
               </a:p>
               <a:p>
+                <a:r>
+                  <a:rPr lang="en-GB" dirty="0" smtClean="0"/>
+                  <a:t>to OE models.</a:t>
+                </a:r>
                 <a:endParaRPr lang="en-GB" dirty="0" smtClean="0"/>
               </a:p>
               <a:p>
-                <a:pPr/>
-                <a14:m>
-                  <m:oMathPara xmlns:m="http://schemas.openxmlformats.org/officeDocument/2006/math">
-                    <m:oMathParaPr>
-                      <m:jc m:val="left"/>
-                    </m:oMathParaPr>
-                    <m:oMath xmlns:m="http://schemas.openxmlformats.org/officeDocument/2006/math">
-                      <m:r>
-                        <a:rPr lang="en-GB" i="1" smtClean="0">
-                          <a:latin typeface="Cambria Math" panose="02040503050406030204" pitchFamily="18" charset="0"/>
-                        </a:rPr>
-                        <m:t>𝑦</m:t>
-                      </m:r>
-                      <m:d>
-                        <m:dPr>
-                          <m:ctrlPr>
-                            <a:rPr lang="en-GB" b="0" i="1" smtClean="0">
-                              <a:latin typeface="Cambria Math" panose="02040503050406030204" pitchFamily="18" charset="0"/>
-                            </a:rPr>
-                          </m:ctrlPr>
-                        </m:dPr>
-                        <m:e>
-                          <m:r>
-                            <a:rPr lang="en-GB" b="0" i="1" smtClean="0">
-                              <a:latin typeface="Cambria Math" panose="02040503050406030204" pitchFamily="18" charset="0"/>
-                            </a:rPr>
-                            <m:t>𝑡</m:t>
-                          </m:r>
-                        </m:e>
-                      </m:d>
-                      <m:r>
-                        <a:rPr lang="en-GB" b="0" i="1" smtClean="0">
-                          <a:latin typeface="Cambria Math" panose="02040503050406030204" pitchFamily="18" charset="0"/>
-                        </a:rPr>
-                        <m:t>−</m:t>
-                      </m:r>
-                      <m:acc>
-                        <m:accPr>
-                          <m:chr m:val="̂"/>
-                          <m:ctrlPr>
-                            <a:rPr lang="en-GB" b="0" i="1" smtClean="0">
-                              <a:latin typeface="Cambria Math" panose="02040503050406030204" pitchFamily="18" charset="0"/>
-                            </a:rPr>
-                          </m:ctrlPr>
-                        </m:accPr>
-                        <m:e>
-                          <m:r>
-                            <a:rPr lang="en-GB" b="0" i="1" smtClean="0">
-                              <a:latin typeface="Cambria Math" panose="02040503050406030204" pitchFamily="18" charset="0"/>
-                            </a:rPr>
-                            <m:t>𝑦</m:t>
-                          </m:r>
-                        </m:e>
-                      </m:acc>
-                      <m:d>
-                        <m:dPr>
-                          <m:ctrlPr>
-                            <a:rPr lang="en-GB" b="0" i="1" smtClean="0">
-                              <a:latin typeface="Cambria Math" panose="02040503050406030204" pitchFamily="18" charset="0"/>
-                            </a:rPr>
-                          </m:ctrlPr>
-                        </m:dPr>
-                        <m:e>
-                          <m:r>
-                            <a:rPr lang="en-GB" b="0" i="1" smtClean="0">
-                              <a:latin typeface="Cambria Math" panose="02040503050406030204" pitchFamily="18" charset="0"/>
-                            </a:rPr>
-                            <m:t>𝑡</m:t>
-                          </m:r>
-                        </m:e>
-                      </m:d>
-                      <m:r>
-                        <a:rPr lang="en-GB" b="0" i="1" smtClean="0">
-                          <a:latin typeface="Cambria Math" panose="02040503050406030204" pitchFamily="18" charset="0"/>
-                        </a:rPr>
-                        <m:t>=</m:t>
-                      </m:r>
-                      <m:sSup>
-                        <m:sSupPr>
-                          <m:ctrlPr>
-                            <a:rPr lang="en-GB" b="0" i="1" smtClean="0">
-                              <a:latin typeface="Cambria Math" panose="02040503050406030204" pitchFamily="18" charset="0"/>
-                            </a:rPr>
-                          </m:ctrlPr>
-                        </m:sSupPr>
-                        <m:e>
-                          <m:r>
-                            <a:rPr lang="en-GB" i="1" smtClean="0">
-                              <a:latin typeface="Cambria Math" panose="02040503050406030204" pitchFamily="18" charset="0"/>
-                            </a:rPr>
-                            <m:t>𝐻</m:t>
-                          </m:r>
-                        </m:e>
-                        <m:sup>
-                          <m:r>
-                            <a:rPr lang="en-GB" b="0" i="1" smtClean="0">
-                              <a:latin typeface="Cambria Math" panose="02040503050406030204" pitchFamily="18" charset="0"/>
-                            </a:rPr>
-                            <m:t>−1</m:t>
-                          </m:r>
-                        </m:sup>
-                      </m:sSup>
-                      <m:r>
-                        <a:rPr lang="en-GB" i="1">
-                          <a:latin typeface="Cambria Math" panose="02040503050406030204" pitchFamily="18" charset="0"/>
-                        </a:rPr>
-                        <m:t>𝑦</m:t>
-                      </m:r>
-                      <m:d>
-                        <m:dPr>
-                          <m:ctrlPr>
-                            <a:rPr lang="en-GB" i="1">
-                              <a:latin typeface="Cambria Math" panose="02040503050406030204" pitchFamily="18" charset="0"/>
-                            </a:rPr>
-                          </m:ctrlPr>
-                        </m:dPr>
-                        <m:e>
-                          <m:r>
-                            <a:rPr lang="en-GB" i="1">
-                              <a:latin typeface="Cambria Math" panose="02040503050406030204" pitchFamily="18" charset="0"/>
-                            </a:rPr>
-                            <m:t>𝑡</m:t>
-                          </m:r>
-                        </m:e>
-                      </m:d>
-                      <m:r>
-                        <a:rPr lang="en-GB" b="0" i="1" smtClean="0">
-                          <a:latin typeface="Cambria Math" panose="02040503050406030204" pitchFamily="18" charset="0"/>
-                        </a:rPr>
-                        <m:t>−</m:t>
-                      </m:r>
-                      <m:sSup>
-                        <m:sSupPr>
-                          <m:ctrlPr>
-                            <a:rPr lang="en-GB" b="0" i="1" smtClean="0">
-                              <a:latin typeface="Cambria Math" panose="02040503050406030204" pitchFamily="18" charset="0"/>
-                            </a:rPr>
-                          </m:ctrlPr>
-                        </m:sSupPr>
-                        <m:e>
-                          <m:r>
-                            <a:rPr lang="en-GB" b="0" i="1" smtClean="0">
-                              <a:latin typeface="Cambria Math" panose="02040503050406030204" pitchFamily="18" charset="0"/>
-                            </a:rPr>
-                            <m:t>𝐻</m:t>
-                          </m:r>
-                        </m:e>
-                        <m:sup>
-                          <m:r>
-                            <a:rPr lang="en-GB" b="0" i="1" smtClean="0">
-                              <a:latin typeface="Cambria Math" panose="02040503050406030204" pitchFamily="18" charset="0"/>
-                            </a:rPr>
-                            <m:t>−1</m:t>
-                          </m:r>
-                        </m:sup>
-                      </m:sSup>
-                      <m:r>
-                        <a:rPr lang="en-GB" b="0" i="1" smtClean="0">
-                          <a:latin typeface="Cambria Math" panose="02040503050406030204" pitchFamily="18" charset="0"/>
-                        </a:rPr>
-                        <m:t>𝐺</m:t>
-                      </m:r>
-                      <m:r>
-                        <a:rPr lang="en-GB" i="1">
-                          <a:latin typeface="Cambria Math" panose="02040503050406030204" pitchFamily="18" charset="0"/>
-                        </a:rPr>
-                        <m:t>𝑢</m:t>
-                      </m:r>
-                      <m:d>
-                        <m:dPr>
-                          <m:ctrlPr>
-                            <a:rPr lang="en-GB" i="1">
-                              <a:latin typeface="Cambria Math" panose="02040503050406030204" pitchFamily="18" charset="0"/>
-                            </a:rPr>
-                          </m:ctrlPr>
-                        </m:dPr>
-                        <m:e>
-                          <m:r>
-                            <a:rPr lang="en-GB" i="1">
-                              <a:latin typeface="Cambria Math" panose="02040503050406030204" pitchFamily="18" charset="0"/>
-                            </a:rPr>
-                            <m:t>𝑡</m:t>
-                          </m:r>
-                          <m:r>
-                            <a:rPr lang="en-GB" i="1">
-                              <a:latin typeface="Cambria Math" panose="02040503050406030204" pitchFamily="18" charset="0"/>
-                            </a:rPr>
-                            <m:t>−</m:t>
-                          </m:r>
-                          <m:r>
-                            <a:rPr lang="en-GB" i="1">
-                              <a:latin typeface="Cambria Math" panose="02040503050406030204" pitchFamily="18" charset="0"/>
-                            </a:rPr>
-                            <m:t>𝑘</m:t>
-                          </m:r>
-                        </m:e>
-                      </m:d>
-                      <m:r>
-                        <a:rPr lang="en-GB" b="0" i="1" smtClean="0">
-                          <a:latin typeface="Cambria Math" panose="02040503050406030204" pitchFamily="18" charset="0"/>
-                        </a:rPr>
-                        <m:t>=</m:t>
-                      </m:r>
-                      <m:f>
-                        <m:fPr>
-                          <m:ctrlPr>
-                            <a:rPr lang="en-GB" b="0" i="1" smtClean="0">
-                              <a:latin typeface="Cambria Math" panose="02040503050406030204" pitchFamily="18" charset="0"/>
-                            </a:rPr>
-                          </m:ctrlPr>
-                        </m:fPr>
-                        <m:num>
-                          <m:r>
-                            <a:rPr lang="en-GB" b="0" i="1" smtClean="0">
-                              <a:latin typeface="Cambria Math" panose="02040503050406030204" pitchFamily="18" charset="0"/>
-                            </a:rPr>
-                            <m:t>1</m:t>
-                          </m:r>
-                        </m:num>
-                        <m:den>
-                          <m:r>
-                            <a:rPr lang="en-GB" b="0" i="1" smtClean="0">
-                              <a:latin typeface="Cambria Math" panose="02040503050406030204" pitchFamily="18" charset="0"/>
-                            </a:rPr>
-                            <m:t>𝐻</m:t>
-                          </m:r>
-                        </m:den>
-                      </m:f>
-                      <m:d>
-                        <m:dPr>
-                          <m:ctrlPr>
-                            <a:rPr lang="en-GB" b="0" i="1" smtClean="0">
-                              <a:latin typeface="Cambria Math" panose="02040503050406030204" pitchFamily="18" charset="0"/>
-                            </a:rPr>
-                          </m:ctrlPr>
-                        </m:dPr>
-                        <m:e>
-                          <m:d>
-                            <m:dPr>
-                              <m:ctrlPr>
-                                <a:rPr lang="en-GB" b="0" i="1" smtClean="0">
-                                  <a:latin typeface="Cambria Math" panose="02040503050406030204" pitchFamily="18" charset="0"/>
-                                </a:rPr>
-                              </m:ctrlPr>
-                            </m:dPr>
-                            <m:e>
-                              <m:sSup>
-                                <m:sSupPr>
-                                  <m:ctrlPr>
-                                    <a:rPr lang="en-GB" b="0" i="1" smtClean="0">
-                                      <a:latin typeface="Cambria Math" panose="02040503050406030204" pitchFamily="18" charset="0"/>
-                                    </a:rPr>
-                                  </m:ctrlPr>
-                                </m:sSupPr>
-                                <m:e>
-                                  <m:r>
-                                    <a:rPr lang="en-GB" b="0" i="1" smtClean="0">
-                                      <a:latin typeface="Cambria Math" panose="02040503050406030204" pitchFamily="18" charset="0"/>
-                                    </a:rPr>
-                                    <m:t>𝐺</m:t>
-                                  </m:r>
-                                </m:e>
-                                <m:sup>
-                                  <m:r>
-                                    <a:rPr lang="en-GB" b="0" i="1" smtClean="0">
-                                      <a:latin typeface="Cambria Math" panose="02040503050406030204" pitchFamily="18" charset="0"/>
-                                    </a:rPr>
-                                    <m:t>0</m:t>
-                                  </m:r>
-                                </m:sup>
-                              </m:sSup>
-                              <m:r>
-                                <a:rPr lang="en-GB" b="0" i="1" smtClean="0">
-                                  <a:latin typeface="Cambria Math" panose="02040503050406030204" pitchFamily="18" charset="0"/>
-                                </a:rPr>
-                                <m:t>−</m:t>
-                              </m:r>
-                              <m:r>
-                                <a:rPr lang="en-GB" b="0" i="1" smtClean="0">
-                                  <a:latin typeface="Cambria Math" panose="02040503050406030204" pitchFamily="18" charset="0"/>
-                                </a:rPr>
-                                <m:t>𝐺</m:t>
-                              </m:r>
-                            </m:e>
-                          </m:d>
-                          <m:r>
-                            <a:rPr lang="en-GB" b="0" i="1" smtClean="0">
-                              <a:latin typeface="Cambria Math" panose="02040503050406030204" pitchFamily="18" charset="0"/>
-                            </a:rPr>
-                            <m:t>𝑢</m:t>
-                          </m:r>
-                          <m:d>
-                            <m:dPr>
-                              <m:ctrlPr>
-                                <a:rPr lang="en-GB" b="0" i="1" smtClean="0">
-                                  <a:latin typeface="Cambria Math" panose="02040503050406030204" pitchFamily="18" charset="0"/>
-                                </a:rPr>
-                              </m:ctrlPr>
-                            </m:dPr>
-                            <m:e>
-                              <m:r>
-                                <a:rPr lang="en-GB" b="0" i="1" smtClean="0">
-                                  <a:latin typeface="Cambria Math" panose="02040503050406030204" pitchFamily="18" charset="0"/>
-                                </a:rPr>
-                                <m:t>𝑡</m:t>
-                              </m:r>
-                              <m:r>
-                                <a:rPr lang="en-GB" b="0" i="1" smtClean="0">
-                                  <a:latin typeface="Cambria Math" panose="02040503050406030204" pitchFamily="18" charset="0"/>
-                                </a:rPr>
-                                <m:t>−</m:t>
-                              </m:r>
-                              <m:r>
-                                <a:rPr lang="en-GB" b="0" i="1" smtClean="0">
-                                  <a:latin typeface="Cambria Math" panose="02040503050406030204" pitchFamily="18" charset="0"/>
-                                </a:rPr>
-                                <m:t>𝑘</m:t>
-                              </m:r>
-                            </m:e>
-                          </m:d>
-                          <m:r>
-                            <a:rPr lang="en-GB" b="0" i="1" smtClean="0">
-                              <a:latin typeface="Cambria Math" panose="02040503050406030204" pitchFamily="18" charset="0"/>
-                            </a:rPr>
-                            <m:t>+</m:t>
-                          </m:r>
-                          <m:sSup>
-                            <m:sSupPr>
-                              <m:ctrlPr>
-                                <a:rPr lang="en-GB" b="0" i="1" smtClean="0">
-                                  <a:latin typeface="Cambria Math" panose="02040503050406030204" pitchFamily="18" charset="0"/>
-                                </a:rPr>
-                              </m:ctrlPr>
-                            </m:sSupPr>
-                            <m:e>
-                              <m:r>
-                                <a:rPr lang="en-GB" b="0" i="1" smtClean="0">
-                                  <a:latin typeface="Cambria Math" panose="02040503050406030204" pitchFamily="18" charset="0"/>
-                                </a:rPr>
-                                <m:t>𝐻</m:t>
-                              </m:r>
-                            </m:e>
-                            <m:sup>
-                              <m:r>
-                                <a:rPr lang="en-GB" b="0" i="1" smtClean="0">
-                                  <a:latin typeface="Cambria Math" panose="02040503050406030204" pitchFamily="18" charset="0"/>
-                                </a:rPr>
-                                <m:t>0</m:t>
-                              </m:r>
-                            </m:sup>
-                          </m:sSup>
-                          <m:r>
-                            <a:rPr lang="en-GB" b="0" i="1" smtClean="0">
-                              <a:latin typeface="Cambria Math" panose="02040503050406030204" pitchFamily="18" charset="0"/>
-                            </a:rPr>
-                            <m:t>𝑒</m:t>
-                          </m:r>
-                          <m:d>
-                            <m:dPr>
-                              <m:ctrlPr>
-                                <a:rPr lang="en-GB" b="0" i="1" smtClean="0">
-                                  <a:latin typeface="Cambria Math" panose="02040503050406030204" pitchFamily="18" charset="0"/>
-                                </a:rPr>
-                              </m:ctrlPr>
-                            </m:dPr>
-                            <m:e>
-                              <m:r>
-                                <a:rPr lang="en-GB" b="0" i="1" smtClean="0">
-                                  <a:latin typeface="Cambria Math" panose="02040503050406030204" pitchFamily="18" charset="0"/>
-                                </a:rPr>
-                                <m:t>𝑡</m:t>
-                              </m:r>
-                            </m:e>
-                          </m:d>
-                        </m:e>
-                      </m:d>
-                      <m:r>
-                        <a:rPr lang="en-GB" b="0" i="1" smtClean="0">
-                          <a:latin typeface="Cambria Math" panose="02040503050406030204" pitchFamily="18" charset="0"/>
-                        </a:rPr>
-                        <m:t>=</m:t>
-                      </m:r>
-                      <m:f>
-                        <m:fPr>
-                          <m:ctrlPr>
-                            <a:rPr lang="en-GB" i="1">
-                              <a:latin typeface="Cambria Math" panose="02040503050406030204" pitchFamily="18" charset="0"/>
-                            </a:rPr>
-                          </m:ctrlPr>
-                        </m:fPr>
-                        <m:num>
-                          <m:r>
-                            <a:rPr lang="en-GB" i="1">
-                              <a:latin typeface="Cambria Math" panose="02040503050406030204" pitchFamily="18" charset="0"/>
-                            </a:rPr>
-                            <m:t>𝐶</m:t>
-                          </m:r>
-                          <m:d>
-                            <m:dPr>
-                              <m:ctrlPr>
-                                <a:rPr lang="en-GB" i="1">
-                                  <a:latin typeface="Cambria Math" panose="02040503050406030204" pitchFamily="18" charset="0"/>
-                                </a:rPr>
-                              </m:ctrlPr>
-                            </m:dPr>
-                            <m:e>
-                              <m:sSup>
-                                <m:sSupPr>
-                                  <m:ctrlPr>
-                                    <a:rPr lang="en-GB" i="1">
-                                      <a:latin typeface="Cambria Math" panose="02040503050406030204" pitchFamily="18" charset="0"/>
-                                    </a:rPr>
-                                  </m:ctrlPr>
-                                </m:sSupPr>
-                                <m:e>
-                                  <m:r>
-                                    <a:rPr lang="en-GB" i="1">
-                                      <a:latin typeface="Cambria Math" panose="02040503050406030204" pitchFamily="18" charset="0"/>
-                                    </a:rPr>
-                                    <m:t>𝐺</m:t>
-                                  </m:r>
-                                </m:e>
-                                <m:sup>
-                                  <m:r>
-                                    <a:rPr lang="en-GB" i="1">
-                                      <a:latin typeface="Cambria Math" panose="02040503050406030204" pitchFamily="18" charset="0"/>
-                                    </a:rPr>
-                                    <m:t>0</m:t>
-                                  </m:r>
-                                </m:sup>
-                              </m:sSup>
-                              <m:r>
-                                <a:rPr lang="en-GB" i="1">
-                                  <a:latin typeface="Cambria Math" panose="02040503050406030204" pitchFamily="18" charset="0"/>
-                                </a:rPr>
-                                <m:t>−</m:t>
-                              </m:r>
-                              <m:r>
-                                <a:rPr lang="en-GB" i="1">
-                                  <a:latin typeface="Cambria Math" panose="02040503050406030204" pitchFamily="18" charset="0"/>
-                                </a:rPr>
-                                <m:t>𝐺</m:t>
-                              </m:r>
-                            </m:e>
-                          </m:d>
-                        </m:num>
-                        <m:den>
-                          <m:d>
-                            <m:dPr>
-                              <m:ctrlPr>
-                                <a:rPr lang="en-GB" i="1">
-                                  <a:latin typeface="Cambria Math" panose="02040503050406030204" pitchFamily="18" charset="0"/>
-                                </a:rPr>
-                              </m:ctrlPr>
-                            </m:dPr>
-                            <m:e>
-                              <m:r>
-                                <a:rPr lang="en-GB" i="1">
-                                  <a:latin typeface="Cambria Math" panose="02040503050406030204" pitchFamily="18" charset="0"/>
-                                </a:rPr>
-                                <m:t>1+</m:t>
-                              </m:r>
-                              <m:r>
-                                <a:rPr lang="en-GB" i="1">
-                                  <a:latin typeface="Cambria Math" panose="02040503050406030204" pitchFamily="18" charset="0"/>
-                                </a:rPr>
-                                <m:t>𝐶</m:t>
-                              </m:r>
-                              <m:sSup>
-                                <m:sSupPr>
-                                  <m:ctrlPr>
-                                    <a:rPr lang="en-GB" i="1">
-                                      <a:latin typeface="Cambria Math" panose="02040503050406030204" pitchFamily="18" charset="0"/>
-                                    </a:rPr>
-                                  </m:ctrlPr>
-                                </m:sSupPr>
-                                <m:e>
-                                  <m:r>
-                                    <a:rPr lang="en-GB" i="1">
-                                      <a:latin typeface="Cambria Math" panose="02040503050406030204" pitchFamily="18" charset="0"/>
-                                    </a:rPr>
-                                    <m:t>𝐺</m:t>
-                                  </m:r>
-                                </m:e>
-                                <m:sup>
-                                  <m:r>
-                                    <a:rPr lang="en-GB" i="1">
-                                      <a:latin typeface="Cambria Math" panose="02040503050406030204" pitchFamily="18" charset="0"/>
-                                    </a:rPr>
-                                    <m:t>0</m:t>
-                                  </m:r>
-                                </m:sup>
-                              </m:sSup>
-                            </m:e>
-                          </m:d>
-                          <m:r>
-                            <a:rPr lang="en-GB" i="1">
-                              <a:latin typeface="Cambria Math" panose="02040503050406030204" pitchFamily="18" charset="0"/>
-                            </a:rPr>
-                            <m:t>𝐻</m:t>
-                          </m:r>
-                        </m:den>
-                      </m:f>
-                      <m:r>
-                        <a:rPr lang="en-GB" i="1">
-                          <a:latin typeface="Cambria Math" panose="02040503050406030204" pitchFamily="18" charset="0"/>
-                        </a:rPr>
-                        <m:t>𝑟</m:t>
-                      </m:r>
-                      <m:d>
-                        <m:dPr>
-                          <m:ctrlPr>
-                            <a:rPr lang="en-GB" i="1">
-                              <a:latin typeface="Cambria Math" panose="02040503050406030204" pitchFamily="18" charset="0"/>
-                            </a:rPr>
-                          </m:ctrlPr>
-                        </m:dPr>
-                        <m:e>
-                          <m:r>
-                            <a:rPr lang="en-GB" i="1">
-                              <a:latin typeface="Cambria Math" panose="02040503050406030204" pitchFamily="18" charset="0"/>
-                            </a:rPr>
-                            <m:t>𝑡</m:t>
-                          </m:r>
-                        </m:e>
-                      </m:d>
-                      <m:r>
-                        <a:rPr lang="en-GB" i="1">
-                          <a:latin typeface="Cambria Math" panose="02040503050406030204" pitchFamily="18" charset="0"/>
-                        </a:rPr>
-                        <m:t>+</m:t>
-                      </m:r>
-                      <m:f>
-                        <m:fPr>
-                          <m:ctrlPr>
-                            <a:rPr lang="en-GB" i="1">
-                              <a:latin typeface="Cambria Math" panose="02040503050406030204" pitchFamily="18" charset="0"/>
-                            </a:rPr>
-                          </m:ctrlPr>
-                        </m:fPr>
-                        <m:num>
-                          <m:sSup>
-                            <m:sSupPr>
-                              <m:ctrlPr>
-                                <a:rPr lang="en-GB" i="1">
-                                  <a:latin typeface="Cambria Math" panose="02040503050406030204" pitchFamily="18" charset="0"/>
-                                </a:rPr>
-                              </m:ctrlPr>
-                            </m:sSupPr>
-                            <m:e>
-                              <m:r>
-                                <a:rPr lang="en-GB" i="1">
-                                  <a:latin typeface="Cambria Math" panose="02040503050406030204" pitchFamily="18" charset="0"/>
-                                </a:rPr>
-                                <m:t>𝐻</m:t>
-                              </m:r>
-                            </m:e>
-                            <m:sup>
-                              <m:r>
-                                <a:rPr lang="en-GB" i="1">
-                                  <a:latin typeface="Cambria Math" panose="02040503050406030204" pitchFamily="18" charset="0"/>
-                                </a:rPr>
-                                <m:t>0</m:t>
-                              </m:r>
-                            </m:sup>
-                          </m:sSup>
-                          <m:d>
-                            <m:dPr>
-                              <m:ctrlPr>
-                                <a:rPr lang="en-GB" i="1">
-                                  <a:latin typeface="Cambria Math" panose="02040503050406030204" pitchFamily="18" charset="0"/>
-                                </a:rPr>
-                              </m:ctrlPr>
-                            </m:dPr>
-                            <m:e>
-                              <m:r>
-                                <a:rPr lang="en-GB" i="1">
-                                  <a:latin typeface="Cambria Math" panose="02040503050406030204" pitchFamily="18" charset="0"/>
-                                </a:rPr>
-                                <m:t>1+</m:t>
-                              </m:r>
-                              <m:r>
-                                <a:rPr lang="en-GB" i="1">
-                                  <a:latin typeface="Cambria Math" panose="02040503050406030204" pitchFamily="18" charset="0"/>
-                                </a:rPr>
-                                <m:t>𝐶𝐺</m:t>
-                              </m:r>
-                            </m:e>
-                          </m:d>
-                        </m:num>
-                        <m:den>
-                          <m:r>
-                            <a:rPr lang="en-GB" i="1">
-                              <a:latin typeface="Cambria Math" panose="02040503050406030204" pitchFamily="18" charset="0"/>
-                            </a:rPr>
-                            <m:t>𝐻</m:t>
-                          </m:r>
-                          <m:d>
-                            <m:dPr>
-                              <m:ctrlPr>
-                                <a:rPr lang="en-GB" i="1">
-                                  <a:latin typeface="Cambria Math" panose="02040503050406030204" pitchFamily="18" charset="0"/>
-                                </a:rPr>
-                              </m:ctrlPr>
-                            </m:dPr>
-                            <m:e>
-                              <m:r>
-                                <a:rPr lang="en-GB" i="1">
-                                  <a:latin typeface="Cambria Math" panose="02040503050406030204" pitchFamily="18" charset="0"/>
-                                </a:rPr>
-                                <m:t>1+</m:t>
-                              </m:r>
-                              <m:r>
-                                <a:rPr lang="en-GB" i="1">
-                                  <a:latin typeface="Cambria Math" panose="02040503050406030204" pitchFamily="18" charset="0"/>
-                                </a:rPr>
-                                <m:t>𝐶</m:t>
-                              </m:r>
-                              <m:sSup>
-                                <m:sSupPr>
-                                  <m:ctrlPr>
-                                    <a:rPr lang="en-GB" i="1">
-                                      <a:latin typeface="Cambria Math" panose="02040503050406030204" pitchFamily="18" charset="0"/>
-                                    </a:rPr>
-                                  </m:ctrlPr>
-                                </m:sSupPr>
-                                <m:e>
-                                  <m:r>
-                                    <a:rPr lang="en-GB" i="1">
-                                      <a:latin typeface="Cambria Math" panose="02040503050406030204" pitchFamily="18" charset="0"/>
-                                    </a:rPr>
-                                    <m:t>𝐺</m:t>
-                                  </m:r>
-                                </m:e>
-                                <m:sup>
-                                  <m:r>
-                                    <a:rPr lang="en-GB" i="1">
-                                      <a:latin typeface="Cambria Math" panose="02040503050406030204" pitchFamily="18" charset="0"/>
-                                    </a:rPr>
-                                    <m:t>0</m:t>
-                                  </m:r>
-                                </m:sup>
-                              </m:sSup>
-                            </m:e>
-                          </m:d>
-                        </m:den>
-                      </m:f>
-                      <m:r>
-                        <a:rPr lang="en-GB" i="1">
-                          <a:latin typeface="Cambria Math" panose="02040503050406030204" pitchFamily="18" charset="0"/>
-                        </a:rPr>
-                        <m:t>𝑒</m:t>
-                      </m:r>
-                      <m:d>
-                        <m:dPr>
-                          <m:ctrlPr>
-                            <a:rPr lang="en-GB" i="1">
-                              <a:latin typeface="Cambria Math" panose="02040503050406030204" pitchFamily="18" charset="0"/>
-                            </a:rPr>
-                          </m:ctrlPr>
-                        </m:dPr>
-                        <m:e>
-                          <m:r>
-                            <a:rPr lang="en-GB" i="1">
-                              <a:latin typeface="Cambria Math" panose="02040503050406030204" pitchFamily="18" charset="0"/>
-                            </a:rPr>
-                            <m:t>𝑡</m:t>
-                          </m:r>
-                        </m:e>
-                      </m:d>
-                      <m:r>
-                        <a:rPr lang="en-GB" i="1">
-                          <a:latin typeface="Cambria Math" panose="02040503050406030204" pitchFamily="18" charset="0"/>
-                        </a:rPr>
-                        <m:t>=</m:t>
-                      </m:r>
-                      <m:r>
-                        <a:rPr lang="en-GB" i="1">
-                          <a:latin typeface="Cambria Math" panose="02040503050406030204" pitchFamily="18" charset="0"/>
-                        </a:rPr>
-                        <m:t>𝜖</m:t>
-                      </m:r>
-                      <m:d>
-                        <m:dPr>
-                          <m:ctrlPr>
-                            <a:rPr lang="en-GB" i="1">
-                              <a:latin typeface="Cambria Math" panose="02040503050406030204" pitchFamily="18" charset="0"/>
-                            </a:rPr>
-                          </m:ctrlPr>
-                        </m:dPr>
-                        <m:e>
-                          <m:r>
-                            <a:rPr lang="en-GB" i="1">
-                              <a:latin typeface="Cambria Math" panose="02040503050406030204" pitchFamily="18" charset="0"/>
-                            </a:rPr>
-                            <m:t>𝑡</m:t>
-                          </m:r>
-                        </m:e>
-                      </m:d>
-                    </m:oMath>
-                  </m:oMathPara>
-                </a14:m>
+                <a:endParaRPr lang="en-GB" dirty="0"/>
+              </a:p>
+              <a:p>
+                <a:r>
+                  <a:rPr lang="en-GB" dirty="0" smtClean="0"/>
+                  <a:t>Moreover, we can assume that the </a:t>
+                </a:r>
+                <a:r>
+                  <a:rPr lang="en-GB" dirty="0" err="1" smtClean="0"/>
+                  <a:t>quadrotor</a:t>
+                </a:r>
+                <a:r>
+                  <a:rPr lang="en-GB" dirty="0" smtClean="0"/>
+                  <a:t> noise plus the measurement noise is little compared to the input signal.</a:t>
+                </a:r>
+              </a:p>
+              <a:p>
+                <a:endParaRPr lang="en-GB" dirty="0"/>
+              </a:p>
+              <a:p>
+                <a:r>
+                  <a:rPr lang="en-GB" dirty="0" smtClean="0"/>
+                  <a:t>Thus we can assume the experiment to have u and e uncorrelated =&gt; open loop experiment.</a:t>
+                </a:r>
+              </a:p>
+              <a:p>
                 <a:endParaRPr lang="en-GB" dirty="0"/>
               </a:p>
               <a:p>
                 <a:endParaRPr lang="en-GB" dirty="0" smtClean="0"/>
               </a:p>
               <a:p>
-                <a:r>
-                  <a:rPr lang="en-GB" dirty="0" smtClean="0"/>
-                  <a:t>Notice that 1+GC = S^-1, inverse of the sensitivity T.F.</a:t>
-                </a:r>
-              </a:p>
-              <a:p>
-                <a:endParaRPr lang="en-GB" dirty="0"/>
-              </a:p>
-              <a:p>
-                <a:pPr/>
-                <a14:m>
-                  <m:oMathPara xmlns:m="http://schemas.openxmlformats.org/officeDocument/2006/math">
-                    <m:oMathParaPr>
-                      <m:jc m:val="left"/>
-                    </m:oMathParaPr>
-                    <m:oMath xmlns:m="http://schemas.openxmlformats.org/officeDocument/2006/math">
-                      <m:r>
-                        <a:rPr lang="en-GB" b="0" i="1" smtClean="0">
-                          <a:latin typeface="Cambria Math" panose="02040503050406030204" pitchFamily="18" charset="0"/>
-                        </a:rPr>
-                        <m:t>𝜖</m:t>
-                      </m:r>
-                      <m:r>
-                        <a:rPr lang="en-GB" b="0" i="1" smtClean="0">
-                          <a:latin typeface="Cambria Math" panose="02040503050406030204" pitchFamily="18" charset="0"/>
-                        </a:rPr>
-                        <m:t>(</m:t>
-                      </m:r>
-                      <m:r>
-                        <a:rPr lang="en-GB" b="0" i="1" smtClean="0">
-                          <a:latin typeface="Cambria Math" panose="02040503050406030204" pitchFamily="18" charset="0"/>
-                        </a:rPr>
-                        <m:t>𝑡</m:t>
-                      </m:r>
-                      <m:r>
-                        <a:rPr lang="en-GB" b="0" i="1" smtClean="0">
-                          <a:latin typeface="Cambria Math" panose="02040503050406030204" pitchFamily="18" charset="0"/>
-                        </a:rPr>
-                        <m:t>)=</m:t>
-                      </m:r>
-                      <m:f>
-                        <m:fPr>
-                          <m:ctrlPr>
-                            <a:rPr lang="en-GB" i="1">
-                              <a:latin typeface="Cambria Math" panose="02040503050406030204" pitchFamily="18" charset="0"/>
-                            </a:rPr>
-                          </m:ctrlPr>
-                        </m:fPr>
-                        <m:num>
-                          <m:sSup>
-                            <m:sSupPr>
-                              <m:ctrlPr>
-                                <a:rPr lang="en-GB" b="0" i="1" smtClean="0">
-                                  <a:latin typeface="Cambria Math" panose="02040503050406030204" pitchFamily="18" charset="0"/>
-                                </a:rPr>
-                              </m:ctrlPr>
-                            </m:sSupPr>
-                            <m:e>
-                              <m:r>
-                                <a:rPr lang="en-GB" b="0" i="1" smtClean="0">
-                                  <a:latin typeface="Cambria Math" panose="02040503050406030204" pitchFamily="18" charset="0"/>
-                                </a:rPr>
-                                <m:t>𝐶𝑆</m:t>
-                              </m:r>
-                            </m:e>
-                            <m:sup>
-                              <m:r>
-                                <a:rPr lang="en-GB" b="0" i="1" smtClean="0">
-                                  <a:latin typeface="Cambria Math" panose="02040503050406030204" pitchFamily="18" charset="0"/>
-                                </a:rPr>
-                                <m:t>0</m:t>
-                              </m:r>
-                            </m:sup>
-                          </m:sSup>
-                          <m:d>
-                            <m:dPr>
-                              <m:ctrlPr>
-                                <a:rPr lang="en-GB" i="1">
-                                  <a:latin typeface="Cambria Math" panose="02040503050406030204" pitchFamily="18" charset="0"/>
-                                </a:rPr>
-                              </m:ctrlPr>
-                            </m:dPr>
-                            <m:e>
-                              <m:sSup>
-                                <m:sSupPr>
-                                  <m:ctrlPr>
-                                    <a:rPr lang="en-GB" i="1">
-                                      <a:latin typeface="Cambria Math" panose="02040503050406030204" pitchFamily="18" charset="0"/>
-                                    </a:rPr>
-                                  </m:ctrlPr>
-                                </m:sSupPr>
-                                <m:e>
-                                  <m:r>
-                                    <a:rPr lang="en-GB" i="1">
-                                      <a:latin typeface="Cambria Math" panose="02040503050406030204" pitchFamily="18" charset="0"/>
-                                    </a:rPr>
-                                    <m:t>𝐺</m:t>
-                                  </m:r>
-                                </m:e>
-                                <m:sup>
-                                  <m:r>
-                                    <a:rPr lang="en-GB" i="1">
-                                      <a:latin typeface="Cambria Math" panose="02040503050406030204" pitchFamily="18" charset="0"/>
-                                    </a:rPr>
-                                    <m:t>0</m:t>
-                                  </m:r>
-                                </m:sup>
-                              </m:sSup>
-                              <m:r>
-                                <a:rPr lang="en-GB" i="1">
-                                  <a:latin typeface="Cambria Math" panose="02040503050406030204" pitchFamily="18" charset="0"/>
-                                </a:rPr>
-                                <m:t>−</m:t>
-                              </m:r>
-                              <m:r>
-                                <a:rPr lang="en-GB" i="1">
-                                  <a:latin typeface="Cambria Math" panose="02040503050406030204" pitchFamily="18" charset="0"/>
-                                </a:rPr>
-                                <m:t>𝐺</m:t>
-                              </m:r>
-                            </m:e>
-                          </m:d>
-                        </m:num>
-                        <m:den>
-                          <m:r>
-                            <a:rPr lang="en-GB" i="1">
-                              <a:latin typeface="Cambria Math" panose="02040503050406030204" pitchFamily="18" charset="0"/>
-                            </a:rPr>
-                            <m:t>𝐻</m:t>
-                          </m:r>
-                        </m:den>
-                      </m:f>
-                      <m:r>
-                        <a:rPr lang="en-GB" i="1">
-                          <a:latin typeface="Cambria Math" panose="02040503050406030204" pitchFamily="18" charset="0"/>
-                        </a:rPr>
-                        <m:t>𝑟</m:t>
-                      </m:r>
-                      <m:d>
-                        <m:dPr>
-                          <m:ctrlPr>
-                            <a:rPr lang="en-GB" i="1">
-                              <a:latin typeface="Cambria Math" panose="02040503050406030204" pitchFamily="18" charset="0"/>
-                            </a:rPr>
-                          </m:ctrlPr>
-                        </m:dPr>
-                        <m:e>
-                          <m:r>
-                            <a:rPr lang="en-GB" i="1">
-                              <a:latin typeface="Cambria Math" panose="02040503050406030204" pitchFamily="18" charset="0"/>
-                            </a:rPr>
-                            <m:t>𝑡</m:t>
-                          </m:r>
-                        </m:e>
-                      </m:d>
-                      <m:r>
-                        <a:rPr lang="en-GB" i="1">
-                          <a:latin typeface="Cambria Math" panose="02040503050406030204" pitchFamily="18" charset="0"/>
-                        </a:rPr>
-                        <m:t>+</m:t>
-                      </m:r>
-                      <m:f>
-                        <m:fPr>
-                          <m:ctrlPr>
-                            <a:rPr lang="en-GB" i="1">
-                              <a:latin typeface="Cambria Math" panose="02040503050406030204" pitchFamily="18" charset="0"/>
-                            </a:rPr>
-                          </m:ctrlPr>
-                        </m:fPr>
-                        <m:num>
-                          <m:sSup>
-                            <m:sSupPr>
-                              <m:ctrlPr>
-                                <a:rPr lang="en-GB" i="1">
-                                  <a:latin typeface="Cambria Math" panose="02040503050406030204" pitchFamily="18" charset="0"/>
-                                </a:rPr>
-                              </m:ctrlPr>
-                            </m:sSupPr>
-                            <m:e>
-                              <m:r>
-                                <a:rPr lang="en-GB" i="1">
-                                  <a:latin typeface="Cambria Math" panose="02040503050406030204" pitchFamily="18" charset="0"/>
-                                </a:rPr>
-                                <m:t>𝐻</m:t>
-                              </m:r>
-                            </m:e>
-                            <m:sup>
-                              <m:r>
-                                <a:rPr lang="en-GB" i="1">
-                                  <a:latin typeface="Cambria Math" panose="02040503050406030204" pitchFamily="18" charset="0"/>
-                                </a:rPr>
-                                <m:t>0</m:t>
-                              </m:r>
-                            </m:sup>
-                          </m:sSup>
-                          <m:sSup>
-                            <m:sSupPr>
-                              <m:ctrlPr>
-                                <a:rPr lang="en-GB" b="0" i="1" smtClean="0">
-                                  <a:latin typeface="Cambria Math" panose="02040503050406030204" pitchFamily="18" charset="0"/>
-                                </a:rPr>
-                              </m:ctrlPr>
-                            </m:sSupPr>
-                            <m:e>
-                              <m:r>
-                                <a:rPr lang="en-GB" b="0" i="1" smtClean="0">
-                                  <a:latin typeface="Cambria Math" panose="02040503050406030204" pitchFamily="18" charset="0"/>
-                                </a:rPr>
-                                <m:t>𝑆</m:t>
-                              </m:r>
-                            </m:e>
-                            <m:sup>
-                              <m:r>
-                                <a:rPr lang="en-GB" b="0" i="1" smtClean="0">
-                                  <a:latin typeface="Cambria Math" panose="02040503050406030204" pitchFamily="18" charset="0"/>
-                                </a:rPr>
-                                <m:t>0</m:t>
-                              </m:r>
-                            </m:sup>
-                          </m:sSup>
-                        </m:num>
-                        <m:den>
-                          <m:r>
-                            <a:rPr lang="en-GB" i="1">
-                              <a:latin typeface="Cambria Math" panose="02040503050406030204" pitchFamily="18" charset="0"/>
-                            </a:rPr>
-                            <m:t>𝐻</m:t>
-                          </m:r>
-                          <m:r>
-                            <a:rPr lang="en-GB" b="0" i="1" smtClean="0">
-                              <a:latin typeface="Cambria Math" panose="02040503050406030204" pitchFamily="18" charset="0"/>
-                            </a:rPr>
-                            <m:t>𝑆</m:t>
-                          </m:r>
-                        </m:den>
-                      </m:f>
-                      <m:r>
-                        <a:rPr lang="en-GB" b="0" i="1" smtClean="0">
-                          <a:latin typeface="Cambria Math" panose="02040503050406030204" pitchFamily="18" charset="0"/>
-                        </a:rPr>
-                        <m:t>𝑒</m:t>
-                      </m:r>
-                      <m:r>
-                        <a:rPr lang="en-GB" b="0" i="1" smtClean="0">
-                          <a:latin typeface="Cambria Math" panose="02040503050406030204" pitchFamily="18" charset="0"/>
-                        </a:rPr>
-                        <m:t>(</m:t>
-                      </m:r>
-                      <m:r>
-                        <a:rPr lang="en-GB" b="0" i="1" smtClean="0">
-                          <a:latin typeface="Cambria Math" panose="02040503050406030204" pitchFamily="18" charset="0"/>
-                        </a:rPr>
-                        <m:t>𝑡</m:t>
-                      </m:r>
-                      <m:r>
-                        <a:rPr lang="en-GB" b="0" i="1" smtClean="0">
-                          <a:latin typeface="Cambria Math" panose="02040503050406030204" pitchFamily="18" charset="0"/>
-                        </a:rPr>
-                        <m:t>)</m:t>
-                      </m:r>
-                    </m:oMath>
-                  </m:oMathPara>
-                </a14:m>
                 <a:endParaRPr lang="en-GB" dirty="0" smtClean="0"/>
               </a:p>
               <a:p>
                 <a:endParaRPr lang="en-GB" dirty="0"/>
               </a:p>
               <a:p>
-                <a:pPr/>
-                <a14:m>
-                  <m:oMathPara xmlns:m="http://schemas.openxmlformats.org/officeDocument/2006/math">
-                    <m:oMathParaPr>
-                      <m:jc m:val="left"/>
-                    </m:oMathParaPr>
-                    <m:oMath xmlns:m="http://schemas.openxmlformats.org/officeDocument/2006/math">
-                      <m:acc>
-                        <m:accPr>
-                          <m:chr m:val="̅"/>
-                          <m:ctrlPr>
-                            <a:rPr lang="en-GB" sz="1600" i="1" smtClean="0">
-                              <a:latin typeface="Cambria Math" panose="02040503050406030204" pitchFamily="18" charset="0"/>
-                            </a:rPr>
-                          </m:ctrlPr>
-                        </m:accPr>
-                        <m:e>
-                          <m:r>
-                            <a:rPr lang="en-GB" sz="1600" b="0" i="1" smtClean="0">
-                              <a:latin typeface="Cambria Math" panose="02040503050406030204" pitchFamily="18" charset="0"/>
-                            </a:rPr>
-                            <m:t>𝐽</m:t>
-                          </m:r>
-                        </m:e>
-                      </m:acc>
-                      <m:d>
-                        <m:dPr>
-                          <m:ctrlPr>
-                            <a:rPr lang="en-GB" sz="1600" b="0" i="1" smtClean="0">
-                              <a:latin typeface="Cambria Math" panose="02040503050406030204" pitchFamily="18" charset="0"/>
-                            </a:rPr>
-                          </m:ctrlPr>
-                        </m:dPr>
-                        <m:e>
-                          <m:r>
-                            <a:rPr lang="en-GB" sz="1600" b="0" i="1" smtClean="0">
-                              <a:latin typeface="Cambria Math" panose="02040503050406030204" pitchFamily="18" charset="0"/>
-                            </a:rPr>
-                            <m:t>𝜃</m:t>
-                          </m:r>
-                        </m:e>
-                      </m:d>
-                      <m:r>
-                        <a:rPr lang="en-GB" sz="1600" b="0" i="1" smtClean="0">
-                          <a:latin typeface="Cambria Math" panose="02040503050406030204" pitchFamily="18" charset="0"/>
-                        </a:rPr>
-                        <m:t>=</m:t>
-                      </m:r>
-                      <m:r>
-                        <a:rPr lang="en-GB" sz="1600" b="0" i="1" smtClean="0">
-                          <a:latin typeface="Cambria Math" panose="02040503050406030204" pitchFamily="18" charset="0"/>
-                        </a:rPr>
-                        <m:t>𝐸</m:t>
-                      </m:r>
-                      <m:d>
-                        <m:dPr>
-                          <m:begChr m:val="["/>
-                          <m:endChr m:val="]"/>
-                          <m:ctrlPr>
-                            <a:rPr lang="en-GB" sz="1600" b="0" i="1" smtClean="0">
-                              <a:latin typeface="Cambria Math" panose="02040503050406030204" pitchFamily="18" charset="0"/>
-                            </a:rPr>
-                          </m:ctrlPr>
-                        </m:dPr>
-                        <m:e>
-                          <m:r>
-                            <a:rPr lang="en-GB" sz="1600" b="0" i="1" smtClean="0">
-                              <a:latin typeface="Cambria Math" panose="02040503050406030204" pitchFamily="18" charset="0"/>
-                            </a:rPr>
-                            <m:t>𝜖</m:t>
-                          </m:r>
-                          <m:sSup>
-                            <m:sSupPr>
-                              <m:ctrlPr>
-                                <a:rPr lang="en-GB" sz="1600" b="0" i="1" smtClean="0">
-                                  <a:latin typeface="Cambria Math" panose="02040503050406030204" pitchFamily="18" charset="0"/>
-                                </a:rPr>
-                              </m:ctrlPr>
-                            </m:sSupPr>
-                            <m:e>
-                              <m:d>
-                                <m:dPr>
-                                  <m:ctrlPr>
-                                    <a:rPr lang="en-GB" sz="1600" b="0" i="1" smtClean="0">
-                                      <a:latin typeface="Cambria Math" panose="02040503050406030204" pitchFamily="18" charset="0"/>
-                                    </a:rPr>
-                                  </m:ctrlPr>
-                                </m:dPr>
-                                <m:e>
-                                  <m:r>
-                                    <a:rPr lang="en-GB" sz="1600" b="0" i="1" smtClean="0">
-                                      <a:latin typeface="Cambria Math" panose="02040503050406030204" pitchFamily="18" charset="0"/>
-                                    </a:rPr>
-                                    <m:t>𝑡</m:t>
-                                  </m:r>
-                                </m:e>
-                              </m:d>
-                            </m:e>
-                            <m:sup>
-                              <m:r>
-                                <a:rPr lang="en-GB" sz="1600" b="0" i="1" smtClean="0">
-                                  <a:latin typeface="Cambria Math" panose="02040503050406030204" pitchFamily="18" charset="0"/>
-                                </a:rPr>
-                                <m:t>2</m:t>
-                              </m:r>
-                            </m:sup>
-                          </m:sSup>
-                        </m:e>
-                      </m:d>
-                      <m:r>
-                        <a:rPr lang="en-GB" sz="1600" b="0" i="1" smtClean="0">
-                          <a:latin typeface="Cambria Math" panose="02040503050406030204" pitchFamily="18" charset="0"/>
-                        </a:rPr>
-                        <m:t>=</m:t>
-                      </m:r>
-                      <m:f>
-                        <m:fPr>
-                          <m:ctrlPr>
-                            <a:rPr lang="en-GB" sz="1600" b="0" i="1" smtClean="0">
-                              <a:latin typeface="Cambria Math" panose="02040503050406030204" pitchFamily="18" charset="0"/>
-                            </a:rPr>
-                          </m:ctrlPr>
-                        </m:fPr>
-                        <m:num>
-                          <m:r>
-                            <a:rPr lang="en-GB" sz="1600" b="0" i="1" smtClean="0">
-                              <a:latin typeface="Cambria Math" panose="02040503050406030204" pitchFamily="18" charset="0"/>
-                            </a:rPr>
-                            <m:t>1</m:t>
-                          </m:r>
-                        </m:num>
-                        <m:den>
-                          <m:r>
-                            <a:rPr lang="en-GB" sz="1600" b="0" i="1" smtClean="0">
-                              <a:latin typeface="Cambria Math" panose="02040503050406030204" pitchFamily="18" charset="0"/>
-                            </a:rPr>
-                            <m:t>2</m:t>
-                          </m:r>
-                          <m:r>
-                            <a:rPr lang="en-GB" sz="1600" b="0" i="1" smtClean="0">
-                              <a:latin typeface="Cambria Math" panose="02040503050406030204" pitchFamily="18" charset="0"/>
-                            </a:rPr>
-                            <m:t>𝜋</m:t>
-                          </m:r>
-                        </m:den>
-                      </m:f>
-                      <m:d>
-                        <m:dPr>
-                          <m:begChr m:val="["/>
-                          <m:endChr m:val="]"/>
-                          <m:ctrlPr>
-                            <a:rPr lang="en-GB" sz="1600" b="0" i="1" smtClean="0">
-                              <a:latin typeface="Cambria Math" panose="02040503050406030204" pitchFamily="18" charset="0"/>
-                            </a:rPr>
-                          </m:ctrlPr>
-                        </m:dPr>
-                        <m:e>
-                          <m:nary>
-                            <m:naryPr>
-                              <m:ctrlPr>
-                                <a:rPr lang="en-GB" sz="1600" b="0" i="1" smtClean="0">
-                                  <a:latin typeface="Cambria Math" panose="02040503050406030204" pitchFamily="18" charset="0"/>
-                                </a:rPr>
-                              </m:ctrlPr>
-                            </m:naryPr>
-                            <m:sub>
-                              <m:r>
-                                <m:rPr>
-                                  <m:brk m:alnAt="23"/>
-                                </m:rPr>
-                                <a:rPr lang="en-GB" sz="1600" b="0" i="1" smtClean="0">
-                                  <a:latin typeface="Cambria Math" panose="02040503050406030204" pitchFamily="18" charset="0"/>
-                                </a:rPr>
-                                <m:t>−</m:t>
-                              </m:r>
-                              <m:r>
-                                <a:rPr lang="en-GB" sz="1600" b="0" i="1" smtClean="0">
-                                  <a:latin typeface="Cambria Math" panose="02040503050406030204" pitchFamily="18" charset="0"/>
-                                </a:rPr>
-                                <m:t>𝜋</m:t>
-                              </m:r>
-                            </m:sub>
-                            <m:sup>
-                              <m:r>
-                                <a:rPr lang="en-GB" sz="1600" b="0" i="1" smtClean="0">
-                                  <a:latin typeface="Cambria Math" panose="02040503050406030204" pitchFamily="18" charset="0"/>
-                                </a:rPr>
-                                <m:t>𝜋</m:t>
-                              </m:r>
-                            </m:sup>
-                            <m:e>
-                              <m:f>
-                                <m:fPr>
-                                  <m:ctrlPr>
-                                    <a:rPr lang="en-GB" sz="1600" b="0" i="1" smtClean="0">
-                                      <a:latin typeface="Cambria Math" panose="02040503050406030204" pitchFamily="18" charset="0"/>
-                                    </a:rPr>
-                                  </m:ctrlPr>
-                                </m:fPr>
-                                <m:num>
-                                  <m:sSup>
-                                    <m:sSupPr>
-                                      <m:ctrlPr>
-                                        <a:rPr lang="en-GB" sz="1600" b="0" i="1" smtClean="0">
-                                          <a:latin typeface="Cambria Math" panose="02040503050406030204" pitchFamily="18" charset="0"/>
-                                        </a:rPr>
-                                      </m:ctrlPr>
-                                    </m:sSupPr>
-                                    <m:e>
-                                      <m:d>
-                                        <m:dPr>
-                                          <m:begChr m:val="|"/>
-                                          <m:endChr m:val="|"/>
-                                          <m:ctrlPr>
-                                            <a:rPr lang="en-GB" sz="1600" b="0" i="1" smtClean="0">
-                                              <a:latin typeface="Cambria Math" panose="02040503050406030204" pitchFamily="18" charset="0"/>
-                                            </a:rPr>
-                                          </m:ctrlPr>
-                                        </m:dPr>
-                                        <m:e>
-                                          <m:r>
-                                            <a:rPr lang="en-GB" sz="1600" b="0" i="1" smtClean="0">
-                                              <a:latin typeface="Cambria Math" panose="02040503050406030204" pitchFamily="18" charset="0"/>
-                                            </a:rPr>
-                                            <m:t>𝐶</m:t>
-                                          </m:r>
-                                          <m:d>
-                                            <m:dPr>
-                                              <m:ctrlPr>
-                                                <a:rPr lang="en-GB" sz="1600" b="0" i="1" smtClean="0">
-                                                  <a:latin typeface="Cambria Math" panose="02040503050406030204" pitchFamily="18" charset="0"/>
-                                                </a:rPr>
-                                              </m:ctrlPr>
-                                            </m:dPr>
-                                            <m:e>
-                                              <m:sSup>
-                                                <m:sSupPr>
-                                                  <m:ctrlPr>
-                                                    <a:rPr lang="en-GB" sz="1600" b="0" i="1" smtClean="0">
-                                                      <a:latin typeface="Cambria Math" panose="02040503050406030204" pitchFamily="18" charset="0"/>
-                                                    </a:rPr>
-                                                  </m:ctrlPr>
-                                                </m:sSupPr>
-                                                <m:e>
-                                                  <m:r>
-                                                    <a:rPr lang="en-GB" sz="1600" b="0" i="1" smtClean="0">
-                                                      <a:latin typeface="Cambria Math" panose="02040503050406030204" pitchFamily="18" charset="0"/>
-                                                    </a:rPr>
-                                                    <m:t>𝑒</m:t>
-                                                  </m:r>
-                                                </m:e>
-                                                <m:sup>
-                                                  <m:r>
-                                                    <a:rPr lang="en-GB" sz="1600" b="0" i="1" smtClean="0">
-                                                      <a:latin typeface="Cambria Math" panose="02040503050406030204" pitchFamily="18" charset="0"/>
-                                                    </a:rPr>
-                                                    <m:t>𝑗</m:t>
-                                                  </m:r>
-                                                  <m:r>
-                                                    <a:rPr lang="en-GB" sz="1600" b="0" i="1" smtClean="0">
-                                                      <a:latin typeface="Cambria Math" panose="02040503050406030204" pitchFamily="18" charset="0"/>
-                                                    </a:rPr>
-                                                    <m:t>𝜔</m:t>
-                                                  </m:r>
-                                                </m:sup>
-                                              </m:sSup>
-                                            </m:e>
-                                          </m:d>
-                                        </m:e>
-                                      </m:d>
-                                    </m:e>
-                                    <m:sup>
-                                      <m:r>
-                                        <a:rPr lang="en-GB" sz="1600" b="0" i="1" smtClean="0">
-                                          <a:latin typeface="Cambria Math" panose="02040503050406030204" pitchFamily="18" charset="0"/>
-                                        </a:rPr>
-                                        <m:t>2</m:t>
-                                      </m:r>
-                                    </m:sup>
-                                  </m:sSup>
-                                  <m:sSup>
-                                    <m:sSupPr>
-                                      <m:ctrlPr>
-                                        <a:rPr lang="en-GB" sz="1600" b="0" i="1" smtClean="0">
-                                          <a:latin typeface="Cambria Math" panose="02040503050406030204" pitchFamily="18" charset="0"/>
-                                        </a:rPr>
-                                      </m:ctrlPr>
-                                    </m:sSupPr>
-                                    <m:e>
-                                      <m:d>
-                                        <m:dPr>
-                                          <m:begChr m:val="|"/>
-                                          <m:endChr m:val="|"/>
-                                          <m:ctrlPr>
-                                            <a:rPr lang="en-GB" sz="1600" b="0" i="1" smtClean="0">
-                                              <a:latin typeface="Cambria Math" panose="02040503050406030204" pitchFamily="18" charset="0"/>
-                                            </a:rPr>
-                                          </m:ctrlPr>
-                                        </m:dPr>
-                                        <m:e>
-                                          <m:sSup>
-                                            <m:sSupPr>
-                                              <m:ctrlPr>
-                                                <a:rPr lang="en-GB" sz="1600" b="0" i="1" smtClean="0">
-                                                  <a:latin typeface="Cambria Math" panose="02040503050406030204" pitchFamily="18" charset="0"/>
-                                                </a:rPr>
-                                              </m:ctrlPr>
-                                            </m:sSupPr>
-                                            <m:e>
-                                              <m:r>
-                                                <a:rPr lang="en-GB" sz="1600" b="0" i="1" smtClean="0">
-                                                  <a:latin typeface="Cambria Math" panose="02040503050406030204" pitchFamily="18" charset="0"/>
-                                                </a:rPr>
-                                                <m:t>𝑆</m:t>
-                                              </m:r>
-                                            </m:e>
-                                            <m:sup>
-                                              <m:r>
-                                                <a:rPr lang="en-GB" sz="1600" b="0" i="1" smtClean="0">
-                                                  <a:latin typeface="Cambria Math" panose="02040503050406030204" pitchFamily="18" charset="0"/>
-                                                </a:rPr>
-                                                <m:t>0</m:t>
-                                              </m:r>
-                                            </m:sup>
-                                          </m:sSup>
-                                          <m:d>
-                                            <m:dPr>
-                                              <m:ctrlPr>
-                                                <a:rPr lang="en-GB" sz="1600" b="0" i="1" smtClean="0">
-                                                  <a:latin typeface="Cambria Math" panose="02040503050406030204" pitchFamily="18" charset="0"/>
-                                                </a:rPr>
-                                              </m:ctrlPr>
-                                            </m:dPr>
-                                            <m:e>
-                                              <m:sSup>
-                                                <m:sSupPr>
-                                                  <m:ctrlPr>
-                                                    <a:rPr lang="en-GB" sz="1600" i="1">
-                                                      <a:latin typeface="Cambria Math" panose="02040503050406030204" pitchFamily="18" charset="0"/>
-                                                    </a:rPr>
-                                                  </m:ctrlPr>
-                                                </m:sSupPr>
-                                                <m:e>
-                                                  <m:r>
-                                                    <a:rPr lang="en-GB" sz="1600" i="1">
-                                                      <a:latin typeface="Cambria Math" panose="02040503050406030204" pitchFamily="18" charset="0"/>
-                                                    </a:rPr>
-                                                    <m:t>𝑒</m:t>
-                                                  </m:r>
-                                                </m:e>
-                                                <m:sup>
-                                                  <m:r>
-                                                    <a:rPr lang="en-GB" sz="1600" i="1">
-                                                      <a:latin typeface="Cambria Math" panose="02040503050406030204" pitchFamily="18" charset="0"/>
-                                                    </a:rPr>
-                                                    <m:t>𝑗</m:t>
-                                                  </m:r>
-                                                  <m:r>
-                                                    <a:rPr lang="en-GB" sz="1600" i="1">
-                                                      <a:latin typeface="Cambria Math" panose="02040503050406030204" pitchFamily="18" charset="0"/>
-                                                    </a:rPr>
-                                                    <m:t>𝜔</m:t>
-                                                  </m:r>
-                                                </m:sup>
-                                              </m:sSup>
-                                              <m:r>
-                                                <a:rPr lang="en-GB" sz="1600" b="0" i="1" smtClean="0">
-                                                  <a:latin typeface="Cambria Math" panose="02040503050406030204" pitchFamily="18" charset="0"/>
-                                                </a:rPr>
-                                                <m:t>,</m:t>
-                                              </m:r>
-                                              <m:sSup>
-                                                <m:sSupPr>
-                                                  <m:ctrlPr>
-                                                    <a:rPr lang="en-GB" sz="1600" b="0" i="1" smtClean="0">
-                                                      <a:latin typeface="Cambria Math" panose="02040503050406030204" pitchFamily="18" charset="0"/>
-                                                    </a:rPr>
-                                                  </m:ctrlPr>
-                                                </m:sSupPr>
-                                                <m:e>
-                                                  <m:r>
-                                                    <a:rPr lang="en-GB" sz="1600" b="0" i="1" smtClean="0">
-                                                      <a:latin typeface="Cambria Math" panose="02040503050406030204" pitchFamily="18" charset="0"/>
-                                                    </a:rPr>
-                                                    <m:t>𝜃</m:t>
-                                                  </m:r>
-                                                </m:e>
-                                                <m:sup>
-                                                  <m:r>
-                                                    <a:rPr lang="en-GB" sz="1600" b="0" i="1" smtClean="0">
-                                                      <a:latin typeface="Cambria Math" panose="02040503050406030204" pitchFamily="18" charset="0"/>
-                                                    </a:rPr>
-                                                    <m:t>0</m:t>
-                                                  </m:r>
-                                                </m:sup>
-                                              </m:sSup>
-                                            </m:e>
-                                          </m:d>
-                                        </m:e>
-                                      </m:d>
-                                    </m:e>
-                                    <m:sup>
-                                      <m:r>
-                                        <a:rPr lang="en-GB" sz="1600" b="0" i="1" smtClean="0">
-                                          <a:latin typeface="Cambria Math" panose="02040503050406030204" pitchFamily="18" charset="0"/>
-                                        </a:rPr>
-                                        <m:t>2</m:t>
-                                      </m:r>
-                                    </m:sup>
-                                  </m:sSup>
-                                  <m:sSup>
-                                    <m:sSupPr>
-                                      <m:ctrlPr>
-                                        <a:rPr lang="en-GB" sz="1600" b="0" i="1" smtClean="0">
-                                          <a:latin typeface="Cambria Math" panose="02040503050406030204" pitchFamily="18" charset="0"/>
-                                        </a:rPr>
-                                      </m:ctrlPr>
-                                    </m:sSupPr>
-                                    <m:e>
-                                      <m:d>
-                                        <m:dPr>
-                                          <m:begChr m:val="|"/>
-                                          <m:endChr m:val="|"/>
-                                          <m:ctrlPr>
-                                            <a:rPr lang="en-GB" sz="1600" b="0" i="1" smtClean="0">
-                                              <a:latin typeface="Cambria Math" panose="02040503050406030204" pitchFamily="18" charset="0"/>
-                                            </a:rPr>
-                                          </m:ctrlPr>
-                                        </m:dPr>
-                                        <m:e>
-                                          <m:sSup>
-                                            <m:sSupPr>
-                                              <m:ctrlPr>
-                                                <a:rPr lang="en-GB" sz="1600" b="0" i="1" smtClean="0">
-                                                  <a:latin typeface="Cambria Math" panose="02040503050406030204" pitchFamily="18" charset="0"/>
-                                                </a:rPr>
-                                              </m:ctrlPr>
-                                            </m:sSupPr>
-                                            <m:e>
-                                              <m:r>
-                                                <a:rPr lang="en-GB" sz="1600" b="0" i="1" smtClean="0">
-                                                  <a:latin typeface="Cambria Math" panose="02040503050406030204" pitchFamily="18" charset="0"/>
-                                                </a:rPr>
-                                                <m:t>𝐺</m:t>
-                                              </m:r>
-                                            </m:e>
-                                            <m:sup>
-                                              <m:r>
-                                                <a:rPr lang="en-GB" sz="1600" b="0" i="1" smtClean="0">
-                                                  <a:latin typeface="Cambria Math" panose="02040503050406030204" pitchFamily="18" charset="0"/>
-                                                </a:rPr>
-                                                <m:t>0</m:t>
-                                              </m:r>
-                                            </m:sup>
-                                          </m:sSup>
-                                          <m:d>
-                                            <m:dPr>
-                                              <m:ctrlPr>
-                                                <a:rPr lang="en-GB" sz="1600" b="0" i="1" smtClean="0">
-                                                  <a:latin typeface="Cambria Math" panose="02040503050406030204" pitchFamily="18" charset="0"/>
-                                                </a:rPr>
-                                              </m:ctrlPr>
-                                            </m:dPr>
-                                            <m:e>
-                                              <m:sSup>
-                                                <m:sSupPr>
-                                                  <m:ctrlPr>
-                                                    <a:rPr lang="en-GB" sz="1600" i="1">
-                                                      <a:latin typeface="Cambria Math" panose="02040503050406030204" pitchFamily="18" charset="0"/>
-                                                    </a:rPr>
-                                                  </m:ctrlPr>
-                                                </m:sSupPr>
-                                                <m:e>
-                                                  <m:r>
-                                                    <a:rPr lang="en-GB" sz="1600" i="1">
-                                                      <a:latin typeface="Cambria Math" panose="02040503050406030204" pitchFamily="18" charset="0"/>
-                                                    </a:rPr>
-                                                    <m:t>𝑒</m:t>
-                                                  </m:r>
-                                                </m:e>
-                                                <m:sup>
-                                                  <m:r>
-                                                    <a:rPr lang="en-GB" sz="1600" i="1">
-                                                      <a:latin typeface="Cambria Math" panose="02040503050406030204" pitchFamily="18" charset="0"/>
-                                                    </a:rPr>
-                                                    <m:t>𝑗</m:t>
-                                                  </m:r>
-                                                  <m:r>
-                                                    <a:rPr lang="en-GB" sz="1600" i="1">
-                                                      <a:latin typeface="Cambria Math" panose="02040503050406030204" pitchFamily="18" charset="0"/>
-                                                    </a:rPr>
-                                                    <m:t>𝜔</m:t>
-                                                  </m:r>
-                                                </m:sup>
-                                              </m:sSup>
-                                              <m:r>
-                                                <a:rPr lang="en-GB" sz="1600" b="0" i="1" smtClean="0">
-                                                  <a:latin typeface="Cambria Math" panose="02040503050406030204" pitchFamily="18" charset="0"/>
-                                                </a:rPr>
-                                                <m:t>,</m:t>
-                                              </m:r>
-                                              <m:sSup>
-                                                <m:sSupPr>
-                                                  <m:ctrlPr>
-                                                    <a:rPr lang="en-GB" sz="1600" i="1">
-                                                      <a:latin typeface="Cambria Math" panose="02040503050406030204" pitchFamily="18" charset="0"/>
-                                                    </a:rPr>
-                                                  </m:ctrlPr>
-                                                </m:sSupPr>
-                                                <m:e>
-                                                  <m:r>
-                                                    <a:rPr lang="en-GB" sz="1600" i="1">
-                                                      <a:latin typeface="Cambria Math" panose="02040503050406030204" pitchFamily="18" charset="0"/>
-                                                    </a:rPr>
-                                                    <m:t>𝜃</m:t>
-                                                  </m:r>
-                                                </m:e>
-                                                <m:sup>
-                                                  <m:r>
-                                                    <a:rPr lang="en-GB" sz="1600" i="1">
-                                                      <a:latin typeface="Cambria Math" panose="02040503050406030204" pitchFamily="18" charset="0"/>
-                                                    </a:rPr>
-                                                    <m:t>0</m:t>
-                                                  </m:r>
-                                                </m:sup>
-                                              </m:sSup>
-                                            </m:e>
-                                          </m:d>
-                                          <m:r>
-                                            <a:rPr lang="en-GB" sz="1600" b="0" i="1" smtClean="0">
-                                              <a:latin typeface="Cambria Math" panose="02040503050406030204" pitchFamily="18" charset="0"/>
-                                            </a:rPr>
-                                            <m:t>−</m:t>
-                                          </m:r>
-                                          <m:r>
-                                            <a:rPr lang="en-GB" sz="1600" b="0" i="1" smtClean="0">
-                                              <a:latin typeface="Cambria Math" panose="02040503050406030204" pitchFamily="18" charset="0"/>
-                                            </a:rPr>
-                                            <m:t>𝐺</m:t>
-                                          </m:r>
-                                          <m:d>
-                                            <m:dPr>
-                                              <m:ctrlPr>
-                                                <a:rPr lang="en-GB" sz="1600" b="0" i="1" smtClean="0">
-                                                  <a:latin typeface="Cambria Math" panose="02040503050406030204" pitchFamily="18" charset="0"/>
-                                                </a:rPr>
-                                              </m:ctrlPr>
-                                            </m:dPr>
-                                            <m:e>
-                                              <m:sSup>
-                                                <m:sSupPr>
-                                                  <m:ctrlPr>
-                                                    <a:rPr lang="en-GB" sz="1600" i="1">
-                                                      <a:latin typeface="Cambria Math" panose="02040503050406030204" pitchFamily="18" charset="0"/>
-                                                    </a:rPr>
-                                                  </m:ctrlPr>
-                                                </m:sSupPr>
-                                                <m:e>
-                                                  <m:r>
-                                                    <a:rPr lang="en-GB" sz="1600" i="1">
-                                                      <a:latin typeface="Cambria Math" panose="02040503050406030204" pitchFamily="18" charset="0"/>
-                                                    </a:rPr>
-                                                    <m:t>𝑒</m:t>
-                                                  </m:r>
-                                                </m:e>
-                                                <m:sup>
-                                                  <m:r>
-                                                    <a:rPr lang="en-GB" sz="1600" i="1">
-                                                      <a:latin typeface="Cambria Math" panose="02040503050406030204" pitchFamily="18" charset="0"/>
-                                                    </a:rPr>
-                                                    <m:t>𝑗</m:t>
-                                                  </m:r>
-                                                  <m:r>
-                                                    <a:rPr lang="en-GB" sz="1600" i="1">
-                                                      <a:latin typeface="Cambria Math" panose="02040503050406030204" pitchFamily="18" charset="0"/>
-                                                    </a:rPr>
-                                                    <m:t>𝜔</m:t>
-                                                  </m:r>
-                                                </m:sup>
-                                              </m:sSup>
-                                              <m:r>
-                                                <a:rPr lang="en-GB" sz="1600" b="0" i="1" smtClean="0">
-                                                  <a:latin typeface="Cambria Math" panose="02040503050406030204" pitchFamily="18" charset="0"/>
-                                                </a:rPr>
-                                                <m:t>,</m:t>
-                                              </m:r>
-                                              <m:r>
-                                                <a:rPr lang="en-GB" sz="1600" b="0" i="1" smtClean="0">
-                                                  <a:latin typeface="Cambria Math" panose="02040503050406030204" pitchFamily="18" charset="0"/>
-                                                </a:rPr>
-                                                <m:t>𝜃</m:t>
-                                              </m:r>
-                                              <m:r>
-                                                <a:rPr lang="en-GB" sz="1600" i="1" smtClean="0">
-                                                  <a:latin typeface="Cambria Math" panose="02040503050406030204" pitchFamily="18" charset="0"/>
-                                                </a:rPr>
-                                                <m:t> </m:t>
-                                              </m:r>
-                                            </m:e>
-                                          </m:d>
-                                        </m:e>
-                                      </m:d>
-                                    </m:e>
-                                    <m:sup>
-                                      <m:r>
-                                        <a:rPr lang="en-GB" sz="1600" b="0" i="1" smtClean="0">
-                                          <a:latin typeface="Cambria Math" panose="02040503050406030204" pitchFamily="18" charset="0"/>
-                                        </a:rPr>
-                                        <m:t>2</m:t>
-                                      </m:r>
-                                    </m:sup>
-                                  </m:sSup>
-                                </m:num>
-                                <m:den>
-                                  <m:sSup>
-                                    <m:sSupPr>
-                                      <m:ctrlPr>
-                                        <a:rPr lang="en-GB" sz="1600" b="0" i="1" smtClean="0">
-                                          <a:latin typeface="Cambria Math" panose="02040503050406030204" pitchFamily="18" charset="0"/>
-                                        </a:rPr>
-                                      </m:ctrlPr>
-                                    </m:sSupPr>
-                                    <m:e>
-                                      <m:d>
-                                        <m:dPr>
-                                          <m:begChr m:val="|"/>
-                                          <m:endChr m:val="|"/>
-                                          <m:ctrlPr>
-                                            <a:rPr lang="en-GB" sz="1600" b="0" i="1" smtClean="0">
-                                              <a:latin typeface="Cambria Math" panose="02040503050406030204" pitchFamily="18" charset="0"/>
-                                            </a:rPr>
-                                          </m:ctrlPr>
-                                        </m:dPr>
-                                        <m:e>
-                                          <m:r>
-                                            <a:rPr lang="en-GB" sz="1600" b="0" i="1" smtClean="0">
-                                              <a:latin typeface="Cambria Math" panose="02040503050406030204" pitchFamily="18" charset="0"/>
-                                            </a:rPr>
-                                            <m:t>𝐻</m:t>
-                                          </m:r>
-                                          <m:d>
-                                            <m:dPr>
-                                              <m:ctrlPr>
-                                                <a:rPr lang="en-GB" sz="1600" b="0" i="1" smtClean="0">
-                                                  <a:latin typeface="Cambria Math" panose="02040503050406030204" pitchFamily="18" charset="0"/>
-                                                </a:rPr>
-                                              </m:ctrlPr>
-                                            </m:dPr>
-                                            <m:e>
-                                              <m:sSup>
-                                                <m:sSupPr>
-                                                  <m:ctrlPr>
-                                                    <a:rPr lang="en-GB" sz="1600" i="1">
-                                                      <a:latin typeface="Cambria Math" panose="02040503050406030204" pitchFamily="18" charset="0"/>
-                                                    </a:rPr>
-                                                  </m:ctrlPr>
-                                                </m:sSupPr>
-                                                <m:e>
-                                                  <m:r>
-                                                    <a:rPr lang="en-GB" sz="1600" i="1">
-                                                      <a:latin typeface="Cambria Math" panose="02040503050406030204" pitchFamily="18" charset="0"/>
-                                                    </a:rPr>
-                                                    <m:t>𝑒</m:t>
-                                                  </m:r>
-                                                </m:e>
-                                                <m:sup>
-                                                  <m:r>
-                                                    <a:rPr lang="en-GB" sz="1600" i="1">
-                                                      <a:latin typeface="Cambria Math" panose="02040503050406030204" pitchFamily="18" charset="0"/>
-                                                    </a:rPr>
-                                                    <m:t>𝑗</m:t>
-                                                  </m:r>
-                                                  <m:r>
-                                                    <a:rPr lang="en-GB" sz="1600" i="1">
-                                                      <a:latin typeface="Cambria Math" panose="02040503050406030204" pitchFamily="18" charset="0"/>
-                                                    </a:rPr>
-                                                    <m:t>𝜔</m:t>
-                                                  </m:r>
-                                                </m:sup>
-                                              </m:sSup>
-                                              <m:r>
-                                                <a:rPr lang="en-GB" sz="1600" b="0" i="1" smtClean="0">
-                                                  <a:latin typeface="Cambria Math" panose="02040503050406030204" pitchFamily="18" charset="0"/>
-                                                </a:rPr>
-                                                <m:t>,</m:t>
-                                              </m:r>
-                                              <m:r>
-                                                <a:rPr lang="en-GB" sz="1600" b="0" i="1" smtClean="0">
-                                                  <a:latin typeface="Cambria Math" panose="02040503050406030204" pitchFamily="18" charset="0"/>
-                                                </a:rPr>
-                                                <m:t>𝜃</m:t>
-                                              </m:r>
-                                            </m:e>
-                                          </m:d>
-                                        </m:e>
-                                      </m:d>
-                                    </m:e>
-                                    <m:sup>
-                                      <m:r>
-                                        <a:rPr lang="en-GB" sz="1600" b="0" i="1" smtClean="0">
-                                          <a:latin typeface="Cambria Math" panose="02040503050406030204" pitchFamily="18" charset="0"/>
-                                        </a:rPr>
-                                        <m:t>2</m:t>
-                                      </m:r>
-                                    </m:sup>
-                                  </m:sSup>
-                                </m:den>
-                              </m:f>
-                              <m:sSub>
-                                <m:sSubPr>
-                                  <m:ctrlPr>
-                                    <a:rPr lang="en-GB" sz="1600" b="0" i="1" smtClean="0">
-                                      <a:latin typeface="Cambria Math" panose="02040503050406030204" pitchFamily="18" charset="0"/>
-                                    </a:rPr>
-                                  </m:ctrlPr>
-                                </m:sSubPr>
-                                <m:e>
-                                  <m:r>
-                                    <a:rPr lang="en-GB" sz="1600" b="0" i="1" smtClean="0">
-                                      <a:latin typeface="Cambria Math" panose="02040503050406030204" pitchFamily="18" charset="0"/>
-                                    </a:rPr>
-                                    <m:t>𝜙</m:t>
-                                  </m:r>
-                                </m:e>
-                                <m:sub>
-                                  <m:r>
-                                    <a:rPr lang="en-GB" sz="1600" b="0" i="1" smtClean="0">
-                                      <a:latin typeface="Cambria Math" panose="02040503050406030204" pitchFamily="18" charset="0"/>
-                                    </a:rPr>
-                                    <m:t>𝑟</m:t>
-                                  </m:r>
-                                </m:sub>
-                              </m:sSub>
-                              <m:r>
-                                <a:rPr lang="en-GB" sz="1600" b="0" i="1" smtClean="0">
-                                  <a:latin typeface="Cambria Math" panose="02040503050406030204" pitchFamily="18" charset="0"/>
-                                </a:rPr>
-                                <m:t>𝑑</m:t>
-                              </m:r>
-                              <m:r>
-                                <a:rPr lang="en-GB" sz="1600" b="0" i="1" smtClean="0">
-                                  <a:latin typeface="Cambria Math" panose="02040503050406030204" pitchFamily="18" charset="0"/>
-                                </a:rPr>
-                                <m:t>𝜔</m:t>
-                              </m:r>
-                              <m:r>
-                                <a:rPr lang="en-GB" sz="1600" b="0" i="1" smtClean="0">
-                                  <a:latin typeface="Cambria Math" panose="02040503050406030204" pitchFamily="18" charset="0"/>
-                                </a:rPr>
-                                <m:t>+</m:t>
-                              </m:r>
-                              <m:nary>
-                                <m:naryPr>
-                                  <m:ctrlPr>
-                                    <a:rPr lang="en-GB" sz="1600" i="1" smtClean="0">
-                                      <a:latin typeface="Cambria Math" panose="02040503050406030204" pitchFamily="18" charset="0"/>
-                                    </a:rPr>
-                                  </m:ctrlPr>
-                                </m:naryPr>
-                                <m:sub>
-                                  <m:r>
-                                    <m:rPr>
-                                      <m:brk m:alnAt="23"/>
-                                    </m:rPr>
-                                    <a:rPr lang="en-GB" sz="1600" i="1">
-                                      <a:latin typeface="Cambria Math" panose="02040503050406030204" pitchFamily="18" charset="0"/>
-                                    </a:rPr>
-                                    <m:t>−</m:t>
-                                  </m:r>
-                                  <m:r>
-                                    <a:rPr lang="en-GB" sz="1600" i="1">
-                                      <a:latin typeface="Cambria Math" panose="02040503050406030204" pitchFamily="18" charset="0"/>
-                                    </a:rPr>
-                                    <m:t>𝜋</m:t>
-                                  </m:r>
-                                </m:sub>
-                                <m:sup>
-                                  <m:r>
-                                    <a:rPr lang="en-GB" sz="1600" i="1">
-                                      <a:latin typeface="Cambria Math" panose="02040503050406030204" pitchFamily="18" charset="0"/>
-                                    </a:rPr>
-                                    <m:t>𝜋</m:t>
-                                  </m:r>
-                                </m:sup>
-                                <m:e>
-                                  <m:f>
-                                    <m:fPr>
-                                      <m:ctrlPr>
-                                        <a:rPr lang="en-GB" sz="1600" i="1">
-                                          <a:latin typeface="Cambria Math" panose="02040503050406030204" pitchFamily="18" charset="0"/>
-                                        </a:rPr>
-                                      </m:ctrlPr>
-                                    </m:fPr>
-                                    <m:num>
-                                      <m:sSup>
-                                        <m:sSupPr>
-                                          <m:ctrlPr>
-                                            <a:rPr lang="en-GB" sz="1600" i="1">
-                                              <a:latin typeface="Cambria Math" panose="02040503050406030204" pitchFamily="18" charset="0"/>
-                                            </a:rPr>
-                                          </m:ctrlPr>
-                                        </m:sSupPr>
-                                        <m:e>
-                                          <m:d>
-                                            <m:dPr>
-                                              <m:begChr m:val="|"/>
-                                              <m:endChr m:val="|"/>
-                                              <m:ctrlPr>
-                                                <a:rPr lang="en-GB" sz="1600" i="1">
-                                                  <a:latin typeface="Cambria Math" panose="02040503050406030204" pitchFamily="18" charset="0"/>
-                                                </a:rPr>
-                                              </m:ctrlPr>
-                                            </m:dPr>
-                                            <m:e>
-                                              <m:sSup>
-                                                <m:sSupPr>
-                                                  <m:ctrlPr>
-                                                    <a:rPr lang="en-GB" sz="1600" b="0" i="1" smtClean="0">
-                                                      <a:latin typeface="Cambria Math" panose="02040503050406030204" pitchFamily="18" charset="0"/>
-                                                    </a:rPr>
-                                                  </m:ctrlPr>
-                                                </m:sSupPr>
-                                                <m:e>
-                                                  <m:r>
-                                                    <a:rPr lang="en-GB" sz="1600" b="0" i="1" smtClean="0">
-                                                      <a:latin typeface="Cambria Math" panose="02040503050406030204" pitchFamily="18" charset="0"/>
-                                                    </a:rPr>
-                                                    <m:t>𝐻</m:t>
-                                                  </m:r>
-                                                </m:e>
-                                                <m:sup>
-                                                  <m:r>
-                                                    <a:rPr lang="en-GB" sz="1600" b="0" i="1" smtClean="0">
-                                                      <a:latin typeface="Cambria Math" panose="02040503050406030204" pitchFamily="18" charset="0"/>
-                                                    </a:rPr>
-                                                    <m:t>0</m:t>
-                                                  </m:r>
-                                                </m:sup>
-                                              </m:sSup>
-                                              <m:d>
-                                                <m:dPr>
-                                                  <m:ctrlPr>
-                                                    <a:rPr lang="en-GB" sz="1600" b="0" i="1" smtClean="0">
-                                                      <a:latin typeface="Cambria Math" panose="02040503050406030204" pitchFamily="18" charset="0"/>
-                                                    </a:rPr>
-                                                  </m:ctrlPr>
-                                                </m:dPr>
-                                                <m:e>
-                                                  <m:sSup>
-                                                    <m:sSupPr>
-                                                      <m:ctrlPr>
-                                                        <a:rPr lang="en-GB" sz="1600" i="1">
-                                                          <a:latin typeface="Cambria Math" panose="02040503050406030204" pitchFamily="18" charset="0"/>
-                                                        </a:rPr>
-                                                      </m:ctrlPr>
-                                                    </m:sSupPr>
-                                                    <m:e>
-                                                      <m:r>
-                                                        <a:rPr lang="en-GB" sz="1600" i="1">
-                                                          <a:latin typeface="Cambria Math" panose="02040503050406030204" pitchFamily="18" charset="0"/>
-                                                        </a:rPr>
-                                                        <m:t>𝑒</m:t>
-                                                      </m:r>
-                                                    </m:e>
-                                                    <m:sup>
-                                                      <m:r>
-                                                        <a:rPr lang="en-GB" sz="1600" i="1">
-                                                          <a:latin typeface="Cambria Math" panose="02040503050406030204" pitchFamily="18" charset="0"/>
-                                                        </a:rPr>
-                                                        <m:t>𝑗</m:t>
-                                                      </m:r>
-                                                      <m:r>
-                                                        <a:rPr lang="en-GB" sz="1600" i="1">
-                                                          <a:latin typeface="Cambria Math" panose="02040503050406030204" pitchFamily="18" charset="0"/>
-                                                        </a:rPr>
-                                                        <m:t>𝜔</m:t>
-                                                      </m:r>
-                                                    </m:sup>
-                                                  </m:sSup>
-                                                  <m:r>
-                                                    <a:rPr lang="en-GB" sz="1600" b="0" i="1" smtClean="0">
-                                                      <a:latin typeface="Cambria Math" panose="02040503050406030204" pitchFamily="18" charset="0"/>
-                                                    </a:rPr>
-                                                    <m:t>,</m:t>
-                                                  </m:r>
-                                                  <m:sSup>
-                                                    <m:sSupPr>
-                                                      <m:ctrlPr>
-                                                        <a:rPr lang="en-GB" sz="1600" b="0" i="1" smtClean="0">
-                                                          <a:latin typeface="Cambria Math" panose="02040503050406030204" pitchFamily="18" charset="0"/>
-                                                        </a:rPr>
-                                                      </m:ctrlPr>
-                                                    </m:sSupPr>
-                                                    <m:e>
-                                                      <m:r>
-                                                        <a:rPr lang="en-GB" sz="1600" b="0" i="1" smtClean="0">
-                                                          <a:latin typeface="Cambria Math" panose="02040503050406030204" pitchFamily="18" charset="0"/>
-                                                        </a:rPr>
-                                                        <m:t>𝜃</m:t>
-                                                      </m:r>
-                                                    </m:e>
-                                                    <m:sup>
-                                                      <m:r>
-                                                        <a:rPr lang="en-GB" sz="1600" b="0" i="1" smtClean="0">
-                                                          <a:latin typeface="Cambria Math" panose="02040503050406030204" pitchFamily="18" charset="0"/>
-                                                        </a:rPr>
-                                                        <m:t>0</m:t>
-                                                      </m:r>
-                                                    </m:sup>
-                                                  </m:sSup>
-                                                </m:e>
-                                              </m:d>
-                                            </m:e>
-                                          </m:d>
-                                        </m:e>
-                                        <m:sup>
-                                          <m:r>
-                                            <a:rPr lang="en-GB" sz="1600" i="1">
-                                              <a:latin typeface="Cambria Math" panose="02040503050406030204" pitchFamily="18" charset="0"/>
-                                            </a:rPr>
-                                            <m:t>2</m:t>
-                                          </m:r>
-                                        </m:sup>
-                                      </m:sSup>
-                                      <m:sSup>
-                                        <m:sSupPr>
-                                          <m:ctrlPr>
-                                            <a:rPr lang="en-GB" sz="1600" i="1">
-                                              <a:latin typeface="Cambria Math" panose="02040503050406030204" pitchFamily="18" charset="0"/>
-                                            </a:rPr>
-                                          </m:ctrlPr>
-                                        </m:sSupPr>
-                                        <m:e>
-                                          <m:d>
-                                            <m:dPr>
-                                              <m:begChr m:val="|"/>
-                                              <m:endChr m:val="|"/>
-                                              <m:ctrlPr>
-                                                <a:rPr lang="en-GB" sz="1600" i="1">
-                                                  <a:latin typeface="Cambria Math" panose="02040503050406030204" pitchFamily="18" charset="0"/>
-                                                </a:rPr>
-                                              </m:ctrlPr>
-                                            </m:dPr>
-                                            <m:e>
-                                              <m:sSup>
-                                                <m:sSupPr>
-                                                  <m:ctrlPr>
-                                                    <a:rPr lang="en-GB" sz="1600" i="1">
-                                                      <a:latin typeface="Cambria Math" panose="02040503050406030204" pitchFamily="18" charset="0"/>
-                                                    </a:rPr>
-                                                  </m:ctrlPr>
-                                                </m:sSupPr>
-                                                <m:e>
-                                                  <m:r>
-                                                    <a:rPr lang="en-GB" sz="1600" i="1">
-                                                      <a:latin typeface="Cambria Math" panose="02040503050406030204" pitchFamily="18" charset="0"/>
-                                                    </a:rPr>
-                                                    <m:t>𝑆</m:t>
-                                                  </m:r>
-                                                </m:e>
-                                                <m:sup>
-                                                  <m:r>
-                                                    <a:rPr lang="en-GB" sz="1600" i="1">
-                                                      <a:latin typeface="Cambria Math" panose="02040503050406030204" pitchFamily="18" charset="0"/>
-                                                    </a:rPr>
-                                                    <m:t>0</m:t>
-                                                  </m:r>
-                                                </m:sup>
-                                              </m:sSup>
-                                              <m:d>
-                                                <m:dPr>
-                                                  <m:ctrlPr>
-                                                    <a:rPr lang="en-GB" sz="1600" i="1">
-                                                      <a:latin typeface="Cambria Math" panose="02040503050406030204" pitchFamily="18" charset="0"/>
-                                                    </a:rPr>
-                                                  </m:ctrlPr>
-                                                </m:dPr>
-                                                <m:e>
-                                                  <m:sSup>
-                                                    <m:sSupPr>
-                                                      <m:ctrlPr>
-                                                        <a:rPr lang="en-GB" sz="1600" i="1">
-                                                          <a:latin typeface="Cambria Math" panose="02040503050406030204" pitchFamily="18" charset="0"/>
-                                                        </a:rPr>
-                                                      </m:ctrlPr>
-                                                    </m:sSupPr>
-                                                    <m:e>
-                                                      <m:r>
-                                                        <a:rPr lang="en-GB" sz="1600" i="1">
-                                                          <a:latin typeface="Cambria Math" panose="02040503050406030204" pitchFamily="18" charset="0"/>
-                                                        </a:rPr>
-                                                        <m:t>𝑒</m:t>
-                                                      </m:r>
-                                                    </m:e>
-                                                    <m:sup>
-                                                      <m:r>
-                                                        <a:rPr lang="en-GB" sz="1600" i="1">
-                                                          <a:latin typeface="Cambria Math" panose="02040503050406030204" pitchFamily="18" charset="0"/>
-                                                        </a:rPr>
-                                                        <m:t>𝑗</m:t>
-                                                      </m:r>
-                                                      <m:r>
-                                                        <a:rPr lang="en-GB" sz="1600" i="1">
-                                                          <a:latin typeface="Cambria Math" panose="02040503050406030204" pitchFamily="18" charset="0"/>
-                                                        </a:rPr>
-                                                        <m:t>𝜔</m:t>
-                                                      </m:r>
-                                                    </m:sup>
-                                                  </m:sSup>
-                                                  <m:r>
-                                                    <a:rPr lang="en-GB" sz="1600" i="1">
-                                                      <a:latin typeface="Cambria Math" panose="02040503050406030204" pitchFamily="18" charset="0"/>
-                                                    </a:rPr>
-                                                    <m:t>,</m:t>
-                                                  </m:r>
-                                                  <m:sSup>
-                                                    <m:sSupPr>
-                                                      <m:ctrlPr>
-                                                        <a:rPr lang="en-GB" sz="1600" i="1">
-                                                          <a:latin typeface="Cambria Math" panose="02040503050406030204" pitchFamily="18" charset="0"/>
-                                                        </a:rPr>
-                                                      </m:ctrlPr>
-                                                    </m:sSupPr>
-                                                    <m:e>
-                                                      <m:r>
-                                                        <a:rPr lang="en-GB" sz="1600" i="1">
-                                                          <a:latin typeface="Cambria Math" panose="02040503050406030204" pitchFamily="18" charset="0"/>
-                                                        </a:rPr>
-                                                        <m:t>𝜃</m:t>
-                                                      </m:r>
-                                                    </m:e>
-                                                    <m:sup>
-                                                      <m:r>
-                                                        <a:rPr lang="en-GB" sz="1600" i="1">
-                                                          <a:latin typeface="Cambria Math" panose="02040503050406030204" pitchFamily="18" charset="0"/>
-                                                        </a:rPr>
-                                                        <m:t>0</m:t>
-                                                      </m:r>
-                                                    </m:sup>
-                                                  </m:sSup>
-                                                </m:e>
-                                              </m:d>
-                                            </m:e>
-                                          </m:d>
-                                        </m:e>
-                                        <m:sup>
-                                          <m:r>
-                                            <a:rPr lang="en-GB" sz="1600" i="1">
-                                              <a:latin typeface="Cambria Math" panose="02040503050406030204" pitchFamily="18" charset="0"/>
-                                            </a:rPr>
-                                            <m:t>2</m:t>
-                                          </m:r>
-                                        </m:sup>
-                                      </m:sSup>
-                                    </m:num>
-                                    <m:den>
-                                      <m:sSup>
-                                        <m:sSupPr>
-                                          <m:ctrlPr>
-                                            <a:rPr lang="en-GB" sz="1600" i="1">
-                                              <a:latin typeface="Cambria Math" panose="02040503050406030204" pitchFamily="18" charset="0"/>
-                                            </a:rPr>
-                                          </m:ctrlPr>
-                                        </m:sSupPr>
-                                        <m:e>
-                                          <m:d>
-                                            <m:dPr>
-                                              <m:begChr m:val="|"/>
-                                              <m:endChr m:val="|"/>
-                                              <m:ctrlPr>
-                                                <a:rPr lang="en-GB" sz="1600" i="1">
-                                                  <a:latin typeface="Cambria Math" panose="02040503050406030204" pitchFamily="18" charset="0"/>
-                                                </a:rPr>
-                                              </m:ctrlPr>
-                                            </m:dPr>
-                                            <m:e>
-                                              <m:r>
-                                                <a:rPr lang="en-GB" sz="1600" i="1">
-                                                  <a:latin typeface="Cambria Math" panose="02040503050406030204" pitchFamily="18" charset="0"/>
-                                                </a:rPr>
-                                                <m:t>𝐻</m:t>
-                                              </m:r>
-                                              <m:d>
-                                                <m:dPr>
-                                                  <m:ctrlPr>
-                                                    <a:rPr lang="en-GB" sz="1600" i="1">
-                                                      <a:latin typeface="Cambria Math" panose="02040503050406030204" pitchFamily="18" charset="0"/>
-                                                    </a:rPr>
-                                                  </m:ctrlPr>
-                                                </m:dPr>
-                                                <m:e>
-                                                  <m:sSup>
-                                                    <m:sSupPr>
-                                                      <m:ctrlPr>
-                                                        <a:rPr lang="en-GB" sz="1600" i="1">
-                                                          <a:latin typeface="Cambria Math" panose="02040503050406030204" pitchFamily="18" charset="0"/>
-                                                        </a:rPr>
-                                                      </m:ctrlPr>
-                                                    </m:sSupPr>
-                                                    <m:e>
-                                                      <m:r>
-                                                        <a:rPr lang="en-GB" sz="1600" i="1">
-                                                          <a:latin typeface="Cambria Math" panose="02040503050406030204" pitchFamily="18" charset="0"/>
-                                                        </a:rPr>
-                                                        <m:t>𝑒</m:t>
-                                                      </m:r>
-                                                    </m:e>
-                                                    <m:sup>
-                                                      <m:r>
-                                                        <a:rPr lang="en-GB" sz="1600" i="1">
-                                                          <a:latin typeface="Cambria Math" panose="02040503050406030204" pitchFamily="18" charset="0"/>
-                                                        </a:rPr>
-                                                        <m:t>𝑗</m:t>
-                                                      </m:r>
-                                                      <m:r>
-                                                        <a:rPr lang="en-GB" sz="1600" i="1">
-                                                          <a:latin typeface="Cambria Math" panose="02040503050406030204" pitchFamily="18" charset="0"/>
-                                                        </a:rPr>
-                                                        <m:t>𝜔</m:t>
-                                                      </m:r>
-                                                    </m:sup>
-                                                  </m:sSup>
-                                                  <m:r>
-                                                    <a:rPr lang="en-GB" sz="1600" i="1">
-                                                      <a:latin typeface="Cambria Math" panose="02040503050406030204" pitchFamily="18" charset="0"/>
-                                                    </a:rPr>
-                                                    <m:t>,</m:t>
-                                                  </m:r>
-                                                  <m:r>
-                                                    <a:rPr lang="en-GB" sz="1600" i="1">
-                                                      <a:latin typeface="Cambria Math" panose="02040503050406030204" pitchFamily="18" charset="0"/>
-                                                    </a:rPr>
-                                                    <m:t>𝜃</m:t>
-                                                  </m:r>
-                                                </m:e>
-                                              </m:d>
-                                            </m:e>
-                                          </m:d>
-                                        </m:e>
-                                        <m:sup>
-                                          <m:r>
-                                            <a:rPr lang="en-GB" sz="1600" i="1">
-                                              <a:latin typeface="Cambria Math" panose="02040503050406030204" pitchFamily="18" charset="0"/>
-                                            </a:rPr>
-                                            <m:t>2</m:t>
-                                          </m:r>
-                                        </m:sup>
-                                      </m:sSup>
-                                      <m:sSup>
-                                        <m:sSupPr>
-                                          <m:ctrlPr>
-                                            <a:rPr lang="en-GB" sz="1600" b="0" i="1" smtClean="0">
-                                              <a:latin typeface="Cambria Math" panose="02040503050406030204" pitchFamily="18" charset="0"/>
-                                            </a:rPr>
-                                          </m:ctrlPr>
-                                        </m:sSupPr>
-                                        <m:e>
-                                          <m:d>
-                                            <m:dPr>
-                                              <m:begChr m:val="|"/>
-                                              <m:endChr m:val="|"/>
-                                              <m:ctrlPr>
-                                                <a:rPr lang="en-GB" sz="1600" b="0" i="1" smtClean="0">
-                                                  <a:latin typeface="Cambria Math" panose="02040503050406030204" pitchFamily="18" charset="0"/>
-                                                </a:rPr>
-                                              </m:ctrlPr>
-                                            </m:dPr>
-                                            <m:e>
-                                              <m:r>
-                                                <a:rPr lang="en-GB" sz="1600" b="0" i="1" smtClean="0">
-                                                  <a:latin typeface="Cambria Math" panose="02040503050406030204" pitchFamily="18" charset="0"/>
-                                                </a:rPr>
-                                                <m:t>𝑆</m:t>
-                                              </m:r>
-                                              <m:d>
-                                                <m:dPr>
-                                                  <m:ctrlPr>
-                                                    <a:rPr lang="en-GB" sz="1600" b="0" i="1" smtClean="0">
-                                                      <a:latin typeface="Cambria Math" panose="02040503050406030204" pitchFamily="18" charset="0"/>
-                                                    </a:rPr>
-                                                  </m:ctrlPr>
-                                                </m:dPr>
-                                                <m:e>
-                                                  <m:sSup>
-                                                    <m:sSupPr>
-                                                      <m:ctrlPr>
-                                                        <a:rPr lang="en-GB" sz="1600" b="0" i="1" smtClean="0">
-                                                          <a:latin typeface="Cambria Math" panose="02040503050406030204" pitchFamily="18" charset="0"/>
-                                                        </a:rPr>
-                                                      </m:ctrlPr>
-                                                    </m:sSupPr>
-                                                    <m:e>
-                                                      <m:r>
-                                                        <a:rPr lang="en-GB" sz="1600" b="0" i="1" smtClean="0">
-                                                          <a:latin typeface="Cambria Math" panose="02040503050406030204" pitchFamily="18" charset="0"/>
-                                                        </a:rPr>
-                                                        <m:t>𝑒</m:t>
-                                                      </m:r>
-                                                    </m:e>
-                                                    <m:sup>
-                                                      <m:r>
-                                                        <a:rPr lang="en-GB" sz="1600" b="0" i="1" smtClean="0">
-                                                          <a:latin typeface="Cambria Math" panose="02040503050406030204" pitchFamily="18" charset="0"/>
-                                                        </a:rPr>
-                                                        <m:t>𝑗</m:t>
-                                                      </m:r>
-                                                      <m:r>
-                                                        <a:rPr lang="en-GB" sz="1600" b="0" i="1" smtClean="0">
-                                                          <a:latin typeface="Cambria Math" panose="02040503050406030204" pitchFamily="18" charset="0"/>
-                                                        </a:rPr>
-                                                        <m:t>𝜔</m:t>
-                                                      </m:r>
-                                                    </m:sup>
-                                                  </m:sSup>
-                                                  <m:r>
-                                                    <a:rPr lang="en-GB" sz="1600" b="0" i="1" smtClean="0">
-                                                      <a:latin typeface="Cambria Math" panose="02040503050406030204" pitchFamily="18" charset="0"/>
-                                                    </a:rPr>
-                                                    <m:t>,</m:t>
-                                                  </m:r>
-                                                  <m:r>
-                                                    <a:rPr lang="en-GB" sz="1600" b="0" i="1" smtClean="0">
-                                                      <a:latin typeface="Cambria Math" panose="02040503050406030204" pitchFamily="18" charset="0"/>
-                                                    </a:rPr>
-                                                    <m:t>𝜃</m:t>
-                                                  </m:r>
-                                                </m:e>
-                                              </m:d>
-                                            </m:e>
-                                          </m:d>
-                                        </m:e>
-                                        <m:sup>
-                                          <m:r>
-                                            <a:rPr lang="en-GB" sz="1600" b="0" i="1" smtClean="0">
-                                              <a:latin typeface="Cambria Math" panose="02040503050406030204" pitchFamily="18" charset="0"/>
-                                            </a:rPr>
-                                            <m:t>2</m:t>
-                                          </m:r>
-                                        </m:sup>
-                                      </m:sSup>
-                                    </m:den>
-                                  </m:f>
-                                  <m:sSub>
-                                    <m:sSubPr>
-                                      <m:ctrlPr>
-                                        <a:rPr lang="en-GB" sz="1600" i="1">
-                                          <a:latin typeface="Cambria Math" panose="02040503050406030204" pitchFamily="18" charset="0"/>
-                                        </a:rPr>
-                                      </m:ctrlPr>
-                                    </m:sSubPr>
-                                    <m:e>
-                                      <m:r>
-                                        <a:rPr lang="en-GB" sz="1600" i="1">
-                                          <a:latin typeface="Cambria Math" panose="02040503050406030204" pitchFamily="18" charset="0"/>
-                                        </a:rPr>
-                                        <m:t>𝜙</m:t>
-                                      </m:r>
-                                    </m:e>
-                                    <m:sub>
-                                      <m:r>
-                                        <a:rPr lang="en-GB" sz="1600" b="0" i="1" smtClean="0">
-                                          <a:latin typeface="Cambria Math" panose="02040503050406030204" pitchFamily="18" charset="0"/>
-                                        </a:rPr>
-                                        <m:t>𝑒</m:t>
-                                      </m:r>
-                                    </m:sub>
-                                  </m:sSub>
-                                  <m:r>
-                                    <a:rPr lang="en-GB" sz="1600" i="1">
-                                      <a:latin typeface="Cambria Math" panose="02040503050406030204" pitchFamily="18" charset="0"/>
-                                    </a:rPr>
-                                    <m:t>𝑑</m:t>
-                                  </m:r>
-                                  <m:r>
-                                    <a:rPr lang="en-GB" sz="1600" i="1">
-                                      <a:latin typeface="Cambria Math" panose="02040503050406030204" pitchFamily="18" charset="0"/>
-                                    </a:rPr>
-                                    <m:t>𝜔</m:t>
-                                  </m:r>
-                                  <m:r>
-                                    <a:rPr lang="en-GB" sz="1600" b="0" i="1" smtClean="0">
-                                      <a:latin typeface="Cambria Math" panose="02040503050406030204" pitchFamily="18" charset="0"/>
-                                    </a:rPr>
-                                    <m:t>  </m:t>
-                                  </m:r>
-                                </m:e>
-                              </m:nary>
-                              <m:r>
-                                <a:rPr lang="en-GB" sz="1600" b="0" i="1" smtClean="0">
-                                  <a:latin typeface="Cambria Math" panose="02040503050406030204" pitchFamily="18" charset="0"/>
-                                </a:rPr>
-                                <m:t> </m:t>
-                              </m:r>
-                            </m:e>
-                          </m:nary>
-                        </m:e>
-                      </m:d>
-                    </m:oMath>
-                  </m:oMathPara>
-                </a14:m>
                 <a:endParaRPr lang="en-GB" dirty="0" smtClean="0"/>
-              </a:p>
-              <a:p>
-                <a:endParaRPr lang="en-GB" dirty="0"/>
-              </a:p>
-              <a:p>
-                <a:pPr/>
-                <a14:m>
-                  <m:oMathPara xmlns:m="http://schemas.openxmlformats.org/officeDocument/2006/math">
-                    <m:oMathParaPr>
-                      <m:jc m:val="left"/>
-                    </m:oMathParaPr>
-                    <m:oMath xmlns:m="http://schemas.openxmlformats.org/officeDocument/2006/math">
-                      <m:sSub>
-                        <m:sSubPr>
-                          <m:ctrlPr>
-                            <a:rPr lang="en-GB" b="0" i="1" smtClean="0">
-                              <a:latin typeface="Cambria Math" panose="02040503050406030204" pitchFamily="18" charset="0"/>
-                            </a:rPr>
-                          </m:ctrlPr>
-                        </m:sSubPr>
-                        <m:e>
-                          <m:r>
-                            <a:rPr lang="en-GB" b="0" i="1" smtClean="0">
-                              <a:latin typeface="Cambria Math" panose="02040503050406030204" pitchFamily="18" charset="0"/>
-                            </a:rPr>
-                            <m:t>𝜙</m:t>
-                          </m:r>
-                        </m:e>
-                        <m:sub>
-                          <m:r>
-                            <a:rPr lang="en-GB" b="0" i="1" smtClean="0">
-                              <a:latin typeface="Cambria Math" panose="02040503050406030204" pitchFamily="18" charset="0"/>
-                            </a:rPr>
-                            <m:t>𝑒</m:t>
-                          </m:r>
-                        </m:sub>
-                      </m:sSub>
-                      <m:r>
-                        <a:rPr lang="en-GB" b="0" i="1" smtClean="0">
-                          <a:latin typeface="Cambria Math" panose="02040503050406030204" pitchFamily="18" charset="0"/>
-                        </a:rPr>
-                        <m:t>=</m:t>
-                      </m:r>
-                      <m:sSup>
-                        <m:sSupPr>
-                          <m:ctrlPr>
-                            <a:rPr lang="en-GB" b="0" i="1" smtClean="0">
-                              <a:latin typeface="Cambria Math" panose="02040503050406030204" pitchFamily="18" charset="0"/>
-                            </a:rPr>
-                          </m:ctrlPr>
-                        </m:sSupPr>
-                        <m:e>
-                          <m:r>
-                            <a:rPr lang="en-GB" b="0" i="1" smtClean="0">
-                              <a:latin typeface="Cambria Math" panose="02040503050406030204" pitchFamily="18" charset="0"/>
-                            </a:rPr>
-                            <m:t>𝜆</m:t>
-                          </m:r>
-                        </m:e>
-                        <m:sup>
-                          <m:r>
-                            <a:rPr lang="en-GB" b="0" i="1" smtClean="0">
-                              <a:latin typeface="Cambria Math" panose="02040503050406030204" pitchFamily="18" charset="0"/>
-                            </a:rPr>
-                            <m:t>2</m:t>
-                          </m:r>
-                        </m:sup>
-                      </m:sSup>
-                    </m:oMath>
-                  </m:oMathPara>
-                </a14:m>
-                <a:endParaRPr lang="en-GB" dirty="0"/>
               </a:p>
             </p:txBody>
           </p:sp>
         </mc:Choice>
-        <mc:Fallback xmlns="">
+        <mc:Fallback>
           <p:sp>
             <p:nvSpPr>
               <p:cNvPr id="3" name="TextBox 2"/>
@@ -18539,7 +16117,7 @@
             <p:spPr>
               <a:xfrm>
                 <a:off x="153197" y="1325461"/>
-                <a:ext cx="12115433" cy="4554965"/>
+                <a:ext cx="12085360" cy="4524315"/>
               </a:xfrm>
               <a:prstGeom prst="rect">
                 <a:avLst/>
@@ -18547,7 +16125,7 @@
               <a:blipFill rotWithShape="0">
                 <a:blip r:embed="rId2"/>
                 <a:stretch>
-                  <a:fillRect l="-402" t="-668" b="-134"/>
+                  <a:fillRect l="-403" t="-673"/>
                 </a:stretch>
               </a:blipFill>
             </p:spPr>
@@ -18569,7 +16147,7 @@
     </p:spTree>
     <p:extLst>
       <p:ext uri="{BB962C8B-B14F-4D97-AF65-F5344CB8AC3E}">
-        <p14:creationId xmlns:p14="http://schemas.microsoft.com/office/powerpoint/2010/main" val="850820712"/>
+        <p14:creationId xmlns:p14="http://schemas.microsoft.com/office/powerpoint/2010/main" val="1305039351"/>
       </p:ext>
     </p:extLst>
   </p:cSld>
@@ -18627,8 +16205,8 @@
           </a:p>
         </p:txBody>
       </p:sp>
-      <mc:AlternateContent xmlns:mc="http://schemas.openxmlformats.org/markup-compatibility/2006" xmlns:a14="http://schemas.microsoft.com/office/drawing/2010/main">
-        <mc:Choice Requires="a14">
+      <mc:AlternateContent xmlns:mc="http://schemas.openxmlformats.org/markup-compatibility/2006">
+        <mc:Choice xmlns:a14="http://schemas.microsoft.com/office/drawing/2010/main" Requires="a14">
           <p:sp>
             <p:nvSpPr>
               <p:cNvPr id="3" name="Rectangle 2"/>
@@ -18637,8 +16215,8 @@
             </p:nvSpPr>
             <p:spPr>
               <a:xfrm>
-                <a:off x="125337" y="1067419"/>
-                <a:ext cx="11384357" cy="4522648"/>
+                <a:off x="377505" y="1283516"/>
+                <a:ext cx="11518084" cy="3782895"/>
               </a:xfrm>
               <a:prstGeom prst="rect">
                 <a:avLst/>
@@ -18650,53 +16228,916 @@
               </a:bodyPr>
               <a:lstStyle/>
               <a:p>
+                <a:r>
+                  <a:rPr lang="en-GB" dirty="0" smtClean="0"/>
+                  <a:t>Consider the following expression:</a:t>
+                </a:r>
+              </a:p>
+              <a:p>
+                <a:endParaRPr lang="en-GB" dirty="0"/>
+              </a:p>
+              <a:p>
+                <a14:m>
+                  <m:oMath xmlns:m="http://schemas.openxmlformats.org/officeDocument/2006/math">
+                    <m:r>
+                      <a:rPr lang="en-GB" i="1">
+                        <a:latin typeface="Cambria Math" panose="02040503050406030204" pitchFamily="18" charset="0"/>
+                      </a:rPr>
+                      <m:t>𝐸</m:t>
+                    </m:r>
+                    <m:d>
+                      <m:dPr>
+                        <m:begChr m:val="["/>
+                        <m:endChr m:val="]"/>
+                        <m:ctrlPr>
+                          <a:rPr lang="en-GB" i="1">
+                            <a:latin typeface="Cambria Math" panose="02040503050406030204" pitchFamily="18" charset="0"/>
+                          </a:rPr>
+                        </m:ctrlPr>
+                      </m:dPr>
+                      <m:e>
+                        <m:r>
+                          <a:rPr lang="en-GB" i="1">
+                            <a:latin typeface="Cambria Math" panose="02040503050406030204" pitchFamily="18" charset="0"/>
+                          </a:rPr>
+                          <m:t>𝜖</m:t>
+                        </m:r>
+                        <m:sSup>
+                          <m:sSupPr>
+                            <m:ctrlPr>
+                              <a:rPr lang="en-GB" i="1">
+                                <a:latin typeface="Cambria Math" panose="02040503050406030204" pitchFamily="18" charset="0"/>
+                              </a:rPr>
+                            </m:ctrlPr>
+                          </m:sSupPr>
+                          <m:e>
+                            <m:d>
+                              <m:dPr>
+                                <m:ctrlPr>
+                                  <a:rPr lang="en-GB" i="1">
+                                    <a:latin typeface="Cambria Math" panose="02040503050406030204" pitchFamily="18" charset="0"/>
+                                  </a:rPr>
+                                </m:ctrlPr>
+                              </m:dPr>
+                              <m:e>
+                                <m:r>
+                                  <a:rPr lang="en-GB" i="1">
+                                    <a:latin typeface="Cambria Math" panose="02040503050406030204" pitchFamily="18" charset="0"/>
+                                  </a:rPr>
+                                  <m:t>𝑡</m:t>
+                                </m:r>
+                              </m:e>
+                            </m:d>
+                          </m:e>
+                          <m:sup>
+                            <m:r>
+                              <a:rPr lang="en-GB" i="1">
+                                <a:latin typeface="Cambria Math" panose="02040503050406030204" pitchFamily="18" charset="0"/>
+                              </a:rPr>
+                              <m:t>2</m:t>
+                            </m:r>
+                          </m:sup>
+                        </m:sSup>
+                      </m:e>
+                    </m:d>
+                    <m:r>
+                      <a:rPr lang="en-GB" i="1">
+                        <a:latin typeface="Cambria Math" panose="02040503050406030204" pitchFamily="18" charset="0"/>
+                      </a:rPr>
+                      <m:t>=</m:t>
+                    </m:r>
+                    <m:r>
+                      <a:rPr lang="en-GB" i="1">
+                        <a:latin typeface="Cambria Math" panose="02040503050406030204" pitchFamily="18" charset="0"/>
+                      </a:rPr>
+                      <m:t>𝐸</m:t>
+                    </m:r>
+                    <m:d>
+                      <m:dPr>
+                        <m:begChr m:val="["/>
+                        <m:endChr m:val="]"/>
+                        <m:ctrlPr>
+                          <a:rPr lang="en-GB" i="1">
+                            <a:latin typeface="Cambria Math" panose="02040503050406030204" pitchFamily="18" charset="0"/>
+                          </a:rPr>
+                        </m:ctrlPr>
+                      </m:dPr>
+                      <m:e>
+                        <m:sSup>
+                          <m:sSupPr>
+                            <m:ctrlPr>
+                              <a:rPr lang="en-GB" i="1">
+                                <a:latin typeface="Cambria Math" panose="02040503050406030204" pitchFamily="18" charset="0"/>
+                              </a:rPr>
+                            </m:ctrlPr>
+                          </m:sSupPr>
+                          <m:e>
+                            <m:d>
+                              <m:dPr>
+                                <m:begChr m:val="{"/>
+                                <m:endChr m:val="}"/>
+                                <m:ctrlPr>
+                                  <a:rPr lang="en-GB" i="1">
+                                    <a:latin typeface="Cambria Math" panose="02040503050406030204" pitchFamily="18" charset="0"/>
+                                  </a:rPr>
+                                </m:ctrlPr>
+                              </m:dPr>
+                              <m:e>
+                                <m:sSup>
+                                  <m:sSupPr>
+                                    <m:ctrlPr>
+                                      <a:rPr lang="en-GB" i="1">
+                                        <a:latin typeface="Cambria Math" panose="02040503050406030204" pitchFamily="18" charset="0"/>
+                                      </a:rPr>
+                                    </m:ctrlPr>
+                                  </m:sSupPr>
+                                  <m:e>
+                                    <m:r>
+                                      <a:rPr lang="en-GB" i="1">
+                                        <a:latin typeface="Cambria Math" panose="02040503050406030204" pitchFamily="18" charset="0"/>
+                                      </a:rPr>
+                                      <m:t>𝐻</m:t>
+                                    </m:r>
+                                  </m:e>
+                                  <m:sup>
+                                    <m:r>
+                                      <a:rPr lang="en-GB" i="1">
+                                        <a:latin typeface="Cambria Math" panose="02040503050406030204" pitchFamily="18" charset="0"/>
+                                      </a:rPr>
+                                      <m:t>−1</m:t>
+                                    </m:r>
+                                  </m:sup>
+                                </m:sSup>
+                                <m:d>
+                                  <m:dPr>
+                                    <m:ctrlPr>
+                                      <a:rPr lang="en-GB" i="1">
+                                        <a:latin typeface="Cambria Math" panose="02040503050406030204" pitchFamily="18" charset="0"/>
+                                      </a:rPr>
+                                    </m:ctrlPr>
+                                  </m:dPr>
+                                  <m:e>
+                                    <m:r>
+                                      <a:rPr lang="en-GB" i="1">
+                                        <a:latin typeface="Cambria Math" panose="02040503050406030204" pitchFamily="18" charset="0"/>
+                                      </a:rPr>
+                                      <m:t>𝑦</m:t>
+                                    </m:r>
+                                    <m:d>
+                                      <m:dPr>
+                                        <m:ctrlPr>
+                                          <a:rPr lang="en-GB" i="1">
+                                            <a:latin typeface="Cambria Math" panose="02040503050406030204" pitchFamily="18" charset="0"/>
+                                          </a:rPr>
+                                        </m:ctrlPr>
+                                      </m:dPr>
+                                      <m:e>
+                                        <m:r>
+                                          <a:rPr lang="en-GB" i="1">
+                                            <a:latin typeface="Cambria Math" panose="02040503050406030204" pitchFamily="18" charset="0"/>
+                                          </a:rPr>
+                                          <m:t>𝑡</m:t>
+                                        </m:r>
+                                      </m:e>
+                                    </m:d>
+                                    <m:r>
+                                      <a:rPr lang="en-GB" i="1">
+                                        <a:latin typeface="Cambria Math" panose="02040503050406030204" pitchFamily="18" charset="0"/>
+                                      </a:rPr>
+                                      <m:t>−</m:t>
+                                    </m:r>
+                                    <m:r>
+                                      <a:rPr lang="en-GB" i="1">
+                                        <a:latin typeface="Cambria Math" panose="02040503050406030204" pitchFamily="18" charset="0"/>
+                                      </a:rPr>
+                                      <m:t>𝐺𝑢</m:t>
+                                    </m:r>
+                                    <m:d>
+                                      <m:dPr>
+                                        <m:ctrlPr>
+                                          <a:rPr lang="en-GB" i="1">
+                                            <a:latin typeface="Cambria Math" panose="02040503050406030204" pitchFamily="18" charset="0"/>
+                                          </a:rPr>
+                                        </m:ctrlPr>
+                                      </m:dPr>
+                                      <m:e>
+                                        <m:r>
+                                          <a:rPr lang="en-GB" i="1">
+                                            <a:latin typeface="Cambria Math" panose="02040503050406030204" pitchFamily="18" charset="0"/>
+                                          </a:rPr>
+                                          <m:t>𝑡</m:t>
+                                        </m:r>
+                                        <m:r>
+                                          <a:rPr lang="en-GB" i="1">
+                                            <a:latin typeface="Cambria Math" panose="02040503050406030204" pitchFamily="18" charset="0"/>
+                                          </a:rPr>
+                                          <m:t>−</m:t>
+                                        </m:r>
+                                        <m:r>
+                                          <a:rPr lang="en-GB" i="1">
+                                            <a:latin typeface="Cambria Math" panose="02040503050406030204" pitchFamily="18" charset="0"/>
+                                          </a:rPr>
+                                          <m:t>𝑘</m:t>
+                                        </m:r>
+                                      </m:e>
+                                    </m:d>
+                                  </m:e>
+                                </m:d>
+                              </m:e>
+                            </m:d>
+                          </m:e>
+                          <m:sup>
+                            <m:r>
+                              <a:rPr lang="en-GB" i="1">
+                                <a:latin typeface="Cambria Math" panose="02040503050406030204" pitchFamily="18" charset="0"/>
+                              </a:rPr>
+                              <m:t>2</m:t>
+                            </m:r>
+                          </m:sup>
+                        </m:sSup>
+                      </m:e>
+                    </m:d>
+                    <m:r>
+                      <a:rPr lang="en-GB">
+                        <a:latin typeface="Cambria Math" panose="02040503050406030204" pitchFamily="18" charset="0"/>
+                      </a:rPr>
+                      <m:t>=</m:t>
+                    </m:r>
+                    <m:r>
+                      <a:rPr lang="en-GB" i="1">
+                        <a:latin typeface="Cambria Math" panose="02040503050406030204" pitchFamily="18" charset="0"/>
+                      </a:rPr>
+                      <m:t>𝐸</m:t>
+                    </m:r>
+                    <m:d>
+                      <m:dPr>
+                        <m:begChr m:val="["/>
+                        <m:endChr m:val="]"/>
+                        <m:ctrlPr>
+                          <a:rPr lang="en-GB" i="1">
+                            <a:latin typeface="Cambria Math" panose="02040503050406030204" pitchFamily="18" charset="0"/>
+                          </a:rPr>
+                        </m:ctrlPr>
+                      </m:dPr>
+                      <m:e>
+                        <m:sSup>
+                          <m:sSupPr>
+                            <m:ctrlPr>
+                              <a:rPr lang="en-GB" i="1">
+                                <a:latin typeface="Cambria Math" panose="02040503050406030204" pitchFamily="18" charset="0"/>
+                              </a:rPr>
+                            </m:ctrlPr>
+                          </m:sSupPr>
+                          <m:e>
+                            <m:d>
+                              <m:dPr>
+                                <m:begChr m:val="{"/>
+                                <m:endChr m:val="}"/>
+                                <m:ctrlPr>
+                                  <a:rPr lang="en-GB" i="1">
+                                    <a:latin typeface="Cambria Math" panose="02040503050406030204" pitchFamily="18" charset="0"/>
+                                  </a:rPr>
+                                </m:ctrlPr>
+                              </m:dPr>
+                              <m:e>
+                                <m:sSup>
+                                  <m:sSupPr>
+                                    <m:ctrlPr>
+                                      <a:rPr lang="en-GB" i="1">
+                                        <a:latin typeface="Cambria Math" panose="02040503050406030204" pitchFamily="18" charset="0"/>
+                                      </a:rPr>
+                                    </m:ctrlPr>
+                                  </m:sSupPr>
+                                  <m:e>
+                                    <m:r>
+                                      <a:rPr lang="en-GB" i="1">
+                                        <a:latin typeface="Cambria Math" panose="02040503050406030204" pitchFamily="18" charset="0"/>
+                                      </a:rPr>
+                                      <m:t>𝐻</m:t>
+                                    </m:r>
+                                  </m:e>
+                                  <m:sup>
+                                    <m:r>
+                                      <a:rPr lang="en-GB" i="1">
+                                        <a:latin typeface="Cambria Math" panose="02040503050406030204" pitchFamily="18" charset="0"/>
+                                      </a:rPr>
+                                      <m:t>−1</m:t>
+                                    </m:r>
+                                  </m:sup>
+                                </m:sSup>
+                                <m:d>
+                                  <m:dPr>
+                                    <m:ctrlPr>
+                                      <a:rPr lang="en-GB" i="1">
+                                        <a:latin typeface="Cambria Math" panose="02040503050406030204" pitchFamily="18" charset="0"/>
+                                      </a:rPr>
+                                    </m:ctrlPr>
+                                  </m:dPr>
+                                  <m:e>
+                                    <m:d>
+                                      <m:dPr>
+                                        <m:ctrlPr>
+                                          <a:rPr lang="en-GB" i="1">
+                                            <a:latin typeface="Cambria Math" panose="02040503050406030204" pitchFamily="18" charset="0"/>
+                                          </a:rPr>
+                                        </m:ctrlPr>
+                                      </m:dPr>
+                                      <m:e>
+                                        <m:sSup>
+                                          <m:sSupPr>
+                                            <m:ctrlPr>
+                                              <a:rPr lang="en-GB" i="1">
+                                                <a:latin typeface="Cambria Math" panose="02040503050406030204" pitchFamily="18" charset="0"/>
+                                              </a:rPr>
+                                            </m:ctrlPr>
+                                          </m:sSupPr>
+                                          <m:e>
+                                            <m:r>
+                                              <a:rPr lang="en-GB" i="1">
+                                                <a:latin typeface="Cambria Math" panose="02040503050406030204" pitchFamily="18" charset="0"/>
+                                              </a:rPr>
+                                              <m:t>𝐺</m:t>
+                                            </m:r>
+                                          </m:e>
+                                          <m:sup>
+                                            <m:r>
+                                              <a:rPr lang="en-GB" i="1">
+                                                <a:latin typeface="Cambria Math" panose="02040503050406030204" pitchFamily="18" charset="0"/>
+                                              </a:rPr>
+                                              <m:t>0</m:t>
+                                            </m:r>
+                                          </m:sup>
+                                        </m:sSup>
+                                        <m:r>
+                                          <a:rPr lang="en-GB" i="1">
+                                            <a:latin typeface="Cambria Math" panose="02040503050406030204" pitchFamily="18" charset="0"/>
+                                          </a:rPr>
+                                          <m:t>−</m:t>
+                                        </m:r>
+                                        <m:r>
+                                          <a:rPr lang="en-GB" i="1">
+                                            <a:latin typeface="Cambria Math" panose="02040503050406030204" pitchFamily="18" charset="0"/>
+                                          </a:rPr>
+                                          <m:t>𝐺</m:t>
+                                        </m:r>
+                                      </m:e>
+                                    </m:d>
+                                    <m:r>
+                                      <a:rPr lang="en-GB" i="1">
+                                        <a:latin typeface="Cambria Math" panose="02040503050406030204" pitchFamily="18" charset="0"/>
+                                      </a:rPr>
+                                      <m:t>𝑢</m:t>
+                                    </m:r>
+                                    <m:d>
+                                      <m:dPr>
+                                        <m:ctrlPr>
+                                          <a:rPr lang="en-GB" i="1">
+                                            <a:latin typeface="Cambria Math" panose="02040503050406030204" pitchFamily="18" charset="0"/>
+                                          </a:rPr>
+                                        </m:ctrlPr>
+                                      </m:dPr>
+                                      <m:e>
+                                        <m:r>
+                                          <a:rPr lang="en-GB" i="1">
+                                            <a:latin typeface="Cambria Math" panose="02040503050406030204" pitchFamily="18" charset="0"/>
+                                          </a:rPr>
+                                          <m:t>𝑡</m:t>
+                                        </m:r>
+                                        <m:r>
+                                          <a:rPr lang="en-GB" i="1">
+                                            <a:latin typeface="Cambria Math" panose="02040503050406030204" pitchFamily="18" charset="0"/>
+                                          </a:rPr>
+                                          <m:t>−</m:t>
+                                        </m:r>
+                                        <m:r>
+                                          <a:rPr lang="en-GB" i="1">
+                                            <a:latin typeface="Cambria Math" panose="02040503050406030204" pitchFamily="18" charset="0"/>
+                                          </a:rPr>
+                                          <m:t>𝑘</m:t>
+                                        </m:r>
+                                      </m:e>
+                                    </m:d>
+                                    <m:r>
+                                      <a:rPr lang="en-GB" i="1">
+                                        <a:latin typeface="Cambria Math" panose="02040503050406030204" pitchFamily="18" charset="0"/>
+                                      </a:rPr>
+                                      <m:t>+</m:t>
+                                    </m:r>
+                                    <m:sSup>
+                                      <m:sSupPr>
+                                        <m:ctrlPr>
+                                          <a:rPr lang="en-GB" i="1">
+                                            <a:latin typeface="Cambria Math" panose="02040503050406030204" pitchFamily="18" charset="0"/>
+                                          </a:rPr>
+                                        </m:ctrlPr>
+                                      </m:sSupPr>
+                                      <m:e>
+                                        <m:r>
+                                          <a:rPr lang="en-GB" i="1">
+                                            <a:latin typeface="Cambria Math" panose="02040503050406030204" pitchFamily="18" charset="0"/>
+                                          </a:rPr>
+                                          <m:t>𝐻</m:t>
+                                        </m:r>
+                                      </m:e>
+                                      <m:sup>
+                                        <m:r>
+                                          <a:rPr lang="en-GB" i="1">
+                                            <a:latin typeface="Cambria Math" panose="02040503050406030204" pitchFamily="18" charset="0"/>
+                                          </a:rPr>
+                                          <m:t>0</m:t>
+                                        </m:r>
+                                      </m:sup>
+                                    </m:sSup>
+                                    <m:r>
+                                      <a:rPr lang="en-GB" i="1">
+                                        <a:latin typeface="Cambria Math" panose="02040503050406030204" pitchFamily="18" charset="0"/>
+                                      </a:rPr>
+                                      <m:t>𝑒</m:t>
+                                    </m:r>
+                                    <m:d>
+                                      <m:dPr>
+                                        <m:ctrlPr>
+                                          <a:rPr lang="en-GB" i="1">
+                                            <a:latin typeface="Cambria Math" panose="02040503050406030204" pitchFamily="18" charset="0"/>
+                                          </a:rPr>
+                                        </m:ctrlPr>
+                                      </m:dPr>
+                                      <m:e>
+                                        <m:r>
+                                          <a:rPr lang="en-GB" i="1">
+                                            <a:latin typeface="Cambria Math" panose="02040503050406030204" pitchFamily="18" charset="0"/>
+                                          </a:rPr>
+                                          <m:t>𝑡</m:t>
+                                        </m:r>
+                                      </m:e>
+                                    </m:d>
+                                  </m:e>
+                                </m:d>
+                              </m:e>
+                            </m:d>
+                          </m:e>
+                          <m:sup>
+                            <m:r>
+                              <a:rPr lang="en-GB" i="1">
+                                <a:latin typeface="Cambria Math" panose="02040503050406030204" pitchFamily="18" charset="0"/>
+                              </a:rPr>
+                              <m:t>2</m:t>
+                            </m:r>
+                          </m:sup>
+                        </m:sSup>
+                      </m:e>
+                    </m:d>
+                  </m:oMath>
+                </a14:m>
+                <a:r>
+                  <a:rPr lang="en-GB" dirty="0"/>
+                  <a:t> , if </a:t>
+                </a:r>
+                <a14:m>
+                  <m:oMath xmlns:m="http://schemas.openxmlformats.org/officeDocument/2006/math">
+                    <m:r>
+                      <a:rPr lang="en-GB" i="1">
+                        <a:latin typeface="Cambria Math" panose="02040503050406030204" pitchFamily="18" charset="0"/>
+                      </a:rPr>
+                      <m:t>𝐸</m:t>
+                    </m:r>
+                    <m:d>
+                      <m:dPr>
+                        <m:begChr m:val="["/>
+                        <m:endChr m:val="]"/>
+                        <m:ctrlPr>
+                          <a:rPr lang="en-GB" i="1">
+                            <a:latin typeface="Cambria Math" panose="02040503050406030204" pitchFamily="18" charset="0"/>
+                          </a:rPr>
+                        </m:ctrlPr>
+                      </m:dPr>
+                      <m:e>
+                        <m:r>
+                          <a:rPr lang="en-GB" i="1">
+                            <a:latin typeface="Cambria Math" panose="02040503050406030204" pitchFamily="18" charset="0"/>
+                          </a:rPr>
+                          <m:t>𝑢𝑒</m:t>
+                        </m:r>
+                      </m:e>
+                    </m:d>
+                    <m:r>
+                      <a:rPr lang="en-GB" i="1">
+                        <a:latin typeface="Cambria Math" panose="02040503050406030204" pitchFamily="18" charset="0"/>
+                      </a:rPr>
+                      <m:t>≈0</m:t>
+                    </m:r>
+                  </m:oMath>
+                </a14:m>
+                <a:r>
+                  <a:rPr lang="en-GB" dirty="0"/>
+                  <a:t> then the input signal </a:t>
+                </a:r>
+                <a:r>
+                  <a:rPr lang="en-GB" dirty="0" smtClean="0"/>
+                  <a:t> And </a:t>
+                </a:r>
+                <a:r>
+                  <a:rPr lang="en-GB" dirty="0"/>
+                  <a:t>the error are uncorrelated, and:</a:t>
+                </a:r>
+              </a:p>
+              <a:p>
+                <a:endParaRPr lang="en-GB" dirty="0"/>
+              </a:p>
+              <a:p>
+                <a14:m>
+                  <m:oMath xmlns:m="http://schemas.openxmlformats.org/officeDocument/2006/math">
+                    <m:r>
+                      <a:rPr lang="en-GB" i="1">
+                        <a:latin typeface="Cambria Math" panose="02040503050406030204" pitchFamily="18" charset="0"/>
+                      </a:rPr>
+                      <m:t>𝐸</m:t>
+                    </m:r>
+                    <m:d>
+                      <m:dPr>
+                        <m:begChr m:val="["/>
+                        <m:endChr m:val="]"/>
+                        <m:ctrlPr>
+                          <a:rPr lang="en-GB" i="1">
+                            <a:latin typeface="Cambria Math" panose="02040503050406030204" pitchFamily="18" charset="0"/>
+                          </a:rPr>
+                        </m:ctrlPr>
+                      </m:dPr>
+                      <m:e>
+                        <m:r>
+                          <a:rPr lang="en-GB" i="1">
+                            <a:latin typeface="Cambria Math" panose="02040503050406030204" pitchFamily="18" charset="0"/>
+                          </a:rPr>
+                          <m:t>𝜖</m:t>
+                        </m:r>
+                        <m:sSup>
+                          <m:sSupPr>
+                            <m:ctrlPr>
+                              <a:rPr lang="en-GB" i="1">
+                                <a:latin typeface="Cambria Math" panose="02040503050406030204" pitchFamily="18" charset="0"/>
+                              </a:rPr>
+                            </m:ctrlPr>
+                          </m:sSupPr>
+                          <m:e>
+                            <m:d>
+                              <m:dPr>
+                                <m:ctrlPr>
+                                  <a:rPr lang="en-GB" i="1">
+                                    <a:latin typeface="Cambria Math" panose="02040503050406030204" pitchFamily="18" charset="0"/>
+                                  </a:rPr>
+                                </m:ctrlPr>
+                              </m:dPr>
+                              <m:e>
+                                <m:r>
+                                  <a:rPr lang="en-GB" i="1">
+                                    <a:latin typeface="Cambria Math" panose="02040503050406030204" pitchFamily="18" charset="0"/>
+                                  </a:rPr>
+                                  <m:t>𝑡</m:t>
+                                </m:r>
+                              </m:e>
+                            </m:d>
+                          </m:e>
+                          <m:sup>
+                            <m:r>
+                              <a:rPr lang="en-GB" i="1">
+                                <a:latin typeface="Cambria Math" panose="02040503050406030204" pitchFamily="18" charset="0"/>
+                              </a:rPr>
+                              <m:t>2</m:t>
+                            </m:r>
+                          </m:sup>
+                        </m:sSup>
+                      </m:e>
+                    </m:d>
+                    <m:r>
+                      <a:rPr lang="en-GB">
+                        <a:latin typeface="Cambria Math" panose="02040503050406030204" pitchFamily="18" charset="0"/>
+                      </a:rPr>
+                      <m:t>=</m:t>
+                    </m:r>
+                    <m:r>
+                      <a:rPr lang="en-GB" i="1">
+                        <a:latin typeface="Cambria Math" panose="02040503050406030204" pitchFamily="18" charset="0"/>
+                      </a:rPr>
+                      <m:t>𝐸</m:t>
+                    </m:r>
+                    <m:d>
+                      <m:dPr>
+                        <m:begChr m:val="["/>
+                        <m:endChr m:val="]"/>
+                        <m:ctrlPr>
+                          <a:rPr lang="en-GB" i="1">
+                            <a:latin typeface="Cambria Math" panose="02040503050406030204" pitchFamily="18" charset="0"/>
+                          </a:rPr>
+                        </m:ctrlPr>
+                      </m:dPr>
+                      <m:e>
+                        <m:sSup>
+                          <m:sSupPr>
+                            <m:ctrlPr>
+                              <a:rPr lang="en-GB" i="1">
+                                <a:latin typeface="Cambria Math" panose="02040503050406030204" pitchFamily="18" charset="0"/>
+                              </a:rPr>
+                            </m:ctrlPr>
+                          </m:sSupPr>
+                          <m:e>
+                            <m:r>
+                              <a:rPr lang="en-GB" i="1">
+                                <a:latin typeface="Cambria Math" panose="02040503050406030204" pitchFamily="18" charset="0"/>
+                              </a:rPr>
+                              <m:t>{</m:t>
+                            </m:r>
+                            <m:sSup>
+                              <m:sSupPr>
+                                <m:ctrlPr>
+                                  <a:rPr lang="en-GB" i="1">
+                                    <a:latin typeface="Cambria Math" panose="02040503050406030204" pitchFamily="18" charset="0"/>
+                                  </a:rPr>
+                                </m:ctrlPr>
+                              </m:sSupPr>
+                              <m:e>
+                                <m:r>
+                                  <a:rPr lang="en-GB" i="1">
+                                    <a:latin typeface="Cambria Math" panose="02040503050406030204" pitchFamily="18" charset="0"/>
+                                  </a:rPr>
+                                  <m:t>𝐻</m:t>
+                                </m:r>
+                              </m:e>
+                              <m:sup>
+                                <m:r>
+                                  <a:rPr lang="en-GB" i="1">
+                                    <a:latin typeface="Cambria Math" panose="02040503050406030204" pitchFamily="18" charset="0"/>
+                                  </a:rPr>
+                                  <m:t>−1</m:t>
+                                </m:r>
+                              </m:sup>
+                            </m:sSup>
+                            <m:d>
+                              <m:dPr>
+                                <m:ctrlPr>
+                                  <a:rPr lang="en-GB" i="1">
+                                    <a:latin typeface="Cambria Math" panose="02040503050406030204" pitchFamily="18" charset="0"/>
+                                  </a:rPr>
+                                </m:ctrlPr>
+                              </m:dPr>
+                              <m:e>
+                                <m:sSup>
+                                  <m:sSupPr>
+                                    <m:ctrlPr>
+                                      <a:rPr lang="en-GB" i="1">
+                                        <a:latin typeface="Cambria Math" panose="02040503050406030204" pitchFamily="18" charset="0"/>
+                                      </a:rPr>
+                                    </m:ctrlPr>
+                                  </m:sSupPr>
+                                  <m:e>
+                                    <m:r>
+                                      <a:rPr lang="en-GB" i="1">
+                                        <a:latin typeface="Cambria Math" panose="02040503050406030204" pitchFamily="18" charset="0"/>
+                                      </a:rPr>
+                                      <m:t>𝐺</m:t>
+                                    </m:r>
+                                  </m:e>
+                                  <m:sup>
+                                    <m:r>
+                                      <a:rPr lang="en-GB" i="1">
+                                        <a:latin typeface="Cambria Math" panose="02040503050406030204" pitchFamily="18" charset="0"/>
+                                      </a:rPr>
+                                      <m:t>0</m:t>
+                                    </m:r>
+                                  </m:sup>
+                                </m:sSup>
+                                <m:r>
+                                  <a:rPr lang="en-GB" i="1">
+                                    <a:latin typeface="Cambria Math" panose="02040503050406030204" pitchFamily="18" charset="0"/>
+                                  </a:rPr>
+                                  <m:t>−</m:t>
+                                </m:r>
+                                <m:r>
+                                  <a:rPr lang="en-GB" i="1">
+                                    <a:latin typeface="Cambria Math" panose="02040503050406030204" pitchFamily="18" charset="0"/>
+                                  </a:rPr>
+                                  <m:t>𝐺</m:t>
+                                </m:r>
+                              </m:e>
+                            </m:d>
+                            <m:r>
+                              <a:rPr lang="en-GB" i="1">
+                                <a:latin typeface="Cambria Math" panose="02040503050406030204" pitchFamily="18" charset="0"/>
+                              </a:rPr>
+                              <m:t>𝑢</m:t>
+                            </m:r>
+                            <m:d>
+                              <m:dPr>
+                                <m:ctrlPr>
+                                  <a:rPr lang="en-GB" i="1">
+                                    <a:latin typeface="Cambria Math" panose="02040503050406030204" pitchFamily="18" charset="0"/>
+                                  </a:rPr>
+                                </m:ctrlPr>
+                              </m:dPr>
+                              <m:e>
+                                <m:r>
+                                  <a:rPr lang="en-GB" i="1">
+                                    <a:latin typeface="Cambria Math" panose="02040503050406030204" pitchFamily="18" charset="0"/>
+                                  </a:rPr>
+                                  <m:t>𝑡</m:t>
+                                </m:r>
+                                <m:r>
+                                  <a:rPr lang="en-GB" i="1">
+                                    <a:latin typeface="Cambria Math" panose="02040503050406030204" pitchFamily="18" charset="0"/>
+                                  </a:rPr>
+                                  <m:t>−</m:t>
+                                </m:r>
+                                <m:r>
+                                  <a:rPr lang="en-GB" i="1">
+                                    <a:latin typeface="Cambria Math" panose="02040503050406030204" pitchFamily="18" charset="0"/>
+                                  </a:rPr>
+                                  <m:t>𝑘</m:t>
+                                </m:r>
+                              </m:e>
+                            </m:d>
+                            <m:r>
+                              <a:rPr lang="en-GB" i="1">
+                                <a:latin typeface="Cambria Math" panose="02040503050406030204" pitchFamily="18" charset="0"/>
+                              </a:rPr>
+                              <m:t>}</m:t>
+                            </m:r>
+                          </m:e>
+                          <m:sup>
+                            <m:r>
+                              <a:rPr lang="en-GB" i="1">
+                                <a:latin typeface="Cambria Math" panose="02040503050406030204" pitchFamily="18" charset="0"/>
+                              </a:rPr>
+                              <m:t>2</m:t>
+                            </m:r>
+                          </m:sup>
+                        </m:sSup>
+                      </m:e>
+                    </m:d>
+                    <m:r>
+                      <a:rPr lang="en-GB" i="1">
+                        <a:latin typeface="Cambria Math" panose="02040503050406030204" pitchFamily="18" charset="0"/>
+                      </a:rPr>
+                      <m:t>+</m:t>
+                    </m:r>
+                    <m:r>
+                      <a:rPr lang="en-GB" i="1">
+                        <a:latin typeface="Cambria Math" panose="02040503050406030204" pitchFamily="18" charset="0"/>
+                      </a:rPr>
+                      <m:t>𝐸</m:t>
+                    </m:r>
+                    <m:d>
+                      <m:dPr>
+                        <m:begChr m:val="["/>
+                        <m:endChr m:val="]"/>
+                        <m:ctrlPr>
+                          <a:rPr lang="en-GB" i="1">
+                            <a:latin typeface="Cambria Math" panose="02040503050406030204" pitchFamily="18" charset="0"/>
+                          </a:rPr>
+                        </m:ctrlPr>
+                      </m:dPr>
+                      <m:e>
+                        <m:sSup>
+                          <m:sSupPr>
+                            <m:ctrlPr>
+                              <a:rPr lang="en-GB" i="1">
+                                <a:latin typeface="Cambria Math" panose="02040503050406030204" pitchFamily="18" charset="0"/>
+                              </a:rPr>
+                            </m:ctrlPr>
+                          </m:sSupPr>
+                          <m:e>
+                            <m:r>
+                              <a:rPr lang="en-GB" i="1">
+                                <a:latin typeface="Cambria Math" panose="02040503050406030204" pitchFamily="18" charset="0"/>
+                              </a:rPr>
+                              <m:t>{</m:t>
+                            </m:r>
+                            <m:sSup>
+                              <m:sSupPr>
+                                <m:ctrlPr>
+                                  <a:rPr lang="en-GB" i="1">
+                                    <a:latin typeface="Cambria Math" panose="02040503050406030204" pitchFamily="18" charset="0"/>
+                                  </a:rPr>
+                                </m:ctrlPr>
+                              </m:sSupPr>
+                              <m:e>
+                                <m:r>
+                                  <a:rPr lang="en-GB" i="1">
+                                    <a:latin typeface="Cambria Math" panose="02040503050406030204" pitchFamily="18" charset="0"/>
+                                  </a:rPr>
+                                  <m:t>𝐻</m:t>
+                                </m:r>
+                              </m:e>
+                              <m:sup>
+                                <m:r>
+                                  <a:rPr lang="en-GB" i="1">
+                                    <a:latin typeface="Cambria Math" panose="02040503050406030204" pitchFamily="18" charset="0"/>
+                                  </a:rPr>
+                                  <m:t>−1</m:t>
+                                </m:r>
+                              </m:sup>
+                            </m:sSup>
+                            <m:sSup>
+                              <m:sSupPr>
+                                <m:ctrlPr>
+                                  <a:rPr lang="en-GB" i="1">
+                                    <a:latin typeface="Cambria Math" panose="02040503050406030204" pitchFamily="18" charset="0"/>
+                                  </a:rPr>
+                                </m:ctrlPr>
+                              </m:sSupPr>
+                              <m:e>
+                                <m:r>
+                                  <a:rPr lang="en-GB" i="1">
+                                    <a:latin typeface="Cambria Math" panose="02040503050406030204" pitchFamily="18" charset="0"/>
+                                  </a:rPr>
+                                  <m:t>𝐻</m:t>
+                                </m:r>
+                              </m:e>
+                              <m:sup>
+                                <m:r>
+                                  <a:rPr lang="en-GB" i="1">
+                                    <a:latin typeface="Cambria Math" panose="02040503050406030204" pitchFamily="18" charset="0"/>
+                                  </a:rPr>
+                                  <m:t>0</m:t>
+                                </m:r>
+                              </m:sup>
+                            </m:sSup>
+                            <m:r>
+                              <a:rPr lang="en-GB" i="1">
+                                <a:latin typeface="Cambria Math" panose="02040503050406030204" pitchFamily="18" charset="0"/>
+                              </a:rPr>
+                              <m:t>𝑒</m:t>
+                            </m:r>
+                            <m:d>
+                              <m:dPr>
+                                <m:ctrlPr>
+                                  <a:rPr lang="en-GB" i="1">
+                                    <a:latin typeface="Cambria Math" panose="02040503050406030204" pitchFamily="18" charset="0"/>
+                                  </a:rPr>
+                                </m:ctrlPr>
+                              </m:dPr>
+                              <m:e>
+                                <m:r>
+                                  <a:rPr lang="en-GB" i="1">
+                                    <a:latin typeface="Cambria Math" panose="02040503050406030204" pitchFamily="18" charset="0"/>
+                                  </a:rPr>
+                                  <m:t>𝑡</m:t>
+                                </m:r>
+                              </m:e>
+                            </m:d>
+                            <m:r>
+                              <a:rPr lang="en-GB" i="1">
+                                <a:latin typeface="Cambria Math" panose="02040503050406030204" pitchFamily="18" charset="0"/>
+                              </a:rPr>
+                              <m:t>}</m:t>
+                            </m:r>
+                          </m:e>
+                          <m:sup>
+                            <m:r>
+                              <a:rPr lang="en-GB" i="1">
+                                <a:latin typeface="Cambria Math" panose="02040503050406030204" pitchFamily="18" charset="0"/>
+                              </a:rPr>
+                              <m:t>2</m:t>
+                            </m:r>
+                          </m:sup>
+                        </m:sSup>
+                      </m:e>
+                    </m:d>
+                  </m:oMath>
+                </a14:m>
+                <a:r>
+                  <a:rPr lang="en-GB" dirty="0"/>
+                  <a:t>, using the </a:t>
+                </a:r>
+                <a:r>
+                  <a:rPr lang="en-GB" dirty="0" err="1"/>
+                  <a:t>Parseval</a:t>
+                </a:r>
+                <a:r>
+                  <a:rPr lang="en-GB" dirty="0"/>
+                  <a:t> theorem:</a:t>
+                </a:r>
+              </a:p>
+              <a:p>
+                <a:endParaRPr lang="en-GB" dirty="0"/>
+              </a:p>
+              <a:p>
                 <a:pPr/>
                 <a14:m>
                   <m:oMathPara xmlns:m="http://schemas.openxmlformats.org/officeDocument/2006/math">
                     <m:oMathParaPr>
-                      <m:jc m:val="left"/>
+                      <m:jc m:val="centerGroup"/>
                     </m:oMathParaPr>
                     <m:oMath xmlns:m="http://schemas.openxmlformats.org/officeDocument/2006/math">
-                      <m:acc>
-                        <m:accPr>
-                          <m:chr m:val="̅"/>
-                          <m:ctrlPr>
-                            <a:rPr lang="en-GB" i="1" smtClean="0">
-                              <a:latin typeface="Cambria Math" panose="02040503050406030204" pitchFamily="18" charset="0"/>
-                            </a:rPr>
-                          </m:ctrlPr>
-                        </m:accPr>
-                        <m:e>
-                          <m:r>
-                            <a:rPr lang="en-GB" i="1">
-                              <a:latin typeface="Cambria Math" panose="02040503050406030204" pitchFamily="18" charset="0"/>
-                            </a:rPr>
-                            <m:t>𝐽</m:t>
-                          </m:r>
-                        </m:e>
-                      </m:acc>
-                      <m:d>
-                        <m:dPr>
-                          <m:ctrlPr>
-                            <a:rPr lang="en-GB" i="1">
-                              <a:latin typeface="Cambria Math" panose="02040503050406030204" pitchFamily="18" charset="0"/>
-                            </a:rPr>
-                          </m:ctrlPr>
-                        </m:dPr>
-                        <m:e>
-                          <m:r>
-                            <a:rPr lang="en-GB" i="1">
-                              <a:latin typeface="Cambria Math" panose="02040503050406030204" pitchFamily="18" charset="0"/>
-                            </a:rPr>
-                            <m:t>𝜃</m:t>
-                          </m:r>
-                        </m:e>
-                      </m:d>
                       <m:r>
                         <a:rPr lang="en-GB" i="1">
                           <a:latin typeface="Cambria Math" panose="02040503050406030204" pitchFamily="18" charset="0"/>
                         </a:rPr>
-                        <m:t>=</m:t>
+                        <m:t>2</m:t>
+                      </m:r>
+                      <m:r>
+                        <a:rPr lang="en-GB" i="1">
+                          <a:latin typeface="Cambria Math" panose="02040503050406030204" pitchFamily="18" charset="0"/>
+                        </a:rPr>
+                        <m:t>𝜋</m:t>
                       </m:r>
                       <m:r>
                         <a:rPr lang="en-GB" i="1">
@@ -18763,30 +17204,25 @@
                         <a:rPr lang="en-GB" i="1">
                           <a:latin typeface="Cambria Math" panose="02040503050406030204" pitchFamily="18" charset="0"/>
                         </a:rPr>
-                        <m:t>=</m:t>
+                        <m:t>= </m:t>
                       </m:r>
-                      <m:f>
-                        <m:fPr>
+                      <m:nary>
+                        <m:naryPr>
                           <m:ctrlPr>
                             <a:rPr lang="en-GB" i="1">
                               <a:latin typeface="Cambria Math" panose="02040503050406030204" pitchFamily="18" charset="0"/>
                             </a:rPr>
                           </m:ctrlPr>
-                        </m:fPr>
-                        <m:num>
+                        </m:naryPr>
+                        <m:sub>
                           <m:r>
+                            <m:rPr>
+                              <m:brk m:alnAt="23"/>
+                            </m:rPr>
                             <a:rPr lang="en-GB" i="1">
                               <a:latin typeface="Cambria Math" panose="02040503050406030204" pitchFamily="18" charset="0"/>
                             </a:rPr>
-                            <m:t>1</m:t>
-                          </m:r>
-                        </m:num>
-                        <m:den>
-                          <m:r>
-                            <a:rPr lang="en-GB" i="1">
-                              <a:latin typeface="Cambria Math" panose="02040503050406030204" pitchFamily="18" charset="0"/>
-                            </a:rPr>
-                            <m:t>2</m:t>
+                            <m:t>−</m:t>
                           </m:r>
                           <m:r>
                             <a:rPr lang="en-GB" i="1">
@@ -18794,19 +17230,372 @@
                             </a:rPr>
                             <m:t>𝜋</m:t>
                           </m:r>
-                        </m:den>
-                      </m:f>
-                      <m:d>
-                        <m:dPr>
-                          <m:begChr m:val="["/>
-                          <m:endChr m:val="]"/>
-                          <m:ctrlPr>
+                        </m:sub>
+                        <m:sup>
+                          <m:r>
                             <a:rPr lang="en-GB" i="1">
                               <a:latin typeface="Cambria Math" panose="02040503050406030204" pitchFamily="18" charset="0"/>
                             </a:rPr>
-                          </m:ctrlPr>
-                        </m:dPr>
+                            <m:t>𝜋</m:t>
+                          </m:r>
+                        </m:sup>
                         <m:e>
+                          <m:f>
+                            <m:fPr>
+                              <m:ctrlPr>
+                                <a:rPr lang="en-GB" i="1">
+                                  <a:latin typeface="Cambria Math" panose="02040503050406030204" pitchFamily="18" charset="0"/>
+                                </a:rPr>
+                              </m:ctrlPr>
+                            </m:fPr>
+                            <m:num>
+                              <m:sSup>
+                                <m:sSupPr>
+                                  <m:ctrlPr>
+                                    <a:rPr lang="en-GB" i="1">
+                                      <a:latin typeface="Cambria Math" panose="02040503050406030204" pitchFamily="18" charset="0"/>
+                                    </a:rPr>
+                                  </m:ctrlPr>
+                                </m:sSupPr>
+                                <m:e>
+                                  <m:d>
+                                    <m:dPr>
+                                      <m:begChr m:val="|"/>
+                                      <m:endChr m:val="|"/>
+                                      <m:ctrlPr>
+                                        <a:rPr lang="en-GB" i="1">
+                                          <a:latin typeface="Cambria Math" panose="02040503050406030204" pitchFamily="18" charset="0"/>
+                                        </a:rPr>
+                                      </m:ctrlPr>
+                                    </m:dPr>
+                                    <m:e>
+                                      <m:sSup>
+                                        <m:sSupPr>
+                                          <m:ctrlPr>
+                                            <a:rPr lang="en-GB" i="1">
+                                              <a:latin typeface="Cambria Math" panose="02040503050406030204" pitchFamily="18" charset="0"/>
+                                            </a:rPr>
+                                          </m:ctrlPr>
+                                        </m:sSupPr>
+                                        <m:e>
+                                          <m:r>
+                                            <a:rPr lang="en-GB" i="1">
+                                              <a:latin typeface="Cambria Math" panose="02040503050406030204" pitchFamily="18" charset="0"/>
+                                            </a:rPr>
+                                            <m:t>𝐺</m:t>
+                                          </m:r>
+                                        </m:e>
+                                        <m:sup>
+                                          <m:r>
+                                            <a:rPr lang="en-GB" i="1">
+                                              <a:latin typeface="Cambria Math" panose="02040503050406030204" pitchFamily="18" charset="0"/>
+                                            </a:rPr>
+                                            <m:t>0</m:t>
+                                          </m:r>
+                                        </m:sup>
+                                      </m:sSup>
+                                      <m:d>
+                                        <m:dPr>
+                                          <m:ctrlPr>
+                                            <a:rPr lang="en-GB" i="1">
+                                              <a:latin typeface="Cambria Math" panose="02040503050406030204" pitchFamily="18" charset="0"/>
+                                            </a:rPr>
+                                          </m:ctrlPr>
+                                        </m:dPr>
+                                        <m:e>
+                                          <m:sSup>
+                                            <m:sSupPr>
+                                              <m:ctrlPr>
+                                                <a:rPr lang="en-GB" i="1">
+                                                  <a:latin typeface="Cambria Math" panose="02040503050406030204" pitchFamily="18" charset="0"/>
+                                                </a:rPr>
+                                              </m:ctrlPr>
+                                            </m:sSupPr>
+                                            <m:e>
+                                              <m:r>
+                                                <a:rPr lang="en-GB" i="1">
+                                                  <a:latin typeface="Cambria Math" panose="02040503050406030204" pitchFamily="18" charset="0"/>
+                                                </a:rPr>
+                                                <m:t>𝑒</m:t>
+                                              </m:r>
+                                            </m:e>
+                                            <m:sup>
+                                              <m:r>
+                                                <a:rPr lang="en-GB" i="1">
+                                                  <a:latin typeface="Cambria Math" panose="02040503050406030204" pitchFamily="18" charset="0"/>
+                                                </a:rPr>
+                                                <m:t>𝑗</m:t>
+                                              </m:r>
+                                              <m:r>
+                                                <a:rPr lang="en-GB" i="1">
+                                                  <a:latin typeface="Cambria Math" panose="02040503050406030204" pitchFamily="18" charset="0"/>
+                                                </a:rPr>
+                                                <m:t>𝜔</m:t>
+                                              </m:r>
+                                            </m:sup>
+                                          </m:sSup>
+                                          <m:r>
+                                            <a:rPr lang="en-GB" i="1">
+                                              <a:latin typeface="Cambria Math" panose="02040503050406030204" pitchFamily="18" charset="0"/>
+                                            </a:rPr>
+                                            <m:t>,</m:t>
+                                          </m:r>
+                                          <m:sSup>
+                                            <m:sSupPr>
+                                              <m:ctrlPr>
+                                                <a:rPr lang="en-GB" i="1">
+                                                  <a:latin typeface="Cambria Math" panose="02040503050406030204" pitchFamily="18" charset="0"/>
+                                                </a:rPr>
+                                              </m:ctrlPr>
+                                            </m:sSupPr>
+                                            <m:e>
+                                              <m:r>
+                                                <a:rPr lang="en-GB" i="1">
+                                                  <a:latin typeface="Cambria Math" panose="02040503050406030204" pitchFamily="18" charset="0"/>
+                                                </a:rPr>
+                                                <m:t>𝜃</m:t>
+                                              </m:r>
+                                            </m:e>
+                                            <m:sup>
+                                              <m:r>
+                                                <a:rPr lang="en-GB" i="1">
+                                                  <a:latin typeface="Cambria Math" panose="02040503050406030204" pitchFamily="18" charset="0"/>
+                                                </a:rPr>
+                                                <m:t>0</m:t>
+                                              </m:r>
+                                            </m:sup>
+                                          </m:sSup>
+                                        </m:e>
+                                      </m:d>
+                                      <m:r>
+                                        <a:rPr lang="en-GB" i="1">
+                                          <a:latin typeface="Cambria Math" panose="02040503050406030204" pitchFamily="18" charset="0"/>
+                                        </a:rPr>
+                                        <m:t>−</m:t>
+                                      </m:r>
+                                      <m:r>
+                                        <a:rPr lang="en-GB" i="1">
+                                          <a:latin typeface="Cambria Math" panose="02040503050406030204" pitchFamily="18" charset="0"/>
+                                        </a:rPr>
+                                        <m:t>𝐺</m:t>
+                                      </m:r>
+                                      <m:d>
+                                        <m:dPr>
+                                          <m:ctrlPr>
+                                            <a:rPr lang="en-GB" i="1">
+                                              <a:latin typeface="Cambria Math" panose="02040503050406030204" pitchFamily="18" charset="0"/>
+                                            </a:rPr>
+                                          </m:ctrlPr>
+                                        </m:dPr>
+                                        <m:e>
+                                          <m:sSup>
+                                            <m:sSupPr>
+                                              <m:ctrlPr>
+                                                <a:rPr lang="en-GB" i="1">
+                                                  <a:latin typeface="Cambria Math" panose="02040503050406030204" pitchFamily="18" charset="0"/>
+                                                </a:rPr>
+                                              </m:ctrlPr>
+                                            </m:sSupPr>
+                                            <m:e>
+                                              <m:r>
+                                                <a:rPr lang="en-GB" i="1">
+                                                  <a:latin typeface="Cambria Math" panose="02040503050406030204" pitchFamily="18" charset="0"/>
+                                                </a:rPr>
+                                                <m:t>𝑒</m:t>
+                                              </m:r>
+                                            </m:e>
+                                            <m:sup>
+                                              <m:r>
+                                                <a:rPr lang="en-GB" i="1">
+                                                  <a:latin typeface="Cambria Math" panose="02040503050406030204" pitchFamily="18" charset="0"/>
+                                                </a:rPr>
+                                                <m:t>𝑗</m:t>
+                                              </m:r>
+                                              <m:r>
+                                                <a:rPr lang="en-GB" i="1">
+                                                  <a:latin typeface="Cambria Math" panose="02040503050406030204" pitchFamily="18" charset="0"/>
+                                                </a:rPr>
+                                                <m:t>𝜔</m:t>
+                                              </m:r>
+                                            </m:sup>
+                                          </m:sSup>
+                                          <m:r>
+                                            <a:rPr lang="en-GB" i="1">
+                                              <a:latin typeface="Cambria Math" panose="02040503050406030204" pitchFamily="18" charset="0"/>
+                                            </a:rPr>
+                                            <m:t>,</m:t>
+                                          </m:r>
+                                          <m:r>
+                                            <a:rPr lang="en-GB" i="1">
+                                              <a:latin typeface="Cambria Math" panose="02040503050406030204" pitchFamily="18" charset="0"/>
+                                            </a:rPr>
+                                            <m:t>𝜃</m:t>
+                                          </m:r>
+                                        </m:e>
+                                      </m:d>
+                                    </m:e>
+                                  </m:d>
+                                </m:e>
+                                <m:sup>
+                                  <m:r>
+                                    <a:rPr lang="en-GB" i="1">
+                                      <a:latin typeface="Cambria Math" panose="02040503050406030204" pitchFamily="18" charset="0"/>
+                                    </a:rPr>
+                                    <m:t>2</m:t>
+                                  </m:r>
+                                </m:sup>
+                              </m:sSup>
+                            </m:num>
+                            <m:den>
+                              <m:r>
+                                <a:rPr lang="en-GB" i="1">
+                                  <a:latin typeface="Cambria Math" panose="02040503050406030204" pitchFamily="18" charset="0"/>
+                                </a:rPr>
+                                <m:t>|</m:t>
+                              </m:r>
+                              <m:r>
+                                <a:rPr lang="en-GB" i="1">
+                                  <a:latin typeface="Cambria Math" panose="02040503050406030204" pitchFamily="18" charset="0"/>
+                                </a:rPr>
+                                <m:t>𝐻</m:t>
+                              </m:r>
+                              <m:d>
+                                <m:dPr>
+                                  <m:ctrlPr>
+                                    <a:rPr lang="en-GB" i="1">
+                                      <a:latin typeface="Cambria Math" panose="02040503050406030204" pitchFamily="18" charset="0"/>
+                                    </a:rPr>
+                                  </m:ctrlPr>
+                                </m:dPr>
+                                <m:e>
+                                  <m:sSup>
+                                    <m:sSupPr>
+                                      <m:ctrlPr>
+                                        <a:rPr lang="en-GB" i="1">
+                                          <a:latin typeface="Cambria Math" panose="02040503050406030204" pitchFamily="18" charset="0"/>
+                                        </a:rPr>
+                                      </m:ctrlPr>
+                                    </m:sSupPr>
+                                    <m:e>
+                                      <m:r>
+                                        <a:rPr lang="en-GB" i="1">
+                                          <a:latin typeface="Cambria Math" panose="02040503050406030204" pitchFamily="18" charset="0"/>
+                                        </a:rPr>
+                                        <m:t>𝑒</m:t>
+                                      </m:r>
+                                    </m:e>
+                                    <m:sup>
+                                      <m:r>
+                                        <a:rPr lang="en-GB" i="1">
+                                          <a:latin typeface="Cambria Math" panose="02040503050406030204" pitchFamily="18" charset="0"/>
+                                        </a:rPr>
+                                        <m:t>𝑗</m:t>
+                                      </m:r>
+                                      <m:r>
+                                        <a:rPr lang="en-GB" i="1">
+                                          <a:latin typeface="Cambria Math" panose="02040503050406030204" pitchFamily="18" charset="0"/>
+                                        </a:rPr>
+                                        <m:t>𝜔</m:t>
+                                      </m:r>
+                                    </m:sup>
+                                  </m:sSup>
+                                  <m:r>
+                                    <a:rPr lang="en-GB" i="1">
+                                      <a:latin typeface="Cambria Math" panose="02040503050406030204" pitchFamily="18" charset="0"/>
+                                    </a:rPr>
+                                    <m:t>, </m:t>
+                                  </m:r>
+                                  <m:r>
+                                    <a:rPr lang="en-GB" i="1">
+                                      <a:latin typeface="Cambria Math" panose="02040503050406030204" pitchFamily="18" charset="0"/>
+                                    </a:rPr>
+                                    <m:t>𝜃</m:t>
+                                  </m:r>
+                                </m:e>
+                              </m:d>
+                              <m:sSup>
+                                <m:sSupPr>
+                                  <m:ctrlPr>
+                                    <a:rPr lang="en-GB" i="1">
+                                      <a:latin typeface="Cambria Math" panose="02040503050406030204" pitchFamily="18" charset="0"/>
+                                    </a:rPr>
+                                  </m:ctrlPr>
+                                </m:sSupPr>
+                                <m:e>
+                                  <m:d>
+                                    <m:dPr>
+                                      <m:begChr m:val=""/>
+                                      <m:endChr m:val="|"/>
+                                      <m:ctrlPr>
+                                        <a:rPr lang="en-GB" i="1">
+                                          <a:latin typeface="Cambria Math" panose="02040503050406030204" pitchFamily="18" charset="0"/>
+                                        </a:rPr>
+                                      </m:ctrlPr>
+                                    </m:dPr>
+                                    <m:e>
+                                      <m:r>
+                                        <a:rPr lang="en-GB">
+                                          <a:latin typeface="Cambria Math" panose="02040503050406030204" pitchFamily="18" charset="0"/>
+                                        </a:rPr>
+                                        <m:t>​</m:t>
+                                      </m:r>
+                                    </m:e>
+                                  </m:d>
+                                </m:e>
+                                <m:sup>
+                                  <m:r>
+                                    <a:rPr lang="en-GB" i="1">
+                                      <a:latin typeface="Cambria Math" panose="02040503050406030204" pitchFamily="18" charset="0"/>
+                                    </a:rPr>
+                                    <m:t>2</m:t>
+                                  </m:r>
+                                </m:sup>
+                              </m:sSup>
+                            </m:den>
+                          </m:f>
+                          <m:sSub>
+                            <m:sSubPr>
+                              <m:ctrlPr>
+                                <a:rPr lang="en-GB" i="1">
+                                  <a:latin typeface="Cambria Math" panose="02040503050406030204" pitchFamily="18" charset="0"/>
+                                </a:rPr>
+                              </m:ctrlPr>
+                            </m:sSubPr>
+                            <m:e>
+                              <m:r>
+                                <a:rPr lang="en-GB" i="1">
+                                  <a:latin typeface="Cambria Math" panose="02040503050406030204" pitchFamily="18" charset="0"/>
+                                </a:rPr>
+                                <m:t>𝜙</m:t>
+                              </m:r>
+                            </m:e>
+                            <m:sub>
+                              <m:r>
+                                <a:rPr lang="en-GB" i="1">
+                                  <a:latin typeface="Cambria Math" panose="02040503050406030204" pitchFamily="18" charset="0"/>
+                                </a:rPr>
+                                <m:t>𝑢</m:t>
+                              </m:r>
+                            </m:sub>
+                          </m:sSub>
+                          <m:r>
+                            <a:rPr lang="en-GB" i="1">
+                              <a:latin typeface="Cambria Math" panose="02040503050406030204" pitchFamily="18" charset="0"/>
+                            </a:rPr>
+                            <m:t>𝑑</m:t>
+                          </m:r>
+                          <m:r>
+                            <a:rPr lang="en-GB" i="1">
+                              <a:latin typeface="Cambria Math" panose="02040503050406030204" pitchFamily="18" charset="0"/>
+                            </a:rPr>
+                            <m:t>𝜔</m:t>
+                          </m:r>
+                          <m:r>
+                            <a:rPr lang="en-GB" i="1">
+                              <a:latin typeface="Cambria Math" panose="02040503050406030204" pitchFamily="18" charset="0"/>
+                            </a:rPr>
+                            <m:t>+</m:t>
+                          </m:r>
                           <m:nary>
                             <m:naryPr>
                               <m:ctrlPr>
@@ -18853,44 +17642,6 @@
                                   <m:sSup>
                                     <m:sSupPr>
                                       <m:ctrlPr>
-                                        <a:rPr lang="en-GB" i="1" smtClean="0">
-                                          <a:latin typeface="Cambria Math" panose="02040503050406030204" pitchFamily="18" charset="0"/>
-                                        </a:rPr>
-                                      </m:ctrlPr>
-                                    </m:sSupPr>
-                                    <m:e>
-                                      <m:d>
-                                        <m:dPr>
-                                          <m:begChr m:val="|"/>
-                                          <m:endChr m:val="|"/>
-                                          <m:ctrlPr>
-                                            <a:rPr lang="en-GB" i="1" smtClean="0">
-                                              <a:latin typeface="Cambria Math" panose="02040503050406030204" pitchFamily="18" charset="0"/>
-                                            </a:rPr>
-                                          </m:ctrlPr>
-                                        </m:dPr>
-                                        <m:e>
-                                          <m:r>
-                                            <a:rPr lang="en-GB" i="1">
-                                              <a:latin typeface="Cambria Math" panose="02040503050406030204" pitchFamily="18" charset="0"/>
-                                            </a:rPr>
-                                            <m:t>𝐶</m:t>
-                                          </m:r>
-                                        </m:e>
-                                      </m:d>
-                                    </m:e>
-                                    <m:sup>
-                                      <m:r>
-                                        <a:rPr lang="en-GB" i="1">
-                                          <a:latin typeface="Cambria Math" panose="02040503050406030204" pitchFamily="18" charset="0"/>
-                                        </a:rPr>
-                                        <m:t>2</m:t>
-                                      </m:r>
-                                    </m:sup>
-                                  </m:sSup>
-                                  <m:sSup>
-                                    <m:sSupPr>
-                                      <m:ctrlPr>
                                         <a:rPr lang="en-GB" i="1">
                                           <a:latin typeface="Cambria Math" panose="02040503050406030204" pitchFamily="18" charset="0"/>
                                         </a:rPr>
@@ -18921,7 +17672,7 @@
                                                 <a:rPr lang="en-GB" i="1">
                                                   <a:latin typeface="Cambria Math" panose="02040503050406030204" pitchFamily="18" charset="0"/>
                                                 </a:rPr>
-                                                <m:t>𝑆</m:t>
+                                                <m:t>𝐻</m:t>
                                               </m:r>
                                             </m:e>
                                             <m:sup>
@@ -18933,228 +17684,8 @@
                                               </m:r>
                                             </m:sup>
                                           </m:sSup>
-                                        </m:e>
-                                      </m:d>
-                                    </m:e>
-                                    <m:sup>
-                                      <m:r>
-                                        <a:rPr lang="en-GB" i="1">
-                                          <a:latin typeface="Cambria Math" panose="02040503050406030204" pitchFamily="18" charset="0"/>
-                                        </a:rPr>
-                                        <m:t>2</m:t>
-                                      </m:r>
-                                    </m:sup>
-                                  </m:sSup>
-                                  <m:sSup>
-                                    <m:sSupPr>
-                                      <m:ctrlPr>
-                                        <a:rPr lang="en-GB" i="1">
-                                          <a:latin typeface="Cambria Math" panose="02040503050406030204" pitchFamily="18" charset="0"/>
-                                        </a:rPr>
-                                      </m:ctrlPr>
-                                    </m:sSupPr>
-                                    <m:e>
-                                      <m:d>
-                                        <m:dPr>
-                                          <m:begChr m:val="|"/>
-                                          <m:endChr m:val="|"/>
-                                          <m:ctrlPr>
-                                            <a:rPr lang="en-GB" i="1">
-                                              <a:latin typeface="Cambria Math" panose="02040503050406030204" pitchFamily="18" charset="0"/>
-                                            </a:rPr>
-                                          </m:ctrlPr>
-                                        </m:dPr>
-                                        <m:e>
-                                          <m:sSup>
-                                            <m:sSupPr>
-                                              <m:ctrlPr>
-                                                <a:rPr lang="en-GB" i="1">
-                                                  <a:latin typeface="Cambria Math" panose="02040503050406030204" pitchFamily="18" charset="0"/>
-                                                </a:rPr>
-                                              </m:ctrlPr>
-                                            </m:sSupPr>
-                                            <m:e>
-                                              <m:r>
-                                                <a:rPr lang="en-GB" i="1">
-                                                  <a:latin typeface="Cambria Math" panose="02040503050406030204" pitchFamily="18" charset="0"/>
-                                                </a:rPr>
-                                                <m:t>𝐺</m:t>
-                                              </m:r>
-                                            </m:e>
-                                            <m:sup>
-                                              <m:r>
-                                                <a:rPr lang="en-GB" i="1">
-                                                  <a:latin typeface="Cambria Math" panose="02040503050406030204" pitchFamily="18" charset="0"/>
-                                                </a:rPr>
-                                                <m:t>0</m:t>
-                                              </m:r>
-                                            </m:sup>
-                                          </m:sSup>
-                                          <m:r>
-                                            <a:rPr lang="en-GB" i="1">
-                                              <a:latin typeface="Cambria Math" panose="02040503050406030204" pitchFamily="18" charset="0"/>
-                                            </a:rPr>
-                                            <m:t>−</m:t>
-                                          </m:r>
-                                          <m:r>
-                                            <a:rPr lang="en-GB" i="1">
-                                              <a:latin typeface="Cambria Math" panose="02040503050406030204" pitchFamily="18" charset="0"/>
-                                            </a:rPr>
-                                            <m:t>𝐺</m:t>
-                                          </m:r>
-                                        </m:e>
-                                      </m:d>
-                                    </m:e>
-                                    <m:sup>
-                                      <m:r>
-                                        <a:rPr lang="en-GB" i="1">
-                                          <a:latin typeface="Cambria Math" panose="02040503050406030204" pitchFamily="18" charset="0"/>
-                                        </a:rPr>
-                                        <m:t>2</m:t>
-                                      </m:r>
-                                    </m:sup>
-                                  </m:sSup>
-                                </m:num>
-                                <m:den>
-                                  <m:sSup>
-                                    <m:sSupPr>
-                                      <m:ctrlPr>
-                                        <a:rPr lang="en-GB" i="1">
-                                          <a:latin typeface="Cambria Math" panose="02040503050406030204" pitchFamily="18" charset="0"/>
-                                        </a:rPr>
-                                      </m:ctrlPr>
-                                    </m:sSupPr>
-                                    <m:e>
-                                      <m:d>
-                                        <m:dPr>
-                                          <m:begChr m:val="|"/>
-                                          <m:endChr m:val="|"/>
-                                          <m:ctrlPr>
-                                            <a:rPr lang="en-GB" i="1">
-                                              <a:latin typeface="Cambria Math" panose="02040503050406030204" pitchFamily="18" charset="0"/>
-                                            </a:rPr>
-                                          </m:ctrlPr>
-                                        </m:dPr>
-                                        <m:e>
-                                          <m:r>
-                                            <a:rPr lang="en-GB" i="1">
-                                              <a:latin typeface="Cambria Math" panose="02040503050406030204" pitchFamily="18" charset="0"/>
-                                            </a:rPr>
-                                            <m:t>𝐻</m:t>
-                                          </m:r>
-                                        </m:e>
-                                      </m:d>
-                                    </m:e>
-                                    <m:sup>
-                                      <m:r>
-                                        <a:rPr lang="en-GB" i="1">
-                                          <a:latin typeface="Cambria Math" panose="02040503050406030204" pitchFamily="18" charset="0"/>
-                                        </a:rPr>
-                                        <m:t>2</m:t>
-                                      </m:r>
-                                    </m:sup>
-                                  </m:sSup>
-                                </m:den>
-                              </m:f>
-                              <m:sSub>
-                                <m:sSubPr>
-                                  <m:ctrlPr>
-                                    <a:rPr lang="en-GB" i="1">
-                                      <a:latin typeface="Cambria Math" panose="02040503050406030204" pitchFamily="18" charset="0"/>
-                                    </a:rPr>
-                                  </m:ctrlPr>
-                                </m:sSubPr>
-                                <m:e>
-                                  <m:r>
-                                    <a:rPr lang="en-GB" i="1">
-                                      <a:latin typeface="Cambria Math" panose="02040503050406030204" pitchFamily="18" charset="0"/>
-                                    </a:rPr>
-                                    <m:t>𝜙</m:t>
-                                  </m:r>
-                                </m:e>
-                                <m:sub>
-                                  <m:r>
-                                    <a:rPr lang="en-GB" b="0" i="1" smtClean="0">
-                                      <a:latin typeface="Cambria Math" panose="02040503050406030204" pitchFamily="18" charset="0"/>
-                                    </a:rPr>
-                                    <m:t>𝑟</m:t>
-                                  </m:r>
-                                </m:sub>
-                              </m:sSub>
-                              <m:r>
-                                <a:rPr lang="en-GB" i="1">
-                                  <a:latin typeface="Cambria Math" panose="02040503050406030204" pitchFamily="18" charset="0"/>
-                                </a:rPr>
-                                <m:t>𝑑</m:t>
-                              </m:r>
-                              <m:r>
-                                <a:rPr lang="en-GB" i="1">
-                                  <a:latin typeface="Cambria Math" panose="02040503050406030204" pitchFamily="18" charset="0"/>
-                                </a:rPr>
-                                <m:t>𝜔</m:t>
-                              </m:r>
-                              <m:r>
-                                <a:rPr lang="en-GB" i="1">
-                                  <a:latin typeface="Cambria Math" panose="02040503050406030204" pitchFamily="18" charset="0"/>
-                                </a:rPr>
-                                <m:t>+</m:t>
-                              </m:r>
-                              <m:nary>
-                                <m:naryPr>
-                                  <m:ctrlPr>
-                                    <a:rPr lang="en-GB" i="1">
-                                      <a:latin typeface="Cambria Math" panose="02040503050406030204" pitchFamily="18" charset="0"/>
-                                    </a:rPr>
-                                  </m:ctrlPr>
-                                </m:naryPr>
-                                <m:sub>
-                                  <m:r>
-                                    <m:rPr>
-                                      <m:brk m:alnAt="23"/>
-                                    </m:rPr>
-                                    <a:rPr lang="en-GB" i="1">
-                                      <a:latin typeface="Cambria Math" panose="02040503050406030204" pitchFamily="18" charset="0"/>
-                                    </a:rPr>
-                                    <m:t>−</m:t>
-                                  </m:r>
-                                  <m:r>
-                                    <a:rPr lang="en-GB" i="1">
-                                      <a:latin typeface="Cambria Math" panose="02040503050406030204" pitchFamily="18" charset="0"/>
-                                    </a:rPr>
-                                    <m:t>𝜋</m:t>
-                                  </m:r>
-                                </m:sub>
-                                <m:sup>
-                                  <m:r>
-                                    <a:rPr lang="en-GB" i="1">
-                                      <a:latin typeface="Cambria Math" panose="02040503050406030204" pitchFamily="18" charset="0"/>
-                                    </a:rPr>
-                                    <m:t>𝜋</m:t>
-                                  </m:r>
-                                </m:sup>
-                                <m:e>
-                                  <m:f>
-                                    <m:fPr>
-                                      <m:ctrlPr>
-                                        <a:rPr lang="en-GB" i="1">
-                                          <a:latin typeface="Cambria Math" panose="02040503050406030204" pitchFamily="18" charset="0"/>
-                                        </a:rPr>
-                                      </m:ctrlPr>
-                                    </m:fPr>
-                                    <m:num>
-                                      <m:sSup>
-                                        <m:sSupPr>
-                                          <m:ctrlPr>
-                                            <a:rPr lang="en-GB" i="1">
-                                              <a:latin typeface="Cambria Math" panose="02040503050406030204" pitchFamily="18" charset="0"/>
-                                            </a:rPr>
-                                          </m:ctrlPr>
-                                        </m:sSupPr>
-                                        <m:e>
                                           <m:d>
                                             <m:dPr>
-                                              <m:begChr m:val="|"/>
-                                              <m:endChr m:val="|"/>
                                               <m:ctrlPr>
                                                 <a:rPr lang="en-GB" i="1">
                                                   <a:latin typeface="Cambria Math" panose="02040503050406030204" pitchFamily="18" charset="0"/>
@@ -19175,7 +17706,44 @@
                                                     <a:rPr lang="en-GB" i="1">
                                                       <a:latin typeface="Cambria Math" panose="02040503050406030204" pitchFamily="18" charset="0"/>
                                                     </a:rPr>
-                                                    <m:t>𝐻</m:t>
+                                                    <m:t>𝑒</m:t>
+                                                  </m:r>
+                                                </m:e>
+                                                <m:sup>
+                                                  <m:r>
+                                                    <a:rPr lang="en-GB" i="1">
+                                                      <a:latin typeface="Cambria Math" panose="02040503050406030204" pitchFamily="18" charset="0"/>
+                                                    </a:rPr>
+                                                    <m:t>𝑗</m:t>
+                                                  </m:r>
+                                                  <m:r>
+                                                    <a:rPr lang="en-GB" i="1">
+                                                      <a:latin typeface="Cambria Math" panose="02040503050406030204" pitchFamily="18" charset="0"/>
+                                                    </a:rPr>
+                                                    <m:t>𝜔</m:t>
+                                                  </m:r>
+                                                </m:sup>
+                                              </m:sSup>
+                                              <m:r>
+                                                <a:rPr lang="en-GB" i="1">
+                                                  <a:latin typeface="Cambria Math" panose="02040503050406030204" pitchFamily="18" charset="0"/>
+                                                </a:rPr>
+                                                <m:t>,</m:t>
+                                              </m:r>
+                                              <m:sSup>
+                                                <m:sSupPr>
+                                                  <m:ctrlPr>
+                                                    <a:rPr lang="en-GB" i="1">
+                                                      <a:latin typeface="Cambria Math" panose="02040503050406030204" pitchFamily="18" charset="0"/>
+                                                    </a:rPr>
+                                                  </m:ctrlPr>
+                                                </m:sSupPr>
+                                                <m:e>
+                                                  <m:r>
+                                                    <a:rPr lang="en-GB" i="1">
+                                                      <a:latin typeface="Cambria Math" panose="02040503050406030204" pitchFamily="18" charset="0"/>
+                                                    </a:rPr>
+                                                    <m:t>𝜃</m:t>
                                                   </m:r>
                                                 </m:e>
                                                 <m:sup>
@@ -19190,426 +17758,33 @@
                                             </m:e>
                                           </m:d>
                                         </m:e>
-                                        <m:sup>
-                                          <m:r>
-                                            <a:rPr lang="en-GB" i="1">
-                                              <a:latin typeface="Cambria Math" panose="02040503050406030204" pitchFamily="18" charset="0"/>
-                                            </a:rPr>
-                                            <m:t>2</m:t>
-                                          </m:r>
-                                        </m:sup>
-                                      </m:sSup>
-                                      <m:sSup>
-                                        <m:sSupPr>
-                                          <m:ctrlPr>
-                                            <a:rPr lang="en-GB" i="1">
-                                              <a:latin typeface="Cambria Math" panose="02040503050406030204" pitchFamily="18" charset="0"/>
-                                            </a:rPr>
-                                          </m:ctrlPr>
-                                        </m:sSupPr>
-                                        <m:e>
-                                          <m:d>
-                                            <m:dPr>
-                                              <m:begChr m:val="|"/>
-                                              <m:endChr m:val="|"/>
-                                              <m:ctrlPr>
-                                                <a:rPr lang="en-GB" i="1">
-                                                  <a:latin typeface="Cambria Math" panose="02040503050406030204" pitchFamily="18" charset="0"/>
-                                                </a:rPr>
-                                              </m:ctrlPr>
-                                            </m:dPr>
-                                            <m:e>
-                                              <m:sSup>
-                                                <m:sSupPr>
-                                                  <m:ctrlPr>
-                                                    <a:rPr lang="en-GB" i="1">
-                                                      <a:latin typeface="Cambria Math" panose="02040503050406030204" pitchFamily="18" charset="0"/>
-                                                    </a:rPr>
-                                                  </m:ctrlPr>
-                                                </m:sSupPr>
-                                                <m:e>
-                                                  <m:r>
-                                                    <a:rPr lang="en-GB" i="1">
-                                                      <a:latin typeface="Cambria Math" panose="02040503050406030204" pitchFamily="18" charset="0"/>
-                                                    </a:rPr>
-                                                    <m:t>𝑆</m:t>
-                                                  </m:r>
-                                                </m:e>
-                                                <m:sup>
-                                                  <m:r>
-                                                    <a:rPr lang="en-GB" i="1">
-                                                      <a:latin typeface="Cambria Math" panose="02040503050406030204" pitchFamily="18" charset="0"/>
-                                                    </a:rPr>
-                                                    <m:t>0</m:t>
-                                                  </m:r>
-                                                </m:sup>
-                                              </m:sSup>
-                                            </m:e>
-                                          </m:d>
-                                        </m:e>
-                                        <m:sup>
-                                          <m:r>
-                                            <a:rPr lang="en-GB" i="1">
-                                              <a:latin typeface="Cambria Math" panose="02040503050406030204" pitchFamily="18" charset="0"/>
-                                            </a:rPr>
-                                            <m:t>2</m:t>
-                                          </m:r>
-                                        </m:sup>
-                                      </m:sSup>
-                                    </m:num>
-                                    <m:den>
-                                      <m:sSup>
-                                        <m:sSupPr>
-                                          <m:ctrlPr>
-                                            <a:rPr lang="en-GB" i="1">
-                                              <a:latin typeface="Cambria Math" panose="02040503050406030204" pitchFamily="18" charset="0"/>
-                                            </a:rPr>
-                                          </m:ctrlPr>
-                                        </m:sSupPr>
-                                        <m:e>
-                                          <m:d>
-                                            <m:dPr>
-                                              <m:begChr m:val="|"/>
-                                              <m:endChr m:val="|"/>
-                                              <m:ctrlPr>
-                                                <a:rPr lang="en-GB" i="1">
-                                                  <a:latin typeface="Cambria Math" panose="02040503050406030204" pitchFamily="18" charset="0"/>
-                                                </a:rPr>
-                                              </m:ctrlPr>
-                                            </m:dPr>
-                                            <m:e>
-                                              <m:r>
-                                                <a:rPr lang="en-GB" i="1">
-                                                  <a:latin typeface="Cambria Math" panose="02040503050406030204" pitchFamily="18" charset="0"/>
-                                                </a:rPr>
-                                                <m:t>𝐻</m:t>
-                                              </m:r>
-                                            </m:e>
-                                          </m:d>
-                                        </m:e>
-                                        <m:sup>
-                                          <m:r>
-                                            <a:rPr lang="en-GB" i="1">
-                                              <a:latin typeface="Cambria Math" panose="02040503050406030204" pitchFamily="18" charset="0"/>
-                                            </a:rPr>
-                                            <m:t>2</m:t>
-                                          </m:r>
-                                        </m:sup>
-                                      </m:sSup>
-                                      <m:sSup>
-                                        <m:sSupPr>
-                                          <m:ctrlPr>
-                                            <a:rPr lang="en-GB" i="1">
-                                              <a:latin typeface="Cambria Math" panose="02040503050406030204" pitchFamily="18" charset="0"/>
-                                            </a:rPr>
-                                          </m:ctrlPr>
-                                        </m:sSupPr>
-                                        <m:e>
-                                          <m:d>
-                                            <m:dPr>
-                                              <m:begChr m:val="|"/>
-                                              <m:endChr m:val="|"/>
-                                              <m:ctrlPr>
-                                                <a:rPr lang="en-GB" i="1">
-                                                  <a:latin typeface="Cambria Math" panose="02040503050406030204" pitchFamily="18" charset="0"/>
-                                                </a:rPr>
-                                              </m:ctrlPr>
-                                            </m:dPr>
-                                            <m:e>
-                                              <m:r>
-                                                <a:rPr lang="en-GB" i="1">
-                                                  <a:latin typeface="Cambria Math" panose="02040503050406030204" pitchFamily="18" charset="0"/>
-                                                </a:rPr>
-                                                <m:t>𝑆</m:t>
-                                              </m:r>
-                                            </m:e>
-                                          </m:d>
-                                        </m:e>
-                                        <m:sup>
-                                          <m:r>
-                                            <a:rPr lang="en-GB" i="1">
-                                              <a:latin typeface="Cambria Math" panose="02040503050406030204" pitchFamily="18" charset="0"/>
-                                            </a:rPr>
-                                            <m:t>2</m:t>
-                                          </m:r>
-                                        </m:sup>
-                                      </m:sSup>
-                                    </m:den>
-                                  </m:f>
-                                  <m:sSup>
-                                    <m:sSupPr>
-                                      <m:ctrlPr>
-                                        <a:rPr lang="en-GB" b="0" i="1" smtClean="0">
-                                          <a:latin typeface="Cambria Math" panose="02040503050406030204" pitchFamily="18" charset="0"/>
-                                        </a:rPr>
-                                      </m:ctrlPr>
-                                    </m:sSupPr>
-                                    <m:e>
-                                      <m:r>
-                                        <a:rPr lang="en-GB" b="0" i="1" smtClean="0">
-                                          <a:latin typeface="Cambria Math" panose="02040503050406030204" pitchFamily="18" charset="0"/>
-                                        </a:rPr>
-                                        <m:t>𝜆</m:t>
-                                      </m:r>
+                                      </m:d>
                                     </m:e>
                                     <m:sup>
                                       <m:r>
-                                        <a:rPr lang="en-GB" b="0" i="1" smtClean="0">
+                                        <a:rPr lang="en-GB" i="1">
                                           <a:latin typeface="Cambria Math" panose="02040503050406030204" pitchFamily="18" charset="0"/>
                                         </a:rPr>
                                         <m:t>2</m:t>
                                       </m:r>
                                     </m:sup>
                                   </m:sSup>
+                                </m:num>
+                                <m:den>
                                   <m:r>
-                                    <a:rPr lang="en-GB" b="0" i="1" smtClean="0">
+                                    <a:rPr lang="en-GB" i="1">
                                       <a:latin typeface="Cambria Math" panose="02040503050406030204" pitchFamily="18" charset="0"/>
                                     </a:rPr>
-                                    <m:t>𝑑</m:t>
-                                  </m:r>
-                                  <m:r>
-                                    <a:rPr lang="en-GB" b="0" i="1" smtClean="0">
-                                      <a:latin typeface="Cambria Math" panose="02040503050406030204" pitchFamily="18" charset="0"/>
-                                    </a:rPr>
-                                    <m:t>𝜔</m:t>
+                                    <m:t>|</m:t>
                                   </m:r>
                                   <m:r>
                                     <a:rPr lang="en-GB" i="1">
                                       <a:latin typeface="Cambria Math" panose="02040503050406030204" pitchFamily="18" charset="0"/>
                                     </a:rPr>
-                                    <m:t>  </m:t>
+                                    <m:t>𝐻</m:t>
                                   </m:r>
-                                </m:e>
-                              </m:nary>
-                              <m:r>
-                                <a:rPr lang="en-GB" i="1">
-                                  <a:latin typeface="Cambria Math" panose="02040503050406030204" pitchFamily="18" charset="0"/>
-                                </a:rPr>
-                                <m:t> </m:t>
-                              </m:r>
-                            </m:e>
-                          </m:nary>
-                        </m:e>
-                      </m:d>
-                    </m:oMath>
-                  </m:oMathPara>
-                </a14:m>
-                <a:endParaRPr lang="en-GB" dirty="0" smtClean="0"/>
-              </a:p>
-              <a:p>
-                <a:endParaRPr lang="en-GB" dirty="0"/>
-              </a:p>
-              <a:p>
-                <a:r>
-                  <a:rPr lang="en-GB" dirty="0" smtClean="0"/>
-                  <a:t>With our objective to obtain a simulated output very similar to the measurement (H=1) we obtain:</a:t>
-                </a:r>
-              </a:p>
-              <a:p>
-                <a:endParaRPr lang="en-GB" dirty="0"/>
-              </a:p>
-              <a:p>
-                <a:pPr/>
-                <a14:m>
-                  <m:oMathPara xmlns:m="http://schemas.openxmlformats.org/officeDocument/2006/math">
-                    <m:oMathParaPr>
-                      <m:jc m:val="left"/>
-                    </m:oMathParaPr>
-                    <m:oMath xmlns:m="http://schemas.openxmlformats.org/officeDocument/2006/math">
-                      <m:r>
-                        <a:rPr lang="en-GB" i="1">
-                          <a:latin typeface="Cambria Math" panose="02040503050406030204" pitchFamily="18" charset="0"/>
-                        </a:rPr>
-                        <m:t>𝐸</m:t>
-                      </m:r>
-                      <m:d>
-                        <m:dPr>
-                          <m:begChr m:val="["/>
-                          <m:endChr m:val="]"/>
-                          <m:ctrlPr>
-                            <a:rPr lang="en-GB" i="1">
-                              <a:latin typeface="Cambria Math" panose="02040503050406030204" pitchFamily="18" charset="0"/>
-                            </a:rPr>
-                          </m:ctrlPr>
-                        </m:dPr>
-                        <m:e>
-                          <m:r>
-                            <a:rPr lang="en-GB" i="1">
-                              <a:latin typeface="Cambria Math" panose="02040503050406030204" pitchFamily="18" charset="0"/>
-                            </a:rPr>
-                            <m:t>𝜖</m:t>
-                          </m:r>
-                          <m:sSup>
-                            <m:sSupPr>
-                              <m:ctrlPr>
-                                <a:rPr lang="en-GB" i="1">
-                                  <a:latin typeface="Cambria Math" panose="02040503050406030204" pitchFamily="18" charset="0"/>
-                                </a:rPr>
-                              </m:ctrlPr>
-                            </m:sSupPr>
-                            <m:e>
-                              <m:d>
-                                <m:dPr>
-                                  <m:ctrlPr>
-                                    <a:rPr lang="en-GB" i="1">
-                                      <a:latin typeface="Cambria Math" panose="02040503050406030204" pitchFamily="18" charset="0"/>
-                                    </a:rPr>
-                                  </m:ctrlPr>
-                                </m:dPr>
-                                <m:e>
-                                  <m:r>
-                                    <a:rPr lang="en-GB" i="1">
-                                      <a:latin typeface="Cambria Math" panose="02040503050406030204" pitchFamily="18" charset="0"/>
-                                    </a:rPr>
-                                    <m:t>𝑡</m:t>
-                                  </m:r>
-                                </m:e>
-                              </m:d>
-                            </m:e>
-                            <m:sup>
-                              <m:r>
-                                <a:rPr lang="en-GB" i="1">
-                                  <a:latin typeface="Cambria Math" panose="02040503050406030204" pitchFamily="18" charset="0"/>
-                                </a:rPr>
-                                <m:t>2</m:t>
-                              </m:r>
-                            </m:sup>
-                          </m:sSup>
-                        </m:e>
-                      </m:d>
-                      <m:r>
-                        <a:rPr lang="en-GB" i="1">
-                          <a:latin typeface="Cambria Math" panose="02040503050406030204" pitchFamily="18" charset="0"/>
-                        </a:rPr>
-                        <m:t>=</m:t>
-                      </m:r>
-                      <m:f>
-                        <m:fPr>
-                          <m:ctrlPr>
-                            <a:rPr lang="en-GB" i="1">
-                              <a:latin typeface="Cambria Math" panose="02040503050406030204" pitchFamily="18" charset="0"/>
-                            </a:rPr>
-                          </m:ctrlPr>
-                        </m:fPr>
-                        <m:num>
-                          <m:r>
-                            <a:rPr lang="en-GB" i="1">
-                              <a:latin typeface="Cambria Math" panose="02040503050406030204" pitchFamily="18" charset="0"/>
-                            </a:rPr>
-                            <m:t>1</m:t>
-                          </m:r>
-                        </m:num>
-                        <m:den>
-                          <m:r>
-                            <a:rPr lang="en-GB" i="1">
-                              <a:latin typeface="Cambria Math" panose="02040503050406030204" pitchFamily="18" charset="0"/>
-                            </a:rPr>
-                            <m:t>2</m:t>
-                          </m:r>
-                          <m:r>
-                            <a:rPr lang="en-GB" i="1">
-                              <a:latin typeface="Cambria Math" panose="02040503050406030204" pitchFamily="18" charset="0"/>
-                            </a:rPr>
-                            <m:t>𝜋</m:t>
-                          </m:r>
-                        </m:den>
-                      </m:f>
-                      <m:d>
-                        <m:dPr>
-                          <m:begChr m:val="["/>
-                          <m:endChr m:val="]"/>
-                          <m:ctrlPr>
-                            <a:rPr lang="en-GB" i="1">
-                              <a:latin typeface="Cambria Math" panose="02040503050406030204" pitchFamily="18" charset="0"/>
-                            </a:rPr>
-                          </m:ctrlPr>
-                        </m:dPr>
-                        <m:e>
-                          <m:nary>
-                            <m:naryPr>
-                              <m:ctrlPr>
-                                <a:rPr lang="en-GB" i="1">
-                                  <a:latin typeface="Cambria Math" panose="02040503050406030204" pitchFamily="18" charset="0"/>
-                                </a:rPr>
-                              </m:ctrlPr>
-                            </m:naryPr>
-                            <m:sub>
-                              <m:r>
-                                <m:rPr>
-                                  <m:brk m:alnAt="23"/>
-                                </m:rPr>
-                                <a:rPr lang="en-GB" i="1">
-                                  <a:latin typeface="Cambria Math" panose="02040503050406030204" pitchFamily="18" charset="0"/>
-                                </a:rPr>
-                                <m:t>−</m:t>
-                              </m:r>
-                              <m:r>
-                                <a:rPr lang="en-GB" i="1">
-                                  <a:latin typeface="Cambria Math" panose="02040503050406030204" pitchFamily="18" charset="0"/>
-                                </a:rPr>
-                                <m:t>𝜋</m:t>
-                              </m:r>
-                            </m:sub>
-                            <m:sup>
-                              <m:r>
-                                <a:rPr lang="en-GB" i="1">
-                                  <a:latin typeface="Cambria Math" panose="02040503050406030204" pitchFamily="18" charset="0"/>
-                                </a:rPr>
-                                <m:t>𝜋</m:t>
-                              </m:r>
-                            </m:sup>
-                            <m:e>
-                              <m:sSup>
-                                <m:sSupPr>
-                                  <m:ctrlPr>
-                                    <a:rPr lang="en-GB" i="1">
-                                      <a:latin typeface="Cambria Math" panose="02040503050406030204" pitchFamily="18" charset="0"/>
-                                    </a:rPr>
-                                  </m:ctrlPr>
-                                </m:sSupPr>
-                                <m:e>
                                   <m:d>
                                     <m:dPr>
-                                      <m:begChr m:val="|"/>
-                                      <m:endChr m:val="|"/>
-                                      <m:ctrlPr>
-                                        <a:rPr lang="en-GB" i="1">
-                                          <a:latin typeface="Cambria Math" panose="02040503050406030204" pitchFamily="18" charset="0"/>
-                                        </a:rPr>
-                                      </m:ctrlPr>
-                                    </m:dPr>
-                                    <m:e>
-                                      <m:r>
-                                        <a:rPr lang="en-GB" i="1">
-                                          <a:latin typeface="Cambria Math" panose="02040503050406030204" pitchFamily="18" charset="0"/>
-                                        </a:rPr>
-                                        <m:t>𝐶</m:t>
-                                      </m:r>
-                                    </m:e>
-                                  </m:d>
-                                </m:e>
-                                <m:sup>
-                                  <m:r>
-                                    <a:rPr lang="en-GB" i="1">
-                                      <a:latin typeface="Cambria Math" panose="02040503050406030204" pitchFamily="18" charset="0"/>
-                                    </a:rPr>
-                                    <m:t>2</m:t>
-                                  </m:r>
-                                </m:sup>
-                              </m:sSup>
-                              <m:sSup>
-                                <m:sSupPr>
-                                  <m:ctrlPr>
-                                    <a:rPr lang="en-GB" i="1">
-                                      <a:latin typeface="Cambria Math" panose="02040503050406030204" pitchFamily="18" charset="0"/>
-                                    </a:rPr>
-                                  </m:ctrlPr>
-                                </m:sSupPr>
-                                <m:e>
-                                  <m:d>
-                                    <m:dPr>
-                                      <m:begChr m:val="|"/>
-                                      <m:endChr m:val="|"/>
                                       <m:ctrlPr>
                                         <a:rPr lang="en-GB" i="1">
                                           <a:latin typeface="Cambria Math" panose="02040503050406030204" pitchFamily="18" charset="0"/>
@@ -19630,7 +17805,7 @@
                                             <a:rPr lang="en-GB" i="1">
                                               <a:latin typeface="Cambria Math" panose="02040503050406030204" pitchFamily="18" charset="0"/>
                                             </a:rPr>
-                                            <m:t>𝑆</m:t>
+                                            <m:t>𝑒</m:t>
                                           </m:r>
                                         </m:e>
                                         <m:sup>
@@ -19638,64 +17813,13 @@
                                             <a:rPr lang="en-GB" i="1">
                                               <a:latin typeface="Cambria Math" panose="02040503050406030204" pitchFamily="18" charset="0"/>
                                             </a:rPr>
-                                            <m:t>0</m:t>
+                                            <m:t>𝑗</m:t>
                                           </m:r>
-                                        </m:sup>
-                                      </m:sSup>
-                                    </m:e>
-                                  </m:d>
-                                </m:e>
-                                <m:sup>
-                                  <m:r>
-                                    <a:rPr lang="en-GB" i="1">
-                                      <a:latin typeface="Cambria Math" panose="02040503050406030204" pitchFamily="18" charset="0"/>
-                                    </a:rPr>
-                                    <m:t>2</m:t>
-                                  </m:r>
-                                </m:sup>
-                              </m:sSup>
-                              <m:sSup>
-                                <m:sSupPr>
-                                  <m:ctrlPr>
-                                    <a:rPr lang="en-GB" i="1">
-                                      <a:latin typeface="Cambria Math" panose="02040503050406030204" pitchFamily="18" charset="0"/>
-                                    </a:rPr>
-                                  </m:ctrlPr>
-                                </m:sSupPr>
-                                <m:e>
-                                  <m:d>
-                                    <m:dPr>
-                                      <m:begChr m:val="|"/>
-                                      <m:endChr m:val="|"/>
-                                      <m:ctrlPr>
-                                        <a:rPr lang="en-GB" i="1">
-                                          <a:latin typeface="Cambria Math" panose="02040503050406030204" pitchFamily="18" charset="0"/>
-                                        </a:rPr>
-                                      </m:ctrlPr>
-                                    </m:dPr>
-                                    <m:e>
-                                      <m:sSup>
-                                        <m:sSupPr>
-                                          <m:ctrlPr>
-                                            <a:rPr lang="en-GB" i="1">
-                                              <a:latin typeface="Cambria Math" panose="02040503050406030204" pitchFamily="18" charset="0"/>
-                                            </a:rPr>
-                                          </m:ctrlPr>
-                                        </m:sSupPr>
-                                        <m:e>
                                           <m:r>
                                             <a:rPr lang="en-GB" i="1">
                                               <a:latin typeface="Cambria Math" panose="02040503050406030204" pitchFamily="18" charset="0"/>
                                             </a:rPr>
-                                            <m:t>𝐺</m:t>
-                                          </m:r>
-                                        </m:e>
-                                        <m:sup>
-                                          <m:r>
-                                            <a:rPr lang="en-GB" i="1">
-                                              <a:latin typeface="Cambria Math" panose="02040503050406030204" pitchFamily="18" charset="0"/>
-                                            </a:rPr>
-                                            <m:t>0</m:t>
+                                            <m:t>𝜔</m:t>
                                           </m:r>
                                         </m:sup>
                                       </m:sSup>
@@ -19703,268 +17827,16 @@
                                         <a:rPr lang="en-GB" i="1">
                                           <a:latin typeface="Cambria Math" panose="02040503050406030204" pitchFamily="18" charset="0"/>
                                         </a:rPr>
-                                        <m:t>−</m:t>
+                                        <m:t>, </m:t>
                                       </m:r>
                                       <m:r>
                                         <a:rPr lang="en-GB" i="1">
                                           <a:latin typeface="Cambria Math" panose="02040503050406030204" pitchFamily="18" charset="0"/>
                                         </a:rPr>
-                                        <m:t>𝐺</m:t>
+                                        <m:t>𝜃</m:t>
                                       </m:r>
                                     </m:e>
                                   </m:d>
-                                </m:e>
-                                <m:sup>
-                                  <m:r>
-                                    <a:rPr lang="en-GB" i="1">
-                                      <a:latin typeface="Cambria Math" panose="02040503050406030204" pitchFamily="18" charset="0"/>
-                                    </a:rPr>
-                                    <m:t>2</m:t>
-                                  </m:r>
-                                </m:sup>
-                              </m:sSup>
-                              <m:sSub>
-                                <m:sSubPr>
-                                  <m:ctrlPr>
-                                    <a:rPr lang="en-GB" i="1">
-                                      <a:latin typeface="Cambria Math" panose="02040503050406030204" pitchFamily="18" charset="0"/>
-                                    </a:rPr>
-                                  </m:ctrlPr>
-                                </m:sSubPr>
-                                <m:e>
-                                  <m:r>
-                                    <a:rPr lang="en-GB" i="1">
-                                      <a:latin typeface="Cambria Math" panose="02040503050406030204" pitchFamily="18" charset="0"/>
-                                    </a:rPr>
-                                    <m:t>𝜙</m:t>
-                                  </m:r>
-                                </m:e>
-                                <m:sub>
-                                  <m:r>
-                                    <a:rPr lang="en-GB" i="1">
-                                      <a:latin typeface="Cambria Math" panose="02040503050406030204" pitchFamily="18" charset="0"/>
-                                    </a:rPr>
-                                    <m:t>𝑟</m:t>
-                                  </m:r>
-                                </m:sub>
-                              </m:sSub>
-                              <m:r>
-                                <a:rPr lang="en-GB" i="1">
-                                  <a:latin typeface="Cambria Math" panose="02040503050406030204" pitchFamily="18" charset="0"/>
-                                </a:rPr>
-                                <m:t>𝑑</m:t>
-                              </m:r>
-                              <m:r>
-                                <a:rPr lang="en-GB" i="1">
-                                  <a:latin typeface="Cambria Math" panose="02040503050406030204" pitchFamily="18" charset="0"/>
-                                </a:rPr>
-                                <m:t>𝜔</m:t>
-                              </m:r>
-                              <m:r>
-                                <a:rPr lang="en-GB" i="1">
-                                  <a:latin typeface="Cambria Math" panose="02040503050406030204" pitchFamily="18" charset="0"/>
-                                </a:rPr>
-                                <m:t>+</m:t>
-                              </m:r>
-                              <m:nary>
-                                <m:naryPr>
-                                  <m:ctrlPr>
-                                    <a:rPr lang="en-GB" i="1">
-                                      <a:latin typeface="Cambria Math" panose="02040503050406030204" pitchFamily="18" charset="0"/>
-                                    </a:rPr>
-                                  </m:ctrlPr>
-                                </m:naryPr>
-                                <m:sub>
-                                  <m:r>
-                                    <m:rPr>
-                                      <m:brk m:alnAt="23"/>
-                                    </m:rPr>
-                                    <a:rPr lang="en-GB" i="1">
-                                      <a:latin typeface="Cambria Math" panose="02040503050406030204" pitchFamily="18" charset="0"/>
-                                    </a:rPr>
-                                    <m:t>−</m:t>
-                                  </m:r>
-                                  <m:r>
-                                    <a:rPr lang="en-GB" i="1">
-                                      <a:latin typeface="Cambria Math" panose="02040503050406030204" pitchFamily="18" charset="0"/>
-                                    </a:rPr>
-                                    <m:t>𝜋</m:t>
-                                  </m:r>
-                                </m:sub>
-                                <m:sup>
-                                  <m:r>
-                                    <a:rPr lang="en-GB" i="1">
-                                      <a:latin typeface="Cambria Math" panose="02040503050406030204" pitchFamily="18" charset="0"/>
-                                    </a:rPr>
-                                    <m:t>𝜋</m:t>
-                                  </m:r>
-                                </m:sup>
-                                <m:e>
-                                  <m:f>
-                                    <m:fPr>
-                                      <m:ctrlPr>
-                                        <a:rPr lang="en-GB" i="1">
-                                          <a:latin typeface="Cambria Math" panose="02040503050406030204" pitchFamily="18" charset="0"/>
-                                        </a:rPr>
-                                      </m:ctrlPr>
-                                    </m:fPr>
-                                    <m:num>
-                                      <m:sSup>
-                                        <m:sSupPr>
-                                          <m:ctrlPr>
-                                            <a:rPr lang="en-GB" i="1">
-                                              <a:latin typeface="Cambria Math" panose="02040503050406030204" pitchFamily="18" charset="0"/>
-                                            </a:rPr>
-                                          </m:ctrlPr>
-                                        </m:sSupPr>
-                                        <m:e>
-                                          <m:d>
-                                            <m:dPr>
-                                              <m:begChr m:val="|"/>
-                                              <m:endChr m:val="|"/>
-                                              <m:ctrlPr>
-                                                <a:rPr lang="en-GB" i="1">
-                                                  <a:latin typeface="Cambria Math" panose="02040503050406030204" pitchFamily="18" charset="0"/>
-                                                </a:rPr>
-                                              </m:ctrlPr>
-                                            </m:dPr>
-                                            <m:e>
-                                              <m:sSup>
-                                                <m:sSupPr>
-                                                  <m:ctrlPr>
-                                                    <a:rPr lang="en-GB" i="1">
-                                                      <a:latin typeface="Cambria Math" panose="02040503050406030204" pitchFamily="18" charset="0"/>
-                                                    </a:rPr>
-                                                  </m:ctrlPr>
-                                                </m:sSupPr>
-                                                <m:e>
-                                                  <m:r>
-                                                    <a:rPr lang="en-GB" i="1">
-                                                      <a:latin typeface="Cambria Math" panose="02040503050406030204" pitchFamily="18" charset="0"/>
-                                                    </a:rPr>
-                                                    <m:t>𝐻</m:t>
-                                                  </m:r>
-                                                </m:e>
-                                                <m:sup>
-                                                  <m:r>
-                                                    <a:rPr lang="en-GB" i="1">
-                                                      <a:latin typeface="Cambria Math" panose="02040503050406030204" pitchFamily="18" charset="0"/>
-                                                    </a:rPr>
-                                                    <m:t>0</m:t>
-                                                  </m:r>
-                                                </m:sup>
-                                              </m:sSup>
-                                            </m:e>
-                                          </m:d>
-                                        </m:e>
-                                        <m:sup>
-                                          <m:r>
-                                            <a:rPr lang="en-GB" i="1">
-                                              <a:latin typeface="Cambria Math" panose="02040503050406030204" pitchFamily="18" charset="0"/>
-                                            </a:rPr>
-                                            <m:t>2</m:t>
-                                          </m:r>
-                                        </m:sup>
-                                      </m:sSup>
-                                      <m:sSup>
-                                        <m:sSupPr>
-                                          <m:ctrlPr>
-                                            <a:rPr lang="en-GB" i="1">
-                                              <a:latin typeface="Cambria Math" panose="02040503050406030204" pitchFamily="18" charset="0"/>
-                                            </a:rPr>
-                                          </m:ctrlPr>
-                                        </m:sSupPr>
-                                        <m:e>
-                                          <m:d>
-                                            <m:dPr>
-                                              <m:begChr m:val="|"/>
-                                              <m:endChr m:val="|"/>
-                                              <m:ctrlPr>
-                                                <a:rPr lang="en-GB" i="1">
-                                                  <a:latin typeface="Cambria Math" panose="02040503050406030204" pitchFamily="18" charset="0"/>
-                                                </a:rPr>
-                                              </m:ctrlPr>
-                                            </m:dPr>
-                                            <m:e>
-                                              <m:sSup>
-                                                <m:sSupPr>
-                                                  <m:ctrlPr>
-                                                    <a:rPr lang="en-GB" i="1">
-                                                      <a:latin typeface="Cambria Math" panose="02040503050406030204" pitchFamily="18" charset="0"/>
-                                                    </a:rPr>
-                                                  </m:ctrlPr>
-                                                </m:sSupPr>
-                                                <m:e>
-                                                  <m:r>
-                                                    <a:rPr lang="en-GB" i="1">
-                                                      <a:latin typeface="Cambria Math" panose="02040503050406030204" pitchFamily="18" charset="0"/>
-                                                    </a:rPr>
-                                                    <m:t>𝑆</m:t>
-                                                  </m:r>
-                                                </m:e>
-                                                <m:sup>
-                                                  <m:r>
-                                                    <a:rPr lang="en-GB" i="1">
-                                                      <a:latin typeface="Cambria Math" panose="02040503050406030204" pitchFamily="18" charset="0"/>
-                                                    </a:rPr>
-                                                    <m:t>0</m:t>
-                                                  </m:r>
-                                                </m:sup>
-                                              </m:sSup>
-                                            </m:e>
-                                          </m:d>
-                                        </m:e>
-                                        <m:sup>
-                                          <m:r>
-                                            <a:rPr lang="en-GB" i="1">
-                                              <a:latin typeface="Cambria Math" panose="02040503050406030204" pitchFamily="18" charset="0"/>
-                                            </a:rPr>
-                                            <m:t>2</m:t>
-                                          </m:r>
-                                        </m:sup>
-                                      </m:sSup>
-                                    </m:num>
-                                    <m:den>
-                                      <m:sSup>
-                                        <m:sSupPr>
-                                          <m:ctrlPr>
-                                            <a:rPr lang="en-GB" i="1">
-                                              <a:latin typeface="Cambria Math" panose="02040503050406030204" pitchFamily="18" charset="0"/>
-                                            </a:rPr>
-                                          </m:ctrlPr>
-                                        </m:sSupPr>
-                                        <m:e>
-                                          <m:d>
-                                            <m:dPr>
-                                              <m:begChr m:val="|"/>
-                                              <m:endChr m:val="|"/>
-                                              <m:ctrlPr>
-                                                <a:rPr lang="en-GB" i="1">
-                                                  <a:latin typeface="Cambria Math" panose="02040503050406030204" pitchFamily="18" charset="0"/>
-                                                </a:rPr>
-                                              </m:ctrlPr>
-                                            </m:dPr>
-                                            <m:e>
-                                              <m:r>
-                                                <a:rPr lang="en-GB" i="1">
-                                                  <a:latin typeface="Cambria Math" panose="02040503050406030204" pitchFamily="18" charset="0"/>
-                                                </a:rPr>
-                                                <m:t>𝑆</m:t>
-                                              </m:r>
-                                            </m:e>
-                                          </m:d>
-                                        </m:e>
-                                        <m:sup>
-                                          <m:r>
-                                            <a:rPr lang="en-GB" i="1">
-                                              <a:latin typeface="Cambria Math" panose="02040503050406030204" pitchFamily="18" charset="0"/>
-                                            </a:rPr>
-                                            <m:t>2</m:t>
-                                          </m:r>
-                                        </m:sup>
-                                      </m:sSup>
-                                    </m:den>
-                                  </m:f>
                                   <m:sSup>
                                     <m:sSupPr>
                                       <m:ctrlPr>
@@ -19974,12 +17846,25 @@
                                       </m:ctrlPr>
                                     </m:sSupPr>
                                     <m:e>
-                                      <m:r>
-                                        <a:rPr lang="en-GB" i="1">
-                                          <a:latin typeface="Cambria Math" panose="02040503050406030204" pitchFamily="18" charset="0"/>
-                                        </a:rPr>
-                                        <m:t>𝜆</m:t>
-                                      </m:r>
+                                      <m:d>
+                                        <m:dPr>
+                                          <m:begChr m:val=""/>
+                                          <m:endChr m:val="|"/>
+                                          <m:ctrlPr>
+                                            <a:rPr lang="en-GB" i="1">
+                                              <a:latin typeface="Cambria Math" panose="02040503050406030204" pitchFamily="18" charset="0"/>
+                                            </a:rPr>
+                                          </m:ctrlPr>
+                                        </m:dPr>
+                                        <m:e>
+                                          <m:r>
+                                            <a:rPr lang="en-GB">
+                                              <a:latin typeface="Cambria Math" panose="02040503050406030204" pitchFamily="18" charset="0"/>
+                                            </a:rPr>
+                                            <m:t>​</m:t>
+                                          </m:r>
+                                        </m:e>
+                                      </m:d>
                                     </m:e>
                                     <m:sup>
                                       <m:r>
@@ -19990,137 +17875,8 @@
                                       </m:r>
                                     </m:sup>
                                   </m:sSup>
-                                  <m:r>
-                                    <a:rPr lang="en-GB" i="1">
-                                      <a:latin typeface="Cambria Math" panose="02040503050406030204" pitchFamily="18" charset="0"/>
-                                    </a:rPr>
-                                    <m:t>𝑑</m:t>
-                                  </m:r>
-                                  <m:r>
-                                    <a:rPr lang="en-GB" i="1">
-                                      <a:latin typeface="Cambria Math" panose="02040503050406030204" pitchFamily="18" charset="0"/>
-                                    </a:rPr>
-                                    <m:t>𝜔</m:t>
-                                  </m:r>
-                                  <m:r>
-                                    <a:rPr lang="en-GB" i="1">
-                                      <a:latin typeface="Cambria Math" panose="02040503050406030204" pitchFamily="18" charset="0"/>
-                                    </a:rPr>
-                                    <m:t>  </m:t>
-                                  </m:r>
-                                </m:e>
-                              </m:nary>
-                              <m:r>
-                                <a:rPr lang="en-GB" i="1">
-                                  <a:latin typeface="Cambria Math" panose="02040503050406030204" pitchFamily="18" charset="0"/>
-                                </a:rPr>
-                                <m:t> </m:t>
-                              </m:r>
-                            </m:e>
-                          </m:nary>
-                        </m:e>
-                      </m:d>
-                    </m:oMath>
-                  </m:oMathPara>
-                </a14:m>
-                <a:endParaRPr lang="en-GB" dirty="0" smtClean="0"/>
-              </a:p>
-              <a:p>
-                <a:endParaRPr lang="en-GB" dirty="0"/>
-              </a:p>
-              <a:p>
-                <a:r>
-                  <a:rPr lang="en-GB" dirty="0" smtClean="0"/>
-                  <a:t>In order to understand the effect of the minimisation problem we can write in the following manner:</a:t>
-                </a:r>
-              </a:p>
-              <a:p>
-                <a:endParaRPr lang="en-GB" dirty="0"/>
-              </a:p>
-              <a:p>
-                <a:pPr/>
-                <a14:m>
-                  <m:oMathPara xmlns:m="http://schemas.openxmlformats.org/officeDocument/2006/math">
-                    <m:oMathParaPr>
-                      <m:jc m:val="centerGroup"/>
-                    </m:oMathParaPr>
-                    <m:oMath xmlns:m="http://schemas.openxmlformats.org/officeDocument/2006/math">
-                      <m:f>
-                        <m:fPr>
-                          <m:ctrlPr>
-                            <a:rPr lang="en-GB" i="1">
-                              <a:latin typeface="Cambria Math" panose="02040503050406030204" pitchFamily="18" charset="0"/>
-                            </a:rPr>
-                          </m:ctrlPr>
-                        </m:fPr>
-                        <m:num>
-                          <m:r>
-                            <a:rPr lang="en-GB" i="1">
-                              <a:latin typeface="Cambria Math" panose="02040503050406030204" pitchFamily="18" charset="0"/>
-                            </a:rPr>
-                            <m:t>1</m:t>
-                          </m:r>
-                        </m:num>
-                        <m:den>
-                          <m:r>
-                            <a:rPr lang="en-GB" i="1">
-                              <a:latin typeface="Cambria Math" panose="02040503050406030204" pitchFamily="18" charset="0"/>
-                            </a:rPr>
-                            <m:t>2</m:t>
-                          </m:r>
-                          <m:r>
-                            <a:rPr lang="en-GB" i="1">
-                              <a:latin typeface="Cambria Math" panose="02040503050406030204" pitchFamily="18" charset="0"/>
-                            </a:rPr>
-                            <m:t>𝜋</m:t>
-                          </m:r>
-                        </m:den>
-                      </m:f>
-                      <m:d>
-                        <m:dPr>
-                          <m:begChr m:val="["/>
-                          <m:endChr m:val="]"/>
-                          <m:ctrlPr>
-                            <a:rPr lang="en-GB" i="1">
-                              <a:latin typeface="Cambria Math" panose="02040503050406030204" pitchFamily="18" charset="0"/>
-                            </a:rPr>
-                          </m:ctrlPr>
-                        </m:dPr>
-                        <m:e>
-                          <m:nary>
-                            <m:naryPr>
-                              <m:ctrlPr>
-                                <a:rPr lang="en-GB" i="1">
-                                  <a:latin typeface="Cambria Math" panose="02040503050406030204" pitchFamily="18" charset="0"/>
-                                </a:rPr>
-                              </m:ctrlPr>
-                            </m:naryPr>
-                            <m:sub>
-                              <m:r>
-                                <m:rPr>
-                                  <m:brk m:alnAt="23"/>
-                                </m:rPr>
-                                <a:rPr lang="en-GB" i="1">
-                                  <a:latin typeface="Cambria Math" panose="02040503050406030204" pitchFamily="18" charset="0"/>
-                                </a:rPr>
-                                <m:t>−</m:t>
-                              </m:r>
-                              <m:r>
-                                <a:rPr lang="en-GB" i="1">
-                                  <a:latin typeface="Cambria Math" panose="02040503050406030204" pitchFamily="18" charset="0"/>
-                                </a:rPr>
-                                <m:t>𝜋</m:t>
-                              </m:r>
-                            </m:sub>
-                            <m:sup>
-                              <m:r>
-                                <a:rPr lang="en-GB" i="1">
-                                  <a:latin typeface="Cambria Math" panose="02040503050406030204" pitchFamily="18" charset="0"/>
-                                </a:rPr>
-                                <m:t>𝜋</m:t>
-                              </m:r>
-                            </m:sup>
-                            <m:e>
+                                </m:den>
+                              </m:f>
                               <m:sSup>
                                 <m:sSupPr>
                                   <m:ctrlPr>
@@ -20130,624 +17886,12 @@
                                   </m:ctrlPr>
                                 </m:sSupPr>
                                 <m:e>
-                                  <m:d>
-                                    <m:dPr>
-                                      <m:begChr m:val="|"/>
-                                      <m:endChr m:val="|"/>
-                                      <m:ctrlPr>
-                                        <a:rPr lang="en-GB" i="1">
-                                          <a:latin typeface="Cambria Math" panose="02040503050406030204" pitchFamily="18" charset="0"/>
-                                        </a:rPr>
-                                      </m:ctrlPr>
-                                    </m:dPr>
-                                    <m:e>
-                                      <m:r>
-                                        <a:rPr lang="en-GB" i="1">
-                                          <a:latin typeface="Cambria Math" panose="02040503050406030204" pitchFamily="18" charset="0"/>
-                                        </a:rPr>
-                                        <m:t>𝐶</m:t>
-                                      </m:r>
-                                    </m:e>
-                                  </m:d>
-                                </m:e>
-                                <m:sup>
                                   <m:r>
                                     <a:rPr lang="en-GB" i="1">
                                       <a:latin typeface="Cambria Math" panose="02040503050406030204" pitchFamily="18" charset="0"/>
                                     </a:rPr>
-                                    <m:t>2</m:t>
+                                    <m:t>𝜆</m:t>
                                   </m:r>
-                                </m:sup>
-                              </m:sSup>
-                              <m:sSup>
-                                <m:sSupPr>
-                                  <m:ctrlPr>
-                                    <a:rPr lang="en-GB" i="1">
-                                      <a:latin typeface="Cambria Math" panose="02040503050406030204" pitchFamily="18" charset="0"/>
-                                    </a:rPr>
-                                  </m:ctrlPr>
-                                </m:sSupPr>
-                                <m:e>
-                                  <m:d>
-                                    <m:dPr>
-                                      <m:begChr m:val="|"/>
-                                      <m:endChr m:val="|"/>
-                                      <m:ctrlPr>
-                                        <a:rPr lang="en-GB" i="1">
-                                          <a:latin typeface="Cambria Math" panose="02040503050406030204" pitchFamily="18" charset="0"/>
-                                        </a:rPr>
-                                      </m:ctrlPr>
-                                    </m:dPr>
-                                    <m:e>
-                                      <m:sSup>
-                                        <m:sSupPr>
-                                          <m:ctrlPr>
-                                            <a:rPr lang="en-GB" i="1">
-                                              <a:latin typeface="Cambria Math" panose="02040503050406030204" pitchFamily="18" charset="0"/>
-                                            </a:rPr>
-                                          </m:ctrlPr>
-                                        </m:sSupPr>
-                                        <m:e>
-                                          <m:r>
-                                            <a:rPr lang="en-GB" i="1">
-                                              <a:latin typeface="Cambria Math" panose="02040503050406030204" pitchFamily="18" charset="0"/>
-                                            </a:rPr>
-                                            <m:t>𝑆</m:t>
-                                          </m:r>
-                                        </m:e>
-                                        <m:sup>
-                                          <m:r>
-                                            <a:rPr lang="en-GB" i="1">
-                                              <a:latin typeface="Cambria Math" panose="02040503050406030204" pitchFamily="18" charset="0"/>
-                                            </a:rPr>
-                                            <m:t>0</m:t>
-                                          </m:r>
-                                        </m:sup>
-                                      </m:sSup>
-                                    </m:e>
-                                  </m:d>
-                                </m:e>
-                                <m:sup>
-                                  <m:r>
-                                    <a:rPr lang="en-GB" i="1">
-                                      <a:latin typeface="Cambria Math" panose="02040503050406030204" pitchFamily="18" charset="0"/>
-                                    </a:rPr>
-                                    <m:t>2</m:t>
-                                  </m:r>
-                                </m:sup>
-                              </m:sSup>
-                              <m:sSup>
-                                <m:sSupPr>
-                                  <m:ctrlPr>
-                                    <a:rPr lang="en-GB" i="1">
-                                      <a:latin typeface="Cambria Math" panose="02040503050406030204" pitchFamily="18" charset="0"/>
-                                    </a:rPr>
-                                  </m:ctrlPr>
-                                </m:sSupPr>
-                                <m:e>
-                                  <m:d>
-                                    <m:dPr>
-                                      <m:begChr m:val="|"/>
-                                      <m:endChr m:val="|"/>
-                                      <m:ctrlPr>
-                                        <a:rPr lang="en-GB" i="1">
-                                          <a:latin typeface="Cambria Math" panose="02040503050406030204" pitchFamily="18" charset="0"/>
-                                        </a:rPr>
-                                      </m:ctrlPr>
-                                    </m:dPr>
-                                    <m:e>
-                                      <m:sSup>
-                                        <m:sSupPr>
-                                          <m:ctrlPr>
-                                            <a:rPr lang="en-GB" i="1">
-                                              <a:latin typeface="Cambria Math" panose="02040503050406030204" pitchFamily="18" charset="0"/>
-                                            </a:rPr>
-                                          </m:ctrlPr>
-                                        </m:sSupPr>
-                                        <m:e>
-                                          <m:r>
-                                            <a:rPr lang="en-GB" i="1">
-                                              <a:latin typeface="Cambria Math" panose="02040503050406030204" pitchFamily="18" charset="0"/>
-                                            </a:rPr>
-                                            <m:t>𝐺</m:t>
-                                          </m:r>
-                                        </m:e>
-                                        <m:sup>
-                                          <m:r>
-                                            <a:rPr lang="en-GB" i="1">
-                                              <a:latin typeface="Cambria Math" panose="02040503050406030204" pitchFamily="18" charset="0"/>
-                                            </a:rPr>
-                                            <m:t>0</m:t>
-                                          </m:r>
-                                        </m:sup>
-                                      </m:sSup>
-                                      <m:r>
-                                        <a:rPr lang="en-GB" i="1">
-                                          <a:latin typeface="Cambria Math" panose="02040503050406030204" pitchFamily="18" charset="0"/>
-                                        </a:rPr>
-                                        <m:t>−</m:t>
-                                      </m:r>
-                                      <m:r>
-                                        <a:rPr lang="en-GB" i="1">
-                                          <a:latin typeface="Cambria Math" panose="02040503050406030204" pitchFamily="18" charset="0"/>
-                                        </a:rPr>
-                                        <m:t>𝐺</m:t>
-                                      </m:r>
-                                    </m:e>
-                                  </m:d>
-                                </m:e>
-                                <m:sup>
-                                  <m:r>
-                                    <a:rPr lang="en-GB" i="1">
-                                      <a:latin typeface="Cambria Math" panose="02040503050406030204" pitchFamily="18" charset="0"/>
-                                    </a:rPr>
-                                    <m:t>2</m:t>
-                                  </m:r>
-                                </m:sup>
-                              </m:sSup>
-                              <m:sSub>
-                                <m:sSubPr>
-                                  <m:ctrlPr>
-                                    <a:rPr lang="en-GB" i="1">
-                                      <a:latin typeface="Cambria Math" panose="02040503050406030204" pitchFamily="18" charset="0"/>
-                                    </a:rPr>
-                                  </m:ctrlPr>
-                                </m:sSubPr>
-                                <m:e>
-                                  <m:r>
-                                    <a:rPr lang="en-GB" i="1">
-                                      <a:latin typeface="Cambria Math" panose="02040503050406030204" pitchFamily="18" charset="0"/>
-                                    </a:rPr>
-                                    <m:t>𝜙</m:t>
-                                  </m:r>
-                                </m:e>
-                                <m:sub>
-                                  <m:r>
-                                    <a:rPr lang="en-GB" i="1">
-                                      <a:latin typeface="Cambria Math" panose="02040503050406030204" pitchFamily="18" charset="0"/>
-                                    </a:rPr>
-                                    <m:t>𝑟</m:t>
-                                  </m:r>
-                                </m:sub>
-                              </m:sSub>
-                              <m:r>
-                                <a:rPr lang="en-GB" i="1">
-                                  <a:latin typeface="Cambria Math" panose="02040503050406030204" pitchFamily="18" charset="0"/>
-                                </a:rPr>
-                                <m:t>𝑑</m:t>
-                              </m:r>
-                              <m:r>
-                                <a:rPr lang="en-GB" i="1">
-                                  <a:latin typeface="Cambria Math" panose="02040503050406030204" pitchFamily="18" charset="0"/>
-                                </a:rPr>
-                                <m:t>𝜔</m:t>
-                              </m:r>
-                              <m:r>
-                                <a:rPr lang="en-GB" i="1">
-                                  <a:latin typeface="Cambria Math" panose="02040503050406030204" pitchFamily="18" charset="0"/>
-                                </a:rPr>
-                                <m:t>+</m:t>
-                              </m:r>
-                              <m:nary>
-                                <m:naryPr>
-                                  <m:ctrlPr>
-                                    <a:rPr lang="en-GB" i="1">
-                                      <a:latin typeface="Cambria Math" panose="02040503050406030204" pitchFamily="18" charset="0"/>
-                                    </a:rPr>
-                                  </m:ctrlPr>
-                                </m:naryPr>
-                                <m:sub>
-                                  <m:r>
-                                    <m:rPr>
-                                      <m:brk m:alnAt="23"/>
-                                    </m:rPr>
-                                    <a:rPr lang="en-GB" i="1">
-                                      <a:latin typeface="Cambria Math" panose="02040503050406030204" pitchFamily="18" charset="0"/>
-                                    </a:rPr>
-                                    <m:t>−</m:t>
-                                  </m:r>
-                                  <m:r>
-                                    <a:rPr lang="en-GB" i="1">
-                                      <a:latin typeface="Cambria Math" panose="02040503050406030204" pitchFamily="18" charset="0"/>
-                                    </a:rPr>
-                                    <m:t>𝜋</m:t>
-                                  </m:r>
-                                </m:sub>
-                                <m:sup>
-                                  <m:r>
-                                    <a:rPr lang="en-GB" i="1">
-                                      <a:latin typeface="Cambria Math" panose="02040503050406030204" pitchFamily="18" charset="0"/>
-                                    </a:rPr>
-                                    <m:t>𝜋</m:t>
-                                  </m:r>
-                                </m:sup>
-                                <m:e>
-                                  <m:f>
-                                    <m:fPr>
-                                      <m:ctrlPr>
-                                        <a:rPr lang="en-GB" i="1">
-                                          <a:latin typeface="Cambria Math" panose="02040503050406030204" pitchFamily="18" charset="0"/>
-                                        </a:rPr>
-                                      </m:ctrlPr>
-                                    </m:fPr>
-                                    <m:num>
-                                      <m:sSup>
-                                        <m:sSupPr>
-                                          <m:ctrlPr>
-                                            <a:rPr lang="en-GB" i="1">
-                                              <a:latin typeface="Cambria Math" panose="02040503050406030204" pitchFamily="18" charset="0"/>
-                                            </a:rPr>
-                                          </m:ctrlPr>
-                                        </m:sSupPr>
-                                        <m:e>
-                                          <m:d>
-                                            <m:dPr>
-                                              <m:begChr m:val="|"/>
-                                              <m:endChr m:val="|"/>
-                                              <m:ctrlPr>
-                                                <a:rPr lang="en-GB" i="1">
-                                                  <a:latin typeface="Cambria Math" panose="02040503050406030204" pitchFamily="18" charset="0"/>
-                                                </a:rPr>
-                                              </m:ctrlPr>
-                                            </m:dPr>
-                                            <m:e>
-                                              <m:sSup>
-                                                <m:sSupPr>
-                                                  <m:ctrlPr>
-                                                    <a:rPr lang="en-GB" i="1">
-                                                      <a:latin typeface="Cambria Math" panose="02040503050406030204" pitchFamily="18" charset="0"/>
-                                                    </a:rPr>
-                                                  </m:ctrlPr>
-                                                </m:sSupPr>
-                                                <m:e>
-                                                  <m:r>
-                                                    <a:rPr lang="en-GB" i="1">
-                                                      <a:latin typeface="Cambria Math" panose="02040503050406030204" pitchFamily="18" charset="0"/>
-                                                    </a:rPr>
-                                                    <m:t>𝐻</m:t>
-                                                  </m:r>
-                                                </m:e>
-                                                <m:sup>
-                                                  <m:r>
-                                                    <a:rPr lang="en-GB" i="1">
-                                                      <a:latin typeface="Cambria Math" panose="02040503050406030204" pitchFamily="18" charset="0"/>
-                                                    </a:rPr>
-                                                    <m:t>0</m:t>
-                                                  </m:r>
-                                                </m:sup>
-                                              </m:sSup>
-                                            </m:e>
-                                          </m:d>
-                                        </m:e>
-                                        <m:sup>
-                                          <m:r>
-                                            <a:rPr lang="en-GB" i="1">
-                                              <a:latin typeface="Cambria Math" panose="02040503050406030204" pitchFamily="18" charset="0"/>
-                                            </a:rPr>
-                                            <m:t>2</m:t>
-                                          </m:r>
-                                        </m:sup>
-                                      </m:sSup>
-                                      <m:sSup>
-                                        <m:sSupPr>
-                                          <m:ctrlPr>
-                                            <a:rPr lang="en-GB" i="1">
-                                              <a:latin typeface="Cambria Math" panose="02040503050406030204" pitchFamily="18" charset="0"/>
-                                            </a:rPr>
-                                          </m:ctrlPr>
-                                        </m:sSupPr>
-                                        <m:e>
-                                          <m:d>
-                                            <m:dPr>
-                                              <m:begChr m:val="|"/>
-                                              <m:endChr m:val="|"/>
-                                              <m:ctrlPr>
-                                                <a:rPr lang="en-GB" i="1">
-                                                  <a:latin typeface="Cambria Math" panose="02040503050406030204" pitchFamily="18" charset="0"/>
-                                                </a:rPr>
-                                              </m:ctrlPr>
-                                            </m:dPr>
-                                            <m:e>
-                                              <m:sSup>
-                                                <m:sSupPr>
-                                                  <m:ctrlPr>
-                                                    <a:rPr lang="en-GB" i="1">
-                                                      <a:latin typeface="Cambria Math" panose="02040503050406030204" pitchFamily="18" charset="0"/>
-                                                    </a:rPr>
-                                                  </m:ctrlPr>
-                                                </m:sSupPr>
-                                                <m:e>
-                                                  <m:r>
-                                                    <a:rPr lang="en-GB" i="1">
-                                                      <a:latin typeface="Cambria Math" panose="02040503050406030204" pitchFamily="18" charset="0"/>
-                                                    </a:rPr>
-                                                    <m:t>𝑆</m:t>
-                                                  </m:r>
-                                                </m:e>
-                                                <m:sup>
-                                                  <m:r>
-                                                    <a:rPr lang="en-GB" i="1">
-                                                      <a:latin typeface="Cambria Math" panose="02040503050406030204" pitchFamily="18" charset="0"/>
-                                                    </a:rPr>
-                                                    <m:t>0</m:t>
-                                                  </m:r>
-                                                </m:sup>
-                                              </m:sSup>
-                                            </m:e>
-                                          </m:d>
-                                        </m:e>
-                                        <m:sup>
-                                          <m:r>
-                                            <a:rPr lang="en-GB" i="1">
-                                              <a:latin typeface="Cambria Math" panose="02040503050406030204" pitchFamily="18" charset="0"/>
-                                            </a:rPr>
-                                            <m:t>2</m:t>
-                                          </m:r>
-                                        </m:sup>
-                                      </m:sSup>
-                                    </m:num>
-                                    <m:den>
-                                      <m:sSup>
-                                        <m:sSupPr>
-                                          <m:ctrlPr>
-                                            <a:rPr lang="en-GB" i="1">
-                                              <a:latin typeface="Cambria Math" panose="02040503050406030204" pitchFamily="18" charset="0"/>
-                                            </a:rPr>
-                                          </m:ctrlPr>
-                                        </m:sSupPr>
-                                        <m:e>
-                                          <m:d>
-                                            <m:dPr>
-                                              <m:begChr m:val="|"/>
-                                              <m:endChr m:val="|"/>
-                                              <m:ctrlPr>
-                                                <a:rPr lang="en-GB" i="1">
-                                                  <a:latin typeface="Cambria Math" panose="02040503050406030204" pitchFamily="18" charset="0"/>
-                                                </a:rPr>
-                                              </m:ctrlPr>
-                                            </m:dPr>
-                                            <m:e>
-                                              <m:r>
-                                                <a:rPr lang="en-GB" i="1">
-                                                  <a:latin typeface="Cambria Math" panose="02040503050406030204" pitchFamily="18" charset="0"/>
-                                                </a:rPr>
-                                                <m:t>𝑆</m:t>
-                                              </m:r>
-                                            </m:e>
-                                          </m:d>
-                                        </m:e>
-                                        <m:sup>
-                                          <m:r>
-                                            <a:rPr lang="en-GB" i="1">
-                                              <a:latin typeface="Cambria Math" panose="02040503050406030204" pitchFamily="18" charset="0"/>
-                                            </a:rPr>
-                                            <m:t>2</m:t>
-                                          </m:r>
-                                        </m:sup>
-                                      </m:sSup>
-                                    </m:den>
-                                  </m:f>
-                                  <m:sSup>
-                                    <m:sSupPr>
-                                      <m:ctrlPr>
-                                        <a:rPr lang="en-GB" i="1">
-                                          <a:latin typeface="Cambria Math" panose="02040503050406030204" pitchFamily="18" charset="0"/>
-                                        </a:rPr>
-                                      </m:ctrlPr>
-                                    </m:sSupPr>
-                                    <m:e>
-                                      <m:r>
-                                        <a:rPr lang="en-GB" i="1">
-                                          <a:latin typeface="Cambria Math" panose="02040503050406030204" pitchFamily="18" charset="0"/>
-                                        </a:rPr>
-                                        <m:t>𝜆</m:t>
-                                      </m:r>
-                                    </m:e>
-                                    <m:sup>
-                                      <m:r>
-                                        <a:rPr lang="en-GB" i="1">
-                                          <a:latin typeface="Cambria Math" panose="02040503050406030204" pitchFamily="18" charset="0"/>
-                                        </a:rPr>
-                                        <m:t>2</m:t>
-                                      </m:r>
-                                    </m:sup>
-                                  </m:sSup>
-                                  <m:r>
-                                    <a:rPr lang="en-GB" i="1">
-                                      <a:latin typeface="Cambria Math" panose="02040503050406030204" pitchFamily="18" charset="0"/>
-                                    </a:rPr>
-                                    <m:t>𝑑</m:t>
-                                  </m:r>
-                                  <m:r>
-                                    <a:rPr lang="en-GB" i="1">
-                                      <a:latin typeface="Cambria Math" panose="02040503050406030204" pitchFamily="18" charset="0"/>
-                                    </a:rPr>
-                                    <m:t>𝜔</m:t>
-                                  </m:r>
-                                  <m:r>
-                                    <a:rPr lang="en-GB" i="1">
-                                      <a:latin typeface="Cambria Math" panose="02040503050406030204" pitchFamily="18" charset="0"/>
-                                    </a:rPr>
-                                    <m:t>  </m:t>
-                                  </m:r>
-                                </m:e>
-                              </m:nary>
-                              <m:r>
-                                <a:rPr lang="en-GB" i="1">
-                                  <a:latin typeface="Cambria Math" panose="02040503050406030204" pitchFamily="18" charset="0"/>
-                                </a:rPr>
-                                <m:t> </m:t>
-                              </m:r>
-                            </m:e>
-                          </m:nary>
-                        </m:e>
-                      </m:d>
-                      <m:r>
-                        <a:rPr lang="en-GB" b="0" i="1" smtClean="0">
-                          <a:latin typeface="Cambria Math" panose="02040503050406030204" pitchFamily="18" charset="0"/>
-                        </a:rPr>
-                        <m:t>≤</m:t>
-                      </m:r>
-                      <m:f>
-                        <m:fPr>
-                          <m:ctrlPr>
-                            <a:rPr lang="en-GB" i="1">
-                              <a:latin typeface="Cambria Math" panose="02040503050406030204" pitchFamily="18" charset="0"/>
-                            </a:rPr>
-                          </m:ctrlPr>
-                        </m:fPr>
-                        <m:num>
-                          <m:r>
-                            <a:rPr lang="en-GB" i="1">
-                              <a:latin typeface="Cambria Math" panose="02040503050406030204" pitchFamily="18" charset="0"/>
-                            </a:rPr>
-                            <m:t>1</m:t>
-                          </m:r>
-                        </m:num>
-                        <m:den>
-                          <m:r>
-                            <a:rPr lang="en-GB" i="1">
-                              <a:latin typeface="Cambria Math" panose="02040503050406030204" pitchFamily="18" charset="0"/>
-                            </a:rPr>
-                            <m:t>2</m:t>
-                          </m:r>
-                          <m:r>
-                            <a:rPr lang="en-GB" i="1">
-                              <a:latin typeface="Cambria Math" panose="02040503050406030204" pitchFamily="18" charset="0"/>
-                            </a:rPr>
-                            <m:t>𝜋</m:t>
-                          </m:r>
-                        </m:den>
-                      </m:f>
-                      <m:d>
-                        <m:dPr>
-                          <m:begChr m:val="["/>
-                          <m:endChr m:val="]"/>
-                          <m:ctrlPr>
-                            <a:rPr lang="en-GB" i="1">
-                              <a:latin typeface="Cambria Math" panose="02040503050406030204" pitchFamily="18" charset="0"/>
-                            </a:rPr>
-                          </m:ctrlPr>
-                        </m:dPr>
-                        <m:e>
-                          <m:sSub>
-                            <m:sSubPr>
-                              <m:ctrlPr>
-                                <a:rPr lang="en-GB" b="0" i="1" smtClean="0">
-                                  <a:latin typeface="Cambria Math" panose="02040503050406030204" pitchFamily="18" charset="0"/>
-                                </a:rPr>
-                              </m:ctrlPr>
-                            </m:sSubPr>
-                            <m:e>
-                              <m:r>
-                                <a:rPr lang="en-GB" b="0" i="1" smtClean="0">
-                                  <a:latin typeface="Cambria Math" panose="02040503050406030204" pitchFamily="18" charset="0"/>
-                                </a:rPr>
-                                <m:t>𝐾</m:t>
-                              </m:r>
-                            </m:e>
-                            <m:sub>
-                              <m:r>
-                                <a:rPr lang="en-GB" b="0" i="1" smtClean="0">
-                                  <a:latin typeface="Cambria Math" panose="02040503050406030204" pitchFamily="18" charset="0"/>
-                                </a:rPr>
-                                <m:t>1</m:t>
-                              </m:r>
-                            </m:sub>
-                          </m:sSub>
-                          <m:nary>
-                            <m:naryPr>
-                              <m:ctrlPr>
-                                <a:rPr lang="en-GB" i="1">
-                                  <a:latin typeface="Cambria Math" panose="02040503050406030204" pitchFamily="18" charset="0"/>
-                                </a:rPr>
-                              </m:ctrlPr>
-                            </m:naryPr>
-                            <m:sub>
-                              <m:r>
-                                <m:rPr>
-                                  <m:brk m:alnAt="23"/>
-                                </m:rPr>
-                                <a:rPr lang="en-GB" i="1">
-                                  <a:latin typeface="Cambria Math" panose="02040503050406030204" pitchFamily="18" charset="0"/>
-                                </a:rPr>
-                                <m:t>−</m:t>
-                              </m:r>
-                              <m:r>
-                                <a:rPr lang="en-GB" i="1">
-                                  <a:latin typeface="Cambria Math" panose="02040503050406030204" pitchFamily="18" charset="0"/>
-                                </a:rPr>
-                                <m:t>𝜋</m:t>
-                              </m:r>
-                            </m:sub>
-                            <m:sup>
-                              <m:r>
-                                <a:rPr lang="en-GB" i="1">
-                                  <a:latin typeface="Cambria Math" panose="02040503050406030204" pitchFamily="18" charset="0"/>
-                                </a:rPr>
-                                <m:t>𝜋</m:t>
-                              </m:r>
-                            </m:sup>
-                            <m:e>
-                              <m:sSup>
-                                <m:sSupPr>
-                                  <m:ctrlPr>
-                                    <a:rPr lang="en-GB" i="1">
-                                      <a:latin typeface="Cambria Math" panose="02040503050406030204" pitchFamily="18" charset="0"/>
-                                    </a:rPr>
-                                  </m:ctrlPr>
-                                </m:sSupPr>
-                                <m:e>
-                                  <m:d>
-                                    <m:dPr>
-                                      <m:begChr m:val="|"/>
-                                      <m:endChr m:val="|"/>
-                                      <m:ctrlPr>
-                                        <a:rPr lang="en-GB" i="1">
-                                          <a:latin typeface="Cambria Math" panose="02040503050406030204" pitchFamily="18" charset="0"/>
-                                        </a:rPr>
-                                      </m:ctrlPr>
-                                    </m:dPr>
-                                    <m:e>
-                                      <m:sSup>
-                                        <m:sSupPr>
-                                          <m:ctrlPr>
-                                            <a:rPr lang="en-GB" i="1">
-                                              <a:latin typeface="Cambria Math" panose="02040503050406030204" pitchFamily="18" charset="0"/>
-                                            </a:rPr>
-                                          </m:ctrlPr>
-                                        </m:sSupPr>
-                                        <m:e>
-                                          <m:r>
-                                            <a:rPr lang="en-GB" i="1">
-                                              <a:latin typeface="Cambria Math" panose="02040503050406030204" pitchFamily="18" charset="0"/>
-                                            </a:rPr>
-                                            <m:t>𝐺</m:t>
-                                          </m:r>
-                                        </m:e>
-                                        <m:sup>
-                                          <m:r>
-                                            <a:rPr lang="en-GB" i="1">
-                                              <a:latin typeface="Cambria Math" panose="02040503050406030204" pitchFamily="18" charset="0"/>
-                                            </a:rPr>
-                                            <m:t>0</m:t>
-                                          </m:r>
-                                        </m:sup>
-                                      </m:sSup>
-                                      <m:r>
-                                        <a:rPr lang="en-GB" i="1">
-                                          <a:latin typeface="Cambria Math" panose="02040503050406030204" pitchFamily="18" charset="0"/>
-                                        </a:rPr>
-                                        <m:t>−</m:t>
-                                      </m:r>
-                                      <m:r>
-                                        <a:rPr lang="en-GB" i="1">
-                                          <a:latin typeface="Cambria Math" panose="02040503050406030204" pitchFamily="18" charset="0"/>
-                                        </a:rPr>
-                                        <m:t>𝐺</m:t>
-                                      </m:r>
-                                    </m:e>
-                                  </m:d>
                                 </m:e>
                                 <m:sup>
                                   <m:r>
@@ -20770,158 +17914,10 @@
                                 </a:rPr>
                                 <m:t>𝜔</m:t>
                               </m:r>
-                              <m:r>
-                                <a:rPr lang="en-GB" i="1">
-                                  <a:latin typeface="Cambria Math" panose="02040503050406030204" pitchFamily="18" charset="0"/>
-                                </a:rPr>
-                                <m:t>+</m:t>
-                              </m:r>
-                              <m:sSub>
-                                <m:sSubPr>
-                                  <m:ctrlPr>
-                                    <a:rPr lang="en-GB" b="0" i="1" smtClean="0">
-                                      <a:latin typeface="Cambria Math" panose="02040503050406030204" pitchFamily="18" charset="0"/>
-                                    </a:rPr>
-                                  </m:ctrlPr>
-                                </m:sSubPr>
-                                <m:e>
-                                  <m:r>
-                                    <a:rPr lang="en-GB" b="0" i="1" smtClean="0">
-                                      <a:latin typeface="Cambria Math" panose="02040503050406030204" pitchFamily="18" charset="0"/>
-                                    </a:rPr>
-                                    <m:t>𝐾</m:t>
-                                  </m:r>
-                                </m:e>
-                                <m:sub>
-                                  <m:r>
-                                    <a:rPr lang="en-GB" b="0" i="1" smtClean="0">
-                                      <a:latin typeface="Cambria Math" panose="02040503050406030204" pitchFamily="18" charset="0"/>
-                                    </a:rPr>
-                                    <m:t>2</m:t>
-                                  </m:r>
-                                </m:sub>
-                              </m:sSub>
-                              <m:nary>
-                                <m:naryPr>
-                                  <m:ctrlPr>
-                                    <a:rPr lang="en-GB" i="1">
-                                      <a:latin typeface="Cambria Math" panose="02040503050406030204" pitchFamily="18" charset="0"/>
-                                    </a:rPr>
-                                  </m:ctrlPr>
-                                </m:naryPr>
-                                <m:sub>
-                                  <m:r>
-                                    <m:rPr>
-                                      <m:brk m:alnAt="23"/>
-                                    </m:rPr>
-                                    <a:rPr lang="en-GB" i="1">
-                                      <a:latin typeface="Cambria Math" panose="02040503050406030204" pitchFamily="18" charset="0"/>
-                                    </a:rPr>
-                                    <m:t>−</m:t>
-                                  </m:r>
-                                  <m:r>
-                                    <a:rPr lang="en-GB" i="1">
-                                      <a:latin typeface="Cambria Math" panose="02040503050406030204" pitchFamily="18" charset="0"/>
-                                    </a:rPr>
-                                    <m:t>𝜋</m:t>
-                                  </m:r>
-                                </m:sub>
-                                <m:sup>
-                                  <m:r>
-                                    <a:rPr lang="en-GB" i="1">
-                                      <a:latin typeface="Cambria Math" panose="02040503050406030204" pitchFamily="18" charset="0"/>
-                                    </a:rPr>
-                                    <m:t>𝜋</m:t>
-                                  </m:r>
-                                </m:sup>
-                                <m:e>
-                                  <m:f>
-                                    <m:fPr>
-                                      <m:ctrlPr>
-                                        <a:rPr lang="en-GB" i="1">
-                                          <a:latin typeface="Cambria Math" panose="02040503050406030204" pitchFamily="18" charset="0"/>
-                                        </a:rPr>
-                                      </m:ctrlPr>
-                                    </m:fPr>
-                                    <m:num>
-                                      <m:r>
-                                        <a:rPr lang="en-GB" b="0" i="1" smtClean="0">
-                                          <a:latin typeface="Cambria Math" panose="02040503050406030204" pitchFamily="18" charset="0"/>
-                                        </a:rPr>
-                                        <m:t>1</m:t>
-                                      </m:r>
-                                    </m:num>
-                                    <m:den>
-                                      <m:sSup>
-                                        <m:sSupPr>
-                                          <m:ctrlPr>
-                                            <a:rPr lang="en-GB" i="1">
-                                              <a:latin typeface="Cambria Math" panose="02040503050406030204" pitchFamily="18" charset="0"/>
-                                            </a:rPr>
-                                          </m:ctrlPr>
-                                        </m:sSupPr>
-                                        <m:e>
-                                          <m:d>
-                                            <m:dPr>
-                                              <m:begChr m:val="|"/>
-                                              <m:endChr m:val="|"/>
-                                              <m:ctrlPr>
-                                                <a:rPr lang="en-GB" i="1">
-                                                  <a:latin typeface="Cambria Math" panose="02040503050406030204" pitchFamily="18" charset="0"/>
-                                                </a:rPr>
-                                              </m:ctrlPr>
-                                            </m:dPr>
-                                            <m:e>
-                                              <m:r>
-                                                <a:rPr lang="en-GB" i="1">
-                                                  <a:latin typeface="Cambria Math" panose="02040503050406030204" pitchFamily="18" charset="0"/>
-                                                </a:rPr>
-                                                <m:t>𝑆</m:t>
-                                              </m:r>
-                                            </m:e>
-                                          </m:d>
-                                        </m:e>
-                                        <m:sup>
-                                          <m:r>
-                                            <a:rPr lang="en-GB" i="1">
-                                              <a:latin typeface="Cambria Math" panose="02040503050406030204" pitchFamily="18" charset="0"/>
-                                            </a:rPr>
-                                            <m:t>2</m:t>
-                                          </m:r>
-                                        </m:sup>
-                                      </m:sSup>
-                                    </m:den>
-                                  </m:f>
-                                  <m:r>
-                                    <a:rPr lang="en-GB" i="1">
-                                      <a:latin typeface="Cambria Math" panose="02040503050406030204" pitchFamily="18" charset="0"/>
-                                    </a:rPr>
-                                    <m:t>𝑑</m:t>
-                                  </m:r>
-                                  <m:r>
-                                    <a:rPr lang="en-GB" i="1">
-                                      <a:latin typeface="Cambria Math" panose="02040503050406030204" pitchFamily="18" charset="0"/>
-                                    </a:rPr>
-                                    <m:t>𝜔</m:t>
-                                  </m:r>
-                                  <m:r>
-                                    <a:rPr lang="en-GB" i="1">
-                                      <a:latin typeface="Cambria Math" panose="02040503050406030204" pitchFamily="18" charset="0"/>
-                                    </a:rPr>
-                                    <m:t>  </m:t>
-                                  </m:r>
-                                </m:e>
-                              </m:nary>
-                              <m:r>
-                                <a:rPr lang="en-GB" i="1">
-                                  <a:latin typeface="Cambria Math" panose="02040503050406030204" pitchFamily="18" charset="0"/>
-                                </a:rPr>
-                                <m:t> </m:t>
-                              </m:r>
                             </m:e>
                           </m:nary>
                         </m:e>
-                      </m:d>
+                      </m:nary>
                     </m:oMath>
                   </m:oMathPara>
                 </a14:m>
@@ -20929,355 +17925,298 @@
               </a:p>
               <a:p>
                 <a:pPr/>
-                <a14:m>
-                  <m:oMathPara xmlns:m="http://schemas.openxmlformats.org/officeDocument/2006/math">
-                    <m:oMathParaPr>
-                      <m:jc m:val="centerGroup"/>
-                    </m:oMathParaPr>
-                    <m:oMath xmlns:m="http://schemas.openxmlformats.org/officeDocument/2006/math">
-                      <m:r>
-                        <a:rPr lang="en-GB" b="0" i="1" smtClean="0">
-                          <a:latin typeface="Cambria Math" panose="02040503050406030204" pitchFamily="18" charset="0"/>
-                        </a:rPr>
-                        <m:t>≤</m:t>
-                      </m:r>
-                      <m:f>
-                        <m:fPr>
-                          <m:ctrlPr>
-                            <a:rPr lang="en-GB" i="1">
-                              <a:latin typeface="Cambria Math" panose="02040503050406030204" pitchFamily="18" charset="0"/>
-                            </a:rPr>
-                          </m:ctrlPr>
-                        </m:fPr>
-                        <m:num>
-                          <m:r>
-                            <a:rPr lang="en-GB" b="0" i="1" smtClean="0">
-                              <a:latin typeface="Cambria Math" panose="02040503050406030204" pitchFamily="18" charset="0"/>
-                            </a:rPr>
-                            <m:t>𝐾</m:t>
-                          </m:r>
-                        </m:num>
-                        <m:den>
-                          <m:r>
-                            <a:rPr lang="en-GB" i="1">
-                              <a:latin typeface="Cambria Math" panose="02040503050406030204" pitchFamily="18" charset="0"/>
-                            </a:rPr>
-                            <m:t>2</m:t>
-                          </m:r>
-                          <m:r>
-                            <a:rPr lang="en-GB" i="1">
-                              <a:latin typeface="Cambria Math" panose="02040503050406030204" pitchFamily="18" charset="0"/>
-                            </a:rPr>
-                            <m:t>𝜋</m:t>
-                          </m:r>
-                        </m:den>
-                      </m:f>
-                      <m:d>
-                        <m:dPr>
-                          <m:begChr m:val="["/>
-                          <m:endChr m:val="]"/>
-                          <m:ctrlPr>
-                            <a:rPr lang="en-GB" i="1">
-                              <a:latin typeface="Cambria Math" panose="02040503050406030204" pitchFamily="18" charset="0"/>
-                            </a:rPr>
-                          </m:ctrlPr>
-                        </m:dPr>
-                        <m:e>
-                          <m:nary>
-                            <m:naryPr>
-                              <m:ctrlPr>
-                                <a:rPr lang="en-GB" i="1">
-                                  <a:latin typeface="Cambria Math" panose="02040503050406030204" pitchFamily="18" charset="0"/>
-                                </a:rPr>
-                              </m:ctrlPr>
-                            </m:naryPr>
-                            <m:sub>
-                              <m:r>
-                                <m:rPr>
-                                  <m:brk m:alnAt="23"/>
-                                </m:rPr>
-                                <a:rPr lang="en-GB" i="1">
-                                  <a:latin typeface="Cambria Math" panose="02040503050406030204" pitchFamily="18" charset="0"/>
-                                </a:rPr>
-                                <m:t>−</m:t>
-                              </m:r>
-                              <m:r>
-                                <a:rPr lang="en-GB" i="1">
-                                  <a:latin typeface="Cambria Math" panose="02040503050406030204" pitchFamily="18" charset="0"/>
-                                </a:rPr>
-                                <m:t>𝜋</m:t>
-                              </m:r>
-                            </m:sub>
-                            <m:sup>
-                              <m:r>
-                                <a:rPr lang="en-GB" i="1">
-                                  <a:latin typeface="Cambria Math" panose="02040503050406030204" pitchFamily="18" charset="0"/>
-                                </a:rPr>
-                                <m:t>𝜋</m:t>
-                              </m:r>
-                            </m:sup>
-                            <m:e>
-                              <m:sSup>
-                                <m:sSupPr>
-                                  <m:ctrlPr>
-                                    <a:rPr lang="en-GB" i="1">
-                                      <a:latin typeface="Cambria Math" panose="02040503050406030204" pitchFamily="18" charset="0"/>
-                                    </a:rPr>
-                                  </m:ctrlPr>
-                                </m:sSupPr>
-                                <m:e>
-                                  <m:d>
-                                    <m:dPr>
-                                      <m:begChr m:val="|"/>
-                                      <m:endChr m:val="|"/>
-                                      <m:ctrlPr>
-                                        <a:rPr lang="en-GB" i="1">
-                                          <a:latin typeface="Cambria Math" panose="02040503050406030204" pitchFamily="18" charset="0"/>
-                                        </a:rPr>
-                                      </m:ctrlPr>
-                                    </m:dPr>
-                                    <m:e>
-                                      <m:sSup>
-                                        <m:sSupPr>
-                                          <m:ctrlPr>
-                                            <a:rPr lang="en-GB" i="1">
-                                              <a:latin typeface="Cambria Math" panose="02040503050406030204" pitchFamily="18" charset="0"/>
-                                            </a:rPr>
-                                          </m:ctrlPr>
-                                        </m:sSupPr>
-                                        <m:e>
-                                          <m:r>
-                                            <a:rPr lang="en-GB" i="1">
-                                              <a:latin typeface="Cambria Math" panose="02040503050406030204" pitchFamily="18" charset="0"/>
-                                            </a:rPr>
-                                            <m:t>𝐺</m:t>
-                                          </m:r>
-                                        </m:e>
-                                        <m:sup>
-                                          <m:r>
-                                            <a:rPr lang="en-GB" i="1">
-                                              <a:latin typeface="Cambria Math" panose="02040503050406030204" pitchFamily="18" charset="0"/>
-                                            </a:rPr>
-                                            <m:t>0</m:t>
-                                          </m:r>
-                                        </m:sup>
-                                      </m:sSup>
-                                      <m:r>
-                                        <a:rPr lang="en-GB" i="1">
-                                          <a:latin typeface="Cambria Math" panose="02040503050406030204" pitchFamily="18" charset="0"/>
-                                        </a:rPr>
-                                        <m:t>−</m:t>
-                                      </m:r>
-                                      <m:r>
-                                        <a:rPr lang="en-GB" i="1">
-                                          <a:latin typeface="Cambria Math" panose="02040503050406030204" pitchFamily="18" charset="0"/>
-                                        </a:rPr>
-                                        <m:t>𝐺</m:t>
-                                      </m:r>
-                                    </m:e>
-                                  </m:d>
-                                </m:e>
-                                <m:sup>
-                                  <m:r>
-                                    <a:rPr lang="en-GB" i="1">
-                                      <a:latin typeface="Cambria Math" panose="02040503050406030204" pitchFamily="18" charset="0"/>
-                                    </a:rPr>
-                                    <m:t>2</m:t>
-                                  </m:r>
-                                </m:sup>
-                              </m:sSup>
-                              <m:r>
-                                <a:rPr lang="en-GB" i="1">
-                                  <a:latin typeface="Cambria Math" panose="02040503050406030204" pitchFamily="18" charset="0"/>
-                                </a:rPr>
-                                <m:t>𝑑</m:t>
-                              </m:r>
-                              <m:r>
-                                <a:rPr lang="en-GB" i="1">
-                                  <a:latin typeface="Cambria Math" panose="02040503050406030204" pitchFamily="18" charset="0"/>
-                                </a:rPr>
-                                <m:t>𝜔</m:t>
-                              </m:r>
-                              <m:r>
-                                <a:rPr lang="en-GB" i="1">
-                                  <a:latin typeface="Cambria Math" panose="02040503050406030204" pitchFamily="18" charset="0"/>
-                                </a:rPr>
-                                <m:t>+</m:t>
-                              </m:r>
-                              <m:nary>
-                                <m:naryPr>
-                                  <m:ctrlPr>
-                                    <a:rPr lang="en-GB" i="1">
-                                      <a:latin typeface="Cambria Math" panose="02040503050406030204" pitchFamily="18" charset="0"/>
-                                    </a:rPr>
-                                  </m:ctrlPr>
-                                </m:naryPr>
-                                <m:sub>
-                                  <m:r>
-                                    <m:rPr>
-                                      <m:brk m:alnAt="23"/>
-                                    </m:rPr>
-                                    <a:rPr lang="en-GB" i="1">
-                                      <a:latin typeface="Cambria Math" panose="02040503050406030204" pitchFamily="18" charset="0"/>
-                                    </a:rPr>
-                                    <m:t>−</m:t>
-                                  </m:r>
-                                  <m:r>
-                                    <a:rPr lang="en-GB" i="1">
-                                      <a:latin typeface="Cambria Math" panose="02040503050406030204" pitchFamily="18" charset="0"/>
-                                    </a:rPr>
-                                    <m:t>𝜋</m:t>
-                                  </m:r>
-                                </m:sub>
-                                <m:sup>
-                                  <m:r>
-                                    <a:rPr lang="en-GB" i="1">
-                                      <a:latin typeface="Cambria Math" panose="02040503050406030204" pitchFamily="18" charset="0"/>
-                                    </a:rPr>
-                                    <m:t>𝜋</m:t>
-                                  </m:r>
-                                </m:sup>
-                                <m:e>
-                                  <m:sSup>
-                                    <m:sSupPr>
-                                      <m:ctrlPr>
-                                        <a:rPr lang="en-GB" i="1">
-                                          <a:latin typeface="Cambria Math" panose="02040503050406030204" pitchFamily="18" charset="0"/>
-                                        </a:rPr>
-                                      </m:ctrlPr>
-                                    </m:sSupPr>
-                                    <m:e>
-                                      <m:d>
-                                        <m:dPr>
-                                          <m:begChr m:val="|"/>
-                                          <m:endChr m:val="|"/>
-                                          <m:ctrlPr>
-                                            <a:rPr lang="en-GB" i="1">
-                                              <a:latin typeface="Cambria Math" panose="02040503050406030204" pitchFamily="18" charset="0"/>
-                                            </a:rPr>
-                                          </m:ctrlPr>
-                                        </m:dPr>
-                                        <m:e>
-                                          <m:r>
-                                            <a:rPr lang="en-GB" i="1">
-                                              <a:latin typeface="Cambria Math" panose="02040503050406030204" pitchFamily="18" charset="0"/>
-                                            </a:rPr>
-                                            <m:t>1+</m:t>
-                                          </m:r>
-                                          <m:r>
-                                            <a:rPr lang="en-GB" i="1">
-                                              <a:latin typeface="Cambria Math" panose="02040503050406030204" pitchFamily="18" charset="0"/>
-                                            </a:rPr>
-                                            <m:t>𝐶𝐺</m:t>
-                                          </m:r>
-                                        </m:e>
-                                      </m:d>
-                                    </m:e>
-                                    <m:sup>
-                                      <m:r>
-                                        <a:rPr lang="en-GB" i="1">
-                                          <a:latin typeface="Cambria Math" panose="02040503050406030204" pitchFamily="18" charset="0"/>
-                                        </a:rPr>
-                                        <m:t>2</m:t>
-                                      </m:r>
-                                    </m:sup>
-                                  </m:sSup>
-                                  <m:r>
-                                    <a:rPr lang="en-GB" i="1">
-                                      <a:latin typeface="Cambria Math" panose="02040503050406030204" pitchFamily="18" charset="0"/>
-                                    </a:rPr>
-                                    <m:t>𝑑</m:t>
-                                  </m:r>
-                                  <m:r>
-                                    <a:rPr lang="en-GB" i="1">
-                                      <a:latin typeface="Cambria Math" panose="02040503050406030204" pitchFamily="18" charset="0"/>
-                                    </a:rPr>
-                                    <m:t>𝜔</m:t>
-                                  </m:r>
-                                  <m:r>
-                                    <a:rPr lang="en-GB" i="1">
-                                      <a:latin typeface="Cambria Math" panose="02040503050406030204" pitchFamily="18" charset="0"/>
-                                    </a:rPr>
-                                    <m:t>  </m:t>
-                                  </m:r>
-                                </m:e>
-                              </m:nary>
-                              <m:r>
-                                <a:rPr lang="en-GB" i="1">
-                                  <a:latin typeface="Cambria Math" panose="02040503050406030204" pitchFamily="18" charset="0"/>
-                                </a:rPr>
-                                <m:t> </m:t>
-                              </m:r>
-                            </m:e>
-                          </m:nary>
-                        </m:e>
-                      </m:d>
-                      <m:r>
-                        <a:rPr lang="en-GB" b="0" i="1" smtClean="0">
-                          <a:latin typeface="Cambria Math" panose="02040503050406030204" pitchFamily="18" charset="0"/>
-                        </a:rPr>
-                        <m:t>=</m:t>
-                      </m:r>
-                      <m:acc>
-                        <m:accPr>
-                          <m:chr m:val="̂"/>
-                          <m:ctrlPr>
-                            <a:rPr lang="en-GB" b="0" i="1" smtClean="0">
-                              <a:latin typeface="Cambria Math" panose="02040503050406030204" pitchFamily="18" charset="0"/>
-                            </a:rPr>
-                          </m:ctrlPr>
-                        </m:accPr>
-                        <m:e>
-                          <m:r>
-                            <a:rPr lang="en-GB" b="0" i="1" smtClean="0">
-                              <a:latin typeface="Cambria Math" panose="02040503050406030204" pitchFamily="18" charset="0"/>
-                            </a:rPr>
-                            <m:t>𝐾</m:t>
-                          </m:r>
-                        </m:e>
-                      </m:acc>
-                      <m:r>
-                        <a:rPr lang="en-GB" b="0" i="1" smtClean="0">
-                          <a:latin typeface="Cambria Math" panose="02040503050406030204" pitchFamily="18" charset="0"/>
-                        </a:rPr>
-                        <m:t>[</m:t>
-                      </m:r>
-                      <m:r>
-                        <a:rPr lang="en-GB" b="0" i="1" smtClean="0">
-                          <a:latin typeface="Cambria Math" panose="02040503050406030204" pitchFamily="18" charset="0"/>
-                        </a:rPr>
-                        <m:t>𝐴</m:t>
-                      </m:r>
-                      <m:r>
-                        <a:rPr lang="en-GB" b="0" i="1" smtClean="0">
-                          <a:latin typeface="Cambria Math" panose="02040503050406030204" pitchFamily="18" charset="0"/>
-                        </a:rPr>
-                        <m:t>+</m:t>
-                      </m:r>
-                      <m:r>
-                        <a:rPr lang="en-GB" b="0" i="1" smtClean="0">
-                          <a:latin typeface="Cambria Math" panose="02040503050406030204" pitchFamily="18" charset="0"/>
-                        </a:rPr>
-                        <m:t>𝐵</m:t>
-                      </m:r>
-                      <m:r>
-                        <a:rPr lang="en-GB" b="0" i="1" smtClean="0">
-                          <a:latin typeface="Cambria Math" panose="02040503050406030204" pitchFamily="18" charset="0"/>
-                        </a:rPr>
-                        <m:t>]</m:t>
-                      </m:r>
-                    </m:oMath>
-                  </m:oMathPara>
-                </a14:m>
                 <a:endParaRPr lang="en-GB" dirty="0"/>
               </a:p>
               <a:p>
-                <a:endParaRPr lang="en-GB" dirty="0"/>
+                <a:pPr/>
+                <a:r>
+                  <a:rPr lang="en-GB" dirty="0" smtClean="0"/>
+                  <a:t>If H=1 the minimisation of </a:t>
+                </a:r>
+                <a14:m>
+                  <m:oMath xmlns:m="http://schemas.openxmlformats.org/officeDocument/2006/math">
+                    <m:r>
+                      <a:rPr lang="en-GB" i="1">
+                        <a:latin typeface="Cambria Math" panose="02040503050406030204" pitchFamily="18" charset="0"/>
+                      </a:rPr>
+                      <m:t>𝐸</m:t>
+                    </m:r>
+                    <m:d>
+                      <m:dPr>
+                        <m:begChr m:val="["/>
+                        <m:endChr m:val="]"/>
+                        <m:ctrlPr>
+                          <a:rPr lang="en-GB" i="1">
+                            <a:latin typeface="Cambria Math" panose="02040503050406030204" pitchFamily="18" charset="0"/>
+                          </a:rPr>
+                        </m:ctrlPr>
+                      </m:dPr>
+                      <m:e>
+                        <m:r>
+                          <a:rPr lang="en-GB" i="1">
+                            <a:latin typeface="Cambria Math" panose="02040503050406030204" pitchFamily="18" charset="0"/>
+                          </a:rPr>
+                          <m:t>𝜖</m:t>
+                        </m:r>
+                        <m:sSup>
+                          <m:sSupPr>
+                            <m:ctrlPr>
+                              <a:rPr lang="en-GB" i="1">
+                                <a:latin typeface="Cambria Math" panose="02040503050406030204" pitchFamily="18" charset="0"/>
+                              </a:rPr>
+                            </m:ctrlPr>
+                          </m:sSupPr>
+                          <m:e>
+                            <m:d>
+                              <m:dPr>
+                                <m:ctrlPr>
+                                  <a:rPr lang="en-GB" i="1">
+                                    <a:latin typeface="Cambria Math" panose="02040503050406030204" pitchFamily="18" charset="0"/>
+                                  </a:rPr>
+                                </m:ctrlPr>
+                              </m:dPr>
+                              <m:e>
+                                <m:r>
+                                  <a:rPr lang="en-GB" i="1">
+                                    <a:latin typeface="Cambria Math" panose="02040503050406030204" pitchFamily="18" charset="0"/>
+                                  </a:rPr>
+                                  <m:t>𝑡</m:t>
+                                </m:r>
+                              </m:e>
+                            </m:d>
+                          </m:e>
+                          <m:sup>
+                            <m:r>
+                              <a:rPr lang="en-GB" i="1">
+                                <a:latin typeface="Cambria Math" panose="02040503050406030204" pitchFamily="18" charset="0"/>
+                              </a:rPr>
+                              <m:t>2</m:t>
+                            </m:r>
+                          </m:sup>
+                        </m:sSup>
+                      </m:e>
+                    </m:d>
+                  </m:oMath>
+                </a14:m>
+                <a:r>
+                  <a:rPr lang="en-GB" dirty="0" smtClean="0"/>
+                  <a:t> is given by the minimisation of </a:t>
+                </a:r>
+                <a14:m>
+                  <m:oMath xmlns:m="http://schemas.openxmlformats.org/officeDocument/2006/math">
+                    <m:sSup>
+                      <m:sSupPr>
+                        <m:ctrlPr>
+                          <a:rPr lang="en-GB" i="1">
+                            <a:latin typeface="Cambria Math" panose="02040503050406030204" pitchFamily="18" charset="0"/>
+                          </a:rPr>
+                        </m:ctrlPr>
+                      </m:sSupPr>
+                      <m:e>
+                        <m:d>
+                          <m:dPr>
+                            <m:begChr m:val="|"/>
+                            <m:endChr m:val="|"/>
+                            <m:ctrlPr>
+                              <a:rPr lang="en-GB" i="1">
+                                <a:latin typeface="Cambria Math" panose="02040503050406030204" pitchFamily="18" charset="0"/>
+                              </a:rPr>
+                            </m:ctrlPr>
+                          </m:dPr>
+                          <m:e>
+                            <m:sSup>
+                              <m:sSupPr>
+                                <m:ctrlPr>
+                                  <a:rPr lang="en-GB" i="1">
+                                    <a:latin typeface="Cambria Math" panose="02040503050406030204" pitchFamily="18" charset="0"/>
+                                  </a:rPr>
+                                </m:ctrlPr>
+                              </m:sSupPr>
+                              <m:e>
+                                <m:r>
+                                  <a:rPr lang="en-GB" i="1">
+                                    <a:latin typeface="Cambria Math" panose="02040503050406030204" pitchFamily="18" charset="0"/>
+                                  </a:rPr>
+                                  <m:t>𝐺</m:t>
+                                </m:r>
+                              </m:e>
+                              <m:sup>
+                                <m:r>
+                                  <a:rPr lang="en-GB" i="1">
+                                    <a:latin typeface="Cambria Math" panose="02040503050406030204" pitchFamily="18" charset="0"/>
+                                  </a:rPr>
+                                  <m:t>0</m:t>
+                                </m:r>
+                              </m:sup>
+                            </m:sSup>
+                            <m:d>
+                              <m:dPr>
+                                <m:ctrlPr>
+                                  <a:rPr lang="en-GB" i="1">
+                                    <a:latin typeface="Cambria Math" panose="02040503050406030204" pitchFamily="18" charset="0"/>
+                                  </a:rPr>
+                                </m:ctrlPr>
+                              </m:dPr>
+                              <m:e>
+                                <m:sSup>
+                                  <m:sSupPr>
+                                    <m:ctrlPr>
+                                      <a:rPr lang="en-GB" i="1">
+                                        <a:latin typeface="Cambria Math" panose="02040503050406030204" pitchFamily="18" charset="0"/>
+                                      </a:rPr>
+                                    </m:ctrlPr>
+                                  </m:sSupPr>
+                                  <m:e>
+                                    <m:r>
+                                      <a:rPr lang="en-GB" i="1">
+                                        <a:latin typeface="Cambria Math" panose="02040503050406030204" pitchFamily="18" charset="0"/>
+                                      </a:rPr>
+                                      <m:t>𝑒</m:t>
+                                    </m:r>
+                                  </m:e>
+                                  <m:sup>
+                                    <m:r>
+                                      <a:rPr lang="en-GB" i="1">
+                                        <a:latin typeface="Cambria Math" panose="02040503050406030204" pitchFamily="18" charset="0"/>
+                                      </a:rPr>
+                                      <m:t>𝑗</m:t>
+                                    </m:r>
+                                    <m:r>
+                                      <a:rPr lang="en-GB" i="1">
+                                        <a:latin typeface="Cambria Math" panose="02040503050406030204" pitchFamily="18" charset="0"/>
+                                      </a:rPr>
+                                      <m:t>𝜔</m:t>
+                                    </m:r>
+                                  </m:sup>
+                                </m:sSup>
+                                <m:r>
+                                  <a:rPr lang="en-GB" i="1">
+                                    <a:latin typeface="Cambria Math" panose="02040503050406030204" pitchFamily="18" charset="0"/>
+                                  </a:rPr>
+                                  <m:t>,</m:t>
+                                </m:r>
+                                <m:sSup>
+                                  <m:sSupPr>
+                                    <m:ctrlPr>
+                                      <a:rPr lang="en-GB" i="1">
+                                        <a:latin typeface="Cambria Math" panose="02040503050406030204" pitchFamily="18" charset="0"/>
+                                      </a:rPr>
+                                    </m:ctrlPr>
+                                  </m:sSupPr>
+                                  <m:e>
+                                    <m:r>
+                                      <a:rPr lang="en-GB" i="1">
+                                        <a:latin typeface="Cambria Math" panose="02040503050406030204" pitchFamily="18" charset="0"/>
+                                      </a:rPr>
+                                      <m:t>𝜃</m:t>
+                                    </m:r>
+                                  </m:e>
+                                  <m:sup>
+                                    <m:r>
+                                      <a:rPr lang="en-GB" i="1">
+                                        <a:latin typeface="Cambria Math" panose="02040503050406030204" pitchFamily="18" charset="0"/>
+                                      </a:rPr>
+                                      <m:t>0</m:t>
+                                    </m:r>
+                                  </m:sup>
+                                </m:sSup>
+                              </m:e>
+                            </m:d>
+                            <m:r>
+                              <a:rPr lang="en-GB" i="1">
+                                <a:latin typeface="Cambria Math" panose="02040503050406030204" pitchFamily="18" charset="0"/>
+                              </a:rPr>
+                              <m:t>−</m:t>
+                            </m:r>
+                            <m:r>
+                              <a:rPr lang="en-GB" i="1">
+                                <a:latin typeface="Cambria Math" panose="02040503050406030204" pitchFamily="18" charset="0"/>
+                              </a:rPr>
+                              <m:t>𝐺</m:t>
+                            </m:r>
+                            <m:d>
+                              <m:dPr>
+                                <m:ctrlPr>
+                                  <a:rPr lang="en-GB" i="1">
+                                    <a:latin typeface="Cambria Math" panose="02040503050406030204" pitchFamily="18" charset="0"/>
+                                  </a:rPr>
+                                </m:ctrlPr>
+                              </m:dPr>
+                              <m:e>
+                                <m:sSup>
+                                  <m:sSupPr>
+                                    <m:ctrlPr>
+                                      <a:rPr lang="en-GB" i="1">
+                                        <a:latin typeface="Cambria Math" panose="02040503050406030204" pitchFamily="18" charset="0"/>
+                                      </a:rPr>
+                                    </m:ctrlPr>
+                                  </m:sSupPr>
+                                  <m:e>
+                                    <m:r>
+                                      <a:rPr lang="en-GB" i="1">
+                                        <a:latin typeface="Cambria Math" panose="02040503050406030204" pitchFamily="18" charset="0"/>
+                                      </a:rPr>
+                                      <m:t>𝑒</m:t>
+                                    </m:r>
+                                  </m:e>
+                                  <m:sup>
+                                    <m:r>
+                                      <a:rPr lang="en-GB" i="1">
+                                        <a:latin typeface="Cambria Math" panose="02040503050406030204" pitchFamily="18" charset="0"/>
+                                      </a:rPr>
+                                      <m:t>𝑗</m:t>
+                                    </m:r>
+                                    <m:r>
+                                      <a:rPr lang="en-GB" i="1">
+                                        <a:latin typeface="Cambria Math" panose="02040503050406030204" pitchFamily="18" charset="0"/>
+                                      </a:rPr>
+                                      <m:t>𝜔</m:t>
+                                    </m:r>
+                                  </m:sup>
+                                </m:sSup>
+                                <m:r>
+                                  <a:rPr lang="en-GB" i="1">
+                                    <a:latin typeface="Cambria Math" panose="02040503050406030204" pitchFamily="18" charset="0"/>
+                                  </a:rPr>
+                                  <m:t>,</m:t>
+                                </m:r>
+                                <m:r>
+                                  <a:rPr lang="en-GB" i="1">
+                                    <a:latin typeface="Cambria Math" panose="02040503050406030204" pitchFamily="18" charset="0"/>
+                                  </a:rPr>
+                                  <m:t>𝜃</m:t>
+                                </m:r>
+                              </m:e>
+                            </m:d>
+                          </m:e>
+                        </m:d>
+                      </m:e>
+                      <m:sup>
+                        <m:r>
+                          <a:rPr lang="en-GB" i="1">
+                            <a:latin typeface="Cambria Math" panose="02040503050406030204" pitchFamily="18" charset="0"/>
+                          </a:rPr>
+                          <m:t>2</m:t>
+                        </m:r>
+                      </m:sup>
+                    </m:sSup>
+                    <m:r>
+                      <a:rPr lang="en-GB" b="0" i="0" smtClean="0">
+                        <a:latin typeface="Cambria Math" panose="02040503050406030204" pitchFamily="18" charset="0"/>
+                      </a:rPr>
+                      <m:t>.</m:t>
+                    </m:r>
+                  </m:oMath>
+                </a14:m>
+                <a:r>
+                  <a:rPr lang="en-GB" dirty="0" smtClean="0"/>
+                  <a:t> For this reason the OE  model yields better results.</a:t>
+                </a:r>
               </a:p>
             </p:txBody>
           </p:sp>
         </mc:Choice>
-        <mc:Fallback xmlns="">
+        <mc:Fallback>
           <p:sp>
             <p:nvSpPr>
               <p:cNvPr id="3" name="Rectangle 2"/>
@@ -21288,8 +18227,8 @@
             </p:nvSpPr>
             <p:spPr>
               <a:xfrm>
-                <a:off x="125337" y="1067419"/>
-                <a:ext cx="11384357" cy="4522648"/>
+                <a:off x="377505" y="1283516"/>
+                <a:ext cx="11518084" cy="3782895"/>
               </a:xfrm>
               <a:prstGeom prst="rect">
                 <a:avLst/>
@@ -21297,7 +18236,7 @@
               <a:blipFill rotWithShape="0">
                 <a:blip r:embed="rId2"/>
                 <a:stretch>
-                  <a:fillRect l="-482"/>
+                  <a:fillRect l="-476" t="-968" r="-371" b="-1774"/>
                 </a:stretch>
               </a:blipFill>
             </p:spPr>
@@ -21319,20 +18258,13 @@
     </p:spTree>
     <p:extLst>
       <p:ext uri="{BB962C8B-B14F-4D97-AF65-F5344CB8AC3E}">
-        <p14:creationId xmlns:p14="http://schemas.microsoft.com/office/powerpoint/2010/main" val="3981564223"/>
+        <p14:creationId xmlns:p14="http://schemas.microsoft.com/office/powerpoint/2010/main" val="951356192"/>
       </p:ext>
     </p:extLst>
   </p:cSld>
   <p:clrMapOvr>
     <a:masterClrMapping/>
   </p:clrMapOvr>
-  <p:timing>
-    <p:tnLst>
-      <p:par>
-        <p:cTn id="1" dur="indefinite" restart="never" nodeType="tmRoot"/>
-      </p:par>
-    </p:tnLst>
-  </p:timing>
 </p:sld>
 </file>
 
@@ -21377,78 +18309,439 @@
           </a:p>
         </p:txBody>
       </p:sp>
-      <p:sp>
-        <p:nvSpPr>
-          <p:cNvPr id="3" name="Rectangle 2"/>
-          <p:cNvSpPr/>
-          <p:nvPr/>
-        </p:nvSpPr>
-        <p:spPr>
-          <a:xfrm>
-            <a:off x="2682409" y="2588350"/>
-            <a:ext cx="6827190" cy="923330"/>
-          </a:xfrm>
-          <a:prstGeom prst="rect">
-            <a:avLst/>
-          </a:prstGeom>
-        </p:spPr>
-        <p:style>
-          <a:lnRef idx="3">
-            <a:schemeClr val="lt1"/>
-          </a:lnRef>
-          <a:fillRef idx="1">
-            <a:schemeClr val="accent5"/>
-          </a:fillRef>
-          <a:effectRef idx="1">
-            <a:schemeClr val="accent5"/>
-          </a:effectRef>
-          <a:fontRef idx="minor">
-            <a:schemeClr val="lt1"/>
-          </a:fontRef>
-        </p:style>
-        <p:txBody>
-          <a:bodyPr wrap="none" lIns="91440" tIns="45720" rIns="91440" bIns="45720">
-            <a:spAutoFit/>
-          </a:bodyPr>
-          <a:lstStyle/>
-          <a:p>
-            <a:pPr algn="ctr"/>
-            <a:r>
-              <a:rPr lang="en-US" sz="5400" b="0" cap="none" spc="0" dirty="0" smtClean="0">
-                <a:ln w="0"/>
-                <a:solidFill>
-                  <a:schemeClr val="tx1"/>
-                </a:solidFill>
-                <a:effectLst>
-                  <a:outerShdw blurRad="38100" dist="19050" dir="2700000" algn="tl" rotWithShape="0">
-                    <a:schemeClr val="dk1">
-                      <a:alpha val="40000"/>
-                    </a:schemeClr>
-                  </a:outerShdw>
-                </a:effectLst>
-              </a:rPr>
-              <a:t>MODEL VALIDATION</a:t>
-            </a:r>
-            <a:endParaRPr lang="en-US" sz="5400" b="0" cap="none" spc="0" dirty="0">
-              <a:ln w="0"/>
-              <a:solidFill>
-                <a:schemeClr val="tx1"/>
-              </a:solidFill>
-              <a:effectLst>
-                <a:outerShdw blurRad="38100" dist="19050" dir="2700000" algn="tl" rotWithShape="0">
-                  <a:schemeClr val="dk1">
-                    <a:alpha val="40000"/>
-                  </a:schemeClr>
-                </a:outerShdw>
-              </a:effectLst>
-            </a:endParaRPr>
-          </a:p>
-        </p:txBody>
-      </p:sp>
+      <mc:AlternateContent xmlns:mc="http://schemas.openxmlformats.org/markup-compatibility/2006">
+        <mc:Choice xmlns:a14="http://schemas.microsoft.com/office/drawing/2010/main" Requires="a14">
+          <p:sp>
+            <p:nvSpPr>
+              <p:cNvPr id="5" name="TextBox 4"/>
+              <p:cNvSpPr txBox="1"/>
+              <p:nvPr/>
+            </p:nvSpPr>
+            <p:spPr>
+              <a:xfrm>
+                <a:off x="478172" y="1736521"/>
+                <a:ext cx="11444159" cy="3426387"/>
+              </a:xfrm>
+              <a:prstGeom prst="rect">
+                <a:avLst/>
+              </a:prstGeom>
+              <a:noFill/>
+            </p:spPr>
+            <p:txBody>
+              <a:bodyPr wrap="none" rtlCol="0">
+                <a:spAutoFit/>
+              </a:bodyPr>
+              <a:lstStyle/>
+              <a:p>
+                <a:r>
+                  <a:rPr lang="en-GB" dirty="0" smtClean="0"/>
+                  <a:t>Can we apply a filter on data to improve the results? From the previous formula the frequency weighting is the </a:t>
+                </a:r>
+              </a:p>
+              <a:p>
+                <a:r>
+                  <a:rPr lang="en-GB" dirty="0" smtClean="0"/>
+                  <a:t>Following:</a:t>
+                </a:r>
+              </a:p>
+              <a:p>
+                <a14:m>
+                  <m:oMathPara xmlns:m="http://schemas.openxmlformats.org/officeDocument/2006/math">
+                    <m:oMathParaPr>
+                      <m:jc m:val="centerGroup"/>
+                    </m:oMathParaPr>
+                    <m:oMath xmlns:m="http://schemas.openxmlformats.org/officeDocument/2006/math">
+                      <m:r>
+                        <m:rPr>
+                          <m:sty m:val="p"/>
+                        </m:rPr>
+                        <a:rPr lang="en-GB" b="0" i="0" smtClean="0">
+                          <a:latin typeface="Cambria Math" panose="02040503050406030204" pitchFamily="18" charset="0"/>
+                        </a:rPr>
+                        <m:t>Δ</m:t>
+                      </m:r>
+                      <m:r>
+                        <a:rPr lang="en-GB" b="0" i="1" smtClean="0">
+                          <a:latin typeface="Cambria Math" panose="02040503050406030204" pitchFamily="18" charset="0"/>
+                        </a:rPr>
+                        <m:t>=</m:t>
+                      </m:r>
+                      <m:f>
+                        <m:fPr>
+                          <m:ctrlPr>
+                            <a:rPr lang="en-GB" b="0" i="1" smtClean="0">
+                              <a:latin typeface="Cambria Math" panose="02040503050406030204" pitchFamily="18" charset="0"/>
+                            </a:rPr>
+                          </m:ctrlPr>
+                        </m:fPr>
+                        <m:num>
+                          <m:sSub>
+                            <m:sSubPr>
+                              <m:ctrlPr>
+                                <a:rPr lang="en-GB" b="0" i="1" smtClean="0">
+                                  <a:latin typeface="Cambria Math" panose="02040503050406030204" pitchFamily="18" charset="0"/>
+                                </a:rPr>
+                              </m:ctrlPr>
+                            </m:sSubPr>
+                            <m:e>
+                              <m:r>
+                                <a:rPr lang="en-GB" b="0" i="1" smtClean="0">
+                                  <a:latin typeface="Cambria Math" panose="02040503050406030204" pitchFamily="18" charset="0"/>
+                                </a:rPr>
+                                <m:t>𝜙</m:t>
+                              </m:r>
+                            </m:e>
+                            <m:sub>
+                              <m:r>
+                                <a:rPr lang="en-GB" b="0" i="1" smtClean="0">
+                                  <a:latin typeface="Cambria Math" panose="02040503050406030204" pitchFamily="18" charset="0"/>
+                                </a:rPr>
+                                <m:t>𝑢</m:t>
+                              </m:r>
+                            </m:sub>
+                          </m:sSub>
+                        </m:num>
+                        <m:den>
+                          <m:sSup>
+                            <m:sSupPr>
+                              <m:ctrlPr>
+                                <a:rPr lang="en-GB" b="0" i="1" smtClean="0">
+                                  <a:latin typeface="Cambria Math" panose="02040503050406030204" pitchFamily="18" charset="0"/>
+                                </a:rPr>
+                              </m:ctrlPr>
+                            </m:sSupPr>
+                            <m:e>
+                              <m:d>
+                                <m:dPr>
+                                  <m:begChr m:val="|"/>
+                                  <m:endChr m:val="|"/>
+                                  <m:ctrlPr>
+                                    <a:rPr lang="en-GB" b="0" i="1" smtClean="0">
+                                      <a:latin typeface="Cambria Math" panose="02040503050406030204" pitchFamily="18" charset="0"/>
+                                    </a:rPr>
+                                  </m:ctrlPr>
+                                </m:dPr>
+                                <m:e>
+                                  <m:r>
+                                    <a:rPr lang="en-GB" b="0" i="1" smtClean="0">
+                                      <a:latin typeface="Cambria Math" panose="02040503050406030204" pitchFamily="18" charset="0"/>
+                                    </a:rPr>
+                                    <m:t>𝐻</m:t>
+                                  </m:r>
+                                  <m:d>
+                                    <m:dPr>
+                                      <m:ctrlPr>
+                                        <a:rPr lang="en-GB" b="0" i="1" smtClean="0">
+                                          <a:latin typeface="Cambria Math" panose="02040503050406030204" pitchFamily="18" charset="0"/>
+                                        </a:rPr>
+                                      </m:ctrlPr>
+                                    </m:dPr>
+                                    <m:e>
+                                      <m:sSup>
+                                        <m:sSupPr>
+                                          <m:ctrlPr>
+                                            <a:rPr lang="en-GB" b="0" i="1" smtClean="0">
+                                              <a:latin typeface="Cambria Math" panose="02040503050406030204" pitchFamily="18" charset="0"/>
+                                            </a:rPr>
+                                          </m:ctrlPr>
+                                        </m:sSupPr>
+                                        <m:e>
+                                          <m:r>
+                                            <a:rPr lang="en-GB" b="0" i="1" smtClean="0">
+                                              <a:latin typeface="Cambria Math" panose="02040503050406030204" pitchFamily="18" charset="0"/>
+                                            </a:rPr>
+                                            <m:t>𝑒</m:t>
+                                          </m:r>
+                                        </m:e>
+                                        <m:sup>
+                                          <m:r>
+                                            <a:rPr lang="en-GB" b="0" i="1" smtClean="0">
+                                              <a:latin typeface="Cambria Math" panose="02040503050406030204" pitchFamily="18" charset="0"/>
+                                            </a:rPr>
+                                            <m:t>𝑗</m:t>
+                                          </m:r>
+                                          <m:r>
+                                            <a:rPr lang="en-GB" b="0" i="1" smtClean="0">
+                                              <a:latin typeface="Cambria Math" panose="02040503050406030204" pitchFamily="18" charset="0"/>
+                                            </a:rPr>
+                                            <m:t>𝜔</m:t>
+                                          </m:r>
+                                        </m:sup>
+                                      </m:sSup>
+                                      <m:r>
+                                        <a:rPr lang="en-GB" b="0" i="1" smtClean="0">
+                                          <a:latin typeface="Cambria Math" panose="02040503050406030204" pitchFamily="18" charset="0"/>
+                                        </a:rPr>
+                                        <m:t>,</m:t>
+                                      </m:r>
+                                      <m:r>
+                                        <a:rPr lang="en-GB" b="0" i="1" smtClean="0">
+                                          <a:latin typeface="Cambria Math" panose="02040503050406030204" pitchFamily="18" charset="0"/>
+                                        </a:rPr>
+                                        <m:t>𝜃</m:t>
+                                      </m:r>
+                                    </m:e>
+                                  </m:d>
+                                </m:e>
+                              </m:d>
+                            </m:e>
+                            <m:sup>
+                              <m:r>
+                                <a:rPr lang="en-GB" b="0" i="1" smtClean="0">
+                                  <a:latin typeface="Cambria Math" panose="02040503050406030204" pitchFamily="18" charset="0"/>
+                                </a:rPr>
+                                <m:t>2</m:t>
+                              </m:r>
+                            </m:sup>
+                          </m:sSup>
+                        </m:den>
+                      </m:f>
+                    </m:oMath>
+                  </m:oMathPara>
+                </a14:m>
+                <a:endParaRPr lang="en-GB" dirty="0" smtClean="0"/>
+              </a:p>
+              <a:p>
+                <a:endParaRPr lang="en-GB" dirty="0" smtClean="0"/>
+              </a:p>
+              <a:p>
+                <a:r>
+                  <a:rPr lang="en-GB" dirty="0" smtClean="0"/>
+                  <a:t>If we apply a filter </a:t>
+                </a:r>
+                <a14:m>
+                  <m:oMath xmlns:m="http://schemas.openxmlformats.org/officeDocument/2006/math">
+                    <m:r>
+                      <a:rPr lang="en-GB" b="0" i="1" smtClean="0">
+                        <a:latin typeface="Cambria Math" panose="02040503050406030204" pitchFamily="18" charset="0"/>
+                      </a:rPr>
+                      <m:t>𝐿</m:t>
+                    </m:r>
+                    <m:r>
+                      <a:rPr lang="en-GB" b="0" i="1" smtClean="0">
+                        <a:latin typeface="Cambria Math" panose="02040503050406030204" pitchFamily="18" charset="0"/>
+                      </a:rPr>
+                      <m:t>(</m:t>
+                    </m:r>
+                    <m:r>
+                      <a:rPr lang="en-GB" b="0" i="1" smtClean="0">
+                        <a:latin typeface="Cambria Math" panose="02040503050406030204" pitchFamily="18" charset="0"/>
+                      </a:rPr>
+                      <m:t>𝑧</m:t>
+                    </m:r>
+                    <m:r>
+                      <a:rPr lang="en-GB" b="0" i="1" smtClean="0">
+                        <a:latin typeface="Cambria Math" panose="02040503050406030204" pitchFamily="18" charset="0"/>
+                      </a:rPr>
+                      <m:t>) </m:t>
+                    </m:r>
+                  </m:oMath>
+                </a14:m>
+                <a:r>
+                  <a:rPr lang="en-GB" dirty="0" smtClean="0"/>
+                  <a:t> on the data a factor L appears on the expression multiplying both terms. Notice that L</a:t>
+                </a:r>
+              </a:p>
+              <a:p>
+                <a:r>
+                  <a:rPr lang="en-GB" dirty="0" smtClean="0"/>
+                  <a:t>is </a:t>
+                </a:r>
+                <a:r>
+                  <a:rPr lang="en-GB" dirty="0" err="1" smtClean="0"/>
+                  <a:t>s.t.</a:t>
+                </a:r>
+                <a:r>
+                  <a:rPr lang="en-GB" dirty="0" smtClean="0"/>
+                  <a:t> </a:t>
+                </a:r>
+                <a14:m>
+                  <m:oMath xmlns:m="http://schemas.openxmlformats.org/officeDocument/2006/math">
+                    <m:sSup>
+                      <m:sSupPr>
+                        <m:ctrlPr>
+                          <a:rPr lang="en-GB" b="0" i="1" smtClean="0">
+                            <a:latin typeface="Cambria Math" panose="02040503050406030204" pitchFamily="18" charset="0"/>
+                          </a:rPr>
+                        </m:ctrlPr>
+                      </m:sSupPr>
+                      <m:e>
+                        <m:r>
+                          <a:rPr lang="en-GB" b="0" i="1" smtClean="0">
+                            <a:latin typeface="Cambria Math" panose="02040503050406030204" pitchFamily="18" charset="0"/>
+                          </a:rPr>
+                          <m:t>𝐿</m:t>
+                        </m:r>
+                      </m:e>
+                      <m:sup>
+                        <m:r>
+                          <a:rPr lang="en-GB" b="0" i="1" smtClean="0">
+                            <a:latin typeface="Cambria Math" panose="02040503050406030204" pitchFamily="18" charset="0"/>
+                          </a:rPr>
+                          <m:t>2</m:t>
+                        </m:r>
+                      </m:sup>
+                    </m:sSup>
+                    <m:r>
+                      <a:rPr lang="en-GB" b="0" i="1" smtClean="0">
+                        <a:latin typeface="Cambria Math" panose="02040503050406030204" pitchFamily="18" charset="0"/>
+                      </a:rPr>
+                      <m:t>=</m:t>
+                    </m:r>
+                    <m:r>
+                      <m:rPr>
+                        <m:sty m:val="p"/>
+                      </m:rPr>
+                      <a:rPr lang="en-GB" b="0" i="0" smtClean="0">
+                        <a:latin typeface="Cambria Math" panose="02040503050406030204" pitchFamily="18" charset="0"/>
+                      </a:rPr>
+                      <m:t>Δ</m:t>
+                    </m:r>
+                  </m:oMath>
+                </a14:m>
+                <a:r>
+                  <a:rPr lang="en-GB" dirty="0" smtClean="0"/>
+                  <a:t>.</a:t>
+                </a:r>
+              </a:p>
+              <a:p>
+                <a:endParaRPr lang="en-GB" dirty="0"/>
+              </a:p>
+              <a:p>
+                <a:r>
+                  <a:rPr lang="en-GB" dirty="0" smtClean="0"/>
+                  <a:t>Unfortunately, it’s difficult to obtain a filter expression for </a:t>
+                </a:r>
+                <a14:m>
+                  <m:oMath xmlns:m="http://schemas.openxmlformats.org/officeDocument/2006/math">
+                    <m:sSub>
+                      <m:sSubPr>
+                        <m:ctrlPr>
+                          <a:rPr lang="en-GB" b="0" i="1" smtClean="0">
+                            <a:latin typeface="Cambria Math" panose="02040503050406030204" pitchFamily="18" charset="0"/>
+                          </a:rPr>
+                        </m:ctrlPr>
+                      </m:sSubPr>
+                      <m:e>
+                        <m:r>
+                          <a:rPr lang="en-GB" b="0" i="1" smtClean="0">
+                            <a:latin typeface="Cambria Math" panose="02040503050406030204" pitchFamily="18" charset="0"/>
+                          </a:rPr>
+                          <m:t>𝜙</m:t>
+                        </m:r>
+                      </m:e>
+                      <m:sub>
+                        <m:r>
+                          <a:rPr lang="en-GB" b="0" i="1" smtClean="0">
+                            <a:latin typeface="Cambria Math" panose="02040503050406030204" pitchFamily="18" charset="0"/>
+                          </a:rPr>
+                          <m:t>𝑢</m:t>
+                        </m:r>
+                      </m:sub>
+                    </m:sSub>
+                  </m:oMath>
+                </a14:m>
+                <a:r>
+                  <a:rPr lang="en-GB" dirty="0" smtClean="0"/>
+                  <a:t>, therefore it’s easier to use a filter L </a:t>
+                </a:r>
+                <a:r>
+                  <a:rPr lang="en-GB" dirty="0" err="1" smtClean="0"/>
+                  <a:t>s.t.</a:t>
+                </a:r>
+                <a:r>
+                  <a:rPr lang="en-GB" dirty="0" smtClean="0"/>
+                  <a:t> </a:t>
+                </a:r>
+                <a14:m>
+                  <m:oMath xmlns:m="http://schemas.openxmlformats.org/officeDocument/2006/math">
+                    <m:r>
+                      <a:rPr lang="en-GB" b="0" i="1" smtClean="0">
+                        <a:latin typeface="Cambria Math" panose="02040503050406030204" pitchFamily="18" charset="0"/>
+                      </a:rPr>
+                      <m:t>𝐿</m:t>
+                    </m:r>
+                    <m:r>
+                      <a:rPr lang="en-GB" b="0" i="1" smtClean="0">
+                        <a:latin typeface="Cambria Math" panose="02040503050406030204" pitchFamily="18" charset="0"/>
+                      </a:rPr>
+                      <m:t>=</m:t>
+                    </m:r>
+                    <m:r>
+                      <a:rPr lang="en-GB" b="0" i="1" smtClean="0">
+                        <a:latin typeface="Cambria Math" panose="02040503050406030204" pitchFamily="18" charset="0"/>
+                      </a:rPr>
+                      <m:t>𝐻</m:t>
+                    </m:r>
+                  </m:oMath>
+                </a14:m>
+                <a:r>
+                  <a:rPr lang="en-GB" dirty="0" smtClean="0"/>
+                  <a:t>.</a:t>
+                </a:r>
+              </a:p>
+              <a:p>
+                <a:endParaRPr lang="en-GB" dirty="0"/>
+              </a:p>
+              <a:p>
+                <a:r>
+                  <a:rPr lang="en-GB" dirty="0" smtClean="0"/>
+                  <a:t>In this way all models converge to the OE ones. To improve OE results we need  to obtain a filter </a:t>
+                </a:r>
+              </a:p>
+              <a:p>
+                <a:r>
+                  <a:rPr lang="en-GB" dirty="0" smtClean="0"/>
+                  <a:t>Representation of u (easier if r(t) and C(z) were provided) in order to apply the correct filter L.</a:t>
+                </a:r>
+                <a:endParaRPr lang="en-GB" dirty="0"/>
+              </a:p>
+            </p:txBody>
+          </p:sp>
+        </mc:Choice>
+        <mc:Fallback>
+          <p:sp>
+            <p:nvSpPr>
+              <p:cNvPr id="5" name="TextBox 4"/>
+              <p:cNvSpPr txBox="1">
+                <a:spLocks noRot="1" noChangeAspect="1" noMove="1" noResize="1" noEditPoints="1" noAdjustHandles="1" noChangeArrowheads="1" noChangeShapeType="1" noTextEdit="1"/>
+              </p:cNvSpPr>
+              <p:nvPr/>
+            </p:nvSpPr>
+            <p:spPr>
+              <a:xfrm>
+                <a:off x="478172" y="1736521"/>
+                <a:ext cx="11444159" cy="3426387"/>
+              </a:xfrm>
+              <a:prstGeom prst="rect">
+                <a:avLst/>
+              </a:prstGeom>
+              <a:blipFill rotWithShape="0">
+                <a:blip r:embed="rId2"/>
+                <a:stretch>
+                  <a:fillRect l="-426" t="-1068" b="-1957"/>
+                </a:stretch>
+              </a:blipFill>
+            </p:spPr>
+            <p:txBody>
+              <a:bodyPr/>
+              <a:lstStyle/>
+              <a:p>
+                <a:r>
+                  <a:rPr lang="en-GB">
+                    <a:noFill/>
+                  </a:rPr>
+                  <a:t> </a:t>
+                </a:r>
+              </a:p>
+            </p:txBody>
+          </p:sp>
+        </mc:Fallback>
+      </mc:AlternateContent>
     </p:spTree>
     <p:extLst>
       <p:ext uri="{BB962C8B-B14F-4D97-AF65-F5344CB8AC3E}">
-        <p14:creationId xmlns:p14="http://schemas.microsoft.com/office/powerpoint/2010/main" val="315044901"/>
+        <p14:creationId xmlns:p14="http://schemas.microsoft.com/office/powerpoint/2010/main" val="4077754202"/>
       </p:ext>
     </p:extLst>
   </p:cSld>
@@ -21494,6 +18787,128 @@
               <a:rPr lang="it-IT" altLang="en-US" smtClean="0"/>
               <a:pPr/>
               <a:t>26</a:t>
+            </a:fld>
+            <a:endParaRPr lang="it-IT" altLang="en-US"/>
+          </a:p>
+        </p:txBody>
+      </p:sp>
+      <p:sp>
+        <p:nvSpPr>
+          <p:cNvPr id="3" name="Rectangle 2"/>
+          <p:cNvSpPr/>
+          <p:nvPr/>
+        </p:nvSpPr>
+        <p:spPr>
+          <a:xfrm>
+            <a:off x="2682409" y="2588350"/>
+            <a:ext cx="6827190" cy="923330"/>
+          </a:xfrm>
+          <a:prstGeom prst="rect">
+            <a:avLst/>
+          </a:prstGeom>
+        </p:spPr>
+        <p:style>
+          <a:lnRef idx="3">
+            <a:schemeClr val="lt1"/>
+          </a:lnRef>
+          <a:fillRef idx="1">
+            <a:schemeClr val="accent5"/>
+          </a:fillRef>
+          <a:effectRef idx="1">
+            <a:schemeClr val="accent5"/>
+          </a:effectRef>
+          <a:fontRef idx="minor">
+            <a:schemeClr val="lt1"/>
+          </a:fontRef>
+        </p:style>
+        <p:txBody>
+          <a:bodyPr wrap="none" lIns="91440" tIns="45720" rIns="91440" bIns="45720">
+            <a:spAutoFit/>
+          </a:bodyPr>
+          <a:lstStyle/>
+          <a:p>
+            <a:pPr algn="ctr"/>
+            <a:r>
+              <a:rPr lang="en-US" sz="5400" b="0" cap="none" spc="0" dirty="0" smtClean="0">
+                <a:ln w="0"/>
+                <a:solidFill>
+                  <a:schemeClr val="tx1"/>
+                </a:solidFill>
+                <a:effectLst>
+                  <a:outerShdw blurRad="38100" dist="19050" dir="2700000" algn="tl" rotWithShape="0">
+                    <a:schemeClr val="dk1">
+                      <a:alpha val="40000"/>
+                    </a:schemeClr>
+                  </a:outerShdw>
+                </a:effectLst>
+              </a:rPr>
+              <a:t>MODEL VALIDATION</a:t>
+            </a:r>
+            <a:endParaRPr lang="en-US" sz="5400" b="0" cap="none" spc="0" dirty="0">
+              <a:ln w="0"/>
+              <a:solidFill>
+                <a:schemeClr val="tx1"/>
+              </a:solidFill>
+              <a:effectLst>
+                <a:outerShdw blurRad="38100" dist="19050" dir="2700000" algn="tl" rotWithShape="0">
+                  <a:schemeClr val="dk1">
+                    <a:alpha val="40000"/>
+                  </a:schemeClr>
+                </a:outerShdw>
+              </a:effectLst>
+            </a:endParaRPr>
+          </a:p>
+        </p:txBody>
+      </p:sp>
+    </p:spTree>
+    <p:extLst>
+      <p:ext uri="{BB962C8B-B14F-4D97-AF65-F5344CB8AC3E}">
+        <p14:creationId xmlns:p14="http://schemas.microsoft.com/office/powerpoint/2010/main" val="315044901"/>
+      </p:ext>
+    </p:extLst>
+  </p:cSld>
+  <p:clrMapOvr>
+    <a:masterClrMapping/>
+  </p:clrMapOvr>
+</p:sld>
+</file>
+
+<file path=ppt/slides/slide27.xml><?xml version="1.0" encoding="utf-8"?>
+<p:sld xmlns:a="http://schemas.openxmlformats.org/drawingml/2006/main" xmlns:r="http://schemas.openxmlformats.org/officeDocument/2006/relationships" xmlns:p="http://schemas.openxmlformats.org/presentationml/2006/main">
+  <p:cSld>
+    <p:spTree>
+      <p:nvGrpSpPr>
+        <p:cNvPr id="1" name=""/>
+        <p:cNvGrpSpPr/>
+        <p:nvPr/>
+      </p:nvGrpSpPr>
+      <p:grpSpPr>
+        <a:xfrm>
+          <a:off x="0" y="0"/>
+          <a:ext cx="0" cy="0"/>
+          <a:chOff x="0" y="0"/>
+          <a:chExt cx="0" cy="0"/>
+        </a:xfrm>
+      </p:grpSpPr>
+      <p:sp>
+        <p:nvSpPr>
+          <p:cNvPr id="2" name="Slide Number Placeholder 1"/>
+          <p:cNvSpPr>
+            <a:spLocks noGrp="1"/>
+          </p:cNvSpPr>
+          <p:nvPr>
+            <p:ph type="sldNum" sz="quarter" idx="10"/>
+          </p:nvPr>
+        </p:nvSpPr>
+        <p:spPr/>
+        <p:txBody>
+          <a:bodyPr/>
+          <a:lstStyle/>
+          <a:p>
+            <a:fld id="{61155BBA-336D-4AED-BB34-E42D9706BCE7}" type="slidenum">
+              <a:rPr lang="it-IT" altLang="en-US" smtClean="0"/>
+              <a:pPr/>
+              <a:t>27</a:t>
             </a:fld>
             <a:endParaRPr lang="it-IT" altLang="en-US"/>
           </a:p>
@@ -21924,321 +19339,6 @@
 </p:sld>
 </file>
 
-<file path=ppt/slides/slide27.xml><?xml version="1.0" encoding="utf-8"?>
-<p:sld xmlns:a="http://schemas.openxmlformats.org/drawingml/2006/main" xmlns:r="http://schemas.openxmlformats.org/officeDocument/2006/relationships" xmlns:p="http://schemas.openxmlformats.org/presentationml/2006/main">
-  <p:cSld>
-    <p:spTree>
-      <p:nvGrpSpPr>
-        <p:cNvPr id="1" name=""/>
-        <p:cNvGrpSpPr/>
-        <p:nvPr/>
-      </p:nvGrpSpPr>
-      <p:grpSpPr>
-        <a:xfrm>
-          <a:off x="0" y="0"/>
-          <a:ext cx="0" cy="0"/>
-          <a:chOff x="0" y="0"/>
-          <a:chExt cx="0" cy="0"/>
-        </a:xfrm>
-      </p:grpSpPr>
-      <p:sp>
-        <p:nvSpPr>
-          <p:cNvPr id="2" name="Slide Number Placeholder 1"/>
-          <p:cNvSpPr>
-            <a:spLocks noGrp="1"/>
-          </p:cNvSpPr>
-          <p:nvPr>
-            <p:ph type="sldNum" sz="quarter" idx="10"/>
-          </p:nvPr>
-        </p:nvSpPr>
-        <p:spPr/>
-        <p:txBody>
-          <a:bodyPr/>
-          <a:lstStyle/>
-          <a:p>
-            <a:fld id="{61155BBA-336D-4AED-BB34-E42D9706BCE7}" type="slidenum">
-              <a:rPr lang="it-IT" altLang="en-US" smtClean="0"/>
-              <a:pPr/>
-              <a:t>27</a:t>
-            </a:fld>
-            <a:endParaRPr lang="it-IT" altLang="en-US"/>
-          </a:p>
-        </p:txBody>
-      </p:sp>
-      <p:sp>
-        <p:nvSpPr>
-          <p:cNvPr id="3" name="TextBox 2"/>
-          <p:cNvSpPr txBox="1"/>
-          <p:nvPr/>
-        </p:nvSpPr>
-        <p:spPr>
-          <a:xfrm>
-            <a:off x="231820" y="1046490"/>
-            <a:ext cx="11797048" cy="523220"/>
-          </a:xfrm>
-          <a:prstGeom prst="rect">
-            <a:avLst/>
-          </a:prstGeom>
-          <a:noFill/>
-        </p:spPr>
-        <p:txBody>
-          <a:bodyPr wrap="square" rtlCol="0">
-            <a:spAutoFit/>
-          </a:bodyPr>
-          <a:lstStyle/>
-          <a:p>
-            <a:pPr algn="ctr"/>
-            <a:r>
-              <a:rPr lang="en-GB" sz="2800" b="1" i="1" dirty="0" smtClean="0">
-                <a:latin typeface="+mj-lt"/>
-              </a:rPr>
-              <a:t>MODEL VALIDATION - ARX</a:t>
-            </a:r>
-          </a:p>
-        </p:txBody>
-      </p:sp>
-      <p:sp>
-        <p:nvSpPr>
-          <p:cNvPr id="4" name="TextBox 3"/>
-          <p:cNvSpPr txBox="1"/>
-          <p:nvPr/>
-        </p:nvSpPr>
-        <p:spPr>
-          <a:xfrm>
-            <a:off x="7078960" y="173782"/>
-            <a:ext cx="2746393" cy="369332"/>
-          </a:xfrm>
-          <a:prstGeom prst="rect">
-            <a:avLst/>
-          </a:prstGeom>
-          <a:noFill/>
-        </p:spPr>
-        <p:txBody>
-          <a:bodyPr wrap="none" rtlCol="0">
-            <a:spAutoFit/>
-          </a:bodyPr>
-          <a:lstStyle/>
-          <a:p>
-            <a:r>
-              <a:rPr lang="en-GB" b="1" dirty="0" smtClean="0">
-                <a:solidFill>
-                  <a:srgbClr val="FF0000"/>
-                </a:solidFill>
-                <a:latin typeface="DejaVu Sans" panose="020B0603030804020204" pitchFamily="34" charset="0"/>
-                <a:ea typeface="DejaVu Sans" panose="020B0603030804020204" pitchFamily="34" charset="0"/>
-                <a:cs typeface="DejaVu Sans" panose="020B0603030804020204" pitchFamily="34" charset="0"/>
-              </a:rPr>
-              <a:t>MODEL VALIDATION</a:t>
-            </a:r>
-            <a:endParaRPr lang="en-GB" b="1" dirty="0">
-              <a:solidFill>
-                <a:srgbClr val="FF0000"/>
-              </a:solidFill>
-              <a:latin typeface="DejaVu Sans" panose="020B0603030804020204" pitchFamily="34" charset="0"/>
-              <a:ea typeface="DejaVu Sans" panose="020B0603030804020204" pitchFamily="34" charset="0"/>
-              <a:cs typeface="DejaVu Sans" panose="020B0603030804020204" pitchFamily="34" charset="0"/>
-            </a:endParaRPr>
-          </a:p>
-        </p:txBody>
-      </p:sp>
-      <p:sp>
-        <p:nvSpPr>
-          <p:cNvPr id="5" name="TextBox 4"/>
-          <p:cNvSpPr txBox="1"/>
-          <p:nvPr/>
-        </p:nvSpPr>
-        <p:spPr>
-          <a:xfrm>
-            <a:off x="231820" y="1569710"/>
-            <a:ext cx="11719775" cy="4524315"/>
-          </a:xfrm>
-          <a:prstGeom prst="rect">
-            <a:avLst/>
-          </a:prstGeom>
-          <a:noFill/>
-        </p:spPr>
-        <p:txBody>
-          <a:bodyPr wrap="square" rtlCol="0">
-            <a:spAutoFit/>
-          </a:bodyPr>
-          <a:lstStyle/>
-          <a:p>
-            <a:endParaRPr lang="en-GB" dirty="0" smtClean="0"/>
-          </a:p>
-          <a:p>
-            <a:r>
-              <a:rPr lang="it-IT" dirty="0"/>
-              <a:t>*Training on 1 exp</a:t>
-            </a:r>
-          </a:p>
-          <a:p>
-            <a:r>
-              <a:rPr lang="pl-PL" dirty="0"/>
-              <a:t>A(z): 1     -1.9551     0.64593     0.70572    -0.41605    0.025549</a:t>
-            </a:r>
-          </a:p>
-          <a:p>
-            <a:r>
-              <a:rPr lang="pl-PL" dirty="0"/>
-              <a:t>B(z): 0           0     0.27464    -</a:t>
-            </a:r>
-            <a:r>
-              <a:rPr lang="pl-PL" dirty="0" smtClean="0"/>
-              <a:t>0.26442</a:t>
-            </a:r>
-            <a:endParaRPr lang="it-IT" dirty="0" smtClean="0"/>
-          </a:p>
-          <a:p>
-            <a:r>
-              <a:rPr lang="it-IT" dirty="0" smtClean="0"/>
-              <a:t>Validation </a:t>
-            </a:r>
-            <a:r>
-              <a:rPr lang="it-IT" dirty="0"/>
-              <a:t>on 1 exp: </a:t>
-            </a:r>
-            <a:r>
-              <a:rPr lang="it-IT" dirty="0" smtClean="0"/>
-              <a:t>68.191	Validation </a:t>
-            </a:r>
-            <a:r>
-              <a:rPr lang="it-IT" dirty="0"/>
-              <a:t>on 2 exp: </a:t>
-            </a:r>
-            <a:r>
-              <a:rPr lang="it-IT" dirty="0" smtClean="0"/>
-              <a:t>63.8589 	Validation </a:t>
-            </a:r>
-            <a:r>
-              <a:rPr lang="it-IT" dirty="0"/>
-              <a:t>on 3 exp: 86.9643</a:t>
-            </a:r>
-          </a:p>
-          <a:p>
-            <a:r>
-              <a:rPr lang="it" dirty="0"/>
-              <a:t> </a:t>
-            </a:r>
-          </a:p>
-          <a:p>
-            <a:r>
-              <a:rPr lang="it-IT" dirty="0"/>
-              <a:t>*Training on 2 exp</a:t>
-            </a:r>
-          </a:p>
-          <a:p>
-            <a:r>
-              <a:rPr lang="pl-PL" dirty="0"/>
-              <a:t>A(z): 1     -1.8858     0.50166     0.76105    -0.37101</a:t>
-            </a:r>
-          </a:p>
-          <a:p>
-            <a:r>
-              <a:rPr lang="pl-PL" dirty="0"/>
-              <a:t>B(z): 0           0     0.28013    -0.26904</a:t>
-            </a:r>
-          </a:p>
-          <a:p>
-            <a:r>
-              <a:rPr lang="it-IT" dirty="0" smtClean="0"/>
-              <a:t>Validation </a:t>
-            </a:r>
-            <a:r>
-              <a:rPr lang="it-IT" dirty="0"/>
-              <a:t>on 1 exp: </a:t>
-            </a:r>
-            <a:r>
-              <a:rPr lang="it-IT" dirty="0" smtClean="0"/>
-              <a:t>68.4208 	Validation </a:t>
-            </a:r>
-            <a:r>
-              <a:rPr lang="it-IT" dirty="0"/>
-              <a:t>on 2 exp: </a:t>
-            </a:r>
-            <a:r>
-              <a:rPr lang="it-IT" dirty="0" smtClean="0"/>
-              <a:t>63.2204 	Validation </a:t>
-            </a:r>
-            <a:r>
-              <a:rPr lang="it-IT" dirty="0"/>
-              <a:t>on 3 exp: 88.7234</a:t>
-            </a:r>
-          </a:p>
-          <a:p>
-            <a:r>
-              <a:rPr lang="it" dirty="0"/>
-              <a:t> </a:t>
-            </a:r>
-          </a:p>
-          <a:p>
-            <a:r>
-              <a:rPr lang="it-IT" dirty="0"/>
-              <a:t>*Training on 3 exp</a:t>
-            </a:r>
-          </a:p>
-          <a:p>
-            <a:r>
-              <a:rPr lang="pl-PL" dirty="0"/>
-              <a:t>A(z): 1     -1.8037      0.2948     0.93228    -0.41768</a:t>
-            </a:r>
-          </a:p>
-          <a:p>
-            <a:r>
-              <a:rPr lang="pl-PL" dirty="0"/>
-              <a:t>B(z): 0           0     0.17739   -0.033072     -0.1383</a:t>
-            </a:r>
-          </a:p>
-          <a:p>
-            <a:r>
-              <a:rPr lang="it-IT" dirty="0" smtClean="0"/>
-              <a:t>Validation </a:t>
-            </a:r>
-            <a:r>
-              <a:rPr lang="it-IT" dirty="0"/>
-              <a:t>on 1 exp: </a:t>
-            </a:r>
-            <a:r>
-              <a:rPr lang="it-IT" dirty="0" smtClean="0"/>
-              <a:t>67.6965 	Validation </a:t>
-            </a:r>
-            <a:r>
-              <a:rPr lang="it-IT" dirty="0"/>
-              <a:t>on 2 exp: </a:t>
-            </a:r>
-            <a:r>
-              <a:rPr lang="it-IT" dirty="0" smtClean="0"/>
-              <a:t>62.7143 	Validation </a:t>
-            </a:r>
-            <a:r>
-              <a:rPr lang="it-IT" dirty="0"/>
-              <a:t>on 3 exp: 85.5182</a:t>
-            </a:r>
-          </a:p>
-          <a:p>
-            <a:endParaRPr lang="en-GB" dirty="0"/>
-          </a:p>
-        </p:txBody>
-      </p:sp>
-    </p:spTree>
-    <p:extLst>
-      <p:ext uri="{BB962C8B-B14F-4D97-AF65-F5344CB8AC3E}">
-        <p14:creationId xmlns:p14="http://schemas.microsoft.com/office/powerpoint/2010/main" val="4065924737"/>
-      </p:ext>
-    </p:extLst>
-  </p:cSld>
-  <p:clrMapOvr>
-    <a:masterClrMapping/>
-  </p:clrMapOvr>
-  <p:timing>
-    <p:tnLst>
-      <p:par>
-        <p:cTn id="1" dur="indefinite" restart="never" nodeType="tmRoot"/>
-      </p:par>
-    </p:tnLst>
-  </p:timing>
-</p:sld>
-</file>
-
 <file path=ppt/slides/slide28.xml><?xml version="1.0" encoding="utf-8"?>
 <p:sld xmlns:a="http://schemas.openxmlformats.org/drawingml/2006/main" xmlns:r="http://schemas.openxmlformats.org/officeDocument/2006/relationships" xmlns:p="http://schemas.openxmlformats.org/presentationml/2006/main">
   <p:cSld>
@@ -22307,7 +19407,7 @@
               <a:rPr lang="en-GB" sz="2800" b="1" i="1" dirty="0" smtClean="0">
                 <a:latin typeface="+mj-lt"/>
               </a:rPr>
-              <a:t>MODEL VALIDATION - OE</a:t>
+              <a:t>MODEL VALIDATION - ARX</a:t>
             </a:r>
           </a:p>
         </p:txBody>
@@ -22365,7 +19465,7 @@
         <p:spPr>
           <a:xfrm>
             <a:off x="231820" y="1569710"/>
-            <a:ext cx="11719775" cy="4247317"/>
+            <a:ext cx="11719775" cy="4524315"/>
           </a:xfrm>
           <a:prstGeom prst="rect">
             <a:avLst/>
@@ -22383,25 +19483,25 @@
           <a:p>
             <a:r>
               <a:rPr lang="it-IT" dirty="0"/>
-              <a:t>*Training on 1 </a:t>
-            </a:r>
-            <a:r>
-              <a:rPr lang="it-IT" dirty="0" smtClean="0"/>
-              <a:t>exp</a:t>
-            </a:r>
-            <a:endParaRPr lang="it" dirty="0"/>
+              <a:t>*Training on 1 exp</a:t>
+            </a:r>
           </a:p>
           <a:p>
             <a:r>
               <a:rPr lang="pl-PL" dirty="0"/>
-              <a:t>A(z): 1     -2.0798      1.5923     -1.0809     0.85391     -0.2781</a:t>
+              <a:t>A(z): 1     -1.9551     0.64593     0.70572    -0.41605    0.025549</a:t>
             </a:r>
           </a:p>
           <a:p>
             <a:r>
               <a:rPr lang="pl-PL" dirty="0"/>
-              <a:t>B(z): 0           0    -0.17999     0.65694    -0.47025</a:t>
-            </a:r>
+              <a:t>B(z): 0           0     0.27464    -</a:t>
+            </a:r>
+            <a:r>
+              <a:rPr lang="pl-PL" dirty="0" smtClean="0"/>
+              <a:t>0.26442</a:t>
+            </a:r>
+            <a:endParaRPr lang="it-IT" dirty="0" smtClean="0"/>
           </a:p>
           <a:p>
             <a:r>
@@ -22414,7 +19514,7 @@
             </a:r>
             <a:r>
               <a:rPr lang="it-IT" dirty="0" smtClean="0"/>
-              <a:t>54.6866	Validation </a:t>
+              <a:t>68.191	Validation </a:t>
             </a:r>
             <a:r>
               <a:rPr lang="it-IT" dirty="0"/>
@@ -22422,11 +19522,11 @@
             </a:r>
             <a:r>
               <a:rPr lang="it-IT" dirty="0" smtClean="0"/>
-              <a:t>49.5952	Validation </a:t>
+              <a:t>63.8589 	Validation </a:t>
             </a:r>
             <a:r>
               <a:rPr lang="it-IT" dirty="0"/>
-              <a:t>on 3 exp: 74.6829</a:t>
+              <a:t>on 3 exp: 86.9643</a:t>
             </a:r>
           </a:p>
           <a:p>
@@ -22438,39 +19538,33 @@
           <a:p>
             <a:r>
               <a:rPr lang="it-IT" dirty="0"/>
-              <a:t>*Training on 2 </a:t>
-            </a:r>
+              <a:t>*Training on 2 exp</a:t>
+            </a:r>
+          </a:p>
+          <a:p>
+            <a:r>
+              <a:rPr lang="pl-PL" dirty="0"/>
+              <a:t>A(z): 1     -1.8858     0.50166     0.76105    -0.37101</a:t>
+            </a:r>
+          </a:p>
+          <a:p>
+            <a:r>
+              <a:rPr lang="pl-PL" dirty="0"/>
+              <a:t>B(z): 0           0     0.28013    -0.26904</a:t>
+            </a:r>
+          </a:p>
+          <a:p>
             <a:r>
               <a:rPr lang="it-IT" dirty="0" smtClean="0"/>
-              <a:t>exp</a:t>
-            </a:r>
-            <a:endParaRPr lang="it" dirty="0"/>
-          </a:p>
-          <a:p>
-            <a:r>
-              <a:rPr lang="pl-PL" dirty="0"/>
-              <a:t>A(z): 1      -2.046      1.4758    -0.99924     0.89773    -0.32148</a:t>
-            </a:r>
-          </a:p>
-          <a:p>
-            <a:r>
-              <a:rPr lang="pl-PL" dirty="0"/>
-              <a:t>B(z): 0           0    -0.19542     0.68029    -</a:t>
-            </a:r>
-            <a:r>
-              <a:rPr lang="pl-PL" dirty="0" smtClean="0"/>
-              <a:t>0.47878</a:t>
-            </a:r>
-            <a:endParaRPr lang="it-IT" dirty="0"/>
-          </a:p>
-          <a:p>
+              <a:t>Validation </a:t>
+            </a:r>
             <a:r>
               <a:rPr lang="it-IT" dirty="0"/>
-              <a:t>Validation on 1 exp: </a:t>
+              <a:t>on 1 exp: </a:t>
             </a:r>
             <a:r>
               <a:rPr lang="it-IT" dirty="0" smtClean="0"/>
-              <a:t>54.9233	Validation </a:t>
+              <a:t>68.4208 	Validation </a:t>
             </a:r>
             <a:r>
               <a:rPr lang="it-IT" dirty="0"/>
@@ -22478,11 +19572,11 @@
             </a:r>
             <a:r>
               <a:rPr lang="it-IT" dirty="0" smtClean="0"/>
-              <a:t>49.3283	Validation </a:t>
+              <a:t>63.2204 	Validation </a:t>
             </a:r>
             <a:r>
               <a:rPr lang="it-IT" dirty="0"/>
-              <a:t>on 3 exp: 75.5403</a:t>
+              <a:t>on 3 exp: 88.7234</a:t>
             </a:r>
           </a:p>
           <a:p>
@@ -22494,24 +19588,19 @@
           <a:p>
             <a:r>
               <a:rPr lang="it-IT" dirty="0"/>
-              <a:t>*Training on 3 </a:t>
-            </a:r>
-            <a:r>
-              <a:rPr lang="it-IT" dirty="0" smtClean="0"/>
-              <a:t>exp</a:t>
-            </a:r>
-            <a:endParaRPr lang="it" dirty="0"/>
+              <a:t>*Training on 3 exp</a:t>
+            </a:r>
           </a:p>
           <a:p>
             <a:r>
               <a:rPr lang="pl-PL" dirty="0"/>
-              <a:t>A(z): 1     -3.7358      5.1579     -3.0089     0.49021    0.096966</a:t>
+              <a:t>A(z): 1     -1.8037      0.2948     0.93228    -0.41768</a:t>
             </a:r>
           </a:p>
           <a:p>
             <a:r>
               <a:rPr lang="pl-PL" dirty="0"/>
-              <a:t>B(z): 0           0   -0.077889     0.61883     -1.3542      1.1687    -0.35517</a:t>
+              <a:t>B(z): 0           0     0.17739   -0.033072     -0.1383</a:t>
             </a:r>
           </a:p>
           <a:p>
@@ -22525,7 +19614,7 @@
             </a:r>
             <a:r>
               <a:rPr lang="it-IT" dirty="0" smtClean="0"/>
-              <a:t>58.1653	Validation </a:t>
+              <a:t>67.6965 	Validation </a:t>
             </a:r>
             <a:r>
               <a:rPr lang="it-IT" dirty="0"/>
@@ -22533,12 +19622,14 @@
             </a:r>
             <a:r>
               <a:rPr lang="it-IT" dirty="0" smtClean="0"/>
-              <a:t>49.5579	Validation </a:t>
+              <a:t>62.7143 	Validation </a:t>
             </a:r>
             <a:r>
               <a:rPr lang="it-IT" dirty="0"/>
-              <a:t>on 3 exp: 62.7157</a:t>
-            </a:r>
+              <a:t>on 3 exp: 85.5182</a:t>
+            </a:r>
+          </a:p>
+          <a:p>
             <a:endParaRPr lang="en-GB" dirty="0"/>
           </a:p>
         </p:txBody>
@@ -22546,7 +19637,7 @@
     </p:spTree>
     <p:extLst>
       <p:ext uri="{BB962C8B-B14F-4D97-AF65-F5344CB8AC3E}">
-        <p14:creationId xmlns:p14="http://schemas.microsoft.com/office/powerpoint/2010/main" val="1262541392"/>
+        <p14:creationId xmlns:p14="http://schemas.microsoft.com/office/powerpoint/2010/main" val="4065924737"/>
       </p:ext>
     </p:extLst>
   </p:cSld>
@@ -22631,7 +19722,7 @@
               <a:rPr lang="en-GB" sz="2800" b="1" i="1" dirty="0" smtClean="0">
                 <a:latin typeface="+mj-lt"/>
               </a:rPr>
-              <a:t>MODEL VALIDATION</a:t>
+              <a:t>MODEL VALIDATION - OE</a:t>
             </a:r>
           </a:p>
         </p:txBody>
@@ -22702,163 +19793,166 @@
           </a:bodyPr>
           <a:lstStyle/>
           <a:p>
-            <a:r>
-              <a:rPr lang="en-GB" b="1" dirty="0" smtClean="0"/>
-              <a:t>OE</a:t>
-            </a:r>
-            <a:r>
-              <a:rPr lang="en-GB" dirty="0" smtClean="0"/>
-              <a:t> performs better than </a:t>
-            </a:r>
-            <a:r>
-              <a:rPr lang="en-GB" b="1" dirty="0" smtClean="0"/>
-              <a:t>ARX</a:t>
-            </a:r>
-            <a:r>
-              <a:rPr lang="en-GB" dirty="0" smtClean="0"/>
-              <a:t> models as expected from the previous theoretical discussion.</a:t>
-            </a:r>
-          </a:p>
-          <a:p>
-            <a:endParaRPr lang="en-GB" b="1" dirty="0"/>
-          </a:p>
-          <a:p>
-            <a:r>
-              <a:rPr lang="en-GB" b="1" dirty="0" smtClean="0"/>
-              <a:t>ARMAX </a:t>
-            </a:r>
-            <a:r>
-              <a:rPr lang="en-GB" dirty="0" smtClean="0"/>
-              <a:t>and </a:t>
-            </a:r>
-            <a:r>
-              <a:rPr lang="en-GB" b="1" dirty="0" smtClean="0"/>
-              <a:t>BJ</a:t>
-            </a:r>
-            <a:r>
-              <a:rPr lang="en-GB" dirty="0" smtClean="0"/>
-              <a:t> give exactly the same results as </a:t>
-            </a:r>
-            <a:r>
-              <a:rPr lang="en-GB" b="1" dirty="0" smtClean="0"/>
-              <a:t>OE</a:t>
-            </a:r>
-            <a:r>
-              <a:rPr lang="en-GB" dirty="0" smtClean="0"/>
-              <a:t> models using simulation focus.</a:t>
-            </a:r>
-          </a:p>
-          <a:p>
-            <a:endParaRPr lang="en-GB" b="1" dirty="0"/>
-          </a:p>
-          <a:p>
-            <a:r>
-              <a:rPr lang="en-GB" dirty="0" smtClean="0"/>
-              <a:t>A deeper analysis can be done with a </a:t>
-            </a:r>
-            <a:r>
-              <a:rPr lang="en-GB" dirty="0" err="1" smtClean="0"/>
-              <a:t>Matlab</a:t>
-            </a:r>
-            <a:r>
-              <a:rPr lang="en-GB" dirty="0" smtClean="0"/>
-              <a:t> script we wrote (</a:t>
-            </a:r>
-            <a:r>
-              <a:rPr lang="en-GB" dirty="0" err="1" smtClean="0"/>
-              <a:t>compareModels</a:t>
-            </a:r>
-            <a:r>
-              <a:rPr lang="en-GB" dirty="0" smtClean="0"/>
-              <a:t>) which shows graphically the properties of the two models, as:</a:t>
-            </a:r>
-          </a:p>
-          <a:p>
-            <a:pPr marL="285750" indent="-285750">
-              <a:buFont typeface="Arial" panose="020B0604020202020204" pitchFamily="34" charset="0"/>
-              <a:buChar char="•"/>
-            </a:pPr>
-            <a:r>
-              <a:rPr lang="en-GB" dirty="0" smtClean="0"/>
-              <a:t>Simulated output compared to actual data</a:t>
-            </a:r>
-          </a:p>
-          <a:p>
-            <a:pPr marL="285750" indent="-285750">
-              <a:buFont typeface="Arial" panose="020B0604020202020204" pitchFamily="34" charset="0"/>
-              <a:buChar char="•"/>
-            </a:pPr>
-            <a:r>
-              <a:rPr lang="en-GB" dirty="0" smtClean="0"/>
-              <a:t>Spectra analysis</a:t>
-            </a:r>
-          </a:p>
-          <a:p>
-            <a:pPr marL="285750" indent="-285750">
-              <a:buFont typeface="Arial" panose="020B0604020202020204" pitchFamily="34" charset="0"/>
-              <a:buChar char="•"/>
-            </a:pPr>
-            <a:r>
-              <a:rPr lang="en-GB" dirty="0" smtClean="0"/>
-              <a:t>Absolute error: mean, variance and max</a:t>
-            </a:r>
-          </a:p>
-          <a:p>
-            <a:pPr marL="285750" indent="-285750">
-              <a:buFont typeface="Arial" panose="020B0604020202020204" pitchFamily="34" charset="0"/>
-              <a:buChar char="•"/>
-            </a:pPr>
-            <a:r>
-              <a:rPr lang="en-GB" dirty="0" smtClean="0"/>
-              <a:t>Covariance of simulation error</a:t>
-            </a:r>
-          </a:p>
-          <a:p>
-            <a:pPr marL="285750" indent="-285750">
-              <a:buFont typeface="Arial" panose="020B0604020202020204" pitchFamily="34" charset="0"/>
-              <a:buChar char="•"/>
-            </a:pPr>
-            <a:r>
-              <a:rPr lang="en-GB" dirty="0" smtClean="0"/>
-              <a:t>Anderson Test</a:t>
-            </a:r>
-          </a:p>
-          <a:p>
-            <a:pPr marL="285750" indent="-285750">
-              <a:buFont typeface="Arial" panose="020B0604020202020204" pitchFamily="34" charset="0"/>
-              <a:buChar char="•"/>
-            </a:pPr>
-            <a:endParaRPr lang="en-GB" dirty="0"/>
-          </a:p>
-          <a:p>
-            <a:r>
-              <a:rPr lang="en-GB" dirty="0" smtClean="0"/>
-              <a:t>Both models pass Anderson Whiteness Test but </a:t>
-            </a:r>
-            <a:r>
-              <a:rPr lang="en-GB" b="1" dirty="0" smtClean="0"/>
-              <a:t>OE</a:t>
-            </a:r>
-            <a:r>
-              <a:rPr lang="en-GB" dirty="0" smtClean="0"/>
-              <a:t> has a better fitting and less error variance.</a:t>
-            </a:r>
-          </a:p>
-          <a:p>
-            <a:endParaRPr lang="en-GB" dirty="0"/>
-          </a:p>
-          <a:p>
-            <a:r>
-              <a:rPr lang="en-GB" dirty="0" smtClean="0"/>
-              <a:t>See attached </a:t>
-            </a:r>
-            <a:r>
-              <a:rPr lang="en-GB" dirty="0" err="1" smtClean="0"/>
-              <a:t>Matlab</a:t>
-            </a:r>
-            <a:r>
-              <a:rPr lang="en-GB" dirty="0" smtClean="0"/>
-              <a:t> scripts for more detailed info.</a:t>
+            <a:endParaRPr lang="en-GB" dirty="0" smtClean="0"/>
+          </a:p>
+          <a:p>
+            <a:r>
+              <a:rPr lang="it-IT" dirty="0"/>
+              <a:t>*Training on 1 </a:t>
+            </a:r>
+            <a:r>
+              <a:rPr lang="it-IT" dirty="0" smtClean="0"/>
+              <a:t>exp</a:t>
+            </a:r>
+            <a:endParaRPr lang="it" dirty="0"/>
+          </a:p>
+          <a:p>
+            <a:r>
+              <a:rPr lang="pl-PL" dirty="0"/>
+              <a:t>A(z): 1     -2.0798      1.5923     -1.0809     0.85391     -0.2781</a:t>
+            </a:r>
+          </a:p>
+          <a:p>
+            <a:r>
+              <a:rPr lang="pl-PL" dirty="0"/>
+              <a:t>B(z): 0           0    -0.17999     0.65694    -0.47025</a:t>
+            </a:r>
+          </a:p>
+          <a:p>
+            <a:r>
+              <a:rPr lang="it-IT" dirty="0" smtClean="0"/>
+              <a:t>Validation </a:t>
+            </a:r>
+            <a:r>
+              <a:rPr lang="it-IT" dirty="0"/>
+              <a:t>on 1 exp: </a:t>
+            </a:r>
+            <a:r>
+              <a:rPr lang="it-IT" dirty="0" smtClean="0"/>
+              <a:t>54.6866	Validation </a:t>
+            </a:r>
+            <a:r>
+              <a:rPr lang="it-IT" dirty="0"/>
+              <a:t>on 2 exp: </a:t>
+            </a:r>
+            <a:r>
+              <a:rPr lang="it-IT" dirty="0" smtClean="0"/>
+              <a:t>49.5952	Validation </a:t>
+            </a:r>
+            <a:r>
+              <a:rPr lang="it-IT" dirty="0"/>
+              <a:t>on 3 exp: 74.6829</a:t>
+            </a:r>
+          </a:p>
+          <a:p>
+            <a:r>
+              <a:rPr lang="it" dirty="0"/>
+              <a:t> </a:t>
+            </a:r>
+          </a:p>
+          <a:p>
+            <a:r>
+              <a:rPr lang="it-IT" dirty="0"/>
+              <a:t>*Training on 2 </a:t>
+            </a:r>
+            <a:r>
+              <a:rPr lang="it-IT" dirty="0" smtClean="0"/>
+              <a:t>exp</a:t>
+            </a:r>
+            <a:endParaRPr lang="it" dirty="0"/>
+          </a:p>
+          <a:p>
+            <a:r>
+              <a:rPr lang="pl-PL" dirty="0"/>
+              <a:t>A(z): 1      -2.046      1.4758    -0.99924     0.89773    -0.32148</a:t>
+            </a:r>
+          </a:p>
+          <a:p>
+            <a:r>
+              <a:rPr lang="pl-PL" dirty="0"/>
+              <a:t>B(z): 0           0    -0.19542     0.68029    -</a:t>
+            </a:r>
+            <a:r>
+              <a:rPr lang="pl-PL" dirty="0" smtClean="0"/>
+              <a:t>0.47878</a:t>
+            </a:r>
+            <a:endParaRPr lang="it-IT" dirty="0"/>
+          </a:p>
+          <a:p>
+            <a:r>
+              <a:rPr lang="it-IT" dirty="0"/>
+              <a:t>Validation on 1 exp: </a:t>
+            </a:r>
+            <a:r>
+              <a:rPr lang="it-IT" dirty="0" smtClean="0"/>
+              <a:t>54.9233	Validation </a:t>
+            </a:r>
+            <a:r>
+              <a:rPr lang="it-IT" dirty="0"/>
+              <a:t>on 2 exp: </a:t>
+            </a:r>
+            <a:r>
+              <a:rPr lang="it-IT" dirty="0" smtClean="0"/>
+              <a:t>49.3283	Validation </a:t>
+            </a:r>
+            <a:r>
+              <a:rPr lang="it-IT" dirty="0"/>
+              <a:t>on 3 exp: 75.5403</a:t>
+            </a:r>
+          </a:p>
+          <a:p>
+            <a:r>
+              <a:rPr lang="it" dirty="0"/>
+              <a:t> </a:t>
+            </a:r>
+          </a:p>
+          <a:p>
+            <a:r>
+              <a:rPr lang="it-IT" dirty="0"/>
+              <a:t>*Training on 3 </a:t>
+            </a:r>
+            <a:r>
+              <a:rPr lang="it-IT" dirty="0" smtClean="0"/>
+              <a:t>exp</a:t>
+            </a:r>
+            <a:endParaRPr lang="it" dirty="0"/>
+          </a:p>
+          <a:p>
+            <a:r>
+              <a:rPr lang="pl-PL" dirty="0"/>
+              <a:t>A(z): 1     -3.7358      5.1579     -3.0089     0.49021    0.096966</a:t>
+            </a:r>
+          </a:p>
+          <a:p>
+            <a:r>
+              <a:rPr lang="pl-PL" dirty="0"/>
+              <a:t>B(z): 0           0   -0.077889     0.61883     -1.3542      1.1687    -0.35517</a:t>
+            </a:r>
+          </a:p>
+          <a:p>
+            <a:r>
+              <a:rPr lang="it-IT" dirty="0" smtClean="0"/>
+              <a:t>Validation </a:t>
+            </a:r>
+            <a:r>
+              <a:rPr lang="it-IT" dirty="0"/>
+              <a:t>on 1 exp: </a:t>
+            </a:r>
+            <a:r>
+              <a:rPr lang="it-IT" dirty="0" smtClean="0"/>
+              <a:t>58.1653	Validation </a:t>
+            </a:r>
+            <a:r>
+              <a:rPr lang="it-IT" dirty="0"/>
+              <a:t>on 2 exp: </a:t>
+            </a:r>
+            <a:r>
+              <a:rPr lang="it-IT" dirty="0" smtClean="0"/>
+              <a:t>49.5579	Validation </a:t>
+            </a:r>
+            <a:r>
+              <a:rPr lang="it-IT" dirty="0"/>
+              <a:t>on 3 exp: 62.7157</a:t>
             </a:r>
             <a:endParaRPr lang="en-GB" dirty="0"/>
           </a:p>
@@ -22867,7 +19961,7 @@
     </p:spTree>
     <p:extLst>
       <p:ext uri="{BB962C8B-B14F-4D97-AF65-F5344CB8AC3E}">
-        <p14:creationId xmlns:p14="http://schemas.microsoft.com/office/powerpoint/2010/main" val="1775920175"/>
+        <p14:creationId xmlns:p14="http://schemas.microsoft.com/office/powerpoint/2010/main" val="1262541392"/>
       </p:ext>
     </p:extLst>
   </p:cSld>
@@ -23695,14 +20789,14 @@
       </p:sp>
       <p:sp>
         <p:nvSpPr>
-          <p:cNvPr id="4" name="TextBox 3"/>
+          <p:cNvPr id="3" name="TextBox 2"/>
           <p:cNvSpPr txBox="1"/>
           <p:nvPr/>
         </p:nvSpPr>
         <p:spPr>
           <a:xfrm>
-            <a:off x="55812" y="1133341"/>
-            <a:ext cx="11642501" cy="5093702"/>
+            <a:off x="231820" y="1046490"/>
+            <a:ext cx="11797048" cy="523220"/>
           </a:xfrm>
           <a:prstGeom prst="rect">
             <a:avLst/>
@@ -23717,151 +20811,259 @@
           <a:p>
             <a:pPr algn="ctr"/>
             <a:r>
-              <a:rPr lang="it-IT" sz="2800" b="1" i="1" dirty="0">
+              <a:rPr lang="en-GB" sz="2800" b="1" i="1" dirty="0" smtClean="0">
                 <a:latin typeface="+mj-lt"/>
               </a:rPr>
-              <a:t>MODEL VALIDATION </a:t>
-            </a:r>
-            <a:r>
-              <a:rPr lang="it-IT" sz="2800" b="1" i="1" dirty="0" smtClean="0">
-                <a:latin typeface="+mj-lt"/>
+              <a:t>MODEL VALIDATION</a:t>
+            </a:r>
+          </a:p>
+        </p:txBody>
+      </p:sp>
+      <p:sp>
+        <p:nvSpPr>
+          <p:cNvPr id="4" name="TextBox 3"/>
+          <p:cNvSpPr txBox="1"/>
+          <p:nvPr/>
+        </p:nvSpPr>
+        <p:spPr>
+          <a:xfrm>
+            <a:off x="7078960" y="173782"/>
+            <a:ext cx="2746393" cy="369332"/>
+          </a:xfrm>
+          <a:prstGeom prst="rect">
+            <a:avLst/>
+          </a:prstGeom>
+          <a:noFill/>
+        </p:spPr>
+        <p:txBody>
+          <a:bodyPr wrap="none" rtlCol="0">
+            <a:spAutoFit/>
+          </a:bodyPr>
+          <a:lstStyle/>
+          <a:p>
+            <a:r>
+              <a:rPr lang="en-GB" b="1" dirty="0" smtClean="0">
+                <a:solidFill>
+                  <a:srgbClr val="FF0000"/>
+                </a:solidFill>
+                <a:latin typeface="DejaVu Sans" panose="020B0603030804020204" pitchFamily="34" charset="0"/>
+                <a:ea typeface="DejaVu Sans" panose="020B0603030804020204" pitchFamily="34" charset="0"/>
+                <a:cs typeface="DejaVu Sans" panose="020B0603030804020204" pitchFamily="34" charset="0"/>
               </a:rPr>
-              <a:t>– DYNAMICS</a:t>
-            </a:r>
-            <a:endParaRPr lang="it-IT" sz="2800" b="1" i="1" dirty="0">
-              <a:latin typeface="+mj-lt"/>
+              <a:t>MODEL VALIDATION</a:t>
+            </a:r>
+            <a:endParaRPr lang="en-GB" b="1" dirty="0">
+              <a:solidFill>
+                <a:srgbClr val="FF0000"/>
+              </a:solidFill>
+              <a:latin typeface="DejaVu Sans" panose="020B0603030804020204" pitchFamily="34" charset="0"/>
+              <a:ea typeface="DejaVu Sans" panose="020B0603030804020204" pitchFamily="34" charset="0"/>
+              <a:cs typeface="DejaVu Sans" panose="020B0603030804020204" pitchFamily="34" charset="0"/>
             </a:endParaRPr>
           </a:p>
-          <a:p>
-            <a:endParaRPr lang="it-IT" b="1" i="1" dirty="0" smtClean="0"/>
-          </a:p>
-          <a:p>
-            <a:r>
-              <a:rPr lang="it-IT" dirty="0" smtClean="0"/>
-              <a:t>Another way to discriminate among different models is to look at their dynamic behaviour.</a:t>
-            </a:r>
-          </a:p>
-          <a:p>
-            <a:endParaRPr lang="it-IT" dirty="0"/>
-          </a:p>
-          <a:p>
-            <a:pPr>
-              <a:lnSpc>
-                <a:spcPct val="150000"/>
-              </a:lnSpc>
-            </a:pPr>
-            <a:r>
-              <a:rPr lang="it-IT" dirty="0" smtClean="0"/>
-              <a:t>Here we will analyze:</a:t>
-            </a:r>
-          </a:p>
-          <a:p>
-            <a:pPr marL="742950" lvl="1" indent="-285750">
-              <a:lnSpc>
-                <a:spcPct val="150000"/>
-              </a:lnSpc>
+        </p:txBody>
+      </p:sp>
+      <p:sp>
+        <p:nvSpPr>
+          <p:cNvPr id="5" name="TextBox 4"/>
+          <p:cNvSpPr txBox="1"/>
+          <p:nvPr/>
+        </p:nvSpPr>
+        <p:spPr>
+          <a:xfrm>
+            <a:off x="231820" y="1569710"/>
+            <a:ext cx="11719775" cy="4247317"/>
+          </a:xfrm>
+          <a:prstGeom prst="rect">
+            <a:avLst/>
+          </a:prstGeom>
+          <a:noFill/>
+        </p:spPr>
+        <p:txBody>
+          <a:bodyPr wrap="square" rtlCol="0">
+            <a:spAutoFit/>
+          </a:bodyPr>
+          <a:lstStyle/>
+          <a:p>
+            <a:r>
+              <a:rPr lang="en-GB" b="1" dirty="0" smtClean="0"/>
+              <a:t>OE</a:t>
+            </a:r>
+            <a:r>
+              <a:rPr lang="en-GB" dirty="0" smtClean="0"/>
+              <a:t> performs better than </a:t>
+            </a:r>
+            <a:r>
+              <a:rPr lang="en-GB" b="1" dirty="0" smtClean="0"/>
+              <a:t>ARX</a:t>
+            </a:r>
+            <a:r>
+              <a:rPr lang="en-GB" dirty="0" smtClean="0"/>
+              <a:t> models as expected from the previous theoretical discussion.</a:t>
+            </a:r>
+          </a:p>
+          <a:p>
+            <a:endParaRPr lang="en-GB" b="1" dirty="0"/>
+          </a:p>
+          <a:p>
+            <a:r>
+              <a:rPr lang="en-GB" b="1" dirty="0" smtClean="0"/>
+              <a:t>ARMAX </a:t>
+            </a:r>
+            <a:r>
+              <a:rPr lang="en-GB" dirty="0" smtClean="0"/>
+              <a:t>and </a:t>
+            </a:r>
+            <a:r>
+              <a:rPr lang="en-GB" b="1" dirty="0" smtClean="0"/>
+              <a:t>BJ</a:t>
+            </a:r>
+            <a:r>
+              <a:rPr lang="en-GB" dirty="0" smtClean="0"/>
+              <a:t> give exactly the same results as </a:t>
+            </a:r>
+            <a:r>
+              <a:rPr lang="en-GB" b="1" dirty="0" smtClean="0"/>
+              <a:t>OE</a:t>
+            </a:r>
+            <a:r>
+              <a:rPr lang="en-GB" dirty="0" smtClean="0"/>
+              <a:t> models using simulation focus.</a:t>
+            </a:r>
+          </a:p>
+          <a:p>
+            <a:endParaRPr lang="en-GB" b="1" dirty="0"/>
+          </a:p>
+          <a:p>
+            <a:r>
+              <a:rPr lang="en-GB" dirty="0" smtClean="0"/>
+              <a:t>A deeper analysis can be done with a </a:t>
+            </a:r>
+            <a:r>
+              <a:rPr lang="en-GB" dirty="0" err="1" smtClean="0"/>
+              <a:t>Matlab</a:t>
+            </a:r>
+            <a:r>
+              <a:rPr lang="en-GB" dirty="0" smtClean="0"/>
+              <a:t> script we wrote (</a:t>
+            </a:r>
+            <a:r>
+              <a:rPr lang="en-GB" dirty="0" err="1" smtClean="0"/>
+              <a:t>compareModels</a:t>
+            </a:r>
+            <a:r>
+              <a:rPr lang="en-GB" dirty="0" smtClean="0"/>
+              <a:t>) which shows graphically the properties of the two models, as:</a:t>
+            </a:r>
+          </a:p>
+          <a:p>
+            <a:pPr marL="285750" indent="-285750">
               <a:buFont typeface="Arial" panose="020B0604020202020204" pitchFamily="34" charset="0"/>
               <a:buChar char="•"/>
             </a:pPr>
             <a:r>
-              <a:rPr lang="it-IT" dirty="0" smtClean="0"/>
-              <a:t>Poles and Zero</a:t>
-            </a:r>
-          </a:p>
-          <a:p>
-            <a:pPr marL="742950" lvl="1" indent="-285750">
-              <a:lnSpc>
-                <a:spcPct val="150000"/>
-              </a:lnSpc>
+              <a:rPr lang="en-GB" dirty="0" smtClean="0"/>
+              <a:t>Simulated output compared to actual data</a:t>
+            </a:r>
+          </a:p>
+          <a:p>
+            <a:pPr marL="285750" indent="-285750">
               <a:buFont typeface="Arial" panose="020B0604020202020204" pitchFamily="34" charset="0"/>
               <a:buChar char="•"/>
             </a:pPr>
             <a:r>
-              <a:rPr lang="it-IT" dirty="0" smtClean="0"/>
-              <a:t>Step response</a:t>
-            </a:r>
-          </a:p>
-          <a:p>
-            <a:pPr>
-              <a:lnSpc>
-                <a:spcPct val="150000"/>
-              </a:lnSpc>
+              <a:rPr lang="en-GB" dirty="0" smtClean="0"/>
+              <a:t>Spectra analysis</a:t>
+            </a:r>
+          </a:p>
+          <a:p>
+            <a:pPr marL="285750" indent="-285750">
+              <a:buFont typeface="Arial" panose="020B0604020202020204" pitchFamily="34" charset="0"/>
+              <a:buChar char="•"/>
             </a:pPr>
             <a:r>
-              <a:rPr lang="it-IT" dirty="0"/>
-              <a:t>t</a:t>
-            </a:r>
-            <a:r>
-              <a:rPr lang="it-IT" dirty="0" smtClean="0"/>
-              <a:t>rying to understand which dynamic best suit the actual system. </a:t>
-            </a:r>
-          </a:p>
-          <a:p>
-            <a:pPr>
-              <a:lnSpc>
-                <a:spcPct val="150000"/>
-              </a:lnSpc>
+              <a:rPr lang="en-GB" dirty="0" smtClean="0"/>
+              <a:t>Absolute error: mean, variance and max</a:t>
+            </a:r>
+          </a:p>
+          <a:p>
+            <a:pPr marL="285750" indent="-285750">
+              <a:buFont typeface="Arial" panose="020B0604020202020204" pitchFamily="34" charset="0"/>
+              <a:buChar char="•"/>
             </a:pPr>
-            <a:endParaRPr lang="it-IT" dirty="0" smtClean="0"/>
-          </a:p>
-          <a:p>
-            <a:pPr>
-              <a:lnSpc>
-                <a:spcPct val="150000"/>
-              </a:lnSpc>
+            <a:r>
+              <a:rPr lang="en-GB" dirty="0" smtClean="0"/>
+              <a:t>Covariance of simulation error</a:t>
+            </a:r>
+          </a:p>
+          <a:p>
+            <a:pPr marL="285750" indent="-285750">
+              <a:buFont typeface="Arial" panose="020B0604020202020204" pitchFamily="34" charset="0"/>
+              <a:buChar char="•"/>
             </a:pPr>
             <a:r>
-              <a:rPr lang="it-IT" dirty="0" smtClean="0"/>
-              <a:t>We will also attempt to synthesize new models by shaping the pole-zero plot.</a:t>
-            </a:r>
-          </a:p>
-          <a:p>
-            <a:pPr>
-              <a:lnSpc>
-                <a:spcPct val="150000"/>
-              </a:lnSpc>
+              <a:rPr lang="en-GB" dirty="0" smtClean="0"/>
+              <a:t>Anderson Test</a:t>
+            </a:r>
+          </a:p>
+          <a:p>
+            <a:pPr marL="285750" indent="-285750">
+              <a:buFont typeface="Arial" panose="020B0604020202020204" pitchFamily="34" charset="0"/>
+              <a:buChar char="•"/>
             </a:pPr>
-            <a:endParaRPr lang="it-IT" b="1" i="1" dirty="0" smtClean="0"/>
-          </a:p>
-          <a:p>
-            <a:pPr>
-              <a:lnSpc>
-                <a:spcPct val="150000"/>
-              </a:lnSpc>
-            </a:pPr>
-            <a:r>
-              <a:rPr lang="it-IT" dirty="0" smtClean="0"/>
-              <a:t>Each model class is trained using the three datasets with simulation focus, leading to three different </a:t>
-            </a:r>
-            <a:br>
-              <a:rPr lang="it-IT" dirty="0" smtClean="0"/>
-            </a:br>
-            <a:r>
-              <a:rPr lang="it-IT" dirty="0" smtClean="0"/>
-              <a:t>models for each class.</a:t>
-            </a:r>
-            <a:r>
-              <a:rPr lang="it-IT" dirty="0"/>
-              <a:t> </a:t>
-            </a:r>
-            <a:r>
-              <a:rPr lang="it-IT" dirty="0" smtClean="0"/>
-              <a:t>Model classes tested: ARX, OE.</a:t>
-            </a:r>
-            <a:endParaRPr lang="it-IT" dirty="0"/>
+            <a:endParaRPr lang="en-GB" dirty="0"/>
+          </a:p>
+          <a:p>
+            <a:r>
+              <a:rPr lang="en-GB" dirty="0" smtClean="0"/>
+              <a:t>Both models pass Anderson Whiteness Test but </a:t>
+            </a:r>
+            <a:r>
+              <a:rPr lang="en-GB" b="1" dirty="0" smtClean="0"/>
+              <a:t>OE</a:t>
+            </a:r>
+            <a:r>
+              <a:rPr lang="en-GB" dirty="0" smtClean="0"/>
+              <a:t> has a better fitting and less error variance.</a:t>
+            </a:r>
+          </a:p>
+          <a:p>
+            <a:endParaRPr lang="en-GB" dirty="0"/>
+          </a:p>
+          <a:p>
+            <a:r>
+              <a:rPr lang="en-GB" dirty="0" smtClean="0"/>
+              <a:t>See attached </a:t>
+            </a:r>
+            <a:r>
+              <a:rPr lang="en-GB" dirty="0" err="1" smtClean="0"/>
+              <a:t>Matlab</a:t>
+            </a:r>
+            <a:r>
+              <a:rPr lang="en-GB" dirty="0" smtClean="0"/>
+              <a:t> scripts for more detailed info.</a:t>
+            </a:r>
+            <a:endParaRPr lang="en-GB" dirty="0"/>
           </a:p>
         </p:txBody>
       </p:sp>
     </p:spTree>
     <p:extLst>
       <p:ext uri="{BB962C8B-B14F-4D97-AF65-F5344CB8AC3E}">
-        <p14:creationId xmlns:p14="http://schemas.microsoft.com/office/powerpoint/2010/main" val="2084359161"/>
+        <p14:creationId xmlns:p14="http://schemas.microsoft.com/office/powerpoint/2010/main" val="1775920175"/>
       </p:ext>
     </p:extLst>
   </p:cSld>
   <p:clrMapOvr>
     <a:masterClrMapping/>
   </p:clrMapOvr>
+  <p:timing>
+    <p:tnLst>
+      <p:par>
+        <p:cTn id="1" dur="indefinite" restart="never" nodeType="tmRoot"/>
+      </p:par>
+    </p:tnLst>
+  </p:timing>
 </p:sld>
 </file>
 
@@ -23901,6 +21103,219 @@
               <a:rPr lang="it-IT" altLang="en-US" smtClean="0"/>
               <a:pPr/>
               <a:t>31</a:t>
+            </a:fld>
+            <a:endParaRPr lang="it-IT" altLang="en-US"/>
+          </a:p>
+        </p:txBody>
+      </p:sp>
+      <p:sp>
+        <p:nvSpPr>
+          <p:cNvPr id="4" name="TextBox 3"/>
+          <p:cNvSpPr txBox="1"/>
+          <p:nvPr/>
+        </p:nvSpPr>
+        <p:spPr>
+          <a:xfrm>
+            <a:off x="55812" y="1133341"/>
+            <a:ext cx="11642501" cy="5093702"/>
+          </a:xfrm>
+          <a:prstGeom prst="rect">
+            <a:avLst/>
+          </a:prstGeom>
+          <a:noFill/>
+        </p:spPr>
+        <p:txBody>
+          <a:bodyPr wrap="square" rtlCol="0">
+            <a:spAutoFit/>
+          </a:bodyPr>
+          <a:lstStyle/>
+          <a:p>
+            <a:pPr algn="ctr"/>
+            <a:r>
+              <a:rPr lang="it-IT" sz="2800" b="1" i="1" dirty="0">
+                <a:latin typeface="+mj-lt"/>
+              </a:rPr>
+              <a:t>MODEL VALIDATION </a:t>
+            </a:r>
+            <a:r>
+              <a:rPr lang="it-IT" sz="2800" b="1" i="1" dirty="0" smtClean="0">
+                <a:latin typeface="+mj-lt"/>
+              </a:rPr>
+              <a:t>– DYNAMICS</a:t>
+            </a:r>
+            <a:endParaRPr lang="it-IT" sz="2800" b="1" i="1" dirty="0">
+              <a:latin typeface="+mj-lt"/>
+            </a:endParaRPr>
+          </a:p>
+          <a:p>
+            <a:endParaRPr lang="it-IT" b="1" i="1" dirty="0" smtClean="0"/>
+          </a:p>
+          <a:p>
+            <a:r>
+              <a:rPr lang="it-IT" dirty="0" smtClean="0"/>
+              <a:t>Another way to discriminate among different models is to look at their dynamic behaviour.</a:t>
+            </a:r>
+          </a:p>
+          <a:p>
+            <a:endParaRPr lang="it-IT" dirty="0"/>
+          </a:p>
+          <a:p>
+            <a:pPr>
+              <a:lnSpc>
+                <a:spcPct val="150000"/>
+              </a:lnSpc>
+            </a:pPr>
+            <a:r>
+              <a:rPr lang="it-IT" dirty="0" smtClean="0"/>
+              <a:t>Here we will analyze:</a:t>
+            </a:r>
+          </a:p>
+          <a:p>
+            <a:pPr marL="742950" lvl="1" indent="-285750">
+              <a:lnSpc>
+                <a:spcPct val="150000"/>
+              </a:lnSpc>
+              <a:buFont typeface="Arial" panose="020B0604020202020204" pitchFamily="34" charset="0"/>
+              <a:buChar char="•"/>
+            </a:pPr>
+            <a:r>
+              <a:rPr lang="it-IT" dirty="0" smtClean="0"/>
+              <a:t>Poles and Zero</a:t>
+            </a:r>
+          </a:p>
+          <a:p>
+            <a:pPr marL="742950" lvl="1" indent="-285750">
+              <a:lnSpc>
+                <a:spcPct val="150000"/>
+              </a:lnSpc>
+              <a:buFont typeface="Arial" panose="020B0604020202020204" pitchFamily="34" charset="0"/>
+              <a:buChar char="•"/>
+            </a:pPr>
+            <a:r>
+              <a:rPr lang="it-IT" dirty="0" smtClean="0"/>
+              <a:t>Step response</a:t>
+            </a:r>
+          </a:p>
+          <a:p>
+            <a:pPr>
+              <a:lnSpc>
+                <a:spcPct val="150000"/>
+              </a:lnSpc>
+            </a:pPr>
+            <a:r>
+              <a:rPr lang="it-IT" dirty="0"/>
+              <a:t>t</a:t>
+            </a:r>
+            <a:r>
+              <a:rPr lang="it-IT" dirty="0" smtClean="0"/>
+              <a:t>rying to understand which dynamic best suit the actual system. </a:t>
+            </a:r>
+          </a:p>
+          <a:p>
+            <a:pPr>
+              <a:lnSpc>
+                <a:spcPct val="150000"/>
+              </a:lnSpc>
+            </a:pPr>
+            <a:endParaRPr lang="it-IT" dirty="0" smtClean="0"/>
+          </a:p>
+          <a:p>
+            <a:pPr>
+              <a:lnSpc>
+                <a:spcPct val="150000"/>
+              </a:lnSpc>
+            </a:pPr>
+            <a:r>
+              <a:rPr lang="it-IT" dirty="0" smtClean="0"/>
+              <a:t>We will also attempt to synthesize new models by shaping the pole-zero plot.</a:t>
+            </a:r>
+          </a:p>
+          <a:p>
+            <a:pPr>
+              <a:lnSpc>
+                <a:spcPct val="150000"/>
+              </a:lnSpc>
+            </a:pPr>
+            <a:endParaRPr lang="it-IT" b="1" i="1" dirty="0" smtClean="0"/>
+          </a:p>
+          <a:p>
+            <a:pPr>
+              <a:lnSpc>
+                <a:spcPct val="150000"/>
+              </a:lnSpc>
+            </a:pPr>
+            <a:r>
+              <a:rPr lang="it-IT" dirty="0" smtClean="0"/>
+              <a:t>Each model class is trained using the three datasets with simulation focus, leading to three different </a:t>
+            </a:r>
+            <a:br>
+              <a:rPr lang="it-IT" dirty="0" smtClean="0"/>
+            </a:br>
+            <a:r>
+              <a:rPr lang="it-IT" dirty="0" smtClean="0"/>
+              <a:t>models for each class.</a:t>
+            </a:r>
+            <a:r>
+              <a:rPr lang="it-IT" dirty="0"/>
+              <a:t> </a:t>
+            </a:r>
+            <a:r>
+              <a:rPr lang="it-IT" dirty="0" smtClean="0"/>
+              <a:t>Model classes tested: ARX, OE.</a:t>
+            </a:r>
+            <a:endParaRPr lang="it-IT" dirty="0"/>
+          </a:p>
+        </p:txBody>
+      </p:sp>
+    </p:spTree>
+    <p:extLst>
+      <p:ext uri="{BB962C8B-B14F-4D97-AF65-F5344CB8AC3E}">
+        <p14:creationId xmlns:p14="http://schemas.microsoft.com/office/powerpoint/2010/main" val="2084359161"/>
+      </p:ext>
+    </p:extLst>
+  </p:cSld>
+  <p:clrMapOvr>
+    <a:masterClrMapping/>
+  </p:clrMapOvr>
+</p:sld>
+</file>
+
+<file path=ppt/slides/slide32.xml><?xml version="1.0" encoding="utf-8"?>
+<p:sld xmlns:a="http://schemas.openxmlformats.org/drawingml/2006/main" xmlns:r="http://schemas.openxmlformats.org/officeDocument/2006/relationships" xmlns:p="http://schemas.openxmlformats.org/presentationml/2006/main">
+  <p:cSld>
+    <p:spTree>
+      <p:nvGrpSpPr>
+        <p:cNvPr id="1" name=""/>
+        <p:cNvGrpSpPr/>
+        <p:nvPr/>
+      </p:nvGrpSpPr>
+      <p:grpSpPr>
+        <a:xfrm>
+          <a:off x="0" y="0"/>
+          <a:ext cx="0" cy="0"/>
+          <a:chOff x="0" y="0"/>
+          <a:chExt cx="0" cy="0"/>
+        </a:xfrm>
+      </p:grpSpPr>
+      <p:sp>
+        <p:nvSpPr>
+          <p:cNvPr id="2" name="Slide Number Placeholder 1"/>
+          <p:cNvSpPr>
+            <a:spLocks noGrp="1"/>
+          </p:cNvSpPr>
+          <p:nvPr>
+            <p:ph type="sldNum" sz="quarter" idx="10"/>
+          </p:nvPr>
+        </p:nvSpPr>
+        <p:spPr/>
+        <p:txBody>
+          <a:bodyPr/>
+          <a:lstStyle/>
+          <a:p>
+            <a:fld id="{61155BBA-336D-4AED-BB34-E42D9706BCE7}" type="slidenum">
+              <a:rPr lang="it-IT" altLang="en-US" smtClean="0"/>
+              <a:pPr/>
+              <a:t>32</a:t>
             </a:fld>
             <a:endParaRPr lang="it-IT" altLang="en-US"/>
           </a:p>
@@ -24059,7 +21474,7 @@
 </p:sld>
 </file>
 
-<file path=ppt/slides/slide32.xml><?xml version="1.0" encoding="utf-8"?>
+<file path=ppt/slides/slide33.xml><?xml version="1.0" encoding="utf-8"?>
 <p:sld xmlns:a="http://schemas.openxmlformats.org/drawingml/2006/main" xmlns:r="http://schemas.openxmlformats.org/officeDocument/2006/relationships" xmlns:p="http://schemas.openxmlformats.org/presentationml/2006/main">
   <p:cSld>
     <p:spTree>
@@ -24094,7 +21509,7 @@
             <a:fld id="{61155BBA-336D-4AED-BB34-E42D9706BCE7}" type="slidenum">
               <a:rPr lang="it-IT" altLang="en-US" smtClean="0"/>
               <a:pPr/>
-              <a:t>32</a:t>
+              <a:t>33</a:t>
             </a:fld>
             <a:endParaRPr lang="it-IT" altLang="en-US"/>
           </a:p>
@@ -24253,7 +21668,7 @@
 </p:sld>
 </file>
 
-<file path=ppt/slides/slide33.xml><?xml version="1.0" encoding="utf-8"?>
+<file path=ppt/slides/slide34.xml><?xml version="1.0" encoding="utf-8"?>
 <p:sld xmlns:a="http://schemas.openxmlformats.org/drawingml/2006/main" xmlns:r="http://schemas.openxmlformats.org/officeDocument/2006/relationships" xmlns:p="http://schemas.openxmlformats.org/presentationml/2006/main">
   <p:cSld>
     <p:spTree>
@@ -24288,7 +21703,7 @@
             <a:fld id="{61155BBA-336D-4AED-BB34-E42D9706BCE7}" type="slidenum">
               <a:rPr lang="it-IT" altLang="en-US" smtClean="0"/>
               <a:pPr/>
-              <a:t>33</a:t>
+              <a:t>34</a:t>
             </a:fld>
             <a:endParaRPr lang="it-IT" altLang="en-US"/>
           </a:p>
@@ -24375,7 +21790,7 @@
 </p:sld>
 </file>
 
-<file path=ppt/slides/slide34.xml><?xml version="1.0" encoding="utf-8"?>
+<file path=ppt/slides/slide35.xml><?xml version="1.0" encoding="utf-8"?>
 <p:sld xmlns:a="http://schemas.openxmlformats.org/drawingml/2006/main" xmlns:r="http://schemas.openxmlformats.org/officeDocument/2006/relationships" xmlns:p="http://schemas.openxmlformats.org/presentationml/2006/main">
   <p:cSld>
     <p:spTree>
@@ -24410,14 +21825,14 @@
             <a:fld id="{61155BBA-336D-4AED-BB34-E42D9706BCE7}" type="slidenum">
               <a:rPr lang="it-IT" altLang="en-US" smtClean="0"/>
               <a:pPr/>
-              <a:t>34</a:t>
+              <a:t>35</a:t>
             </a:fld>
             <a:endParaRPr lang="it-IT" altLang="en-US"/>
           </a:p>
         </p:txBody>
       </p:sp>
-      <mc:AlternateContent xmlns:mc="http://schemas.openxmlformats.org/markup-compatibility/2006">
-        <mc:Choice xmlns:a14="http://schemas.microsoft.com/office/drawing/2010/main" Requires="a14">
+      <mc:AlternateContent xmlns:mc="http://schemas.openxmlformats.org/markup-compatibility/2006" xmlns:a14="http://schemas.microsoft.com/office/drawing/2010/main">
+        <mc:Choice Requires="a14">
           <p:sp>
             <p:nvSpPr>
               <p:cNvPr id="4" name="TextBox 3"/>
@@ -24445,19 +21860,7 @@
                   <a:rPr lang="it-IT" sz="2800" b="1" i="1" dirty="0" smtClean="0">
                     <a:latin typeface="+mj-lt"/>
                   </a:rPr>
-                  <a:t>MODEL VALIDATION </a:t>
-                </a:r>
-                <a:r>
-                  <a:rPr lang="it-IT" sz="2800" b="1" i="1" dirty="0" smtClean="0">
-                    <a:latin typeface="+mj-lt"/>
-                  </a:rPr>
-                  <a:t>– </a:t>
-                </a:r>
-                <a:r>
-                  <a:rPr lang="it-IT" sz="2800" b="1" i="1" dirty="0" smtClean="0">
-                    <a:latin typeface="+mj-lt"/>
-                  </a:rPr>
-                  <a:t>DYNAMICS</a:t>
+                  <a:t>MODEL VALIDATION – DYNAMICS</a:t>
                 </a:r>
               </a:p>
               <a:p>
@@ -24572,12 +21975,11 @@
                   <a:rPr lang="it-IT" dirty="0" smtClean="0"/>
                   <a:t> models are equal since we can cancel a zero in the origin and the pole close to it.</a:t>
                 </a:r>
-                <a:endParaRPr lang="it-IT" dirty="0" smtClean="0"/>
               </a:p>
             </p:txBody>
           </p:sp>
         </mc:Choice>
-        <mc:Fallback>
+        <mc:Fallback xmlns="">
           <p:sp>
             <p:nvSpPr>
               <p:cNvPr id="4" name="TextBox 3"/>
@@ -24629,142 +22031,6 @@
 </p:sld>
 </file>
 
-<file path=ppt/slides/slide35.xml><?xml version="1.0" encoding="utf-8"?>
-<p:sld xmlns:a="http://schemas.openxmlformats.org/drawingml/2006/main" xmlns:r="http://schemas.openxmlformats.org/officeDocument/2006/relationships" xmlns:p="http://schemas.openxmlformats.org/presentationml/2006/main">
-  <p:cSld>
-    <p:spTree>
-      <p:nvGrpSpPr>
-        <p:cNvPr id="1" name=""/>
-        <p:cNvGrpSpPr/>
-        <p:nvPr/>
-      </p:nvGrpSpPr>
-      <p:grpSpPr>
-        <a:xfrm>
-          <a:off x="0" y="0"/>
-          <a:ext cx="0" cy="0"/>
-          <a:chOff x="0" y="0"/>
-          <a:chExt cx="0" cy="0"/>
-        </a:xfrm>
-      </p:grpSpPr>
-      <p:sp>
-        <p:nvSpPr>
-          <p:cNvPr id="2" name="Slide Number Placeholder 1"/>
-          <p:cNvSpPr>
-            <a:spLocks noGrp="1"/>
-          </p:cNvSpPr>
-          <p:nvPr>
-            <p:ph type="sldNum" sz="quarter" idx="10"/>
-          </p:nvPr>
-        </p:nvSpPr>
-        <p:spPr/>
-        <p:txBody>
-          <a:bodyPr/>
-          <a:lstStyle/>
-          <a:p>
-            <a:fld id="{61155BBA-336D-4AED-BB34-E42D9706BCE7}" type="slidenum">
-              <a:rPr lang="it-IT" altLang="en-US" smtClean="0"/>
-              <a:pPr/>
-              <a:t>35</a:t>
-            </a:fld>
-            <a:endParaRPr lang="it-IT" altLang="en-US"/>
-          </a:p>
-        </p:txBody>
-      </p:sp>
-      <p:sp>
-        <p:nvSpPr>
-          <p:cNvPr id="3" name="TextBox 2"/>
-          <p:cNvSpPr txBox="1"/>
-          <p:nvPr/>
-        </p:nvSpPr>
-        <p:spPr>
-          <a:xfrm>
-            <a:off x="4746912" y="1033790"/>
-            <a:ext cx="2698175" cy="523220"/>
-          </a:xfrm>
-          <a:prstGeom prst="rect">
-            <a:avLst/>
-          </a:prstGeom>
-          <a:noFill/>
-        </p:spPr>
-        <p:txBody>
-          <a:bodyPr wrap="none" rtlCol="0">
-            <a:spAutoFit/>
-          </a:bodyPr>
-          <a:lstStyle/>
-          <a:p>
-            <a:r>
-              <a:rPr lang="en-GB" sz="2800" b="1" i="1" dirty="0" smtClean="0">
-                <a:latin typeface="+mj-lt"/>
-              </a:rPr>
-              <a:t>CONCLUSION</a:t>
-            </a:r>
-          </a:p>
-        </p:txBody>
-      </p:sp>
-      <p:sp>
-        <p:nvSpPr>
-          <p:cNvPr id="4" name="TextBox 3"/>
-          <p:cNvSpPr txBox="1"/>
-          <p:nvPr/>
-        </p:nvSpPr>
-        <p:spPr>
-          <a:xfrm>
-            <a:off x="6956299" y="173782"/>
-            <a:ext cx="3512308" cy="369332"/>
-          </a:xfrm>
-          <a:prstGeom prst="rect">
-            <a:avLst/>
-          </a:prstGeom>
-          <a:noFill/>
-        </p:spPr>
-        <p:txBody>
-          <a:bodyPr wrap="none" rtlCol="0">
-            <a:spAutoFit/>
-          </a:bodyPr>
-          <a:lstStyle/>
-          <a:p>
-            <a:r>
-              <a:rPr lang="en-GB" b="1" dirty="0" smtClean="0">
-                <a:solidFill>
-                  <a:srgbClr val="FF0000"/>
-                </a:solidFill>
-                <a:latin typeface="DejaVu Sans" panose="020B0603030804020204" pitchFamily="34" charset="0"/>
-                <a:ea typeface="DejaVu Sans" panose="020B0603030804020204" pitchFamily="34" charset="0"/>
-                <a:cs typeface="DejaVu Sans" panose="020B0603030804020204" pitchFamily="34" charset="0"/>
-              </a:rPr>
-              <a:t>CONCLUSION &amp; REMARKS</a:t>
-            </a:r>
-            <a:endParaRPr lang="en-GB" b="1" dirty="0">
-              <a:solidFill>
-                <a:srgbClr val="FF0000"/>
-              </a:solidFill>
-              <a:latin typeface="DejaVu Sans" panose="020B0603030804020204" pitchFamily="34" charset="0"/>
-              <a:ea typeface="DejaVu Sans" panose="020B0603030804020204" pitchFamily="34" charset="0"/>
-              <a:cs typeface="DejaVu Sans" panose="020B0603030804020204" pitchFamily="34" charset="0"/>
-            </a:endParaRPr>
-          </a:p>
-        </p:txBody>
-      </p:sp>
-    </p:spTree>
-    <p:extLst>
-      <p:ext uri="{BB962C8B-B14F-4D97-AF65-F5344CB8AC3E}">
-        <p14:creationId xmlns:p14="http://schemas.microsoft.com/office/powerpoint/2010/main" val="2463455316"/>
-      </p:ext>
-    </p:extLst>
-  </p:cSld>
-  <p:clrMapOvr>
-    <a:masterClrMapping/>
-  </p:clrMapOvr>
-  <p:timing>
-    <p:tnLst>
-      <p:par>
-        <p:cTn id="1" dur="indefinite" restart="never" nodeType="tmRoot"/>
-      </p:par>
-    </p:tnLst>
-  </p:timing>
-</p:sld>
-</file>
-
 <file path=ppt/slides/slide36.xml><?xml version="1.0" encoding="utf-8"?>
 <p:sld xmlns:a="http://schemas.openxmlformats.org/drawingml/2006/main" xmlns:r="http://schemas.openxmlformats.org/officeDocument/2006/relationships" xmlns:p="http://schemas.openxmlformats.org/presentationml/2006/main">
   <p:cSld>
@@ -24808,87 +22074,75 @@
       </p:sp>
       <p:sp>
         <p:nvSpPr>
-          <p:cNvPr id="4" name="Rectangle 3"/>
-          <p:cNvSpPr/>
+          <p:cNvPr id="3" name="TextBox 2"/>
+          <p:cNvSpPr txBox="1"/>
           <p:nvPr/>
         </p:nvSpPr>
         <p:spPr>
           <a:xfrm>
-            <a:off x="2444744" y="2588350"/>
-            <a:ext cx="7302512" cy="1754326"/>
+            <a:off x="4746912" y="1033790"/>
+            <a:ext cx="2698175" cy="523220"/>
           </a:xfrm>
           <a:prstGeom prst="rect">
             <a:avLst/>
           </a:prstGeom>
+          <a:noFill/>
         </p:spPr>
-        <p:style>
-          <a:lnRef idx="3">
-            <a:schemeClr val="lt1"/>
-          </a:lnRef>
-          <a:fillRef idx="1">
-            <a:schemeClr val="accent5"/>
-          </a:fillRef>
-          <a:effectRef idx="1">
-            <a:schemeClr val="accent5"/>
-          </a:effectRef>
-          <a:fontRef idx="minor">
-            <a:schemeClr val="lt1"/>
-          </a:fontRef>
-        </p:style>
         <p:txBody>
-          <a:bodyPr wrap="none" lIns="91440" tIns="45720" rIns="91440" bIns="45720">
+          <a:bodyPr wrap="none" rtlCol="0">
             <a:spAutoFit/>
           </a:bodyPr>
           <a:lstStyle/>
           <a:p>
-            <a:pPr algn="ctr"/>
-            <a:r>
-              <a:rPr lang="en-US" sz="5400" b="0" cap="none" spc="0" dirty="0" smtClean="0">
-                <a:ln w="0"/>
+            <a:r>
+              <a:rPr lang="en-GB" sz="2800" b="1" i="1" dirty="0" smtClean="0">
+                <a:latin typeface="+mj-lt"/>
+              </a:rPr>
+              <a:t>CONCLUSION</a:t>
+            </a:r>
+          </a:p>
+        </p:txBody>
+      </p:sp>
+      <p:sp>
+        <p:nvSpPr>
+          <p:cNvPr id="4" name="TextBox 3"/>
+          <p:cNvSpPr txBox="1"/>
+          <p:nvPr/>
+        </p:nvSpPr>
+        <p:spPr>
+          <a:xfrm>
+            <a:off x="6956299" y="173782"/>
+            <a:ext cx="3512308" cy="369332"/>
+          </a:xfrm>
+          <a:prstGeom prst="rect">
+            <a:avLst/>
+          </a:prstGeom>
+          <a:noFill/>
+        </p:spPr>
+        <p:txBody>
+          <a:bodyPr wrap="none" rtlCol="0">
+            <a:spAutoFit/>
+          </a:bodyPr>
+          <a:lstStyle/>
+          <a:p>
+            <a:r>
+              <a:rPr lang="en-GB" b="1" dirty="0" smtClean="0">
                 <a:solidFill>
-                  <a:schemeClr val="tx1"/>
+                  <a:srgbClr val="FF0000"/>
                 </a:solidFill>
-                <a:effectLst>
-                  <a:outerShdw blurRad="38100" dist="19050" dir="2700000" algn="tl" rotWithShape="0">
-                    <a:schemeClr val="dk1">
-                      <a:alpha val="40000"/>
-                    </a:schemeClr>
-                  </a:outerShdw>
-                </a:effectLst>
+                <a:latin typeface="DejaVu Sans" panose="020B0603030804020204" pitchFamily="34" charset="0"/>
+                <a:ea typeface="DejaVu Sans" panose="020B0603030804020204" pitchFamily="34" charset="0"/>
+                <a:cs typeface="DejaVu Sans" panose="020B0603030804020204" pitchFamily="34" charset="0"/>
               </a:rPr>
-              <a:t>WHAT WENT WRONG</a:t>
-            </a:r>
-          </a:p>
-          <a:p>
-            <a:pPr algn="ctr"/>
-            <a:r>
-              <a:rPr lang="en-US" sz="5400" dirty="0" smtClean="0">
-                <a:ln w="0"/>
-                <a:solidFill>
-                  <a:schemeClr val="tx1"/>
-                </a:solidFill>
-                <a:effectLst>
-                  <a:outerShdw blurRad="38100" dist="19050" dir="2700000" algn="tl" rotWithShape="0">
-                    <a:schemeClr val="dk1">
-                      <a:alpha val="40000"/>
-                    </a:schemeClr>
-                  </a:outerShdw>
-                </a:effectLst>
-              </a:rPr>
-              <a:t>AND WHY</a:t>
-            </a:r>
-            <a:endParaRPr lang="en-US" sz="5400" b="0" cap="none" spc="0" dirty="0">
-              <a:ln w="0"/>
+              <a:t>CONCLUSION &amp; REMARKS</a:t>
+            </a:r>
+            <a:endParaRPr lang="en-GB" b="1" dirty="0">
               <a:solidFill>
-                <a:schemeClr val="tx1"/>
+                <a:srgbClr val="FF0000"/>
               </a:solidFill>
-              <a:effectLst>
-                <a:outerShdw blurRad="38100" dist="19050" dir="2700000" algn="tl" rotWithShape="0">
-                  <a:schemeClr val="dk1">
-                    <a:alpha val="40000"/>
-                  </a:schemeClr>
-                </a:outerShdw>
-              </a:effectLst>
+              <a:latin typeface="DejaVu Sans" panose="020B0603030804020204" pitchFamily="34" charset="0"/>
+              <a:ea typeface="DejaVu Sans" panose="020B0603030804020204" pitchFamily="34" charset="0"/>
+              <a:cs typeface="DejaVu Sans" panose="020B0603030804020204" pitchFamily="34" charset="0"/>
             </a:endParaRPr>
           </a:p>
         </p:txBody>
@@ -24896,7 +22150,7 @@
     </p:spTree>
     <p:extLst>
       <p:ext uri="{BB962C8B-B14F-4D97-AF65-F5344CB8AC3E}">
-        <p14:creationId xmlns:p14="http://schemas.microsoft.com/office/powerpoint/2010/main" val="548125632"/>
+        <p14:creationId xmlns:p14="http://schemas.microsoft.com/office/powerpoint/2010/main" val="2463455316"/>
       </p:ext>
     </p:extLst>
   </p:cSld>
@@ -24956,6 +22210,135 @@
       </p:sp>
       <p:sp>
         <p:nvSpPr>
+          <p:cNvPr id="4" name="Rectangle 3"/>
+          <p:cNvSpPr/>
+          <p:nvPr/>
+        </p:nvSpPr>
+        <p:spPr>
+          <a:xfrm>
+            <a:off x="3656871" y="2588350"/>
+            <a:ext cx="4878259" cy="923330"/>
+          </a:xfrm>
+          <a:prstGeom prst="rect">
+            <a:avLst/>
+          </a:prstGeom>
+        </p:spPr>
+        <p:style>
+          <a:lnRef idx="3">
+            <a:schemeClr val="lt1"/>
+          </a:lnRef>
+          <a:fillRef idx="1">
+            <a:schemeClr val="accent5"/>
+          </a:fillRef>
+          <a:effectRef idx="1">
+            <a:schemeClr val="accent5"/>
+          </a:effectRef>
+          <a:fontRef idx="minor">
+            <a:schemeClr val="lt1"/>
+          </a:fontRef>
+        </p:style>
+        <p:txBody>
+          <a:bodyPr wrap="none" lIns="91440" tIns="45720" rIns="91440" bIns="45720">
+            <a:spAutoFit/>
+          </a:bodyPr>
+          <a:lstStyle/>
+          <a:p>
+            <a:pPr algn="ctr"/>
+            <a:r>
+              <a:rPr lang="en-US" sz="5400" dirty="0" smtClean="0">
+                <a:ln w="0"/>
+                <a:solidFill>
+                  <a:schemeClr val="tx1"/>
+                </a:solidFill>
+                <a:effectLst>
+                  <a:outerShdw blurRad="38100" dist="19050" dir="2700000" algn="tl" rotWithShape="0">
+                    <a:schemeClr val="dk1">
+                      <a:alpha val="40000"/>
+                    </a:schemeClr>
+                  </a:outerShdw>
+                </a:effectLst>
+              </a:rPr>
+              <a:t>OTHER IDEAS</a:t>
+            </a:r>
+            <a:endParaRPr lang="en-US" sz="5400" b="0" cap="none" spc="0" dirty="0">
+              <a:ln w="0"/>
+              <a:solidFill>
+                <a:schemeClr val="tx1"/>
+              </a:solidFill>
+              <a:effectLst>
+                <a:outerShdw blurRad="38100" dist="19050" dir="2700000" algn="tl" rotWithShape="0">
+                  <a:schemeClr val="dk1">
+                    <a:alpha val="40000"/>
+                  </a:schemeClr>
+                </a:outerShdw>
+              </a:effectLst>
+            </a:endParaRPr>
+          </a:p>
+        </p:txBody>
+      </p:sp>
+    </p:spTree>
+    <p:extLst>
+      <p:ext uri="{BB962C8B-B14F-4D97-AF65-F5344CB8AC3E}">
+        <p14:creationId xmlns:p14="http://schemas.microsoft.com/office/powerpoint/2010/main" val="548125632"/>
+      </p:ext>
+    </p:extLst>
+  </p:cSld>
+  <p:clrMapOvr>
+    <a:masterClrMapping/>
+  </p:clrMapOvr>
+  <p:timing>
+    <p:tnLst>
+      <p:par>
+        <p:cTn id="1" dur="indefinite" restart="never" nodeType="tmRoot"/>
+      </p:par>
+    </p:tnLst>
+  </p:timing>
+</p:sld>
+</file>
+
+<file path=ppt/slides/slide38.xml><?xml version="1.0" encoding="utf-8"?>
+<p:sld xmlns:a="http://schemas.openxmlformats.org/drawingml/2006/main" xmlns:r="http://schemas.openxmlformats.org/officeDocument/2006/relationships" xmlns:p="http://schemas.openxmlformats.org/presentationml/2006/main">
+  <p:cSld>
+    <p:spTree>
+      <p:nvGrpSpPr>
+        <p:cNvPr id="1" name=""/>
+        <p:cNvGrpSpPr/>
+        <p:nvPr/>
+      </p:nvGrpSpPr>
+      <p:grpSpPr>
+        <a:xfrm>
+          <a:off x="0" y="0"/>
+          <a:ext cx="0" cy="0"/>
+          <a:chOff x="0" y="0"/>
+          <a:chExt cx="0" cy="0"/>
+        </a:xfrm>
+      </p:grpSpPr>
+      <p:sp>
+        <p:nvSpPr>
+          <p:cNvPr id="2" name="Slide Number Placeholder 1"/>
+          <p:cNvSpPr>
+            <a:spLocks noGrp="1"/>
+          </p:cNvSpPr>
+          <p:nvPr>
+            <p:ph type="sldNum" sz="quarter" idx="10"/>
+          </p:nvPr>
+        </p:nvSpPr>
+        <p:spPr/>
+        <p:txBody>
+          <a:bodyPr/>
+          <a:lstStyle/>
+          <a:p>
+            <a:fld id="{61155BBA-336D-4AED-BB34-E42D9706BCE7}" type="slidenum">
+              <a:rPr lang="it-IT" altLang="en-US" smtClean="0"/>
+              <a:pPr/>
+              <a:t>38</a:t>
+            </a:fld>
+            <a:endParaRPr lang="it-IT" altLang="en-US"/>
+          </a:p>
+        </p:txBody>
+      </p:sp>
+      <p:sp>
+        <p:nvSpPr>
           <p:cNvPr id="4" name="TextBox 3"/>
           <p:cNvSpPr txBox="1"/>
           <p:nvPr/>
@@ -25001,14 +22384,14 @@
       </p:sp>
       <p:sp>
         <p:nvSpPr>
-          <p:cNvPr id="5" name="TextBox 4"/>
+          <p:cNvPr id="3" name="TextBox 2"/>
           <p:cNvSpPr txBox="1"/>
           <p:nvPr/>
         </p:nvSpPr>
         <p:spPr>
           <a:xfrm>
-            <a:off x="1375794" y="2181138"/>
-            <a:ext cx="7904728" cy="1200329"/>
+            <a:off x="922789" y="1795244"/>
+            <a:ext cx="10230108" cy="923330"/>
           </a:xfrm>
           <a:prstGeom prst="rect">
             <a:avLst/>
@@ -25021,109 +22404,58 @@
           </a:bodyPr>
           <a:lstStyle/>
           <a:p>
+            <a:pPr marL="342900" indent="-342900">
+              <a:buFont typeface="+mj-lt"/>
+              <a:buAutoNum type="arabicPeriod"/>
+            </a:pPr>
             <a:r>
               <a:rPr lang="en-GB" dirty="0" smtClean="0"/>
-              <a:t>Qui </a:t>
+              <a:t>Non linear identification: tried to use </a:t>
             </a:r>
             <a:r>
               <a:rPr lang="en-GB" dirty="0" err="1" smtClean="0"/>
-              <a:t>possiamo</a:t>
+              <a:t>matlab</a:t>
             </a:r>
             <a:r>
               <a:rPr lang="en-GB" dirty="0" smtClean="0"/>
-              <a:t> </a:t>
+              <a:t> toolbox, </a:t>
             </a:r>
             <a:r>
               <a:rPr lang="en-GB" dirty="0" err="1" smtClean="0"/>
-              <a:t>mettere</a:t>
+              <a:t>kinda</a:t>
             </a:r>
             <a:r>
               <a:rPr lang="en-GB" dirty="0" smtClean="0"/>
-              <a:t> </a:t>
+              <a:t> bad results</a:t>
+            </a:r>
+          </a:p>
+          <a:p>
+            <a:pPr marL="342900" indent="-342900">
+              <a:buFont typeface="+mj-lt"/>
+              <a:buAutoNum type="arabicPeriod"/>
+            </a:pPr>
+            <a:r>
+              <a:rPr lang="en-GB" dirty="0" smtClean="0"/>
+              <a:t>Try to merge the first 2 datasets (they are similar) and do training on this, then validation on 3</a:t>
+            </a:r>
+            <a:r>
+              <a:rPr lang="en-GB" baseline="30000" dirty="0" smtClean="0"/>
+              <a:t>rd</a:t>
+            </a:r>
+            <a:endParaRPr lang="en-GB" dirty="0" smtClean="0"/>
+          </a:p>
+          <a:p>
+            <a:pPr marL="342900" indent="-342900">
+              <a:buFont typeface="+mj-lt"/>
+              <a:buAutoNum type="arabicPeriod"/>
+            </a:pPr>
+            <a:r>
+              <a:rPr lang="en-GB" dirty="0" smtClean="0"/>
+              <a:t>Interpolation of data, sampling at higher frequency-&gt; new </a:t>
             </a:r>
             <a:r>
               <a:rPr lang="en-GB" dirty="0" err="1" smtClean="0"/>
-              <a:t>tipo</a:t>
-            </a:r>
-            <a:r>
-              <a:rPr lang="en-GB" dirty="0" smtClean="0"/>
-              <a:t> le </a:t>
-            </a:r>
-            <a:r>
-              <a:rPr lang="en-GB" dirty="0" err="1" smtClean="0"/>
-              <a:t>ideee</a:t>
-            </a:r>
-            <a:r>
-              <a:rPr lang="en-GB" dirty="0" smtClean="0"/>
-              <a:t> </a:t>
-            </a:r>
-            <a:r>
-              <a:rPr lang="en-GB" dirty="0" err="1" smtClean="0"/>
-              <a:t>andate</a:t>
-            </a:r>
-            <a:r>
-              <a:rPr lang="en-GB" dirty="0" smtClean="0"/>
-              <a:t> male o da </a:t>
-            </a:r>
-            <a:r>
-              <a:rPr lang="en-GB" dirty="0" err="1" smtClean="0"/>
-              <a:t>provare</a:t>
-            </a:r>
-            <a:endParaRPr lang="en-GB" dirty="0" smtClean="0"/>
-          </a:p>
-          <a:p>
-            <a:r>
-              <a:rPr lang="en-GB" dirty="0" smtClean="0"/>
-              <a:t>-</a:t>
-            </a:r>
-            <a:r>
-              <a:rPr lang="en-GB" dirty="0" err="1" smtClean="0"/>
-              <a:t>interpolazione</a:t>
-            </a:r>
-            <a:r>
-              <a:rPr lang="en-GB" dirty="0" smtClean="0"/>
-              <a:t> </a:t>
-            </a:r>
-            <a:r>
-              <a:rPr lang="en-GB" dirty="0" err="1" smtClean="0"/>
-              <a:t>dati</a:t>
-            </a:r>
-            <a:r>
-              <a:rPr lang="en-GB" dirty="0" smtClean="0"/>
-              <a:t> + training </a:t>
-            </a:r>
-            <a:r>
-              <a:rPr lang="en-GB" dirty="0" err="1" smtClean="0"/>
-              <a:t>su</a:t>
-            </a:r>
-            <a:r>
-              <a:rPr lang="en-GB" dirty="0" smtClean="0"/>
-              <a:t> </a:t>
-            </a:r>
-            <a:r>
-              <a:rPr lang="en-GB" dirty="0" err="1" smtClean="0"/>
-              <a:t>essi</a:t>
-            </a:r>
-            <a:endParaRPr lang="en-GB" dirty="0" smtClean="0"/>
-          </a:p>
-          <a:p>
-            <a:r>
-              <a:rPr lang="en-GB" dirty="0" smtClean="0"/>
-              <a:t>-experiment have the same kind of shape-&gt; do an </a:t>
-            </a:r>
-            <a:r>
-              <a:rPr lang="en-GB" dirty="0" err="1" smtClean="0"/>
-              <a:t>avg</a:t>
-            </a:r>
-            <a:r>
-              <a:rPr lang="en-GB" dirty="0" smtClean="0"/>
-              <a:t> of the data and train</a:t>
-            </a:r>
-          </a:p>
-          <a:p>
-            <a:r>
-              <a:rPr lang="en-GB" dirty="0" smtClean="0"/>
-              <a:t>-use 2 experiments at time to do training and then validation on the other set</a:t>
+              <a:t>traning</a:t>
             </a:r>
             <a:endParaRPr lang="en-GB" dirty="0"/>
           </a:p>
@@ -26938,6 +24270,56 @@
           </a:prstGeom>
         </p:spPr>
       </p:pic>
+      <p:sp>
+        <p:nvSpPr>
+          <p:cNvPr id="8" name="TextBox 7"/>
+          <p:cNvSpPr txBox="1"/>
+          <p:nvPr/>
+        </p:nvSpPr>
+        <p:spPr>
+          <a:xfrm>
+            <a:off x="398754" y="4454554"/>
+            <a:ext cx="11529759" cy="923330"/>
+          </a:xfrm>
+          <a:prstGeom prst="rect">
+            <a:avLst/>
+          </a:prstGeom>
+          <a:noFill/>
+        </p:spPr>
+        <p:txBody>
+          <a:bodyPr wrap="none" rtlCol="0">
+            <a:spAutoFit/>
+          </a:bodyPr>
+          <a:lstStyle/>
+          <a:p>
+            <a:r>
+              <a:rPr lang="en-GB" dirty="0" smtClean="0"/>
+              <a:t>Experiments are quite similar, though the third one has some differences. For identification </a:t>
+            </a:r>
+            <a:r>
+              <a:rPr lang="en-GB" dirty="0" err="1" smtClean="0"/>
+              <a:t>puroposes</a:t>
+            </a:r>
+            <a:r>
+              <a:rPr lang="en-GB" dirty="0" smtClean="0"/>
+              <a:t> we’ll see</a:t>
+            </a:r>
+          </a:p>
+          <a:p>
+            <a:r>
+              <a:rPr lang="en-GB" dirty="0" smtClean="0"/>
+              <a:t>That it’s better to consider the full set of an experiment than just a small set of it because of the number of data,</a:t>
+            </a:r>
+          </a:p>
+          <a:p>
+            <a:r>
+              <a:rPr lang="en-GB" dirty="0" smtClean="0"/>
+              <a:t>Despite the fact that we have 3 different stationary signals.</a:t>
+            </a:r>
+            <a:endParaRPr lang="en-GB" dirty="0"/>
+          </a:p>
+        </p:txBody>
+      </p:sp>
     </p:spTree>
     <p:extLst>
       <p:ext uri="{BB962C8B-B14F-4D97-AF65-F5344CB8AC3E}">

--- a/report/Report.pptx
+++ b/report/Report.pptx
@@ -42,9 +42,10 @@
     <p:sldId id="288" r:id="rId36"/>
     <p:sldId id="292" r:id="rId37"/>
     <p:sldId id="293" r:id="rId38"/>
-    <p:sldId id="265" r:id="rId39"/>
-    <p:sldId id="277" r:id="rId40"/>
-    <p:sldId id="278" r:id="rId41"/>
+    <p:sldId id="297" r:id="rId39"/>
+    <p:sldId id="265" r:id="rId40"/>
+    <p:sldId id="277" r:id="rId41"/>
+    <p:sldId id="278" r:id="rId42"/>
   </p:sldIdLst>
   <p:sldSz cx="12192000" cy="6858000"/>
   <p:notesSz cx="6858000" cy="9144000"/>
@@ -15207,8 +15208,8 @@
           </a:p>
         </p:txBody>
       </p:sp>
-      <mc:AlternateContent xmlns:mc="http://schemas.openxmlformats.org/markup-compatibility/2006">
-        <mc:Choice xmlns:a14="http://schemas.microsoft.com/office/drawing/2010/main" Requires="a14">
+      <mc:AlternateContent xmlns:mc="http://schemas.openxmlformats.org/markup-compatibility/2006" xmlns:a14="http://schemas.microsoft.com/office/drawing/2010/main">
+        <mc:Choice Requires="a14">
           <p:sp>
             <p:nvSpPr>
               <p:cNvPr id="6" name="TextBox 5"/>
@@ -15796,7 +15797,7 @@
             </p:txBody>
           </p:sp>
         </mc:Choice>
-        <mc:Fallback>
+        <mc:Fallback xmlns="">
           <p:sp>
             <p:nvSpPr>
               <p:cNvPr id="6" name="TextBox 5"/>
@@ -15896,8 +15897,8 @@
           </a:p>
         </p:txBody>
       </p:sp>
-      <mc:AlternateContent xmlns:mc="http://schemas.openxmlformats.org/markup-compatibility/2006">
-        <mc:Choice xmlns:a14="http://schemas.microsoft.com/office/drawing/2010/main" Requires="a14">
+      <mc:AlternateContent xmlns:mc="http://schemas.openxmlformats.org/markup-compatibility/2006" xmlns:a14="http://schemas.microsoft.com/office/drawing/2010/main">
+        <mc:Choice Requires="a14">
           <p:sp>
             <p:nvSpPr>
               <p:cNvPr id="3" name="TextBox 2"/>
@@ -15945,33 +15946,13 @@
                 </a:r>
                 <a:r>
                   <a:rPr lang="en-GB" dirty="0" smtClean="0"/>
-                  <a:t> noise transfer function will </a:t>
-                </a:r>
-                <a:r>
-                  <a:rPr lang="en-GB" dirty="0" smtClean="0"/>
-                  <a:t>give </a:t>
-                </a:r>
-                <a:r>
-                  <a:rPr lang="en-GB" dirty="0" smtClean="0"/>
-                  <a:t>better </a:t>
-                </a:r>
-                <a:r>
-                  <a:rPr lang="en-GB" dirty="0" smtClean="0"/>
-                  <a:t>results in </a:t>
+                  <a:t> noise transfer function will give better results in </a:t>
                 </a:r>
               </a:p>
               <a:p>
                 <a:r>
                   <a:rPr lang="en-GB" dirty="0" smtClean="0"/>
-                  <a:t>closed loop experiments when compared to OE models (where </a:t>
-                </a:r>
-                <a:r>
-                  <a:rPr lang="en-GB" dirty="0" smtClean="0"/>
-                  <a:t>best </a:t>
-                </a:r>
-                <a:r>
-                  <a:rPr lang="en-GB" dirty="0" smtClean="0"/>
-                  <a:t>means </a:t>
+                  <a:t>closed loop experiments when compared to OE models (where best means </a:t>
                 </a:r>
                 <a14:m>
                   <m:oMath xmlns:m="http://schemas.openxmlformats.org/officeDocument/2006/math">
@@ -16016,34 +15997,13 @@
                 </a14:m>
                 <a:r>
                   <a:rPr lang="en-GB" dirty="0" smtClean="0"/>
-                  <a:t>), whilst </a:t>
+                  <a:t>), whilst OE models are the </a:t>
                 </a:r>
-                <a:r>
-                  <a:rPr lang="en-GB" dirty="0" smtClean="0"/>
-                  <a:t>OE </a:t>
-                </a:r>
-                <a:r>
-                  <a:rPr lang="en-GB" dirty="0" smtClean="0"/>
-                  <a:t>models </a:t>
-                </a:r>
-                <a:r>
-                  <a:rPr lang="en-GB" dirty="0" smtClean="0"/>
-                  <a:t>are the </a:t>
-                </a:r>
-                <a:endParaRPr lang="en-GB" dirty="0" smtClean="0"/>
               </a:p>
               <a:p>
                 <a:r>
                   <a:rPr lang="en-GB" dirty="0" smtClean="0"/>
-                  <a:t>best </a:t>
-                </a:r>
-                <a:r>
-                  <a:rPr lang="en-GB" dirty="0" smtClean="0"/>
-                  <a:t>ones </a:t>
-                </a:r>
-                <a:r>
-                  <a:rPr lang="en-GB" dirty="0" smtClean="0"/>
-                  <a:t>in OL experiments. </a:t>
+                  <a:t>best ones in OL experiments. </a:t>
                 </a:r>
                 <a:r>
                   <a:rPr lang="en-GB" dirty="0"/>
@@ -16059,7 +16019,6 @@
                   <a:rPr lang="en-GB" dirty="0" smtClean="0"/>
                   <a:t>to OE models.</a:t>
                 </a:r>
-                <a:endParaRPr lang="en-GB" dirty="0" smtClean="0"/>
               </a:p>
               <a:p>
                 <a:endParaRPr lang="en-GB" dirty="0"/>
@@ -16105,7 +16064,7 @@
             </p:txBody>
           </p:sp>
         </mc:Choice>
-        <mc:Fallback>
+        <mc:Fallback xmlns="">
           <p:sp>
             <p:nvSpPr>
               <p:cNvPr id="3" name="TextBox 2"/>
@@ -16205,8 +16164,8 @@
           </a:p>
         </p:txBody>
       </p:sp>
-      <mc:AlternateContent xmlns:mc="http://schemas.openxmlformats.org/markup-compatibility/2006">
-        <mc:Choice xmlns:a14="http://schemas.microsoft.com/office/drawing/2010/main" Requires="a14">
+      <mc:AlternateContent xmlns:mc="http://schemas.openxmlformats.org/markup-compatibility/2006" xmlns:a14="http://schemas.microsoft.com/office/drawing/2010/main">
+        <mc:Choice Requires="a14">
           <p:sp>
             <p:nvSpPr>
               <p:cNvPr id="3" name="Rectangle 2"/>
@@ -17924,11 +17883,9 @@
                 <a:endParaRPr lang="en-GB" dirty="0" smtClean="0"/>
               </a:p>
               <a:p>
-                <a:pPr/>
                 <a:endParaRPr lang="en-GB" dirty="0"/>
               </a:p>
               <a:p>
-                <a:pPr/>
                 <a:r>
                   <a:rPr lang="en-GB" dirty="0" smtClean="0"/>
                   <a:t>If H=1 the minimisation of </a:t>
@@ -18216,7 +18173,7 @@
             </p:txBody>
           </p:sp>
         </mc:Choice>
-        <mc:Fallback>
+        <mc:Fallback xmlns="">
           <p:sp>
             <p:nvSpPr>
               <p:cNvPr id="3" name="Rectangle 2"/>
@@ -18309,8 +18266,8 @@
           </a:p>
         </p:txBody>
       </p:sp>
-      <mc:AlternateContent xmlns:mc="http://schemas.openxmlformats.org/markup-compatibility/2006">
-        <mc:Choice xmlns:a14="http://schemas.microsoft.com/office/drawing/2010/main" Requires="a14">
+      <mc:AlternateContent xmlns:mc="http://schemas.openxmlformats.org/markup-compatibility/2006" xmlns:a14="http://schemas.microsoft.com/office/drawing/2010/main">
+        <mc:Choice Requires="a14">
           <p:sp>
             <p:nvSpPr>
               <p:cNvPr id="5" name="TextBox 4"/>
@@ -18345,6 +18302,7 @@
                 </a:r>
               </a:p>
               <a:p>
+                <a:pPr/>
                 <a14:m>
                   <m:oMathPara xmlns:m="http://schemas.openxmlformats.org/officeDocument/2006/math">
                     <m:oMathParaPr>
@@ -18699,7 +18657,7 @@
             </p:txBody>
           </p:sp>
         </mc:Choice>
-        <mc:Fallback>
+        <mc:Fallback xmlns="">
           <p:sp>
             <p:nvSpPr>
               <p:cNvPr id="5" name="TextBox 4"/>
@@ -21831,8 +21789,8 @@
           </a:p>
         </p:txBody>
       </p:sp>
-      <mc:AlternateContent xmlns:mc="http://schemas.openxmlformats.org/markup-compatibility/2006" xmlns:a14="http://schemas.microsoft.com/office/drawing/2010/main">
-        <mc:Choice Requires="a14">
+      <mc:AlternateContent xmlns:mc="http://schemas.openxmlformats.org/markup-compatibility/2006">
+        <mc:Choice xmlns:a14="http://schemas.microsoft.com/office/drawing/2010/main" Requires="a14">
           <p:sp>
             <p:nvSpPr>
               <p:cNvPr id="4" name="TextBox 3"/>
@@ -21842,7 +21800,7 @@
             <p:spPr>
               <a:xfrm>
                 <a:off x="55812" y="1133341"/>
-                <a:ext cx="11642501" cy="4124206"/>
+                <a:ext cx="11642501" cy="5232202"/>
               </a:xfrm>
               <a:prstGeom prst="rect">
                 <a:avLst/>
@@ -21973,13 +21931,35 @@
                 </a:r>
                 <a:r>
                   <a:rPr lang="it-IT" dirty="0" smtClean="0"/>
-                  <a:t> models are equal since we can cancel a zero in the origin and the pole close to it.</a:t>
+                  <a:t> models are equal since we can cancel a zero in the origin and the pole close to it</a:t>
                 </a:r>
+                <a:r>
+                  <a:rPr lang="it-IT" dirty="0" smtClean="0"/>
+                  <a:t>.</a:t>
+                </a:r>
+              </a:p>
+              <a:p>
+                <a:endParaRPr lang="it-IT" dirty="0"/>
+              </a:p>
+              <a:p>
+                <a:r>
+                  <a:rPr lang="it-IT" dirty="0" smtClean="0"/>
+                  <a:t>The first two </a:t>
+                </a:r>
+                <a:r>
+                  <a:rPr lang="it-IT" b="1" dirty="0" smtClean="0"/>
+                  <a:t>OE </a:t>
+                </a:r>
+                <a:r>
+                  <a:rPr lang="it-IT" dirty="0" smtClean="0"/>
+                  <a:t>models are very similar and they both have a zero outside the unit circle, which makes us think that an overparametrization might have occurred; in order to verify this option we can cancel that zero and see wheter or not the dynamics is somehow affected.</a:t>
+                </a:r>
+                <a:endParaRPr lang="it-IT" dirty="0" smtClean="0"/>
               </a:p>
             </p:txBody>
           </p:sp>
         </mc:Choice>
-        <mc:Fallback xmlns="">
+        <mc:Fallback>
           <p:sp>
             <p:nvSpPr>
               <p:cNvPr id="4" name="TextBox 3"/>
@@ -21991,7 +21971,7 @@
             <p:spPr>
               <a:xfrm>
                 <a:off x="55812" y="1133341"/>
-                <a:ext cx="11642501" cy="4124206"/>
+                <a:ext cx="11642501" cy="5232202"/>
               </a:xfrm>
               <a:prstGeom prst="rect">
                 <a:avLst/>
@@ -21999,7 +21979,7 @@
               <a:blipFill rotWithShape="0">
                 <a:blip r:embed="rId2"/>
                 <a:stretch>
-                  <a:fillRect l="-419" t="-1627" r="-524" b="-1479"/>
+                  <a:fillRect l="-419" t="-1282" r="-524" b="-932"/>
                 </a:stretch>
               </a:blipFill>
             </p:spPr>
@@ -22074,14 +22054,14 @@
       </p:sp>
       <p:sp>
         <p:nvSpPr>
-          <p:cNvPr id="3" name="TextBox 2"/>
+          <p:cNvPr id="4" name="TextBox 3"/>
           <p:cNvSpPr txBox="1"/>
           <p:nvPr/>
         </p:nvSpPr>
         <p:spPr>
           <a:xfrm>
-            <a:off x="4746912" y="1033790"/>
-            <a:ext cx="2698175" cy="523220"/>
+            <a:off x="55812" y="1133341"/>
+            <a:ext cx="11642501" cy="523220"/>
           </a:xfrm>
           <a:prstGeom prst="rect">
             <a:avLst/>
@@ -22089,30 +22069,102 @@
           <a:noFill/>
         </p:spPr>
         <p:txBody>
-          <a:bodyPr wrap="none" rtlCol="0">
+          <a:bodyPr wrap="square" rtlCol="0">
             <a:spAutoFit/>
           </a:bodyPr>
           <a:lstStyle/>
           <a:p>
-            <a:r>
-              <a:rPr lang="en-GB" sz="2800" b="1" i="1" dirty="0" smtClean="0">
+            <a:pPr algn="ctr"/>
+            <a:r>
+              <a:rPr lang="it-IT" sz="2800" b="1" i="1" dirty="0" smtClean="0">
                 <a:latin typeface="+mj-lt"/>
               </a:rPr>
-              <a:t>CONCLUSION</a:t>
-            </a:r>
+              <a:t>MODEL VALIDATION – </a:t>
+            </a:r>
+            <a:r>
+              <a:rPr lang="it-IT" sz="2800" b="1" i="1" dirty="0" smtClean="0">
+                <a:latin typeface="+mj-lt"/>
+              </a:rPr>
+              <a:t>DYNAMICS</a:t>
+            </a:r>
+            <a:r>
+              <a:rPr lang="it-IT" dirty="0" smtClean="0"/>
+              <a:t>.</a:t>
+            </a:r>
+            <a:endParaRPr lang="it-IT" dirty="0" smtClean="0"/>
           </a:p>
         </p:txBody>
       </p:sp>
+      <p:pic>
+        <p:nvPicPr>
+          <p:cNvPr id="3" name="Picture 2"/>
+          <p:cNvPicPr>
+            <a:picLocks noChangeAspect="1"/>
+          </p:cNvPicPr>
+          <p:nvPr/>
+        </p:nvPicPr>
+        <p:blipFill>
+          <a:blip r:embed="rId2">
+            <a:extLst>
+              <a:ext uri="{28A0092B-C50C-407E-A947-70E740481C1C}">
+                <a14:useLocalDpi xmlns:a14="http://schemas.microsoft.com/office/drawing/2010/main" val="0"/>
+              </a:ext>
+            </a:extLst>
+          </a:blip>
+          <a:stretch>
+            <a:fillRect/>
+          </a:stretch>
+        </p:blipFill>
+        <p:spPr>
+          <a:xfrm>
+            <a:off x="377784" y="1666221"/>
+            <a:ext cx="5333333" cy="4000000"/>
+          </a:xfrm>
+          <a:prstGeom prst="rect">
+            <a:avLst/>
+          </a:prstGeom>
+        </p:spPr>
+      </p:pic>
+      <p:pic>
+        <p:nvPicPr>
+          <p:cNvPr id="5" name="Picture 4"/>
+          <p:cNvPicPr>
+            <a:picLocks noChangeAspect="1"/>
+          </p:cNvPicPr>
+          <p:nvPr/>
+        </p:nvPicPr>
+        <p:blipFill>
+          <a:blip r:embed="rId3">
+            <a:extLst>
+              <a:ext uri="{28A0092B-C50C-407E-A947-70E740481C1C}">
+                <a14:useLocalDpi xmlns:a14="http://schemas.microsoft.com/office/drawing/2010/main" val="0"/>
+              </a:ext>
+            </a:extLst>
+          </a:blip>
+          <a:stretch>
+            <a:fillRect/>
+          </a:stretch>
+        </p:blipFill>
+        <p:spPr>
+          <a:xfrm>
+            <a:off x="5711117" y="1656561"/>
+            <a:ext cx="5333333" cy="4000000"/>
+          </a:xfrm>
+          <a:prstGeom prst="rect">
+            <a:avLst/>
+          </a:prstGeom>
+        </p:spPr>
+      </p:pic>
       <p:sp>
         <p:nvSpPr>
-          <p:cNvPr id="4" name="TextBox 3"/>
+          <p:cNvPr id="6" name="TextBox 5"/>
           <p:cNvSpPr txBox="1"/>
           <p:nvPr/>
         </p:nvSpPr>
         <p:spPr>
           <a:xfrm>
-            <a:off x="6956299" y="173782"/>
-            <a:ext cx="3512308" cy="369332"/>
+            <a:off x="283335" y="5795493"/>
+            <a:ext cx="11414978" cy="646331"/>
           </a:xfrm>
           <a:prstGeom prst="rect">
             <a:avLst/>
@@ -22120,50 +22172,29 @@
           <a:noFill/>
         </p:spPr>
         <p:txBody>
-          <a:bodyPr wrap="none" rtlCol="0">
+          <a:bodyPr wrap="square" rtlCol="0">
             <a:spAutoFit/>
           </a:bodyPr>
           <a:lstStyle/>
           <a:p>
             <a:r>
-              <a:rPr lang="en-GB" b="1" dirty="0" smtClean="0">
-                <a:solidFill>
-                  <a:srgbClr val="FF0000"/>
-                </a:solidFill>
-                <a:latin typeface="DejaVu Sans" panose="020B0603030804020204" pitchFamily="34" charset="0"/>
-                <a:ea typeface="DejaVu Sans" panose="020B0603030804020204" pitchFamily="34" charset="0"/>
-                <a:cs typeface="DejaVu Sans" panose="020B0603030804020204" pitchFamily="34" charset="0"/>
-              </a:rPr>
-              <a:t>CONCLUSION &amp; REMARKS</a:t>
-            </a:r>
-            <a:endParaRPr lang="en-GB" b="1" dirty="0">
-              <a:solidFill>
-                <a:srgbClr val="FF0000"/>
-              </a:solidFill>
-              <a:latin typeface="DejaVu Sans" panose="020B0603030804020204" pitchFamily="34" charset="0"/>
-              <a:ea typeface="DejaVu Sans" panose="020B0603030804020204" pitchFamily="34" charset="0"/>
-              <a:cs typeface="DejaVu Sans" panose="020B0603030804020204" pitchFamily="34" charset="0"/>
-            </a:endParaRPr>
+              <a:rPr lang="it-IT" dirty="0" smtClean="0"/>
+              <a:t>Step response leads to the same results and even the «compareModels» analysis tells us there is little difference in terms of absolute error.</a:t>
+            </a:r>
+            <a:endParaRPr lang="it-IT" dirty="0"/>
           </a:p>
         </p:txBody>
       </p:sp>
     </p:spTree>
     <p:extLst>
       <p:ext uri="{BB962C8B-B14F-4D97-AF65-F5344CB8AC3E}">
-        <p14:creationId xmlns:p14="http://schemas.microsoft.com/office/powerpoint/2010/main" val="2463455316"/>
+        <p14:creationId xmlns:p14="http://schemas.microsoft.com/office/powerpoint/2010/main" val="1585881180"/>
       </p:ext>
     </p:extLst>
   </p:cSld>
   <p:clrMapOvr>
     <a:masterClrMapping/>
   </p:clrMapOvr>
-  <p:timing>
-    <p:tnLst>
-      <p:par>
-        <p:cTn id="1" dur="indefinite" restart="never" nodeType="tmRoot"/>
-      </p:par>
-    </p:tnLst>
-  </p:timing>
 </p:sld>
 </file>
 
@@ -22210,68 +22241,75 @@
       </p:sp>
       <p:sp>
         <p:nvSpPr>
-          <p:cNvPr id="4" name="Rectangle 3"/>
-          <p:cNvSpPr/>
+          <p:cNvPr id="3" name="TextBox 2"/>
+          <p:cNvSpPr txBox="1"/>
           <p:nvPr/>
         </p:nvSpPr>
         <p:spPr>
           <a:xfrm>
-            <a:off x="3656871" y="2588350"/>
-            <a:ext cx="4878259" cy="923330"/>
+            <a:off x="4746912" y="1033790"/>
+            <a:ext cx="2698175" cy="523220"/>
           </a:xfrm>
           <a:prstGeom prst="rect">
             <a:avLst/>
           </a:prstGeom>
+          <a:noFill/>
         </p:spPr>
-        <p:style>
-          <a:lnRef idx="3">
-            <a:schemeClr val="lt1"/>
-          </a:lnRef>
-          <a:fillRef idx="1">
-            <a:schemeClr val="accent5"/>
-          </a:fillRef>
-          <a:effectRef idx="1">
-            <a:schemeClr val="accent5"/>
-          </a:effectRef>
-          <a:fontRef idx="minor">
-            <a:schemeClr val="lt1"/>
-          </a:fontRef>
-        </p:style>
         <p:txBody>
-          <a:bodyPr wrap="none" lIns="91440" tIns="45720" rIns="91440" bIns="45720">
+          <a:bodyPr wrap="none" rtlCol="0">
             <a:spAutoFit/>
           </a:bodyPr>
           <a:lstStyle/>
           <a:p>
-            <a:pPr algn="ctr"/>
-            <a:r>
-              <a:rPr lang="en-US" sz="5400" dirty="0" smtClean="0">
-                <a:ln w="0"/>
+            <a:r>
+              <a:rPr lang="en-GB" sz="2800" b="1" i="1" dirty="0" smtClean="0">
+                <a:latin typeface="+mj-lt"/>
+              </a:rPr>
+              <a:t>CONCLUSION</a:t>
+            </a:r>
+          </a:p>
+        </p:txBody>
+      </p:sp>
+      <p:sp>
+        <p:nvSpPr>
+          <p:cNvPr id="4" name="TextBox 3"/>
+          <p:cNvSpPr txBox="1"/>
+          <p:nvPr/>
+        </p:nvSpPr>
+        <p:spPr>
+          <a:xfrm>
+            <a:off x="6956299" y="173782"/>
+            <a:ext cx="3512308" cy="369332"/>
+          </a:xfrm>
+          <a:prstGeom prst="rect">
+            <a:avLst/>
+          </a:prstGeom>
+          <a:noFill/>
+        </p:spPr>
+        <p:txBody>
+          <a:bodyPr wrap="none" rtlCol="0">
+            <a:spAutoFit/>
+          </a:bodyPr>
+          <a:lstStyle/>
+          <a:p>
+            <a:r>
+              <a:rPr lang="en-GB" b="1" dirty="0" smtClean="0">
                 <a:solidFill>
-                  <a:schemeClr val="tx1"/>
+                  <a:srgbClr val="FF0000"/>
                 </a:solidFill>
-                <a:effectLst>
-                  <a:outerShdw blurRad="38100" dist="19050" dir="2700000" algn="tl" rotWithShape="0">
-                    <a:schemeClr val="dk1">
-                      <a:alpha val="40000"/>
-                    </a:schemeClr>
-                  </a:outerShdw>
-                </a:effectLst>
+                <a:latin typeface="DejaVu Sans" panose="020B0603030804020204" pitchFamily="34" charset="0"/>
+                <a:ea typeface="DejaVu Sans" panose="020B0603030804020204" pitchFamily="34" charset="0"/>
+                <a:cs typeface="DejaVu Sans" panose="020B0603030804020204" pitchFamily="34" charset="0"/>
               </a:rPr>
-              <a:t>OTHER IDEAS</a:t>
-            </a:r>
-            <a:endParaRPr lang="en-US" sz="5400" b="0" cap="none" spc="0" dirty="0">
-              <a:ln w="0"/>
+              <a:t>CONCLUSION &amp; REMARKS</a:t>
+            </a:r>
+            <a:endParaRPr lang="en-GB" b="1" dirty="0">
               <a:solidFill>
-                <a:schemeClr val="tx1"/>
+                <a:srgbClr val="FF0000"/>
               </a:solidFill>
-              <a:effectLst>
-                <a:outerShdw blurRad="38100" dist="19050" dir="2700000" algn="tl" rotWithShape="0">
-                  <a:schemeClr val="dk1">
-                    <a:alpha val="40000"/>
-                  </a:schemeClr>
-                </a:outerShdw>
-              </a:effectLst>
+              <a:latin typeface="DejaVu Sans" panose="020B0603030804020204" pitchFamily="34" charset="0"/>
+              <a:ea typeface="DejaVu Sans" panose="020B0603030804020204" pitchFamily="34" charset="0"/>
+              <a:cs typeface="DejaVu Sans" panose="020B0603030804020204" pitchFamily="34" charset="0"/>
             </a:endParaRPr>
           </a:p>
         </p:txBody>
@@ -22279,7 +22317,7 @@
     </p:spTree>
     <p:extLst>
       <p:ext uri="{BB962C8B-B14F-4D97-AF65-F5344CB8AC3E}">
-        <p14:creationId xmlns:p14="http://schemas.microsoft.com/office/powerpoint/2010/main" val="548125632"/>
+        <p14:creationId xmlns:p14="http://schemas.microsoft.com/office/powerpoint/2010/main" val="2463455316"/>
       </p:ext>
     </p:extLst>
   </p:cSld>
@@ -22332,6 +22370,135 @@
               <a:rPr lang="it-IT" altLang="en-US" smtClean="0"/>
               <a:pPr/>
               <a:t>38</a:t>
+            </a:fld>
+            <a:endParaRPr lang="it-IT" altLang="en-US"/>
+          </a:p>
+        </p:txBody>
+      </p:sp>
+      <p:sp>
+        <p:nvSpPr>
+          <p:cNvPr id="4" name="Rectangle 3"/>
+          <p:cNvSpPr/>
+          <p:nvPr/>
+        </p:nvSpPr>
+        <p:spPr>
+          <a:xfrm>
+            <a:off x="3656871" y="2588350"/>
+            <a:ext cx="4878259" cy="923330"/>
+          </a:xfrm>
+          <a:prstGeom prst="rect">
+            <a:avLst/>
+          </a:prstGeom>
+        </p:spPr>
+        <p:style>
+          <a:lnRef idx="3">
+            <a:schemeClr val="lt1"/>
+          </a:lnRef>
+          <a:fillRef idx="1">
+            <a:schemeClr val="accent5"/>
+          </a:fillRef>
+          <a:effectRef idx="1">
+            <a:schemeClr val="accent5"/>
+          </a:effectRef>
+          <a:fontRef idx="minor">
+            <a:schemeClr val="lt1"/>
+          </a:fontRef>
+        </p:style>
+        <p:txBody>
+          <a:bodyPr wrap="none" lIns="91440" tIns="45720" rIns="91440" bIns="45720">
+            <a:spAutoFit/>
+          </a:bodyPr>
+          <a:lstStyle/>
+          <a:p>
+            <a:pPr algn="ctr"/>
+            <a:r>
+              <a:rPr lang="en-US" sz="5400" dirty="0" smtClean="0">
+                <a:ln w="0"/>
+                <a:solidFill>
+                  <a:schemeClr val="tx1"/>
+                </a:solidFill>
+                <a:effectLst>
+                  <a:outerShdw blurRad="38100" dist="19050" dir="2700000" algn="tl" rotWithShape="0">
+                    <a:schemeClr val="dk1">
+                      <a:alpha val="40000"/>
+                    </a:schemeClr>
+                  </a:outerShdw>
+                </a:effectLst>
+              </a:rPr>
+              <a:t>OTHER IDEAS</a:t>
+            </a:r>
+            <a:endParaRPr lang="en-US" sz="5400" b="0" cap="none" spc="0" dirty="0">
+              <a:ln w="0"/>
+              <a:solidFill>
+                <a:schemeClr val="tx1"/>
+              </a:solidFill>
+              <a:effectLst>
+                <a:outerShdw blurRad="38100" dist="19050" dir="2700000" algn="tl" rotWithShape="0">
+                  <a:schemeClr val="dk1">
+                    <a:alpha val="40000"/>
+                  </a:schemeClr>
+                </a:outerShdw>
+              </a:effectLst>
+            </a:endParaRPr>
+          </a:p>
+        </p:txBody>
+      </p:sp>
+    </p:spTree>
+    <p:extLst>
+      <p:ext uri="{BB962C8B-B14F-4D97-AF65-F5344CB8AC3E}">
+        <p14:creationId xmlns:p14="http://schemas.microsoft.com/office/powerpoint/2010/main" val="548125632"/>
+      </p:ext>
+    </p:extLst>
+  </p:cSld>
+  <p:clrMapOvr>
+    <a:masterClrMapping/>
+  </p:clrMapOvr>
+  <p:timing>
+    <p:tnLst>
+      <p:par>
+        <p:cTn id="1" dur="indefinite" restart="never" nodeType="tmRoot"/>
+      </p:par>
+    </p:tnLst>
+  </p:timing>
+</p:sld>
+</file>
+
+<file path=ppt/slides/slide39.xml><?xml version="1.0" encoding="utf-8"?>
+<p:sld xmlns:a="http://schemas.openxmlformats.org/drawingml/2006/main" xmlns:r="http://schemas.openxmlformats.org/officeDocument/2006/relationships" xmlns:p="http://schemas.openxmlformats.org/presentationml/2006/main">
+  <p:cSld>
+    <p:spTree>
+      <p:nvGrpSpPr>
+        <p:cNvPr id="1" name=""/>
+        <p:cNvGrpSpPr/>
+        <p:nvPr/>
+      </p:nvGrpSpPr>
+      <p:grpSpPr>
+        <a:xfrm>
+          <a:off x="0" y="0"/>
+          <a:ext cx="0" cy="0"/>
+          <a:chOff x="0" y="0"/>
+          <a:chExt cx="0" cy="0"/>
+        </a:xfrm>
+      </p:grpSpPr>
+      <p:sp>
+        <p:nvSpPr>
+          <p:cNvPr id="2" name="Slide Number Placeholder 1"/>
+          <p:cNvSpPr>
+            <a:spLocks noGrp="1"/>
+          </p:cNvSpPr>
+          <p:nvPr>
+            <p:ph type="sldNum" sz="quarter" idx="10"/>
+          </p:nvPr>
+        </p:nvSpPr>
+        <p:spPr/>
+        <p:txBody>
+          <a:bodyPr/>
+          <a:lstStyle/>
+          <a:p>
+            <a:fld id="{61155BBA-336D-4AED-BB34-E42D9706BCE7}" type="slidenum">
+              <a:rPr lang="it-IT" altLang="en-US" smtClean="0"/>
+              <a:pPr/>
+              <a:t>39</a:t>
             </a:fld>
             <a:endParaRPr lang="it-IT" altLang="en-US"/>
           </a:p>

--- a/report/Report.pptx
+++ b/report/Report.pptx
@@ -43,9 +43,13 @@
     <p:sldId id="292" r:id="rId37"/>
     <p:sldId id="293" r:id="rId38"/>
     <p:sldId id="297" r:id="rId39"/>
-    <p:sldId id="265" r:id="rId40"/>
-    <p:sldId id="277" r:id="rId41"/>
-    <p:sldId id="278" r:id="rId42"/>
+    <p:sldId id="298" r:id="rId40"/>
+    <p:sldId id="299" r:id="rId41"/>
+    <p:sldId id="265" r:id="rId42"/>
+    <p:sldId id="300" r:id="rId43"/>
+    <p:sldId id="301" r:id="rId44"/>
+    <p:sldId id="277" r:id="rId45"/>
+    <p:sldId id="278" r:id="rId46"/>
   </p:sldIdLst>
   <p:sldSz cx="12192000" cy="6858000"/>
   <p:notesSz cx="6858000" cy="9144000"/>
@@ -294,7 +298,7 @@
           <a:p>
             <a:fld id="{843C4FC0-81D1-4453-9443-D3E156B7E80B}" type="datetimeFigureOut">
               <a:rPr lang="en-GB" smtClean="0"/>
-              <a:t>16/04/2015</a:t>
+              <a:t>19/04/2015</a:t>
             </a:fld>
             <a:endParaRPr lang="en-GB"/>
           </a:p>
@@ -464,7 +468,7 @@
           <a:p>
             <a:fld id="{843C4FC0-81D1-4453-9443-D3E156B7E80B}" type="datetimeFigureOut">
               <a:rPr lang="en-GB" smtClean="0"/>
-              <a:t>16/04/2015</a:t>
+              <a:t>19/04/2015</a:t>
             </a:fld>
             <a:endParaRPr lang="en-GB"/>
           </a:p>
@@ -644,7 +648,7 @@
           <a:p>
             <a:fld id="{843C4FC0-81D1-4453-9443-D3E156B7E80B}" type="datetimeFigureOut">
               <a:rPr lang="en-GB" smtClean="0"/>
-              <a:t>16/04/2015</a:t>
+              <a:t>19/04/2015</a:t>
             </a:fld>
             <a:endParaRPr lang="en-GB"/>
           </a:p>
@@ -1425,7 +1429,7 @@
           <a:p>
             <a:fld id="{843C4FC0-81D1-4453-9443-D3E156B7E80B}" type="datetimeFigureOut">
               <a:rPr lang="en-GB" smtClean="0"/>
-              <a:t>16/04/2015</a:t>
+              <a:t>19/04/2015</a:t>
             </a:fld>
             <a:endParaRPr lang="en-GB"/>
           </a:p>
@@ -1671,7 +1675,7 @@
           <a:p>
             <a:fld id="{843C4FC0-81D1-4453-9443-D3E156B7E80B}" type="datetimeFigureOut">
               <a:rPr lang="en-GB" smtClean="0"/>
-              <a:t>16/04/2015</a:t>
+              <a:t>19/04/2015</a:t>
             </a:fld>
             <a:endParaRPr lang="en-GB"/>
           </a:p>
@@ -1903,7 +1907,7 @@
           <a:p>
             <a:fld id="{843C4FC0-81D1-4453-9443-D3E156B7E80B}" type="datetimeFigureOut">
               <a:rPr lang="en-GB" smtClean="0"/>
-              <a:t>16/04/2015</a:t>
+              <a:t>19/04/2015</a:t>
             </a:fld>
             <a:endParaRPr lang="en-GB"/>
           </a:p>
@@ -2270,7 +2274,7 @@
           <a:p>
             <a:fld id="{843C4FC0-81D1-4453-9443-D3E156B7E80B}" type="datetimeFigureOut">
               <a:rPr lang="en-GB" smtClean="0"/>
-              <a:t>16/04/2015</a:t>
+              <a:t>19/04/2015</a:t>
             </a:fld>
             <a:endParaRPr lang="en-GB"/>
           </a:p>
@@ -2388,7 +2392,7 @@
           <a:p>
             <a:fld id="{843C4FC0-81D1-4453-9443-D3E156B7E80B}" type="datetimeFigureOut">
               <a:rPr lang="en-GB" smtClean="0"/>
-              <a:t>16/04/2015</a:t>
+              <a:t>19/04/2015</a:t>
             </a:fld>
             <a:endParaRPr lang="en-GB"/>
           </a:p>
@@ -2483,7 +2487,7 @@
           <a:p>
             <a:fld id="{843C4FC0-81D1-4453-9443-D3E156B7E80B}" type="datetimeFigureOut">
               <a:rPr lang="en-GB" smtClean="0"/>
-              <a:t>16/04/2015</a:t>
+              <a:t>19/04/2015</a:t>
             </a:fld>
             <a:endParaRPr lang="en-GB"/>
           </a:p>
@@ -2760,7 +2764,7 @@
           <a:p>
             <a:fld id="{843C4FC0-81D1-4453-9443-D3E156B7E80B}" type="datetimeFigureOut">
               <a:rPr lang="en-GB" smtClean="0"/>
-              <a:t>16/04/2015</a:t>
+              <a:t>19/04/2015</a:t>
             </a:fld>
             <a:endParaRPr lang="en-GB"/>
           </a:p>
@@ -3013,7 +3017,7 @@
           <a:p>
             <a:fld id="{843C4FC0-81D1-4453-9443-D3E156B7E80B}" type="datetimeFigureOut">
               <a:rPr lang="en-GB" smtClean="0"/>
-              <a:t>16/04/2015</a:t>
+              <a:t>19/04/2015</a:t>
             </a:fld>
             <a:endParaRPr lang="en-GB"/>
           </a:p>
@@ -3226,7 +3230,7 @@
           <a:p>
             <a:fld id="{843C4FC0-81D1-4453-9443-D3E156B7E80B}" type="datetimeFigureOut">
               <a:rPr lang="en-GB" smtClean="0"/>
-              <a:t>16/04/2015</a:t>
+              <a:t>19/04/2015</a:t>
             </a:fld>
             <a:endParaRPr lang="en-GB"/>
           </a:p>
@@ -21789,8 +21793,8 @@
           </a:p>
         </p:txBody>
       </p:sp>
-      <mc:AlternateContent xmlns:mc="http://schemas.openxmlformats.org/markup-compatibility/2006">
-        <mc:Choice xmlns:a14="http://schemas.microsoft.com/office/drawing/2010/main" Requires="a14">
+      <mc:AlternateContent xmlns:mc="http://schemas.openxmlformats.org/markup-compatibility/2006" xmlns:a14="http://schemas.microsoft.com/office/drawing/2010/main">
+        <mc:Choice Requires="a14">
           <p:sp>
             <p:nvSpPr>
               <p:cNvPr id="4" name="TextBox 3"/>
@@ -21931,11 +21935,7 @@
                 </a:r>
                 <a:r>
                   <a:rPr lang="it-IT" dirty="0" smtClean="0"/>
-                  <a:t> models are equal since we can cancel a zero in the origin and the pole close to it</a:t>
-                </a:r>
-                <a:r>
-                  <a:rPr lang="it-IT" dirty="0" smtClean="0"/>
-                  <a:t>.</a:t>
+                  <a:t> models are equal since we can cancel a zero in the origin and the pole close to it.</a:t>
                 </a:r>
               </a:p>
               <a:p>
@@ -21954,12 +21954,11 @@
                   <a:rPr lang="it-IT" dirty="0" smtClean="0"/>
                   <a:t>models are very similar and they both have a zero outside the unit circle, which makes us think that an overparametrization might have occurred; in order to verify this option we can cancel that zero and see wheter or not the dynamics is somehow affected.</a:t>
                 </a:r>
-                <a:endParaRPr lang="it-IT" dirty="0" smtClean="0"/>
               </a:p>
             </p:txBody>
           </p:sp>
         </mc:Choice>
-        <mc:Fallback>
+        <mc:Fallback xmlns="">
           <p:sp>
             <p:nvSpPr>
               <p:cNvPr id="4" name="TextBox 3"/>
@@ -22086,10 +22085,6 @@
                 <a:latin typeface="+mj-lt"/>
               </a:rPr>
               <a:t>DYNAMICS</a:t>
-            </a:r>
-            <a:r>
-              <a:rPr lang="it-IT" dirty="0" smtClean="0"/>
-              <a:t>.</a:t>
             </a:r>
             <a:endParaRPr lang="it-IT" dirty="0" smtClean="0"/>
           </a:p>
@@ -22241,14 +22236,14 @@
       </p:sp>
       <p:sp>
         <p:nvSpPr>
-          <p:cNvPr id="3" name="TextBox 2"/>
+          <p:cNvPr id="4" name="TextBox 3"/>
           <p:cNvSpPr txBox="1"/>
           <p:nvPr/>
         </p:nvSpPr>
         <p:spPr>
           <a:xfrm>
-            <a:off x="4746912" y="1033790"/>
-            <a:ext cx="2698175" cy="523220"/>
+            <a:off x="55812" y="1133341"/>
+            <a:ext cx="11642501" cy="5309146"/>
           </a:xfrm>
           <a:prstGeom prst="rect">
             <a:avLst/>
@@ -22256,81 +22251,185 @@
           <a:noFill/>
         </p:spPr>
         <p:txBody>
-          <a:bodyPr wrap="none" rtlCol="0">
+          <a:bodyPr wrap="square" rtlCol="0">
             <a:spAutoFit/>
           </a:bodyPr>
           <a:lstStyle/>
           <a:p>
-            <a:r>
-              <a:rPr lang="en-GB" sz="2800" b="1" i="1" dirty="0" smtClean="0">
+            <a:pPr algn="ctr"/>
+            <a:r>
+              <a:rPr lang="it-IT" sz="2800" b="1" i="1" dirty="0" smtClean="0">
                 <a:latin typeface="+mj-lt"/>
               </a:rPr>
-              <a:t>CONCLUSION</a:t>
-            </a:r>
-          </a:p>
-        </p:txBody>
-      </p:sp>
-      <p:sp>
-        <p:nvSpPr>
-          <p:cNvPr id="4" name="TextBox 3"/>
-          <p:cNvSpPr txBox="1"/>
-          <p:nvPr/>
-        </p:nvSpPr>
-        <p:spPr>
-          <a:xfrm>
-            <a:off x="6956299" y="173782"/>
-            <a:ext cx="3512308" cy="369332"/>
-          </a:xfrm>
-          <a:prstGeom prst="rect">
-            <a:avLst/>
-          </a:prstGeom>
-          <a:noFill/>
-        </p:spPr>
-        <p:txBody>
-          <a:bodyPr wrap="none" rtlCol="0">
-            <a:spAutoFit/>
-          </a:bodyPr>
-          <a:lstStyle/>
-          <a:p>
-            <a:r>
-              <a:rPr lang="en-GB" b="1" dirty="0" smtClean="0">
-                <a:solidFill>
-                  <a:srgbClr val="FF0000"/>
-                </a:solidFill>
-                <a:latin typeface="DejaVu Sans" panose="020B0603030804020204" pitchFamily="34" charset="0"/>
-                <a:ea typeface="DejaVu Sans" panose="020B0603030804020204" pitchFamily="34" charset="0"/>
-                <a:cs typeface="DejaVu Sans" panose="020B0603030804020204" pitchFamily="34" charset="0"/>
+              <a:t>MODEL VALIDATION – </a:t>
+            </a:r>
+            <a:r>
+              <a:rPr lang="it-IT" sz="2800" b="1" i="1" dirty="0" smtClean="0">
+                <a:latin typeface="+mj-lt"/>
               </a:rPr>
-              <a:t>CONCLUSION &amp; REMARKS</a:t>
-            </a:r>
-            <a:endParaRPr lang="en-GB" b="1" dirty="0">
-              <a:solidFill>
-                <a:srgbClr val="FF0000"/>
-              </a:solidFill>
-              <a:latin typeface="DejaVu Sans" panose="020B0603030804020204" pitchFamily="34" charset="0"/>
-              <a:ea typeface="DejaVu Sans" panose="020B0603030804020204" pitchFamily="34" charset="0"/>
-              <a:cs typeface="DejaVu Sans" panose="020B0603030804020204" pitchFamily="34" charset="0"/>
+              <a:t>DYNAMICS</a:t>
+            </a:r>
+          </a:p>
+          <a:p>
+            <a:endParaRPr lang="it-IT" dirty="0">
+              <a:latin typeface="+mj-lt"/>
             </a:endParaRPr>
+          </a:p>
+          <a:p>
+            <a:r>
+              <a:rPr lang="it-IT" dirty="0" smtClean="0"/>
+              <a:t>The best way to constrast overparametrization is not shaping directly the zero-pole plot, but to perform another identification using a lower order.</a:t>
+            </a:r>
+          </a:p>
+          <a:p>
+            <a:endParaRPr lang="it-IT" dirty="0"/>
+          </a:p>
+          <a:p>
+            <a:r>
+              <a:rPr lang="it-IT" dirty="0" smtClean="0"/>
+              <a:t>We have then modified the identification script in order to see how much the variance of the simulation error varies among different orders. If there is little difference we will accept a worse performance in respect to a lower order.</a:t>
+            </a:r>
+          </a:p>
+          <a:p>
+            <a:endParaRPr lang="it-IT" dirty="0"/>
+          </a:p>
+          <a:p>
+            <a:r>
+              <a:rPr lang="it-IT" dirty="0" smtClean="0"/>
+              <a:t>A very good compromise in terms of performances has been found in the model </a:t>
+            </a:r>
+            <a:r>
+              <a:rPr lang="it-IT" b="1" dirty="0" smtClean="0"/>
+              <a:t>OE33</a:t>
+            </a:r>
+            <a:r>
+              <a:rPr lang="it-IT" dirty="0" smtClean="0"/>
+              <a:t> which has always a zero outside the unit circle though.</a:t>
+            </a:r>
+          </a:p>
+          <a:p>
+            <a:endParaRPr lang="it-IT" dirty="0"/>
+          </a:p>
+          <a:p>
+            <a:r>
+              <a:rPr lang="it-IT" dirty="0" smtClean="0"/>
+              <a:t>We have then tried both to lower down the order of the identification and to cancel «by hand» that zero: </a:t>
+            </a:r>
+            <a:r>
+              <a:rPr lang="it-IT" dirty="0"/>
+              <a:t>the </a:t>
+            </a:r>
+            <a:r>
+              <a:rPr lang="it-IT" dirty="0" smtClean="0"/>
+              <a:t>best is the former which </a:t>
+            </a:r>
+            <a:r>
+              <a:rPr lang="it-IT" dirty="0"/>
+              <a:t>still passes the Anderson Test</a:t>
+            </a:r>
+            <a:r>
+              <a:rPr lang="it-IT" dirty="0" smtClean="0"/>
+              <a:t>.</a:t>
+            </a:r>
+          </a:p>
+          <a:p>
+            <a:endParaRPr lang="it-IT" dirty="0"/>
+          </a:p>
+          <a:p>
+            <a:pPr>
+              <a:spcAft>
+                <a:spcPts val="600"/>
+              </a:spcAft>
+            </a:pPr>
+            <a:r>
+              <a:rPr lang="it-IT" dirty="0" smtClean="0"/>
+              <a:t>In the next slide we show the comparison between the more complex </a:t>
+            </a:r>
+            <a:r>
+              <a:rPr lang="it-IT" b="1" dirty="0" smtClean="0"/>
+              <a:t>OE35</a:t>
+            </a:r>
+            <a:r>
+              <a:rPr lang="it-IT" dirty="0" smtClean="0"/>
+              <a:t> and this </a:t>
+            </a:r>
+            <a:r>
+              <a:rPr lang="it-IT" b="1" dirty="0" smtClean="0"/>
+              <a:t>OE23</a:t>
+            </a:r>
+            <a:r>
+              <a:rPr lang="it-IT" dirty="0" smtClean="0"/>
+              <a:t>:</a:t>
+            </a:r>
+          </a:p>
+          <a:p>
+            <a:pPr lvl="1"/>
+            <a:r>
+              <a:rPr lang="pl-PL" dirty="0"/>
+              <a:t>A(z): </a:t>
+            </a:r>
+            <a:r>
+              <a:rPr lang="pl-PL" dirty="0" smtClean="0"/>
+              <a:t>1     </a:t>
+            </a:r>
+            <a:r>
+              <a:rPr lang="pl-PL" dirty="0"/>
+              <a:t>-2.6222      </a:t>
+            </a:r>
+            <a:r>
+              <a:rPr lang="pl-PL" dirty="0" smtClean="0"/>
+              <a:t>2.2976    </a:t>
+            </a:r>
+            <a:r>
+              <a:rPr lang="it-IT" dirty="0" smtClean="0"/>
+              <a:t>  </a:t>
+            </a:r>
+            <a:r>
+              <a:rPr lang="pl-PL" dirty="0" smtClean="0"/>
+              <a:t>-0.67315</a:t>
+            </a:r>
+            <a:endParaRPr lang="pl-PL" dirty="0"/>
+          </a:p>
+          <a:p>
+            <a:pPr lvl="1"/>
+            <a:r>
+              <a:rPr lang="pl-PL" dirty="0"/>
+              <a:t>B(z): </a:t>
+            </a:r>
+            <a:r>
+              <a:rPr lang="pl-PL" dirty="0" smtClean="0"/>
+              <a:t>0           </a:t>
+            </a:r>
+            <a:r>
+              <a:rPr lang="pl-PL" dirty="0"/>
+              <a:t>0     </a:t>
+            </a:r>
+            <a:r>
+              <a:rPr lang="it-IT" dirty="0" smtClean="0"/>
+              <a:t>	     </a:t>
+            </a:r>
+            <a:r>
+              <a:rPr lang="pl-PL" dirty="0" smtClean="0"/>
+              <a:t>0.11213    -</a:t>
+            </a:r>
+            <a:r>
+              <a:rPr lang="pl-PL" dirty="0"/>
+              <a:t>0.10996</a:t>
+            </a:r>
+            <a:endParaRPr lang="it-IT" dirty="0" smtClean="0"/>
           </a:p>
         </p:txBody>
       </p:sp>
     </p:spTree>
     <p:extLst>
       <p:ext uri="{BB962C8B-B14F-4D97-AF65-F5344CB8AC3E}">
-        <p14:creationId xmlns:p14="http://schemas.microsoft.com/office/powerpoint/2010/main" val="2463455316"/>
+        <p14:creationId xmlns:p14="http://schemas.microsoft.com/office/powerpoint/2010/main" val="1224784122"/>
       </p:ext>
     </p:extLst>
   </p:cSld>
   <p:clrMapOvr>
     <a:masterClrMapping/>
   </p:clrMapOvr>
-  <p:timing>
-    <p:tnLst>
-      <p:par>
-        <p:cTn id="1" dur="indefinite" restart="never" nodeType="tmRoot"/>
-      </p:par>
-    </p:tnLst>
-  </p:timing>
 </p:sld>
 </file>
 
@@ -22377,89 +22476,143 @@
       </p:sp>
       <p:sp>
         <p:nvSpPr>
-          <p:cNvPr id="4" name="Rectangle 3"/>
-          <p:cNvSpPr/>
+          <p:cNvPr id="4" name="TextBox 3"/>
+          <p:cNvSpPr txBox="1"/>
           <p:nvPr/>
         </p:nvSpPr>
         <p:spPr>
           <a:xfrm>
-            <a:off x="3656871" y="2588350"/>
-            <a:ext cx="4878259" cy="923330"/>
+            <a:off x="55812" y="1133341"/>
+            <a:ext cx="11642501" cy="523220"/>
+          </a:xfrm>
+          <a:prstGeom prst="rect">
+            <a:avLst/>
+          </a:prstGeom>
+          <a:noFill/>
+        </p:spPr>
+        <p:txBody>
+          <a:bodyPr wrap="square" rtlCol="0">
+            <a:spAutoFit/>
+          </a:bodyPr>
+          <a:lstStyle/>
+          <a:p>
+            <a:pPr algn="ctr"/>
+            <a:r>
+              <a:rPr lang="it-IT" sz="2800" b="1" i="1" dirty="0" smtClean="0">
+                <a:latin typeface="+mj-lt"/>
+              </a:rPr>
+              <a:t>MODEL VALIDATION – </a:t>
+            </a:r>
+            <a:r>
+              <a:rPr lang="it-IT" sz="2800" b="1" i="1" dirty="0" smtClean="0">
+                <a:latin typeface="+mj-lt"/>
+              </a:rPr>
+              <a:t>DYNAMICS</a:t>
+            </a:r>
+            <a:endParaRPr lang="it-IT" dirty="0" smtClean="0"/>
+          </a:p>
+        </p:txBody>
+      </p:sp>
+      <p:pic>
+        <p:nvPicPr>
+          <p:cNvPr id="3" name="Picture 2"/>
+          <p:cNvPicPr>
+            <a:picLocks noChangeAspect="1"/>
+          </p:cNvPicPr>
+          <p:nvPr/>
+        </p:nvPicPr>
+        <p:blipFill>
+          <a:blip r:embed="rId2">
+            <a:extLst>
+              <a:ext uri="{28A0092B-C50C-407E-A947-70E740481C1C}">
+                <a14:useLocalDpi xmlns:a14="http://schemas.microsoft.com/office/drawing/2010/main" val="0"/>
+              </a:ext>
+            </a:extLst>
+          </a:blip>
+          <a:stretch>
+            <a:fillRect/>
+          </a:stretch>
+        </p:blipFill>
+        <p:spPr>
+          <a:xfrm>
+            <a:off x="470405" y="1795493"/>
+            <a:ext cx="5148090" cy="4000000"/>
           </a:xfrm>
           <a:prstGeom prst="rect">
             <a:avLst/>
           </a:prstGeom>
         </p:spPr>
-        <p:style>
-          <a:lnRef idx="3">
-            <a:schemeClr val="lt1"/>
-          </a:lnRef>
-          <a:fillRef idx="1">
-            <a:schemeClr val="accent5"/>
-          </a:fillRef>
-          <a:effectRef idx="1">
-            <a:schemeClr val="accent5"/>
-          </a:effectRef>
-          <a:fontRef idx="minor">
-            <a:schemeClr val="lt1"/>
-          </a:fontRef>
-        </p:style>
+      </p:pic>
+      <p:pic>
+        <p:nvPicPr>
+          <p:cNvPr id="5" name="Picture 4"/>
+          <p:cNvPicPr>
+            <a:picLocks noChangeAspect="1"/>
+          </p:cNvPicPr>
+          <p:nvPr/>
+        </p:nvPicPr>
+        <p:blipFill>
+          <a:blip r:embed="rId3">
+            <a:extLst>
+              <a:ext uri="{28A0092B-C50C-407E-A947-70E740481C1C}">
+                <a14:useLocalDpi xmlns:a14="http://schemas.microsoft.com/office/drawing/2010/main" val="0"/>
+              </a:ext>
+            </a:extLst>
+          </a:blip>
+          <a:stretch>
+            <a:fillRect/>
+          </a:stretch>
+        </p:blipFill>
+        <p:spPr>
+          <a:xfrm>
+            <a:off x="5711117" y="1656561"/>
+            <a:ext cx="5333333" cy="4138932"/>
+          </a:xfrm>
+          <a:prstGeom prst="rect">
+            <a:avLst/>
+          </a:prstGeom>
+        </p:spPr>
+      </p:pic>
+      <p:sp>
+        <p:nvSpPr>
+          <p:cNvPr id="6" name="TextBox 5"/>
+          <p:cNvSpPr txBox="1"/>
+          <p:nvPr/>
+        </p:nvSpPr>
+        <p:spPr>
+          <a:xfrm>
+            <a:off x="283335" y="5795493"/>
+            <a:ext cx="11414978" cy="369332"/>
+          </a:xfrm>
+          <a:prstGeom prst="rect">
+            <a:avLst/>
+          </a:prstGeom>
+          <a:noFill/>
+        </p:spPr>
         <p:txBody>
-          <a:bodyPr wrap="none" lIns="91440" tIns="45720" rIns="91440" bIns="45720">
+          <a:bodyPr wrap="square" rtlCol="0">
             <a:spAutoFit/>
           </a:bodyPr>
           <a:lstStyle/>
           <a:p>
-            <a:pPr algn="ctr"/>
-            <a:r>
-              <a:rPr lang="en-US" sz="5400" dirty="0" smtClean="0">
-                <a:ln w="0"/>
-                <a:solidFill>
-                  <a:schemeClr val="tx1"/>
-                </a:solidFill>
-                <a:effectLst>
-                  <a:outerShdw blurRad="38100" dist="19050" dir="2700000" algn="tl" rotWithShape="0">
-                    <a:schemeClr val="dk1">
-                      <a:alpha val="40000"/>
-                    </a:schemeClr>
-                  </a:outerShdw>
-                </a:effectLst>
-              </a:rPr>
-              <a:t>OTHER IDEAS</a:t>
-            </a:r>
-            <a:endParaRPr lang="en-US" sz="5400" b="0" cap="none" spc="0" dirty="0">
-              <a:ln w="0"/>
-              <a:solidFill>
-                <a:schemeClr val="tx1"/>
-              </a:solidFill>
-              <a:effectLst>
-                <a:outerShdw blurRad="38100" dist="19050" dir="2700000" algn="tl" rotWithShape="0">
-                  <a:schemeClr val="dk1">
-                    <a:alpha val="40000"/>
-                  </a:schemeClr>
-                </a:outerShdw>
-              </a:effectLst>
-            </a:endParaRPr>
+            <a:r>
+              <a:rPr lang="it-IT" dirty="0" smtClean="0"/>
+              <a:t>«compareModels» tells us the variance increases of one point only.</a:t>
+            </a:r>
+            <a:endParaRPr lang="it-IT" dirty="0"/>
           </a:p>
         </p:txBody>
       </p:sp>
     </p:spTree>
     <p:extLst>
       <p:ext uri="{BB962C8B-B14F-4D97-AF65-F5344CB8AC3E}">
-        <p14:creationId xmlns:p14="http://schemas.microsoft.com/office/powerpoint/2010/main" val="548125632"/>
+        <p14:creationId xmlns:p14="http://schemas.microsoft.com/office/powerpoint/2010/main" val="877689736"/>
       </p:ext>
     </p:extLst>
   </p:cSld>
   <p:clrMapOvr>
     <a:masterClrMapping/>
   </p:clrMapOvr>
-  <p:timing>
-    <p:tnLst>
-      <p:par>
-        <p:cTn id="1" dur="indefinite" restart="never" nodeType="tmRoot"/>
-      </p:par>
-    </p:tnLst>
-  </p:timing>
 </p:sld>
 </file>
 
@@ -22506,6 +22659,141 @@
       </p:sp>
       <p:sp>
         <p:nvSpPr>
+          <p:cNvPr id="3" name="TextBox 2"/>
+          <p:cNvSpPr txBox="1"/>
+          <p:nvPr/>
+        </p:nvSpPr>
+        <p:spPr>
+          <a:xfrm>
+            <a:off x="450761" y="1033790"/>
+            <a:ext cx="11247552" cy="4401205"/>
+          </a:xfrm>
+          <a:prstGeom prst="rect">
+            <a:avLst/>
+          </a:prstGeom>
+          <a:noFill/>
+        </p:spPr>
+        <p:txBody>
+          <a:bodyPr wrap="square" rtlCol="0">
+            <a:spAutoFit/>
+          </a:bodyPr>
+          <a:lstStyle/>
+          <a:p>
+            <a:pPr algn="ctr"/>
+            <a:r>
+              <a:rPr lang="en-GB" sz="2800" b="1" i="1" dirty="0" smtClean="0">
+                <a:latin typeface="+mj-lt"/>
+              </a:rPr>
+              <a:t>CONCLUSION</a:t>
+            </a:r>
+          </a:p>
+          <a:p>
+            <a:endParaRPr lang="en-GB" b="1" i="1" dirty="0" smtClean="0"/>
+          </a:p>
+          <a:p>
+            <a:r>
+              <a:rPr lang="en-GB" dirty="0" smtClean="0"/>
+              <a:t>We finally conclude by comparing our models with the one provided as reference (state-space).</a:t>
+            </a:r>
+          </a:p>
+          <a:p>
+            <a:endParaRPr lang="en-GB" dirty="0"/>
+          </a:p>
+          <a:p>
+            <a:r>
+              <a:rPr lang="en-GB" dirty="0" smtClean="0"/>
+              <a:t>The state space model is much more complex since it is a 5</a:t>
+            </a:r>
+            <a:r>
+              <a:rPr lang="en-GB" baseline="30000" dirty="0" smtClean="0"/>
+              <a:t>th</a:t>
+            </a:r>
+            <a:r>
+              <a:rPr lang="en-GB" dirty="0" smtClean="0"/>
+              <a:t> order system (5 poles and 5 zeros) whilst our final choice is a 3</a:t>
+            </a:r>
+            <a:r>
+              <a:rPr lang="en-GB" baseline="30000" dirty="0" smtClean="0"/>
+              <a:t>rd</a:t>
+            </a:r>
+            <a:r>
+              <a:rPr lang="en-GB" dirty="0" smtClean="0"/>
+              <a:t> order (3 poles and 2 zeros). </a:t>
+            </a:r>
+          </a:p>
+          <a:p>
+            <a:endParaRPr lang="en-GB" dirty="0"/>
+          </a:p>
+          <a:p>
+            <a:r>
+              <a:rPr lang="en-GB" dirty="0" smtClean="0"/>
+              <a:t>On the other hand it has a better fitting of the data, though the difference in terms of absolute error is minimal.</a:t>
+            </a:r>
+          </a:p>
+          <a:p>
+            <a:endParaRPr lang="en-GB" dirty="0"/>
+          </a:p>
+          <a:p>
+            <a:r>
+              <a:rPr lang="en-GB" dirty="0" smtClean="0"/>
+              <a:t>Also in terms of Error-to-Signal Ratio the state space is slightly better:</a:t>
+            </a:r>
+          </a:p>
+          <a:p>
+            <a:pPr marL="742950" lvl="1" indent="-285750">
+              <a:buFont typeface="Arial" panose="020B0604020202020204" pitchFamily="34" charset="0"/>
+              <a:buChar char="•"/>
+            </a:pPr>
+            <a:r>
+              <a:rPr lang="en-GB" dirty="0" smtClean="0"/>
+              <a:t>SS55:	36,69%</a:t>
+            </a:r>
+          </a:p>
+          <a:p>
+            <a:pPr marL="742950" lvl="1" indent="-285750">
+              <a:buFont typeface="Arial" panose="020B0604020202020204" pitchFamily="34" charset="0"/>
+              <a:buChar char="•"/>
+            </a:pPr>
+            <a:r>
+              <a:rPr lang="en-GB" dirty="0" smtClean="0"/>
+              <a:t>OE35:	37,87% </a:t>
+            </a:r>
+          </a:p>
+          <a:p>
+            <a:pPr marL="742950" lvl="1" indent="-285750">
+              <a:buFont typeface="Arial" panose="020B0604020202020204" pitchFamily="34" charset="0"/>
+              <a:buChar char="•"/>
+            </a:pPr>
+            <a:r>
+              <a:rPr lang="en-GB" dirty="0" smtClean="0"/>
+              <a:t>OE23</a:t>
+            </a:r>
+            <a:r>
+              <a:rPr lang="en-GB" dirty="0"/>
+              <a:t>: </a:t>
+            </a:r>
+            <a:r>
+              <a:rPr lang="en-GB" dirty="0" smtClean="0"/>
+              <a:t>	38,85%</a:t>
+            </a:r>
+          </a:p>
+          <a:p>
+            <a:pPr marL="742950" lvl="1" indent="-285750">
+              <a:buFont typeface="Arial" panose="020B0604020202020204" pitchFamily="34" charset="0"/>
+              <a:buChar char="•"/>
+            </a:pPr>
+            <a:endParaRPr lang="en-GB" dirty="0"/>
+          </a:p>
+          <a:p>
+            <a:r>
+              <a:rPr lang="en-GB" dirty="0" smtClean="0"/>
+              <a:t>In the next slides we show some graphical comparison of the two models.</a:t>
+            </a:r>
+          </a:p>
+        </p:txBody>
+      </p:sp>
+      <p:sp>
+        <p:nvSpPr>
           <p:cNvPr id="4" name="TextBox 3"/>
           <p:cNvSpPr txBox="1"/>
           <p:nvPr/>
@@ -22513,7 +22801,7 @@
         <p:spPr>
           <a:xfrm>
             <a:off x="6956299" y="173782"/>
-            <a:ext cx="3973973" cy="369332"/>
+            <a:ext cx="3512308" cy="369332"/>
           </a:xfrm>
           <a:prstGeom prst="rect">
             <a:avLst/>
@@ -22526,7 +22814,6 @@
           </a:bodyPr>
           <a:lstStyle/>
           <a:p>
-            <a:pPr lvl="1"/>
             <a:r>
               <a:rPr lang="en-GB" b="1" dirty="0" smtClean="0">
                 <a:solidFill>
@@ -22549,89 +22836,10 @@
           </a:p>
         </p:txBody>
       </p:sp>
-      <p:sp>
-        <p:nvSpPr>
-          <p:cNvPr id="3" name="TextBox 2"/>
-          <p:cNvSpPr txBox="1"/>
-          <p:nvPr/>
-        </p:nvSpPr>
-        <p:spPr>
-          <a:xfrm>
-            <a:off x="922789" y="1795244"/>
-            <a:ext cx="10230108" cy="923330"/>
-          </a:xfrm>
-          <a:prstGeom prst="rect">
-            <a:avLst/>
-          </a:prstGeom>
-          <a:noFill/>
-        </p:spPr>
-        <p:txBody>
-          <a:bodyPr wrap="none" rtlCol="0">
-            <a:spAutoFit/>
-          </a:bodyPr>
-          <a:lstStyle/>
-          <a:p>
-            <a:pPr marL="342900" indent="-342900">
-              <a:buFont typeface="+mj-lt"/>
-              <a:buAutoNum type="arabicPeriod"/>
-            </a:pPr>
-            <a:r>
-              <a:rPr lang="en-GB" dirty="0" smtClean="0"/>
-              <a:t>Non linear identification: tried to use </a:t>
-            </a:r>
-            <a:r>
-              <a:rPr lang="en-GB" dirty="0" err="1" smtClean="0"/>
-              <a:t>matlab</a:t>
-            </a:r>
-            <a:r>
-              <a:rPr lang="en-GB" dirty="0" smtClean="0"/>
-              <a:t> toolbox, </a:t>
-            </a:r>
-            <a:r>
-              <a:rPr lang="en-GB" dirty="0" err="1" smtClean="0"/>
-              <a:t>kinda</a:t>
-            </a:r>
-            <a:r>
-              <a:rPr lang="en-GB" dirty="0" smtClean="0"/>
-              <a:t> bad results</a:t>
-            </a:r>
-          </a:p>
-          <a:p>
-            <a:pPr marL="342900" indent="-342900">
-              <a:buFont typeface="+mj-lt"/>
-              <a:buAutoNum type="arabicPeriod"/>
-            </a:pPr>
-            <a:r>
-              <a:rPr lang="en-GB" dirty="0" smtClean="0"/>
-              <a:t>Try to merge the first 2 datasets (they are similar) and do training on this, then validation on 3</a:t>
-            </a:r>
-            <a:r>
-              <a:rPr lang="en-GB" baseline="30000" dirty="0" smtClean="0"/>
-              <a:t>rd</a:t>
-            </a:r>
-            <a:endParaRPr lang="en-GB" dirty="0" smtClean="0"/>
-          </a:p>
-          <a:p>
-            <a:pPr marL="342900" indent="-342900">
-              <a:buFont typeface="+mj-lt"/>
-              <a:buAutoNum type="arabicPeriod"/>
-            </a:pPr>
-            <a:r>
-              <a:rPr lang="en-GB" dirty="0" smtClean="0"/>
-              <a:t>Interpolation of data, sampling at higher frequency-&gt; new </a:t>
-            </a:r>
-            <a:r>
-              <a:rPr lang="en-GB" dirty="0" err="1" smtClean="0"/>
-              <a:t>traning</a:t>
-            </a:r>
-            <a:endParaRPr lang="en-GB" dirty="0"/>
-          </a:p>
-        </p:txBody>
-      </p:sp>
     </p:spTree>
     <p:extLst>
       <p:ext uri="{BB962C8B-B14F-4D97-AF65-F5344CB8AC3E}">
-        <p14:creationId xmlns:p14="http://schemas.microsoft.com/office/powerpoint/2010/main" val="3455597643"/>
+        <p14:creationId xmlns:p14="http://schemas.microsoft.com/office/powerpoint/2010/main" val="2463455316"/>
       </p:ext>
     </p:extLst>
   </p:cSld>
@@ -22761,6 +22969,695 @@
     <p:extLst>
       <p:ext uri="{BB962C8B-B14F-4D97-AF65-F5344CB8AC3E}">
         <p14:creationId xmlns:p14="http://schemas.microsoft.com/office/powerpoint/2010/main" val="596633103"/>
+      </p:ext>
+    </p:extLst>
+  </p:cSld>
+  <p:clrMapOvr>
+    <a:masterClrMapping/>
+  </p:clrMapOvr>
+  <p:timing>
+    <p:tnLst>
+      <p:par>
+        <p:cTn id="1" dur="indefinite" restart="never" nodeType="tmRoot"/>
+      </p:par>
+    </p:tnLst>
+  </p:timing>
+</p:sld>
+</file>
+
+<file path=ppt/slides/slide40.xml><?xml version="1.0" encoding="utf-8"?>
+<p:sld xmlns:a="http://schemas.openxmlformats.org/drawingml/2006/main" xmlns:r="http://schemas.openxmlformats.org/officeDocument/2006/relationships" xmlns:p="http://schemas.openxmlformats.org/presentationml/2006/main">
+  <p:cSld>
+    <p:spTree>
+      <p:nvGrpSpPr>
+        <p:cNvPr id="1" name=""/>
+        <p:cNvGrpSpPr/>
+        <p:nvPr/>
+      </p:nvGrpSpPr>
+      <p:grpSpPr>
+        <a:xfrm>
+          <a:off x="0" y="0"/>
+          <a:ext cx="0" cy="0"/>
+          <a:chOff x="0" y="0"/>
+          <a:chExt cx="0" cy="0"/>
+        </a:xfrm>
+      </p:grpSpPr>
+      <p:sp>
+        <p:nvSpPr>
+          <p:cNvPr id="2" name="Slide Number Placeholder 1"/>
+          <p:cNvSpPr>
+            <a:spLocks noGrp="1"/>
+          </p:cNvSpPr>
+          <p:nvPr>
+            <p:ph type="sldNum" sz="quarter" idx="10"/>
+          </p:nvPr>
+        </p:nvSpPr>
+        <p:spPr/>
+        <p:txBody>
+          <a:bodyPr/>
+          <a:lstStyle/>
+          <a:p>
+            <a:fld id="{61155BBA-336D-4AED-BB34-E42D9706BCE7}" type="slidenum">
+              <a:rPr lang="it-IT" altLang="en-US" smtClean="0"/>
+              <a:pPr/>
+              <a:t>40</a:t>
+            </a:fld>
+            <a:endParaRPr lang="it-IT" altLang="en-US"/>
+          </a:p>
+        </p:txBody>
+      </p:sp>
+      <p:sp>
+        <p:nvSpPr>
+          <p:cNvPr id="3" name="TextBox 2"/>
+          <p:cNvSpPr txBox="1"/>
+          <p:nvPr/>
+        </p:nvSpPr>
+        <p:spPr>
+          <a:xfrm>
+            <a:off x="450761" y="1033790"/>
+            <a:ext cx="11247552" cy="523220"/>
+          </a:xfrm>
+          <a:prstGeom prst="rect">
+            <a:avLst/>
+          </a:prstGeom>
+          <a:noFill/>
+        </p:spPr>
+        <p:txBody>
+          <a:bodyPr wrap="square" rtlCol="0">
+            <a:spAutoFit/>
+          </a:bodyPr>
+          <a:lstStyle/>
+          <a:p>
+            <a:pPr algn="ctr"/>
+            <a:r>
+              <a:rPr lang="en-GB" sz="2800" b="1" i="1" dirty="0" smtClean="0">
+                <a:latin typeface="+mj-lt"/>
+              </a:rPr>
+              <a:t>CONCLUSION</a:t>
+            </a:r>
+          </a:p>
+        </p:txBody>
+      </p:sp>
+      <p:sp>
+        <p:nvSpPr>
+          <p:cNvPr id="4" name="TextBox 3"/>
+          <p:cNvSpPr txBox="1"/>
+          <p:nvPr/>
+        </p:nvSpPr>
+        <p:spPr>
+          <a:xfrm>
+            <a:off x="6956299" y="173782"/>
+            <a:ext cx="3512308" cy="369332"/>
+          </a:xfrm>
+          <a:prstGeom prst="rect">
+            <a:avLst/>
+          </a:prstGeom>
+          <a:noFill/>
+        </p:spPr>
+        <p:txBody>
+          <a:bodyPr wrap="none" rtlCol="0">
+            <a:spAutoFit/>
+          </a:bodyPr>
+          <a:lstStyle/>
+          <a:p>
+            <a:r>
+              <a:rPr lang="en-GB" b="1" dirty="0" smtClean="0">
+                <a:solidFill>
+                  <a:srgbClr val="FF0000"/>
+                </a:solidFill>
+                <a:latin typeface="DejaVu Sans" panose="020B0603030804020204" pitchFamily="34" charset="0"/>
+                <a:ea typeface="DejaVu Sans" panose="020B0603030804020204" pitchFamily="34" charset="0"/>
+                <a:cs typeface="DejaVu Sans" panose="020B0603030804020204" pitchFamily="34" charset="0"/>
+              </a:rPr>
+              <a:t>CONCLUSION &amp; REMARKS</a:t>
+            </a:r>
+            <a:endParaRPr lang="en-GB" b="1" dirty="0">
+              <a:solidFill>
+                <a:srgbClr val="FF0000"/>
+              </a:solidFill>
+              <a:latin typeface="DejaVu Sans" panose="020B0603030804020204" pitchFamily="34" charset="0"/>
+              <a:ea typeface="DejaVu Sans" panose="020B0603030804020204" pitchFamily="34" charset="0"/>
+              <a:cs typeface="DejaVu Sans" panose="020B0603030804020204" pitchFamily="34" charset="0"/>
+            </a:endParaRPr>
+          </a:p>
+        </p:txBody>
+      </p:sp>
+      <p:pic>
+        <p:nvPicPr>
+          <p:cNvPr id="5" name="Picture 4"/>
+          <p:cNvPicPr>
+            <a:picLocks noChangeAspect="1"/>
+          </p:cNvPicPr>
+          <p:nvPr/>
+        </p:nvPicPr>
+        <p:blipFill>
+          <a:blip r:embed="rId2">
+            <a:extLst>
+              <a:ext uri="{28A0092B-C50C-407E-A947-70E740481C1C}">
+                <a14:useLocalDpi xmlns:a14="http://schemas.microsoft.com/office/drawing/2010/main" val="0"/>
+              </a:ext>
+            </a:extLst>
+          </a:blip>
+          <a:stretch>
+            <a:fillRect/>
+          </a:stretch>
+        </p:blipFill>
+        <p:spPr>
+          <a:xfrm>
+            <a:off x="450761" y="1557010"/>
+            <a:ext cx="5333333" cy="5064373"/>
+          </a:xfrm>
+          <a:prstGeom prst="rect">
+            <a:avLst/>
+          </a:prstGeom>
+        </p:spPr>
+      </p:pic>
+      <p:pic>
+        <p:nvPicPr>
+          <p:cNvPr id="7" name="Picture 6"/>
+          <p:cNvPicPr>
+            <a:picLocks noChangeAspect="1"/>
+          </p:cNvPicPr>
+          <p:nvPr/>
+        </p:nvPicPr>
+        <p:blipFill>
+          <a:blip r:embed="rId3">
+            <a:extLst>
+              <a:ext uri="{28A0092B-C50C-407E-A947-70E740481C1C}">
+                <a14:useLocalDpi xmlns:a14="http://schemas.microsoft.com/office/drawing/2010/main" val="0"/>
+              </a:ext>
+            </a:extLst>
+          </a:blip>
+          <a:stretch>
+            <a:fillRect/>
+          </a:stretch>
+        </p:blipFill>
+        <p:spPr>
+          <a:xfrm>
+            <a:off x="6045786" y="1801709"/>
+            <a:ext cx="5333333" cy="4000000"/>
+          </a:xfrm>
+          <a:prstGeom prst="rect">
+            <a:avLst/>
+          </a:prstGeom>
+        </p:spPr>
+      </p:pic>
+    </p:spTree>
+    <p:extLst>
+      <p:ext uri="{BB962C8B-B14F-4D97-AF65-F5344CB8AC3E}">
+        <p14:creationId xmlns:p14="http://schemas.microsoft.com/office/powerpoint/2010/main" val="2222681323"/>
+      </p:ext>
+    </p:extLst>
+  </p:cSld>
+  <p:clrMapOvr>
+    <a:masterClrMapping/>
+  </p:clrMapOvr>
+  <p:timing>
+    <p:tnLst>
+      <p:par>
+        <p:cTn id="1" dur="indefinite" restart="never" nodeType="tmRoot"/>
+      </p:par>
+    </p:tnLst>
+  </p:timing>
+</p:sld>
+</file>
+
+<file path=ppt/slides/slide41.xml><?xml version="1.0" encoding="utf-8"?>
+<p:sld xmlns:a="http://schemas.openxmlformats.org/drawingml/2006/main" xmlns:r="http://schemas.openxmlformats.org/officeDocument/2006/relationships" xmlns:p="http://schemas.openxmlformats.org/presentationml/2006/main">
+  <p:cSld>
+    <p:spTree>
+      <p:nvGrpSpPr>
+        <p:cNvPr id="1" name=""/>
+        <p:cNvGrpSpPr/>
+        <p:nvPr/>
+      </p:nvGrpSpPr>
+      <p:grpSpPr>
+        <a:xfrm>
+          <a:off x="0" y="0"/>
+          <a:ext cx="0" cy="0"/>
+          <a:chOff x="0" y="0"/>
+          <a:chExt cx="0" cy="0"/>
+        </a:xfrm>
+      </p:grpSpPr>
+      <p:sp>
+        <p:nvSpPr>
+          <p:cNvPr id="2" name="Slide Number Placeholder 1"/>
+          <p:cNvSpPr>
+            <a:spLocks noGrp="1"/>
+          </p:cNvSpPr>
+          <p:nvPr>
+            <p:ph type="sldNum" sz="quarter" idx="10"/>
+          </p:nvPr>
+        </p:nvSpPr>
+        <p:spPr/>
+        <p:txBody>
+          <a:bodyPr/>
+          <a:lstStyle/>
+          <a:p>
+            <a:fld id="{61155BBA-336D-4AED-BB34-E42D9706BCE7}" type="slidenum">
+              <a:rPr lang="it-IT" altLang="en-US" smtClean="0"/>
+              <a:pPr/>
+              <a:t>41</a:t>
+            </a:fld>
+            <a:endParaRPr lang="it-IT" altLang="en-US"/>
+          </a:p>
+        </p:txBody>
+      </p:sp>
+      <p:sp>
+        <p:nvSpPr>
+          <p:cNvPr id="3" name="TextBox 2"/>
+          <p:cNvSpPr txBox="1"/>
+          <p:nvPr/>
+        </p:nvSpPr>
+        <p:spPr>
+          <a:xfrm>
+            <a:off x="450761" y="1033790"/>
+            <a:ext cx="11247552" cy="523220"/>
+          </a:xfrm>
+          <a:prstGeom prst="rect">
+            <a:avLst/>
+          </a:prstGeom>
+          <a:noFill/>
+        </p:spPr>
+        <p:txBody>
+          <a:bodyPr wrap="square" rtlCol="0">
+            <a:spAutoFit/>
+          </a:bodyPr>
+          <a:lstStyle/>
+          <a:p>
+            <a:pPr algn="ctr"/>
+            <a:r>
+              <a:rPr lang="en-GB" sz="2800" b="1" i="1" dirty="0" smtClean="0">
+                <a:latin typeface="+mj-lt"/>
+              </a:rPr>
+              <a:t>CONCLUSION</a:t>
+            </a:r>
+          </a:p>
+        </p:txBody>
+      </p:sp>
+      <p:sp>
+        <p:nvSpPr>
+          <p:cNvPr id="4" name="TextBox 3"/>
+          <p:cNvSpPr txBox="1"/>
+          <p:nvPr/>
+        </p:nvSpPr>
+        <p:spPr>
+          <a:xfrm>
+            <a:off x="6956299" y="173782"/>
+            <a:ext cx="3512308" cy="369332"/>
+          </a:xfrm>
+          <a:prstGeom prst="rect">
+            <a:avLst/>
+          </a:prstGeom>
+          <a:noFill/>
+        </p:spPr>
+        <p:txBody>
+          <a:bodyPr wrap="none" rtlCol="0">
+            <a:spAutoFit/>
+          </a:bodyPr>
+          <a:lstStyle/>
+          <a:p>
+            <a:r>
+              <a:rPr lang="en-GB" b="1" dirty="0" smtClean="0">
+                <a:solidFill>
+                  <a:srgbClr val="FF0000"/>
+                </a:solidFill>
+                <a:latin typeface="DejaVu Sans" panose="020B0603030804020204" pitchFamily="34" charset="0"/>
+                <a:ea typeface="DejaVu Sans" panose="020B0603030804020204" pitchFamily="34" charset="0"/>
+                <a:cs typeface="DejaVu Sans" panose="020B0603030804020204" pitchFamily="34" charset="0"/>
+              </a:rPr>
+              <a:t>CONCLUSION &amp; REMARKS</a:t>
+            </a:r>
+            <a:endParaRPr lang="en-GB" b="1" dirty="0">
+              <a:solidFill>
+                <a:srgbClr val="FF0000"/>
+              </a:solidFill>
+              <a:latin typeface="DejaVu Sans" panose="020B0603030804020204" pitchFamily="34" charset="0"/>
+              <a:ea typeface="DejaVu Sans" panose="020B0603030804020204" pitchFamily="34" charset="0"/>
+              <a:cs typeface="DejaVu Sans" panose="020B0603030804020204" pitchFamily="34" charset="0"/>
+            </a:endParaRPr>
+          </a:p>
+        </p:txBody>
+      </p:sp>
+      <p:pic>
+        <p:nvPicPr>
+          <p:cNvPr id="6" name="Picture 5"/>
+          <p:cNvPicPr>
+            <a:picLocks noChangeAspect="1"/>
+          </p:cNvPicPr>
+          <p:nvPr/>
+        </p:nvPicPr>
+        <p:blipFill>
+          <a:blip r:embed="rId2">
+            <a:extLst>
+              <a:ext uri="{28A0092B-C50C-407E-A947-70E740481C1C}">
+                <a14:useLocalDpi xmlns:a14="http://schemas.microsoft.com/office/drawing/2010/main" val="0"/>
+              </a:ext>
+            </a:extLst>
+          </a:blip>
+          <a:stretch>
+            <a:fillRect/>
+          </a:stretch>
+        </p:blipFill>
+        <p:spPr>
+          <a:xfrm>
+            <a:off x="811370" y="1557010"/>
+            <a:ext cx="10058400" cy="4800934"/>
+          </a:xfrm>
+          <a:prstGeom prst="rect">
+            <a:avLst/>
+          </a:prstGeom>
+        </p:spPr>
+      </p:pic>
+    </p:spTree>
+    <p:extLst>
+      <p:ext uri="{BB962C8B-B14F-4D97-AF65-F5344CB8AC3E}">
+        <p14:creationId xmlns:p14="http://schemas.microsoft.com/office/powerpoint/2010/main" val="3878467851"/>
+      </p:ext>
+    </p:extLst>
+  </p:cSld>
+  <p:clrMapOvr>
+    <a:masterClrMapping/>
+  </p:clrMapOvr>
+  <p:timing>
+    <p:tnLst>
+      <p:par>
+        <p:cTn id="1" dur="indefinite" restart="never" nodeType="tmRoot"/>
+      </p:par>
+    </p:tnLst>
+  </p:timing>
+</p:sld>
+</file>
+
+<file path=ppt/slides/slide42.xml><?xml version="1.0" encoding="utf-8"?>
+<p:sld xmlns:a="http://schemas.openxmlformats.org/drawingml/2006/main" xmlns:r="http://schemas.openxmlformats.org/officeDocument/2006/relationships" xmlns:p="http://schemas.openxmlformats.org/presentationml/2006/main">
+  <p:cSld>
+    <p:spTree>
+      <p:nvGrpSpPr>
+        <p:cNvPr id="1" name=""/>
+        <p:cNvGrpSpPr/>
+        <p:nvPr/>
+      </p:nvGrpSpPr>
+      <p:grpSpPr>
+        <a:xfrm>
+          <a:off x="0" y="0"/>
+          <a:ext cx="0" cy="0"/>
+          <a:chOff x="0" y="0"/>
+          <a:chExt cx="0" cy="0"/>
+        </a:xfrm>
+      </p:grpSpPr>
+      <p:sp>
+        <p:nvSpPr>
+          <p:cNvPr id="2" name="Slide Number Placeholder 1"/>
+          <p:cNvSpPr>
+            <a:spLocks noGrp="1"/>
+          </p:cNvSpPr>
+          <p:nvPr>
+            <p:ph type="sldNum" sz="quarter" idx="10"/>
+          </p:nvPr>
+        </p:nvSpPr>
+        <p:spPr/>
+        <p:txBody>
+          <a:bodyPr/>
+          <a:lstStyle/>
+          <a:p>
+            <a:fld id="{61155BBA-336D-4AED-BB34-E42D9706BCE7}" type="slidenum">
+              <a:rPr lang="it-IT" altLang="en-US" smtClean="0"/>
+              <a:pPr/>
+              <a:t>42</a:t>
+            </a:fld>
+            <a:endParaRPr lang="it-IT" altLang="en-US"/>
+          </a:p>
+        </p:txBody>
+      </p:sp>
+      <p:sp>
+        <p:nvSpPr>
+          <p:cNvPr id="4" name="Rectangle 3"/>
+          <p:cNvSpPr/>
+          <p:nvPr/>
+        </p:nvSpPr>
+        <p:spPr>
+          <a:xfrm>
+            <a:off x="3656871" y="2588350"/>
+            <a:ext cx="4878259" cy="923330"/>
+          </a:xfrm>
+          <a:prstGeom prst="rect">
+            <a:avLst/>
+          </a:prstGeom>
+        </p:spPr>
+        <p:style>
+          <a:lnRef idx="3">
+            <a:schemeClr val="lt1"/>
+          </a:lnRef>
+          <a:fillRef idx="1">
+            <a:schemeClr val="accent5"/>
+          </a:fillRef>
+          <a:effectRef idx="1">
+            <a:schemeClr val="accent5"/>
+          </a:effectRef>
+          <a:fontRef idx="minor">
+            <a:schemeClr val="lt1"/>
+          </a:fontRef>
+        </p:style>
+        <p:txBody>
+          <a:bodyPr wrap="none" lIns="91440" tIns="45720" rIns="91440" bIns="45720">
+            <a:spAutoFit/>
+          </a:bodyPr>
+          <a:lstStyle/>
+          <a:p>
+            <a:pPr algn="ctr"/>
+            <a:r>
+              <a:rPr lang="en-US" sz="5400" dirty="0" smtClean="0">
+                <a:ln w="0"/>
+                <a:solidFill>
+                  <a:schemeClr val="tx1"/>
+                </a:solidFill>
+                <a:effectLst>
+                  <a:outerShdw blurRad="38100" dist="19050" dir="2700000" algn="tl" rotWithShape="0">
+                    <a:schemeClr val="dk1">
+                      <a:alpha val="40000"/>
+                    </a:schemeClr>
+                  </a:outerShdw>
+                </a:effectLst>
+              </a:rPr>
+              <a:t>OTHER IDEAS</a:t>
+            </a:r>
+            <a:endParaRPr lang="en-US" sz="5400" b="0" cap="none" spc="0" dirty="0">
+              <a:ln w="0"/>
+              <a:solidFill>
+                <a:schemeClr val="tx1"/>
+              </a:solidFill>
+              <a:effectLst>
+                <a:outerShdw blurRad="38100" dist="19050" dir="2700000" algn="tl" rotWithShape="0">
+                  <a:schemeClr val="dk1">
+                    <a:alpha val="40000"/>
+                  </a:schemeClr>
+                </a:outerShdw>
+              </a:effectLst>
+            </a:endParaRPr>
+          </a:p>
+        </p:txBody>
+      </p:sp>
+    </p:spTree>
+    <p:extLst>
+      <p:ext uri="{BB962C8B-B14F-4D97-AF65-F5344CB8AC3E}">
+        <p14:creationId xmlns:p14="http://schemas.microsoft.com/office/powerpoint/2010/main" val="548125632"/>
+      </p:ext>
+    </p:extLst>
+  </p:cSld>
+  <p:clrMapOvr>
+    <a:masterClrMapping/>
+  </p:clrMapOvr>
+  <p:timing>
+    <p:tnLst>
+      <p:par>
+        <p:cTn id="1" dur="indefinite" restart="never" nodeType="tmRoot"/>
+      </p:par>
+    </p:tnLst>
+  </p:timing>
+</p:sld>
+</file>
+
+<file path=ppt/slides/slide43.xml><?xml version="1.0" encoding="utf-8"?>
+<p:sld xmlns:a="http://schemas.openxmlformats.org/drawingml/2006/main" xmlns:r="http://schemas.openxmlformats.org/officeDocument/2006/relationships" xmlns:p="http://schemas.openxmlformats.org/presentationml/2006/main">
+  <p:cSld>
+    <p:spTree>
+      <p:nvGrpSpPr>
+        <p:cNvPr id="1" name=""/>
+        <p:cNvGrpSpPr/>
+        <p:nvPr/>
+      </p:nvGrpSpPr>
+      <p:grpSpPr>
+        <a:xfrm>
+          <a:off x="0" y="0"/>
+          <a:ext cx="0" cy="0"/>
+          <a:chOff x="0" y="0"/>
+          <a:chExt cx="0" cy="0"/>
+        </a:xfrm>
+      </p:grpSpPr>
+      <p:sp>
+        <p:nvSpPr>
+          <p:cNvPr id="2" name="Slide Number Placeholder 1"/>
+          <p:cNvSpPr>
+            <a:spLocks noGrp="1"/>
+          </p:cNvSpPr>
+          <p:nvPr>
+            <p:ph type="sldNum" sz="quarter" idx="10"/>
+          </p:nvPr>
+        </p:nvSpPr>
+        <p:spPr/>
+        <p:txBody>
+          <a:bodyPr/>
+          <a:lstStyle/>
+          <a:p>
+            <a:fld id="{61155BBA-336D-4AED-BB34-E42D9706BCE7}" type="slidenum">
+              <a:rPr lang="it-IT" altLang="en-US" smtClean="0"/>
+              <a:pPr/>
+              <a:t>43</a:t>
+            </a:fld>
+            <a:endParaRPr lang="it-IT" altLang="en-US"/>
+          </a:p>
+        </p:txBody>
+      </p:sp>
+      <p:sp>
+        <p:nvSpPr>
+          <p:cNvPr id="4" name="TextBox 3"/>
+          <p:cNvSpPr txBox="1"/>
+          <p:nvPr/>
+        </p:nvSpPr>
+        <p:spPr>
+          <a:xfrm>
+            <a:off x="6956299" y="173782"/>
+            <a:ext cx="3973973" cy="369332"/>
+          </a:xfrm>
+          <a:prstGeom prst="rect">
+            <a:avLst/>
+          </a:prstGeom>
+          <a:noFill/>
+        </p:spPr>
+        <p:txBody>
+          <a:bodyPr wrap="none" rtlCol="0">
+            <a:spAutoFit/>
+          </a:bodyPr>
+          <a:lstStyle/>
+          <a:p>
+            <a:pPr lvl="1"/>
+            <a:r>
+              <a:rPr lang="en-GB" b="1" dirty="0" smtClean="0">
+                <a:solidFill>
+                  <a:srgbClr val="FF0000"/>
+                </a:solidFill>
+                <a:latin typeface="DejaVu Sans" panose="020B0603030804020204" pitchFamily="34" charset="0"/>
+                <a:ea typeface="DejaVu Sans" panose="020B0603030804020204" pitchFamily="34" charset="0"/>
+                <a:cs typeface="DejaVu Sans" panose="020B0603030804020204" pitchFamily="34" charset="0"/>
+              </a:rPr>
+              <a:t>CONCLUSION &amp; REMARKS</a:t>
+            </a:r>
+            <a:endParaRPr lang="en-GB" b="1" dirty="0">
+              <a:solidFill>
+                <a:srgbClr val="FF0000"/>
+              </a:solidFill>
+              <a:latin typeface="DejaVu Sans" panose="020B0603030804020204" pitchFamily="34" charset="0"/>
+              <a:ea typeface="DejaVu Sans" panose="020B0603030804020204" pitchFamily="34" charset="0"/>
+              <a:cs typeface="DejaVu Sans" panose="020B0603030804020204" pitchFamily="34" charset="0"/>
+            </a:endParaRPr>
+          </a:p>
+        </p:txBody>
+      </p:sp>
+      <p:sp>
+        <p:nvSpPr>
+          <p:cNvPr id="3" name="TextBox 2"/>
+          <p:cNvSpPr txBox="1"/>
+          <p:nvPr/>
+        </p:nvSpPr>
+        <p:spPr>
+          <a:xfrm>
+            <a:off x="922789" y="1795244"/>
+            <a:ext cx="10161180" cy="1200329"/>
+          </a:xfrm>
+          <a:prstGeom prst="rect">
+            <a:avLst/>
+          </a:prstGeom>
+          <a:noFill/>
+        </p:spPr>
+        <p:txBody>
+          <a:bodyPr wrap="none" rtlCol="0">
+            <a:spAutoFit/>
+          </a:bodyPr>
+          <a:lstStyle/>
+          <a:p>
+            <a:pPr marL="342900" indent="-342900">
+              <a:buFont typeface="+mj-lt"/>
+              <a:buAutoNum type="arabicPeriod"/>
+            </a:pPr>
+            <a:r>
+              <a:rPr lang="en-GB" dirty="0" smtClean="0"/>
+              <a:t>Non linear identification: tried to use </a:t>
+            </a:r>
+            <a:r>
+              <a:rPr lang="en-GB" dirty="0" err="1" smtClean="0"/>
+              <a:t>matlab</a:t>
+            </a:r>
+            <a:r>
+              <a:rPr lang="en-GB" dirty="0" smtClean="0"/>
+              <a:t> toolbox, </a:t>
+            </a:r>
+            <a:r>
+              <a:rPr lang="en-GB" dirty="0" err="1" smtClean="0"/>
+              <a:t>kinda</a:t>
+            </a:r>
+            <a:r>
+              <a:rPr lang="en-GB" dirty="0" smtClean="0"/>
+              <a:t> bad results</a:t>
+            </a:r>
+          </a:p>
+          <a:p>
+            <a:pPr marL="342900" indent="-342900">
+              <a:buFont typeface="+mj-lt"/>
+              <a:buAutoNum type="arabicPeriod"/>
+            </a:pPr>
+            <a:r>
+              <a:rPr lang="en-GB" dirty="0" smtClean="0"/>
+              <a:t>Try to merge the first 2 datasets (they are similar) and do training on this, then validation on 3</a:t>
+            </a:r>
+            <a:r>
+              <a:rPr lang="en-GB" baseline="30000" dirty="0" smtClean="0"/>
+              <a:t>rd</a:t>
+            </a:r>
+            <a:endParaRPr lang="en-GB" dirty="0" smtClean="0"/>
+          </a:p>
+          <a:p>
+            <a:pPr marL="342900" indent="-342900">
+              <a:buFont typeface="+mj-lt"/>
+              <a:buAutoNum type="arabicPeriod"/>
+            </a:pPr>
+            <a:r>
+              <a:rPr lang="en-GB" dirty="0" smtClean="0"/>
+              <a:t>Interpolation of data, sampling at higher frequency-&gt; new </a:t>
+            </a:r>
+            <a:r>
+              <a:rPr lang="en-GB" dirty="0" err="1" smtClean="0"/>
+              <a:t>traning</a:t>
+            </a:r>
+            <a:endParaRPr lang="en-GB" dirty="0" smtClean="0"/>
+          </a:p>
+          <a:p>
+            <a:pPr marL="342900" indent="-342900">
+              <a:buFont typeface="+mj-lt"/>
+              <a:buAutoNum type="arabicPeriod"/>
+            </a:pPr>
+            <a:r>
+              <a:rPr lang="en-GB" dirty="0" smtClean="0"/>
+              <a:t>Better experimental data wont be bad</a:t>
+            </a:r>
+            <a:endParaRPr lang="en-GB" dirty="0"/>
+          </a:p>
+        </p:txBody>
+      </p:sp>
+    </p:spTree>
+    <p:extLst>
+      <p:ext uri="{BB962C8B-B14F-4D97-AF65-F5344CB8AC3E}">
+        <p14:creationId xmlns:p14="http://schemas.microsoft.com/office/powerpoint/2010/main" val="3455597643"/>
       </p:ext>
     </p:extLst>
   </p:cSld>

--- a/report/Report.pptx
+++ b/report/Report.pptx
@@ -298,7 +298,7 @@
           <a:p>
             <a:fld id="{843C4FC0-81D1-4453-9443-D3E156B7E80B}" type="datetimeFigureOut">
               <a:rPr lang="en-GB" smtClean="0"/>
-              <a:t>19/04/2015</a:t>
+              <a:t>20/04/2015</a:t>
             </a:fld>
             <a:endParaRPr lang="en-GB"/>
           </a:p>
@@ -468,7 +468,7 @@
           <a:p>
             <a:fld id="{843C4FC0-81D1-4453-9443-D3E156B7E80B}" type="datetimeFigureOut">
               <a:rPr lang="en-GB" smtClean="0"/>
-              <a:t>19/04/2015</a:t>
+              <a:t>20/04/2015</a:t>
             </a:fld>
             <a:endParaRPr lang="en-GB"/>
           </a:p>
@@ -648,7 +648,7 @@
           <a:p>
             <a:fld id="{843C4FC0-81D1-4453-9443-D3E156B7E80B}" type="datetimeFigureOut">
               <a:rPr lang="en-GB" smtClean="0"/>
-              <a:t>19/04/2015</a:t>
+              <a:t>20/04/2015</a:t>
             </a:fld>
             <a:endParaRPr lang="en-GB"/>
           </a:p>
@@ -1429,7 +1429,7 @@
           <a:p>
             <a:fld id="{843C4FC0-81D1-4453-9443-D3E156B7E80B}" type="datetimeFigureOut">
               <a:rPr lang="en-GB" smtClean="0"/>
-              <a:t>19/04/2015</a:t>
+              <a:t>20/04/2015</a:t>
             </a:fld>
             <a:endParaRPr lang="en-GB"/>
           </a:p>
@@ -1675,7 +1675,7 @@
           <a:p>
             <a:fld id="{843C4FC0-81D1-4453-9443-D3E156B7E80B}" type="datetimeFigureOut">
               <a:rPr lang="en-GB" smtClean="0"/>
-              <a:t>19/04/2015</a:t>
+              <a:t>20/04/2015</a:t>
             </a:fld>
             <a:endParaRPr lang="en-GB"/>
           </a:p>
@@ -1907,7 +1907,7 @@
           <a:p>
             <a:fld id="{843C4FC0-81D1-4453-9443-D3E156B7E80B}" type="datetimeFigureOut">
               <a:rPr lang="en-GB" smtClean="0"/>
-              <a:t>19/04/2015</a:t>
+              <a:t>20/04/2015</a:t>
             </a:fld>
             <a:endParaRPr lang="en-GB"/>
           </a:p>
@@ -2274,7 +2274,7 @@
           <a:p>
             <a:fld id="{843C4FC0-81D1-4453-9443-D3E156B7E80B}" type="datetimeFigureOut">
               <a:rPr lang="en-GB" smtClean="0"/>
-              <a:t>19/04/2015</a:t>
+              <a:t>20/04/2015</a:t>
             </a:fld>
             <a:endParaRPr lang="en-GB"/>
           </a:p>
@@ -2392,7 +2392,7 @@
           <a:p>
             <a:fld id="{843C4FC0-81D1-4453-9443-D3E156B7E80B}" type="datetimeFigureOut">
               <a:rPr lang="en-GB" smtClean="0"/>
-              <a:t>19/04/2015</a:t>
+              <a:t>20/04/2015</a:t>
             </a:fld>
             <a:endParaRPr lang="en-GB"/>
           </a:p>
@@ -2487,7 +2487,7 @@
           <a:p>
             <a:fld id="{843C4FC0-81D1-4453-9443-D3E156B7E80B}" type="datetimeFigureOut">
               <a:rPr lang="en-GB" smtClean="0"/>
-              <a:t>19/04/2015</a:t>
+              <a:t>20/04/2015</a:t>
             </a:fld>
             <a:endParaRPr lang="en-GB"/>
           </a:p>
@@ -2764,7 +2764,7 @@
           <a:p>
             <a:fld id="{843C4FC0-81D1-4453-9443-D3E156B7E80B}" type="datetimeFigureOut">
               <a:rPr lang="en-GB" smtClean="0"/>
-              <a:t>19/04/2015</a:t>
+              <a:t>20/04/2015</a:t>
             </a:fld>
             <a:endParaRPr lang="en-GB"/>
           </a:p>
@@ -3017,7 +3017,7 @@
           <a:p>
             <a:fld id="{843C4FC0-81D1-4453-9443-D3E156B7E80B}" type="datetimeFigureOut">
               <a:rPr lang="en-GB" smtClean="0"/>
-              <a:t>19/04/2015</a:t>
+              <a:t>20/04/2015</a:t>
             </a:fld>
             <a:endParaRPr lang="en-GB"/>
           </a:p>
@@ -3230,7 +3230,7 @@
           <a:p>
             <a:fld id="{843C4FC0-81D1-4453-9443-D3E156B7E80B}" type="datetimeFigureOut">
               <a:rPr lang="en-GB" smtClean="0"/>
-              <a:t>19/04/2015</a:t>
+              <a:t>20/04/2015</a:t>
             </a:fld>
             <a:endParaRPr lang="en-GB"/>
           </a:p>
@@ -18270,8 +18270,8 @@
           </a:p>
         </p:txBody>
       </p:sp>
-      <mc:AlternateContent xmlns:mc="http://schemas.openxmlformats.org/markup-compatibility/2006" xmlns:a14="http://schemas.microsoft.com/office/drawing/2010/main">
-        <mc:Choice Requires="a14">
+      <mc:AlternateContent xmlns:mc="http://schemas.openxmlformats.org/markup-compatibility/2006">
+        <mc:Choice xmlns:a14="http://schemas.microsoft.com/office/drawing/2010/main" Requires="a14">
           <p:sp>
             <p:nvSpPr>
               <p:cNvPr id="5" name="TextBox 4"/>
@@ -18281,7 +18281,7 @@
             <p:spPr>
               <a:xfrm>
                 <a:off x="478172" y="1736521"/>
-                <a:ext cx="11444159" cy="3426387"/>
+                <a:ext cx="11446467" cy="3426387"/>
               </a:xfrm>
               <a:prstGeom prst="rect">
                 <a:avLst/>
@@ -18639,8 +18639,15 @@
                 </a14:m>
                 <a:r>
                   <a:rPr lang="en-GB" dirty="0" smtClean="0"/>
-                  <a:t>.</a:t>
+                  <a:t>. But,</a:t>
                 </a:r>
+              </a:p>
+              <a:p>
+                <a:r>
+                  <a:rPr lang="en-GB" dirty="0" smtClean="0"/>
+                  <a:t>Notice that the spectrum of u is quite flat, therefore it’s not a problem.</a:t>
+                </a:r>
+                <a:endParaRPr lang="en-GB" dirty="0" smtClean="0"/>
               </a:p>
               <a:p>
                 <a:endParaRPr lang="en-GB" dirty="0"/>
@@ -18648,20 +18655,14 @@
               <a:p>
                 <a:r>
                   <a:rPr lang="en-GB" dirty="0" smtClean="0"/>
-                  <a:t>In this way all models converge to the OE ones. To improve OE results we need  to obtain a filter </a:t>
-                </a:r>
-              </a:p>
-              <a:p>
-                <a:r>
-                  <a:rPr lang="en-GB" dirty="0" smtClean="0"/>
-                  <a:t>Representation of u (easier if r(t) and C(z) were provided) in order to apply the correct filter L.</a:t>
+                  <a:t>In this way all models converge to the OE ones. </a:t>
                 </a:r>
                 <a:endParaRPr lang="en-GB" dirty="0"/>
               </a:p>
             </p:txBody>
           </p:sp>
         </mc:Choice>
-        <mc:Fallback xmlns="">
+        <mc:Fallback>
           <p:sp>
             <p:nvSpPr>
               <p:cNvPr id="5" name="TextBox 4"/>
@@ -18673,7 +18674,7 @@
             <p:spPr>
               <a:xfrm>
                 <a:off x="478172" y="1736521"/>
-                <a:ext cx="11444159" cy="3426387"/>
+                <a:ext cx="11446467" cy="3426387"/>
               </a:xfrm>
               <a:prstGeom prst="rect">
                 <a:avLst/>
@@ -20825,190 +20826,360 @@
           </a:p>
         </p:txBody>
       </p:sp>
-      <p:sp>
-        <p:nvSpPr>
-          <p:cNvPr id="5" name="TextBox 4"/>
-          <p:cNvSpPr txBox="1"/>
-          <p:nvPr/>
-        </p:nvSpPr>
-        <p:spPr>
-          <a:xfrm>
-            <a:off x="231820" y="1569710"/>
-            <a:ext cx="11719775" cy="4247317"/>
-          </a:xfrm>
-          <a:prstGeom prst="rect">
-            <a:avLst/>
-          </a:prstGeom>
-          <a:noFill/>
-        </p:spPr>
-        <p:txBody>
-          <a:bodyPr wrap="square" rtlCol="0">
-            <a:spAutoFit/>
-          </a:bodyPr>
-          <a:lstStyle/>
-          <a:p>
-            <a:r>
-              <a:rPr lang="en-GB" b="1" dirty="0" smtClean="0"/>
-              <a:t>OE</a:t>
-            </a:r>
-            <a:r>
-              <a:rPr lang="en-GB" dirty="0" smtClean="0"/>
-              <a:t> performs better than </a:t>
-            </a:r>
-            <a:r>
-              <a:rPr lang="en-GB" b="1" dirty="0" smtClean="0"/>
-              <a:t>ARX</a:t>
-            </a:r>
-            <a:r>
-              <a:rPr lang="en-GB" dirty="0" smtClean="0"/>
-              <a:t> models as expected from the previous theoretical discussion.</a:t>
-            </a:r>
-          </a:p>
-          <a:p>
-            <a:endParaRPr lang="en-GB" b="1" dirty="0"/>
-          </a:p>
-          <a:p>
-            <a:r>
-              <a:rPr lang="en-GB" b="1" dirty="0" smtClean="0"/>
-              <a:t>ARMAX </a:t>
-            </a:r>
-            <a:r>
-              <a:rPr lang="en-GB" dirty="0" smtClean="0"/>
-              <a:t>and </a:t>
-            </a:r>
-            <a:r>
-              <a:rPr lang="en-GB" b="1" dirty="0" smtClean="0"/>
-              <a:t>BJ</a:t>
-            </a:r>
-            <a:r>
-              <a:rPr lang="en-GB" dirty="0" smtClean="0"/>
-              <a:t> give exactly the same results as </a:t>
-            </a:r>
-            <a:r>
-              <a:rPr lang="en-GB" b="1" dirty="0" smtClean="0"/>
-              <a:t>OE</a:t>
-            </a:r>
-            <a:r>
-              <a:rPr lang="en-GB" dirty="0" smtClean="0"/>
-              <a:t> models using simulation focus.</a:t>
-            </a:r>
-          </a:p>
-          <a:p>
-            <a:endParaRPr lang="en-GB" b="1" dirty="0"/>
-          </a:p>
-          <a:p>
-            <a:r>
-              <a:rPr lang="en-GB" dirty="0" smtClean="0"/>
-              <a:t>A deeper analysis can be done with a </a:t>
-            </a:r>
-            <a:r>
-              <a:rPr lang="en-GB" dirty="0" err="1" smtClean="0"/>
-              <a:t>Matlab</a:t>
-            </a:r>
-            <a:r>
-              <a:rPr lang="en-GB" dirty="0" smtClean="0"/>
-              <a:t> script we wrote (</a:t>
-            </a:r>
-            <a:r>
-              <a:rPr lang="en-GB" dirty="0" err="1" smtClean="0"/>
-              <a:t>compareModels</a:t>
-            </a:r>
-            <a:r>
-              <a:rPr lang="en-GB" dirty="0" smtClean="0"/>
-              <a:t>) which shows graphically the properties of the two models, as:</a:t>
-            </a:r>
-          </a:p>
-          <a:p>
-            <a:pPr marL="285750" indent="-285750">
-              <a:buFont typeface="Arial" panose="020B0604020202020204" pitchFamily="34" charset="0"/>
-              <a:buChar char="•"/>
-            </a:pPr>
-            <a:r>
-              <a:rPr lang="en-GB" dirty="0" smtClean="0"/>
-              <a:t>Simulated output compared to actual data</a:t>
-            </a:r>
-          </a:p>
-          <a:p>
-            <a:pPr marL="285750" indent="-285750">
-              <a:buFont typeface="Arial" panose="020B0604020202020204" pitchFamily="34" charset="0"/>
-              <a:buChar char="•"/>
-            </a:pPr>
-            <a:r>
-              <a:rPr lang="en-GB" dirty="0" smtClean="0"/>
-              <a:t>Spectra analysis</a:t>
-            </a:r>
-          </a:p>
-          <a:p>
-            <a:pPr marL="285750" indent="-285750">
-              <a:buFont typeface="Arial" panose="020B0604020202020204" pitchFamily="34" charset="0"/>
-              <a:buChar char="•"/>
-            </a:pPr>
-            <a:r>
-              <a:rPr lang="en-GB" dirty="0" smtClean="0"/>
-              <a:t>Absolute error: mean, variance and max</a:t>
-            </a:r>
-          </a:p>
-          <a:p>
-            <a:pPr marL="285750" indent="-285750">
-              <a:buFont typeface="Arial" panose="020B0604020202020204" pitchFamily="34" charset="0"/>
-              <a:buChar char="•"/>
-            </a:pPr>
-            <a:r>
-              <a:rPr lang="en-GB" dirty="0" smtClean="0"/>
-              <a:t>Covariance of simulation error</a:t>
-            </a:r>
-          </a:p>
-          <a:p>
-            <a:pPr marL="285750" indent="-285750">
-              <a:buFont typeface="Arial" panose="020B0604020202020204" pitchFamily="34" charset="0"/>
-              <a:buChar char="•"/>
-            </a:pPr>
-            <a:r>
-              <a:rPr lang="en-GB" dirty="0" smtClean="0"/>
-              <a:t>Anderson Test</a:t>
-            </a:r>
-          </a:p>
-          <a:p>
-            <a:pPr marL="285750" indent="-285750">
-              <a:buFont typeface="Arial" panose="020B0604020202020204" pitchFamily="34" charset="0"/>
-              <a:buChar char="•"/>
-            </a:pPr>
-            <a:endParaRPr lang="en-GB" dirty="0"/>
-          </a:p>
-          <a:p>
-            <a:r>
-              <a:rPr lang="en-GB" dirty="0" smtClean="0"/>
-              <a:t>Both models pass Anderson Whiteness Test but </a:t>
-            </a:r>
-            <a:r>
-              <a:rPr lang="en-GB" b="1" dirty="0" smtClean="0"/>
-              <a:t>OE</a:t>
-            </a:r>
-            <a:r>
-              <a:rPr lang="en-GB" dirty="0" smtClean="0"/>
-              <a:t> has a better fitting and less error variance.</a:t>
-            </a:r>
-          </a:p>
-          <a:p>
-            <a:endParaRPr lang="en-GB" dirty="0"/>
-          </a:p>
-          <a:p>
-            <a:r>
-              <a:rPr lang="en-GB" dirty="0" smtClean="0"/>
-              <a:t>See attached </a:t>
-            </a:r>
-            <a:r>
-              <a:rPr lang="en-GB" dirty="0" err="1" smtClean="0"/>
-              <a:t>Matlab</a:t>
-            </a:r>
-            <a:r>
-              <a:rPr lang="en-GB" dirty="0" smtClean="0"/>
-              <a:t> scripts for more detailed info.</a:t>
-            </a:r>
-            <a:endParaRPr lang="en-GB" dirty="0"/>
-          </a:p>
-        </p:txBody>
-      </p:sp>
+      <mc:AlternateContent xmlns:mc="http://schemas.openxmlformats.org/markup-compatibility/2006">
+        <mc:Choice xmlns:a14="http://schemas.microsoft.com/office/drawing/2010/main" Requires="a14">
+          <p:sp>
+            <p:nvSpPr>
+              <p:cNvPr id="5" name="TextBox 4"/>
+              <p:cNvSpPr txBox="1"/>
+              <p:nvPr/>
+            </p:nvSpPr>
+            <p:spPr>
+              <a:xfrm>
+                <a:off x="231820" y="1569710"/>
+                <a:ext cx="11719775" cy="5909310"/>
+              </a:xfrm>
+              <a:prstGeom prst="rect">
+                <a:avLst/>
+              </a:prstGeom>
+              <a:noFill/>
+            </p:spPr>
+            <p:txBody>
+              <a:bodyPr wrap="square" rtlCol="0">
+                <a:spAutoFit/>
+              </a:bodyPr>
+              <a:lstStyle/>
+              <a:p>
+                <a:r>
+                  <a:rPr lang="en-GB" b="1" dirty="0" smtClean="0"/>
+                  <a:t>OE</a:t>
+                </a:r>
+                <a:r>
+                  <a:rPr lang="en-GB" dirty="0" smtClean="0"/>
+                  <a:t> performs better than </a:t>
+                </a:r>
+                <a:r>
+                  <a:rPr lang="en-GB" b="1" dirty="0" smtClean="0"/>
+                  <a:t>ARX</a:t>
+                </a:r>
+                <a:r>
+                  <a:rPr lang="en-GB" dirty="0" smtClean="0"/>
+                  <a:t> models as expected from the previous theoretical discussion.</a:t>
+                </a:r>
+              </a:p>
+              <a:p>
+                <a:endParaRPr lang="en-GB" b="1" dirty="0"/>
+              </a:p>
+              <a:p>
+                <a:r>
+                  <a:rPr lang="en-GB" b="1" dirty="0" smtClean="0"/>
+                  <a:t>ARMAX </a:t>
+                </a:r>
+                <a:r>
+                  <a:rPr lang="en-GB" dirty="0" smtClean="0"/>
+                  <a:t>and </a:t>
+                </a:r>
+                <a:r>
+                  <a:rPr lang="en-GB" b="1" dirty="0" smtClean="0"/>
+                  <a:t>BJ</a:t>
+                </a:r>
+                <a:r>
+                  <a:rPr lang="en-GB" dirty="0" smtClean="0"/>
+                  <a:t> give exactly the same results as </a:t>
+                </a:r>
+                <a:r>
+                  <a:rPr lang="en-GB" b="1" dirty="0" smtClean="0"/>
+                  <a:t>OE</a:t>
+                </a:r>
+                <a:r>
+                  <a:rPr lang="en-GB" dirty="0" smtClean="0"/>
+                  <a:t> models using simulation focus</a:t>
+                </a:r>
+                <a:r>
+                  <a:rPr lang="en-GB" dirty="0" smtClean="0"/>
+                  <a:t>. This is due to the fact that </a:t>
+                </a:r>
+              </a:p>
+              <a:p>
+                <a:r>
+                  <a:rPr lang="en-GB" dirty="0" err="1" smtClean="0"/>
+                  <a:t>Matlab</a:t>
+                </a:r>
+                <a:r>
+                  <a:rPr lang="en-GB" dirty="0" smtClean="0"/>
+                  <a:t> uses a 2 step identification, where in the first steps assume the T.F. from e to y to be 1, to identify </a:t>
+                </a:r>
+                <a14:m>
+                  <m:oMath xmlns:m="http://schemas.openxmlformats.org/officeDocument/2006/math">
+                    <m:r>
+                      <a:rPr lang="en-GB" b="0" i="1" smtClean="0">
+                        <a:latin typeface="Cambria Math" panose="02040503050406030204" pitchFamily="18" charset="0"/>
+                      </a:rPr>
+                      <m:t>𝐺</m:t>
+                    </m:r>
+                  </m:oMath>
+                </a14:m>
+                <a:r>
+                  <a:rPr lang="en-GB" dirty="0" smtClean="0"/>
+                  <a:t>. Then</a:t>
+                </a:r>
+              </a:p>
+              <a:p>
+                <a:r>
+                  <a:rPr lang="en-GB" dirty="0" smtClean="0"/>
+                  <a:t>The T.F. from e to y is identified. Therefore we obtain the OE model for </a:t>
+                </a:r>
+                <a14:m>
+                  <m:oMath xmlns:m="http://schemas.openxmlformats.org/officeDocument/2006/math">
+                    <m:r>
+                      <a:rPr lang="en-GB" i="1">
+                        <a:latin typeface="Cambria Math" panose="02040503050406030204" pitchFamily="18" charset="0"/>
+                      </a:rPr>
+                      <m:t>𝐺</m:t>
+                    </m:r>
+                  </m:oMath>
+                </a14:m>
+                <a:r>
+                  <a:rPr lang="en-GB" dirty="0" smtClean="0"/>
+                  <a:t>. </a:t>
+                </a:r>
+              </a:p>
+              <a:p>
+                <a:endParaRPr lang="en-GB" dirty="0"/>
+              </a:p>
+              <a:p>
+                <a:r>
+                  <a:rPr lang="en-GB" b="1" dirty="0"/>
+                  <a:t>ARMAX </a:t>
+                </a:r>
+                <a:r>
+                  <a:rPr lang="en-GB" dirty="0"/>
+                  <a:t>and </a:t>
+                </a:r>
+                <a:r>
+                  <a:rPr lang="en-GB" b="1" dirty="0"/>
+                  <a:t>BJ</a:t>
+                </a:r>
+                <a:r>
+                  <a:rPr lang="en-GB" dirty="0"/>
+                  <a:t> give </a:t>
+                </a:r>
+                <a:r>
+                  <a:rPr lang="en-GB" dirty="0" smtClean="0"/>
+                  <a:t>different results using prediction focus, but even with high complexity models they don’t get </a:t>
+                </a:r>
+              </a:p>
+              <a:p>
+                <a:r>
+                  <a:rPr lang="en-GB" dirty="0" smtClean="0"/>
+                  <a:t>As close as to the OE model. This might be a clue of being an open loop experiment since for closed loop data</a:t>
+                </a:r>
+              </a:p>
+              <a:p>
+                <a:r>
+                  <a:rPr lang="en-GB" dirty="0" smtClean="0"/>
+                  <a:t>Detailed </a:t>
+                </a:r>
+                <a14:m>
+                  <m:oMath xmlns:m="http://schemas.openxmlformats.org/officeDocument/2006/math">
+                    <m:r>
+                      <a:rPr lang="en-GB" b="0" i="1" smtClean="0">
+                        <a:latin typeface="Cambria Math" panose="02040503050406030204" pitchFamily="18" charset="0"/>
+                      </a:rPr>
+                      <m:t>𝑒</m:t>
+                    </m:r>
+                    <m:r>
+                      <a:rPr lang="en-GB" b="0" i="1" smtClean="0">
+                        <a:latin typeface="Cambria Math" panose="02040503050406030204" pitchFamily="18" charset="0"/>
+                      </a:rPr>
+                      <m:t> </m:t>
+                    </m:r>
+                    <m:r>
+                      <a:rPr lang="en-GB" b="0" i="1" smtClean="0">
+                        <a:latin typeface="Cambria Math" panose="02040503050406030204" pitchFamily="18" charset="0"/>
+                      </a:rPr>
+                      <m:t>𝑡𝑜</m:t>
+                    </m:r>
+                    <m:r>
+                      <a:rPr lang="en-GB" b="0" i="1" smtClean="0">
+                        <a:latin typeface="Cambria Math" panose="02040503050406030204" pitchFamily="18" charset="0"/>
+                      </a:rPr>
+                      <m:t> </m:t>
+                    </m:r>
+                    <m:r>
+                      <a:rPr lang="en-GB" b="0" i="1" smtClean="0">
+                        <a:latin typeface="Cambria Math" panose="02040503050406030204" pitchFamily="18" charset="0"/>
+                      </a:rPr>
+                      <m:t>𝑦</m:t>
+                    </m:r>
+                  </m:oMath>
+                </a14:m>
+                <a:r>
+                  <a:rPr lang="en-GB" dirty="0" smtClean="0"/>
+                  <a:t> T.F.s will give a better result (because of the compromise).</a:t>
+                </a:r>
+                <a:endParaRPr lang="en-GB" dirty="0"/>
+              </a:p>
+              <a:p>
+                <a:endParaRPr lang="en-GB" dirty="0"/>
+              </a:p>
+              <a:p>
+                <a:r>
+                  <a:rPr lang="en-GB" dirty="0" smtClean="0"/>
+                  <a:t>A </a:t>
+                </a:r>
+                <a:r>
+                  <a:rPr lang="en-GB" dirty="0" smtClean="0"/>
+                  <a:t>deeper analysis can be done with a </a:t>
+                </a:r>
+                <a:r>
+                  <a:rPr lang="en-GB" dirty="0" err="1" smtClean="0"/>
+                  <a:t>Matlab</a:t>
+                </a:r>
+                <a:r>
+                  <a:rPr lang="en-GB" dirty="0" smtClean="0"/>
+                  <a:t> script we wrote (</a:t>
+                </a:r>
+                <a:r>
+                  <a:rPr lang="en-GB" dirty="0" err="1" smtClean="0"/>
+                  <a:t>compareModels</a:t>
+                </a:r>
+                <a:r>
+                  <a:rPr lang="en-GB" dirty="0" smtClean="0"/>
+                  <a:t>) which shows graphically the properties of the two models, as:</a:t>
+                </a:r>
+              </a:p>
+              <a:p>
+                <a:pPr marL="285750" indent="-285750">
+                  <a:buFont typeface="Arial" panose="020B0604020202020204" pitchFamily="34" charset="0"/>
+                  <a:buChar char="•"/>
+                </a:pPr>
+                <a:r>
+                  <a:rPr lang="en-GB" dirty="0" smtClean="0"/>
+                  <a:t>Simulated output compared to actual data</a:t>
+                </a:r>
+              </a:p>
+              <a:p>
+                <a:pPr marL="285750" indent="-285750">
+                  <a:buFont typeface="Arial" panose="020B0604020202020204" pitchFamily="34" charset="0"/>
+                  <a:buChar char="•"/>
+                </a:pPr>
+                <a:r>
+                  <a:rPr lang="en-GB" dirty="0" smtClean="0"/>
+                  <a:t>Spectra analysis</a:t>
+                </a:r>
+              </a:p>
+              <a:p>
+                <a:pPr marL="285750" indent="-285750">
+                  <a:buFont typeface="Arial" panose="020B0604020202020204" pitchFamily="34" charset="0"/>
+                  <a:buChar char="•"/>
+                </a:pPr>
+                <a:r>
+                  <a:rPr lang="en-GB" dirty="0" smtClean="0"/>
+                  <a:t>Absolute error: mean, variance and max</a:t>
+                </a:r>
+              </a:p>
+              <a:p>
+                <a:pPr marL="285750" indent="-285750">
+                  <a:buFont typeface="Arial" panose="020B0604020202020204" pitchFamily="34" charset="0"/>
+                  <a:buChar char="•"/>
+                </a:pPr>
+                <a:r>
+                  <a:rPr lang="en-GB" dirty="0" smtClean="0"/>
+                  <a:t>Covariance of simulation error</a:t>
+                </a:r>
+              </a:p>
+              <a:p>
+                <a:pPr marL="285750" indent="-285750">
+                  <a:buFont typeface="Arial" panose="020B0604020202020204" pitchFamily="34" charset="0"/>
+                  <a:buChar char="•"/>
+                </a:pPr>
+                <a:r>
+                  <a:rPr lang="en-GB" dirty="0" smtClean="0"/>
+                  <a:t>Anderson Test</a:t>
+                </a:r>
+              </a:p>
+              <a:p>
+                <a:pPr marL="285750" indent="-285750">
+                  <a:buFont typeface="Arial" panose="020B0604020202020204" pitchFamily="34" charset="0"/>
+                  <a:buChar char="•"/>
+                </a:pPr>
+                <a:endParaRPr lang="en-GB" dirty="0"/>
+              </a:p>
+              <a:p>
+                <a:r>
+                  <a:rPr lang="en-GB" dirty="0" smtClean="0"/>
+                  <a:t>Both models pass Anderson Whiteness Test but </a:t>
+                </a:r>
+                <a:r>
+                  <a:rPr lang="en-GB" b="1" dirty="0" smtClean="0"/>
+                  <a:t>OE</a:t>
+                </a:r>
+                <a:r>
+                  <a:rPr lang="en-GB" dirty="0" smtClean="0"/>
+                  <a:t> has a better fitting and less error variance.</a:t>
+                </a:r>
+              </a:p>
+              <a:p>
+                <a:endParaRPr lang="en-GB" dirty="0"/>
+              </a:p>
+              <a:p>
+                <a:r>
+                  <a:rPr lang="en-GB" dirty="0" smtClean="0"/>
+                  <a:t>See attached </a:t>
+                </a:r>
+                <a:r>
+                  <a:rPr lang="en-GB" dirty="0" err="1" smtClean="0"/>
+                  <a:t>Matlab</a:t>
+                </a:r>
+                <a:r>
+                  <a:rPr lang="en-GB" dirty="0" smtClean="0"/>
+                  <a:t> scripts for more detailed info.</a:t>
+                </a:r>
+                <a:endParaRPr lang="en-GB" dirty="0"/>
+              </a:p>
+            </p:txBody>
+          </p:sp>
+        </mc:Choice>
+        <mc:Fallback>
+          <p:sp>
+            <p:nvSpPr>
+              <p:cNvPr id="5" name="TextBox 4"/>
+              <p:cNvSpPr txBox="1">
+                <a:spLocks noRot="1" noChangeAspect="1" noMove="1" noResize="1" noEditPoints="1" noAdjustHandles="1" noChangeArrowheads="1" noChangeShapeType="1" noTextEdit="1"/>
+              </p:cNvSpPr>
+              <p:nvPr/>
+            </p:nvSpPr>
+            <p:spPr>
+              <a:xfrm>
+                <a:off x="231820" y="1569710"/>
+                <a:ext cx="11719775" cy="5909310"/>
+              </a:xfrm>
+              <a:prstGeom prst="rect">
+                <a:avLst/>
+              </a:prstGeom>
+              <a:blipFill rotWithShape="0">
+                <a:blip r:embed="rId2"/>
+                <a:stretch>
+                  <a:fillRect l="-416" t="-515" b="-619"/>
+                </a:stretch>
+              </a:blipFill>
+            </p:spPr>
+            <p:txBody>
+              <a:bodyPr/>
+              <a:lstStyle/>
+              <a:p>
+                <a:r>
+                  <a:rPr lang="en-GB">
+                    <a:noFill/>
+                  </a:rPr>
+                  <a:t> </a:t>
+                </a:r>
+              </a:p>
+            </p:txBody>
+          </p:sp>
+        </mc:Fallback>
+      </mc:AlternateContent>
     </p:spTree>
     <p:extLst>
       <p:ext uri="{BB962C8B-B14F-4D97-AF65-F5344CB8AC3E}">
@@ -22078,13 +22249,7 @@
               <a:rPr lang="it-IT" sz="2800" b="1" i="1" dirty="0" smtClean="0">
                 <a:latin typeface="+mj-lt"/>
               </a:rPr>
-              <a:t>MODEL VALIDATION – </a:t>
-            </a:r>
-            <a:r>
-              <a:rPr lang="it-IT" sz="2800" b="1" i="1" dirty="0" smtClean="0">
-                <a:latin typeface="+mj-lt"/>
-              </a:rPr>
-              <a:t>DYNAMICS</a:t>
+              <a:t>MODEL VALIDATION – DYNAMICS</a:t>
             </a:r>
             <a:endParaRPr lang="it-IT" dirty="0" smtClean="0"/>
           </a:p>
@@ -22261,13 +22426,7 @@
               <a:rPr lang="it-IT" sz="2800" b="1" i="1" dirty="0" smtClean="0">
                 <a:latin typeface="+mj-lt"/>
               </a:rPr>
-              <a:t>MODEL VALIDATION – </a:t>
-            </a:r>
-            <a:r>
-              <a:rPr lang="it-IT" sz="2800" b="1" i="1" dirty="0" smtClean="0">
-                <a:latin typeface="+mj-lt"/>
-              </a:rPr>
-              <a:t>DYNAMICS</a:t>
+              <a:t>MODEL VALIDATION – DYNAMICS</a:t>
             </a:r>
           </a:p>
           <a:p>
@@ -22501,13 +22660,7 @@
               <a:rPr lang="it-IT" sz="2800" b="1" i="1" dirty="0" smtClean="0">
                 <a:latin typeface="+mj-lt"/>
               </a:rPr>
-              <a:t>MODEL VALIDATION – </a:t>
-            </a:r>
-            <a:r>
-              <a:rPr lang="it-IT" sz="2800" b="1" i="1" dirty="0" smtClean="0">
-                <a:latin typeface="+mj-lt"/>
-              </a:rPr>
-              <a:t>DYNAMICS</a:t>
+              <a:t>MODEL VALIDATION – DYNAMICS</a:t>
             </a:r>
             <a:endParaRPr lang="it-IT" dirty="0" smtClean="0"/>
           </a:p>
@@ -23573,7 +23726,7 @@
         <p:spPr>
           <a:xfrm>
             <a:off x="922789" y="1795244"/>
-            <a:ext cx="10161180" cy="1200329"/>
+            <a:ext cx="10161180" cy="1477328"/>
           </a:xfrm>
           <a:prstGeom prst="rect">
             <a:avLst/>
@@ -23648,7 +23801,25 @@
             </a:pPr>
             <a:r>
               <a:rPr lang="en-GB" dirty="0" smtClean="0"/>
-              <a:t>Better experimental data wont be bad</a:t>
+              <a:t>Better experimental data wont be </a:t>
+            </a:r>
+            <a:r>
+              <a:rPr lang="en-GB" dirty="0" smtClean="0"/>
+              <a:t>bad</a:t>
+            </a:r>
+          </a:p>
+          <a:p>
+            <a:pPr marL="342900" indent="-342900">
+              <a:buFont typeface="+mj-lt"/>
+              <a:buAutoNum type="arabicPeriod"/>
+            </a:pPr>
+            <a:r>
+              <a:rPr lang="en-GB" dirty="0" err="1" smtClean="0"/>
+              <a:t>Istrunemtnal</a:t>
+            </a:r>
+            <a:r>
+              <a:rPr lang="en-GB" smtClean="0"/>
+              <a:t> variable method</a:t>
             </a:r>
             <a:endParaRPr lang="en-GB" dirty="0"/>
           </a:p>

--- a/report/Report.pptx
+++ b/report/Report.pptx
@@ -298,7 +298,7 @@
           <a:p>
             <a:fld id="{843C4FC0-81D1-4453-9443-D3E156B7E80B}" type="datetimeFigureOut">
               <a:rPr lang="en-GB" smtClean="0"/>
-              <a:t>20/04/2015</a:t>
+              <a:t>25/04/2015</a:t>
             </a:fld>
             <a:endParaRPr lang="en-GB"/>
           </a:p>
@@ -468,7 +468,7 @@
           <a:p>
             <a:fld id="{843C4FC0-81D1-4453-9443-D3E156B7E80B}" type="datetimeFigureOut">
               <a:rPr lang="en-GB" smtClean="0"/>
-              <a:t>20/04/2015</a:t>
+              <a:t>25/04/2015</a:t>
             </a:fld>
             <a:endParaRPr lang="en-GB"/>
           </a:p>
@@ -648,7 +648,7 @@
           <a:p>
             <a:fld id="{843C4FC0-81D1-4453-9443-D3E156B7E80B}" type="datetimeFigureOut">
               <a:rPr lang="en-GB" smtClean="0"/>
-              <a:t>20/04/2015</a:t>
+              <a:t>25/04/2015</a:t>
             </a:fld>
             <a:endParaRPr lang="en-GB"/>
           </a:p>
@@ -1429,7 +1429,7 @@
           <a:p>
             <a:fld id="{843C4FC0-81D1-4453-9443-D3E156B7E80B}" type="datetimeFigureOut">
               <a:rPr lang="en-GB" smtClean="0"/>
-              <a:t>20/04/2015</a:t>
+              <a:t>25/04/2015</a:t>
             </a:fld>
             <a:endParaRPr lang="en-GB"/>
           </a:p>
@@ -1675,7 +1675,7 @@
           <a:p>
             <a:fld id="{843C4FC0-81D1-4453-9443-D3E156B7E80B}" type="datetimeFigureOut">
               <a:rPr lang="en-GB" smtClean="0"/>
-              <a:t>20/04/2015</a:t>
+              <a:t>25/04/2015</a:t>
             </a:fld>
             <a:endParaRPr lang="en-GB"/>
           </a:p>
@@ -1907,7 +1907,7 @@
           <a:p>
             <a:fld id="{843C4FC0-81D1-4453-9443-D3E156B7E80B}" type="datetimeFigureOut">
               <a:rPr lang="en-GB" smtClean="0"/>
-              <a:t>20/04/2015</a:t>
+              <a:t>25/04/2015</a:t>
             </a:fld>
             <a:endParaRPr lang="en-GB"/>
           </a:p>
@@ -2274,7 +2274,7 @@
           <a:p>
             <a:fld id="{843C4FC0-81D1-4453-9443-D3E156B7E80B}" type="datetimeFigureOut">
               <a:rPr lang="en-GB" smtClean="0"/>
-              <a:t>20/04/2015</a:t>
+              <a:t>25/04/2015</a:t>
             </a:fld>
             <a:endParaRPr lang="en-GB"/>
           </a:p>
@@ -2392,7 +2392,7 @@
           <a:p>
             <a:fld id="{843C4FC0-81D1-4453-9443-D3E156B7E80B}" type="datetimeFigureOut">
               <a:rPr lang="en-GB" smtClean="0"/>
-              <a:t>20/04/2015</a:t>
+              <a:t>25/04/2015</a:t>
             </a:fld>
             <a:endParaRPr lang="en-GB"/>
           </a:p>
@@ -2487,7 +2487,7 @@
           <a:p>
             <a:fld id="{843C4FC0-81D1-4453-9443-D3E156B7E80B}" type="datetimeFigureOut">
               <a:rPr lang="en-GB" smtClean="0"/>
-              <a:t>20/04/2015</a:t>
+              <a:t>25/04/2015</a:t>
             </a:fld>
             <a:endParaRPr lang="en-GB"/>
           </a:p>
@@ -2764,7 +2764,7 @@
           <a:p>
             <a:fld id="{843C4FC0-81D1-4453-9443-D3E156B7E80B}" type="datetimeFigureOut">
               <a:rPr lang="en-GB" smtClean="0"/>
-              <a:t>20/04/2015</a:t>
+              <a:t>25/04/2015</a:t>
             </a:fld>
             <a:endParaRPr lang="en-GB"/>
           </a:p>
@@ -3017,7 +3017,7 @@
           <a:p>
             <a:fld id="{843C4FC0-81D1-4453-9443-D3E156B7E80B}" type="datetimeFigureOut">
               <a:rPr lang="en-GB" smtClean="0"/>
-              <a:t>20/04/2015</a:t>
+              <a:t>25/04/2015</a:t>
             </a:fld>
             <a:endParaRPr lang="en-GB"/>
           </a:p>
@@ -3230,7 +3230,7 @@
           <a:p>
             <a:fld id="{843C4FC0-81D1-4453-9443-D3E156B7E80B}" type="datetimeFigureOut">
               <a:rPr lang="en-GB" smtClean="0"/>
-              <a:t>20/04/2015</a:t>
+              <a:t>25/04/2015</a:t>
             </a:fld>
             <a:endParaRPr lang="en-GB"/>
           </a:p>
@@ -18270,8 +18270,8 @@
           </a:p>
         </p:txBody>
       </p:sp>
-      <mc:AlternateContent xmlns:mc="http://schemas.openxmlformats.org/markup-compatibility/2006">
-        <mc:Choice xmlns:a14="http://schemas.microsoft.com/office/drawing/2010/main" Requires="a14">
+      <mc:AlternateContent xmlns:mc="http://schemas.openxmlformats.org/markup-compatibility/2006" xmlns:a14="http://schemas.microsoft.com/office/drawing/2010/main">
+        <mc:Choice Requires="a14">
           <p:sp>
             <p:nvSpPr>
               <p:cNvPr id="5" name="TextBox 4"/>
@@ -18647,7 +18647,6 @@
                   <a:rPr lang="en-GB" dirty="0" smtClean="0"/>
                   <a:t>Notice that the spectrum of u is quite flat, therefore it’s not a problem.</a:t>
                 </a:r>
-                <a:endParaRPr lang="en-GB" dirty="0" smtClean="0"/>
               </a:p>
               <a:p>
                 <a:endParaRPr lang="en-GB" dirty="0"/>
@@ -18662,7 +18661,7 @@
             </p:txBody>
           </p:sp>
         </mc:Choice>
-        <mc:Fallback>
+        <mc:Fallback xmlns="">
           <p:sp>
             <p:nvSpPr>
               <p:cNvPr id="5" name="TextBox 4"/>
@@ -20826,8 +20825,8 @@
           </a:p>
         </p:txBody>
       </p:sp>
-      <mc:AlternateContent xmlns:mc="http://schemas.openxmlformats.org/markup-compatibility/2006">
-        <mc:Choice xmlns:a14="http://schemas.microsoft.com/office/drawing/2010/main" Requires="a14">
+      <mc:AlternateContent xmlns:mc="http://schemas.openxmlformats.org/markup-compatibility/2006" xmlns:a14="http://schemas.microsoft.com/office/drawing/2010/main">
+        <mc:Choice Requires="a14">
           <p:sp>
             <p:nvSpPr>
               <p:cNvPr id="5" name="TextBox 4"/>
@@ -20893,11 +20892,7 @@
                 </a:r>
                 <a:r>
                   <a:rPr lang="en-GB" dirty="0" smtClean="0"/>
-                  <a:t> models using simulation focus</a:t>
-                </a:r>
-                <a:r>
-                  <a:rPr lang="en-GB" dirty="0" smtClean="0"/>
-                  <a:t>. This is due to the fact that </a:t>
+                  <a:t> models using simulation focus. This is due to the fact that </a:t>
                 </a:r>
               </a:p>
               <a:p>
@@ -21026,11 +21021,7 @@
               <a:p>
                 <a:r>
                   <a:rPr lang="en-GB" dirty="0" smtClean="0"/>
-                  <a:t>A </a:t>
-                </a:r>
-                <a:r>
-                  <a:rPr lang="en-GB" dirty="0" smtClean="0"/>
-                  <a:t>deeper analysis can be done with a </a:t>
+                  <a:t>A deeper analysis can be done with a </a:t>
                 </a:r>
                 <a:r>
                   <a:rPr lang="en-GB" dirty="0" err="1" smtClean="0"/>
@@ -21141,7 +21132,7 @@
             </p:txBody>
           </p:sp>
         </mc:Choice>
-        <mc:Fallback>
+        <mc:Fallback xmlns="">
           <p:sp>
             <p:nvSpPr>
               <p:cNvPr id="5" name="TextBox 4"/>
@@ -23725,8 +23716,8 @@
         </p:nvSpPr>
         <p:spPr>
           <a:xfrm>
-            <a:off x="922789" y="1795244"/>
-            <a:ext cx="10161180" cy="1477328"/>
+            <a:off x="250068" y="1125543"/>
+            <a:ext cx="11418510" cy="5093702"/>
           </a:xfrm>
           <a:prstGeom prst="rect">
             <a:avLst/>
@@ -23739,88 +23730,197 @@
           </a:bodyPr>
           <a:lstStyle/>
           <a:p>
+            <a:pPr algn="ctr"/>
+            <a:r>
+              <a:rPr lang="en-GB" sz="2800" b="1" i="1" dirty="0">
+                <a:latin typeface="+mj-lt"/>
+              </a:rPr>
+              <a:t>OTHER </a:t>
+            </a:r>
+            <a:r>
+              <a:rPr lang="en-GB" sz="2800" b="1" i="1" dirty="0" smtClean="0">
+                <a:latin typeface="+mj-lt"/>
+              </a:rPr>
+              <a:t>IDEAS</a:t>
+            </a:r>
+            <a:endParaRPr lang="en-GB" sz="2800" b="1" i="1" dirty="0">
+              <a:latin typeface="+mj-lt"/>
+            </a:endParaRPr>
+          </a:p>
+          <a:p>
             <a:pPr marL="342900" indent="-342900">
+              <a:lnSpc>
+                <a:spcPct val="150000"/>
+              </a:lnSpc>
               <a:buFont typeface="+mj-lt"/>
               <a:buAutoNum type="arabicPeriod"/>
             </a:pPr>
-            <a:r>
-              <a:rPr lang="en-GB" dirty="0" smtClean="0"/>
-              <a:t>Non linear identification: tried to use </a:t>
-            </a:r>
-            <a:r>
-              <a:rPr lang="en-GB" dirty="0" err="1" smtClean="0"/>
-              <a:t>matlab</a:t>
-            </a:r>
-            <a:r>
-              <a:rPr lang="en-GB" dirty="0" smtClean="0"/>
-              <a:t> toolbox, </a:t>
-            </a:r>
-            <a:r>
-              <a:rPr lang="en-GB" dirty="0" err="1" smtClean="0"/>
-              <a:t>kinda</a:t>
-            </a:r>
-            <a:r>
-              <a:rPr lang="en-GB" dirty="0" smtClean="0"/>
-              <a:t> bad results</a:t>
-            </a:r>
+            <a:endParaRPr lang="en-GB" dirty="0" smtClean="0"/>
           </a:p>
           <a:p>
             <a:pPr marL="342900" indent="-342900">
+              <a:lnSpc>
+                <a:spcPct val="150000"/>
+              </a:lnSpc>
               <a:buFont typeface="+mj-lt"/>
               <a:buAutoNum type="arabicPeriod"/>
             </a:pPr>
             <a:r>
               <a:rPr lang="en-GB" dirty="0" smtClean="0"/>
-              <a:t>Try to merge the first 2 datasets (they are similar) and do training on this, then validation on 3</a:t>
-            </a:r>
-            <a:r>
-              <a:rPr lang="en-GB" baseline="30000" dirty="0" smtClean="0"/>
-              <a:t>rd</a:t>
-            </a:r>
-            <a:endParaRPr lang="en-GB" dirty="0" smtClean="0"/>
+              <a:t>Non </a:t>
+            </a:r>
+            <a:r>
+              <a:rPr lang="en-GB" dirty="0" smtClean="0"/>
+              <a:t>linear identification: tried to use </a:t>
+            </a:r>
+            <a:r>
+              <a:rPr lang="en-GB" dirty="0" err="1" smtClean="0"/>
+              <a:t>matlab</a:t>
+            </a:r>
+            <a:r>
+              <a:rPr lang="en-GB" dirty="0" smtClean="0"/>
+              <a:t> </a:t>
+            </a:r>
+            <a:r>
+              <a:rPr lang="en-GB" dirty="0" smtClean="0"/>
+              <a:t>toolbox: Bad </a:t>
+            </a:r>
+            <a:r>
+              <a:rPr lang="en-GB" dirty="0" smtClean="0"/>
+              <a:t>results</a:t>
+            </a:r>
           </a:p>
           <a:p>
             <a:pPr marL="342900" indent="-342900">
+              <a:lnSpc>
+                <a:spcPct val="150000"/>
+              </a:lnSpc>
               <a:buFont typeface="+mj-lt"/>
               <a:buAutoNum type="arabicPeriod"/>
             </a:pPr>
             <a:r>
               <a:rPr lang="en-GB" dirty="0" smtClean="0"/>
-              <a:t>Interpolation of data, sampling at higher frequency-&gt; new </a:t>
-            </a:r>
-            <a:r>
-              <a:rPr lang="en-GB" dirty="0" err="1" smtClean="0"/>
-              <a:t>traning</a:t>
+              <a:t>Interpolation </a:t>
+            </a:r>
+            <a:r>
+              <a:rPr lang="en-GB" dirty="0" smtClean="0"/>
+              <a:t>of data, sampling at higher </a:t>
+            </a:r>
+            <a:r>
+              <a:rPr lang="en-GB" dirty="0" smtClean="0"/>
+              <a:t>frequency, in order to obtain more training data: Bad results</a:t>
             </a:r>
             <a:endParaRPr lang="en-GB" dirty="0" smtClean="0"/>
           </a:p>
           <a:p>
             <a:pPr marL="342900" indent="-342900">
+              <a:lnSpc>
+                <a:spcPct val="150000"/>
+              </a:lnSpc>
               <a:buFont typeface="+mj-lt"/>
               <a:buAutoNum type="arabicPeriod"/>
             </a:pPr>
             <a:r>
               <a:rPr lang="en-GB" dirty="0" smtClean="0"/>
-              <a:t>Better experimental data wont be </a:t>
+              <a:t>Best result in terms of minimum variance found setting the input delay to 1: 5</a:t>
+            </a:r>
+            <a:r>
+              <a:rPr lang="en-GB" baseline="30000" dirty="0" smtClean="0"/>
+              <a:t>th</a:t>
             </a:r>
             <a:r>
               <a:rPr lang="en-GB" dirty="0" smtClean="0"/>
-              <a:t>bad</a:t>
-            </a:r>
+              <a:t> order system with poles and</a:t>
+            </a:r>
+            <a:br>
+              <a:rPr lang="en-GB" dirty="0" smtClean="0"/>
+            </a:br>
+            <a:r>
+              <a:rPr lang="en-GB" dirty="0" smtClean="0"/>
+              <a:t>zeros condensed in a small area, suggesting a bad identification.</a:t>
+            </a:r>
+            <a:endParaRPr lang="en-GB" dirty="0" smtClean="0"/>
+          </a:p>
+          <a:p>
+            <a:pPr>
+              <a:lnSpc>
+                <a:spcPct val="150000"/>
+              </a:lnSpc>
+            </a:pPr>
+            <a:endParaRPr lang="en-GB" dirty="0" smtClean="0"/>
+          </a:p>
+          <a:p>
+            <a:pPr>
+              <a:lnSpc>
+                <a:spcPct val="150000"/>
+              </a:lnSpc>
+            </a:pPr>
+            <a:r>
+              <a:rPr lang="en-GB" dirty="0" smtClean="0"/>
+              <a:t>Something more to try:</a:t>
+            </a:r>
+            <a:endParaRPr lang="en-GB" dirty="0" smtClean="0"/>
           </a:p>
           <a:p>
             <a:pPr marL="342900" indent="-342900">
+              <a:lnSpc>
+                <a:spcPct val="150000"/>
+              </a:lnSpc>
               <a:buFont typeface="+mj-lt"/>
               <a:buAutoNum type="arabicPeriod"/>
             </a:pPr>
             <a:r>
-              <a:rPr lang="en-GB" dirty="0" err="1" smtClean="0"/>
-              <a:t>Istrunemtnal</a:t>
+              <a:rPr lang="en-GB" dirty="0" smtClean="0"/>
+              <a:t>Instrumental </a:t>
+            </a:r>
+            <a:r>
+              <a:rPr lang="en-GB" dirty="0" smtClean="0"/>
+              <a:t>variable </a:t>
+            </a:r>
+            <a:r>
+              <a:rPr lang="en-GB" dirty="0" smtClean="0"/>
+              <a:t>method</a:t>
+            </a:r>
+          </a:p>
+          <a:p>
+            <a:pPr marL="342900" indent="-342900">
+              <a:lnSpc>
+                <a:spcPct val="150000"/>
+              </a:lnSpc>
+              <a:buFont typeface="+mj-lt"/>
+              <a:buAutoNum type="arabicPeriod"/>
+            </a:pPr>
+            <a:r>
+              <a:rPr lang="en-GB" dirty="0" smtClean="0"/>
+              <a:t>New experiments including impulse and step response</a:t>
+            </a:r>
+          </a:p>
+          <a:p>
+            <a:pPr marL="342900" indent="-342900">
+              <a:lnSpc>
+                <a:spcPct val="150000"/>
+              </a:lnSpc>
+              <a:buFont typeface="+mj-lt"/>
+              <a:buAutoNum type="arabicPeriod"/>
+            </a:pPr>
+            <a:r>
+              <a:rPr lang="en-GB" dirty="0" smtClean="0"/>
+              <a:t>Compare results with </a:t>
             </a:r>
             <a:r>
               <a:rPr lang="en-GB" smtClean="0"/>
-              <a:t> variable method</a:t>
-            </a:r>
+              <a:t>a physical model</a:t>
+            </a:r>
+            <a:endParaRPr lang="en-GB" dirty="0" smtClean="0"/>
+          </a:p>
+          <a:p>
+            <a:pPr marL="342900" indent="-342900">
+              <a:lnSpc>
+                <a:spcPct val="150000"/>
+              </a:lnSpc>
+              <a:buFont typeface="+mj-lt"/>
+              <a:buAutoNum type="arabicPeriod"/>
+            </a:pPr>
             <a:endParaRPr lang="en-GB" dirty="0"/>
           </a:p>
         </p:txBody>
@@ -25529,15 +25629,15 @@
           <a:p>
             <a:r>
               <a:rPr lang="en-GB" dirty="0" smtClean="0"/>
-              <a:t>Experiments are quite similar, though the third one has some differences. For identification </a:t>
-            </a:r>
-            <a:r>
-              <a:rPr lang="en-GB" dirty="0" err="1" smtClean="0"/>
-              <a:t>puroposes</a:t>
+              <a:t>Experiments are quite similar, though the third one has some differences. For </a:t>
+            </a:r>
+            <a:r>
+              <a:rPr lang="en-GB" smtClean="0"/>
+              <a:t>identification purposes </a:t>
             </a:r>
             <a:r>
               <a:rPr lang="en-GB" dirty="0" smtClean="0"/>
-              <a:t> we’ll see</a:t>
+              <a:t>we’ll see</a:t>
             </a:r>
           </a:p>
           <a:p>
@@ -25752,8 +25852,8 @@
           <a:chExt cx="0" cy="0"/>
         </a:xfrm>
       </p:grpSpPr>
-      <mc:AlternateContent xmlns:mc="http://schemas.openxmlformats.org/markup-compatibility/2006" xmlns:a14="http://schemas.microsoft.com/office/drawing/2010/main">
-        <mc:Choice Requires="a14">
+      <mc:AlternateContent xmlns:mc="http://schemas.openxmlformats.org/markup-compatibility/2006">
+        <mc:Choice xmlns:a14="http://schemas.microsoft.com/office/drawing/2010/main" Requires="a14">
           <p:sp>
             <p:nvSpPr>
               <p:cNvPr id="2" name="Content Placeholder 1"/>
@@ -25847,7 +25947,11 @@
                 </a:r>
                 <a:r>
                   <a:rPr lang="en-GB" dirty="0" smtClean="0"/>
-                  <a:t> ) the estimate of a parametric model</a:t>
+                  <a:t>) </a:t>
+                </a:r>
+                <a:r>
+                  <a:rPr lang="en-GB" dirty="0" smtClean="0"/>
+                  <a:t>the estimate of a parametric model</a:t>
                 </a:r>
               </a:p>
               <a:p>
@@ -25891,7 +25995,7 @@
             </p:txBody>
           </p:sp>
         </mc:Choice>
-        <mc:Fallback xmlns="">
+        <mc:Fallback>
           <p:sp>
             <p:nvSpPr>
               <p:cNvPr id="2" name="Content Placeholder 1"/>
@@ -25915,7 +26019,7 @@
               <a:lstStyle/>
               <a:p>
                 <a:r>
-                  <a:rPr lang="en-GB">
+                  <a:rPr lang="it-IT">
                     <a:noFill/>
                   </a:rPr>
                   <a:t> </a:t>

--- a/report/Report.pptx
+++ b/report/Report.pptx
@@ -298,7 +298,7 @@
           <a:p>
             <a:fld id="{843C4FC0-81D1-4453-9443-D3E156B7E80B}" type="datetimeFigureOut">
               <a:rPr lang="en-GB" smtClean="0"/>
-              <a:t>25/04/2015</a:t>
+              <a:t>27/04/2015</a:t>
             </a:fld>
             <a:endParaRPr lang="en-GB"/>
           </a:p>
@@ -468,7 +468,7 @@
           <a:p>
             <a:fld id="{843C4FC0-81D1-4453-9443-D3E156B7E80B}" type="datetimeFigureOut">
               <a:rPr lang="en-GB" smtClean="0"/>
-              <a:t>25/04/2015</a:t>
+              <a:t>27/04/2015</a:t>
             </a:fld>
             <a:endParaRPr lang="en-GB"/>
           </a:p>
@@ -648,7 +648,7 @@
           <a:p>
             <a:fld id="{843C4FC0-81D1-4453-9443-D3E156B7E80B}" type="datetimeFigureOut">
               <a:rPr lang="en-GB" smtClean="0"/>
-              <a:t>25/04/2015</a:t>
+              <a:t>27/04/2015</a:t>
             </a:fld>
             <a:endParaRPr lang="en-GB"/>
           </a:p>
@@ -1429,7 +1429,7 @@
           <a:p>
             <a:fld id="{843C4FC0-81D1-4453-9443-D3E156B7E80B}" type="datetimeFigureOut">
               <a:rPr lang="en-GB" smtClean="0"/>
-              <a:t>25/04/2015</a:t>
+              <a:t>27/04/2015</a:t>
             </a:fld>
             <a:endParaRPr lang="en-GB"/>
           </a:p>
@@ -1675,7 +1675,7 @@
           <a:p>
             <a:fld id="{843C4FC0-81D1-4453-9443-D3E156B7E80B}" type="datetimeFigureOut">
               <a:rPr lang="en-GB" smtClean="0"/>
-              <a:t>25/04/2015</a:t>
+              <a:t>27/04/2015</a:t>
             </a:fld>
             <a:endParaRPr lang="en-GB"/>
           </a:p>
@@ -1907,7 +1907,7 @@
           <a:p>
             <a:fld id="{843C4FC0-81D1-4453-9443-D3E156B7E80B}" type="datetimeFigureOut">
               <a:rPr lang="en-GB" smtClean="0"/>
-              <a:t>25/04/2015</a:t>
+              <a:t>27/04/2015</a:t>
             </a:fld>
             <a:endParaRPr lang="en-GB"/>
           </a:p>
@@ -2274,7 +2274,7 @@
           <a:p>
             <a:fld id="{843C4FC0-81D1-4453-9443-D3E156B7E80B}" type="datetimeFigureOut">
               <a:rPr lang="en-GB" smtClean="0"/>
-              <a:t>25/04/2015</a:t>
+              <a:t>27/04/2015</a:t>
             </a:fld>
             <a:endParaRPr lang="en-GB"/>
           </a:p>
@@ -2392,7 +2392,7 @@
           <a:p>
             <a:fld id="{843C4FC0-81D1-4453-9443-D3E156B7E80B}" type="datetimeFigureOut">
               <a:rPr lang="en-GB" smtClean="0"/>
-              <a:t>25/04/2015</a:t>
+              <a:t>27/04/2015</a:t>
             </a:fld>
             <a:endParaRPr lang="en-GB"/>
           </a:p>
@@ -2487,7 +2487,7 @@
           <a:p>
             <a:fld id="{843C4FC0-81D1-4453-9443-D3E156B7E80B}" type="datetimeFigureOut">
               <a:rPr lang="en-GB" smtClean="0"/>
-              <a:t>25/04/2015</a:t>
+              <a:t>27/04/2015</a:t>
             </a:fld>
             <a:endParaRPr lang="en-GB"/>
           </a:p>
@@ -2764,7 +2764,7 @@
           <a:p>
             <a:fld id="{843C4FC0-81D1-4453-9443-D3E156B7E80B}" type="datetimeFigureOut">
               <a:rPr lang="en-GB" smtClean="0"/>
-              <a:t>25/04/2015</a:t>
+              <a:t>27/04/2015</a:t>
             </a:fld>
             <a:endParaRPr lang="en-GB"/>
           </a:p>
@@ -3017,7 +3017,7 @@
           <a:p>
             <a:fld id="{843C4FC0-81D1-4453-9443-D3E156B7E80B}" type="datetimeFigureOut">
               <a:rPr lang="en-GB" smtClean="0"/>
-              <a:t>25/04/2015</a:t>
+              <a:t>27/04/2015</a:t>
             </a:fld>
             <a:endParaRPr lang="en-GB"/>
           </a:p>
@@ -3230,7 +3230,7 @@
           <a:p>
             <a:fld id="{843C4FC0-81D1-4453-9443-D3E156B7E80B}" type="datetimeFigureOut">
               <a:rPr lang="en-GB" smtClean="0"/>
-              <a:t>25/04/2015</a:t>
+              <a:t>27/04/2015</a:t>
             </a:fld>
             <a:endParaRPr lang="en-GB"/>
           </a:p>
@@ -20825,8 +20825,8 @@
           </a:p>
         </p:txBody>
       </p:sp>
-      <mc:AlternateContent xmlns:mc="http://schemas.openxmlformats.org/markup-compatibility/2006" xmlns:a14="http://schemas.microsoft.com/office/drawing/2010/main">
-        <mc:Choice Requires="a14">
+      <mc:AlternateContent xmlns:mc="http://schemas.openxmlformats.org/markup-compatibility/2006">
+        <mc:Choice xmlns:a14="http://schemas.microsoft.com/office/drawing/2010/main" Requires="a14">
           <p:sp>
             <p:nvSpPr>
               <p:cNvPr id="5" name="TextBox 4"/>
@@ -20836,7 +20836,7 @@
             <p:spPr>
               <a:xfrm>
                 <a:off x="231820" y="1569710"/>
-                <a:ext cx="11719775" cy="5909310"/>
+                <a:ext cx="11719775" cy="5078313"/>
               </a:xfrm>
               <a:prstGeom prst="rect">
                 <a:avLst/>
@@ -20966,8 +20966,16 @@
               </a:p>
               <a:p>
                 <a:r>
+                  <a:rPr lang="en-GB" dirty="0"/>
+                  <a:t>a</a:t>
+                </a:r>
+                <a:r>
                   <a:rPr lang="en-GB" dirty="0" smtClean="0"/>
-                  <a:t>As close as to the OE model. This might be a clue of being an open loop experiment since for closed loop data</a:t>
+                  <a:t>s </a:t>
+                </a:r>
+                <a:r>
+                  <a:rPr lang="en-GB" dirty="0" smtClean="0"/>
+                  <a:t>close as to the OE model. This might be a clue of being an open loop experiment since for closed loop data</a:t>
                 </a:r>
               </a:p>
               <a:p>
@@ -21047,7 +21055,15 @@
                 </a:pPr>
                 <a:r>
                   <a:rPr lang="en-GB" dirty="0" smtClean="0"/>
-                  <a:t>Simulated output compared to actual data</a:t>
+                  <a:t>Simulated output compared to actual </a:t>
+                </a:r>
+                <a:r>
+                  <a:rPr lang="en-GB" dirty="0" smtClean="0"/>
+                  <a:t>data, Spectra </a:t>
+                </a:r>
+                <a:r>
+                  <a:rPr lang="en-GB" dirty="0" smtClean="0"/>
+                  <a:t>analysis</a:t>
                 </a:r>
               </a:p>
               <a:p>
@@ -21057,7 +21073,11 @@
                 </a:pPr>
                 <a:r>
                   <a:rPr lang="en-GB" dirty="0" smtClean="0"/>
-                  <a:t>Spectra analysis</a:t>
+                  <a:t>Absolute error: mean, variance and </a:t>
+                </a:r>
+                <a:r>
+                  <a:rPr lang="en-GB" dirty="0" smtClean="0"/>
+                  <a:t>max</a:t>
                 </a:r>
               </a:p>
               <a:p>
@@ -21067,7 +21087,15 @@
                 </a:pPr>
                 <a:r>
                   <a:rPr lang="en-GB" dirty="0" smtClean="0"/>
-                  <a:t>Absolute error: mean, variance and max</a:t>
+                  <a:t>Covariance </a:t>
+                </a:r>
+                <a:r>
+                  <a:rPr lang="en-GB" dirty="0" smtClean="0"/>
+                  <a:t>of simulation </a:t>
+                </a:r>
+                <a:r>
+                  <a:rPr lang="en-GB" dirty="0" smtClean="0"/>
+                  <a:t>error, Anderson Test</a:t>
                 </a:r>
               </a:p>
               <a:p>
@@ -21075,32 +21103,16 @@
                   <a:buFont typeface="Arial" panose="020B0604020202020204" pitchFamily="34" charset="0"/>
                   <a:buChar char="•"/>
                 </a:pPr>
-                <a:r>
-                  <a:rPr lang="en-GB" dirty="0" smtClean="0"/>
-                  <a:t>Covariance of simulation error</a:t>
-                </a:r>
-              </a:p>
-              <a:p>
-                <a:pPr marL="285750" indent="-285750">
-                  <a:buFont typeface="Arial" panose="020B0604020202020204" pitchFamily="34" charset="0"/>
-                  <a:buChar char="•"/>
-                </a:pPr>
-                <a:r>
-                  <a:rPr lang="en-GB" dirty="0" smtClean="0"/>
-                  <a:t>Anderson Test</a:t>
-                </a:r>
-              </a:p>
-              <a:p>
-                <a:pPr marL="285750" indent="-285750">
-                  <a:buFont typeface="Arial" panose="020B0604020202020204" pitchFamily="34" charset="0"/>
-                  <a:buChar char="•"/>
-                </a:pPr>
-                <a:endParaRPr lang="en-GB" dirty="0"/>
+                <a:endParaRPr lang="en-GB" dirty="0" smtClean="0"/>
               </a:p>
               <a:p>
                 <a:r>
                   <a:rPr lang="en-GB" dirty="0" smtClean="0"/>
-                  <a:t>Both models pass Anderson Whiteness Test but </a:t>
+                  <a:t>Both </a:t>
+                </a:r>
+                <a:r>
+                  <a:rPr lang="en-GB" dirty="0" smtClean="0"/>
+                  <a:t>models pass Anderson Whiteness Test but </a:t>
                 </a:r>
                 <a:r>
                   <a:rPr lang="en-GB" b="1" dirty="0" smtClean="0"/>
@@ -21112,12 +21124,13 @@
                 </a:r>
               </a:p>
               <a:p>
-                <a:endParaRPr lang="en-GB" dirty="0"/>
-              </a:p>
-              <a:p>
                 <a:r>
                   <a:rPr lang="en-GB" dirty="0" smtClean="0"/>
-                  <a:t>See attached </a:t>
+                  <a:t>See </a:t>
+                </a:r>
+                <a:r>
+                  <a:rPr lang="en-GB" dirty="0" smtClean="0"/>
+                  <a:t>attached </a:t>
                 </a:r>
                 <a:r>
                   <a:rPr lang="en-GB" dirty="0" err="1" smtClean="0"/>
@@ -21132,7 +21145,7 @@
             </p:txBody>
           </p:sp>
         </mc:Choice>
-        <mc:Fallback xmlns="">
+        <mc:Fallback>
           <p:sp>
             <p:nvSpPr>
               <p:cNvPr id="5" name="TextBox 4"/>
@@ -21144,7 +21157,7 @@
             <p:spPr>
               <a:xfrm>
                 <a:off x="231820" y="1569710"/>
-                <a:ext cx="11719775" cy="5909310"/>
+                <a:ext cx="11719775" cy="5078313"/>
               </a:xfrm>
               <a:prstGeom prst="rect">
                 <a:avLst/>
@@ -21152,7 +21165,7 @@
               <a:blipFill rotWithShape="0">
                 <a:blip r:embed="rId2"/>
                 <a:stretch>
-                  <a:fillRect l="-416" t="-515" b="-619"/>
+                  <a:fillRect l="-416" t="-600" b="-839"/>
                 </a:stretch>
               </a:blipFill>
             </p:spPr>
@@ -23716,8 +23729,8 @@
         </p:nvSpPr>
         <p:spPr>
           <a:xfrm>
-            <a:off x="250068" y="1125543"/>
-            <a:ext cx="11418510" cy="5093702"/>
+            <a:off x="0" y="1125543"/>
+            <a:ext cx="12226424" cy="5093702"/>
           </a:xfrm>
           <a:prstGeom prst="rect">
             <a:avLst/>
@@ -23767,11 +23780,7 @@
             </a:pPr>
             <a:r>
               <a:rPr lang="en-GB" dirty="0" smtClean="0"/>
-              <a:t>Non </a:t>
-            </a:r>
-            <a:r>
-              <a:rPr lang="en-GB" dirty="0" smtClean="0"/>
-              <a:t>linear identification: tried to use </a:t>
+              <a:t>Non linear identification: tried to use </a:t>
             </a:r>
             <a:r>
               <a:rPr lang="en-GB" dirty="0" err="1" smtClean="0"/>
@@ -23779,15 +23788,7 @@
             </a:r>
             <a:r>
               <a:rPr lang="en-GB" dirty="0" smtClean="0"/>
-              <a:t> </a:t>
-            </a:r>
-            <a:r>
-              <a:rPr lang="en-GB" dirty="0" smtClean="0"/>
-              <a:t>toolbox: Bad </a:t>
-            </a:r>
-            <a:r>
-              <a:rPr lang="en-GB" dirty="0" smtClean="0"/>
-              <a:t>results</a:t>
+              <a:t> toolbox: Bad results</a:t>
             </a:r>
           </a:p>
           <a:p>
@@ -23800,17 +23801,8 @@
             </a:pPr>
             <a:r>
               <a:rPr lang="en-GB" dirty="0" smtClean="0"/>
-              <a:t>Interpolation </a:t>
-            </a:r>
-            <a:r>
-              <a:rPr lang="en-GB" dirty="0" smtClean="0"/>
-              <a:t>of data, sampling at higher </a:t>
-            </a:r>
-            <a:r>
-              <a:rPr lang="en-GB" dirty="0" smtClean="0"/>
-              <a:t>frequency, in order to obtain more training data: Bad results</a:t>
-            </a:r>
-            <a:endParaRPr lang="en-GB" dirty="0" smtClean="0"/>
+              <a:t>Interpolation of data, sampling at higher frequency, in order to obtain more training data: Bad results</a:t>
+            </a:r>
           </a:p>
           <a:p>
             <a:pPr marL="342900" indent="-342900">
@@ -23837,7 +23829,11 @@
             </a:br>
             <a:r>
               <a:rPr lang="en-GB" dirty="0" smtClean="0"/>
-              <a:t>zeros condensed in a small area, suggesting a bad identification.</a:t>
+              <a:t>zeros condensed in a small area, suggesting a bad </a:t>
+            </a:r>
+            <a:r>
+              <a:rPr lang="en-GB" dirty="0" smtClean="0"/>
+              <a:t>identification. Moreover the input delay should be higher than 1.</a:t>
             </a:r>
             <a:endParaRPr lang="en-GB" dirty="0" smtClean="0"/>
           </a:p>
@@ -23859,7 +23855,6 @@
               <a:rPr lang="en-GB" dirty="0" smtClean="0"/>
               <a:t>Something more to try:</a:t>
             </a:r>
-            <a:endParaRPr lang="en-GB" dirty="0" smtClean="0"/>
           </a:p>
           <a:p>
             <a:pPr marL="342900" indent="-342900">
@@ -23871,15 +23866,7 @@
             </a:pPr>
             <a:r>
               <a:rPr lang="en-GB" dirty="0" smtClean="0"/>
-              <a:t>Instrumental </a:t>
-            </a:r>
-            <a:r>
-              <a:rPr lang="en-GB" dirty="0" smtClean="0"/>
-              <a:t>variable </a:t>
-            </a:r>
-            <a:r>
-              <a:rPr lang="en-GB" dirty="0" smtClean="0"/>
-              <a:t>method</a:t>
+              <a:t>Instrumental variable method</a:t>
             </a:r>
           </a:p>
           <a:p>
@@ -23905,13 +23892,8 @@
             </a:pPr>
             <a:r>
               <a:rPr lang="en-GB" dirty="0" smtClean="0"/>
-              <a:t>Compare results with </a:t>
-            </a:r>
-            <a:r>
-              <a:rPr lang="en-GB" smtClean="0"/>
-              <a:t>a physical model</a:t>
-            </a:r>
-            <a:endParaRPr lang="en-GB" dirty="0" smtClean="0"/>
+              <a:t>Compare results with a physical model</a:t>
+            </a:r>
           </a:p>
           <a:p>
             <a:pPr marL="342900" indent="-342900">
@@ -24020,8 +24002,8 @@
           </a:p>
         </p:txBody>
       </p:sp>
-      <mc:AlternateContent xmlns:mc="http://schemas.openxmlformats.org/markup-compatibility/2006" xmlns:a14="http://schemas.microsoft.com/office/drawing/2010/main">
-        <mc:Choice Requires="a14">
+      <mc:AlternateContent xmlns:mc="http://schemas.openxmlformats.org/markup-compatibility/2006">
+        <mc:Choice xmlns:a14="http://schemas.microsoft.com/office/drawing/2010/main" Requires="a14">
           <p:sp>
             <p:nvSpPr>
               <p:cNvPr id="4" name="TextBox 3"/>
@@ -24159,7 +24141,19 @@
                 </a14:m>
                 <a:r>
                   <a:rPr lang="en-GB" dirty="0" smtClean="0"/>
-                  <a:t> the system is closed loop, with a PD regulator and a certain reference </a:t>
+                  <a:t> the system is closed loop, with </a:t>
+                </a:r>
+                <a:r>
+                  <a:rPr lang="en-GB" dirty="0" smtClean="0"/>
+                  <a:t>an unknown</a:t>
+                </a:r>
+                <a:r>
+                  <a:rPr lang="en-GB" dirty="0" smtClean="0"/>
+                  <a:t> </a:t>
+                </a:r>
+                <a:r>
+                  <a:rPr lang="en-GB" dirty="0" smtClean="0"/>
+                  <a:t>regulator and a certain reference </a:t>
                 </a:r>
                 <a14:m>
                   <m:oMath xmlns:m="http://schemas.openxmlformats.org/officeDocument/2006/math">
@@ -25087,7 +25081,7 @@
             </p:txBody>
           </p:sp>
         </mc:Choice>
-        <mc:Fallback xmlns="">
+        <mc:Fallback>
           <p:sp>
             <p:nvSpPr>
               <p:cNvPr id="4" name="TextBox 3"/>
@@ -25116,7 +25110,7 @@
               <a:lstStyle/>
               <a:p>
                 <a:r>
-                  <a:rPr lang="it-IT">
+                  <a:rPr lang="en-GB">
                     <a:noFill/>
                   </a:rPr>
                   <a:t> </a:t>
@@ -25629,27 +25623,39 @@
           <a:p>
             <a:r>
               <a:rPr lang="en-GB" dirty="0" smtClean="0"/>
-              <a:t>Experiments are quite similar, though the third one has some differences. For </a:t>
-            </a:r>
-            <a:r>
-              <a:rPr lang="en-GB" smtClean="0"/>
-              <a:t>identification purposes </a:t>
+              <a:t>Experiments are quite similar, though the third one has some differences. For identification purposes we’ll see</a:t>
+            </a:r>
+          </a:p>
+          <a:p>
+            <a:r>
+              <a:rPr lang="en-GB" dirty="0"/>
+              <a:t>t</a:t>
             </a:r>
             <a:r>
               <a:rPr lang="en-GB" dirty="0" smtClean="0"/>
-              <a:t>we’ll see</a:t>
-            </a:r>
-          </a:p>
-          <a:p>
+              <a:t>hat </a:t>
+            </a:r>
             <a:r>
               <a:rPr lang="en-GB" dirty="0" smtClean="0"/>
-              <a:t>That it’s better to consider the full set of an experiment than just a small set of it because of the number of data,</a:t>
-            </a:r>
-          </a:p>
-          <a:p>
+              <a:t>it’s better to consider the full set of an experiment than just a small set of it because of the number of data,</a:t>
+            </a:r>
+          </a:p>
+          <a:p>
+            <a:r>
+              <a:rPr lang="en-GB" dirty="0"/>
+              <a:t>d</a:t>
+            </a:r>
             <a:r>
               <a:rPr lang="en-GB" dirty="0" smtClean="0"/>
-              <a:t>Despite the fact that we have 3 different stationary signals.</a:t>
+              <a:t>espite </a:t>
+            </a:r>
+            <a:r>
+              <a:rPr lang="en-GB" dirty="0" smtClean="0"/>
+              <a:t>the fact that we have 3 different stationary signals</a:t>
+            </a:r>
+            <a:r>
+              <a:rPr lang="en-GB" dirty="0" smtClean="0"/>
+              <a:t>. Deterministic trend is more influent.</a:t>
             </a:r>
             <a:endParaRPr lang="en-GB" dirty="0"/>
           </a:p>
@@ -25912,8 +25918,13 @@
                 </a:r>
                 <a:r>
                   <a:rPr lang="en-GB" dirty="0" smtClean="0"/>
-                  <a:t> (not advisable if the system contains an integrator -&gt; we lose dynamics</a:t>
+                  <a:t> (not advisable if the system contains an integrator -&gt; we lose </a:t>
                 </a:r>
+                <a:r>
+                  <a:rPr lang="en-GB" dirty="0" smtClean="0"/>
+                  <a:t>dynamics). In our case there is no linear trend, so no we lose no dynamics.</a:t>
+                </a:r>
+                <a:endParaRPr lang="en-GB" dirty="0" smtClean="0"/>
               </a:p>
               <a:p>
                 <a:pPr marL="457200" indent="-457200">
@@ -25947,11 +25958,7 @@
                 </a:r>
                 <a:r>
                   <a:rPr lang="en-GB" dirty="0" smtClean="0"/>
-                  <a:t>) </a:t>
-                </a:r>
-                <a:r>
-                  <a:rPr lang="en-GB" dirty="0" smtClean="0"/>
-                  <a:t>the estimate of a parametric model</a:t>
+                  <a:t>) the estimate of a parametric model</a:t>
        